--- a/cppcon2017.pptx
+++ b/cppcon2017.pptx
@@ -7,6 +7,10 @@
   <p:sldIdLst>
     <p:sldId id="256" r:id="rId2"/>
     <p:sldId id="257" r:id="rId3"/>
+    <p:sldId id="258" r:id="rId4"/>
+    <p:sldId id="259" r:id="rId5"/>
+    <p:sldId id="260" r:id="rId6"/>
+    <p:sldId id="261" r:id="rId7"/>
   </p:sldIdLst>
   <p:sldSz cx="12192000" cy="6858000"/>
   <p:notesSz cx="6858000" cy="9144000"/>
@@ -105,6 +109,11 @@
       </a:defRPr>
     </a:lvl9pPr>
   </p:defaultTextStyle>
+  <p:extLst>
+    <p:ext uri="{EFAFB233-063F-42B5-8137-9DF3F51BA10A}">
+      <p15:sldGuideLst xmlns:p15="http://schemas.microsoft.com/office/powerpoint/2012/main"/>
+    </p:ext>
+  </p:extLst>
 </p:presentation>
 </file>
 
@@ -3120,6 +3129,409 @@
 </p:sld>
 </file>
 
+<file path=ppt/slides/slide3.xml><?xml version="1.0" encoding="utf-8"?>
+<p:sld xmlns:a="http://schemas.openxmlformats.org/drawingml/2006/main" xmlns:r="http://schemas.openxmlformats.org/officeDocument/2006/relationships" xmlns:p="http://schemas.openxmlformats.org/presentationml/2006/main">
+  <p:cSld>
+    <p:spTree>
+      <p:nvGrpSpPr>
+        <p:cNvPr id="1" name=""/>
+        <p:cNvGrpSpPr/>
+        <p:nvPr/>
+      </p:nvGrpSpPr>
+      <p:grpSpPr>
+        <a:xfrm>
+          <a:off x="0" y="0"/>
+          <a:ext cx="0" cy="0"/>
+          <a:chOff x="0" y="0"/>
+          <a:chExt cx="0" cy="0"/>
+        </a:xfrm>
+      </p:grpSpPr>
+      <p:sp>
+        <p:nvSpPr>
+          <p:cNvPr id="2" name="标题 1"/>
+          <p:cNvSpPr>
+            <a:spLocks noGrp="1"/>
+          </p:cNvSpPr>
+          <p:nvPr>
+            <p:ph type="title"/>
+          </p:nvPr>
+        </p:nvSpPr>
+        <p:spPr/>
+        <p:txBody>
+          <a:bodyPr/>
+          <a:lstStyle/>
+          <a:p>
+            <a:r>
+              <a:rPr lang="en-US" altLang="zh-CN" dirty="0" smtClean="0"/>
+              <a:t>concepts</a:t>
+            </a:r>
+            <a:endParaRPr lang="zh-CN" altLang="en-US" dirty="0"/>
+          </a:p>
+        </p:txBody>
+      </p:sp>
+      <p:sp>
+        <p:nvSpPr>
+          <p:cNvPr id="3" name="内容占位符 2"/>
+          <p:cNvSpPr>
+            <a:spLocks noGrp="1"/>
+          </p:cNvSpPr>
+          <p:nvPr>
+            <p:ph idx="1"/>
+          </p:nvPr>
+        </p:nvSpPr>
+        <p:spPr/>
+        <p:txBody>
+          <a:bodyPr/>
+          <a:lstStyle/>
+          <a:p>
+            <a:r>
+              <a:rPr lang="en-US" altLang="zh-CN" dirty="0"/>
+              <a:t>essence of </a:t>
+            </a:r>
+            <a:r>
+              <a:rPr lang="en-US" altLang="zh-CN" dirty="0" smtClean="0"/>
+              <a:t>reflection</a:t>
+            </a:r>
+          </a:p>
+          <a:p>
+            <a:r>
+              <a:rPr lang="en-US" altLang="zh-CN" dirty="0" smtClean="0"/>
+              <a:t>benefits </a:t>
+            </a:r>
+            <a:r>
+              <a:rPr lang="en-US" altLang="zh-CN" dirty="0"/>
+              <a:t>of </a:t>
+            </a:r>
+            <a:r>
+              <a:rPr lang="en-US" altLang="zh-CN" dirty="0" smtClean="0"/>
+              <a:t>reflection</a:t>
+            </a:r>
+          </a:p>
+          <a:p>
+            <a:r>
+              <a:rPr lang="en-US" altLang="zh-CN" dirty="0"/>
+              <a:t>what can it be used for</a:t>
+            </a:r>
+            <a:r>
+              <a:rPr lang="en-US" altLang="zh-CN" dirty="0" smtClean="0"/>
+              <a:t>?</a:t>
+            </a:r>
+          </a:p>
+          <a:p>
+            <a:endParaRPr lang="zh-CN" altLang="en-US" dirty="0"/>
+          </a:p>
+        </p:txBody>
+      </p:sp>
+    </p:spTree>
+    <p:extLst>
+      <p:ext uri="{BB962C8B-B14F-4D97-AF65-F5344CB8AC3E}">
+        <p14:creationId xmlns:p14="http://schemas.microsoft.com/office/powerpoint/2010/main" val="3222731595"/>
+      </p:ext>
+    </p:extLst>
+  </p:cSld>
+  <p:clrMapOvr>
+    <a:masterClrMapping/>
+  </p:clrMapOvr>
+</p:sld>
+</file>
+
+<file path=ppt/slides/slide4.xml><?xml version="1.0" encoding="utf-8"?>
+<p:sld xmlns:a="http://schemas.openxmlformats.org/drawingml/2006/main" xmlns:r="http://schemas.openxmlformats.org/officeDocument/2006/relationships" xmlns:p="http://schemas.openxmlformats.org/presentationml/2006/main">
+  <p:cSld>
+    <p:spTree>
+      <p:nvGrpSpPr>
+        <p:cNvPr id="1" name=""/>
+        <p:cNvGrpSpPr/>
+        <p:nvPr/>
+      </p:nvGrpSpPr>
+      <p:grpSpPr>
+        <a:xfrm>
+          <a:off x="0" y="0"/>
+          <a:ext cx="0" cy="0"/>
+          <a:chOff x="0" y="0"/>
+          <a:chExt cx="0" cy="0"/>
+        </a:xfrm>
+      </p:grpSpPr>
+      <p:sp>
+        <p:nvSpPr>
+          <p:cNvPr id="2" name="标题 1"/>
+          <p:cNvSpPr>
+            <a:spLocks noGrp="1"/>
+          </p:cNvSpPr>
+          <p:nvPr>
+            <p:ph type="title"/>
+          </p:nvPr>
+        </p:nvSpPr>
+        <p:spPr/>
+        <p:txBody>
+          <a:bodyPr/>
+          <a:lstStyle/>
+          <a:p>
+            <a:r>
+              <a:rPr lang="en-US" altLang="zh-CN" dirty="0"/>
+              <a:t>implementation</a:t>
+            </a:r>
+            <a:endParaRPr lang="zh-CN" altLang="en-US" dirty="0"/>
+          </a:p>
+        </p:txBody>
+      </p:sp>
+      <p:sp>
+        <p:nvSpPr>
+          <p:cNvPr id="3" name="内容占位符 2"/>
+          <p:cNvSpPr>
+            <a:spLocks noGrp="1"/>
+          </p:cNvSpPr>
+          <p:nvPr>
+            <p:ph idx="1"/>
+          </p:nvPr>
+        </p:nvSpPr>
+        <p:spPr/>
+        <p:txBody>
+          <a:bodyPr/>
+          <a:lstStyle/>
+          <a:p>
+            <a:r>
+              <a:rPr lang="en-US" altLang="zh-CN" dirty="0"/>
+              <a:t>technology </a:t>
+            </a:r>
+            <a:r>
+              <a:rPr lang="en-US" altLang="zh-CN" dirty="0" smtClean="0"/>
+              <a:t>foundation(macro)</a:t>
+            </a:r>
+          </a:p>
+          <a:p>
+            <a:r>
+              <a:rPr lang="en-US" altLang="zh-CN" dirty="0"/>
+              <a:t>technical </a:t>
+            </a:r>
+            <a:r>
+              <a:rPr lang="en-US" altLang="zh-CN" dirty="0" smtClean="0"/>
+              <a:t>thought</a:t>
+            </a:r>
+          </a:p>
+          <a:p>
+            <a:r>
+              <a:rPr lang="en-US" altLang="zh-CN" dirty="0"/>
+              <a:t>concrete </a:t>
+            </a:r>
+            <a:r>
+              <a:rPr lang="en-US" altLang="zh-CN" dirty="0" smtClean="0"/>
+              <a:t>implementation</a:t>
+            </a:r>
+          </a:p>
+          <a:p>
+            <a:r>
+              <a:rPr lang="en-US" altLang="zh-CN" dirty="0" smtClean="0"/>
+              <a:t>limitations</a:t>
+            </a:r>
+          </a:p>
+          <a:p>
+            <a:r>
+              <a:rPr lang="en-US" altLang="zh-CN" dirty="0"/>
+              <a:t>proposals of reflection</a:t>
+            </a:r>
+            <a:endParaRPr lang="zh-CN" altLang="en-US" dirty="0"/>
+          </a:p>
+        </p:txBody>
+      </p:sp>
+    </p:spTree>
+    <p:extLst>
+      <p:ext uri="{BB962C8B-B14F-4D97-AF65-F5344CB8AC3E}">
+        <p14:creationId xmlns:p14="http://schemas.microsoft.com/office/powerpoint/2010/main" val="1735970390"/>
+      </p:ext>
+    </p:extLst>
+  </p:cSld>
+  <p:clrMapOvr>
+    <a:masterClrMapping/>
+  </p:clrMapOvr>
+</p:sld>
+</file>
+
+<file path=ppt/slides/slide5.xml><?xml version="1.0" encoding="utf-8"?>
+<p:sld xmlns:a="http://schemas.openxmlformats.org/drawingml/2006/main" xmlns:r="http://schemas.openxmlformats.org/officeDocument/2006/relationships" xmlns:p="http://schemas.openxmlformats.org/presentationml/2006/main">
+  <p:cSld>
+    <p:spTree>
+      <p:nvGrpSpPr>
+        <p:cNvPr id="1" name=""/>
+        <p:cNvGrpSpPr/>
+        <p:nvPr/>
+      </p:nvGrpSpPr>
+      <p:grpSpPr>
+        <a:xfrm>
+          <a:off x="0" y="0"/>
+          <a:ext cx="0" cy="0"/>
+          <a:chOff x="0" y="0"/>
+          <a:chExt cx="0" cy="0"/>
+        </a:xfrm>
+      </p:grpSpPr>
+      <p:sp>
+        <p:nvSpPr>
+          <p:cNvPr id="2" name="标题 1"/>
+          <p:cNvSpPr>
+            <a:spLocks noGrp="1"/>
+          </p:cNvSpPr>
+          <p:nvPr>
+            <p:ph type="title"/>
+          </p:nvPr>
+        </p:nvSpPr>
+        <p:spPr/>
+        <p:txBody>
+          <a:bodyPr/>
+          <a:lstStyle/>
+          <a:p>
+            <a:r>
+              <a:rPr lang="en-US" altLang="zh-CN" dirty="0"/>
+              <a:t>application of compile-time </a:t>
+            </a:r>
+            <a:r>
+              <a:rPr lang="en-US" altLang="zh-CN" dirty="0" smtClean="0"/>
+              <a:t>reflection</a:t>
+            </a:r>
+            <a:endParaRPr lang="zh-CN" altLang="en-US" dirty="0"/>
+          </a:p>
+        </p:txBody>
+      </p:sp>
+      <p:sp>
+        <p:nvSpPr>
+          <p:cNvPr id="3" name="内容占位符 2"/>
+          <p:cNvSpPr>
+            <a:spLocks noGrp="1"/>
+          </p:cNvSpPr>
+          <p:nvPr>
+            <p:ph idx="1"/>
+          </p:nvPr>
+        </p:nvSpPr>
+        <p:spPr/>
+        <p:txBody>
+          <a:bodyPr/>
+          <a:lstStyle/>
+          <a:p>
+            <a:r>
+              <a:rPr lang="en-US" altLang="zh-CN" dirty="0" smtClean="0"/>
+              <a:t>serialization</a:t>
+            </a:r>
+          </a:p>
+          <a:p>
+            <a:r>
+              <a:rPr lang="en-US" altLang="zh-CN" dirty="0" smtClean="0"/>
+              <a:t>ORM</a:t>
+            </a:r>
+          </a:p>
+          <a:p>
+            <a:r>
+              <a:rPr lang="en-US" altLang="zh-CN" dirty="0" smtClean="0"/>
+              <a:t>DSL</a:t>
+            </a:r>
+            <a:endParaRPr lang="zh-CN" altLang="en-US" dirty="0"/>
+          </a:p>
+        </p:txBody>
+      </p:sp>
+    </p:spTree>
+    <p:extLst>
+      <p:ext uri="{BB962C8B-B14F-4D97-AF65-F5344CB8AC3E}">
+        <p14:creationId xmlns:p14="http://schemas.microsoft.com/office/powerpoint/2010/main" val="3812572458"/>
+      </p:ext>
+    </p:extLst>
+  </p:cSld>
+  <p:clrMapOvr>
+    <a:masterClrMapping/>
+  </p:clrMapOvr>
+</p:sld>
+</file>
+
+<file path=ppt/slides/slide6.xml><?xml version="1.0" encoding="utf-8"?>
+<p:sld xmlns:a="http://schemas.openxmlformats.org/drawingml/2006/main" xmlns:r="http://schemas.openxmlformats.org/officeDocument/2006/relationships" xmlns:p="http://schemas.openxmlformats.org/presentationml/2006/main">
+  <p:cSld>
+    <p:spTree>
+      <p:nvGrpSpPr>
+        <p:cNvPr id="1" name=""/>
+        <p:cNvGrpSpPr/>
+        <p:nvPr/>
+      </p:nvGrpSpPr>
+      <p:grpSpPr>
+        <a:xfrm>
+          <a:off x="0" y="0"/>
+          <a:ext cx="0" cy="0"/>
+          <a:chOff x="0" y="0"/>
+          <a:chExt cx="0" cy="0"/>
+        </a:xfrm>
+      </p:grpSpPr>
+      <p:sp>
+        <p:nvSpPr>
+          <p:cNvPr id="2" name="标题 1"/>
+          <p:cNvSpPr>
+            <a:spLocks noGrp="1"/>
+          </p:cNvSpPr>
+          <p:nvPr>
+            <p:ph type="title"/>
+          </p:nvPr>
+        </p:nvSpPr>
+        <p:spPr/>
+        <p:txBody>
+          <a:bodyPr/>
+          <a:lstStyle/>
+          <a:p>
+            <a:r>
+              <a:rPr lang="en-US" altLang="zh-CN" dirty="0"/>
+              <a:t>prospect</a:t>
+            </a:r>
+            <a:endParaRPr lang="zh-CN" altLang="en-US" dirty="0"/>
+          </a:p>
+        </p:txBody>
+      </p:sp>
+      <p:sp>
+        <p:nvSpPr>
+          <p:cNvPr id="3" name="内容占位符 2"/>
+          <p:cNvSpPr>
+            <a:spLocks noGrp="1"/>
+          </p:cNvSpPr>
+          <p:nvPr>
+            <p:ph idx="1"/>
+          </p:nvPr>
+        </p:nvSpPr>
+        <p:spPr/>
+        <p:txBody>
+          <a:bodyPr/>
+          <a:lstStyle/>
+          <a:p>
+            <a:r>
+              <a:rPr lang="en-US" altLang="zh-CN" dirty="0"/>
+              <a:t>data </a:t>
+            </a:r>
+            <a:r>
+              <a:rPr lang="en-US" altLang="zh-CN" dirty="0" smtClean="0"/>
+              <a:t>binding</a:t>
+            </a:r>
+          </a:p>
+          <a:p>
+            <a:r>
+              <a:rPr lang="en-US" altLang="zh-CN" dirty="0" err="1"/>
+              <a:t>protocal</a:t>
+            </a:r>
+            <a:r>
+              <a:rPr lang="en-US" altLang="zh-CN" dirty="0"/>
+              <a:t> adaptor</a:t>
+            </a:r>
+            <a:endParaRPr lang="en-US" altLang="zh-CN" dirty="0" smtClean="0"/>
+          </a:p>
+          <a:p>
+            <a:endParaRPr lang="zh-CN" altLang="en-US" dirty="0"/>
+          </a:p>
+        </p:txBody>
+      </p:sp>
+    </p:spTree>
+    <p:extLst>
+      <p:ext uri="{BB962C8B-B14F-4D97-AF65-F5344CB8AC3E}">
+        <p14:creationId xmlns:p14="http://schemas.microsoft.com/office/powerpoint/2010/main" val="3546759729"/>
+      </p:ext>
+    </p:extLst>
+  </p:cSld>
+  <p:clrMapOvr>
+    <a:masterClrMapping/>
+  </p:clrMapOvr>
+</p:sld>
+</file>
+
 <file path=ppt/theme/theme1.xml><?xml version="1.0" encoding="utf-8"?>
 <a:theme xmlns:a="http://schemas.openxmlformats.org/drawingml/2006/main" name="Office 主题">
   <a:themeElements>

--- a/cppcon2017.pptx
+++ b/cppcon2017.pptx
@@ -4,13 +4,18 @@
   <p:sldMasterIdLst>
     <p:sldMasterId id="2147483648" r:id="rId1"/>
   </p:sldMasterIdLst>
+  <p:notesMasterIdLst>
+    <p:notesMasterId r:id="rId10"/>
+  </p:notesMasterIdLst>
   <p:sldIdLst>
     <p:sldId id="256" r:id="rId2"/>
     <p:sldId id="257" r:id="rId3"/>
     <p:sldId id="258" r:id="rId4"/>
-    <p:sldId id="259" r:id="rId5"/>
-    <p:sldId id="260" r:id="rId6"/>
-    <p:sldId id="261" r:id="rId7"/>
+    <p:sldId id="262" r:id="rId5"/>
+    <p:sldId id="263" r:id="rId6"/>
+    <p:sldId id="259" r:id="rId7"/>
+    <p:sldId id="260" r:id="rId8"/>
+    <p:sldId id="261" r:id="rId9"/>
   </p:sldIdLst>
   <p:sldSz cx="12192000" cy="6858000"/>
   <p:notesSz cx="6858000" cy="9144000"/>
@@ -117,6 +122,446 @@
 </p:presentation>
 </file>
 
+<file path=ppt/notesMasters/notesMaster1.xml><?xml version="1.0" encoding="utf-8"?>
+<p:notesMaster xmlns:a="http://schemas.openxmlformats.org/drawingml/2006/main" xmlns:r="http://schemas.openxmlformats.org/officeDocument/2006/relationships" xmlns:p="http://schemas.openxmlformats.org/presentationml/2006/main">
+  <p:cSld>
+    <p:bg>
+      <p:bgRef idx="1001">
+        <a:schemeClr val="bg1"/>
+      </p:bgRef>
+    </p:bg>
+    <p:spTree>
+      <p:nvGrpSpPr>
+        <p:cNvPr id="1" name=""/>
+        <p:cNvGrpSpPr/>
+        <p:nvPr/>
+      </p:nvGrpSpPr>
+      <p:grpSpPr>
+        <a:xfrm>
+          <a:off x="0" y="0"/>
+          <a:ext cx="0" cy="0"/>
+          <a:chOff x="0" y="0"/>
+          <a:chExt cx="0" cy="0"/>
+        </a:xfrm>
+      </p:grpSpPr>
+      <p:sp>
+        <p:nvSpPr>
+          <p:cNvPr id="2" name="页眉占位符 1"/>
+          <p:cNvSpPr>
+            <a:spLocks noGrp="1"/>
+          </p:cNvSpPr>
+          <p:nvPr>
+            <p:ph type="hdr" sz="quarter"/>
+          </p:nvPr>
+        </p:nvSpPr>
+        <p:spPr>
+          <a:xfrm>
+            <a:off x="0" y="0"/>
+            <a:ext cx="2971800" cy="458788"/>
+          </a:xfrm>
+          <a:prstGeom prst="rect">
+            <a:avLst/>
+          </a:prstGeom>
+        </p:spPr>
+        <p:txBody>
+          <a:bodyPr vert="horz" lIns="91440" tIns="45720" rIns="91440" bIns="45720" rtlCol="0"/>
+          <a:lstStyle>
+            <a:lvl1pPr algn="l">
+              <a:defRPr sz="1200"/>
+            </a:lvl1pPr>
+          </a:lstStyle>
+          <a:p>
+            <a:endParaRPr lang="zh-CN" altLang="en-US"/>
+          </a:p>
+        </p:txBody>
+      </p:sp>
+      <p:sp>
+        <p:nvSpPr>
+          <p:cNvPr id="3" name="日期占位符 2"/>
+          <p:cNvSpPr>
+            <a:spLocks noGrp="1"/>
+          </p:cNvSpPr>
+          <p:nvPr>
+            <p:ph type="dt" idx="1"/>
+          </p:nvPr>
+        </p:nvSpPr>
+        <p:spPr>
+          <a:xfrm>
+            <a:off x="3884613" y="0"/>
+            <a:ext cx="2971800" cy="458788"/>
+          </a:xfrm>
+          <a:prstGeom prst="rect">
+            <a:avLst/>
+          </a:prstGeom>
+        </p:spPr>
+        <p:txBody>
+          <a:bodyPr vert="horz" lIns="91440" tIns="45720" rIns="91440" bIns="45720" rtlCol="0"/>
+          <a:lstStyle>
+            <a:lvl1pPr algn="r">
+              <a:defRPr sz="1200"/>
+            </a:lvl1pPr>
+          </a:lstStyle>
+          <a:p>
+            <a:fld id="{5377FA5C-DFF1-4473-9BD3-3D161C07B6AF}" type="datetimeFigureOut">
+              <a:rPr lang="zh-CN" altLang="en-US" smtClean="0"/>
+              <a:t>2017-08-18</a:t>
+            </a:fld>
+            <a:endParaRPr lang="zh-CN" altLang="en-US"/>
+          </a:p>
+        </p:txBody>
+      </p:sp>
+      <p:sp>
+        <p:nvSpPr>
+          <p:cNvPr id="4" name="幻灯片图像占位符 3"/>
+          <p:cNvSpPr>
+            <a:spLocks noGrp="1" noRot="1" noChangeAspect="1"/>
+          </p:cNvSpPr>
+          <p:nvPr>
+            <p:ph type="sldImg" idx="2"/>
+          </p:nvPr>
+        </p:nvSpPr>
+        <p:spPr>
+          <a:xfrm>
+            <a:off x="685800" y="1143000"/>
+            <a:ext cx="5486400" cy="3086100"/>
+          </a:xfrm>
+          <a:prstGeom prst="rect">
+            <a:avLst/>
+          </a:prstGeom>
+          <a:noFill/>
+          <a:ln w="12700">
+            <a:solidFill>
+              <a:prstClr val="black"/>
+            </a:solidFill>
+          </a:ln>
+        </p:spPr>
+        <p:txBody>
+          <a:bodyPr vert="horz" lIns="91440" tIns="45720" rIns="91440" bIns="45720" rtlCol="0" anchor="ctr"/>
+          <a:lstStyle/>
+          <a:p>
+            <a:endParaRPr lang="zh-CN" altLang="en-US"/>
+          </a:p>
+        </p:txBody>
+      </p:sp>
+      <p:sp>
+        <p:nvSpPr>
+          <p:cNvPr id="5" name="备注占位符 4"/>
+          <p:cNvSpPr>
+            <a:spLocks noGrp="1"/>
+          </p:cNvSpPr>
+          <p:nvPr>
+            <p:ph type="body" sz="quarter" idx="3"/>
+          </p:nvPr>
+        </p:nvSpPr>
+        <p:spPr>
+          <a:xfrm>
+            <a:off x="685800" y="4400550"/>
+            <a:ext cx="5486400" cy="3600450"/>
+          </a:xfrm>
+          <a:prstGeom prst="rect">
+            <a:avLst/>
+          </a:prstGeom>
+        </p:spPr>
+        <p:txBody>
+          <a:bodyPr vert="horz" lIns="91440" tIns="45720" rIns="91440" bIns="45720" rtlCol="0"/>
+          <a:lstStyle/>
+          <a:p>
+            <a:pPr lvl="0"/>
+            <a:r>
+              <a:rPr lang="zh-CN" altLang="en-US" smtClean="0"/>
+              <a:t>单击此处编辑母版文本样式</a:t>
+            </a:r>
+          </a:p>
+          <a:p>
+            <a:pPr lvl="1"/>
+            <a:r>
+              <a:rPr lang="zh-CN" altLang="en-US" smtClean="0"/>
+              <a:t>第二级</a:t>
+            </a:r>
+          </a:p>
+          <a:p>
+            <a:pPr lvl="2"/>
+            <a:r>
+              <a:rPr lang="zh-CN" altLang="en-US" smtClean="0"/>
+              <a:t>第三级</a:t>
+            </a:r>
+          </a:p>
+          <a:p>
+            <a:pPr lvl="3"/>
+            <a:r>
+              <a:rPr lang="zh-CN" altLang="en-US" smtClean="0"/>
+              <a:t>第四级</a:t>
+            </a:r>
+          </a:p>
+          <a:p>
+            <a:pPr lvl="4"/>
+            <a:r>
+              <a:rPr lang="zh-CN" altLang="en-US" smtClean="0"/>
+              <a:t>第五级</a:t>
+            </a:r>
+            <a:endParaRPr lang="zh-CN" altLang="en-US"/>
+          </a:p>
+        </p:txBody>
+      </p:sp>
+      <p:sp>
+        <p:nvSpPr>
+          <p:cNvPr id="6" name="页脚占位符 5"/>
+          <p:cNvSpPr>
+            <a:spLocks noGrp="1"/>
+          </p:cNvSpPr>
+          <p:nvPr>
+            <p:ph type="ftr" sz="quarter" idx="4"/>
+          </p:nvPr>
+        </p:nvSpPr>
+        <p:spPr>
+          <a:xfrm>
+            <a:off x="0" y="8685213"/>
+            <a:ext cx="2971800" cy="458787"/>
+          </a:xfrm>
+          <a:prstGeom prst="rect">
+            <a:avLst/>
+          </a:prstGeom>
+        </p:spPr>
+        <p:txBody>
+          <a:bodyPr vert="horz" lIns="91440" tIns="45720" rIns="91440" bIns="45720" rtlCol="0" anchor="b"/>
+          <a:lstStyle>
+            <a:lvl1pPr algn="l">
+              <a:defRPr sz="1200"/>
+            </a:lvl1pPr>
+          </a:lstStyle>
+          <a:p>
+            <a:endParaRPr lang="zh-CN" altLang="en-US"/>
+          </a:p>
+        </p:txBody>
+      </p:sp>
+      <p:sp>
+        <p:nvSpPr>
+          <p:cNvPr id="7" name="灯片编号占位符 6"/>
+          <p:cNvSpPr>
+            <a:spLocks noGrp="1"/>
+          </p:cNvSpPr>
+          <p:nvPr>
+            <p:ph type="sldNum" sz="quarter" idx="5"/>
+          </p:nvPr>
+        </p:nvSpPr>
+        <p:spPr>
+          <a:xfrm>
+            <a:off x="3884613" y="8685213"/>
+            <a:ext cx="2971800" cy="458787"/>
+          </a:xfrm>
+          <a:prstGeom prst="rect">
+            <a:avLst/>
+          </a:prstGeom>
+        </p:spPr>
+        <p:txBody>
+          <a:bodyPr vert="horz" lIns="91440" tIns="45720" rIns="91440" bIns="45720" rtlCol="0" anchor="b"/>
+          <a:lstStyle>
+            <a:lvl1pPr algn="r">
+              <a:defRPr sz="1200"/>
+            </a:lvl1pPr>
+          </a:lstStyle>
+          <a:p>
+            <a:fld id="{C9825B02-673D-4C5E-88E2-1F72A1758DC8}" type="slidenum">
+              <a:rPr lang="zh-CN" altLang="en-US" smtClean="0"/>
+              <a:t>‹#›</a:t>
+            </a:fld>
+            <a:endParaRPr lang="zh-CN" altLang="en-US"/>
+          </a:p>
+        </p:txBody>
+      </p:sp>
+    </p:spTree>
+    <p:extLst>
+      <p:ext uri="{BB962C8B-B14F-4D97-AF65-F5344CB8AC3E}">
+        <p14:creationId xmlns:p14="http://schemas.microsoft.com/office/powerpoint/2010/main" val="326677005"/>
+      </p:ext>
+    </p:extLst>
+  </p:cSld>
+  <p:clrMap bg1="lt1" tx1="dk1" bg2="lt2" tx2="dk2" accent1="accent1" accent2="accent2" accent3="accent3" accent4="accent4" accent5="accent5" accent6="accent6" hlink="hlink" folHlink="folHlink"/>
+  <p:notesStyle>
+    <a:lvl1pPr marL="0" algn="l" defTabSz="914400" rtl="0" eaLnBrk="1" latinLnBrk="0" hangingPunct="1">
+      <a:defRPr sz="1200" kern="1200">
+        <a:solidFill>
+          <a:schemeClr val="tx1"/>
+        </a:solidFill>
+        <a:latin typeface="+mn-lt"/>
+        <a:ea typeface="+mn-ea"/>
+        <a:cs typeface="+mn-cs"/>
+      </a:defRPr>
+    </a:lvl1pPr>
+    <a:lvl2pPr marL="457200" algn="l" defTabSz="914400" rtl="0" eaLnBrk="1" latinLnBrk="0" hangingPunct="1">
+      <a:defRPr sz="1200" kern="1200">
+        <a:solidFill>
+          <a:schemeClr val="tx1"/>
+        </a:solidFill>
+        <a:latin typeface="+mn-lt"/>
+        <a:ea typeface="+mn-ea"/>
+        <a:cs typeface="+mn-cs"/>
+      </a:defRPr>
+    </a:lvl2pPr>
+    <a:lvl3pPr marL="914400" algn="l" defTabSz="914400" rtl="0" eaLnBrk="1" latinLnBrk="0" hangingPunct="1">
+      <a:defRPr sz="1200" kern="1200">
+        <a:solidFill>
+          <a:schemeClr val="tx1"/>
+        </a:solidFill>
+        <a:latin typeface="+mn-lt"/>
+        <a:ea typeface="+mn-ea"/>
+        <a:cs typeface="+mn-cs"/>
+      </a:defRPr>
+    </a:lvl3pPr>
+    <a:lvl4pPr marL="1371600" algn="l" defTabSz="914400" rtl="0" eaLnBrk="1" latinLnBrk="0" hangingPunct="1">
+      <a:defRPr sz="1200" kern="1200">
+        <a:solidFill>
+          <a:schemeClr val="tx1"/>
+        </a:solidFill>
+        <a:latin typeface="+mn-lt"/>
+        <a:ea typeface="+mn-ea"/>
+        <a:cs typeface="+mn-cs"/>
+      </a:defRPr>
+    </a:lvl4pPr>
+    <a:lvl5pPr marL="1828800" algn="l" defTabSz="914400" rtl="0" eaLnBrk="1" latinLnBrk="0" hangingPunct="1">
+      <a:defRPr sz="1200" kern="1200">
+        <a:solidFill>
+          <a:schemeClr val="tx1"/>
+        </a:solidFill>
+        <a:latin typeface="+mn-lt"/>
+        <a:ea typeface="+mn-ea"/>
+        <a:cs typeface="+mn-cs"/>
+      </a:defRPr>
+    </a:lvl5pPr>
+    <a:lvl6pPr marL="2286000" algn="l" defTabSz="914400" rtl="0" eaLnBrk="1" latinLnBrk="0" hangingPunct="1">
+      <a:defRPr sz="1200" kern="1200">
+        <a:solidFill>
+          <a:schemeClr val="tx1"/>
+        </a:solidFill>
+        <a:latin typeface="+mn-lt"/>
+        <a:ea typeface="+mn-ea"/>
+        <a:cs typeface="+mn-cs"/>
+      </a:defRPr>
+    </a:lvl6pPr>
+    <a:lvl7pPr marL="2743200" algn="l" defTabSz="914400" rtl="0" eaLnBrk="1" latinLnBrk="0" hangingPunct="1">
+      <a:defRPr sz="1200" kern="1200">
+        <a:solidFill>
+          <a:schemeClr val="tx1"/>
+        </a:solidFill>
+        <a:latin typeface="+mn-lt"/>
+        <a:ea typeface="+mn-ea"/>
+        <a:cs typeface="+mn-cs"/>
+      </a:defRPr>
+    </a:lvl7pPr>
+    <a:lvl8pPr marL="3200400" algn="l" defTabSz="914400" rtl="0" eaLnBrk="1" latinLnBrk="0" hangingPunct="1">
+      <a:defRPr sz="1200" kern="1200">
+        <a:solidFill>
+          <a:schemeClr val="tx1"/>
+        </a:solidFill>
+        <a:latin typeface="+mn-lt"/>
+        <a:ea typeface="+mn-ea"/>
+        <a:cs typeface="+mn-cs"/>
+      </a:defRPr>
+    </a:lvl8pPr>
+    <a:lvl9pPr marL="3657600" algn="l" defTabSz="914400" rtl="0" eaLnBrk="1" latinLnBrk="0" hangingPunct="1">
+      <a:defRPr sz="1200" kern="1200">
+        <a:solidFill>
+          <a:schemeClr val="tx1"/>
+        </a:solidFill>
+        <a:latin typeface="+mn-lt"/>
+        <a:ea typeface="+mn-ea"/>
+        <a:cs typeface="+mn-cs"/>
+      </a:defRPr>
+    </a:lvl9pPr>
+  </p:notesStyle>
+</p:notesMaster>
+</file>
+
+<file path=ppt/notesSlides/notesSlide1.xml><?xml version="1.0" encoding="utf-8"?>
+<p:notes xmlns:a="http://schemas.openxmlformats.org/drawingml/2006/main" xmlns:r="http://schemas.openxmlformats.org/officeDocument/2006/relationships" xmlns:p="http://schemas.openxmlformats.org/presentationml/2006/main">
+  <p:cSld>
+    <p:spTree>
+      <p:nvGrpSpPr>
+        <p:cNvPr id="1" name=""/>
+        <p:cNvGrpSpPr/>
+        <p:nvPr/>
+      </p:nvGrpSpPr>
+      <p:grpSpPr>
+        <a:xfrm>
+          <a:off x="0" y="0"/>
+          <a:ext cx="0" cy="0"/>
+          <a:chOff x="0" y="0"/>
+          <a:chExt cx="0" cy="0"/>
+        </a:xfrm>
+      </p:grpSpPr>
+      <p:sp>
+        <p:nvSpPr>
+          <p:cNvPr id="2" name="幻灯片图像占位符 1"/>
+          <p:cNvSpPr>
+            <a:spLocks noGrp="1" noRot="1" noChangeAspect="1"/>
+          </p:cNvSpPr>
+          <p:nvPr>
+            <p:ph type="sldImg"/>
+          </p:nvPr>
+        </p:nvSpPr>
+        <p:spPr/>
+      </p:sp>
+      <p:sp>
+        <p:nvSpPr>
+          <p:cNvPr id="3" name="备注占位符 2"/>
+          <p:cNvSpPr>
+            <a:spLocks noGrp="1"/>
+          </p:cNvSpPr>
+          <p:nvPr>
+            <p:ph type="body" idx="1"/>
+          </p:nvPr>
+        </p:nvSpPr>
+        <p:spPr/>
+        <p:txBody>
+          <a:bodyPr/>
+          <a:lstStyle/>
+          <a:p>
+            <a:r>
+              <a:rPr lang="en-US" altLang="zh-CN" dirty="0" smtClean="0"/>
+              <a:t>https://zh.wikipedia.org/wiki/XML_Schema</a:t>
+            </a:r>
+          </a:p>
+          <a:p>
+            <a:endParaRPr lang="zh-CN" altLang="en-US" dirty="0"/>
+          </a:p>
+        </p:txBody>
+      </p:sp>
+      <p:sp>
+        <p:nvSpPr>
+          <p:cNvPr id="4" name="灯片编号占位符 3"/>
+          <p:cNvSpPr>
+            <a:spLocks noGrp="1"/>
+          </p:cNvSpPr>
+          <p:nvPr>
+            <p:ph type="sldNum" sz="quarter" idx="10"/>
+          </p:nvPr>
+        </p:nvSpPr>
+        <p:spPr/>
+        <p:txBody>
+          <a:bodyPr/>
+          <a:lstStyle/>
+          <a:p>
+            <a:fld id="{C9825B02-673D-4C5E-88E2-1F72A1758DC8}" type="slidenum">
+              <a:rPr lang="zh-CN" altLang="en-US" smtClean="0"/>
+              <a:t>5</a:t>
+            </a:fld>
+            <a:endParaRPr lang="zh-CN" altLang="en-US"/>
+          </a:p>
+        </p:txBody>
+      </p:sp>
+    </p:spTree>
+    <p:extLst>
+      <p:ext uri="{BB962C8B-B14F-4D97-AF65-F5344CB8AC3E}">
+        <p14:creationId xmlns:p14="http://schemas.microsoft.com/office/powerpoint/2010/main" val="1299626273"/>
+      </p:ext>
+    </p:extLst>
+  </p:cSld>
+  <p:clrMapOvr>
+    <a:masterClrMapping/>
+  </p:clrMapOvr>
+</p:notes>
+</file>
+
 <file path=ppt/slideLayouts/slideLayout1.xml><?xml version="1.0" encoding="utf-8"?>
 <p:sldLayout xmlns:a="http://schemas.openxmlformats.org/drawingml/2006/main" xmlns:r="http://schemas.openxmlformats.org/officeDocument/2006/relationships" xmlns:p="http://schemas.openxmlformats.org/presentationml/2006/main" type="title" preserve="1">
   <p:cSld name="标题幻灯片">
@@ -248,7 +693,7 @@
           <a:p>
             <a:fld id="{AA590AAA-E2D3-492C-81F3-DC050E22F9CA}" type="datetimeFigureOut">
               <a:rPr lang="zh-CN" altLang="en-US" smtClean="0"/>
-              <a:t>2017-08-17</a:t>
+              <a:t>2017-08-18</a:t>
             </a:fld>
             <a:endParaRPr lang="zh-CN" altLang="en-US"/>
           </a:p>
@@ -418,7 +863,7 @@
           <a:p>
             <a:fld id="{AA590AAA-E2D3-492C-81F3-DC050E22F9CA}" type="datetimeFigureOut">
               <a:rPr lang="zh-CN" altLang="en-US" smtClean="0"/>
-              <a:t>2017-08-17</a:t>
+              <a:t>2017-08-18</a:t>
             </a:fld>
             <a:endParaRPr lang="zh-CN" altLang="en-US"/>
           </a:p>
@@ -598,7 +1043,7 @@
           <a:p>
             <a:fld id="{AA590AAA-E2D3-492C-81F3-DC050E22F9CA}" type="datetimeFigureOut">
               <a:rPr lang="zh-CN" altLang="en-US" smtClean="0"/>
-              <a:t>2017-08-17</a:t>
+              <a:t>2017-08-18</a:t>
             </a:fld>
             <a:endParaRPr lang="zh-CN" altLang="en-US"/>
           </a:p>
@@ -768,7 +1213,7 @@
           <a:p>
             <a:fld id="{AA590AAA-E2D3-492C-81F3-DC050E22F9CA}" type="datetimeFigureOut">
               <a:rPr lang="zh-CN" altLang="en-US" smtClean="0"/>
-              <a:t>2017-08-17</a:t>
+              <a:t>2017-08-18</a:t>
             </a:fld>
             <a:endParaRPr lang="zh-CN" altLang="en-US"/>
           </a:p>
@@ -1014,7 +1459,7 @@
           <a:p>
             <a:fld id="{AA590AAA-E2D3-492C-81F3-DC050E22F9CA}" type="datetimeFigureOut">
               <a:rPr lang="zh-CN" altLang="en-US" smtClean="0"/>
-              <a:t>2017-08-17</a:t>
+              <a:t>2017-08-18</a:t>
             </a:fld>
             <a:endParaRPr lang="zh-CN" altLang="en-US"/>
           </a:p>
@@ -1246,7 +1691,7 @@
           <a:p>
             <a:fld id="{AA590AAA-E2D3-492C-81F3-DC050E22F9CA}" type="datetimeFigureOut">
               <a:rPr lang="zh-CN" altLang="en-US" smtClean="0"/>
-              <a:t>2017-08-17</a:t>
+              <a:t>2017-08-18</a:t>
             </a:fld>
             <a:endParaRPr lang="zh-CN" altLang="en-US"/>
           </a:p>
@@ -1613,7 +2058,7 @@
           <a:p>
             <a:fld id="{AA590AAA-E2D3-492C-81F3-DC050E22F9CA}" type="datetimeFigureOut">
               <a:rPr lang="zh-CN" altLang="en-US" smtClean="0"/>
-              <a:t>2017-08-17</a:t>
+              <a:t>2017-08-18</a:t>
             </a:fld>
             <a:endParaRPr lang="zh-CN" altLang="en-US"/>
           </a:p>
@@ -1731,7 +2176,7 @@
           <a:p>
             <a:fld id="{AA590AAA-E2D3-492C-81F3-DC050E22F9CA}" type="datetimeFigureOut">
               <a:rPr lang="zh-CN" altLang="en-US" smtClean="0"/>
-              <a:t>2017-08-17</a:t>
+              <a:t>2017-08-18</a:t>
             </a:fld>
             <a:endParaRPr lang="zh-CN" altLang="en-US"/>
           </a:p>
@@ -1826,7 +2271,7 @@
           <a:p>
             <a:fld id="{AA590AAA-E2D3-492C-81F3-DC050E22F9CA}" type="datetimeFigureOut">
               <a:rPr lang="zh-CN" altLang="en-US" smtClean="0"/>
-              <a:t>2017-08-17</a:t>
+              <a:t>2017-08-18</a:t>
             </a:fld>
             <a:endParaRPr lang="zh-CN" altLang="en-US"/>
           </a:p>
@@ -2103,7 +2548,7 @@
           <a:p>
             <a:fld id="{AA590AAA-E2D3-492C-81F3-DC050E22F9CA}" type="datetimeFigureOut">
               <a:rPr lang="zh-CN" altLang="en-US" smtClean="0"/>
-              <a:t>2017-08-17</a:t>
+              <a:t>2017-08-18</a:t>
             </a:fld>
             <a:endParaRPr lang="zh-CN" altLang="en-US"/>
           </a:p>
@@ -2356,7 +2801,7 @@
           <a:p>
             <a:fld id="{AA590AAA-E2D3-492C-81F3-DC050E22F9CA}" type="datetimeFigureOut">
               <a:rPr lang="zh-CN" altLang="en-US" smtClean="0"/>
-              <a:t>2017-08-17</a:t>
+              <a:t>2017-08-18</a:t>
             </a:fld>
             <a:endParaRPr lang="zh-CN" altLang="en-US"/>
           </a:p>
@@ -2569,7 +3014,7 @@
           <a:p>
             <a:fld id="{AA590AAA-E2D3-492C-81F3-DC050E22F9CA}" type="datetimeFigureOut">
               <a:rPr lang="zh-CN" altLang="en-US" smtClean="0"/>
-              <a:t>2017-08-17</a:t>
+              <a:t>2017-08-18</a:t>
             </a:fld>
             <a:endParaRPr lang="zh-CN" altLang="en-US"/>
           </a:p>
@@ -3092,8 +3537,9 @@
           <a:p>
             <a:r>
               <a:rPr lang="en-US" altLang="zh-CN" dirty="0" smtClean="0"/>
-              <a:t>concepts</a:t>
-            </a:r>
+              <a:t>concepts of reflection</a:t>
+            </a:r>
+            <a:endParaRPr lang="en-US" altLang="zh-CN" dirty="0" smtClean="0"/>
           </a:p>
           <a:p>
             <a:r>
@@ -3163,7 +3609,7 @@
           <a:p>
             <a:r>
               <a:rPr lang="en-US" altLang="zh-CN" dirty="0" smtClean="0"/>
-              <a:t>concepts</a:t>
+              <a:t>concepts of reflection</a:t>
             </a:r>
             <a:endParaRPr lang="zh-CN" altLang="en-US" dirty="0"/>
           </a:p>
@@ -3185,8 +3631,12 @@
           <a:lstStyle/>
           <a:p>
             <a:r>
+              <a:rPr lang="en-US" altLang="zh-CN" dirty="0" smtClean="0"/>
+              <a:t>the essence </a:t>
+            </a:r>
+            <a:r>
               <a:rPr lang="en-US" altLang="zh-CN" dirty="0"/>
-              <a:t>essence of </a:t>
+              <a:t>of </a:t>
             </a:r>
             <a:r>
               <a:rPr lang="en-US" altLang="zh-CN" dirty="0" smtClean="0"/>
@@ -3267,11 +3717,7 @@
           <a:bodyPr/>
           <a:lstStyle/>
           <a:p>
-            <a:r>
-              <a:rPr lang="en-US" altLang="zh-CN" dirty="0"/>
-              <a:t>implementation</a:t>
-            </a:r>
-            <a:endParaRPr lang="zh-CN" altLang="en-US" dirty="0"/>
+            <a:endParaRPr lang="zh-CN" altLang="en-US"/>
           </a:p>
         </p:txBody>
       </p:sp>
@@ -3291,59 +3737,252 @@
           <a:lstStyle/>
           <a:p>
             <a:r>
-              <a:rPr lang="en-US" altLang="zh-CN" dirty="0"/>
-              <a:t>technology </a:t>
-            </a:r>
-            <a:r>
               <a:rPr lang="en-US" altLang="zh-CN" dirty="0" smtClean="0"/>
-              <a:t>foundation(macro)</a:t>
-            </a:r>
-          </a:p>
-          <a:p>
-            <a:r>
-              <a:rPr lang="en-US" altLang="zh-CN" dirty="0"/>
-              <a:t>technical </a:t>
-            </a:r>
+              <a:t>reflection</a:t>
+            </a:r>
+          </a:p>
+          <a:p>
+            <a:pPr lvl="1"/>
             <a:r>
               <a:rPr lang="en-US" altLang="zh-CN" dirty="0" smtClean="0"/>
-              <a:t>thought</a:t>
-            </a:r>
-          </a:p>
-          <a:p>
-            <a:r>
-              <a:rPr lang="en-US" altLang="zh-CN" dirty="0"/>
-              <a:t>concrete </a:t>
-            </a:r>
+              <a:t>a mechanism that gets internal information of a class by meta data.</a:t>
+            </a:r>
+          </a:p>
+          <a:p>
+            <a:pPr lvl="1"/>
             <a:r>
               <a:rPr lang="en-US" altLang="zh-CN" dirty="0" smtClean="0"/>
-              <a:t>implementation</a:t>
-            </a:r>
-          </a:p>
-          <a:p>
-            <a:r>
-              <a:rPr lang="en-US" altLang="zh-CN" dirty="0" smtClean="0"/>
-              <a:t>limitations</a:t>
-            </a:r>
-          </a:p>
-          <a:p>
-            <a:r>
-              <a:rPr lang="en-US" altLang="zh-CN" dirty="0"/>
-              <a:t>proposals of reflection</a:t>
-            </a:r>
-            <a:endParaRPr lang="zh-CN" altLang="en-US" dirty="0"/>
+              <a:t>get the type of an object, get the fields and methods by meta dada.</a:t>
+            </a:r>
+          </a:p>
+          <a:p>
+            <a:pPr lvl="1"/>
+            <a:endParaRPr lang="en-US" altLang="zh-CN" dirty="0" smtClean="0"/>
+          </a:p>
+          <a:p>
+            <a:pPr marL="228600" lvl="1">
+              <a:spcBef>
+                <a:spcPts val="1000"/>
+              </a:spcBef>
+            </a:pPr>
+            <a:r>
+              <a:rPr lang="en-US" altLang="zh-CN" sz="2800" dirty="0" smtClean="0"/>
+              <a:t>metadata</a:t>
+            </a:r>
+          </a:p>
+          <a:p>
+            <a:pPr marL="685800" lvl="2">
+              <a:spcBef>
+                <a:spcPts val="1000"/>
+              </a:spcBef>
+            </a:pPr>
+            <a:r>
+              <a:rPr lang="en-US" altLang="zh-CN" sz="2400" dirty="0" smtClean="0"/>
+              <a:t>data that provides information about other data.</a:t>
+            </a:r>
+            <a:endParaRPr lang="en-US" altLang="zh-CN" sz="2400" dirty="0"/>
+          </a:p>
+        </p:txBody>
+      </p:sp>
+      <p:sp>
+        <p:nvSpPr>
+          <p:cNvPr id="4" name="矩形 3"/>
+          <p:cNvSpPr/>
+          <p:nvPr/>
+        </p:nvSpPr>
+        <p:spPr>
+          <a:xfrm>
+            <a:off x="1089797" y="5064426"/>
+            <a:ext cx="4231479" cy="461665"/>
+          </a:xfrm>
+          <a:prstGeom prst="rect">
+            <a:avLst/>
+          </a:prstGeom>
+        </p:spPr>
+        <p:txBody>
+          <a:bodyPr wrap="none">
+            <a:spAutoFit/>
+          </a:bodyPr>
+          <a:lstStyle/>
+          <a:p>
+            <a:r>
+              <a:rPr lang="zh-CN" altLang="en-US" sz="2400" dirty="0"/>
+              <a:t>meatadata describes other </a:t>
+            </a:r>
+            <a:r>
+              <a:rPr lang="zh-CN" altLang="en-US" sz="2400" dirty="0" smtClean="0"/>
+              <a:t>data</a:t>
+            </a:r>
+            <a:r>
+              <a:rPr lang="en-US" altLang="zh-CN" sz="2400" dirty="0" smtClean="0"/>
+              <a:t>.</a:t>
+            </a:r>
+            <a:endParaRPr lang="zh-CN" altLang="en-US" sz="2400" dirty="0"/>
+          </a:p>
+        </p:txBody>
+      </p:sp>
+      <p:sp>
+        <p:nvSpPr>
+          <p:cNvPr id="5" name="矩形 4"/>
+          <p:cNvSpPr/>
+          <p:nvPr/>
+        </p:nvSpPr>
+        <p:spPr>
+          <a:xfrm>
+            <a:off x="6473749" y="5064426"/>
+            <a:ext cx="2139112" cy="461665"/>
+          </a:xfrm>
+          <a:prstGeom prst="rect">
+            <a:avLst/>
+          </a:prstGeom>
+        </p:spPr>
+        <p:txBody>
+          <a:bodyPr wrap="none">
+            <a:spAutoFit/>
+          </a:bodyPr>
+          <a:lstStyle/>
+          <a:p>
+            <a:r>
+              <a:rPr lang="zh-CN" altLang="en-US" sz="2400" b="1" dirty="0"/>
+              <a:t>self description</a:t>
+            </a:r>
           </a:p>
         </p:txBody>
       </p:sp>
     </p:spTree>
     <p:extLst>
       <p:ext uri="{BB962C8B-B14F-4D97-AF65-F5344CB8AC3E}">
-        <p14:creationId xmlns:p14="http://schemas.microsoft.com/office/powerpoint/2010/main" val="1735970390"/>
+        <p14:creationId xmlns:p14="http://schemas.microsoft.com/office/powerpoint/2010/main" val="405742045"/>
       </p:ext>
     </p:extLst>
   </p:cSld>
   <p:clrMapOvr>
     <a:masterClrMapping/>
   </p:clrMapOvr>
+  <p:timing>
+    <p:tnLst>
+      <p:par>
+        <p:cTn id="1" dur="indefinite" restart="never" nodeType="tmRoot">
+          <p:childTnLst>
+            <p:seq concurrent="1" nextAc="seek">
+              <p:cTn id="2" dur="indefinite" nodeType="mainSeq">
+                <p:childTnLst>
+                  <p:par>
+                    <p:cTn id="3" fill="hold">
+                      <p:stCondLst>
+                        <p:cond delay="indefinite"/>
+                      </p:stCondLst>
+                      <p:childTnLst>
+                        <p:par>
+                          <p:cTn id="4" fill="hold">
+                            <p:stCondLst>
+                              <p:cond delay="0"/>
+                            </p:stCondLst>
+                            <p:childTnLst>
+                              <p:par>
+                                <p:cTn id="5" presetID="2" presetClass="entr" presetSubtype="4" fill="hold" grpId="0" nodeType="clickEffect">
+                                  <p:stCondLst>
+                                    <p:cond delay="0"/>
+                                  </p:stCondLst>
+                                  <p:childTnLst>
+                                    <p:set>
+                                      <p:cBhvr>
+                                        <p:cTn id="6" dur="1" fill="hold">
+                                          <p:stCondLst>
+                                            <p:cond delay="0"/>
+                                          </p:stCondLst>
+                                        </p:cTn>
+                                        <p:tgtEl>
+                                          <p:spTgt spid="5"/>
+                                        </p:tgtEl>
+                                        <p:attrNameLst>
+                                          <p:attrName>style.visibility</p:attrName>
+                                        </p:attrNameLst>
+                                      </p:cBhvr>
+                                      <p:to>
+                                        <p:strVal val="visible"/>
+                                      </p:to>
+                                    </p:set>
+                                    <p:anim calcmode="lin" valueType="num">
+                                      <p:cBhvr additive="base">
+                                        <p:cTn id="7" dur="500" fill="hold"/>
+                                        <p:tgtEl>
+                                          <p:spTgt spid="5"/>
+                                        </p:tgtEl>
+                                        <p:attrNameLst>
+                                          <p:attrName>ppt_x</p:attrName>
+                                        </p:attrNameLst>
+                                      </p:cBhvr>
+                                      <p:tavLst>
+                                        <p:tav tm="0">
+                                          <p:val>
+                                            <p:strVal val="#ppt_x"/>
+                                          </p:val>
+                                        </p:tav>
+                                        <p:tav tm="100000">
+                                          <p:val>
+                                            <p:strVal val="#ppt_x"/>
+                                          </p:val>
+                                        </p:tav>
+                                      </p:tavLst>
+                                    </p:anim>
+                                    <p:anim calcmode="lin" valueType="num">
+                                      <p:cBhvr additive="base">
+                                        <p:cTn id="8" dur="500" fill="hold"/>
+                                        <p:tgtEl>
+                                          <p:spTgt spid="5"/>
+                                        </p:tgtEl>
+                                        <p:attrNameLst>
+                                          <p:attrName>ppt_y</p:attrName>
+                                        </p:attrNameLst>
+                                      </p:cBhvr>
+                                      <p:tavLst>
+                                        <p:tav tm="0">
+                                          <p:val>
+                                            <p:strVal val="1+#ppt_h/2"/>
+                                          </p:val>
+                                        </p:tav>
+                                        <p:tav tm="100000">
+                                          <p:val>
+                                            <p:strVal val="#ppt_y"/>
+                                          </p:val>
+                                        </p:tav>
+                                      </p:tavLst>
+                                    </p:anim>
+                                  </p:childTnLst>
+                                </p:cTn>
+                              </p:par>
+                            </p:childTnLst>
+                          </p:cTn>
+                        </p:par>
+                      </p:childTnLst>
+                    </p:cTn>
+                  </p:par>
+                </p:childTnLst>
+              </p:cTn>
+              <p:prevCondLst>
+                <p:cond evt="onPrev" delay="0">
+                  <p:tgtEl>
+                    <p:sldTgt/>
+                  </p:tgtEl>
+                </p:cond>
+              </p:prevCondLst>
+              <p:nextCondLst>
+                <p:cond evt="onNext" delay="0">
+                  <p:tgtEl>
+                    <p:sldTgt/>
+                  </p:tgtEl>
+                </p:cond>
+              </p:nextCondLst>
+            </p:seq>
+          </p:childTnLst>
+        </p:cTn>
+      </p:par>
+    </p:tnLst>
+    <p:bldLst>
+      <p:bldP spid="5" grpId="0"/>
+    </p:bldLst>
+  </p:timing>
 </p:sld>
 </file>
 
@@ -3379,6 +4018,424 @@
           <a:bodyPr/>
           <a:lstStyle/>
           <a:p>
+            <a:endParaRPr lang="zh-CN" altLang="en-US"/>
+          </a:p>
+        </p:txBody>
+      </p:sp>
+      <p:sp>
+        <p:nvSpPr>
+          <p:cNvPr id="3" name="内容占位符 2"/>
+          <p:cNvSpPr>
+            <a:spLocks noGrp="1"/>
+          </p:cNvSpPr>
+          <p:nvPr>
+            <p:ph idx="1"/>
+          </p:nvPr>
+        </p:nvSpPr>
+        <p:spPr/>
+        <p:txBody>
+          <a:bodyPr/>
+          <a:lstStyle/>
+          <a:p>
+            <a:pPr marL="0" indent="0">
+              <a:buNone/>
+            </a:pPr>
+            <a:endParaRPr lang="zh-CN" altLang="en-US" dirty="0"/>
+          </a:p>
+        </p:txBody>
+      </p:sp>
+      <p:pic>
+        <p:nvPicPr>
+          <p:cNvPr id="6" name="图片 5"/>
+          <p:cNvPicPr>
+            <a:picLocks noChangeAspect="1"/>
+          </p:cNvPicPr>
+          <p:nvPr/>
+        </p:nvPicPr>
+        <p:blipFill>
+          <a:blip r:embed="rId3"/>
+          <a:stretch>
+            <a:fillRect/>
+          </a:stretch>
+        </p:blipFill>
+        <p:spPr>
+          <a:xfrm>
+            <a:off x="1047206" y="1853610"/>
+            <a:ext cx="5180952" cy="2257143"/>
+          </a:xfrm>
+          <a:prstGeom prst="rect">
+            <a:avLst/>
+          </a:prstGeom>
+        </p:spPr>
+      </p:pic>
+      <p:pic>
+        <p:nvPicPr>
+          <p:cNvPr id="7" name="图片 6"/>
+          <p:cNvPicPr>
+            <a:picLocks noChangeAspect="1"/>
+          </p:cNvPicPr>
+          <p:nvPr/>
+        </p:nvPicPr>
+        <p:blipFill>
+          <a:blip r:embed="rId4"/>
+          <a:stretch>
+            <a:fillRect/>
+          </a:stretch>
+        </p:blipFill>
+        <p:spPr>
+          <a:xfrm>
+            <a:off x="6839032" y="2152176"/>
+            <a:ext cx="3495238" cy="1142857"/>
+          </a:xfrm>
+          <a:prstGeom prst="rect">
+            <a:avLst/>
+          </a:prstGeom>
+        </p:spPr>
+      </p:pic>
+      <p:sp>
+        <p:nvSpPr>
+          <p:cNvPr id="8" name="矩形 7"/>
+          <p:cNvSpPr/>
+          <p:nvPr/>
+        </p:nvSpPr>
+        <p:spPr>
+          <a:xfrm>
+            <a:off x="4908696" y="5062067"/>
+            <a:ext cx="2993127" cy="461665"/>
+          </a:xfrm>
+          <a:prstGeom prst="rect">
+            <a:avLst/>
+          </a:prstGeom>
+        </p:spPr>
+        <p:txBody>
+          <a:bodyPr wrap="none">
+            <a:spAutoFit/>
+          </a:bodyPr>
+          <a:lstStyle/>
+          <a:p>
+            <a:r>
+              <a:rPr lang="zh-CN" altLang="en-US" sz="2400" b="1" dirty="0"/>
+              <a:t>name, type, sequence</a:t>
+            </a:r>
+          </a:p>
+        </p:txBody>
+      </p:sp>
+      <p:sp>
+        <p:nvSpPr>
+          <p:cNvPr id="9" name="矩形 8"/>
+          <p:cNvSpPr/>
+          <p:nvPr/>
+        </p:nvSpPr>
+        <p:spPr>
+          <a:xfrm>
+            <a:off x="5285850" y="4600402"/>
+            <a:ext cx="2238818" cy="461665"/>
+          </a:xfrm>
+          <a:prstGeom prst="rect">
+            <a:avLst/>
+          </a:prstGeom>
+        </p:spPr>
+        <p:txBody>
+          <a:bodyPr wrap="none">
+            <a:spAutoFit/>
+          </a:bodyPr>
+          <a:lstStyle/>
+          <a:p>
+            <a:r>
+              <a:rPr lang="zh-CN" altLang="en-US" sz="2400" dirty="0"/>
+              <a:t>classic metadata</a:t>
+            </a:r>
+          </a:p>
+        </p:txBody>
+      </p:sp>
+    </p:spTree>
+    <p:extLst>
+      <p:ext uri="{BB962C8B-B14F-4D97-AF65-F5344CB8AC3E}">
+        <p14:creationId xmlns:p14="http://schemas.microsoft.com/office/powerpoint/2010/main" val="3484782079"/>
+      </p:ext>
+    </p:extLst>
+  </p:cSld>
+  <p:clrMapOvr>
+    <a:masterClrMapping/>
+  </p:clrMapOvr>
+  <p:timing>
+    <p:tnLst>
+      <p:par>
+        <p:cTn id="1" dur="indefinite" restart="never" nodeType="tmRoot">
+          <p:childTnLst>
+            <p:seq concurrent="1" nextAc="seek">
+              <p:cTn id="2" dur="indefinite" nodeType="mainSeq">
+                <p:childTnLst>
+                  <p:par>
+                    <p:cTn id="3" fill="hold">
+                      <p:stCondLst>
+                        <p:cond delay="indefinite"/>
+                      </p:stCondLst>
+                      <p:childTnLst>
+                        <p:par>
+                          <p:cTn id="4" fill="hold">
+                            <p:stCondLst>
+                              <p:cond delay="0"/>
+                            </p:stCondLst>
+                            <p:childTnLst>
+                              <p:par>
+                                <p:cTn id="5" presetID="2" presetClass="entr" presetSubtype="4" fill="hold" grpId="0" nodeType="clickEffect">
+                                  <p:stCondLst>
+                                    <p:cond delay="0"/>
+                                  </p:stCondLst>
+                                  <p:childTnLst>
+                                    <p:set>
+                                      <p:cBhvr>
+                                        <p:cTn id="6" dur="1" fill="hold">
+                                          <p:stCondLst>
+                                            <p:cond delay="0"/>
+                                          </p:stCondLst>
+                                        </p:cTn>
+                                        <p:tgtEl>
+                                          <p:spTgt spid="8"/>
+                                        </p:tgtEl>
+                                        <p:attrNameLst>
+                                          <p:attrName>style.visibility</p:attrName>
+                                        </p:attrNameLst>
+                                      </p:cBhvr>
+                                      <p:to>
+                                        <p:strVal val="visible"/>
+                                      </p:to>
+                                    </p:set>
+                                    <p:anim calcmode="lin" valueType="num">
+                                      <p:cBhvr additive="base">
+                                        <p:cTn id="7" dur="500" fill="hold"/>
+                                        <p:tgtEl>
+                                          <p:spTgt spid="8"/>
+                                        </p:tgtEl>
+                                        <p:attrNameLst>
+                                          <p:attrName>ppt_x</p:attrName>
+                                        </p:attrNameLst>
+                                      </p:cBhvr>
+                                      <p:tavLst>
+                                        <p:tav tm="0">
+                                          <p:val>
+                                            <p:strVal val="#ppt_x"/>
+                                          </p:val>
+                                        </p:tav>
+                                        <p:tav tm="100000">
+                                          <p:val>
+                                            <p:strVal val="#ppt_x"/>
+                                          </p:val>
+                                        </p:tav>
+                                      </p:tavLst>
+                                    </p:anim>
+                                    <p:anim calcmode="lin" valueType="num">
+                                      <p:cBhvr additive="base">
+                                        <p:cTn id="8" dur="500" fill="hold"/>
+                                        <p:tgtEl>
+                                          <p:spTgt spid="8"/>
+                                        </p:tgtEl>
+                                        <p:attrNameLst>
+                                          <p:attrName>ppt_y</p:attrName>
+                                        </p:attrNameLst>
+                                      </p:cBhvr>
+                                      <p:tavLst>
+                                        <p:tav tm="0">
+                                          <p:val>
+                                            <p:strVal val="1+#ppt_h/2"/>
+                                          </p:val>
+                                        </p:tav>
+                                        <p:tav tm="100000">
+                                          <p:val>
+                                            <p:strVal val="#ppt_y"/>
+                                          </p:val>
+                                        </p:tav>
+                                      </p:tavLst>
+                                    </p:anim>
+                                  </p:childTnLst>
+                                </p:cTn>
+                              </p:par>
+                            </p:childTnLst>
+                          </p:cTn>
+                        </p:par>
+                      </p:childTnLst>
+                    </p:cTn>
+                  </p:par>
+                </p:childTnLst>
+              </p:cTn>
+              <p:prevCondLst>
+                <p:cond evt="onPrev" delay="0">
+                  <p:tgtEl>
+                    <p:sldTgt/>
+                  </p:tgtEl>
+                </p:cond>
+              </p:prevCondLst>
+              <p:nextCondLst>
+                <p:cond evt="onNext" delay="0">
+                  <p:tgtEl>
+                    <p:sldTgt/>
+                  </p:tgtEl>
+                </p:cond>
+              </p:nextCondLst>
+            </p:seq>
+          </p:childTnLst>
+        </p:cTn>
+      </p:par>
+    </p:tnLst>
+    <p:bldLst>
+      <p:bldP spid="8" grpId="0"/>
+    </p:bldLst>
+  </p:timing>
+</p:sld>
+</file>
+
+<file path=ppt/slides/slide6.xml><?xml version="1.0" encoding="utf-8"?>
+<p:sld xmlns:a="http://schemas.openxmlformats.org/drawingml/2006/main" xmlns:r="http://schemas.openxmlformats.org/officeDocument/2006/relationships" xmlns:p="http://schemas.openxmlformats.org/presentationml/2006/main">
+  <p:cSld>
+    <p:spTree>
+      <p:nvGrpSpPr>
+        <p:cNvPr id="1" name=""/>
+        <p:cNvGrpSpPr/>
+        <p:nvPr/>
+      </p:nvGrpSpPr>
+      <p:grpSpPr>
+        <a:xfrm>
+          <a:off x="0" y="0"/>
+          <a:ext cx="0" cy="0"/>
+          <a:chOff x="0" y="0"/>
+          <a:chExt cx="0" cy="0"/>
+        </a:xfrm>
+      </p:grpSpPr>
+      <p:sp>
+        <p:nvSpPr>
+          <p:cNvPr id="2" name="标题 1"/>
+          <p:cNvSpPr>
+            <a:spLocks noGrp="1"/>
+          </p:cNvSpPr>
+          <p:nvPr>
+            <p:ph type="title"/>
+          </p:nvPr>
+        </p:nvSpPr>
+        <p:spPr/>
+        <p:txBody>
+          <a:bodyPr/>
+          <a:lstStyle/>
+          <a:p>
+            <a:r>
+              <a:rPr lang="en-US" altLang="zh-CN" dirty="0"/>
+              <a:t>implementation</a:t>
+            </a:r>
+            <a:endParaRPr lang="zh-CN" altLang="en-US" dirty="0"/>
+          </a:p>
+        </p:txBody>
+      </p:sp>
+      <p:sp>
+        <p:nvSpPr>
+          <p:cNvPr id="3" name="内容占位符 2"/>
+          <p:cNvSpPr>
+            <a:spLocks noGrp="1"/>
+          </p:cNvSpPr>
+          <p:nvPr>
+            <p:ph idx="1"/>
+          </p:nvPr>
+        </p:nvSpPr>
+        <p:spPr/>
+        <p:txBody>
+          <a:bodyPr/>
+          <a:lstStyle/>
+          <a:p>
+            <a:r>
+              <a:rPr lang="en-US" altLang="zh-CN" dirty="0"/>
+              <a:t>technology </a:t>
+            </a:r>
+            <a:r>
+              <a:rPr lang="en-US" altLang="zh-CN" dirty="0" smtClean="0"/>
+              <a:t>foundation(macro)</a:t>
+            </a:r>
+          </a:p>
+          <a:p>
+            <a:r>
+              <a:rPr lang="en-US" altLang="zh-CN" dirty="0"/>
+              <a:t>technical </a:t>
+            </a:r>
+            <a:r>
+              <a:rPr lang="en-US" altLang="zh-CN" dirty="0" smtClean="0"/>
+              <a:t>thought</a:t>
+            </a:r>
+          </a:p>
+          <a:p>
+            <a:r>
+              <a:rPr lang="en-US" altLang="zh-CN" dirty="0"/>
+              <a:t>concrete </a:t>
+            </a:r>
+            <a:r>
+              <a:rPr lang="en-US" altLang="zh-CN" dirty="0" smtClean="0"/>
+              <a:t>implementation</a:t>
+            </a:r>
+          </a:p>
+          <a:p>
+            <a:r>
+              <a:rPr lang="en-US" altLang="zh-CN" dirty="0" smtClean="0"/>
+              <a:t>limitations</a:t>
+            </a:r>
+          </a:p>
+          <a:p>
+            <a:r>
+              <a:rPr lang="en-US" altLang="zh-CN" dirty="0"/>
+              <a:t>proposals of reflection</a:t>
+            </a:r>
+            <a:endParaRPr lang="zh-CN" altLang="en-US" dirty="0"/>
+          </a:p>
+        </p:txBody>
+      </p:sp>
+    </p:spTree>
+    <p:extLst>
+      <p:ext uri="{BB962C8B-B14F-4D97-AF65-F5344CB8AC3E}">
+        <p14:creationId xmlns:p14="http://schemas.microsoft.com/office/powerpoint/2010/main" val="1735970390"/>
+      </p:ext>
+    </p:extLst>
+  </p:cSld>
+  <p:clrMapOvr>
+    <a:masterClrMapping/>
+  </p:clrMapOvr>
+  <p:timing>
+    <p:tnLst>
+      <p:par>
+        <p:cTn id="1" dur="indefinite" restart="never" nodeType="tmRoot"/>
+      </p:par>
+    </p:tnLst>
+  </p:timing>
+</p:sld>
+</file>
+
+<file path=ppt/slides/slide7.xml><?xml version="1.0" encoding="utf-8"?>
+<p:sld xmlns:a="http://schemas.openxmlformats.org/drawingml/2006/main" xmlns:r="http://schemas.openxmlformats.org/officeDocument/2006/relationships" xmlns:p="http://schemas.openxmlformats.org/presentationml/2006/main">
+  <p:cSld>
+    <p:spTree>
+      <p:nvGrpSpPr>
+        <p:cNvPr id="1" name=""/>
+        <p:cNvGrpSpPr/>
+        <p:nvPr/>
+      </p:nvGrpSpPr>
+      <p:grpSpPr>
+        <a:xfrm>
+          <a:off x="0" y="0"/>
+          <a:ext cx="0" cy="0"/>
+          <a:chOff x="0" y="0"/>
+          <a:chExt cx="0" cy="0"/>
+        </a:xfrm>
+      </p:grpSpPr>
+      <p:sp>
+        <p:nvSpPr>
+          <p:cNvPr id="2" name="标题 1"/>
+          <p:cNvSpPr>
+            <a:spLocks noGrp="1"/>
+          </p:cNvSpPr>
+          <p:nvPr>
+            <p:ph type="title"/>
+          </p:nvPr>
+        </p:nvSpPr>
+        <p:spPr/>
+        <p:txBody>
+          <a:bodyPr/>
+          <a:lstStyle/>
+          <a:p>
             <a:r>
               <a:rPr lang="en-US" altLang="zh-CN" dirty="0"/>
               <a:t>application of compile-time </a:t>
@@ -3439,7 +4496,7 @@
 </p:sld>
 </file>
 
-<file path=ppt/slides/slide6.xml><?xml version="1.0" encoding="utf-8"?>
+<file path=ppt/slides/slide8.xml><?xml version="1.0" encoding="utf-8"?>
 <p:sld xmlns:a="http://schemas.openxmlformats.org/drawingml/2006/main" xmlns:r="http://schemas.openxmlformats.org/officeDocument/2006/relationships" xmlns:p="http://schemas.openxmlformats.org/presentationml/2006/main">
   <p:cSld>
     <p:spTree>
@@ -3791,4 +4848,265 @@
     </a:ext>
   </a:extLst>
 </a:theme>
+</file>
+
+<file path=ppt/theme/theme2.xml><?xml version="1.0" encoding="utf-8"?>
+<a:theme xmlns:a="http://schemas.openxmlformats.org/drawingml/2006/main" name="Office 主题">
+  <a:themeElements>
+    <a:clrScheme name="Office">
+      <a:dk1>
+        <a:sysClr val="windowText" lastClr="000000"/>
+      </a:dk1>
+      <a:lt1>
+        <a:sysClr val="window" lastClr="FFFFFF"/>
+      </a:lt1>
+      <a:dk2>
+        <a:srgbClr val="44546A"/>
+      </a:dk2>
+      <a:lt2>
+        <a:srgbClr val="E7E6E6"/>
+      </a:lt2>
+      <a:accent1>
+        <a:srgbClr val="5B9BD5"/>
+      </a:accent1>
+      <a:accent2>
+        <a:srgbClr val="ED7D31"/>
+      </a:accent2>
+      <a:accent3>
+        <a:srgbClr val="A5A5A5"/>
+      </a:accent3>
+      <a:accent4>
+        <a:srgbClr val="FFC000"/>
+      </a:accent4>
+      <a:accent5>
+        <a:srgbClr val="4472C4"/>
+      </a:accent5>
+      <a:accent6>
+        <a:srgbClr val="70AD47"/>
+      </a:accent6>
+      <a:hlink>
+        <a:srgbClr val="0563C1"/>
+      </a:hlink>
+      <a:folHlink>
+        <a:srgbClr val="954F72"/>
+      </a:folHlink>
+    </a:clrScheme>
+    <a:fontScheme name="Office">
+      <a:majorFont>
+        <a:latin typeface="Calibri Light" panose="020F0302020204030204"/>
+        <a:ea typeface=""/>
+        <a:cs typeface=""/>
+        <a:font script="Jpan" typeface="ＭＳ Ｐゴシック"/>
+        <a:font script="Hang" typeface="맑은 고딕"/>
+        <a:font script="Hans" typeface="宋体"/>
+        <a:font script="Hant" typeface="新細明體"/>
+        <a:font script="Arab" typeface="Times New Roman"/>
+        <a:font script="Hebr" typeface="Times New Roman"/>
+        <a:font script="Thai" typeface="Angsana New"/>
+        <a:font script="Ethi" typeface="Nyala"/>
+        <a:font script="Beng" typeface="Vrinda"/>
+        <a:font script="Gujr" typeface="Shruti"/>
+        <a:font script="Khmr" typeface="MoolBoran"/>
+        <a:font script="Knda" typeface="Tunga"/>
+        <a:font script="Guru" typeface="Raavi"/>
+        <a:font script="Cans" typeface="Euphemia"/>
+        <a:font script="Cher" typeface="Plantagenet Cherokee"/>
+        <a:font script="Yiii" typeface="Microsoft Yi Baiti"/>
+        <a:font script="Tibt" typeface="Microsoft Himalaya"/>
+        <a:font script="Thaa" typeface="MV Boli"/>
+        <a:font script="Deva" typeface="Mangal"/>
+        <a:font script="Telu" typeface="Gautami"/>
+        <a:font script="Taml" typeface="Latha"/>
+        <a:font script="Syrc" typeface="Estrangelo Edessa"/>
+        <a:font script="Orya" typeface="Kalinga"/>
+        <a:font script="Mlym" typeface="Kartika"/>
+        <a:font script="Laoo" typeface="DokChampa"/>
+        <a:font script="Sinh" typeface="Iskoola Pota"/>
+        <a:font script="Mong" typeface="Mongolian Baiti"/>
+        <a:font script="Viet" typeface="Times New Roman"/>
+        <a:font script="Uigh" typeface="Microsoft Uighur"/>
+        <a:font script="Geor" typeface="Sylfaen"/>
+      </a:majorFont>
+      <a:minorFont>
+        <a:latin typeface="Calibri" panose="020F0502020204030204"/>
+        <a:ea typeface=""/>
+        <a:cs typeface=""/>
+        <a:font script="Jpan" typeface="ＭＳ Ｐゴシック"/>
+        <a:font script="Hang" typeface="맑은 고딕"/>
+        <a:font script="Hans" typeface="宋体"/>
+        <a:font script="Hant" typeface="新細明體"/>
+        <a:font script="Arab" typeface="Arial"/>
+        <a:font script="Hebr" typeface="Arial"/>
+        <a:font script="Thai" typeface="Cordia New"/>
+        <a:font script="Ethi" typeface="Nyala"/>
+        <a:font script="Beng" typeface="Vrinda"/>
+        <a:font script="Gujr" typeface="Shruti"/>
+        <a:font script="Khmr" typeface="DaunPenh"/>
+        <a:font script="Knda" typeface="Tunga"/>
+        <a:font script="Guru" typeface="Raavi"/>
+        <a:font script="Cans" typeface="Euphemia"/>
+        <a:font script="Cher" typeface="Plantagenet Cherokee"/>
+        <a:font script="Yiii" typeface="Microsoft Yi Baiti"/>
+        <a:font script="Tibt" typeface="Microsoft Himalaya"/>
+        <a:font script="Thaa" typeface="MV Boli"/>
+        <a:font script="Deva" typeface="Mangal"/>
+        <a:font script="Telu" typeface="Gautami"/>
+        <a:font script="Taml" typeface="Latha"/>
+        <a:font script="Syrc" typeface="Estrangelo Edessa"/>
+        <a:font script="Orya" typeface="Kalinga"/>
+        <a:font script="Mlym" typeface="Kartika"/>
+        <a:font script="Laoo" typeface="DokChampa"/>
+        <a:font script="Sinh" typeface="Iskoola Pota"/>
+        <a:font script="Mong" typeface="Mongolian Baiti"/>
+        <a:font script="Viet" typeface="Arial"/>
+        <a:font script="Uigh" typeface="Microsoft Uighur"/>
+        <a:font script="Geor" typeface="Sylfaen"/>
+      </a:minorFont>
+    </a:fontScheme>
+    <a:fmtScheme name="Office">
+      <a:fillStyleLst>
+        <a:solidFill>
+          <a:schemeClr val="phClr"/>
+        </a:solidFill>
+        <a:gradFill rotWithShape="1">
+          <a:gsLst>
+            <a:gs pos="0">
+              <a:schemeClr val="phClr">
+                <a:lumMod val="110000"/>
+                <a:satMod val="105000"/>
+                <a:tint val="67000"/>
+              </a:schemeClr>
+            </a:gs>
+            <a:gs pos="50000">
+              <a:schemeClr val="phClr">
+                <a:lumMod val="105000"/>
+                <a:satMod val="103000"/>
+                <a:tint val="73000"/>
+              </a:schemeClr>
+            </a:gs>
+            <a:gs pos="100000">
+              <a:schemeClr val="phClr">
+                <a:lumMod val="105000"/>
+                <a:satMod val="109000"/>
+                <a:tint val="81000"/>
+              </a:schemeClr>
+            </a:gs>
+          </a:gsLst>
+          <a:lin ang="5400000" scaled="0"/>
+        </a:gradFill>
+        <a:gradFill rotWithShape="1">
+          <a:gsLst>
+            <a:gs pos="0">
+              <a:schemeClr val="phClr">
+                <a:satMod val="103000"/>
+                <a:lumMod val="102000"/>
+                <a:tint val="94000"/>
+              </a:schemeClr>
+            </a:gs>
+            <a:gs pos="50000">
+              <a:schemeClr val="phClr">
+                <a:satMod val="110000"/>
+                <a:lumMod val="100000"/>
+                <a:shade val="100000"/>
+              </a:schemeClr>
+            </a:gs>
+            <a:gs pos="100000">
+              <a:schemeClr val="phClr">
+                <a:lumMod val="99000"/>
+                <a:satMod val="120000"/>
+                <a:shade val="78000"/>
+              </a:schemeClr>
+            </a:gs>
+          </a:gsLst>
+          <a:lin ang="5400000" scaled="0"/>
+        </a:gradFill>
+      </a:fillStyleLst>
+      <a:lnStyleLst>
+        <a:ln w="6350" cap="flat" cmpd="sng" algn="ctr">
+          <a:solidFill>
+            <a:schemeClr val="phClr"/>
+          </a:solidFill>
+          <a:prstDash val="solid"/>
+          <a:miter lim="800000"/>
+        </a:ln>
+        <a:ln w="12700" cap="flat" cmpd="sng" algn="ctr">
+          <a:solidFill>
+            <a:schemeClr val="phClr"/>
+          </a:solidFill>
+          <a:prstDash val="solid"/>
+          <a:miter lim="800000"/>
+        </a:ln>
+        <a:ln w="19050" cap="flat" cmpd="sng" algn="ctr">
+          <a:solidFill>
+            <a:schemeClr val="phClr"/>
+          </a:solidFill>
+          <a:prstDash val="solid"/>
+          <a:miter lim="800000"/>
+        </a:ln>
+      </a:lnStyleLst>
+      <a:effectStyleLst>
+        <a:effectStyle>
+          <a:effectLst/>
+        </a:effectStyle>
+        <a:effectStyle>
+          <a:effectLst/>
+        </a:effectStyle>
+        <a:effectStyle>
+          <a:effectLst>
+            <a:outerShdw blurRad="57150" dist="19050" dir="5400000" algn="ctr" rotWithShape="0">
+              <a:srgbClr val="000000">
+                <a:alpha val="63000"/>
+              </a:srgbClr>
+            </a:outerShdw>
+          </a:effectLst>
+        </a:effectStyle>
+      </a:effectStyleLst>
+      <a:bgFillStyleLst>
+        <a:solidFill>
+          <a:schemeClr val="phClr"/>
+        </a:solidFill>
+        <a:solidFill>
+          <a:schemeClr val="phClr">
+            <a:tint val="95000"/>
+            <a:satMod val="170000"/>
+          </a:schemeClr>
+        </a:solidFill>
+        <a:gradFill rotWithShape="1">
+          <a:gsLst>
+            <a:gs pos="0">
+              <a:schemeClr val="phClr">
+                <a:tint val="93000"/>
+                <a:satMod val="150000"/>
+                <a:shade val="98000"/>
+                <a:lumMod val="102000"/>
+              </a:schemeClr>
+            </a:gs>
+            <a:gs pos="50000">
+              <a:schemeClr val="phClr">
+                <a:tint val="98000"/>
+                <a:satMod val="130000"/>
+                <a:shade val="90000"/>
+                <a:lumMod val="103000"/>
+              </a:schemeClr>
+            </a:gs>
+            <a:gs pos="100000">
+              <a:schemeClr val="phClr">
+                <a:shade val="63000"/>
+                <a:satMod val="120000"/>
+              </a:schemeClr>
+            </a:gs>
+          </a:gsLst>
+          <a:lin ang="5400000" scaled="0"/>
+        </a:gradFill>
+      </a:bgFillStyleLst>
+    </a:fmtScheme>
+  </a:themeElements>
+  <a:objectDefaults/>
+  <a:extraClrSchemeLst/>
+  <a:extLst>
+    <a:ext uri="{05A4C25C-085E-4340-85A3-A5531E510DB2}">
+      <thm15:themeFamily xmlns:thm15="http://schemas.microsoft.com/office/thememl/2012/main" name="Office Theme" id="{62F939B6-93AF-4DB8-9C6B-D6C7DFDC589F}" vid="{4A3C46E8-61CC-4603-A589-7422A47A8E4A}"/>
+    </a:ext>
+  </a:extLst>
+</a:theme>
 </file>
--- a/cppcon2017.pptx
+++ b/cppcon2017.pptx
@@ -5,7 +5,7 @@
     <p:sldMasterId id="2147483648" r:id="rId1"/>
   </p:sldMasterIdLst>
   <p:notesMasterIdLst>
-    <p:notesMasterId r:id="rId10"/>
+    <p:notesMasterId r:id="rId11"/>
   </p:notesMasterIdLst>
   <p:sldIdLst>
     <p:sldId id="256" r:id="rId2"/>
@@ -13,9 +13,10 @@
     <p:sldId id="258" r:id="rId4"/>
     <p:sldId id="262" r:id="rId5"/>
     <p:sldId id="263" r:id="rId6"/>
-    <p:sldId id="259" r:id="rId7"/>
-    <p:sldId id="260" r:id="rId8"/>
-    <p:sldId id="261" r:id="rId9"/>
+    <p:sldId id="264" r:id="rId7"/>
+    <p:sldId id="259" r:id="rId8"/>
+    <p:sldId id="260" r:id="rId9"/>
+    <p:sldId id="261" r:id="rId10"/>
   </p:sldIdLst>
   <p:sldSz cx="12192000" cy="6858000"/>
   <p:notesSz cx="6858000" cy="9144000"/>
@@ -4317,11 +4318,7 @@
           <a:bodyPr/>
           <a:lstStyle/>
           <a:p>
-            <a:r>
-              <a:rPr lang="en-US" altLang="zh-CN" dirty="0"/>
-              <a:t>implementation</a:t>
-            </a:r>
-            <a:endParaRPr lang="zh-CN" altLang="en-US" dirty="0"/>
+            <a:endParaRPr lang="zh-CN" altLang="en-US"/>
           </a:p>
         </p:txBody>
       </p:sp>
@@ -4340,54 +4337,135 @@
           <a:bodyPr/>
           <a:lstStyle/>
           <a:p>
-            <a:r>
-              <a:rPr lang="en-US" altLang="zh-CN" dirty="0"/>
-              <a:t>technology </a:t>
-            </a:r>
-            <a:r>
-              <a:rPr lang="en-US" altLang="zh-CN" dirty="0" smtClean="0"/>
-              <a:t>foundation(macro)</a:t>
-            </a:r>
-          </a:p>
-          <a:p>
-            <a:r>
-              <a:rPr lang="en-US" altLang="zh-CN" dirty="0"/>
-              <a:t>technical </a:t>
-            </a:r>
-            <a:r>
-              <a:rPr lang="en-US" altLang="zh-CN" dirty="0" smtClean="0"/>
-              <a:t>thought</a:t>
-            </a:r>
-          </a:p>
-          <a:p>
-            <a:r>
-              <a:rPr lang="en-US" altLang="zh-CN" dirty="0"/>
-              <a:t>concrete </a:t>
-            </a:r>
-            <a:r>
-              <a:rPr lang="en-US" altLang="zh-CN" dirty="0" smtClean="0"/>
-              <a:t>implementation</a:t>
-            </a:r>
-          </a:p>
-          <a:p>
-            <a:r>
-              <a:rPr lang="en-US" altLang="zh-CN" dirty="0" smtClean="0"/>
-              <a:t>limitations</a:t>
-            </a:r>
-          </a:p>
-          <a:p>
-            <a:r>
-              <a:rPr lang="en-US" altLang="zh-CN" dirty="0"/>
-              <a:t>proposals of reflection</a:t>
-            </a:r>
-            <a:endParaRPr lang="zh-CN" altLang="en-US" dirty="0"/>
+            <a:endParaRPr lang="zh-CN" altLang="en-US"/>
+          </a:p>
+        </p:txBody>
+      </p:sp>
+      <p:pic>
+        <p:nvPicPr>
+          <p:cNvPr id="4" name="图片 3"/>
+          <p:cNvPicPr>
+            <a:picLocks noChangeAspect="1"/>
+          </p:cNvPicPr>
+          <p:nvPr/>
+        </p:nvPicPr>
+        <p:blipFill>
+          <a:blip r:embed="rId2"/>
+          <a:stretch>
+            <a:fillRect/>
+          </a:stretch>
+        </p:blipFill>
+        <p:spPr>
+          <a:xfrm>
+            <a:off x="3238857" y="2044192"/>
+            <a:ext cx="5714286" cy="2038095"/>
+          </a:xfrm>
+          <a:prstGeom prst="rect">
+            <a:avLst/>
+          </a:prstGeom>
+        </p:spPr>
+      </p:pic>
+      <p:sp>
+        <p:nvSpPr>
+          <p:cNvPr id="5" name="矩形 4"/>
+          <p:cNvSpPr/>
+          <p:nvPr/>
+        </p:nvSpPr>
+        <p:spPr>
+          <a:xfrm>
+            <a:off x="2535159" y="4829961"/>
+            <a:ext cx="7441011" cy="461665"/>
+          </a:xfrm>
+          <a:prstGeom prst="rect">
+            <a:avLst/>
+          </a:prstGeom>
+        </p:spPr>
+        <p:txBody>
+          <a:bodyPr wrap="none">
+            <a:spAutoFit/>
+          </a:bodyPr>
+          <a:lstStyle/>
+          <a:p>
+            <a:r>
+              <a:rPr lang="zh-CN" altLang="en-US" sz="2400" dirty="0"/>
+              <a:t>automatically mapping metadata to any other data format</a:t>
+            </a:r>
+          </a:p>
+        </p:txBody>
+      </p:sp>
+      <p:sp>
+        <p:nvSpPr>
+          <p:cNvPr id="6" name="矩形 5"/>
+          <p:cNvSpPr/>
+          <p:nvPr/>
+        </p:nvSpPr>
+        <p:spPr>
+          <a:xfrm>
+            <a:off x="4762685" y="2265975"/>
+            <a:ext cx="1085297" cy="369332"/>
+          </a:xfrm>
+          <a:prstGeom prst="rect">
+            <a:avLst/>
+          </a:prstGeom>
+        </p:spPr>
+        <p:txBody>
+          <a:bodyPr wrap="none">
+            <a:spAutoFit/>
+          </a:bodyPr>
+          <a:lstStyle/>
+          <a:p>
+            <a:r>
+              <a:rPr lang="en-US" altLang="zh-CN" dirty="0">
+                <a:solidFill>
+                  <a:srgbClr val="FF0000"/>
+                </a:solidFill>
+              </a:rPr>
+              <a:t>reflection</a:t>
+            </a:r>
+            <a:endParaRPr lang="zh-CN" altLang="en-US" dirty="0">
+              <a:solidFill>
+                <a:srgbClr val="FF0000"/>
+              </a:solidFill>
+            </a:endParaRPr>
+          </a:p>
+        </p:txBody>
+      </p:sp>
+      <p:sp>
+        <p:nvSpPr>
+          <p:cNvPr id="7" name="矩形 6"/>
+          <p:cNvSpPr/>
+          <p:nvPr/>
+        </p:nvSpPr>
+        <p:spPr>
+          <a:xfrm>
+            <a:off x="6586590" y="2265975"/>
+            <a:ext cx="1085297" cy="369332"/>
+          </a:xfrm>
+          <a:prstGeom prst="rect">
+            <a:avLst/>
+          </a:prstGeom>
+        </p:spPr>
+        <p:txBody>
+          <a:bodyPr wrap="none">
+            <a:spAutoFit/>
+          </a:bodyPr>
+          <a:lstStyle/>
+          <a:p>
+            <a:r>
+              <a:rPr lang="zh-CN" altLang="en-US" dirty="0">
+                <a:solidFill>
+                  <a:srgbClr val="FF0000"/>
+                </a:solidFill>
+              </a:rPr>
+              <a:t>reflection</a:t>
+            </a:r>
           </a:p>
         </p:txBody>
       </p:sp>
     </p:spTree>
     <p:extLst>
       <p:ext uri="{BB962C8B-B14F-4D97-AF65-F5344CB8AC3E}">
-        <p14:creationId xmlns:p14="http://schemas.microsoft.com/office/powerpoint/2010/main" val="1735970390"/>
+        <p14:creationId xmlns:p14="http://schemas.microsoft.com/office/powerpoint/2010/main" val="3946134553"/>
       </p:ext>
     </p:extLst>
   </p:cSld>
@@ -4397,9 +4475,157 @@
   <p:timing>
     <p:tnLst>
       <p:par>
-        <p:cTn id="1" dur="indefinite" restart="never" nodeType="tmRoot"/>
+        <p:cTn id="1" dur="indefinite" restart="never" nodeType="tmRoot">
+          <p:childTnLst>
+            <p:seq concurrent="1" nextAc="seek">
+              <p:cTn id="2" dur="indefinite" nodeType="mainSeq">
+                <p:childTnLst>
+                  <p:par>
+                    <p:cTn id="3" fill="hold">
+                      <p:stCondLst>
+                        <p:cond delay="indefinite"/>
+                      </p:stCondLst>
+                      <p:childTnLst>
+                        <p:par>
+                          <p:cTn id="4" fill="hold">
+                            <p:stCondLst>
+                              <p:cond delay="0"/>
+                            </p:stCondLst>
+                            <p:childTnLst>
+                              <p:par>
+                                <p:cTn id="5" presetID="31" presetClass="entr" presetSubtype="0" fill="hold" grpId="0" nodeType="clickEffect">
+                                  <p:stCondLst>
+                                    <p:cond delay="0"/>
+                                  </p:stCondLst>
+                                  <p:childTnLst>
+                                    <p:set>
+                                      <p:cBhvr>
+                                        <p:cTn id="6" dur="1" fill="hold">
+                                          <p:stCondLst>
+                                            <p:cond delay="0"/>
+                                          </p:stCondLst>
+                                        </p:cTn>
+                                        <p:tgtEl>
+                                          <p:spTgt spid="5"/>
+                                        </p:tgtEl>
+                                        <p:attrNameLst>
+                                          <p:attrName>style.visibility</p:attrName>
+                                        </p:attrNameLst>
+                                      </p:cBhvr>
+                                      <p:to>
+                                        <p:strVal val="visible"/>
+                                      </p:to>
+                                    </p:set>
+                                    <p:anim calcmode="lin" valueType="num">
+                                      <p:cBhvr>
+                                        <p:cTn id="7" dur="1000" fill="hold"/>
+                                        <p:tgtEl>
+                                          <p:spTgt spid="5"/>
+                                        </p:tgtEl>
+                                        <p:attrNameLst>
+                                          <p:attrName>ppt_w</p:attrName>
+                                        </p:attrNameLst>
+                                      </p:cBhvr>
+                                      <p:tavLst>
+                                        <p:tav tm="0">
+                                          <p:val>
+                                            <p:fltVal val="0"/>
+                                          </p:val>
+                                        </p:tav>
+                                        <p:tav tm="100000">
+                                          <p:val>
+                                            <p:strVal val="#ppt_w"/>
+                                          </p:val>
+                                        </p:tav>
+                                      </p:tavLst>
+                                    </p:anim>
+                                    <p:anim calcmode="lin" valueType="num">
+                                      <p:cBhvr>
+                                        <p:cTn id="8" dur="1000" fill="hold"/>
+                                        <p:tgtEl>
+                                          <p:spTgt spid="5"/>
+                                        </p:tgtEl>
+                                        <p:attrNameLst>
+                                          <p:attrName>ppt_h</p:attrName>
+                                        </p:attrNameLst>
+                                      </p:cBhvr>
+                                      <p:tavLst>
+                                        <p:tav tm="0">
+                                          <p:val>
+                                            <p:fltVal val="0"/>
+                                          </p:val>
+                                        </p:tav>
+                                        <p:tav tm="100000">
+                                          <p:val>
+                                            <p:strVal val="#ppt_h"/>
+                                          </p:val>
+                                        </p:tav>
+                                      </p:tavLst>
+                                    </p:anim>
+                                    <p:anim calcmode="lin" valueType="num">
+                                      <p:cBhvr>
+                                        <p:cTn id="9" dur="1000" fill="hold"/>
+                                        <p:tgtEl>
+                                          <p:spTgt spid="5"/>
+                                        </p:tgtEl>
+                                        <p:attrNameLst>
+                                          <p:attrName>style.rotation</p:attrName>
+                                        </p:attrNameLst>
+                                      </p:cBhvr>
+                                      <p:tavLst>
+                                        <p:tav tm="0">
+                                          <p:val>
+                                            <p:fltVal val="90"/>
+                                          </p:val>
+                                        </p:tav>
+                                        <p:tav tm="100000">
+                                          <p:val>
+                                            <p:fltVal val="0"/>
+                                          </p:val>
+                                        </p:tav>
+                                      </p:tavLst>
+                                    </p:anim>
+                                    <p:animEffect transition="in" filter="fade">
+                                      <p:cBhvr>
+                                        <p:cTn id="10" dur="1000"/>
+                                        <p:tgtEl>
+                                          <p:spTgt spid="5"/>
+                                        </p:tgtEl>
+                                      </p:cBhvr>
+                                    </p:animEffect>
+                                  </p:childTnLst>
+                                </p:cTn>
+                              </p:par>
+                            </p:childTnLst>
+                          </p:cTn>
+                        </p:par>
+                      </p:childTnLst>
+                    </p:cTn>
+                  </p:par>
+                </p:childTnLst>
+              </p:cTn>
+              <p:prevCondLst>
+                <p:cond evt="onPrev" delay="0">
+                  <p:tgtEl>
+                    <p:sldTgt/>
+                  </p:tgtEl>
+                </p:cond>
+              </p:prevCondLst>
+              <p:nextCondLst>
+                <p:cond evt="onNext" delay="0">
+                  <p:tgtEl>
+                    <p:sldTgt/>
+                  </p:tgtEl>
+                </p:cond>
+              </p:nextCondLst>
+            </p:seq>
+          </p:childTnLst>
+        </p:cTn>
       </p:par>
     </p:tnLst>
+    <p:bldLst>
+      <p:bldP spid="5" grpId="0"/>
+    </p:bldLst>
   </p:timing>
 </p:sld>
 </file>
@@ -4438,6 +4664,125 @@
           <a:p>
             <a:r>
               <a:rPr lang="en-US" altLang="zh-CN" dirty="0"/>
+              <a:t>implementation</a:t>
+            </a:r>
+            <a:endParaRPr lang="zh-CN" altLang="en-US" dirty="0"/>
+          </a:p>
+        </p:txBody>
+      </p:sp>
+      <p:sp>
+        <p:nvSpPr>
+          <p:cNvPr id="3" name="内容占位符 2"/>
+          <p:cNvSpPr>
+            <a:spLocks noGrp="1"/>
+          </p:cNvSpPr>
+          <p:nvPr>
+            <p:ph idx="1"/>
+          </p:nvPr>
+        </p:nvSpPr>
+        <p:spPr/>
+        <p:txBody>
+          <a:bodyPr/>
+          <a:lstStyle/>
+          <a:p>
+            <a:r>
+              <a:rPr lang="en-US" altLang="zh-CN" dirty="0"/>
+              <a:t>technology </a:t>
+            </a:r>
+            <a:r>
+              <a:rPr lang="en-US" altLang="zh-CN" dirty="0" smtClean="0"/>
+              <a:t>foundation(macro)</a:t>
+            </a:r>
+          </a:p>
+          <a:p>
+            <a:r>
+              <a:rPr lang="en-US" altLang="zh-CN" dirty="0"/>
+              <a:t>technical </a:t>
+            </a:r>
+            <a:r>
+              <a:rPr lang="en-US" altLang="zh-CN" dirty="0" smtClean="0"/>
+              <a:t>thought</a:t>
+            </a:r>
+          </a:p>
+          <a:p>
+            <a:r>
+              <a:rPr lang="en-US" altLang="zh-CN" dirty="0"/>
+              <a:t>concrete </a:t>
+            </a:r>
+            <a:r>
+              <a:rPr lang="en-US" altLang="zh-CN" dirty="0" smtClean="0"/>
+              <a:t>implementation</a:t>
+            </a:r>
+          </a:p>
+          <a:p>
+            <a:r>
+              <a:rPr lang="en-US" altLang="zh-CN" dirty="0" smtClean="0"/>
+              <a:t>limitations</a:t>
+            </a:r>
+          </a:p>
+          <a:p>
+            <a:r>
+              <a:rPr lang="en-US" altLang="zh-CN" dirty="0"/>
+              <a:t>proposals of reflection</a:t>
+            </a:r>
+            <a:endParaRPr lang="zh-CN" altLang="en-US" dirty="0"/>
+          </a:p>
+        </p:txBody>
+      </p:sp>
+    </p:spTree>
+    <p:extLst>
+      <p:ext uri="{BB962C8B-B14F-4D97-AF65-F5344CB8AC3E}">
+        <p14:creationId xmlns:p14="http://schemas.microsoft.com/office/powerpoint/2010/main" val="1735970390"/>
+      </p:ext>
+    </p:extLst>
+  </p:cSld>
+  <p:clrMapOvr>
+    <a:masterClrMapping/>
+  </p:clrMapOvr>
+  <p:timing>
+    <p:tnLst>
+      <p:par>
+        <p:cTn id="1" dur="indefinite" restart="never" nodeType="tmRoot"/>
+      </p:par>
+    </p:tnLst>
+  </p:timing>
+</p:sld>
+</file>
+
+<file path=ppt/slides/slide8.xml><?xml version="1.0" encoding="utf-8"?>
+<p:sld xmlns:a="http://schemas.openxmlformats.org/drawingml/2006/main" xmlns:r="http://schemas.openxmlformats.org/officeDocument/2006/relationships" xmlns:p="http://schemas.openxmlformats.org/presentationml/2006/main">
+  <p:cSld>
+    <p:spTree>
+      <p:nvGrpSpPr>
+        <p:cNvPr id="1" name=""/>
+        <p:cNvGrpSpPr/>
+        <p:nvPr/>
+      </p:nvGrpSpPr>
+      <p:grpSpPr>
+        <a:xfrm>
+          <a:off x="0" y="0"/>
+          <a:ext cx="0" cy="0"/>
+          <a:chOff x="0" y="0"/>
+          <a:chExt cx="0" cy="0"/>
+        </a:xfrm>
+      </p:grpSpPr>
+      <p:sp>
+        <p:nvSpPr>
+          <p:cNvPr id="2" name="标题 1"/>
+          <p:cNvSpPr>
+            <a:spLocks noGrp="1"/>
+          </p:cNvSpPr>
+          <p:nvPr>
+            <p:ph type="title"/>
+          </p:nvPr>
+        </p:nvSpPr>
+        <p:spPr/>
+        <p:txBody>
+          <a:bodyPr/>
+          <a:lstStyle/>
+          <a:p>
+            <a:r>
+              <a:rPr lang="en-US" altLang="zh-CN" dirty="0"/>
               <a:t>application of compile-time </a:t>
             </a:r>
             <a:r>
@@ -4496,7 +4841,7 @@
 </p:sld>
 </file>
 
-<file path=ppt/slides/slide8.xml><?xml version="1.0" encoding="utf-8"?>
+<file path=ppt/slides/slide9.xml><?xml version="1.0" encoding="utf-8"?>
 <p:sld xmlns:a="http://schemas.openxmlformats.org/drawingml/2006/main" xmlns:r="http://schemas.openxmlformats.org/officeDocument/2006/relationships" xmlns:p="http://schemas.openxmlformats.org/presentationml/2006/main">
   <p:cSld>
     <p:spTree>

--- a/cppcon2017.pptx
+++ b/cppcon2017.pptx
@@ -5,7 +5,7 @@
     <p:sldMasterId id="2147483648" r:id="rId1"/>
   </p:sldMasterIdLst>
   <p:notesMasterIdLst>
-    <p:notesMasterId r:id="rId11"/>
+    <p:notesMasterId r:id="rId18"/>
   </p:notesMasterIdLst>
   <p:sldIdLst>
     <p:sldId id="256" r:id="rId2"/>
@@ -14,9 +14,16 @@
     <p:sldId id="262" r:id="rId5"/>
     <p:sldId id="263" r:id="rId6"/>
     <p:sldId id="264" r:id="rId7"/>
-    <p:sldId id="259" r:id="rId8"/>
-    <p:sldId id="260" r:id="rId9"/>
-    <p:sldId id="261" r:id="rId10"/>
+    <p:sldId id="265" r:id="rId8"/>
+    <p:sldId id="267" r:id="rId9"/>
+    <p:sldId id="266" r:id="rId10"/>
+    <p:sldId id="268" r:id="rId11"/>
+    <p:sldId id="269" r:id="rId12"/>
+    <p:sldId id="259" r:id="rId13"/>
+    <p:sldId id="270" r:id="rId14"/>
+    <p:sldId id="260" r:id="rId15"/>
+    <p:sldId id="271" r:id="rId16"/>
+    <p:sldId id="261" r:id="rId17"/>
   </p:sldIdLst>
   <p:sldSz cx="12192000" cy="6858000"/>
   <p:notesSz cx="6858000" cy="9144000"/>
@@ -205,7 +212,7 @@
           <a:p>
             <a:fld id="{5377FA5C-DFF1-4473-9BD3-3D161C07B6AF}" type="datetimeFigureOut">
               <a:rPr lang="zh-CN" altLang="en-US" smtClean="0"/>
-              <a:t>2017-08-18</a:t>
+              <a:t>2017-08-21</a:t>
             </a:fld>
             <a:endParaRPr lang="zh-CN" altLang="en-US"/>
           </a:p>
@@ -563,6 +570,90 @@
 </p:notes>
 </file>
 
+<file path=ppt/notesSlides/notesSlide2.xml><?xml version="1.0" encoding="utf-8"?>
+<p:notes xmlns:a="http://schemas.openxmlformats.org/drawingml/2006/main" xmlns:r="http://schemas.openxmlformats.org/officeDocument/2006/relationships" xmlns:p="http://schemas.openxmlformats.org/presentationml/2006/main">
+  <p:cSld>
+    <p:spTree>
+      <p:nvGrpSpPr>
+        <p:cNvPr id="1" name=""/>
+        <p:cNvGrpSpPr/>
+        <p:nvPr/>
+      </p:nvGrpSpPr>
+      <p:grpSpPr>
+        <a:xfrm>
+          <a:off x="0" y="0"/>
+          <a:ext cx="0" cy="0"/>
+          <a:chOff x="0" y="0"/>
+          <a:chExt cx="0" cy="0"/>
+        </a:xfrm>
+      </p:grpSpPr>
+      <p:sp>
+        <p:nvSpPr>
+          <p:cNvPr id="2" name="幻灯片图像占位符 1"/>
+          <p:cNvSpPr>
+            <a:spLocks noGrp="1" noRot="1" noChangeAspect="1"/>
+          </p:cNvSpPr>
+          <p:nvPr>
+            <p:ph type="sldImg"/>
+          </p:nvPr>
+        </p:nvSpPr>
+        <p:spPr/>
+      </p:sp>
+      <p:sp>
+        <p:nvSpPr>
+          <p:cNvPr id="3" name="备注占位符 2"/>
+          <p:cNvSpPr>
+            <a:spLocks noGrp="1"/>
+          </p:cNvSpPr>
+          <p:nvPr>
+            <p:ph type="body" idx="1"/>
+          </p:nvPr>
+        </p:nvSpPr>
+        <p:spPr/>
+        <p:txBody>
+          <a:bodyPr/>
+          <a:lstStyle/>
+          <a:p>
+            <a:endParaRPr lang="zh-CN" altLang="en-US" dirty="0"/>
+          </a:p>
+        </p:txBody>
+      </p:sp>
+      <p:sp>
+        <p:nvSpPr>
+          <p:cNvPr id="4" name="灯片编号占位符 3"/>
+          <p:cNvSpPr>
+            <a:spLocks noGrp="1"/>
+          </p:cNvSpPr>
+          <p:nvPr>
+            <p:ph type="sldNum" sz="quarter" idx="10"/>
+          </p:nvPr>
+        </p:nvSpPr>
+        <p:spPr/>
+        <p:txBody>
+          <a:bodyPr/>
+          <a:lstStyle/>
+          <a:p>
+            <a:fld id="{C9825B02-673D-4C5E-88E2-1F72A1758DC8}" type="slidenum">
+              <a:rPr lang="zh-CN" altLang="en-US" smtClean="0"/>
+              <a:t>8</a:t>
+            </a:fld>
+            <a:endParaRPr lang="zh-CN" altLang="en-US"/>
+          </a:p>
+        </p:txBody>
+      </p:sp>
+    </p:spTree>
+    <p:extLst>
+      <p:ext uri="{BB962C8B-B14F-4D97-AF65-F5344CB8AC3E}">
+        <p14:creationId xmlns:p14="http://schemas.microsoft.com/office/powerpoint/2010/main" val="3348335271"/>
+      </p:ext>
+    </p:extLst>
+  </p:cSld>
+  <p:clrMapOvr>
+    <a:masterClrMapping/>
+  </p:clrMapOvr>
+</p:notes>
+</file>
+
 <file path=ppt/slideLayouts/slideLayout1.xml><?xml version="1.0" encoding="utf-8"?>
 <p:sldLayout xmlns:a="http://schemas.openxmlformats.org/drawingml/2006/main" xmlns:r="http://schemas.openxmlformats.org/officeDocument/2006/relationships" xmlns:p="http://schemas.openxmlformats.org/presentationml/2006/main" type="title" preserve="1">
   <p:cSld name="标题幻灯片">
@@ -694,7 +785,7 @@
           <a:p>
             <a:fld id="{AA590AAA-E2D3-492C-81F3-DC050E22F9CA}" type="datetimeFigureOut">
               <a:rPr lang="zh-CN" altLang="en-US" smtClean="0"/>
-              <a:t>2017-08-18</a:t>
+              <a:t>2017-08-21</a:t>
             </a:fld>
             <a:endParaRPr lang="zh-CN" altLang="en-US"/>
           </a:p>
@@ -864,7 +955,7 @@
           <a:p>
             <a:fld id="{AA590AAA-E2D3-492C-81F3-DC050E22F9CA}" type="datetimeFigureOut">
               <a:rPr lang="zh-CN" altLang="en-US" smtClean="0"/>
-              <a:t>2017-08-18</a:t>
+              <a:t>2017-08-21</a:t>
             </a:fld>
             <a:endParaRPr lang="zh-CN" altLang="en-US"/>
           </a:p>
@@ -1044,7 +1135,7 @@
           <a:p>
             <a:fld id="{AA590AAA-E2D3-492C-81F3-DC050E22F9CA}" type="datetimeFigureOut">
               <a:rPr lang="zh-CN" altLang="en-US" smtClean="0"/>
-              <a:t>2017-08-18</a:t>
+              <a:t>2017-08-21</a:t>
             </a:fld>
             <a:endParaRPr lang="zh-CN" altLang="en-US"/>
           </a:p>
@@ -1214,7 +1305,7 @@
           <a:p>
             <a:fld id="{AA590AAA-E2D3-492C-81F3-DC050E22F9CA}" type="datetimeFigureOut">
               <a:rPr lang="zh-CN" altLang="en-US" smtClean="0"/>
-              <a:t>2017-08-18</a:t>
+              <a:t>2017-08-21</a:t>
             </a:fld>
             <a:endParaRPr lang="zh-CN" altLang="en-US"/>
           </a:p>
@@ -1460,7 +1551,7 @@
           <a:p>
             <a:fld id="{AA590AAA-E2D3-492C-81F3-DC050E22F9CA}" type="datetimeFigureOut">
               <a:rPr lang="zh-CN" altLang="en-US" smtClean="0"/>
-              <a:t>2017-08-18</a:t>
+              <a:t>2017-08-21</a:t>
             </a:fld>
             <a:endParaRPr lang="zh-CN" altLang="en-US"/>
           </a:p>
@@ -1692,7 +1783,7 @@
           <a:p>
             <a:fld id="{AA590AAA-E2D3-492C-81F3-DC050E22F9CA}" type="datetimeFigureOut">
               <a:rPr lang="zh-CN" altLang="en-US" smtClean="0"/>
-              <a:t>2017-08-18</a:t>
+              <a:t>2017-08-21</a:t>
             </a:fld>
             <a:endParaRPr lang="zh-CN" altLang="en-US"/>
           </a:p>
@@ -2059,7 +2150,7 @@
           <a:p>
             <a:fld id="{AA590AAA-E2D3-492C-81F3-DC050E22F9CA}" type="datetimeFigureOut">
               <a:rPr lang="zh-CN" altLang="en-US" smtClean="0"/>
-              <a:t>2017-08-18</a:t>
+              <a:t>2017-08-21</a:t>
             </a:fld>
             <a:endParaRPr lang="zh-CN" altLang="en-US"/>
           </a:p>
@@ -2177,7 +2268,7 @@
           <a:p>
             <a:fld id="{AA590AAA-E2D3-492C-81F3-DC050E22F9CA}" type="datetimeFigureOut">
               <a:rPr lang="zh-CN" altLang="en-US" smtClean="0"/>
-              <a:t>2017-08-18</a:t>
+              <a:t>2017-08-21</a:t>
             </a:fld>
             <a:endParaRPr lang="zh-CN" altLang="en-US"/>
           </a:p>
@@ -2272,7 +2363,7 @@
           <a:p>
             <a:fld id="{AA590AAA-E2D3-492C-81F3-DC050E22F9CA}" type="datetimeFigureOut">
               <a:rPr lang="zh-CN" altLang="en-US" smtClean="0"/>
-              <a:t>2017-08-18</a:t>
+              <a:t>2017-08-21</a:t>
             </a:fld>
             <a:endParaRPr lang="zh-CN" altLang="en-US"/>
           </a:p>
@@ -2549,7 +2640,7 @@
           <a:p>
             <a:fld id="{AA590AAA-E2D3-492C-81F3-DC050E22F9CA}" type="datetimeFigureOut">
               <a:rPr lang="zh-CN" altLang="en-US" smtClean="0"/>
-              <a:t>2017-08-18</a:t>
+              <a:t>2017-08-21</a:t>
             </a:fld>
             <a:endParaRPr lang="zh-CN" altLang="en-US"/>
           </a:p>
@@ -2802,7 +2893,7 @@
           <a:p>
             <a:fld id="{AA590AAA-E2D3-492C-81F3-DC050E22F9CA}" type="datetimeFigureOut">
               <a:rPr lang="zh-CN" altLang="en-US" smtClean="0"/>
-              <a:t>2017-08-18</a:t>
+              <a:t>2017-08-21</a:t>
             </a:fld>
             <a:endParaRPr lang="zh-CN" altLang="en-US"/>
           </a:p>
@@ -3015,7 +3106,7 @@
           <a:p>
             <a:fld id="{AA590AAA-E2D3-492C-81F3-DC050E22F9CA}" type="datetimeFigureOut">
               <a:rPr lang="zh-CN" altLang="en-US" smtClean="0"/>
-              <a:t>2017-08-18</a:t>
+              <a:t>2017-08-21</a:t>
             </a:fld>
             <a:endParaRPr lang="zh-CN" altLang="en-US"/>
           </a:p>
@@ -3481,6 +3572,993 @@
 </p:sld>
 </file>
 
+<file path=ppt/slides/slide10.xml><?xml version="1.0" encoding="utf-8"?>
+<p:sld xmlns:a="http://schemas.openxmlformats.org/drawingml/2006/main" xmlns:r="http://schemas.openxmlformats.org/officeDocument/2006/relationships" xmlns:p="http://schemas.openxmlformats.org/presentationml/2006/main">
+  <p:cSld>
+    <p:spTree>
+      <p:nvGrpSpPr>
+        <p:cNvPr id="1" name=""/>
+        <p:cNvGrpSpPr/>
+        <p:nvPr/>
+      </p:nvGrpSpPr>
+      <p:grpSpPr>
+        <a:xfrm>
+          <a:off x="0" y="0"/>
+          <a:ext cx="0" cy="0"/>
+          <a:chOff x="0" y="0"/>
+          <a:chExt cx="0" cy="0"/>
+        </a:xfrm>
+      </p:grpSpPr>
+      <p:sp>
+        <p:nvSpPr>
+          <p:cNvPr id="2" name="标题 1"/>
+          <p:cNvSpPr>
+            <a:spLocks noGrp="1"/>
+          </p:cNvSpPr>
+          <p:nvPr>
+            <p:ph type="title"/>
+          </p:nvPr>
+        </p:nvSpPr>
+        <p:spPr/>
+        <p:txBody>
+          <a:bodyPr/>
+          <a:lstStyle/>
+          <a:p>
+            <a:r>
+              <a:rPr lang="en-US" altLang="zh-CN" dirty="0"/>
+              <a:t>what can it be used for</a:t>
+            </a:r>
+            <a:r>
+              <a:rPr lang="en-US" altLang="zh-CN" dirty="0" smtClean="0"/>
+              <a:t>?</a:t>
+            </a:r>
+            <a:endParaRPr lang="zh-CN" altLang="en-US" dirty="0"/>
+          </a:p>
+        </p:txBody>
+      </p:sp>
+      <p:sp>
+        <p:nvSpPr>
+          <p:cNvPr id="3" name="内容占位符 2"/>
+          <p:cNvSpPr>
+            <a:spLocks noGrp="1"/>
+          </p:cNvSpPr>
+          <p:nvPr>
+            <p:ph idx="1"/>
+          </p:nvPr>
+        </p:nvSpPr>
+        <p:spPr/>
+        <p:txBody>
+          <a:bodyPr/>
+          <a:lstStyle/>
+          <a:p>
+            <a:endParaRPr lang="zh-CN" altLang="en-US" dirty="0"/>
+          </a:p>
+        </p:txBody>
+      </p:sp>
+      <p:pic>
+        <p:nvPicPr>
+          <p:cNvPr id="4" name="图片 3"/>
+          <p:cNvPicPr>
+            <a:picLocks noChangeAspect="1"/>
+          </p:cNvPicPr>
+          <p:nvPr/>
+        </p:nvPicPr>
+        <p:blipFill>
+          <a:blip r:embed="rId2"/>
+          <a:stretch>
+            <a:fillRect/>
+          </a:stretch>
+        </p:blipFill>
+        <p:spPr>
+          <a:xfrm>
+            <a:off x="3500762" y="2524238"/>
+            <a:ext cx="5190476" cy="1809524"/>
+          </a:xfrm>
+          <a:prstGeom prst="rect">
+            <a:avLst/>
+          </a:prstGeom>
+        </p:spPr>
+      </p:pic>
+      <p:sp>
+        <p:nvSpPr>
+          <p:cNvPr id="5" name="矩形 4"/>
+          <p:cNvSpPr/>
+          <p:nvPr/>
+        </p:nvSpPr>
+        <p:spPr>
+          <a:xfrm>
+            <a:off x="2686347" y="5195992"/>
+            <a:ext cx="6819303" cy="461665"/>
+          </a:xfrm>
+          <a:prstGeom prst="rect">
+            <a:avLst/>
+          </a:prstGeom>
+        </p:spPr>
+        <p:txBody>
+          <a:bodyPr wrap="none">
+            <a:spAutoFit/>
+          </a:bodyPr>
+          <a:lstStyle/>
+          <a:p>
+            <a:r>
+              <a:rPr lang="zh-CN" altLang="en-US" sz="2400" dirty="0" smtClean="0"/>
+              <a:t>automatic</a:t>
+            </a:r>
+            <a:r>
+              <a:rPr lang="en-US" altLang="zh-CN" sz="2400" dirty="0" smtClean="0"/>
+              <a:t>ally</a:t>
+            </a:r>
+            <a:r>
+              <a:rPr lang="zh-CN" altLang="en-US" sz="2400" dirty="0" smtClean="0"/>
+              <a:t> </a:t>
+            </a:r>
+            <a:r>
+              <a:rPr lang="zh-CN" altLang="en-US" sz="2400" dirty="0"/>
+              <a:t>mapping metadata to any other format</a:t>
+            </a:r>
+          </a:p>
+        </p:txBody>
+      </p:sp>
+      <p:sp>
+        <p:nvSpPr>
+          <p:cNvPr id="6" name="矩形 5"/>
+          <p:cNvSpPr/>
+          <p:nvPr/>
+        </p:nvSpPr>
+        <p:spPr>
+          <a:xfrm>
+            <a:off x="5403502" y="4649461"/>
+            <a:ext cx="1384995" cy="461665"/>
+          </a:xfrm>
+          <a:prstGeom prst="rect">
+            <a:avLst/>
+          </a:prstGeom>
+        </p:spPr>
+        <p:txBody>
+          <a:bodyPr wrap="none">
+            <a:spAutoFit/>
+          </a:bodyPr>
+          <a:lstStyle/>
+          <a:p>
+            <a:r>
+              <a:rPr lang="zh-CN" altLang="en-US" sz="2400" dirty="0"/>
+              <a:t>reflection</a:t>
+            </a:r>
+          </a:p>
+        </p:txBody>
+      </p:sp>
+    </p:spTree>
+    <p:extLst>
+      <p:ext uri="{BB962C8B-B14F-4D97-AF65-F5344CB8AC3E}">
+        <p14:creationId xmlns:p14="http://schemas.microsoft.com/office/powerpoint/2010/main" val="2350111945"/>
+      </p:ext>
+    </p:extLst>
+  </p:cSld>
+  <p:clrMapOvr>
+    <a:masterClrMapping/>
+  </p:clrMapOvr>
+  <p:timing>
+    <p:tnLst>
+      <p:par>
+        <p:cTn id="1" dur="indefinite" restart="never" nodeType="tmRoot">
+          <p:childTnLst>
+            <p:seq concurrent="1" nextAc="seek">
+              <p:cTn id="2" dur="indefinite" nodeType="mainSeq">
+                <p:childTnLst>
+                  <p:par>
+                    <p:cTn id="3" fill="hold">
+                      <p:stCondLst>
+                        <p:cond delay="indefinite"/>
+                      </p:stCondLst>
+                      <p:childTnLst>
+                        <p:par>
+                          <p:cTn id="4" fill="hold">
+                            <p:stCondLst>
+                              <p:cond delay="0"/>
+                            </p:stCondLst>
+                            <p:childTnLst>
+                              <p:par>
+                                <p:cTn id="5" presetID="2" presetClass="entr" presetSubtype="4" fill="hold" grpId="0" nodeType="clickEffect">
+                                  <p:stCondLst>
+                                    <p:cond delay="0"/>
+                                  </p:stCondLst>
+                                  <p:childTnLst>
+                                    <p:set>
+                                      <p:cBhvr>
+                                        <p:cTn id="6" dur="1" fill="hold">
+                                          <p:stCondLst>
+                                            <p:cond delay="0"/>
+                                          </p:stCondLst>
+                                        </p:cTn>
+                                        <p:tgtEl>
+                                          <p:spTgt spid="6"/>
+                                        </p:tgtEl>
+                                        <p:attrNameLst>
+                                          <p:attrName>style.visibility</p:attrName>
+                                        </p:attrNameLst>
+                                      </p:cBhvr>
+                                      <p:to>
+                                        <p:strVal val="visible"/>
+                                      </p:to>
+                                    </p:set>
+                                    <p:anim calcmode="lin" valueType="num">
+                                      <p:cBhvr additive="base">
+                                        <p:cTn id="7" dur="500" fill="hold"/>
+                                        <p:tgtEl>
+                                          <p:spTgt spid="6"/>
+                                        </p:tgtEl>
+                                        <p:attrNameLst>
+                                          <p:attrName>ppt_x</p:attrName>
+                                        </p:attrNameLst>
+                                      </p:cBhvr>
+                                      <p:tavLst>
+                                        <p:tav tm="0">
+                                          <p:val>
+                                            <p:strVal val="#ppt_x"/>
+                                          </p:val>
+                                        </p:tav>
+                                        <p:tav tm="100000">
+                                          <p:val>
+                                            <p:strVal val="#ppt_x"/>
+                                          </p:val>
+                                        </p:tav>
+                                      </p:tavLst>
+                                    </p:anim>
+                                    <p:anim calcmode="lin" valueType="num">
+                                      <p:cBhvr additive="base">
+                                        <p:cTn id="8" dur="500" fill="hold"/>
+                                        <p:tgtEl>
+                                          <p:spTgt spid="6"/>
+                                        </p:tgtEl>
+                                        <p:attrNameLst>
+                                          <p:attrName>ppt_y</p:attrName>
+                                        </p:attrNameLst>
+                                      </p:cBhvr>
+                                      <p:tavLst>
+                                        <p:tav tm="0">
+                                          <p:val>
+                                            <p:strVal val="1+#ppt_h/2"/>
+                                          </p:val>
+                                        </p:tav>
+                                        <p:tav tm="100000">
+                                          <p:val>
+                                            <p:strVal val="#ppt_y"/>
+                                          </p:val>
+                                        </p:tav>
+                                      </p:tavLst>
+                                    </p:anim>
+                                  </p:childTnLst>
+                                </p:cTn>
+                              </p:par>
+                              <p:par>
+                                <p:cTn id="9" presetID="2" presetClass="entr" presetSubtype="4" fill="hold" grpId="0" nodeType="withEffect">
+                                  <p:stCondLst>
+                                    <p:cond delay="0"/>
+                                  </p:stCondLst>
+                                  <p:childTnLst>
+                                    <p:set>
+                                      <p:cBhvr>
+                                        <p:cTn id="10" dur="1" fill="hold">
+                                          <p:stCondLst>
+                                            <p:cond delay="0"/>
+                                          </p:stCondLst>
+                                        </p:cTn>
+                                        <p:tgtEl>
+                                          <p:spTgt spid="5"/>
+                                        </p:tgtEl>
+                                        <p:attrNameLst>
+                                          <p:attrName>style.visibility</p:attrName>
+                                        </p:attrNameLst>
+                                      </p:cBhvr>
+                                      <p:to>
+                                        <p:strVal val="visible"/>
+                                      </p:to>
+                                    </p:set>
+                                    <p:anim calcmode="lin" valueType="num">
+                                      <p:cBhvr additive="base">
+                                        <p:cTn id="11" dur="500" fill="hold"/>
+                                        <p:tgtEl>
+                                          <p:spTgt spid="5"/>
+                                        </p:tgtEl>
+                                        <p:attrNameLst>
+                                          <p:attrName>ppt_x</p:attrName>
+                                        </p:attrNameLst>
+                                      </p:cBhvr>
+                                      <p:tavLst>
+                                        <p:tav tm="0">
+                                          <p:val>
+                                            <p:strVal val="#ppt_x"/>
+                                          </p:val>
+                                        </p:tav>
+                                        <p:tav tm="100000">
+                                          <p:val>
+                                            <p:strVal val="#ppt_x"/>
+                                          </p:val>
+                                        </p:tav>
+                                      </p:tavLst>
+                                    </p:anim>
+                                    <p:anim calcmode="lin" valueType="num">
+                                      <p:cBhvr additive="base">
+                                        <p:cTn id="12" dur="500" fill="hold"/>
+                                        <p:tgtEl>
+                                          <p:spTgt spid="5"/>
+                                        </p:tgtEl>
+                                        <p:attrNameLst>
+                                          <p:attrName>ppt_y</p:attrName>
+                                        </p:attrNameLst>
+                                      </p:cBhvr>
+                                      <p:tavLst>
+                                        <p:tav tm="0">
+                                          <p:val>
+                                            <p:strVal val="1+#ppt_h/2"/>
+                                          </p:val>
+                                        </p:tav>
+                                        <p:tav tm="100000">
+                                          <p:val>
+                                            <p:strVal val="#ppt_y"/>
+                                          </p:val>
+                                        </p:tav>
+                                      </p:tavLst>
+                                    </p:anim>
+                                  </p:childTnLst>
+                                </p:cTn>
+                              </p:par>
+                            </p:childTnLst>
+                          </p:cTn>
+                        </p:par>
+                      </p:childTnLst>
+                    </p:cTn>
+                  </p:par>
+                </p:childTnLst>
+              </p:cTn>
+              <p:prevCondLst>
+                <p:cond evt="onPrev" delay="0">
+                  <p:tgtEl>
+                    <p:sldTgt/>
+                  </p:tgtEl>
+                </p:cond>
+              </p:prevCondLst>
+              <p:nextCondLst>
+                <p:cond evt="onNext" delay="0">
+                  <p:tgtEl>
+                    <p:sldTgt/>
+                  </p:tgtEl>
+                </p:cond>
+              </p:nextCondLst>
+            </p:seq>
+          </p:childTnLst>
+        </p:cTn>
+      </p:par>
+    </p:tnLst>
+    <p:bldLst>
+      <p:bldP spid="5" grpId="0"/>
+      <p:bldP spid="6" grpId="0"/>
+    </p:bldLst>
+  </p:timing>
+</p:sld>
+</file>
+
+<file path=ppt/slides/slide11.xml><?xml version="1.0" encoding="utf-8"?>
+<p:sld xmlns:a="http://schemas.openxmlformats.org/drawingml/2006/main" xmlns:r="http://schemas.openxmlformats.org/officeDocument/2006/relationships" xmlns:p="http://schemas.openxmlformats.org/presentationml/2006/main">
+  <p:cSld>
+    <p:spTree>
+      <p:nvGrpSpPr>
+        <p:cNvPr id="1" name=""/>
+        <p:cNvGrpSpPr/>
+        <p:nvPr/>
+      </p:nvGrpSpPr>
+      <p:grpSpPr>
+        <a:xfrm>
+          <a:off x="0" y="0"/>
+          <a:ext cx="0" cy="0"/>
+          <a:chOff x="0" y="0"/>
+          <a:chExt cx="0" cy="0"/>
+        </a:xfrm>
+      </p:grpSpPr>
+      <p:sp>
+        <p:nvSpPr>
+          <p:cNvPr id="2" name="标题 1"/>
+          <p:cNvSpPr>
+            <a:spLocks noGrp="1"/>
+          </p:cNvSpPr>
+          <p:nvPr>
+            <p:ph type="title"/>
+          </p:nvPr>
+        </p:nvSpPr>
+        <p:spPr/>
+        <p:txBody>
+          <a:bodyPr/>
+          <a:lstStyle/>
+          <a:p>
+            <a:r>
+              <a:rPr lang="en-US" altLang="zh-CN" dirty="0" smtClean="0"/>
+              <a:t>Outline</a:t>
+            </a:r>
+            <a:endParaRPr lang="zh-CN" altLang="en-US" dirty="0"/>
+          </a:p>
+        </p:txBody>
+      </p:sp>
+      <p:sp>
+        <p:nvSpPr>
+          <p:cNvPr id="3" name="内容占位符 2"/>
+          <p:cNvSpPr>
+            <a:spLocks noGrp="1"/>
+          </p:cNvSpPr>
+          <p:nvPr>
+            <p:ph idx="1"/>
+          </p:nvPr>
+        </p:nvSpPr>
+        <p:spPr/>
+        <p:txBody>
+          <a:bodyPr/>
+          <a:lstStyle/>
+          <a:p>
+            <a:r>
+              <a:rPr lang="en-US" altLang="zh-CN" dirty="0" smtClean="0"/>
+              <a:t>concepts of reflection</a:t>
+            </a:r>
+          </a:p>
+          <a:p>
+            <a:r>
+              <a:rPr lang="en-US" altLang="zh-CN" b="1" dirty="0" smtClean="0"/>
+              <a:t>implementation</a:t>
+            </a:r>
+          </a:p>
+          <a:p>
+            <a:r>
+              <a:rPr lang="en-US" altLang="zh-CN" dirty="0" smtClean="0"/>
+              <a:t>application of compile-time reflection</a:t>
+            </a:r>
+          </a:p>
+          <a:p>
+            <a:r>
+              <a:rPr lang="en-US" altLang="zh-CN" dirty="0" smtClean="0"/>
+              <a:t>prospect</a:t>
+            </a:r>
+            <a:endParaRPr lang="zh-CN" altLang="en-US" dirty="0"/>
+          </a:p>
+        </p:txBody>
+      </p:sp>
+    </p:spTree>
+    <p:extLst>
+      <p:ext uri="{BB962C8B-B14F-4D97-AF65-F5344CB8AC3E}">
+        <p14:creationId xmlns:p14="http://schemas.microsoft.com/office/powerpoint/2010/main" val="3289896007"/>
+      </p:ext>
+    </p:extLst>
+  </p:cSld>
+  <p:clrMapOvr>
+    <a:masterClrMapping/>
+  </p:clrMapOvr>
+  <p:timing>
+    <p:tnLst>
+      <p:par>
+        <p:cTn id="1" dur="indefinite" restart="never" nodeType="tmRoot"/>
+      </p:par>
+    </p:tnLst>
+  </p:timing>
+</p:sld>
+</file>
+
+<file path=ppt/slides/slide12.xml><?xml version="1.0" encoding="utf-8"?>
+<p:sld xmlns:a="http://schemas.openxmlformats.org/drawingml/2006/main" xmlns:r="http://schemas.openxmlformats.org/officeDocument/2006/relationships" xmlns:p="http://schemas.openxmlformats.org/presentationml/2006/main">
+  <p:cSld>
+    <p:spTree>
+      <p:nvGrpSpPr>
+        <p:cNvPr id="1" name=""/>
+        <p:cNvGrpSpPr/>
+        <p:nvPr/>
+      </p:nvGrpSpPr>
+      <p:grpSpPr>
+        <a:xfrm>
+          <a:off x="0" y="0"/>
+          <a:ext cx="0" cy="0"/>
+          <a:chOff x="0" y="0"/>
+          <a:chExt cx="0" cy="0"/>
+        </a:xfrm>
+      </p:grpSpPr>
+      <p:sp>
+        <p:nvSpPr>
+          <p:cNvPr id="2" name="标题 1"/>
+          <p:cNvSpPr>
+            <a:spLocks noGrp="1"/>
+          </p:cNvSpPr>
+          <p:nvPr>
+            <p:ph type="title"/>
+          </p:nvPr>
+        </p:nvSpPr>
+        <p:spPr/>
+        <p:txBody>
+          <a:bodyPr/>
+          <a:lstStyle/>
+          <a:p>
+            <a:r>
+              <a:rPr lang="en-US" altLang="zh-CN" dirty="0"/>
+              <a:t>implementation</a:t>
+            </a:r>
+            <a:endParaRPr lang="zh-CN" altLang="en-US" dirty="0"/>
+          </a:p>
+        </p:txBody>
+      </p:sp>
+      <p:sp>
+        <p:nvSpPr>
+          <p:cNvPr id="3" name="内容占位符 2"/>
+          <p:cNvSpPr>
+            <a:spLocks noGrp="1"/>
+          </p:cNvSpPr>
+          <p:nvPr>
+            <p:ph idx="1"/>
+          </p:nvPr>
+        </p:nvSpPr>
+        <p:spPr/>
+        <p:txBody>
+          <a:bodyPr/>
+          <a:lstStyle/>
+          <a:p>
+            <a:r>
+              <a:rPr lang="en-US" altLang="zh-CN" dirty="0"/>
+              <a:t>technology </a:t>
+            </a:r>
+            <a:r>
+              <a:rPr lang="en-US" altLang="zh-CN" dirty="0" smtClean="0"/>
+              <a:t>foundation(macro)</a:t>
+            </a:r>
+          </a:p>
+          <a:p>
+            <a:r>
+              <a:rPr lang="en-US" altLang="zh-CN" dirty="0"/>
+              <a:t>technical </a:t>
+            </a:r>
+            <a:r>
+              <a:rPr lang="en-US" altLang="zh-CN" dirty="0" smtClean="0"/>
+              <a:t>thought</a:t>
+            </a:r>
+          </a:p>
+          <a:p>
+            <a:r>
+              <a:rPr lang="en-US" altLang="zh-CN" dirty="0"/>
+              <a:t>concrete </a:t>
+            </a:r>
+            <a:r>
+              <a:rPr lang="en-US" altLang="zh-CN" dirty="0" smtClean="0"/>
+              <a:t>implementation</a:t>
+            </a:r>
+          </a:p>
+          <a:p>
+            <a:r>
+              <a:rPr lang="en-US" altLang="zh-CN" dirty="0" smtClean="0"/>
+              <a:t>limitations</a:t>
+            </a:r>
+          </a:p>
+          <a:p>
+            <a:r>
+              <a:rPr lang="en-US" altLang="zh-CN" dirty="0"/>
+              <a:t>proposals of reflection</a:t>
+            </a:r>
+            <a:endParaRPr lang="zh-CN" altLang="en-US" dirty="0"/>
+          </a:p>
+        </p:txBody>
+      </p:sp>
+    </p:spTree>
+    <p:extLst>
+      <p:ext uri="{BB962C8B-B14F-4D97-AF65-F5344CB8AC3E}">
+        <p14:creationId xmlns:p14="http://schemas.microsoft.com/office/powerpoint/2010/main" val="1735970390"/>
+      </p:ext>
+    </p:extLst>
+  </p:cSld>
+  <p:clrMapOvr>
+    <a:masterClrMapping/>
+  </p:clrMapOvr>
+  <p:timing>
+    <p:tnLst>
+      <p:par>
+        <p:cTn id="1" dur="indefinite" restart="never" nodeType="tmRoot"/>
+      </p:par>
+    </p:tnLst>
+  </p:timing>
+</p:sld>
+</file>
+
+<file path=ppt/slides/slide13.xml><?xml version="1.0" encoding="utf-8"?>
+<p:sld xmlns:a="http://schemas.openxmlformats.org/drawingml/2006/main" xmlns:r="http://schemas.openxmlformats.org/officeDocument/2006/relationships" xmlns:p="http://schemas.openxmlformats.org/presentationml/2006/main">
+  <p:cSld>
+    <p:spTree>
+      <p:nvGrpSpPr>
+        <p:cNvPr id="1" name=""/>
+        <p:cNvGrpSpPr/>
+        <p:nvPr/>
+      </p:nvGrpSpPr>
+      <p:grpSpPr>
+        <a:xfrm>
+          <a:off x="0" y="0"/>
+          <a:ext cx="0" cy="0"/>
+          <a:chOff x="0" y="0"/>
+          <a:chExt cx="0" cy="0"/>
+        </a:xfrm>
+      </p:grpSpPr>
+      <p:sp>
+        <p:nvSpPr>
+          <p:cNvPr id="2" name="标题 1"/>
+          <p:cNvSpPr>
+            <a:spLocks noGrp="1"/>
+          </p:cNvSpPr>
+          <p:nvPr>
+            <p:ph type="title"/>
+          </p:nvPr>
+        </p:nvSpPr>
+        <p:spPr/>
+        <p:txBody>
+          <a:bodyPr/>
+          <a:lstStyle/>
+          <a:p>
+            <a:r>
+              <a:rPr lang="en-US" altLang="zh-CN" dirty="0" smtClean="0"/>
+              <a:t>Outline</a:t>
+            </a:r>
+            <a:endParaRPr lang="zh-CN" altLang="en-US" dirty="0"/>
+          </a:p>
+        </p:txBody>
+      </p:sp>
+      <p:sp>
+        <p:nvSpPr>
+          <p:cNvPr id="3" name="内容占位符 2"/>
+          <p:cNvSpPr>
+            <a:spLocks noGrp="1"/>
+          </p:cNvSpPr>
+          <p:nvPr>
+            <p:ph idx="1"/>
+          </p:nvPr>
+        </p:nvSpPr>
+        <p:spPr/>
+        <p:txBody>
+          <a:bodyPr/>
+          <a:lstStyle/>
+          <a:p>
+            <a:r>
+              <a:rPr lang="en-US" altLang="zh-CN" dirty="0" smtClean="0"/>
+              <a:t>concepts of reflection</a:t>
+            </a:r>
+          </a:p>
+          <a:p>
+            <a:r>
+              <a:rPr lang="en-US" altLang="zh-CN" dirty="0" smtClean="0"/>
+              <a:t>implementation</a:t>
+            </a:r>
+          </a:p>
+          <a:p>
+            <a:r>
+              <a:rPr lang="en-US" altLang="zh-CN" b="1" dirty="0" smtClean="0"/>
+              <a:t>application of compile-time reflection</a:t>
+            </a:r>
+          </a:p>
+          <a:p>
+            <a:r>
+              <a:rPr lang="en-US" altLang="zh-CN" dirty="0" smtClean="0"/>
+              <a:t>prospect</a:t>
+            </a:r>
+            <a:endParaRPr lang="zh-CN" altLang="en-US" dirty="0"/>
+          </a:p>
+        </p:txBody>
+      </p:sp>
+    </p:spTree>
+    <p:extLst>
+      <p:ext uri="{BB962C8B-B14F-4D97-AF65-F5344CB8AC3E}">
+        <p14:creationId xmlns:p14="http://schemas.microsoft.com/office/powerpoint/2010/main" val="3920747289"/>
+      </p:ext>
+    </p:extLst>
+  </p:cSld>
+  <p:clrMapOvr>
+    <a:masterClrMapping/>
+  </p:clrMapOvr>
+  <p:timing>
+    <p:tnLst>
+      <p:par>
+        <p:cTn id="1" dur="indefinite" restart="never" nodeType="tmRoot"/>
+      </p:par>
+    </p:tnLst>
+  </p:timing>
+</p:sld>
+</file>
+
+<file path=ppt/slides/slide14.xml><?xml version="1.0" encoding="utf-8"?>
+<p:sld xmlns:a="http://schemas.openxmlformats.org/drawingml/2006/main" xmlns:r="http://schemas.openxmlformats.org/officeDocument/2006/relationships" xmlns:p="http://schemas.openxmlformats.org/presentationml/2006/main">
+  <p:cSld>
+    <p:spTree>
+      <p:nvGrpSpPr>
+        <p:cNvPr id="1" name=""/>
+        <p:cNvGrpSpPr/>
+        <p:nvPr/>
+      </p:nvGrpSpPr>
+      <p:grpSpPr>
+        <a:xfrm>
+          <a:off x="0" y="0"/>
+          <a:ext cx="0" cy="0"/>
+          <a:chOff x="0" y="0"/>
+          <a:chExt cx="0" cy="0"/>
+        </a:xfrm>
+      </p:grpSpPr>
+      <p:sp>
+        <p:nvSpPr>
+          <p:cNvPr id="2" name="标题 1"/>
+          <p:cNvSpPr>
+            <a:spLocks noGrp="1"/>
+          </p:cNvSpPr>
+          <p:nvPr>
+            <p:ph type="title"/>
+          </p:nvPr>
+        </p:nvSpPr>
+        <p:spPr/>
+        <p:txBody>
+          <a:bodyPr/>
+          <a:lstStyle/>
+          <a:p>
+            <a:r>
+              <a:rPr lang="en-US" altLang="zh-CN" dirty="0"/>
+              <a:t>application of compile-time </a:t>
+            </a:r>
+            <a:r>
+              <a:rPr lang="en-US" altLang="zh-CN" dirty="0" smtClean="0"/>
+              <a:t>reflection</a:t>
+            </a:r>
+            <a:endParaRPr lang="zh-CN" altLang="en-US" dirty="0"/>
+          </a:p>
+        </p:txBody>
+      </p:sp>
+      <p:sp>
+        <p:nvSpPr>
+          <p:cNvPr id="3" name="内容占位符 2"/>
+          <p:cNvSpPr>
+            <a:spLocks noGrp="1"/>
+          </p:cNvSpPr>
+          <p:nvPr>
+            <p:ph idx="1"/>
+          </p:nvPr>
+        </p:nvSpPr>
+        <p:spPr/>
+        <p:txBody>
+          <a:bodyPr/>
+          <a:lstStyle/>
+          <a:p>
+            <a:r>
+              <a:rPr lang="en-US" altLang="zh-CN" dirty="0" smtClean="0"/>
+              <a:t>serialization</a:t>
+            </a:r>
+          </a:p>
+          <a:p>
+            <a:r>
+              <a:rPr lang="en-US" altLang="zh-CN" dirty="0" smtClean="0"/>
+              <a:t>ORM</a:t>
+            </a:r>
+          </a:p>
+          <a:p>
+            <a:r>
+              <a:rPr lang="en-US" altLang="zh-CN" dirty="0" smtClean="0"/>
+              <a:t>DSL</a:t>
+            </a:r>
+            <a:endParaRPr lang="zh-CN" altLang="en-US" dirty="0"/>
+          </a:p>
+        </p:txBody>
+      </p:sp>
+    </p:spTree>
+    <p:extLst>
+      <p:ext uri="{BB962C8B-B14F-4D97-AF65-F5344CB8AC3E}">
+        <p14:creationId xmlns:p14="http://schemas.microsoft.com/office/powerpoint/2010/main" val="3812572458"/>
+      </p:ext>
+    </p:extLst>
+  </p:cSld>
+  <p:clrMapOvr>
+    <a:masterClrMapping/>
+  </p:clrMapOvr>
+  <p:timing>
+    <p:tnLst>
+      <p:par>
+        <p:cTn id="1" dur="indefinite" restart="never" nodeType="tmRoot"/>
+      </p:par>
+    </p:tnLst>
+  </p:timing>
+</p:sld>
+</file>
+
+<file path=ppt/slides/slide15.xml><?xml version="1.0" encoding="utf-8"?>
+<p:sld xmlns:a="http://schemas.openxmlformats.org/drawingml/2006/main" xmlns:r="http://schemas.openxmlformats.org/officeDocument/2006/relationships" xmlns:p="http://schemas.openxmlformats.org/presentationml/2006/main">
+  <p:cSld>
+    <p:spTree>
+      <p:nvGrpSpPr>
+        <p:cNvPr id="1" name=""/>
+        <p:cNvGrpSpPr/>
+        <p:nvPr/>
+      </p:nvGrpSpPr>
+      <p:grpSpPr>
+        <a:xfrm>
+          <a:off x="0" y="0"/>
+          <a:ext cx="0" cy="0"/>
+          <a:chOff x="0" y="0"/>
+          <a:chExt cx="0" cy="0"/>
+        </a:xfrm>
+      </p:grpSpPr>
+      <p:sp>
+        <p:nvSpPr>
+          <p:cNvPr id="2" name="标题 1"/>
+          <p:cNvSpPr>
+            <a:spLocks noGrp="1"/>
+          </p:cNvSpPr>
+          <p:nvPr>
+            <p:ph type="title"/>
+          </p:nvPr>
+        </p:nvSpPr>
+        <p:spPr/>
+        <p:txBody>
+          <a:bodyPr/>
+          <a:lstStyle/>
+          <a:p>
+            <a:r>
+              <a:rPr lang="en-US" altLang="zh-CN" dirty="0" smtClean="0"/>
+              <a:t>Outline</a:t>
+            </a:r>
+            <a:endParaRPr lang="zh-CN" altLang="en-US" dirty="0"/>
+          </a:p>
+        </p:txBody>
+      </p:sp>
+      <p:sp>
+        <p:nvSpPr>
+          <p:cNvPr id="3" name="内容占位符 2"/>
+          <p:cNvSpPr>
+            <a:spLocks noGrp="1"/>
+          </p:cNvSpPr>
+          <p:nvPr>
+            <p:ph idx="1"/>
+          </p:nvPr>
+        </p:nvSpPr>
+        <p:spPr/>
+        <p:txBody>
+          <a:bodyPr/>
+          <a:lstStyle/>
+          <a:p>
+            <a:r>
+              <a:rPr lang="en-US" altLang="zh-CN" dirty="0" smtClean="0"/>
+              <a:t>concepts of reflection</a:t>
+            </a:r>
+          </a:p>
+          <a:p>
+            <a:r>
+              <a:rPr lang="en-US" altLang="zh-CN" dirty="0" smtClean="0"/>
+              <a:t>implementation</a:t>
+            </a:r>
+          </a:p>
+          <a:p>
+            <a:r>
+              <a:rPr lang="en-US" altLang="zh-CN" dirty="0" smtClean="0"/>
+              <a:t>application of compile-time reflection</a:t>
+            </a:r>
+          </a:p>
+          <a:p>
+            <a:r>
+              <a:rPr lang="en-US" altLang="zh-CN" b="1" dirty="0" smtClean="0"/>
+              <a:t>prospect</a:t>
+            </a:r>
+            <a:endParaRPr lang="zh-CN" altLang="en-US" b="1" dirty="0"/>
+          </a:p>
+        </p:txBody>
+      </p:sp>
+    </p:spTree>
+    <p:extLst>
+      <p:ext uri="{BB962C8B-B14F-4D97-AF65-F5344CB8AC3E}">
+        <p14:creationId xmlns:p14="http://schemas.microsoft.com/office/powerpoint/2010/main" val="3147020122"/>
+      </p:ext>
+    </p:extLst>
+  </p:cSld>
+  <p:clrMapOvr>
+    <a:masterClrMapping/>
+  </p:clrMapOvr>
+  <p:timing>
+    <p:tnLst>
+      <p:par>
+        <p:cTn id="1" dur="indefinite" restart="never" nodeType="tmRoot"/>
+      </p:par>
+    </p:tnLst>
+  </p:timing>
+</p:sld>
+</file>
+
+<file path=ppt/slides/slide16.xml><?xml version="1.0" encoding="utf-8"?>
+<p:sld xmlns:a="http://schemas.openxmlformats.org/drawingml/2006/main" xmlns:r="http://schemas.openxmlformats.org/officeDocument/2006/relationships" xmlns:p="http://schemas.openxmlformats.org/presentationml/2006/main">
+  <p:cSld>
+    <p:spTree>
+      <p:nvGrpSpPr>
+        <p:cNvPr id="1" name=""/>
+        <p:cNvGrpSpPr/>
+        <p:nvPr/>
+      </p:nvGrpSpPr>
+      <p:grpSpPr>
+        <a:xfrm>
+          <a:off x="0" y="0"/>
+          <a:ext cx="0" cy="0"/>
+          <a:chOff x="0" y="0"/>
+          <a:chExt cx="0" cy="0"/>
+        </a:xfrm>
+      </p:grpSpPr>
+      <p:sp>
+        <p:nvSpPr>
+          <p:cNvPr id="2" name="标题 1"/>
+          <p:cNvSpPr>
+            <a:spLocks noGrp="1"/>
+          </p:cNvSpPr>
+          <p:nvPr>
+            <p:ph type="title"/>
+          </p:nvPr>
+        </p:nvSpPr>
+        <p:spPr/>
+        <p:txBody>
+          <a:bodyPr/>
+          <a:lstStyle/>
+          <a:p>
+            <a:r>
+              <a:rPr lang="en-US" altLang="zh-CN" dirty="0"/>
+              <a:t>prospect</a:t>
+            </a:r>
+            <a:endParaRPr lang="zh-CN" altLang="en-US" dirty="0"/>
+          </a:p>
+        </p:txBody>
+      </p:sp>
+      <p:sp>
+        <p:nvSpPr>
+          <p:cNvPr id="3" name="内容占位符 2"/>
+          <p:cNvSpPr>
+            <a:spLocks noGrp="1"/>
+          </p:cNvSpPr>
+          <p:nvPr>
+            <p:ph idx="1"/>
+          </p:nvPr>
+        </p:nvSpPr>
+        <p:spPr/>
+        <p:txBody>
+          <a:bodyPr/>
+          <a:lstStyle/>
+          <a:p>
+            <a:r>
+              <a:rPr lang="en-US" altLang="zh-CN" dirty="0"/>
+              <a:t>data </a:t>
+            </a:r>
+            <a:r>
+              <a:rPr lang="en-US" altLang="zh-CN" dirty="0" smtClean="0"/>
+              <a:t>binding</a:t>
+            </a:r>
+          </a:p>
+          <a:p>
+            <a:r>
+              <a:rPr lang="en-US" altLang="zh-CN" dirty="0" err="1"/>
+              <a:t>protocal</a:t>
+            </a:r>
+            <a:r>
+              <a:rPr lang="en-US" altLang="zh-CN" dirty="0"/>
+              <a:t> adaptor</a:t>
+            </a:r>
+            <a:endParaRPr lang="en-US" altLang="zh-CN" dirty="0" smtClean="0"/>
+          </a:p>
+          <a:p>
+            <a:endParaRPr lang="zh-CN" altLang="en-US" dirty="0"/>
+          </a:p>
+        </p:txBody>
+      </p:sp>
+    </p:spTree>
+    <p:extLst>
+      <p:ext uri="{BB962C8B-B14F-4D97-AF65-F5344CB8AC3E}">
+        <p14:creationId xmlns:p14="http://schemas.microsoft.com/office/powerpoint/2010/main" val="3546759729"/>
+      </p:ext>
+    </p:extLst>
+  </p:cSld>
+  <p:clrMapOvr>
+    <a:masterClrMapping/>
+  </p:clrMapOvr>
+  <p:timing>
+    <p:tnLst>
+      <p:par>
+        <p:cTn id="1" dur="indefinite" restart="never" nodeType="tmRoot"/>
+      </p:par>
+    </p:tnLst>
+  </p:timing>
+</p:sld>
+</file>
+
 <file path=ppt/slides/slide2.xml><?xml version="1.0" encoding="utf-8"?>
 <p:sld xmlns:a="http://schemas.openxmlformats.org/drawingml/2006/main" xmlns:r="http://schemas.openxmlformats.org/officeDocument/2006/relationships" xmlns:p="http://schemas.openxmlformats.org/presentationml/2006/main">
   <p:cSld>
@@ -3537,10 +4615,9 @@
           <a:lstStyle/>
           <a:p>
             <a:r>
-              <a:rPr lang="en-US" altLang="zh-CN" dirty="0" smtClean="0"/>
+              <a:rPr lang="en-US" altLang="zh-CN" b="1" dirty="0" smtClean="0"/>
               <a:t>concepts of reflection</a:t>
             </a:r>
-            <a:endParaRPr lang="en-US" altLang="zh-CN" dirty="0" smtClean="0"/>
           </a:p>
           <a:p>
             <a:r>
@@ -3573,6 +4650,13 @@
   <p:clrMapOvr>
     <a:masterClrMapping/>
   </p:clrMapOvr>
+  <p:timing>
+    <p:tnLst>
+      <p:par>
+        <p:cTn id="1" dur="indefinite" restart="never" nodeType="tmRoot"/>
+      </p:par>
+    </p:tnLst>
+  </p:timing>
 </p:sld>
 </file>
 
@@ -3683,6 +4767,13 @@
   <p:clrMapOvr>
     <a:masterClrMapping/>
   </p:clrMapOvr>
+  <p:timing>
+    <p:tnLst>
+      <p:par>
+        <p:cTn id="1" dur="indefinite" restart="never" nodeType="tmRoot"/>
+      </p:par>
+    </p:tnLst>
+  </p:timing>
 </p:sld>
 </file>
 
@@ -3718,7 +4809,15 @@
           <a:bodyPr/>
           <a:lstStyle/>
           <a:p>
-            <a:endParaRPr lang="zh-CN" altLang="en-US"/>
+            <a:r>
+              <a:rPr lang="en-US" altLang="zh-CN" dirty="0"/>
+              <a:t>the essence of </a:t>
+            </a:r>
+            <a:r>
+              <a:rPr lang="en-US" altLang="zh-CN" dirty="0" smtClean="0"/>
+              <a:t>reflection</a:t>
+            </a:r>
+            <a:endParaRPr lang="zh-CN" altLang="en-US" dirty="0"/>
           </a:p>
         </p:txBody>
       </p:sp>
@@ -4019,7 +5118,15 @@
           <a:bodyPr/>
           <a:lstStyle/>
           <a:p>
-            <a:endParaRPr lang="zh-CN" altLang="en-US"/>
+            <a:r>
+              <a:rPr lang="en-US" altLang="zh-CN" dirty="0"/>
+              <a:t>the essence of </a:t>
+            </a:r>
+            <a:r>
+              <a:rPr lang="en-US" altLang="zh-CN" dirty="0" smtClean="0"/>
+              <a:t>reflection</a:t>
+            </a:r>
+            <a:endParaRPr lang="zh-CN" altLang="en-US" dirty="0"/>
           </a:p>
         </p:txBody>
       </p:sp>
@@ -4318,7 +5425,15 @@
           <a:bodyPr/>
           <a:lstStyle/>
           <a:p>
-            <a:endParaRPr lang="zh-CN" altLang="en-US"/>
+            <a:r>
+              <a:rPr lang="en-US" altLang="zh-CN" dirty="0"/>
+              <a:t>the essence of </a:t>
+            </a:r>
+            <a:r>
+              <a:rPr lang="en-US" altLang="zh-CN" dirty="0" smtClean="0"/>
+              <a:t>reflection</a:t>
+            </a:r>
+            <a:endParaRPr lang="zh-CN" altLang="en-US" dirty="0"/>
           </a:p>
         </p:txBody>
       </p:sp>
@@ -4337,7 +5452,7 @@
           <a:bodyPr/>
           <a:lstStyle/>
           <a:p>
-            <a:endParaRPr lang="zh-CN" altLang="en-US"/>
+            <a:endParaRPr lang="zh-CN" altLang="en-US" dirty="0"/>
           </a:p>
         </p:txBody>
       </p:sp>
@@ -4373,7 +5488,7 @@
         </p:nvSpPr>
         <p:spPr>
           <a:xfrm>
-            <a:off x="2535159" y="4829961"/>
+            <a:off x="2517742" y="4574944"/>
             <a:ext cx="7441011" cy="461665"/>
           </a:xfrm>
           <a:prstGeom prst="rect">
@@ -4459,6 +5574,43 @@
               </a:rPr>
               <a:t>reflection</a:t>
             </a:r>
+          </a:p>
+        </p:txBody>
+      </p:sp>
+      <p:sp>
+        <p:nvSpPr>
+          <p:cNvPr id="8" name="矩形 7"/>
+          <p:cNvSpPr/>
+          <p:nvPr/>
+        </p:nvSpPr>
+        <p:spPr>
+          <a:xfrm>
+            <a:off x="4566764" y="5171546"/>
+            <a:ext cx="3377720" cy="461665"/>
+          </a:xfrm>
+          <a:prstGeom prst="rect">
+            <a:avLst/>
+          </a:prstGeom>
+        </p:spPr>
+        <p:txBody>
+          <a:bodyPr wrap="none">
+            <a:spAutoFit/>
+          </a:bodyPr>
+          <a:lstStyle/>
+          <a:p>
+            <a:r>
+              <a:rPr lang="zh-CN" altLang="en-US" sz="2400" b="1" dirty="0" smtClean="0"/>
+              <a:t>metadata</a:t>
+            </a:r>
+            <a:r>
+              <a:rPr lang="zh-CN" altLang="en-US" sz="2400" dirty="0" smtClean="0"/>
+              <a:t> </a:t>
+            </a:r>
+            <a:r>
+              <a:rPr lang="en-US" altLang="zh-CN" sz="2400" dirty="0" smtClean="0"/>
+              <a:t>is the key point</a:t>
+            </a:r>
+            <a:endParaRPr lang="zh-CN" altLang="en-US" sz="2400" dirty="0"/>
           </a:p>
         </p:txBody>
       </p:sp>
@@ -4663,67 +5815,77 @@
           <a:lstStyle/>
           <a:p>
             <a:r>
+              <a:rPr lang="en-US" altLang="zh-CN" dirty="0" smtClean="0"/>
+              <a:t>benefits of reflection</a:t>
+            </a:r>
+            <a:endParaRPr lang="zh-CN" altLang="en-US" dirty="0"/>
+          </a:p>
+        </p:txBody>
+      </p:sp>
+      <p:sp>
+        <p:nvSpPr>
+          <p:cNvPr id="3" name="内容占位符 2"/>
+          <p:cNvSpPr>
+            <a:spLocks noGrp="1"/>
+          </p:cNvSpPr>
+          <p:nvPr>
+            <p:ph idx="1"/>
+          </p:nvPr>
+        </p:nvSpPr>
+        <p:spPr/>
+        <p:txBody>
+          <a:bodyPr/>
+          <a:lstStyle/>
+          <a:p>
+            <a:r>
+              <a:rPr lang="en-US" altLang="zh-CN" dirty="0" smtClean="0"/>
+              <a:t>simplification</a:t>
+            </a:r>
+          </a:p>
+          <a:p>
+            <a:pPr lvl="1"/>
+            <a:r>
               <a:rPr lang="en-US" altLang="zh-CN" dirty="0"/>
-              <a:t>implementation</a:t>
-            </a:r>
-            <a:endParaRPr lang="zh-CN" altLang="en-US" dirty="0"/>
-          </a:p>
-        </p:txBody>
-      </p:sp>
-      <p:sp>
-        <p:nvSpPr>
-          <p:cNvPr id="3" name="内容占位符 2"/>
-          <p:cNvSpPr>
-            <a:spLocks noGrp="1"/>
-          </p:cNvSpPr>
-          <p:nvPr>
-            <p:ph idx="1"/>
-          </p:nvPr>
-        </p:nvSpPr>
-        <p:spPr/>
-        <p:txBody>
-          <a:bodyPr/>
-          <a:lstStyle/>
-          <a:p>
-            <a:r>
-              <a:rPr lang="en-US" altLang="zh-CN" dirty="0"/>
-              <a:t>technology </a:t>
+              <a:t>cut the </a:t>
             </a:r>
             <a:r>
               <a:rPr lang="en-US" altLang="zh-CN" dirty="0" smtClean="0"/>
-              <a:t>foundation(macro)</a:t>
-            </a:r>
-          </a:p>
-          <a:p>
-            <a:r>
-              <a:rPr lang="en-US" altLang="zh-CN" dirty="0"/>
-              <a:t>technical </a:t>
-            </a:r>
+              <a:t>complexity</a:t>
+            </a:r>
+          </a:p>
+          <a:p>
+            <a:pPr marL="457200" lvl="1" indent="0">
+              <a:buNone/>
+            </a:pPr>
+            <a:endParaRPr lang="en-US" altLang="zh-CN" dirty="0" smtClean="0"/>
+          </a:p>
+          <a:p>
             <a:r>
               <a:rPr lang="en-US" altLang="zh-CN" dirty="0" smtClean="0"/>
-              <a:t>thought</a:t>
-            </a:r>
-          </a:p>
-          <a:p>
-            <a:r>
-              <a:rPr lang="en-US" altLang="zh-CN" dirty="0"/>
-              <a:t>concrete </a:t>
-            </a:r>
+              <a:t>flexibility</a:t>
+            </a:r>
+          </a:p>
+          <a:p>
+            <a:pPr lvl="1"/>
             <a:r>
               <a:rPr lang="en-US" altLang="zh-CN" dirty="0" smtClean="0"/>
-              <a:t>implementation</a:t>
-            </a:r>
+              <a:t>change the behavior without any modification of an exist object</a:t>
+            </a:r>
+          </a:p>
+          <a:p>
+            <a:endParaRPr lang="en-US" altLang="zh-CN" dirty="0"/>
           </a:p>
           <a:p>
             <a:r>
               <a:rPr lang="en-US" altLang="zh-CN" dirty="0" smtClean="0"/>
-              <a:t>limitations</a:t>
-            </a:r>
-          </a:p>
-          <a:p>
-            <a:r>
-              <a:rPr lang="en-US" altLang="zh-CN" dirty="0"/>
-              <a:t>proposals of reflection</a:t>
+              <a:t>decoupling</a:t>
+            </a:r>
+          </a:p>
+          <a:p>
+            <a:pPr lvl="1"/>
+            <a:r>
+              <a:rPr lang="en-US" altLang="zh-CN" dirty="0" smtClean="0"/>
+              <a:t>decouple visit from the metadata of an object</a:t>
             </a:r>
             <a:endParaRPr lang="zh-CN" altLang="en-US" dirty="0"/>
           </a:p>
@@ -4732,7 +5894,7 @@
     </p:spTree>
     <p:extLst>
       <p:ext uri="{BB962C8B-B14F-4D97-AF65-F5344CB8AC3E}">
-        <p14:creationId xmlns:p14="http://schemas.microsoft.com/office/powerpoint/2010/main" val="1735970390"/>
+        <p14:creationId xmlns:p14="http://schemas.microsoft.com/office/powerpoint/2010/main" val="748088354"/>
       </p:ext>
     </p:extLst>
   </p:cSld>
@@ -4783,11 +5945,33 @@
           <a:p>
             <a:r>
               <a:rPr lang="en-US" altLang="zh-CN" dirty="0"/>
-              <a:t>application of compile-time </a:t>
-            </a:r>
+              <a:t>benefits of reflection</a:t>
+            </a:r>
+            <a:endParaRPr lang="zh-CN" altLang="en-US" dirty="0"/>
+          </a:p>
+        </p:txBody>
+      </p:sp>
+      <p:sp>
+        <p:nvSpPr>
+          <p:cNvPr id="3" name="内容占位符 2"/>
+          <p:cNvSpPr>
+            <a:spLocks noGrp="1"/>
+          </p:cNvSpPr>
+          <p:nvPr>
+            <p:ph idx="1"/>
+          </p:nvPr>
+        </p:nvSpPr>
+        <p:spPr/>
+        <p:txBody>
+          <a:bodyPr/>
+          <a:lstStyle/>
+          <a:p>
+            <a:pPr marL="0" indent="0">
+              <a:buNone/>
+            </a:pPr>
             <a:r>
               <a:rPr lang="en-US" altLang="zh-CN" dirty="0" smtClean="0"/>
-              <a:t>reflection</a:t>
+              <a:t>if no reflection</a:t>
             </a:r>
             <a:endParaRPr lang="zh-CN" altLang="en-US" dirty="0"/>
           </a:p>
@@ -4795,49 +5979,835 @@
       </p:sp>
       <p:sp>
         <p:nvSpPr>
-          <p:cNvPr id="3" name="内容占位符 2"/>
-          <p:cNvSpPr>
-            <a:spLocks noGrp="1"/>
-          </p:cNvSpPr>
-          <p:nvPr>
-            <p:ph idx="1"/>
-          </p:nvPr>
-        </p:nvSpPr>
-        <p:spPr/>
-        <p:txBody>
-          <a:bodyPr/>
-          <a:lstStyle/>
-          <a:p>
-            <a:r>
-              <a:rPr lang="en-US" altLang="zh-CN" dirty="0" smtClean="0"/>
-              <a:t>serialization</a:t>
-            </a:r>
-          </a:p>
-          <a:p>
-            <a:r>
-              <a:rPr lang="en-US" altLang="zh-CN" dirty="0" smtClean="0"/>
-              <a:t>ORM</a:t>
-            </a:r>
-          </a:p>
-          <a:p>
-            <a:r>
-              <a:rPr lang="en-US" altLang="zh-CN" dirty="0" smtClean="0"/>
-              <a:t>DSL</a:t>
-            </a:r>
-            <a:endParaRPr lang="zh-CN" altLang="en-US" dirty="0"/>
+          <p:cNvPr id="4" name="矩形 3"/>
+          <p:cNvSpPr/>
+          <p:nvPr/>
+        </p:nvSpPr>
+        <p:spPr>
+          <a:xfrm>
+            <a:off x="1763255" y="2294898"/>
+            <a:ext cx="4646255" cy="3139321"/>
+          </a:xfrm>
+          <a:prstGeom prst="rect">
+            <a:avLst/>
+          </a:prstGeom>
+        </p:spPr>
+        <p:txBody>
+          <a:bodyPr wrap="square">
+            <a:spAutoFit/>
+          </a:bodyPr>
+          <a:lstStyle/>
+          <a:p>
+            <a:r>
+              <a:rPr lang="en-US" altLang="zh-CN" dirty="0">
+                <a:latin typeface="Consolas" panose="020B0609020204030204" pitchFamily="49" charset="0"/>
+                <a:cs typeface="Consolas" panose="020B0609020204030204" pitchFamily="49" charset="0"/>
+              </a:rPr>
+              <a:t>void Serialize(Archive &amp;</a:t>
+            </a:r>
+            <a:r>
+              <a:rPr lang="en-US" altLang="zh-CN" dirty="0" err="1">
+                <a:latin typeface="Consolas" panose="020B0609020204030204" pitchFamily="49" charset="0"/>
+                <a:cs typeface="Consolas" panose="020B0609020204030204" pitchFamily="49" charset="0"/>
+              </a:rPr>
+              <a:t>ar</a:t>
+            </a:r>
+            <a:r>
+              <a:rPr lang="en-US" altLang="zh-CN" dirty="0">
+                <a:latin typeface="Consolas" panose="020B0609020204030204" pitchFamily="49" charset="0"/>
+                <a:cs typeface="Consolas" panose="020B0609020204030204" pitchFamily="49" charset="0"/>
+              </a:rPr>
+              <a:t>)</a:t>
+            </a:r>
+          </a:p>
+          <a:p>
+            <a:r>
+              <a:rPr lang="en-US" altLang="zh-CN" dirty="0">
+                <a:latin typeface="Consolas" panose="020B0609020204030204" pitchFamily="49" charset="0"/>
+                <a:cs typeface="Consolas" panose="020B0609020204030204" pitchFamily="49" charset="0"/>
+              </a:rPr>
+              <a:t>{</a:t>
+            </a:r>
+          </a:p>
+          <a:p>
+            <a:r>
+              <a:rPr lang="en-US" altLang="zh-CN" dirty="0">
+                <a:latin typeface="Consolas" panose="020B0609020204030204" pitchFamily="49" charset="0"/>
+                <a:cs typeface="Consolas" panose="020B0609020204030204" pitchFamily="49" charset="0"/>
+              </a:rPr>
+              <a:t>    </a:t>
+            </a:r>
+            <a:r>
+              <a:rPr lang="en-US" altLang="zh-CN" dirty="0" err="1">
+                <a:latin typeface="Consolas" panose="020B0609020204030204" pitchFamily="49" charset="0"/>
+                <a:cs typeface="Consolas" panose="020B0609020204030204" pitchFamily="49" charset="0"/>
+              </a:rPr>
+              <a:t>ar.Serialize</a:t>
+            </a:r>
+            <a:r>
+              <a:rPr lang="en-US" altLang="zh-CN" dirty="0">
+                <a:latin typeface="Consolas" panose="020B0609020204030204" pitchFamily="49" charset="0"/>
+                <a:cs typeface="Consolas" panose="020B0609020204030204" pitchFamily="49" charset="0"/>
+              </a:rPr>
+              <a:t>("</a:t>
+            </a:r>
+            <a:r>
+              <a:rPr lang="en-US" altLang="zh-CN" dirty="0" err="1">
+                <a:latin typeface="Consolas" panose="020B0609020204030204" pitchFamily="49" charset="0"/>
+                <a:cs typeface="Consolas" panose="020B0609020204030204" pitchFamily="49" charset="0"/>
+              </a:rPr>
+              <a:t>vec</a:t>
+            </a:r>
+            <a:r>
+              <a:rPr lang="en-US" altLang="zh-CN" dirty="0">
+                <a:latin typeface="Consolas" panose="020B0609020204030204" pitchFamily="49" charset="0"/>
+                <a:cs typeface="Consolas" panose="020B0609020204030204" pitchFamily="49" charset="0"/>
+              </a:rPr>
+              <a:t>", </a:t>
+            </a:r>
+            <a:r>
+              <a:rPr lang="en-US" altLang="zh-CN" dirty="0" err="1">
+                <a:latin typeface="Consolas" panose="020B0609020204030204" pitchFamily="49" charset="0"/>
+                <a:cs typeface="Consolas" panose="020B0609020204030204" pitchFamily="49" charset="0"/>
+              </a:rPr>
+              <a:t>vec</a:t>
+            </a:r>
+            <a:r>
+              <a:rPr lang="en-US" altLang="zh-CN" dirty="0">
+                <a:latin typeface="Consolas" panose="020B0609020204030204" pitchFamily="49" charset="0"/>
+                <a:cs typeface="Consolas" panose="020B0609020204030204" pitchFamily="49" charset="0"/>
+              </a:rPr>
+              <a:t>);</a:t>
+            </a:r>
+          </a:p>
+          <a:p>
+            <a:r>
+              <a:rPr lang="en-US" altLang="zh-CN" dirty="0">
+                <a:latin typeface="Consolas" panose="020B0609020204030204" pitchFamily="49" charset="0"/>
+                <a:cs typeface="Consolas" panose="020B0609020204030204" pitchFamily="49" charset="0"/>
+              </a:rPr>
+              <a:t>    </a:t>
+            </a:r>
+            <a:r>
+              <a:rPr lang="en-US" altLang="zh-CN" dirty="0" err="1">
+                <a:latin typeface="Consolas" panose="020B0609020204030204" pitchFamily="49" charset="0"/>
+                <a:cs typeface="Consolas" panose="020B0609020204030204" pitchFamily="49" charset="0"/>
+              </a:rPr>
+              <a:t>ar.Serialize</a:t>
+            </a:r>
+            <a:r>
+              <a:rPr lang="en-US" altLang="zh-CN" dirty="0">
+                <a:latin typeface="Consolas" panose="020B0609020204030204" pitchFamily="49" charset="0"/>
+                <a:cs typeface="Consolas" panose="020B0609020204030204" pitchFamily="49" charset="0"/>
+              </a:rPr>
+              <a:t>("ls", ls);</a:t>
+            </a:r>
+          </a:p>
+          <a:p>
+            <a:r>
+              <a:rPr lang="en-US" altLang="zh-CN" dirty="0">
+                <a:latin typeface="Consolas" panose="020B0609020204030204" pitchFamily="49" charset="0"/>
+                <a:cs typeface="Consolas" panose="020B0609020204030204" pitchFamily="49" charset="0"/>
+              </a:rPr>
+              <a:t>    </a:t>
+            </a:r>
+            <a:r>
+              <a:rPr lang="en-US" altLang="zh-CN" dirty="0" err="1">
+                <a:latin typeface="Consolas" panose="020B0609020204030204" pitchFamily="49" charset="0"/>
+                <a:cs typeface="Consolas" panose="020B0609020204030204" pitchFamily="49" charset="0"/>
+              </a:rPr>
+              <a:t>ar.Serialize</a:t>
+            </a:r>
+            <a:r>
+              <a:rPr lang="en-US" altLang="zh-CN" dirty="0">
+                <a:latin typeface="Consolas" panose="020B0609020204030204" pitchFamily="49" charset="0"/>
+                <a:cs typeface="Consolas" panose="020B0609020204030204" pitchFamily="49" charset="0"/>
+              </a:rPr>
+              <a:t>("</a:t>
+            </a:r>
+            <a:r>
+              <a:rPr lang="en-US" altLang="zh-CN" dirty="0" err="1">
+                <a:latin typeface="Consolas" panose="020B0609020204030204" pitchFamily="49" charset="0"/>
+                <a:cs typeface="Consolas" panose="020B0609020204030204" pitchFamily="49" charset="0"/>
+              </a:rPr>
+              <a:t>st</a:t>
+            </a:r>
+            <a:r>
+              <a:rPr lang="en-US" altLang="zh-CN" dirty="0">
+                <a:latin typeface="Consolas" panose="020B0609020204030204" pitchFamily="49" charset="0"/>
+                <a:cs typeface="Consolas" panose="020B0609020204030204" pitchFamily="49" charset="0"/>
+              </a:rPr>
+              <a:t>", </a:t>
+            </a:r>
+            <a:r>
+              <a:rPr lang="en-US" altLang="zh-CN" dirty="0" err="1">
+                <a:latin typeface="Consolas" panose="020B0609020204030204" pitchFamily="49" charset="0"/>
+                <a:cs typeface="Consolas" panose="020B0609020204030204" pitchFamily="49" charset="0"/>
+              </a:rPr>
+              <a:t>st</a:t>
+            </a:r>
+            <a:r>
+              <a:rPr lang="en-US" altLang="zh-CN" dirty="0">
+                <a:latin typeface="Consolas" panose="020B0609020204030204" pitchFamily="49" charset="0"/>
+                <a:cs typeface="Consolas" panose="020B0609020204030204" pitchFamily="49" charset="0"/>
+              </a:rPr>
+              <a:t>);</a:t>
+            </a:r>
+          </a:p>
+          <a:p>
+            <a:r>
+              <a:rPr lang="en-US" altLang="zh-CN" dirty="0">
+                <a:latin typeface="Consolas" panose="020B0609020204030204" pitchFamily="49" charset="0"/>
+                <a:cs typeface="Consolas" panose="020B0609020204030204" pitchFamily="49" charset="0"/>
+              </a:rPr>
+              <a:t>    </a:t>
+            </a:r>
+            <a:r>
+              <a:rPr lang="en-US" altLang="zh-CN" dirty="0" err="1">
+                <a:latin typeface="Consolas" panose="020B0609020204030204" pitchFamily="49" charset="0"/>
+                <a:cs typeface="Consolas" panose="020B0609020204030204" pitchFamily="49" charset="0"/>
+              </a:rPr>
+              <a:t>ar.Serialize</a:t>
+            </a:r>
+            <a:r>
+              <a:rPr lang="en-US" altLang="zh-CN" dirty="0">
+                <a:latin typeface="Consolas" panose="020B0609020204030204" pitchFamily="49" charset="0"/>
+                <a:cs typeface="Consolas" panose="020B0609020204030204" pitchFamily="49" charset="0"/>
+              </a:rPr>
+              <a:t>("</a:t>
+            </a:r>
+            <a:r>
+              <a:rPr lang="en-US" altLang="zh-CN" dirty="0" err="1">
+                <a:latin typeface="Consolas" panose="020B0609020204030204" pitchFamily="49" charset="0"/>
+                <a:cs typeface="Consolas" panose="020B0609020204030204" pitchFamily="49" charset="0"/>
+              </a:rPr>
+              <a:t>deq</a:t>
+            </a:r>
+            <a:r>
+              <a:rPr lang="en-US" altLang="zh-CN" dirty="0">
+                <a:latin typeface="Consolas" panose="020B0609020204030204" pitchFamily="49" charset="0"/>
+                <a:cs typeface="Consolas" panose="020B0609020204030204" pitchFamily="49" charset="0"/>
+              </a:rPr>
+              <a:t>", </a:t>
+            </a:r>
+            <a:r>
+              <a:rPr lang="en-US" altLang="zh-CN" dirty="0" err="1">
+                <a:latin typeface="Consolas" panose="020B0609020204030204" pitchFamily="49" charset="0"/>
+                <a:cs typeface="Consolas" panose="020B0609020204030204" pitchFamily="49" charset="0"/>
+              </a:rPr>
+              <a:t>deq</a:t>
+            </a:r>
+            <a:r>
+              <a:rPr lang="en-US" altLang="zh-CN" dirty="0">
+                <a:latin typeface="Consolas" panose="020B0609020204030204" pitchFamily="49" charset="0"/>
+                <a:cs typeface="Consolas" panose="020B0609020204030204" pitchFamily="49" charset="0"/>
+              </a:rPr>
+              <a:t>);</a:t>
+            </a:r>
+          </a:p>
+          <a:p>
+            <a:r>
+              <a:rPr lang="en-US" altLang="zh-CN" dirty="0">
+                <a:latin typeface="Consolas" panose="020B0609020204030204" pitchFamily="49" charset="0"/>
+                <a:cs typeface="Consolas" panose="020B0609020204030204" pitchFamily="49" charset="0"/>
+              </a:rPr>
+              <a:t>    </a:t>
+            </a:r>
+            <a:r>
+              <a:rPr lang="en-US" altLang="zh-CN" dirty="0" err="1">
+                <a:latin typeface="Consolas" panose="020B0609020204030204" pitchFamily="49" charset="0"/>
+                <a:cs typeface="Consolas" panose="020B0609020204030204" pitchFamily="49" charset="0"/>
+              </a:rPr>
+              <a:t>ar.Serialize</a:t>
+            </a:r>
+            <a:r>
+              <a:rPr lang="en-US" altLang="zh-CN" dirty="0">
+                <a:latin typeface="Consolas" panose="020B0609020204030204" pitchFamily="49" charset="0"/>
+                <a:cs typeface="Consolas" panose="020B0609020204030204" pitchFamily="49" charset="0"/>
+              </a:rPr>
+              <a:t>("</a:t>
+            </a:r>
+            <a:r>
+              <a:rPr lang="en-US" altLang="zh-CN" dirty="0" err="1">
+                <a:latin typeface="Consolas" panose="020B0609020204030204" pitchFamily="49" charset="0"/>
+                <a:cs typeface="Consolas" panose="020B0609020204030204" pitchFamily="49" charset="0"/>
+              </a:rPr>
+              <a:t>mp</a:t>
+            </a:r>
+            <a:r>
+              <a:rPr lang="en-US" altLang="zh-CN" dirty="0">
+                <a:latin typeface="Consolas" panose="020B0609020204030204" pitchFamily="49" charset="0"/>
+                <a:cs typeface="Consolas" panose="020B0609020204030204" pitchFamily="49" charset="0"/>
+              </a:rPr>
+              <a:t>", </a:t>
+            </a:r>
+            <a:r>
+              <a:rPr lang="en-US" altLang="zh-CN" dirty="0" err="1">
+                <a:latin typeface="Consolas" panose="020B0609020204030204" pitchFamily="49" charset="0"/>
+                <a:cs typeface="Consolas" panose="020B0609020204030204" pitchFamily="49" charset="0"/>
+              </a:rPr>
+              <a:t>mp</a:t>
+            </a:r>
+            <a:r>
+              <a:rPr lang="en-US" altLang="zh-CN" dirty="0">
+                <a:latin typeface="Consolas" panose="020B0609020204030204" pitchFamily="49" charset="0"/>
+                <a:cs typeface="Consolas" panose="020B0609020204030204" pitchFamily="49" charset="0"/>
+              </a:rPr>
+              <a:t>);</a:t>
+            </a:r>
+          </a:p>
+          <a:p>
+            <a:r>
+              <a:rPr lang="en-US" altLang="zh-CN" dirty="0">
+                <a:latin typeface="Consolas" panose="020B0609020204030204" pitchFamily="49" charset="0"/>
+                <a:cs typeface="Consolas" panose="020B0609020204030204" pitchFamily="49" charset="0"/>
+              </a:rPr>
+              <a:t>    </a:t>
+            </a:r>
+            <a:r>
+              <a:rPr lang="en-US" altLang="zh-CN" dirty="0" err="1">
+                <a:latin typeface="Consolas" panose="020B0609020204030204" pitchFamily="49" charset="0"/>
+                <a:cs typeface="Consolas" panose="020B0609020204030204" pitchFamily="49" charset="0"/>
+              </a:rPr>
+              <a:t>ar.Serialize</a:t>
+            </a:r>
+            <a:r>
+              <a:rPr lang="en-US" altLang="zh-CN" dirty="0">
+                <a:latin typeface="Consolas" panose="020B0609020204030204" pitchFamily="49" charset="0"/>
+                <a:cs typeface="Consolas" panose="020B0609020204030204" pitchFamily="49" charset="0"/>
+              </a:rPr>
+              <a:t>("set", set);</a:t>
+            </a:r>
+          </a:p>
+          <a:p>
+            <a:r>
+              <a:rPr lang="en-US" altLang="zh-CN" dirty="0">
+                <a:latin typeface="Consolas" panose="020B0609020204030204" pitchFamily="49" charset="0"/>
+                <a:cs typeface="Consolas" panose="020B0609020204030204" pitchFamily="49" charset="0"/>
+              </a:rPr>
+              <a:t>    </a:t>
+            </a:r>
+            <a:r>
+              <a:rPr lang="en-US" altLang="zh-CN" dirty="0" err="1">
+                <a:latin typeface="Consolas" panose="020B0609020204030204" pitchFamily="49" charset="0"/>
+                <a:cs typeface="Consolas" panose="020B0609020204030204" pitchFamily="49" charset="0"/>
+              </a:rPr>
+              <a:t>ar.Serialize</a:t>
+            </a:r>
+            <a:r>
+              <a:rPr lang="en-US" altLang="zh-CN" dirty="0">
+                <a:latin typeface="Consolas" panose="020B0609020204030204" pitchFamily="49" charset="0"/>
+                <a:cs typeface="Consolas" panose="020B0609020204030204" pitchFamily="49" charset="0"/>
+              </a:rPr>
+              <a:t>("</a:t>
+            </a:r>
+            <a:r>
+              <a:rPr lang="en-US" altLang="zh-CN" dirty="0" err="1">
+                <a:latin typeface="Consolas" panose="020B0609020204030204" pitchFamily="49" charset="0"/>
+                <a:cs typeface="Consolas" panose="020B0609020204030204" pitchFamily="49" charset="0"/>
+              </a:rPr>
+              <a:t>un_mp</a:t>
+            </a:r>
+            <a:r>
+              <a:rPr lang="en-US" altLang="zh-CN" dirty="0">
+                <a:latin typeface="Consolas" panose="020B0609020204030204" pitchFamily="49" charset="0"/>
+                <a:cs typeface="Consolas" panose="020B0609020204030204" pitchFamily="49" charset="0"/>
+              </a:rPr>
+              <a:t>", </a:t>
+            </a:r>
+            <a:r>
+              <a:rPr lang="en-US" altLang="zh-CN" dirty="0" err="1">
+                <a:latin typeface="Consolas" panose="020B0609020204030204" pitchFamily="49" charset="0"/>
+                <a:cs typeface="Consolas" panose="020B0609020204030204" pitchFamily="49" charset="0"/>
+              </a:rPr>
+              <a:t>un_mp</a:t>
+            </a:r>
+            <a:r>
+              <a:rPr lang="en-US" altLang="zh-CN" dirty="0">
+                <a:latin typeface="Consolas" panose="020B0609020204030204" pitchFamily="49" charset="0"/>
+                <a:cs typeface="Consolas" panose="020B0609020204030204" pitchFamily="49" charset="0"/>
+              </a:rPr>
+              <a:t>);</a:t>
+            </a:r>
+          </a:p>
+          <a:p>
+            <a:r>
+              <a:rPr lang="en-US" altLang="zh-CN" dirty="0">
+                <a:latin typeface="Consolas" panose="020B0609020204030204" pitchFamily="49" charset="0"/>
+                <a:cs typeface="Consolas" panose="020B0609020204030204" pitchFamily="49" charset="0"/>
+              </a:rPr>
+              <a:t>    </a:t>
+            </a:r>
+            <a:r>
+              <a:rPr lang="en-US" altLang="zh-CN" dirty="0" err="1">
+                <a:latin typeface="Consolas" panose="020B0609020204030204" pitchFamily="49" charset="0"/>
+                <a:cs typeface="Consolas" panose="020B0609020204030204" pitchFamily="49" charset="0"/>
+              </a:rPr>
+              <a:t>ar.Serialize</a:t>
+            </a:r>
+            <a:r>
+              <a:rPr lang="en-US" altLang="zh-CN" dirty="0">
+                <a:latin typeface="Consolas" panose="020B0609020204030204" pitchFamily="49" charset="0"/>
+                <a:cs typeface="Consolas" panose="020B0609020204030204" pitchFamily="49" charset="0"/>
+              </a:rPr>
+              <a:t>("</a:t>
+            </a:r>
+            <a:r>
+              <a:rPr lang="en-US" altLang="zh-CN" dirty="0" err="1">
+                <a:latin typeface="Consolas" panose="020B0609020204030204" pitchFamily="49" charset="0"/>
+                <a:cs typeface="Consolas" panose="020B0609020204030204" pitchFamily="49" charset="0"/>
+              </a:rPr>
+              <a:t>un_set</a:t>
+            </a:r>
+            <a:r>
+              <a:rPr lang="en-US" altLang="zh-CN" dirty="0">
+                <a:latin typeface="Consolas" panose="020B0609020204030204" pitchFamily="49" charset="0"/>
+                <a:cs typeface="Consolas" panose="020B0609020204030204" pitchFamily="49" charset="0"/>
+              </a:rPr>
+              <a:t>", </a:t>
+            </a:r>
+            <a:r>
+              <a:rPr lang="en-US" altLang="zh-CN" dirty="0" err="1">
+                <a:latin typeface="Consolas" panose="020B0609020204030204" pitchFamily="49" charset="0"/>
+                <a:cs typeface="Consolas" panose="020B0609020204030204" pitchFamily="49" charset="0"/>
+              </a:rPr>
+              <a:t>un_set</a:t>
+            </a:r>
+            <a:r>
+              <a:rPr lang="en-US" altLang="zh-CN" dirty="0">
+                <a:latin typeface="Consolas" panose="020B0609020204030204" pitchFamily="49" charset="0"/>
+                <a:cs typeface="Consolas" panose="020B0609020204030204" pitchFamily="49" charset="0"/>
+              </a:rPr>
+              <a:t>);</a:t>
+            </a:r>
+          </a:p>
+          <a:p>
+            <a:r>
+              <a:rPr lang="en-US" altLang="zh-CN" dirty="0">
+                <a:latin typeface="Consolas" panose="020B0609020204030204" pitchFamily="49" charset="0"/>
+                <a:cs typeface="Consolas" panose="020B0609020204030204" pitchFamily="49" charset="0"/>
+              </a:rPr>
+              <a:t>}</a:t>
+            </a:r>
+            <a:endParaRPr lang="zh-CN" altLang="en-US" dirty="0">
+              <a:latin typeface="Consolas" panose="020B0609020204030204" pitchFamily="49" charset="0"/>
+              <a:cs typeface="Consolas" panose="020B0609020204030204" pitchFamily="49" charset="0"/>
+            </a:endParaRPr>
+          </a:p>
+        </p:txBody>
+      </p:sp>
+      <p:sp>
+        <p:nvSpPr>
+          <p:cNvPr id="5" name="矩形 4"/>
+          <p:cNvSpPr/>
+          <p:nvPr/>
+        </p:nvSpPr>
+        <p:spPr>
+          <a:xfrm>
+            <a:off x="7710678" y="2486689"/>
+            <a:ext cx="1336456" cy="461665"/>
+          </a:xfrm>
+          <a:prstGeom prst="rect">
+            <a:avLst/>
+          </a:prstGeom>
+        </p:spPr>
+        <p:txBody>
+          <a:bodyPr wrap="none">
+            <a:spAutoFit/>
+          </a:bodyPr>
+          <a:lstStyle/>
+          <a:p>
+            <a:r>
+              <a:rPr lang="zh-CN" altLang="en-US" sz="2400" dirty="0"/>
+              <a:t>duplicate</a:t>
+            </a:r>
+          </a:p>
+        </p:txBody>
+      </p:sp>
+      <p:sp>
+        <p:nvSpPr>
+          <p:cNvPr id="6" name="矩形 5"/>
+          <p:cNvSpPr/>
+          <p:nvPr/>
+        </p:nvSpPr>
+        <p:spPr>
+          <a:xfrm>
+            <a:off x="7710678" y="2990958"/>
+            <a:ext cx="893193" cy="461665"/>
+          </a:xfrm>
+          <a:prstGeom prst="rect">
+            <a:avLst/>
+          </a:prstGeom>
+        </p:spPr>
+        <p:txBody>
+          <a:bodyPr wrap="none">
+            <a:spAutoFit/>
+          </a:bodyPr>
+          <a:lstStyle/>
+          <a:p>
+            <a:r>
+              <a:rPr lang="en-US" altLang="zh-CN" sz="2400" dirty="0" smtClean="0"/>
+              <a:t>trivial</a:t>
+            </a:r>
+            <a:endParaRPr lang="zh-CN" altLang="en-US" sz="2400" dirty="0"/>
+          </a:p>
+        </p:txBody>
+      </p:sp>
+      <p:sp>
+        <p:nvSpPr>
+          <p:cNvPr id="7" name="矩形 6"/>
+          <p:cNvSpPr/>
+          <p:nvPr/>
+        </p:nvSpPr>
+        <p:spPr>
+          <a:xfrm>
+            <a:off x="7710678" y="3495227"/>
+            <a:ext cx="1628716" cy="461665"/>
+          </a:xfrm>
+          <a:prstGeom prst="rect">
+            <a:avLst/>
+          </a:prstGeom>
+        </p:spPr>
+        <p:txBody>
+          <a:bodyPr wrap="none">
+            <a:spAutoFit/>
+          </a:bodyPr>
+          <a:lstStyle/>
+          <a:p>
+            <a:r>
+              <a:rPr lang="en-US" altLang="zh-CN" sz="2400" dirty="0" smtClean="0"/>
+              <a:t>e</a:t>
+            </a:r>
+            <a:r>
+              <a:rPr lang="zh-CN" altLang="en-US" sz="2400" dirty="0" smtClean="0"/>
+              <a:t>rror </a:t>
+            </a:r>
+            <a:r>
+              <a:rPr lang="zh-CN" altLang="en-US" sz="2400" dirty="0"/>
+              <a:t>prone</a:t>
+            </a:r>
+          </a:p>
+        </p:txBody>
+      </p:sp>
+      <p:sp>
+        <p:nvSpPr>
+          <p:cNvPr id="8" name="矩形 7"/>
+          <p:cNvSpPr/>
+          <p:nvPr/>
+        </p:nvSpPr>
+        <p:spPr>
+          <a:xfrm>
+            <a:off x="5042442" y="5620925"/>
+            <a:ext cx="2841355" cy="461665"/>
+          </a:xfrm>
+          <a:prstGeom prst="rect">
+            <a:avLst/>
+          </a:prstGeom>
+        </p:spPr>
+        <p:txBody>
+          <a:bodyPr wrap="none">
+            <a:spAutoFit/>
+          </a:bodyPr>
+          <a:lstStyle/>
+          <a:p>
+            <a:r>
+              <a:rPr lang="zh-CN" altLang="en-US" sz="2400" dirty="0"/>
+              <a:t>should be </a:t>
+            </a:r>
+            <a:r>
+              <a:rPr lang="zh-CN" altLang="en-US" sz="2400" dirty="0" smtClean="0"/>
+              <a:t>automatic</a:t>
+            </a:r>
+            <a:r>
+              <a:rPr lang="en-US" altLang="zh-CN" sz="2400" dirty="0" smtClean="0"/>
+              <a:t>!</a:t>
+            </a:r>
+            <a:endParaRPr lang="zh-CN" altLang="en-US" sz="2400" dirty="0"/>
           </a:p>
         </p:txBody>
       </p:sp>
     </p:spTree>
     <p:extLst>
       <p:ext uri="{BB962C8B-B14F-4D97-AF65-F5344CB8AC3E}">
-        <p14:creationId xmlns:p14="http://schemas.microsoft.com/office/powerpoint/2010/main" val="3812572458"/>
+        <p14:creationId xmlns:p14="http://schemas.microsoft.com/office/powerpoint/2010/main" val="214455922"/>
       </p:ext>
     </p:extLst>
   </p:cSld>
   <p:clrMapOvr>
     <a:masterClrMapping/>
   </p:clrMapOvr>
+  <p:timing>
+    <p:tnLst>
+      <p:par>
+        <p:cTn id="1" dur="indefinite" restart="never" nodeType="tmRoot">
+          <p:childTnLst>
+            <p:seq concurrent="1" nextAc="seek">
+              <p:cTn id="2" dur="indefinite" nodeType="mainSeq">
+                <p:childTnLst>
+                  <p:par>
+                    <p:cTn id="3" fill="hold">
+                      <p:stCondLst>
+                        <p:cond delay="indefinite"/>
+                      </p:stCondLst>
+                      <p:childTnLst>
+                        <p:par>
+                          <p:cTn id="4" fill="hold">
+                            <p:stCondLst>
+                              <p:cond delay="0"/>
+                            </p:stCondLst>
+                            <p:childTnLst>
+                              <p:par>
+                                <p:cTn id="5" presetID="2" presetClass="entr" presetSubtype="4" fill="hold" grpId="0" nodeType="clickEffect">
+                                  <p:stCondLst>
+                                    <p:cond delay="0"/>
+                                  </p:stCondLst>
+                                  <p:childTnLst>
+                                    <p:set>
+                                      <p:cBhvr>
+                                        <p:cTn id="6" dur="1" fill="hold">
+                                          <p:stCondLst>
+                                            <p:cond delay="0"/>
+                                          </p:stCondLst>
+                                        </p:cTn>
+                                        <p:tgtEl>
+                                          <p:spTgt spid="5"/>
+                                        </p:tgtEl>
+                                        <p:attrNameLst>
+                                          <p:attrName>style.visibility</p:attrName>
+                                        </p:attrNameLst>
+                                      </p:cBhvr>
+                                      <p:to>
+                                        <p:strVal val="visible"/>
+                                      </p:to>
+                                    </p:set>
+                                    <p:anim calcmode="lin" valueType="num">
+                                      <p:cBhvr additive="base">
+                                        <p:cTn id="7" dur="500" fill="hold"/>
+                                        <p:tgtEl>
+                                          <p:spTgt spid="5"/>
+                                        </p:tgtEl>
+                                        <p:attrNameLst>
+                                          <p:attrName>ppt_x</p:attrName>
+                                        </p:attrNameLst>
+                                      </p:cBhvr>
+                                      <p:tavLst>
+                                        <p:tav tm="0">
+                                          <p:val>
+                                            <p:strVal val="#ppt_x"/>
+                                          </p:val>
+                                        </p:tav>
+                                        <p:tav tm="100000">
+                                          <p:val>
+                                            <p:strVal val="#ppt_x"/>
+                                          </p:val>
+                                        </p:tav>
+                                      </p:tavLst>
+                                    </p:anim>
+                                    <p:anim calcmode="lin" valueType="num">
+                                      <p:cBhvr additive="base">
+                                        <p:cTn id="8" dur="500" fill="hold"/>
+                                        <p:tgtEl>
+                                          <p:spTgt spid="5"/>
+                                        </p:tgtEl>
+                                        <p:attrNameLst>
+                                          <p:attrName>ppt_y</p:attrName>
+                                        </p:attrNameLst>
+                                      </p:cBhvr>
+                                      <p:tavLst>
+                                        <p:tav tm="0">
+                                          <p:val>
+                                            <p:strVal val="1+#ppt_h/2"/>
+                                          </p:val>
+                                        </p:tav>
+                                        <p:tav tm="100000">
+                                          <p:val>
+                                            <p:strVal val="#ppt_y"/>
+                                          </p:val>
+                                        </p:tav>
+                                      </p:tavLst>
+                                    </p:anim>
+                                  </p:childTnLst>
+                                </p:cTn>
+                              </p:par>
+                              <p:par>
+                                <p:cTn id="9" presetID="2" presetClass="entr" presetSubtype="4" fill="hold" grpId="0" nodeType="withEffect">
+                                  <p:stCondLst>
+                                    <p:cond delay="0"/>
+                                  </p:stCondLst>
+                                  <p:childTnLst>
+                                    <p:set>
+                                      <p:cBhvr>
+                                        <p:cTn id="10" dur="1" fill="hold">
+                                          <p:stCondLst>
+                                            <p:cond delay="0"/>
+                                          </p:stCondLst>
+                                        </p:cTn>
+                                        <p:tgtEl>
+                                          <p:spTgt spid="6"/>
+                                        </p:tgtEl>
+                                        <p:attrNameLst>
+                                          <p:attrName>style.visibility</p:attrName>
+                                        </p:attrNameLst>
+                                      </p:cBhvr>
+                                      <p:to>
+                                        <p:strVal val="visible"/>
+                                      </p:to>
+                                    </p:set>
+                                    <p:anim calcmode="lin" valueType="num">
+                                      <p:cBhvr additive="base">
+                                        <p:cTn id="11" dur="500" fill="hold"/>
+                                        <p:tgtEl>
+                                          <p:spTgt spid="6"/>
+                                        </p:tgtEl>
+                                        <p:attrNameLst>
+                                          <p:attrName>ppt_x</p:attrName>
+                                        </p:attrNameLst>
+                                      </p:cBhvr>
+                                      <p:tavLst>
+                                        <p:tav tm="0">
+                                          <p:val>
+                                            <p:strVal val="#ppt_x"/>
+                                          </p:val>
+                                        </p:tav>
+                                        <p:tav tm="100000">
+                                          <p:val>
+                                            <p:strVal val="#ppt_x"/>
+                                          </p:val>
+                                        </p:tav>
+                                      </p:tavLst>
+                                    </p:anim>
+                                    <p:anim calcmode="lin" valueType="num">
+                                      <p:cBhvr additive="base">
+                                        <p:cTn id="12" dur="500" fill="hold"/>
+                                        <p:tgtEl>
+                                          <p:spTgt spid="6"/>
+                                        </p:tgtEl>
+                                        <p:attrNameLst>
+                                          <p:attrName>ppt_y</p:attrName>
+                                        </p:attrNameLst>
+                                      </p:cBhvr>
+                                      <p:tavLst>
+                                        <p:tav tm="0">
+                                          <p:val>
+                                            <p:strVal val="1+#ppt_h/2"/>
+                                          </p:val>
+                                        </p:tav>
+                                        <p:tav tm="100000">
+                                          <p:val>
+                                            <p:strVal val="#ppt_y"/>
+                                          </p:val>
+                                        </p:tav>
+                                      </p:tavLst>
+                                    </p:anim>
+                                  </p:childTnLst>
+                                </p:cTn>
+                              </p:par>
+                              <p:par>
+                                <p:cTn id="13" presetID="2" presetClass="entr" presetSubtype="4" fill="hold" grpId="0" nodeType="withEffect">
+                                  <p:stCondLst>
+                                    <p:cond delay="0"/>
+                                  </p:stCondLst>
+                                  <p:childTnLst>
+                                    <p:set>
+                                      <p:cBhvr>
+                                        <p:cTn id="14" dur="1" fill="hold">
+                                          <p:stCondLst>
+                                            <p:cond delay="0"/>
+                                          </p:stCondLst>
+                                        </p:cTn>
+                                        <p:tgtEl>
+                                          <p:spTgt spid="7"/>
+                                        </p:tgtEl>
+                                        <p:attrNameLst>
+                                          <p:attrName>style.visibility</p:attrName>
+                                        </p:attrNameLst>
+                                      </p:cBhvr>
+                                      <p:to>
+                                        <p:strVal val="visible"/>
+                                      </p:to>
+                                    </p:set>
+                                    <p:anim calcmode="lin" valueType="num">
+                                      <p:cBhvr additive="base">
+                                        <p:cTn id="15" dur="500" fill="hold"/>
+                                        <p:tgtEl>
+                                          <p:spTgt spid="7"/>
+                                        </p:tgtEl>
+                                        <p:attrNameLst>
+                                          <p:attrName>ppt_x</p:attrName>
+                                        </p:attrNameLst>
+                                      </p:cBhvr>
+                                      <p:tavLst>
+                                        <p:tav tm="0">
+                                          <p:val>
+                                            <p:strVal val="#ppt_x"/>
+                                          </p:val>
+                                        </p:tav>
+                                        <p:tav tm="100000">
+                                          <p:val>
+                                            <p:strVal val="#ppt_x"/>
+                                          </p:val>
+                                        </p:tav>
+                                      </p:tavLst>
+                                    </p:anim>
+                                    <p:anim calcmode="lin" valueType="num">
+                                      <p:cBhvr additive="base">
+                                        <p:cTn id="16" dur="500" fill="hold"/>
+                                        <p:tgtEl>
+                                          <p:spTgt spid="7"/>
+                                        </p:tgtEl>
+                                        <p:attrNameLst>
+                                          <p:attrName>ppt_y</p:attrName>
+                                        </p:attrNameLst>
+                                      </p:cBhvr>
+                                      <p:tavLst>
+                                        <p:tav tm="0">
+                                          <p:val>
+                                            <p:strVal val="1+#ppt_h/2"/>
+                                          </p:val>
+                                        </p:tav>
+                                        <p:tav tm="100000">
+                                          <p:val>
+                                            <p:strVal val="#ppt_y"/>
+                                          </p:val>
+                                        </p:tav>
+                                      </p:tavLst>
+                                    </p:anim>
+                                  </p:childTnLst>
+                                </p:cTn>
+                              </p:par>
+                            </p:childTnLst>
+                          </p:cTn>
+                        </p:par>
+                      </p:childTnLst>
+                    </p:cTn>
+                  </p:par>
+                </p:childTnLst>
+              </p:cTn>
+              <p:prevCondLst>
+                <p:cond evt="onPrev" delay="0">
+                  <p:tgtEl>
+                    <p:sldTgt/>
+                  </p:tgtEl>
+                </p:cond>
+              </p:prevCondLst>
+              <p:nextCondLst>
+                <p:cond evt="onNext" delay="0">
+                  <p:tgtEl>
+                    <p:sldTgt/>
+                  </p:tgtEl>
+                </p:cond>
+              </p:nextCondLst>
+            </p:seq>
+          </p:childTnLst>
+        </p:cTn>
+      </p:par>
+    </p:tnLst>
+    <p:bldLst>
+      <p:bldP spid="5" grpId="0"/>
+      <p:bldP spid="6" grpId="0"/>
+      <p:bldP spid="7" grpId="0"/>
+    </p:bldLst>
+  </p:timing>
 </p:sld>
 </file>
 
@@ -4875,62 +6845,308 @@
           <a:p>
             <a:r>
               <a:rPr lang="en-US" altLang="zh-CN" dirty="0"/>
-              <a:t>prospect</a:t>
+              <a:t>benefits of reflection</a:t>
             </a:r>
             <a:endParaRPr lang="zh-CN" altLang="en-US" dirty="0"/>
           </a:p>
         </p:txBody>
       </p:sp>
-      <p:sp>
-        <p:nvSpPr>
-          <p:cNvPr id="3" name="内容占位符 2"/>
-          <p:cNvSpPr>
-            <a:spLocks noGrp="1"/>
-          </p:cNvSpPr>
+      <p:pic>
+        <p:nvPicPr>
+          <p:cNvPr id="9" name="内容占位符 8"/>
+          <p:cNvPicPr>
+            <a:picLocks noGrp="1" noChangeAspect="1"/>
+          </p:cNvPicPr>
           <p:nvPr>
             <p:ph idx="1"/>
           </p:nvPr>
-        </p:nvSpPr>
-        <p:spPr/>
-        <p:txBody>
-          <a:bodyPr/>
-          <a:lstStyle/>
-          <a:p>
-            <a:r>
-              <a:rPr lang="en-US" altLang="zh-CN" dirty="0"/>
-              <a:t>data </a:t>
-            </a:r>
-            <a:r>
-              <a:rPr lang="en-US" altLang="zh-CN" dirty="0" smtClean="0"/>
-              <a:t>binding</a:t>
-            </a:r>
-          </a:p>
-          <a:p>
-            <a:r>
-              <a:rPr lang="en-US" altLang="zh-CN" dirty="0" err="1"/>
-              <a:t>protocal</a:t>
-            </a:r>
-            <a:r>
-              <a:rPr lang="en-US" altLang="zh-CN" dirty="0"/>
-              <a:t> adaptor</a:t>
-            </a:r>
-            <a:endParaRPr lang="en-US" altLang="zh-CN" dirty="0" smtClean="0"/>
-          </a:p>
-          <a:p>
-            <a:endParaRPr lang="zh-CN" altLang="en-US" dirty="0"/>
-          </a:p>
-        </p:txBody>
-      </p:sp>
+        </p:nvPicPr>
+        <p:blipFill>
+          <a:blip r:embed="rId2"/>
+          <a:stretch>
+            <a:fillRect/>
+          </a:stretch>
+        </p:blipFill>
+        <p:spPr>
+          <a:xfrm>
+            <a:off x="3888715" y="4814943"/>
+            <a:ext cx="3742857" cy="523810"/>
+          </a:xfrm>
+          <a:prstGeom prst="rect">
+            <a:avLst/>
+          </a:prstGeom>
+        </p:spPr>
+      </p:pic>
+      <p:pic>
+        <p:nvPicPr>
+          <p:cNvPr id="5" name="图片 4"/>
+          <p:cNvPicPr>
+            <a:picLocks noChangeAspect="1"/>
+          </p:cNvPicPr>
+          <p:nvPr/>
+        </p:nvPicPr>
+        <p:blipFill>
+          <a:blip r:embed="rId3"/>
+          <a:stretch>
+            <a:fillRect/>
+          </a:stretch>
+        </p:blipFill>
+        <p:spPr>
+          <a:xfrm>
+            <a:off x="3888715" y="1934528"/>
+            <a:ext cx="3247619" cy="1542857"/>
+          </a:xfrm>
+          <a:prstGeom prst="rect">
+            <a:avLst/>
+          </a:prstGeom>
+        </p:spPr>
+      </p:pic>
+      <p:pic>
+        <p:nvPicPr>
+          <p:cNvPr id="8" name="图片 7"/>
+          <p:cNvPicPr>
+            <a:picLocks noChangeAspect="1"/>
+          </p:cNvPicPr>
+          <p:nvPr/>
+        </p:nvPicPr>
+        <p:blipFill>
+          <a:blip r:embed="rId4"/>
+          <a:stretch>
+            <a:fillRect/>
+          </a:stretch>
+        </p:blipFill>
+        <p:spPr>
+          <a:xfrm>
+            <a:off x="3888715" y="3803307"/>
+            <a:ext cx="3142857" cy="685714"/>
+          </a:xfrm>
+          <a:prstGeom prst="rect">
+            <a:avLst/>
+          </a:prstGeom>
+        </p:spPr>
+      </p:pic>
     </p:spTree>
     <p:extLst>
       <p:ext uri="{BB962C8B-B14F-4D97-AF65-F5344CB8AC3E}">
-        <p14:creationId xmlns:p14="http://schemas.microsoft.com/office/powerpoint/2010/main" val="3546759729"/>
+        <p14:creationId xmlns:p14="http://schemas.microsoft.com/office/powerpoint/2010/main" val="3734920720"/>
       </p:ext>
     </p:extLst>
   </p:cSld>
   <p:clrMapOvr>
     <a:masterClrMapping/>
   </p:clrMapOvr>
+  <p:timing>
+    <p:tnLst>
+      <p:par>
+        <p:cTn id="1" dur="indefinite" restart="never" nodeType="tmRoot">
+          <p:childTnLst>
+            <p:seq concurrent="1" nextAc="seek">
+              <p:cTn id="2" dur="indefinite" nodeType="mainSeq">
+                <p:childTnLst>
+                  <p:par>
+                    <p:cTn id="3" fill="hold">
+                      <p:stCondLst>
+                        <p:cond delay="indefinite"/>
+                      </p:stCondLst>
+                      <p:childTnLst>
+                        <p:par>
+                          <p:cTn id="4" fill="hold">
+                            <p:stCondLst>
+                              <p:cond delay="0"/>
+                            </p:stCondLst>
+                            <p:childTnLst>
+                              <p:par>
+                                <p:cTn id="5" presetID="2" presetClass="entr" presetSubtype="4" fill="hold" nodeType="clickEffect">
+                                  <p:stCondLst>
+                                    <p:cond delay="0"/>
+                                  </p:stCondLst>
+                                  <p:childTnLst>
+                                    <p:set>
+                                      <p:cBhvr>
+                                        <p:cTn id="6" dur="1" fill="hold">
+                                          <p:stCondLst>
+                                            <p:cond delay="0"/>
+                                          </p:stCondLst>
+                                        </p:cTn>
+                                        <p:tgtEl>
+                                          <p:spTgt spid="8"/>
+                                        </p:tgtEl>
+                                        <p:attrNameLst>
+                                          <p:attrName>style.visibility</p:attrName>
+                                        </p:attrNameLst>
+                                      </p:cBhvr>
+                                      <p:to>
+                                        <p:strVal val="visible"/>
+                                      </p:to>
+                                    </p:set>
+                                    <p:anim calcmode="lin" valueType="num">
+                                      <p:cBhvr additive="base">
+                                        <p:cTn id="7" dur="500" fill="hold"/>
+                                        <p:tgtEl>
+                                          <p:spTgt spid="8"/>
+                                        </p:tgtEl>
+                                        <p:attrNameLst>
+                                          <p:attrName>ppt_x</p:attrName>
+                                        </p:attrNameLst>
+                                      </p:cBhvr>
+                                      <p:tavLst>
+                                        <p:tav tm="0">
+                                          <p:val>
+                                            <p:strVal val="#ppt_x"/>
+                                          </p:val>
+                                        </p:tav>
+                                        <p:tav tm="100000">
+                                          <p:val>
+                                            <p:strVal val="#ppt_x"/>
+                                          </p:val>
+                                        </p:tav>
+                                      </p:tavLst>
+                                    </p:anim>
+                                    <p:anim calcmode="lin" valueType="num">
+                                      <p:cBhvr additive="base">
+                                        <p:cTn id="8" dur="500" fill="hold"/>
+                                        <p:tgtEl>
+                                          <p:spTgt spid="8"/>
+                                        </p:tgtEl>
+                                        <p:attrNameLst>
+                                          <p:attrName>ppt_y</p:attrName>
+                                        </p:attrNameLst>
+                                      </p:cBhvr>
+                                      <p:tavLst>
+                                        <p:tav tm="0">
+                                          <p:val>
+                                            <p:strVal val="1+#ppt_h/2"/>
+                                          </p:val>
+                                        </p:tav>
+                                        <p:tav tm="100000">
+                                          <p:val>
+                                            <p:strVal val="#ppt_y"/>
+                                          </p:val>
+                                        </p:tav>
+                                      </p:tavLst>
+                                    </p:anim>
+                                  </p:childTnLst>
+                                </p:cTn>
+                              </p:par>
+                            </p:childTnLst>
+                          </p:cTn>
+                        </p:par>
+                      </p:childTnLst>
+                    </p:cTn>
+                  </p:par>
+                  <p:par>
+                    <p:cTn id="9" fill="hold">
+                      <p:stCondLst>
+                        <p:cond delay="indefinite"/>
+                      </p:stCondLst>
+                      <p:childTnLst>
+                        <p:par>
+                          <p:cTn id="10" fill="hold">
+                            <p:stCondLst>
+                              <p:cond delay="0"/>
+                            </p:stCondLst>
+                            <p:childTnLst>
+                              <p:par>
+                                <p:cTn id="11" presetID="2" presetClass="entr" presetSubtype="4" fill="hold" nodeType="clickEffect">
+                                  <p:stCondLst>
+                                    <p:cond delay="0"/>
+                                  </p:stCondLst>
+                                  <p:childTnLst>
+                                    <p:set>
+                                      <p:cBhvr>
+                                        <p:cTn id="12" dur="1" fill="hold">
+                                          <p:stCondLst>
+                                            <p:cond delay="0"/>
+                                          </p:stCondLst>
+                                        </p:cTn>
+                                        <p:tgtEl>
+                                          <p:spTgt spid="9"/>
+                                        </p:tgtEl>
+                                        <p:attrNameLst>
+                                          <p:attrName>style.visibility</p:attrName>
+                                        </p:attrNameLst>
+                                      </p:cBhvr>
+                                      <p:to>
+                                        <p:strVal val="visible"/>
+                                      </p:to>
+                                    </p:set>
+                                    <p:anim calcmode="lin" valueType="num">
+                                      <p:cBhvr additive="base">
+                                        <p:cTn id="13" dur="500" fill="hold"/>
+                                        <p:tgtEl>
+                                          <p:spTgt spid="9"/>
+                                        </p:tgtEl>
+                                        <p:attrNameLst>
+                                          <p:attrName>ppt_x</p:attrName>
+                                        </p:attrNameLst>
+                                      </p:cBhvr>
+                                      <p:tavLst>
+                                        <p:tav tm="0">
+                                          <p:val>
+                                            <p:strVal val="#ppt_x"/>
+                                          </p:val>
+                                        </p:tav>
+                                        <p:tav tm="100000">
+                                          <p:val>
+                                            <p:strVal val="#ppt_x"/>
+                                          </p:val>
+                                        </p:tav>
+                                      </p:tavLst>
+                                    </p:anim>
+                                    <p:anim calcmode="lin" valueType="num">
+                                      <p:cBhvr additive="base">
+                                        <p:cTn id="14" dur="500" fill="hold"/>
+                                        <p:tgtEl>
+                                          <p:spTgt spid="9"/>
+                                        </p:tgtEl>
+                                        <p:attrNameLst>
+                                          <p:attrName>ppt_y</p:attrName>
+                                        </p:attrNameLst>
+                                      </p:cBhvr>
+                                      <p:tavLst>
+                                        <p:tav tm="0">
+                                          <p:val>
+                                            <p:strVal val="1+#ppt_h/2"/>
+                                          </p:val>
+                                        </p:tav>
+                                        <p:tav tm="100000">
+                                          <p:val>
+                                            <p:strVal val="#ppt_y"/>
+                                          </p:val>
+                                        </p:tav>
+                                      </p:tavLst>
+                                    </p:anim>
+                                  </p:childTnLst>
+                                </p:cTn>
+                              </p:par>
+                            </p:childTnLst>
+                          </p:cTn>
+                        </p:par>
+                      </p:childTnLst>
+                    </p:cTn>
+                  </p:par>
+                </p:childTnLst>
+              </p:cTn>
+              <p:prevCondLst>
+                <p:cond evt="onPrev" delay="0">
+                  <p:tgtEl>
+                    <p:sldTgt/>
+                  </p:tgtEl>
+                </p:cond>
+              </p:prevCondLst>
+              <p:nextCondLst>
+                <p:cond evt="onNext" delay="0">
+                  <p:tgtEl>
+                    <p:sldTgt/>
+                  </p:tgtEl>
+                </p:cond>
+              </p:nextCondLst>
+            </p:seq>
+          </p:childTnLst>
+        </p:cTn>
+      </p:par>
+    </p:tnLst>
+  </p:timing>
 </p:sld>
 </file>
 

--- a/cppcon2017.pptx
+++ b/cppcon2017.pptx
@@ -5,7 +5,7 @@
     <p:sldMasterId id="2147483648" r:id="rId1"/>
   </p:sldMasterIdLst>
   <p:notesMasterIdLst>
-    <p:notesMasterId r:id="rId18"/>
+    <p:notesMasterId r:id="rId19"/>
   </p:notesMasterIdLst>
   <p:sldIdLst>
     <p:sldId id="256" r:id="rId2"/>
@@ -18,12 +18,13 @@
     <p:sldId id="267" r:id="rId9"/>
     <p:sldId id="266" r:id="rId10"/>
     <p:sldId id="268" r:id="rId11"/>
-    <p:sldId id="269" r:id="rId12"/>
-    <p:sldId id="259" r:id="rId13"/>
-    <p:sldId id="270" r:id="rId14"/>
-    <p:sldId id="260" r:id="rId15"/>
-    <p:sldId id="271" r:id="rId16"/>
-    <p:sldId id="261" r:id="rId17"/>
+    <p:sldId id="272" r:id="rId12"/>
+    <p:sldId id="269" r:id="rId13"/>
+    <p:sldId id="259" r:id="rId14"/>
+    <p:sldId id="270" r:id="rId15"/>
+    <p:sldId id="260" r:id="rId16"/>
+    <p:sldId id="271" r:id="rId17"/>
+    <p:sldId id="261" r:id="rId18"/>
   </p:sldIdLst>
   <p:sldSz cx="12192000" cy="6858000"/>
   <p:notesSz cx="6858000" cy="9144000"/>
@@ -3971,49 +3972,43 @@
           <a:lstStyle/>
           <a:p>
             <a:r>
+              <a:rPr lang="en-US" altLang="zh-CN" dirty="0"/>
+              <a:t>what can it be used for?</a:t>
+            </a:r>
+            <a:endParaRPr lang="zh-CN" altLang="en-US" dirty="0"/>
+          </a:p>
+        </p:txBody>
+      </p:sp>
+      <p:sp>
+        <p:nvSpPr>
+          <p:cNvPr id="3" name="内容占位符 2"/>
+          <p:cNvSpPr>
+            <a:spLocks noGrp="1"/>
+          </p:cNvSpPr>
+          <p:nvPr>
+            <p:ph idx="1"/>
+          </p:nvPr>
+        </p:nvSpPr>
+        <p:spPr/>
+        <p:txBody>
+          <a:bodyPr/>
+          <a:lstStyle/>
+          <a:p>
+            <a:r>
               <a:rPr lang="en-US" altLang="zh-CN" dirty="0" smtClean="0"/>
-              <a:t>Outline</a:t>
-            </a:r>
-            <a:endParaRPr lang="zh-CN" altLang="en-US" dirty="0"/>
-          </a:p>
-        </p:txBody>
-      </p:sp>
-      <p:sp>
-        <p:nvSpPr>
-          <p:cNvPr id="3" name="内容占位符 2"/>
-          <p:cNvSpPr>
-            <a:spLocks noGrp="1"/>
-          </p:cNvSpPr>
-          <p:nvPr>
-            <p:ph idx="1"/>
-          </p:nvPr>
-        </p:nvSpPr>
-        <p:spPr/>
-        <p:txBody>
-          <a:bodyPr/>
-          <a:lstStyle/>
+              <a:t>Serialization</a:t>
+            </a:r>
+          </a:p>
           <a:p>
             <a:r>
               <a:rPr lang="en-US" altLang="zh-CN" dirty="0" smtClean="0"/>
-              <a:t>concepts of reflection</a:t>
-            </a:r>
-          </a:p>
-          <a:p>
-            <a:r>
-              <a:rPr lang="en-US" altLang="zh-CN" b="1" dirty="0" smtClean="0"/>
-              <a:t>implementation</a:t>
-            </a:r>
-          </a:p>
-          <a:p>
-            <a:r>
-              <a:rPr lang="en-US" altLang="zh-CN" dirty="0" smtClean="0"/>
-              <a:t>application of compile-time reflection</a:t>
-            </a:r>
-          </a:p>
-          <a:p>
-            <a:r>
-              <a:rPr lang="en-US" altLang="zh-CN" dirty="0" smtClean="0"/>
-              <a:t>prospect</a:t>
+              <a:t>ORM(Object Relational Mapping)</a:t>
+            </a:r>
+          </a:p>
+          <a:p>
+            <a:r>
+              <a:rPr lang="en-US" altLang="zh-CN" dirty="0"/>
+              <a:t>DSL(domain-specific language)</a:t>
             </a:r>
             <a:endParaRPr lang="zh-CN" altLang="en-US" dirty="0"/>
           </a:p>
@@ -4022,7 +4017,7 @@
     </p:spTree>
     <p:extLst>
       <p:ext uri="{BB962C8B-B14F-4D97-AF65-F5344CB8AC3E}">
-        <p14:creationId xmlns:p14="http://schemas.microsoft.com/office/powerpoint/2010/main" val="3289896007"/>
+        <p14:creationId xmlns:p14="http://schemas.microsoft.com/office/powerpoint/2010/main" val="1686662833"/>
       </p:ext>
     </p:extLst>
   </p:cSld>
@@ -4072,8 +4067,8 @@
           <a:lstStyle/>
           <a:p>
             <a:r>
-              <a:rPr lang="en-US" altLang="zh-CN" dirty="0"/>
-              <a:t>implementation</a:t>
+              <a:rPr lang="en-US" altLang="zh-CN" dirty="0" smtClean="0"/>
+              <a:t>Outline</a:t>
             </a:r>
             <a:endParaRPr lang="zh-CN" altLang="en-US" dirty="0"/>
           </a:p>
@@ -4095,44 +4090,31 @@
           <a:lstStyle/>
           <a:p>
             <a:r>
-              <a:rPr lang="en-US" altLang="zh-CN" dirty="0"/>
-              <a:t>technology </a:t>
-            </a:r>
-            <a:r>
               <a:rPr lang="en-US" altLang="zh-CN" dirty="0" smtClean="0"/>
-              <a:t>foundation(macro)</a:t>
-            </a:r>
-          </a:p>
-          <a:p>
-            <a:r>
-              <a:rPr lang="en-US" altLang="zh-CN" dirty="0"/>
-              <a:t>technical </a:t>
-            </a:r>
+              <a:t>concepts of reflection</a:t>
+            </a:r>
+          </a:p>
+          <a:p>
+            <a:r>
+              <a:rPr lang="en-US" altLang="zh-CN" b="1" dirty="0" smtClean="0"/>
+              <a:t>implementation </a:t>
+            </a:r>
+            <a:r>
+              <a:rPr lang="en-US" altLang="zh-CN" b="1" dirty="0"/>
+              <a:t>of compile-time reflection</a:t>
+            </a:r>
+            <a:endParaRPr lang="en-US" altLang="zh-CN" b="1" dirty="0" smtClean="0"/>
+          </a:p>
+          <a:p>
             <a:r>
               <a:rPr lang="en-US" altLang="zh-CN" dirty="0" smtClean="0"/>
-              <a:t>thought</a:t>
-            </a:r>
-          </a:p>
-          <a:p>
-            <a:r>
-              <a:rPr lang="en-US" altLang="zh-CN" dirty="0"/>
-              <a:t>concrete </a:t>
-            </a:r>
+              <a:t>application of compile-time reflection</a:t>
+            </a:r>
+          </a:p>
+          <a:p>
             <a:r>
               <a:rPr lang="en-US" altLang="zh-CN" dirty="0" smtClean="0"/>
-              <a:t>implementation</a:t>
-            </a:r>
-          </a:p>
-          <a:p>
-            <a:r>
-              <a:rPr lang="en-US" altLang="zh-CN" dirty="0" smtClean="0"/>
-              <a:t>limitations</a:t>
-            </a:r>
-          </a:p>
-          <a:p>
-            <a:r>
-              <a:rPr lang="en-US" altLang="zh-CN" dirty="0"/>
-              <a:t>proposals of reflection</a:t>
+              <a:t>prospect</a:t>
             </a:r>
             <a:endParaRPr lang="zh-CN" altLang="en-US" dirty="0"/>
           </a:p>
@@ -4141,7 +4123,7 @@
     </p:spTree>
     <p:extLst>
       <p:ext uri="{BB962C8B-B14F-4D97-AF65-F5344CB8AC3E}">
-        <p14:creationId xmlns:p14="http://schemas.microsoft.com/office/powerpoint/2010/main" val="1735970390"/>
+        <p14:creationId xmlns:p14="http://schemas.microsoft.com/office/powerpoint/2010/main" val="3289896007"/>
       </p:ext>
     </p:extLst>
   </p:cSld>
@@ -4192,7 +4174,7 @@
           <a:p>
             <a:r>
               <a:rPr lang="en-US" altLang="zh-CN" dirty="0" smtClean="0"/>
-              <a:t>Outline</a:t>
+              <a:t>implementation of compile time reflection</a:t>
             </a:r>
             <a:endParaRPr lang="zh-CN" altLang="en-US" dirty="0"/>
           </a:p>
@@ -4214,11 +4196,29 @@
           <a:lstStyle/>
           <a:p>
             <a:r>
+              <a:rPr lang="en-US" altLang="zh-CN" dirty="0"/>
+              <a:t>technology </a:t>
+            </a:r>
+            <a:r>
               <a:rPr lang="en-US" altLang="zh-CN" dirty="0" smtClean="0"/>
-              <a:t>concepts of reflection</a:t>
-            </a:r>
-          </a:p>
-          <a:p>
+              <a:t>foundation(macro)</a:t>
+            </a:r>
+          </a:p>
+          <a:p>
+            <a:r>
+              <a:rPr lang="en-US" altLang="zh-CN" dirty="0"/>
+              <a:t>technical </a:t>
+            </a:r>
+            <a:r>
+              <a:rPr lang="en-US" altLang="zh-CN" dirty="0" smtClean="0"/>
+              <a:t>thought</a:t>
+            </a:r>
+          </a:p>
+          <a:p>
+            <a:r>
+              <a:rPr lang="en-US" altLang="zh-CN" dirty="0"/>
+              <a:t>concrete </a:t>
+            </a:r>
             <a:r>
               <a:rPr lang="en-US" altLang="zh-CN" dirty="0" smtClean="0"/>
               <a:t>implementation</a:t>
@@ -4226,14 +4226,14 @@
           </a:p>
           <a:p>
             <a:r>
-              <a:rPr lang="en-US" altLang="zh-CN" b="1" dirty="0" smtClean="0"/>
-              <a:t>application of compile-time reflection</a:t>
-            </a:r>
-          </a:p>
-          <a:p>
-            <a:r>
               <a:rPr lang="en-US" altLang="zh-CN" dirty="0" smtClean="0"/>
-              <a:t>prospect</a:t>
+              <a:t>limitations</a:t>
+            </a:r>
+          </a:p>
+          <a:p>
+            <a:r>
+              <a:rPr lang="en-US" altLang="zh-CN" dirty="0"/>
+              <a:t>proposals of reflection</a:t>
             </a:r>
             <a:endParaRPr lang="zh-CN" altLang="en-US" dirty="0"/>
           </a:p>
@@ -4242,7 +4242,7 @@
     </p:spTree>
     <p:extLst>
       <p:ext uri="{BB962C8B-B14F-4D97-AF65-F5344CB8AC3E}">
-        <p14:creationId xmlns:p14="http://schemas.microsoft.com/office/powerpoint/2010/main" val="3920747289"/>
+        <p14:creationId xmlns:p14="http://schemas.microsoft.com/office/powerpoint/2010/main" val="1735970390"/>
       </p:ext>
     </p:extLst>
   </p:cSld>
@@ -4292,47 +4292,54 @@
           <a:lstStyle/>
           <a:p>
             <a:r>
+              <a:rPr lang="en-US" altLang="zh-CN" dirty="0" smtClean="0"/>
+              <a:t>Outline</a:t>
+            </a:r>
+            <a:endParaRPr lang="zh-CN" altLang="en-US" dirty="0"/>
+          </a:p>
+        </p:txBody>
+      </p:sp>
+      <p:sp>
+        <p:nvSpPr>
+          <p:cNvPr id="3" name="内容占位符 2"/>
+          <p:cNvSpPr>
+            <a:spLocks noGrp="1"/>
+          </p:cNvSpPr>
+          <p:nvPr>
+            <p:ph idx="1"/>
+          </p:nvPr>
+        </p:nvSpPr>
+        <p:spPr/>
+        <p:txBody>
+          <a:bodyPr/>
+          <a:lstStyle/>
+          <a:p>
+            <a:r>
+              <a:rPr lang="en-US" altLang="zh-CN" dirty="0" smtClean="0"/>
+              <a:t>concepts of reflection</a:t>
+            </a:r>
+          </a:p>
+          <a:p>
+            <a:r>
               <a:rPr lang="en-US" altLang="zh-CN" dirty="0"/>
-              <a:t>application of compile-time </a:t>
+              <a:t>implementation of compile-time </a:t>
             </a:r>
             <a:r>
               <a:rPr lang="en-US" altLang="zh-CN" dirty="0" smtClean="0"/>
               <a:t>reflection</a:t>
             </a:r>
-            <a:endParaRPr lang="zh-CN" altLang="en-US" dirty="0"/>
-          </a:p>
-        </p:txBody>
-      </p:sp>
-      <p:sp>
-        <p:nvSpPr>
-          <p:cNvPr id="3" name="内容占位符 2"/>
-          <p:cNvSpPr>
-            <a:spLocks noGrp="1"/>
-          </p:cNvSpPr>
-          <p:nvPr>
-            <p:ph idx="1"/>
-          </p:nvPr>
-        </p:nvSpPr>
-        <p:spPr/>
-        <p:txBody>
-          <a:bodyPr/>
-          <a:lstStyle/>
+            <a:endParaRPr lang="en-US" altLang="zh-CN" dirty="0" smtClean="0"/>
+          </a:p>
+          <a:p>
+            <a:r>
+              <a:rPr lang="en-US" altLang="zh-CN" b="1" dirty="0" smtClean="0"/>
+              <a:t>application of compile-time reflection</a:t>
+            </a:r>
+          </a:p>
           <a:p>
             <a:r>
               <a:rPr lang="en-US" altLang="zh-CN" dirty="0" smtClean="0"/>
-              <a:t>serialization</a:t>
-            </a:r>
-          </a:p>
-          <a:p>
-            <a:r>
-              <a:rPr lang="en-US" altLang="zh-CN" dirty="0" smtClean="0"/>
-              <a:t>ORM</a:t>
-            </a:r>
-          </a:p>
-          <a:p>
-            <a:r>
-              <a:rPr lang="en-US" altLang="zh-CN" dirty="0" smtClean="0"/>
-              <a:t>DSL</a:t>
+              <a:t>prospect</a:t>
             </a:r>
             <a:endParaRPr lang="zh-CN" altLang="en-US" dirty="0"/>
           </a:p>
@@ -4341,7 +4348,7 @@
     </p:spTree>
     <p:extLst>
       <p:ext uri="{BB962C8B-B14F-4D97-AF65-F5344CB8AC3E}">
-        <p14:creationId xmlns:p14="http://schemas.microsoft.com/office/powerpoint/2010/main" val="3812572458"/>
+        <p14:creationId xmlns:p14="http://schemas.microsoft.com/office/powerpoint/2010/main" val="3920747289"/>
       </p:ext>
     </p:extLst>
   </p:cSld>
@@ -4391,6 +4398,105 @@
           <a:lstStyle/>
           <a:p>
             <a:r>
+              <a:rPr lang="en-US" altLang="zh-CN" dirty="0"/>
+              <a:t>application of compile-time </a:t>
+            </a:r>
+            <a:r>
+              <a:rPr lang="en-US" altLang="zh-CN" dirty="0" smtClean="0"/>
+              <a:t>reflection</a:t>
+            </a:r>
+            <a:endParaRPr lang="zh-CN" altLang="en-US" dirty="0"/>
+          </a:p>
+        </p:txBody>
+      </p:sp>
+      <p:sp>
+        <p:nvSpPr>
+          <p:cNvPr id="3" name="内容占位符 2"/>
+          <p:cNvSpPr>
+            <a:spLocks noGrp="1"/>
+          </p:cNvSpPr>
+          <p:nvPr>
+            <p:ph idx="1"/>
+          </p:nvPr>
+        </p:nvSpPr>
+        <p:spPr/>
+        <p:txBody>
+          <a:bodyPr/>
+          <a:lstStyle/>
+          <a:p>
+            <a:r>
+              <a:rPr lang="en-US" altLang="zh-CN" dirty="0"/>
+              <a:t>Serialization</a:t>
+            </a:r>
+          </a:p>
+          <a:p>
+            <a:r>
+              <a:rPr lang="en-US" altLang="zh-CN" dirty="0"/>
+              <a:t>ORM(Object Relational Mapping)</a:t>
+            </a:r>
+          </a:p>
+          <a:p>
+            <a:r>
+              <a:rPr lang="en-US" altLang="zh-CN" dirty="0"/>
+              <a:t>DSL(domain-specific language)</a:t>
+            </a:r>
+            <a:endParaRPr lang="zh-CN" altLang="en-US" dirty="0"/>
+          </a:p>
+        </p:txBody>
+      </p:sp>
+    </p:spTree>
+    <p:extLst>
+      <p:ext uri="{BB962C8B-B14F-4D97-AF65-F5344CB8AC3E}">
+        <p14:creationId xmlns:p14="http://schemas.microsoft.com/office/powerpoint/2010/main" val="3812572458"/>
+      </p:ext>
+    </p:extLst>
+  </p:cSld>
+  <p:clrMapOvr>
+    <a:masterClrMapping/>
+  </p:clrMapOvr>
+  <p:timing>
+    <p:tnLst>
+      <p:par>
+        <p:cTn id="1" dur="indefinite" restart="never" nodeType="tmRoot"/>
+      </p:par>
+    </p:tnLst>
+  </p:timing>
+</p:sld>
+</file>
+
+<file path=ppt/slides/slide16.xml><?xml version="1.0" encoding="utf-8"?>
+<p:sld xmlns:a="http://schemas.openxmlformats.org/drawingml/2006/main" xmlns:r="http://schemas.openxmlformats.org/officeDocument/2006/relationships" xmlns:p="http://schemas.openxmlformats.org/presentationml/2006/main">
+  <p:cSld>
+    <p:spTree>
+      <p:nvGrpSpPr>
+        <p:cNvPr id="1" name=""/>
+        <p:cNvGrpSpPr/>
+        <p:nvPr/>
+      </p:nvGrpSpPr>
+      <p:grpSpPr>
+        <a:xfrm>
+          <a:off x="0" y="0"/>
+          <a:ext cx="0" cy="0"/>
+          <a:chOff x="0" y="0"/>
+          <a:chExt cx="0" cy="0"/>
+        </a:xfrm>
+      </p:grpSpPr>
+      <p:sp>
+        <p:nvSpPr>
+          <p:cNvPr id="2" name="标题 1"/>
+          <p:cNvSpPr>
+            <a:spLocks noGrp="1"/>
+          </p:cNvSpPr>
+          <p:nvPr>
+            <p:ph type="title"/>
+          </p:nvPr>
+        </p:nvSpPr>
+        <p:spPr/>
+        <p:txBody>
+          <a:bodyPr/>
+          <a:lstStyle/>
+          <a:p>
+            <a:r>
               <a:rPr lang="en-US" altLang="zh-CN" dirty="0" smtClean="0"/>
               <a:t>Outline</a:t>
             </a:r>
@@ -4420,9 +4526,14 @@
           </a:p>
           <a:p>
             <a:r>
+              <a:rPr lang="en-US" altLang="zh-CN" dirty="0"/>
+              <a:t>implementation of compile-time </a:t>
+            </a:r>
+            <a:r>
               <a:rPr lang="en-US" altLang="zh-CN" dirty="0" smtClean="0"/>
-              <a:t>implementation</a:t>
-            </a:r>
+              <a:t>reflection</a:t>
+            </a:r>
+            <a:endParaRPr lang="en-US" altLang="zh-CN" dirty="0" smtClean="0"/>
           </a:p>
           <a:p>
             <a:r>
@@ -4459,7 +4570,7 @@
 </p:sld>
 </file>
 
-<file path=ppt/slides/slide16.xml><?xml version="1.0" encoding="utf-8"?>
+<file path=ppt/slides/slide17.xml><?xml version="1.0" encoding="utf-8"?>
 <p:sld xmlns:a="http://schemas.openxmlformats.org/drawingml/2006/main" xmlns:r="http://schemas.openxmlformats.org/officeDocument/2006/relationships" xmlns:p="http://schemas.openxmlformats.org/presentationml/2006/main">
   <p:cSld>
     <p:spTree>
@@ -4621,9 +4732,14 @@
           </a:p>
           <a:p>
             <a:r>
+              <a:rPr lang="en-US" altLang="zh-CN" dirty="0"/>
+              <a:t>implementation of compile-time </a:t>
+            </a:r>
+            <a:r>
               <a:rPr lang="en-US" altLang="zh-CN" dirty="0" smtClean="0"/>
-              <a:t>implementation</a:t>
-            </a:r>
+              <a:t>reflection</a:t>
+            </a:r>
+            <a:endParaRPr lang="en-US" altLang="zh-CN" dirty="0" smtClean="0"/>
           </a:p>
           <a:p>
             <a:r>
@@ -6781,6 +6897,105 @@
                       </p:childTnLst>
                     </p:cTn>
                   </p:par>
+                  <p:par>
+                    <p:cTn id="17" fill="hold">
+                      <p:stCondLst>
+                        <p:cond delay="indefinite"/>
+                      </p:stCondLst>
+                      <p:childTnLst>
+                        <p:par>
+                          <p:cTn id="18" fill="hold">
+                            <p:stCondLst>
+                              <p:cond delay="0"/>
+                            </p:stCondLst>
+                            <p:childTnLst>
+                              <p:par>
+                                <p:cTn id="19" presetID="53" presetClass="entr" presetSubtype="16" fill="hold" grpId="0" nodeType="clickEffect">
+                                  <p:stCondLst>
+                                    <p:cond delay="0"/>
+                                  </p:stCondLst>
+                                  <p:childTnLst>
+                                    <p:set>
+                                      <p:cBhvr>
+                                        <p:cTn id="20" dur="1" fill="hold">
+                                          <p:stCondLst>
+                                            <p:cond delay="0"/>
+                                          </p:stCondLst>
+                                        </p:cTn>
+                                        <p:tgtEl>
+                                          <p:spTgt spid="8"/>
+                                        </p:tgtEl>
+                                        <p:attrNameLst>
+                                          <p:attrName>style.visibility</p:attrName>
+                                        </p:attrNameLst>
+                                      </p:cBhvr>
+                                      <p:to>
+                                        <p:strVal val="visible"/>
+                                      </p:to>
+                                    </p:set>
+                                    <p:anim calcmode="lin" valueType="num">
+                                      <p:cBhvr>
+                                        <p:cTn id="21" dur="500" fill="hold"/>
+                                        <p:tgtEl>
+                                          <p:spTgt spid="8"/>
+                                        </p:tgtEl>
+                                        <p:attrNameLst>
+                                          <p:attrName>ppt_w</p:attrName>
+                                        </p:attrNameLst>
+                                      </p:cBhvr>
+                                      <p:tavLst>
+                                        <p:tav tm="0">
+                                          <p:val>
+                                            <p:fltVal val="0"/>
+                                          </p:val>
+                                        </p:tav>
+                                        <p:tav tm="100000">
+                                          <p:val>
+                                            <p:strVal val="#ppt_w"/>
+                                          </p:val>
+                                        </p:tav>
+                                      </p:tavLst>
+                                    </p:anim>
+                                    <p:anim calcmode="lin" valueType="num">
+                                      <p:cBhvr>
+                                        <p:cTn id="22" dur="500" fill="hold"/>
+                                        <p:tgtEl>
+                                          <p:spTgt spid="8"/>
+                                        </p:tgtEl>
+                                        <p:attrNameLst>
+                                          <p:attrName>ppt_h</p:attrName>
+                                        </p:attrNameLst>
+                                      </p:cBhvr>
+                                      <p:tavLst>
+                                        <p:tav tm="0">
+                                          <p:val>
+                                            <p:fltVal val="0"/>
+                                          </p:val>
+                                        </p:tav>
+                                        <p:tav tm="100000">
+                                          <p:val>
+                                            <p:strVal val="#ppt_h"/>
+                                          </p:val>
+                                        </p:tav>
+                                      </p:tavLst>
+                                    </p:anim>
+                                    <p:animEffect transition="in" filter="fade">
+                                      <p:cBhvr>
+                                        <p:cTn id="23" dur="500"/>
+                                        <p:tgtEl>
+                                          <p:spTgt spid="8"/>
+                                        </p:tgtEl>
+                                      </p:cBhvr>
+                                    </p:animEffect>
+                                  </p:childTnLst>
+                                </p:cTn>
+                              </p:par>
+                            </p:childTnLst>
+                          </p:cTn>
+                        </p:par>
+                      </p:childTnLst>
+                    </p:cTn>
+                  </p:par>
                 </p:childTnLst>
               </p:cTn>
               <p:prevCondLst>
@@ -6806,6 +7021,7 @@
       <p:bldP spid="5" grpId="0"/>
       <p:bldP spid="6" grpId="0"/>
       <p:bldP spid="7" grpId="0"/>
+      <p:bldP spid="8" grpId="0"/>
     </p:bldLst>
   </p:timing>
 </p:sld>

--- a/cppcon2017.pptx
+++ b/cppcon2017.pptx
@@ -5,7 +5,7 @@
     <p:sldMasterId id="2147483648" r:id="rId1"/>
   </p:sldMasterIdLst>
   <p:notesMasterIdLst>
-    <p:notesMasterId r:id="rId19"/>
+    <p:notesMasterId r:id="rId22"/>
   </p:notesMasterIdLst>
   <p:sldIdLst>
     <p:sldId id="256" r:id="rId2"/>
@@ -21,10 +21,13 @@
     <p:sldId id="272" r:id="rId12"/>
     <p:sldId id="269" r:id="rId13"/>
     <p:sldId id="259" r:id="rId14"/>
-    <p:sldId id="270" r:id="rId15"/>
-    <p:sldId id="260" r:id="rId16"/>
-    <p:sldId id="271" r:id="rId17"/>
-    <p:sldId id="261" r:id="rId18"/>
+    <p:sldId id="273" r:id="rId15"/>
+    <p:sldId id="274" r:id="rId16"/>
+    <p:sldId id="275" r:id="rId17"/>
+    <p:sldId id="270" r:id="rId18"/>
+    <p:sldId id="260" r:id="rId19"/>
+    <p:sldId id="271" r:id="rId20"/>
+    <p:sldId id="261" r:id="rId21"/>
   </p:sldIdLst>
   <p:sldSz cx="12192000" cy="6858000"/>
   <p:notesSz cx="6858000" cy="9144000"/>
@@ -213,7 +216,7 @@
           <a:p>
             <a:fld id="{5377FA5C-DFF1-4473-9BD3-3D161C07B6AF}" type="datetimeFigureOut">
               <a:rPr lang="zh-CN" altLang="en-US" smtClean="0"/>
-              <a:t>2017-08-21</a:t>
+              <a:t>2017-08-22</a:t>
             </a:fld>
             <a:endParaRPr lang="zh-CN" altLang="en-US"/>
           </a:p>
@@ -786,7 +789,7 @@
           <a:p>
             <a:fld id="{AA590AAA-E2D3-492C-81F3-DC050E22F9CA}" type="datetimeFigureOut">
               <a:rPr lang="zh-CN" altLang="en-US" smtClean="0"/>
-              <a:t>2017-08-21</a:t>
+              <a:t>2017-08-22</a:t>
             </a:fld>
             <a:endParaRPr lang="zh-CN" altLang="en-US"/>
           </a:p>
@@ -956,7 +959,7 @@
           <a:p>
             <a:fld id="{AA590AAA-E2D3-492C-81F3-DC050E22F9CA}" type="datetimeFigureOut">
               <a:rPr lang="zh-CN" altLang="en-US" smtClean="0"/>
-              <a:t>2017-08-21</a:t>
+              <a:t>2017-08-22</a:t>
             </a:fld>
             <a:endParaRPr lang="zh-CN" altLang="en-US"/>
           </a:p>
@@ -1136,7 +1139,7 @@
           <a:p>
             <a:fld id="{AA590AAA-E2D3-492C-81F3-DC050E22F9CA}" type="datetimeFigureOut">
               <a:rPr lang="zh-CN" altLang="en-US" smtClean="0"/>
-              <a:t>2017-08-21</a:t>
+              <a:t>2017-08-22</a:t>
             </a:fld>
             <a:endParaRPr lang="zh-CN" altLang="en-US"/>
           </a:p>
@@ -1306,7 +1309,7 @@
           <a:p>
             <a:fld id="{AA590AAA-E2D3-492C-81F3-DC050E22F9CA}" type="datetimeFigureOut">
               <a:rPr lang="zh-CN" altLang="en-US" smtClean="0"/>
-              <a:t>2017-08-21</a:t>
+              <a:t>2017-08-22</a:t>
             </a:fld>
             <a:endParaRPr lang="zh-CN" altLang="en-US"/>
           </a:p>
@@ -1552,7 +1555,7 @@
           <a:p>
             <a:fld id="{AA590AAA-E2D3-492C-81F3-DC050E22F9CA}" type="datetimeFigureOut">
               <a:rPr lang="zh-CN" altLang="en-US" smtClean="0"/>
-              <a:t>2017-08-21</a:t>
+              <a:t>2017-08-22</a:t>
             </a:fld>
             <a:endParaRPr lang="zh-CN" altLang="en-US"/>
           </a:p>
@@ -1784,7 +1787,7 @@
           <a:p>
             <a:fld id="{AA590AAA-E2D3-492C-81F3-DC050E22F9CA}" type="datetimeFigureOut">
               <a:rPr lang="zh-CN" altLang="en-US" smtClean="0"/>
-              <a:t>2017-08-21</a:t>
+              <a:t>2017-08-22</a:t>
             </a:fld>
             <a:endParaRPr lang="zh-CN" altLang="en-US"/>
           </a:p>
@@ -2151,7 +2154,7 @@
           <a:p>
             <a:fld id="{AA590AAA-E2D3-492C-81F3-DC050E22F9CA}" type="datetimeFigureOut">
               <a:rPr lang="zh-CN" altLang="en-US" smtClean="0"/>
-              <a:t>2017-08-21</a:t>
+              <a:t>2017-08-22</a:t>
             </a:fld>
             <a:endParaRPr lang="zh-CN" altLang="en-US"/>
           </a:p>
@@ -2269,7 +2272,7 @@
           <a:p>
             <a:fld id="{AA590AAA-E2D3-492C-81F3-DC050E22F9CA}" type="datetimeFigureOut">
               <a:rPr lang="zh-CN" altLang="en-US" smtClean="0"/>
-              <a:t>2017-08-21</a:t>
+              <a:t>2017-08-22</a:t>
             </a:fld>
             <a:endParaRPr lang="zh-CN" altLang="en-US"/>
           </a:p>
@@ -2364,7 +2367,7 @@
           <a:p>
             <a:fld id="{AA590AAA-E2D3-492C-81F3-DC050E22F9CA}" type="datetimeFigureOut">
               <a:rPr lang="zh-CN" altLang="en-US" smtClean="0"/>
-              <a:t>2017-08-21</a:t>
+              <a:t>2017-08-22</a:t>
             </a:fld>
             <a:endParaRPr lang="zh-CN" altLang="en-US"/>
           </a:p>
@@ -2641,7 +2644,7 @@
           <a:p>
             <a:fld id="{AA590AAA-E2D3-492C-81F3-DC050E22F9CA}" type="datetimeFigureOut">
               <a:rPr lang="zh-CN" altLang="en-US" smtClean="0"/>
-              <a:t>2017-08-21</a:t>
+              <a:t>2017-08-22</a:t>
             </a:fld>
             <a:endParaRPr lang="zh-CN" altLang="en-US"/>
           </a:p>
@@ -2894,7 +2897,7 @@
           <a:p>
             <a:fld id="{AA590AAA-E2D3-492C-81F3-DC050E22F9CA}" type="datetimeFigureOut">
               <a:rPr lang="zh-CN" altLang="en-US" smtClean="0"/>
-              <a:t>2017-08-21</a:t>
+              <a:t>2017-08-22</a:t>
             </a:fld>
             <a:endParaRPr lang="zh-CN" altLang="en-US"/>
           </a:p>
@@ -3107,7 +3110,7 @@
           <a:p>
             <a:fld id="{AA590AAA-E2D3-492C-81F3-DC050E22F9CA}" type="datetimeFigureOut">
               <a:rPr lang="zh-CN" altLang="en-US" smtClean="0"/>
-              <a:t>2017-08-21</a:t>
+              <a:t>2017-08-22</a:t>
             </a:fld>
             <a:endParaRPr lang="zh-CN" altLang="en-US"/>
           </a:p>
@@ -3530,12 +3533,8 @@
           <a:lstStyle/>
           <a:p>
             <a:r>
-              <a:rPr lang="en-US" altLang="zh-CN" dirty="0" err="1" smtClean="0"/>
-              <a:t>Compilte</a:t>
-            </a:r>
-            <a:r>
               <a:rPr lang="en-US" altLang="zh-CN" dirty="0" smtClean="0"/>
-              <a:t>-time reflection, Serialization and ORM Examples</a:t>
+              <a:t>Compile-time reflection, Serialization and ORM Examples</a:t>
             </a:r>
             <a:endParaRPr lang="zh-CN" altLang="en-US" dirty="0"/>
           </a:p>
@@ -4201,8 +4200,9 @@
             </a:r>
             <a:r>
               <a:rPr lang="en-US" altLang="zh-CN" dirty="0" smtClean="0"/>
-              <a:t>foundation(macro)</a:t>
-            </a:r>
+              <a:t>foundation</a:t>
+            </a:r>
+            <a:endParaRPr lang="en-US" altLang="zh-CN" dirty="0" smtClean="0"/>
           </a:p>
           <a:p>
             <a:r>
@@ -4292,8 +4292,12 @@
           <a:lstStyle/>
           <a:p>
             <a:r>
+              <a:rPr lang="en-US" altLang="zh-CN" dirty="0"/>
+              <a:t>technology </a:t>
+            </a:r>
+            <a:r>
               <a:rPr lang="en-US" altLang="zh-CN" dirty="0" smtClean="0"/>
-              <a:t>Outline</a:t>
+              <a:t>foundation</a:t>
             </a:r>
             <a:endParaRPr lang="zh-CN" altLang="en-US" dirty="0"/>
           </a:p>
@@ -4316,31 +4320,104 @@
           <a:p>
             <a:r>
               <a:rPr lang="en-US" altLang="zh-CN" dirty="0" smtClean="0"/>
-              <a:t>concepts of reflection</a:t>
-            </a:r>
-          </a:p>
-          <a:p>
-            <a:r>
-              <a:rPr lang="en-US" altLang="zh-CN" dirty="0"/>
-              <a:t>implementation of compile-time </a:t>
+              <a:t>C++11/14/17 features</a:t>
+            </a:r>
+          </a:p>
+          <a:p>
+            <a:pPr lvl="1"/>
+            <a:r>
+              <a:rPr lang="en-US" altLang="zh-CN" dirty="0" err="1" smtClean="0"/>
+              <a:t>variadic</a:t>
             </a:r>
             <a:r>
               <a:rPr lang="en-US" altLang="zh-CN" dirty="0" smtClean="0"/>
-              <a:t>reflection</a:t>
+              <a:t> templates</a:t>
+            </a:r>
+          </a:p>
+          <a:p>
+            <a:pPr lvl="1"/>
+            <a:r>
+              <a:rPr lang="en-US" altLang="zh-CN" dirty="0" err="1" smtClean="0"/>
+              <a:t>std</a:t>
+            </a:r>
+            <a:r>
+              <a:rPr lang="en-US" altLang="zh-CN" dirty="0" smtClean="0"/>
+              <a:t>::tuple</a:t>
             </a:r>
             <a:endParaRPr lang="en-US" altLang="zh-CN" dirty="0" smtClean="0"/>
           </a:p>
           <a:p>
-            <a:r>
-              <a:rPr lang="en-US" altLang="zh-CN" b="1" dirty="0" smtClean="0"/>
-              <a:t>application of compile-time reflection</a:t>
-            </a:r>
-          </a:p>
-          <a:p>
+            <a:pPr lvl="1"/>
             <a:r>
               <a:rPr lang="en-US" altLang="zh-CN" dirty="0" smtClean="0"/>
-              <a:t>prospect</a:t>
-            </a:r>
+              <a:t>auto lambda</a:t>
+            </a:r>
+          </a:p>
+          <a:p>
+            <a:pPr lvl="1"/>
+            <a:r>
+              <a:rPr lang="en-US" altLang="zh-CN" dirty="0" err="1" smtClean="0"/>
+              <a:t>std</a:t>
+            </a:r>
+            <a:r>
+              <a:rPr lang="en-US" altLang="zh-CN" dirty="0" smtClean="0"/>
+              <a:t>::apply</a:t>
+            </a:r>
+          </a:p>
+          <a:p>
+            <a:pPr lvl="1"/>
+            <a:r>
+              <a:rPr lang="en-US" altLang="zh-CN" dirty="0" err="1" smtClean="0"/>
+              <a:t>constexpr</a:t>
+            </a:r>
+            <a:r>
+              <a:rPr lang="en-US" altLang="zh-CN" dirty="0" smtClean="0"/>
+              <a:t> if</a:t>
+            </a:r>
+          </a:p>
+          <a:p>
+            <a:pPr lvl="1"/>
+            <a:r>
+              <a:rPr lang="en-US" altLang="zh-CN" dirty="0" err="1" smtClean="0"/>
+              <a:t>std</a:t>
+            </a:r>
+            <a:r>
+              <a:rPr lang="en-US" altLang="zh-CN" dirty="0" smtClean="0"/>
+              <a:t>::</a:t>
+            </a:r>
+            <a:r>
+              <a:rPr lang="en-US" altLang="zh-CN" dirty="0" err="1" smtClean="0"/>
+              <a:t>string_view</a:t>
+            </a:r>
+            <a:endParaRPr lang="en-US" altLang="zh-CN" dirty="0" smtClean="0"/>
+          </a:p>
+          <a:p>
+            <a:pPr lvl="1"/>
+            <a:r>
+              <a:rPr lang="en-US" altLang="zh-CN" dirty="0" smtClean="0"/>
+              <a:t>……</a:t>
+            </a:r>
+          </a:p>
+          <a:p>
+            <a:pPr marL="457200" lvl="1" indent="0">
+              <a:buNone/>
+            </a:pPr>
+            <a:endParaRPr lang="en-US" altLang="zh-CN" dirty="0" smtClean="0"/>
+          </a:p>
+          <a:p>
+            <a:pPr marL="228600" lvl="1">
+              <a:spcBef>
+                <a:spcPts val="1000"/>
+              </a:spcBef>
+            </a:pPr>
+            <a:r>
+              <a:rPr lang="en-US" altLang="zh-CN" sz="2800" dirty="0"/>
+              <a:t>macros</a:t>
+            </a:r>
+            <a:endParaRPr lang="en-US" altLang="zh-CN" sz="2800" dirty="0"/>
+          </a:p>
+          <a:p>
+            <a:pPr lvl="1"/>
             <a:endParaRPr lang="zh-CN" altLang="en-US" dirty="0"/>
           </a:p>
         </p:txBody>
@@ -4348,7 +4425,7 @@
     </p:spTree>
     <p:extLst>
       <p:ext uri="{BB962C8B-B14F-4D97-AF65-F5344CB8AC3E}">
-        <p14:creationId xmlns:p14="http://schemas.microsoft.com/office/powerpoint/2010/main" val="3920747289"/>
+        <p14:creationId xmlns:p14="http://schemas.microsoft.com/office/powerpoint/2010/main" val="1455894879"/>
       </p:ext>
     </p:extLst>
   </p:cSld>
@@ -4399,11 +4476,11 @@
           <a:p>
             <a:r>
               <a:rPr lang="en-US" altLang="zh-CN" dirty="0"/>
-              <a:t>application of compile-time </a:t>
+              <a:t>technology </a:t>
             </a:r>
             <a:r>
               <a:rPr lang="en-US" altLang="zh-CN" dirty="0" smtClean="0"/>
-              <a:t>reflection</a:t>
+              <a:t>foundation(macros)</a:t>
             </a:r>
             <a:endParaRPr lang="zh-CN" altLang="en-US" dirty="0"/>
           </a:p>
@@ -4424,21 +4501,871 @@
           <a:bodyPr/>
           <a:lstStyle/>
           <a:p>
-            <a:r>
-              <a:rPr lang="en-US" altLang="zh-CN" dirty="0"/>
-              <a:t>Serialization</a:t>
-            </a:r>
-          </a:p>
-          <a:p>
-            <a:r>
-              <a:rPr lang="en-US" altLang="zh-CN" dirty="0"/>
-              <a:t>ORM(Object Relational Mapping)</a:t>
-            </a:r>
-          </a:p>
-          <a:p>
-            <a:r>
-              <a:rPr lang="en-US" altLang="zh-CN" dirty="0"/>
-              <a:t>DSL(domain-specific language)</a:t>
+            <a:pPr marL="0" indent="0">
+              <a:buNone/>
+            </a:pPr>
+            <a:r>
+              <a:rPr lang="en-US" altLang="zh-CN" dirty="0" smtClean="0"/>
+              <a:t>count </a:t>
+            </a:r>
+            <a:r>
+              <a:rPr lang="en-US" altLang="zh-CN" dirty="0" err="1" smtClean="0"/>
+              <a:t>variadic</a:t>
+            </a:r>
+            <a:r>
+              <a:rPr lang="en-US" altLang="zh-CN" dirty="0" smtClean="0"/>
+              <a:t> arguments number</a:t>
+            </a:r>
+            <a:endParaRPr lang="zh-CN" altLang="en-US" dirty="0"/>
+          </a:p>
+        </p:txBody>
+      </p:sp>
+      <p:sp>
+        <p:nvSpPr>
+          <p:cNvPr id="4" name="矩形 3"/>
+          <p:cNvSpPr/>
+          <p:nvPr/>
+        </p:nvSpPr>
+        <p:spPr>
+          <a:xfrm>
+            <a:off x="838200" y="2327927"/>
+            <a:ext cx="9133115" cy="1200329"/>
+          </a:xfrm>
+          <a:prstGeom prst="rect">
+            <a:avLst/>
+          </a:prstGeom>
+        </p:spPr>
+        <p:txBody>
+          <a:bodyPr wrap="square">
+            <a:spAutoFit/>
+          </a:bodyPr>
+          <a:lstStyle/>
+          <a:p>
+            <a:r>
+              <a:rPr lang="en-US" altLang="zh-CN" dirty="0" smtClean="0">
+                <a:solidFill>
+                  <a:srgbClr val="808080"/>
+                </a:solidFill>
+                <a:highlight>
+                  <a:srgbClr val="FFFFFF"/>
+                </a:highlight>
+                <a:latin typeface="新宋体" panose="02010609030101010101" pitchFamily="49" charset="-122"/>
+                <a:ea typeface="新宋体" panose="02010609030101010101" pitchFamily="49" charset="-122"/>
+              </a:rPr>
+              <a:t>#</a:t>
+            </a:r>
+            <a:r>
+              <a:rPr lang="en-US" altLang="zh-CN" dirty="0">
+                <a:solidFill>
+                  <a:srgbClr val="808080"/>
+                </a:solidFill>
+                <a:highlight>
+                  <a:srgbClr val="FFFFFF"/>
+                </a:highlight>
+                <a:latin typeface="新宋体" panose="02010609030101010101" pitchFamily="49" charset="-122"/>
+                <a:ea typeface="新宋体" panose="02010609030101010101" pitchFamily="49" charset="-122"/>
+              </a:rPr>
+              <a:t>define</a:t>
+            </a:r>
+            <a:r>
+              <a:rPr lang="en-US" altLang="zh-CN" dirty="0">
+                <a:solidFill>
+                  <a:srgbClr val="000000"/>
+                </a:solidFill>
+                <a:highlight>
+                  <a:srgbClr val="FFFFFF"/>
+                </a:highlight>
+                <a:latin typeface="新宋体" panose="02010609030101010101" pitchFamily="49" charset="-122"/>
+                <a:ea typeface="新宋体" panose="02010609030101010101" pitchFamily="49" charset="-122"/>
+              </a:rPr>
+              <a:t> </a:t>
+            </a:r>
+            <a:r>
+              <a:rPr lang="en-US" altLang="zh-CN" dirty="0">
+                <a:solidFill>
+                  <a:srgbClr val="6F008A"/>
+                </a:solidFill>
+                <a:highlight>
+                  <a:srgbClr val="FFFFFF"/>
+                </a:highlight>
+                <a:latin typeface="新宋体" panose="02010609030101010101" pitchFamily="49" charset="-122"/>
+                <a:ea typeface="新宋体" panose="02010609030101010101" pitchFamily="49" charset="-122"/>
+              </a:rPr>
+              <a:t>GET_ARG_COUNT</a:t>
+            </a:r>
+            <a:r>
+              <a:rPr lang="en-US" altLang="zh-CN" dirty="0">
+                <a:solidFill>
+                  <a:srgbClr val="000000"/>
+                </a:solidFill>
+                <a:highlight>
+                  <a:srgbClr val="FFFFFF"/>
+                </a:highlight>
+                <a:latin typeface="新宋体" panose="02010609030101010101" pitchFamily="49" charset="-122"/>
+                <a:ea typeface="新宋体" panose="02010609030101010101" pitchFamily="49" charset="-122"/>
+              </a:rPr>
+              <a:t>(...)          </a:t>
+            </a:r>
+            <a:r>
+              <a:rPr lang="en-US" altLang="zh-CN" dirty="0">
+                <a:solidFill>
+                  <a:srgbClr val="6F008A"/>
+                </a:solidFill>
+                <a:highlight>
+                  <a:srgbClr val="FFFFFF"/>
+                </a:highlight>
+                <a:latin typeface="新宋体" panose="02010609030101010101" pitchFamily="49" charset="-122"/>
+                <a:ea typeface="新宋体" panose="02010609030101010101" pitchFamily="49" charset="-122"/>
+              </a:rPr>
+              <a:t>GET_ARG_COUNT_INNER</a:t>
+            </a:r>
+            <a:r>
+              <a:rPr lang="en-US" altLang="zh-CN" dirty="0">
+                <a:solidFill>
+                  <a:srgbClr val="000000"/>
+                </a:solidFill>
+                <a:highlight>
+                  <a:srgbClr val="FFFFFF"/>
+                </a:highlight>
+                <a:latin typeface="新宋体" panose="02010609030101010101" pitchFamily="49" charset="-122"/>
+                <a:ea typeface="新宋体" panose="02010609030101010101" pitchFamily="49" charset="-122"/>
+              </a:rPr>
+              <a:t>(__VA_ARGS__, </a:t>
+            </a:r>
+            <a:r>
+              <a:rPr lang="en-US" altLang="zh-CN" dirty="0">
+                <a:solidFill>
+                  <a:srgbClr val="6F008A"/>
+                </a:solidFill>
+                <a:highlight>
+                  <a:srgbClr val="FFFFFF"/>
+                </a:highlight>
+                <a:latin typeface="新宋体" panose="02010609030101010101" pitchFamily="49" charset="-122"/>
+                <a:ea typeface="新宋体" panose="02010609030101010101" pitchFamily="49" charset="-122"/>
+              </a:rPr>
+              <a:t>RSEQ_N</a:t>
+            </a:r>
+            <a:r>
+              <a:rPr lang="en-US" altLang="zh-CN" dirty="0" smtClean="0">
+                <a:solidFill>
+                  <a:srgbClr val="000000"/>
+                </a:solidFill>
+                <a:highlight>
+                  <a:srgbClr val="FFFFFF"/>
+                </a:highlight>
+                <a:latin typeface="新宋体" panose="02010609030101010101" pitchFamily="49" charset="-122"/>
+                <a:ea typeface="新宋体" panose="02010609030101010101" pitchFamily="49" charset="-122"/>
+              </a:rPr>
+              <a:t>())</a:t>
+            </a:r>
+            <a:endParaRPr lang="zh-CN" altLang="en-US" dirty="0">
+              <a:solidFill>
+                <a:srgbClr val="000000"/>
+              </a:solidFill>
+              <a:highlight>
+                <a:srgbClr val="FFFFFF"/>
+              </a:highlight>
+              <a:latin typeface="新宋体" panose="02010609030101010101" pitchFamily="49" charset="-122"/>
+              <a:ea typeface="新宋体" panose="02010609030101010101" pitchFamily="49" charset="-122"/>
+            </a:endParaRPr>
+          </a:p>
+          <a:p>
+            <a:r>
+              <a:rPr lang="en-US" altLang="zh-CN" dirty="0">
+                <a:solidFill>
+                  <a:srgbClr val="808080"/>
+                </a:solidFill>
+                <a:highlight>
+                  <a:srgbClr val="FFFFFF"/>
+                </a:highlight>
+                <a:latin typeface="新宋体" panose="02010609030101010101" pitchFamily="49" charset="-122"/>
+                <a:ea typeface="新宋体" panose="02010609030101010101" pitchFamily="49" charset="-122"/>
+              </a:rPr>
+              <a:t>#define</a:t>
+            </a:r>
+            <a:r>
+              <a:rPr lang="en-US" altLang="zh-CN" dirty="0">
+                <a:solidFill>
+                  <a:srgbClr val="000000"/>
+                </a:solidFill>
+                <a:highlight>
+                  <a:srgbClr val="FFFFFF"/>
+                </a:highlight>
+                <a:latin typeface="新宋体" panose="02010609030101010101" pitchFamily="49" charset="-122"/>
+                <a:ea typeface="新宋体" panose="02010609030101010101" pitchFamily="49" charset="-122"/>
+              </a:rPr>
+              <a:t> </a:t>
+            </a:r>
+            <a:r>
+              <a:rPr lang="en-US" altLang="zh-CN" dirty="0">
+                <a:solidFill>
+                  <a:srgbClr val="6F008A"/>
+                </a:solidFill>
+                <a:highlight>
+                  <a:srgbClr val="FFFFFF"/>
+                </a:highlight>
+                <a:latin typeface="新宋体" panose="02010609030101010101" pitchFamily="49" charset="-122"/>
+                <a:ea typeface="新宋体" panose="02010609030101010101" pitchFamily="49" charset="-122"/>
+              </a:rPr>
+              <a:t>GET_ARG_COUNT_INNER</a:t>
+            </a:r>
+            <a:r>
+              <a:rPr lang="en-US" altLang="zh-CN" dirty="0">
+                <a:solidFill>
+                  <a:srgbClr val="000000"/>
+                </a:solidFill>
+                <a:highlight>
+                  <a:srgbClr val="FFFFFF"/>
+                </a:highlight>
+                <a:latin typeface="新宋体" panose="02010609030101010101" pitchFamily="49" charset="-122"/>
+                <a:ea typeface="新宋体" panose="02010609030101010101" pitchFamily="49" charset="-122"/>
+              </a:rPr>
+              <a:t>(...) </a:t>
+            </a:r>
+            <a:r>
+              <a:rPr lang="en-US" altLang="zh-CN" dirty="0" smtClean="0">
+                <a:solidFill>
+                  <a:srgbClr val="000000"/>
+                </a:solidFill>
+                <a:highlight>
+                  <a:srgbClr val="FFFFFF"/>
+                </a:highlight>
+                <a:latin typeface="新宋体" panose="02010609030101010101" pitchFamily="49" charset="-122"/>
+                <a:ea typeface="新宋体" panose="02010609030101010101" pitchFamily="49" charset="-122"/>
+              </a:rPr>
+              <a:t>   </a:t>
+            </a:r>
+            <a:r>
+              <a:rPr lang="en-US" altLang="zh-CN" dirty="0" smtClean="0">
+                <a:solidFill>
+                  <a:srgbClr val="6F008A"/>
+                </a:solidFill>
+                <a:highlight>
+                  <a:srgbClr val="FFFFFF"/>
+                </a:highlight>
+                <a:latin typeface="新宋体" panose="02010609030101010101" pitchFamily="49" charset="-122"/>
+                <a:ea typeface="新宋体" panose="02010609030101010101" pitchFamily="49" charset="-122"/>
+              </a:rPr>
+              <a:t>ARG_N</a:t>
+            </a:r>
+            <a:r>
+              <a:rPr lang="en-US" altLang="zh-CN" dirty="0">
+                <a:solidFill>
+                  <a:srgbClr val="000000"/>
+                </a:solidFill>
+                <a:highlight>
+                  <a:srgbClr val="FFFFFF"/>
+                </a:highlight>
+                <a:latin typeface="新宋体" panose="02010609030101010101" pitchFamily="49" charset="-122"/>
+                <a:ea typeface="新宋体" panose="02010609030101010101" pitchFamily="49" charset="-122"/>
+              </a:rPr>
+              <a:t>(__VA_ARGS</a:t>
+            </a:r>
+            <a:r>
+              <a:rPr lang="en-US" altLang="zh-CN" dirty="0" smtClean="0">
+                <a:solidFill>
+                  <a:srgbClr val="000000"/>
+                </a:solidFill>
+                <a:highlight>
+                  <a:srgbClr val="FFFFFF"/>
+                </a:highlight>
+                <a:latin typeface="新宋体" panose="02010609030101010101" pitchFamily="49" charset="-122"/>
+                <a:ea typeface="新宋体" panose="02010609030101010101" pitchFamily="49" charset="-122"/>
+              </a:rPr>
+              <a:t>__)</a:t>
+            </a:r>
+          </a:p>
+          <a:p>
+            <a:r>
+              <a:rPr lang="pt-BR" altLang="zh-CN" dirty="0">
+                <a:solidFill>
+                  <a:srgbClr val="808080"/>
+                </a:solidFill>
+                <a:highlight>
+                  <a:srgbClr val="FFFFFF"/>
+                </a:highlight>
+                <a:latin typeface="新宋体" panose="02010609030101010101" pitchFamily="49" charset="-122"/>
+                <a:ea typeface="新宋体" panose="02010609030101010101" pitchFamily="49" charset="-122"/>
+              </a:rPr>
+              <a:t>#define</a:t>
+            </a:r>
+            <a:r>
+              <a:rPr lang="pt-BR" altLang="zh-CN" dirty="0">
+                <a:solidFill>
+                  <a:srgbClr val="000000"/>
+                </a:solidFill>
+                <a:highlight>
+                  <a:srgbClr val="FFFFFF"/>
+                </a:highlight>
+                <a:latin typeface="新宋体" panose="02010609030101010101" pitchFamily="49" charset="-122"/>
+                <a:ea typeface="新宋体" panose="02010609030101010101" pitchFamily="49" charset="-122"/>
+              </a:rPr>
+              <a:t> </a:t>
+            </a:r>
+            <a:r>
+              <a:rPr lang="pt-BR" altLang="zh-CN" dirty="0">
+                <a:solidFill>
+                  <a:srgbClr val="6F008A"/>
+                </a:solidFill>
+                <a:highlight>
+                  <a:srgbClr val="FFFFFF"/>
+                </a:highlight>
+                <a:latin typeface="新宋体" panose="02010609030101010101" pitchFamily="49" charset="-122"/>
+                <a:ea typeface="新宋体" panose="02010609030101010101" pitchFamily="49" charset="-122"/>
+              </a:rPr>
+              <a:t>ARG_N</a:t>
+            </a:r>
+            <a:r>
+              <a:rPr lang="pt-BR" altLang="zh-CN" dirty="0">
+                <a:solidFill>
+                  <a:srgbClr val="000000"/>
+                </a:solidFill>
+                <a:highlight>
+                  <a:srgbClr val="FFFFFF"/>
+                </a:highlight>
+                <a:latin typeface="新宋体" panose="02010609030101010101" pitchFamily="49" charset="-122"/>
+                <a:ea typeface="新宋体" panose="02010609030101010101" pitchFamily="49" charset="-122"/>
+              </a:rPr>
+              <a:t>(_1, _2, _3, _4, N, ...) N</a:t>
+            </a:r>
+          </a:p>
+          <a:p>
+            <a:r>
+              <a:rPr lang="en-US" altLang="zh-CN" dirty="0">
+                <a:solidFill>
+                  <a:srgbClr val="808080"/>
+                </a:solidFill>
+                <a:highlight>
+                  <a:srgbClr val="FFFFFF"/>
+                </a:highlight>
+                <a:latin typeface="新宋体" panose="02010609030101010101" pitchFamily="49" charset="-122"/>
+                <a:ea typeface="新宋体" panose="02010609030101010101" pitchFamily="49" charset="-122"/>
+              </a:rPr>
+              <a:t>#define</a:t>
+            </a:r>
+            <a:r>
+              <a:rPr lang="en-US" altLang="zh-CN" dirty="0">
+                <a:solidFill>
+                  <a:srgbClr val="000000"/>
+                </a:solidFill>
+                <a:highlight>
+                  <a:srgbClr val="FFFFFF"/>
+                </a:highlight>
+                <a:latin typeface="新宋体" panose="02010609030101010101" pitchFamily="49" charset="-122"/>
+                <a:ea typeface="新宋体" panose="02010609030101010101" pitchFamily="49" charset="-122"/>
+              </a:rPr>
+              <a:t> </a:t>
+            </a:r>
+            <a:r>
+              <a:rPr lang="en-US" altLang="zh-CN" dirty="0">
+                <a:solidFill>
+                  <a:srgbClr val="6F008A"/>
+                </a:solidFill>
+                <a:highlight>
+                  <a:srgbClr val="FFFFFF"/>
+                </a:highlight>
+                <a:latin typeface="新宋体" panose="02010609030101010101" pitchFamily="49" charset="-122"/>
+                <a:ea typeface="新宋体" panose="02010609030101010101" pitchFamily="49" charset="-122"/>
+              </a:rPr>
+              <a:t>RSEQ_N</a:t>
+            </a:r>
+            <a:r>
+              <a:rPr lang="en-US" altLang="zh-CN" dirty="0">
+                <a:solidFill>
+                  <a:srgbClr val="000000"/>
+                </a:solidFill>
+                <a:highlight>
+                  <a:srgbClr val="FFFFFF"/>
+                </a:highlight>
+                <a:latin typeface="新宋体" panose="02010609030101010101" pitchFamily="49" charset="-122"/>
+                <a:ea typeface="新宋体" panose="02010609030101010101" pitchFamily="49" charset="-122"/>
+              </a:rPr>
+              <a:t>() </a:t>
+            </a:r>
+            <a:r>
+              <a:rPr lang="en-US" altLang="zh-CN" dirty="0" smtClean="0">
+                <a:solidFill>
+                  <a:srgbClr val="000000"/>
+                </a:solidFill>
+                <a:highlight>
+                  <a:srgbClr val="FFFFFF"/>
+                </a:highlight>
+                <a:latin typeface="新宋体" panose="02010609030101010101" pitchFamily="49" charset="-122"/>
+                <a:ea typeface="新宋体" panose="02010609030101010101" pitchFamily="49" charset="-122"/>
+              </a:rPr>
+              <a:t>4, 3, 2, 1, 0</a:t>
+            </a:r>
+            <a:endParaRPr lang="en-US" altLang="zh-CN" dirty="0">
+              <a:solidFill>
+                <a:srgbClr val="000000"/>
+              </a:solidFill>
+              <a:highlight>
+                <a:srgbClr val="FFFFFF"/>
+              </a:highlight>
+              <a:latin typeface="新宋体" panose="02010609030101010101" pitchFamily="49" charset="-122"/>
+              <a:ea typeface="新宋体" panose="02010609030101010101" pitchFamily="49" charset="-122"/>
+            </a:endParaRPr>
+          </a:p>
+        </p:txBody>
+      </p:sp>
+      <p:sp>
+        <p:nvSpPr>
+          <p:cNvPr id="7" name="矩形 6"/>
+          <p:cNvSpPr/>
+          <p:nvPr/>
+        </p:nvSpPr>
+        <p:spPr>
+          <a:xfrm>
+            <a:off x="838200" y="3929279"/>
+            <a:ext cx="6096000" cy="923330"/>
+          </a:xfrm>
+          <a:prstGeom prst="rect">
+            <a:avLst/>
+          </a:prstGeom>
+        </p:spPr>
+        <p:txBody>
+          <a:bodyPr>
+            <a:spAutoFit/>
+          </a:bodyPr>
+          <a:lstStyle/>
+          <a:p>
+            <a:r>
+              <a:rPr lang="en-US" altLang="zh-CN" dirty="0" err="1">
+                <a:solidFill>
+                  <a:srgbClr val="0000FF"/>
+                </a:solidFill>
+                <a:highlight>
+                  <a:srgbClr val="FFFFFF"/>
+                </a:highlight>
+                <a:latin typeface="新宋体" panose="02010609030101010101" pitchFamily="49" charset="-122"/>
+                <a:ea typeface="新宋体" panose="02010609030101010101" pitchFamily="49" charset="-122"/>
+              </a:rPr>
+              <a:t>static_assert</a:t>
+            </a:r>
+            <a:r>
+              <a:rPr lang="en-US" altLang="zh-CN" dirty="0">
+                <a:solidFill>
+                  <a:srgbClr val="000000"/>
+                </a:solidFill>
+                <a:highlight>
+                  <a:srgbClr val="FFFFFF"/>
+                </a:highlight>
+                <a:latin typeface="新宋体" panose="02010609030101010101" pitchFamily="49" charset="-122"/>
+                <a:ea typeface="新宋体" panose="02010609030101010101" pitchFamily="49" charset="-122"/>
+              </a:rPr>
+              <a:t>(</a:t>
+            </a:r>
+            <a:r>
+              <a:rPr lang="en-US" altLang="zh-CN" dirty="0">
+                <a:solidFill>
+                  <a:srgbClr val="6F008A"/>
+                </a:solidFill>
+                <a:highlight>
+                  <a:srgbClr val="FFFFFF"/>
+                </a:highlight>
+                <a:latin typeface="新宋体" panose="02010609030101010101" pitchFamily="49" charset="-122"/>
+                <a:ea typeface="新宋体" panose="02010609030101010101" pitchFamily="49" charset="-122"/>
+              </a:rPr>
+              <a:t>GET_ARG_COUNT</a:t>
+            </a:r>
+            <a:r>
+              <a:rPr lang="en-US" altLang="zh-CN" dirty="0">
+                <a:solidFill>
+                  <a:srgbClr val="000000"/>
+                </a:solidFill>
+                <a:highlight>
+                  <a:srgbClr val="FFFFFF"/>
+                </a:highlight>
+                <a:latin typeface="新宋体" panose="02010609030101010101" pitchFamily="49" charset="-122"/>
+                <a:ea typeface="新宋体" panose="02010609030101010101" pitchFamily="49" charset="-122"/>
+              </a:rPr>
+              <a:t>(a) == </a:t>
+            </a:r>
+            <a:r>
+              <a:rPr lang="en-US" altLang="zh-CN" dirty="0" smtClean="0">
+                <a:solidFill>
+                  <a:srgbClr val="000000"/>
+                </a:solidFill>
+                <a:highlight>
+                  <a:srgbClr val="FFFFFF"/>
+                </a:highlight>
+                <a:latin typeface="新宋体" panose="02010609030101010101" pitchFamily="49" charset="-122"/>
+                <a:ea typeface="新宋体" panose="02010609030101010101" pitchFamily="49" charset="-122"/>
+              </a:rPr>
+              <a:t>1);</a:t>
+            </a:r>
+            <a:endParaRPr lang="en-US" altLang="zh-CN" dirty="0">
+              <a:solidFill>
+                <a:srgbClr val="000000"/>
+              </a:solidFill>
+              <a:highlight>
+                <a:srgbClr val="FFFFFF"/>
+              </a:highlight>
+              <a:latin typeface="新宋体" panose="02010609030101010101" pitchFamily="49" charset="-122"/>
+              <a:ea typeface="新宋体" panose="02010609030101010101" pitchFamily="49" charset="-122"/>
+            </a:endParaRPr>
+          </a:p>
+          <a:p>
+            <a:r>
+              <a:rPr lang="en-US" altLang="zh-CN" dirty="0" err="1">
+                <a:solidFill>
+                  <a:srgbClr val="0000FF"/>
+                </a:solidFill>
+                <a:highlight>
+                  <a:srgbClr val="FFFFFF"/>
+                </a:highlight>
+                <a:latin typeface="新宋体" panose="02010609030101010101" pitchFamily="49" charset="-122"/>
+                <a:ea typeface="新宋体" panose="02010609030101010101" pitchFamily="49" charset="-122"/>
+              </a:rPr>
+              <a:t>static_assert</a:t>
+            </a:r>
+            <a:r>
+              <a:rPr lang="en-US" altLang="zh-CN" dirty="0">
+                <a:solidFill>
+                  <a:srgbClr val="000000"/>
+                </a:solidFill>
+                <a:highlight>
+                  <a:srgbClr val="FFFFFF"/>
+                </a:highlight>
+                <a:latin typeface="新宋体" panose="02010609030101010101" pitchFamily="49" charset="-122"/>
+                <a:ea typeface="新宋体" panose="02010609030101010101" pitchFamily="49" charset="-122"/>
+              </a:rPr>
+              <a:t>(</a:t>
+            </a:r>
+            <a:r>
+              <a:rPr lang="en-US" altLang="zh-CN" dirty="0">
+                <a:solidFill>
+                  <a:srgbClr val="6F008A"/>
+                </a:solidFill>
+                <a:highlight>
+                  <a:srgbClr val="FFFFFF"/>
+                </a:highlight>
+                <a:latin typeface="新宋体" panose="02010609030101010101" pitchFamily="49" charset="-122"/>
+                <a:ea typeface="新宋体" panose="02010609030101010101" pitchFamily="49" charset="-122"/>
+              </a:rPr>
+              <a:t>GET_ARG_COUNT</a:t>
+            </a:r>
+            <a:r>
+              <a:rPr lang="en-US" altLang="zh-CN" dirty="0">
+                <a:solidFill>
+                  <a:srgbClr val="000000"/>
+                </a:solidFill>
+                <a:highlight>
+                  <a:srgbClr val="FFFFFF"/>
+                </a:highlight>
+                <a:latin typeface="新宋体" panose="02010609030101010101" pitchFamily="49" charset="-122"/>
+                <a:ea typeface="新宋体" panose="02010609030101010101" pitchFamily="49" charset="-122"/>
+              </a:rPr>
+              <a:t>(a, b) == </a:t>
+            </a:r>
+            <a:r>
+              <a:rPr lang="en-US" altLang="zh-CN" dirty="0" smtClean="0">
+                <a:solidFill>
+                  <a:srgbClr val="000000"/>
+                </a:solidFill>
+                <a:highlight>
+                  <a:srgbClr val="FFFFFF"/>
+                </a:highlight>
+                <a:latin typeface="新宋体" panose="02010609030101010101" pitchFamily="49" charset="-122"/>
+                <a:ea typeface="新宋体" panose="02010609030101010101" pitchFamily="49" charset="-122"/>
+              </a:rPr>
+              <a:t>2);</a:t>
+            </a:r>
+            <a:endParaRPr lang="en-US" altLang="zh-CN" dirty="0">
+              <a:solidFill>
+                <a:srgbClr val="000000"/>
+              </a:solidFill>
+              <a:highlight>
+                <a:srgbClr val="FFFFFF"/>
+              </a:highlight>
+              <a:latin typeface="新宋体" panose="02010609030101010101" pitchFamily="49" charset="-122"/>
+              <a:ea typeface="新宋体" panose="02010609030101010101" pitchFamily="49" charset="-122"/>
+            </a:endParaRPr>
+          </a:p>
+          <a:p>
+            <a:r>
+              <a:rPr lang="en-US" altLang="zh-CN" dirty="0" err="1">
+                <a:solidFill>
+                  <a:srgbClr val="0000FF"/>
+                </a:solidFill>
+                <a:highlight>
+                  <a:srgbClr val="FFFFFF"/>
+                </a:highlight>
+                <a:latin typeface="新宋体" panose="02010609030101010101" pitchFamily="49" charset="-122"/>
+                <a:ea typeface="新宋体" panose="02010609030101010101" pitchFamily="49" charset="-122"/>
+              </a:rPr>
+              <a:t>static_assert</a:t>
+            </a:r>
+            <a:r>
+              <a:rPr lang="en-US" altLang="zh-CN" dirty="0">
+                <a:solidFill>
+                  <a:srgbClr val="000000"/>
+                </a:solidFill>
+                <a:highlight>
+                  <a:srgbClr val="FFFFFF"/>
+                </a:highlight>
+                <a:latin typeface="新宋体" panose="02010609030101010101" pitchFamily="49" charset="-122"/>
+                <a:ea typeface="新宋体" panose="02010609030101010101" pitchFamily="49" charset="-122"/>
+              </a:rPr>
+              <a:t>(</a:t>
+            </a:r>
+            <a:r>
+              <a:rPr lang="en-US" altLang="zh-CN" dirty="0">
+                <a:solidFill>
+                  <a:srgbClr val="6F008A"/>
+                </a:solidFill>
+                <a:highlight>
+                  <a:srgbClr val="FFFFFF"/>
+                </a:highlight>
+                <a:latin typeface="新宋体" panose="02010609030101010101" pitchFamily="49" charset="-122"/>
+                <a:ea typeface="新宋体" panose="02010609030101010101" pitchFamily="49" charset="-122"/>
+              </a:rPr>
+              <a:t>GET_ARG_COUNT</a:t>
+            </a:r>
+            <a:r>
+              <a:rPr lang="en-US" altLang="zh-CN" dirty="0">
+                <a:solidFill>
+                  <a:srgbClr val="000000"/>
+                </a:solidFill>
+                <a:highlight>
+                  <a:srgbClr val="FFFFFF"/>
+                </a:highlight>
+                <a:latin typeface="新宋体" panose="02010609030101010101" pitchFamily="49" charset="-122"/>
+                <a:ea typeface="新宋体" panose="02010609030101010101" pitchFamily="49" charset="-122"/>
+              </a:rPr>
+              <a:t>(a, b, c) == </a:t>
+            </a:r>
+            <a:r>
+              <a:rPr lang="en-US" altLang="zh-CN" dirty="0" smtClean="0">
+                <a:solidFill>
+                  <a:srgbClr val="000000"/>
+                </a:solidFill>
+                <a:highlight>
+                  <a:srgbClr val="FFFFFF"/>
+                </a:highlight>
+                <a:latin typeface="新宋体" panose="02010609030101010101" pitchFamily="49" charset="-122"/>
+                <a:ea typeface="新宋体" panose="02010609030101010101" pitchFamily="49" charset="-122"/>
+              </a:rPr>
+              <a:t>3);</a:t>
+            </a:r>
+            <a:endParaRPr lang="zh-CN" altLang="en-US" dirty="0"/>
+          </a:p>
+        </p:txBody>
+      </p:sp>
+      <p:sp>
+        <p:nvSpPr>
+          <p:cNvPr id="8" name="矩形 7"/>
+          <p:cNvSpPr/>
+          <p:nvPr/>
+        </p:nvSpPr>
+        <p:spPr>
+          <a:xfrm>
+            <a:off x="838201" y="5253632"/>
+            <a:ext cx="2026920" cy="369332"/>
+          </a:xfrm>
+          <a:prstGeom prst="rect">
+            <a:avLst/>
+          </a:prstGeom>
+        </p:spPr>
+        <p:txBody>
+          <a:bodyPr wrap="square">
+            <a:spAutoFit/>
+          </a:bodyPr>
+          <a:lstStyle/>
+          <a:p>
+            <a:r>
+              <a:rPr lang="en-US" altLang="zh-CN" dirty="0">
+                <a:solidFill>
+                  <a:srgbClr val="6F008A"/>
+                </a:solidFill>
+                <a:highlight>
+                  <a:srgbClr val="FFFFFF"/>
+                </a:highlight>
+                <a:latin typeface="新宋体" panose="02010609030101010101" pitchFamily="49" charset="-122"/>
+                <a:ea typeface="新宋体" panose="02010609030101010101" pitchFamily="49" charset="-122"/>
+              </a:rPr>
+              <a:t>GET_ARG_COUNT</a:t>
+            </a:r>
+            <a:r>
+              <a:rPr lang="en-US" altLang="zh-CN" dirty="0">
+                <a:solidFill>
+                  <a:srgbClr val="000000"/>
+                </a:solidFill>
+                <a:highlight>
+                  <a:srgbClr val="FFFFFF"/>
+                </a:highlight>
+                <a:latin typeface="新宋体" panose="02010609030101010101" pitchFamily="49" charset="-122"/>
+                <a:ea typeface="新宋体" panose="02010609030101010101" pitchFamily="49" charset="-122"/>
+              </a:rPr>
+              <a:t>(a</a:t>
+            </a:r>
+            <a:r>
+              <a:rPr lang="en-US" altLang="zh-CN" dirty="0" smtClean="0">
+                <a:solidFill>
+                  <a:srgbClr val="000000"/>
+                </a:solidFill>
+                <a:highlight>
+                  <a:srgbClr val="FFFFFF"/>
+                </a:highlight>
+                <a:latin typeface="新宋体" panose="02010609030101010101" pitchFamily="49" charset="-122"/>
+                <a:ea typeface="新宋体" panose="02010609030101010101" pitchFamily="49" charset="-122"/>
+              </a:rPr>
+              <a:t>)</a:t>
+            </a:r>
+            <a:endParaRPr lang="zh-CN" altLang="en-US" dirty="0"/>
+          </a:p>
+        </p:txBody>
+      </p:sp>
+      <p:sp>
+        <p:nvSpPr>
+          <p:cNvPr id="9" name="矩形 8"/>
+          <p:cNvSpPr/>
+          <p:nvPr/>
+        </p:nvSpPr>
+        <p:spPr>
+          <a:xfrm>
+            <a:off x="2705255" y="5253632"/>
+            <a:ext cx="4701928" cy="369332"/>
+          </a:xfrm>
+          <a:prstGeom prst="rect">
+            <a:avLst/>
+          </a:prstGeom>
+        </p:spPr>
+        <p:txBody>
+          <a:bodyPr wrap="none">
+            <a:spAutoFit/>
+          </a:bodyPr>
+          <a:lstStyle/>
+          <a:p>
+            <a:r>
+              <a:rPr lang="en-US" altLang="zh-CN" dirty="0">
+                <a:solidFill>
+                  <a:srgbClr val="000000"/>
+                </a:solidFill>
+                <a:highlight>
+                  <a:srgbClr val="FFFFFF"/>
+                </a:highlight>
+                <a:latin typeface="新宋体" panose="02010609030101010101" pitchFamily="49" charset="-122"/>
+                <a:ea typeface="新宋体" panose="02010609030101010101" pitchFamily="49" charset="-122"/>
+                <a:sym typeface="Wingdings" panose="05000000000000000000" pitchFamily="2" charset="2"/>
+              </a:rPr>
+              <a:t></a:t>
+            </a:r>
+            <a:r>
+              <a:rPr lang="en-US" altLang="zh-CN" dirty="0">
+                <a:solidFill>
+                  <a:srgbClr val="6F008A"/>
+                </a:solidFill>
+                <a:highlight>
+                  <a:srgbClr val="FFFFFF"/>
+                </a:highlight>
+                <a:latin typeface="新宋体" panose="02010609030101010101" pitchFamily="49" charset="-122"/>
+                <a:ea typeface="新宋体" panose="02010609030101010101" pitchFamily="49" charset="-122"/>
+              </a:rPr>
+              <a:t>GET_ARG_COUNT_INNER(a, 4, 3, 2, 1, 0)</a:t>
+            </a:r>
+            <a:endParaRPr lang="zh-CN" altLang="en-US" dirty="0"/>
+          </a:p>
+        </p:txBody>
+      </p:sp>
+      <p:sp>
+        <p:nvSpPr>
+          <p:cNvPr id="10" name="矩形 9"/>
+          <p:cNvSpPr/>
+          <p:nvPr/>
+        </p:nvSpPr>
+        <p:spPr>
+          <a:xfrm>
+            <a:off x="7180760" y="5253632"/>
+            <a:ext cx="3086101" cy="369332"/>
+          </a:xfrm>
+          <a:prstGeom prst="rect">
+            <a:avLst/>
+          </a:prstGeom>
+        </p:spPr>
+        <p:txBody>
+          <a:bodyPr wrap="none">
+            <a:spAutoFit/>
+          </a:bodyPr>
+          <a:lstStyle/>
+          <a:p>
+            <a:r>
+              <a:rPr lang="en-US" altLang="zh-CN" dirty="0">
+                <a:sym typeface="Wingdings" panose="05000000000000000000" pitchFamily="2" charset="2"/>
+              </a:rPr>
+              <a:t></a:t>
+            </a:r>
+            <a:r>
+              <a:rPr lang="en-US" altLang="zh-CN" dirty="0">
+                <a:solidFill>
+                  <a:srgbClr val="6F008A"/>
+                </a:solidFill>
+                <a:highlight>
+                  <a:srgbClr val="FFFFFF"/>
+                </a:highlight>
+                <a:latin typeface="新宋体" panose="02010609030101010101" pitchFamily="49" charset="-122"/>
+                <a:ea typeface="新宋体" panose="02010609030101010101" pitchFamily="49" charset="-122"/>
+                <a:sym typeface="Wingdings" panose="05000000000000000000" pitchFamily="2" charset="2"/>
+              </a:rPr>
+              <a:t>ARG_N(</a:t>
+            </a:r>
+            <a:r>
+              <a:rPr lang="en-US" altLang="zh-CN" dirty="0">
+                <a:solidFill>
+                  <a:srgbClr val="6F008A"/>
+                </a:solidFill>
+                <a:highlight>
+                  <a:srgbClr val="FFFFFF"/>
+                </a:highlight>
+                <a:latin typeface="新宋体" panose="02010609030101010101" pitchFamily="49" charset="-122"/>
+                <a:ea typeface="新宋体" panose="02010609030101010101" pitchFamily="49" charset="-122"/>
+              </a:rPr>
+              <a:t>a, 4, 3, 2, 1, 0)</a:t>
+            </a:r>
+            <a:endParaRPr lang="zh-CN" altLang="en-US" dirty="0"/>
+          </a:p>
+        </p:txBody>
+      </p:sp>
+      <p:sp>
+        <p:nvSpPr>
+          <p:cNvPr id="11" name="矩形 10"/>
+          <p:cNvSpPr/>
+          <p:nvPr/>
+        </p:nvSpPr>
+        <p:spPr>
+          <a:xfrm>
+            <a:off x="10054893" y="5253632"/>
+            <a:ext cx="546945" cy="369332"/>
+          </a:xfrm>
+          <a:prstGeom prst="rect">
+            <a:avLst/>
+          </a:prstGeom>
+        </p:spPr>
+        <p:txBody>
+          <a:bodyPr wrap="none">
+            <a:spAutoFit/>
+          </a:bodyPr>
+          <a:lstStyle/>
+          <a:p>
+            <a:r>
+              <a:rPr lang="en-US" altLang="zh-CN" dirty="0">
+                <a:sym typeface="Wingdings" panose="05000000000000000000" pitchFamily="2" charset="2"/>
+              </a:rPr>
+              <a:t></a:t>
+            </a:r>
+            <a:r>
+              <a:rPr lang="en-US" altLang="zh-CN" dirty="0">
+                <a:solidFill>
+                  <a:srgbClr val="6F008A"/>
+                </a:solidFill>
+                <a:highlight>
+                  <a:srgbClr val="FFFFFF"/>
+                </a:highlight>
+                <a:latin typeface="新宋体" panose="02010609030101010101" pitchFamily="49" charset="-122"/>
+                <a:ea typeface="新宋体" panose="02010609030101010101" pitchFamily="49" charset="-122"/>
+                <a:sym typeface="Wingdings" panose="05000000000000000000" pitchFamily="2" charset="2"/>
+              </a:rPr>
+              <a:t>1</a:t>
             </a:r>
             <a:endParaRPr lang="zh-CN" altLang="en-US" dirty="0"/>
           </a:p>
@@ -4447,7 +5374,7 @@
     </p:spTree>
     <p:extLst>
       <p:ext uri="{BB962C8B-B14F-4D97-AF65-F5344CB8AC3E}">
-        <p14:creationId xmlns:p14="http://schemas.microsoft.com/office/powerpoint/2010/main" val="3812572458"/>
+        <p14:creationId xmlns:p14="http://schemas.microsoft.com/office/powerpoint/2010/main" val="3073301521"/>
       </p:ext>
     </p:extLst>
   </p:cSld>
@@ -4457,9 +5384,380 @@
   <p:timing>
     <p:tnLst>
       <p:par>
-        <p:cTn id="1" dur="indefinite" restart="never" nodeType="tmRoot"/>
+        <p:cTn id="1" dur="indefinite" restart="never" nodeType="tmRoot">
+          <p:childTnLst>
+            <p:seq concurrent="1" nextAc="seek">
+              <p:cTn id="2" dur="indefinite" nodeType="mainSeq">
+                <p:childTnLst>
+                  <p:par>
+                    <p:cTn id="3" fill="hold">
+                      <p:stCondLst>
+                        <p:cond delay="indefinite"/>
+                      </p:stCondLst>
+                      <p:childTnLst>
+                        <p:par>
+                          <p:cTn id="4" fill="hold">
+                            <p:stCondLst>
+                              <p:cond delay="0"/>
+                            </p:stCondLst>
+                            <p:childTnLst>
+                              <p:par>
+                                <p:cTn id="5" presetID="2" presetClass="entr" presetSubtype="4" fill="hold" grpId="0" nodeType="clickEffect">
+                                  <p:stCondLst>
+                                    <p:cond delay="0"/>
+                                  </p:stCondLst>
+                                  <p:childTnLst>
+                                    <p:set>
+                                      <p:cBhvr>
+                                        <p:cTn id="6" dur="1" fill="hold">
+                                          <p:stCondLst>
+                                            <p:cond delay="0"/>
+                                          </p:stCondLst>
+                                        </p:cTn>
+                                        <p:tgtEl>
+                                          <p:spTgt spid="7"/>
+                                        </p:tgtEl>
+                                        <p:attrNameLst>
+                                          <p:attrName>style.visibility</p:attrName>
+                                        </p:attrNameLst>
+                                      </p:cBhvr>
+                                      <p:to>
+                                        <p:strVal val="visible"/>
+                                      </p:to>
+                                    </p:set>
+                                    <p:anim calcmode="lin" valueType="num">
+                                      <p:cBhvr additive="base">
+                                        <p:cTn id="7" dur="500" fill="hold"/>
+                                        <p:tgtEl>
+                                          <p:spTgt spid="7"/>
+                                        </p:tgtEl>
+                                        <p:attrNameLst>
+                                          <p:attrName>ppt_x</p:attrName>
+                                        </p:attrNameLst>
+                                      </p:cBhvr>
+                                      <p:tavLst>
+                                        <p:tav tm="0">
+                                          <p:val>
+                                            <p:strVal val="#ppt_x"/>
+                                          </p:val>
+                                        </p:tav>
+                                        <p:tav tm="100000">
+                                          <p:val>
+                                            <p:strVal val="#ppt_x"/>
+                                          </p:val>
+                                        </p:tav>
+                                      </p:tavLst>
+                                    </p:anim>
+                                    <p:anim calcmode="lin" valueType="num">
+                                      <p:cBhvr additive="base">
+                                        <p:cTn id="8" dur="500" fill="hold"/>
+                                        <p:tgtEl>
+                                          <p:spTgt spid="7"/>
+                                        </p:tgtEl>
+                                        <p:attrNameLst>
+                                          <p:attrName>ppt_y</p:attrName>
+                                        </p:attrNameLst>
+                                      </p:cBhvr>
+                                      <p:tavLst>
+                                        <p:tav tm="0">
+                                          <p:val>
+                                            <p:strVal val="1+#ppt_h/2"/>
+                                          </p:val>
+                                        </p:tav>
+                                        <p:tav tm="100000">
+                                          <p:val>
+                                            <p:strVal val="#ppt_y"/>
+                                          </p:val>
+                                        </p:tav>
+                                      </p:tavLst>
+                                    </p:anim>
+                                  </p:childTnLst>
+                                </p:cTn>
+                              </p:par>
+                            </p:childTnLst>
+                          </p:cTn>
+                        </p:par>
+                      </p:childTnLst>
+                    </p:cTn>
+                  </p:par>
+                  <p:par>
+                    <p:cTn id="9" fill="hold">
+                      <p:stCondLst>
+                        <p:cond delay="indefinite"/>
+                      </p:stCondLst>
+                      <p:childTnLst>
+                        <p:par>
+                          <p:cTn id="10" fill="hold">
+                            <p:stCondLst>
+                              <p:cond delay="0"/>
+                            </p:stCondLst>
+                            <p:childTnLst>
+                              <p:par>
+                                <p:cTn id="11" presetID="2" presetClass="entr" presetSubtype="4" fill="hold" grpId="0" nodeType="clickEffect">
+                                  <p:stCondLst>
+                                    <p:cond delay="0"/>
+                                  </p:stCondLst>
+                                  <p:childTnLst>
+                                    <p:set>
+                                      <p:cBhvr>
+                                        <p:cTn id="12" dur="1" fill="hold">
+                                          <p:stCondLst>
+                                            <p:cond delay="0"/>
+                                          </p:stCondLst>
+                                        </p:cTn>
+                                        <p:tgtEl>
+                                          <p:spTgt spid="8"/>
+                                        </p:tgtEl>
+                                        <p:attrNameLst>
+                                          <p:attrName>style.visibility</p:attrName>
+                                        </p:attrNameLst>
+                                      </p:cBhvr>
+                                      <p:to>
+                                        <p:strVal val="visible"/>
+                                      </p:to>
+                                    </p:set>
+                                    <p:anim calcmode="lin" valueType="num">
+                                      <p:cBhvr additive="base">
+                                        <p:cTn id="13" dur="500" fill="hold"/>
+                                        <p:tgtEl>
+                                          <p:spTgt spid="8"/>
+                                        </p:tgtEl>
+                                        <p:attrNameLst>
+                                          <p:attrName>ppt_x</p:attrName>
+                                        </p:attrNameLst>
+                                      </p:cBhvr>
+                                      <p:tavLst>
+                                        <p:tav tm="0">
+                                          <p:val>
+                                            <p:strVal val="#ppt_x"/>
+                                          </p:val>
+                                        </p:tav>
+                                        <p:tav tm="100000">
+                                          <p:val>
+                                            <p:strVal val="#ppt_x"/>
+                                          </p:val>
+                                        </p:tav>
+                                      </p:tavLst>
+                                    </p:anim>
+                                    <p:anim calcmode="lin" valueType="num">
+                                      <p:cBhvr additive="base">
+                                        <p:cTn id="14" dur="500" fill="hold"/>
+                                        <p:tgtEl>
+                                          <p:spTgt spid="8"/>
+                                        </p:tgtEl>
+                                        <p:attrNameLst>
+                                          <p:attrName>ppt_y</p:attrName>
+                                        </p:attrNameLst>
+                                      </p:cBhvr>
+                                      <p:tavLst>
+                                        <p:tav tm="0">
+                                          <p:val>
+                                            <p:strVal val="1+#ppt_h/2"/>
+                                          </p:val>
+                                        </p:tav>
+                                        <p:tav tm="100000">
+                                          <p:val>
+                                            <p:strVal val="#ppt_y"/>
+                                          </p:val>
+                                        </p:tav>
+                                      </p:tavLst>
+                                    </p:anim>
+                                  </p:childTnLst>
+                                </p:cTn>
+                              </p:par>
+                            </p:childTnLst>
+                          </p:cTn>
+                        </p:par>
+                      </p:childTnLst>
+                    </p:cTn>
+                  </p:par>
+                  <p:par>
+                    <p:cTn id="15" fill="hold">
+                      <p:stCondLst>
+                        <p:cond delay="indefinite"/>
+                      </p:stCondLst>
+                      <p:childTnLst>
+                        <p:par>
+                          <p:cTn id="16" fill="hold">
+                            <p:stCondLst>
+                              <p:cond delay="0"/>
+                            </p:stCondLst>
+                            <p:childTnLst>
+                              <p:par>
+                                <p:cTn id="17" presetID="22" presetClass="entr" presetSubtype="8" fill="hold" grpId="0" nodeType="clickEffect">
+                                  <p:stCondLst>
+                                    <p:cond delay="0"/>
+                                  </p:stCondLst>
+                                  <p:childTnLst>
+                                    <p:set>
+                                      <p:cBhvr>
+                                        <p:cTn id="18" dur="1" fill="hold">
+                                          <p:stCondLst>
+                                            <p:cond delay="0"/>
+                                          </p:stCondLst>
+                                        </p:cTn>
+                                        <p:tgtEl>
+                                          <p:spTgt spid="9"/>
+                                        </p:tgtEl>
+                                        <p:attrNameLst>
+                                          <p:attrName>style.visibility</p:attrName>
+                                        </p:attrNameLst>
+                                      </p:cBhvr>
+                                      <p:to>
+                                        <p:strVal val="visible"/>
+                                      </p:to>
+                                    </p:set>
+                                    <p:animEffect transition="in" filter="wipe(left)">
+                                      <p:cBhvr>
+                                        <p:cTn id="19" dur="500"/>
+                                        <p:tgtEl>
+                                          <p:spTgt spid="9"/>
+                                        </p:tgtEl>
+                                      </p:cBhvr>
+                                    </p:animEffect>
+                                  </p:childTnLst>
+                                </p:cTn>
+                              </p:par>
+                            </p:childTnLst>
+                          </p:cTn>
+                        </p:par>
+                      </p:childTnLst>
+                    </p:cTn>
+                  </p:par>
+                  <p:par>
+                    <p:cTn id="20" fill="hold">
+                      <p:stCondLst>
+                        <p:cond delay="indefinite"/>
+                      </p:stCondLst>
+                      <p:childTnLst>
+                        <p:par>
+                          <p:cTn id="21" fill="hold">
+                            <p:stCondLst>
+                              <p:cond delay="0"/>
+                            </p:stCondLst>
+                            <p:childTnLst>
+                              <p:par>
+                                <p:cTn id="22" presetID="22" presetClass="entr" presetSubtype="8" fill="hold" grpId="0" nodeType="clickEffect">
+                                  <p:stCondLst>
+                                    <p:cond delay="0"/>
+                                  </p:stCondLst>
+                                  <p:childTnLst>
+                                    <p:set>
+                                      <p:cBhvr>
+                                        <p:cTn id="23" dur="1" fill="hold">
+                                          <p:stCondLst>
+                                            <p:cond delay="0"/>
+                                          </p:stCondLst>
+                                        </p:cTn>
+                                        <p:tgtEl>
+                                          <p:spTgt spid="10"/>
+                                        </p:tgtEl>
+                                        <p:attrNameLst>
+                                          <p:attrName>style.visibility</p:attrName>
+                                        </p:attrNameLst>
+                                      </p:cBhvr>
+                                      <p:to>
+                                        <p:strVal val="visible"/>
+                                      </p:to>
+                                    </p:set>
+                                    <p:animEffect transition="in" filter="wipe(left)">
+                                      <p:cBhvr>
+                                        <p:cTn id="24" dur="500"/>
+                                        <p:tgtEl>
+                                          <p:spTgt spid="10"/>
+                                        </p:tgtEl>
+                                      </p:cBhvr>
+                                    </p:animEffect>
+                                  </p:childTnLst>
+                                </p:cTn>
+                              </p:par>
+                            </p:childTnLst>
+                          </p:cTn>
+                        </p:par>
+                      </p:childTnLst>
+                    </p:cTn>
+                  </p:par>
+                  <p:par>
+                    <p:cTn id="25" fill="hold">
+                      <p:stCondLst>
+                        <p:cond delay="indefinite"/>
+                      </p:stCondLst>
+                      <p:childTnLst>
+                        <p:par>
+                          <p:cTn id="26" fill="hold">
+                            <p:stCondLst>
+                              <p:cond delay="0"/>
+                            </p:stCondLst>
+                            <p:childTnLst>
+                              <p:par>
+                                <p:cTn id="27" presetID="22" presetClass="entr" presetSubtype="8" fill="hold" grpId="0" nodeType="clickEffect">
+                                  <p:stCondLst>
+                                    <p:cond delay="0"/>
+                                  </p:stCondLst>
+                                  <p:childTnLst>
+                                    <p:set>
+                                      <p:cBhvr>
+                                        <p:cTn id="28" dur="1" fill="hold">
+                                          <p:stCondLst>
+                                            <p:cond delay="0"/>
+                                          </p:stCondLst>
+                                        </p:cTn>
+                                        <p:tgtEl>
+                                          <p:spTgt spid="11"/>
+                                        </p:tgtEl>
+                                        <p:attrNameLst>
+                                          <p:attrName>style.visibility</p:attrName>
+                                        </p:attrNameLst>
+                                      </p:cBhvr>
+                                      <p:to>
+                                        <p:strVal val="visible"/>
+                                      </p:to>
+                                    </p:set>
+                                    <p:animEffect transition="in" filter="wipe(left)">
+                                      <p:cBhvr>
+                                        <p:cTn id="29" dur="500"/>
+                                        <p:tgtEl>
+                                          <p:spTgt spid="11"/>
+                                        </p:tgtEl>
+                                      </p:cBhvr>
+                                    </p:animEffect>
+                                  </p:childTnLst>
+                                </p:cTn>
+                              </p:par>
+                            </p:childTnLst>
+                          </p:cTn>
+                        </p:par>
+                      </p:childTnLst>
+                    </p:cTn>
+                  </p:par>
+                </p:childTnLst>
+              </p:cTn>
+              <p:prevCondLst>
+                <p:cond evt="onPrev" delay="0">
+                  <p:tgtEl>
+                    <p:sldTgt/>
+                  </p:tgtEl>
+                </p:cond>
+              </p:prevCondLst>
+              <p:nextCondLst>
+                <p:cond evt="onNext" delay="0">
+                  <p:tgtEl>
+                    <p:sldTgt/>
+                  </p:tgtEl>
+                </p:cond>
+              </p:nextCondLst>
+            </p:seq>
+          </p:childTnLst>
+        </p:cTn>
       </p:par>
     </p:tnLst>
+    <p:bldLst>
+      <p:bldP spid="7" grpId="0"/>
+      <p:bldP spid="8" grpId="0"/>
+      <p:bldP spid="9" grpId="0"/>
+      <p:bldP spid="10" grpId="0"/>
+      <p:bldP spid="11" grpId="0"/>
+    </p:bldLst>
   </p:timing>
 </p:sld>
 </file>
@@ -4497,8 +5795,8 @@
           <a:lstStyle/>
           <a:p>
             <a:r>
-              <a:rPr lang="en-US" altLang="zh-CN" dirty="0" smtClean="0"/>
-              <a:t>Outline</a:t>
+              <a:rPr lang="en-US" altLang="zh-CN" dirty="0"/>
+              <a:t>technology foundation(macros)</a:t>
             </a:r>
             <a:endParaRPr lang="zh-CN" altLang="en-US" dirty="0"/>
           </a:p>
@@ -4519,41 +5817,447 @@
           <a:bodyPr/>
           <a:lstStyle/>
           <a:p>
-            <a:r>
-              <a:rPr lang="en-US" altLang="zh-CN" dirty="0" smtClean="0"/>
-              <a:t>concepts of reflection</a:t>
-            </a:r>
-          </a:p>
-          <a:p>
-            <a:r>
-              <a:rPr lang="en-US" altLang="zh-CN" dirty="0"/>
-              <a:t>implementation of compile-time </a:t>
-            </a:r>
-            <a:r>
-              <a:rPr lang="en-US" altLang="zh-CN" dirty="0" smtClean="0"/>
-              <a:t>reflection</a:t>
-            </a:r>
-            <a:endParaRPr lang="en-US" altLang="zh-CN" dirty="0" smtClean="0"/>
-          </a:p>
-          <a:p>
-            <a:r>
-              <a:rPr lang="en-US" altLang="zh-CN" dirty="0" smtClean="0"/>
-              <a:t>application of compile-time reflection</a:t>
-            </a:r>
-          </a:p>
-          <a:p>
-            <a:r>
-              <a:rPr lang="en-US" altLang="zh-CN" b="1" dirty="0" smtClean="0"/>
-              <a:t>prospect</a:t>
-            </a:r>
-            <a:endParaRPr lang="zh-CN" altLang="en-US" b="1" dirty="0"/>
+            <a:endParaRPr lang="zh-CN" altLang="en-US" dirty="0"/>
+          </a:p>
+        </p:txBody>
+      </p:sp>
+      <p:sp>
+        <p:nvSpPr>
+          <p:cNvPr id="4" name="矩形 3"/>
+          <p:cNvSpPr/>
+          <p:nvPr/>
+        </p:nvSpPr>
+        <p:spPr>
+          <a:xfrm>
+            <a:off x="838199" y="1825625"/>
+            <a:ext cx="9359537" cy="2031325"/>
+          </a:xfrm>
+          <a:prstGeom prst="rect">
+            <a:avLst/>
+          </a:prstGeom>
+        </p:spPr>
+        <p:txBody>
+          <a:bodyPr wrap="square">
+            <a:spAutoFit/>
+          </a:bodyPr>
+          <a:lstStyle/>
+          <a:p>
+            <a:r>
+              <a:rPr lang="en-US" altLang="zh-CN" dirty="0">
+                <a:solidFill>
+                  <a:srgbClr val="808080"/>
+                </a:solidFill>
+                <a:highlight>
+                  <a:srgbClr val="FFFFFF"/>
+                </a:highlight>
+                <a:latin typeface="新宋体" panose="02010609030101010101" pitchFamily="49" charset="-122"/>
+                <a:ea typeface="新宋体" panose="02010609030101010101" pitchFamily="49" charset="-122"/>
+              </a:rPr>
+              <a:t>#define</a:t>
+            </a:r>
+            <a:r>
+              <a:rPr lang="en-US" altLang="zh-CN" dirty="0">
+                <a:solidFill>
+                  <a:srgbClr val="000000"/>
+                </a:solidFill>
+                <a:highlight>
+                  <a:srgbClr val="FFFFFF"/>
+                </a:highlight>
+                <a:latin typeface="新宋体" panose="02010609030101010101" pitchFamily="49" charset="-122"/>
+                <a:ea typeface="新宋体" panose="02010609030101010101" pitchFamily="49" charset="-122"/>
+              </a:rPr>
+              <a:t> </a:t>
+            </a:r>
+            <a:r>
+              <a:rPr lang="en-US" altLang="zh-CN" dirty="0">
+                <a:solidFill>
+                  <a:srgbClr val="6F008A"/>
+                </a:solidFill>
+                <a:highlight>
+                  <a:srgbClr val="FFFFFF"/>
+                </a:highlight>
+                <a:latin typeface="新宋体" panose="02010609030101010101" pitchFamily="49" charset="-122"/>
+                <a:ea typeface="新宋体" panose="02010609030101010101" pitchFamily="49" charset="-122"/>
+              </a:rPr>
+              <a:t>RSEQ_N</a:t>
+            </a:r>
+            <a:r>
+              <a:rPr lang="en-US" altLang="zh-CN" dirty="0">
+                <a:solidFill>
+                  <a:srgbClr val="000000"/>
+                </a:solidFill>
+                <a:highlight>
+                  <a:srgbClr val="FFFFFF"/>
+                </a:highlight>
+                <a:latin typeface="新宋体" panose="02010609030101010101" pitchFamily="49" charset="-122"/>
+                <a:ea typeface="新宋体" panose="02010609030101010101" pitchFamily="49" charset="-122"/>
+              </a:rPr>
+              <a:t>() 4,3,2,1,0</a:t>
+            </a:r>
+          </a:p>
+          <a:p>
+            <a:r>
+              <a:rPr lang="pt-BR" altLang="zh-CN" dirty="0">
+                <a:solidFill>
+                  <a:srgbClr val="808080"/>
+                </a:solidFill>
+                <a:highlight>
+                  <a:srgbClr val="FFFFFF"/>
+                </a:highlight>
+                <a:latin typeface="新宋体" panose="02010609030101010101" pitchFamily="49" charset="-122"/>
+                <a:ea typeface="新宋体" panose="02010609030101010101" pitchFamily="49" charset="-122"/>
+              </a:rPr>
+              <a:t>#define</a:t>
+            </a:r>
+            <a:r>
+              <a:rPr lang="pt-BR" altLang="zh-CN" dirty="0">
+                <a:solidFill>
+                  <a:srgbClr val="000000"/>
+                </a:solidFill>
+                <a:highlight>
+                  <a:srgbClr val="FFFFFF"/>
+                </a:highlight>
+                <a:latin typeface="新宋体" panose="02010609030101010101" pitchFamily="49" charset="-122"/>
+                <a:ea typeface="新宋体" panose="02010609030101010101" pitchFamily="49" charset="-122"/>
+              </a:rPr>
+              <a:t> </a:t>
+            </a:r>
+            <a:r>
+              <a:rPr lang="pt-BR" altLang="zh-CN" dirty="0">
+                <a:solidFill>
+                  <a:srgbClr val="6F008A"/>
+                </a:solidFill>
+                <a:highlight>
+                  <a:srgbClr val="FFFFFF"/>
+                </a:highlight>
+                <a:latin typeface="新宋体" panose="02010609030101010101" pitchFamily="49" charset="-122"/>
+                <a:ea typeface="新宋体" panose="02010609030101010101" pitchFamily="49" charset="-122"/>
+              </a:rPr>
+              <a:t>ARG_N</a:t>
+            </a:r>
+            <a:r>
+              <a:rPr lang="pt-BR" altLang="zh-CN" dirty="0">
+                <a:solidFill>
+                  <a:srgbClr val="000000"/>
+                </a:solidFill>
+                <a:highlight>
+                  <a:srgbClr val="FFFFFF"/>
+                </a:highlight>
+                <a:latin typeface="新宋体" panose="02010609030101010101" pitchFamily="49" charset="-122"/>
+                <a:ea typeface="新宋体" panose="02010609030101010101" pitchFamily="49" charset="-122"/>
+              </a:rPr>
+              <a:t>(_1, _2, _3, _4, N, ...) N</a:t>
+            </a:r>
+          </a:p>
+          <a:p>
+            <a:endParaRPr lang="zh-CN" altLang="en-US" dirty="0">
+              <a:solidFill>
+                <a:srgbClr val="000000"/>
+              </a:solidFill>
+              <a:highlight>
+                <a:srgbClr val="FFFFFF"/>
+              </a:highlight>
+              <a:latin typeface="新宋体" panose="02010609030101010101" pitchFamily="49" charset="-122"/>
+              <a:ea typeface="新宋体" panose="02010609030101010101" pitchFamily="49" charset="-122"/>
+            </a:endParaRPr>
+          </a:p>
+          <a:p>
+            <a:r>
+              <a:rPr lang="en-US" altLang="zh-CN" dirty="0">
+                <a:solidFill>
+                  <a:srgbClr val="808080"/>
+                </a:solidFill>
+                <a:highlight>
+                  <a:srgbClr val="FFFFFF"/>
+                </a:highlight>
+                <a:latin typeface="新宋体" panose="02010609030101010101" pitchFamily="49" charset="-122"/>
+                <a:ea typeface="新宋体" panose="02010609030101010101" pitchFamily="49" charset="-122"/>
+              </a:rPr>
+              <a:t>#define</a:t>
+            </a:r>
+            <a:r>
+              <a:rPr lang="en-US" altLang="zh-CN" dirty="0">
+                <a:solidFill>
+                  <a:srgbClr val="000000"/>
+                </a:solidFill>
+                <a:highlight>
+                  <a:srgbClr val="FFFFFF"/>
+                </a:highlight>
+                <a:latin typeface="新宋体" panose="02010609030101010101" pitchFamily="49" charset="-122"/>
+                <a:ea typeface="新宋体" panose="02010609030101010101" pitchFamily="49" charset="-122"/>
+              </a:rPr>
+              <a:t> </a:t>
+            </a:r>
+            <a:r>
+              <a:rPr lang="en-US" altLang="zh-CN" dirty="0">
+                <a:solidFill>
+                  <a:srgbClr val="6F008A"/>
+                </a:solidFill>
+                <a:highlight>
+                  <a:srgbClr val="FFFFFF"/>
+                </a:highlight>
+                <a:latin typeface="新宋体" panose="02010609030101010101" pitchFamily="49" charset="-122"/>
+                <a:ea typeface="新宋体" panose="02010609030101010101" pitchFamily="49" charset="-122"/>
+              </a:rPr>
+              <a:t>GET_ARG_COUNT_INNER</a:t>
+            </a:r>
+            <a:r>
+              <a:rPr lang="en-US" altLang="zh-CN" dirty="0">
+                <a:solidFill>
+                  <a:srgbClr val="000000"/>
+                </a:solidFill>
+                <a:highlight>
+                  <a:srgbClr val="FFFFFF"/>
+                </a:highlight>
+                <a:latin typeface="新宋体" panose="02010609030101010101" pitchFamily="49" charset="-122"/>
+                <a:ea typeface="新宋体" panose="02010609030101010101" pitchFamily="49" charset="-122"/>
+              </a:rPr>
+              <a:t>(...)    MARCO_EXPAND(</a:t>
+            </a:r>
+            <a:r>
+              <a:rPr lang="en-US" altLang="zh-CN" dirty="0">
+                <a:solidFill>
+                  <a:srgbClr val="6F008A"/>
+                </a:solidFill>
+                <a:highlight>
+                  <a:srgbClr val="FFFFFF"/>
+                </a:highlight>
+                <a:latin typeface="新宋体" panose="02010609030101010101" pitchFamily="49" charset="-122"/>
+                <a:ea typeface="新宋体" panose="02010609030101010101" pitchFamily="49" charset="-122"/>
+              </a:rPr>
+              <a:t>ARG_N</a:t>
+            </a:r>
+            <a:r>
+              <a:rPr lang="en-US" altLang="zh-CN" dirty="0">
+                <a:solidFill>
+                  <a:srgbClr val="000000"/>
+                </a:solidFill>
+                <a:highlight>
+                  <a:srgbClr val="FFFFFF"/>
+                </a:highlight>
+                <a:latin typeface="新宋体" panose="02010609030101010101" pitchFamily="49" charset="-122"/>
+                <a:ea typeface="新宋体" panose="02010609030101010101" pitchFamily="49" charset="-122"/>
+              </a:rPr>
+              <a:t>(__VA_ARGS__))</a:t>
+            </a:r>
+          </a:p>
+          <a:p>
+            <a:r>
+              <a:rPr lang="en-US" altLang="zh-CN" dirty="0">
+                <a:solidFill>
+                  <a:srgbClr val="808080"/>
+                </a:solidFill>
+                <a:highlight>
+                  <a:srgbClr val="FFFFFF"/>
+                </a:highlight>
+                <a:latin typeface="新宋体" panose="02010609030101010101" pitchFamily="49" charset="-122"/>
+                <a:ea typeface="新宋体" panose="02010609030101010101" pitchFamily="49" charset="-122"/>
+              </a:rPr>
+              <a:t>#define</a:t>
+            </a:r>
+            <a:r>
+              <a:rPr lang="en-US" altLang="zh-CN" dirty="0">
+                <a:solidFill>
+                  <a:srgbClr val="000000"/>
+                </a:solidFill>
+                <a:highlight>
+                  <a:srgbClr val="FFFFFF"/>
+                </a:highlight>
+                <a:latin typeface="新宋体" panose="02010609030101010101" pitchFamily="49" charset="-122"/>
+                <a:ea typeface="新宋体" panose="02010609030101010101" pitchFamily="49" charset="-122"/>
+              </a:rPr>
+              <a:t> </a:t>
+            </a:r>
+            <a:r>
+              <a:rPr lang="en-US" altLang="zh-CN" dirty="0">
+                <a:solidFill>
+                  <a:srgbClr val="6F008A"/>
+                </a:solidFill>
+                <a:highlight>
+                  <a:srgbClr val="FFFFFF"/>
+                </a:highlight>
+                <a:latin typeface="新宋体" panose="02010609030101010101" pitchFamily="49" charset="-122"/>
+                <a:ea typeface="新宋体" panose="02010609030101010101" pitchFamily="49" charset="-122"/>
+              </a:rPr>
+              <a:t>GET_ARG_COUNT</a:t>
+            </a:r>
+            <a:r>
+              <a:rPr lang="en-US" altLang="zh-CN" dirty="0">
+                <a:solidFill>
+                  <a:srgbClr val="000000"/>
+                </a:solidFill>
+                <a:highlight>
+                  <a:srgbClr val="FFFFFF"/>
+                </a:highlight>
+                <a:latin typeface="新宋体" panose="02010609030101010101" pitchFamily="49" charset="-122"/>
+                <a:ea typeface="新宋体" panose="02010609030101010101" pitchFamily="49" charset="-122"/>
+              </a:rPr>
+              <a:t>(...)          </a:t>
+            </a:r>
+            <a:r>
+              <a:rPr lang="en-US" altLang="zh-CN" dirty="0">
+                <a:solidFill>
+                  <a:srgbClr val="6F008A"/>
+                </a:solidFill>
+                <a:highlight>
+                  <a:srgbClr val="FFFFFF"/>
+                </a:highlight>
+                <a:latin typeface="新宋体" panose="02010609030101010101" pitchFamily="49" charset="-122"/>
+                <a:ea typeface="新宋体" panose="02010609030101010101" pitchFamily="49" charset="-122"/>
+              </a:rPr>
+              <a:t>GET_ARG_COUNT_INNER</a:t>
+            </a:r>
+            <a:r>
+              <a:rPr lang="en-US" altLang="zh-CN" dirty="0">
+                <a:solidFill>
+                  <a:srgbClr val="000000"/>
+                </a:solidFill>
+                <a:highlight>
+                  <a:srgbClr val="FFFFFF"/>
+                </a:highlight>
+                <a:latin typeface="新宋体" panose="02010609030101010101" pitchFamily="49" charset="-122"/>
+                <a:ea typeface="新宋体" panose="02010609030101010101" pitchFamily="49" charset="-122"/>
+              </a:rPr>
+              <a:t>(__VA_ARGS__, </a:t>
+            </a:r>
+            <a:r>
+              <a:rPr lang="en-US" altLang="zh-CN" dirty="0">
+                <a:solidFill>
+                  <a:srgbClr val="6F008A"/>
+                </a:solidFill>
+                <a:highlight>
+                  <a:srgbClr val="FFFFFF"/>
+                </a:highlight>
+                <a:latin typeface="新宋体" panose="02010609030101010101" pitchFamily="49" charset="-122"/>
+                <a:ea typeface="新宋体" panose="02010609030101010101" pitchFamily="49" charset="-122"/>
+              </a:rPr>
+              <a:t>RSEQ_N</a:t>
+            </a:r>
+            <a:r>
+              <a:rPr lang="en-US" altLang="zh-CN" dirty="0">
+                <a:solidFill>
+                  <a:srgbClr val="000000"/>
+                </a:solidFill>
+                <a:highlight>
+                  <a:srgbClr val="FFFFFF"/>
+                </a:highlight>
+                <a:latin typeface="新宋体" panose="02010609030101010101" pitchFamily="49" charset="-122"/>
+                <a:ea typeface="新宋体" panose="02010609030101010101" pitchFamily="49" charset="-122"/>
+              </a:rPr>
+              <a:t>())</a:t>
+            </a:r>
+          </a:p>
+          <a:p>
+            <a:endParaRPr lang="zh-CN" altLang="en-US" dirty="0">
+              <a:solidFill>
+                <a:srgbClr val="000000"/>
+              </a:solidFill>
+              <a:highlight>
+                <a:srgbClr val="FFFFFF"/>
+              </a:highlight>
+              <a:latin typeface="新宋体" panose="02010609030101010101" pitchFamily="49" charset="-122"/>
+              <a:ea typeface="新宋体" panose="02010609030101010101" pitchFamily="49" charset="-122"/>
+            </a:endParaRPr>
+          </a:p>
+          <a:p>
+            <a:r>
+              <a:rPr lang="en-US" altLang="zh-CN" dirty="0">
+                <a:solidFill>
+                  <a:srgbClr val="808080"/>
+                </a:solidFill>
+                <a:highlight>
+                  <a:srgbClr val="FFFFFF"/>
+                </a:highlight>
+                <a:latin typeface="新宋体" panose="02010609030101010101" pitchFamily="49" charset="-122"/>
+                <a:ea typeface="新宋体" panose="02010609030101010101" pitchFamily="49" charset="-122"/>
+              </a:rPr>
+              <a:t>#define</a:t>
+            </a:r>
+            <a:r>
+              <a:rPr lang="en-US" altLang="zh-CN" dirty="0">
+                <a:solidFill>
+                  <a:srgbClr val="000000"/>
+                </a:solidFill>
+                <a:highlight>
+                  <a:srgbClr val="FFFFFF"/>
+                </a:highlight>
+                <a:latin typeface="新宋体" panose="02010609030101010101" pitchFamily="49" charset="-122"/>
+                <a:ea typeface="新宋体" panose="02010609030101010101" pitchFamily="49" charset="-122"/>
+              </a:rPr>
+              <a:t> </a:t>
+            </a:r>
+            <a:r>
+              <a:rPr lang="en-US" altLang="zh-CN" dirty="0">
+                <a:solidFill>
+                  <a:srgbClr val="6F008A"/>
+                </a:solidFill>
+                <a:highlight>
+                  <a:srgbClr val="FFFFFF"/>
+                </a:highlight>
+                <a:latin typeface="新宋体" panose="02010609030101010101" pitchFamily="49" charset="-122"/>
+                <a:ea typeface="新宋体" panose="02010609030101010101" pitchFamily="49" charset="-122"/>
+              </a:rPr>
+              <a:t>MARCO_EXPAND</a:t>
+            </a:r>
+            <a:r>
+              <a:rPr lang="en-US" altLang="zh-CN" dirty="0">
+                <a:solidFill>
+                  <a:srgbClr val="000000"/>
+                </a:solidFill>
+                <a:highlight>
+                  <a:srgbClr val="FFFFFF"/>
+                </a:highlight>
+                <a:latin typeface="新宋体" panose="02010609030101010101" pitchFamily="49" charset="-122"/>
+                <a:ea typeface="新宋体" panose="02010609030101010101" pitchFamily="49" charset="-122"/>
+              </a:rPr>
+              <a:t>(x) x</a:t>
+            </a:r>
+            <a:endParaRPr lang="zh-CN" altLang="en-US" dirty="0"/>
+          </a:p>
+        </p:txBody>
+      </p:sp>
+      <p:sp>
+        <p:nvSpPr>
+          <p:cNvPr id="5" name="矩形 4"/>
+          <p:cNvSpPr/>
+          <p:nvPr/>
+        </p:nvSpPr>
+        <p:spPr>
+          <a:xfrm>
+            <a:off x="2611513" y="4550619"/>
+            <a:ext cx="3647152" cy="369332"/>
+          </a:xfrm>
+          <a:prstGeom prst="rect">
+            <a:avLst/>
+          </a:prstGeom>
+        </p:spPr>
+        <p:txBody>
+          <a:bodyPr wrap="none">
+            <a:spAutoFit/>
+          </a:bodyPr>
+          <a:lstStyle/>
+          <a:p>
+            <a:r>
+              <a:rPr lang="en-US" altLang="zh-CN" dirty="0" smtClean="0">
+                <a:solidFill>
+                  <a:srgbClr val="000000"/>
+                </a:solidFill>
+                <a:highlight>
+                  <a:srgbClr val="FFFFFF"/>
+                </a:highlight>
+                <a:latin typeface="新宋体" panose="02010609030101010101" pitchFamily="49" charset="-122"/>
+                <a:ea typeface="新宋体" panose="02010609030101010101" pitchFamily="49" charset="-122"/>
+              </a:rPr>
+              <a:t>MARCO_EXPAND for visual studio</a:t>
+            </a:r>
+            <a:endParaRPr lang="zh-CN" altLang="en-US" dirty="0"/>
           </a:p>
         </p:txBody>
       </p:sp>
     </p:spTree>
     <p:extLst>
       <p:ext uri="{BB962C8B-B14F-4D97-AF65-F5344CB8AC3E}">
-        <p14:creationId xmlns:p14="http://schemas.microsoft.com/office/powerpoint/2010/main" val="3147020122"/>
+        <p14:creationId xmlns:p14="http://schemas.microsoft.com/office/powerpoint/2010/main" val="357060918"/>
       </p:ext>
     </p:extLst>
   </p:cSld>
@@ -4603,49 +6307,54 @@
           <a:lstStyle/>
           <a:p>
             <a:r>
+              <a:rPr lang="en-US" altLang="zh-CN" dirty="0" smtClean="0"/>
+              <a:t>Outline</a:t>
+            </a:r>
+            <a:endParaRPr lang="zh-CN" altLang="en-US" dirty="0"/>
+          </a:p>
+        </p:txBody>
+      </p:sp>
+      <p:sp>
+        <p:nvSpPr>
+          <p:cNvPr id="3" name="内容占位符 2"/>
+          <p:cNvSpPr>
+            <a:spLocks noGrp="1"/>
+          </p:cNvSpPr>
+          <p:nvPr>
+            <p:ph idx="1"/>
+          </p:nvPr>
+        </p:nvSpPr>
+        <p:spPr/>
+        <p:txBody>
+          <a:bodyPr/>
+          <a:lstStyle/>
+          <a:p>
+            <a:r>
+              <a:rPr lang="en-US" altLang="zh-CN" dirty="0" smtClean="0"/>
+              <a:t>concepts of reflection</a:t>
+            </a:r>
+          </a:p>
+          <a:p>
+            <a:r>
               <a:rPr lang="en-US" altLang="zh-CN" dirty="0"/>
+              <a:t>implementation of compile-time </a:t>
+            </a:r>
+            <a:r>
+              <a:rPr lang="en-US" altLang="zh-CN" dirty="0" smtClean="0"/>
+              <a:t>reflection</a:t>
+            </a:r>
+          </a:p>
+          <a:p>
+            <a:r>
+              <a:rPr lang="en-US" altLang="zh-CN" b="1" dirty="0" smtClean="0"/>
+              <a:t>application of compile-time reflection</a:t>
+            </a:r>
+          </a:p>
+          <a:p>
+            <a:r>
+              <a:rPr lang="en-US" altLang="zh-CN" dirty="0" smtClean="0"/>
               <a:t>prospect</a:t>
             </a:r>
-            <a:endParaRPr lang="zh-CN" altLang="en-US" dirty="0"/>
-          </a:p>
-        </p:txBody>
-      </p:sp>
-      <p:sp>
-        <p:nvSpPr>
-          <p:cNvPr id="3" name="内容占位符 2"/>
-          <p:cNvSpPr>
-            <a:spLocks noGrp="1"/>
-          </p:cNvSpPr>
-          <p:nvPr>
-            <p:ph idx="1"/>
-          </p:nvPr>
-        </p:nvSpPr>
-        <p:spPr/>
-        <p:txBody>
-          <a:bodyPr/>
-          <a:lstStyle/>
-          <a:p>
-            <a:r>
-              <a:rPr lang="en-US" altLang="zh-CN" dirty="0"/>
-              <a:t>data </a:t>
-            </a:r>
-            <a:r>
-              <a:rPr lang="en-US" altLang="zh-CN" dirty="0" smtClean="0"/>
-              <a:t>binding</a:t>
-            </a:r>
-          </a:p>
-          <a:p>
-            <a:r>
-              <a:rPr lang="en-US" altLang="zh-CN" dirty="0" err="1"/>
-              <a:t>protocal</a:t>
-            </a:r>
-            <a:r>
-              <a:rPr lang="en-US" altLang="zh-CN" dirty="0"/>
-              <a:t> adaptor</a:t>
-            </a:r>
-            <a:endParaRPr lang="en-US" altLang="zh-CN" dirty="0" smtClean="0"/>
-          </a:p>
-          <a:p>
             <a:endParaRPr lang="zh-CN" altLang="en-US" dirty="0"/>
           </a:p>
         </p:txBody>
@@ -4653,7 +6362,211 @@
     </p:spTree>
     <p:extLst>
       <p:ext uri="{BB962C8B-B14F-4D97-AF65-F5344CB8AC3E}">
-        <p14:creationId xmlns:p14="http://schemas.microsoft.com/office/powerpoint/2010/main" val="3546759729"/>
+        <p14:creationId xmlns:p14="http://schemas.microsoft.com/office/powerpoint/2010/main" val="3920747289"/>
+      </p:ext>
+    </p:extLst>
+  </p:cSld>
+  <p:clrMapOvr>
+    <a:masterClrMapping/>
+  </p:clrMapOvr>
+  <p:timing>
+    <p:tnLst>
+      <p:par>
+        <p:cTn id="1" dur="indefinite" restart="never" nodeType="tmRoot"/>
+      </p:par>
+    </p:tnLst>
+  </p:timing>
+</p:sld>
+</file>
+
+<file path=ppt/slides/slide18.xml><?xml version="1.0" encoding="utf-8"?>
+<p:sld xmlns:a="http://schemas.openxmlformats.org/drawingml/2006/main" xmlns:r="http://schemas.openxmlformats.org/officeDocument/2006/relationships" xmlns:p="http://schemas.openxmlformats.org/presentationml/2006/main">
+  <p:cSld>
+    <p:spTree>
+      <p:nvGrpSpPr>
+        <p:cNvPr id="1" name=""/>
+        <p:cNvGrpSpPr/>
+        <p:nvPr/>
+      </p:nvGrpSpPr>
+      <p:grpSpPr>
+        <a:xfrm>
+          <a:off x="0" y="0"/>
+          <a:ext cx="0" cy="0"/>
+          <a:chOff x="0" y="0"/>
+          <a:chExt cx="0" cy="0"/>
+        </a:xfrm>
+      </p:grpSpPr>
+      <p:sp>
+        <p:nvSpPr>
+          <p:cNvPr id="2" name="标题 1"/>
+          <p:cNvSpPr>
+            <a:spLocks noGrp="1"/>
+          </p:cNvSpPr>
+          <p:nvPr>
+            <p:ph type="title"/>
+          </p:nvPr>
+        </p:nvSpPr>
+        <p:spPr/>
+        <p:txBody>
+          <a:bodyPr/>
+          <a:lstStyle/>
+          <a:p>
+            <a:r>
+              <a:rPr lang="en-US" altLang="zh-CN" dirty="0"/>
+              <a:t>application of compile-time </a:t>
+            </a:r>
+            <a:r>
+              <a:rPr lang="en-US" altLang="zh-CN" dirty="0" smtClean="0"/>
+              <a:t>reflection</a:t>
+            </a:r>
+            <a:endParaRPr lang="zh-CN" altLang="en-US" dirty="0"/>
+          </a:p>
+        </p:txBody>
+      </p:sp>
+      <p:sp>
+        <p:nvSpPr>
+          <p:cNvPr id="3" name="内容占位符 2"/>
+          <p:cNvSpPr>
+            <a:spLocks noGrp="1"/>
+          </p:cNvSpPr>
+          <p:nvPr>
+            <p:ph idx="1"/>
+          </p:nvPr>
+        </p:nvSpPr>
+        <p:spPr/>
+        <p:txBody>
+          <a:bodyPr/>
+          <a:lstStyle/>
+          <a:p>
+            <a:r>
+              <a:rPr lang="en-US" altLang="zh-CN" dirty="0"/>
+              <a:t>Serialization</a:t>
+            </a:r>
+          </a:p>
+          <a:p>
+            <a:r>
+              <a:rPr lang="en-US" altLang="zh-CN" dirty="0"/>
+              <a:t>ORM(Object Relational Mapping)</a:t>
+            </a:r>
+          </a:p>
+          <a:p>
+            <a:r>
+              <a:rPr lang="en-US" altLang="zh-CN" dirty="0"/>
+              <a:t>DSL(domain-specific language)</a:t>
+            </a:r>
+            <a:endParaRPr lang="zh-CN" altLang="en-US" dirty="0"/>
+          </a:p>
+        </p:txBody>
+      </p:sp>
+    </p:spTree>
+    <p:extLst>
+      <p:ext uri="{BB962C8B-B14F-4D97-AF65-F5344CB8AC3E}">
+        <p14:creationId xmlns:p14="http://schemas.microsoft.com/office/powerpoint/2010/main" val="3812572458"/>
+      </p:ext>
+    </p:extLst>
+  </p:cSld>
+  <p:clrMapOvr>
+    <a:masterClrMapping/>
+  </p:clrMapOvr>
+  <p:timing>
+    <p:tnLst>
+      <p:par>
+        <p:cTn id="1" dur="indefinite" restart="never" nodeType="tmRoot"/>
+      </p:par>
+    </p:tnLst>
+  </p:timing>
+</p:sld>
+</file>
+
+<file path=ppt/slides/slide19.xml><?xml version="1.0" encoding="utf-8"?>
+<p:sld xmlns:a="http://schemas.openxmlformats.org/drawingml/2006/main" xmlns:r="http://schemas.openxmlformats.org/officeDocument/2006/relationships" xmlns:p="http://schemas.openxmlformats.org/presentationml/2006/main">
+  <p:cSld>
+    <p:spTree>
+      <p:nvGrpSpPr>
+        <p:cNvPr id="1" name=""/>
+        <p:cNvGrpSpPr/>
+        <p:nvPr/>
+      </p:nvGrpSpPr>
+      <p:grpSpPr>
+        <a:xfrm>
+          <a:off x="0" y="0"/>
+          <a:ext cx="0" cy="0"/>
+          <a:chOff x="0" y="0"/>
+          <a:chExt cx="0" cy="0"/>
+        </a:xfrm>
+      </p:grpSpPr>
+      <p:sp>
+        <p:nvSpPr>
+          <p:cNvPr id="2" name="标题 1"/>
+          <p:cNvSpPr>
+            <a:spLocks noGrp="1"/>
+          </p:cNvSpPr>
+          <p:nvPr>
+            <p:ph type="title"/>
+          </p:nvPr>
+        </p:nvSpPr>
+        <p:spPr/>
+        <p:txBody>
+          <a:bodyPr/>
+          <a:lstStyle/>
+          <a:p>
+            <a:r>
+              <a:rPr lang="en-US" altLang="zh-CN" dirty="0" smtClean="0"/>
+              <a:t>Outline</a:t>
+            </a:r>
+            <a:endParaRPr lang="zh-CN" altLang="en-US" dirty="0"/>
+          </a:p>
+        </p:txBody>
+      </p:sp>
+      <p:sp>
+        <p:nvSpPr>
+          <p:cNvPr id="3" name="内容占位符 2"/>
+          <p:cNvSpPr>
+            <a:spLocks noGrp="1"/>
+          </p:cNvSpPr>
+          <p:nvPr>
+            <p:ph idx="1"/>
+          </p:nvPr>
+        </p:nvSpPr>
+        <p:spPr/>
+        <p:txBody>
+          <a:bodyPr/>
+          <a:lstStyle/>
+          <a:p>
+            <a:r>
+              <a:rPr lang="en-US" altLang="zh-CN" dirty="0" smtClean="0"/>
+              <a:t>concepts of reflection</a:t>
+            </a:r>
+          </a:p>
+          <a:p>
+            <a:r>
+              <a:rPr lang="en-US" altLang="zh-CN" dirty="0"/>
+              <a:t>implementation of compile-time </a:t>
+            </a:r>
+            <a:r>
+              <a:rPr lang="en-US" altLang="zh-CN" dirty="0" smtClean="0"/>
+              <a:t>reflection</a:t>
+            </a:r>
+          </a:p>
+          <a:p>
+            <a:r>
+              <a:rPr lang="en-US" altLang="zh-CN" dirty="0" smtClean="0"/>
+              <a:t>application of compile-time reflection</a:t>
+            </a:r>
+          </a:p>
+          <a:p>
+            <a:r>
+              <a:rPr lang="en-US" altLang="zh-CN" b="1" dirty="0" smtClean="0"/>
+              <a:t>prospect</a:t>
+            </a:r>
+            <a:endParaRPr lang="zh-CN" altLang="en-US" b="1" dirty="0"/>
+          </a:p>
+        </p:txBody>
+      </p:sp>
+    </p:spTree>
+    <p:extLst>
+      <p:ext uri="{BB962C8B-B14F-4D97-AF65-F5344CB8AC3E}">
+        <p14:creationId xmlns:p14="http://schemas.microsoft.com/office/powerpoint/2010/main" val="3147020122"/>
       </p:ext>
     </p:extLst>
   </p:cSld>
@@ -4739,7 +6652,6 @@
               <a:rPr lang="en-US" altLang="zh-CN" dirty="0" smtClean="0"/>
               <a:t>reflection</a:t>
             </a:r>
-            <a:endParaRPr lang="en-US" altLang="zh-CN" dirty="0" smtClean="0"/>
           </a:p>
           <a:p>
             <a:r>
@@ -4760,6 +6672,106 @@
     <p:extLst>
       <p:ext uri="{BB962C8B-B14F-4D97-AF65-F5344CB8AC3E}">
         <p14:creationId xmlns:p14="http://schemas.microsoft.com/office/powerpoint/2010/main" val="156928791"/>
+      </p:ext>
+    </p:extLst>
+  </p:cSld>
+  <p:clrMapOvr>
+    <a:masterClrMapping/>
+  </p:clrMapOvr>
+  <p:timing>
+    <p:tnLst>
+      <p:par>
+        <p:cTn id="1" dur="indefinite" restart="never" nodeType="tmRoot"/>
+      </p:par>
+    </p:tnLst>
+  </p:timing>
+</p:sld>
+</file>
+
+<file path=ppt/slides/slide20.xml><?xml version="1.0" encoding="utf-8"?>
+<p:sld xmlns:a="http://schemas.openxmlformats.org/drawingml/2006/main" xmlns:r="http://schemas.openxmlformats.org/officeDocument/2006/relationships" xmlns:p="http://schemas.openxmlformats.org/presentationml/2006/main">
+  <p:cSld>
+    <p:spTree>
+      <p:nvGrpSpPr>
+        <p:cNvPr id="1" name=""/>
+        <p:cNvGrpSpPr/>
+        <p:nvPr/>
+      </p:nvGrpSpPr>
+      <p:grpSpPr>
+        <a:xfrm>
+          <a:off x="0" y="0"/>
+          <a:ext cx="0" cy="0"/>
+          <a:chOff x="0" y="0"/>
+          <a:chExt cx="0" cy="0"/>
+        </a:xfrm>
+      </p:grpSpPr>
+      <p:sp>
+        <p:nvSpPr>
+          <p:cNvPr id="2" name="标题 1"/>
+          <p:cNvSpPr>
+            <a:spLocks noGrp="1"/>
+          </p:cNvSpPr>
+          <p:nvPr>
+            <p:ph type="title"/>
+          </p:nvPr>
+        </p:nvSpPr>
+        <p:spPr/>
+        <p:txBody>
+          <a:bodyPr/>
+          <a:lstStyle/>
+          <a:p>
+            <a:r>
+              <a:rPr lang="en-US" altLang="zh-CN" dirty="0"/>
+              <a:t>prospect</a:t>
+            </a:r>
+            <a:endParaRPr lang="zh-CN" altLang="en-US" dirty="0"/>
+          </a:p>
+        </p:txBody>
+      </p:sp>
+      <p:sp>
+        <p:nvSpPr>
+          <p:cNvPr id="3" name="内容占位符 2"/>
+          <p:cNvSpPr>
+            <a:spLocks noGrp="1"/>
+          </p:cNvSpPr>
+          <p:nvPr>
+            <p:ph idx="1"/>
+          </p:nvPr>
+        </p:nvSpPr>
+        <p:spPr/>
+        <p:txBody>
+          <a:bodyPr/>
+          <a:lstStyle/>
+          <a:p>
+            <a:r>
+              <a:rPr lang="en-US" altLang="zh-CN" dirty="0"/>
+              <a:t>data </a:t>
+            </a:r>
+            <a:r>
+              <a:rPr lang="en-US" altLang="zh-CN" dirty="0" smtClean="0"/>
+              <a:t>binding</a:t>
+            </a:r>
+          </a:p>
+          <a:p>
+            <a:r>
+              <a:rPr lang="en-US" altLang="zh-CN" dirty="0" err="1"/>
+              <a:t>protocal</a:t>
+            </a:r>
+            <a:r>
+              <a:rPr lang="en-US" altLang="zh-CN" dirty="0"/>
+              <a:t> adaptor</a:t>
+            </a:r>
+            <a:endParaRPr lang="en-US" altLang="zh-CN" dirty="0" smtClean="0"/>
+          </a:p>
+          <a:p>
+            <a:endParaRPr lang="zh-CN" altLang="en-US" dirty="0"/>
+          </a:p>
+        </p:txBody>
+      </p:sp>
+    </p:spTree>
+    <p:extLst>
+      <p:ext uri="{BB962C8B-B14F-4D97-AF65-F5344CB8AC3E}">
+        <p14:creationId xmlns:p14="http://schemas.microsoft.com/office/powerpoint/2010/main" val="3546759729"/>
       </p:ext>
     </p:extLst>
   </p:cSld>

--- a/cppcon2017.pptx
+++ b/cppcon2017.pptx
@@ -5,7 +5,7 @@
     <p:sldMasterId id="2147483648" r:id="rId1"/>
   </p:sldMasterIdLst>
   <p:notesMasterIdLst>
-    <p:notesMasterId r:id="rId22"/>
+    <p:notesMasterId r:id="rId31"/>
   </p:notesMasterIdLst>
   <p:sldIdLst>
     <p:sldId id="256" r:id="rId2"/>
@@ -24,10 +24,19 @@
     <p:sldId id="273" r:id="rId15"/>
     <p:sldId id="274" r:id="rId16"/>
     <p:sldId id="275" r:id="rId17"/>
-    <p:sldId id="270" r:id="rId18"/>
-    <p:sldId id="260" r:id="rId19"/>
-    <p:sldId id="271" r:id="rId20"/>
-    <p:sldId id="261" r:id="rId21"/>
+    <p:sldId id="276" r:id="rId18"/>
+    <p:sldId id="277" r:id="rId19"/>
+    <p:sldId id="278" r:id="rId20"/>
+    <p:sldId id="280" r:id="rId21"/>
+    <p:sldId id="279" r:id="rId22"/>
+    <p:sldId id="281" r:id="rId23"/>
+    <p:sldId id="282" r:id="rId24"/>
+    <p:sldId id="283" r:id="rId25"/>
+    <p:sldId id="284" r:id="rId26"/>
+    <p:sldId id="270" r:id="rId27"/>
+    <p:sldId id="260" r:id="rId28"/>
+    <p:sldId id="271" r:id="rId29"/>
+    <p:sldId id="261" r:id="rId30"/>
   </p:sldIdLst>
   <p:sldSz cx="12192000" cy="6858000"/>
   <p:notesSz cx="6858000" cy="9144000"/>
@@ -216,7 +225,7 @@
           <a:p>
             <a:fld id="{5377FA5C-DFF1-4473-9BD3-3D161C07B6AF}" type="datetimeFigureOut">
               <a:rPr lang="zh-CN" altLang="en-US" smtClean="0"/>
-              <a:t>2017-08-22</a:t>
+              <a:t>2017-08-24</a:t>
             </a:fld>
             <a:endParaRPr lang="zh-CN" altLang="en-US"/>
           </a:p>
@@ -789,7 +798,7 @@
           <a:p>
             <a:fld id="{AA590AAA-E2D3-492C-81F3-DC050E22F9CA}" type="datetimeFigureOut">
               <a:rPr lang="zh-CN" altLang="en-US" smtClean="0"/>
-              <a:t>2017-08-22</a:t>
+              <a:t>2017-08-24</a:t>
             </a:fld>
             <a:endParaRPr lang="zh-CN" altLang="en-US"/>
           </a:p>
@@ -959,7 +968,7 @@
           <a:p>
             <a:fld id="{AA590AAA-E2D3-492C-81F3-DC050E22F9CA}" type="datetimeFigureOut">
               <a:rPr lang="zh-CN" altLang="en-US" smtClean="0"/>
-              <a:t>2017-08-22</a:t>
+              <a:t>2017-08-24</a:t>
             </a:fld>
             <a:endParaRPr lang="zh-CN" altLang="en-US"/>
           </a:p>
@@ -1139,7 +1148,7 @@
           <a:p>
             <a:fld id="{AA590AAA-E2D3-492C-81F3-DC050E22F9CA}" type="datetimeFigureOut">
               <a:rPr lang="zh-CN" altLang="en-US" smtClean="0"/>
-              <a:t>2017-08-22</a:t>
+              <a:t>2017-08-24</a:t>
             </a:fld>
             <a:endParaRPr lang="zh-CN" altLang="en-US"/>
           </a:p>
@@ -1309,7 +1318,7 @@
           <a:p>
             <a:fld id="{AA590AAA-E2D3-492C-81F3-DC050E22F9CA}" type="datetimeFigureOut">
               <a:rPr lang="zh-CN" altLang="en-US" smtClean="0"/>
-              <a:t>2017-08-22</a:t>
+              <a:t>2017-08-24</a:t>
             </a:fld>
             <a:endParaRPr lang="zh-CN" altLang="en-US"/>
           </a:p>
@@ -1555,7 +1564,7 @@
           <a:p>
             <a:fld id="{AA590AAA-E2D3-492C-81F3-DC050E22F9CA}" type="datetimeFigureOut">
               <a:rPr lang="zh-CN" altLang="en-US" smtClean="0"/>
-              <a:t>2017-08-22</a:t>
+              <a:t>2017-08-24</a:t>
             </a:fld>
             <a:endParaRPr lang="zh-CN" altLang="en-US"/>
           </a:p>
@@ -1787,7 +1796,7 @@
           <a:p>
             <a:fld id="{AA590AAA-E2D3-492C-81F3-DC050E22F9CA}" type="datetimeFigureOut">
               <a:rPr lang="zh-CN" altLang="en-US" smtClean="0"/>
-              <a:t>2017-08-22</a:t>
+              <a:t>2017-08-24</a:t>
             </a:fld>
             <a:endParaRPr lang="zh-CN" altLang="en-US"/>
           </a:p>
@@ -2154,7 +2163,7 @@
           <a:p>
             <a:fld id="{AA590AAA-E2D3-492C-81F3-DC050E22F9CA}" type="datetimeFigureOut">
               <a:rPr lang="zh-CN" altLang="en-US" smtClean="0"/>
-              <a:t>2017-08-22</a:t>
+              <a:t>2017-08-24</a:t>
             </a:fld>
             <a:endParaRPr lang="zh-CN" altLang="en-US"/>
           </a:p>
@@ -2272,7 +2281,7 @@
           <a:p>
             <a:fld id="{AA590AAA-E2D3-492C-81F3-DC050E22F9CA}" type="datetimeFigureOut">
               <a:rPr lang="zh-CN" altLang="en-US" smtClean="0"/>
-              <a:t>2017-08-22</a:t>
+              <a:t>2017-08-24</a:t>
             </a:fld>
             <a:endParaRPr lang="zh-CN" altLang="en-US"/>
           </a:p>
@@ -2367,7 +2376,7 @@
           <a:p>
             <a:fld id="{AA590AAA-E2D3-492C-81F3-DC050E22F9CA}" type="datetimeFigureOut">
               <a:rPr lang="zh-CN" altLang="en-US" smtClean="0"/>
-              <a:t>2017-08-22</a:t>
+              <a:t>2017-08-24</a:t>
             </a:fld>
             <a:endParaRPr lang="zh-CN" altLang="en-US"/>
           </a:p>
@@ -2644,7 +2653,7 @@
           <a:p>
             <a:fld id="{AA590AAA-E2D3-492C-81F3-DC050E22F9CA}" type="datetimeFigureOut">
               <a:rPr lang="zh-CN" altLang="en-US" smtClean="0"/>
-              <a:t>2017-08-22</a:t>
+              <a:t>2017-08-24</a:t>
             </a:fld>
             <a:endParaRPr lang="zh-CN" altLang="en-US"/>
           </a:p>
@@ -2897,7 +2906,7 @@
           <a:p>
             <a:fld id="{AA590AAA-E2D3-492C-81F3-DC050E22F9CA}" type="datetimeFigureOut">
               <a:rPr lang="zh-CN" altLang="en-US" smtClean="0"/>
-              <a:t>2017-08-22</a:t>
+              <a:t>2017-08-24</a:t>
             </a:fld>
             <a:endParaRPr lang="zh-CN" altLang="en-US"/>
           </a:p>
@@ -3110,7 +3119,7 @@
           <a:p>
             <a:fld id="{AA590AAA-E2D3-492C-81F3-DC050E22F9CA}" type="datetimeFigureOut">
               <a:rPr lang="zh-CN" altLang="en-US" smtClean="0"/>
-              <a:t>2017-08-22</a:t>
+              <a:t>2017-08-24</a:t>
             </a:fld>
             <a:endParaRPr lang="zh-CN" altLang="en-US"/>
           </a:p>
@@ -4202,7 +4211,6 @@
               <a:rPr lang="en-US" altLang="zh-CN" dirty="0" smtClean="0"/>
               <a:t>foundation</a:t>
             </a:r>
-            <a:endParaRPr lang="en-US" altLang="zh-CN" dirty="0" smtClean="0"/>
           </a:p>
           <a:p>
             <a:r>
@@ -4344,7 +4352,6 @@
               <a:rPr lang="en-US" altLang="zh-CN" dirty="0" smtClean="0"/>
               <a:t>::tuple</a:t>
             </a:r>
-            <a:endParaRPr lang="en-US" altLang="zh-CN" dirty="0" smtClean="0"/>
           </a:p>
           <a:p>
             <a:pPr lvl="1"/>
@@ -4414,7 +4421,6 @@
               <a:rPr lang="en-US" altLang="zh-CN" sz="2800" dirty="0"/>
               <a:t>macros</a:t>
             </a:r>
-            <a:endParaRPr lang="en-US" altLang="zh-CN" sz="2800" dirty="0"/>
           </a:p>
           <a:p>
             <a:pPr lvl="1"/>
@@ -4916,7 +4922,7 @@
         </p:nvSpPr>
         <p:spPr>
           <a:xfrm>
-            <a:off x="838200" y="3929279"/>
+            <a:off x="838199" y="3708927"/>
             <a:ext cx="6096000" cy="923330"/>
           </a:xfrm>
           <a:prstGeom prst="rect">
@@ -5160,7 +5166,7 @@
         </p:nvSpPr>
         <p:spPr>
           <a:xfrm>
-            <a:off x="838201" y="5253632"/>
+            <a:off x="838199" y="5026959"/>
             <a:ext cx="2026920" cy="369332"/>
           </a:xfrm>
           <a:prstGeom prst="rect">
@@ -5218,65 +5224,13 @@
       </p:sp>
       <p:sp>
         <p:nvSpPr>
-          <p:cNvPr id="9" name="矩形 8"/>
-          <p:cNvSpPr/>
-          <p:nvPr/>
-        </p:nvSpPr>
-        <p:spPr>
-          <a:xfrm>
-            <a:off x="2705255" y="5253632"/>
-            <a:ext cx="4701928" cy="369332"/>
-          </a:xfrm>
-          <a:prstGeom prst="rect">
-            <a:avLst/>
-          </a:prstGeom>
-        </p:spPr>
-        <p:txBody>
-          <a:bodyPr wrap="none">
-            <a:spAutoFit/>
-          </a:bodyPr>
-          <a:lstStyle/>
-          <a:p>
-            <a:r>
-              <a:rPr lang="en-US" altLang="zh-CN" dirty="0">
-                <a:solidFill>
-                  <a:srgbClr val="000000"/>
-                </a:solidFill>
-                <a:highlight>
-                  <a:srgbClr val="FFFFFF"/>
-                </a:highlight>
-                <a:latin typeface="新宋体" panose="02010609030101010101" pitchFamily="49" charset="-122"/>
-                <a:ea typeface="新宋体" panose="02010609030101010101" pitchFamily="49" charset="-122"/>
-                <a:sym typeface="Wingdings" panose="05000000000000000000" pitchFamily="2" charset="2"/>
-              </a:rPr>
-              <a:t></a:t>
-            </a:r>
-            <a:r>
-              <a:rPr lang="en-US" altLang="zh-CN" dirty="0">
-                <a:solidFill>
-                  <a:srgbClr val="6F008A"/>
-                </a:solidFill>
-                <a:highlight>
-                  <a:srgbClr val="FFFFFF"/>
-                </a:highlight>
-                <a:latin typeface="新宋体" panose="02010609030101010101" pitchFamily="49" charset="-122"/>
-                <a:ea typeface="新宋体" panose="02010609030101010101" pitchFamily="49" charset="-122"/>
-              </a:rPr>
-              <a:t>GET_ARG_COUNT_INNER(a, 4, 3, 2, 1, 0)</a:t>
-            </a:r>
-            <a:endParaRPr lang="zh-CN" altLang="en-US" dirty="0"/>
-          </a:p>
-        </p:txBody>
-      </p:sp>
-      <p:sp>
-        <p:nvSpPr>
           <p:cNvPr id="10" name="矩形 9"/>
           <p:cNvSpPr/>
           <p:nvPr/>
         </p:nvSpPr>
         <p:spPr>
           <a:xfrm>
-            <a:off x="7180760" y="5253632"/>
+            <a:off x="2678426" y="5026959"/>
             <a:ext cx="3086101" cy="369332"/>
           </a:xfrm>
           <a:prstGeom prst="rect">
@@ -5334,8 +5288,8 @@
         </p:nvSpPr>
         <p:spPr>
           <a:xfrm>
-            <a:off x="10054893" y="5253632"/>
-            <a:ext cx="546945" cy="369332"/>
+            <a:off x="5951220" y="5396291"/>
+            <a:ext cx="748923" cy="369332"/>
           </a:xfrm>
           <a:prstGeom prst="rect">
             <a:avLst/>
@@ -5348,10 +5302,10 @@
           <a:lstStyle/>
           <a:p>
             <a:r>
-              <a:rPr lang="en-US" altLang="zh-CN" dirty="0">
+              <a:rPr lang="en-US" altLang="zh-CN" dirty="0" smtClean="0">
                 <a:sym typeface="Wingdings" panose="05000000000000000000" pitchFamily="2" charset="2"/>
               </a:rPr>
-              <a:t></a:t>
+              <a:t>N </a:t>
             </a:r>
             <a:r>
               <a:rPr lang="en-US" altLang="zh-CN" dirty="0">
@@ -5368,6 +5322,402 @@
               <a:t>1</a:t>
             </a:r>
             <a:endParaRPr lang="zh-CN" altLang="en-US" dirty="0"/>
+          </a:p>
+        </p:txBody>
+      </p:sp>
+      <p:sp>
+        <p:nvSpPr>
+          <p:cNvPr id="12" name="矩形 11"/>
+          <p:cNvSpPr/>
+          <p:nvPr/>
+        </p:nvSpPr>
+        <p:spPr>
+          <a:xfrm>
+            <a:off x="2865119" y="5396291"/>
+            <a:ext cx="3185487" cy="369332"/>
+          </a:xfrm>
+          <a:prstGeom prst="rect">
+            <a:avLst/>
+          </a:prstGeom>
+        </p:spPr>
+        <p:txBody>
+          <a:bodyPr wrap="none">
+            <a:spAutoFit/>
+          </a:bodyPr>
+          <a:lstStyle/>
+          <a:p>
+            <a:r>
+              <a:rPr lang="en-US" altLang="zh-CN" dirty="0" smtClean="0">
+                <a:solidFill>
+                  <a:srgbClr val="6F008A"/>
+                </a:solidFill>
+                <a:highlight>
+                  <a:srgbClr val="FFFFFF"/>
+                </a:highlight>
+                <a:latin typeface="新宋体" panose="02010609030101010101" pitchFamily="49" charset="-122"/>
+                <a:ea typeface="新宋体" panose="02010609030101010101" pitchFamily="49" charset="-122"/>
+                <a:sym typeface="Wingdings" panose="05000000000000000000" pitchFamily="2" charset="2"/>
+              </a:rPr>
+              <a:t>ARG_N(</a:t>
+            </a:r>
+            <a:r>
+              <a:rPr lang="en-US" altLang="zh-CN" dirty="0" smtClean="0">
+                <a:solidFill>
+                  <a:srgbClr val="6F008A"/>
+                </a:solidFill>
+                <a:highlight>
+                  <a:srgbClr val="FFFFFF"/>
+                </a:highlight>
+                <a:latin typeface="新宋体" panose="02010609030101010101" pitchFamily="49" charset="-122"/>
+                <a:ea typeface="新宋体" panose="02010609030101010101" pitchFamily="49" charset="-122"/>
+              </a:rPr>
+              <a:t>_1,</a:t>
+            </a:r>
+            <a:r>
+              <a:rPr lang="en-US" altLang="zh-CN" dirty="0" smtClean="0">
+                <a:solidFill>
+                  <a:srgbClr val="6F008A"/>
+                </a:solidFill>
+                <a:highlight>
+                  <a:srgbClr val="FFFFFF"/>
+                </a:highlight>
+                <a:latin typeface="新宋体" panose="02010609030101010101" pitchFamily="49" charset="-122"/>
+                <a:ea typeface="新宋体" panose="02010609030101010101" pitchFamily="49" charset="-122"/>
+              </a:rPr>
+              <a:t>_2</a:t>
+            </a:r>
+            <a:r>
+              <a:rPr lang="en-US" altLang="zh-CN" dirty="0" smtClean="0">
+                <a:solidFill>
+                  <a:srgbClr val="6F008A"/>
+                </a:solidFill>
+                <a:highlight>
+                  <a:srgbClr val="FFFFFF"/>
+                </a:highlight>
+                <a:latin typeface="新宋体" panose="02010609030101010101" pitchFamily="49" charset="-122"/>
+                <a:ea typeface="新宋体" panose="02010609030101010101" pitchFamily="49" charset="-122"/>
+              </a:rPr>
+              <a:t>,_3,_4, N, ...)</a:t>
+            </a:r>
+            <a:endParaRPr lang="zh-CN" altLang="en-US" dirty="0"/>
+          </a:p>
+        </p:txBody>
+      </p:sp>
+      <p:sp>
+        <p:nvSpPr>
+          <p:cNvPr id="5" name="矩形 4"/>
+          <p:cNvSpPr/>
+          <p:nvPr/>
+        </p:nvSpPr>
+        <p:spPr>
+          <a:xfrm>
+            <a:off x="7139543" y="5026959"/>
+            <a:ext cx="3300904" cy="369332"/>
+          </a:xfrm>
+          <a:prstGeom prst="rect">
+            <a:avLst/>
+          </a:prstGeom>
+        </p:spPr>
+        <p:txBody>
+          <a:bodyPr wrap="none">
+            <a:spAutoFit/>
+          </a:bodyPr>
+          <a:lstStyle/>
+          <a:p>
+            <a:r>
+              <a:rPr lang="en-US" altLang="zh-CN" dirty="0">
+                <a:solidFill>
+                  <a:srgbClr val="6F008A"/>
+                </a:solidFill>
+                <a:highlight>
+                  <a:srgbClr val="FFFFFF"/>
+                </a:highlight>
+                <a:latin typeface="新宋体" panose="02010609030101010101" pitchFamily="49" charset="-122"/>
+                <a:ea typeface="新宋体" panose="02010609030101010101" pitchFamily="49" charset="-122"/>
+                <a:sym typeface="Wingdings" panose="05000000000000000000" pitchFamily="2" charset="2"/>
+              </a:rPr>
+              <a:t>ARG_N(</a:t>
+            </a:r>
+            <a:r>
+              <a:rPr lang="en-US" altLang="zh-CN" dirty="0">
+                <a:solidFill>
+                  <a:srgbClr val="6F008A"/>
+                </a:solidFill>
+                <a:highlight>
+                  <a:srgbClr val="FFFFFF"/>
+                </a:highlight>
+                <a:latin typeface="新宋体" panose="02010609030101010101" pitchFamily="49" charset="-122"/>
+                <a:ea typeface="新宋体" panose="02010609030101010101" pitchFamily="49" charset="-122"/>
+              </a:rPr>
+              <a:t>a</a:t>
+            </a:r>
+            <a:r>
+              <a:rPr lang="en-US" altLang="zh-CN" dirty="0" smtClean="0">
+                <a:solidFill>
+                  <a:srgbClr val="6F008A"/>
+                </a:solidFill>
+                <a:highlight>
+                  <a:srgbClr val="FFFFFF"/>
+                </a:highlight>
+                <a:latin typeface="新宋体" panose="02010609030101010101" pitchFamily="49" charset="-122"/>
+                <a:ea typeface="新宋体" panose="02010609030101010101" pitchFamily="49" charset="-122"/>
+              </a:rPr>
+              <a:t>, b, </a:t>
+            </a:r>
+            <a:r>
+              <a:rPr lang="en-US" altLang="zh-CN" dirty="0">
+                <a:solidFill>
+                  <a:srgbClr val="6F008A"/>
+                </a:solidFill>
+                <a:highlight>
+                  <a:srgbClr val="FFFFFF"/>
+                </a:highlight>
+                <a:latin typeface="新宋体" panose="02010609030101010101" pitchFamily="49" charset="-122"/>
+                <a:ea typeface="新宋体" panose="02010609030101010101" pitchFamily="49" charset="-122"/>
+              </a:rPr>
+              <a:t>4, 3, </a:t>
+            </a:r>
+            <a:r>
+              <a:rPr lang="en-US" altLang="zh-CN" dirty="0" smtClean="0">
+                <a:solidFill>
+                  <a:srgbClr val="6F008A"/>
+                </a:solidFill>
+                <a:highlight>
+                  <a:srgbClr val="FFFFFF"/>
+                </a:highlight>
+                <a:latin typeface="新宋体" panose="02010609030101010101" pitchFamily="49" charset="-122"/>
+                <a:ea typeface="新宋体" panose="02010609030101010101" pitchFamily="49" charset="-122"/>
+              </a:rPr>
+              <a:t> 2</a:t>
+            </a:r>
+            <a:r>
+              <a:rPr lang="en-US" altLang="zh-CN" dirty="0">
+                <a:solidFill>
+                  <a:srgbClr val="6F008A"/>
+                </a:solidFill>
+                <a:highlight>
+                  <a:srgbClr val="FFFFFF"/>
+                </a:highlight>
+                <a:latin typeface="新宋体" panose="02010609030101010101" pitchFamily="49" charset="-122"/>
+                <a:ea typeface="新宋体" panose="02010609030101010101" pitchFamily="49" charset="-122"/>
+              </a:rPr>
+              <a:t>, 1, 0)</a:t>
+            </a:r>
+            <a:endParaRPr lang="zh-CN" altLang="en-US" dirty="0"/>
+          </a:p>
+        </p:txBody>
+      </p:sp>
+      <p:sp>
+        <p:nvSpPr>
+          <p:cNvPr id="13" name="矩形 12"/>
+          <p:cNvSpPr/>
+          <p:nvPr/>
+        </p:nvSpPr>
+        <p:spPr>
+          <a:xfrm>
+            <a:off x="7139543" y="5396291"/>
+            <a:ext cx="3185487" cy="369332"/>
+          </a:xfrm>
+          <a:prstGeom prst="rect">
+            <a:avLst/>
+          </a:prstGeom>
+        </p:spPr>
+        <p:txBody>
+          <a:bodyPr wrap="none">
+            <a:spAutoFit/>
+          </a:bodyPr>
+          <a:lstStyle/>
+          <a:p>
+            <a:r>
+              <a:rPr lang="en-US" altLang="zh-CN" dirty="0" smtClean="0">
+                <a:solidFill>
+                  <a:srgbClr val="6F008A"/>
+                </a:solidFill>
+                <a:highlight>
+                  <a:srgbClr val="FFFFFF"/>
+                </a:highlight>
+                <a:latin typeface="新宋体" panose="02010609030101010101" pitchFamily="49" charset="-122"/>
+                <a:ea typeface="新宋体" panose="02010609030101010101" pitchFamily="49" charset="-122"/>
+                <a:sym typeface="Wingdings" panose="05000000000000000000" pitchFamily="2" charset="2"/>
+              </a:rPr>
+              <a:t>ARG_N(</a:t>
+            </a:r>
+            <a:r>
+              <a:rPr lang="en-US" altLang="zh-CN" dirty="0" smtClean="0">
+                <a:solidFill>
+                  <a:srgbClr val="6F008A"/>
+                </a:solidFill>
+                <a:highlight>
+                  <a:srgbClr val="FFFFFF"/>
+                </a:highlight>
+                <a:latin typeface="新宋体" panose="02010609030101010101" pitchFamily="49" charset="-122"/>
+                <a:ea typeface="新宋体" panose="02010609030101010101" pitchFamily="49" charset="-122"/>
+              </a:rPr>
+              <a:t>_1,</a:t>
+            </a:r>
+            <a:r>
+              <a:rPr lang="en-US" altLang="zh-CN" dirty="0" smtClean="0">
+                <a:solidFill>
+                  <a:srgbClr val="6F008A"/>
+                </a:solidFill>
+                <a:highlight>
+                  <a:srgbClr val="FFFFFF"/>
+                </a:highlight>
+                <a:latin typeface="新宋体" panose="02010609030101010101" pitchFamily="49" charset="-122"/>
+                <a:ea typeface="新宋体" panose="02010609030101010101" pitchFamily="49" charset="-122"/>
+              </a:rPr>
+              <a:t>_2</a:t>
+            </a:r>
+            <a:r>
+              <a:rPr lang="en-US" altLang="zh-CN" dirty="0" smtClean="0">
+                <a:solidFill>
+                  <a:srgbClr val="6F008A"/>
+                </a:solidFill>
+                <a:highlight>
+                  <a:srgbClr val="FFFFFF"/>
+                </a:highlight>
+                <a:latin typeface="新宋体" panose="02010609030101010101" pitchFamily="49" charset="-122"/>
+                <a:ea typeface="新宋体" panose="02010609030101010101" pitchFamily="49" charset="-122"/>
+              </a:rPr>
+              <a:t>,_3,_4, N, ...)</a:t>
+            </a:r>
+            <a:endParaRPr lang="zh-CN" altLang="en-US" dirty="0"/>
+          </a:p>
+        </p:txBody>
+      </p:sp>
+      <p:sp>
+        <p:nvSpPr>
+          <p:cNvPr id="14" name="矩形 13"/>
+          <p:cNvSpPr/>
+          <p:nvPr/>
+        </p:nvSpPr>
+        <p:spPr>
+          <a:xfrm>
+            <a:off x="10230414" y="5396291"/>
+            <a:ext cx="748923" cy="369332"/>
+          </a:xfrm>
+          <a:prstGeom prst="rect">
+            <a:avLst/>
+          </a:prstGeom>
+        </p:spPr>
+        <p:txBody>
+          <a:bodyPr wrap="none">
+            <a:spAutoFit/>
+          </a:bodyPr>
+          <a:lstStyle/>
+          <a:p>
+            <a:r>
+              <a:rPr lang="en-US" altLang="zh-CN" dirty="0" smtClean="0">
+                <a:sym typeface="Wingdings" panose="05000000000000000000" pitchFamily="2" charset="2"/>
+              </a:rPr>
+              <a:t>N </a:t>
+            </a:r>
+            <a:r>
+              <a:rPr lang="en-US" altLang="zh-CN" dirty="0" smtClean="0">
+                <a:solidFill>
+                  <a:srgbClr val="6F008A"/>
+                </a:solidFill>
+                <a:highlight>
+                  <a:srgbClr val="FFFFFF"/>
+                </a:highlight>
+                <a:latin typeface="新宋体" panose="02010609030101010101" pitchFamily="49" charset="-122"/>
+                <a:ea typeface="新宋体" panose="02010609030101010101" pitchFamily="49" charset="-122"/>
+              </a:rPr>
+              <a:t>2</a:t>
+            </a:r>
+            <a:endParaRPr lang="zh-CN" altLang="en-US" dirty="0"/>
+          </a:p>
+        </p:txBody>
+      </p:sp>
+      <p:sp>
+        <p:nvSpPr>
+          <p:cNvPr id="6" name="矩形 5"/>
+          <p:cNvSpPr/>
+          <p:nvPr/>
+        </p:nvSpPr>
+        <p:spPr>
+          <a:xfrm>
+            <a:off x="5031301" y="5043596"/>
+            <a:ext cx="287383" cy="738664"/>
+          </a:xfrm>
+          <a:prstGeom prst="rect">
+            <a:avLst/>
+          </a:prstGeom>
+          <a:noFill/>
+          <a:ln>
+            <a:solidFill>
+              <a:srgbClr val="FF0000"/>
+            </a:solidFill>
+          </a:ln>
+        </p:spPr>
+        <p:style>
+          <a:lnRef idx="2">
+            <a:schemeClr val="accent1">
+              <a:shade val="50000"/>
+            </a:schemeClr>
+          </a:lnRef>
+          <a:fillRef idx="1">
+            <a:schemeClr val="accent1"/>
+          </a:fillRef>
+          <a:effectRef idx="0">
+            <a:schemeClr val="accent1"/>
+          </a:effectRef>
+          <a:fontRef idx="minor">
+            <a:schemeClr val="lt1"/>
+          </a:fontRef>
+        </p:style>
+        <p:txBody>
+          <a:bodyPr rtlCol="0" anchor="ctr"/>
+          <a:lstStyle/>
+          <a:p>
+            <a:pPr algn="ctr"/>
+            <a:endParaRPr lang="zh-CN" altLang="en-US"/>
+          </a:p>
+        </p:txBody>
+      </p:sp>
+      <p:sp>
+        <p:nvSpPr>
+          <p:cNvPr id="15" name="矩形 14"/>
+          <p:cNvSpPr/>
+          <p:nvPr/>
+        </p:nvSpPr>
+        <p:spPr>
+          <a:xfrm>
+            <a:off x="9314851" y="5042806"/>
+            <a:ext cx="287383" cy="738664"/>
+          </a:xfrm>
+          <a:prstGeom prst="rect">
+            <a:avLst/>
+          </a:prstGeom>
+          <a:noFill/>
+          <a:ln>
+            <a:solidFill>
+              <a:srgbClr val="FF0000"/>
+            </a:solidFill>
+          </a:ln>
+        </p:spPr>
+        <p:style>
+          <a:lnRef idx="2">
+            <a:schemeClr val="accent1">
+              <a:shade val="50000"/>
+            </a:schemeClr>
+          </a:lnRef>
+          <a:fillRef idx="1">
+            <a:schemeClr val="accent1"/>
+          </a:fillRef>
+          <a:effectRef idx="0">
+            <a:schemeClr val="accent1"/>
+          </a:effectRef>
+          <a:fontRef idx="minor">
+            <a:schemeClr val="lt1"/>
+          </a:fontRef>
+        </p:style>
+        <p:txBody>
+          <a:bodyPr rtlCol="0" anchor="ctr"/>
+          <a:lstStyle/>
+          <a:p>
+            <a:pPr algn="ctr"/>
+            <a:endParaRPr lang="zh-CN" altLang="en-US"/>
           </a:p>
         </p:txBody>
       </p:sp>
@@ -5597,7 +5947,7 @@
                                           </p:stCondLst>
                                         </p:cTn>
                                         <p:tgtEl>
-                                          <p:spTgt spid="9"/>
+                                          <p:spTgt spid="10"/>
                                         </p:tgtEl>
                                         <p:attrNameLst>
                                           <p:attrName>style.visibility</p:attrName>
@@ -5611,7 +5961,7 @@
                                       <p:cBhvr>
                                         <p:cTn id="19" dur="500"/>
                                         <p:tgtEl>
-                                          <p:spTgt spid="9"/>
+                                          <p:spTgt spid="10"/>
                                         </p:tgtEl>
                                       </p:cBhvr>
                                     </p:animEffect>
@@ -5650,7 +6000,7 @@
                                           </p:stCondLst>
                                         </p:cTn>
                                         <p:tgtEl>
-                                          <p:spTgt spid="10"/>
+                                          <p:spTgt spid="12"/>
                                         </p:tgtEl>
                                         <p:attrNameLst>
                                           <p:attrName>style.visibility</p:attrName>
@@ -5664,7 +6014,7 @@
                                       <p:cBhvr>
                                         <p:cTn id="24" dur="500"/>
                                         <p:tgtEl>
-                                          <p:spTgt spid="10"/>
+                                          <p:spTgt spid="12"/>
                                         </p:tgtEl>
                                       </p:cBhvr>
                                     </p:animEffect>
@@ -5690,7 +6040,7 @@
                             </p:stCondLst>
                             <p:childTnLst>
                               <p:par>
-                                <p:cTn id="27" presetID="22" presetClass="entr" presetSubtype="8" fill="hold" grpId="0" nodeType="clickEffect">
+                                <p:cTn id="27" presetID="2" presetClass="entr" presetSubtype="4" fill="hold" grpId="0" nodeType="clickEffect">
                                   <p:stCondLst>
                                     <p:cond delay="0"/>
                                   </p:stCondLst>
@@ -5698,6 +6048,97 @@
                                     <p:set>
                                       <p:cBhvr>
                                         <p:cTn id="28" dur="1" fill="hold">
+                                          <p:stCondLst>
+                                            <p:cond delay="0"/>
+                                          </p:stCondLst>
+                                        </p:cTn>
+                                        <p:tgtEl>
+                                          <p:spTgt spid="6"/>
+                                        </p:tgtEl>
+                                        <p:attrNameLst>
+                                          <p:attrName>style.visibility</p:attrName>
+                                        </p:attrNameLst>
+                                      </p:cBhvr>
+                                      <p:to>
+                                        <p:strVal val="visible"/>
+                                      </p:to>
+                                    </p:set>
+                                    <p:anim calcmode="lin" valueType="num">
+                                      <p:cBhvr additive="base">
+                                        <p:cTn id="29" dur="500" fill="hold"/>
+                                        <p:tgtEl>
+                                          <p:spTgt spid="6"/>
+                                        </p:tgtEl>
+                                        <p:attrNameLst>
+                                          <p:attrName>ppt_x</p:attrName>
+                                        </p:attrNameLst>
+                                      </p:cBhvr>
+                                      <p:tavLst>
+                                        <p:tav tm="0">
+                                          <p:val>
+                                            <p:strVal val="#ppt_x"/>
+                                          </p:val>
+                                        </p:tav>
+                                        <p:tav tm="100000">
+                                          <p:val>
+                                            <p:strVal val="#ppt_x"/>
+                                          </p:val>
+                                        </p:tav>
+                                      </p:tavLst>
+                                    </p:anim>
+                                    <p:anim calcmode="lin" valueType="num">
+                                      <p:cBhvr additive="base">
+                                        <p:cTn id="30" dur="500" fill="hold"/>
+                                        <p:tgtEl>
+                                          <p:spTgt spid="6"/>
+                                        </p:tgtEl>
+                                        <p:attrNameLst>
+                                          <p:attrName>ppt_y</p:attrName>
+                                        </p:attrNameLst>
+                                      </p:cBhvr>
+                                      <p:tavLst>
+                                        <p:tav tm="0">
+                                          <p:val>
+                                            <p:strVal val="1+#ppt_h/2"/>
+                                          </p:val>
+                                        </p:tav>
+                                        <p:tav tm="100000">
+                                          <p:val>
+                                            <p:strVal val="#ppt_y"/>
+                                          </p:val>
+                                        </p:tav>
+                                      </p:tavLst>
+                                    </p:anim>
+                                  </p:childTnLst>
+                                </p:cTn>
+                              </p:par>
+                            </p:childTnLst>
+                          </p:cTn>
+                        </p:par>
+                      </p:childTnLst>
+                    </p:cTn>
+                  </p:par>
+                  <p:par>
+                    <p:cTn id="31" fill="hold">
+                      <p:stCondLst>
+                        <p:cond delay="indefinite"/>
+                      </p:stCondLst>
+                      <p:childTnLst>
+                        <p:par>
+                          <p:cTn id="32" fill="hold">
+                            <p:stCondLst>
+                              <p:cond delay="0"/>
+                            </p:stCondLst>
+                            <p:childTnLst>
+                              <p:par>
+                                <p:cTn id="33" presetID="22" presetClass="entr" presetSubtype="8" fill="hold" grpId="0" nodeType="clickEffect">
+                                  <p:stCondLst>
+                                    <p:cond delay="0"/>
+                                  </p:stCondLst>
+                                  <p:childTnLst>
+                                    <p:set>
+                                      <p:cBhvr>
+                                        <p:cTn id="34" dur="1" fill="hold">
                                           <p:stCondLst>
                                             <p:cond delay="0"/>
                                           </p:stCondLst>
@@ -5715,12 +6156,358 @@
                                     </p:set>
                                     <p:animEffect transition="in" filter="wipe(left)">
                                       <p:cBhvr>
-                                        <p:cTn id="29" dur="500"/>
+                                        <p:cTn id="35" dur="500"/>
                                         <p:tgtEl>
                                           <p:spTgt spid="11"/>
                                         </p:tgtEl>
                                       </p:cBhvr>
                                     </p:animEffect>
+                                  </p:childTnLst>
+                                </p:cTn>
+                              </p:par>
+                            </p:childTnLst>
+                          </p:cTn>
+                        </p:par>
+                      </p:childTnLst>
+                    </p:cTn>
+                  </p:par>
+                  <p:par>
+                    <p:cTn id="36" fill="hold">
+                      <p:stCondLst>
+                        <p:cond delay="indefinite"/>
+                      </p:stCondLst>
+                      <p:childTnLst>
+                        <p:par>
+                          <p:cTn id="37" fill="hold">
+                            <p:stCondLst>
+                              <p:cond delay="0"/>
+                            </p:stCondLst>
+                            <p:childTnLst>
+                              <p:par>
+                                <p:cTn id="38" presetID="2" presetClass="entr" presetSubtype="4" fill="hold" grpId="0" nodeType="clickEffect">
+                                  <p:stCondLst>
+                                    <p:cond delay="0"/>
+                                  </p:stCondLst>
+                                  <p:childTnLst>
+                                    <p:set>
+                                      <p:cBhvr>
+                                        <p:cTn id="39" dur="1" fill="hold">
+                                          <p:stCondLst>
+                                            <p:cond delay="0"/>
+                                          </p:stCondLst>
+                                        </p:cTn>
+                                        <p:tgtEl>
+                                          <p:spTgt spid="5"/>
+                                        </p:tgtEl>
+                                        <p:attrNameLst>
+                                          <p:attrName>style.visibility</p:attrName>
+                                        </p:attrNameLst>
+                                      </p:cBhvr>
+                                      <p:to>
+                                        <p:strVal val="visible"/>
+                                      </p:to>
+                                    </p:set>
+                                    <p:anim calcmode="lin" valueType="num">
+                                      <p:cBhvr additive="base">
+                                        <p:cTn id="40" dur="500" fill="hold"/>
+                                        <p:tgtEl>
+                                          <p:spTgt spid="5"/>
+                                        </p:tgtEl>
+                                        <p:attrNameLst>
+                                          <p:attrName>ppt_x</p:attrName>
+                                        </p:attrNameLst>
+                                      </p:cBhvr>
+                                      <p:tavLst>
+                                        <p:tav tm="0">
+                                          <p:val>
+                                            <p:strVal val="#ppt_x"/>
+                                          </p:val>
+                                        </p:tav>
+                                        <p:tav tm="100000">
+                                          <p:val>
+                                            <p:strVal val="#ppt_x"/>
+                                          </p:val>
+                                        </p:tav>
+                                      </p:tavLst>
+                                    </p:anim>
+                                    <p:anim calcmode="lin" valueType="num">
+                                      <p:cBhvr additive="base">
+                                        <p:cTn id="41" dur="500" fill="hold"/>
+                                        <p:tgtEl>
+                                          <p:spTgt spid="5"/>
+                                        </p:tgtEl>
+                                        <p:attrNameLst>
+                                          <p:attrName>ppt_y</p:attrName>
+                                        </p:attrNameLst>
+                                      </p:cBhvr>
+                                      <p:tavLst>
+                                        <p:tav tm="0">
+                                          <p:val>
+                                            <p:strVal val="1+#ppt_h/2"/>
+                                          </p:val>
+                                        </p:tav>
+                                        <p:tav tm="100000">
+                                          <p:val>
+                                            <p:strVal val="#ppt_y"/>
+                                          </p:val>
+                                        </p:tav>
+                                      </p:tavLst>
+                                    </p:anim>
+                                  </p:childTnLst>
+                                </p:cTn>
+                              </p:par>
+                              <p:par>
+                                <p:cTn id="42" presetID="2" presetClass="entr" presetSubtype="4" fill="hold" grpId="0" nodeType="withEffect">
+                                  <p:stCondLst>
+                                    <p:cond delay="0"/>
+                                  </p:stCondLst>
+                                  <p:childTnLst>
+                                    <p:set>
+                                      <p:cBhvr>
+                                        <p:cTn id="43" dur="1" fill="hold">
+                                          <p:stCondLst>
+                                            <p:cond delay="0"/>
+                                          </p:stCondLst>
+                                        </p:cTn>
+                                        <p:tgtEl>
+                                          <p:spTgt spid="13"/>
+                                        </p:tgtEl>
+                                        <p:attrNameLst>
+                                          <p:attrName>style.visibility</p:attrName>
+                                        </p:attrNameLst>
+                                      </p:cBhvr>
+                                      <p:to>
+                                        <p:strVal val="visible"/>
+                                      </p:to>
+                                    </p:set>
+                                    <p:anim calcmode="lin" valueType="num">
+                                      <p:cBhvr additive="base">
+                                        <p:cTn id="44" dur="500" fill="hold"/>
+                                        <p:tgtEl>
+                                          <p:spTgt spid="13"/>
+                                        </p:tgtEl>
+                                        <p:attrNameLst>
+                                          <p:attrName>ppt_x</p:attrName>
+                                        </p:attrNameLst>
+                                      </p:cBhvr>
+                                      <p:tavLst>
+                                        <p:tav tm="0">
+                                          <p:val>
+                                            <p:strVal val="#ppt_x"/>
+                                          </p:val>
+                                        </p:tav>
+                                        <p:tav tm="100000">
+                                          <p:val>
+                                            <p:strVal val="#ppt_x"/>
+                                          </p:val>
+                                        </p:tav>
+                                      </p:tavLst>
+                                    </p:anim>
+                                    <p:anim calcmode="lin" valueType="num">
+                                      <p:cBhvr additive="base">
+                                        <p:cTn id="45" dur="500" fill="hold"/>
+                                        <p:tgtEl>
+                                          <p:spTgt spid="13"/>
+                                        </p:tgtEl>
+                                        <p:attrNameLst>
+                                          <p:attrName>ppt_y</p:attrName>
+                                        </p:attrNameLst>
+                                      </p:cBhvr>
+                                      <p:tavLst>
+                                        <p:tav tm="0">
+                                          <p:val>
+                                            <p:strVal val="1+#ppt_h/2"/>
+                                          </p:val>
+                                        </p:tav>
+                                        <p:tav tm="100000">
+                                          <p:val>
+                                            <p:strVal val="#ppt_y"/>
+                                          </p:val>
+                                        </p:tav>
+                                      </p:tavLst>
+                                    </p:anim>
+                                  </p:childTnLst>
+                                </p:cTn>
+                              </p:par>
+                            </p:childTnLst>
+                          </p:cTn>
+                        </p:par>
+                      </p:childTnLst>
+                    </p:cTn>
+                  </p:par>
+                  <p:par>
+                    <p:cTn id="46" fill="hold">
+                      <p:stCondLst>
+                        <p:cond delay="indefinite"/>
+                      </p:stCondLst>
+                      <p:childTnLst>
+                        <p:par>
+                          <p:cTn id="47" fill="hold">
+                            <p:stCondLst>
+                              <p:cond delay="0"/>
+                            </p:stCondLst>
+                            <p:childTnLst>
+                              <p:par>
+                                <p:cTn id="48" presetID="2" presetClass="entr" presetSubtype="4" fill="hold" grpId="0" nodeType="clickEffect">
+                                  <p:stCondLst>
+                                    <p:cond delay="0"/>
+                                  </p:stCondLst>
+                                  <p:childTnLst>
+                                    <p:set>
+                                      <p:cBhvr>
+                                        <p:cTn id="49" dur="1" fill="hold">
+                                          <p:stCondLst>
+                                            <p:cond delay="0"/>
+                                          </p:stCondLst>
+                                        </p:cTn>
+                                        <p:tgtEl>
+                                          <p:spTgt spid="15"/>
+                                        </p:tgtEl>
+                                        <p:attrNameLst>
+                                          <p:attrName>style.visibility</p:attrName>
+                                        </p:attrNameLst>
+                                      </p:cBhvr>
+                                      <p:to>
+                                        <p:strVal val="visible"/>
+                                      </p:to>
+                                    </p:set>
+                                    <p:anim calcmode="lin" valueType="num">
+                                      <p:cBhvr additive="base">
+                                        <p:cTn id="50" dur="500" fill="hold"/>
+                                        <p:tgtEl>
+                                          <p:spTgt spid="15"/>
+                                        </p:tgtEl>
+                                        <p:attrNameLst>
+                                          <p:attrName>ppt_x</p:attrName>
+                                        </p:attrNameLst>
+                                      </p:cBhvr>
+                                      <p:tavLst>
+                                        <p:tav tm="0">
+                                          <p:val>
+                                            <p:strVal val="#ppt_x"/>
+                                          </p:val>
+                                        </p:tav>
+                                        <p:tav tm="100000">
+                                          <p:val>
+                                            <p:strVal val="#ppt_x"/>
+                                          </p:val>
+                                        </p:tav>
+                                      </p:tavLst>
+                                    </p:anim>
+                                    <p:anim calcmode="lin" valueType="num">
+                                      <p:cBhvr additive="base">
+                                        <p:cTn id="51" dur="500" fill="hold"/>
+                                        <p:tgtEl>
+                                          <p:spTgt spid="15"/>
+                                        </p:tgtEl>
+                                        <p:attrNameLst>
+                                          <p:attrName>ppt_y</p:attrName>
+                                        </p:attrNameLst>
+                                      </p:cBhvr>
+                                      <p:tavLst>
+                                        <p:tav tm="0">
+                                          <p:val>
+                                            <p:strVal val="1+#ppt_h/2"/>
+                                          </p:val>
+                                        </p:tav>
+                                        <p:tav tm="100000">
+                                          <p:val>
+                                            <p:strVal val="#ppt_y"/>
+                                          </p:val>
+                                        </p:tav>
+                                      </p:tavLst>
+                                    </p:anim>
+                                  </p:childTnLst>
+                                </p:cTn>
+                              </p:par>
+                            </p:childTnLst>
+                          </p:cTn>
+                        </p:par>
+                      </p:childTnLst>
+                    </p:cTn>
+                  </p:par>
+                  <p:par>
+                    <p:cTn id="52" fill="hold">
+                      <p:stCondLst>
+                        <p:cond delay="indefinite"/>
+                      </p:stCondLst>
+                      <p:childTnLst>
+                        <p:par>
+                          <p:cTn id="53" fill="hold">
+                            <p:stCondLst>
+                              <p:cond delay="0"/>
+                            </p:stCondLst>
+                            <p:childTnLst>
+                              <p:par>
+                                <p:cTn id="54" presetID="2" presetClass="entr" presetSubtype="4" fill="hold" grpId="0" nodeType="clickEffect">
+                                  <p:stCondLst>
+                                    <p:cond delay="0"/>
+                                  </p:stCondLst>
+                                  <p:childTnLst>
+                                    <p:set>
+                                      <p:cBhvr>
+                                        <p:cTn id="55" dur="1" fill="hold">
+                                          <p:stCondLst>
+                                            <p:cond delay="0"/>
+                                          </p:stCondLst>
+                                        </p:cTn>
+                                        <p:tgtEl>
+                                          <p:spTgt spid="14"/>
+                                        </p:tgtEl>
+                                        <p:attrNameLst>
+                                          <p:attrName>style.visibility</p:attrName>
+                                        </p:attrNameLst>
+                                      </p:cBhvr>
+                                      <p:to>
+                                        <p:strVal val="visible"/>
+                                      </p:to>
+                                    </p:set>
+                                    <p:anim calcmode="lin" valueType="num">
+                                      <p:cBhvr additive="base">
+                                        <p:cTn id="56" dur="500" fill="hold"/>
+                                        <p:tgtEl>
+                                          <p:spTgt spid="14"/>
+                                        </p:tgtEl>
+                                        <p:attrNameLst>
+                                          <p:attrName>ppt_x</p:attrName>
+                                        </p:attrNameLst>
+                                      </p:cBhvr>
+                                      <p:tavLst>
+                                        <p:tav tm="0">
+                                          <p:val>
+                                            <p:strVal val="#ppt_x"/>
+                                          </p:val>
+                                        </p:tav>
+                                        <p:tav tm="100000">
+                                          <p:val>
+                                            <p:strVal val="#ppt_x"/>
+                                          </p:val>
+                                        </p:tav>
+                                      </p:tavLst>
+                                    </p:anim>
+                                    <p:anim calcmode="lin" valueType="num">
+                                      <p:cBhvr additive="base">
+                                        <p:cTn id="57" dur="500" fill="hold"/>
+                                        <p:tgtEl>
+                                          <p:spTgt spid="14"/>
+                                        </p:tgtEl>
+                                        <p:attrNameLst>
+                                          <p:attrName>ppt_y</p:attrName>
+                                        </p:attrNameLst>
+                                      </p:cBhvr>
+                                      <p:tavLst>
+                                        <p:tav tm="0">
+                                          <p:val>
+                                            <p:strVal val="1+#ppt_h/2"/>
+                                          </p:val>
+                                        </p:tav>
+                                        <p:tav tm="100000">
+                                          <p:val>
+                                            <p:strVal val="#ppt_y"/>
+                                          </p:val>
+                                        </p:tav>
+                                      </p:tavLst>
+                                    </p:anim>
                                   </p:childTnLst>
                                 </p:cTn>
                               </p:par>
@@ -5754,9 +6541,14 @@
     <p:bldLst>
       <p:bldP spid="7" grpId="0"/>
       <p:bldP spid="8" grpId="0"/>
-      <p:bldP spid="9" grpId="0"/>
       <p:bldP spid="10" grpId="0"/>
       <p:bldP spid="11" grpId="0"/>
+      <p:bldP spid="12" grpId="0"/>
+      <p:bldP spid="5" grpId="0"/>
+      <p:bldP spid="13" grpId="0"/>
+      <p:bldP spid="14" grpId="0"/>
+      <p:bldP spid="6" grpId="0" animBg="1"/>
+      <p:bldP spid="15" grpId="0" animBg="1"/>
     </p:bldLst>
   </p:timing>
 </p:sld>
@@ -6307,8 +7099,8 @@
           <a:lstStyle/>
           <a:p>
             <a:r>
-              <a:rPr lang="en-US" altLang="zh-CN" dirty="0" smtClean="0"/>
-              <a:t>Outline</a:t>
+              <a:rPr lang="en-US" altLang="zh-CN" dirty="0"/>
+              <a:t>technology foundation(macros)</a:t>
             </a:r>
             <a:endParaRPr lang="zh-CN" altLang="en-US" dirty="0"/>
           </a:p>
@@ -6329,40 +7121,1028 @@
           <a:bodyPr/>
           <a:lstStyle/>
           <a:p>
+            <a:pPr marL="0" indent="0">
+              <a:buNone/>
+            </a:pPr>
             <a:r>
               <a:rPr lang="en-US" altLang="zh-CN" dirty="0" smtClean="0"/>
-              <a:t>concepts of reflection</a:t>
-            </a:r>
-          </a:p>
-          <a:p>
-            <a:r>
-              <a:rPr lang="en-US" altLang="zh-CN" dirty="0"/>
-              <a:t>implementation of compile-time </a:t>
-            </a:r>
-            <a:r>
-              <a:rPr lang="en-US" altLang="zh-CN" dirty="0" smtClean="0"/>
-              <a:t>reflection</a:t>
-            </a:r>
-          </a:p>
-          <a:p>
-            <a:r>
-              <a:rPr lang="en-US" altLang="zh-CN" b="1" dirty="0" smtClean="0"/>
-              <a:t>application of compile-time reflection</a:t>
-            </a:r>
-          </a:p>
-          <a:p>
-            <a:r>
-              <a:rPr lang="en-US" altLang="zh-CN" dirty="0" smtClean="0"/>
-              <a:t>prospect</a:t>
-            </a:r>
+              <a:t>connect string in ,</a:t>
+            </a:r>
+          </a:p>
+          <a:p>
+            <a:pPr marL="0" indent="0">
+              <a:buNone/>
+            </a:pPr>
             <a:endParaRPr lang="zh-CN" altLang="en-US" dirty="0"/>
+          </a:p>
+        </p:txBody>
+      </p:sp>
+      <p:sp>
+        <p:nvSpPr>
+          <p:cNvPr id="4" name="矩形 3"/>
+          <p:cNvSpPr/>
+          <p:nvPr/>
+        </p:nvSpPr>
+        <p:spPr>
+          <a:xfrm>
+            <a:off x="838200" y="2311347"/>
+            <a:ext cx="10622280" cy="1754326"/>
+          </a:xfrm>
+          <a:prstGeom prst="rect">
+            <a:avLst/>
+          </a:prstGeom>
+        </p:spPr>
+        <p:txBody>
+          <a:bodyPr wrap="square">
+            <a:spAutoFit/>
+          </a:bodyPr>
+          <a:lstStyle/>
+          <a:p>
+            <a:r>
+              <a:rPr lang="en-US" altLang="zh-CN" dirty="0">
+                <a:solidFill>
+                  <a:srgbClr val="808080"/>
+                </a:solidFill>
+                <a:highlight>
+                  <a:srgbClr val="FFFFFF"/>
+                </a:highlight>
+                <a:latin typeface="新宋体" panose="02010609030101010101" pitchFamily="49" charset="-122"/>
+                <a:ea typeface="新宋体" panose="02010609030101010101" pitchFamily="49" charset="-122"/>
+              </a:rPr>
+              <a:t>#define</a:t>
+            </a:r>
+            <a:r>
+              <a:rPr lang="en-US" altLang="zh-CN" dirty="0">
+                <a:solidFill>
+                  <a:srgbClr val="000000"/>
+                </a:solidFill>
+                <a:highlight>
+                  <a:srgbClr val="FFFFFF"/>
+                </a:highlight>
+                <a:latin typeface="新宋体" panose="02010609030101010101" pitchFamily="49" charset="-122"/>
+                <a:ea typeface="新宋体" panose="02010609030101010101" pitchFamily="49" charset="-122"/>
+              </a:rPr>
+              <a:t> </a:t>
+            </a:r>
+            <a:r>
+              <a:rPr lang="en-US" altLang="zh-CN" dirty="0">
+                <a:solidFill>
+                  <a:srgbClr val="6F008A"/>
+                </a:solidFill>
+                <a:highlight>
+                  <a:srgbClr val="FFFFFF"/>
+                </a:highlight>
+                <a:latin typeface="新宋体" panose="02010609030101010101" pitchFamily="49" charset="-122"/>
+                <a:ea typeface="新宋体" panose="02010609030101010101" pitchFamily="49" charset="-122"/>
+              </a:rPr>
+              <a:t>CON_STR_1</a:t>
+            </a:r>
+            <a:r>
+              <a:rPr lang="en-US" altLang="zh-CN" dirty="0">
+                <a:solidFill>
+                  <a:srgbClr val="000000"/>
+                </a:solidFill>
+                <a:highlight>
+                  <a:srgbClr val="FFFFFF"/>
+                </a:highlight>
+                <a:latin typeface="新宋体" panose="02010609030101010101" pitchFamily="49" charset="-122"/>
+                <a:ea typeface="新宋体" panose="02010609030101010101" pitchFamily="49" charset="-122"/>
+              </a:rPr>
+              <a:t>(element, ...) #element</a:t>
+            </a:r>
+          </a:p>
+          <a:p>
+            <a:r>
+              <a:rPr lang="en-US" altLang="zh-CN" dirty="0">
+                <a:solidFill>
+                  <a:srgbClr val="808080"/>
+                </a:solidFill>
+                <a:highlight>
+                  <a:srgbClr val="FFFFFF"/>
+                </a:highlight>
+                <a:latin typeface="新宋体" panose="02010609030101010101" pitchFamily="49" charset="-122"/>
+                <a:ea typeface="新宋体" panose="02010609030101010101" pitchFamily="49" charset="-122"/>
+              </a:rPr>
+              <a:t>#define</a:t>
+            </a:r>
+            <a:r>
+              <a:rPr lang="en-US" altLang="zh-CN" dirty="0">
+                <a:solidFill>
+                  <a:srgbClr val="000000"/>
+                </a:solidFill>
+                <a:highlight>
+                  <a:srgbClr val="FFFFFF"/>
+                </a:highlight>
+                <a:latin typeface="新宋体" panose="02010609030101010101" pitchFamily="49" charset="-122"/>
+                <a:ea typeface="新宋体" panose="02010609030101010101" pitchFamily="49" charset="-122"/>
+              </a:rPr>
+              <a:t> </a:t>
+            </a:r>
+            <a:r>
+              <a:rPr lang="en-US" altLang="zh-CN" dirty="0">
+                <a:solidFill>
+                  <a:srgbClr val="6F008A"/>
+                </a:solidFill>
+                <a:highlight>
+                  <a:srgbClr val="FFFFFF"/>
+                </a:highlight>
+                <a:latin typeface="新宋体" panose="02010609030101010101" pitchFamily="49" charset="-122"/>
+                <a:ea typeface="新宋体" panose="02010609030101010101" pitchFamily="49" charset="-122"/>
+              </a:rPr>
+              <a:t>CON_STR_2</a:t>
+            </a:r>
+            <a:r>
+              <a:rPr lang="en-US" altLang="zh-CN" dirty="0">
+                <a:solidFill>
+                  <a:srgbClr val="000000"/>
+                </a:solidFill>
+                <a:highlight>
+                  <a:srgbClr val="FFFFFF"/>
+                </a:highlight>
+                <a:latin typeface="新宋体" panose="02010609030101010101" pitchFamily="49" charset="-122"/>
+                <a:ea typeface="新宋体" panose="02010609030101010101" pitchFamily="49" charset="-122"/>
+              </a:rPr>
+              <a:t>(element, ...) #element </a:t>
+            </a:r>
+            <a:r>
+              <a:rPr lang="en-US" altLang="zh-CN" dirty="0">
+                <a:solidFill>
+                  <a:srgbClr val="6F008A"/>
+                </a:solidFill>
+                <a:highlight>
+                  <a:srgbClr val="FFFFFF"/>
+                </a:highlight>
+                <a:latin typeface="新宋体" panose="02010609030101010101" pitchFamily="49" charset="-122"/>
+                <a:ea typeface="新宋体" panose="02010609030101010101" pitchFamily="49" charset="-122"/>
+              </a:rPr>
+              <a:t>SEPERATOR</a:t>
+            </a:r>
+            <a:r>
+              <a:rPr lang="en-US" altLang="zh-CN" dirty="0">
+                <a:solidFill>
+                  <a:srgbClr val="000000"/>
+                </a:solidFill>
+                <a:highlight>
+                  <a:srgbClr val="FFFFFF"/>
+                </a:highlight>
+                <a:latin typeface="新宋体" panose="02010609030101010101" pitchFamily="49" charset="-122"/>
+                <a:ea typeface="新宋体" panose="02010609030101010101" pitchFamily="49" charset="-122"/>
+              </a:rPr>
+              <a:t> </a:t>
+            </a:r>
+            <a:r>
+              <a:rPr lang="en-US" altLang="zh-CN" dirty="0" smtClean="0">
+                <a:solidFill>
+                  <a:srgbClr val="000000"/>
+                </a:solidFill>
+                <a:highlight>
+                  <a:srgbClr val="FFFFFF"/>
+                </a:highlight>
+                <a:latin typeface="新宋体" panose="02010609030101010101" pitchFamily="49" charset="-122"/>
+                <a:ea typeface="新宋体" panose="02010609030101010101" pitchFamily="49" charset="-122"/>
+              </a:rPr>
+              <a:t>MARCO_EXPAND(</a:t>
+            </a:r>
+            <a:r>
+              <a:rPr lang="en-US" altLang="zh-CN" dirty="0" smtClean="0">
+                <a:solidFill>
+                  <a:srgbClr val="6F008A"/>
+                </a:solidFill>
+                <a:highlight>
+                  <a:srgbClr val="FFFFFF"/>
+                </a:highlight>
+                <a:latin typeface="新宋体" panose="02010609030101010101" pitchFamily="49" charset="-122"/>
+                <a:ea typeface="新宋体" panose="02010609030101010101" pitchFamily="49" charset="-122"/>
+              </a:rPr>
+              <a:t>CON_STR_1</a:t>
+            </a:r>
+            <a:r>
+              <a:rPr lang="en-US" altLang="zh-CN" dirty="0">
+                <a:solidFill>
+                  <a:srgbClr val="000000"/>
+                </a:solidFill>
+                <a:highlight>
+                  <a:srgbClr val="FFFFFF"/>
+                </a:highlight>
+                <a:latin typeface="新宋体" panose="02010609030101010101" pitchFamily="49" charset="-122"/>
+                <a:ea typeface="新宋体" panose="02010609030101010101" pitchFamily="49" charset="-122"/>
+              </a:rPr>
+              <a:t>(__VA_ARGS__))</a:t>
+            </a:r>
+          </a:p>
+          <a:p>
+            <a:r>
+              <a:rPr lang="en-US" altLang="zh-CN" dirty="0">
+                <a:solidFill>
+                  <a:srgbClr val="808080"/>
+                </a:solidFill>
+                <a:highlight>
+                  <a:srgbClr val="FFFFFF"/>
+                </a:highlight>
+                <a:latin typeface="新宋体" panose="02010609030101010101" pitchFamily="49" charset="-122"/>
+                <a:ea typeface="新宋体" panose="02010609030101010101" pitchFamily="49" charset="-122"/>
+              </a:rPr>
+              <a:t>#define</a:t>
+            </a:r>
+            <a:r>
+              <a:rPr lang="en-US" altLang="zh-CN" dirty="0">
+                <a:solidFill>
+                  <a:srgbClr val="000000"/>
+                </a:solidFill>
+                <a:highlight>
+                  <a:srgbClr val="FFFFFF"/>
+                </a:highlight>
+                <a:latin typeface="新宋体" panose="02010609030101010101" pitchFamily="49" charset="-122"/>
+                <a:ea typeface="新宋体" panose="02010609030101010101" pitchFamily="49" charset="-122"/>
+              </a:rPr>
+              <a:t> </a:t>
+            </a:r>
+            <a:r>
+              <a:rPr lang="en-US" altLang="zh-CN" dirty="0">
+                <a:solidFill>
+                  <a:srgbClr val="6F008A"/>
+                </a:solidFill>
+                <a:highlight>
+                  <a:srgbClr val="FFFFFF"/>
+                </a:highlight>
+                <a:latin typeface="新宋体" panose="02010609030101010101" pitchFamily="49" charset="-122"/>
+                <a:ea typeface="新宋体" panose="02010609030101010101" pitchFamily="49" charset="-122"/>
+              </a:rPr>
+              <a:t>CON_STR_3</a:t>
+            </a:r>
+            <a:r>
+              <a:rPr lang="en-US" altLang="zh-CN" dirty="0">
+                <a:solidFill>
+                  <a:srgbClr val="000000"/>
+                </a:solidFill>
+                <a:highlight>
+                  <a:srgbClr val="FFFFFF"/>
+                </a:highlight>
+                <a:latin typeface="新宋体" panose="02010609030101010101" pitchFamily="49" charset="-122"/>
+                <a:ea typeface="新宋体" panose="02010609030101010101" pitchFamily="49" charset="-122"/>
+              </a:rPr>
+              <a:t>(element, ...) #element </a:t>
+            </a:r>
+            <a:r>
+              <a:rPr lang="en-US" altLang="zh-CN" dirty="0">
+                <a:solidFill>
+                  <a:srgbClr val="6F008A"/>
+                </a:solidFill>
+                <a:highlight>
+                  <a:srgbClr val="FFFFFF"/>
+                </a:highlight>
+                <a:latin typeface="新宋体" panose="02010609030101010101" pitchFamily="49" charset="-122"/>
+                <a:ea typeface="新宋体" panose="02010609030101010101" pitchFamily="49" charset="-122"/>
+              </a:rPr>
+              <a:t>SEPERATOR</a:t>
+            </a:r>
+            <a:r>
+              <a:rPr lang="en-US" altLang="zh-CN" dirty="0">
+                <a:solidFill>
+                  <a:srgbClr val="000000"/>
+                </a:solidFill>
+                <a:highlight>
+                  <a:srgbClr val="FFFFFF"/>
+                </a:highlight>
+                <a:latin typeface="新宋体" panose="02010609030101010101" pitchFamily="49" charset="-122"/>
+                <a:ea typeface="新宋体" panose="02010609030101010101" pitchFamily="49" charset="-122"/>
+              </a:rPr>
+              <a:t> </a:t>
+            </a:r>
+            <a:r>
+              <a:rPr lang="en-US" altLang="zh-CN" dirty="0" smtClean="0">
+                <a:solidFill>
+                  <a:srgbClr val="000000"/>
+                </a:solidFill>
+                <a:highlight>
+                  <a:srgbClr val="FFFFFF"/>
+                </a:highlight>
+                <a:latin typeface="新宋体" panose="02010609030101010101" pitchFamily="49" charset="-122"/>
+                <a:ea typeface="新宋体" panose="02010609030101010101" pitchFamily="49" charset="-122"/>
+              </a:rPr>
+              <a:t>MARCO_EXPAND(</a:t>
+            </a:r>
+            <a:r>
+              <a:rPr lang="en-US" altLang="zh-CN" dirty="0" smtClean="0">
+                <a:solidFill>
+                  <a:srgbClr val="6F008A"/>
+                </a:solidFill>
+                <a:highlight>
+                  <a:srgbClr val="FFFFFF"/>
+                </a:highlight>
+                <a:latin typeface="新宋体" panose="02010609030101010101" pitchFamily="49" charset="-122"/>
+                <a:ea typeface="新宋体" panose="02010609030101010101" pitchFamily="49" charset="-122"/>
+              </a:rPr>
+              <a:t>CON_STR_2</a:t>
+            </a:r>
+            <a:r>
+              <a:rPr lang="en-US" altLang="zh-CN" dirty="0">
+                <a:solidFill>
+                  <a:srgbClr val="000000"/>
+                </a:solidFill>
+                <a:highlight>
+                  <a:srgbClr val="FFFFFF"/>
+                </a:highlight>
+                <a:latin typeface="新宋体" panose="02010609030101010101" pitchFamily="49" charset="-122"/>
+                <a:ea typeface="新宋体" panose="02010609030101010101" pitchFamily="49" charset="-122"/>
+              </a:rPr>
+              <a:t>(__VA_ARGS__))</a:t>
+            </a:r>
+          </a:p>
+          <a:p>
+            <a:r>
+              <a:rPr lang="en-US" altLang="zh-CN" dirty="0">
+                <a:solidFill>
+                  <a:srgbClr val="808080"/>
+                </a:solidFill>
+                <a:highlight>
+                  <a:srgbClr val="FFFFFF"/>
+                </a:highlight>
+                <a:latin typeface="新宋体" panose="02010609030101010101" pitchFamily="49" charset="-122"/>
+                <a:ea typeface="新宋体" panose="02010609030101010101" pitchFamily="49" charset="-122"/>
+              </a:rPr>
+              <a:t>#define</a:t>
+            </a:r>
+            <a:r>
+              <a:rPr lang="en-US" altLang="zh-CN" dirty="0">
+                <a:solidFill>
+                  <a:srgbClr val="000000"/>
+                </a:solidFill>
+                <a:highlight>
+                  <a:srgbClr val="FFFFFF"/>
+                </a:highlight>
+                <a:latin typeface="新宋体" panose="02010609030101010101" pitchFamily="49" charset="-122"/>
+                <a:ea typeface="新宋体" panose="02010609030101010101" pitchFamily="49" charset="-122"/>
+              </a:rPr>
+              <a:t> </a:t>
+            </a:r>
+            <a:r>
+              <a:rPr lang="en-US" altLang="zh-CN" dirty="0">
+                <a:solidFill>
+                  <a:srgbClr val="6F008A"/>
+                </a:solidFill>
+                <a:highlight>
+                  <a:srgbClr val="FFFFFF"/>
+                </a:highlight>
+                <a:latin typeface="新宋体" panose="02010609030101010101" pitchFamily="49" charset="-122"/>
+                <a:ea typeface="新宋体" panose="02010609030101010101" pitchFamily="49" charset="-122"/>
+              </a:rPr>
+              <a:t>CON_STR_4</a:t>
+            </a:r>
+            <a:r>
+              <a:rPr lang="en-US" altLang="zh-CN" dirty="0">
+                <a:solidFill>
+                  <a:srgbClr val="000000"/>
+                </a:solidFill>
+                <a:highlight>
+                  <a:srgbClr val="FFFFFF"/>
+                </a:highlight>
+                <a:latin typeface="新宋体" panose="02010609030101010101" pitchFamily="49" charset="-122"/>
+                <a:ea typeface="新宋体" panose="02010609030101010101" pitchFamily="49" charset="-122"/>
+              </a:rPr>
+              <a:t>(element, ...) #element </a:t>
+            </a:r>
+            <a:r>
+              <a:rPr lang="en-US" altLang="zh-CN" dirty="0">
+                <a:solidFill>
+                  <a:srgbClr val="6F008A"/>
+                </a:solidFill>
+                <a:highlight>
+                  <a:srgbClr val="FFFFFF"/>
+                </a:highlight>
+                <a:latin typeface="新宋体" panose="02010609030101010101" pitchFamily="49" charset="-122"/>
+                <a:ea typeface="新宋体" panose="02010609030101010101" pitchFamily="49" charset="-122"/>
+              </a:rPr>
+              <a:t>SEPERATOR</a:t>
+            </a:r>
+            <a:r>
+              <a:rPr lang="en-US" altLang="zh-CN" dirty="0">
+                <a:solidFill>
+                  <a:srgbClr val="000000"/>
+                </a:solidFill>
+                <a:highlight>
+                  <a:srgbClr val="FFFFFF"/>
+                </a:highlight>
+                <a:latin typeface="新宋体" panose="02010609030101010101" pitchFamily="49" charset="-122"/>
+                <a:ea typeface="新宋体" panose="02010609030101010101" pitchFamily="49" charset="-122"/>
+              </a:rPr>
+              <a:t> </a:t>
+            </a:r>
+            <a:r>
+              <a:rPr lang="en-US" altLang="zh-CN" dirty="0" smtClean="0">
+                <a:solidFill>
+                  <a:srgbClr val="000000"/>
+                </a:solidFill>
+                <a:highlight>
+                  <a:srgbClr val="FFFFFF"/>
+                </a:highlight>
+                <a:latin typeface="新宋体" panose="02010609030101010101" pitchFamily="49" charset="-122"/>
+                <a:ea typeface="新宋体" panose="02010609030101010101" pitchFamily="49" charset="-122"/>
+              </a:rPr>
+              <a:t>MARCO_EXPAND(</a:t>
+            </a:r>
+            <a:r>
+              <a:rPr lang="en-US" altLang="zh-CN" dirty="0" smtClean="0">
+                <a:solidFill>
+                  <a:srgbClr val="6F008A"/>
+                </a:solidFill>
+                <a:highlight>
+                  <a:srgbClr val="FFFFFF"/>
+                </a:highlight>
+                <a:latin typeface="新宋体" panose="02010609030101010101" pitchFamily="49" charset="-122"/>
+                <a:ea typeface="新宋体" panose="02010609030101010101" pitchFamily="49" charset="-122"/>
+              </a:rPr>
+              <a:t>CON_STR_3</a:t>
+            </a:r>
+            <a:r>
+              <a:rPr lang="en-US" altLang="zh-CN" dirty="0">
+                <a:solidFill>
+                  <a:srgbClr val="000000"/>
+                </a:solidFill>
+                <a:highlight>
+                  <a:srgbClr val="FFFFFF"/>
+                </a:highlight>
+                <a:latin typeface="新宋体" panose="02010609030101010101" pitchFamily="49" charset="-122"/>
+                <a:ea typeface="新宋体" panose="02010609030101010101" pitchFamily="49" charset="-122"/>
+              </a:rPr>
+              <a:t>(__VA_ARGS__))</a:t>
+            </a:r>
+          </a:p>
+          <a:p>
+            <a:endParaRPr lang="zh-CN" altLang="en-US" dirty="0">
+              <a:solidFill>
+                <a:srgbClr val="000000"/>
+              </a:solidFill>
+              <a:highlight>
+                <a:srgbClr val="FFFFFF"/>
+              </a:highlight>
+              <a:latin typeface="新宋体" panose="02010609030101010101" pitchFamily="49" charset="-122"/>
+              <a:ea typeface="新宋体" panose="02010609030101010101" pitchFamily="49" charset="-122"/>
+            </a:endParaRPr>
+          </a:p>
+          <a:p>
+            <a:r>
+              <a:rPr lang="en-US" altLang="zh-CN" dirty="0">
+                <a:solidFill>
+                  <a:srgbClr val="808080"/>
+                </a:solidFill>
+                <a:highlight>
+                  <a:srgbClr val="FFFFFF"/>
+                </a:highlight>
+                <a:latin typeface="新宋体" panose="02010609030101010101" pitchFamily="49" charset="-122"/>
+                <a:ea typeface="新宋体" panose="02010609030101010101" pitchFamily="49" charset="-122"/>
+              </a:rPr>
+              <a:t>#define</a:t>
+            </a:r>
+            <a:r>
+              <a:rPr lang="en-US" altLang="zh-CN" dirty="0">
+                <a:solidFill>
+                  <a:srgbClr val="000000"/>
+                </a:solidFill>
+                <a:highlight>
+                  <a:srgbClr val="FFFFFF"/>
+                </a:highlight>
+                <a:latin typeface="新宋体" panose="02010609030101010101" pitchFamily="49" charset="-122"/>
+                <a:ea typeface="新宋体" panose="02010609030101010101" pitchFamily="49" charset="-122"/>
+              </a:rPr>
+              <a:t> </a:t>
+            </a:r>
+            <a:r>
+              <a:rPr lang="en-US" altLang="zh-CN" dirty="0">
+                <a:solidFill>
+                  <a:srgbClr val="6F008A"/>
+                </a:solidFill>
+                <a:highlight>
+                  <a:srgbClr val="FFFFFF"/>
+                </a:highlight>
+                <a:latin typeface="新宋体" panose="02010609030101010101" pitchFamily="49" charset="-122"/>
+                <a:ea typeface="新宋体" panose="02010609030101010101" pitchFamily="49" charset="-122"/>
+              </a:rPr>
+              <a:t>SEPERATOR</a:t>
+            </a:r>
+            <a:r>
+              <a:rPr lang="en-US" altLang="zh-CN" dirty="0">
+                <a:solidFill>
+                  <a:srgbClr val="000000"/>
+                </a:solidFill>
+                <a:highlight>
+                  <a:srgbClr val="FFFFFF"/>
+                </a:highlight>
+                <a:latin typeface="新宋体" panose="02010609030101010101" pitchFamily="49" charset="-122"/>
+                <a:ea typeface="新宋体" panose="02010609030101010101" pitchFamily="49" charset="-122"/>
+              </a:rPr>
+              <a:t> </a:t>
+            </a:r>
+            <a:r>
+              <a:rPr lang="en-US" altLang="zh-CN" dirty="0" smtClean="0">
+                <a:solidFill>
+                  <a:srgbClr val="000000"/>
+                </a:solidFill>
+                <a:highlight>
+                  <a:srgbClr val="FFFFFF"/>
+                </a:highlight>
+                <a:latin typeface="新宋体" panose="02010609030101010101" pitchFamily="49" charset="-122"/>
+                <a:ea typeface="新宋体" panose="02010609030101010101" pitchFamily="49" charset="-122"/>
+              </a:rPr>
+              <a:t>,</a:t>
+            </a:r>
+            <a:endParaRPr lang="en-US" altLang="zh-CN" dirty="0">
+              <a:solidFill>
+                <a:srgbClr val="000000"/>
+              </a:solidFill>
+              <a:highlight>
+                <a:srgbClr val="FFFFFF"/>
+              </a:highlight>
+              <a:latin typeface="新宋体" panose="02010609030101010101" pitchFamily="49" charset="-122"/>
+              <a:ea typeface="新宋体" panose="02010609030101010101" pitchFamily="49" charset="-122"/>
+            </a:endParaRPr>
+          </a:p>
+        </p:txBody>
+      </p:sp>
+      <p:sp>
+        <p:nvSpPr>
+          <p:cNvPr id="5" name="矩形 4"/>
+          <p:cNvSpPr/>
+          <p:nvPr/>
+        </p:nvSpPr>
+        <p:spPr>
+          <a:xfrm>
+            <a:off x="838200" y="4334801"/>
+            <a:ext cx="6694714" cy="923330"/>
+          </a:xfrm>
+          <a:prstGeom prst="rect">
+            <a:avLst/>
+          </a:prstGeom>
+        </p:spPr>
+        <p:txBody>
+          <a:bodyPr wrap="square">
+            <a:spAutoFit/>
+          </a:bodyPr>
+          <a:lstStyle/>
+          <a:p>
+            <a:r>
+              <a:rPr lang="en-US" altLang="zh-CN" dirty="0" err="1">
+                <a:solidFill>
+                  <a:srgbClr val="000000"/>
+                </a:solidFill>
+                <a:highlight>
+                  <a:srgbClr val="FFFFFF"/>
+                </a:highlight>
+                <a:latin typeface="新宋体" panose="02010609030101010101" pitchFamily="49" charset="-122"/>
+                <a:ea typeface="新宋体" panose="02010609030101010101" pitchFamily="49" charset="-122"/>
+              </a:rPr>
+              <a:t>std</a:t>
+            </a:r>
+            <a:r>
+              <a:rPr lang="en-US" altLang="zh-CN" dirty="0">
+                <a:solidFill>
+                  <a:srgbClr val="000000"/>
+                </a:solidFill>
+                <a:highlight>
+                  <a:srgbClr val="FFFFFF"/>
+                </a:highlight>
+                <a:latin typeface="新宋体" panose="02010609030101010101" pitchFamily="49" charset="-122"/>
+                <a:ea typeface="新宋体" panose="02010609030101010101" pitchFamily="49" charset="-122"/>
+              </a:rPr>
+              <a:t>::</a:t>
+            </a:r>
+            <a:r>
+              <a:rPr lang="en-US" altLang="zh-CN" dirty="0">
+                <a:solidFill>
+                  <a:srgbClr val="2B91AF"/>
+                </a:solidFill>
+                <a:highlight>
+                  <a:srgbClr val="FFFFFF"/>
+                </a:highlight>
+                <a:latin typeface="新宋体" panose="02010609030101010101" pitchFamily="49" charset="-122"/>
+                <a:ea typeface="新宋体" panose="02010609030101010101" pitchFamily="49" charset="-122"/>
+              </a:rPr>
+              <a:t>array</a:t>
+            </a:r>
+            <a:r>
+              <a:rPr lang="en-US" altLang="zh-CN" dirty="0">
+                <a:solidFill>
+                  <a:srgbClr val="000000"/>
+                </a:solidFill>
+                <a:highlight>
+                  <a:srgbClr val="FFFFFF"/>
+                </a:highlight>
+                <a:latin typeface="新宋体" panose="02010609030101010101" pitchFamily="49" charset="-122"/>
+                <a:ea typeface="新宋体" panose="02010609030101010101" pitchFamily="49" charset="-122"/>
+              </a:rPr>
+              <a:t>&lt;</a:t>
+            </a:r>
+            <a:r>
+              <a:rPr lang="en-US" altLang="zh-CN" dirty="0" err="1">
+                <a:solidFill>
+                  <a:srgbClr val="0000FF"/>
+                </a:solidFill>
+                <a:highlight>
+                  <a:srgbClr val="FFFFFF"/>
+                </a:highlight>
+                <a:latin typeface="新宋体" panose="02010609030101010101" pitchFamily="49" charset="-122"/>
+                <a:ea typeface="新宋体" panose="02010609030101010101" pitchFamily="49" charset="-122"/>
+              </a:rPr>
+              <a:t>const</a:t>
+            </a:r>
+            <a:r>
+              <a:rPr lang="en-US" altLang="zh-CN" dirty="0">
+                <a:solidFill>
+                  <a:srgbClr val="000000"/>
+                </a:solidFill>
+                <a:highlight>
+                  <a:srgbClr val="FFFFFF"/>
+                </a:highlight>
+                <a:latin typeface="新宋体" panose="02010609030101010101" pitchFamily="49" charset="-122"/>
+                <a:ea typeface="新宋体" panose="02010609030101010101" pitchFamily="49" charset="-122"/>
+              </a:rPr>
+              <a:t> </a:t>
+            </a:r>
+            <a:r>
+              <a:rPr lang="en-US" altLang="zh-CN" dirty="0">
+                <a:solidFill>
+                  <a:srgbClr val="0000FF"/>
+                </a:solidFill>
+                <a:highlight>
+                  <a:srgbClr val="FFFFFF"/>
+                </a:highlight>
+                <a:latin typeface="新宋体" panose="02010609030101010101" pitchFamily="49" charset="-122"/>
+                <a:ea typeface="新宋体" panose="02010609030101010101" pitchFamily="49" charset="-122"/>
+              </a:rPr>
+              <a:t>char</a:t>
+            </a:r>
+            <a:r>
+              <a:rPr lang="en-US" altLang="zh-CN" dirty="0">
+                <a:solidFill>
+                  <a:srgbClr val="000000"/>
+                </a:solidFill>
+                <a:highlight>
+                  <a:srgbClr val="FFFFFF"/>
+                </a:highlight>
+                <a:latin typeface="新宋体" panose="02010609030101010101" pitchFamily="49" charset="-122"/>
+                <a:ea typeface="新宋体" panose="02010609030101010101" pitchFamily="49" charset="-122"/>
+              </a:rPr>
+              <a:t>*, 1&gt; arr1 = { </a:t>
+            </a:r>
+            <a:r>
+              <a:rPr lang="en-US" altLang="zh-CN" dirty="0">
+                <a:solidFill>
+                  <a:srgbClr val="6F008A"/>
+                </a:solidFill>
+                <a:highlight>
+                  <a:srgbClr val="FFFFFF"/>
+                </a:highlight>
+                <a:latin typeface="新宋体" panose="02010609030101010101" pitchFamily="49" charset="-122"/>
+                <a:ea typeface="新宋体" panose="02010609030101010101" pitchFamily="49" charset="-122"/>
+              </a:rPr>
+              <a:t>CON_STR_1</a:t>
+            </a:r>
+            <a:r>
+              <a:rPr lang="en-US" altLang="zh-CN" dirty="0">
+                <a:solidFill>
+                  <a:srgbClr val="000000"/>
+                </a:solidFill>
+                <a:highlight>
+                  <a:srgbClr val="FFFFFF"/>
+                </a:highlight>
+                <a:latin typeface="新宋体" panose="02010609030101010101" pitchFamily="49" charset="-122"/>
+                <a:ea typeface="新宋体" panose="02010609030101010101" pitchFamily="49" charset="-122"/>
+              </a:rPr>
+              <a:t>(a) };</a:t>
+            </a:r>
+          </a:p>
+          <a:p>
+            <a:r>
+              <a:rPr lang="en-US" altLang="zh-CN" dirty="0" err="1">
+                <a:solidFill>
+                  <a:srgbClr val="000000"/>
+                </a:solidFill>
+                <a:highlight>
+                  <a:srgbClr val="FFFFFF"/>
+                </a:highlight>
+                <a:latin typeface="新宋体" panose="02010609030101010101" pitchFamily="49" charset="-122"/>
+                <a:ea typeface="新宋体" panose="02010609030101010101" pitchFamily="49" charset="-122"/>
+              </a:rPr>
+              <a:t>std</a:t>
+            </a:r>
+            <a:r>
+              <a:rPr lang="en-US" altLang="zh-CN" dirty="0">
+                <a:solidFill>
+                  <a:srgbClr val="000000"/>
+                </a:solidFill>
+                <a:highlight>
+                  <a:srgbClr val="FFFFFF"/>
+                </a:highlight>
+                <a:latin typeface="新宋体" panose="02010609030101010101" pitchFamily="49" charset="-122"/>
+                <a:ea typeface="新宋体" panose="02010609030101010101" pitchFamily="49" charset="-122"/>
+              </a:rPr>
+              <a:t>::</a:t>
+            </a:r>
+            <a:r>
+              <a:rPr lang="en-US" altLang="zh-CN" dirty="0">
+                <a:solidFill>
+                  <a:srgbClr val="2B91AF"/>
+                </a:solidFill>
+                <a:highlight>
+                  <a:srgbClr val="FFFFFF"/>
+                </a:highlight>
+                <a:latin typeface="新宋体" panose="02010609030101010101" pitchFamily="49" charset="-122"/>
+                <a:ea typeface="新宋体" panose="02010609030101010101" pitchFamily="49" charset="-122"/>
+              </a:rPr>
+              <a:t>array</a:t>
+            </a:r>
+            <a:r>
+              <a:rPr lang="en-US" altLang="zh-CN" dirty="0">
+                <a:solidFill>
+                  <a:srgbClr val="000000"/>
+                </a:solidFill>
+                <a:highlight>
+                  <a:srgbClr val="FFFFFF"/>
+                </a:highlight>
+                <a:latin typeface="新宋体" panose="02010609030101010101" pitchFamily="49" charset="-122"/>
+                <a:ea typeface="新宋体" panose="02010609030101010101" pitchFamily="49" charset="-122"/>
+              </a:rPr>
+              <a:t>&lt;</a:t>
+            </a:r>
+            <a:r>
+              <a:rPr lang="en-US" altLang="zh-CN" dirty="0" err="1">
+                <a:solidFill>
+                  <a:srgbClr val="0000FF"/>
+                </a:solidFill>
+                <a:highlight>
+                  <a:srgbClr val="FFFFFF"/>
+                </a:highlight>
+                <a:latin typeface="新宋体" panose="02010609030101010101" pitchFamily="49" charset="-122"/>
+                <a:ea typeface="新宋体" panose="02010609030101010101" pitchFamily="49" charset="-122"/>
+              </a:rPr>
+              <a:t>const</a:t>
+            </a:r>
+            <a:r>
+              <a:rPr lang="en-US" altLang="zh-CN" dirty="0">
+                <a:solidFill>
+                  <a:srgbClr val="000000"/>
+                </a:solidFill>
+                <a:highlight>
+                  <a:srgbClr val="FFFFFF"/>
+                </a:highlight>
+                <a:latin typeface="新宋体" panose="02010609030101010101" pitchFamily="49" charset="-122"/>
+                <a:ea typeface="新宋体" panose="02010609030101010101" pitchFamily="49" charset="-122"/>
+              </a:rPr>
+              <a:t> </a:t>
+            </a:r>
+            <a:r>
+              <a:rPr lang="en-US" altLang="zh-CN" dirty="0">
+                <a:solidFill>
+                  <a:srgbClr val="0000FF"/>
+                </a:solidFill>
+                <a:highlight>
+                  <a:srgbClr val="FFFFFF"/>
+                </a:highlight>
+                <a:latin typeface="新宋体" panose="02010609030101010101" pitchFamily="49" charset="-122"/>
+                <a:ea typeface="新宋体" panose="02010609030101010101" pitchFamily="49" charset="-122"/>
+              </a:rPr>
+              <a:t>char</a:t>
+            </a:r>
+            <a:r>
+              <a:rPr lang="en-US" altLang="zh-CN" dirty="0">
+                <a:solidFill>
+                  <a:srgbClr val="000000"/>
+                </a:solidFill>
+                <a:highlight>
+                  <a:srgbClr val="FFFFFF"/>
+                </a:highlight>
+                <a:latin typeface="新宋体" panose="02010609030101010101" pitchFamily="49" charset="-122"/>
+                <a:ea typeface="新宋体" panose="02010609030101010101" pitchFamily="49" charset="-122"/>
+              </a:rPr>
+              <a:t>*, 2&gt; arr2 = { </a:t>
+            </a:r>
+            <a:r>
+              <a:rPr lang="en-US" altLang="zh-CN" dirty="0">
+                <a:solidFill>
+                  <a:srgbClr val="6F008A"/>
+                </a:solidFill>
+                <a:highlight>
+                  <a:srgbClr val="FFFFFF"/>
+                </a:highlight>
+                <a:latin typeface="新宋体" panose="02010609030101010101" pitchFamily="49" charset="-122"/>
+                <a:ea typeface="新宋体" panose="02010609030101010101" pitchFamily="49" charset="-122"/>
+              </a:rPr>
+              <a:t>CON_STR_2</a:t>
+            </a:r>
+            <a:r>
+              <a:rPr lang="en-US" altLang="zh-CN" dirty="0">
+                <a:solidFill>
+                  <a:srgbClr val="000000"/>
+                </a:solidFill>
+                <a:highlight>
+                  <a:srgbClr val="FFFFFF"/>
+                </a:highlight>
+                <a:latin typeface="新宋体" panose="02010609030101010101" pitchFamily="49" charset="-122"/>
+                <a:ea typeface="新宋体" panose="02010609030101010101" pitchFamily="49" charset="-122"/>
+              </a:rPr>
+              <a:t>(a, b) </a:t>
+            </a:r>
+            <a:r>
+              <a:rPr lang="en-US" altLang="zh-CN" dirty="0" smtClean="0">
+                <a:solidFill>
+                  <a:srgbClr val="000000"/>
+                </a:solidFill>
+                <a:highlight>
+                  <a:srgbClr val="FFFFFF"/>
+                </a:highlight>
+                <a:latin typeface="新宋体" panose="02010609030101010101" pitchFamily="49" charset="-122"/>
+                <a:ea typeface="新宋体" panose="02010609030101010101" pitchFamily="49" charset="-122"/>
+              </a:rPr>
+              <a:t>};</a:t>
+            </a:r>
+          </a:p>
+          <a:p>
+            <a:r>
+              <a:rPr lang="en-US" altLang="zh-CN" dirty="0" err="1">
+                <a:solidFill>
+                  <a:srgbClr val="000000"/>
+                </a:solidFill>
+                <a:highlight>
+                  <a:srgbClr val="FFFFFF"/>
+                </a:highlight>
+                <a:latin typeface="新宋体" panose="02010609030101010101" pitchFamily="49" charset="-122"/>
+                <a:ea typeface="新宋体" panose="02010609030101010101" pitchFamily="49" charset="-122"/>
+              </a:rPr>
+              <a:t>std</a:t>
+            </a:r>
+            <a:r>
+              <a:rPr lang="en-US" altLang="zh-CN" dirty="0">
+                <a:solidFill>
+                  <a:srgbClr val="000000"/>
+                </a:solidFill>
+                <a:highlight>
+                  <a:srgbClr val="FFFFFF"/>
+                </a:highlight>
+                <a:latin typeface="新宋体" panose="02010609030101010101" pitchFamily="49" charset="-122"/>
+                <a:ea typeface="新宋体" panose="02010609030101010101" pitchFamily="49" charset="-122"/>
+              </a:rPr>
+              <a:t>::</a:t>
+            </a:r>
+            <a:r>
+              <a:rPr lang="en-US" altLang="zh-CN" dirty="0">
+                <a:solidFill>
+                  <a:srgbClr val="2B91AF"/>
+                </a:solidFill>
+                <a:highlight>
+                  <a:srgbClr val="FFFFFF"/>
+                </a:highlight>
+                <a:latin typeface="新宋体" panose="02010609030101010101" pitchFamily="49" charset="-122"/>
+                <a:ea typeface="新宋体" panose="02010609030101010101" pitchFamily="49" charset="-122"/>
+              </a:rPr>
+              <a:t>array</a:t>
+            </a:r>
+            <a:r>
+              <a:rPr lang="en-US" altLang="zh-CN" dirty="0">
+                <a:solidFill>
+                  <a:srgbClr val="000000"/>
+                </a:solidFill>
+                <a:highlight>
+                  <a:srgbClr val="FFFFFF"/>
+                </a:highlight>
+                <a:latin typeface="新宋体" panose="02010609030101010101" pitchFamily="49" charset="-122"/>
+                <a:ea typeface="新宋体" panose="02010609030101010101" pitchFamily="49" charset="-122"/>
+              </a:rPr>
+              <a:t>&lt;</a:t>
+            </a:r>
+            <a:r>
+              <a:rPr lang="en-US" altLang="zh-CN" dirty="0" err="1">
+                <a:solidFill>
+                  <a:srgbClr val="0000FF"/>
+                </a:solidFill>
+                <a:highlight>
+                  <a:srgbClr val="FFFFFF"/>
+                </a:highlight>
+                <a:latin typeface="新宋体" panose="02010609030101010101" pitchFamily="49" charset="-122"/>
+                <a:ea typeface="新宋体" panose="02010609030101010101" pitchFamily="49" charset="-122"/>
+              </a:rPr>
+              <a:t>const</a:t>
+            </a:r>
+            <a:r>
+              <a:rPr lang="en-US" altLang="zh-CN" dirty="0">
+                <a:solidFill>
+                  <a:srgbClr val="000000"/>
+                </a:solidFill>
+                <a:highlight>
+                  <a:srgbClr val="FFFFFF"/>
+                </a:highlight>
+                <a:latin typeface="新宋体" panose="02010609030101010101" pitchFamily="49" charset="-122"/>
+                <a:ea typeface="新宋体" panose="02010609030101010101" pitchFamily="49" charset="-122"/>
+              </a:rPr>
+              <a:t> </a:t>
+            </a:r>
+            <a:r>
+              <a:rPr lang="en-US" altLang="zh-CN" dirty="0">
+                <a:solidFill>
+                  <a:srgbClr val="0000FF"/>
+                </a:solidFill>
+                <a:highlight>
+                  <a:srgbClr val="FFFFFF"/>
+                </a:highlight>
+                <a:latin typeface="新宋体" panose="02010609030101010101" pitchFamily="49" charset="-122"/>
+                <a:ea typeface="新宋体" panose="02010609030101010101" pitchFamily="49" charset="-122"/>
+              </a:rPr>
+              <a:t>char</a:t>
+            </a:r>
+            <a:r>
+              <a:rPr lang="en-US" altLang="zh-CN" dirty="0">
+                <a:solidFill>
+                  <a:srgbClr val="000000"/>
+                </a:solidFill>
+                <a:highlight>
+                  <a:srgbClr val="FFFFFF"/>
+                </a:highlight>
+                <a:latin typeface="新宋体" panose="02010609030101010101" pitchFamily="49" charset="-122"/>
+                <a:ea typeface="新宋体" panose="02010609030101010101" pitchFamily="49" charset="-122"/>
+              </a:rPr>
+              <a:t>*, </a:t>
+            </a:r>
+            <a:r>
+              <a:rPr lang="en-US" altLang="zh-CN" dirty="0" smtClean="0">
+                <a:solidFill>
+                  <a:srgbClr val="000000"/>
+                </a:solidFill>
+                <a:highlight>
+                  <a:srgbClr val="FFFFFF"/>
+                </a:highlight>
+                <a:latin typeface="新宋体" panose="02010609030101010101" pitchFamily="49" charset="-122"/>
+                <a:ea typeface="新宋体" panose="02010609030101010101" pitchFamily="49" charset="-122"/>
+              </a:rPr>
+              <a:t>3&gt; arr3 </a:t>
+            </a:r>
+            <a:r>
+              <a:rPr lang="en-US" altLang="zh-CN" dirty="0">
+                <a:solidFill>
+                  <a:srgbClr val="000000"/>
+                </a:solidFill>
+                <a:highlight>
+                  <a:srgbClr val="FFFFFF"/>
+                </a:highlight>
+                <a:latin typeface="新宋体" panose="02010609030101010101" pitchFamily="49" charset="-122"/>
+                <a:ea typeface="新宋体" panose="02010609030101010101" pitchFamily="49" charset="-122"/>
+              </a:rPr>
+              <a:t>= { </a:t>
+            </a:r>
+            <a:r>
+              <a:rPr lang="en-US" altLang="zh-CN" dirty="0">
+                <a:solidFill>
+                  <a:srgbClr val="6F008A"/>
+                </a:solidFill>
+                <a:highlight>
+                  <a:srgbClr val="FFFFFF"/>
+                </a:highlight>
+                <a:latin typeface="新宋体" panose="02010609030101010101" pitchFamily="49" charset="-122"/>
+                <a:ea typeface="新宋体" panose="02010609030101010101" pitchFamily="49" charset="-122"/>
+              </a:rPr>
+              <a:t>CON_STR_2</a:t>
+            </a:r>
+            <a:r>
+              <a:rPr lang="en-US" altLang="zh-CN" dirty="0">
+                <a:solidFill>
+                  <a:srgbClr val="000000"/>
+                </a:solidFill>
+                <a:highlight>
+                  <a:srgbClr val="FFFFFF"/>
+                </a:highlight>
+                <a:latin typeface="新宋体" panose="02010609030101010101" pitchFamily="49" charset="-122"/>
+                <a:ea typeface="新宋体" panose="02010609030101010101" pitchFamily="49" charset="-122"/>
+              </a:rPr>
+              <a:t>(a, </a:t>
+            </a:r>
+            <a:r>
+              <a:rPr lang="en-US" altLang="zh-CN" dirty="0" smtClean="0">
+                <a:solidFill>
+                  <a:srgbClr val="000000"/>
+                </a:solidFill>
+                <a:highlight>
+                  <a:srgbClr val="FFFFFF"/>
+                </a:highlight>
+                <a:latin typeface="新宋体" panose="02010609030101010101" pitchFamily="49" charset="-122"/>
+                <a:ea typeface="新宋体" panose="02010609030101010101" pitchFamily="49" charset="-122"/>
+              </a:rPr>
+              <a:t>b, c) };</a:t>
+            </a:r>
+            <a:endParaRPr lang="en-US" altLang="zh-CN" dirty="0">
+              <a:solidFill>
+                <a:srgbClr val="000000"/>
+              </a:solidFill>
+              <a:highlight>
+                <a:srgbClr val="FFFFFF"/>
+              </a:highlight>
+              <a:latin typeface="新宋体" panose="02010609030101010101" pitchFamily="49" charset="-122"/>
+              <a:ea typeface="新宋体" panose="02010609030101010101" pitchFamily="49" charset="-122"/>
+            </a:endParaRPr>
           </a:p>
         </p:txBody>
       </p:sp>
     </p:spTree>
     <p:extLst>
       <p:ext uri="{BB962C8B-B14F-4D97-AF65-F5344CB8AC3E}">
-        <p14:creationId xmlns:p14="http://schemas.microsoft.com/office/powerpoint/2010/main" val="3920747289"/>
+        <p14:creationId xmlns:p14="http://schemas.microsoft.com/office/powerpoint/2010/main" val="209621863"/>
       </p:ext>
     </p:extLst>
   </p:cSld>
@@ -6372,9 +8152,126 @@
   <p:timing>
     <p:tnLst>
       <p:par>
-        <p:cTn id="1" dur="indefinite" restart="never" nodeType="tmRoot"/>
+        <p:cTn id="1" dur="indefinite" restart="never" nodeType="tmRoot">
+          <p:childTnLst>
+            <p:seq concurrent="1" nextAc="seek">
+              <p:cTn id="2" dur="indefinite" nodeType="mainSeq">
+                <p:childTnLst>
+                  <p:par>
+                    <p:cTn id="3" fill="hold">
+                      <p:stCondLst>
+                        <p:cond delay="indefinite"/>
+                      </p:stCondLst>
+                      <p:childTnLst>
+                        <p:par>
+                          <p:cTn id="4" fill="hold">
+                            <p:stCondLst>
+                              <p:cond delay="0"/>
+                            </p:stCondLst>
+                            <p:childTnLst>
+                              <p:par>
+                                <p:cTn id="5" presetID="2" presetClass="entr" presetSubtype="4" fill="hold" grpId="0" nodeType="clickEffect">
+                                  <p:stCondLst>
+                                    <p:cond delay="0"/>
+                                  </p:stCondLst>
+                                  <p:childTnLst>
+                                    <p:set>
+                                      <p:cBhvr>
+                                        <p:cTn id="6" dur="1" fill="hold">
+                                          <p:stCondLst>
+                                            <p:cond delay="0"/>
+                                          </p:stCondLst>
+                                        </p:cTn>
+                                        <p:tgtEl>
+                                          <p:spTgt spid="5"/>
+                                        </p:tgtEl>
+                                        <p:attrNameLst>
+                                          <p:attrName>style.visibility</p:attrName>
+                                        </p:attrNameLst>
+                                      </p:cBhvr>
+                                      <p:to>
+                                        <p:strVal val="visible"/>
+                                      </p:to>
+                                    </p:set>
+                                    <p:anim calcmode="lin" valueType="num">
+                                      <p:cBhvr additive="base">
+                                        <p:cTn id="7" dur="500" fill="hold"/>
+                                        <p:tgtEl>
+                                          <p:spTgt spid="5"/>
+                                        </p:tgtEl>
+                                        <p:attrNameLst>
+                                          <p:attrName>ppt_x</p:attrName>
+                                        </p:attrNameLst>
+                                      </p:cBhvr>
+                                      <p:tavLst>
+                                        <p:tav tm="0">
+                                          <p:val>
+                                            <p:strVal val="#ppt_x"/>
+                                          </p:val>
+                                        </p:tav>
+                                        <p:tav tm="100000">
+                                          <p:val>
+                                            <p:strVal val="#ppt_x"/>
+                                          </p:val>
+                                        </p:tav>
+                                      </p:tavLst>
+                                    </p:anim>
+                                    <p:anim calcmode="lin" valueType="num">
+                                      <p:cBhvr additive="base">
+                                        <p:cTn id="8" dur="500" fill="hold"/>
+                                        <p:tgtEl>
+                                          <p:spTgt spid="5"/>
+                                        </p:tgtEl>
+                                        <p:attrNameLst>
+                                          <p:attrName>ppt_y</p:attrName>
+                                        </p:attrNameLst>
+                                      </p:cBhvr>
+                                      <p:tavLst>
+                                        <p:tav tm="0">
+                                          <p:val>
+                                            <p:strVal val="1+#ppt_h/2"/>
+                                          </p:val>
+                                        </p:tav>
+                                        <p:tav tm="100000">
+                                          <p:val>
+                                            <p:strVal val="#ppt_y"/>
+                                          </p:val>
+                                        </p:tav>
+                                      </p:tavLst>
+                                    </p:anim>
+                                  </p:childTnLst>
+                                </p:cTn>
+                              </p:par>
+                            </p:childTnLst>
+                          </p:cTn>
+                        </p:par>
+                      </p:childTnLst>
+                    </p:cTn>
+                  </p:par>
+                </p:childTnLst>
+              </p:cTn>
+              <p:prevCondLst>
+                <p:cond evt="onPrev" delay="0">
+                  <p:tgtEl>
+                    <p:sldTgt/>
+                  </p:tgtEl>
+                </p:cond>
+              </p:prevCondLst>
+              <p:nextCondLst>
+                <p:cond evt="onNext" delay="0">
+                  <p:tgtEl>
+                    <p:sldTgt/>
+                  </p:tgtEl>
+                </p:cond>
+              </p:nextCondLst>
+            </p:seq>
+          </p:childTnLst>
+        </p:cTn>
       </p:par>
     </p:tnLst>
+    <p:bldLst>
+      <p:bldP spid="5" grpId="0"/>
+    </p:bldLst>
   </p:timing>
 </p:sld>
 </file>
@@ -6413,11 +8310,7 @@
           <a:p>
             <a:r>
               <a:rPr lang="en-US" altLang="zh-CN" dirty="0"/>
-              <a:t>application of compile-time </a:t>
-            </a:r>
-            <a:r>
-              <a:rPr lang="en-US" altLang="zh-CN" dirty="0" smtClean="0"/>
-              <a:t>reflection</a:t>
+              <a:t>technology foundation(macros)</a:t>
             </a:r>
             <a:endParaRPr lang="zh-CN" altLang="en-US" dirty="0"/>
           </a:p>
@@ -6438,21 +8331,995 @@
           <a:bodyPr/>
           <a:lstStyle/>
           <a:p>
+            <a:pPr marL="0" indent="0">
+              <a:buNone/>
+            </a:pPr>
+            <a:r>
+              <a:rPr lang="en-US" altLang="zh-CN" dirty="0" smtClean="0"/>
+              <a:t>make an array</a:t>
+            </a:r>
+            <a:endParaRPr lang="zh-CN" altLang="en-US" dirty="0"/>
+          </a:p>
+        </p:txBody>
+      </p:sp>
+      <p:sp>
+        <p:nvSpPr>
+          <p:cNvPr id="4" name="矩形 3"/>
+          <p:cNvSpPr/>
+          <p:nvPr/>
+        </p:nvSpPr>
+        <p:spPr>
+          <a:xfrm>
+            <a:off x="838199" y="2431633"/>
+            <a:ext cx="10657115" cy="2031325"/>
+          </a:xfrm>
+          <a:prstGeom prst="rect">
+            <a:avLst/>
+          </a:prstGeom>
+        </p:spPr>
+        <p:txBody>
+          <a:bodyPr wrap="square">
+            <a:spAutoFit/>
+          </a:bodyPr>
+          <a:lstStyle/>
+          <a:p>
+            <a:r>
+              <a:rPr lang="en-US" altLang="zh-CN" dirty="0">
+                <a:solidFill>
+                  <a:srgbClr val="808080"/>
+                </a:solidFill>
+                <a:highlight>
+                  <a:srgbClr val="FFFFFF"/>
+                </a:highlight>
+                <a:latin typeface="新宋体" panose="02010609030101010101" pitchFamily="49" charset="-122"/>
+                <a:ea typeface="新宋体" panose="02010609030101010101" pitchFamily="49" charset="-122"/>
+              </a:rPr>
+              <a:t>#define</a:t>
+            </a:r>
+            <a:r>
+              <a:rPr lang="en-US" altLang="zh-CN" dirty="0">
+                <a:solidFill>
+                  <a:srgbClr val="000000"/>
+                </a:solidFill>
+                <a:highlight>
+                  <a:srgbClr val="FFFFFF"/>
+                </a:highlight>
+                <a:latin typeface="新宋体" panose="02010609030101010101" pitchFamily="49" charset="-122"/>
+                <a:ea typeface="新宋体" panose="02010609030101010101" pitchFamily="49" charset="-122"/>
+              </a:rPr>
+              <a:t> </a:t>
+            </a:r>
+            <a:r>
+              <a:rPr lang="en-US" altLang="zh-CN" dirty="0" smtClean="0">
+                <a:solidFill>
+                  <a:srgbClr val="6F008A"/>
+                </a:solidFill>
+                <a:highlight>
+                  <a:srgbClr val="FFFFFF"/>
+                </a:highlight>
+                <a:latin typeface="新宋体" panose="02010609030101010101" pitchFamily="49" charset="-122"/>
+                <a:ea typeface="新宋体" panose="02010609030101010101" pitchFamily="49" charset="-122"/>
+              </a:rPr>
+              <a:t>MAKE_ARRAY</a:t>
+            </a:r>
+            <a:r>
+              <a:rPr lang="en-US" altLang="zh-CN" dirty="0" smtClean="0">
+                <a:solidFill>
+                  <a:srgbClr val="000000"/>
+                </a:solidFill>
+                <a:highlight>
+                  <a:srgbClr val="FFFFFF"/>
+                </a:highlight>
+                <a:latin typeface="新宋体" panose="02010609030101010101" pitchFamily="49" charset="-122"/>
+                <a:ea typeface="新宋体" panose="02010609030101010101" pitchFamily="49" charset="-122"/>
+              </a:rPr>
+              <a:t>(NAME</a:t>
+            </a:r>
+            <a:r>
+              <a:rPr lang="en-US" altLang="zh-CN" dirty="0">
+                <a:solidFill>
+                  <a:srgbClr val="000000"/>
+                </a:solidFill>
+                <a:highlight>
+                  <a:srgbClr val="FFFFFF"/>
+                </a:highlight>
+                <a:latin typeface="新宋体" panose="02010609030101010101" pitchFamily="49" charset="-122"/>
+                <a:ea typeface="新宋体" panose="02010609030101010101" pitchFamily="49" charset="-122"/>
+              </a:rPr>
+              <a:t>, ...) \</a:t>
+            </a:r>
+          </a:p>
+          <a:p>
+            <a:r>
+              <a:rPr lang="en-US" altLang="zh-CN" dirty="0" smtClean="0">
+                <a:solidFill>
+                  <a:srgbClr val="000000"/>
+                </a:solidFill>
+                <a:highlight>
+                  <a:srgbClr val="FFFFFF"/>
+                </a:highlight>
+                <a:latin typeface="新宋体" panose="02010609030101010101" pitchFamily="49" charset="-122"/>
+                <a:ea typeface="新宋体" panose="02010609030101010101" pitchFamily="49" charset="-122"/>
+              </a:rPr>
+              <a:t>	MAKE_ARRAY_IMPL(NAME</a:t>
+            </a:r>
+            <a:r>
+              <a:rPr lang="en-US" altLang="zh-CN" dirty="0">
+                <a:solidFill>
+                  <a:srgbClr val="000000"/>
+                </a:solidFill>
+                <a:highlight>
+                  <a:srgbClr val="FFFFFF"/>
+                </a:highlight>
+                <a:latin typeface="新宋体" panose="02010609030101010101" pitchFamily="49" charset="-122"/>
+                <a:ea typeface="新宋体" panose="02010609030101010101" pitchFamily="49" charset="-122"/>
+              </a:rPr>
+              <a:t>, </a:t>
+            </a:r>
+            <a:r>
+              <a:rPr lang="en-US" altLang="zh-CN" dirty="0">
+                <a:solidFill>
+                  <a:srgbClr val="6F008A"/>
+                </a:solidFill>
+                <a:highlight>
+                  <a:srgbClr val="FFFFFF"/>
+                </a:highlight>
+                <a:latin typeface="新宋体" panose="02010609030101010101" pitchFamily="49" charset="-122"/>
+                <a:ea typeface="新宋体" panose="02010609030101010101" pitchFamily="49" charset="-122"/>
+              </a:rPr>
+              <a:t>GET_ARG_COUNT</a:t>
+            </a:r>
+            <a:r>
+              <a:rPr lang="en-US" altLang="zh-CN" dirty="0">
+                <a:solidFill>
+                  <a:srgbClr val="000000"/>
+                </a:solidFill>
+                <a:highlight>
+                  <a:srgbClr val="FFFFFF"/>
+                </a:highlight>
+                <a:latin typeface="新宋体" panose="02010609030101010101" pitchFamily="49" charset="-122"/>
+                <a:ea typeface="新宋体" panose="02010609030101010101" pitchFamily="49" charset="-122"/>
+              </a:rPr>
+              <a:t>(__VA_ARGS__), __VA_ARGS__)</a:t>
+            </a:r>
+          </a:p>
+          <a:p>
+            <a:endParaRPr lang="zh-CN" altLang="en-US" dirty="0">
+              <a:solidFill>
+                <a:srgbClr val="000000"/>
+              </a:solidFill>
+              <a:highlight>
+                <a:srgbClr val="FFFFFF"/>
+              </a:highlight>
+              <a:latin typeface="新宋体" panose="02010609030101010101" pitchFamily="49" charset="-122"/>
+              <a:ea typeface="新宋体" panose="02010609030101010101" pitchFamily="49" charset="-122"/>
+            </a:endParaRPr>
+          </a:p>
+          <a:p>
+            <a:r>
+              <a:rPr lang="en-US" altLang="zh-CN" dirty="0">
+                <a:solidFill>
+                  <a:srgbClr val="808080"/>
+                </a:solidFill>
+                <a:highlight>
+                  <a:srgbClr val="FFFFFF"/>
+                </a:highlight>
+                <a:latin typeface="新宋体" panose="02010609030101010101" pitchFamily="49" charset="-122"/>
+                <a:ea typeface="新宋体" panose="02010609030101010101" pitchFamily="49" charset="-122"/>
+              </a:rPr>
+              <a:t>#define</a:t>
+            </a:r>
+            <a:r>
+              <a:rPr lang="en-US" altLang="zh-CN" dirty="0">
+                <a:solidFill>
+                  <a:srgbClr val="000000"/>
+                </a:solidFill>
+                <a:highlight>
+                  <a:srgbClr val="FFFFFF"/>
+                </a:highlight>
+                <a:latin typeface="新宋体" panose="02010609030101010101" pitchFamily="49" charset="-122"/>
+                <a:ea typeface="新宋体" panose="02010609030101010101" pitchFamily="49" charset="-122"/>
+              </a:rPr>
+              <a:t> </a:t>
+            </a:r>
+            <a:r>
+              <a:rPr lang="en-US" altLang="zh-CN" dirty="0" smtClean="0">
+                <a:solidFill>
+                  <a:srgbClr val="6F008A"/>
+                </a:solidFill>
+                <a:highlight>
+                  <a:srgbClr val="FFFFFF"/>
+                </a:highlight>
+                <a:latin typeface="新宋体" panose="02010609030101010101" pitchFamily="49" charset="-122"/>
+                <a:ea typeface="新宋体" panose="02010609030101010101" pitchFamily="49" charset="-122"/>
+              </a:rPr>
+              <a:t>MAKE_ARRAY_IMPL</a:t>
+            </a:r>
+            <a:r>
+              <a:rPr lang="en-US" altLang="zh-CN" dirty="0" smtClean="0">
+                <a:solidFill>
+                  <a:srgbClr val="000000"/>
+                </a:solidFill>
+                <a:highlight>
+                  <a:srgbClr val="FFFFFF"/>
+                </a:highlight>
+                <a:latin typeface="新宋体" panose="02010609030101010101" pitchFamily="49" charset="-122"/>
+                <a:ea typeface="新宋体" panose="02010609030101010101" pitchFamily="49" charset="-122"/>
+              </a:rPr>
+              <a:t>(NAME</a:t>
+            </a:r>
+            <a:r>
+              <a:rPr lang="en-US" altLang="zh-CN" dirty="0">
+                <a:solidFill>
+                  <a:srgbClr val="000000"/>
+                </a:solidFill>
+                <a:highlight>
+                  <a:srgbClr val="FFFFFF"/>
+                </a:highlight>
+                <a:latin typeface="新宋体" panose="02010609030101010101" pitchFamily="49" charset="-122"/>
+                <a:ea typeface="新宋体" panose="02010609030101010101" pitchFamily="49" charset="-122"/>
+              </a:rPr>
+              <a:t>, N, ...) \</a:t>
+            </a:r>
+          </a:p>
+          <a:p>
+            <a:r>
+              <a:rPr lang="en-US" altLang="zh-CN" dirty="0" err="1" smtClean="0">
+                <a:solidFill>
+                  <a:srgbClr val="0000FF"/>
+                </a:solidFill>
+                <a:highlight>
+                  <a:srgbClr val="FFFFFF"/>
+                </a:highlight>
+                <a:latin typeface="新宋体" panose="02010609030101010101" pitchFamily="49" charset="-122"/>
+                <a:ea typeface="新宋体" panose="02010609030101010101" pitchFamily="49" charset="-122"/>
+              </a:rPr>
+              <a:t>constexpr</a:t>
+            </a:r>
+            <a:r>
+              <a:rPr lang="en-US" altLang="zh-CN" dirty="0" smtClean="0">
+                <a:solidFill>
+                  <a:srgbClr val="000000"/>
+                </a:solidFill>
+                <a:highlight>
+                  <a:srgbClr val="FFFFFF"/>
+                </a:highlight>
+                <a:latin typeface="新宋体" panose="02010609030101010101" pitchFamily="49" charset="-122"/>
+                <a:ea typeface="新宋体" panose="02010609030101010101" pitchFamily="49" charset="-122"/>
+              </a:rPr>
+              <a:t> </a:t>
+            </a:r>
+            <a:r>
+              <a:rPr lang="en-US" altLang="zh-CN" dirty="0" err="1">
+                <a:solidFill>
+                  <a:srgbClr val="000000"/>
+                </a:solidFill>
+                <a:highlight>
+                  <a:srgbClr val="FFFFFF"/>
+                </a:highlight>
+                <a:latin typeface="新宋体" panose="02010609030101010101" pitchFamily="49" charset="-122"/>
+                <a:ea typeface="新宋体" panose="02010609030101010101" pitchFamily="49" charset="-122"/>
+              </a:rPr>
+              <a:t>std</a:t>
+            </a:r>
+            <a:r>
+              <a:rPr lang="en-US" altLang="zh-CN" dirty="0">
+                <a:solidFill>
+                  <a:srgbClr val="000000"/>
+                </a:solidFill>
+                <a:highlight>
+                  <a:srgbClr val="FFFFFF"/>
+                </a:highlight>
+                <a:latin typeface="新宋体" panose="02010609030101010101" pitchFamily="49" charset="-122"/>
+                <a:ea typeface="新宋体" panose="02010609030101010101" pitchFamily="49" charset="-122"/>
+              </a:rPr>
+              <a:t>::</a:t>
+            </a:r>
+            <a:r>
+              <a:rPr lang="en-US" altLang="zh-CN" dirty="0">
+                <a:solidFill>
+                  <a:srgbClr val="2B91AF"/>
+                </a:solidFill>
+                <a:highlight>
+                  <a:srgbClr val="FFFFFF"/>
+                </a:highlight>
+                <a:latin typeface="新宋体" panose="02010609030101010101" pitchFamily="49" charset="-122"/>
+                <a:ea typeface="新宋体" panose="02010609030101010101" pitchFamily="49" charset="-122"/>
+              </a:rPr>
+              <a:t>array</a:t>
+            </a:r>
+            <a:r>
+              <a:rPr lang="en-US" altLang="zh-CN" dirty="0">
+                <a:solidFill>
+                  <a:srgbClr val="000000"/>
+                </a:solidFill>
+                <a:highlight>
+                  <a:srgbClr val="FFFFFF"/>
+                </a:highlight>
+                <a:latin typeface="新宋体" panose="02010609030101010101" pitchFamily="49" charset="-122"/>
+                <a:ea typeface="新宋体" panose="02010609030101010101" pitchFamily="49" charset="-122"/>
+              </a:rPr>
+              <a:t>&lt;</a:t>
+            </a:r>
+            <a:r>
+              <a:rPr lang="en-US" altLang="zh-CN" dirty="0" err="1">
+                <a:solidFill>
+                  <a:srgbClr val="0000FF"/>
+                </a:solidFill>
+                <a:highlight>
+                  <a:srgbClr val="FFFFFF"/>
+                </a:highlight>
+                <a:latin typeface="新宋体" panose="02010609030101010101" pitchFamily="49" charset="-122"/>
+                <a:ea typeface="新宋体" panose="02010609030101010101" pitchFamily="49" charset="-122"/>
+              </a:rPr>
+              <a:t>const</a:t>
+            </a:r>
+            <a:r>
+              <a:rPr lang="en-US" altLang="zh-CN" dirty="0">
+                <a:solidFill>
+                  <a:srgbClr val="000000"/>
+                </a:solidFill>
+                <a:highlight>
+                  <a:srgbClr val="FFFFFF"/>
+                </a:highlight>
+                <a:latin typeface="新宋体" panose="02010609030101010101" pitchFamily="49" charset="-122"/>
+                <a:ea typeface="新宋体" panose="02010609030101010101" pitchFamily="49" charset="-122"/>
+              </a:rPr>
+              <a:t> </a:t>
+            </a:r>
+            <a:r>
+              <a:rPr lang="en-US" altLang="zh-CN" dirty="0">
+                <a:solidFill>
+                  <a:srgbClr val="0000FF"/>
+                </a:solidFill>
+                <a:highlight>
+                  <a:srgbClr val="FFFFFF"/>
+                </a:highlight>
+                <a:latin typeface="新宋体" panose="02010609030101010101" pitchFamily="49" charset="-122"/>
+                <a:ea typeface="新宋体" panose="02010609030101010101" pitchFamily="49" charset="-122"/>
+              </a:rPr>
+              <a:t>char</a:t>
+            </a:r>
+            <a:r>
+              <a:rPr lang="en-US" altLang="zh-CN" dirty="0">
+                <a:solidFill>
+                  <a:srgbClr val="000000"/>
+                </a:solidFill>
+                <a:highlight>
+                  <a:srgbClr val="FFFFFF"/>
+                </a:highlight>
+                <a:latin typeface="新宋体" panose="02010609030101010101" pitchFamily="49" charset="-122"/>
+                <a:ea typeface="新宋体" panose="02010609030101010101" pitchFamily="49" charset="-122"/>
+              </a:rPr>
+              <a:t>*, N&gt; </a:t>
+            </a:r>
+            <a:r>
+              <a:rPr lang="en-US" altLang="zh-CN" dirty="0" err="1">
+                <a:solidFill>
+                  <a:srgbClr val="000000"/>
+                </a:solidFill>
+                <a:highlight>
+                  <a:srgbClr val="FFFFFF"/>
+                </a:highlight>
+                <a:latin typeface="新宋体" panose="02010609030101010101" pitchFamily="49" charset="-122"/>
+                <a:ea typeface="新宋体" panose="02010609030101010101" pitchFamily="49" charset="-122"/>
+              </a:rPr>
+              <a:t>arr</a:t>
+            </a:r>
+            <a:r>
+              <a:rPr lang="en-US" altLang="zh-CN" dirty="0" smtClean="0">
+                <a:solidFill>
+                  <a:srgbClr val="000000"/>
+                </a:solidFill>
+                <a:highlight>
+                  <a:srgbClr val="FFFFFF"/>
+                </a:highlight>
+                <a:latin typeface="新宋体" panose="02010609030101010101" pitchFamily="49" charset="-122"/>
+                <a:ea typeface="新宋体" panose="02010609030101010101" pitchFamily="49" charset="-122"/>
+              </a:rPr>
+              <a:t>_##NAME </a:t>
+            </a:r>
+            <a:r>
+              <a:rPr lang="en-US" altLang="zh-CN" dirty="0">
+                <a:solidFill>
+                  <a:srgbClr val="000000"/>
+                </a:solidFill>
+                <a:highlight>
+                  <a:srgbClr val="FFFFFF"/>
+                </a:highlight>
+                <a:latin typeface="新宋体" panose="02010609030101010101" pitchFamily="49" charset="-122"/>
+                <a:ea typeface="新宋体" panose="02010609030101010101" pitchFamily="49" charset="-122"/>
+              </a:rPr>
+              <a:t>= </a:t>
+            </a:r>
+            <a:r>
+              <a:rPr lang="en-US" altLang="zh-CN" dirty="0" smtClean="0">
+                <a:solidFill>
+                  <a:srgbClr val="000000"/>
+                </a:solidFill>
+                <a:highlight>
+                  <a:srgbClr val="FFFFFF"/>
+                </a:highlight>
+                <a:latin typeface="新宋体" panose="02010609030101010101" pitchFamily="49" charset="-122"/>
+                <a:ea typeface="新宋体" panose="02010609030101010101" pitchFamily="49" charset="-122"/>
+              </a:rPr>
+              <a:t>{ </a:t>
+            </a:r>
+            <a:r>
+              <a:rPr lang="en-US" altLang="zh-CN" dirty="0">
+                <a:solidFill>
+                  <a:srgbClr val="6F008A"/>
+                </a:solidFill>
+                <a:highlight>
+                  <a:srgbClr val="FFFFFF"/>
+                </a:highlight>
+                <a:latin typeface="新宋体" panose="02010609030101010101" pitchFamily="49" charset="-122"/>
+                <a:ea typeface="新宋体" panose="02010609030101010101" pitchFamily="49" charset="-122"/>
+              </a:rPr>
+              <a:t>MACRO_CONCAT</a:t>
+            </a:r>
+            <a:r>
+              <a:rPr lang="en-US" altLang="zh-CN" dirty="0" smtClean="0">
+                <a:solidFill>
+                  <a:srgbClr val="000000"/>
+                </a:solidFill>
+                <a:highlight>
+                  <a:srgbClr val="FFFFFF"/>
+                </a:highlight>
+                <a:latin typeface="新宋体" panose="02010609030101010101" pitchFamily="49" charset="-122"/>
+                <a:ea typeface="新宋体" panose="02010609030101010101" pitchFamily="49" charset="-122"/>
+              </a:rPr>
+              <a:t>(CON_STR</a:t>
+            </a:r>
+            <a:r>
+              <a:rPr lang="en-US" altLang="zh-CN" dirty="0">
+                <a:solidFill>
+                  <a:srgbClr val="000000"/>
+                </a:solidFill>
+                <a:highlight>
+                  <a:srgbClr val="FFFFFF"/>
+                </a:highlight>
+                <a:latin typeface="新宋体" panose="02010609030101010101" pitchFamily="49" charset="-122"/>
+                <a:ea typeface="新宋体" panose="02010609030101010101" pitchFamily="49" charset="-122"/>
+              </a:rPr>
+              <a:t>, N)(__VA_ARGS</a:t>
+            </a:r>
+            <a:r>
+              <a:rPr lang="en-US" altLang="zh-CN" dirty="0" smtClean="0">
+                <a:solidFill>
+                  <a:srgbClr val="000000"/>
+                </a:solidFill>
+                <a:highlight>
+                  <a:srgbClr val="FFFFFF"/>
+                </a:highlight>
+                <a:latin typeface="新宋体" panose="02010609030101010101" pitchFamily="49" charset="-122"/>
+                <a:ea typeface="新宋体" panose="02010609030101010101" pitchFamily="49" charset="-122"/>
+              </a:rPr>
+              <a:t>__) </a:t>
+            </a:r>
+            <a:r>
+              <a:rPr lang="en-US" altLang="zh-CN" dirty="0">
+                <a:solidFill>
+                  <a:srgbClr val="000000"/>
+                </a:solidFill>
+                <a:highlight>
+                  <a:srgbClr val="FFFFFF"/>
+                </a:highlight>
+                <a:latin typeface="新宋体" panose="02010609030101010101" pitchFamily="49" charset="-122"/>
+                <a:ea typeface="新宋体" panose="02010609030101010101" pitchFamily="49" charset="-122"/>
+              </a:rPr>
+              <a:t>};</a:t>
+            </a:r>
+          </a:p>
+          <a:p>
+            <a:endParaRPr lang="zh-CN" altLang="en-US" dirty="0">
+              <a:solidFill>
+                <a:srgbClr val="000000"/>
+              </a:solidFill>
+              <a:highlight>
+                <a:srgbClr val="FFFFFF"/>
+              </a:highlight>
+              <a:latin typeface="新宋体" panose="02010609030101010101" pitchFamily="49" charset="-122"/>
+              <a:ea typeface="新宋体" panose="02010609030101010101" pitchFamily="49" charset="-122"/>
+            </a:endParaRPr>
+          </a:p>
+          <a:p>
+            <a:r>
+              <a:rPr lang="it-IT" altLang="zh-CN" dirty="0">
+                <a:solidFill>
+                  <a:srgbClr val="808080"/>
+                </a:solidFill>
+                <a:highlight>
+                  <a:srgbClr val="FFFFFF"/>
+                </a:highlight>
+                <a:latin typeface="新宋体" panose="02010609030101010101" pitchFamily="49" charset="-122"/>
+                <a:ea typeface="新宋体" panose="02010609030101010101" pitchFamily="49" charset="-122"/>
+              </a:rPr>
+              <a:t>#define</a:t>
+            </a:r>
+            <a:r>
+              <a:rPr lang="it-IT" altLang="zh-CN" dirty="0">
+                <a:solidFill>
+                  <a:srgbClr val="000000"/>
+                </a:solidFill>
+                <a:highlight>
+                  <a:srgbClr val="FFFFFF"/>
+                </a:highlight>
+                <a:latin typeface="新宋体" panose="02010609030101010101" pitchFamily="49" charset="-122"/>
+                <a:ea typeface="新宋体" panose="02010609030101010101" pitchFamily="49" charset="-122"/>
+              </a:rPr>
+              <a:t> </a:t>
+            </a:r>
+            <a:r>
+              <a:rPr lang="it-IT" altLang="zh-CN" dirty="0">
+                <a:solidFill>
+                  <a:srgbClr val="6F008A"/>
+                </a:solidFill>
+                <a:highlight>
+                  <a:srgbClr val="FFFFFF"/>
+                </a:highlight>
+                <a:latin typeface="新宋体" panose="02010609030101010101" pitchFamily="49" charset="-122"/>
+                <a:ea typeface="新宋体" panose="02010609030101010101" pitchFamily="49" charset="-122"/>
+              </a:rPr>
+              <a:t>MACRO_CONCAT</a:t>
+            </a:r>
+            <a:r>
+              <a:rPr lang="it-IT" altLang="zh-CN" dirty="0">
+                <a:solidFill>
+                  <a:srgbClr val="000000"/>
+                </a:solidFill>
+                <a:highlight>
+                  <a:srgbClr val="FFFFFF"/>
+                </a:highlight>
+                <a:latin typeface="新宋体" panose="02010609030101010101" pitchFamily="49" charset="-122"/>
+                <a:ea typeface="新宋体" panose="02010609030101010101" pitchFamily="49" charset="-122"/>
+              </a:rPr>
+              <a:t>(A, B) A##_##B</a:t>
+            </a:r>
+            <a:endParaRPr lang="zh-CN" altLang="en-US" dirty="0"/>
+          </a:p>
+        </p:txBody>
+      </p:sp>
+      <p:sp>
+        <p:nvSpPr>
+          <p:cNvPr id="5" name="矩形 4"/>
+          <p:cNvSpPr/>
+          <p:nvPr/>
+        </p:nvSpPr>
+        <p:spPr>
+          <a:xfrm>
+            <a:off x="838199" y="4597895"/>
+            <a:ext cx="2377574" cy="369332"/>
+          </a:xfrm>
+          <a:prstGeom prst="rect">
+            <a:avLst/>
+          </a:prstGeom>
+        </p:spPr>
+        <p:txBody>
+          <a:bodyPr wrap="none">
+            <a:spAutoFit/>
+          </a:bodyPr>
+          <a:lstStyle/>
+          <a:p>
+            <a:r>
+              <a:rPr lang="en-US" altLang="zh-CN" dirty="0">
+                <a:solidFill>
+                  <a:srgbClr val="6F008A"/>
+                </a:solidFill>
+                <a:highlight>
+                  <a:srgbClr val="FFFFFF"/>
+                </a:highlight>
+                <a:latin typeface="新宋体" panose="02010609030101010101" pitchFamily="49" charset="-122"/>
+                <a:ea typeface="新宋体" panose="02010609030101010101" pitchFamily="49" charset="-122"/>
+              </a:rPr>
+              <a:t>MAKE_ARRAY</a:t>
+            </a:r>
+            <a:r>
+              <a:rPr lang="en-US" altLang="zh-CN" dirty="0">
+                <a:solidFill>
+                  <a:srgbClr val="000000"/>
+                </a:solidFill>
+                <a:highlight>
+                  <a:srgbClr val="FFFFFF"/>
+                </a:highlight>
+                <a:latin typeface="新宋体" panose="02010609030101010101" pitchFamily="49" charset="-122"/>
+                <a:ea typeface="新宋体" panose="02010609030101010101" pitchFamily="49" charset="-122"/>
+              </a:rPr>
+              <a:t>(t, a, b</a:t>
+            </a:r>
+            <a:r>
+              <a:rPr lang="en-US" altLang="zh-CN" dirty="0" smtClean="0">
+                <a:solidFill>
+                  <a:srgbClr val="000000"/>
+                </a:solidFill>
+                <a:highlight>
+                  <a:srgbClr val="FFFFFF"/>
+                </a:highlight>
+                <a:latin typeface="新宋体" panose="02010609030101010101" pitchFamily="49" charset="-122"/>
+                <a:ea typeface="新宋体" panose="02010609030101010101" pitchFamily="49" charset="-122"/>
+              </a:rPr>
+              <a:t>)</a:t>
+            </a:r>
+            <a:endParaRPr lang="zh-CN" altLang="en-US" dirty="0"/>
+          </a:p>
+        </p:txBody>
+      </p:sp>
+      <p:sp>
+        <p:nvSpPr>
+          <p:cNvPr id="6" name="矩形 5"/>
+          <p:cNvSpPr/>
+          <p:nvPr/>
+        </p:nvSpPr>
+        <p:spPr>
+          <a:xfrm>
+            <a:off x="3050311" y="4597895"/>
+            <a:ext cx="3663182" cy="369332"/>
+          </a:xfrm>
+          <a:prstGeom prst="rect">
+            <a:avLst/>
+          </a:prstGeom>
+        </p:spPr>
+        <p:txBody>
+          <a:bodyPr wrap="none">
+            <a:spAutoFit/>
+          </a:bodyPr>
+          <a:lstStyle/>
+          <a:p>
+            <a:r>
+              <a:rPr lang="en-US" altLang="zh-CN" dirty="0" smtClean="0">
+                <a:solidFill>
+                  <a:srgbClr val="6F008A"/>
+                </a:solidFill>
+                <a:highlight>
+                  <a:srgbClr val="FFFFFF"/>
+                </a:highlight>
+                <a:latin typeface="新宋体" panose="02010609030101010101" pitchFamily="49" charset="-122"/>
+                <a:ea typeface="新宋体" panose="02010609030101010101" pitchFamily="49" charset="-122"/>
+                <a:sym typeface="Wingdings" panose="05000000000000000000" pitchFamily="2" charset="2"/>
+              </a:rPr>
+              <a:t></a:t>
+            </a:r>
+            <a:r>
+              <a:rPr lang="en-US" altLang="zh-CN" dirty="0" smtClean="0">
+                <a:solidFill>
+                  <a:srgbClr val="6F008A"/>
+                </a:solidFill>
+                <a:highlight>
+                  <a:srgbClr val="FFFFFF"/>
+                </a:highlight>
+                <a:latin typeface="新宋体" panose="02010609030101010101" pitchFamily="49" charset="-122"/>
+                <a:ea typeface="新宋体" panose="02010609030101010101" pitchFamily="49" charset="-122"/>
+              </a:rPr>
+              <a:t>MAKE_ARRAY_IMPL</a:t>
+            </a:r>
+            <a:r>
+              <a:rPr lang="en-US" altLang="zh-CN" dirty="0" smtClean="0">
+                <a:solidFill>
+                  <a:srgbClr val="000000"/>
+                </a:solidFill>
+                <a:highlight>
+                  <a:srgbClr val="FFFFFF"/>
+                </a:highlight>
+                <a:latin typeface="新宋体" panose="02010609030101010101" pitchFamily="49" charset="-122"/>
+                <a:ea typeface="新宋体" panose="02010609030101010101" pitchFamily="49" charset="-122"/>
+              </a:rPr>
+              <a:t>(t, 2, </a:t>
+            </a:r>
+            <a:r>
+              <a:rPr lang="en-US" altLang="zh-CN" dirty="0">
+                <a:solidFill>
+                  <a:srgbClr val="000000"/>
+                </a:solidFill>
+                <a:highlight>
+                  <a:srgbClr val="FFFFFF"/>
+                </a:highlight>
+                <a:latin typeface="新宋体" panose="02010609030101010101" pitchFamily="49" charset="-122"/>
+                <a:ea typeface="新宋体" panose="02010609030101010101" pitchFamily="49" charset="-122"/>
+              </a:rPr>
+              <a:t>a, b</a:t>
+            </a:r>
+            <a:r>
+              <a:rPr lang="en-US" altLang="zh-CN" dirty="0" smtClean="0">
+                <a:solidFill>
+                  <a:srgbClr val="000000"/>
+                </a:solidFill>
+                <a:highlight>
+                  <a:srgbClr val="FFFFFF"/>
+                </a:highlight>
+                <a:latin typeface="新宋体" panose="02010609030101010101" pitchFamily="49" charset="-122"/>
+                <a:ea typeface="新宋体" panose="02010609030101010101" pitchFamily="49" charset="-122"/>
+              </a:rPr>
+              <a:t>)</a:t>
+            </a:r>
+            <a:endParaRPr lang="zh-CN" altLang="en-US" dirty="0"/>
+          </a:p>
+        </p:txBody>
+      </p:sp>
+      <p:sp>
+        <p:nvSpPr>
+          <p:cNvPr id="7" name="矩形 6"/>
+          <p:cNvSpPr/>
+          <p:nvPr/>
+        </p:nvSpPr>
+        <p:spPr>
+          <a:xfrm>
+            <a:off x="6373689" y="4597895"/>
+            <a:ext cx="2393604" cy="369332"/>
+          </a:xfrm>
+          <a:prstGeom prst="rect">
+            <a:avLst/>
+          </a:prstGeom>
+        </p:spPr>
+        <p:txBody>
+          <a:bodyPr wrap="none">
+            <a:spAutoFit/>
+          </a:bodyPr>
+          <a:lstStyle/>
+          <a:p>
+            <a:r>
+              <a:rPr lang="en-US" altLang="zh-CN" dirty="0" smtClean="0">
+                <a:solidFill>
+                  <a:srgbClr val="6F008A"/>
+                </a:solidFill>
+                <a:highlight>
+                  <a:srgbClr val="FFFFFF"/>
+                </a:highlight>
+                <a:latin typeface="新宋体" panose="02010609030101010101" pitchFamily="49" charset="-122"/>
+                <a:ea typeface="新宋体" panose="02010609030101010101" pitchFamily="49" charset="-122"/>
+                <a:sym typeface="Wingdings" panose="05000000000000000000" pitchFamily="2" charset="2"/>
+              </a:rPr>
+              <a:t>{ </a:t>
+            </a:r>
+            <a:r>
+              <a:rPr lang="en-US" altLang="zh-CN" dirty="0" smtClean="0">
+                <a:solidFill>
+                  <a:srgbClr val="6F008A"/>
+                </a:solidFill>
+                <a:highlight>
+                  <a:srgbClr val="FFFFFF"/>
+                </a:highlight>
+                <a:latin typeface="新宋体" panose="02010609030101010101" pitchFamily="49" charset="-122"/>
+                <a:ea typeface="新宋体" panose="02010609030101010101" pitchFamily="49" charset="-122"/>
+              </a:rPr>
+              <a:t>CON_STR2</a:t>
+            </a:r>
+            <a:r>
+              <a:rPr lang="en-US" altLang="zh-CN" dirty="0">
+                <a:solidFill>
+                  <a:srgbClr val="000000"/>
+                </a:solidFill>
+                <a:highlight>
+                  <a:srgbClr val="FFFFFF"/>
+                </a:highlight>
+                <a:latin typeface="新宋体" panose="02010609030101010101" pitchFamily="49" charset="-122"/>
+                <a:ea typeface="新宋体" panose="02010609030101010101" pitchFamily="49" charset="-122"/>
+              </a:rPr>
+              <a:t>(</a:t>
+            </a:r>
+            <a:r>
+              <a:rPr lang="en-US" altLang="zh-CN" dirty="0" smtClean="0">
+                <a:solidFill>
+                  <a:srgbClr val="000000"/>
+                </a:solidFill>
+                <a:highlight>
+                  <a:srgbClr val="FFFFFF"/>
+                </a:highlight>
+                <a:latin typeface="新宋体" panose="02010609030101010101" pitchFamily="49" charset="-122"/>
+                <a:ea typeface="新宋体" panose="02010609030101010101" pitchFamily="49" charset="-122"/>
+              </a:rPr>
+              <a:t>a</a:t>
+            </a:r>
+            <a:r>
+              <a:rPr lang="en-US" altLang="zh-CN" dirty="0">
+                <a:solidFill>
+                  <a:srgbClr val="000000"/>
+                </a:solidFill>
+                <a:highlight>
+                  <a:srgbClr val="FFFFFF"/>
+                </a:highlight>
+                <a:latin typeface="新宋体" panose="02010609030101010101" pitchFamily="49" charset="-122"/>
+                <a:ea typeface="新宋体" panose="02010609030101010101" pitchFamily="49" charset="-122"/>
+              </a:rPr>
+              <a:t>, </a:t>
+            </a:r>
+            <a:r>
+              <a:rPr lang="en-US" altLang="zh-CN" dirty="0" smtClean="0">
+                <a:solidFill>
+                  <a:srgbClr val="000000"/>
+                </a:solidFill>
+                <a:highlight>
+                  <a:srgbClr val="FFFFFF"/>
+                </a:highlight>
+                <a:latin typeface="新宋体" panose="02010609030101010101" pitchFamily="49" charset="-122"/>
+                <a:ea typeface="新宋体" panose="02010609030101010101" pitchFamily="49" charset="-122"/>
+              </a:rPr>
+              <a:t>b)</a:t>
+            </a:r>
+            <a:r>
+              <a:rPr lang="en-US" altLang="zh-CN" dirty="0" smtClean="0">
+                <a:solidFill>
+                  <a:srgbClr val="6F008A"/>
+                </a:solidFill>
+                <a:highlight>
+                  <a:srgbClr val="FFFFFF"/>
+                </a:highlight>
+                <a:latin typeface="新宋体" panose="02010609030101010101" pitchFamily="49" charset="-122"/>
+                <a:ea typeface="新宋体" panose="02010609030101010101" pitchFamily="49" charset="-122"/>
+              </a:rPr>
+              <a:t>}</a:t>
+            </a:r>
+            <a:endParaRPr lang="zh-CN" altLang="en-US" dirty="0"/>
+          </a:p>
+        </p:txBody>
+      </p:sp>
+      <p:sp>
+        <p:nvSpPr>
+          <p:cNvPr id="8" name="矩形 7"/>
+          <p:cNvSpPr/>
+          <p:nvPr/>
+        </p:nvSpPr>
+        <p:spPr>
+          <a:xfrm>
+            <a:off x="838199" y="5080924"/>
+            <a:ext cx="5535490" cy="369332"/>
+          </a:xfrm>
+          <a:prstGeom prst="rect">
+            <a:avLst/>
+          </a:prstGeom>
+        </p:spPr>
+        <p:txBody>
+          <a:bodyPr wrap="none">
+            <a:spAutoFit/>
+          </a:bodyPr>
+          <a:lstStyle/>
+          <a:p>
+            <a:r>
+              <a:rPr lang="en-US" altLang="zh-CN" dirty="0">
+                <a:solidFill>
+                  <a:srgbClr val="6F008A"/>
+                </a:solidFill>
+                <a:highlight>
+                  <a:srgbClr val="FFFFFF"/>
+                </a:highlight>
+                <a:latin typeface="新宋体" panose="02010609030101010101" pitchFamily="49" charset="-122"/>
+                <a:ea typeface="新宋体" panose="02010609030101010101" pitchFamily="49" charset="-122"/>
+                <a:sym typeface="Wingdings" panose="05000000000000000000" pitchFamily="2" charset="2"/>
+              </a:rPr>
+              <a:t></a:t>
+            </a:r>
+            <a:r>
+              <a:rPr lang="en-US" altLang="zh-CN" dirty="0" err="1" smtClean="0">
+                <a:solidFill>
+                  <a:srgbClr val="000000"/>
+                </a:solidFill>
+                <a:highlight>
+                  <a:srgbClr val="FFFFFF"/>
+                </a:highlight>
+                <a:latin typeface="新宋体" panose="02010609030101010101" pitchFamily="49" charset="-122"/>
+                <a:ea typeface="新宋体" panose="02010609030101010101" pitchFamily="49" charset="-122"/>
+              </a:rPr>
+              <a:t>std</a:t>
+            </a:r>
+            <a:r>
+              <a:rPr lang="en-US" altLang="zh-CN" dirty="0" smtClean="0">
+                <a:solidFill>
+                  <a:srgbClr val="000000"/>
+                </a:solidFill>
+                <a:highlight>
+                  <a:srgbClr val="FFFFFF"/>
+                </a:highlight>
+                <a:latin typeface="新宋体" panose="02010609030101010101" pitchFamily="49" charset="-122"/>
+                <a:ea typeface="新宋体" panose="02010609030101010101" pitchFamily="49" charset="-122"/>
+              </a:rPr>
+              <a:t>::</a:t>
+            </a:r>
+            <a:r>
+              <a:rPr lang="en-US" altLang="zh-CN" dirty="0" smtClean="0">
+                <a:solidFill>
+                  <a:srgbClr val="2B91AF"/>
+                </a:solidFill>
+                <a:highlight>
+                  <a:srgbClr val="FFFFFF"/>
+                </a:highlight>
+                <a:latin typeface="新宋体" panose="02010609030101010101" pitchFamily="49" charset="-122"/>
+                <a:ea typeface="新宋体" panose="02010609030101010101" pitchFamily="49" charset="-122"/>
+              </a:rPr>
+              <a:t>array</a:t>
+            </a:r>
+            <a:r>
+              <a:rPr lang="en-US" altLang="zh-CN" dirty="0" smtClean="0">
+                <a:solidFill>
+                  <a:srgbClr val="000000"/>
+                </a:solidFill>
+                <a:highlight>
+                  <a:srgbClr val="FFFFFF"/>
+                </a:highlight>
+                <a:latin typeface="新宋体" panose="02010609030101010101" pitchFamily="49" charset="-122"/>
+                <a:ea typeface="新宋体" panose="02010609030101010101" pitchFamily="49" charset="-122"/>
+              </a:rPr>
+              <a:t>&lt;</a:t>
+            </a:r>
+            <a:r>
+              <a:rPr lang="en-US" altLang="zh-CN" dirty="0" err="1" smtClean="0">
+                <a:solidFill>
+                  <a:srgbClr val="0000FF"/>
+                </a:solidFill>
+                <a:highlight>
+                  <a:srgbClr val="FFFFFF"/>
+                </a:highlight>
+                <a:latin typeface="新宋体" panose="02010609030101010101" pitchFamily="49" charset="-122"/>
+                <a:ea typeface="新宋体" panose="02010609030101010101" pitchFamily="49" charset="-122"/>
+              </a:rPr>
+              <a:t>const</a:t>
+            </a:r>
+            <a:r>
+              <a:rPr lang="en-US" altLang="zh-CN" dirty="0" smtClean="0">
+                <a:solidFill>
+                  <a:srgbClr val="000000"/>
+                </a:solidFill>
+                <a:highlight>
+                  <a:srgbClr val="FFFFFF"/>
+                </a:highlight>
+                <a:latin typeface="新宋体" panose="02010609030101010101" pitchFamily="49" charset="-122"/>
+                <a:ea typeface="新宋体" panose="02010609030101010101" pitchFamily="49" charset="-122"/>
+              </a:rPr>
+              <a:t> </a:t>
+            </a:r>
+            <a:r>
+              <a:rPr lang="en-US" altLang="zh-CN" dirty="0" smtClean="0">
+                <a:solidFill>
+                  <a:srgbClr val="0000FF"/>
+                </a:solidFill>
+                <a:highlight>
+                  <a:srgbClr val="FFFFFF"/>
+                </a:highlight>
+                <a:latin typeface="新宋体" panose="02010609030101010101" pitchFamily="49" charset="-122"/>
+                <a:ea typeface="新宋体" panose="02010609030101010101" pitchFamily="49" charset="-122"/>
+              </a:rPr>
+              <a:t>char</a:t>
+            </a:r>
+            <a:r>
+              <a:rPr lang="en-US" altLang="zh-CN" dirty="0" smtClean="0">
+                <a:solidFill>
+                  <a:srgbClr val="000000"/>
+                </a:solidFill>
+                <a:highlight>
+                  <a:srgbClr val="FFFFFF"/>
+                </a:highlight>
+                <a:latin typeface="新宋体" panose="02010609030101010101" pitchFamily="49" charset="-122"/>
+                <a:ea typeface="新宋体" panose="02010609030101010101" pitchFamily="49" charset="-122"/>
+              </a:rPr>
+              <a:t>*, 2&gt; </a:t>
+            </a:r>
+            <a:r>
+              <a:rPr lang="en-US" altLang="zh-CN" dirty="0" err="1" smtClean="0">
+                <a:solidFill>
+                  <a:srgbClr val="6F008A"/>
+                </a:solidFill>
+                <a:highlight>
+                  <a:srgbClr val="FFFFFF"/>
+                </a:highlight>
+                <a:latin typeface="新宋体" panose="02010609030101010101" pitchFamily="49" charset="-122"/>
+                <a:ea typeface="新宋体" panose="02010609030101010101" pitchFamily="49" charset="-122"/>
+              </a:rPr>
+              <a:t>arr_t</a:t>
+            </a:r>
+            <a:r>
+              <a:rPr lang="en-US" altLang="zh-CN" dirty="0" smtClean="0">
+                <a:solidFill>
+                  <a:srgbClr val="6F008A"/>
+                </a:solidFill>
+                <a:highlight>
+                  <a:srgbClr val="FFFFFF"/>
+                </a:highlight>
+                <a:latin typeface="新宋体" panose="02010609030101010101" pitchFamily="49" charset="-122"/>
+                <a:ea typeface="新宋体" panose="02010609030101010101" pitchFamily="49" charset="-122"/>
+              </a:rPr>
+              <a:t> = </a:t>
+            </a:r>
             <a:r>
               <a:rPr lang="en-US" altLang="zh-CN" dirty="0"/>
-              <a:t>Serialization</a:t>
-            </a:r>
-          </a:p>
-          <a:p>
-            <a:r>
-              <a:rPr lang="en-US" altLang="zh-CN" dirty="0"/>
-              <a:t>ORM(Object Relational Mapping)</a:t>
-            </a:r>
-          </a:p>
-          <a:p>
-            <a:r>
-              <a:rPr lang="en-US" altLang="zh-CN" dirty="0"/>
-              <a:t>DSL(domain-specific language)</a:t>
+              <a:t>{ "a", "b" }</a:t>
             </a:r>
             <a:endParaRPr lang="zh-CN" altLang="en-US" dirty="0"/>
           </a:p>
@@ -6461,7 +9328,7 @@
     </p:spTree>
     <p:extLst>
       <p:ext uri="{BB962C8B-B14F-4D97-AF65-F5344CB8AC3E}">
-        <p14:creationId xmlns:p14="http://schemas.microsoft.com/office/powerpoint/2010/main" val="3812572458"/>
+        <p14:creationId xmlns:p14="http://schemas.microsoft.com/office/powerpoint/2010/main" val="3852481211"/>
       </p:ext>
     </p:extLst>
   </p:cSld>
@@ -6471,9 +9338,196 @@
   <p:timing>
     <p:tnLst>
       <p:par>
-        <p:cTn id="1" dur="indefinite" restart="never" nodeType="tmRoot"/>
+        <p:cTn id="1" dur="indefinite" restart="never" nodeType="tmRoot">
+          <p:childTnLst>
+            <p:seq concurrent="1" nextAc="seek">
+              <p:cTn id="2" dur="indefinite" nodeType="mainSeq">
+                <p:childTnLst>
+                  <p:par>
+                    <p:cTn id="3" fill="hold">
+                      <p:stCondLst>
+                        <p:cond delay="indefinite"/>
+                      </p:stCondLst>
+                      <p:childTnLst>
+                        <p:par>
+                          <p:cTn id="4" fill="hold">
+                            <p:stCondLst>
+                              <p:cond delay="0"/>
+                            </p:stCondLst>
+                            <p:childTnLst>
+                              <p:par>
+                                <p:cTn id="5" presetID="22" presetClass="entr" presetSubtype="8" fill="hold" grpId="0" nodeType="clickEffect">
+                                  <p:stCondLst>
+                                    <p:cond delay="0"/>
+                                  </p:stCondLst>
+                                  <p:childTnLst>
+                                    <p:set>
+                                      <p:cBhvr>
+                                        <p:cTn id="6" dur="1" fill="hold">
+                                          <p:stCondLst>
+                                            <p:cond delay="0"/>
+                                          </p:stCondLst>
+                                        </p:cTn>
+                                        <p:tgtEl>
+                                          <p:spTgt spid="6"/>
+                                        </p:tgtEl>
+                                        <p:attrNameLst>
+                                          <p:attrName>style.visibility</p:attrName>
+                                        </p:attrNameLst>
+                                      </p:cBhvr>
+                                      <p:to>
+                                        <p:strVal val="visible"/>
+                                      </p:to>
+                                    </p:set>
+                                    <p:animEffect transition="in" filter="wipe(left)">
+                                      <p:cBhvr>
+                                        <p:cTn id="7" dur="500"/>
+                                        <p:tgtEl>
+                                          <p:spTgt spid="6"/>
+                                        </p:tgtEl>
+                                      </p:cBhvr>
+                                    </p:animEffect>
+                                  </p:childTnLst>
+                                </p:cTn>
+                              </p:par>
+                            </p:childTnLst>
+                          </p:cTn>
+                        </p:par>
+                      </p:childTnLst>
+                    </p:cTn>
+                  </p:par>
+                  <p:par>
+                    <p:cTn id="8" fill="hold">
+                      <p:stCondLst>
+                        <p:cond delay="indefinite"/>
+                      </p:stCondLst>
+                      <p:childTnLst>
+                        <p:par>
+                          <p:cTn id="9" fill="hold">
+                            <p:stCondLst>
+                              <p:cond delay="0"/>
+                            </p:stCondLst>
+                            <p:childTnLst>
+                              <p:par>
+                                <p:cTn id="10" presetID="22" presetClass="entr" presetSubtype="8" fill="hold" grpId="0" nodeType="clickEffect">
+                                  <p:stCondLst>
+                                    <p:cond delay="0"/>
+                                  </p:stCondLst>
+                                  <p:childTnLst>
+                                    <p:set>
+                                      <p:cBhvr>
+                                        <p:cTn id="11" dur="1" fill="hold">
+                                          <p:stCondLst>
+                                            <p:cond delay="0"/>
+                                          </p:stCondLst>
+                                        </p:cTn>
+                                        <p:tgtEl>
+                                          <p:spTgt spid="7"/>
+                                        </p:tgtEl>
+                                        <p:attrNameLst>
+                                          <p:attrName>style.visibility</p:attrName>
+                                        </p:attrNameLst>
+                                      </p:cBhvr>
+                                      <p:to>
+                                        <p:strVal val="visible"/>
+                                      </p:to>
+                                    </p:set>
+                                    <p:animEffect transition="in" filter="wipe(left)">
+                                      <p:cBhvr>
+                                        <p:cTn id="12" dur="500"/>
+                                        <p:tgtEl>
+                                          <p:spTgt spid="7"/>
+                                        </p:tgtEl>
+                                      </p:cBhvr>
+                                    </p:animEffect>
+                                  </p:childTnLst>
+                                </p:cTn>
+                              </p:par>
+                            </p:childTnLst>
+                          </p:cTn>
+                        </p:par>
+                      </p:childTnLst>
+                    </p:cTn>
+                  </p:par>
+                  <p:par>
+                    <p:cTn id="13" fill="hold">
+                      <p:stCondLst>
+                        <p:cond delay="indefinite"/>
+                      </p:stCondLst>
+                      <p:childTnLst>
+                        <p:par>
+                          <p:cTn id="14" fill="hold">
+                            <p:stCondLst>
+                              <p:cond delay="0"/>
+                            </p:stCondLst>
+                            <p:childTnLst>
+                              <p:par>
+                                <p:cTn id="15" presetID="22" presetClass="entr" presetSubtype="8" fill="hold" grpId="0" nodeType="clickEffect">
+                                  <p:stCondLst>
+                                    <p:cond delay="0"/>
+                                  </p:stCondLst>
+                                  <p:childTnLst>
+                                    <p:set>
+                                      <p:cBhvr>
+                                        <p:cTn id="16" dur="1" fill="hold">
+                                          <p:stCondLst>
+                                            <p:cond delay="0"/>
+                                          </p:stCondLst>
+                                        </p:cTn>
+                                        <p:tgtEl>
+                                          <p:spTgt spid="8"/>
+                                        </p:tgtEl>
+                                        <p:attrNameLst>
+                                          <p:attrName>style.visibility</p:attrName>
+                                        </p:attrNameLst>
+                                      </p:cBhvr>
+                                      <p:to>
+                                        <p:strVal val="visible"/>
+                                      </p:to>
+                                    </p:set>
+                                    <p:animEffect transition="in" filter="wipe(left)">
+                                      <p:cBhvr>
+                                        <p:cTn id="17" dur="500"/>
+                                        <p:tgtEl>
+                                          <p:spTgt spid="8"/>
+                                        </p:tgtEl>
+                                      </p:cBhvr>
+                                    </p:animEffect>
+                                  </p:childTnLst>
+                                </p:cTn>
+                              </p:par>
+                            </p:childTnLst>
+                          </p:cTn>
+                        </p:par>
+                      </p:childTnLst>
+                    </p:cTn>
+                  </p:par>
+                </p:childTnLst>
+              </p:cTn>
+              <p:prevCondLst>
+                <p:cond evt="onPrev" delay="0">
+                  <p:tgtEl>
+                    <p:sldTgt/>
+                  </p:tgtEl>
+                </p:cond>
+              </p:prevCondLst>
+              <p:nextCondLst>
+                <p:cond evt="onNext" delay="0">
+                  <p:tgtEl>
+                    <p:sldTgt/>
+                  </p:tgtEl>
+                </p:cond>
+              </p:nextCondLst>
+            </p:seq>
+          </p:childTnLst>
+        </p:cTn>
       </p:par>
     </p:tnLst>
+    <p:bldLst>
+      <p:bldP spid="6" grpId="0"/>
+      <p:bldP spid="7" grpId="0"/>
+      <p:bldP spid="8" grpId="0"/>
+    </p:bldLst>
   </p:timing>
 </p:sld>
 </file>
@@ -6511,8 +9565,12 @@
           <a:lstStyle/>
           <a:p>
             <a:r>
+              <a:rPr lang="en-US" altLang="zh-CN" dirty="0"/>
+              <a:t>technical </a:t>
+            </a:r>
+            <a:r>
               <a:rPr lang="en-US" altLang="zh-CN" dirty="0" smtClean="0"/>
-              <a:t>Outline</a:t>
+              <a:t>thought</a:t>
             </a:r>
             <a:endParaRPr lang="zh-CN" altLang="en-US" dirty="0"/>
           </a:p>
@@ -6533,40 +9591,50 @@
           <a:bodyPr/>
           <a:lstStyle/>
           <a:p>
+            <a:pPr marL="0" indent="0">
+              <a:buNone/>
+            </a:pPr>
             <a:r>
               <a:rPr lang="en-US" altLang="zh-CN" dirty="0" smtClean="0"/>
-              <a:t>concepts of reflection</a:t>
-            </a:r>
-          </a:p>
-          <a:p>
-            <a:r>
-              <a:rPr lang="en-US" altLang="zh-CN" dirty="0"/>
-              <a:t>implementation of compile-time </a:t>
-            </a:r>
-            <a:r>
-              <a:rPr lang="en-US" altLang="zh-CN" dirty="0" smtClean="0"/>
-              <a:t>reflection</a:t>
-            </a:r>
-          </a:p>
-          <a:p>
-            <a:r>
-              <a:rPr lang="en-US" altLang="zh-CN" dirty="0" smtClean="0"/>
-              <a:t>application of compile-time reflection</a:t>
-            </a:r>
-          </a:p>
-          <a:p>
-            <a:r>
-              <a:rPr lang="en-US" altLang="zh-CN" b="1" dirty="0" smtClean="0"/>
-              <a:t>prospect</a:t>
-            </a:r>
-            <a:endParaRPr lang="zh-CN" altLang="en-US" b="1" dirty="0"/>
+              <a:t>exist library about reflection</a:t>
+            </a:r>
+          </a:p>
+          <a:p>
+            <a:pPr marL="0" indent="0">
+              <a:buNone/>
+            </a:pPr>
+            <a:r>
+              <a:rPr lang="en-US" altLang="zh-CN" dirty="0" err="1" smtClean="0"/>
+              <a:t>magic_get</a:t>
+            </a:r>
+            <a:endParaRPr lang="en-US" altLang="zh-CN" dirty="0" smtClean="0"/>
+          </a:p>
+          <a:p>
+            <a:pPr marL="0" indent="0">
+              <a:buNone/>
+            </a:pPr>
+            <a:r>
+              <a:rPr lang="en-US" altLang="zh-CN" dirty="0" err="1" smtClean="0"/>
+              <a:t>boost.fusion</a:t>
+            </a:r>
+            <a:endParaRPr lang="en-US" altLang="zh-CN" dirty="0" smtClean="0"/>
+          </a:p>
+          <a:p>
+            <a:pPr marL="0" indent="0">
+              <a:buNone/>
+            </a:pPr>
+            <a:r>
+              <a:rPr lang="en-US" altLang="zh-CN" dirty="0" err="1" smtClean="0"/>
+              <a:t>boost.hana</a:t>
+            </a:r>
+            <a:endParaRPr lang="en-US" altLang="zh-CN" dirty="0" smtClean="0"/>
           </a:p>
         </p:txBody>
       </p:sp>
     </p:spTree>
     <p:extLst>
       <p:ext uri="{BB962C8B-B14F-4D97-AF65-F5344CB8AC3E}">
-        <p14:creationId xmlns:p14="http://schemas.microsoft.com/office/powerpoint/2010/main" val="3147020122"/>
+        <p14:creationId xmlns:p14="http://schemas.microsoft.com/office/powerpoint/2010/main" val="1019789370"/>
       </p:ext>
     </p:extLst>
   </p:cSld>
@@ -6689,6 +9757,1055 @@
 </file>
 
 <file path=ppt/slides/slide20.xml><?xml version="1.0" encoding="utf-8"?>
+<p:sld xmlns:a="http://schemas.openxmlformats.org/drawingml/2006/main" xmlns:r="http://schemas.openxmlformats.org/officeDocument/2006/relationships" xmlns:p="http://schemas.openxmlformats.org/presentationml/2006/main">
+  <p:cSld>
+    <p:spTree>
+      <p:nvGrpSpPr>
+        <p:cNvPr id="1" name=""/>
+        <p:cNvGrpSpPr/>
+        <p:nvPr/>
+      </p:nvGrpSpPr>
+      <p:grpSpPr>
+        <a:xfrm>
+          <a:off x="0" y="0"/>
+          <a:ext cx="0" cy="0"/>
+          <a:chOff x="0" y="0"/>
+          <a:chExt cx="0" cy="0"/>
+        </a:xfrm>
+      </p:grpSpPr>
+      <p:sp>
+        <p:nvSpPr>
+          <p:cNvPr id="2" name="标题 1"/>
+          <p:cNvSpPr>
+            <a:spLocks noGrp="1"/>
+          </p:cNvSpPr>
+          <p:nvPr>
+            <p:ph type="title"/>
+          </p:nvPr>
+        </p:nvSpPr>
+        <p:spPr/>
+        <p:txBody>
+          <a:bodyPr/>
+          <a:lstStyle/>
+          <a:p>
+            <a:r>
+              <a:rPr lang="en-US" altLang="zh-CN" dirty="0"/>
+              <a:t>technical </a:t>
+            </a:r>
+            <a:r>
+              <a:rPr lang="en-US" altLang="zh-CN" dirty="0" smtClean="0"/>
+              <a:t>thought</a:t>
+            </a:r>
+            <a:endParaRPr lang="zh-CN" altLang="en-US" dirty="0"/>
+          </a:p>
+        </p:txBody>
+      </p:sp>
+      <p:sp>
+        <p:nvSpPr>
+          <p:cNvPr id="3" name="内容占位符 2"/>
+          <p:cNvSpPr>
+            <a:spLocks noGrp="1"/>
+          </p:cNvSpPr>
+          <p:nvPr>
+            <p:ph idx="1"/>
+          </p:nvPr>
+        </p:nvSpPr>
+        <p:spPr/>
+        <p:txBody>
+          <a:bodyPr/>
+          <a:lstStyle/>
+          <a:p>
+            <a:pPr marL="0" indent="0">
+              <a:buNone/>
+            </a:pPr>
+            <a:r>
+              <a:rPr lang="en-US" altLang="zh-CN" dirty="0" err="1" smtClean="0"/>
+              <a:t>magic_get</a:t>
+            </a:r>
+            <a:endParaRPr lang="zh-CN" altLang="en-US" dirty="0"/>
+          </a:p>
+        </p:txBody>
+      </p:sp>
+    </p:spTree>
+    <p:extLst>
+      <p:ext uri="{BB962C8B-B14F-4D97-AF65-F5344CB8AC3E}">
+        <p14:creationId xmlns:p14="http://schemas.microsoft.com/office/powerpoint/2010/main" val="1422413175"/>
+      </p:ext>
+    </p:extLst>
+  </p:cSld>
+  <p:clrMapOvr>
+    <a:masterClrMapping/>
+  </p:clrMapOvr>
+  <p:timing>
+    <p:tnLst>
+      <p:par>
+        <p:cTn id="1" dur="indefinite" restart="never" nodeType="tmRoot"/>
+      </p:par>
+    </p:tnLst>
+  </p:timing>
+</p:sld>
+</file>
+
+<file path=ppt/slides/slide21.xml><?xml version="1.0" encoding="utf-8"?>
+<p:sld xmlns:a="http://schemas.openxmlformats.org/drawingml/2006/main" xmlns:r="http://schemas.openxmlformats.org/officeDocument/2006/relationships" xmlns:p="http://schemas.openxmlformats.org/presentationml/2006/main">
+  <p:cSld>
+    <p:spTree>
+      <p:nvGrpSpPr>
+        <p:cNvPr id="1" name=""/>
+        <p:cNvGrpSpPr/>
+        <p:nvPr/>
+      </p:nvGrpSpPr>
+      <p:grpSpPr>
+        <a:xfrm>
+          <a:off x="0" y="0"/>
+          <a:ext cx="0" cy="0"/>
+          <a:chOff x="0" y="0"/>
+          <a:chExt cx="0" cy="0"/>
+        </a:xfrm>
+      </p:grpSpPr>
+      <p:sp>
+        <p:nvSpPr>
+          <p:cNvPr id="2" name="标题 1"/>
+          <p:cNvSpPr>
+            <a:spLocks noGrp="1"/>
+          </p:cNvSpPr>
+          <p:nvPr>
+            <p:ph type="title"/>
+          </p:nvPr>
+        </p:nvSpPr>
+        <p:spPr/>
+        <p:txBody>
+          <a:bodyPr/>
+          <a:lstStyle/>
+          <a:p>
+            <a:r>
+              <a:rPr lang="en-US" altLang="zh-CN" dirty="0"/>
+              <a:t>technical </a:t>
+            </a:r>
+            <a:r>
+              <a:rPr lang="en-US" altLang="zh-CN" dirty="0" smtClean="0"/>
+              <a:t>thought</a:t>
+            </a:r>
+            <a:endParaRPr lang="zh-CN" altLang="en-US" dirty="0"/>
+          </a:p>
+        </p:txBody>
+      </p:sp>
+      <p:sp>
+        <p:nvSpPr>
+          <p:cNvPr id="3" name="内容占位符 2"/>
+          <p:cNvSpPr>
+            <a:spLocks noGrp="1"/>
+          </p:cNvSpPr>
+          <p:nvPr>
+            <p:ph idx="1"/>
+          </p:nvPr>
+        </p:nvSpPr>
+        <p:spPr/>
+        <p:txBody>
+          <a:bodyPr/>
+          <a:lstStyle/>
+          <a:p>
+            <a:pPr marL="0" indent="0">
+              <a:buNone/>
+            </a:pPr>
+            <a:r>
+              <a:rPr lang="en-US" altLang="zh-CN" dirty="0" err="1"/>
+              <a:t>boost.fusion</a:t>
+            </a:r>
+            <a:endParaRPr lang="en-US" altLang="zh-CN" dirty="0"/>
+          </a:p>
+          <a:p>
+            <a:pPr marL="0" indent="0">
+              <a:buNone/>
+            </a:pPr>
+            <a:endParaRPr lang="zh-CN" altLang="en-US" dirty="0"/>
+          </a:p>
+        </p:txBody>
+      </p:sp>
+    </p:spTree>
+    <p:extLst>
+      <p:ext uri="{BB962C8B-B14F-4D97-AF65-F5344CB8AC3E}">
+        <p14:creationId xmlns:p14="http://schemas.microsoft.com/office/powerpoint/2010/main" val="3294553824"/>
+      </p:ext>
+    </p:extLst>
+  </p:cSld>
+  <p:clrMapOvr>
+    <a:masterClrMapping/>
+  </p:clrMapOvr>
+  <p:timing>
+    <p:tnLst>
+      <p:par>
+        <p:cTn id="1" dur="indefinite" restart="never" nodeType="tmRoot"/>
+      </p:par>
+    </p:tnLst>
+  </p:timing>
+</p:sld>
+</file>
+
+<file path=ppt/slides/slide22.xml><?xml version="1.0" encoding="utf-8"?>
+<p:sld xmlns:a="http://schemas.openxmlformats.org/drawingml/2006/main" xmlns:r="http://schemas.openxmlformats.org/officeDocument/2006/relationships" xmlns:p="http://schemas.openxmlformats.org/presentationml/2006/main">
+  <p:cSld>
+    <p:spTree>
+      <p:nvGrpSpPr>
+        <p:cNvPr id="1" name=""/>
+        <p:cNvGrpSpPr/>
+        <p:nvPr/>
+      </p:nvGrpSpPr>
+      <p:grpSpPr>
+        <a:xfrm>
+          <a:off x="0" y="0"/>
+          <a:ext cx="0" cy="0"/>
+          <a:chOff x="0" y="0"/>
+          <a:chExt cx="0" cy="0"/>
+        </a:xfrm>
+      </p:grpSpPr>
+      <p:sp>
+        <p:nvSpPr>
+          <p:cNvPr id="2" name="标题 1"/>
+          <p:cNvSpPr>
+            <a:spLocks noGrp="1"/>
+          </p:cNvSpPr>
+          <p:nvPr>
+            <p:ph type="title"/>
+          </p:nvPr>
+        </p:nvSpPr>
+        <p:spPr/>
+        <p:txBody>
+          <a:bodyPr/>
+          <a:lstStyle/>
+          <a:p>
+            <a:r>
+              <a:rPr lang="en-US" altLang="zh-CN" dirty="0"/>
+              <a:t>technical </a:t>
+            </a:r>
+            <a:r>
+              <a:rPr lang="en-US" altLang="zh-CN" dirty="0" smtClean="0"/>
+              <a:t>thought</a:t>
+            </a:r>
+            <a:endParaRPr lang="zh-CN" altLang="en-US" dirty="0"/>
+          </a:p>
+        </p:txBody>
+      </p:sp>
+      <p:sp>
+        <p:nvSpPr>
+          <p:cNvPr id="3" name="内容占位符 2"/>
+          <p:cNvSpPr>
+            <a:spLocks noGrp="1"/>
+          </p:cNvSpPr>
+          <p:nvPr>
+            <p:ph idx="1"/>
+          </p:nvPr>
+        </p:nvSpPr>
+        <p:spPr/>
+        <p:txBody>
+          <a:bodyPr/>
+          <a:lstStyle/>
+          <a:p>
+            <a:pPr marL="0" indent="0">
+              <a:buNone/>
+            </a:pPr>
+            <a:r>
+              <a:rPr lang="en-US" altLang="zh-CN" dirty="0" err="1" smtClean="0"/>
+              <a:t>boost.hana</a:t>
+            </a:r>
+            <a:endParaRPr lang="en-US" altLang="zh-CN" dirty="0"/>
+          </a:p>
+          <a:p>
+            <a:pPr marL="0" indent="0">
+              <a:buNone/>
+            </a:pPr>
+            <a:endParaRPr lang="zh-CN" altLang="en-US" dirty="0"/>
+          </a:p>
+        </p:txBody>
+      </p:sp>
+    </p:spTree>
+    <p:extLst>
+      <p:ext uri="{BB962C8B-B14F-4D97-AF65-F5344CB8AC3E}">
+        <p14:creationId xmlns:p14="http://schemas.microsoft.com/office/powerpoint/2010/main" val="1916564310"/>
+      </p:ext>
+    </p:extLst>
+  </p:cSld>
+  <p:clrMapOvr>
+    <a:masterClrMapping/>
+  </p:clrMapOvr>
+  <p:timing>
+    <p:tnLst>
+      <p:par>
+        <p:cTn id="1" dur="indefinite" restart="never" nodeType="tmRoot"/>
+      </p:par>
+    </p:tnLst>
+  </p:timing>
+</p:sld>
+</file>
+
+<file path=ppt/slides/slide23.xml><?xml version="1.0" encoding="utf-8"?>
+<p:sld xmlns:a="http://schemas.openxmlformats.org/drawingml/2006/main" xmlns:r="http://schemas.openxmlformats.org/officeDocument/2006/relationships" xmlns:p="http://schemas.openxmlformats.org/presentationml/2006/main">
+  <p:cSld>
+    <p:spTree>
+      <p:nvGrpSpPr>
+        <p:cNvPr id="1" name=""/>
+        <p:cNvGrpSpPr/>
+        <p:nvPr/>
+      </p:nvGrpSpPr>
+      <p:grpSpPr>
+        <a:xfrm>
+          <a:off x="0" y="0"/>
+          <a:ext cx="0" cy="0"/>
+          <a:chOff x="0" y="0"/>
+          <a:chExt cx="0" cy="0"/>
+        </a:xfrm>
+      </p:grpSpPr>
+      <p:sp>
+        <p:nvSpPr>
+          <p:cNvPr id="2" name="标题 1"/>
+          <p:cNvSpPr>
+            <a:spLocks noGrp="1"/>
+          </p:cNvSpPr>
+          <p:nvPr>
+            <p:ph type="title"/>
+          </p:nvPr>
+        </p:nvSpPr>
+        <p:spPr/>
+        <p:txBody>
+          <a:bodyPr/>
+          <a:lstStyle/>
+          <a:p>
+            <a:r>
+              <a:rPr lang="en-US" altLang="zh-CN" dirty="0"/>
+              <a:t>technical thought</a:t>
+            </a:r>
+            <a:endParaRPr lang="zh-CN" altLang="en-US" dirty="0"/>
+          </a:p>
+        </p:txBody>
+      </p:sp>
+      <p:sp>
+        <p:nvSpPr>
+          <p:cNvPr id="3" name="内容占位符 2"/>
+          <p:cNvSpPr>
+            <a:spLocks noGrp="1"/>
+          </p:cNvSpPr>
+          <p:nvPr>
+            <p:ph idx="1"/>
+          </p:nvPr>
+        </p:nvSpPr>
+        <p:spPr/>
+        <p:txBody>
+          <a:bodyPr/>
+          <a:lstStyle/>
+          <a:p>
+            <a:r>
+              <a:rPr lang="en-US" altLang="zh-CN" dirty="0" smtClean="0"/>
+              <a:t>metadata </a:t>
+            </a:r>
+            <a:r>
+              <a:rPr lang="en-US" altLang="zh-CN" dirty="0" err="1" smtClean="0"/>
+              <a:t>defination</a:t>
+            </a:r>
+            <a:endParaRPr lang="en-US" altLang="zh-CN" dirty="0" smtClean="0"/>
+          </a:p>
+          <a:p>
+            <a:r>
+              <a:rPr lang="en-US" altLang="zh-CN" dirty="0" smtClean="0"/>
+              <a:t>operation of metadata</a:t>
+            </a:r>
+          </a:p>
+          <a:p>
+            <a:pPr lvl="1"/>
+            <a:r>
+              <a:rPr lang="en-US" altLang="zh-CN" dirty="0" smtClean="0"/>
+              <a:t>get each field</a:t>
+            </a:r>
+          </a:p>
+          <a:p>
+            <a:pPr lvl="1"/>
+            <a:r>
+              <a:rPr lang="en-US" altLang="zh-CN" dirty="0" err="1" smtClean="0"/>
+              <a:t>for_each</a:t>
+            </a:r>
+            <a:r>
+              <a:rPr lang="en-US" altLang="zh-CN" dirty="0" smtClean="0"/>
+              <a:t> every field</a:t>
+            </a:r>
+          </a:p>
+          <a:p>
+            <a:pPr marL="457200" lvl="1" indent="0">
+              <a:buNone/>
+            </a:pPr>
+            <a:endParaRPr lang="en-US" altLang="zh-CN" dirty="0" smtClean="0"/>
+          </a:p>
+          <a:p>
+            <a:r>
+              <a:rPr lang="en-US" altLang="zh-CN" dirty="0" smtClean="0"/>
+              <a:t>no limitation about the reflection object</a:t>
+            </a:r>
+          </a:p>
+          <a:p>
+            <a:endParaRPr lang="zh-CN" altLang="en-US" dirty="0"/>
+          </a:p>
+        </p:txBody>
+      </p:sp>
+    </p:spTree>
+    <p:extLst>
+      <p:ext uri="{BB962C8B-B14F-4D97-AF65-F5344CB8AC3E}">
+        <p14:creationId xmlns:p14="http://schemas.microsoft.com/office/powerpoint/2010/main" val="690567197"/>
+      </p:ext>
+    </p:extLst>
+  </p:cSld>
+  <p:clrMapOvr>
+    <a:masterClrMapping/>
+  </p:clrMapOvr>
+  <p:timing>
+    <p:tnLst>
+      <p:par>
+        <p:cTn id="1" dur="indefinite" restart="never" nodeType="tmRoot"/>
+      </p:par>
+    </p:tnLst>
+  </p:timing>
+</p:sld>
+</file>
+
+<file path=ppt/slides/slide24.xml><?xml version="1.0" encoding="utf-8"?>
+<p:sld xmlns:a="http://schemas.openxmlformats.org/drawingml/2006/main" xmlns:r="http://schemas.openxmlformats.org/officeDocument/2006/relationships" xmlns:p="http://schemas.openxmlformats.org/presentationml/2006/main">
+  <p:cSld>
+    <p:spTree>
+      <p:nvGrpSpPr>
+        <p:cNvPr id="1" name=""/>
+        <p:cNvGrpSpPr/>
+        <p:nvPr/>
+      </p:nvGrpSpPr>
+      <p:grpSpPr>
+        <a:xfrm>
+          <a:off x="0" y="0"/>
+          <a:ext cx="0" cy="0"/>
+          <a:chOff x="0" y="0"/>
+          <a:chExt cx="0" cy="0"/>
+        </a:xfrm>
+      </p:grpSpPr>
+      <p:sp>
+        <p:nvSpPr>
+          <p:cNvPr id="2" name="标题 1"/>
+          <p:cNvSpPr>
+            <a:spLocks noGrp="1"/>
+          </p:cNvSpPr>
+          <p:nvPr>
+            <p:ph type="title"/>
+          </p:nvPr>
+        </p:nvSpPr>
+        <p:spPr/>
+        <p:txBody>
+          <a:bodyPr/>
+          <a:lstStyle/>
+          <a:p>
+            <a:r>
+              <a:rPr lang="en-US" altLang="zh-CN" dirty="0"/>
+              <a:t>technical thought</a:t>
+            </a:r>
+            <a:endParaRPr lang="zh-CN" altLang="en-US" dirty="0"/>
+          </a:p>
+        </p:txBody>
+      </p:sp>
+      <p:sp>
+        <p:nvSpPr>
+          <p:cNvPr id="3" name="内容占位符 2"/>
+          <p:cNvSpPr>
+            <a:spLocks noGrp="1"/>
+          </p:cNvSpPr>
+          <p:nvPr>
+            <p:ph idx="1"/>
+          </p:nvPr>
+        </p:nvSpPr>
+        <p:spPr/>
+        <p:txBody>
+          <a:bodyPr/>
+          <a:lstStyle/>
+          <a:p>
+            <a:endParaRPr lang="zh-CN" altLang="en-US" dirty="0"/>
+          </a:p>
+        </p:txBody>
+      </p:sp>
+      <p:pic>
+        <p:nvPicPr>
+          <p:cNvPr id="5" name="图片 4"/>
+          <p:cNvPicPr>
+            <a:picLocks noChangeAspect="1"/>
+          </p:cNvPicPr>
+          <p:nvPr/>
+        </p:nvPicPr>
+        <p:blipFill>
+          <a:blip r:embed="rId2"/>
+          <a:stretch>
+            <a:fillRect/>
+          </a:stretch>
+        </p:blipFill>
+        <p:spPr>
+          <a:xfrm>
+            <a:off x="2459794" y="1825625"/>
+            <a:ext cx="7028571" cy="2066667"/>
+          </a:xfrm>
+          <a:prstGeom prst="rect">
+            <a:avLst/>
+          </a:prstGeom>
+        </p:spPr>
+      </p:pic>
+      <p:pic>
+        <p:nvPicPr>
+          <p:cNvPr id="6" name="图片 5"/>
+          <p:cNvPicPr>
+            <a:picLocks noChangeAspect="1"/>
+          </p:cNvPicPr>
+          <p:nvPr/>
+        </p:nvPicPr>
+        <p:blipFill>
+          <a:blip r:embed="rId3"/>
+          <a:stretch>
+            <a:fillRect/>
+          </a:stretch>
+        </p:blipFill>
+        <p:spPr>
+          <a:xfrm>
+            <a:off x="4350269" y="4027229"/>
+            <a:ext cx="3247619" cy="1542857"/>
+          </a:xfrm>
+          <a:prstGeom prst="rect">
+            <a:avLst/>
+          </a:prstGeom>
+        </p:spPr>
+      </p:pic>
+    </p:spTree>
+    <p:extLst>
+      <p:ext uri="{BB962C8B-B14F-4D97-AF65-F5344CB8AC3E}">
+        <p14:creationId xmlns:p14="http://schemas.microsoft.com/office/powerpoint/2010/main" val="3315696297"/>
+      </p:ext>
+    </p:extLst>
+  </p:cSld>
+  <p:clrMapOvr>
+    <a:masterClrMapping/>
+  </p:clrMapOvr>
+  <p:timing>
+    <p:tnLst>
+      <p:par>
+        <p:cTn id="1" dur="indefinite" restart="never" nodeType="tmRoot">
+          <p:childTnLst>
+            <p:seq concurrent="1" nextAc="seek">
+              <p:cTn id="2" dur="indefinite" nodeType="mainSeq">
+                <p:childTnLst>
+                  <p:par>
+                    <p:cTn id="3" fill="hold">
+                      <p:stCondLst>
+                        <p:cond delay="indefinite"/>
+                      </p:stCondLst>
+                      <p:childTnLst>
+                        <p:par>
+                          <p:cTn id="4" fill="hold">
+                            <p:stCondLst>
+                              <p:cond delay="0"/>
+                            </p:stCondLst>
+                            <p:childTnLst>
+                              <p:par>
+                                <p:cTn id="5" presetID="42" presetClass="entr" presetSubtype="0" fill="hold" nodeType="clickEffect">
+                                  <p:stCondLst>
+                                    <p:cond delay="0"/>
+                                  </p:stCondLst>
+                                  <p:childTnLst>
+                                    <p:set>
+                                      <p:cBhvr>
+                                        <p:cTn id="6" dur="1" fill="hold">
+                                          <p:stCondLst>
+                                            <p:cond delay="0"/>
+                                          </p:stCondLst>
+                                        </p:cTn>
+                                        <p:tgtEl>
+                                          <p:spTgt spid="6"/>
+                                        </p:tgtEl>
+                                        <p:attrNameLst>
+                                          <p:attrName>style.visibility</p:attrName>
+                                        </p:attrNameLst>
+                                      </p:cBhvr>
+                                      <p:to>
+                                        <p:strVal val="visible"/>
+                                      </p:to>
+                                    </p:set>
+                                    <p:animEffect transition="in" filter="fade">
+                                      <p:cBhvr>
+                                        <p:cTn id="7" dur="1000"/>
+                                        <p:tgtEl>
+                                          <p:spTgt spid="6"/>
+                                        </p:tgtEl>
+                                      </p:cBhvr>
+                                    </p:animEffect>
+                                    <p:anim calcmode="lin" valueType="num">
+                                      <p:cBhvr>
+                                        <p:cTn id="8" dur="1000" fill="hold"/>
+                                        <p:tgtEl>
+                                          <p:spTgt spid="6"/>
+                                        </p:tgtEl>
+                                        <p:attrNameLst>
+                                          <p:attrName>ppt_x</p:attrName>
+                                        </p:attrNameLst>
+                                      </p:cBhvr>
+                                      <p:tavLst>
+                                        <p:tav tm="0">
+                                          <p:val>
+                                            <p:strVal val="#ppt_x"/>
+                                          </p:val>
+                                        </p:tav>
+                                        <p:tav tm="100000">
+                                          <p:val>
+                                            <p:strVal val="#ppt_x"/>
+                                          </p:val>
+                                        </p:tav>
+                                      </p:tavLst>
+                                    </p:anim>
+                                    <p:anim calcmode="lin" valueType="num">
+                                      <p:cBhvr>
+                                        <p:cTn id="9" dur="1000" fill="hold"/>
+                                        <p:tgtEl>
+                                          <p:spTgt spid="6"/>
+                                        </p:tgtEl>
+                                        <p:attrNameLst>
+                                          <p:attrName>ppt_y</p:attrName>
+                                        </p:attrNameLst>
+                                      </p:cBhvr>
+                                      <p:tavLst>
+                                        <p:tav tm="0">
+                                          <p:val>
+                                            <p:strVal val="#ppt_y+.1"/>
+                                          </p:val>
+                                        </p:tav>
+                                        <p:tav tm="100000">
+                                          <p:val>
+                                            <p:strVal val="#ppt_y"/>
+                                          </p:val>
+                                        </p:tav>
+                                      </p:tavLst>
+                                    </p:anim>
+                                  </p:childTnLst>
+                                </p:cTn>
+                              </p:par>
+                            </p:childTnLst>
+                          </p:cTn>
+                        </p:par>
+                      </p:childTnLst>
+                    </p:cTn>
+                  </p:par>
+                </p:childTnLst>
+              </p:cTn>
+              <p:prevCondLst>
+                <p:cond evt="onPrev" delay="0">
+                  <p:tgtEl>
+                    <p:sldTgt/>
+                  </p:tgtEl>
+                </p:cond>
+              </p:prevCondLst>
+              <p:nextCondLst>
+                <p:cond evt="onNext" delay="0">
+                  <p:tgtEl>
+                    <p:sldTgt/>
+                  </p:tgtEl>
+                </p:cond>
+              </p:nextCondLst>
+            </p:seq>
+          </p:childTnLst>
+        </p:cTn>
+      </p:par>
+    </p:tnLst>
+  </p:timing>
+</p:sld>
+</file>
+
+<file path=ppt/slides/slide25.xml><?xml version="1.0" encoding="utf-8"?>
+<p:sld xmlns:a="http://schemas.openxmlformats.org/drawingml/2006/main" xmlns:r="http://schemas.openxmlformats.org/officeDocument/2006/relationships" xmlns:p="http://schemas.openxmlformats.org/presentationml/2006/main">
+  <p:cSld>
+    <p:spTree>
+      <p:nvGrpSpPr>
+        <p:cNvPr id="1" name=""/>
+        <p:cNvGrpSpPr/>
+        <p:nvPr/>
+      </p:nvGrpSpPr>
+      <p:grpSpPr>
+        <a:xfrm>
+          <a:off x="0" y="0"/>
+          <a:ext cx="0" cy="0"/>
+          <a:chOff x="0" y="0"/>
+          <a:chExt cx="0" cy="0"/>
+        </a:xfrm>
+      </p:grpSpPr>
+      <p:sp>
+        <p:nvSpPr>
+          <p:cNvPr id="2" name="标题 1"/>
+          <p:cNvSpPr>
+            <a:spLocks noGrp="1"/>
+          </p:cNvSpPr>
+          <p:nvPr>
+            <p:ph type="title"/>
+          </p:nvPr>
+        </p:nvSpPr>
+        <p:spPr/>
+        <p:txBody>
+          <a:bodyPr/>
+          <a:lstStyle/>
+          <a:p>
+            <a:r>
+              <a:rPr lang="en-US" altLang="zh-CN" dirty="0"/>
+              <a:t>technical thought</a:t>
+            </a:r>
+            <a:endParaRPr lang="zh-CN" altLang="en-US" dirty="0"/>
+          </a:p>
+        </p:txBody>
+      </p:sp>
+      <p:sp>
+        <p:nvSpPr>
+          <p:cNvPr id="3" name="内容占位符 2"/>
+          <p:cNvSpPr>
+            <a:spLocks noGrp="1"/>
+          </p:cNvSpPr>
+          <p:nvPr>
+            <p:ph idx="1"/>
+          </p:nvPr>
+        </p:nvSpPr>
+        <p:spPr/>
+        <p:txBody>
+          <a:bodyPr/>
+          <a:lstStyle/>
+          <a:p>
+            <a:r>
+              <a:rPr lang="en-US" altLang="zh-CN" dirty="0" smtClean="0"/>
+              <a:t>a simple implementation</a:t>
+            </a:r>
+            <a:endParaRPr lang="zh-CN" altLang="en-US" dirty="0"/>
+          </a:p>
+        </p:txBody>
+      </p:sp>
+    </p:spTree>
+    <p:extLst>
+      <p:ext uri="{BB962C8B-B14F-4D97-AF65-F5344CB8AC3E}">
+        <p14:creationId xmlns:p14="http://schemas.microsoft.com/office/powerpoint/2010/main" val="2791081822"/>
+      </p:ext>
+    </p:extLst>
+  </p:cSld>
+  <p:clrMapOvr>
+    <a:masterClrMapping/>
+  </p:clrMapOvr>
+  <p:timing>
+    <p:tnLst>
+      <p:par>
+        <p:cTn id="1" dur="indefinite" restart="never" nodeType="tmRoot"/>
+      </p:par>
+    </p:tnLst>
+  </p:timing>
+</p:sld>
+</file>
+
+<file path=ppt/slides/slide26.xml><?xml version="1.0" encoding="utf-8"?>
+<p:sld xmlns:a="http://schemas.openxmlformats.org/drawingml/2006/main" xmlns:r="http://schemas.openxmlformats.org/officeDocument/2006/relationships" xmlns:p="http://schemas.openxmlformats.org/presentationml/2006/main">
+  <p:cSld>
+    <p:spTree>
+      <p:nvGrpSpPr>
+        <p:cNvPr id="1" name=""/>
+        <p:cNvGrpSpPr/>
+        <p:nvPr/>
+      </p:nvGrpSpPr>
+      <p:grpSpPr>
+        <a:xfrm>
+          <a:off x="0" y="0"/>
+          <a:ext cx="0" cy="0"/>
+          <a:chOff x="0" y="0"/>
+          <a:chExt cx="0" cy="0"/>
+        </a:xfrm>
+      </p:grpSpPr>
+      <p:sp>
+        <p:nvSpPr>
+          <p:cNvPr id="2" name="标题 1"/>
+          <p:cNvSpPr>
+            <a:spLocks noGrp="1"/>
+          </p:cNvSpPr>
+          <p:nvPr>
+            <p:ph type="title"/>
+          </p:nvPr>
+        </p:nvSpPr>
+        <p:spPr/>
+        <p:txBody>
+          <a:bodyPr/>
+          <a:lstStyle/>
+          <a:p>
+            <a:r>
+              <a:rPr lang="en-US" altLang="zh-CN" dirty="0" smtClean="0"/>
+              <a:t>Outline</a:t>
+            </a:r>
+            <a:endParaRPr lang="zh-CN" altLang="en-US" dirty="0"/>
+          </a:p>
+        </p:txBody>
+      </p:sp>
+      <p:sp>
+        <p:nvSpPr>
+          <p:cNvPr id="3" name="内容占位符 2"/>
+          <p:cNvSpPr>
+            <a:spLocks noGrp="1"/>
+          </p:cNvSpPr>
+          <p:nvPr>
+            <p:ph idx="1"/>
+          </p:nvPr>
+        </p:nvSpPr>
+        <p:spPr/>
+        <p:txBody>
+          <a:bodyPr/>
+          <a:lstStyle/>
+          <a:p>
+            <a:r>
+              <a:rPr lang="en-US" altLang="zh-CN" dirty="0" smtClean="0"/>
+              <a:t>concepts of reflection</a:t>
+            </a:r>
+          </a:p>
+          <a:p>
+            <a:r>
+              <a:rPr lang="en-US" altLang="zh-CN" dirty="0"/>
+              <a:t>implementation of compile-time </a:t>
+            </a:r>
+            <a:r>
+              <a:rPr lang="en-US" altLang="zh-CN" dirty="0" smtClean="0"/>
+              <a:t>reflection</a:t>
+            </a:r>
+          </a:p>
+          <a:p>
+            <a:r>
+              <a:rPr lang="en-US" altLang="zh-CN" b="1" dirty="0" smtClean="0"/>
+              <a:t>application of compile-time reflection</a:t>
+            </a:r>
+          </a:p>
+          <a:p>
+            <a:r>
+              <a:rPr lang="en-US" altLang="zh-CN" dirty="0" smtClean="0"/>
+              <a:t>prospect</a:t>
+            </a:r>
+            <a:endParaRPr lang="zh-CN" altLang="en-US" dirty="0"/>
+          </a:p>
+        </p:txBody>
+      </p:sp>
+    </p:spTree>
+    <p:extLst>
+      <p:ext uri="{BB962C8B-B14F-4D97-AF65-F5344CB8AC3E}">
+        <p14:creationId xmlns:p14="http://schemas.microsoft.com/office/powerpoint/2010/main" val="3920747289"/>
+      </p:ext>
+    </p:extLst>
+  </p:cSld>
+  <p:clrMapOvr>
+    <a:masterClrMapping/>
+  </p:clrMapOvr>
+  <p:timing>
+    <p:tnLst>
+      <p:par>
+        <p:cTn id="1" dur="indefinite" restart="never" nodeType="tmRoot"/>
+      </p:par>
+    </p:tnLst>
+  </p:timing>
+</p:sld>
+</file>
+
+<file path=ppt/slides/slide27.xml><?xml version="1.0" encoding="utf-8"?>
+<p:sld xmlns:a="http://schemas.openxmlformats.org/drawingml/2006/main" xmlns:r="http://schemas.openxmlformats.org/officeDocument/2006/relationships" xmlns:p="http://schemas.openxmlformats.org/presentationml/2006/main">
+  <p:cSld>
+    <p:spTree>
+      <p:nvGrpSpPr>
+        <p:cNvPr id="1" name=""/>
+        <p:cNvGrpSpPr/>
+        <p:nvPr/>
+      </p:nvGrpSpPr>
+      <p:grpSpPr>
+        <a:xfrm>
+          <a:off x="0" y="0"/>
+          <a:ext cx="0" cy="0"/>
+          <a:chOff x="0" y="0"/>
+          <a:chExt cx="0" cy="0"/>
+        </a:xfrm>
+      </p:grpSpPr>
+      <p:sp>
+        <p:nvSpPr>
+          <p:cNvPr id="2" name="标题 1"/>
+          <p:cNvSpPr>
+            <a:spLocks noGrp="1"/>
+          </p:cNvSpPr>
+          <p:nvPr>
+            <p:ph type="title"/>
+          </p:nvPr>
+        </p:nvSpPr>
+        <p:spPr/>
+        <p:txBody>
+          <a:bodyPr/>
+          <a:lstStyle/>
+          <a:p>
+            <a:r>
+              <a:rPr lang="en-US" altLang="zh-CN" dirty="0"/>
+              <a:t>application of compile-time </a:t>
+            </a:r>
+            <a:r>
+              <a:rPr lang="en-US" altLang="zh-CN" dirty="0" smtClean="0"/>
+              <a:t>reflection</a:t>
+            </a:r>
+            <a:endParaRPr lang="zh-CN" altLang="en-US" dirty="0"/>
+          </a:p>
+        </p:txBody>
+      </p:sp>
+      <p:sp>
+        <p:nvSpPr>
+          <p:cNvPr id="3" name="内容占位符 2"/>
+          <p:cNvSpPr>
+            <a:spLocks noGrp="1"/>
+          </p:cNvSpPr>
+          <p:nvPr>
+            <p:ph idx="1"/>
+          </p:nvPr>
+        </p:nvSpPr>
+        <p:spPr/>
+        <p:txBody>
+          <a:bodyPr/>
+          <a:lstStyle/>
+          <a:p>
+            <a:r>
+              <a:rPr lang="en-US" altLang="zh-CN" dirty="0"/>
+              <a:t>Serialization</a:t>
+            </a:r>
+          </a:p>
+          <a:p>
+            <a:r>
+              <a:rPr lang="en-US" altLang="zh-CN" dirty="0"/>
+              <a:t>ORM(Object Relational Mapping)</a:t>
+            </a:r>
+          </a:p>
+          <a:p>
+            <a:r>
+              <a:rPr lang="en-US" altLang="zh-CN" dirty="0"/>
+              <a:t>DSL(domain-specific language)</a:t>
+            </a:r>
+            <a:endParaRPr lang="zh-CN" altLang="en-US" dirty="0"/>
+          </a:p>
+        </p:txBody>
+      </p:sp>
+    </p:spTree>
+    <p:extLst>
+      <p:ext uri="{BB962C8B-B14F-4D97-AF65-F5344CB8AC3E}">
+        <p14:creationId xmlns:p14="http://schemas.microsoft.com/office/powerpoint/2010/main" val="3812572458"/>
+      </p:ext>
+    </p:extLst>
+  </p:cSld>
+  <p:clrMapOvr>
+    <a:masterClrMapping/>
+  </p:clrMapOvr>
+  <p:timing>
+    <p:tnLst>
+      <p:par>
+        <p:cTn id="1" dur="indefinite" restart="never" nodeType="tmRoot"/>
+      </p:par>
+    </p:tnLst>
+  </p:timing>
+</p:sld>
+</file>
+
+<file path=ppt/slides/slide28.xml><?xml version="1.0" encoding="utf-8"?>
+<p:sld xmlns:a="http://schemas.openxmlformats.org/drawingml/2006/main" xmlns:r="http://schemas.openxmlformats.org/officeDocument/2006/relationships" xmlns:p="http://schemas.openxmlformats.org/presentationml/2006/main">
+  <p:cSld>
+    <p:spTree>
+      <p:nvGrpSpPr>
+        <p:cNvPr id="1" name=""/>
+        <p:cNvGrpSpPr/>
+        <p:nvPr/>
+      </p:nvGrpSpPr>
+      <p:grpSpPr>
+        <a:xfrm>
+          <a:off x="0" y="0"/>
+          <a:ext cx="0" cy="0"/>
+          <a:chOff x="0" y="0"/>
+          <a:chExt cx="0" cy="0"/>
+        </a:xfrm>
+      </p:grpSpPr>
+      <p:sp>
+        <p:nvSpPr>
+          <p:cNvPr id="2" name="标题 1"/>
+          <p:cNvSpPr>
+            <a:spLocks noGrp="1"/>
+          </p:cNvSpPr>
+          <p:nvPr>
+            <p:ph type="title"/>
+          </p:nvPr>
+        </p:nvSpPr>
+        <p:spPr/>
+        <p:txBody>
+          <a:bodyPr/>
+          <a:lstStyle/>
+          <a:p>
+            <a:r>
+              <a:rPr lang="en-US" altLang="zh-CN" dirty="0" smtClean="0"/>
+              <a:t>Outline</a:t>
+            </a:r>
+            <a:endParaRPr lang="zh-CN" altLang="en-US" dirty="0"/>
+          </a:p>
+        </p:txBody>
+      </p:sp>
+      <p:sp>
+        <p:nvSpPr>
+          <p:cNvPr id="3" name="内容占位符 2"/>
+          <p:cNvSpPr>
+            <a:spLocks noGrp="1"/>
+          </p:cNvSpPr>
+          <p:nvPr>
+            <p:ph idx="1"/>
+          </p:nvPr>
+        </p:nvSpPr>
+        <p:spPr/>
+        <p:txBody>
+          <a:bodyPr/>
+          <a:lstStyle/>
+          <a:p>
+            <a:r>
+              <a:rPr lang="en-US" altLang="zh-CN" dirty="0" smtClean="0"/>
+              <a:t>concepts of reflection</a:t>
+            </a:r>
+          </a:p>
+          <a:p>
+            <a:r>
+              <a:rPr lang="en-US" altLang="zh-CN" dirty="0"/>
+              <a:t>implementation of compile-time </a:t>
+            </a:r>
+            <a:r>
+              <a:rPr lang="en-US" altLang="zh-CN" dirty="0" smtClean="0"/>
+              <a:t>reflection</a:t>
+            </a:r>
+          </a:p>
+          <a:p>
+            <a:r>
+              <a:rPr lang="en-US" altLang="zh-CN" dirty="0" smtClean="0"/>
+              <a:t>application of compile-time reflection</a:t>
+            </a:r>
+          </a:p>
+          <a:p>
+            <a:r>
+              <a:rPr lang="en-US" altLang="zh-CN" b="1" dirty="0" smtClean="0"/>
+              <a:t>prospect</a:t>
+            </a:r>
+            <a:endParaRPr lang="zh-CN" altLang="en-US" b="1" dirty="0"/>
+          </a:p>
+        </p:txBody>
+      </p:sp>
+    </p:spTree>
+    <p:extLst>
+      <p:ext uri="{BB962C8B-B14F-4D97-AF65-F5344CB8AC3E}">
+        <p14:creationId xmlns:p14="http://schemas.microsoft.com/office/powerpoint/2010/main" val="3147020122"/>
+      </p:ext>
+    </p:extLst>
+  </p:cSld>
+  <p:clrMapOvr>
+    <a:masterClrMapping/>
+  </p:clrMapOvr>
+  <p:timing>
+    <p:tnLst>
+      <p:par>
+        <p:cTn id="1" dur="indefinite" restart="never" nodeType="tmRoot"/>
+      </p:par>
+    </p:tnLst>
+  </p:timing>
+</p:sld>
+</file>
+
+<file path=ppt/slides/slide29.xml><?xml version="1.0" encoding="utf-8"?>
 <p:sld xmlns:a="http://schemas.openxmlformats.org/drawingml/2006/main" xmlns:r="http://schemas.openxmlformats.org/officeDocument/2006/relationships" xmlns:p="http://schemas.openxmlformats.org/presentationml/2006/main">
   <p:cSld>
     <p:spTree>

--- a/cppcon2017.pptx
+++ b/cppcon2017.pptx
@@ -225,7 +225,7 @@
           <a:p>
             <a:fld id="{5377FA5C-DFF1-4473-9BD3-3D161C07B6AF}" type="datetimeFigureOut">
               <a:rPr lang="zh-CN" altLang="en-US" smtClean="0"/>
-              <a:t>2017-08-24</a:t>
+              <a:t>2017-08-28</a:t>
             </a:fld>
             <a:endParaRPr lang="zh-CN" altLang="en-US"/>
           </a:p>
@@ -667,6 +667,94 @@
 </p:notes>
 </file>
 
+<file path=ppt/notesSlides/notesSlide3.xml><?xml version="1.0" encoding="utf-8"?>
+<p:notes xmlns:a="http://schemas.openxmlformats.org/drawingml/2006/main" xmlns:r="http://schemas.openxmlformats.org/officeDocument/2006/relationships" xmlns:p="http://schemas.openxmlformats.org/presentationml/2006/main">
+  <p:cSld>
+    <p:spTree>
+      <p:nvGrpSpPr>
+        <p:cNvPr id="1" name=""/>
+        <p:cNvGrpSpPr/>
+        <p:nvPr/>
+      </p:nvGrpSpPr>
+      <p:grpSpPr>
+        <a:xfrm>
+          <a:off x="0" y="0"/>
+          <a:ext cx="0" cy="0"/>
+          <a:chOff x="0" y="0"/>
+          <a:chExt cx="0" cy="0"/>
+        </a:xfrm>
+      </p:grpSpPr>
+      <p:sp>
+        <p:nvSpPr>
+          <p:cNvPr id="2" name="幻灯片图像占位符 1"/>
+          <p:cNvSpPr>
+            <a:spLocks noGrp="1" noRot="1" noChangeAspect="1"/>
+          </p:cNvSpPr>
+          <p:nvPr>
+            <p:ph type="sldImg"/>
+          </p:nvPr>
+        </p:nvSpPr>
+        <p:spPr/>
+      </p:sp>
+      <p:sp>
+        <p:nvSpPr>
+          <p:cNvPr id="3" name="备注占位符 2"/>
+          <p:cNvSpPr>
+            <a:spLocks noGrp="1"/>
+          </p:cNvSpPr>
+          <p:nvPr>
+            <p:ph type="body" idx="1"/>
+          </p:nvPr>
+        </p:nvSpPr>
+        <p:spPr/>
+        <p:txBody>
+          <a:bodyPr/>
+          <a:lstStyle/>
+          <a:p>
+            <a:r>
+              <a:rPr lang="en-US" altLang="zh-CN" dirty="0" smtClean="0"/>
+              <a:t>big limitations</a:t>
+            </a:r>
+            <a:endParaRPr lang="zh-CN" altLang="en-US" dirty="0"/>
+          </a:p>
+        </p:txBody>
+      </p:sp>
+      <p:sp>
+        <p:nvSpPr>
+          <p:cNvPr id="4" name="灯片编号占位符 3"/>
+          <p:cNvSpPr>
+            <a:spLocks noGrp="1"/>
+          </p:cNvSpPr>
+          <p:nvPr>
+            <p:ph type="sldNum" sz="quarter" idx="10"/>
+          </p:nvPr>
+        </p:nvSpPr>
+        <p:spPr/>
+        <p:txBody>
+          <a:bodyPr/>
+          <a:lstStyle/>
+          <a:p>
+            <a:fld id="{C9825B02-673D-4C5E-88E2-1F72A1758DC8}" type="slidenum">
+              <a:rPr lang="zh-CN" altLang="en-US" smtClean="0"/>
+              <a:t>20</a:t>
+            </a:fld>
+            <a:endParaRPr lang="zh-CN" altLang="en-US"/>
+          </a:p>
+        </p:txBody>
+      </p:sp>
+    </p:spTree>
+    <p:extLst>
+      <p:ext uri="{BB962C8B-B14F-4D97-AF65-F5344CB8AC3E}">
+        <p14:creationId xmlns:p14="http://schemas.microsoft.com/office/powerpoint/2010/main" val="2166426057"/>
+      </p:ext>
+    </p:extLst>
+  </p:cSld>
+  <p:clrMapOvr>
+    <a:masterClrMapping/>
+  </p:clrMapOvr>
+</p:notes>
+</file>
+
 <file path=ppt/slideLayouts/slideLayout1.xml><?xml version="1.0" encoding="utf-8"?>
 <p:sldLayout xmlns:a="http://schemas.openxmlformats.org/drawingml/2006/main" xmlns:r="http://schemas.openxmlformats.org/officeDocument/2006/relationships" xmlns:p="http://schemas.openxmlformats.org/presentationml/2006/main" type="title" preserve="1">
   <p:cSld name="标题幻灯片">
@@ -798,7 +886,7 @@
           <a:p>
             <a:fld id="{AA590AAA-E2D3-492C-81F3-DC050E22F9CA}" type="datetimeFigureOut">
               <a:rPr lang="zh-CN" altLang="en-US" smtClean="0"/>
-              <a:t>2017-08-24</a:t>
+              <a:t>2017-08-28</a:t>
             </a:fld>
             <a:endParaRPr lang="zh-CN" altLang="en-US"/>
           </a:p>
@@ -968,7 +1056,7 @@
           <a:p>
             <a:fld id="{AA590AAA-E2D3-492C-81F3-DC050E22F9CA}" type="datetimeFigureOut">
               <a:rPr lang="zh-CN" altLang="en-US" smtClean="0"/>
-              <a:t>2017-08-24</a:t>
+              <a:t>2017-08-28</a:t>
             </a:fld>
             <a:endParaRPr lang="zh-CN" altLang="en-US"/>
           </a:p>
@@ -1148,7 +1236,7 @@
           <a:p>
             <a:fld id="{AA590AAA-E2D3-492C-81F3-DC050E22F9CA}" type="datetimeFigureOut">
               <a:rPr lang="zh-CN" altLang="en-US" smtClean="0"/>
-              <a:t>2017-08-24</a:t>
+              <a:t>2017-08-28</a:t>
             </a:fld>
             <a:endParaRPr lang="zh-CN" altLang="en-US"/>
           </a:p>
@@ -1318,7 +1406,7 @@
           <a:p>
             <a:fld id="{AA590AAA-E2D3-492C-81F3-DC050E22F9CA}" type="datetimeFigureOut">
               <a:rPr lang="zh-CN" altLang="en-US" smtClean="0"/>
-              <a:t>2017-08-24</a:t>
+              <a:t>2017-08-28</a:t>
             </a:fld>
             <a:endParaRPr lang="zh-CN" altLang="en-US"/>
           </a:p>
@@ -1564,7 +1652,7 @@
           <a:p>
             <a:fld id="{AA590AAA-E2D3-492C-81F3-DC050E22F9CA}" type="datetimeFigureOut">
               <a:rPr lang="zh-CN" altLang="en-US" smtClean="0"/>
-              <a:t>2017-08-24</a:t>
+              <a:t>2017-08-28</a:t>
             </a:fld>
             <a:endParaRPr lang="zh-CN" altLang="en-US"/>
           </a:p>
@@ -1796,7 +1884,7 @@
           <a:p>
             <a:fld id="{AA590AAA-E2D3-492C-81F3-DC050E22F9CA}" type="datetimeFigureOut">
               <a:rPr lang="zh-CN" altLang="en-US" smtClean="0"/>
-              <a:t>2017-08-24</a:t>
+              <a:t>2017-08-28</a:t>
             </a:fld>
             <a:endParaRPr lang="zh-CN" altLang="en-US"/>
           </a:p>
@@ -2163,7 +2251,7 @@
           <a:p>
             <a:fld id="{AA590AAA-E2D3-492C-81F3-DC050E22F9CA}" type="datetimeFigureOut">
               <a:rPr lang="zh-CN" altLang="en-US" smtClean="0"/>
-              <a:t>2017-08-24</a:t>
+              <a:t>2017-08-28</a:t>
             </a:fld>
             <a:endParaRPr lang="zh-CN" altLang="en-US"/>
           </a:p>
@@ -2281,7 +2369,7 @@
           <a:p>
             <a:fld id="{AA590AAA-E2D3-492C-81F3-DC050E22F9CA}" type="datetimeFigureOut">
               <a:rPr lang="zh-CN" altLang="en-US" smtClean="0"/>
-              <a:t>2017-08-24</a:t>
+              <a:t>2017-08-28</a:t>
             </a:fld>
             <a:endParaRPr lang="zh-CN" altLang="en-US"/>
           </a:p>
@@ -2376,7 +2464,7 @@
           <a:p>
             <a:fld id="{AA590AAA-E2D3-492C-81F3-DC050E22F9CA}" type="datetimeFigureOut">
               <a:rPr lang="zh-CN" altLang="en-US" smtClean="0"/>
-              <a:t>2017-08-24</a:t>
+              <a:t>2017-08-28</a:t>
             </a:fld>
             <a:endParaRPr lang="zh-CN" altLang="en-US"/>
           </a:p>
@@ -2653,7 +2741,7 @@
           <a:p>
             <a:fld id="{AA590AAA-E2D3-492C-81F3-DC050E22F9CA}" type="datetimeFigureOut">
               <a:rPr lang="zh-CN" altLang="en-US" smtClean="0"/>
-              <a:t>2017-08-24</a:t>
+              <a:t>2017-08-28</a:t>
             </a:fld>
             <a:endParaRPr lang="zh-CN" altLang="en-US"/>
           </a:p>
@@ -2906,7 +2994,7 @@
           <a:p>
             <a:fld id="{AA590AAA-E2D3-492C-81F3-DC050E22F9CA}" type="datetimeFigureOut">
               <a:rPr lang="zh-CN" altLang="en-US" smtClean="0"/>
-              <a:t>2017-08-24</a:t>
+              <a:t>2017-08-28</a:t>
             </a:fld>
             <a:endParaRPr lang="zh-CN" altLang="en-US"/>
           </a:p>
@@ -3119,7 +3207,7 @@
           <a:p>
             <a:fld id="{AA590AAA-E2D3-492C-81F3-DC050E22F9CA}" type="datetimeFigureOut">
               <a:rPr lang="zh-CN" altLang="en-US" smtClean="0"/>
-              <a:t>2017-08-24</a:t>
+              <a:t>2017-08-28</a:t>
             </a:fld>
             <a:endParaRPr lang="zh-CN" altLang="en-US"/>
           </a:p>
@@ -5371,33 +5459,7 @@
                 <a:latin typeface="新宋体" panose="02010609030101010101" pitchFamily="49" charset="-122"/>
                 <a:ea typeface="新宋体" panose="02010609030101010101" pitchFamily="49" charset="-122"/>
               </a:rPr>
-              <a:t>_1,</a:t>
-            </a:r>
-            <a:r>
-              <a:rPr lang="en-US" altLang="zh-CN" dirty="0" smtClean="0">
-                <a:solidFill>
-                  <a:srgbClr val="6F008A"/>
-                </a:solidFill>
-                <a:highlight>
-                  <a:srgbClr val="FFFFFF"/>
-                </a:highlight>
-                <a:latin typeface="新宋体" panose="02010609030101010101" pitchFamily="49" charset="-122"/>
-                <a:ea typeface="新宋体" panose="02010609030101010101" pitchFamily="49" charset="-122"/>
-              </a:rPr>
-              <a:t>_2</a:t>
-            </a:r>
-            <a:r>
-              <a:rPr lang="en-US" altLang="zh-CN" dirty="0" smtClean="0">
-                <a:solidFill>
-                  <a:srgbClr val="6F008A"/>
-                </a:solidFill>
-                <a:highlight>
-                  <a:srgbClr val="FFFFFF"/>
-                </a:highlight>
-                <a:latin typeface="新宋体" panose="02010609030101010101" pitchFamily="49" charset="-122"/>
-                <a:ea typeface="新宋体" panose="02010609030101010101" pitchFamily="49" charset="-122"/>
-              </a:rPr>
-              <a:t>,_3,_4, N, ...)</a:t>
+              <a:t>_1,_2,_3,_4, N, ...)</a:t>
             </a:r>
             <a:endParaRPr lang="zh-CN" altLang="en-US" dirty="0"/>
           </a:p>
@@ -5553,33 +5615,7 @@
                 <a:latin typeface="新宋体" panose="02010609030101010101" pitchFamily="49" charset="-122"/>
                 <a:ea typeface="新宋体" panose="02010609030101010101" pitchFamily="49" charset="-122"/>
               </a:rPr>
-              <a:t>_1,</a:t>
-            </a:r>
-            <a:r>
-              <a:rPr lang="en-US" altLang="zh-CN" dirty="0" smtClean="0">
-                <a:solidFill>
-                  <a:srgbClr val="6F008A"/>
-                </a:solidFill>
-                <a:highlight>
-                  <a:srgbClr val="FFFFFF"/>
-                </a:highlight>
-                <a:latin typeface="新宋体" panose="02010609030101010101" pitchFamily="49" charset="-122"/>
-                <a:ea typeface="新宋体" panose="02010609030101010101" pitchFamily="49" charset="-122"/>
-              </a:rPr>
-              <a:t>_2</a:t>
-            </a:r>
-            <a:r>
-              <a:rPr lang="en-US" altLang="zh-CN" dirty="0" smtClean="0">
-                <a:solidFill>
-                  <a:srgbClr val="6F008A"/>
-                </a:solidFill>
-                <a:highlight>
-                  <a:srgbClr val="FFFFFF"/>
-                </a:highlight>
-                <a:latin typeface="新宋体" panose="02010609030101010101" pitchFamily="49" charset="-122"/>
-                <a:ea typeface="新宋体" panose="02010609030101010101" pitchFamily="49" charset="-122"/>
-              </a:rPr>
-              <a:t>,_3,_4, N, ...)</a:t>
+              <a:t>_1,_2,_3,_4, N, ...)</a:t>
             </a:r>
             <a:endParaRPr lang="zh-CN" altLang="en-US" dirty="0"/>
           </a:p>
@@ -9596,12 +9632,13 @@
             </a:pPr>
             <a:r>
               <a:rPr lang="en-US" altLang="zh-CN" dirty="0" smtClean="0"/>
-              <a:t>exist library about reflection</a:t>
-            </a:r>
-          </a:p>
-          <a:p>
-            <a:pPr marL="0" indent="0">
-              <a:buNone/>
+              <a:t>exist libraries about reflection</a:t>
+            </a:r>
+          </a:p>
+          <a:p>
+            <a:pPr>
+              <a:buFont typeface="Wingdings" panose="05000000000000000000" pitchFamily="2" charset="2"/>
+              <a:buChar char="Ø"/>
             </a:pPr>
             <a:r>
               <a:rPr lang="en-US" altLang="zh-CN" dirty="0" err="1" smtClean="0"/>
@@ -9610,8 +9647,9 @@
             <a:endParaRPr lang="en-US" altLang="zh-CN" dirty="0" smtClean="0"/>
           </a:p>
           <a:p>
-            <a:pPr marL="0" indent="0">
-              <a:buNone/>
+            <a:pPr>
+              <a:buFont typeface="Wingdings" panose="05000000000000000000" pitchFamily="2" charset="2"/>
+              <a:buChar char="Ø"/>
             </a:pPr>
             <a:r>
               <a:rPr lang="en-US" altLang="zh-CN" dirty="0" err="1" smtClean="0"/>
@@ -9620,8 +9658,9 @@
             <a:endParaRPr lang="en-US" altLang="zh-CN" dirty="0" smtClean="0"/>
           </a:p>
           <a:p>
-            <a:pPr marL="0" indent="0">
-              <a:buNone/>
+            <a:pPr>
+              <a:buFont typeface="Wingdings" panose="05000000000000000000" pitchFamily="2" charset="2"/>
+              <a:buChar char="Ø"/>
             </a:pPr>
             <a:r>
               <a:rPr lang="en-US" altLang="zh-CN" dirty="0" err="1" smtClean="0"/>
@@ -9822,6 +9861,424 @@
               <a:rPr lang="en-US" altLang="zh-CN" dirty="0" err="1" smtClean="0"/>
               <a:t>magic_get</a:t>
             </a:r>
+            <a:endParaRPr lang="en-US" altLang="zh-CN" dirty="0" smtClean="0"/>
+          </a:p>
+          <a:p>
+            <a:pPr marL="0" indent="0">
+              <a:buNone/>
+            </a:pPr>
+            <a:endParaRPr lang="zh-CN" altLang="en-US" dirty="0"/>
+          </a:p>
+        </p:txBody>
+      </p:sp>
+      <p:sp>
+        <p:nvSpPr>
+          <p:cNvPr id="6" name="矩形 5"/>
+          <p:cNvSpPr/>
+          <p:nvPr/>
+        </p:nvSpPr>
+        <p:spPr>
+          <a:xfrm>
+            <a:off x="838200" y="2550161"/>
+            <a:ext cx="6096000" cy="1200329"/>
+          </a:xfrm>
+          <a:prstGeom prst="rect">
+            <a:avLst/>
+          </a:prstGeom>
+        </p:spPr>
+        <p:txBody>
+          <a:bodyPr>
+            <a:spAutoFit/>
+          </a:bodyPr>
+          <a:lstStyle/>
+          <a:p>
+            <a:r>
+              <a:rPr lang="en-US" altLang="zh-CN" dirty="0" err="1">
+                <a:solidFill>
+                  <a:srgbClr val="0000FF"/>
+                </a:solidFill>
+                <a:highlight>
+                  <a:srgbClr val="FFFFFF"/>
+                </a:highlight>
+                <a:latin typeface="新宋体" panose="02010609030101010101" pitchFamily="49" charset="-122"/>
+                <a:ea typeface="新宋体" panose="02010609030101010101" pitchFamily="49" charset="-122"/>
+              </a:rPr>
+              <a:t>struct</a:t>
+            </a:r>
+            <a:r>
+              <a:rPr lang="en-US" altLang="zh-CN" dirty="0">
+                <a:solidFill>
+                  <a:srgbClr val="000000"/>
+                </a:solidFill>
+                <a:highlight>
+                  <a:srgbClr val="FFFFFF"/>
+                </a:highlight>
+                <a:latin typeface="新宋体" panose="02010609030101010101" pitchFamily="49" charset="-122"/>
+                <a:ea typeface="新宋体" panose="02010609030101010101" pitchFamily="49" charset="-122"/>
+              </a:rPr>
+              <a:t> </a:t>
+            </a:r>
+            <a:r>
+              <a:rPr lang="en-US" altLang="zh-CN" dirty="0">
+                <a:solidFill>
+                  <a:srgbClr val="2B91AF"/>
+                </a:solidFill>
+                <a:highlight>
+                  <a:srgbClr val="FFFFFF"/>
+                </a:highlight>
+                <a:latin typeface="新宋体" panose="02010609030101010101" pitchFamily="49" charset="-122"/>
+                <a:ea typeface="新宋体" panose="02010609030101010101" pitchFamily="49" charset="-122"/>
+              </a:rPr>
+              <a:t>foo</a:t>
+            </a:r>
+            <a:r>
+              <a:rPr lang="en-US" altLang="zh-CN" dirty="0">
+                <a:solidFill>
+                  <a:srgbClr val="000000"/>
+                </a:solidFill>
+                <a:highlight>
+                  <a:srgbClr val="FFFFFF"/>
+                </a:highlight>
+                <a:latin typeface="新宋体" panose="02010609030101010101" pitchFamily="49" charset="-122"/>
+                <a:ea typeface="新宋体" panose="02010609030101010101" pitchFamily="49" charset="-122"/>
+              </a:rPr>
+              <a:t> {            </a:t>
+            </a:r>
+          </a:p>
+          <a:p>
+            <a:r>
+              <a:rPr lang="en-US" altLang="zh-CN" dirty="0" smtClean="0">
+                <a:solidFill>
+                  <a:srgbClr val="0000FF"/>
+                </a:solidFill>
+                <a:highlight>
+                  <a:srgbClr val="FFFFFF"/>
+                </a:highlight>
+                <a:latin typeface="新宋体" panose="02010609030101010101" pitchFamily="49" charset="-122"/>
+                <a:ea typeface="新宋体" panose="02010609030101010101" pitchFamily="49" charset="-122"/>
+              </a:rPr>
+              <a:t>    </a:t>
+            </a:r>
+            <a:r>
+              <a:rPr lang="en-US" altLang="zh-CN" dirty="0" err="1" smtClean="0">
+                <a:solidFill>
+                  <a:srgbClr val="0000FF"/>
+                </a:solidFill>
+                <a:highlight>
+                  <a:srgbClr val="FFFFFF"/>
+                </a:highlight>
+                <a:latin typeface="新宋体" panose="02010609030101010101" pitchFamily="49" charset="-122"/>
+                <a:ea typeface="新宋体" panose="02010609030101010101" pitchFamily="49" charset="-122"/>
+              </a:rPr>
+              <a:t>int</a:t>
+            </a:r>
+            <a:r>
+              <a:rPr lang="en-US" altLang="zh-CN" dirty="0" smtClean="0">
+                <a:solidFill>
+                  <a:srgbClr val="000000"/>
+                </a:solidFill>
+                <a:highlight>
+                  <a:srgbClr val="FFFFFF"/>
+                </a:highlight>
+                <a:latin typeface="新宋体" panose="02010609030101010101" pitchFamily="49" charset="-122"/>
+                <a:ea typeface="新宋体" panose="02010609030101010101" pitchFamily="49" charset="-122"/>
+              </a:rPr>
+              <a:t> </a:t>
+            </a:r>
+            <a:r>
+              <a:rPr lang="en-US" altLang="zh-CN" dirty="0" err="1">
+                <a:solidFill>
+                  <a:srgbClr val="000000"/>
+                </a:solidFill>
+                <a:highlight>
+                  <a:srgbClr val="FFFFFF"/>
+                </a:highlight>
+                <a:latin typeface="新宋体" panose="02010609030101010101" pitchFamily="49" charset="-122"/>
+                <a:ea typeface="新宋体" panose="02010609030101010101" pitchFamily="49" charset="-122"/>
+              </a:rPr>
+              <a:t>some_integer</a:t>
+            </a:r>
+            <a:r>
+              <a:rPr lang="en-US" altLang="zh-CN" dirty="0">
+                <a:solidFill>
+                  <a:srgbClr val="000000"/>
+                </a:solidFill>
+                <a:highlight>
+                  <a:srgbClr val="FFFFFF"/>
+                </a:highlight>
+                <a:latin typeface="新宋体" panose="02010609030101010101" pitchFamily="49" charset="-122"/>
+                <a:ea typeface="新宋体" panose="02010609030101010101" pitchFamily="49" charset="-122"/>
+              </a:rPr>
+              <a:t>;</a:t>
+            </a:r>
+          </a:p>
+          <a:p>
+            <a:r>
+              <a:rPr lang="en-US" altLang="zh-CN" dirty="0" smtClean="0">
+                <a:solidFill>
+                  <a:srgbClr val="0000FF"/>
+                </a:solidFill>
+                <a:highlight>
+                  <a:srgbClr val="FFFFFF"/>
+                </a:highlight>
+                <a:latin typeface="新宋体" panose="02010609030101010101" pitchFamily="49" charset="-122"/>
+                <a:ea typeface="新宋体" panose="02010609030101010101" pitchFamily="49" charset="-122"/>
+              </a:rPr>
+              <a:t>    char</a:t>
+            </a:r>
+            <a:r>
+              <a:rPr lang="en-US" altLang="zh-CN" dirty="0" smtClean="0">
+                <a:solidFill>
+                  <a:srgbClr val="000000"/>
+                </a:solidFill>
+                <a:highlight>
+                  <a:srgbClr val="FFFFFF"/>
+                </a:highlight>
+                <a:latin typeface="新宋体" panose="02010609030101010101" pitchFamily="49" charset="-122"/>
+                <a:ea typeface="新宋体" panose="02010609030101010101" pitchFamily="49" charset="-122"/>
+              </a:rPr>
+              <a:t> </a:t>
+            </a:r>
+            <a:r>
+              <a:rPr lang="en-US" altLang="zh-CN" dirty="0">
+                <a:solidFill>
+                  <a:srgbClr val="000000"/>
+                </a:solidFill>
+                <a:highlight>
+                  <a:srgbClr val="FFFFFF"/>
+                </a:highlight>
+                <a:latin typeface="新宋体" panose="02010609030101010101" pitchFamily="49" charset="-122"/>
+                <a:ea typeface="新宋体" panose="02010609030101010101" pitchFamily="49" charset="-122"/>
+              </a:rPr>
+              <a:t>c;</a:t>
+            </a:r>
+          </a:p>
+          <a:p>
+            <a:r>
+              <a:rPr lang="en-US" altLang="zh-CN" dirty="0">
+                <a:solidFill>
+                  <a:srgbClr val="000000"/>
+                </a:solidFill>
+                <a:highlight>
+                  <a:srgbClr val="FFFFFF"/>
+                </a:highlight>
+                <a:latin typeface="新宋体" panose="02010609030101010101" pitchFamily="49" charset="-122"/>
+                <a:ea typeface="新宋体" panose="02010609030101010101" pitchFamily="49" charset="-122"/>
+              </a:rPr>
+              <a:t>};</a:t>
+            </a:r>
+            <a:endParaRPr lang="zh-CN" altLang="en-US" dirty="0"/>
+          </a:p>
+        </p:txBody>
+      </p:sp>
+      <p:sp>
+        <p:nvSpPr>
+          <p:cNvPr id="7" name="矩形 6"/>
+          <p:cNvSpPr/>
+          <p:nvPr/>
+        </p:nvSpPr>
+        <p:spPr>
+          <a:xfrm>
+            <a:off x="838200" y="4040396"/>
+            <a:ext cx="7818120" cy="646331"/>
+          </a:xfrm>
+          <a:prstGeom prst="rect">
+            <a:avLst/>
+          </a:prstGeom>
+        </p:spPr>
+        <p:txBody>
+          <a:bodyPr wrap="square">
+            <a:spAutoFit/>
+          </a:bodyPr>
+          <a:lstStyle/>
+          <a:p>
+            <a:r>
+              <a:rPr lang="en-US" altLang="zh-CN" dirty="0">
+                <a:solidFill>
+                  <a:srgbClr val="0000FF"/>
+                </a:solidFill>
+                <a:highlight>
+                  <a:srgbClr val="FFFFFF"/>
+                </a:highlight>
+                <a:latin typeface="新宋体" panose="02010609030101010101" pitchFamily="49" charset="-122"/>
+                <a:ea typeface="新宋体" panose="02010609030101010101" pitchFamily="49" charset="-122"/>
+              </a:rPr>
+              <a:t>auto</a:t>
+            </a:r>
+            <a:r>
+              <a:rPr lang="en-US" altLang="zh-CN" dirty="0">
+                <a:solidFill>
+                  <a:srgbClr val="000000"/>
+                </a:solidFill>
+                <a:highlight>
+                  <a:srgbClr val="FFFFFF"/>
+                </a:highlight>
+                <a:latin typeface="新宋体" panose="02010609030101010101" pitchFamily="49" charset="-122"/>
+                <a:ea typeface="新宋体" panose="02010609030101010101" pitchFamily="49" charset="-122"/>
+              </a:rPr>
+              <a:t>&amp; r1 = boost::</a:t>
+            </a:r>
+            <a:r>
+              <a:rPr lang="en-US" altLang="zh-CN" dirty="0" err="1">
+                <a:solidFill>
+                  <a:srgbClr val="000000"/>
+                </a:solidFill>
+                <a:highlight>
+                  <a:srgbClr val="FFFFFF"/>
+                </a:highlight>
+                <a:latin typeface="新宋体" panose="02010609030101010101" pitchFamily="49" charset="-122"/>
+                <a:ea typeface="新宋体" panose="02010609030101010101" pitchFamily="49" charset="-122"/>
+              </a:rPr>
+              <a:t>pfr</a:t>
+            </a:r>
+            <a:r>
+              <a:rPr lang="en-US" altLang="zh-CN" dirty="0">
+                <a:solidFill>
+                  <a:srgbClr val="000000"/>
+                </a:solidFill>
+                <a:highlight>
+                  <a:srgbClr val="FFFFFF"/>
+                </a:highlight>
+                <a:latin typeface="新宋体" panose="02010609030101010101" pitchFamily="49" charset="-122"/>
+                <a:ea typeface="新宋体" panose="02010609030101010101" pitchFamily="49" charset="-122"/>
+              </a:rPr>
+              <a:t>::get&lt;0&gt;(f); </a:t>
+            </a:r>
+            <a:r>
+              <a:rPr lang="en-US" altLang="zh-CN" dirty="0">
+                <a:solidFill>
+                  <a:srgbClr val="008000"/>
+                </a:solidFill>
+                <a:highlight>
+                  <a:srgbClr val="FFFFFF"/>
+                </a:highlight>
+                <a:latin typeface="新宋体" panose="02010609030101010101" pitchFamily="49" charset="-122"/>
+                <a:ea typeface="新宋体" panose="02010609030101010101" pitchFamily="49" charset="-122"/>
+              </a:rPr>
+              <a:t>//accessing field with index 0</a:t>
+            </a:r>
+            <a:endParaRPr lang="en-US" altLang="zh-CN" dirty="0">
+              <a:solidFill>
+                <a:srgbClr val="000000"/>
+              </a:solidFill>
+              <a:highlight>
+                <a:srgbClr val="FFFFFF"/>
+              </a:highlight>
+              <a:latin typeface="新宋体" panose="02010609030101010101" pitchFamily="49" charset="-122"/>
+              <a:ea typeface="新宋体" panose="02010609030101010101" pitchFamily="49" charset="-122"/>
+            </a:endParaRPr>
+          </a:p>
+          <a:p>
+            <a:r>
+              <a:rPr lang="en-US" altLang="zh-CN" dirty="0">
+                <a:solidFill>
+                  <a:srgbClr val="0000FF"/>
+                </a:solidFill>
+                <a:highlight>
+                  <a:srgbClr val="FFFFFF"/>
+                </a:highlight>
+                <a:latin typeface="新宋体" panose="02010609030101010101" pitchFamily="49" charset="-122"/>
+                <a:ea typeface="新宋体" panose="02010609030101010101" pitchFamily="49" charset="-122"/>
+              </a:rPr>
+              <a:t>auto</a:t>
+            </a:r>
+            <a:r>
+              <a:rPr lang="en-US" altLang="zh-CN" dirty="0">
+                <a:solidFill>
+                  <a:srgbClr val="000000"/>
+                </a:solidFill>
+                <a:highlight>
+                  <a:srgbClr val="FFFFFF"/>
+                </a:highlight>
+                <a:latin typeface="新宋体" panose="02010609030101010101" pitchFamily="49" charset="-122"/>
+                <a:ea typeface="新宋体" panose="02010609030101010101" pitchFamily="49" charset="-122"/>
+              </a:rPr>
+              <a:t>&amp; r2 = boost::</a:t>
+            </a:r>
+            <a:r>
+              <a:rPr lang="en-US" altLang="zh-CN" dirty="0" err="1">
+                <a:solidFill>
+                  <a:srgbClr val="000000"/>
+                </a:solidFill>
+                <a:highlight>
+                  <a:srgbClr val="FFFFFF"/>
+                </a:highlight>
+                <a:latin typeface="新宋体" panose="02010609030101010101" pitchFamily="49" charset="-122"/>
+                <a:ea typeface="新宋体" panose="02010609030101010101" pitchFamily="49" charset="-122"/>
+              </a:rPr>
+              <a:t>pfr</a:t>
+            </a:r>
+            <a:r>
+              <a:rPr lang="en-US" altLang="zh-CN" dirty="0">
+                <a:solidFill>
+                  <a:srgbClr val="000000"/>
+                </a:solidFill>
+                <a:highlight>
+                  <a:srgbClr val="FFFFFF"/>
+                </a:highlight>
+                <a:latin typeface="新宋体" panose="02010609030101010101" pitchFamily="49" charset="-122"/>
+                <a:ea typeface="新宋体" panose="02010609030101010101" pitchFamily="49" charset="-122"/>
+              </a:rPr>
+              <a:t>::get&lt;1&gt;(f);</a:t>
+            </a:r>
+            <a:endParaRPr lang="zh-CN" altLang="en-US" dirty="0"/>
+          </a:p>
+        </p:txBody>
+      </p:sp>
+      <p:sp>
+        <p:nvSpPr>
+          <p:cNvPr id="8" name="矩形 7"/>
+          <p:cNvSpPr/>
+          <p:nvPr/>
+        </p:nvSpPr>
+        <p:spPr>
+          <a:xfrm>
+            <a:off x="3783643" y="5062513"/>
+            <a:ext cx="1576714" cy="369332"/>
+          </a:xfrm>
+          <a:prstGeom prst="rect">
+            <a:avLst/>
+          </a:prstGeom>
+        </p:spPr>
+        <p:txBody>
+          <a:bodyPr wrap="none">
+            <a:spAutoFit/>
+          </a:bodyPr>
+          <a:lstStyle/>
+          <a:p>
+            <a:r>
+              <a:rPr lang="en-US" altLang="zh-CN" dirty="0"/>
+              <a:t>T must be POD</a:t>
+            </a:r>
+            <a:endParaRPr lang="zh-CN" altLang="en-US" dirty="0"/>
+          </a:p>
+        </p:txBody>
+      </p:sp>
+      <p:sp>
+        <p:nvSpPr>
+          <p:cNvPr id="9" name="矩形 8"/>
+          <p:cNvSpPr/>
+          <p:nvPr/>
+        </p:nvSpPr>
+        <p:spPr>
+          <a:xfrm>
+            <a:off x="3783643" y="5382116"/>
+            <a:ext cx="2365456" cy="369332"/>
+          </a:xfrm>
+          <a:prstGeom prst="rect">
+            <a:avLst/>
+          </a:prstGeom>
+        </p:spPr>
+        <p:txBody>
+          <a:bodyPr wrap="none">
+            <a:spAutoFit/>
+          </a:bodyPr>
+          <a:lstStyle/>
+          <a:p>
+            <a:r>
+              <a:rPr lang="en-US" altLang="zh-CN" dirty="0" smtClean="0"/>
+              <a:t>the array will be flatted</a:t>
+            </a:r>
             <a:endParaRPr lang="zh-CN" altLang="en-US" dirty="0"/>
           </a:p>
         </p:txBody>
@@ -9839,9 +10296,200 @@
   <p:timing>
     <p:tnLst>
       <p:par>
-        <p:cTn id="1" dur="indefinite" restart="never" nodeType="tmRoot"/>
+        <p:cTn id="1" dur="indefinite" restart="never" nodeType="tmRoot">
+          <p:childTnLst>
+            <p:seq concurrent="1" nextAc="seek">
+              <p:cTn id="2" dur="indefinite" nodeType="mainSeq">
+                <p:childTnLst>
+                  <p:par>
+                    <p:cTn id="3" fill="hold">
+                      <p:stCondLst>
+                        <p:cond delay="indefinite"/>
+                      </p:stCondLst>
+                      <p:childTnLst>
+                        <p:par>
+                          <p:cTn id="4" fill="hold">
+                            <p:stCondLst>
+                              <p:cond delay="0"/>
+                            </p:stCondLst>
+                            <p:childTnLst>
+                              <p:par>
+                                <p:cTn id="5" presetID="2" presetClass="entr" presetSubtype="4" fill="hold" grpId="0" nodeType="clickEffect">
+                                  <p:stCondLst>
+                                    <p:cond delay="0"/>
+                                  </p:stCondLst>
+                                  <p:childTnLst>
+                                    <p:set>
+                                      <p:cBhvr>
+                                        <p:cTn id="6" dur="1" fill="hold">
+                                          <p:stCondLst>
+                                            <p:cond delay="0"/>
+                                          </p:stCondLst>
+                                        </p:cTn>
+                                        <p:tgtEl>
+                                          <p:spTgt spid="8"/>
+                                        </p:tgtEl>
+                                        <p:attrNameLst>
+                                          <p:attrName>style.visibility</p:attrName>
+                                        </p:attrNameLst>
+                                      </p:cBhvr>
+                                      <p:to>
+                                        <p:strVal val="visible"/>
+                                      </p:to>
+                                    </p:set>
+                                    <p:anim calcmode="lin" valueType="num">
+                                      <p:cBhvr additive="base">
+                                        <p:cTn id="7" dur="500" fill="hold"/>
+                                        <p:tgtEl>
+                                          <p:spTgt spid="8"/>
+                                        </p:tgtEl>
+                                        <p:attrNameLst>
+                                          <p:attrName>ppt_x</p:attrName>
+                                        </p:attrNameLst>
+                                      </p:cBhvr>
+                                      <p:tavLst>
+                                        <p:tav tm="0">
+                                          <p:val>
+                                            <p:strVal val="#ppt_x"/>
+                                          </p:val>
+                                        </p:tav>
+                                        <p:tav tm="100000">
+                                          <p:val>
+                                            <p:strVal val="#ppt_x"/>
+                                          </p:val>
+                                        </p:tav>
+                                      </p:tavLst>
+                                    </p:anim>
+                                    <p:anim calcmode="lin" valueType="num">
+                                      <p:cBhvr additive="base">
+                                        <p:cTn id="8" dur="500" fill="hold"/>
+                                        <p:tgtEl>
+                                          <p:spTgt spid="8"/>
+                                        </p:tgtEl>
+                                        <p:attrNameLst>
+                                          <p:attrName>ppt_y</p:attrName>
+                                        </p:attrNameLst>
+                                      </p:cBhvr>
+                                      <p:tavLst>
+                                        <p:tav tm="0">
+                                          <p:val>
+                                            <p:strVal val="1+#ppt_h/2"/>
+                                          </p:val>
+                                        </p:tav>
+                                        <p:tav tm="100000">
+                                          <p:val>
+                                            <p:strVal val="#ppt_y"/>
+                                          </p:val>
+                                        </p:tav>
+                                      </p:tavLst>
+                                    </p:anim>
+                                  </p:childTnLst>
+                                </p:cTn>
+                              </p:par>
+                              <p:par>
+                                <p:cTn id="9" presetID="2" presetClass="entr" presetSubtype="4" fill="hold" grpId="0" nodeType="withEffect">
+                                  <p:stCondLst>
+                                    <p:cond delay="0"/>
+                                  </p:stCondLst>
+                                  <p:childTnLst>
+                                    <p:set>
+                                      <p:cBhvr>
+                                        <p:cTn id="10" dur="1" fill="hold">
+                                          <p:stCondLst>
+                                            <p:cond delay="0"/>
+                                          </p:stCondLst>
+                                        </p:cTn>
+                                        <p:tgtEl>
+                                          <p:spTgt spid="9"/>
+                                        </p:tgtEl>
+                                        <p:attrNameLst>
+                                          <p:attrName>style.visibility</p:attrName>
+                                        </p:attrNameLst>
+                                      </p:cBhvr>
+                                      <p:to>
+                                        <p:strVal val="visible"/>
+                                      </p:to>
+                                    </p:set>
+                                    <p:anim calcmode="lin" valueType="num">
+                                      <p:cBhvr additive="base">
+                                        <p:cTn id="11" dur="500" fill="hold"/>
+                                        <p:tgtEl>
+                                          <p:spTgt spid="9"/>
+                                        </p:tgtEl>
+                                        <p:attrNameLst>
+                                          <p:attrName>ppt_x</p:attrName>
+                                        </p:attrNameLst>
+                                      </p:cBhvr>
+                                      <p:tavLst>
+                                        <p:tav tm="0">
+                                          <p:val>
+                                            <p:strVal val="#ppt_x"/>
+                                          </p:val>
+                                        </p:tav>
+                                        <p:tav tm="100000">
+                                          <p:val>
+                                            <p:strVal val="#ppt_x"/>
+                                          </p:val>
+                                        </p:tav>
+                                      </p:tavLst>
+                                    </p:anim>
+                                    <p:anim calcmode="lin" valueType="num">
+                                      <p:cBhvr additive="base">
+                                        <p:cTn id="12" dur="500" fill="hold"/>
+                                        <p:tgtEl>
+                                          <p:spTgt spid="9"/>
+                                        </p:tgtEl>
+                                        <p:attrNameLst>
+                                          <p:attrName>ppt_y</p:attrName>
+                                        </p:attrNameLst>
+                                      </p:cBhvr>
+                                      <p:tavLst>
+                                        <p:tav tm="0">
+                                          <p:val>
+                                            <p:strVal val="1+#ppt_h/2"/>
+                                          </p:val>
+                                        </p:tav>
+                                        <p:tav tm="100000">
+                                          <p:val>
+                                            <p:strVal val="#ppt_y"/>
+                                          </p:val>
+                                        </p:tav>
+                                      </p:tavLst>
+                                    </p:anim>
+                                  </p:childTnLst>
+                                </p:cTn>
+                              </p:par>
+                            </p:childTnLst>
+                          </p:cTn>
+                        </p:par>
+                      </p:childTnLst>
+                    </p:cTn>
+                  </p:par>
+                </p:childTnLst>
+              </p:cTn>
+              <p:prevCondLst>
+                <p:cond evt="onPrev" delay="0">
+                  <p:tgtEl>
+                    <p:sldTgt/>
+                  </p:tgtEl>
+                </p:cond>
+              </p:prevCondLst>
+              <p:nextCondLst>
+                <p:cond evt="onNext" delay="0">
+                  <p:tgtEl>
+                    <p:sldTgt/>
+                  </p:tgtEl>
+                </p:cond>
+              </p:nextCondLst>
+            </p:seq>
+          </p:childTnLst>
+        </p:cTn>
       </p:par>
     </p:tnLst>
+    <p:bldLst>
+      <p:bldP spid="8" grpId="0"/>
+      <p:bldP spid="9" grpId="0"/>
+    </p:bldLst>
   </p:timing>
 </p:sld>
 </file>

--- a/cppcon2017.pptx
+++ b/cppcon2017.pptx
@@ -5,7 +5,7 @@
     <p:sldMasterId id="2147483648" r:id="rId1"/>
   </p:sldMasterIdLst>
   <p:notesMasterIdLst>
-    <p:notesMasterId r:id="rId31"/>
+    <p:notesMasterId r:id="rId34"/>
   </p:notesMasterIdLst>
   <p:sldIdLst>
     <p:sldId id="256" r:id="rId2"/>
@@ -29,14 +29,17 @@
     <p:sldId id="278" r:id="rId20"/>
     <p:sldId id="280" r:id="rId21"/>
     <p:sldId id="279" r:id="rId22"/>
-    <p:sldId id="281" r:id="rId23"/>
-    <p:sldId id="282" r:id="rId24"/>
-    <p:sldId id="283" r:id="rId25"/>
-    <p:sldId id="284" r:id="rId26"/>
-    <p:sldId id="270" r:id="rId27"/>
-    <p:sldId id="260" r:id="rId28"/>
-    <p:sldId id="271" r:id="rId29"/>
-    <p:sldId id="261" r:id="rId30"/>
+    <p:sldId id="285" r:id="rId23"/>
+    <p:sldId id="286" r:id="rId24"/>
+    <p:sldId id="281" r:id="rId25"/>
+    <p:sldId id="287" r:id="rId26"/>
+    <p:sldId id="282" r:id="rId27"/>
+    <p:sldId id="283" r:id="rId28"/>
+    <p:sldId id="284" r:id="rId29"/>
+    <p:sldId id="270" r:id="rId30"/>
+    <p:sldId id="260" r:id="rId31"/>
+    <p:sldId id="271" r:id="rId32"/>
+    <p:sldId id="261" r:id="rId33"/>
   </p:sldIdLst>
   <p:sldSz cx="12192000" cy="6858000"/>
   <p:notesSz cx="6858000" cy="9144000"/>
@@ -225,7 +228,7 @@
           <a:p>
             <a:fld id="{5377FA5C-DFF1-4473-9BD3-3D161C07B6AF}" type="datetimeFigureOut">
               <a:rPr lang="zh-CN" altLang="en-US" smtClean="0"/>
-              <a:t>2017-08-28</a:t>
+              <a:t>2017-08-29</a:t>
             </a:fld>
             <a:endParaRPr lang="zh-CN" altLang="en-US"/>
           </a:p>
@@ -886,7 +889,7 @@
           <a:p>
             <a:fld id="{AA590AAA-E2D3-492C-81F3-DC050E22F9CA}" type="datetimeFigureOut">
               <a:rPr lang="zh-CN" altLang="en-US" smtClean="0"/>
-              <a:t>2017-08-28</a:t>
+              <a:t>2017-08-29</a:t>
             </a:fld>
             <a:endParaRPr lang="zh-CN" altLang="en-US"/>
           </a:p>
@@ -1056,7 +1059,7 @@
           <a:p>
             <a:fld id="{AA590AAA-E2D3-492C-81F3-DC050E22F9CA}" type="datetimeFigureOut">
               <a:rPr lang="zh-CN" altLang="en-US" smtClean="0"/>
-              <a:t>2017-08-28</a:t>
+              <a:t>2017-08-29</a:t>
             </a:fld>
             <a:endParaRPr lang="zh-CN" altLang="en-US"/>
           </a:p>
@@ -1236,7 +1239,7 @@
           <a:p>
             <a:fld id="{AA590AAA-E2D3-492C-81F3-DC050E22F9CA}" type="datetimeFigureOut">
               <a:rPr lang="zh-CN" altLang="en-US" smtClean="0"/>
-              <a:t>2017-08-28</a:t>
+              <a:t>2017-08-29</a:t>
             </a:fld>
             <a:endParaRPr lang="zh-CN" altLang="en-US"/>
           </a:p>
@@ -1406,7 +1409,7 @@
           <a:p>
             <a:fld id="{AA590AAA-E2D3-492C-81F3-DC050E22F9CA}" type="datetimeFigureOut">
               <a:rPr lang="zh-CN" altLang="en-US" smtClean="0"/>
-              <a:t>2017-08-28</a:t>
+              <a:t>2017-08-29</a:t>
             </a:fld>
             <a:endParaRPr lang="zh-CN" altLang="en-US"/>
           </a:p>
@@ -1652,7 +1655,7 @@
           <a:p>
             <a:fld id="{AA590AAA-E2D3-492C-81F3-DC050E22F9CA}" type="datetimeFigureOut">
               <a:rPr lang="zh-CN" altLang="en-US" smtClean="0"/>
-              <a:t>2017-08-28</a:t>
+              <a:t>2017-08-29</a:t>
             </a:fld>
             <a:endParaRPr lang="zh-CN" altLang="en-US"/>
           </a:p>
@@ -1884,7 +1887,7 @@
           <a:p>
             <a:fld id="{AA590AAA-E2D3-492C-81F3-DC050E22F9CA}" type="datetimeFigureOut">
               <a:rPr lang="zh-CN" altLang="en-US" smtClean="0"/>
-              <a:t>2017-08-28</a:t>
+              <a:t>2017-08-29</a:t>
             </a:fld>
             <a:endParaRPr lang="zh-CN" altLang="en-US"/>
           </a:p>
@@ -2251,7 +2254,7 @@
           <a:p>
             <a:fld id="{AA590AAA-E2D3-492C-81F3-DC050E22F9CA}" type="datetimeFigureOut">
               <a:rPr lang="zh-CN" altLang="en-US" smtClean="0"/>
-              <a:t>2017-08-28</a:t>
+              <a:t>2017-08-29</a:t>
             </a:fld>
             <a:endParaRPr lang="zh-CN" altLang="en-US"/>
           </a:p>
@@ -2369,7 +2372,7 @@
           <a:p>
             <a:fld id="{AA590AAA-E2D3-492C-81F3-DC050E22F9CA}" type="datetimeFigureOut">
               <a:rPr lang="zh-CN" altLang="en-US" smtClean="0"/>
-              <a:t>2017-08-28</a:t>
+              <a:t>2017-08-29</a:t>
             </a:fld>
             <a:endParaRPr lang="zh-CN" altLang="en-US"/>
           </a:p>
@@ -2464,7 +2467,7 @@
           <a:p>
             <a:fld id="{AA590AAA-E2D3-492C-81F3-DC050E22F9CA}" type="datetimeFigureOut">
               <a:rPr lang="zh-CN" altLang="en-US" smtClean="0"/>
-              <a:t>2017-08-28</a:t>
+              <a:t>2017-08-29</a:t>
             </a:fld>
             <a:endParaRPr lang="zh-CN" altLang="en-US"/>
           </a:p>
@@ -2741,7 +2744,7 @@
           <a:p>
             <a:fld id="{AA590AAA-E2D3-492C-81F3-DC050E22F9CA}" type="datetimeFigureOut">
               <a:rPr lang="zh-CN" altLang="en-US" smtClean="0"/>
-              <a:t>2017-08-28</a:t>
+              <a:t>2017-08-29</a:t>
             </a:fld>
             <a:endParaRPr lang="zh-CN" altLang="en-US"/>
           </a:p>
@@ -2994,7 +2997,7 @@
           <a:p>
             <a:fld id="{AA590AAA-E2D3-492C-81F3-DC050E22F9CA}" type="datetimeFigureOut">
               <a:rPr lang="zh-CN" altLang="en-US" smtClean="0"/>
-              <a:t>2017-08-28</a:t>
+              <a:t>2017-08-29</a:t>
             </a:fld>
             <a:endParaRPr lang="zh-CN" altLang="en-US"/>
           </a:p>
@@ -3207,7 +3210,7 @@
           <a:p>
             <a:fld id="{AA590AAA-E2D3-492C-81F3-DC050E22F9CA}" type="datetimeFigureOut">
               <a:rPr lang="zh-CN" altLang="en-US" smtClean="0"/>
-              <a:t>2017-08-28</a:t>
+              <a:t>2017-08-29</a:t>
             </a:fld>
             <a:endParaRPr lang="zh-CN" altLang="en-US"/>
           </a:p>
@@ -3666,6 +3669,13 @@
   <p:clrMapOvr>
     <a:masterClrMapping/>
   </p:clrMapOvr>
+  <p:timing>
+    <p:tnLst>
+      <p:par>
+        <p:cTn id="1" dur="indefinite" restart="never" nodeType="tmRoot"/>
+      </p:par>
+    </p:tnLst>
+  </p:timing>
 </p:sld>
 </file>
 
@@ -10570,6 +10580,128 @@
           </a:p>
         </p:txBody>
       </p:sp>
+      <p:pic>
+        <p:nvPicPr>
+          <p:cNvPr id="9" name="图片 8"/>
+          <p:cNvPicPr>
+            <a:picLocks noChangeAspect="1"/>
+          </p:cNvPicPr>
+          <p:nvPr/>
+        </p:nvPicPr>
+        <p:blipFill>
+          <a:blip r:embed="rId2"/>
+          <a:stretch>
+            <a:fillRect/>
+          </a:stretch>
+        </p:blipFill>
+        <p:spPr>
+          <a:xfrm>
+            <a:off x="1592778" y="4902376"/>
+            <a:ext cx="9685714" cy="1409524"/>
+          </a:xfrm>
+          <a:prstGeom prst="rect">
+            <a:avLst/>
+          </a:prstGeom>
+        </p:spPr>
+      </p:pic>
+      <p:pic>
+        <p:nvPicPr>
+          <p:cNvPr id="10" name="图片 9"/>
+          <p:cNvPicPr>
+            <a:picLocks noChangeAspect="1"/>
+          </p:cNvPicPr>
+          <p:nvPr/>
+        </p:nvPicPr>
+        <p:blipFill>
+          <a:blip r:embed="rId3"/>
+          <a:stretch>
+            <a:fillRect/>
+          </a:stretch>
+        </p:blipFill>
+        <p:spPr>
+          <a:xfrm>
+            <a:off x="1592778" y="2319820"/>
+            <a:ext cx="3923809" cy="2447619"/>
+          </a:xfrm>
+          <a:prstGeom prst="rect">
+            <a:avLst/>
+          </a:prstGeom>
+        </p:spPr>
+      </p:pic>
+      <p:sp>
+        <p:nvSpPr>
+          <p:cNvPr id="11" name="矩形 10"/>
+          <p:cNvSpPr/>
+          <p:nvPr/>
+        </p:nvSpPr>
+        <p:spPr>
+          <a:xfrm>
+            <a:off x="6925127" y="4533044"/>
+            <a:ext cx="2293192" cy="461665"/>
+          </a:xfrm>
+          <a:prstGeom prst="rect">
+            <a:avLst/>
+          </a:prstGeom>
+        </p:spPr>
+        <p:txBody>
+          <a:bodyPr wrap="none">
+            <a:spAutoFit/>
+          </a:bodyPr>
+          <a:lstStyle/>
+          <a:p>
+            <a:r>
+              <a:rPr lang="zh-CN" altLang="en-US" sz="2400" dirty="0"/>
+              <a:t>you can't do that</a:t>
+            </a:r>
+          </a:p>
+        </p:txBody>
+      </p:sp>
+      <p:sp>
+        <p:nvSpPr>
+          <p:cNvPr id="12" name="矩形 11"/>
+          <p:cNvSpPr/>
+          <p:nvPr/>
+        </p:nvSpPr>
+        <p:spPr>
+          <a:xfrm>
+            <a:off x="4833258" y="5712824"/>
+            <a:ext cx="1254033" cy="330926"/>
+          </a:xfrm>
+          <a:prstGeom prst="rect">
+            <a:avLst/>
+          </a:prstGeom>
+          <a:noFill/>
+          <a:ln>
+            <a:solidFill>
+              <a:srgbClr val="FF0000"/>
+            </a:solidFill>
+          </a:ln>
+        </p:spPr>
+        <p:style>
+          <a:lnRef idx="2">
+            <a:schemeClr val="accent1">
+              <a:shade val="50000"/>
+            </a:schemeClr>
+          </a:lnRef>
+          <a:fillRef idx="1">
+            <a:schemeClr val="accent1"/>
+          </a:fillRef>
+          <a:effectRef idx="0">
+            <a:schemeClr val="accent1"/>
+          </a:effectRef>
+          <a:fontRef idx="minor">
+            <a:schemeClr val="lt1"/>
+          </a:fontRef>
+        </p:style>
+        <p:txBody>
+          <a:bodyPr rtlCol="0" anchor="ctr"/>
+          <a:lstStyle/>
+          <a:p>
+            <a:pPr algn="ctr"/>
+            <a:endParaRPr lang="zh-CN" altLang="en-US"/>
+          </a:p>
+        </p:txBody>
+      </p:sp>
     </p:spTree>
     <p:extLst>
       <p:ext uri="{BB962C8B-B14F-4D97-AF65-F5344CB8AC3E}">
@@ -10583,9 +10715,309 @@
   <p:timing>
     <p:tnLst>
       <p:par>
-        <p:cTn id="1" dur="indefinite" restart="never" nodeType="tmRoot"/>
+        <p:cTn id="1" dur="indefinite" restart="never" nodeType="tmRoot">
+          <p:childTnLst>
+            <p:seq concurrent="1" nextAc="seek">
+              <p:cTn id="2" dur="indefinite" nodeType="mainSeq">
+                <p:childTnLst>
+                  <p:par>
+                    <p:cTn id="3" fill="hold">
+                      <p:stCondLst>
+                        <p:cond delay="indefinite"/>
+                      </p:stCondLst>
+                      <p:childTnLst>
+                        <p:par>
+                          <p:cTn id="4" fill="hold">
+                            <p:stCondLst>
+                              <p:cond delay="0"/>
+                            </p:stCondLst>
+                            <p:childTnLst>
+                              <p:par>
+                                <p:cTn id="5" presetID="2" presetClass="entr" presetSubtype="4" fill="hold" nodeType="clickEffect">
+                                  <p:stCondLst>
+                                    <p:cond delay="0"/>
+                                  </p:stCondLst>
+                                  <p:childTnLst>
+                                    <p:set>
+                                      <p:cBhvr>
+                                        <p:cTn id="6" dur="1" fill="hold">
+                                          <p:stCondLst>
+                                            <p:cond delay="0"/>
+                                          </p:stCondLst>
+                                        </p:cTn>
+                                        <p:tgtEl>
+                                          <p:spTgt spid="9"/>
+                                        </p:tgtEl>
+                                        <p:attrNameLst>
+                                          <p:attrName>style.visibility</p:attrName>
+                                        </p:attrNameLst>
+                                      </p:cBhvr>
+                                      <p:to>
+                                        <p:strVal val="visible"/>
+                                      </p:to>
+                                    </p:set>
+                                    <p:anim calcmode="lin" valueType="num">
+                                      <p:cBhvr additive="base">
+                                        <p:cTn id="7" dur="500" fill="hold"/>
+                                        <p:tgtEl>
+                                          <p:spTgt spid="9"/>
+                                        </p:tgtEl>
+                                        <p:attrNameLst>
+                                          <p:attrName>ppt_x</p:attrName>
+                                        </p:attrNameLst>
+                                      </p:cBhvr>
+                                      <p:tavLst>
+                                        <p:tav tm="0">
+                                          <p:val>
+                                            <p:strVal val="#ppt_x"/>
+                                          </p:val>
+                                        </p:tav>
+                                        <p:tav tm="100000">
+                                          <p:val>
+                                            <p:strVal val="#ppt_x"/>
+                                          </p:val>
+                                        </p:tav>
+                                      </p:tavLst>
+                                    </p:anim>
+                                    <p:anim calcmode="lin" valueType="num">
+                                      <p:cBhvr additive="base">
+                                        <p:cTn id="8" dur="500" fill="hold"/>
+                                        <p:tgtEl>
+                                          <p:spTgt spid="9"/>
+                                        </p:tgtEl>
+                                        <p:attrNameLst>
+                                          <p:attrName>ppt_y</p:attrName>
+                                        </p:attrNameLst>
+                                      </p:cBhvr>
+                                      <p:tavLst>
+                                        <p:tav tm="0">
+                                          <p:val>
+                                            <p:strVal val="1+#ppt_h/2"/>
+                                          </p:val>
+                                        </p:tav>
+                                        <p:tav tm="100000">
+                                          <p:val>
+                                            <p:strVal val="#ppt_y"/>
+                                          </p:val>
+                                        </p:tav>
+                                      </p:tavLst>
+                                    </p:anim>
+                                  </p:childTnLst>
+                                </p:cTn>
+                              </p:par>
+                            </p:childTnLst>
+                          </p:cTn>
+                        </p:par>
+                      </p:childTnLst>
+                    </p:cTn>
+                  </p:par>
+                  <p:par>
+                    <p:cTn id="9" fill="hold">
+                      <p:stCondLst>
+                        <p:cond delay="indefinite"/>
+                      </p:stCondLst>
+                      <p:childTnLst>
+                        <p:par>
+                          <p:cTn id="10" fill="hold">
+                            <p:stCondLst>
+                              <p:cond delay="0"/>
+                            </p:stCondLst>
+                            <p:childTnLst>
+                              <p:par>
+                                <p:cTn id="11" presetID="2" presetClass="entr" presetSubtype="4" fill="hold" grpId="0" nodeType="clickEffect">
+                                  <p:stCondLst>
+                                    <p:cond delay="0"/>
+                                  </p:stCondLst>
+                                  <p:childTnLst>
+                                    <p:set>
+                                      <p:cBhvr>
+                                        <p:cTn id="12" dur="1" fill="hold">
+                                          <p:stCondLst>
+                                            <p:cond delay="0"/>
+                                          </p:stCondLst>
+                                        </p:cTn>
+                                        <p:tgtEl>
+                                          <p:spTgt spid="11"/>
+                                        </p:tgtEl>
+                                        <p:attrNameLst>
+                                          <p:attrName>style.visibility</p:attrName>
+                                        </p:attrNameLst>
+                                      </p:cBhvr>
+                                      <p:to>
+                                        <p:strVal val="visible"/>
+                                      </p:to>
+                                    </p:set>
+                                    <p:anim calcmode="lin" valueType="num">
+                                      <p:cBhvr additive="base">
+                                        <p:cTn id="13" dur="500" fill="hold"/>
+                                        <p:tgtEl>
+                                          <p:spTgt spid="11"/>
+                                        </p:tgtEl>
+                                        <p:attrNameLst>
+                                          <p:attrName>ppt_x</p:attrName>
+                                        </p:attrNameLst>
+                                      </p:cBhvr>
+                                      <p:tavLst>
+                                        <p:tav tm="0">
+                                          <p:val>
+                                            <p:strVal val="#ppt_x"/>
+                                          </p:val>
+                                        </p:tav>
+                                        <p:tav tm="100000">
+                                          <p:val>
+                                            <p:strVal val="#ppt_x"/>
+                                          </p:val>
+                                        </p:tav>
+                                      </p:tavLst>
+                                    </p:anim>
+                                    <p:anim calcmode="lin" valueType="num">
+                                      <p:cBhvr additive="base">
+                                        <p:cTn id="14" dur="500" fill="hold"/>
+                                        <p:tgtEl>
+                                          <p:spTgt spid="11"/>
+                                        </p:tgtEl>
+                                        <p:attrNameLst>
+                                          <p:attrName>ppt_y</p:attrName>
+                                        </p:attrNameLst>
+                                      </p:cBhvr>
+                                      <p:tavLst>
+                                        <p:tav tm="0">
+                                          <p:val>
+                                            <p:strVal val="1+#ppt_h/2"/>
+                                          </p:val>
+                                        </p:tav>
+                                        <p:tav tm="100000">
+                                          <p:val>
+                                            <p:strVal val="#ppt_y"/>
+                                          </p:val>
+                                        </p:tav>
+                                      </p:tavLst>
+                                    </p:anim>
+                                  </p:childTnLst>
+                                </p:cTn>
+                              </p:par>
+                            </p:childTnLst>
+                          </p:cTn>
+                        </p:par>
+                      </p:childTnLst>
+                    </p:cTn>
+                  </p:par>
+                  <p:par>
+                    <p:cTn id="15" fill="hold">
+                      <p:stCondLst>
+                        <p:cond delay="indefinite"/>
+                      </p:stCondLst>
+                      <p:childTnLst>
+                        <p:par>
+                          <p:cTn id="16" fill="hold">
+                            <p:stCondLst>
+                              <p:cond delay="0"/>
+                            </p:stCondLst>
+                            <p:childTnLst>
+                              <p:par>
+                                <p:cTn id="17" presetID="2" presetClass="entr" presetSubtype="4" fill="hold" grpId="0" nodeType="clickEffect">
+                                  <p:stCondLst>
+                                    <p:cond delay="0"/>
+                                  </p:stCondLst>
+                                  <p:childTnLst>
+                                    <p:set>
+                                      <p:cBhvr>
+                                        <p:cTn id="18" dur="1" fill="hold">
+                                          <p:stCondLst>
+                                            <p:cond delay="0"/>
+                                          </p:stCondLst>
+                                        </p:cTn>
+                                        <p:tgtEl>
+                                          <p:spTgt spid="12"/>
+                                        </p:tgtEl>
+                                        <p:attrNameLst>
+                                          <p:attrName>style.visibility</p:attrName>
+                                        </p:attrNameLst>
+                                      </p:cBhvr>
+                                      <p:to>
+                                        <p:strVal val="visible"/>
+                                      </p:to>
+                                    </p:set>
+                                    <p:anim calcmode="lin" valueType="num">
+                                      <p:cBhvr additive="base">
+                                        <p:cTn id="19" dur="500" fill="hold"/>
+                                        <p:tgtEl>
+                                          <p:spTgt spid="12"/>
+                                        </p:tgtEl>
+                                        <p:attrNameLst>
+                                          <p:attrName>ppt_x</p:attrName>
+                                        </p:attrNameLst>
+                                      </p:cBhvr>
+                                      <p:tavLst>
+                                        <p:tav tm="0">
+                                          <p:val>
+                                            <p:strVal val="#ppt_x"/>
+                                          </p:val>
+                                        </p:tav>
+                                        <p:tav tm="100000">
+                                          <p:val>
+                                            <p:strVal val="#ppt_x"/>
+                                          </p:val>
+                                        </p:tav>
+                                      </p:tavLst>
+                                    </p:anim>
+                                    <p:anim calcmode="lin" valueType="num">
+                                      <p:cBhvr additive="base">
+                                        <p:cTn id="20" dur="500" fill="hold"/>
+                                        <p:tgtEl>
+                                          <p:spTgt spid="12"/>
+                                        </p:tgtEl>
+                                        <p:attrNameLst>
+                                          <p:attrName>ppt_y</p:attrName>
+                                        </p:attrNameLst>
+                                      </p:cBhvr>
+                                      <p:tavLst>
+                                        <p:tav tm="0">
+                                          <p:val>
+                                            <p:strVal val="1+#ppt_h/2"/>
+                                          </p:val>
+                                        </p:tav>
+                                        <p:tav tm="100000">
+                                          <p:val>
+                                            <p:strVal val="#ppt_y"/>
+                                          </p:val>
+                                        </p:tav>
+                                      </p:tavLst>
+                                    </p:anim>
+                                  </p:childTnLst>
+                                </p:cTn>
+                              </p:par>
+                            </p:childTnLst>
+                          </p:cTn>
+                        </p:par>
+                      </p:childTnLst>
+                    </p:cTn>
+                  </p:par>
+                </p:childTnLst>
+              </p:cTn>
+              <p:prevCondLst>
+                <p:cond evt="onPrev" delay="0">
+                  <p:tgtEl>
+                    <p:sldTgt/>
+                  </p:tgtEl>
+                </p:cond>
+              </p:prevCondLst>
+              <p:nextCondLst>
+                <p:cond evt="onNext" delay="0">
+                  <p:tgtEl>
+                    <p:sldTgt/>
+                  </p:tgtEl>
+                </p:cond>
+              </p:nextCondLst>
+            </p:seq>
+          </p:childTnLst>
+        </p:cTn>
       </p:par>
     </p:tnLst>
+    <p:bldLst>
+      <p:bldP spid="11" grpId="0"/>
+      <p:bldP spid="12" grpId="0" animBg="1"/>
+    </p:bldLst>
   </p:timing>
 </p:sld>
 </file>
@@ -10622,15 +11054,7 @@
           <a:bodyPr/>
           <a:lstStyle/>
           <a:p>
-            <a:r>
-              <a:rPr lang="en-US" altLang="zh-CN" dirty="0"/>
-              <a:t>technical </a:t>
-            </a:r>
-            <a:r>
-              <a:rPr lang="en-US" altLang="zh-CN" dirty="0" smtClean="0"/>
-              <a:t>thought</a:t>
-            </a:r>
-            <a:endParaRPr lang="zh-CN" altLang="en-US" dirty="0"/>
+            <a:endParaRPr lang="zh-CN" altLang="en-US"/>
           </a:p>
         </p:txBody>
       </p:sp>
@@ -10649,27 +11073,62 @@
           <a:bodyPr/>
           <a:lstStyle/>
           <a:p>
-            <a:pPr marL="0" indent="0">
-              <a:buNone/>
-            </a:pPr>
-            <a:r>
-              <a:rPr lang="en-US" altLang="zh-CN" dirty="0" err="1" smtClean="0"/>
-              <a:t>boost.hana</a:t>
-            </a:r>
-            <a:endParaRPr lang="en-US" altLang="zh-CN" dirty="0"/>
-          </a:p>
-          <a:p>
-            <a:pPr marL="0" indent="0">
-              <a:buNone/>
-            </a:pPr>
-            <a:endParaRPr lang="zh-CN" altLang="en-US" dirty="0"/>
-          </a:p>
-        </p:txBody>
-      </p:sp>
+            <a:endParaRPr lang="zh-CN" altLang="en-US"/>
+          </a:p>
+        </p:txBody>
+      </p:sp>
+      <p:pic>
+        <p:nvPicPr>
+          <p:cNvPr id="5" name="图片 4"/>
+          <p:cNvPicPr>
+            <a:picLocks noChangeAspect="1"/>
+          </p:cNvPicPr>
+          <p:nvPr/>
+        </p:nvPicPr>
+        <p:blipFill>
+          <a:blip r:embed="rId2"/>
+          <a:stretch>
+            <a:fillRect/>
+          </a:stretch>
+        </p:blipFill>
+        <p:spPr>
+          <a:xfrm>
+            <a:off x="1067428" y="4231985"/>
+            <a:ext cx="10057143" cy="857143"/>
+          </a:xfrm>
+          <a:prstGeom prst="rect">
+            <a:avLst/>
+          </a:prstGeom>
+        </p:spPr>
+      </p:pic>
+      <p:pic>
+        <p:nvPicPr>
+          <p:cNvPr id="7" name="图片 6"/>
+          <p:cNvPicPr>
+            <a:picLocks noChangeAspect="1"/>
+          </p:cNvPicPr>
+          <p:nvPr/>
+        </p:nvPicPr>
+        <p:blipFill>
+          <a:blip r:embed="rId3"/>
+          <a:stretch>
+            <a:fillRect/>
+          </a:stretch>
+        </p:blipFill>
+        <p:spPr>
+          <a:xfrm>
+            <a:off x="1067428" y="744151"/>
+            <a:ext cx="8847619" cy="3257143"/>
+          </a:xfrm>
+          <a:prstGeom prst="rect">
+            <a:avLst/>
+          </a:prstGeom>
+        </p:spPr>
+      </p:pic>
     </p:spTree>
     <p:extLst>
       <p:ext uri="{BB962C8B-B14F-4D97-AF65-F5344CB8AC3E}">
-        <p14:creationId xmlns:p14="http://schemas.microsoft.com/office/powerpoint/2010/main" val="1916564310"/>
+        <p14:creationId xmlns:p14="http://schemas.microsoft.com/office/powerpoint/2010/main" val="964408512"/>
       </p:ext>
     </p:extLst>
   </p:cSld>
@@ -10718,6 +11177,1521 @@
           <a:bodyPr/>
           <a:lstStyle/>
           <a:p>
+            <a:endParaRPr lang="zh-CN" altLang="en-US" dirty="0"/>
+          </a:p>
+        </p:txBody>
+      </p:sp>
+      <p:sp>
+        <p:nvSpPr>
+          <p:cNvPr id="3" name="内容占位符 2"/>
+          <p:cNvSpPr>
+            <a:spLocks noGrp="1"/>
+          </p:cNvSpPr>
+          <p:nvPr>
+            <p:ph idx="1"/>
+          </p:nvPr>
+        </p:nvSpPr>
+        <p:spPr/>
+        <p:txBody>
+          <a:bodyPr/>
+          <a:lstStyle/>
+          <a:p>
+            <a:pPr marL="0" indent="0">
+              <a:buNone/>
+            </a:pPr>
+            <a:r>
+              <a:rPr lang="en-US" altLang="zh-CN" dirty="0" err="1" smtClean="0"/>
+              <a:t>boost.fusion</a:t>
+            </a:r>
+            <a:endParaRPr lang="en-US" altLang="zh-CN" dirty="0" smtClean="0"/>
+          </a:p>
+          <a:p>
+            <a:pPr>
+              <a:buFont typeface="Wingdings" panose="05000000000000000000" pitchFamily="2" charset="2"/>
+              <a:buChar char="Ø"/>
+            </a:pPr>
+            <a:r>
+              <a:rPr lang="en-US" altLang="zh-CN" dirty="0" smtClean="0"/>
+              <a:t>get value by index</a:t>
+            </a:r>
+            <a:endParaRPr lang="en-US" altLang="zh-CN" dirty="0"/>
+          </a:p>
+          <a:p>
+            <a:pPr>
+              <a:buFont typeface="Wingdings" panose="05000000000000000000" pitchFamily="2" charset="2"/>
+              <a:buChar char="Ø"/>
+            </a:pPr>
+            <a:r>
+              <a:rPr lang="en-US" altLang="zh-CN" dirty="0" smtClean="0"/>
+              <a:t>get </a:t>
+            </a:r>
+            <a:r>
+              <a:rPr lang="en-US" altLang="zh-CN" dirty="0"/>
+              <a:t>name by </a:t>
+            </a:r>
+            <a:r>
+              <a:rPr lang="en-US" altLang="zh-CN" dirty="0" smtClean="0"/>
+              <a:t>index</a:t>
+            </a:r>
+          </a:p>
+          <a:p>
+            <a:pPr>
+              <a:buFont typeface="Wingdings" panose="05000000000000000000" pitchFamily="2" charset="2"/>
+              <a:buChar char="Ø"/>
+            </a:pPr>
+            <a:r>
+              <a:rPr lang="en-US" altLang="zh-CN" dirty="0" err="1"/>
+              <a:t>for_each</a:t>
+            </a:r>
+            <a:r>
+              <a:rPr lang="en-US" altLang="zh-CN" dirty="0"/>
+              <a:t> </a:t>
+            </a:r>
+            <a:r>
+              <a:rPr lang="en-US" altLang="zh-CN" dirty="0" smtClean="0"/>
+              <a:t>fields</a:t>
+            </a:r>
+            <a:endParaRPr lang="en-US" altLang="zh-CN" dirty="0"/>
+          </a:p>
+          <a:p>
+            <a:pPr marL="0" indent="0">
+              <a:buNone/>
+            </a:pPr>
+            <a:endParaRPr lang="en-US" altLang="zh-CN" dirty="0" smtClean="0"/>
+          </a:p>
+          <a:p>
+            <a:pPr marL="0" indent="0">
+              <a:buNone/>
+            </a:pPr>
+            <a:r>
+              <a:rPr lang="en-US" altLang="zh-CN" dirty="0" smtClean="0"/>
+              <a:t>basic reflection function</a:t>
+            </a:r>
+            <a:endParaRPr lang="zh-CN" altLang="en-US" dirty="0"/>
+          </a:p>
+        </p:txBody>
+      </p:sp>
+    </p:spTree>
+    <p:extLst>
+      <p:ext uri="{BB962C8B-B14F-4D97-AF65-F5344CB8AC3E}">
+        <p14:creationId xmlns:p14="http://schemas.microsoft.com/office/powerpoint/2010/main" val="241840995"/>
+      </p:ext>
+    </p:extLst>
+  </p:cSld>
+  <p:clrMapOvr>
+    <a:masterClrMapping/>
+  </p:clrMapOvr>
+  <p:timing>
+    <p:tnLst>
+      <p:par>
+        <p:cTn id="1" dur="indefinite" restart="never" nodeType="tmRoot"/>
+      </p:par>
+    </p:tnLst>
+  </p:timing>
+</p:sld>
+</file>
+
+<file path=ppt/slides/slide24.xml><?xml version="1.0" encoding="utf-8"?>
+<p:sld xmlns:a="http://schemas.openxmlformats.org/drawingml/2006/main" xmlns:r="http://schemas.openxmlformats.org/officeDocument/2006/relationships" xmlns:p="http://schemas.openxmlformats.org/presentationml/2006/main">
+  <p:cSld>
+    <p:spTree>
+      <p:nvGrpSpPr>
+        <p:cNvPr id="1" name=""/>
+        <p:cNvGrpSpPr/>
+        <p:nvPr/>
+      </p:nvGrpSpPr>
+      <p:grpSpPr>
+        <a:xfrm>
+          <a:off x="0" y="0"/>
+          <a:ext cx="0" cy="0"/>
+          <a:chOff x="0" y="0"/>
+          <a:chExt cx="0" cy="0"/>
+        </a:xfrm>
+      </p:grpSpPr>
+      <p:sp>
+        <p:nvSpPr>
+          <p:cNvPr id="2" name="标题 1"/>
+          <p:cNvSpPr>
+            <a:spLocks noGrp="1"/>
+          </p:cNvSpPr>
+          <p:nvPr>
+            <p:ph type="title"/>
+          </p:nvPr>
+        </p:nvSpPr>
+        <p:spPr/>
+        <p:txBody>
+          <a:bodyPr/>
+          <a:lstStyle/>
+          <a:p>
+            <a:r>
+              <a:rPr lang="en-US" altLang="zh-CN" dirty="0"/>
+              <a:t>technical </a:t>
+            </a:r>
+            <a:r>
+              <a:rPr lang="en-US" altLang="zh-CN" dirty="0" smtClean="0"/>
+              <a:t>thought</a:t>
+            </a:r>
+            <a:endParaRPr lang="zh-CN" altLang="en-US" dirty="0"/>
+          </a:p>
+        </p:txBody>
+      </p:sp>
+      <p:sp>
+        <p:nvSpPr>
+          <p:cNvPr id="3" name="内容占位符 2"/>
+          <p:cNvSpPr>
+            <a:spLocks noGrp="1"/>
+          </p:cNvSpPr>
+          <p:nvPr>
+            <p:ph idx="1"/>
+          </p:nvPr>
+        </p:nvSpPr>
+        <p:spPr/>
+        <p:txBody>
+          <a:bodyPr/>
+          <a:lstStyle/>
+          <a:p>
+            <a:pPr marL="0" indent="0">
+              <a:buNone/>
+            </a:pPr>
+            <a:r>
+              <a:rPr lang="en-US" altLang="zh-CN" dirty="0" err="1" smtClean="0"/>
+              <a:t>boost.hana</a:t>
+            </a:r>
+            <a:endParaRPr lang="en-US" altLang="zh-CN" dirty="0"/>
+          </a:p>
+          <a:p>
+            <a:pPr marL="0" indent="0">
+              <a:buNone/>
+            </a:pPr>
+            <a:endParaRPr lang="zh-CN" altLang="en-US" dirty="0"/>
+          </a:p>
+        </p:txBody>
+      </p:sp>
+      <p:sp>
+        <p:nvSpPr>
+          <p:cNvPr id="4" name="矩形 3"/>
+          <p:cNvSpPr/>
+          <p:nvPr/>
+        </p:nvSpPr>
+        <p:spPr>
+          <a:xfrm>
+            <a:off x="838199" y="2341582"/>
+            <a:ext cx="7278189" cy="3416320"/>
+          </a:xfrm>
+          <a:prstGeom prst="rect">
+            <a:avLst/>
+          </a:prstGeom>
+        </p:spPr>
+        <p:txBody>
+          <a:bodyPr wrap="square">
+            <a:spAutoFit/>
+          </a:bodyPr>
+          <a:lstStyle/>
+          <a:p>
+            <a:r>
+              <a:rPr lang="en-US" altLang="zh-CN" dirty="0" err="1">
+                <a:solidFill>
+                  <a:srgbClr val="0000FF"/>
+                </a:solidFill>
+                <a:highlight>
+                  <a:srgbClr val="FFFFFF"/>
+                </a:highlight>
+                <a:latin typeface="新宋体" panose="02010609030101010101" pitchFamily="49" charset="-122"/>
+                <a:ea typeface="新宋体" panose="02010609030101010101" pitchFamily="49" charset="-122"/>
+              </a:rPr>
+              <a:t>struct</a:t>
+            </a:r>
+            <a:r>
+              <a:rPr lang="en-US" altLang="zh-CN" dirty="0">
+                <a:solidFill>
+                  <a:srgbClr val="000000"/>
+                </a:solidFill>
+                <a:highlight>
+                  <a:srgbClr val="FFFFFF"/>
+                </a:highlight>
+                <a:latin typeface="新宋体" panose="02010609030101010101" pitchFamily="49" charset="-122"/>
+                <a:ea typeface="新宋体" panose="02010609030101010101" pitchFamily="49" charset="-122"/>
+              </a:rPr>
+              <a:t> </a:t>
+            </a:r>
+            <a:r>
+              <a:rPr lang="en-US" altLang="zh-CN" dirty="0" smtClean="0">
+                <a:solidFill>
+                  <a:srgbClr val="2B91AF"/>
+                </a:solidFill>
+                <a:highlight>
+                  <a:srgbClr val="FFFFFF"/>
+                </a:highlight>
+                <a:latin typeface="新宋体" panose="02010609030101010101" pitchFamily="49" charset="-122"/>
+                <a:ea typeface="新宋体" panose="02010609030101010101" pitchFamily="49" charset="-122"/>
+              </a:rPr>
+              <a:t>person</a:t>
+            </a:r>
+            <a:r>
+              <a:rPr lang="en-US" altLang="zh-CN" dirty="0" smtClean="0">
+                <a:solidFill>
+                  <a:srgbClr val="000000"/>
+                </a:solidFill>
+                <a:highlight>
+                  <a:srgbClr val="FFFFFF"/>
+                </a:highlight>
+                <a:latin typeface="新宋体" panose="02010609030101010101" pitchFamily="49" charset="-122"/>
+                <a:ea typeface="新宋体" panose="02010609030101010101" pitchFamily="49" charset="-122"/>
+              </a:rPr>
+              <a:t> </a:t>
+            </a:r>
+            <a:r>
+              <a:rPr lang="en-US" altLang="zh-CN" dirty="0">
+                <a:solidFill>
+                  <a:srgbClr val="000000"/>
+                </a:solidFill>
+                <a:highlight>
+                  <a:srgbClr val="FFFFFF"/>
+                </a:highlight>
+                <a:latin typeface="新宋体" panose="02010609030101010101" pitchFamily="49" charset="-122"/>
+                <a:ea typeface="新宋体" panose="02010609030101010101" pitchFamily="49" charset="-122"/>
+              </a:rPr>
+              <a:t>{</a:t>
+            </a:r>
+          </a:p>
+          <a:p>
+            <a:r>
+              <a:rPr lang="en-US" altLang="zh-CN" dirty="0" smtClean="0">
+                <a:solidFill>
+                  <a:srgbClr val="000000"/>
+                </a:solidFill>
+                <a:highlight>
+                  <a:srgbClr val="FFFFFF"/>
+                </a:highlight>
+                <a:latin typeface="新宋体" panose="02010609030101010101" pitchFamily="49" charset="-122"/>
+                <a:ea typeface="新宋体" panose="02010609030101010101" pitchFamily="49" charset="-122"/>
+              </a:rPr>
+              <a:t>    </a:t>
+            </a:r>
+            <a:r>
+              <a:rPr lang="en-US" altLang="zh-CN" dirty="0" err="1" smtClean="0">
+                <a:solidFill>
+                  <a:srgbClr val="000000"/>
+                </a:solidFill>
+                <a:highlight>
+                  <a:srgbClr val="FFFFFF"/>
+                </a:highlight>
+                <a:latin typeface="新宋体" panose="02010609030101010101" pitchFamily="49" charset="-122"/>
+                <a:ea typeface="新宋体" panose="02010609030101010101" pitchFamily="49" charset="-122"/>
+              </a:rPr>
+              <a:t>std</a:t>
+            </a:r>
+            <a:r>
+              <a:rPr lang="en-US" altLang="zh-CN" dirty="0">
+                <a:solidFill>
+                  <a:srgbClr val="000000"/>
+                </a:solidFill>
+                <a:highlight>
+                  <a:srgbClr val="FFFFFF"/>
+                </a:highlight>
+                <a:latin typeface="新宋体" panose="02010609030101010101" pitchFamily="49" charset="-122"/>
+                <a:ea typeface="新宋体" panose="02010609030101010101" pitchFamily="49" charset="-122"/>
+              </a:rPr>
+              <a:t>::</a:t>
+            </a:r>
+            <a:r>
+              <a:rPr lang="en-US" altLang="zh-CN" dirty="0">
+                <a:solidFill>
+                  <a:srgbClr val="2B91AF"/>
+                </a:solidFill>
+                <a:highlight>
+                  <a:srgbClr val="FFFFFF"/>
+                </a:highlight>
+                <a:latin typeface="新宋体" panose="02010609030101010101" pitchFamily="49" charset="-122"/>
+                <a:ea typeface="新宋体" panose="02010609030101010101" pitchFamily="49" charset="-122"/>
+              </a:rPr>
+              <a:t>string</a:t>
+            </a:r>
+            <a:r>
+              <a:rPr lang="en-US" altLang="zh-CN" dirty="0">
+                <a:solidFill>
+                  <a:srgbClr val="000000"/>
+                </a:solidFill>
+                <a:highlight>
+                  <a:srgbClr val="FFFFFF"/>
+                </a:highlight>
+                <a:latin typeface="新宋体" panose="02010609030101010101" pitchFamily="49" charset="-122"/>
+                <a:ea typeface="新宋体" panose="02010609030101010101" pitchFamily="49" charset="-122"/>
+              </a:rPr>
+              <a:t> name;</a:t>
+            </a:r>
+          </a:p>
+          <a:p>
+            <a:r>
+              <a:rPr lang="en-US" altLang="zh-CN" dirty="0">
+                <a:solidFill>
+                  <a:srgbClr val="0000FF"/>
+                </a:solidFill>
+                <a:highlight>
+                  <a:srgbClr val="FFFFFF"/>
+                </a:highlight>
+                <a:latin typeface="新宋体" panose="02010609030101010101" pitchFamily="49" charset="-122"/>
+                <a:ea typeface="新宋体" panose="02010609030101010101" pitchFamily="49" charset="-122"/>
+              </a:rPr>
+              <a:t> </a:t>
+            </a:r>
+            <a:r>
+              <a:rPr lang="en-US" altLang="zh-CN" dirty="0" smtClean="0">
+                <a:solidFill>
+                  <a:srgbClr val="0000FF"/>
+                </a:solidFill>
+                <a:highlight>
+                  <a:srgbClr val="FFFFFF"/>
+                </a:highlight>
+                <a:latin typeface="新宋体" panose="02010609030101010101" pitchFamily="49" charset="-122"/>
+                <a:ea typeface="新宋体" panose="02010609030101010101" pitchFamily="49" charset="-122"/>
+              </a:rPr>
+              <a:t>   </a:t>
+            </a:r>
+            <a:r>
+              <a:rPr lang="en-US" altLang="zh-CN" dirty="0" err="1" smtClean="0">
+                <a:solidFill>
+                  <a:srgbClr val="0000FF"/>
+                </a:solidFill>
+                <a:highlight>
+                  <a:srgbClr val="FFFFFF"/>
+                </a:highlight>
+                <a:latin typeface="新宋体" panose="02010609030101010101" pitchFamily="49" charset="-122"/>
+                <a:ea typeface="新宋体" panose="02010609030101010101" pitchFamily="49" charset="-122"/>
+              </a:rPr>
+              <a:t>int</a:t>
+            </a:r>
+            <a:r>
+              <a:rPr lang="en-US" altLang="zh-CN" dirty="0" smtClean="0">
+                <a:solidFill>
+                  <a:srgbClr val="000000"/>
+                </a:solidFill>
+                <a:highlight>
+                  <a:srgbClr val="FFFFFF"/>
+                </a:highlight>
+                <a:latin typeface="新宋体" panose="02010609030101010101" pitchFamily="49" charset="-122"/>
+                <a:ea typeface="新宋体" panose="02010609030101010101" pitchFamily="49" charset="-122"/>
+              </a:rPr>
+              <a:t> </a:t>
+            </a:r>
+            <a:r>
+              <a:rPr lang="en-US" altLang="zh-CN" dirty="0">
+                <a:solidFill>
+                  <a:srgbClr val="000000"/>
+                </a:solidFill>
+                <a:highlight>
+                  <a:srgbClr val="FFFFFF"/>
+                </a:highlight>
+                <a:latin typeface="新宋体" panose="02010609030101010101" pitchFamily="49" charset="-122"/>
+                <a:ea typeface="新宋体" panose="02010609030101010101" pitchFamily="49" charset="-122"/>
+              </a:rPr>
+              <a:t>age;</a:t>
+            </a:r>
+          </a:p>
+          <a:p>
+            <a:r>
+              <a:rPr lang="en-US" altLang="zh-CN" dirty="0">
+                <a:solidFill>
+                  <a:srgbClr val="000000"/>
+                </a:solidFill>
+                <a:highlight>
+                  <a:srgbClr val="FFFFFF"/>
+                </a:highlight>
+                <a:latin typeface="新宋体" panose="02010609030101010101" pitchFamily="49" charset="-122"/>
+                <a:ea typeface="新宋体" panose="02010609030101010101" pitchFamily="49" charset="-122"/>
+              </a:rPr>
+              <a:t>};</a:t>
+            </a:r>
+          </a:p>
+          <a:p>
+            <a:endParaRPr lang="zh-CN" altLang="en-US" dirty="0">
+              <a:solidFill>
+                <a:srgbClr val="000000"/>
+              </a:solidFill>
+              <a:highlight>
+                <a:srgbClr val="FFFFFF"/>
+              </a:highlight>
+              <a:latin typeface="新宋体" panose="02010609030101010101" pitchFamily="49" charset="-122"/>
+              <a:ea typeface="新宋体" panose="02010609030101010101" pitchFamily="49" charset="-122"/>
+            </a:endParaRPr>
+          </a:p>
+          <a:p>
+            <a:r>
+              <a:rPr lang="en-US" altLang="zh-CN" dirty="0">
+                <a:solidFill>
+                  <a:srgbClr val="6F008A"/>
+                </a:solidFill>
+                <a:highlight>
+                  <a:srgbClr val="FFFFFF"/>
+                </a:highlight>
+                <a:latin typeface="新宋体" panose="02010609030101010101" pitchFamily="49" charset="-122"/>
+                <a:ea typeface="新宋体" panose="02010609030101010101" pitchFamily="49" charset="-122"/>
+              </a:rPr>
+              <a:t>BOOST_HANA_ADAPT_STRUCT</a:t>
+            </a:r>
+            <a:r>
+              <a:rPr lang="en-US" altLang="zh-CN" dirty="0">
+                <a:solidFill>
+                  <a:srgbClr val="000000"/>
+                </a:solidFill>
+                <a:highlight>
+                  <a:srgbClr val="FFFFFF"/>
+                </a:highlight>
+                <a:latin typeface="新宋体" panose="02010609030101010101" pitchFamily="49" charset="-122"/>
+                <a:ea typeface="新宋体" panose="02010609030101010101" pitchFamily="49" charset="-122"/>
+              </a:rPr>
+              <a:t>(</a:t>
+            </a:r>
+            <a:r>
+              <a:rPr lang="en-US" altLang="zh-CN" dirty="0" err="1">
+                <a:solidFill>
+                  <a:srgbClr val="000000"/>
+                </a:solidFill>
+                <a:highlight>
+                  <a:srgbClr val="FFFFFF"/>
+                </a:highlight>
+                <a:latin typeface="新宋体" panose="02010609030101010101" pitchFamily="49" charset="-122"/>
+                <a:ea typeface="新宋体" panose="02010609030101010101" pitchFamily="49" charset="-122"/>
+              </a:rPr>
+              <a:t>not_my_namespace</a:t>
+            </a:r>
+            <a:r>
+              <a:rPr lang="en-US" altLang="zh-CN" dirty="0" smtClean="0">
+                <a:solidFill>
+                  <a:srgbClr val="000000"/>
+                </a:solidFill>
+                <a:highlight>
+                  <a:srgbClr val="FFFFFF"/>
+                </a:highlight>
+                <a:latin typeface="新宋体" panose="02010609030101010101" pitchFamily="49" charset="-122"/>
+                <a:ea typeface="新宋体" panose="02010609030101010101" pitchFamily="49" charset="-122"/>
+              </a:rPr>
+              <a:t>::</a:t>
+            </a:r>
+            <a:r>
+              <a:rPr lang="en-US" altLang="zh-CN" dirty="0">
+                <a:solidFill>
+                  <a:srgbClr val="2B91AF"/>
+                </a:solidFill>
+                <a:highlight>
+                  <a:srgbClr val="FFFFFF"/>
+                </a:highlight>
+                <a:latin typeface="新宋体" panose="02010609030101010101" pitchFamily="49" charset="-122"/>
+                <a:ea typeface="新宋体" panose="02010609030101010101" pitchFamily="49" charset="-122"/>
+              </a:rPr>
+              <a:t>person</a:t>
+            </a:r>
+            <a:r>
+              <a:rPr lang="en-US" altLang="zh-CN" dirty="0">
+                <a:solidFill>
+                  <a:srgbClr val="000000"/>
+                </a:solidFill>
+                <a:highlight>
+                  <a:srgbClr val="FFFFFF"/>
+                </a:highlight>
+                <a:latin typeface="新宋体" panose="02010609030101010101" pitchFamily="49" charset="-122"/>
+                <a:ea typeface="新宋体" panose="02010609030101010101" pitchFamily="49" charset="-122"/>
+              </a:rPr>
+              <a:t>, name, age);</a:t>
+            </a:r>
+          </a:p>
+          <a:p>
+            <a:endParaRPr lang="zh-CN" altLang="en-US" dirty="0">
+              <a:solidFill>
+                <a:srgbClr val="000000"/>
+              </a:solidFill>
+              <a:highlight>
+                <a:srgbClr val="FFFFFF"/>
+              </a:highlight>
+              <a:latin typeface="新宋体" panose="02010609030101010101" pitchFamily="49" charset="-122"/>
+              <a:ea typeface="新宋体" panose="02010609030101010101" pitchFamily="49" charset="-122"/>
+            </a:endParaRPr>
+          </a:p>
+          <a:p>
+            <a:r>
+              <a:rPr lang="en-US" altLang="zh-CN" dirty="0" smtClean="0">
+                <a:solidFill>
+                  <a:srgbClr val="2B91AF"/>
+                </a:solidFill>
+                <a:highlight>
+                  <a:srgbClr val="FFFFFF"/>
+                </a:highlight>
+                <a:latin typeface="新宋体" panose="02010609030101010101" pitchFamily="49" charset="-122"/>
+                <a:ea typeface="新宋体" panose="02010609030101010101" pitchFamily="49" charset="-122"/>
+              </a:rPr>
+              <a:t>person</a:t>
+            </a:r>
+            <a:r>
+              <a:rPr lang="en-US" altLang="zh-CN" dirty="0" smtClean="0">
+                <a:solidFill>
+                  <a:srgbClr val="000000"/>
+                </a:solidFill>
+                <a:highlight>
+                  <a:srgbClr val="FFFFFF"/>
+                </a:highlight>
+                <a:latin typeface="新宋体" panose="02010609030101010101" pitchFamily="49" charset="-122"/>
+                <a:ea typeface="新宋体" panose="02010609030101010101" pitchFamily="49" charset="-122"/>
+              </a:rPr>
+              <a:t> </a:t>
+            </a:r>
+            <a:r>
+              <a:rPr lang="en-US" altLang="zh-CN" dirty="0">
+                <a:solidFill>
+                  <a:srgbClr val="000000"/>
+                </a:solidFill>
+                <a:highlight>
+                  <a:srgbClr val="FFFFFF"/>
+                </a:highlight>
+                <a:latin typeface="新宋体" panose="02010609030101010101" pitchFamily="49" charset="-122"/>
+                <a:ea typeface="新宋体" panose="02010609030101010101" pitchFamily="49" charset="-122"/>
+              </a:rPr>
+              <a:t>john{ </a:t>
+            </a:r>
+            <a:r>
+              <a:rPr lang="en-US" altLang="zh-CN" dirty="0">
+                <a:solidFill>
+                  <a:srgbClr val="A31515"/>
+                </a:solidFill>
+                <a:highlight>
+                  <a:srgbClr val="FFFFFF"/>
+                </a:highlight>
+                <a:latin typeface="新宋体" panose="02010609030101010101" pitchFamily="49" charset="-122"/>
+                <a:ea typeface="新宋体" panose="02010609030101010101" pitchFamily="49" charset="-122"/>
+              </a:rPr>
+              <a:t>"John"</a:t>
+            </a:r>
+            <a:r>
+              <a:rPr lang="en-US" altLang="zh-CN" dirty="0">
+                <a:solidFill>
+                  <a:srgbClr val="000000"/>
+                </a:solidFill>
+                <a:highlight>
+                  <a:srgbClr val="FFFFFF"/>
+                </a:highlight>
+                <a:latin typeface="新宋体" panose="02010609030101010101" pitchFamily="49" charset="-122"/>
+                <a:ea typeface="新宋体" panose="02010609030101010101" pitchFamily="49" charset="-122"/>
+              </a:rPr>
+              <a:t>, 30 };</a:t>
+            </a:r>
+          </a:p>
+          <a:p>
+            <a:r>
+              <a:rPr lang="en-US" altLang="zh-CN" dirty="0" err="1">
+                <a:solidFill>
+                  <a:srgbClr val="000000"/>
+                </a:solidFill>
+                <a:highlight>
+                  <a:srgbClr val="FFFFFF"/>
+                </a:highlight>
+                <a:latin typeface="新宋体" panose="02010609030101010101" pitchFamily="49" charset="-122"/>
+                <a:ea typeface="新宋体" panose="02010609030101010101" pitchFamily="49" charset="-122"/>
+              </a:rPr>
+              <a:t>hana</a:t>
+            </a:r>
+            <a:r>
+              <a:rPr lang="en-US" altLang="zh-CN" dirty="0">
+                <a:solidFill>
+                  <a:srgbClr val="000000"/>
+                </a:solidFill>
+                <a:highlight>
+                  <a:srgbClr val="FFFFFF"/>
+                </a:highlight>
+                <a:latin typeface="新宋体" panose="02010609030101010101" pitchFamily="49" charset="-122"/>
+                <a:ea typeface="新宋体" panose="02010609030101010101" pitchFamily="49" charset="-122"/>
+              </a:rPr>
+              <a:t>::</a:t>
+            </a:r>
+            <a:r>
+              <a:rPr lang="en-US" altLang="zh-CN" dirty="0" err="1">
+                <a:solidFill>
+                  <a:srgbClr val="000000"/>
+                </a:solidFill>
+                <a:highlight>
+                  <a:srgbClr val="FFFFFF"/>
+                </a:highlight>
+                <a:latin typeface="新宋体" panose="02010609030101010101" pitchFamily="49" charset="-122"/>
+                <a:ea typeface="新宋体" panose="02010609030101010101" pitchFamily="49" charset="-122"/>
+              </a:rPr>
+              <a:t>for_each</a:t>
+            </a:r>
+            <a:r>
+              <a:rPr lang="en-US" altLang="zh-CN" dirty="0">
+                <a:solidFill>
+                  <a:srgbClr val="000000"/>
+                </a:solidFill>
+                <a:highlight>
+                  <a:srgbClr val="FFFFFF"/>
+                </a:highlight>
+                <a:latin typeface="新宋体" panose="02010609030101010101" pitchFamily="49" charset="-122"/>
+                <a:ea typeface="新宋体" panose="02010609030101010101" pitchFamily="49" charset="-122"/>
+              </a:rPr>
+              <a:t>(john, [](</a:t>
+            </a:r>
+            <a:r>
+              <a:rPr lang="en-US" altLang="zh-CN" dirty="0">
+                <a:solidFill>
+                  <a:srgbClr val="0000FF"/>
+                </a:solidFill>
+                <a:highlight>
+                  <a:srgbClr val="FFFFFF"/>
+                </a:highlight>
+                <a:latin typeface="新宋体" panose="02010609030101010101" pitchFamily="49" charset="-122"/>
+                <a:ea typeface="新宋体" panose="02010609030101010101" pitchFamily="49" charset="-122"/>
+              </a:rPr>
+              <a:t>auto</a:t>
+            </a:r>
+            <a:r>
+              <a:rPr lang="en-US" altLang="zh-CN" dirty="0">
+                <a:solidFill>
+                  <a:srgbClr val="000000"/>
+                </a:solidFill>
+                <a:highlight>
+                  <a:srgbClr val="FFFFFF"/>
+                </a:highlight>
+                <a:latin typeface="新宋体" panose="02010609030101010101" pitchFamily="49" charset="-122"/>
+                <a:ea typeface="新宋体" panose="02010609030101010101" pitchFamily="49" charset="-122"/>
+              </a:rPr>
+              <a:t> pair) {</a:t>
+            </a:r>
+          </a:p>
+          <a:p>
+            <a:r>
+              <a:rPr lang="en-US" altLang="zh-CN" dirty="0" smtClean="0">
+                <a:solidFill>
+                  <a:srgbClr val="000000"/>
+                </a:solidFill>
+                <a:highlight>
+                  <a:srgbClr val="FFFFFF"/>
+                </a:highlight>
+                <a:latin typeface="新宋体" panose="02010609030101010101" pitchFamily="49" charset="-122"/>
+                <a:ea typeface="新宋体" panose="02010609030101010101" pitchFamily="49" charset="-122"/>
+              </a:rPr>
+              <a:t>    </a:t>
+            </a:r>
+            <a:r>
+              <a:rPr lang="en-US" altLang="zh-CN" dirty="0" err="1" smtClean="0">
+                <a:solidFill>
+                  <a:srgbClr val="000000"/>
+                </a:solidFill>
+                <a:highlight>
+                  <a:srgbClr val="FFFFFF"/>
+                </a:highlight>
+                <a:latin typeface="新宋体" panose="02010609030101010101" pitchFamily="49" charset="-122"/>
+                <a:ea typeface="新宋体" panose="02010609030101010101" pitchFamily="49" charset="-122"/>
+              </a:rPr>
+              <a:t>std</a:t>
+            </a:r>
+            <a:r>
+              <a:rPr lang="en-US" altLang="zh-CN" dirty="0">
+                <a:solidFill>
+                  <a:srgbClr val="000000"/>
+                </a:solidFill>
+                <a:highlight>
+                  <a:srgbClr val="FFFFFF"/>
+                </a:highlight>
+                <a:latin typeface="新宋体" panose="02010609030101010101" pitchFamily="49" charset="-122"/>
+                <a:ea typeface="新宋体" panose="02010609030101010101" pitchFamily="49" charset="-122"/>
+              </a:rPr>
+              <a:t>::</a:t>
+            </a:r>
+            <a:r>
+              <a:rPr lang="en-US" altLang="zh-CN" dirty="0" err="1">
+                <a:solidFill>
+                  <a:srgbClr val="000000"/>
+                </a:solidFill>
+                <a:highlight>
+                  <a:srgbClr val="FFFFFF"/>
+                </a:highlight>
+                <a:latin typeface="新宋体" panose="02010609030101010101" pitchFamily="49" charset="-122"/>
+                <a:ea typeface="新宋体" panose="02010609030101010101" pitchFamily="49" charset="-122"/>
+              </a:rPr>
+              <a:t>cout</a:t>
+            </a:r>
+            <a:r>
+              <a:rPr lang="en-US" altLang="zh-CN" dirty="0">
+                <a:solidFill>
+                  <a:srgbClr val="000000"/>
+                </a:solidFill>
+                <a:highlight>
+                  <a:srgbClr val="FFFFFF"/>
+                </a:highlight>
+                <a:latin typeface="新宋体" panose="02010609030101010101" pitchFamily="49" charset="-122"/>
+                <a:ea typeface="新宋体" panose="02010609030101010101" pitchFamily="49" charset="-122"/>
+              </a:rPr>
+              <a:t> &lt;&lt; </a:t>
+            </a:r>
+            <a:r>
+              <a:rPr lang="en-US" altLang="zh-CN" dirty="0" err="1">
+                <a:solidFill>
+                  <a:srgbClr val="000000"/>
+                </a:solidFill>
+                <a:highlight>
+                  <a:srgbClr val="FFFFFF"/>
+                </a:highlight>
+                <a:latin typeface="新宋体" panose="02010609030101010101" pitchFamily="49" charset="-122"/>
+                <a:ea typeface="新宋体" panose="02010609030101010101" pitchFamily="49" charset="-122"/>
+              </a:rPr>
+              <a:t>hana</a:t>
+            </a:r>
+            <a:r>
+              <a:rPr lang="en-US" altLang="zh-CN" dirty="0">
+                <a:solidFill>
+                  <a:srgbClr val="000000"/>
+                </a:solidFill>
+                <a:highlight>
+                  <a:srgbClr val="FFFFFF"/>
+                </a:highlight>
+                <a:latin typeface="新宋体" panose="02010609030101010101" pitchFamily="49" charset="-122"/>
+                <a:ea typeface="新宋体" panose="02010609030101010101" pitchFamily="49" charset="-122"/>
+              </a:rPr>
+              <a:t>::to&lt;</a:t>
+            </a:r>
+            <a:r>
+              <a:rPr lang="en-US" altLang="zh-CN" dirty="0">
+                <a:solidFill>
+                  <a:srgbClr val="0000FF"/>
+                </a:solidFill>
+                <a:highlight>
+                  <a:srgbClr val="FFFFFF"/>
+                </a:highlight>
+                <a:latin typeface="新宋体" panose="02010609030101010101" pitchFamily="49" charset="-122"/>
+                <a:ea typeface="新宋体" panose="02010609030101010101" pitchFamily="49" charset="-122"/>
+              </a:rPr>
+              <a:t>char</a:t>
+            </a:r>
+            <a:r>
+              <a:rPr lang="en-US" altLang="zh-CN" dirty="0">
+                <a:solidFill>
+                  <a:srgbClr val="000000"/>
+                </a:solidFill>
+                <a:highlight>
+                  <a:srgbClr val="FFFFFF"/>
+                </a:highlight>
+                <a:latin typeface="新宋体" panose="02010609030101010101" pitchFamily="49" charset="-122"/>
+                <a:ea typeface="新宋体" panose="02010609030101010101" pitchFamily="49" charset="-122"/>
+              </a:rPr>
+              <a:t> </a:t>
+            </a:r>
+            <a:r>
+              <a:rPr lang="en-US" altLang="zh-CN" dirty="0" err="1">
+                <a:solidFill>
+                  <a:srgbClr val="0000FF"/>
+                </a:solidFill>
+                <a:highlight>
+                  <a:srgbClr val="FFFFFF"/>
+                </a:highlight>
+                <a:latin typeface="新宋体" panose="02010609030101010101" pitchFamily="49" charset="-122"/>
+                <a:ea typeface="新宋体" panose="02010609030101010101" pitchFamily="49" charset="-122"/>
+              </a:rPr>
+              <a:t>const</a:t>
+            </a:r>
+            <a:r>
+              <a:rPr lang="en-US" altLang="zh-CN" dirty="0">
+                <a:solidFill>
+                  <a:srgbClr val="000000"/>
+                </a:solidFill>
+                <a:highlight>
+                  <a:srgbClr val="FFFFFF"/>
+                </a:highlight>
+                <a:latin typeface="新宋体" panose="02010609030101010101" pitchFamily="49" charset="-122"/>
+                <a:ea typeface="新宋体" panose="02010609030101010101" pitchFamily="49" charset="-122"/>
+              </a:rPr>
+              <a:t>*&gt;(</a:t>
+            </a:r>
+            <a:r>
+              <a:rPr lang="en-US" altLang="zh-CN" dirty="0" err="1">
+                <a:solidFill>
+                  <a:srgbClr val="000000"/>
+                </a:solidFill>
+                <a:highlight>
+                  <a:srgbClr val="FFFFFF"/>
+                </a:highlight>
+                <a:latin typeface="新宋体" panose="02010609030101010101" pitchFamily="49" charset="-122"/>
+                <a:ea typeface="新宋体" panose="02010609030101010101" pitchFamily="49" charset="-122"/>
+              </a:rPr>
+              <a:t>hana</a:t>
+            </a:r>
+            <a:r>
+              <a:rPr lang="en-US" altLang="zh-CN" dirty="0">
+                <a:solidFill>
+                  <a:srgbClr val="000000"/>
+                </a:solidFill>
+                <a:highlight>
+                  <a:srgbClr val="FFFFFF"/>
+                </a:highlight>
+                <a:latin typeface="新宋体" panose="02010609030101010101" pitchFamily="49" charset="-122"/>
+                <a:ea typeface="新宋体" panose="02010609030101010101" pitchFamily="49" charset="-122"/>
+              </a:rPr>
+              <a:t>::first(pair)) &lt;&lt; </a:t>
+            </a:r>
+            <a:r>
+              <a:rPr lang="en-US" altLang="zh-CN" dirty="0">
+                <a:solidFill>
+                  <a:srgbClr val="A31515"/>
+                </a:solidFill>
+                <a:highlight>
+                  <a:srgbClr val="FFFFFF"/>
+                </a:highlight>
+                <a:latin typeface="新宋体" panose="02010609030101010101" pitchFamily="49" charset="-122"/>
+                <a:ea typeface="新宋体" panose="02010609030101010101" pitchFamily="49" charset="-122"/>
+              </a:rPr>
+              <a:t>": </a:t>
+            </a:r>
+            <a:r>
+              <a:rPr lang="en-US" altLang="zh-CN" dirty="0" smtClean="0">
+                <a:solidFill>
+                  <a:srgbClr val="A31515"/>
+                </a:solidFill>
+                <a:highlight>
+                  <a:srgbClr val="FFFFFF"/>
+                </a:highlight>
+                <a:latin typeface="新宋体" panose="02010609030101010101" pitchFamily="49" charset="-122"/>
+                <a:ea typeface="新宋体" panose="02010609030101010101" pitchFamily="49" charset="-122"/>
+              </a:rPr>
+              <a:t>     "</a:t>
+            </a:r>
+            <a:r>
+              <a:rPr lang="en-US" altLang="zh-CN" dirty="0" smtClean="0">
+                <a:solidFill>
+                  <a:srgbClr val="000000"/>
+                </a:solidFill>
+                <a:highlight>
+                  <a:srgbClr val="FFFFFF"/>
+                </a:highlight>
+                <a:latin typeface="新宋体" panose="02010609030101010101" pitchFamily="49" charset="-122"/>
+                <a:ea typeface="新宋体" panose="02010609030101010101" pitchFamily="49" charset="-122"/>
+              </a:rPr>
+              <a:t>&lt;&lt; </a:t>
+            </a:r>
+            <a:r>
+              <a:rPr lang="en-US" altLang="zh-CN" dirty="0" err="1">
+                <a:solidFill>
+                  <a:srgbClr val="000000"/>
+                </a:solidFill>
+                <a:highlight>
+                  <a:srgbClr val="FFFFFF"/>
+                </a:highlight>
+                <a:latin typeface="新宋体" panose="02010609030101010101" pitchFamily="49" charset="-122"/>
+                <a:ea typeface="新宋体" panose="02010609030101010101" pitchFamily="49" charset="-122"/>
+              </a:rPr>
+              <a:t>hana</a:t>
+            </a:r>
+            <a:r>
+              <a:rPr lang="en-US" altLang="zh-CN" dirty="0">
+                <a:solidFill>
+                  <a:srgbClr val="000000"/>
+                </a:solidFill>
+                <a:highlight>
+                  <a:srgbClr val="FFFFFF"/>
+                </a:highlight>
+                <a:latin typeface="新宋体" panose="02010609030101010101" pitchFamily="49" charset="-122"/>
+                <a:ea typeface="新宋体" panose="02010609030101010101" pitchFamily="49" charset="-122"/>
+              </a:rPr>
+              <a:t>::second(pair) &lt;&lt; </a:t>
+            </a:r>
+            <a:r>
+              <a:rPr lang="en-US" altLang="zh-CN" dirty="0" err="1">
+                <a:solidFill>
+                  <a:srgbClr val="000000"/>
+                </a:solidFill>
+                <a:highlight>
+                  <a:srgbClr val="FFFFFF"/>
+                </a:highlight>
+                <a:latin typeface="新宋体" panose="02010609030101010101" pitchFamily="49" charset="-122"/>
+                <a:ea typeface="新宋体" panose="02010609030101010101" pitchFamily="49" charset="-122"/>
+              </a:rPr>
+              <a:t>std</a:t>
+            </a:r>
+            <a:r>
+              <a:rPr lang="en-US" altLang="zh-CN" dirty="0">
+                <a:solidFill>
+                  <a:srgbClr val="000000"/>
+                </a:solidFill>
+                <a:highlight>
+                  <a:srgbClr val="FFFFFF"/>
+                </a:highlight>
+                <a:latin typeface="新宋体" panose="02010609030101010101" pitchFamily="49" charset="-122"/>
+                <a:ea typeface="新宋体" panose="02010609030101010101" pitchFamily="49" charset="-122"/>
+              </a:rPr>
+              <a:t>::</a:t>
+            </a:r>
+            <a:r>
+              <a:rPr lang="en-US" altLang="zh-CN" dirty="0" err="1">
+                <a:solidFill>
+                  <a:srgbClr val="000000"/>
+                </a:solidFill>
+                <a:highlight>
+                  <a:srgbClr val="FFFFFF"/>
+                </a:highlight>
+                <a:latin typeface="新宋体" panose="02010609030101010101" pitchFamily="49" charset="-122"/>
+                <a:ea typeface="新宋体" panose="02010609030101010101" pitchFamily="49" charset="-122"/>
+              </a:rPr>
+              <a:t>endl</a:t>
+            </a:r>
+            <a:r>
+              <a:rPr lang="en-US" altLang="zh-CN" dirty="0">
+                <a:solidFill>
+                  <a:srgbClr val="000000"/>
+                </a:solidFill>
+                <a:highlight>
+                  <a:srgbClr val="FFFFFF"/>
+                </a:highlight>
+                <a:latin typeface="新宋体" panose="02010609030101010101" pitchFamily="49" charset="-122"/>
+                <a:ea typeface="新宋体" panose="02010609030101010101" pitchFamily="49" charset="-122"/>
+              </a:rPr>
+              <a:t>;</a:t>
+            </a:r>
+          </a:p>
+          <a:p>
+            <a:r>
+              <a:rPr lang="en-US" altLang="zh-CN" dirty="0">
+                <a:solidFill>
+                  <a:srgbClr val="000000"/>
+                </a:solidFill>
+                <a:highlight>
+                  <a:srgbClr val="FFFFFF"/>
+                </a:highlight>
+                <a:latin typeface="新宋体" panose="02010609030101010101" pitchFamily="49" charset="-122"/>
+                <a:ea typeface="新宋体" panose="02010609030101010101" pitchFamily="49" charset="-122"/>
+              </a:rPr>
+              <a:t>});</a:t>
+            </a:r>
+            <a:endParaRPr lang="zh-CN" altLang="en-US" dirty="0"/>
+          </a:p>
+        </p:txBody>
+      </p:sp>
+    </p:spTree>
+    <p:extLst>
+      <p:ext uri="{BB962C8B-B14F-4D97-AF65-F5344CB8AC3E}">
+        <p14:creationId xmlns:p14="http://schemas.microsoft.com/office/powerpoint/2010/main" val="1916564310"/>
+      </p:ext>
+    </p:extLst>
+  </p:cSld>
+  <p:clrMapOvr>
+    <a:masterClrMapping/>
+  </p:clrMapOvr>
+  <p:timing>
+    <p:tnLst>
+      <p:par>
+        <p:cTn id="1" dur="indefinite" restart="never" nodeType="tmRoot">
+          <p:childTnLst>
+            <p:seq concurrent="1" nextAc="seek">
+              <p:cTn id="2" dur="indefinite" nodeType="mainSeq">
+                <p:childTnLst>
+                  <p:par>
+                    <p:cTn id="3" fill="hold">
+                      <p:stCondLst>
+                        <p:cond delay="indefinite"/>
+                      </p:stCondLst>
+                      <p:childTnLst>
+                        <p:par>
+                          <p:cTn id="4" fill="hold">
+                            <p:stCondLst>
+                              <p:cond delay="0"/>
+                            </p:stCondLst>
+                            <p:childTnLst>
+                              <p:par>
+                                <p:cTn id="5" presetID="2" presetClass="entr" presetSubtype="4" fill="hold" nodeType="clickEffect">
+                                  <p:stCondLst>
+                                    <p:cond delay="0"/>
+                                  </p:stCondLst>
+                                  <p:childTnLst>
+                                    <p:set>
+                                      <p:cBhvr>
+                                        <p:cTn id="6" dur="1" fill="hold">
+                                          <p:stCondLst>
+                                            <p:cond delay="0"/>
+                                          </p:stCondLst>
+                                        </p:cTn>
+                                        <p:tgtEl>
+                                          <p:spTgt spid="4">
+                                            <p:txEl>
+                                              <p:pRg st="7" end="7"/>
+                                            </p:txEl>
+                                          </p:spTgt>
+                                        </p:tgtEl>
+                                        <p:attrNameLst>
+                                          <p:attrName>style.visibility</p:attrName>
+                                        </p:attrNameLst>
+                                      </p:cBhvr>
+                                      <p:to>
+                                        <p:strVal val="visible"/>
+                                      </p:to>
+                                    </p:set>
+                                    <p:anim calcmode="lin" valueType="num">
+                                      <p:cBhvr additive="base">
+                                        <p:cTn id="7" dur="500" fill="hold"/>
+                                        <p:tgtEl>
+                                          <p:spTgt spid="4">
+                                            <p:txEl>
+                                              <p:pRg st="7" end="7"/>
+                                            </p:txEl>
+                                          </p:spTgt>
+                                        </p:tgtEl>
+                                        <p:attrNameLst>
+                                          <p:attrName>ppt_x</p:attrName>
+                                        </p:attrNameLst>
+                                      </p:cBhvr>
+                                      <p:tavLst>
+                                        <p:tav tm="0">
+                                          <p:val>
+                                            <p:strVal val="#ppt_x"/>
+                                          </p:val>
+                                        </p:tav>
+                                        <p:tav tm="100000">
+                                          <p:val>
+                                            <p:strVal val="#ppt_x"/>
+                                          </p:val>
+                                        </p:tav>
+                                      </p:tavLst>
+                                    </p:anim>
+                                    <p:anim calcmode="lin" valueType="num">
+                                      <p:cBhvr additive="base">
+                                        <p:cTn id="8" dur="500" fill="hold"/>
+                                        <p:tgtEl>
+                                          <p:spTgt spid="4">
+                                            <p:txEl>
+                                              <p:pRg st="7" end="7"/>
+                                            </p:txEl>
+                                          </p:spTgt>
+                                        </p:tgtEl>
+                                        <p:attrNameLst>
+                                          <p:attrName>ppt_y</p:attrName>
+                                        </p:attrNameLst>
+                                      </p:cBhvr>
+                                      <p:tavLst>
+                                        <p:tav tm="0">
+                                          <p:val>
+                                            <p:strVal val="1+#ppt_h/2"/>
+                                          </p:val>
+                                        </p:tav>
+                                        <p:tav tm="100000">
+                                          <p:val>
+                                            <p:strVal val="#ppt_y"/>
+                                          </p:val>
+                                        </p:tav>
+                                      </p:tavLst>
+                                    </p:anim>
+                                  </p:childTnLst>
+                                </p:cTn>
+                              </p:par>
+                              <p:par>
+                                <p:cTn id="9" presetID="2" presetClass="entr" presetSubtype="4" fill="hold" nodeType="withEffect">
+                                  <p:stCondLst>
+                                    <p:cond delay="0"/>
+                                  </p:stCondLst>
+                                  <p:childTnLst>
+                                    <p:set>
+                                      <p:cBhvr>
+                                        <p:cTn id="10" dur="1" fill="hold">
+                                          <p:stCondLst>
+                                            <p:cond delay="0"/>
+                                          </p:stCondLst>
+                                        </p:cTn>
+                                        <p:tgtEl>
+                                          <p:spTgt spid="4">
+                                            <p:txEl>
+                                              <p:pRg st="8" end="8"/>
+                                            </p:txEl>
+                                          </p:spTgt>
+                                        </p:tgtEl>
+                                        <p:attrNameLst>
+                                          <p:attrName>style.visibility</p:attrName>
+                                        </p:attrNameLst>
+                                      </p:cBhvr>
+                                      <p:to>
+                                        <p:strVal val="visible"/>
+                                      </p:to>
+                                    </p:set>
+                                    <p:anim calcmode="lin" valueType="num">
+                                      <p:cBhvr additive="base">
+                                        <p:cTn id="11" dur="500" fill="hold"/>
+                                        <p:tgtEl>
+                                          <p:spTgt spid="4">
+                                            <p:txEl>
+                                              <p:pRg st="8" end="8"/>
+                                            </p:txEl>
+                                          </p:spTgt>
+                                        </p:tgtEl>
+                                        <p:attrNameLst>
+                                          <p:attrName>ppt_x</p:attrName>
+                                        </p:attrNameLst>
+                                      </p:cBhvr>
+                                      <p:tavLst>
+                                        <p:tav tm="0">
+                                          <p:val>
+                                            <p:strVal val="#ppt_x"/>
+                                          </p:val>
+                                        </p:tav>
+                                        <p:tav tm="100000">
+                                          <p:val>
+                                            <p:strVal val="#ppt_x"/>
+                                          </p:val>
+                                        </p:tav>
+                                      </p:tavLst>
+                                    </p:anim>
+                                    <p:anim calcmode="lin" valueType="num">
+                                      <p:cBhvr additive="base">
+                                        <p:cTn id="12" dur="500" fill="hold"/>
+                                        <p:tgtEl>
+                                          <p:spTgt spid="4">
+                                            <p:txEl>
+                                              <p:pRg st="8" end="8"/>
+                                            </p:txEl>
+                                          </p:spTgt>
+                                        </p:tgtEl>
+                                        <p:attrNameLst>
+                                          <p:attrName>ppt_y</p:attrName>
+                                        </p:attrNameLst>
+                                      </p:cBhvr>
+                                      <p:tavLst>
+                                        <p:tav tm="0">
+                                          <p:val>
+                                            <p:strVal val="1+#ppt_h/2"/>
+                                          </p:val>
+                                        </p:tav>
+                                        <p:tav tm="100000">
+                                          <p:val>
+                                            <p:strVal val="#ppt_y"/>
+                                          </p:val>
+                                        </p:tav>
+                                      </p:tavLst>
+                                    </p:anim>
+                                  </p:childTnLst>
+                                </p:cTn>
+                              </p:par>
+                              <p:par>
+                                <p:cTn id="13" presetID="2" presetClass="entr" presetSubtype="4" fill="hold" nodeType="withEffect">
+                                  <p:stCondLst>
+                                    <p:cond delay="0"/>
+                                  </p:stCondLst>
+                                  <p:childTnLst>
+                                    <p:set>
+                                      <p:cBhvr>
+                                        <p:cTn id="14" dur="1" fill="hold">
+                                          <p:stCondLst>
+                                            <p:cond delay="0"/>
+                                          </p:stCondLst>
+                                        </p:cTn>
+                                        <p:tgtEl>
+                                          <p:spTgt spid="4">
+                                            <p:txEl>
+                                              <p:pRg st="9" end="9"/>
+                                            </p:txEl>
+                                          </p:spTgt>
+                                        </p:tgtEl>
+                                        <p:attrNameLst>
+                                          <p:attrName>style.visibility</p:attrName>
+                                        </p:attrNameLst>
+                                      </p:cBhvr>
+                                      <p:to>
+                                        <p:strVal val="visible"/>
+                                      </p:to>
+                                    </p:set>
+                                    <p:anim calcmode="lin" valueType="num">
+                                      <p:cBhvr additive="base">
+                                        <p:cTn id="15" dur="500" fill="hold"/>
+                                        <p:tgtEl>
+                                          <p:spTgt spid="4">
+                                            <p:txEl>
+                                              <p:pRg st="9" end="9"/>
+                                            </p:txEl>
+                                          </p:spTgt>
+                                        </p:tgtEl>
+                                        <p:attrNameLst>
+                                          <p:attrName>ppt_x</p:attrName>
+                                        </p:attrNameLst>
+                                      </p:cBhvr>
+                                      <p:tavLst>
+                                        <p:tav tm="0">
+                                          <p:val>
+                                            <p:strVal val="#ppt_x"/>
+                                          </p:val>
+                                        </p:tav>
+                                        <p:tav tm="100000">
+                                          <p:val>
+                                            <p:strVal val="#ppt_x"/>
+                                          </p:val>
+                                        </p:tav>
+                                      </p:tavLst>
+                                    </p:anim>
+                                    <p:anim calcmode="lin" valueType="num">
+                                      <p:cBhvr additive="base">
+                                        <p:cTn id="16" dur="500" fill="hold"/>
+                                        <p:tgtEl>
+                                          <p:spTgt spid="4">
+                                            <p:txEl>
+                                              <p:pRg st="9" end="9"/>
+                                            </p:txEl>
+                                          </p:spTgt>
+                                        </p:tgtEl>
+                                        <p:attrNameLst>
+                                          <p:attrName>ppt_y</p:attrName>
+                                        </p:attrNameLst>
+                                      </p:cBhvr>
+                                      <p:tavLst>
+                                        <p:tav tm="0">
+                                          <p:val>
+                                            <p:strVal val="1+#ppt_h/2"/>
+                                          </p:val>
+                                        </p:tav>
+                                        <p:tav tm="100000">
+                                          <p:val>
+                                            <p:strVal val="#ppt_y"/>
+                                          </p:val>
+                                        </p:tav>
+                                      </p:tavLst>
+                                    </p:anim>
+                                  </p:childTnLst>
+                                </p:cTn>
+                              </p:par>
+                              <p:par>
+                                <p:cTn id="17" presetID="2" presetClass="entr" presetSubtype="4" fill="hold" nodeType="withEffect">
+                                  <p:stCondLst>
+                                    <p:cond delay="0"/>
+                                  </p:stCondLst>
+                                  <p:childTnLst>
+                                    <p:set>
+                                      <p:cBhvr>
+                                        <p:cTn id="18" dur="1" fill="hold">
+                                          <p:stCondLst>
+                                            <p:cond delay="0"/>
+                                          </p:stCondLst>
+                                        </p:cTn>
+                                        <p:tgtEl>
+                                          <p:spTgt spid="4">
+                                            <p:txEl>
+                                              <p:pRg st="10" end="10"/>
+                                            </p:txEl>
+                                          </p:spTgt>
+                                        </p:tgtEl>
+                                        <p:attrNameLst>
+                                          <p:attrName>style.visibility</p:attrName>
+                                        </p:attrNameLst>
+                                      </p:cBhvr>
+                                      <p:to>
+                                        <p:strVal val="visible"/>
+                                      </p:to>
+                                    </p:set>
+                                    <p:anim calcmode="lin" valueType="num">
+                                      <p:cBhvr additive="base">
+                                        <p:cTn id="19" dur="500" fill="hold"/>
+                                        <p:tgtEl>
+                                          <p:spTgt spid="4">
+                                            <p:txEl>
+                                              <p:pRg st="10" end="10"/>
+                                            </p:txEl>
+                                          </p:spTgt>
+                                        </p:tgtEl>
+                                        <p:attrNameLst>
+                                          <p:attrName>ppt_x</p:attrName>
+                                        </p:attrNameLst>
+                                      </p:cBhvr>
+                                      <p:tavLst>
+                                        <p:tav tm="0">
+                                          <p:val>
+                                            <p:strVal val="#ppt_x"/>
+                                          </p:val>
+                                        </p:tav>
+                                        <p:tav tm="100000">
+                                          <p:val>
+                                            <p:strVal val="#ppt_x"/>
+                                          </p:val>
+                                        </p:tav>
+                                      </p:tavLst>
+                                    </p:anim>
+                                    <p:anim calcmode="lin" valueType="num">
+                                      <p:cBhvr additive="base">
+                                        <p:cTn id="20" dur="500" fill="hold"/>
+                                        <p:tgtEl>
+                                          <p:spTgt spid="4">
+                                            <p:txEl>
+                                              <p:pRg st="10" end="10"/>
+                                            </p:txEl>
+                                          </p:spTgt>
+                                        </p:tgtEl>
+                                        <p:attrNameLst>
+                                          <p:attrName>ppt_y</p:attrName>
+                                        </p:attrNameLst>
+                                      </p:cBhvr>
+                                      <p:tavLst>
+                                        <p:tav tm="0">
+                                          <p:val>
+                                            <p:strVal val="1+#ppt_h/2"/>
+                                          </p:val>
+                                        </p:tav>
+                                        <p:tav tm="100000">
+                                          <p:val>
+                                            <p:strVal val="#ppt_y"/>
+                                          </p:val>
+                                        </p:tav>
+                                      </p:tavLst>
+                                    </p:anim>
+                                  </p:childTnLst>
+                                </p:cTn>
+                              </p:par>
+                            </p:childTnLst>
+                          </p:cTn>
+                        </p:par>
+                      </p:childTnLst>
+                    </p:cTn>
+                  </p:par>
+                </p:childTnLst>
+              </p:cTn>
+              <p:prevCondLst>
+                <p:cond evt="onPrev" delay="0">
+                  <p:tgtEl>
+                    <p:sldTgt/>
+                  </p:tgtEl>
+                </p:cond>
+              </p:prevCondLst>
+              <p:nextCondLst>
+                <p:cond evt="onNext" delay="0">
+                  <p:tgtEl>
+                    <p:sldTgt/>
+                  </p:tgtEl>
+                </p:cond>
+              </p:nextCondLst>
+            </p:seq>
+          </p:childTnLst>
+        </p:cTn>
+      </p:par>
+    </p:tnLst>
+  </p:timing>
+</p:sld>
+</file>
+
+<file path=ppt/slides/slide25.xml><?xml version="1.0" encoding="utf-8"?>
+<p:sld xmlns:a="http://schemas.openxmlformats.org/drawingml/2006/main" xmlns:r="http://schemas.openxmlformats.org/officeDocument/2006/relationships" xmlns:p="http://schemas.openxmlformats.org/presentationml/2006/main">
+  <p:cSld>
+    <p:spTree>
+      <p:nvGrpSpPr>
+        <p:cNvPr id="1" name=""/>
+        <p:cNvGrpSpPr/>
+        <p:nvPr/>
+      </p:nvGrpSpPr>
+      <p:grpSpPr>
+        <a:xfrm>
+          <a:off x="0" y="0"/>
+          <a:ext cx="0" cy="0"/>
+          <a:chOff x="0" y="0"/>
+          <a:chExt cx="0" cy="0"/>
+        </a:xfrm>
+      </p:grpSpPr>
+      <p:sp>
+        <p:nvSpPr>
+          <p:cNvPr id="2" name="标题 1"/>
+          <p:cNvSpPr>
+            <a:spLocks noGrp="1"/>
+          </p:cNvSpPr>
+          <p:nvPr>
+            <p:ph type="title"/>
+          </p:nvPr>
+        </p:nvSpPr>
+        <p:spPr/>
+        <p:txBody>
+          <a:bodyPr/>
+          <a:lstStyle/>
+          <a:p>
+            <a:endParaRPr lang="zh-CN" altLang="en-US"/>
+          </a:p>
+        </p:txBody>
+      </p:sp>
+      <p:sp>
+        <p:nvSpPr>
+          <p:cNvPr id="3" name="内容占位符 2"/>
+          <p:cNvSpPr>
+            <a:spLocks noGrp="1"/>
+          </p:cNvSpPr>
+          <p:nvPr>
+            <p:ph idx="1"/>
+          </p:nvPr>
+        </p:nvSpPr>
+        <p:spPr/>
+        <p:txBody>
+          <a:bodyPr/>
+          <a:lstStyle/>
+          <a:p>
+            <a:endParaRPr lang="zh-CN" altLang="en-US" dirty="0"/>
+          </a:p>
+        </p:txBody>
+      </p:sp>
+      <p:pic>
+        <p:nvPicPr>
+          <p:cNvPr id="5" name="图片 4"/>
+          <p:cNvPicPr>
+            <a:picLocks noChangeAspect="1"/>
+          </p:cNvPicPr>
+          <p:nvPr/>
+        </p:nvPicPr>
+        <p:blipFill>
+          <a:blip r:embed="rId2"/>
+          <a:stretch>
+            <a:fillRect/>
+          </a:stretch>
+        </p:blipFill>
+        <p:spPr>
+          <a:xfrm>
+            <a:off x="838200" y="365124"/>
+            <a:ext cx="10515600" cy="4713483"/>
+          </a:xfrm>
+          <a:prstGeom prst="rect">
+            <a:avLst/>
+          </a:prstGeom>
+        </p:spPr>
+      </p:pic>
+    </p:spTree>
+    <p:extLst>
+      <p:ext uri="{BB962C8B-B14F-4D97-AF65-F5344CB8AC3E}">
+        <p14:creationId xmlns:p14="http://schemas.microsoft.com/office/powerpoint/2010/main" val="2385815581"/>
+      </p:ext>
+    </p:extLst>
+  </p:cSld>
+  <p:clrMapOvr>
+    <a:masterClrMapping/>
+  </p:clrMapOvr>
+  <p:timing>
+    <p:tnLst>
+      <p:par>
+        <p:cTn id="1" dur="indefinite" restart="never" nodeType="tmRoot"/>
+      </p:par>
+    </p:tnLst>
+  </p:timing>
+</p:sld>
+</file>
+
+<file path=ppt/slides/slide26.xml><?xml version="1.0" encoding="utf-8"?>
+<p:sld xmlns:a="http://schemas.openxmlformats.org/drawingml/2006/main" xmlns:r="http://schemas.openxmlformats.org/officeDocument/2006/relationships" xmlns:p="http://schemas.openxmlformats.org/presentationml/2006/main">
+  <p:cSld>
+    <p:spTree>
+      <p:nvGrpSpPr>
+        <p:cNvPr id="1" name=""/>
+        <p:cNvGrpSpPr/>
+        <p:nvPr/>
+      </p:nvGrpSpPr>
+      <p:grpSpPr>
+        <a:xfrm>
+          <a:off x="0" y="0"/>
+          <a:ext cx="0" cy="0"/>
+          <a:chOff x="0" y="0"/>
+          <a:chExt cx="0" cy="0"/>
+        </a:xfrm>
+      </p:grpSpPr>
+      <p:sp>
+        <p:nvSpPr>
+          <p:cNvPr id="2" name="标题 1"/>
+          <p:cNvSpPr>
+            <a:spLocks noGrp="1"/>
+          </p:cNvSpPr>
+          <p:nvPr>
+            <p:ph type="title"/>
+          </p:nvPr>
+        </p:nvSpPr>
+        <p:spPr/>
+        <p:txBody>
+          <a:bodyPr/>
+          <a:lstStyle/>
+          <a:p>
             <a:r>
               <a:rPr lang="en-US" altLang="zh-CN" dirty="0"/>
               <a:t>technical thought</a:t>
@@ -10812,7 +12786,7 @@
 </p:sld>
 </file>
 
-<file path=ppt/slides/slide24.xml><?xml version="1.0" encoding="utf-8"?>
+<file path=ppt/slides/slide27.xml><?xml version="1.0" encoding="utf-8"?>
 <p:sld xmlns:a="http://schemas.openxmlformats.org/drawingml/2006/main" xmlns:r="http://schemas.openxmlformats.org/officeDocument/2006/relationships" xmlns:p="http://schemas.openxmlformats.org/presentationml/2006/main">
   <p:cSld>
     <p:spTree>
@@ -11061,293 +13035,6 @@
 </p:sld>
 </file>
 
-<file path=ppt/slides/slide25.xml><?xml version="1.0" encoding="utf-8"?>
-<p:sld xmlns:a="http://schemas.openxmlformats.org/drawingml/2006/main" xmlns:r="http://schemas.openxmlformats.org/officeDocument/2006/relationships" xmlns:p="http://schemas.openxmlformats.org/presentationml/2006/main">
-  <p:cSld>
-    <p:spTree>
-      <p:nvGrpSpPr>
-        <p:cNvPr id="1" name=""/>
-        <p:cNvGrpSpPr/>
-        <p:nvPr/>
-      </p:nvGrpSpPr>
-      <p:grpSpPr>
-        <a:xfrm>
-          <a:off x="0" y="0"/>
-          <a:ext cx="0" cy="0"/>
-          <a:chOff x="0" y="0"/>
-          <a:chExt cx="0" cy="0"/>
-        </a:xfrm>
-      </p:grpSpPr>
-      <p:sp>
-        <p:nvSpPr>
-          <p:cNvPr id="2" name="标题 1"/>
-          <p:cNvSpPr>
-            <a:spLocks noGrp="1"/>
-          </p:cNvSpPr>
-          <p:nvPr>
-            <p:ph type="title"/>
-          </p:nvPr>
-        </p:nvSpPr>
-        <p:spPr/>
-        <p:txBody>
-          <a:bodyPr/>
-          <a:lstStyle/>
-          <a:p>
-            <a:r>
-              <a:rPr lang="en-US" altLang="zh-CN" dirty="0"/>
-              <a:t>technical thought</a:t>
-            </a:r>
-            <a:endParaRPr lang="zh-CN" altLang="en-US" dirty="0"/>
-          </a:p>
-        </p:txBody>
-      </p:sp>
-      <p:sp>
-        <p:nvSpPr>
-          <p:cNvPr id="3" name="内容占位符 2"/>
-          <p:cNvSpPr>
-            <a:spLocks noGrp="1"/>
-          </p:cNvSpPr>
-          <p:nvPr>
-            <p:ph idx="1"/>
-          </p:nvPr>
-        </p:nvSpPr>
-        <p:spPr/>
-        <p:txBody>
-          <a:bodyPr/>
-          <a:lstStyle/>
-          <a:p>
-            <a:r>
-              <a:rPr lang="en-US" altLang="zh-CN" dirty="0" smtClean="0"/>
-              <a:t>a simple implementation</a:t>
-            </a:r>
-            <a:endParaRPr lang="zh-CN" altLang="en-US" dirty="0"/>
-          </a:p>
-        </p:txBody>
-      </p:sp>
-    </p:spTree>
-    <p:extLst>
-      <p:ext uri="{BB962C8B-B14F-4D97-AF65-F5344CB8AC3E}">
-        <p14:creationId xmlns:p14="http://schemas.microsoft.com/office/powerpoint/2010/main" val="2791081822"/>
-      </p:ext>
-    </p:extLst>
-  </p:cSld>
-  <p:clrMapOvr>
-    <a:masterClrMapping/>
-  </p:clrMapOvr>
-  <p:timing>
-    <p:tnLst>
-      <p:par>
-        <p:cTn id="1" dur="indefinite" restart="never" nodeType="tmRoot"/>
-      </p:par>
-    </p:tnLst>
-  </p:timing>
-</p:sld>
-</file>
-
-<file path=ppt/slides/slide26.xml><?xml version="1.0" encoding="utf-8"?>
-<p:sld xmlns:a="http://schemas.openxmlformats.org/drawingml/2006/main" xmlns:r="http://schemas.openxmlformats.org/officeDocument/2006/relationships" xmlns:p="http://schemas.openxmlformats.org/presentationml/2006/main">
-  <p:cSld>
-    <p:spTree>
-      <p:nvGrpSpPr>
-        <p:cNvPr id="1" name=""/>
-        <p:cNvGrpSpPr/>
-        <p:nvPr/>
-      </p:nvGrpSpPr>
-      <p:grpSpPr>
-        <a:xfrm>
-          <a:off x="0" y="0"/>
-          <a:ext cx="0" cy="0"/>
-          <a:chOff x="0" y="0"/>
-          <a:chExt cx="0" cy="0"/>
-        </a:xfrm>
-      </p:grpSpPr>
-      <p:sp>
-        <p:nvSpPr>
-          <p:cNvPr id="2" name="标题 1"/>
-          <p:cNvSpPr>
-            <a:spLocks noGrp="1"/>
-          </p:cNvSpPr>
-          <p:nvPr>
-            <p:ph type="title"/>
-          </p:nvPr>
-        </p:nvSpPr>
-        <p:spPr/>
-        <p:txBody>
-          <a:bodyPr/>
-          <a:lstStyle/>
-          <a:p>
-            <a:r>
-              <a:rPr lang="en-US" altLang="zh-CN" dirty="0" smtClean="0"/>
-              <a:t>Outline</a:t>
-            </a:r>
-            <a:endParaRPr lang="zh-CN" altLang="en-US" dirty="0"/>
-          </a:p>
-        </p:txBody>
-      </p:sp>
-      <p:sp>
-        <p:nvSpPr>
-          <p:cNvPr id="3" name="内容占位符 2"/>
-          <p:cNvSpPr>
-            <a:spLocks noGrp="1"/>
-          </p:cNvSpPr>
-          <p:nvPr>
-            <p:ph idx="1"/>
-          </p:nvPr>
-        </p:nvSpPr>
-        <p:spPr/>
-        <p:txBody>
-          <a:bodyPr/>
-          <a:lstStyle/>
-          <a:p>
-            <a:r>
-              <a:rPr lang="en-US" altLang="zh-CN" dirty="0" smtClean="0"/>
-              <a:t>concepts of reflection</a:t>
-            </a:r>
-          </a:p>
-          <a:p>
-            <a:r>
-              <a:rPr lang="en-US" altLang="zh-CN" dirty="0"/>
-              <a:t>implementation of compile-time </a:t>
-            </a:r>
-            <a:r>
-              <a:rPr lang="en-US" altLang="zh-CN" dirty="0" smtClean="0"/>
-              <a:t>reflection</a:t>
-            </a:r>
-          </a:p>
-          <a:p>
-            <a:r>
-              <a:rPr lang="en-US" altLang="zh-CN" b="1" dirty="0" smtClean="0"/>
-              <a:t>application of compile-time reflection</a:t>
-            </a:r>
-          </a:p>
-          <a:p>
-            <a:r>
-              <a:rPr lang="en-US" altLang="zh-CN" dirty="0" smtClean="0"/>
-              <a:t>prospect</a:t>
-            </a:r>
-            <a:endParaRPr lang="zh-CN" altLang="en-US" dirty="0"/>
-          </a:p>
-        </p:txBody>
-      </p:sp>
-    </p:spTree>
-    <p:extLst>
-      <p:ext uri="{BB962C8B-B14F-4D97-AF65-F5344CB8AC3E}">
-        <p14:creationId xmlns:p14="http://schemas.microsoft.com/office/powerpoint/2010/main" val="3920747289"/>
-      </p:ext>
-    </p:extLst>
-  </p:cSld>
-  <p:clrMapOvr>
-    <a:masterClrMapping/>
-  </p:clrMapOvr>
-  <p:timing>
-    <p:tnLst>
-      <p:par>
-        <p:cTn id="1" dur="indefinite" restart="never" nodeType="tmRoot"/>
-      </p:par>
-    </p:tnLst>
-  </p:timing>
-</p:sld>
-</file>
-
-<file path=ppt/slides/slide27.xml><?xml version="1.0" encoding="utf-8"?>
-<p:sld xmlns:a="http://schemas.openxmlformats.org/drawingml/2006/main" xmlns:r="http://schemas.openxmlformats.org/officeDocument/2006/relationships" xmlns:p="http://schemas.openxmlformats.org/presentationml/2006/main">
-  <p:cSld>
-    <p:spTree>
-      <p:nvGrpSpPr>
-        <p:cNvPr id="1" name=""/>
-        <p:cNvGrpSpPr/>
-        <p:nvPr/>
-      </p:nvGrpSpPr>
-      <p:grpSpPr>
-        <a:xfrm>
-          <a:off x="0" y="0"/>
-          <a:ext cx="0" cy="0"/>
-          <a:chOff x="0" y="0"/>
-          <a:chExt cx="0" cy="0"/>
-        </a:xfrm>
-      </p:grpSpPr>
-      <p:sp>
-        <p:nvSpPr>
-          <p:cNvPr id="2" name="标题 1"/>
-          <p:cNvSpPr>
-            <a:spLocks noGrp="1"/>
-          </p:cNvSpPr>
-          <p:nvPr>
-            <p:ph type="title"/>
-          </p:nvPr>
-        </p:nvSpPr>
-        <p:spPr/>
-        <p:txBody>
-          <a:bodyPr/>
-          <a:lstStyle/>
-          <a:p>
-            <a:r>
-              <a:rPr lang="en-US" altLang="zh-CN" dirty="0"/>
-              <a:t>application of compile-time </a:t>
-            </a:r>
-            <a:r>
-              <a:rPr lang="en-US" altLang="zh-CN" dirty="0" smtClean="0"/>
-              <a:t>reflection</a:t>
-            </a:r>
-            <a:endParaRPr lang="zh-CN" altLang="en-US" dirty="0"/>
-          </a:p>
-        </p:txBody>
-      </p:sp>
-      <p:sp>
-        <p:nvSpPr>
-          <p:cNvPr id="3" name="内容占位符 2"/>
-          <p:cNvSpPr>
-            <a:spLocks noGrp="1"/>
-          </p:cNvSpPr>
-          <p:nvPr>
-            <p:ph idx="1"/>
-          </p:nvPr>
-        </p:nvSpPr>
-        <p:spPr/>
-        <p:txBody>
-          <a:bodyPr/>
-          <a:lstStyle/>
-          <a:p>
-            <a:r>
-              <a:rPr lang="en-US" altLang="zh-CN" dirty="0"/>
-              <a:t>Serialization</a:t>
-            </a:r>
-          </a:p>
-          <a:p>
-            <a:r>
-              <a:rPr lang="en-US" altLang="zh-CN" dirty="0"/>
-              <a:t>ORM(Object Relational Mapping)</a:t>
-            </a:r>
-          </a:p>
-          <a:p>
-            <a:r>
-              <a:rPr lang="en-US" altLang="zh-CN" dirty="0"/>
-              <a:t>DSL(domain-specific language)</a:t>
-            </a:r>
-            <a:endParaRPr lang="zh-CN" altLang="en-US" dirty="0"/>
-          </a:p>
-        </p:txBody>
-      </p:sp>
-    </p:spTree>
-    <p:extLst>
-      <p:ext uri="{BB962C8B-B14F-4D97-AF65-F5344CB8AC3E}">
-        <p14:creationId xmlns:p14="http://schemas.microsoft.com/office/powerpoint/2010/main" val="3812572458"/>
-      </p:ext>
-    </p:extLst>
-  </p:cSld>
-  <p:clrMapOvr>
-    <a:masterClrMapping/>
-  </p:clrMapOvr>
-  <p:timing>
-    <p:tnLst>
-      <p:par>
-        <p:cTn id="1" dur="indefinite" restart="never" nodeType="tmRoot"/>
-      </p:par>
-    </p:tnLst>
-  </p:timing>
-</p:sld>
-</file>
-
 <file path=ppt/slides/slide28.xml><?xml version="1.0" encoding="utf-8"?>
 <p:sld xmlns:a="http://schemas.openxmlformats.org/drawingml/2006/main" xmlns:r="http://schemas.openxmlformats.org/officeDocument/2006/relationships" xmlns:p="http://schemas.openxmlformats.org/presentationml/2006/main">
   <p:cSld>
@@ -11381,8 +13068,8 @@
           <a:lstStyle/>
           <a:p>
             <a:r>
-              <a:rPr lang="en-US" altLang="zh-CN" dirty="0" smtClean="0"/>
-              <a:t>Outline</a:t>
+              <a:rPr lang="en-US" altLang="zh-CN" dirty="0"/>
+              <a:t>technical thought</a:t>
             </a:r>
             <a:endParaRPr lang="zh-CN" altLang="en-US" dirty="0"/>
           </a:p>
@@ -11405,38 +13092,16 @@
           <a:p>
             <a:r>
               <a:rPr lang="en-US" altLang="zh-CN" dirty="0" smtClean="0"/>
-              <a:t>concepts of reflection</a:t>
-            </a:r>
-          </a:p>
-          <a:p>
-            <a:r>
-              <a:rPr lang="en-US" altLang="zh-CN" dirty="0"/>
-              <a:t>implementation of compile-time </a:t>
-            </a:r>
-            <a:r>
-              <a:rPr lang="en-US" altLang="zh-CN" dirty="0" smtClean="0"/>
-              <a:t>reflection</a:t>
-            </a:r>
-          </a:p>
-          <a:p>
-            <a:r>
-              <a:rPr lang="en-US" altLang="zh-CN" dirty="0" smtClean="0"/>
-              <a:t>application of compile-time reflection</a:t>
-            </a:r>
-          </a:p>
-          <a:p>
-            <a:r>
-              <a:rPr lang="en-US" altLang="zh-CN" b="1" dirty="0" smtClean="0"/>
-              <a:t>prospect</a:t>
-            </a:r>
-            <a:endParaRPr lang="zh-CN" altLang="en-US" b="1" dirty="0"/>
+              <a:t>a simple implementation</a:t>
+            </a:r>
+            <a:endParaRPr lang="zh-CN" altLang="en-US" dirty="0"/>
           </a:p>
         </p:txBody>
       </p:sp>
     </p:spTree>
     <p:extLst>
       <p:ext uri="{BB962C8B-B14F-4D97-AF65-F5344CB8AC3E}">
-        <p14:creationId xmlns:p14="http://schemas.microsoft.com/office/powerpoint/2010/main" val="3147020122"/>
+        <p14:creationId xmlns:p14="http://schemas.microsoft.com/office/powerpoint/2010/main" val="2791081822"/>
       </p:ext>
     </p:extLst>
   </p:cSld>
@@ -11486,8 +13151,8 @@
           <a:lstStyle/>
           <a:p>
             <a:r>
-              <a:rPr lang="en-US" altLang="zh-CN" dirty="0"/>
-              <a:t>prospect</a:t>
+              <a:rPr lang="en-US" altLang="zh-CN" dirty="0" smtClean="0"/>
+              <a:t>Outline</a:t>
             </a:r>
             <a:endParaRPr lang="zh-CN" altLang="en-US" dirty="0"/>
           </a:p>
@@ -11509,26 +13174,31 @@
           <a:lstStyle/>
           <a:p>
             <a:r>
+              <a:rPr lang="en-US" altLang="zh-CN" dirty="0" smtClean="0"/>
+              <a:t>concepts of reflection</a:t>
+            </a:r>
+          </a:p>
+          <a:p>
+            <a:r>
               <a:rPr lang="en-US" altLang="zh-CN" dirty="0"/>
-              <a:t>data </a:t>
+              <a:t>implementation of compile-time </a:t>
             </a:r>
             <a:r>
               <a:rPr lang="en-US" altLang="zh-CN" dirty="0" smtClean="0"/>
-              <a:t>binding</a:t>
-            </a:r>
-          </a:p>
-          <a:p>
-            <a:r>
-              <a:rPr lang="en-US" altLang="zh-CN" dirty="0" err="1"/>
-              <a:t>protocal</a:t>
-            </a:r>
-            <a:r>
-              <a:rPr lang="en-US" altLang="zh-CN" dirty="0"/>
-              <a:t> adaptor</a:t>
-            </a:r>
-            <a:endParaRPr lang="en-US" altLang="zh-CN" dirty="0" smtClean="0"/>
-          </a:p>
-          <a:p>
+              <a:t>reflection</a:t>
+            </a:r>
+          </a:p>
+          <a:p>
+            <a:r>
+              <a:rPr lang="en-US" altLang="zh-CN" b="1" dirty="0" smtClean="0"/>
+              <a:t>application of compile-time reflection</a:t>
+            </a:r>
+          </a:p>
+          <a:p>
+            <a:r>
+              <a:rPr lang="en-US" altLang="zh-CN" dirty="0" smtClean="0"/>
+              <a:t>prospect</a:t>
+            </a:r>
             <a:endParaRPr lang="zh-CN" altLang="en-US" dirty="0"/>
           </a:p>
         </p:txBody>
@@ -11536,7 +13206,7 @@
     </p:spTree>
     <p:extLst>
       <p:ext uri="{BB962C8B-B14F-4D97-AF65-F5344CB8AC3E}">
-        <p14:creationId xmlns:p14="http://schemas.microsoft.com/office/powerpoint/2010/main" val="3546759729"/>
+        <p14:creationId xmlns:p14="http://schemas.microsoft.com/office/powerpoint/2010/main" val="3920747289"/>
       </p:ext>
     </p:extLst>
   </p:cSld>
@@ -11654,6 +13324,310 @@
     <p:extLst>
       <p:ext uri="{BB962C8B-B14F-4D97-AF65-F5344CB8AC3E}">
         <p14:creationId xmlns:p14="http://schemas.microsoft.com/office/powerpoint/2010/main" val="3222731595"/>
+      </p:ext>
+    </p:extLst>
+  </p:cSld>
+  <p:clrMapOvr>
+    <a:masterClrMapping/>
+  </p:clrMapOvr>
+  <p:timing>
+    <p:tnLst>
+      <p:par>
+        <p:cTn id="1" dur="indefinite" restart="never" nodeType="tmRoot"/>
+      </p:par>
+    </p:tnLst>
+  </p:timing>
+</p:sld>
+</file>
+
+<file path=ppt/slides/slide30.xml><?xml version="1.0" encoding="utf-8"?>
+<p:sld xmlns:a="http://schemas.openxmlformats.org/drawingml/2006/main" xmlns:r="http://schemas.openxmlformats.org/officeDocument/2006/relationships" xmlns:p="http://schemas.openxmlformats.org/presentationml/2006/main">
+  <p:cSld>
+    <p:spTree>
+      <p:nvGrpSpPr>
+        <p:cNvPr id="1" name=""/>
+        <p:cNvGrpSpPr/>
+        <p:nvPr/>
+      </p:nvGrpSpPr>
+      <p:grpSpPr>
+        <a:xfrm>
+          <a:off x="0" y="0"/>
+          <a:ext cx="0" cy="0"/>
+          <a:chOff x="0" y="0"/>
+          <a:chExt cx="0" cy="0"/>
+        </a:xfrm>
+      </p:grpSpPr>
+      <p:sp>
+        <p:nvSpPr>
+          <p:cNvPr id="2" name="标题 1"/>
+          <p:cNvSpPr>
+            <a:spLocks noGrp="1"/>
+          </p:cNvSpPr>
+          <p:nvPr>
+            <p:ph type="title"/>
+          </p:nvPr>
+        </p:nvSpPr>
+        <p:spPr/>
+        <p:txBody>
+          <a:bodyPr/>
+          <a:lstStyle/>
+          <a:p>
+            <a:r>
+              <a:rPr lang="en-US" altLang="zh-CN" dirty="0"/>
+              <a:t>application of compile-time </a:t>
+            </a:r>
+            <a:r>
+              <a:rPr lang="en-US" altLang="zh-CN" dirty="0" smtClean="0"/>
+              <a:t>reflection</a:t>
+            </a:r>
+            <a:endParaRPr lang="zh-CN" altLang="en-US" dirty="0"/>
+          </a:p>
+        </p:txBody>
+      </p:sp>
+      <p:sp>
+        <p:nvSpPr>
+          <p:cNvPr id="3" name="内容占位符 2"/>
+          <p:cNvSpPr>
+            <a:spLocks noGrp="1"/>
+          </p:cNvSpPr>
+          <p:nvPr>
+            <p:ph idx="1"/>
+          </p:nvPr>
+        </p:nvSpPr>
+        <p:spPr/>
+        <p:txBody>
+          <a:bodyPr/>
+          <a:lstStyle/>
+          <a:p>
+            <a:r>
+              <a:rPr lang="en-US" altLang="zh-CN" dirty="0"/>
+              <a:t>Serialization</a:t>
+            </a:r>
+          </a:p>
+          <a:p>
+            <a:r>
+              <a:rPr lang="en-US" altLang="zh-CN" dirty="0"/>
+              <a:t>ORM(Object Relational Mapping)</a:t>
+            </a:r>
+          </a:p>
+          <a:p>
+            <a:r>
+              <a:rPr lang="en-US" altLang="zh-CN" dirty="0"/>
+              <a:t>DSL(domain-specific language)</a:t>
+            </a:r>
+            <a:endParaRPr lang="zh-CN" altLang="en-US" dirty="0"/>
+          </a:p>
+        </p:txBody>
+      </p:sp>
+    </p:spTree>
+    <p:extLst>
+      <p:ext uri="{BB962C8B-B14F-4D97-AF65-F5344CB8AC3E}">
+        <p14:creationId xmlns:p14="http://schemas.microsoft.com/office/powerpoint/2010/main" val="3812572458"/>
+      </p:ext>
+    </p:extLst>
+  </p:cSld>
+  <p:clrMapOvr>
+    <a:masterClrMapping/>
+  </p:clrMapOvr>
+  <p:timing>
+    <p:tnLst>
+      <p:par>
+        <p:cTn id="1" dur="indefinite" restart="never" nodeType="tmRoot"/>
+      </p:par>
+    </p:tnLst>
+  </p:timing>
+</p:sld>
+</file>
+
+<file path=ppt/slides/slide31.xml><?xml version="1.0" encoding="utf-8"?>
+<p:sld xmlns:a="http://schemas.openxmlformats.org/drawingml/2006/main" xmlns:r="http://schemas.openxmlformats.org/officeDocument/2006/relationships" xmlns:p="http://schemas.openxmlformats.org/presentationml/2006/main">
+  <p:cSld>
+    <p:spTree>
+      <p:nvGrpSpPr>
+        <p:cNvPr id="1" name=""/>
+        <p:cNvGrpSpPr/>
+        <p:nvPr/>
+      </p:nvGrpSpPr>
+      <p:grpSpPr>
+        <a:xfrm>
+          <a:off x="0" y="0"/>
+          <a:ext cx="0" cy="0"/>
+          <a:chOff x="0" y="0"/>
+          <a:chExt cx="0" cy="0"/>
+        </a:xfrm>
+      </p:grpSpPr>
+      <p:sp>
+        <p:nvSpPr>
+          <p:cNvPr id="2" name="标题 1"/>
+          <p:cNvSpPr>
+            <a:spLocks noGrp="1"/>
+          </p:cNvSpPr>
+          <p:nvPr>
+            <p:ph type="title"/>
+          </p:nvPr>
+        </p:nvSpPr>
+        <p:spPr/>
+        <p:txBody>
+          <a:bodyPr/>
+          <a:lstStyle/>
+          <a:p>
+            <a:r>
+              <a:rPr lang="en-US" altLang="zh-CN" dirty="0" smtClean="0"/>
+              <a:t>Outline</a:t>
+            </a:r>
+            <a:endParaRPr lang="zh-CN" altLang="en-US" dirty="0"/>
+          </a:p>
+        </p:txBody>
+      </p:sp>
+      <p:sp>
+        <p:nvSpPr>
+          <p:cNvPr id="3" name="内容占位符 2"/>
+          <p:cNvSpPr>
+            <a:spLocks noGrp="1"/>
+          </p:cNvSpPr>
+          <p:nvPr>
+            <p:ph idx="1"/>
+          </p:nvPr>
+        </p:nvSpPr>
+        <p:spPr/>
+        <p:txBody>
+          <a:bodyPr/>
+          <a:lstStyle/>
+          <a:p>
+            <a:r>
+              <a:rPr lang="en-US" altLang="zh-CN" dirty="0" smtClean="0"/>
+              <a:t>concepts of reflection</a:t>
+            </a:r>
+          </a:p>
+          <a:p>
+            <a:r>
+              <a:rPr lang="en-US" altLang="zh-CN" dirty="0"/>
+              <a:t>implementation of compile-time </a:t>
+            </a:r>
+            <a:r>
+              <a:rPr lang="en-US" altLang="zh-CN" dirty="0" smtClean="0"/>
+              <a:t>reflection</a:t>
+            </a:r>
+          </a:p>
+          <a:p>
+            <a:r>
+              <a:rPr lang="en-US" altLang="zh-CN" dirty="0" smtClean="0"/>
+              <a:t>application of compile-time reflection</a:t>
+            </a:r>
+          </a:p>
+          <a:p>
+            <a:r>
+              <a:rPr lang="en-US" altLang="zh-CN" b="1" dirty="0" smtClean="0"/>
+              <a:t>prospect</a:t>
+            </a:r>
+            <a:endParaRPr lang="zh-CN" altLang="en-US" b="1" dirty="0"/>
+          </a:p>
+        </p:txBody>
+      </p:sp>
+    </p:spTree>
+    <p:extLst>
+      <p:ext uri="{BB962C8B-B14F-4D97-AF65-F5344CB8AC3E}">
+        <p14:creationId xmlns:p14="http://schemas.microsoft.com/office/powerpoint/2010/main" val="3147020122"/>
+      </p:ext>
+    </p:extLst>
+  </p:cSld>
+  <p:clrMapOvr>
+    <a:masterClrMapping/>
+  </p:clrMapOvr>
+  <p:timing>
+    <p:tnLst>
+      <p:par>
+        <p:cTn id="1" dur="indefinite" restart="never" nodeType="tmRoot"/>
+      </p:par>
+    </p:tnLst>
+  </p:timing>
+</p:sld>
+</file>
+
+<file path=ppt/slides/slide32.xml><?xml version="1.0" encoding="utf-8"?>
+<p:sld xmlns:a="http://schemas.openxmlformats.org/drawingml/2006/main" xmlns:r="http://schemas.openxmlformats.org/officeDocument/2006/relationships" xmlns:p="http://schemas.openxmlformats.org/presentationml/2006/main">
+  <p:cSld>
+    <p:spTree>
+      <p:nvGrpSpPr>
+        <p:cNvPr id="1" name=""/>
+        <p:cNvGrpSpPr/>
+        <p:nvPr/>
+      </p:nvGrpSpPr>
+      <p:grpSpPr>
+        <a:xfrm>
+          <a:off x="0" y="0"/>
+          <a:ext cx="0" cy="0"/>
+          <a:chOff x="0" y="0"/>
+          <a:chExt cx="0" cy="0"/>
+        </a:xfrm>
+      </p:grpSpPr>
+      <p:sp>
+        <p:nvSpPr>
+          <p:cNvPr id="2" name="标题 1"/>
+          <p:cNvSpPr>
+            <a:spLocks noGrp="1"/>
+          </p:cNvSpPr>
+          <p:nvPr>
+            <p:ph type="title"/>
+          </p:nvPr>
+        </p:nvSpPr>
+        <p:spPr/>
+        <p:txBody>
+          <a:bodyPr/>
+          <a:lstStyle/>
+          <a:p>
+            <a:r>
+              <a:rPr lang="en-US" altLang="zh-CN" dirty="0"/>
+              <a:t>prospect</a:t>
+            </a:r>
+            <a:endParaRPr lang="zh-CN" altLang="en-US" dirty="0"/>
+          </a:p>
+        </p:txBody>
+      </p:sp>
+      <p:sp>
+        <p:nvSpPr>
+          <p:cNvPr id="3" name="内容占位符 2"/>
+          <p:cNvSpPr>
+            <a:spLocks noGrp="1"/>
+          </p:cNvSpPr>
+          <p:nvPr>
+            <p:ph idx="1"/>
+          </p:nvPr>
+        </p:nvSpPr>
+        <p:spPr/>
+        <p:txBody>
+          <a:bodyPr/>
+          <a:lstStyle/>
+          <a:p>
+            <a:r>
+              <a:rPr lang="en-US" altLang="zh-CN" dirty="0"/>
+              <a:t>data </a:t>
+            </a:r>
+            <a:r>
+              <a:rPr lang="en-US" altLang="zh-CN" dirty="0" smtClean="0"/>
+              <a:t>binding</a:t>
+            </a:r>
+          </a:p>
+          <a:p>
+            <a:r>
+              <a:rPr lang="en-US" altLang="zh-CN" dirty="0" err="1"/>
+              <a:t>protocal</a:t>
+            </a:r>
+            <a:r>
+              <a:rPr lang="en-US" altLang="zh-CN" dirty="0"/>
+              <a:t> adaptor</a:t>
+            </a:r>
+            <a:endParaRPr lang="en-US" altLang="zh-CN" dirty="0" smtClean="0"/>
+          </a:p>
+          <a:p>
+            <a:endParaRPr lang="zh-CN" altLang="en-US" dirty="0"/>
+          </a:p>
+        </p:txBody>
+      </p:sp>
+    </p:spTree>
+    <p:extLst>
+      <p:ext uri="{BB962C8B-B14F-4D97-AF65-F5344CB8AC3E}">
+        <p14:creationId xmlns:p14="http://schemas.microsoft.com/office/powerpoint/2010/main" val="3546759729"/>
       </p:ext>
     </p:extLst>
   </p:cSld>

--- a/cppcon2017.pptx
+++ b/cppcon2017.pptx
@@ -5,7 +5,7 @@
     <p:sldMasterId id="2147483648" r:id="rId1"/>
   </p:sldMasterIdLst>
   <p:notesMasterIdLst>
-    <p:notesMasterId r:id="rId34"/>
+    <p:notesMasterId r:id="rId35"/>
   </p:notesMasterIdLst>
   <p:sldIdLst>
     <p:sldId id="256" r:id="rId2"/>
@@ -36,10 +36,11 @@
     <p:sldId id="282" r:id="rId27"/>
     <p:sldId id="283" r:id="rId28"/>
     <p:sldId id="284" r:id="rId29"/>
-    <p:sldId id="270" r:id="rId30"/>
-    <p:sldId id="260" r:id="rId31"/>
-    <p:sldId id="271" r:id="rId32"/>
-    <p:sldId id="261" r:id="rId33"/>
+    <p:sldId id="288" r:id="rId30"/>
+    <p:sldId id="270" r:id="rId31"/>
+    <p:sldId id="260" r:id="rId32"/>
+    <p:sldId id="271" r:id="rId33"/>
+    <p:sldId id="261" r:id="rId34"/>
   </p:sldIdLst>
   <p:sldSz cx="12192000" cy="6858000"/>
   <p:notesSz cx="6858000" cy="9144000"/>
@@ -228,7 +229,7 @@
           <a:p>
             <a:fld id="{5377FA5C-DFF1-4473-9BD3-3D161C07B6AF}" type="datetimeFigureOut">
               <a:rPr lang="zh-CN" altLang="en-US" smtClean="0"/>
-              <a:t>2017-08-29</a:t>
+              <a:t>2017-08-30</a:t>
             </a:fld>
             <a:endParaRPr lang="zh-CN" altLang="en-US"/>
           </a:p>
@@ -758,6 +759,90 @@
 </p:notes>
 </file>
 
+<file path=ppt/notesSlides/notesSlide4.xml><?xml version="1.0" encoding="utf-8"?>
+<p:notes xmlns:a="http://schemas.openxmlformats.org/drawingml/2006/main" xmlns:r="http://schemas.openxmlformats.org/officeDocument/2006/relationships" xmlns:p="http://schemas.openxmlformats.org/presentationml/2006/main">
+  <p:cSld>
+    <p:spTree>
+      <p:nvGrpSpPr>
+        <p:cNvPr id="1" name=""/>
+        <p:cNvGrpSpPr/>
+        <p:nvPr/>
+      </p:nvGrpSpPr>
+      <p:grpSpPr>
+        <a:xfrm>
+          <a:off x="0" y="0"/>
+          <a:ext cx="0" cy="0"/>
+          <a:chOff x="0" y="0"/>
+          <a:chExt cx="0" cy="0"/>
+        </a:xfrm>
+      </p:grpSpPr>
+      <p:sp>
+        <p:nvSpPr>
+          <p:cNvPr id="2" name="幻灯片图像占位符 1"/>
+          <p:cNvSpPr>
+            <a:spLocks noGrp="1" noRot="1" noChangeAspect="1"/>
+          </p:cNvSpPr>
+          <p:nvPr>
+            <p:ph type="sldImg"/>
+          </p:nvPr>
+        </p:nvSpPr>
+        <p:spPr/>
+      </p:sp>
+      <p:sp>
+        <p:nvSpPr>
+          <p:cNvPr id="3" name="备注占位符 2"/>
+          <p:cNvSpPr>
+            <a:spLocks noGrp="1"/>
+          </p:cNvSpPr>
+          <p:nvPr>
+            <p:ph type="body" idx="1"/>
+          </p:nvPr>
+        </p:nvSpPr>
+        <p:spPr/>
+        <p:txBody>
+          <a:bodyPr/>
+          <a:lstStyle/>
+          <a:p>
+            <a:endParaRPr lang="zh-CN" altLang="en-US" dirty="0"/>
+          </a:p>
+        </p:txBody>
+      </p:sp>
+      <p:sp>
+        <p:nvSpPr>
+          <p:cNvPr id="4" name="灯片编号占位符 3"/>
+          <p:cNvSpPr>
+            <a:spLocks noGrp="1"/>
+          </p:cNvSpPr>
+          <p:nvPr>
+            <p:ph type="sldNum" sz="quarter" idx="10"/>
+          </p:nvPr>
+        </p:nvSpPr>
+        <p:spPr/>
+        <p:txBody>
+          <a:bodyPr/>
+          <a:lstStyle/>
+          <a:p>
+            <a:fld id="{C9825B02-673D-4C5E-88E2-1F72A1758DC8}" type="slidenum">
+              <a:rPr lang="zh-CN" altLang="en-US" smtClean="0"/>
+              <a:t>28</a:t>
+            </a:fld>
+            <a:endParaRPr lang="zh-CN" altLang="en-US"/>
+          </a:p>
+        </p:txBody>
+      </p:sp>
+    </p:spTree>
+    <p:extLst>
+      <p:ext uri="{BB962C8B-B14F-4D97-AF65-F5344CB8AC3E}">
+        <p14:creationId xmlns:p14="http://schemas.microsoft.com/office/powerpoint/2010/main" val="2225167630"/>
+      </p:ext>
+    </p:extLst>
+  </p:cSld>
+  <p:clrMapOvr>
+    <a:masterClrMapping/>
+  </p:clrMapOvr>
+</p:notes>
+</file>
+
 <file path=ppt/slideLayouts/slideLayout1.xml><?xml version="1.0" encoding="utf-8"?>
 <p:sldLayout xmlns:a="http://schemas.openxmlformats.org/drawingml/2006/main" xmlns:r="http://schemas.openxmlformats.org/officeDocument/2006/relationships" xmlns:p="http://schemas.openxmlformats.org/presentationml/2006/main" type="title" preserve="1">
   <p:cSld name="标题幻灯片">
@@ -889,7 +974,7 @@
           <a:p>
             <a:fld id="{AA590AAA-E2D3-492C-81F3-DC050E22F9CA}" type="datetimeFigureOut">
               <a:rPr lang="zh-CN" altLang="en-US" smtClean="0"/>
-              <a:t>2017-08-29</a:t>
+              <a:t>2017-08-30</a:t>
             </a:fld>
             <a:endParaRPr lang="zh-CN" altLang="en-US"/>
           </a:p>
@@ -1059,7 +1144,7 @@
           <a:p>
             <a:fld id="{AA590AAA-E2D3-492C-81F3-DC050E22F9CA}" type="datetimeFigureOut">
               <a:rPr lang="zh-CN" altLang="en-US" smtClean="0"/>
-              <a:t>2017-08-29</a:t>
+              <a:t>2017-08-30</a:t>
             </a:fld>
             <a:endParaRPr lang="zh-CN" altLang="en-US"/>
           </a:p>
@@ -1239,7 +1324,7 @@
           <a:p>
             <a:fld id="{AA590AAA-E2D3-492C-81F3-DC050E22F9CA}" type="datetimeFigureOut">
               <a:rPr lang="zh-CN" altLang="en-US" smtClean="0"/>
-              <a:t>2017-08-29</a:t>
+              <a:t>2017-08-30</a:t>
             </a:fld>
             <a:endParaRPr lang="zh-CN" altLang="en-US"/>
           </a:p>
@@ -1409,7 +1494,7 @@
           <a:p>
             <a:fld id="{AA590AAA-E2D3-492C-81F3-DC050E22F9CA}" type="datetimeFigureOut">
               <a:rPr lang="zh-CN" altLang="en-US" smtClean="0"/>
-              <a:t>2017-08-29</a:t>
+              <a:t>2017-08-30</a:t>
             </a:fld>
             <a:endParaRPr lang="zh-CN" altLang="en-US"/>
           </a:p>
@@ -1655,7 +1740,7 @@
           <a:p>
             <a:fld id="{AA590AAA-E2D3-492C-81F3-DC050E22F9CA}" type="datetimeFigureOut">
               <a:rPr lang="zh-CN" altLang="en-US" smtClean="0"/>
-              <a:t>2017-08-29</a:t>
+              <a:t>2017-08-30</a:t>
             </a:fld>
             <a:endParaRPr lang="zh-CN" altLang="en-US"/>
           </a:p>
@@ -1887,7 +1972,7 @@
           <a:p>
             <a:fld id="{AA590AAA-E2D3-492C-81F3-DC050E22F9CA}" type="datetimeFigureOut">
               <a:rPr lang="zh-CN" altLang="en-US" smtClean="0"/>
-              <a:t>2017-08-29</a:t>
+              <a:t>2017-08-30</a:t>
             </a:fld>
             <a:endParaRPr lang="zh-CN" altLang="en-US"/>
           </a:p>
@@ -2254,7 +2339,7 @@
           <a:p>
             <a:fld id="{AA590AAA-E2D3-492C-81F3-DC050E22F9CA}" type="datetimeFigureOut">
               <a:rPr lang="zh-CN" altLang="en-US" smtClean="0"/>
-              <a:t>2017-08-29</a:t>
+              <a:t>2017-08-30</a:t>
             </a:fld>
             <a:endParaRPr lang="zh-CN" altLang="en-US"/>
           </a:p>
@@ -2372,7 +2457,7 @@
           <a:p>
             <a:fld id="{AA590AAA-E2D3-492C-81F3-DC050E22F9CA}" type="datetimeFigureOut">
               <a:rPr lang="zh-CN" altLang="en-US" smtClean="0"/>
-              <a:t>2017-08-29</a:t>
+              <a:t>2017-08-30</a:t>
             </a:fld>
             <a:endParaRPr lang="zh-CN" altLang="en-US"/>
           </a:p>
@@ -2467,7 +2552,7 @@
           <a:p>
             <a:fld id="{AA590AAA-E2D3-492C-81F3-DC050E22F9CA}" type="datetimeFigureOut">
               <a:rPr lang="zh-CN" altLang="en-US" smtClean="0"/>
-              <a:t>2017-08-29</a:t>
+              <a:t>2017-08-30</a:t>
             </a:fld>
             <a:endParaRPr lang="zh-CN" altLang="en-US"/>
           </a:p>
@@ -2744,7 +2829,7 @@
           <a:p>
             <a:fld id="{AA590AAA-E2D3-492C-81F3-DC050E22F9CA}" type="datetimeFigureOut">
               <a:rPr lang="zh-CN" altLang="en-US" smtClean="0"/>
-              <a:t>2017-08-29</a:t>
+              <a:t>2017-08-30</a:t>
             </a:fld>
             <a:endParaRPr lang="zh-CN" altLang="en-US"/>
           </a:p>
@@ -2997,7 +3082,7 @@
           <a:p>
             <a:fld id="{AA590AAA-E2D3-492C-81F3-DC050E22F9CA}" type="datetimeFigureOut">
               <a:rPr lang="zh-CN" altLang="en-US" smtClean="0"/>
-              <a:t>2017-08-29</a:t>
+              <a:t>2017-08-30</a:t>
             </a:fld>
             <a:endParaRPr lang="zh-CN" altLang="en-US"/>
           </a:p>
@@ -3210,7 +3295,7 @@
           <a:p>
             <a:fld id="{AA590AAA-E2D3-492C-81F3-DC050E22F9CA}" type="datetimeFigureOut">
               <a:rPr lang="zh-CN" altLang="en-US" smtClean="0"/>
-              <a:t>2017-08-29</a:t>
+              <a:t>2017-08-30</a:t>
             </a:fld>
             <a:endParaRPr lang="zh-CN" altLang="en-US"/>
           </a:p>
@@ -11039,44 +11124,6 @@
           <a:chExt cx="0" cy="0"/>
         </a:xfrm>
       </p:grpSpPr>
-      <p:sp>
-        <p:nvSpPr>
-          <p:cNvPr id="2" name="标题 1"/>
-          <p:cNvSpPr>
-            <a:spLocks noGrp="1"/>
-          </p:cNvSpPr>
-          <p:nvPr>
-            <p:ph type="title"/>
-          </p:nvPr>
-        </p:nvSpPr>
-        <p:spPr/>
-        <p:txBody>
-          <a:bodyPr/>
-          <a:lstStyle/>
-          <a:p>
-            <a:endParaRPr lang="zh-CN" altLang="en-US"/>
-          </a:p>
-        </p:txBody>
-      </p:sp>
-      <p:sp>
-        <p:nvSpPr>
-          <p:cNvPr id="3" name="内容占位符 2"/>
-          <p:cNvSpPr>
-            <a:spLocks noGrp="1"/>
-          </p:cNvSpPr>
-          <p:nvPr>
-            <p:ph idx="1"/>
-          </p:nvPr>
-        </p:nvSpPr>
-        <p:spPr/>
-        <p:txBody>
-          <a:bodyPr/>
-          <a:lstStyle/>
-          <a:p>
-            <a:endParaRPr lang="zh-CN" altLang="en-US"/>
-          </a:p>
-        </p:txBody>
-      </p:sp>
       <p:pic>
         <p:nvPicPr>
           <p:cNvPr id="5" name="图片 4"/>
@@ -13098,6 +13145,831 @@
           </a:p>
         </p:txBody>
       </p:sp>
+      <p:sp>
+        <p:nvSpPr>
+          <p:cNvPr id="4" name="矩形 3"/>
+          <p:cNvSpPr/>
+          <p:nvPr/>
+        </p:nvSpPr>
+        <p:spPr>
+          <a:xfrm>
+            <a:off x="838200" y="2381057"/>
+            <a:ext cx="7210698" cy="3416320"/>
+          </a:xfrm>
+          <a:prstGeom prst="rect">
+            <a:avLst/>
+          </a:prstGeom>
+        </p:spPr>
+        <p:txBody>
+          <a:bodyPr wrap="square">
+            <a:spAutoFit/>
+          </a:bodyPr>
+          <a:lstStyle/>
+          <a:p>
+            <a:r>
+              <a:rPr lang="en-US" altLang="zh-CN" dirty="0">
+                <a:solidFill>
+                  <a:srgbClr val="0000FF"/>
+                </a:solidFill>
+                <a:highlight>
+                  <a:srgbClr val="FFFFFF"/>
+                </a:highlight>
+                <a:latin typeface="新宋体" panose="02010609030101010101" pitchFamily="49" charset="-122"/>
+                <a:ea typeface="新宋体" panose="02010609030101010101" pitchFamily="49" charset="-122"/>
+              </a:rPr>
+              <a:t>template</a:t>
+            </a:r>
+            <a:r>
+              <a:rPr lang="en-US" altLang="zh-CN" dirty="0">
+                <a:solidFill>
+                  <a:srgbClr val="000000"/>
+                </a:solidFill>
+                <a:highlight>
+                  <a:srgbClr val="FFFFFF"/>
+                </a:highlight>
+                <a:latin typeface="新宋体" panose="02010609030101010101" pitchFamily="49" charset="-122"/>
+                <a:ea typeface="新宋体" panose="02010609030101010101" pitchFamily="49" charset="-122"/>
+              </a:rPr>
+              <a:t>&lt;</a:t>
+            </a:r>
+            <a:r>
+              <a:rPr lang="en-US" altLang="zh-CN" dirty="0" err="1">
+                <a:solidFill>
+                  <a:srgbClr val="0000FF"/>
+                </a:solidFill>
+                <a:highlight>
+                  <a:srgbClr val="FFFFFF"/>
+                </a:highlight>
+                <a:latin typeface="新宋体" panose="02010609030101010101" pitchFamily="49" charset="-122"/>
+                <a:ea typeface="新宋体" panose="02010609030101010101" pitchFamily="49" charset="-122"/>
+              </a:rPr>
+              <a:t>typename</a:t>
+            </a:r>
+            <a:r>
+              <a:rPr lang="en-US" altLang="zh-CN" dirty="0">
+                <a:solidFill>
+                  <a:srgbClr val="000000"/>
+                </a:solidFill>
+                <a:highlight>
+                  <a:srgbClr val="FFFFFF"/>
+                </a:highlight>
+                <a:latin typeface="新宋体" panose="02010609030101010101" pitchFamily="49" charset="-122"/>
+                <a:ea typeface="新宋体" panose="02010609030101010101" pitchFamily="49" charset="-122"/>
+              </a:rPr>
+              <a:t>&gt; </a:t>
+            </a:r>
+            <a:r>
+              <a:rPr lang="en-US" altLang="zh-CN" dirty="0" err="1">
+                <a:solidFill>
+                  <a:srgbClr val="0000FF"/>
+                </a:solidFill>
+                <a:highlight>
+                  <a:srgbClr val="FFFFFF"/>
+                </a:highlight>
+                <a:latin typeface="新宋体" panose="02010609030101010101" pitchFamily="49" charset="-122"/>
+                <a:ea typeface="新宋体" panose="02010609030101010101" pitchFamily="49" charset="-122"/>
+              </a:rPr>
+              <a:t>struct</a:t>
+            </a:r>
+            <a:r>
+              <a:rPr lang="en-US" altLang="zh-CN" dirty="0">
+                <a:solidFill>
+                  <a:srgbClr val="000000"/>
+                </a:solidFill>
+                <a:highlight>
+                  <a:srgbClr val="FFFFFF"/>
+                </a:highlight>
+                <a:latin typeface="新宋体" panose="02010609030101010101" pitchFamily="49" charset="-122"/>
+                <a:ea typeface="新宋体" panose="02010609030101010101" pitchFamily="49" charset="-122"/>
+              </a:rPr>
+              <a:t> </a:t>
+            </a:r>
+            <a:r>
+              <a:rPr lang="en-US" altLang="zh-CN" dirty="0">
+                <a:solidFill>
+                  <a:srgbClr val="2B91AF"/>
+                </a:solidFill>
+                <a:highlight>
+                  <a:srgbClr val="FFFFFF"/>
+                </a:highlight>
+                <a:latin typeface="新宋体" panose="02010609030101010101" pitchFamily="49" charset="-122"/>
+                <a:ea typeface="新宋体" panose="02010609030101010101" pitchFamily="49" charset="-122"/>
+              </a:rPr>
+              <a:t>Members</a:t>
+            </a:r>
+            <a:r>
+              <a:rPr lang="en-US" altLang="zh-CN" dirty="0">
+                <a:solidFill>
+                  <a:srgbClr val="000000"/>
+                </a:solidFill>
+                <a:highlight>
+                  <a:srgbClr val="FFFFFF"/>
+                </a:highlight>
+                <a:latin typeface="新宋体" panose="02010609030101010101" pitchFamily="49" charset="-122"/>
+                <a:ea typeface="新宋体" panose="02010609030101010101" pitchFamily="49" charset="-122"/>
+              </a:rPr>
+              <a:t> {};</a:t>
+            </a:r>
+          </a:p>
+          <a:p>
+            <a:endParaRPr lang="zh-CN" altLang="en-US" dirty="0">
+              <a:solidFill>
+                <a:srgbClr val="000000"/>
+              </a:solidFill>
+              <a:highlight>
+                <a:srgbClr val="FFFFFF"/>
+              </a:highlight>
+              <a:latin typeface="新宋体" panose="02010609030101010101" pitchFamily="49" charset="-122"/>
+              <a:ea typeface="新宋体" panose="02010609030101010101" pitchFamily="49" charset="-122"/>
+            </a:endParaRPr>
+          </a:p>
+          <a:p>
+            <a:r>
+              <a:rPr lang="en-US" altLang="zh-CN" dirty="0" smtClean="0">
+                <a:solidFill>
+                  <a:srgbClr val="008000"/>
+                </a:solidFill>
+                <a:highlight>
+                  <a:srgbClr val="FFFFFF"/>
+                </a:highlight>
+                <a:latin typeface="新宋体" panose="02010609030101010101" pitchFamily="49" charset="-122"/>
+                <a:ea typeface="新宋体" panose="02010609030101010101" pitchFamily="49" charset="-122"/>
+              </a:rPr>
+              <a:t>//the field </a:t>
+            </a:r>
+            <a:r>
+              <a:rPr lang="en-US" altLang="zh-CN" dirty="0">
+                <a:solidFill>
+                  <a:srgbClr val="008000"/>
+                </a:solidFill>
+                <a:highlight>
+                  <a:srgbClr val="FFFFFF"/>
+                </a:highlight>
+                <a:latin typeface="新宋体" panose="02010609030101010101" pitchFamily="49" charset="-122"/>
+                <a:ea typeface="新宋体" panose="02010609030101010101" pitchFamily="49" charset="-122"/>
+              </a:rPr>
+              <a:t>information</a:t>
+            </a:r>
+            <a:r>
+              <a:rPr lang="zh-CN" altLang="en-US" dirty="0">
+                <a:solidFill>
+                  <a:srgbClr val="008000"/>
+                </a:solidFill>
+                <a:highlight>
+                  <a:srgbClr val="FFFFFF"/>
+                </a:highlight>
+                <a:latin typeface="新宋体" panose="02010609030101010101" pitchFamily="49" charset="-122"/>
+                <a:ea typeface="新宋体" panose="02010609030101010101" pitchFamily="49" charset="-122"/>
+              </a:rPr>
+              <a:t>：</a:t>
+            </a:r>
+            <a:r>
+              <a:rPr lang="en-US" altLang="zh-CN" dirty="0">
+                <a:solidFill>
+                  <a:srgbClr val="008000"/>
+                </a:solidFill>
+                <a:highlight>
+                  <a:srgbClr val="FFFFFF"/>
+                </a:highlight>
+                <a:latin typeface="新宋体" panose="02010609030101010101" pitchFamily="49" charset="-122"/>
+                <a:ea typeface="新宋体" panose="02010609030101010101" pitchFamily="49" charset="-122"/>
+              </a:rPr>
+              <a:t>field type, field value, field index</a:t>
+            </a:r>
+            <a:endParaRPr lang="en-US" altLang="zh-CN" dirty="0">
+              <a:solidFill>
+                <a:srgbClr val="000000"/>
+              </a:solidFill>
+              <a:highlight>
+                <a:srgbClr val="FFFFFF"/>
+              </a:highlight>
+              <a:latin typeface="新宋体" panose="02010609030101010101" pitchFamily="49" charset="-122"/>
+              <a:ea typeface="新宋体" panose="02010609030101010101" pitchFamily="49" charset="-122"/>
+            </a:endParaRPr>
+          </a:p>
+          <a:p>
+            <a:r>
+              <a:rPr lang="en-US" altLang="zh-CN" dirty="0">
+                <a:solidFill>
+                  <a:srgbClr val="0000FF"/>
+                </a:solidFill>
+                <a:highlight>
+                  <a:srgbClr val="FFFFFF"/>
+                </a:highlight>
+                <a:latin typeface="新宋体" panose="02010609030101010101" pitchFamily="49" charset="-122"/>
+                <a:ea typeface="新宋体" panose="02010609030101010101" pitchFamily="49" charset="-122"/>
+              </a:rPr>
+              <a:t>template</a:t>
+            </a:r>
+            <a:r>
+              <a:rPr lang="en-US" altLang="zh-CN" dirty="0">
+                <a:solidFill>
+                  <a:srgbClr val="000000"/>
+                </a:solidFill>
+                <a:highlight>
+                  <a:srgbClr val="FFFFFF"/>
+                </a:highlight>
+                <a:latin typeface="新宋体" panose="02010609030101010101" pitchFamily="49" charset="-122"/>
+                <a:ea typeface="新宋体" panose="02010609030101010101" pitchFamily="49" charset="-122"/>
+              </a:rPr>
+              <a:t>&lt;</a:t>
+            </a:r>
+            <a:r>
+              <a:rPr lang="en-US" altLang="zh-CN" dirty="0" err="1">
+                <a:solidFill>
+                  <a:srgbClr val="0000FF"/>
+                </a:solidFill>
+                <a:highlight>
+                  <a:srgbClr val="FFFFFF"/>
+                </a:highlight>
+                <a:latin typeface="新宋体" panose="02010609030101010101" pitchFamily="49" charset="-122"/>
+                <a:ea typeface="新宋体" panose="02010609030101010101" pitchFamily="49" charset="-122"/>
+              </a:rPr>
+              <a:t>typename</a:t>
+            </a:r>
+            <a:r>
+              <a:rPr lang="en-US" altLang="zh-CN" dirty="0">
+                <a:solidFill>
+                  <a:srgbClr val="000000"/>
+                </a:solidFill>
+                <a:highlight>
+                  <a:srgbClr val="FFFFFF"/>
+                </a:highlight>
+                <a:latin typeface="新宋体" panose="02010609030101010101" pitchFamily="49" charset="-122"/>
+                <a:ea typeface="新宋体" panose="02010609030101010101" pitchFamily="49" charset="-122"/>
+              </a:rPr>
+              <a:t> </a:t>
+            </a:r>
+            <a:r>
+              <a:rPr lang="en-US" altLang="zh-CN" dirty="0">
+                <a:solidFill>
+                  <a:srgbClr val="2B91AF"/>
+                </a:solidFill>
+                <a:highlight>
+                  <a:srgbClr val="FFFFFF"/>
+                </a:highlight>
+                <a:latin typeface="新宋体" panose="02010609030101010101" pitchFamily="49" charset="-122"/>
+                <a:ea typeface="新宋体" panose="02010609030101010101" pitchFamily="49" charset="-122"/>
+              </a:rPr>
+              <a:t>T</a:t>
+            </a:r>
+            <a:r>
+              <a:rPr lang="en-US" altLang="zh-CN" dirty="0">
+                <a:solidFill>
+                  <a:srgbClr val="000000"/>
+                </a:solidFill>
+                <a:highlight>
+                  <a:srgbClr val="FFFFFF"/>
+                </a:highlight>
+                <a:latin typeface="新宋体" panose="02010609030101010101" pitchFamily="49" charset="-122"/>
+                <a:ea typeface="新宋体" panose="02010609030101010101" pitchFamily="49" charset="-122"/>
+              </a:rPr>
+              <a:t>, </a:t>
+            </a:r>
+            <a:r>
+              <a:rPr lang="en-US" altLang="zh-CN" dirty="0">
+                <a:solidFill>
+                  <a:srgbClr val="2B91AF"/>
+                </a:solidFill>
+                <a:highlight>
+                  <a:srgbClr val="FFFFFF"/>
+                </a:highlight>
+                <a:latin typeface="新宋体" panose="02010609030101010101" pitchFamily="49" charset="-122"/>
+                <a:ea typeface="新宋体" panose="02010609030101010101" pitchFamily="49" charset="-122"/>
+              </a:rPr>
+              <a:t>T</a:t>
+            </a:r>
+            <a:r>
+              <a:rPr lang="en-US" altLang="zh-CN" dirty="0">
+                <a:solidFill>
+                  <a:srgbClr val="000000"/>
+                </a:solidFill>
+                <a:highlight>
+                  <a:srgbClr val="FFFFFF"/>
+                </a:highlight>
+                <a:latin typeface="新宋体" panose="02010609030101010101" pitchFamily="49" charset="-122"/>
+                <a:ea typeface="新宋体" panose="02010609030101010101" pitchFamily="49" charset="-122"/>
+              </a:rPr>
+              <a:t> </a:t>
+            </a:r>
+            <a:r>
+              <a:rPr lang="en-US" altLang="zh-CN" dirty="0" err="1">
+                <a:solidFill>
+                  <a:srgbClr val="000000"/>
+                </a:solidFill>
+                <a:highlight>
+                  <a:srgbClr val="FFFFFF"/>
+                </a:highlight>
+                <a:latin typeface="新宋体" panose="02010609030101010101" pitchFamily="49" charset="-122"/>
+                <a:ea typeface="新宋体" panose="02010609030101010101" pitchFamily="49" charset="-122"/>
+              </a:rPr>
+              <a:t>mPtr</a:t>
+            </a:r>
+            <a:r>
+              <a:rPr lang="en-US" altLang="zh-CN" dirty="0">
+                <a:solidFill>
+                  <a:srgbClr val="000000"/>
+                </a:solidFill>
+                <a:highlight>
+                  <a:srgbClr val="FFFFFF"/>
+                </a:highlight>
+                <a:latin typeface="新宋体" panose="02010609030101010101" pitchFamily="49" charset="-122"/>
+                <a:ea typeface="新宋体" panose="02010609030101010101" pitchFamily="49" charset="-122"/>
+              </a:rPr>
+              <a:t>, </a:t>
+            </a:r>
+            <a:r>
+              <a:rPr lang="en-US" altLang="zh-CN" dirty="0">
+                <a:solidFill>
+                  <a:srgbClr val="0000FF"/>
+                </a:solidFill>
+                <a:highlight>
+                  <a:srgbClr val="FFFFFF"/>
+                </a:highlight>
+                <a:latin typeface="新宋体" panose="02010609030101010101" pitchFamily="49" charset="-122"/>
+                <a:ea typeface="新宋体" panose="02010609030101010101" pitchFamily="49" charset="-122"/>
+              </a:rPr>
+              <a:t>unsigned</a:t>
+            </a:r>
+            <a:r>
+              <a:rPr lang="en-US" altLang="zh-CN" dirty="0">
+                <a:solidFill>
+                  <a:srgbClr val="000000"/>
+                </a:solidFill>
+                <a:highlight>
+                  <a:srgbClr val="FFFFFF"/>
+                </a:highlight>
+                <a:latin typeface="新宋体" panose="02010609030101010101" pitchFamily="49" charset="-122"/>
+                <a:ea typeface="新宋体" panose="02010609030101010101" pitchFamily="49" charset="-122"/>
+              </a:rPr>
+              <a:t> Index&gt;</a:t>
+            </a:r>
+          </a:p>
+          <a:p>
+            <a:r>
+              <a:rPr lang="en-US" altLang="zh-CN" dirty="0" err="1">
+                <a:solidFill>
+                  <a:srgbClr val="0000FF"/>
+                </a:solidFill>
+                <a:highlight>
+                  <a:srgbClr val="FFFFFF"/>
+                </a:highlight>
+                <a:latin typeface="新宋体" panose="02010609030101010101" pitchFamily="49" charset="-122"/>
+                <a:ea typeface="新宋体" panose="02010609030101010101" pitchFamily="49" charset="-122"/>
+              </a:rPr>
+              <a:t>struct</a:t>
+            </a:r>
+            <a:r>
+              <a:rPr lang="en-US" altLang="zh-CN" dirty="0">
+                <a:solidFill>
+                  <a:srgbClr val="000000"/>
+                </a:solidFill>
+                <a:highlight>
+                  <a:srgbClr val="FFFFFF"/>
+                </a:highlight>
+                <a:latin typeface="新宋体" panose="02010609030101010101" pitchFamily="49" charset="-122"/>
+                <a:ea typeface="新宋体" panose="02010609030101010101" pitchFamily="49" charset="-122"/>
+              </a:rPr>
+              <a:t> </a:t>
+            </a:r>
+            <a:r>
+              <a:rPr lang="en-US" altLang="zh-CN" dirty="0" err="1">
+                <a:solidFill>
+                  <a:srgbClr val="2B91AF"/>
+                </a:solidFill>
+                <a:highlight>
+                  <a:srgbClr val="FFFFFF"/>
+                </a:highlight>
+                <a:latin typeface="新宋体" panose="02010609030101010101" pitchFamily="49" charset="-122"/>
+                <a:ea typeface="新宋体" panose="02010609030101010101" pitchFamily="49" charset="-122"/>
+              </a:rPr>
+              <a:t>MemberBinding</a:t>
+            </a:r>
+            <a:endParaRPr lang="en-US" altLang="zh-CN" dirty="0">
+              <a:solidFill>
+                <a:srgbClr val="000000"/>
+              </a:solidFill>
+              <a:highlight>
+                <a:srgbClr val="FFFFFF"/>
+              </a:highlight>
+              <a:latin typeface="新宋体" panose="02010609030101010101" pitchFamily="49" charset="-122"/>
+              <a:ea typeface="新宋体" panose="02010609030101010101" pitchFamily="49" charset="-122"/>
+            </a:endParaRPr>
+          </a:p>
+          <a:p>
+            <a:r>
+              <a:rPr lang="en-US" altLang="zh-CN" dirty="0">
+                <a:solidFill>
+                  <a:srgbClr val="000000"/>
+                </a:solidFill>
+                <a:highlight>
+                  <a:srgbClr val="FFFFFF"/>
+                </a:highlight>
+                <a:latin typeface="新宋体" panose="02010609030101010101" pitchFamily="49" charset="-122"/>
+                <a:ea typeface="新宋体" panose="02010609030101010101" pitchFamily="49" charset="-122"/>
+              </a:rPr>
+              <a:t>{</a:t>
+            </a:r>
+          </a:p>
+          <a:p>
+            <a:r>
+              <a:rPr lang="en-US" altLang="zh-CN" dirty="0" smtClean="0">
+                <a:solidFill>
+                  <a:srgbClr val="0000FF"/>
+                </a:solidFill>
+                <a:highlight>
+                  <a:srgbClr val="FFFFFF"/>
+                </a:highlight>
+                <a:latin typeface="新宋体" panose="02010609030101010101" pitchFamily="49" charset="-122"/>
+                <a:ea typeface="新宋体" panose="02010609030101010101" pitchFamily="49" charset="-122"/>
+              </a:rPr>
+              <a:t>    </a:t>
+            </a:r>
+            <a:r>
+              <a:rPr lang="en-US" altLang="zh-CN" dirty="0" err="1" smtClean="0">
+                <a:solidFill>
+                  <a:srgbClr val="0000FF"/>
+                </a:solidFill>
+                <a:highlight>
+                  <a:srgbClr val="FFFFFF"/>
+                </a:highlight>
+                <a:latin typeface="新宋体" panose="02010609030101010101" pitchFamily="49" charset="-122"/>
+                <a:ea typeface="新宋体" panose="02010609030101010101" pitchFamily="49" charset="-122"/>
+              </a:rPr>
+              <a:t>constexpr</a:t>
+            </a:r>
+            <a:r>
+              <a:rPr lang="en-US" altLang="zh-CN" dirty="0" smtClean="0">
+                <a:solidFill>
+                  <a:srgbClr val="000000"/>
+                </a:solidFill>
+                <a:highlight>
+                  <a:srgbClr val="FFFFFF"/>
+                </a:highlight>
+                <a:latin typeface="新宋体" panose="02010609030101010101" pitchFamily="49" charset="-122"/>
+                <a:ea typeface="新宋体" panose="02010609030101010101" pitchFamily="49" charset="-122"/>
+              </a:rPr>
+              <a:t> </a:t>
+            </a:r>
+            <a:r>
+              <a:rPr lang="en-US" altLang="zh-CN" dirty="0">
+                <a:solidFill>
+                  <a:srgbClr val="0000FF"/>
+                </a:solidFill>
+                <a:highlight>
+                  <a:srgbClr val="FFFFFF"/>
+                </a:highlight>
+                <a:latin typeface="新宋体" panose="02010609030101010101" pitchFamily="49" charset="-122"/>
+                <a:ea typeface="新宋体" panose="02010609030101010101" pitchFamily="49" charset="-122"/>
+              </a:rPr>
+              <a:t>static</a:t>
+            </a:r>
+            <a:r>
+              <a:rPr lang="en-US" altLang="zh-CN" dirty="0">
+                <a:solidFill>
+                  <a:srgbClr val="000000"/>
+                </a:solidFill>
+                <a:highlight>
+                  <a:srgbClr val="FFFFFF"/>
+                </a:highlight>
+                <a:latin typeface="新宋体" panose="02010609030101010101" pitchFamily="49" charset="-122"/>
+                <a:ea typeface="新宋体" panose="02010609030101010101" pitchFamily="49" charset="-122"/>
+              </a:rPr>
+              <a:t> </a:t>
+            </a:r>
+            <a:r>
+              <a:rPr lang="en-US" altLang="zh-CN" dirty="0">
+                <a:solidFill>
+                  <a:srgbClr val="2B91AF"/>
+                </a:solidFill>
+                <a:highlight>
+                  <a:srgbClr val="FFFFFF"/>
+                </a:highlight>
+                <a:latin typeface="新宋体" panose="02010609030101010101" pitchFamily="49" charset="-122"/>
+                <a:ea typeface="新宋体" panose="02010609030101010101" pitchFamily="49" charset="-122"/>
+              </a:rPr>
+              <a:t>T</a:t>
+            </a:r>
+            <a:r>
+              <a:rPr lang="en-US" altLang="zh-CN" dirty="0">
+                <a:solidFill>
+                  <a:srgbClr val="000000"/>
+                </a:solidFill>
+                <a:highlight>
+                  <a:srgbClr val="FFFFFF"/>
+                </a:highlight>
+                <a:latin typeface="新宋体" panose="02010609030101010101" pitchFamily="49" charset="-122"/>
+                <a:ea typeface="新宋体" panose="02010609030101010101" pitchFamily="49" charset="-122"/>
+              </a:rPr>
+              <a:t> value = </a:t>
+            </a:r>
+            <a:r>
+              <a:rPr lang="en-US" altLang="zh-CN" dirty="0" err="1">
+                <a:solidFill>
+                  <a:srgbClr val="000000"/>
+                </a:solidFill>
+                <a:highlight>
+                  <a:srgbClr val="FFFFFF"/>
+                </a:highlight>
+                <a:latin typeface="新宋体" panose="02010609030101010101" pitchFamily="49" charset="-122"/>
+                <a:ea typeface="新宋体" panose="02010609030101010101" pitchFamily="49" charset="-122"/>
+              </a:rPr>
+              <a:t>mPtr</a:t>
+            </a:r>
+            <a:r>
+              <a:rPr lang="en-US" altLang="zh-CN" dirty="0">
+                <a:solidFill>
+                  <a:srgbClr val="000000"/>
+                </a:solidFill>
+                <a:highlight>
+                  <a:srgbClr val="FFFFFF"/>
+                </a:highlight>
+                <a:latin typeface="新宋体" panose="02010609030101010101" pitchFamily="49" charset="-122"/>
+                <a:ea typeface="新宋体" panose="02010609030101010101" pitchFamily="49" charset="-122"/>
+              </a:rPr>
+              <a:t>;</a:t>
+            </a:r>
+          </a:p>
+          <a:p>
+            <a:r>
+              <a:rPr lang="en-US" altLang="zh-CN" dirty="0" smtClean="0">
+                <a:solidFill>
+                  <a:srgbClr val="0000FF"/>
+                </a:solidFill>
+                <a:highlight>
+                  <a:srgbClr val="FFFFFF"/>
+                </a:highlight>
+                <a:latin typeface="新宋体" panose="02010609030101010101" pitchFamily="49" charset="-122"/>
+                <a:ea typeface="新宋体" panose="02010609030101010101" pitchFamily="49" charset="-122"/>
+              </a:rPr>
+              <a:t>    </a:t>
+            </a:r>
+            <a:r>
+              <a:rPr lang="en-US" altLang="zh-CN" dirty="0" err="1" smtClean="0">
+                <a:solidFill>
+                  <a:srgbClr val="0000FF"/>
+                </a:solidFill>
+                <a:highlight>
+                  <a:srgbClr val="FFFFFF"/>
+                </a:highlight>
+                <a:latin typeface="新宋体" panose="02010609030101010101" pitchFamily="49" charset="-122"/>
+                <a:ea typeface="新宋体" panose="02010609030101010101" pitchFamily="49" charset="-122"/>
+              </a:rPr>
+              <a:t>constexpr</a:t>
+            </a:r>
+            <a:r>
+              <a:rPr lang="en-US" altLang="zh-CN" dirty="0" smtClean="0">
+                <a:solidFill>
+                  <a:srgbClr val="000000"/>
+                </a:solidFill>
+                <a:highlight>
+                  <a:srgbClr val="FFFFFF"/>
+                </a:highlight>
+                <a:latin typeface="新宋体" panose="02010609030101010101" pitchFamily="49" charset="-122"/>
+                <a:ea typeface="新宋体" panose="02010609030101010101" pitchFamily="49" charset="-122"/>
+              </a:rPr>
+              <a:t> </a:t>
+            </a:r>
+            <a:r>
+              <a:rPr lang="en-US" altLang="zh-CN" dirty="0">
+                <a:solidFill>
+                  <a:srgbClr val="0000FF"/>
+                </a:solidFill>
+                <a:highlight>
+                  <a:srgbClr val="FFFFFF"/>
+                </a:highlight>
+                <a:latin typeface="新宋体" panose="02010609030101010101" pitchFamily="49" charset="-122"/>
+                <a:ea typeface="新宋体" panose="02010609030101010101" pitchFamily="49" charset="-122"/>
+              </a:rPr>
+              <a:t>static</a:t>
+            </a:r>
+            <a:r>
+              <a:rPr lang="en-US" altLang="zh-CN" dirty="0">
+                <a:solidFill>
+                  <a:srgbClr val="000000"/>
+                </a:solidFill>
+                <a:highlight>
+                  <a:srgbClr val="FFFFFF"/>
+                </a:highlight>
+                <a:latin typeface="新宋体" panose="02010609030101010101" pitchFamily="49" charset="-122"/>
+                <a:ea typeface="新宋体" panose="02010609030101010101" pitchFamily="49" charset="-122"/>
+              </a:rPr>
+              <a:t> </a:t>
+            </a:r>
+            <a:r>
+              <a:rPr lang="en-US" altLang="zh-CN" dirty="0">
+                <a:solidFill>
+                  <a:srgbClr val="0000FF"/>
+                </a:solidFill>
+                <a:highlight>
+                  <a:srgbClr val="FFFFFF"/>
+                </a:highlight>
+                <a:latin typeface="新宋体" panose="02010609030101010101" pitchFamily="49" charset="-122"/>
+                <a:ea typeface="新宋体" panose="02010609030101010101" pitchFamily="49" charset="-122"/>
+              </a:rPr>
+              <a:t>unsigned</a:t>
+            </a:r>
+            <a:r>
+              <a:rPr lang="en-US" altLang="zh-CN" dirty="0">
+                <a:solidFill>
+                  <a:srgbClr val="000000"/>
+                </a:solidFill>
+                <a:highlight>
+                  <a:srgbClr val="FFFFFF"/>
+                </a:highlight>
+                <a:latin typeface="新宋体" panose="02010609030101010101" pitchFamily="49" charset="-122"/>
+                <a:ea typeface="新宋体" panose="02010609030101010101" pitchFamily="49" charset="-122"/>
+              </a:rPr>
+              <a:t> index = Index;</a:t>
+            </a:r>
+          </a:p>
+          <a:p>
+            <a:r>
+              <a:rPr lang="en-US" altLang="zh-CN" dirty="0">
+                <a:solidFill>
+                  <a:srgbClr val="000000"/>
+                </a:solidFill>
+                <a:highlight>
+                  <a:srgbClr val="FFFFFF"/>
+                </a:highlight>
+                <a:latin typeface="新宋体" panose="02010609030101010101" pitchFamily="49" charset="-122"/>
+                <a:ea typeface="新宋体" panose="02010609030101010101" pitchFamily="49" charset="-122"/>
+              </a:rPr>
+              <a:t>};</a:t>
+            </a:r>
+          </a:p>
+          <a:p>
+            <a:endParaRPr lang="zh-CN" altLang="en-US" dirty="0">
+              <a:solidFill>
+                <a:srgbClr val="000000"/>
+              </a:solidFill>
+              <a:highlight>
+                <a:srgbClr val="FFFFFF"/>
+              </a:highlight>
+              <a:latin typeface="新宋体" panose="02010609030101010101" pitchFamily="49" charset="-122"/>
+              <a:ea typeface="新宋体" panose="02010609030101010101" pitchFamily="49" charset="-122"/>
+            </a:endParaRPr>
+          </a:p>
+          <a:p>
+            <a:r>
+              <a:rPr lang="en-US" altLang="zh-CN" dirty="0">
+                <a:solidFill>
+                  <a:srgbClr val="008000"/>
+                </a:solidFill>
+                <a:highlight>
+                  <a:srgbClr val="FFFFFF"/>
+                </a:highlight>
+                <a:latin typeface="新宋体" panose="02010609030101010101" pitchFamily="49" charset="-122"/>
+                <a:ea typeface="新宋体" panose="02010609030101010101" pitchFamily="49" charset="-122"/>
+              </a:rPr>
+              <a:t>//pack all fields(</a:t>
+            </a:r>
+            <a:r>
+              <a:rPr lang="en-US" altLang="zh-CN" dirty="0" err="1">
+                <a:solidFill>
+                  <a:srgbClr val="008000"/>
+                </a:solidFill>
+                <a:highlight>
+                  <a:srgbClr val="FFFFFF"/>
+                </a:highlight>
+                <a:latin typeface="新宋体" panose="02010609030101010101" pitchFamily="49" charset="-122"/>
+                <a:ea typeface="新宋体" panose="02010609030101010101" pitchFamily="49" charset="-122"/>
+              </a:rPr>
+              <a:t>MemberBinding</a:t>
+            </a:r>
+            <a:r>
+              <a:rPr lang="en-US" altLang="zh-CN" dirty="0">
+                <a:solidFill>
+                  <a:srgbClr val="008000"/>
+                </a:solidFill>
+                <a:highlight>
+                  <a:srgbClr val="FFFFFF"/>
+                </a:highlight>
+                <a:latin typeface="新宋体" panose="02010609030101010101" pitchFamily="49" charset="-122"/>
+                <a:ea typeface="新宋体" panose="02010609030101010101" pitchFamily="49" charset="-122"/>
+              </a:rPr>
+              <a:t>)</a:t>
+            </a:r>
+            <a:endParaRPr lang="en-US" altLang="zh-CN" dirty="0">
+              <a:solidFill>
+                <a:srgbClr val="000000"/>
+              </a:solidFill>
+              <a:highlight>
+                <a:srgbClr val="FFFFFF"/>
+              </a:highlight>
+              <a:latin typeface="新宋体" panose="02010609030101010101" pitchFamily="49" charset="-122"/>
+              <a:ea typeface="新宋体" panose="02010609030101010101" pitchFamily="49" charset="-122"/>
+            </a:endParaRPr>
+          </a:p>
+          <a:p>
+            <a:r>
+              <a:rPr lang="en-US" altLang="zh-CN" dirty="0">
+                <a:solidFill>
+                  <a:srgbClr val="0000FF"/>
+                </a:solidFill>
+                <a:highlight>
+                  <a:srgbClr val="FFFFFF"/>
+                </a:highlight>
+                <a:latin typeface="新宋体" panose="02010609030101010101" pitchFamily="49" charset="-122"/>
+                <a:ea typeface="新宋体" panose="02010609030101010101" pitchFamily="49" charset="-122"/>
+              </a:rPr>
+              <a:t>template</a:t>
+            </a:r>
+            <a:r>
+              <a:rPr lang="en-US" altLang="zh-CN" dirty="0">
+                <a:solidFill>
+                  <a:srgbClr val="000000"/>
+                </a:solidFill>
+                <a:highlight>
+                  <a:srgbClr val="FFFFFF"/>
+                </a:highlight>
+                <a:latin typeface="新宋体" panose="02010609030101010101" pitchFamily="49" charset="-122"/>
+                <a:ea typeface="新宋体" panose="02010609030101010101" pitchFamily="49" charset="-122"/>
+              </a:rPr>
+              <a:t>&lt;</a:t>
+            </a:r>
+            <a:r>
+              <a:rPr lang="en-US" altLang="zh-CN" dirty="0" err="1">
+                <a:solidFill>
+                  <a:srgbClr val="0000FF"/>
+                </a:solidFill>
+                <a:highlight>
+                  <a:srgbClr val="FFFFFF"/>
+                </a:highlight>
+                <a:latin typeface="新宋体" panose="02010609030101010101" pitchFamily="49" charset="-122"/>
+                <a:ea typeface="新宋体" panose="02010609030101010101" pitchFamily="49" charset="-122"/>
+              </a:rPr>
+              <a:t>typename</a:t>
+            </a:r>
+            <a:r>
+              <a:rPr lang="en-US" altLang="zh-CN" dirty="0">
+                <a:solidFill>
+                  <a:srgbClr val="000000"/>
+                </a:solidFill>
+                <a:highlight>
+                  <a:srgbClr val="FFFFFF"/>
+                </a:highlight>
+                <a:latin typeface="新宋体" panose="02010609030101010101" pitchFamily="49" charset="-122"/>
+                <a:ea typeface="新宋体" panose="02010609030101010101" pitchFamily="49" charset="-122"/>
+              </a:rPr>
+              <a:t>...&gt; </a:t>
+            </a:r>
+            <a:r>
+              <a:rPr lang="en-US" altLang="zh-CN" dirty="0" err="1">
+                <a:solidFill>
+                  <a:srgbClr val="0000FF"/>
+                </a:solidFill>
+                <a:highlight>
+                  <a:srgbClr val="FFFFFF"/>
+                </a:highlight>
+                <a:latin typeface="新宋体" panose="02010609030101010101" pitchFamily="49" charset="-122"/>
+                <a:ea typeface="新宋体" panose="02010609030101010101" pitchFamily="49" charset="-122"/>
+              </a:rPr>
+              <a:t>struct</a:t>
+            </a:r>
+            <a:r>
+              <a:rPr lang="en-US" altLang="zh-CN" dirty="0">
+                <a:solidFill>
+                  <a:srgbClr val="000000"/>
+                </a:solidFill>
+                <a:highlight>
+                  <a:srgbClr val="FFFFFF"/>
+                </a:highlight>
+                <a:latin typeface="新宋体" panose="02010609030101010101" pitchFamily="49" charset="-122"/>
+                <a:ea typeface="新宋体" panose="02010609030101010101" pitchFamily="49" charset="-122"/>
+              </a:rPr>
+              <a:t> </a:t>
+            </a:r>
+            <a:r>
+              <a:rPr lang="en-US" altLang="zh-CN" dirty="0">
+                <a:solidFill>
+                  <a:srgbClr val="2B91AF"/>
+                </a:solidFill>
+                <a:highlight>
+                  <a:srgbClr val="FFFFFF"/>
+                </a:highlight>
+                <a:latin typeface="新宋体" panose="02010609030101010101" pitchFamily="49" charset="-122"/>
+                <a:ea typeface="新宋体" panose="02010609030101010101" pitchFamily="49" charset="-122"/>
+              </a:rPr>
+              <a:t>Pack</a:t>
+            </a:r>
+            <a:r>
+              <a:rPr lang="en-US" altLang="zh-CN" dirty="0">
+                <a:solidFill>
+                  <a:srgbClr val="000000"/>
+                </a:solidFill>
+                <a:highlight>
+                  <a:srgbClr val="FFFFFF"/>
+                </a:highlight>
+                <a:latin typeface="新宋体" panose="02010609030101010101" pitchFamily="49" charset="-122"/>
+                <a:ea typeface="新宋体" panose="02010609030101010101" pitchFamily="49" charset="-122"/>
+              </a:rPr>
+              <a:t> {};</a:t>
+            </a:r>
+            <a:endParaRPr lang="zh-CN" altLang="en-US" dirty="0"/>
+          </a:p>
+        </p:txBody>
+      </p:sp>
     </p:spTree>
     <p:extLst>
       <p:ext uri="{BB962C8B-B14F-4D97-AF65-F5344CB8AC3E}">
@@ -13137,22 +14009,1213 @@
       </p:grpSpPr>
       <p:sp>
         <p:nvSpPr>
-          <p:cNvPr id="2" name="标题 1"/>
-          <p:cNvSpPr>
-            <a:spLocks noGrp="1"/>
-          </p:cNvSpPr>
-          <p:nvPr>
-            <p:ph type="title"/>
-          </p:nvPr>
+          <p:cNvPr id="5" name="矩形 4"/>
+          <p:cNvSpPr/>
+          <p:nvPr/>
         </p:nvSpPr>
-        <p:spPr/>
+        <p:spPr>
+          <a:xfrm>
+            <a:off x="838200" y="784504"/>
+            <a:ext cx="9768840" cy="5078313"/>
+          </a:xfrm>
+          <a:prstGeom prst="rect">
+            <a:avLst/>
+          </a:prstGeom>
+        </p:spPr>
         <p:txBody>
-          <a:bodyPr/>
+          <a:bodyPr wrap="square">
+            <a:spAutoFit/>
+          </a:bodyPr>
           <a:lstStyle/>
           <a:p>
             <a:r>
-              <a:rPr lang="en-US" altLang="zh-CN" dirty="0" smtClean="0"/>
-              <a:t>Outline</a:t>
+              <a:rPr lang="en-US" altLang="zh-CN" dirty="0" err="1">
+                <a:solidFill>
+                  <a:srgbClr val="0000FF"/>
+                </a:solidFill>
+                <a:highlight>
+                  <a:srgbClr val="FFFFFF"/>
+                </a:highlight>
+                <a:latin typeface="新宋体" panose="02010609030101010101" pitchFamily="49" charset="-122"/>
+                <a:ea typeface="新宋体" panose="02010609030101010101" pitchFamily="49" charset="-122"/>
+              </a:rPr>
+              <a:t>struct</a:t>
+            </a:r>
+            <a:r>
+              <a:rPr lang="en-US" altLang="zh-CN" dirty="0">
+                <a:solidFill>
+                  <a:srgbClr val="000000"/>
+                </a:solidFill>
+                <a:highlight>
+                  <a:srgbClr val="FFFFFF"/>
+                </a:highlight>
+                <a:latin typeface="新宋体" panose="02010609030101010101" pitchFamily="49" charset="-122"/>
+                <a:ea typeface="新宋体" panose="02010609030101010101" pitchFamily="49" charset="-122"/>
+              </a:rPr>
+              <a:t> </a:t>
+            </a:r>
+            <a:r>
+              <a:rPr lang="en-US" altLang="zh-CN" dirty="0">
+                <a:solidFill>
+                  <a:srgbClr val="2B91AF"/>
+                </a:solidFill>
+                <a:highlight>
+                  <a:srgbClr val="FFFFFF"/>
+                </a:highlight>
+                <a:latin typeface="新宋体" panose="02010609030101010101" pitchFamily="49" charset="-122"/>
+                <a:ea typeface="新宋体" panose="02010609030101010101" pitchFamily="49" charset="-122"/>
+              </a:rPr>
+              <a:t>Aggregate</a:t>
+            </a:r>
+            <a:r>
+              <a:rPr lang="en-US" altLang="zh-CN" dirty="0">
+                <a:solidFill>
+                  <a:srgbClr val="000000"/>
+                </a:solidFill>
+                <a:highlight>
+                  <a:srgbClr val="FFFFFF"/>
+                </a:highlight>
+                <a:latin typeface="新宋体" panose="02010609030101010101" pitchFamily="49" charset="-122"/>
+                <a:ea typeface="新宋体" panose="02010609030101010101" pitchFamily="49" charset="-122"/>
+              </a:rPr>
+              <a:t> {</a:t>
+            </a:r>
+          </a:p>
+          <a:p>
+            <a:r>
+              <a:rPr lang="en-US" altLang="zh-CN" dirty="0" smtClean="0">
+                <a:solidFill>
+                  <a:srgbClr val="0000FF"/>
+                </a:solidFill>
+                <a:highlight>
+                  <a:srgbClr val="FFFFFF"/>
+                </a:highlight>
+                <a:latin typeface="新宋体" panose="02010609030101010101" pitchFamily="49" charset="-122"/>
+                <a:ea typeface="新宋体" panose="02010609030101010101" pitchFamily="49" charset="-122"/>
+              </a:rPr>
+              <a:t>    </a:t>
+            </a:r>
+            <a:r>
+              <a:rPr lang="en-US" altLang="zh-CN" dirty="0" err="1" smtClean="0">
+                <a:solidFill>
+                  <a:srgbClr val="0000FF"/>
+                </a:solidFill>
+                <a:highlight>
+                  <a:srgbClr val="FFFFFF"/>
+                </a:highlight>
+                <a:latin typeface="新宋体" panose="02010609030101010101" pitchFamily="49" charset="-122"/>
+                <a:ea typeface="新宋体" panose="02010609030101010101" pitchFamily="49" charset="-122"/>
+              </a:rPr>
+              <a:t>int</a:t>
+            </a:r>
+            <a:r>
+              <a:rPr lang="en-US" altLang="zh-CN" dirty="0" smtClean="0">
+                <a:solidFill>
+                  <a:srgbClr val="000000"/>
+                </a:solidFill>
+                <a:highlight>
+                  <a:srgbClr val="FFFFFF"/>
+                </a:highlight>
+                <a:latin typeface="新宋体" panose="02010609030101010101" pitchFamily="49" charset="-122"/>
+                <a:ea typeface="新宋体" panose="02010609030101010101" pitchFamily="49" charset="-122"/>
+              </a:rPr>
+              <a:t> </a:t>
+            </a:r>
+            <a:r>
+              <a:rPr lang="en-US" altLang="zh-CN" dirty="0">
+                <a:solidFill>
+                  <a:srgbClr val="000000"/>
+                </a:solidFill>
+                <a:highlight>
+                  <a:srgbClr val="FFFFFF"/>
+                </a:highlight>
+                <a:latin typeface="新宋体" panose="02010609030101010101" pitchFamily="49" charset="-122"/>
+                <a:ea typeface="新宋体" panose="02010609030101010101" pitchFamily="49" charset="-122"/>
+              </a:rPr>
+              <a:t>member1;</a:t>
+            </a:r>
+          </a:p>
+          <a:p>
+            <a:r>
+              <a:rPr lang="en-US" altLang="zh-CN" dirty="0" smtClean="0">
+                <a:solidFill>
+                  <a:srgbClr val="000000"/>
+                </a:solidFill>
+                <a:highlight>
+                  <a:srgbClr val="FFFFFF"/>
+                </a:highlight>
+                <a:latin typeface="新宋体" panose="02010609030101010101" pitchFamily="49" charset="-122"/>
+                <a:ea typeface="新宋体" panose="02010609030101010101" pitchFamily="49" charset="-122"/>
+              </a:rPr>
+              <a:t>    </a:t>
+            </a:r>
+            <a:r>
+              <a:rPr lang="en-US" altLang="zh-CN" dirty="0" err="1" smtClean="0">
+                <a:solidFill>
+                  <a:srgbClr val="000000"/>
+                </a:solidFill>
+                <a:highlight>
+                  <a:srgbClr val="FFFFFF"/>
+                </a:highlight>
+                <a:latin typeface="新宋体" panose="02010609030101010101" pitchFamily="49" charset="-122"/>
+                <a:ea typeface="新宋体" panose="02010609030101010101" pitchFamily="49" charset="-122"/>
+              </a:rPr>
+              <a:t>std</a:t>
+            </a:r>
+            <a:r>
+              <a:rPr lang="en-US" altLang="zh-CN" dirty="0">
+                <a:solidFill>
+                  <a:srgbClr val="000000"/>
+                </a:solidFill>
+                <a:highlight>
+                  <a:srgbClr val="FFFFFF"/>
+                </a:highlight>
+                <a:latin typeface="新宋体" panose="02010609030101010101" pitchFamily="49" charset="-122"/>
+                <a:ea typeface="新宋体" panose="02010609030101010101" pitchFamily="49" charset="-122"/>
+              </a:rPr>
+              <a:t>::</a:t>
+            </a:r>
+            <a:r>
+              <a:rPr lang="en-US" altLang="zh-CN" dirty="0">
+                <a:solidFill>
+                  <a:srgbClr val="2B91AF"/>
+                </a:solidFill>
+                <a:highlight>
+                  <a:srgbClr val="FFFFFF"/>
+                </a:highlight>
+                <a:latin typeface="新宋体" panose="02010609030101010101" pitchFamily="49" charset="-122"/>
+                <a:ea typeface="新宋体" panose="02010609030101010101" pitchFamily="49" charset="-122"/>
+              </a:rPr>
+              <a:t>string</a:t>
+            </a:r>
+            <a:r>
+              <a:rPr lang="en-US" altLang="zh-CN" dirty="0">
+                <a:solidFill>
+                  <a:srgbClr val="000000"/>
+                </a:solidFill>
+                <a:highlight>
+                  <a:srgbClr val="FFFFFF"/>
+                </a:highlight>
+                <a:latin typeface="新宋体" panose="02010609030101010101" pitchFamily="49" charset="-122"/>
+                <a:ea typeface="新宋体" panose="02010609030101010101" pitchFamily="49" charset="-122"/>
+              </a:rPr>
+              <a:t> member2;</a:t>
+            </a:r>
+          </a:p>
+          <a:p>
+            <a:r>
+              <a:rPr lang="en-US" altLang="zh-CN" dirty="0" smtClean="0">
+                <a:solidFill>
+                  <a:srgbClr val="000000"/>
+                </a:solidFill>
+                <a:highlight>
+                  <a:srgbClr val="FFFFFF"/>
+                </a:highlight>
+                <a:latin typeface="新宋体" panose="02010609030101010101" pitchFamily="49" charset="-122"/>
+                <a:ea typeface="新宋体" panose="02010609030101010101" pitchFamily="49" charset="-122"/>
+              </a:rPr>
+              <a:t>};</a:t>
+            </a:r>
+            <a:endParaRPr lang="en-US" altLang="zh-CN" dirty="0">
+              <a:solidFill>
+                <a:srgbClr val="000000"/>
+              </a:solidFill>
+              <a:highlight>
+                <a:srgbClr val="FFFFFF"/>
+              </a:highlight>
+              <a:latin typeface="新宋体" panose="02010609030101010101" pitchFamily="49" charset="-122"/>
+              <a:ea typeface="新宋体" panose="02010609030101010101" pitchFamily="49" charset="-122"/>
+            </a:endParaRPr>
+          </a:p>
+          <a:p>
+            <a:endParaRPr lang="en-US" altLang="zh-CN" dirty="0" smtClean="0">
+              <a:solidFill>
+                <a:srgbClr val="0000FF"/>
+              </a:solidFill>
+              <a:highlight>
+                <a:srgbClr val="FFFFFF"/>
+              </a:highlight>
+              <a:latin typeface="新宋体" panose="02010609030101010101" pitchFamily="49" charset="-122"/>
+              <a:ea typeface="新宋体" panose="02010609030101010101" pitchFamily="49" charset="-122"/>
+            </a:endParaRPr>
+          </a:p>
+          <a:p>
+            <a:r>
+              <a:rPr lang="en-US" altLang="zh-CN" dirty="0" smtClean="0">
+                <a:solidFill>
+                  <a:srgbClr val="0000FF"/>
+                </a:solidFill>
+                <a:highlight>
+                  <a:srgbClr val="FFFFFF"/>
+                </a:highlight>
+                <a:latin typeface="新宋体" panose="02010609030101010101" pitchFamily="49" charset="-122"/>
+                <a:ea typeface="新宋体" panose="02010609030101010101" pitchFamily="49" charset="-122"/>
+              </a:rPr>
+              <a:t>template</a:t>
+            </a:r>
+            <a:r>
+              <a:rPr lang="en-US" altLang="zh-CN" dirty="0">
+                <a:solidFill>
+                  <a:srgbClr val="000000"/>
+                </a:solidFill>
+                <a:highlight>
+                  <a:srgbClr val="FFFFFF"/>
+                </a:highlight>
+                <a:latin typeface="新宋体" panose="02010609030101010101" pitchFamily="49" charset="-122"/>
+                <a:ea typeface="新宋体" panose="02010609030101010101" pitchFamily="49" charset="-122"/>
+              </a:rPr>
+              <a:t>&lt;&gt; </a:t>
+            </a:r>
+            <a:r>
+              <a:rPr lang="en-US" altLang="zh-CN" dirty="0" err="1">
+                <a:solidFill>
+                  <a:srgbClr val="0000FF"/>
+                </a:solidFill>
+                <a:highlight>
+                  <a:srgbClr val="FFFFFF"/>
+                </a:highlight>
+                <a:latin typeface="新宋体" panose="02010609030101010101" pitchFamily="49" charset="-122"/>
+                <a:ea typeface="新宋体" panose="02010609030101010101" pitchFamily="49" charset="-122"/>
+              </a:rPr>
+              <a:t>struct</a:t>
+            </a:r>
+            <a:r>
+              <a:rPr lang="en-US" altLang="zh-CN" dirty="0">
+                <a:solidFill>
+                  <a:srgbClr val="000000"/>
+                </a:solidFill>
+                <a:highlight>
+                  <a:srgbClr val="FFFFFF"/>
+                </a:highlight>
+                <a:latin typeface="新宋体" panose="02010609030101010101" pitchFamily="49" charset="-122"/>
+                <a:ea typeface="新宋体" panose="02010609030101010101" pitchFamily="49" charset="-122"/>
+              </a:rPr>
+              <a:t> </a:t>
+            </a:r>
+            <a:r>
+              <a:rPr lang="en-US" altLang="zh-CN" dirty="0">
+                <a:solidFill>
+                  <a:srgbClr val="2B91AF"/>
+                </a:solidFill>
+                <a:highlight>
+                  <a:srgbClr val="FFFFFF"/>
+                </a:highlight>
+                <a:latin typeface="新宋体" panose="02010609030101010101" pitchFamily="49" charset="-122"/>
+                <a:ea typeface="新宋体" panose="02010609030101010101" pitchFamily="49" charset="-122"/>
+              </a:rPr>
+              <a:t>Members</a:t>
+            </a:r>
+            <a:r>
+              <a:rPr lang="en-US" altLang="zh-CN" dirty="0">
+                <a:solidFill>
+                  <a:srgbClr val="000000"/>
+                </a:solidFill>
+                <a:highlight>
+                  <a:srgbClr val="FFFFFF"/>
+                </a:highlight>
+                <a:latin typeface="新宋体" panose="02010609030101010101" pitchFamily="49" charset="-122"/>
+                <a:ea typeface="新宋体" panose="02010609030101010101" pitchFamily="49" charset="-122"/>
+              </a:rPr>
+              <a:t>&lt;</a:t>
+            </a:r>
+            <a:r>
+              <a:rPr lang="en-US" altLang="zh-CN" dirty="0">
+                <a:solidFill>
+                  <a:srgbClr val="2B91AF"/>
+                </a:solidFill>
+                <a:highlight>
+                  <a:srgbClr val="FFFFFF"/>
+                </a:highlight>
+                <a:latin typeface="新宋体" panose="02010609030101010101" pitchFamily="49" charset="-122"/>
+                <a:ea typeface="新宋体" panose="02010609030101010101" pitchFamily="49" charset="-122"/>
+              </a:rPr>
+              <a:t>Aggregate</a:t>
+            </a:r>
+            <a:r>
+              <a:rPr lang="en-US" altLang="zh-CN" dirty="0">
+                <a:solidFill>
+                  <a:srgbClr val="000000"/>
+                </a:solidFill>
+                <a:highlight>
+                  <a:srgbClr val="FFFFFF"/>
+                </a:highlight>
+                <a:latin typeface="新宋体" panose="02010609030101010101" pitchFamily="49" charset="-122"/>
+                <a:ea typeface="新宋体" panose="02010609030101010101" pitchFamily="49" charset="-122"/>
+              </a:rPr>
+              <a:t>&gt; {</a:t>
+            </a:r>
+          </a:p>
+          <a:p>
+            <a:r>
+              <a:rPr lang="en-US" altLang="zh-CN" dirty="0" smtClean="0">
+                <a:solidFill>
+                  <a:srgbClr val="0000FF"/>
+                </a:solidFill>
+                <a:highlight>
+                  <a:srgbClr val="FFFFFF"/>
+                </a:highlight>
+                <a:latin typeface="新宋体" panose="02010609030101010101" pitchFamily="49" charset="-122"/>
+                <a:ea typeface="新宋体" panose="02010609030101010101" pitchFamily="49" charset="-122"/>
+              </a:rPr>
+              <a:t>    using</a:t>
+            </a:r>
+            <a:r>
+              <a:rPr lang="en-US" altLang="zh-CN" dirty="0" smtClean="0">
+                <a:solidFill>
+                  <a:srgbClr val="000000"/>
+                </a:solidFill>
+                <a:highlight>
+                  <a:srgbClr val="FFFFFF"/>
+                </a:highlight>
+                <a:latin typeface="新宋体" panose="02010609030101010101" pitchFamily="49" charset="-122"/>
+                <a:ea typeface="新宋体" panose="02010609030101010101" pitchFamily="49" charset="-122"/>
+              </a:rPr>
+              <a:t> </a:t>
+            </a:r>
+            <a:r>
+              <a:rPr lang="en-US" altLang="zh-CN" dirty="0">
+                <a:solidFill>
+                  <a:srgbClr val="2B91AF"/>
+                </a:solidFill>
+                <a:highlight>
+                  <a:srgbClr val="FFFFFF"/>
+                </a:highlight>
+                <a:latin typeface="新宋体" panose="02010609030101010101" pitchFamily="49" charset="-122"/>
+                <a:ea typeface="新宋体" panose="02010609030101010101" pitchFamily="49" charset="-122"/>
+              </a:rPr>
+              <a:t>type</a:t>
+            </a:r>
+            <a:r>
+              <a:rPr lang="en-US" altLang="zh-CN" dirty="0">
+                <a:solidFill>
+                  <a:srgbClr val="000000"/>
+                </a:solidFill>
+                <a:highlight>
+                  <a:srgbClr val="FFFFFF"/>
+                </a:highlight>
+                <a:latin typeface="新宋体" panose="02010609030101010101" pitchFamily="49" charset="-122"/>
+                <a:ea typeface="新宋体" panose="02010609030101010101" pitchFamily="49" charset="-122"/>
+              </a:rPr>
+              <a:t> = </a:t>
+            </a:r>
+            <a:r>
+              <a:rPr lang="en-US" altLang="zh-CN" dirty="0">
+                <a:solidFill>
+                  <a:srgbClr val="2B91AF"/>
+                </a:solidFill>
+                <a:highlight>
+                  <a:srgbClr val="FFFFFF"/>
+                </a:highlight>
+                <a:latin typeface="新宋体" panose="02010609030101010101" pitchFamily="49" charset="-122"/>
+                <a:ea typeface="新宋体" panose="02010609030101010101" pitchFamily="49" charset="-122"/>
+              </a:rPr>
+              <a:t>Pack</a:t>
+            </a:r>
+            <a:r>
+              <a:rPr lang="en-US" altLang="zh-CN" dirty="0">
+                <a:solidFill>
+                  <a:srgbClr val="000000"/>
+                </a:solidFill>
+                <a:highlight>
+                  <a:srgbClr val="FFFFFF"/>
+                </a:highlight>
+                <a:latin typeface="新宋体" panose="02010609030101010101" pitchFamily="49" charset="-122"/>
+                <a:ea typeface="新宋体" panose="02010609030101010101" pitchFamily="49" charset="-122"/>
+              </a:rPr>
+              <a:t>&lt;</a:t>
+            </a:r>
+          </a:p>
+          <a:p>
+            <a:r>
+              <a:rPr lang="en-US" altLang="zh-CN" dirty="0" smtClean="0">
+                <a:solidFill>
+                  <a:srgbClr val="2B91AF"/>
+                </a:solidFill>
+                <a:highlight>
+                  <a:srgbClr val="FFFFFF"/>
+                </a:highlight>
+                <a:latin typeface="新宋体" panose="02010609030101010101" pitchFamily="49" charset="-122"/>
+                <a:ea typeface="新宋体" panose="02010609030101010101" pitchFamily="49" charset="-122"/>
+              </a:rPr>
+              <a:t>        </a:t>
+            </a:r>
+            <a:r>
+              <a:rPr lang="en-US" altLang="zh-CN" dirty="0" err="1" smtClean="0">
+                <a:solidFill>
+                  <a:srgbClr val="2B91AF"/>
+                </a:solidFill>
+                <a:highlight>
+                  <a:srgbClr val="FFFFFF"/>
+                </a:highlight>
+                <a:latin typeface="新宋体" panose="02010609030101010101" pitchFamily="49" charset="-122"/>
+                <a:ea typeface="新宋体" panose="02010609030101010101" pitchFamily="49" charset="-122"/>
+              </a:rPr>
+              <a:t>MemberBinding</a:t>
+            </a:r>
+            <a:r>
+              <a:rPr lang="en-US" altLang="zh-CN" dirty="0" smtClean="0">
+                <a:solidFill>
+                  <a:srgbClr val="000000"/>
+                </a:solidFill>
+                <a:highlight>
+                  <a:srgbClr val="FFFFFF"/>
+                </a:highlight>
+                <a:latin typeface="新宋体" panose="02010609030101010101" pitchFamily="49" charset="-122"/>
+                <a:ea typeface="新宋体" panose="02010609030101010101" pitchFamily="49" charset="-122"/>
+              </a:rPr>
+              <a:t>&lt;</a:t>
+            </a:r>
+            <a:r>
+              <a:rPr lang="en-US" altLang="zh-CN" dirty="0" err="1" smtClean="0">
+                <a:solidFill>
+                  <a:srgbClr val="0000FF"/>
+                </a:solidFill>
+                <a:highlight>
+                  <a:srgbClr val="FFFFFF"/>
+                </a:highlight>
+                <a:latin typeface="新宋体" panose="02010609030101010101" pitchFamily="49" charset="-122"/>
+                <a:ea typeface="新宋体" panose="02010609030101010101" pitchFamily="49" charset="-122"/>
+              </a:rPr>
+              <a:t>decltype</a:t>
+            </a:r>
+            <a:r>
+              <a:rPr lang="en-US" altLang="zh-CN" dirty="0">
+                <a:solidFill>
+                  <a:srgbClr val="000000"/>
+                </a:solidFill>
+                <a:highlight>
+                  <a:srgbClr val="FFFFFF"/>
+                </a:highlight>
+                <a:latin typeface="新宋体" panose="02010609030101010101" pitchFamily="49" charset="-122"/>
+                <a:ea typeface="新宋体" panose="02010609030101010101" pitchFamily="49" charset="-122"/>
+              </a:rPr>
+              <a:t>(&amp;</a:t>
+            </a:r>
+            <a:r>
+              <a:rPr lang="en-US" altLang="zh-CN" dirty="0">
+                <a:solidFill>
+                  <a:srgbClr val="2B91AF"/>
+                </a:solidFill>
+                <a:highlight>
+                  <a:srgbClr val="FFFFFF"/>
+                </a:highlight>
+                <a:latin typeface="新宋体" panose="02010609030101010101" pitchFamily="49" charset="-122"/>
+                <a:ea typeface="新宋体" panose="02010609030101010101" pitchFamily="49" charset="-122"/>
+              </a:rPr>
+              <a:t>Aggregate</a:t>
+            </a:r>
+            <a:r>
+              <a:rPr lang="en-US" altLang="zh-CN" dirty="0">
+                <a:solidFill>
+                  <a:srgbClr val="000000"/>
+                </a:solidFill>
+                <a:highlight>
+                  <a:srgbClr val="FFFFFF"/>
+                </a:highlight>
+                <a:latin typeface="新宋体" panose="02010609030101010101" pitchFamily="49" charset="-122"/>
+                <a:ea typeface="新宋体" panose="02010609030101010101" pitchFamily="49" charset="-122"/>
+              </a:rPr>
+              <a:t>::member1), &amp;</a:t>
+            </a:r>
+            <a:r>
+              <a:rPr lang="en-US" altLang="zh-CN" dirty="0">
+                <a:solidFill>
+                  <a:srgbClr val="2B91AF"/>
+                </a:solidFill>
+                <a:highlight>
+                  <a:srgbClr val="FFFFFF"/>
+                </a:highlight>
+                <a:latin typeface="新宋体" panose="02010609030101010101" pitchFamily="49" charset="-122"/>
+                <a:ea typeface="新宋体" panose="02010609030101010101" pitchFamily="49" charset="-122"/>
+              </a:rPr>
+              <a:t>Aggregate</a:t>
+            </a:r>
+            <a:r>
+              <a:rPr lang="en-US" altLang="zh-CN" dirty="0">
+                <a:solidFill>
+                  <a:srgbClr val="000000"/>
+                </a:solidFill>
+                <a:highlight>
+                  <a:srgbClr val="FFFFFF"/>
+                </a:highlight>
+                <a:latin typeface="新宋体" panose="02010609030101010101" pitchFamily="49" charset="-122"/>
+                <a:ea typeface="新宋体" panose="02010609030101010101" pitchFamily="49" charset="-122"/>
+              </a:rPr>
+              <a:t>::member1, 0  &gt;,</a:t>
+            </a:r>
+          </a:p>
+          <a:p>
+            <a:r>
+              <a:rPr lang="en-US" altLang="zh-CN" dirty="0" smtClean="0">
+                <a:solidFill>
+                  <a:srgbClr val="2B91AF"/>
+                </a:solidFill>
+                <a:highlight>
+                  <a:srgbClr val="FFFFFF"/>
+                </a:highlight>
+                <a:latin typeface="新宋体" panose="02010609030101010101" pitchFamily="49" charset="-122"/>
+                <a:ea typeface="新宋体" panose="02010609030101010101" pitchFamily="49" charset="-122"/>
+              </a:rPr>
+              <a:t>        </a:t>
+            </a:r>
+            <a:r>
+              <a:rPr lang="en-US" altLang="zh-CN" dirty="0" err="1" smtClean="0">
+                <a:solidFill>
+                  <a:srgbClr val="2B91AF"/>
+                </a:solidFill>
+                <a:highlight>
+                  <a:srgbClr val="FFFFFF"/>
+                </a:highlight>
+                <a:latin typeface="新宋体" panose="02010609030101010101" pitchFamily="49" charset="-122"/>
+                <a:ea typeface="新宋体" panose="02010609030101010101" pitchFamily="49" charset="-122"/>
+              </a:rPr>
+              <a:t>MemberBinding</a:t>
+            </a:r>
+            <a:r>
+              <a:rPr lang="en-US" altLang="zh-CN" dirty="0" smtClean="0">
+                <a:solidFill>
+                  <a:srgbClr val="000000"/>
+                </a:solidFill>
+                <a:highlight>
+                  <a:srgbClr val="FFFFFF"/>
+                </a:highlight>
+                <a:latin typeface="新宋体" panose="02010609030101010101" pitchFamily="49" charset="-122"/>
+                <a:ea typeface="新宋体" panose="02010609030101010101" pitchFamily="49" charset="-122"/>
+              </a:rPr>
+              <a:t>&lt;</a:t>
+            </a:r>
+            <a:r>
+              <a:rPr lang="en-US" altLang="zh-CN" dirty="0" err="1" smtClean="0">
+                <a:solidFill>
+                  <a:srgbClr val="0000FF"/>
+                </a:solidFill>
+                <a:highlight>
+                  <a:srgbClr val="FFFFFF"/>
+                </a:highlight>
+                <a:latin typeface="新宋体" panose="02010609030101010101" pitchFamily="49" charset="-122"/>
+                <a:ea typeface="新宋体" panose="02010609030101010101" pitchFamily="49" charset="-122"/>
+              </a:rPr>
+              <a:t>decltype</a:t>
+            </a:r>
+            <a:r>
+              <a:rPr lang="en-US" altLang="zh-CN" dirty="0">
+                <a:solidFill>
+                  <a:srgbClr val="000000"/>
+                </a:solidFill>
+                <a:highlight>
+                  <a:srgbClr val="FFFFFF"/>
+                </a:highlight>
+                <a:latin typeface="新宋体" panose="02010609030101010101" pitchFamily="49" charset="-122"/>
+                <a:ea typeface="新宋体" panose="02010609030101010101" pitchFamily="49" charset="-122"/>
+              </a:rPr>
+              <a:t>(&amp;</a:t>
+            </a:r>
+            <a:r>
+              <a:rPr lang="en-US" altLang="zh-CN" dirty="0">
+                <a:solidFill>
+                  <a:srgbClr val="2B91AF"/>
+                </a:solidFill>
+                <a:highlight>
+                  <a:srgbClr val="FFFFFF"/>
+                </a:highlight>
+                <a:latin typeface="新宋体" panose="02010609030101010101" pitchFamily="49" charset="-122"/>
+                <a:ea typeface="新宋体" panose="02010609030101010101" pitchFamily="49" charset="-122"/>
+              </a:rPr>
+              <a:t>Aggregate</a:t>
+            </a:r>
+            <a:r>
+              <a:rPr lang="en-US" altLang="zh-CN" dirty="0">
+                <a:solidFill>
+                  <a:srgbClr val="000000"/>
+                </a:solidFill>
+                <a:highlight>
+                  <a:srgbClr val="FFFFFF"/>
+                </a:highlight>
+                <a:latin typeface="新宋体" panose="02010609030101010101" pitchFamily="49" charset="-122"/>
+                <a:ea typeface="新宋体" panose="02010609030101010101" pitchFamily="49" charset="-122"/>
+              </a:rPr>
+              <a:t>::member2), &amp;</a:t>
+            </a:r>
+            <a:r>
+              <a:rPr lang="en-US" altLang="zh-CN" dirty="0">
+                <a:solidFill>
+                  <a:srgbClr val="2B91AF"/>
+                </a:solidFill>
+                <a:highlight>
+                  <a:srgbClr val="FFFFFF"/>
+                </a:highlight>
+                <a:latin typeface="新宋体" panose="02010609030101010101" pitchFamily="49" charset="-122"/>
+                <a:ea typeface="新宋体" panose="02010609030101010101" pitchFamily="49" charset="-122"/>
+              </a:rPr>
+              <a:t>Aggregate</a:t>
+            </a:r>
+            <a:r>
+              <a:rPr lang="en-US" altLang="zh-CN" dirty="0">
+                <a:solidFill>
+                  <a:srgbClr val="000000"/>
+                </a:solidFill>
+                <a:highlight>
+                  <a:srgbClr val="FFFFFF"/>
+                </a:highlight>
+                <a:latin typeface="新宋体" panose="02010609030101010101" pitchFamily="49" charset="-122"/>
+                <a:ea typeface="新宋体" panose="02010609030101010101" pitchFamily="49" charset="-122"/>
+              </a:rPr>
+              <a:t>::member2, 1  &gt;</a:t>
+            </a:r>
+          </a:p>
+          <a:p>
+            <a:r>
+              <a:rPr lang="en-US" altLang="zh-CN" dirty="0" smtClean="0">
+                <a:solidFill>
+                  <a:srgbClr val="000000"/>
+                </a:solidFill>
+                <a:highlight>
+                  <a:srgbClr val="FFFFFF"/>
+                </a:highlight>
+                <a:latin typeface="新宋体" panose="02010609030101010101" pitchFamily="49" charset="-122"/>
+                <a:ea typeface="新宋体" panose="02010609030101010101" pitchFamily="49" charset="-122"/>
+              </a:rPr>
+              <a:t>    &gt;;</a:t>
+            </a:r>
+          </a:p>
+          <a:p>
+            <a:endParaRPr lang="en-US" altLang="zh-CN" dirty="0">
+              <a:solidFill>
+                <a:srgbClr val="000000"/>
+              </a:solidFill>
+              <a:highlight>
+                <a:srgbClr val="FFFFFF"/>
+              </a:highlight>
+              <a:latin typeface="新宋体" panose="02010609030101010101" pitchFamily="49" charset="-122"/>
+              <a:ea typeface="新宋体" panose="02010609030101010101" pitchFamily="49" charset="-122"/>
+            </a:endParaRPr>
+          </a:p>
+          <a:p>
+            <a:r>
+              <a:rPr lang="en-US" altLang="zh-CN" dirty="0" smtClean="0">
+                <a:solidFill>
+                  <a:srgbClr val="0000FF"/>
+                </a:solidFill>
+                <a:highlight>
+                  <a:srgbClr val="FFFFFF"/>
+                </a:highlight>
+                <a:latin typeface="新宋体" panose="02010609030101010101" pitchFamily="49" charset="-122"/>
+                <a:ea typeface="新宋体" panose="02010609030101010101" pitchFamily="49" charset="-122"/>
+              </a:rPr>
+              <a:t>    </a:t>
+            </a:r>
+            <a:r>
+              <a:rPr lang="en-US" altLang="zh-CN" dirty="0" err="1" smtClean="0">
+                <a:solidFill>
+                  <a:srgbClr val="0000FF"/>
+                </a:solidFill>
+                <a:highlight>
+                  <a:srgbClr val="FFFFFF"/>
+                </a:highlight>
+                <a:latin typeface="新宋体" panose="02010609030101010101" pitchFamily="49" charset="-122"/>
+                <a:ea typeface="新宋体" panose="02010609030101010101" pitchFamily="49" charset="-122"/>
+              </a:rPr>
+              <a:t>constexpr</a:t>
+            </a:r>
+            <a:r>
+              <a:rPr lang="en-US" altLang="zh-CN" dirty="0" smtClean="0">
+                <a:solidFill>
+                  <a:srgbClr val="000000"/>
+                </a:solidFill>
+                <a:highlight>
+                  <a:srgbClr val="FFFFFF"/>
+                </a:highlight>
+                <a:latin typeface="新宋体" panose="02010609030101010101" pitchFamily="49" charset="-122"/>
+                <a:ea typeface="新宋体" panose="02010609030101010101" pitchFamily="49" charset="-122"/>
+              </a:rPr>
+              <a:t> </a:t>
+            </a:r>
+            <a:r>
+              <a:rPr lang="en-US" altLang="zh-CN" dirty="0">
+                <a:solidFill>
+                  <a:srgbClr val="0000FF"/>
+                </a:solidFill>
+                <a:highlight>
+                  <a:srgbClr val="FFFFFF"/>
+                </a:highlight>
+                <a:latin typeface="新宋体" panose="02010609030101010101" pitchFamily="49" charset="-122"/>
+                <a:ea typeface="新宋体" panose="02010609030101010101" pitchFamily="49" charset="-122"/>
+              </a:rPr>
+              <a:t>static</a:t>
+            </a:r>
+            <a:r>
+              <a:rPr lang="en-US" altLang="zh-CN" dirty="0">
+                <a:solidFill>
+                  <a:srgbClr val="000000"/>
+                </a:solidFill>
+                <a:highlight>
+                  <a:srgbClr val="FFFFFF"/>
+                </a:highlight>
+                <a:latin typeface="新宋体" panose="02010609030101010101" pitchFamily="49" charset="-122"/>
+                <a:ea typeface="新宋体" panose="02010609030101010101" pitchFamily="49" charset="-122"/>
+              </a:rPr>
+              <a:t> </a:t>
+            </a:r>
+            <a:r>
+              <a:rPr lang="en-US" altLang="zh-CN" dirty="0" err="1">
+                <a:solidFill>
+                  <a:srgbClr val="0000FF"/>
+                </a:solidFill>
+                <a:highlight>
+                  <a:srgbClr val="FFFFFF"/>
+                </a:highlight>
+                <a:latin typeface="新宋体" panose="02010609030101010101" pitchFamily="49" charset="-122"/>
+                <a:ea typeface="新宋体" panose="02010609030101010101" pitchFamily="49" charset="-122"/>
+              </a:rPr>
+              <a:t>const</a:t>
+            </a:r>
+            <a:r>
+              <a:rPr lang="en-US" altLang="zh-CN" dirty="0">
+                <a:solidFill>
+                  <a:srgbClr val="000000"/>
+                </a:solidFill>
+                <a:highlight>
+                  <a:srgbClr val="FFFFFF"/>
+                </a:highlight>
+                <a:latin typeface="新宋体" panose="02010609030101010101" pitchFamily="49" charset="-122"/>
+                <a:ea typeface="新宋体" panose="02010609030101010101" pitchFamily="49" charset="-122"/>
+              </a:rPr>
+              <a:t> </a:t>
+            </a:r>
+            <a:r>
+              <a:rPr lang="en-US" altLang="zh-CN" dirty="0">
+                <a:solidFill>
+                  <a:srgbClr val="0000FF"/>
+                </a:solidFill>
+                <a:highlight>
+                  <a:srgbClr val="FFFFFF"/>
+                </a:highlight>
+                <a:latin typeface="新宋体" panose="02010609030101010101" pitchFamily="49" charset="-122"/>
+                <a:ea typeface="新宋体" panose="02010609030101010101" pitchFamily="49" charset="-122"/>
+              </a:rPr>
+              <a:t>char</a:t>
+            </a:r>
+            <a:r>
+              <a:rPr lang="en-US" altLang="zh-CN" dirty="0">
+                <a:solidFill>
+                  <a:srgbClr val="000000"/>
+                </a:solidFill>
+                <a:highlight>
+                  <a:srgbClr val="FFFFFF"/>
+                </a:highlight>
+                <a:latin typeface="新宋体" panose="02010609030101010101" pitchFamily="49" charset="-122"/>
+                <a:ea typeface="新宋体" panose="02010609030101010101" pitchFamily="49" charset="-122"/>
+              </a:rPr>
+              <a:t> *name = </a:t>
+            </a:r>
+            <a:r>
+              <a:rPr lang="en-US" altLang="zh-CN" dirty="0">
+                <a:solidFill>
+                  <a:srgbClr val="A31515"/>
+                </a:solidFill>
+                <a:highlight>
+                  <a:srgbClr val="FFFFFF"/>
+                </a:highlight>
+                <a:latin typeface="新宋体" panose="02010609030101010101" pitchFamily="49" charset="-122"/>
+                <a:ea typeface="新宋体" panose="02010609030101010101" pitchFamily="49" charset="-122"/>
+              </a:rPr>
+              <a:t>"Aggregate</a:t>
+            </a:r>
+            <a:r>
+              <a:rPr lang="en-US" altLang="zh-CN" dirty="0" smtClean="0">
+                <a:solidFill>
+                  <a:srgbClr val="A31515"/>
+                </a:solidFill>
+                <a:highlight>
+                  <a:srgbClr val="FFFFFF"/>
+                </a:highlight>
+                <a:latin typeface="新宋体" panose="02010609030101010101" pitchFamily="49" charset="-122"/>
+                <a:ea typeface="新宋体" panose="02010609030101010101" pitchFamily="49" charset="-122"/>
+              </a:rPr>
+              <a:t>"</a:t>
+            </a:r>
+            <a:r>
+              <a:rPr lang="en-US" altLang="zh-CN" dirty="0" smtClean="0">
+                <a:solidFill>
+                  <a:srgbClr val="000000"/>
+                </a:solidFill>
+                <a:highlight>
+                  <a:srgbClr val="FFFFFF"/>
+                </a:highlight>
+                <a:latin typeface="新宋体" panose="02010609030101010101" pitchFamily="49" charset="-122"/>
+                <a:ea typeface="新宋体" panose="02010609030101010101" pitchFamily="49" charset="-122"/>
+              </a:rPr>
+              <a:t>;</a:t>
+            </a:r>
+          </a:p>
+          <a:p>
+            <a:endParaRPr lang="en-US" altLang="zh-CN" dirty="0">
+              <a:solidFill>
+                <a:srgbClr val="000000"/>
+              </a:solidFill>
+              <a:highlight>
+                <a:srgbClr val="FFFFFF"/>
+              </a:highlight>
+              <a:latin typeface="新宋体" panose="02010609030101010101" pitchFamily="49" charset="-122"/>
+              <a:ea typeface="新宋体" panose="02010609030101010101" pitchFamily="49" charset="-122"/>
+            </a:endParaRPr>
+          </a:p>
+          <a:p>
+            <a:r>
+              <a:rPr lang="en-US" altLang="zh-CN" dirty="0" smtClean="0">
+                <a:solidFill>
+                  <a:srgbClr val="0000FF"/>
+                </a:solidFill>
+                <a:highlight>
+                  <a:srgbClr val="FFFFFF"/>
+                </a:highlight>
+                <a:latin typeface="新宋体" panose="02010609030101010101" pitchFamily="49" charset="-122"/>
+                <a:ea typeface="新宋体" panose="02010609030101010101" pitchFamily="49" charset="-122"/>
+              </a:rPr>
+              <a:t>    static</a:t>
+            </a:r>
+            <a:r>
+              <a:rPr lang="en-US" altLang="zh-CN" dirty="0" smtClean="0">
+                <a:solidFill>
+                  <a:srgbClr val="000000"/>
+                </a:solidFill>
+                <a:highlight>
+                  <a:srgbClr val="FFFFFF"/>
+                </a:highlight>
+                <a:latin typeface="新宋体" panose="02010609030101010101" pitchFamily="49" charset="-122"/>
+                <a:ea typeface="新宋体" panose="02010609030101010101" pitchFamily="49" charset="-122"/>
+              </a:rPr>
+              <a:t> </a:t>
+            </a:r>
+            <a:r>
+              <a:rPr lang="en-US" altLang="zh-CN" dirty="0" err="1">
+                <a:solidFill>
+                  <a:srgbClr val="0000FF"/>
+                </a:solidFill>
+                <a:highlight>
+                  <a:srgbClr val="FFFFFF"/>
+                </a:highlight>
+                <a:latin typeface="新宋体" panose="02010609030101010101" pitchFamily="49" charset="-122"/>
+                <a:ea typeface="新宋体" panose="02010609030101010101" pitchFamily="49" charset="-122"/>
+              </a:rPr>
+              <a:t>const</a:t>
+            </a:r>
+            <a:r>
+              <a:rPr lang="en-US" altLang="zh-CN" dirty="0">
+                <a:solidFill>
+                  <a:srgbClr val="000000"/>
+                </a:solidFill>
+                <a:highlight>
+                  <a:srgbClr val="FFFFFF"/>
+                </a:highlight>
+                <a:latin typeface="新宋体" panose="02010609030101010101" pitchFamily="49" charset="-122"/>
+                <a:ea typeface="新宋体" panose="02010609030101010101" pitchFamily="49" charset="-122"/>
+              </a:rPr>
+              <a:t> </a:t>
+            </a:r>
+            <a:r>
+              <a:rPr lang="en-US" altLang="zh-CN" dirty="0">
+                <a:solidFill>
+                  <a:srgbClr val="0000FF"/>
+                </a:solidFill>
+                <a:highlight>
+                  <a:srgbClr val="FFFFFF"/>
+                </a:highlight>
+                <a:latin typeface="新宋体" panose="02010609030101010101" pitchFamily="49" charset="-122"/>
+                <a:ea typeface="新宋体" panose="02010609030101010101" pitchFamily="49" charset="-122"/>
+              </a:rPr>
+              <a:t>char</a:t>
+            </a:r>
+            <a:r>
+              <a:rPr lang="en-US" altLang="zh-CN" dirty="0">
+                <a:solidFill>
+                  <a:srgbClr val="000000"/>
+                </a:solidFill>
+                <a:highlight>
+                  <a:srgbClr val="FFFFFF"/>
+                </a:highlight>
+                <a:latin typeface="新宋体" panose="02010609030101010101" pitchFamily="49" charset="-122"/>
+                <a:ea typeface="新宋体" panose="02010609030101010101" pitchFamily="49" charset="-122"/>
+              </a:rPr>
+              <a:t> *</a:t>
+            </a:r>
+            <a:r>
+              <a:rPr lang="en-US" altLang="zh-CN" dirty="0" err="1">
+                <a:solidFill>
+                  <a:srgbClr val="0000FF"/>
+                </a:solidFill>
+                <a:highlight>
+                  <a:srgbClr val="FFFFFF"/>
+                </a:highlight>
+                <a:latin typeface="新宋体" panose="02010609030101010101" pitchFamily="49" charset="-122"/>
+                <a:ea typeface="新宋体" panose="02010609030101010101" pitchFamily="49" charset="-122"/>
+              </a:rPr>
+              <a:t>const</a:t>
+            </a:r>
+            <a:r>
+              <a:rPr lang="en-US" altLang="zh-CN" dirty="0">
+                <a:solidFill>
+                  <a:srgbClr val="000000"/>
+                </a:solidFill>
+                <a:highlight>
+                  <a:srgbClr val="FFFFFF"/>
+                </a:highlight>
+                <a:latin typeface="新宋体" panose="02010609030101010101" pitchFamily="49" charset="-122"/>
+                <a:ea typeface="新宋体" panose="02010609030101010101" pitchFamily="49" charset="-122"/>
+              </a:rPr>
+              <a:t> *names() {</a:t>
+            </a:r>
+          </a:p>
+          <a:p>
+            <a:r>
+              <a:rPr lang="en-US" altLang="zh-CN" dirty="0" smtClean="0">
+                <a:solidFill>
+                  <a:srgbClr val="0000FF"/>
+                </a:solidFill>
+                <a:highlight>
+                  <a:srgbClr val="FFFFFF"/>
+                </a:highlight>
+                <a:latin typeface="新宋体" panose="02010609030101010101" pitchFamily="49" charset="-122"/>
+                <a:ea typeface="新宋体" panose="02010609030101010101" pitchFamily="49" charset="-122"/>
+              </a:rPr>
+              <a:t>        static</a:t>
+            </a:r>
+            <a:r>
+              <a:rPr lang="en-US" altLang="zh-CN" dirty="0" smtClean="0">
+                <a:solidFill>
+                  <a:srgbClr val="000000"/>
+                </a:solidFill>
+                <a:highlight>
+                  <a:srgbClr val="FFFFFF"/>
+                </a:highlight>
+                <a:latin typeface="新宋体" panose="02010609030101010101" pitchFamily="49" charset="-122"/>
+                <a:ea typeface="新宋体" panose="02010609030101010101" pitchFamily="49" charset="-122"/>
+              </a:rPr>
+              <a:t> </a:t>
+            </a:r>
+            <a:r>
+              <a:rPr lang="en-US" altLang="zh-CN" dirty="0" err="1">
+                <a:solidFill>
+                  <a:srgbClr val="0000FF"/>
+                </a:solidFill>
+                <a:highlight>
+                  <a:srgbClr val="FFFFFF"/>
+                </a:highlight>
+                <a:latin typeface="新宋体" panose="02010609030101010101" pitchFamily="49" charset="-122"/>
+                <a:ea typeface="新宋体" panose="02010609030101010101" pitchFamily="49" charset="-122"/>
+              </a:rPr>
+              <a:t>const</a:t>
+            </a:r>
+            <a:r>
+              <a:rPr lang="en-US" altLang="zh-CN" dirty="0">
+                <a:solidFill>
+                  <a:srgbClr val="000000"/>
+                </a:solidFill>
+                <a:highlight>
+                  <a:srgbClr val="FFFFFF"/>
+                </a:highlight>
+                <a:latin typeface="新宋体" panose="02010609030101010101" pitchFamily="49" charset="-122"/>
+                <a:ea typeface="新宋体" panose="02010609030101010101" pitchFamily="49" charset="-122"/>
+              </a:rPr>
+              <a:t> </a:t>
+            </a:r>
+            <a:r>
+              <a:rPr lang="en-US" altLang="zh-CN" dirty="0">
+                <a:solidFill>
+                  <a:srgbClr val="0000FF"/>
+                </a:solidFill>
+                <a:highlight>
+                  <a:srgbClr val="FFFFFF"/>
+                </a:highlight>
+                <a:latin typeface="新宋体" panose="02010609030101010101" pitchFamily="49" charset="-122"/>
+                <a:ea typeface="新宋体" panose="02010609030101010101" pitchFamily="49" charset="-122"/>
+              </a:rPr>
+              <a:t>char</a:t>
+            </a:r>
+            <a:r>
+              <a:rPr lang="en-US" altLang="zh-CN" dirty="0">
+                <a:solidFill>
+                  <a:srgbClr val="000000"/>
+                </a:solidFill>
+                <a:highlight>
+                  <a:srgbClr val="FFFFFF"/>
+                </a:highlight>
+                <a:latin typeface="新宋体" panose="02010609030101010101" pitchFamily="49" charset="-122"/>
+                <a:ea typeface="新宋体" panose="02010609030101010101" pitchFamily="49" charset="-122"/>
+              </a:rPr>
+              <a:t> *</a:t>
+            </a:r>
+            <a:r>
+              <a:rPr lang="en-US" altLang="zh-CN" dirty="0" err="1">
+                <a:solidFill>
+                  <a:srgbClr val="000000"/>
+                </a:solidFill>
+                <a:highlight>
+                  <a:srgbClr val="FFFFFF"/>
+                </a:highlight>
+                <a:latin typeface="新宋体" panose="02010609030101010101" pitchFamily="49" charset="-122"/>
+                <a:ea typeface="新宋体" panose="02010609030101010101" pitchFamily="49" charset="-122"/>
+              </a:rPr>
+              <a:t>rv</a:t>
+            </a:r>
+            <a:r>
+              <a:rPr lang="en-US" altLang="zh-CN" dirty="0">
+                <a:solidFill>
+                  <a:srgbClr val="000000"/>
+                </a:solidFill>
+                <a:highlight>
+                  <a:srgbClr val="FFFFFF"/>
+                </a:highlight>
+                <a:latin typeface="新宋体" panose="02010609030101010101" pitchFamily="49" charset="-122"/>
+                <a:ea typeface="新宋体" panose="02010609030101010101" pitchFamily="49" charset="-122"/>
+              </a:rPr>
+              <a:t>[] = { </a:t>
+            </a:r>
+            <a:r>
+              <a:rPr lang="en-US" altLang="zh-CN" dirty="0">
+                <a:solidFill>
+                  <a:srgbClr val="A31515"/>
+                </a:solidFill>
+                <a:highlight>
+                  <a:srgbClr val="FFFFFF"/>
+                </a:highlight>
+                <a:latin typeface="新宋体" panose="02010609030101010101" pitchFamily="49" charset="-122"/>
+                <a:ea typeface="新宋体" panose="02010609030101010101" pitchFamily="49" charset="-122"/>
+              </a:rPr>
+              <a:t>"member1"</a:t>
+            </a:r>
+            <a:r>
+              <a:rPr lang="en-US" altLang="zh-CN" dirty="0">
+                <a:solidFill>
+                  <a:srgbClr val="000000"/>
+                </a:solidFill>
+                <a:highlight>
+                  <a:srgbClr val="FFFFFF"/>
+                </a:highlight>
+                <a:latin typeface="新宋体" panose="02010609030101010101" pitchFamily="49" charset="-122"/>
+                <a:ea typeface="新宋体" panose="02010609030101010101" pitchFamily="49" charset="-122"/>
+              </a:rPr>
+              <a:t>, </a:t>
+            </a:r>
+            <a:r>
+              <a:rPr lang="en-US" altLang="zh-CN" dirty="0">
+                <a:solidFill>
+                  <a:srgbClr val="A31515"/>
+                </a:solidFill>
+                <a:highlight>
+                  <a:srgbClr val="FFFFFF"/>
+                </a:highlight>
+                <a:latin typeface="新宋体" panose="02010609030101010101" pitchFamily="49" charset="-122"/>
+                <a:ea typeface="新宋体" panose="02010609030101010101" pitchFamily="49" charset="-122"/>
+              </a:rPr>
+              <a:t>"member2"</a:t>
+            </a:r>
+            <a:r>
+              <a:rPr lang="en-US" altLang="zh-CN" dirty="0">
+                <a:solidFill>
+                  <a:srgbClr val="000000"/>
+                </a:solidFill>
+                <a:highlight>
+                  <a:srgbClr val="FFFFFF"/>
+                </a:highlight>
+                <a:latin typeface="新宋体" panose="02010609030101010101" pitchFamily="49" charset="-122"/>
+                <a:ea typeface="新宋体" panose="02010609030101010101" pitchFamily="49" charset="-122"/>
+              </a:rPr>
+              <a:t> };</a:t>
+            </a:r>
+          </a:p>
+          <a:p>
+            <a:r>
+              <a:rPr lang="en-US" altLang="zh-CN" dirty="0" smtClean="0">
+                <a:solidFill>
+                  <a:srgbClr val="0000FF"/>
+                </a:solidFill>
+                <a:highlight>
+                  <a:srgbClr val="FFFFFF"/>
+                </a:highlight>
+                <a:latin typeface="新宋体" panose="02010609030101010101" pitchFamily="49" charset="-122"/>
+                <a:ea typeface="新宋体" panose="02010609030101010101" pitchFamily="49" charset="-122"/>
+              </a:rPr>
+              <a:t>        return</a:t>
+            </a:r>
+            <a:r>
+              <a:rPr lang="en-US" altLang="zh-CN" dirty="0" smtClean="0">
+                <a:solidFill>
+                  <a:srgbClr val="000000"/>
+                </a:solidFill>
+                <a:highlight>
+                  <a:srgbClr val="FFFFFF"/>
+                </a:highlight>
+                <a:latin typeface="新宋体" panose="02010609030101010101" pitchFamily="49" charset="-122"/>
+                <a:ea typeface="新宋体" panose="02010609030101010101" pitchFamily="49" charset="-122"/>
+              </a:rPr>
+              <a:t> </a:t>
+            </a:r>
+            <a:r>
+              <a:rPr lang="en-US" altLang="zh-CN" dirty="0" err="1">
+                <a:solidFill>
+                  <a:srgbClr val="000000"/>
+                </a:solidFill>
+                <a:highlight>
+                  <a:srgbClr val="FFFFFF"/>
+                </a:highlight>
+                <a:latin typeface="新宋体" panose="02010609030101010101" pitchFamily="49" charset="-122"/>
+                <a:ea typeface="新宋体" panose="02010609030101010101" pitchFamily="49" charset="-122"/>
+              </a:rPr>
+              <a:t>rv</a:t>
+            </a:r>
+            <a:r>
+              <a:rPr lang="en-US" altLang="zh-CN" dirty="0">
+                <a:solidFill>
+                  <a:srgbClr val="000000"/>
+                </a:solidFill>
+                <a:highlight>
+                  <a:srgbClr val="FFFFFF"/>
+                </a:highlight>
+                <a:latin typeface="新宋体" panose="02010609030101010101" pitchFamily="49" charset="-122"/>
+                <a:ea typeface="新宋体" panose="02010609030101010101" pitchFamily="49" charset="-122"/>
+              </a:rPr>
+              <a:t>;</a:t>
+            </a:r>
+          </a:p>
+          <a:p>
+            <a:r>
+              <a:rPr lang="en-US" altLang="zh-CN" dirty="0" smtClean="0">
+                <a:solidFill>
+                  <a:srgbClr val="000000"/>
+                </a:solidFill>
+                <a:highlight>
+                  <a:srgbClr val="FFFFFF"/>
+                </a:highlight>
+                <a:latin typeface="新宋体" panose="02010609030101010101" pitchFamily="49" charset="-122"/>
+                <a:ea typeface="新宋体" panose="02010609030101010101" pitchFamily="49" charset="-122"/>
+              </a:rPr>
+              <a:t>    }</a:t>
+            </a:r>
+            <a:endParaRPr lang="en-US" altLang="zh-CN" dirty="0">
+              <a:solidFill>
+                <a:srgbClr val="000000"/>
+              </a:solidFill>
+              <a:highlight>
+                <a:srgbClr val="FFFFFF"/>
+              </a:highlight>
+              <a:latin typeface="新宋体" panose="02010609030101010101" pitchFamily="49" charset="-122"/>
+              <a:ea typeface="新宋体" panose="02010609030101010101" pitchFamily="49" charset="-122"/>
+            </a:endParaRPr>
+          </a:p>
+          <a:p>
+            <a:r>
+              <a:rPr lang="en-US" altLang="zh-CN" dirty="0">
+                <a:solidFill>
+                  <a:srgbClr val="000000"/>
+                </a:solidFill>
+                <a:highlight>
+                  <a:srgbClr val="FFFFFF"/>
+                </a:highlight>
+                <a:latin typeface="新宋体" panose="02010609030101010101" pitchFamily="49" charset="-122"/>
+                <a:ea typeface="新宋体" panose="02010609030101010101" pitchFamily="49" charset="-122"/>
+              </a:rPr>
+              <a:t>};</a:t>
             </a:r>
             <a:endParaRPr lang="zh-CN" altLang="en-US" dirty="0"/>
           </a:p>
@@ -13160,53 +15223,522 @@
       </p:sp>
       <p:sp>
         <p:nvSpPr>
-          <p:cNvPr id="3" name="内容占位符 2"/>
-          <p:cNvSpPr>
-            <a:spLocks noGrp="1"/>
-          </p:cNvSpPr>
-          <p:nvPr>
-            <p:ph idx="1"/>
-          </p:nvPr>
+          <p:cNvPr id="6" name="矩形 5"/>
+          <p:cNvSpPr/>
+          <p:nvPr/>
         </p:nvSpPr>
-        <p:spPr/>
+        <p:spPr>
+          <a:xfrm>
+            <a:off x="4637577" y="1666257"/>
+            <a:ext cx="1127232" cy="338554"/>
+          </a:xfrm>
+          <a:prstGeom prst="rect">
+            <a:avLst/>
+          </a:prstGeom>
+        </p:spPr>
         <p:txBody>
-          <a:bodyPr/>
+          <a:bodyPr wrap="none">
+            <a:spAutoFit/>
+          </a:bodyPr>
           <a:lstStyle/>
           <a:p>
             <a:r>
-              <a:rPr lang="en-US" altLang="zh-CN" dirty="0" smtClean="0"/>
-              <a:t>concepts of reflection</a:t>
-            </a:r>
-          </a:p>
-          <a:p>
-            <a:r>
-              <a:rPr lang="en-US" altLang="zh-CN" dirty="0"/>
-              <a:t>implementation of compile-time </a:t>
-            </a:r>
-            <a:r>
-              <a:rPr lang="en-US" altLang="zh-CN" dirty="0" smtClean="0"/>
-              <a:t>reflection</a:t>
-            </a:r>
-          </a:p>
-          <a:p>
-            <a:r>
-              <a:rPr lang="en-US" altLang="zh-CN" b="1" dirty="0" smtClean="0"/>
-              <a:t>application of compile-time reflection</a:t>
-            </a:r>
-          </a:p>
-          <a:p>
-            <a:r>
-              <a:rPr lang="en-US" altLang="zh-CN" dirty="0" smtClean="0"/>
-              <a:t>prospect</a:t>
-            </a:r>
-            <a:endParaRPr lang="zh-CN" altLang="en-US" dirty="0"/>
+              <a:rPr lang="en-US" altLang="zh-CN" sz="1600" dirty="0" smtClean="0">
+                <a:solidFill>
+                  <a:srgbClr val="FF0000"/>
+                </a:solidFill>
+              </a:rPr>
+              <a:t>object type</a:t>
+            </a:r>
+            <a:endParaRPr lang="zh-CN" altLang="en-US" sz="1600" dirty="0">
+              <a:solidFill>
+                <a:srgbClr val="FF0000"/>
+              </a:solidFill>
+            </a:endParaRPr>
+          </a:p>
+        </p:txBody>
+      </p:sp>
+      <p:sp>
+        <p:nvSpPr>
+          <p:cNvPr id="7" name="矩形 6"/>
+          <p:cNvSpPr/>
+          <p:nvPr/>
+        </p:nvSpPr>
+        <p:spPr>
+          <a:xfrm>
+            <a:off x="5429267" y="2103392"/>
+            <a:ext cx="1048685" cy="338554"/>
+          </a:xfrm>
+          <a:prstGeom prst="rect">
+            <a:avLst/>
+          </a:prstGeom>
+        </p:spPr>
+        <p:txBody>
+          <a:bodyPr wrap="none">
+            <a:spAutoFit/>
+          </a:bodyPr>
+          <a:lstStyle/>
+          <a:p>
+            <a:r>
+              <a:rPr lang="en-US" altLang="zh-CN" sz="1600" dirty="0" smtClean="0">
+                <a:solidFill>
+                  <a:srgbClr val="FF0000"/>
+                </a:solidFill>
+              </a:rPr>
+              <a:t>fields type</a:t>
+            </a:r>
+            <a:endParaRPr lang="zh-CN" altLang="en-US" sz="1600" dirty="0">
+              <a:solidFill>
+                <a:srgbClr val="FF0000"/>
+              </a:solidFill>
+            </a:endParaRPr>
+          </a:p>
+        </p:txBody>
+      </p:sp>
+      <p:sp>
+        <p:nvSpPr>
+          <p:cNvPr id="8" name="矩形 7"/>
+          <p:cNvSpPr/>
+          <p:nvPr/>
+        </p:nvSpPr>
+        <p:spPr>
+          <a:xfrm>
+            <a:off x="9733328" y="2103392"/>
+            <a:ext cx="1125757" cy="338554"/>
+          </a:xfrm>
+          <a:prstGeom prst="rect">
+            <a:avLst/>
+          </a:prstGeom>
+        </p:spPr>
+        <p:txBody>
+          <a:bodyPr wrap="none">
+            <a:spAutoFit/>
+          </a:bodyPr>
+          <a:lstStyle/>
+          <a:p>
+            <a:r>
+              <a:rPr lang="en-US" altLang="zh-CN" sz="1600" dirty="0" smtClean="0">
+                <a:solidFill>
+                  <a:srgbClr val="FF0000"/>
+                </a:solidFill>
+              </a:rPr>
+              <a:t>fields index</a:t>
+            </a:r>
+            <a:endParaRPr lang="zh-CN" altLang="en-US" sz="1600" dirty="0">
+              <a:solidFill>
+                <a:srgbClr val="FF0000"/>
+              </a:solidFill>
+            </a:endParaRPr>
+          </a:p>
+        </p:txBody>
+      </p:sp>
+      <p:sp>
+        <p:nvSpPr>
+          <p:cNvPr id="9" name="矩形 8"/>
+          <p:cNvSpPr/>
+          <p:nvPr/>
+        </p:nvSpPr>
+        <p:spPr>
+          <a:xfrm>
+            <a:off x="8337925" y="2075489"/>
+            <a:ext cx="1121013" cy="338554"/>
+          </a:xfrm>
+          <a:prstGeom prst="rect">
+            <a:avLst/>
+          </a:prstGeom>
+        </p:spPr>
+        <p:txBody>
+          <a:bodyPr wrap="none">
+            <a:spAutoFit/>
+          </a:bodyPr>
+          <a:lstStyle/>
+          <a:p>
+            <a:r>
+              <a:rPr lang="en-US" altLang="zh-CN" sz="1600" dirty="0" smtClean="0">
+                <a:solidFill>
+                  <a:srgbClr val="FF0000"/>
+                </a:solidFill>
+              </a:rPr>
+              <a:t>fields value</a:t>
+            </a:r>
+            <a:endParaRPr lang="zh-CN" altLang="en-US" sz="1600" dirty="0">
+              <a:solidFill>
+                <a:srgbClr val="FF0000"/>
+              </a:solidFill>
+            </a:endParaRPr>
+          </a:p>
+        </p:txBody>
+      </p:sp>
+      <p:cxnSp>
+        <p:nvCxnSpPr>
+          <p:cNvPr id="10" name="直接箭头连接符 9"/>
+          <p:cNvCxnSpPr/>
+          <p:nvPr/>
+        </p:nvCxnSpPr>
+        <p:spPr>
+          <a:xfrm flipV="1">
+            <a:off x="4309389" y="1949792"/>
+            <a:ext cx="484806" cy="347563"/>
+          </a:xfrm>
+          <a:prstGeom prst="straightConnector1">
+            <a:avLst/>
+          </a:prstGeom>
+          <a:ln w="34925">
+            <a:tailEnd type="triangle"/>
+          </a:ln>
+        </p:spPr>
+        <p:style>
+          <a:lnRef idx="1">
+            <a:schemeClr val="accent1"/>
+          </a:lnRef>
+          <a:fillRef idx="0">
+            <a:schemeClr val="accent1"/>
+          </a:fillRef>
+          <a:effectRef idx="0">
+            <a:schemeClr val="accent1"/>
+          </a:effectRef>
+          <a:fontRef idx="minor">
+            <a:schemeClr val="tx1"/>
+          </a:fontRef>
+        </p:style>
+      </p:cxnSp>
+      <p:cxnSp>
+        <p:nvCxnSpPr>
+          <p:cNvPr id="11" name="直接箭头连接符 10"/>
+          <p:cNvCxnSpPr/>
+          <p:nvPr/>
+        </p:nvCxnSpPr>
+        <p:spPr>
+          <a:xfrm flipV="1">
+            <a:off x="5160747" y="2385393"/>
+            <a:ext cx="419493" cy="389851"/>
+          </a:xfrm>
+          <a:prstGeom prst="straightConnector1">
+            <a:avLst/>
+          </a:prstGeom>
+          <a:ln w="34925">
+            <a:tailEnd type="triangle"/>
+          </a:ln>
+        </p:spPr>
+        <p:style>
+          <a:lnRef idx="1">
+            <a:schemeClr val="accent1"/>
+          </a:lnRef>
+          <a:fillRef idx="0">
+            <a:schemeClr val="accent1"/>
+          </a:fillRef>
+          <a:effectRef idx="0">
+            <a:schemeClr val="accent1"/>
+          </a:effectRef>
+          <a:fontRef idx="minor">
+            <a:schemeClr val="tx1"/>
+          </a:fontRef>
+        </p:style>
+      </p:cxnSp>
+      <p:cxnSp>
+        <p:nvCxnSpPr>
+          <p:cNvPr id="12" name="直接箭头连接符 11"/>
+          <p:cNvCxnSpPr/>
+          <p:nvPr/>
+        </p:nvCxnSpPr>
+        <p:spPr>
+          <a:xfrm flipV="1">
+            <a:off x="8082775" y="2388394"/>
+            <a:ext cx="419493" cy="389851"/>
+          </a:xfrm>
+          <a:prstGeom prst="straightConnector1">
+            <a:avLst/>
+          </a:prstGeom>
+          <a:ln w="34925">
+            <a:tailEnd type="triangle"/>
+          </a:ln>
+        </p:spPr>
+        <p:style>
+          <a:lnRef idx="1">
+            <a:schemeClr val="accent1"/>
+          </a:lnRef>
+          <a:fillRef idx="0">
+            <a:schemeClr val="accent1"/>
+          </a:fillRef>
+          <a:effectRef idx="0">
+            <a:schemeClr val="accent1"/>
+          </a:effectRef>
+          <a:fontRef idx="minor">
+            <a:schemeClr val="tx1"/>
+          </a:fontRef>
+        </p:style>
+      </p:cxnSp>
+      <p:cxnSp>
+        <p:nvCxnSpPr>
+          <p:cNvPr id="13" name="直接箭头连接符 12"/>
+          <p:cNvCxnSpPr/>
+          <p:nvPr/>
+        </p:nvCxnSpPr>
+        <p:spPr>
+          <a:xfrm flipV="1">
+            <a:off x="9464734" y="2388394"/>
+            <a:ext cx="419493" cy="389851"/>
+          </a:xfrm>
+          <a:prstGeom prst="straightConnector1">
+            <a:avLst/>
+          </a:prstGeom>
+          <a:ln w="34925">
+            <a:tailEnd type="triangle"/>
+          </a:ln>
+        </p:spPr>
+        <p:style>
+          <a:lnRef idx="1">
+            <a:schemeClr val="accent1"/>
+          </a:lnRef>
+          <a:fillRef idx="0">
+            <a:schemeClr val="accent1"/>
+          </a:fillRef>
+          <a:effectRef idx="0">
+            <a:schemeClr val="accent1"/>
+          </a:effectRef>
+          <a:fontRef idx="minor">
+            <a:schemeClr val="tx1"/>
+          </a:fontRef>
+        </p:style>
+      </p:cxnSp>
+      <p:sp>
+        <p:nvSpPr>
+          <p:cNvPr id="14" name="圆角矩形 13"/>
+          <p:cNvSpPr/>
+          <p:nvPr/>
+        </p:nvSpPr>
+        <p:spPr>
+          <a:xfrm>
+            <a:off x="3414659" y="2784525"/>
+            <a:ext cx="3325775" cy="606800"/>
+          </a:xfrm>
+          <a:prstGeom prst="roundRect">
+            <a:avLst/>
+          </a:prstGeom>
+          <a:noFill/>
+        </p:spPr>
+        <p:style>
+          <a:lnRef idx="2">
+            <a:schemeClr val="accent1">
+              <a:shade val="50000"/>
+            </a:schemeClr>
+          </a:lnRef>
+          <a:fillRef idx="1">
+            <a:schemeClr val="accent1"/>
+          </a:fillRef>
+          <a:effectRef idx="0">
+            <a:schemeClr val="accent1"/>
+          </a:effectRef>
+          <a:fontRef idx="minor">
+            <a:schemeClr val="lt1"/>
+          </a:fontRef>
+        </p:style>
+        <p:txBody>
+          <a:bodyPr rtlCol="0" anchor="ctr"/>
+          <a:lstStyle/>
+          <a:p>
+            <a:pPr algn="ctr"/>
+            <a:endParaRPr lang="zh-CN" altLang="en-US"/>
+          </a:p>
+        </p:txBody>
+      </p:sp>
+      <p:sp>
+        <p:nvSpPr>
+          <p:cNvPr id="15" name="圆角矩形 14"/>
+          <p:cNvSpPr/>
+          <p:nvPr/>
+        </p:nvSpPr>
+        <p:spPr>
+          <a:xfrm>
+            <a:off x="6945459" y="2780500"/>
+            <a:ext cx="2215957" cy="610825"/>
+          </a:xfrm>
+          <a:prstGeom prst="roundRect">
+            <a:avLst/>
+          </a:prstGeom>
+          <a:noFill/>
+        </p:spPr>
+        <p:style>
+          <a:lnRef idx="2">
+            <a:schemeClr val="accent1">
+              <a:shade val="50000"/>
+            </a:schemeClr>
+          </a:lnRef>
+          <a:fillRef idx="1">
+            <a:schemeClr val="accent1"/>
+          </a:fillRef>
+          <a:effectRef idx="0">
+            <a:schemeClr val="accent1"/>
+          </a:effectRef>
+          <a:fontRef idx="minor">
+            <a:schemeClr val="lt1"/>
+          </a:fontRef>
+        </p:style>
+        <p:txBody>
+          <a:bodyPr rtlCol="0" anchor="ctr"/>
+          <a:lstStyle/>
+          <a:p>
+            <a:pPr algn="ctr"/>
+            <a:endParaRPr lang="zh-CN" altLang="en-US"/>
+          </a:p>
+        </p:txBody>
+      </p:sp>
+      <p:sp>
+        <p:nvSpPr>
+          <p:cNvPr id="16" name="矩形 15"/>
+          <p:cNvSpPr/>
+          <p:nvPr/>
+        </p:nvSpPr>
+        <p:spPr>
+          <a:xfrm>
+            <a:off x="6945459" y="4119240"/>
+            <a:ext cx="1148071" cy="338554"/>
+          </a:xfrm>
+          <a:prstGeom prst="rect">
+            <a:avLst/>
+          </a:prstGeom>
+        </p:spPr>
+        <p:txBody>
+          <a:bodyPr wrap="none">
+            <a:spAutoFit/>
+          </a:bodyPr>
+          <a:lstStyle/>
+          <a:p>
+            <a:r>
+              <a:rPr lang="en-US" altLang="zh-CN" sz="1600" dirty="0" smtClean="0">
+                <a:solidFill>
+                  <a:srgbClr val="FF0000"/>
+                </a:solidFill>
+              </a:rPr>
+              <a:t>fields name</a:t>
+            </a:r>
+            <a:endParaRPr lang="zh-CN" altLang="en-US" sz="1600" dirty="0">
+              <a:solidFill>
+                <a:srgbClr val="FF0000"/>
+              </a:solidFill>
+            </a:endParaRPr>
+          </a:p>
+        </p:txBody>
+      </p:sp>
+      <p:sp>
+        <p:nvSpPr>
+          <p:cNvPr id="17" name="圆角矩形 16"/>
+          <p:cNvSpPr/>
+          <p:nvPr/>
+        </p:nvSpPr>
+        <p:spPr>
+          <a:xfrm>
+            <a:off x="5017894" y="4654957"/>
+            <a:ext cx="2340850" cy="361149"/>
+          </a:xfrm>
+          <a:prstGeom prst="roundRect">
+            <a:avLst/>
+          </a:prstGeom>
+          <a:noFill/>
+        </p:spPr>
+        <p:style>
+          <a:lnRef idx="2">
+            <a:schemeClr val="accent1">
+              <a:shade val="50000"/>
+            </a:schemeClr>
+          </a:lnRef>
+          <a:fillRef idx="1">
+            <a:schemeClr val="accent1"/>
+          </a:fillRef>
+          <a:effectRef idx="0">
+            <a:schemeClr val="accent1"/>
+          </a:effectRef>
+          <a:fontRef idx="minor">
+            <a:schemeClr val="lt1"/>
+          </a:fontRef>
+        </p:style>
+        <p:txBody>
+          <a:bodyPr rtlCol="0" anchor="ctr"/>
+          <a:lstStyle/>
+          <a:p>
+            <a:pPr algn="ctr"/>
+            <a:endParaRPr lang="zh-CN" altLang="en-US"/>
+          </a:p>
+        </p:txBody>
+      </p:sp>
+      <p:cxnSp>
+        <p:nvCxnSpPr>
+          <p:cNvPr id="18" name="直接箭头连接符 17"/>
+          <p:cNvCxnSpPr/>
+          <p:nvPr/>
+        </p:nvCxnSpPr>
+        <p:spPr>
+          <a:xfrm flipV="1">
+            <a:off x="6328760" y="4390028"/>
+            <a:ext cx="685842" cy="252369"/>
+          </a:xfrm>
+          <a:prstGeom prst="straightConnector1">
+            <a:avLst/>
+          </a:prstGeom>
+          <a:ln w="34925">
+            <a:tailEnd type="triangle"/>
+          </a:ln>
+        </p:spPr>
+        <p:style>
+          <a:lnRef idx="1">
+            <a:schemeClr val="accent1"/>
+          </a:lnRef>
+          <a:fillRef idx="0">
+            <a:schemeClr val="accent1"/>
+          </a:fillRef>
+          <a:effectRef idx="0">
+            <a:schemeClr val="accent1"/>
+          </a:effectRef>
+          <a:fontRef idx="minor">
+            <a:schemeClr val="tx1"/>
+          </a:fontRef>
+        </p:style>
+      </p:cxnSp>
+      <p:sp>
+        <p:nvSpPr>
+          <p:cNvPr id="19" name="圆角矩形 18"/>
+          <p:cNvSpPr/>
+          <p:nvPr/>
+        </p:nvSpPr>
+        <p:spPr>
+          <a:xfrm>
+            <a:off x="9292839" y="2778245"/>
+            <a:ext cx="267731" cy="613080"/>
+          </a:xfrm>
+          <a:prstGeom prst="roundRect">
+            <a:avLst/>
+          </a:prstGeom>
+          <a:noFill/>
+        </p:spPr>
+        <p:style>
+          <a:lnRef idx="2">
+            <a:schemeClr val="accent1">
+              <a:shade val="50000"/>
+            </a:schemeClr>
+          </a:lnRef>
+          <a:fillRef idx="1">
+            <a:schemeClr val="accent1"/>
+          </a:fillRef>
+          <a:effectRef idx="0">
+            <a:schemeClr val="accent1"/>
+          </a:effectRef>
+          <a:fontRef idx="minor">
+            <a:schemeClr val="lt1"/>
+          </a:fontRef>
+        </p:style>
+        <p:txBody>
+          <a:bodyPr rtlCol="0" anchor="ctr"/>
+          <a:lstStyle/>
+          <a:p>
+            <a:pPr algn="ctr"/>
+            <a:endParaRPr lang="zh-CN" altLang="en-US"/>
           </a:p>
         </p:txBody>
       </p:sp>
     </p:spTree>
     <p:extLst>
       <p:ext uri="{BB962C8B-B14F-4D97-AF65-F5344CB8AC3E}">
-        <p14:creationId xmlns:p14="http://schemas.microsoft.com/office/powerpoint/2010/main" val="3920747289"/>
+        <p14:creationId xmlns:p14="http://schemas.microsoft.com/office/powerpoint/2010/main" val="1501325097"/>
       </p:ext>
     </p:extLst>
   </p:cSld>
@@ -13216,9 +15748,695 @@
   <p:timing>
     <p:tnLst>
       <p:par>
-        <p:cTn id="1" dur="indefinite" restart="never" nodeType="tmRoot"/>
+        <p:cTn id="1" dur="indefinite" restart="never" nodeType="tmRoot">
+          <p:childTnLst>
+            <p:seq concurrent="1" nextAc="seek">
+              <p:cTn id="2" dur="indefinite" nodeType="mainSeq">
+                <p:childTnLst>
+                  <p:par>
+                    <p:cTn id="3" fill="hold">
+                      <p:stCondLst>
+                        <p:cond delay="indefinite"/>
+                      </p:stCondLst>
+                      <p:childTnLst>
+                        <p:par>
+                          <p:cTn id="4" fill="hold">
+                            <p:stCondLst>
+                              <p:cond delay="0"/>
+                            </p:stCondLst>
+                            <p:childTnLst>
+                              <p:par>
+                                <p:cTn id="5" presetID="22" presetClass="entr" presetSubtype="4" fill="hold" nodeType="clickEffect">
+                                  <p:stCondLst>
+                                    <p:cond delay="0"/>
+                                  </p:stCondLst>
+                                  <p:childTnLst>
+                                    <p:set>
+                                      <p:cBhvr>
+                                        <p:cTn id="6" dur="1" fill="hold">
+                                          <p:stCondLst>
+                                            <p:cond delay="0"/>
+                                          </p:stCondLst>
+                                        </p:cTn>
+                                        <p:tgtEl>
+                                          <p:spTgt spid="10"/>
+                                        </p:tgtEl>
+                                        <p:attrNameLst>
+                                          <p:attrName>style.visibility</p:attrName>
+                                        </p:attrNameLst>
+                                      </p:cBhvr>
+                                      <p:to>
+                                        <p:strVal val="visible"/>
+                                      </p:to>
+                                    </p:set>
+                                    <p:animEffect transition="in" filter="wipe(down)">
+                                      <p:cBhvr>
+                                        <p:cTn id="7" dur="500"/>
+                                        <p:tgtEl>
+                                          <p:spTgt spid="10"/>
+                                        </p:tgtEl>
+                                      </p:cBhvr>
+                                    </p:animEffect>
+                                  </p:childTnLst>
+                                </p:cTn>
+                              </p:par>
+                            </p:childTnLst>
+                          </p:cTn>
+                        </p:par>
+                        <p:par>
+                          <p:cTn id="8" fill="hold">
+                            <p:stCondLst>
+                              <p:cond delay="500"/>
+                            </p:stCondLst>
+                            <p:childTnLst>
+                              <p:par>
+                                <p:cTn id="9" presetID="22" presetClass="entr" presetSubtype="8" fill="hold" grpId="0" nodeType="afterEffect">
+                                  <p:stCondLst>
+                                    <p:cond delay="0"/>
+                                  </p:stCondLst>
+                                  <p:childTnLst>
+                                    <p:set>
+                                      <p:cBhvr>
+                                        <p:cTn id="10" dur="1" fill="hold">
+                                          <p:stCondLst>
+                                            <p:cond delay="0"/>
+                                          </p:stCondLst>
+                                        </p:cTn>
+                                        <p:tgtEl>
+                                          <p:spTgt spid="6"/>
+                                        </p:tgtEl>
+                                        <p:attrNameLst>
+                                          <p:attrName>style.visibility</p:attrName>
+                                        </p:attrNameLst>
+                                      </p:cBhvr>
+                                      <p:to>
+                                        <p:strVal val="visible"/>
+                                      </p:to>
+                                    </p:set>
+                                    <p:animEffect transition="in" filter="wipe(left)">
+                                      <p:cBhvr>
+                                        <p:cTn id="11" dur="500"/>
+                                        <p:tgtEl>
+                                          <p:spTgt spid="6"/>
+                                        </p:tgtEl>
+                                      </p:cBhvr>
+                                    </p:animEffect>
+                                  </p:childTnLst>
+                                </p:cTn>
+                              </p:par>
+                            </p:childTnLst>
+                          </p:cTn>
+                        </p:par>
+                        <p:par>
+                          <p:cTn id="12" fill="hold">
+                            <p:stCondLst>
+                              <p:cond delay="1000"/>
+                            </p:stCondLst>
+                            <p:childTnLst>
+                              <p:par>
+                                <p:cTn id="13" presetID="22" presetClass="entr" presetSubtype="4" fill="hold" nodeType="afterEffect">
+                                  <p:stCondLst>
+                                    <p:cond delay="0"/>
+                                  </p:stCondLst>
+                                  <p:childTnLst>
+                                    <p:set>
+                                      <p:cBhvr>
+                                        <p:cTn id="14" dur="1" fill="hold">
+                                          <p:stCondLst>
+                                            <p:cond delay="0"/>
+                                          </p:stCondLst>
+                                        </p:cTn>
+                                        <p:tgtEl>
+                                          <p:spTgt spid="11"/>
+                                        </p:tgtEl>
+                                        <p:attrNameLst>
+                                          <p:attrName>style.visibility</p:attrName>
+                                        </p:attrNameLst>
+                                      </p:cBhvr>
+                                      <p:to>
+                                        <p:strVal val="visible"/>
+                                      </p:to>
+                                    </p:set>
+                                    <p:animEffect transition="in" filter="wipe(down)">
+                                      <p:cBhvr>
+                                        <p:cTn id="15" dur="500"/>
+                                        <p:tgtEl>
+                                          <p:spTgt spid="11"/>
+                                        </p:tgtEl>
+                                      </p:cBhvr>
+                                    </p:animEffect>
+                                  </p:childTnLst>
+                                </p:cTn>
+                              </p:par>
+                            </p:childTnLst>
+                          </p:cTn>
+                        </p:par>
+                        <p:par>
+                          <p:cTn id="16" fill="hold">
+                            <p:stCondLst>
+                              <p:cond delay="1500"/>
+                            </p:stCondLst>
+                            <p:childTnLst>
+                              <p:par>
+                                <p:cTn id="17" presetID="22" presetClass="entr" presetSubtype="4" fill="hold" grpId="0" nodeType="afterEffect">
+                                  <p:stCondLst>
+                                    <p:cond delay="0"/>
+                                  </p:stCondLst>
+                                  <p:childTnLst>
+                                    <p:set>
+                                      <p:cBhvr>
+                                        <p:cTn id="18" dur="1" fill="hold">
+                                          <p:stCondLst>
+                                            <p:cond delay="0"/>
+                                          </p:stCondLst>
+                                        </p:cTn>
+                                        <p:tgtEl>
+                                          <p:spTgt spid="7"/>
+                                        </p:tgtEl>
+                                        <p:attrNameLst>
+                                          <p:attrName>style.visibility</p:attrName>
+                                        </p:attrNameLst>
+                                      </p:cBhvr>
+                                      <p:to>
+                                        <p:strVal val="visible"/>
+                                      </p:to>
+                                    </p:set>
+                                    <p:animEffect transition="in" filter="wipe(down)">
+                                      <p:cBhvr>
+                                        <p:cTn id="19" dur="500"/>
+                                        <p:tgtEl>
+                                          <p:spTgt spid="7"/>
+                                        </p:tgtEl>
+                                      </p:cBhvr>
+                                    </p:animEffect>
+                                  </p:childTnLst>
+                                </p:cTn>
+                              </p:par>
+                            </p:childTnLst>
+                          </p:cTn>
+                        </p:par>
+                        <p:par>
+                          <p:cTn id="20" fill="hold">
+                            <p:stCondLst>
+                              <p:cond delay="2000"/>
+                            </p:stCondLst>
+                            <p:childTnLst>
+                              <p:par>
+                                <p:cTn id="21" presetID="22" presetClass="entr" presetSubtype="4" fill="hold" nodeType="afterEffect">
+                                  <p:stCondLst>
+                                    <p:cond delay="0"/>
+                                  </p:stCondLst>
+                                  <p:childTnLst>
+                                    <p:set>
+                                      <p:cBhvr>
+                                        <p:cTn id="22" dur="1" fill="hold">
+                                          <p:stCondLst>
+                                            <p:cond delay="0"/>
+                                          </p:stCondLst>
+                                        </p:cTn>
+                                        <p:tgtEl>
+                                          <p:spTgt spid="12"/>
+                                        </p:tgtEl>
+                                        <p:attrNameLst>
+                                          <p:attrName>style.visibility</p:attrName>
+                                        </p:attrNameLst>
+                                      </p:cBhvr>
+                                      <p:to>
+                                        <p:strVal val="visible"/>
+                                      </p:to>
+                                    </p:set>
+                                    <p:animEffect transition="in" filter="wipe(down)">
+                                      <p:cBhvr>
+                                        <p:cTn id="23" dur="500"/>
+                                        <p:tgtEl>
+                                          <p:spTgt spid="12"/>
+                                        </p:tgtEl>
+                                      </p:cBhvr>
+                                    </p:animEffect>
+                                  </p:childTnLst>
+                                </p:cTn>
+                              </p:par>
+                            </p:childTnLst>
+                          </p:cTn>
+                        </p:par>
+                        <p:par>
+                          <p:cTn id="24" fill="hold">
+                            <p:stCondLst>
+                              <p:cond delay="2500"/>
+                            </p:stCondLst>
+                            <p:childTnLst>
+                              <p:par>
+                                <p:cTn id="25" presetID="22" presetClass="entr" presetSubtype="4" fill="hold" grpId="0" nodeType="afterEffect">
+                                  <p:stCondLst>
+                                    <p:cond delay="0"/>
+                                  </p:stCondLst>
+                                  <p:childTnLst>
+                                    <p:set>
+                                      <p:cBhvr>
+                                        <p:cTn id="26" dur="1" fill="hold">
+                                          <p:stCondLst>
+                                            <p:cond delay="0"/>
+                                          </p:stCondLst>
+                                        </p:cTn>
+                                        <p:tgtEl>
+                                          <p:spTgt spid="9"/>
+                                        </p:tgtEl>
+                                        <p:attrNameLst>
+                                          <p:attrName>style.visibility</p:attrName>
+                                        </p:attrNameLst>
+                                      </p:cBhvr>
+                                      <p:to>
+                                        <p:strVal val="visible"/>
+                                      </p:to>
+                                    </p:set>
+                                    <p:animEffect transition="in" filter="wipe(down)">
+                                      <p:cBhvr>
+                                        <p:cTn id="27" dur="500"/>
+                                        <p:tgtEl>
+                                          <p:spTgt spid="9"/>
+                                        </p:tgtEl>
+                                      </p:cBhvr>
+                                    </p:animEffect>
+                                  </p:childTnLst>
+                                </p:cTn>
+                              </p:par>
+                              <p:par>
+                                <p:cTn id="28" presetID="22" presetClass="entr" presetSubtype="4" fill="hold" nodeType="withEffect">
+                                  <p:stCondLst>
+                                    <p:cond delay="0"/>
+                                  </p:stCondLst>
+                                  <p:childTnLst>
+                                    <p:set>
+                                      <p:cBhvr>
+                                        <p:cTn id="29" dur="1" fill="hold">
+                                          <p:stCondLst>
+                                            <p:cond delay="0"/>
+                                          </p:stCondLst>
+                                        </p:cTn>
+                                        <p:tgtEl>
+                                          <p:spTgt spid="13"/>
+                                        </p:tgtEl>
+                                        <p:attrNameLst>
+                                          <p:attrName>style.visibility</p:attrName>
+                                        </p:attrNameLst>
+                                      </p:cBhvr>
+                                      <p:to>
+                                        <p:strVal val="visible"/>
+                                      </p:to>
+                                    </p:set>
+                                    <p:animEffect transition="in" filter="wipe(down)">
+                                      <p:cBhvr>
+                                        <p:cTn id="30" dur="500"/>
+                                        <p:tgtEl>
+                                          <p:spTgt spid="13"/>
+                                        </p:tgtEl>
+                                      </p:cBhvr>
+                                    </p:animEffect>
+                                  </p:childTnLst>
+                                </p:cTn>
+                              </p:par>
+                            </p:childTnLst>
+                          </p:cTn>
+                        </p:par>
+                        <p:par>
+                          <p:cTn id="31" fill="hold">
+                            <p:stCondLst>
+                              <p:cond delay="3000"/>
+                            </p:stCondLst>
+                            <p:childTnLst>
+                              <p:par>
+                                <p:cTn id="32" presetID="22" presetClass="entr" presetSubtype="4" fill="hold" grpId="0" nodeType="afterEffect">
+                                  <p:stCondLst>
+                                    <p:cond delay="0"/>
+                                  </p:stCondLst>
+                                  <p:childTnLst>
+                                    <p:set>
+                                      <p:cBhvr>
+                                        <p:cTn id="33" dur="1" fill="hold">
+                                          <p:stCondLst>
+                                            <p:cond delay="0"/>
+                                          </p:stCondLst>
+                                        </p:cTn>
+                                        <p:tgtEl>
+                                          <p:spTgt spid="8"/>
+                                        </p:tgtEl>
+                                        <p:attrNameLst>
+                                          <p:attrName>style.visibility</p:attrName>
+                                        </p:attrNameLst>
+                                      </p:cBhvr>
+                                      <p:to>
+                                        <p:strVal val="visible"/>
+                                      </p:to>
+                                    </p:set>
+                                    <p:animEffect transition="in" filter="wipe(down)">
+                                      <p:cBhvr>
+                                        <p:cTn id="34" dur="500"/>
+                                        <p:tgtEl>
+                                          <p:spTgt spid="8"/>
+                                        </p:tgtEl>
+                                      </p:cBhvr>
+                                    </p:animEffect>
+                                  </p:childTnLst>
+                                </p:cTn>
+                              </p:par>
+                            </p:childTnLst>
+                          </p:cTn>
+                        </p:par>
+                      </p:childTnLst>
+                    </p:cTn>
+                  </p:par>
+                  <p:par>
+                    <p:cTn id="35" fill="hold">
+                      <p:stCondLst>
+                        <p:cond delay="indefinite"/>
+                      </p:stCondLst>
+                      <p:childTnLst>
+                        <p:par>
+                          <p:cTn id="36" fill="hold">
+                            <p:stCondLst>
+                              <p:cond delay="0"/>
+                            </p:stCondLst>
+                            <p:childTnLst>
+                              <p:par>
+                                <p:cTn id="37" presetID="22" presetClass="entr" presetSubtype="4" fill="hold" grpId="0" nodeType="clickEffect">
+                                  <p:stCondLst>
+                                    <p:cond delay="0"/>
+                                  </p:stCondLst>
+                                  <p:childTnLst>
+                                    <p:set>
+                                      <p:cBhvr>
+                                        <p:cTn id="38" dur="1" fill="hold">
+                                          <p:stCondLst>
+                                            <p:cond delay="0"/>
+                                          </p:stCondLst>
+                                        </p:cTn>
+                                        <p:tgtEl>
+                                          <p:spTgt spid="14"/>
+                                        </p:tgtEl>
+                                        <p:attrNameLst>
+                                          <p:attrName>style.visibility</p:attrName>
+                                        </p:attrNameLst>
+                                      </p:cBhvr>
+                                      <p:to>
+                                        <p:strVal val="visible"/>
+                                      </p:to>
+                                    </p:set>
+                                    <p:animEffect transition="in" filter="wipe(down)">
+                                      <p:cBhvr>
+                                        <p:cTn id="39" dur="500"/>
+                                        <p:tgtEl>
+                                          <p:spTgt spid="14"/>
+                                        </p:tgtEl>
+                                      </p:cBhvr>
+                                    </p:animEffect>
+                                  </p:childTnLst>
+                                </p:cTn>
+                              </p:par>
+                            </p:childTnLst>
+                          </p:cTn>
+                        </p:par>
+                      </p:childTnLst>
+                    </p:cTn>
+                  </p:par>
+                  <p:par>
+                    <p:cTn id="40" fill="hold">
+                      <p:stCondLst>
+                        <p:cond delay="indefinite"/>
+                      </p:stCondLst>
+                      <p:childTnLst>
+                        <p:par>
+                          <p:cTn id="41" fill="hold">
+                            <p:stCondLst>
+                              <p:cond delay="0"/>
+                            </p:stCondLst>
+                            <p:childTnLst>
+                              <p:par>
+                                <p:cTn id="42" presetID="22" presetClass="entr" presetSubtype="4" fill="hold" grpId="0" nodeType="clickEffect">
+                                  <p:stCondLst>
+                                    <p:cond delay="0"/>
+                                  </p:stCondLst>
+                                  <p:childTnLst>
+                                    <p:set>
+                                      <p:cBhvr>
+                                        <p:cTn id="43" dur="1" fill="hold">
+                                          <p:stCondLst>
+                                            <p:cond delay="0"/>
+                                          </p:stCondLst>
+                                        </p:cTn>
+                                        <p:tgtEl>
+                                          <p:spTgt spid="15"/>
+                                        </p:tgtEl>
+                                        <p:attrNameLst>
+                                          <p:attrName>style.visibility</p:attrName>
+                                        </p:attrNameLst>
+                                      </p:cBhvr>
+                                      <p:to>
+                                        <p:strVal val="visible"/>
+                                      </p:to>
+                                    </p:set>
+                                    <p:animEffect transition="in" filter="wipe(down)">
+                                      <p:cBhvr>
+                                        <p:cTn id="44" dur="500"/>
+                                        <p:tgtEl>
+                                          <p:spTgt spid="15"/>
+                                        </p:tgtEl>
+                                      </p:cBhvr>
+                                    </p:animEffect>
+                                  </p:childTnLst>
+                                </p:cTn>
+                              </p:par>
+                            </p:childTnLst>
+                          </p:cTn>
+                        </p:par>
+                      </p:childTnLst>
+                    </p:cTn>
+                  </p:par>
+                  <p:par>
+                    <p:cTn id="45" fill="hold">
+                      <p:stCondLst>
+                        <p:cond delay="indefinite"/>
+                      </p:stCondLst>
+                      <p:childTnLst>
+                        <p:par>
+                          <p:cTn id="46" fill="hold">
+                            <p:stCondLst>
+                              <p:cond delay="0"/>
+                            </p:stCondLst>
+                            <p:childTnLst>
+                              <p:par>
+                                <p:cTn id="47" presetID="22" presetClass="entr" presetSubtype="4" fill="hold" grpId="0" nodeType="clickEffect">
+                                  <p:stCondLst>
+                                    <p:cond delay="0"/>
+                                  </p:stCondLst>
+                                  <p:childTnLst>
+                                    <p:set>
+                                      <p:cBhvr>
+                                        <p:cTn id="48" dur="1" fill="hold">
+                                          <p:stCondLst>
+                                            <p:cond delay="0"/>
+                                          </p:stCondLst>
+                                        </p:cTn>
+                                        <p:tgtEl>
+                                          <p:spTgt spid="17"/>
+                                        </p:tgtEl>
+                                        <p:attrNameLst>
+                                          <p:attrName>style.visibility</p:attrName>
+                                        </p:attrNameLst>
+                                      </p:cBhvr>
+                                      <p:to>
+                                        <p:strVal val="visible"/>
+                                      </p:to>
+                                    </p:set>
+                                    <p:animEffect transition="in" filter="wipe(down)">
+                                      <p:cBhvr>
+                                        <p:cTn id="49" dur="500"/>
+                                        <p:tgtEl>
+                                          <p:spTgt spid="17"/>
+                                        </p:tgtEl>
+                                      </p:cBhvr>
+                                    </p:animEffect>
+                                  </p:childTnLst>
+                                </p:cTn>
+                              </p:par>
+                            </p:childTnLst>
+                          </p:cTn>
+                        </p:par>
+                        <p:par>
+                          <p:cTn id="50" fill="hold">
+                            <p:stCondLst>
+                              <p:cond delay="500"/>
+                            </p:stCondLst>
+                            <p:childTnLst>
+                              <p:par>
+                                <p:cTn id="51" presetID="22" presetClass="entr" presetSubtype="4" fill="hold" nodeType="afterEffect">
+                                  <p:stCondLst>
+                                    <p:cond delay="0"/>
+                                  </p:stCondLst>
+                                  <p:childTnLst>
+                                    <p:set>
+                                      <p:cBhvr>
+                                        <p:cTn id="52" dur="1" fill="hold">
+                                          <p:stCondLst>
+                                            <p:cond delay="0"/>
+                                          </p:stCondLst>
+                                        </p:cTn>
+                                        <p:tgtEl>
+                                          <p:spTgt spid="18"/>
+                                        </p:tgtEl>
+                                        <p:attrNameLst>
+                                          <p:attrName>style.visibility</p:attrName>
+                                        </p:attrNameLst>
+                                      </p:cBhvr>
+                                      <p:to>
+                                        <p:strVal val="visible"/>
+                                      </p:to>
+                                    </p:set>
+                                    <p:animEffect transition="in" filter="wipe(down)">
+                                      <p:cBhvr>
+                                        <p:cTn id="53" dur="500"/>
+                                        <p:tgtEl>
+                                          <p:spTgt spid="18"/>
+                                        </p:tgtEl>
+                                      </p:cBhvr>
+                                    </p:animEffect>
+                                  </p:childTnLst>
+                                </p:cTn>
+                              </p:par>
+                            </p:childTnLst>
+                          </p:cTn>
+                        </p:par>
+                        <p:par>
+                          <p:cTn id="54" fill="hold">
+                            <p:stCondLst>
+                              <p:cond delay="1000"/>
+                            </p:stCondLst>
+                            <p:childTnLst>
+                              <p:par>
+                                <p:cTn id="55" presetID="22" presetClass="entr" presetSubtype="4" fill="hold" grpId="0" nodeType="afterEffect">
+                                  <p:stCondLst>
+                                    <p:cond delay="0"/>
+                                  </p:stCondLst>
+                                  <p:childTnLst>
+                                    <p:set>
+                                      <p:cBhvr>
+                                        <p:cTn id="56" dur="1" fill="hold">
+                                          <p:stCondLst>
+                                            <p:cond delay="0"/>
+                                          </p:stCondLst>
+                                        </p:cTn>
+                                        <p:tgtEl>
+                                          <p:spTgt spid="16"/>
+                                        </p:tgtEl>
+                                        <p:attrNameLst>
+                                          <p:attrName>style.visibility</p:attrName>
+                                        </p:attrNameLst>
+                                      </p:cBhvr>
+                                      <p:to>
+                                        <p:strVal val="visible"/>
+                                      </p:to>
+                                    </p:set>
+                                    <p:animEffect transition="in" filter="wipe(down)">
+                                      <p:cBhvr>
+                                        <p:cTn id="57" dur="500"/>
+                                        <p:tgtEl>
+                                          <p:spTgt spid="16"/>
+                                        </p:tgtEl>
+                                      </p:cBhvr>
+                                    </p:animEffect>
+                                  </p:childTnLst>
+                                </p:cTn>
+                              </p:par>
+                            </p:childTnLst>
+                          </p:cTn>
+                        </p:par>
+                      </p:childTnLst>
+                    </p:cTn>
+                  </p:par>
+                  <p:par>
+                    <p:cTn id="58" fill="hold">
+                      <p:stCondLst>
+                        <p:cond delay="indefinite"/>
+                      </p:stCondLst>
+                      <p:childTnLst>
+                        <p:par>
+                          <p:cTn id="59" fill="hold">
+                            <p:stCondLst>
+                              <p:cond delay="0"/>
+                            </p:stCondLst>
+                            <p:childTnLst>
+                              <p:par>
+                                <p:cTn id="60" presetID="22" presetClass="entr" presetSubtype="4" fill="hold" grpId="0" nodeType="clickEffect">
+                                  <p:stCondLst>
+                                    <p:cond delay="0"/>
+                                  </p:stCondLst>
+                                  <p:childTnLst>
+                                    <p:set>
+                                      <p:cBhvr>
+                                        <p:cTn id="61" dur="1" fill="hold">
+                                          <p:stCondLst>
+                                            <p:cond delay="0"/>
+                                          </p:stCondLst>
+                                        </p:cTn>
+                                        <p:tgtEl>
+                                          <p:spTgt spid="19"/>
+                                        </p:tgtEl>
+                                        <p:attrNameLst>
+                                          <p:attrName>style.visibility</p:attrName>
+                                        </p:attrNameLst>
+                                      </p:cBhvr>
+                                      <p:to>
+                                        <p:strVal val="visible"/>
+                                      </p:to>
+                                    </p:set>
+                                    <p:animEffect transition="in" filter="wipe(down)">
+                                      <p:cBhvr>
+                                        <p:cTn id="62" dur="500"/>
+                                        <p:tgtEl>
+                                          <p:spTgt spid="19"/>
+                                        </p:tgtEl>
+                                      </p:cBhvr>
+                                    </p:animEffect>
+                                  </p:childTnLst>
+                                </p:cTn>
+                              </p:par>
+                            </p:childTnLst>
+                          </p:cTn>
+                        </p:par>
+                      </p:childTnLst>
+                    </p:cTn>
+                  </p:par>
+                </p:childTnLst>
+              </p:cTn>
+              <p:prevCondLst>
+                <p:cond evt="onPrev" delay="0">
+                  <p:tgtEl>
+                    <p:sldTgt/>
+                  </p:tgtEl>
+                </p:cond>
+              </p:prevCondLst>
+              <p:nextCondLst>
+                <p:cond evt="onNext" delay="0">
+                  <p:tgtEl>
+                    <p:sldTgt/>
+                  </p:tgtEl>
+                </p:cond>
+              </p:nextCondLst>
+            </p:seq>
+          </p:childTnLst>
+        </p:cTn>
       </p:par>
     </p:tnLst>
+    <p:bldLst>
+      <p:bldP spid="6" grpId="0"/>
+      <p:bldP spid="7" grpId="0"/>
+      <p:bldP spid="8" grpId="0"/>
+      <p:bldP spid="9" grpId="0"/>
+      <p:bldP spid="14" grpId="0" animBg="1"/>
+      <p:bldP spid="15" grpId="0" animBg="1"/>
+      <p:bldP spid="16" grpId="0"/>
+      <p:bldP spid="17" grpId="0" animBg="1"/>
+      <p:bldP spid="19" grpId="0" animBg="1"/>
+    </p:bldLst>
   </p:timing>
 </p:sld>
 </file>
@@ -13373,12 +16591,8 @@
           <a:lstStyle/>
           <a:p>
             <a:r>
-              <a:rPr lang="en-US" altLang="zh-CN" dirty="0"/>
-              <a:t>application of compile-time </a:t>
-            </a:r>
-            <a:r>
               <a:rPr lang="en-US" altLang="zh-CN" dirty="0" smtClean="0"/>
-              <a:t>reflection</a:t>
+              <a:t>Outline</a:t>
             </a:r>
             <a:endParaRPr lang="zh-CN" altLang="en-US" dirty="0"/>
           </a:p>
@@ -13400,20 +16614,30 @@
           <a:lstStyle/>
           <a:p>
             <a:r>
+              <a:rPr lang="en-US" altLang="zh-CN" dirty="0" smtClean="0"/>
+              <a:t>concepts of reflection</a:t>
+            </a:r>
+          </a:p>
+          <a:p>
+            <a:r>
               <a:rPr lang="en-US" altLang="zh-CN" dirty="0"/>
-              <a:t>Serialization</a:t>
-            </a:r>
-          </a:p>
-          <a:p>
-            <a:r>
-              <a:rPr lang="en-US" altLang="zh-CN" dirty="0"/>
-              <a:t>ORM(Object Relational Mapping)</a:t>
-            </a:r>
-          </a:p>
-          <a:p>
-            <a:r>
-              <a:rPr lang="en-US" altLang="zh-CN" dirty="0"/>
-              <a:t>DSL(domain-specific language)</a:t>
+              <a:t>implementation of compile-time </a:t>
+            </a:r>
+            <a:r>
+              <a:rPr lang="en-US" altLang="zh-CN" dirty="0" smtClean="0"/>
+              <a:t>reflection</a:t>
+            </a:r>
+          </a:p>
+          <a:p>
+            <a:r>
+              <a:rPr lang="en-US" altLang="zh-CN" b="1" dirty="0" smtClean="0"/>
+              <a:t>application of compile-time reflection</a:t>
+            </a:r>
+          </a:p>
+          <a:p>
+            <a:r>
+              <a:rPr lang="en-US" altLang="zh-CN" dirty="0" smtClean="0"/>
+              <a:t>prospect</a:t>
             </a:r>
             <a:endParaRPr lang="zh-CN" altLang="en-US" dirty="0"/>
           </a:p>
@@ -13422,7 +16646,7 @@
     </p:spTree>
     <p:extLst>
       <p:ext uri="{BB962C8B-B14F-4D97-AF65-F5344CB8AC3E}">
-        <p14:creationId xmlns:p14="http://schemas.microsoft.com/office/powerpoint/2010/main" val="3812572458"/>
+        <p14:creationId xmlns:p14="http://schemas.microsoft.com/office/powerpoint/2010/main" val="3920747289"/>
       </p:ext>
     </p:extLst>
   </p:cSld>
@@ -13472,6 +16696,105 @@
           <a:lstStyle/>
           <a:p>
             <a:r>
+              <a:rPr lang="en-US" altLang="zh-CN" dirty="0"/>
+              <a:t>application of compile-time </a:t>
+            </a:r>
+            <a:r>
+              <a:rPr lang="en-US" altLang="zh-CN" dirty="0" smtClean="0"/>
+              <a:t>reflection</a:t>
+            </a:r>
+            <a:endParaRPr lang="zh-CN" altLang="en-US" dirty="0"/>
+          </a:p>
+        </p:txBody>
+      </p:sp>
+      <p:sp>
+        <p:nvSpPr>
+          <p:cNvPr id="3" name="内容占位符 2"/>
+          <p:cNvSpPr>
+            <a:spLocks noGrp="1"/>
+          </p:cNvSpPr>
+          <p:nvPr>
+            <p:ph idx="1"/>
+          </p:nvPr>
+        </p:nvSpPr>
+        <p:spPr/>
+        <p:txBody>
+          <a:bodyPr/>
+          <a:lstStyle/>
+          <a:p>
+            <a:r>
+              <a:rPr lang="en-US" altLang="zh-CN" dirty="0"/>
+              <a:t>Serialization</a:t>
+            </a:r>
+          </a:p>
+          <a:p>
+            <a:r>
+              <a:rPr lang="en-US" altLang="zh-CN" dirty="0"/>
+              <a:t>ORM(Object Relational Mapping)</a:t>
+            </a:r>
+          </a:p>
+          <a:p>
+            <a:r>
+              <a:rPr lang="en-US" altLang="zh-CN" dirty="0"/>
+              <a:t>DSL(domain-specific language)</a:t>
+            </a:r>
+            <a:endParaRPr lang="zh-CN" altLang="en-US" dirty="0"/>
+          </a:p>
+        </p:txBody>
+      </p:sp>
+    </p:spTree>
+    <p:extLst>
+      <p:ext uri="{BB962C8B-B14F-4D97-AF65-F5344CB8AC3E}">
+        <p14:creationId xmlns:p14="http://schemas.microsoft.com/office/powerpoint/2010/main" val="3812572458"/>
+      </p:ext>
+    </p:extLst>
+  </p:cSld>
+  <p:clrMapOvr>
+    <a:masterClrMapping/>
+  </p:clrMapOvr>
+  <p:timing>
+    <p:tnLst>
+      <p:par>
+        <p:cTn id="1" dur="indefinite" restart="never" nodeType="tmRoot"/>
+      </p:par>
+    </p:tnLst>
+  </p:timing>
+</p:sld>
+</file>
+
+<file path=ppt/slides/slide32.xml><?xml version="1.0" encoding="utf-8"?>
+<p:sld xmlns:a="http://schemas.openxmlformats.org/drawingml/2006/main" xmlns:r="http://schemas.openxmlformats.org/officeDocument/2006/relationships" xmlns:p="http://schemas.openxmlformats.org/presentationml/2006/main">
+  <p:cSld>
+    <p:spTree>
+      <p:nvGrpSpPr>
+        <p:cNvPr id="1" name=""/>
+        <p:cNvGrpSpPr/>
+        <p:nvPr/>
+      </p:nvGrpSpPr>
+      <p:grpSpPr>
+        <a:xfrm>
+          <a:off x="0" y="0"/>
+          <a:ext cx="0" cy="0"/>
+          <a:chOff x="0" y="0"/>
+          <a:chExt cx="0" cy="0"/>
+        </a:xfrm>
+      </p:grpSpPr>
+      <p:sp>
+        <p:nvSpPr>
+          <p:cNvPr id="2" name="标题 1"/>
+          <p:cNvSpPr>
+            <a:spLocks noGrp="1"/>
+          </p:cNvSpPr>
+          <p:nvPr>
+            <p:ph type="title"/>
+          </p:nvPr>
+        </p:nvSpPr>
+        <p:spPr/>
+        <p:txBody>
+          <a:bodyPr/>
+          <a:lstStyle/>
+          <a:p>
+            <a:r>
               <a:rPr lang="en-US" altLang="zh-CN" dirty="0" smtClean="0"/>
               <a:t>Outline</a:t>
             </a:r>
@@ -13544,7 +16867,7 @@
 </p:sld>
 </file>
 
-<file path=ppt/slides/slide32.xml><?xml version="1.0" encoding="utf-8"?>
+<file path=ppt/slides/slide33.xml><?xml version="1.0" encoding="utf-8"?>
 <p:sld xmlns:a="http://schemas.openxmlformats.org/drawingml/2006/main" xmlns:r="http://schemas.openxmlformats.org/officeDocument/2006/relationships" xmlns:p="http://schemas.openxmlformats.org/presentationml/2006/main">
   <p:cSld>
     <p:spTree>

--- a/cppcon2017.pptx
+++ b/cppcon2017.pptx
@@ -5,7 +5,7 @@
     <p:sldMasterId id="2147483648" r:id="rId1"/>
   </p:sldMasterIdLst>
   <p:notesMasterIdLst>
-    <p:notesMasterId r:id="rId35"/>
+    <p:notesMasterId r:id="rId39"/>
   </p:notesMasterIdLst>
   <p:sldIdLst>
     <p:sldId id="256" r:id="rId2"/>
@@ -37,10 +37,14 @@
     <p:sldId id="283" r:id="rId28"/>
     <p:sldId id="284" r:id="rId29"/>
     <p:sldId id="288" r:id="rId30"/>
-    <p:sldId id="270" r:id="rId31"/>
-    <p:sldId id="260" r:id="rId32"/>
-    <p:sldId id="271" r:id="rId33"/>
-    <p:sldId id="261" r:id="rId34"/>
+    <p:sldId id="289" r:id="rId31"/>
+    <p:sldId id="290" r:id="rId32"/>
+    <p:sldId id="291" r:id="rId33"/>
+    <p:sldId id="292" r:id="rId34"/>
+    <p:sldId id="270" r:id="rId35"/>
+    <p:sldId id="260" r:id="rId36"/>
+    <p:sldId id="271" r:id="rId37"/>
+    <p:sldId id="261" r:id="rId38"/>
   </p:sldIdLst>
   <p:sldSz cx="12192000" cy="6858000"/>
   <p:notesSz cx="6858000" cy="9144000"/>
@@ -229,7 +233,7 @@
           <a:p>
             <a:fld id="{5377FA5C-DFF1-4473-9BD3-3D161C07B6AF}" type="datetimeFigureOut">
               <a:rPr lang="zh-CN" altLang="en-US" smtClean="0"/>
-              <a:t>2017-08-30</a:t>
+              <a:t>2017-08-31</a:t>
             </a:fld>
             <a:endParaRPr lang="zh-CN" altLang="en-US"/>
           </a:p>
@@ -843,6 +847,98 @@
 </p:notes>
 </file>
 
+<file path=ppt/notesSlides/notesSlide5.xml><?xml version="1.0" encoding="utf-8"?>
+<p:notes xmlns:a="http://schemas.openxmlformats.org/drawingml/2006/main" xmlns:r="http://schemas.openxmlformats.org/officeDocument/2006/relationships" xmlns:p="http://schemas.openxmlformats.org/presentationml/2006/main">
+  <p:cSld>
+    <p:spTree>
+      <p:nvGrpSpPr>
+        <p:cNvPr id="1" name=""/>
+        <p:cNvGrpSpPr/>
+        <p:nvPr/>
+      </p:nvGrpSpPr>
+      <p:grpSpPr>
+        <a:xfrm>
+          <a:off x="0" y="0"/>
+          <a:ext cx="0" cy="0"/>
+          <a:chOff x="0" y="0"/>
+          <a:chExt cx="0" cy="0"/>
+        </a:xfrm>
+      </p:grpSpPr>
+      <p:sp>
+        <p:nvSpPr>
+          <p:cNvPr id="2" name="幻灯片图像占位符 1"/>
+          <p:cNvSpPr>
+            <a:spLocks noGrp="1" noRot="1" noChangeAspect="1"/>
+          </p:cNvSpPr>
+          <p:nvPr>
+            <p:ph type="sldImg"/>
+          </p:nvPr>
+        </p:nvSpPr>
+        <p:spPr/>
+      </p:sp>
+      <p:sp>
+        <p:nvSpPr>
+          <p:cNvPr id="3" name="备注占位符 2"/>
+          <p:cNvSpPr>
+            <a:spLocks noGrp="1"/>
+          </p:cNvSpPr>
+          <p:nvPr>
+            <p:ph type="body" idx="1"/>
+          </p:nvPr>
+        </p:nvSpPr>
+        <p:spPr/>
+        <p:txBody>
+          <a:bodyPr/>
+          <a:lstStyle/>
+          <a:p>
+            <a:r>
+              <a:rPr lang="en-US" altLang="zh-CN" dirty="0" smtClean="0"/>
+              <a:t>define a specialized</a:t>
+            </a:r>
+            <a:r>
+              <a:rPr lang="en-US" altLang="zh-CN" baseline="0" dirty="0" smtClean="0"/>
+              <a:t> template class means define an object’s metadata</a:t>
+            </a:r>
+            <a:endParaRPr lang="zh-CN" altLang="en-US" dirty="0"/>
+          </a:p>
+        </p:txBody>
+      </p:sp>
+      <p:sp>
+        <p:nvSpPr>
+          <p:cNvPr id="4" name="灯片编号占位符 3"/>
+          <p:cNvSpPr>
+            <a:spLocks noGrp="1"/>
+          </p:cNvSpPr>
+          <p:nvPr>
+            <p:ph type="sldNum" sz="quarter" idx="10"/>
+          </p:nvPr>
+        </p:nvSpPr>
+        <p:spPr/>
+        <p:txBody>
+          <a:bodyPr/>
+          <a:lstStyle/>
+          <a:p>
+            <a:fld id="{C9825B02-673D-4C5E-88E2-1F72A1758DC8}" type="slidenum">
+              <a:rPr lang="zh-CN" altLang="en-US" smtClean="0"/>
+              <a:t>32</a:t>
+            </a:fld>
+            <a:endParaRPr lang="zh-CN" altLang="en-US"/>
+          </a:p>
+        </p:txBody>
+      </p:sp>
+    </p:spTree>
+    <p:extLst>
+      <p:ext uri="{BB962C8B-B14F-4D97-AF65-F5344CB8AC3E}">
+        <p14:creationId xmlns:p14="http://schemas.microsoft.com/office/powerpoint/2010/main" val="2203329966"/>
+      </p:ext>
+    </p:extLst>
+  </p:cSld>
+  <p:clrMapOvr>
+    <a:masterClrMapping/>
+  </p:clrMapOvr>
+</p:notes>
+</file>
+
 <file path=ppt/slideLayouts/slideLayout1.xml><?xml version="1.0" encoding="utf-8"?>
 <p:sldLayout xmlns:a="http://schemas.openxmlformats.org/drawingml/2006/main" xmlns:r="http://schemas.openxmlformats.org/officeDocument/2006/relationships" xmlns:p="http://schemas.openxmlformats.org/presentationml/2006/main" type="title" preserve="1">
   <p:cSld name="标题幻灯片">
@@ -974,7 +1070,7 @@
           <a:p>
             <a:fld id="{AA590AAA-E2D3-492C-81F3-DC050E22F9CA}" type="datetimeFigureOut">
               <a:rPr lang="zh-CN" altLang="en-US" smtClean="0"/>
-              <a:t>2017-08-30</a:t>
+              <a:t>2017-08-31</a:t>
             </a:fld>
             <a:endParaRPr lang="zh-CN" altLang="en-US"/>
           </a:p>
@@ -1144,7 +1240,7 @@
           <a:p>
             <a:fld id="{AA590AAA-E2D3-492C-81F3-DC050E22F9CA}" type="datetimeFigureOut">
               <a:rPr lang="zh-CN" altLang="en-US" smtClean="0"/>
-              <a:t>2017-08-30</a:t>
+              <a:t>2017-08-31</a:t>
             </a:fld>
             <a:endParaRPr lang="zh-CN" altLang="en-US"/>
           </a:p>
@@ -1324,7 +1420,7 @@
           <a:p>
             <a:fld id="{AA590AAA-E2D3-492C-81F3-DC050E22F9CA}" type="datetimeFigureOut">
               <a:rPr lang="zh-CN" altLang="en-US" smtClean="0"/>
-              <a:t>2017-08-30</a:t>
+              <a:t>2017-08-31</a:t>
             </a:fld>
             <a:endParaRPr lang="zh-CN" altLang="en-US"/>
           </a:p>
@@ -1494,7 +1590,7 @@
           <a:p>
             <a:fld id="{AA590AAA-E2D3-492C-81F3-DC050E22F9CA}" type="datetimeFigureOut">
               <a:rPr lang="zh-CN" altLang="en-US" smtClean="0"/>
-              <a:t>2017-08-30</a:t>
+              <a:t>2017-08-31</a:t>
             </a:fld>
             <a:endParaRPr lang="zh-CN" altLang="en-US"/>
           </a:p>
@@ -1740,7 +1836,7 @@
           <a:p>
             <a:fld id="{AA590AAA-E2D3-492C-81F3-DC050E22F9CA}" type="datetimeFigureOut">
               <a:rPr lang="zh-CN" altLang="en-US" smtClean="0"/>
-              <a:t>2017-08-30</a:t>
+              <a:t>2017-08-31</a:t>
             </a:fld>
             <a:endParaRPr lang="zh-CN" altLang="en-US"/>
           </a:p>
@@ -1972,7 +2068,7 @@
           <a:p>
             <a:fld id="{AA590AAA-E2D3-492C-81F3-DC050E22F9CA}" type="datetimeFigureOut">
               <a:rPr lang="zh-CN" altLang="en-US" smtClean="0"/>
-              <a:t>2017-08-30</a:t>
+              <a:t>2017-08-31</a:t>
             </a:fld>
             <a:endParaRPr lang="zh-CN" altLang="en-US"/>
           </a:p>
@@ -2339,7 +2435,7 @@
           <a:p>
             <a:fld id="{AA590AAA-E2D3-492C-81F3-DC050E22F9CA}" type="datetimeFigureOut">
               <a:rPr lang="zh-CN" altLang="en-US" smtClean="0"/>
-              <a:t>2017-08-30</a:t>
+              <a:t>2017-08-31</a:t>
             </a:fld>
             <a:endParaRPr lang="zh-CN" altLang="en-US"/>
           </a:p>
@@ -2457,7 +2553,7 @@
           <a:p>
             <a:fld id="{AA590AAA-E2D3-492C-81F3-DC050E22F9CA}" type="datetimeFigureOut">
               <a:rPr lang="zh-CN" altLang="en-US" smtClean="0"/>
-              <a:t>2017-08-30</a:t>
+              <a:t>2017-08-31</a:t>
             </a:fld>
             <a:endParaRPr lang="zh-CN" altLang="en-US"/>
           </a:p>
@@ -2552,7 +2648,7 @@
           <a:p>
             <a:fld id="{AA590AAA-E2D3-492C-81F3-DC050E22F9CA}" type="datetimeFigureOut">
               <a:rPr lang="zh-CN" altLang="en-US" smtClean="0"/>
-              <a:t>2017-08-30</a:t>
+              <a:t>2017-08-31</a:t>
             </a:fld>
             <a:endParaRPr lang="zh-CN" altLang="en-US"/>
           </a:p>
@@ -2829,7 +2925,7 @@
           <a:p>
             <a:fld id="{AA590AAA-E2D3-492C-81F3-DC050E22F9CA}" type="datetimeFigureOut">
               <a:rPr lang="zh-CN" altLang="en-US" smtClean="0"/>
-              <a:t>2017-08-30</a:t>
+              <a:t>2017-08-31</a:t>
             </a:fld>
             <a:endParaRPr lang="zh-CN" altLang="en-US"/>
           </a:p>
@@ -3082,7 +3178,7 @@
           <a:p>
             <a:fld id="{AA590AAA-E2D3-492C-81F3-DC050E22F9CA}" type="datetimeFigureOut">
               <a:rPr lang="zh-CN" altLang="en-US" smtClean="0"/>
-              <a:t>2017-08-30</a:t>
+              <a:t>2017-08-31</a:t>
             </a:fld>
             <a:endParaRPr lang="zh-CN" altLang="en-US"/>
           </a:p>
@@ -3295,7 +3391,7 @@
           <a:p>
             <a:fld id="{AA590AAA-E2D3-492C-81F3-DC050E22F9CA}" type="datetimeFigureOut">
               <a:rPr lang="zh-CN" altLang="en-US" smtClean="0"/>
-              <a:t>2017-08-30</a:t>
+              <a:t>2017-08-31</a:t>
             </a:fld>
             <a:endParaRPr lang="zh-CN" altLang="en-US"/>
           </a:p>
@@ -15229,8 +15325,8 @@
         </p:nvSpPr>
         <p:spPr>
           <a:xfrm>
-            <a:off x="4637577" y="1666257"/>
-            <a:ext cx="1127232" cy="338554"/>
+            <a:off x="4699683" y="1635479"/>
+            <a:ext cx="1244251" cy="369332"/>
           </a:xfrm>
           <a:prstGeom prst="rect">
             <a:avLst/>
@@ -15243,14 +15339,14 @@
           <a:lstStyle/>
           <a:p>
             <a:r>
-              <a:rPr lang="en-US" altLang="zh-CN" sz="1600" dirty="0" smtClean="0">
+              <a:rPr lang="en-US" altLang="zh-CN" dirty="0" smtClean="0">
                 <a:solidFill>
                   <a:srgbClr val="FF0000"/>
                 </a:solidFill>
               </a:rPr>
               <a:t>object type</a:t>
             </a:r>
-            <a:endParaRPr lang="zh-CN" altLang="en-US" sz="1600" dirty="0">
+            <a:endParaRPr lang="zh-CN" altLang="en-US" dirty="0">
               <a:solidFill>
                 <a:srgbClr val="FF0000"/>
               </a:solidFill>
@@ -15266,8 +15362,8 @@
         </p:nvSpPr>
         <p:spPr>
           <a:xfrm>
-            <a:off x="5429267" y="2103392"/>
-            <a:ext cx="1048685" cy="338554"/>
+            <a:off x="5478929" y="2075489"/>
+            <a:ext cx="1159292" cy="369332"/>
           </a:xfrm>
           <a:prstGeom prst="rect">
             <a:avLst/>
@@ -15280,14 +15376,14 @@
           <a:lstStyle/>
           <a:p>
             <a:r>
-              <a:rPr lang="en-US" altLang="zh-CN" sz="1600" dirty="0" smtClean="0">
+              <a:rPr lang="en-US" altLang="zh-CN" dirty="0" smtClean="0">
                 <a:solidFill>
                   <a:srgbClr val="FF0000"/>
                 </a:solidFill>
               </a:rPr>
               <a:t>fields type</a:t>
             </a:r>
-            <a:endParaRPr lang="zh-CN" altLang="en-US" sz="1600" dirty="0">
+            <a:endParaRPr lang="zh-CN" altLang="en-US" dirty="0">
               <a:solidFill>
                 <a:srgbClr val="FF0000"/>
               </a:solidFill>
@@ -15303,8 +15399,8 @@
         </p:nvSpPr>
         <p:spPr>
           <a:xfrm>
-            <a:off x="9733328" y="2103392"/>
-            <a:ext cx="1125757" cy="338554"/>
+            <a:off x="9774819" y="2091588"/>
+            <a:ext cx="1248803" cy="369332"/>
           </a:xfrm>
           <a:prstGeom prst="rect">
             <a:avLst/>
@@ -15317,14 +15413,14 @@
           <a:lstStyle/>
           <a:p>
             <a:r>
-              <a:rPr lang="en-US" altLang="zh-CN" sz="1600" dirty="0" smtClean="0">
+              <a:rPr lang="en-US" altLang="zh-CN" dirty="0" smtClean="0">
                 <a:solidFill>
                   <a:srgbClr val="FF0000"/>
                 </a:solidFill>
               </a:rPr>
               <a:t>fields index</a:t>
             </a:r>
-            <a:endParaRPr lang="zh-CN" altLang="en-US" sz="1600" dirty="0">
+            <a:endParaRPr lang="zh-CN" altLang="en-US" dirty="0">
               <a:solidFill>
                 <a:srgbClr val="FF0000"/>
               </a:solidFill>
@@ -15340,8 +15436,8 @@
         </p:nvSpPr>
         <p:spPr>
           <a:xfrm>
-            <a:off x="8337925" y="2075489"/>
-            <a:ext cx="1121013" cy="338554"/>
+            <a:off x="8389287" y="2075489"/>
+            <a:ext cx="1242456" cy="369332"/>
           </a:xfrm>
           <a:prstGeom prst="rect">
             <a:avLst/>
@@ -15354,14 +15450,14 @@
           <a:lstStyle/>
           <a:p>
             <a:r>
-              <a:rPr lang="en-US" altLang="zh-CN" sz="1600" dirty="0" smtClean="0">
+              <a:rPr lang="en-US" altLang="zh-CN" dirty="0" smtClean="0">
                 <a:solidFill>
                   <a:srgbClr val="FF0000"/>
                 </a:solidFill>
               </a:rPr>
               <a:t>fields value</a:t>
             </a:r>
-            <a:endParaRPr lang="zh-CN" altLang="en-US" sz="1600" dirty="0">
+            <a:endParaRPr lang="zh-CN" altLang="en-US" dirty="0">
               <a:solidFill>
                 <a:srgbClr val="FF0000"/>
               </a:solidFill>
@@ -15592,7 +15688,7 @@
         <p:spPr>
           <a:xfrm>
             <a:off x="6945459" y="4119240"/>
-            <a:ext cx="1148071" cy="338554"/>
+            <a:ext cx="1273105" cy="369332"/>
           </a:xfrm>
           <a:prstGeom prst="rect">
             <a:avLst/>
@@ -15605,14 +15701,14 @@
           <a:lstStyle/>
           <a:p>
             <a:r>
-              <a:rPr lang="en-US" altLang="zh-CN" sz="1600" dirty="0" smtClean="0">
+              <a:rPr lang="en-US" altLang="zh-CN" dirty="0" smtClean="0">
                 <a:solidFill>
                   <a:srgbClr val="FF0000"/>
                 </a:solidFill>
               </a:rPr>
               <a:t>fields name</a:t>
             </a:r>
-            <a:endParaRPr lang="zh-CN" altLang="en-US" sz="1600" dirty="0">
+            <a:endParaRPr lang="zh-CN" altLang="en-US" dirty="0">
               <a:solidFill>
                 <a:srgbClr val="FF0000"/>
               </a:solidFill>
@@ -16577,22 +16673,338 @@
       </p:grpSpPr>
       <p:sp>
         <p:nvSpPr>
-          <p:cNvPr id="2" name="标题 1"/>
-          <p:cNvSpPr>
-            <a:spLocks noGrp="1"/>
-          </p:cNvSpPr>
-          <p:nvPr>
-            <p:ph type="title"/>
-          </p:nvPr>
+          <p:cNvPr id="6" name="矩形 5"/>
+          <p:cNvSpPr/>
+          <p:nvPr/>
         </p:nvSpPr>
-        <p:spPr/>
+        <p:spPr>
+          <a:xfrm>
+            <a:off x="838200" y="3396266"/>
+            <a:ext cx="7487195" cy="646331"/>
+          </a:xfrm>
+          <a:prstGeom prst="rect">
+            <a:avLst/>
+          </a:prstGeom>
+        </p:spPr>
         <p:txBody>
-          <a:bodyPr/>
+          <a:bodyPr wrap="square">
+            <a:spAutoFit/>
+          </a:bodyPr>
           <a:lstStyle/>
           <a:p>
             <a:r>
-              <a:rPr lang="en-US" altLang="zh-CN" dirty="0" smtClean="0"/>
-              <a:t>Outline</a:t>
+              <a:rPr lang="en-US" altLang="zh-CN" dirty="0">
+                <a:solidFill>
+                  <a:srgbClr val="0000FF"/>
+                </a:solidFill>
+                <a:highlight>
+                  <a:srgbClr val="FFFFFF"/>
+                </a:highlight>
+                <a:latin typeface="新宋体" panose="02010609030101010101" pitchFamily="49" charset="-122"/>
+                <a:ea typeface="新宋体" panose="02010609030101010101" pitchFamily="49" charset="-122"/>
+              </a:rPr>
+              <a:t>template</a:t>
+            </a:r>
+            <a:r>
+              <a:rPr lang="en-US" altLang="zh-CN" dirty="0">
+                <a:solidFill>
+                  <a:srgbClr val="000000"/>
+                </a:solidFill>
+                <a:highlight>
+                  <a:srgbClr val="FFFFFF"/>
+                </a:highlight>
+                <a:latin typeface="新宋体" panose="02010609030101010101" pitchFamily="49" charset="-122"/>
+                <a:ea typeface="新宋体" panose="02010609030101010101" pitchFamily="49" charset="-122"/>
+              </a:rPr>
+              <a:t>&lt;</a:t>
+            </a:r>
+            <a:r>
+              <a:rPr lang="en-US" altLang="zh-CN" dirty="0" err="1">
+                <a:solidFill>
+                  <a:srgbClr val="0000FF"/>
+                </a:solidFill>
+                <a:highlight>
+                  <a:srgbClr val="FFFFFF"/>
+                </a:highlight>
+                <a:latin typeface="新宋体" panose="02010609030101010101" pitchFamily="49" charset="-122"/>
+                <a:ea typeface="新宋体" panose="02010609030101010101" pitchFamily="49" charset="-122"/>
+              </a:rPr>
+              <a:t>typename</a:t>
+            </a:r>
+            <a:r>
+              <a:rPr lang="en-US" altLang="zh-CN" dirty="0">
+                <a:solidFill>
+                  <a:srgbClr val="000000"/>
+                </a:solidFill>
+                <a:highlight>
+                  <a:srgbClr val="FFFFFF"/>
+                </a:highlight>
+                <a:latin typeface="新宋体" panose="02010609030101010101" pitchFamily="49" charset="-122"/>
+                <a:ea typeface="新宋体" panose="02010609030101010101" pitchFamily="49" charset="-122"/>
+              </a:rPr>
+              <a:t> </a:t>
+            </a:r>
+            <a:r>
+              <a:rPr lang="en-US" altLang="zh-CN" dirty="0">
+                <a:solidFill>
+                  <a:srgbClr val="2B91AF"/>
+                </a:solidFill>
+                <a:highlight>
+                  <a:srgbClr val="FFFFFF"/>
+                </a:highlight>
+                <a:latin typeface="新宋体" panose="02010609030101010101" pitchFamily="49" charset="-122"/>
+                <a:ea typeface="新宋体" panose="02010609030101010101" pitchFamily="49" charset="-122"/>
+              </a:rPr>
+              <a:t>A</a:t>
+            </a:r>
+            <a:r>
+              <a:rPr lang="en-US" altLang="zh-CN" dirty="0">
+                <a:solidFill>
+                  <a:srgbClr val="000000"/>
+                </a:solidFill>
+                <a:highlight>
+                  <a:srgbClr val="FFFFFF"/>
+                </a:highlight>
+                <a:latin typeface="新宋体" panose="02010609030101010101" pitchFamily="49" charset="-122"/>
+                <a:ea typeface="新宋体" panose="02010609030101010101" pitchFamily="49" charset="-122"/>
+              </a:rPr>
+              <a:t>&gt;</a:t>
+            </a:r>
+          </a:p>
+          <a:p>
+            <a:r>
+              <a:rPr lang="en-US" altLang="zh-CN" dirty="0">
+                <a:solidFill>
+                  <a:srgbClr val="0000FF"/>
+                </a:solidFill>
+                <a:highlight>
+                  <a:srgbClr val="FFFFFF"/>
+                </a:highlight>
+                <a:latin typeface="新宋体" panose="02010609030101010101" pitchFamily="49" charset="-122"/>
+                <a:ea typeface="新宋体" panose="02010609030101010101" pitchFamily="49" charset="-122"/>
+              </a:rPr>
+              <a:t>void</a:t>
+            </a:r>
+            <a:r>
+              <a:rPr lang="en-US" altLang="zh-CN" dirty="0">
+                <a:solidFill>
+                  <a:srgbClr val="000000"/>
+                </a:solidFill>
+                <a:highlight>
+                  <a:srgbClr val="FFFFFF"/>
+                </a:highlight>
+                <a:latin typeface="新宋体" panose="02010609030101010101" pitchFamily="49" charset="-122"/>
+                <a:ea typeface="新宋体" panose="02010609030101010101" pitchFamily="49" charset="-122"/>
+              </a:rPr>
+              <a:t> </a:t>
+            </a:r>
+            <a:r>
+              <a:rPr lang="en-US" altLang="zh-CN" dirty="0" err="1">
+                <a:solidFill>
+                  <a:srgbClr val="000000"/>
+                </a:solidFill>
+                <a:highlight>
+                  <a:srgbClr val="FFFFFF"/>
+                </a:highlight>
+                <a:latin typeface="新宋体" panose="02010609030101010101" pitchFamily="49" charset="-122"/>
+                <a:ea typeface="新宋体" panose="02010609030101010101" pitchFamily="49" charset="-122"/>
+              </a:rPr>
+              <a:t>printPack</a:t>
+            </a:r>
+            <a:r>
+              <a:rPr lang="en-US" altLang="zh-CN" dirty="0">
+                <a:solidFill>
+                  <a:srgbClr val="000000"/>
+                </a:solidFill>
+                <a:highlight>
+                  <a:srgbClr val="FFFFFF"/>
+                </a:highlight>
+                <a:latin typeface="新宋体" panose="02010609030101010101" pitchFamily="49" charset="-122"/>
+                <a:ea typeface="新宋体" panose="02010609030101010101" pitchFamily="49" charset="-122"/>
+              </a:rPr>
+              <a:t>(</a:t>
+            </a:r>
+            <a:r>
+              <a:rPr lang="en-US" altLang="zh-CN" dirty="0" err="1">
+                <a:solidFill>
+                  <a:srgbClr val="000000"/>
+                </a:solidFill>
+                <a:highlight>
+                  <a:srgbClr val="FFFFFF"/>
+                </a:highlight>
+                <a:latin typeface="新宋体" panose="02010609030101010101" pitchFamily="49" charset="-122"/>
+                <a:ea typeface="新宋体" panose="02010609030101010101" pitchFamily="49" charset="-122"/>
+              </a:rPr>
+              <a:t>std</a:t>
+            </a:r>
+            <a:r>
+              <a:rPr lang="en-US" altLang="zh-CN" dirty="0">
+                <a:solidFill>
+                  <a:srgbClr val="000000"/>
+                </a:solidFill>
+                <a:highlight>
+                  <a:srgbClr val="FFFFFF"/>
+                </a:highlight>
+                <a:latin typeface="新宋体" panose="02010609030101010101" pitchFamily="49" charset="-122"/>
+                <a:ea typeface="新宋体" panose="02010609030101010101" pitchFamily="49" charset="-122"/>
+              </a:rPr>
+              <a:t>::</a:t>
+            </a:r>
+            <a:r>
+              <a:rPr lang="en-US" altLang="zh-CN" dirty="0" err="1">
+                <a:solidFill>
+                  <a:srgbClr val="2B91AF"/>
+                </a:solidFill>
+                <a:highlight>
+                  <a:srgbClr val="FFFFFF"/>
+                </a:highlight>
+                <a:latin typeface="新宋体" panose="02010609030101010101" pitchFamily="49" charset="-122"/>
+                <a:ea typeface="新宋体" panose="02010609030101010101" pitchFamily="49" charset="-122"/>
+              </a:rPr>
+              <a:t>ostream</a:t>
+            </a:r>
+            <a:r>
+              <a:rPr lang="en-US" altLang="zh-CN" dirty="0">
+                <a:solidFill>
+                  <a:srgbClr val="000000"/>
+                </a:solidFill>
+                <a:highlight>
+                  <a:srgbClr val="FFFFFF"/>
+                </a:highlight>
+                <a:latin typeface="新宋体" panose="02010609030101010101" pitchFamily="49" charset="-122"/>
+                <a:ea typeface="新宋体" panose="02010609030101010101" pitchFamily="49" charset="-122"/>
+              </a:rPr>
+              <a:t> &amp;</a:t>
+            </a:r>
+            <a:r>
+              <a:rPr lang="en-US" altLang="zh-CN" dirty="0">
+                <a:solidFill>
+                  <a:srgbClr val="808080"/>
+                </a:solidFill>
+                <a:highlight>
+                  <a:srgbClr val="FFFFFF"/>
+                </a:highlight>
+                <a:latin typeface="新宋体" panose="02010609030101010101" pitchFamily="49" charset="-122"/>
+                <a:ea typeface="新宋体" panose="02010609030101010101" pitchFamily="49" charset="-122"/>
+              </a:rPr>
+              <a:t>out</a:t>
+            </a:r>
+            <a:r>
+              <a:rPr lang="en-US" altLang="zh-CN" dirty="0">
+                <a:solidFill>
+                  <a:srgbClr val="000000"/>
+                </a:solidFill>
+                <a:highlight>
+                  <a:srgbClr val="FFFFFF"/>
+                </a:highlight>
+                <a:latin typeface="新宋体" panose="02010609030101010101" pitchFamily="49" charset="-122"/>
+                <a:ea typeface="新宋体" panose="02010609030101010101" pitchFamily="49" charset="-122"/>
+              </a:rPr>
+              <a:t>, </a:t>
+            </a:r>
+            <a:r>
+              <a:rPr lang="en-US" altLang="zh-CN" dirty="0" err="1">
+                <a:solidFill>
+                  <a:srgbClr val="0000FF"/>
+                </a:solidFill>
+                <a:highlight>
+                  <a:srgbClr val="FFFFFF"/>
+                </a:highlight>
+                <a:latin typeface="新宋体" panose="02010609030101010101" pitchFamily="49" charset="-122"/>
+                <a:ea typeface="新宋体" panose="02010609030101010101" pitchFamily="49" charset="-122"/>
+              </a:rPr>
+              <a:t>const</a:t>
+            </a:r>
+            <a:r>
+              <a:rPr lang="en-US" altLang="zh-CN" dirty="0">
+                <a:solidFill>
+                  <a:srgbClr val="000000"/>
+                </a:solidFill>
+                <a:highlight>
+                  <a:srgbClr val="FFFFFF"/>
+                </a:highlight>
+                <a:latin typeface="新宋体" panose="02010609030101010101" pitchFamily="49" charset="-122"/>
+                <a:ea typeface="新宋体" panose="02010609030101010101" pitchFamily="49" charset="-122"/>
+              </a:rPr>
+              <a:t> </a:t>
+            </a:r>
+            <a:r>
+              <a:rPr lang="en-US" altLang="zh-CN" dirty="0">
+                <a:solidFill>
+                  <a:srgbClr val="2B91AF"/>
+                </a:solidFill>
+                <a:highlight>
+                  <a:srgbClr val="FFFFFF"/>
+                </a:highlight>
+                <a:latin typeface="新宋体" panose="02010609030101010101" pitchFamily="49" charset="-122"/>
+                <a:ea typeface="新宋体" panose="02010609030101010101" pitchFamily="49" charset="-122"/>
+              </a:rPr>
+              <a:t>A</a:t>
+            </a:r>
+            <a:r>
+              <a:rPr lang="en-US" altLang="zh-CN" dirty="0">
+                <a:solidFill>
+                  <a:srgbClr val="000000"/>
+                </a:solidFill>
+                <a:highlight>
+                  <a:srgbClr val="FFFFFF"/>
+                </a:highlight>
+                <a:latin typeface="新宋体" panose="02010609030101010101" pitchFamily="49" charset="-122"/>
+                <a:ea typeface="新宋体" panose="02010609030101010101" pitchFamily="49" charset="-122"/>
+              </a:rPr>
+              <a:t> &amp;</a:t>
+            </a:r>
+            <a:r>
+              <a:rPr lang="en-US" altLang="zh-CN" dirty="0">
+                <a:solidFill>
+                  <a:srgbClr val="808080"/>
+                </a:solidFill>
+                <a:highlight>
+                  <a:srgbClr val="FFFFFF"/>
+                </a:highlight>
+                <a:latin typeface="新宋体" panose="02010609030101010101" pitchFamily="49" charset="-122"/>
+                <a:ea typeface="新宋体" panose="02010609030101010101" pitchFamily="49" charset="-122"/>
+              </a:rPr>
+              <a:t>v</a:t>
+            </a:r>
+            <a:r>
+              <a:rPr lang="en-US" altLang="zh-CN" dirty="0">
+                <a:solidFill>
+                  <a:srgbClr val="000000"/>
+                </a:solidFill>
+                <a:highlight>
+                  <a:srgbClr val="FFFFFF"/>
+                </a:highlight>
+                <a:latin typeface="新宋体" panose="02010609030101010101" pitchFamily="49" charset="-122"/>
+                <a:ea typeface="新宋体" panose="02010609030101010101" pitchFamily="49" charset="-122"/>
+              </a:rPr>
+              <a:t>, </a:t>
+            </a:r>
+            <a:r>
+              <a:rPr lang="en-US" altLang="zh-CN" dirty="0">
+                <a:solidFill>
+                  <a:srgbClr val="2B91AF"/>
+                </a:solidFill>
+                <a:highlight>
+                  <a:srgbClr val="FFFFFF"/>
+                </a:highlight>
+                <a:latin typeface="新宋体" panose="02010609030101010101" pitchFamily="49" charset="-122"/>
+                <a:ea typeface="新宋体" panose="02010609030101010101" pitchFamily="49" charset="-122"/>
+              </a:rPr>
+              <a:t>Pack</a:t>
+            </a:r>
+            <a:r>
+              <a:rPr lang="en-US" altLang="zh-CN" dirty="0">
+                <a:solidFill>
+                  <a:srgbClr val="000000"/>
+                </a:solidFill>
+                <a:highlight>
+                  <a:srgbClr val="FFFFFF"/>
+                </a:highlight>
+                <a:latin typeface="新宋体" panose="02010609030101010101" pitchFamily="49" charset="-122"/>
+                <a:ea typeface="新宋体" panose="02010609030101010101" pitchFamily="49" charset="-122"/>
+              </a:rPr>
+              <a:t>&lt;&gt; *) {}</a:t>
             </a:r>
             <a:endParaRPr lang="zh-CN" altLang="en-US" dirty="0"/>
           </a:p>
@@ -16600,53 +17012,1673 @@
       </p:sp>
       <p:sp>
         <p:nvSpPr>
-          <p:cNvPr id="3" name="内容占位符 2"/>
-          <p:cNvSpPr>
-            <a:spLocks noGrp="1"/>
-          </p:cNvSpPr>
-          <p:nvPr>
-            <p:ph idx="1"/>
-          </p:nvPr>
+          <p:cNvPr id="7" name="矩形 6"/>
+          <p:cNvSpPr/>
+          <p:nvPr/>
         </p:nvSpPr>
-        <p:spPr/>
+        <p:spPr>
+          <a:xfrm>
+            <a:off x="838200" y="4338230"/>
+            <a:ext cx="6096000" cy="646331"/>
+          </a:xfrm>
+          <a:prstGeom prst="rect">
+            <a:avLst/>
+          </a:prstGeom>
+        </p:spPr>
         <p:txBody>
-          <a:bodyPr/>
+          <a:bodyPr>
+            <a:spAutoFit/>
+          </a:bodyPr>
           <a:lstStyle/>
           <a:p>
             <a:r>
-              <a:rPr lang="en-US" altLang="zh-CN" dirty="0" smtClean="0"/>
-              <a:t>concepts of reflection</a:t>
-            </a:r>
-          </a:p>
-          <a:p>
-            <a:r>
-              <a:rPr lang="en-US" altLang="zh-CN" dirty="0"/>
-              <a:t>implementation of compile-time </a:t>
-            </a:r>
-            <a:r>
-              <a:rPr lang="en-US" altLang="zh-CN" dirty="0" smtClean="0"/>
-              <a:t>reflection</a:t>
-            </a:r>
-          </a:p>
-          <a:p>
-            <a:r>
-              <a:rPr lang="en-US" altLang="zh-CN" b="1" dirty="0" smtClean="0"/>
-              <a:t>application of compile-time reflection</a:t>
-            </a:r>
-          </a:p>
-          <a:p>
-            <a:r>
-              <a:rPr lang="en-US" altLang="zh-CN" dirty="0" smtClean="0"/>
-              <a:t>prospect</a:t>
+              <a:rPr lang="en-US" altLang="zh-CN" dirty="0">
+                <a:solidFill>
+                  <a:srgbClr val="0000FF"/>
+                </a:solidFill>
+                <a:highlight>
+                  <a:srgbClr val="FFFFFF"/>
+                </a:highlight>
+                <a:latin typeface="新宋体" panose="02010609030101010101" pitchFamily="49" charset="-122"/>
+                <a:ea typeface="新宋体" panose="02010609030101010101" pitchFamily="49" charset="-122"/>
+              </a:rPr>
+              <a:t>using</a:t>
+            </a:r>
+            <a:r>
+              <a:rPr lang="en-US" altLang="zh-CN" dirty="0">
+                <a:solidFill>
+                  <a:srgbClr val="000000"/>
+                </a:solidFill>
+                <a:highlight>
+                  <a:srgbClr val="FFFFFF"/>
+                </a:highlight>
+                <a:latin typeface="新宋体" panose="02010609030101010101" pitchFamily="49" charset="-122"/>
+                <a:ea typeface="新宋体" panose="02010609030101010101" pitchFamily="49" charset="-122"/>
+              </a:rPr>
+              <a:t> </a:t>
+            </a:r>
+            <a:r>
+              <a:rPr lang="en-US" altLang="zh-CN" dirty="0">
+                <a:solidFill>
+                  <a:srgbClr val="2B91AF"/>
+                </a:solidFill>
+                <a:highlight>
+                  <a:srgbClr val="FFFFFF"/>
+                </a:highlight>
+                <a:latin typeface="新宋体" panose="02010609030101010101" pitchFamily="49" charset="-122"/>
+                <a:ea typeface="新宋体" panose="02010609030101010101" pitchFamily="49" charset="-122"/>
+              </a:rPr>
+              <a:t>M</a:t>
+            </a:r>
+            <a:r>
+              <a:rPr lang="en-US" altLang="zh-CN" dirty="0">
+                <a:solidFill>
+                  <a:srgbClr val="000000"/>
+                </a:solidFill>
+                <a:highlight>
+                  <a:srgbClr val="FFFFFF"/>
+                </a:highlight>
+                <a:latin typeface="新宋体" panose="02010609030101010101" pitchFamily="49" charset="-122"/>
+                <a:ea typeface="新宋体" panose="02010609030101010101" pitchFamily="49" charset="-122"/>
+              </a:rPr>
+              <a:t> = </a:t>
+            </a:r>
+            <a:r>
+              <a:rPr lang="en-US" altLang="zh-CN" dirty="0">
+                <a:solidFill>
+                  <a:srgbClr val="2B91AF"/>
+                </a:solidFill>
+                <a:highlight>
+                  <a:srgbClr val="FFFFFF"/>
+                </a:highlight>
+                <a:latin typeface="新宋体" panose="02010609030101010101" pitchFamily="49" charset="-122"/>
+                <a:ea typeface="新宋体" panose="02010609030101010101" pitchFamily="49" charset="-122"/>
+              </a:rPr>
+              <a:t>Members</a:t>
+            </a:r>
+            <a:r>
+              <a:rPr lang="en-US" altLang="zh-CN" dirty="0">
+                <a:solidFill>
+                  <a:srgbClr val="000000"/>
+                </a:solidFill>
+                <a:highlight>
+                  <a:srgbClr val="FFFFFF"/>
+                </a:highlight>
+                <a:latin typeface="新宋体" panose="02010609030101010101" pitchFamily="49" charset="-122"/>
+                <a:ea typeface="新宋体" panose="02010609030101010101" pitchFamily="49" charset="-122"/>
+              </a:rPr>
+              <a:t>&lt;</a:t>
+            </a:r>
+            <a:r>
+              <a:rPr lang="en-US" altLang="zh-CN" dirty="0">
+                <a:solidFill>
+                  <a:srgbClr val="2B91AF"/>
+                </a:solidFill>
+                <a:highlight>
+                  <a:srgbClr val="FFFFFF"/>
+                </a:highlight>
+                <a:latin typeface="新宋体" panose="02010609030101010101" pitchFamily="49" charset="-122"/>
+                <a:ea typeface="新宋体" panose="02010609030101010101" pitchFamily="49" charset="-122"/>
+              </a:rPr>
+              <a:t>T</a:t>
+            </a:r>
+            <a:r>
+              <a:rPr lang="en-US" altLang="zh-CN" dirty="0">
+                <a:solidFill>
+                  <a:srgbClr val="000000"/>
+                </a:solidFill>
+                <a:highlight>
+                  <a:srgbClr val="FFFFFF"/>
+                </a:highlight>
+                <a:latin typeface="新宋体" panose="02010609030101010101" pitchFamily="49" charset="-122"/>
+                <a:ea typeface="新宋体" panose="02010609030101010101" pitchFamily="49" charset="-122"/>
+              </a:rPr>
+              <a:t>&gt;;</a:t>
+            </a:r>
+          </a:p>
+          <a:p>
+            <a:r>
+              <a:rPr lang="en-US" altLang="zh-CN" dirty="0" err="1" smtClean="0">
+                <a:solidFill>
+                  <a:srgbClr val="000000"/>
+                </a:solidFill>
+                <a:highlight>
+                  <a:srgbClr val="FFFFFF"/>
+                </a:highlight>
+                <a:latin typeface="新宋体" panose="02010609030101010101" pitchFamily="49" charset="-122"/>
+                <a:ea typeface="新宋体" panose="02010609030101010101" pitchFamily="49" charset="-122"/>
+              </a:rPr>
+              <a:t>printPack</a:t>
+            </a:r>
+            <a:r>
+              <a:rPr lang="en-US" altLang="zh-CN" dirty="0" smtClean="0">
+                <a:solidFill>
+                  <a:srgbClr val="000000"/>
+                </a:solidFill>
+                <a:highlight>
+                  <a:srgbClr val="FFFFFF"/>
+                </a:highlight>
+                <a:latin typeface="新宋体" panose="02010609030101010101" pitchFamily="49" charset="-122"/>
+                <a:ea typeface="新宋体" panose="02010609030101010101" pitchFamily="49" charset="-122"/>
+              </a:rPr>
+              <a:t>(</a:t>
+            </a:r>
+            <a:r>
+              <a:rPr lang="en-US" altLang="zh-CN" dirty="0" err="1" smtClean="0">
+                <a:solidFill>
+                  <a:srgbClr val="000000"/>
+                </a:solidFill>
+                <a:highlight>
+                  <a:srgbClr val="FFFFFF"/>
+                </a:highlight>
+                <a:latin typeface="新宋体" panose="02010609030101010101" pitchFamily="49" charset="-122"/>
+                <a:ea typeface="新宋体" panose="02010609030101010101" pitchFamily="49" charset="-122"/>
+              </a:rPr>
+              <a:t>ostr</a:t>
+            </a:r>
+            <a:r>
+              <a:rPr lang="en-US" altLang="zh-CN" dirty="0">
+                <a:solidFill>
+                  <a:srgbClr val="000000"/>
+                </a:solidFill>
+                <a:highlight>
+                  <a:srgbClr val="FFFFFF"/>
+                </a:highlight>
+                <a:latin typeface="新宋体" panose="02010609030101010101" pitchFamily="49" charset="-122"/>
+                <a:ea typeface="新宋体" panose="02010609030101010101" pitchFamily="49" charset="-122"/>
+              </a:rPr>
+              <a:t>, </a:t>
+            </a:r>
+            <a:r>
+              <a:rPr lang="en-US" altLang="zh-CN" dirty="0">
+                <a:solidFill>
+                  <a:srgbClr val="808080"/>
+                </a:solidFill>
+                <a:highlight>
+                  <a:srgbClr val="FFFFFF"/>
+                </a:highlight>
+                <a:latin typeface="新宋体" panose="02010609030101010101" pitchFamily="49" charset="-122"/>
+                <a:ea typeface="新宋体" panose="02010609030101010101" pitchFamily="49" charset="-122"/>
+              </a:rPr>
+              <a:t>v</a:t>
+            </a:r>
+            <a:r>
+              <a:rPr lang="en-US" altLang="zh-CN" dirty="0">
+                <a:solidFill>
+                  <a:srgbClr val="000000"/>
+                </a:solidFill>
+                <a:highlight>
+                  <a:srgbClr val="FFFFFF"/>
+                </a:highlight>
+                <a:latin typeface="新宋体" panose="02010609030101010101" pitchFamily="49" charset="-122"/>
+                <a:ea typeface="新宋体" panose="02010609030101010101" pitchFamily="49" charset="-122"/>
+              </a:rPr>
+              <a:t>, (</a:t>
+            </a:r>
+            <a:r>
+              <a:rPr lang="en-US" altLang="zh-CN" dirty="0" err="1">
+                <a:solidFill>
+                  <a:srgbClr val="0000FF"/>
+                </a:solidFill>
+                <a:highlight>
+                  <a:srgbClr val="FFFFFF"/>
+                </a:highlight>
+                <a:latin typeface="新宋体" panose="02010609030101010101" pitchFamily="49" charset="-122"/>
+                <a:ea typeface="新宋体" panose="02010609030101010101" pitchFamily="49" charset="-122"/>
+              </a:rPr>
+              <a:t>typename</a:t>
+            </a:r>
+            <a:r>
+              <a:rPr lang="en-US" altLang="zh-CN" dirty="0">
+                <a:solidFill>
+                  <a:srgbClr val="000000"/>
+                </a:solidFill>
+                <a:highlight>
+                  <a:srgbClr val="FFFFFF"/>
+                </a:highlight>
+                <a:latin typeface="新宋体" panose="02010609030101010101" pitchFamily="49" charset="-122"/>
+                <a:ea typeface="新宋体" panose="02010609030101010101" pitchFamily="49" charset="-122"/>
+              </a:rPr>
+              <a:t> </a:t>
+            </a:r>
+            <a:r>
+              <a:rPr lang="en-US" altLang="zh-CN" dirty="0">
+                <a:solidFill>
+                  <a:srgbClr val="2B91AF"/>
+                </a:solidFill>
+                <a:highlight>
+                  <a:srgbClr val="FFFFFF"/>
+                </a:highlight>
+                <a:latin typeface="新宋体" panose="02010609030101010101" pitchFamily="49" charset="-122"/>
+                <a:ea typeface="新宋体" panose="02010609030101010101" pitchFamily="49" charset="-122"/>
+              </a:rPr>
+              <a:t>M</a:t>
+            </a:r>
+            <a:r>
+              <a:rPr lang="en-US" altLang="zh-CN" dirty="0">
+                <a:solidFill>
+                  <a:srgbClr val="000000"/>
+                </a:solidFill>
+                <a:highlight>
+                  <a:srgbClr val="FFFFFF"/>
+                </a:highlight>
+                <a:latin typeface="新宋体" panose="02010609030101010101" pitchFamily="49" charset="-122"/>
+                <a:ea typeface="新宋体" panose="02010609030101010101" pitchFamily="49" charset="-122"/>
+              </a:rPr>
+              <a:t>::</a:t>
+            </a:r>
+            <a:r>
+              <a:rPr lang="en-US" altLang="zh-CN" dirty="0">
+                <a:solidFill>
+                  <a:srgbClr val="2B91AF"/>
+                </a:solidFill>
+                <a:highlight>
+                  <a:srgbClr val="FFFFFF"/>
+                </a:highlight>
+                <a:latin typeface="新宋体" panose="02010609030101010101" pitchFamily="49" charset="-122"/>
+                <a:ea typeface="新宋体" panose="02010609030101010101" pitchFamily="49" charset="-122"/>
+              </a:rPr>
+              <a:t>type</a:t>
+            </a:r>
+            <a:r>
+              <a:rPr lang="en-US" altLang="zh-CN" dirty="0">
+                <a:solidFill>
+                  <a:srgbClr val="000000"/>
+                </a:solidFill>
+                <a:highlight>
+                  <a:srgbClr val="FFFFFF"/>
+                </a:highlight>
+                <a:latin typeface="新宋体" panose="02010609030101010101" pitchFamily="49" charset="-122"/>
+                <a:ea typeface="新宋体" panose="02010609030101010101" pitchFamily="49" charset="-122"/>
+              </a:rPr>
+              <a:t> *)</a:t>
+            </a:r>
+            <a:r>
+              <a:rPr lang="en-US" altLang="zh-CN" dirty="0" err="1">
+                <a:solidFill>
+                  <a:srgbClr val="0000FF"/>
+                </a:solidFill>
+                <a:highlight>
+                  <a:srgbClr val="FFFFFF"/>
+                </a:highlight>
+                <a:latin typeface="新宋体" panose="02010609030101010101" pitchFamily="49" charset="-122"/>
+                <a:ea typeface="新宋体" panose="02010609030101010101" pitchFamily="49" charset="-122"/>
+              </a:rPr>
+              <a:t>nullptr</a:t>
+            </a:r>
+            <a:r>
+              <a:rPr lang="en-US" altLang="zh-CN" dirty="0">
+                <a:solidFill>
+                  <a:srgbClr val="000000"/>
+                </a:solidFill>
+                <a:highlight>
+                  <a:srgbClr val="FFFFFF"/>
+                </a:highlight>
+                <a:latin typeface="新宋体" panose="02010609030101010101" pitchFamily="49" charset="-122"/>
+                <a:ea typeface="新宋体" panose="02010609030101010101" pitchFamily="49" charset="-122"/>
+              </a:rPr>
+              <a:t>);</a:t>
+            </a:r>
+            <a:endParaRPr lang="en-US" altLang="zh-CN" dirty="0">
+              <a:solidFill>
+                <a:srgbClr val="000000"/>
+              </a:solidFill>
+              <a:highlight>
+                <a:srgbClr val="FFFFFF"/>
+              </a:highlight>
+              <a:latin typeface="新宋体" panose="02010609030101010101" pitchFamily="49" charset="-122"/>
+              <a:ea typeface="新宋体" panose="02010609030101010101" pitchFamily="49" charset="-122"/>
+            </a:endParaRPr>
+          </a:p>
+        </p:txBody>
+      </p:sp>
+      <p:sp>
+        <p:nvSpPr>
+          <p:cNvPr id="8" name="矩形 7"/>
+          <p:cNvSpPr/>
+          <p:nvPr/>
+        </p:nvSpPr>
+        <p:spPr>
+          <a:xfrm>
+            <a:off x="838200" y="1048411"/>
+            <a:ext cx="10091057" cy="2308324"/>
+          </a:xfrm>
+          <a:prstGeom prst="rect">
+            <a:avLst/>
+          </a:prstGeom>
+        </p:spPr>
+        <p:txBody>
+          <a:bodyPr wrap="square">
+            <a:spAutoFit/>
+          </a:bodyPr>
+          <a:lstStyle/>
+          <a:p>
+            <a:r>
+              <a:rPr lang="en-US" altLang="zh-CN" dirty="0">
+                <a:solidFill>
+                  <a:srgbClr val="0000FF"/>
+                </a:solidFill>
+                <a:highlight>
+                  <a:srgbClr val="FFFFFF"/>
+                </a:highlight>
+                <a:latin typeface="新宋体" panose="02010609030101010101" pitchFamily="49" charset="-122"/>
+                <a:ea typeface="新宋体" panose="02010609030101010101" pitchFamily="49" charset="-122"/>
+              </a:rPr>
+              <a:t>template</a:t>
+            </a:r>
+            <a:r>
+              <a:rPr lang="en-US" altLang="zh-CN" dirty="0">
+                <a:solidFill>
+                  <a:srgbClr val="000000"/>
+                </a:solidFill>
+                <a:highlight>
+                  <a:srgbClr val="FFFFFF"/>
+                </a:highlight>
+                <a:latin typeface="新宋体" panose="02010609030101010101" pitchFamily="49" charset="-122"/>
+                <a:ea typeface="新宋体" panose="02010609030101010101" pitchFamily="49" charset="-122"/>
+              </a:rPr>
+              <a:t>&lt;</a:t>
+            </a:r>
+            <a:r>
+              <a:rPr lang="en-US" altLang="zh-CN" dirty="0" err="1">
+                <a:solidFill>
+                  <a:srgbClr val="0000FF"/>
+                </a:solidFill>
+                <a:highlight>
+                  <a:srgbClr val="FFFFFF"/>
+                </a:highlight>
+                <a:latin typeface="新宋体" panose="02010609030101010101" pitchFamily="49" charset="-122"/>
+                <a:ea typeface="新宋体" panose="02010609030101010101" pitchFamily="49" charset="-122"/>
+              </a:rPr>
+              <a:t>typename</a:t>
+            </a:r>
+            <a:r>
+              <a:rPr lang="en-US" altLang="zh-CN" dirty="0">
+                <a:solidFill>
+                  <a:srgbClr val="000000"/>
+                </a:solidFill>
+                <a:highlight>
+                  <a:srgbClr val="FFFFFF"/>
+                </a:highlight>
+                <a:latin typeface="新宋体" panose="02010609030101010101" pitchFamily="49" charset="-122"/>
+                <a:ea typeface="新宋体" panose="02010609030101010101" pitchFamily="49" charset="-122"/>
+              </a:rPr>
+              <a:t> </a:t>
+            </a:r>
+            <a:r>
+              <a:rPr lang="en-US" altLang="zh-CN" dirty="0">
+                <a:solidFill>
+                  <a:srgbClr val="2B91AF"/>
+                </a:solidFill>
+                <a:highlight>
+                  <a:srgbClr val="FFFFFF"/>
+                </a:highlight>
+                <a:latin typeface="新宋体" panose="02010609030101010101" pitchFamily="49" charset="-122"/>
+                <a:ea typeface="新宋体" panose="02010609030101010101" pitchFamily="49" charset="-122"/>
+              </a:rPr>
+              <a:t>A</a:t>
+            </a:r>
+            <a:r>
+              <a:rPr lang="en-US" altLang="zh-CN" dirty="0">
+                <a:solidFill>
+                  <a:srgbClr val="000000"/>
+                </a:solidFill>
+                <a:highlight>
+                  <a:srgbClr val="FFFFFF"/>
+                </a:highlight>
+                <a:latin typeface="新宋体" panose="02010609030101010101" pitchFamily="49" charset="-122"/>
+                <a:ea typeface="新宋体" panose="02010609030101010101" pitchFamily="49" charset="-122"/>
+              </a:rPr>
+              <a:t>, </a:t>
+            </a:r>
+            <a:r>
+              <a:rPr lang="en-US" altLang="zh-CN" dirty="0" err="1">
+                <a:solidFill>
+                  <a:srgbClr val="0000FF"/>
+                </a:solidFill>
+                <a:highlight>
+                  <a:srgbClr val="FFFFFF"/>
+                </a:highlight>
+                <a:latin typeface="新宋体" panose="02010609030101010101" pitchFamily="49" charset="-122"/>
+                <a:ea typeface="新宋体" panose="02010609030101010101" pitchFamily="49" charset="-122"/>
+              </a:rPr>
+              <a:t>typename</a:t>
+            </a:r>
+            <a:r>
+              <a:rPr lang="en-US" altLang="zh-CN" dirty="0">
+                <a:solidFill>
+                  <a:srgbClr val="000000"/>
+                </a:solidFill>
+                <a:highlight>
+                  <a:srgbClr val="FFFFFF"/>
+                </a:highlight>
+                <a:latin typeface="新宋体" panose="02010609030101010101" pitchFamily="49" charset="-122"/>
+                <a:ea typeface="新宋体" panose="02010609030101010101" pitchFamily="49" charset="-122"/>
+              </a:rPr>
+              <a:t> </a:t>
+            </a:r>
+            <a:r>
+              <a:rPr lang="en-US" altLang="zh-CN" dirty="0">
+                <a:solidFill>
+                  <a:srgbClr val="2B91AF"/>
+                </a:solidFill>
+                <a:highlight>
+                  <a:srgbClr val="FFFFFF"/>
+                </a:highlight>
+                <a:latin typeface="新宋体" panose="02010609030101010101" pitchFamily="49" charset="-122"/>
+                <a:ea typeface="新宋体" panose="02010609030101010101" pitchFamily="49" charset="-122"/>
+              </a:rPr>
+              <a:t>MT</a:t>
+            </a:r>
+            <a:r>
+              <a:rPr lang="en-US" altLang="zh-CN" dirty="0">
+                <a:solidFill>
+                  <a:srgbClr val="000000"/>
+                </a:solidFill>
+                <a:highlight>
+                  <a:srgbClr val="FFFFFF"/>
+                </a:highlight>
+                <a:latin typeface="新宋体" panose="02010609030101010101" pitchFamily="49" charset="-122"/>
+                <a:ea typeface="新宋体" panose="02010609030101010101" pitchFamily="49" charset="-122"/>
+              </a:rPr>
+              <a:t>, </a:t>
+            </a:r>
+            <a:r>
+              <a:rPr lang="en-US" altLang="zh-CN" dirty="0">
+                <a:solidFill>
+                  <a:srgbClr val="2B91AF"/>
+                </a:solidFill>
+                <a:highlight>
+                  <a:srgbClr val="FFFFFF"/>
+                </a:highlight>
+                <a:latin typeface="新宋体" panose="02010609030101010101" pitchFamily="49" charset="-122"/>
+                <a:ea typeface="新宋体" panose="02010609030101010101" pitchFamily="49" charset="-122"/>
+              </a:rPr>
+              <a:t>MT</a:t>
+            </a:r>
+            <a:r>
+              <a:rPr lang="en-US" altLang="zh-CN" dirty="0">
+                <a:solidFill>
+                  <a:srgbClr val="000000"/>
+                </a:solidFill>
+                <a:highlight>
+                  <a:srgbClr val="FFFFFF"/>
+                </a:highlight>
+                <a:latin typeface="新宋体" panose="02010609030101010101" pitchFamily="49" charset="-122"/>
+                <a:ea typeface="新宋体" panose="02010609030101010101" pitchFamily="49" charset="-122"/>
+              </a:rPr>
+              <a:t> MPTR, </a:t>
+            </a:r>
+            <a:r>
+              <a:rPr lang="en-US" altLang="zh-CN" dirty="0">
+                <a:solidFill>
+                  <a:srgbClr val="0000FF"/>
+                </a:solidFill>
+                <a:highlight>
+                  <a:srgbClr val="FFFFFF"/>
+                </a:highlight>
+                <a:latin typeface="新宋体" panose="02010609030101010101" pitchFamily="49" charset="-122"/>
+                <a:ea typeface="新宋体" panose="02010609030101010101" pitchFamily="49" charset="-122"/>
+              </a:rPr>
+              <a:t>unsigned</a:t>
+            </a:r>
+            <a:r>
+              <a:rPr lang="en-US" altLang="zh-CN" dirty="0">
+                <a:solidFill>
+                  <a:srgbClr val="000000"/>
+                </a:solidFill>
+                <a:highlight>
+                  <a:srgbClr val="FFFFFF"/>
+                </a:highlight>
+                <a:latin typeface="新宋体" panose="02010609030101010101" pitchFamily="49" charset="-122"/>
+                <a:ea typeface="新宋体" panose="02010609030101010101" pitchFamily="49" charset="-122"/>
+              </a:rPr>
+              <a:t> </a:t>
+            </a:r>
+            <a:r>
+              <a:rPr lang="en-US" altLang="zh-CN" dirty="0" err="1">
+                <a:solidFill>
+                  <a:srgbClr val="000000"/>
+                </a:solidFill>
+                <a:highlight>
+                  <a:srgbClr val="FFFFFF"/>
+                </a:highlight>
+                <a:latin typeface="新宋体" panose="02010609030101010101" pitchFamily="49" charset="-122"/>
+                <a:ea typeface="新宋体" panose="02010609030101010101" pitchFamily="49" charset="-122"/>
+              </a:rPr>
+              <a:t>Ndx</a:t>
+            </a:r>
+            <a:r>
+              <a:rPr lang="en-US" altLang="zh-CN" dirty="0">
+                <a:solidFill>
+                  <a:srgbClr val="000000"/>
+                </a:solidFill>
+                <a:highlight>
+                  <a:srgbClr val="FFFFFF"/>
+                </a:highlight>
+                <a:latin typeface="新宋体" panose="02010609030101010101" pitchFamily="49" charset="-122"/>
+                <a:ea typeface="新宋体" panose="02010609030101010101" pitchFamily="49" charset="-122"/>
+              </a:rPr>
+              <a:t>, </a:t>
+            </a:r>
+            <a:r>
+              <a:rPr lang="en-US" altLang="zh-CN" dirty="0" err="1">
+                <a:solidFill>
+                  <a:srgbClr val="0000FF"/>
+                </a:solidFill>
+                <a:highlight>
+                  <a:srgbClr val="FFFFFF"/>
+                </a:highlight>
+                <a:latin typeface="新宋体" panose="02010609030101010101" pitchFamily="49" charset="-122"/>
+                <a:ea typeface="新宋体" panose="02010609030101010101" pitchFamily="49" charset="-122"/>
+              </a:rPr>
+              <a:t>typename</a:t>
+            </a:r>
+            <a:r>
+              <a:rPr lang="en-US" altLang="zh-CN" dirty="0">
+                <a:solidFill>
+                  <a:srgbClr val="000000"/>
+                </a:solidFill>
+                <a:highlight>
+                  <a:srgbClr val="FFFFFF"/>
+                </a:highlight>
+                <a:latin typeface="新宋体" panose="02010609030101010101" pitchFamily="49" charset="-122"/>
+                <a:ea typeface="新宋体" panose="02010609030101010101" pitchFamily="49" charset="-122"/>
+              </a:rPr>
+              <a:t>... </a:t>
+            </a:r>
+            <a:r>
+              <a:rPr lang="en-US" altLang="zh-CN" dirty="0">
+                <a:solidFill>
+                  <a:srgbClr val="2B91AF"/>
+                </a:solidFill>
+                <a:highlight>
+                  <a:srgbClr val="FFFFFF"/>
+                </a:highlight>
+                <a:latin typeface="新宋体" panose="02010609030101010101" pitchFamily="49" charset="-122"/>
+                <a:ea typeface="新宋体" panose="02010609030101010101" pitchFamily="49" charset="-122"/>
+              </a:rPr>
+              <a:t>Rest</a:t>
+            </a:r>
+            <a:r>
+              <a:rPr lang="en-US" altLang="zh-CN" dirty="0">
+                <a:solidFill>
+                  <a:srgbClr val="000000"/>
+                </a:solidFill>
+                <a:highlight>
+                  <a:srgbClr val="FFFFFF"/>
+                </a:highlight>
+                <a:latin typeface="新宋体" panose="02010609030101010101" pitchFamily="49" charset="-122"/>
+                <a:ea typeface="新宋体" panose="02010609030101010101" pitchFamily="49" charset="-122"/>
+              </a:rPr>
+              <a:t>&gt;</a:t>
+            </a:r>
+          </a:p>
+          <a:p>
+            <a:r>
+              <a:rPr lang="en-US" altLang="zh-CN" dirty="0">
+                <a:solidFill>
+                  <a:srgbClr val="0000FF"/>
+                </a:solidFill>
+                <a:highlight>
+                  <a:srgbClr val="FFFFFF"/>
+                </a:highlight>
+                <a:latin typeface="新宋体" panose="02010609030101010101" pitchFamily="49" charset="-122"/>
+                <a:ea typeface="新宋体" panose="02010609030101010101" pitchFamily="49" charset="-122"/>
+              </a:rPr>
+              <a:t>void</a:t>
+            </a:r>
+            <a:r>
+              <a:rPr lang="en-US" altLang="zh-CN" dirty="0">
+                <a:solidFill>
+                  <a:srgbClr val="000000"/>
+                </a:solidFill>
+                <a:highlight>
+                  <a:srgbClr val="FFFFFF"/>
+                </a:highlight>
+                <a:latin typeface="新宋体" panose="02010609030101010101" pitchFamily="49" charset="-122"/>
+                <a:ea typeface="新宋体" panose="02010609030101010101" pitchFamily="49" charset="-122"/>
+              </a:rPr>
+              <a:t> </a:t>
+            </a:r>
+            <a:r>
+              <a:rPr lang="en-US" altLang="zh-CN" dirty="0" err="1">
+                <a:solidFill>
+                  <a:srgbClr val="000000"/>
+                </a:solidFill>
+                <a:highlight>
+                  <a:srgbClr val="FFFFFF"/>
+                </a:highlight>
+                <a:latin typeface="新宋体" panose="02010609030101010101" pitchFamily="49" charset="-122"/>
+                <a:ea typeface="新宋体" panose="02010609030101010101" pitchFamily="49" charset="-122"/>
+              </a:rPr>
+              <a:t>printPack</a:t>
+            </a:r>
+            <a:r>
+              <a:rPr lang="en-US" altLang="zh-CN" dirty="0">
+                <a:solidFill>
+                  <a:srgbClr val="000000"/>
+                </a:solidFill>
+                <a:highlight>
+                  <a:srgbClr val="FFFFFF"/>
+                </a:highlight>
+                <a:latin typeface="新宋体" panose="02010609030101010101" pitchFamily="49" charset="-122"/>
+                <a:ea typeface="新宋体" panose="02010609030101010101" pitchFamily="49" charset="-122"/>
+              </a:rPr>
+              <a:t>(</a:t>
+            </a:r>
+            <a:r>
+              <a:rPr lang="en-US" altLang="zh-CN" dirty="0" err="1">
+                <a:solidFill>
+                  <a:srgbClr val="000000"/>
+                </a:solidFill>
+                <a:highlight>
+                  <a:srgbClr val="FFFFFF"/>
+                </a:highlight>
+                <a:latin typeface="新宋体" panose="02010609030101010101" pitchFamily="49" charset="-122"/>
+                <a:ea typeface="新宋体" panose="02010609030101010101" pitchFamily="49" charset="-122"/>
+              </a:rPr>
+              <a:t>std</a:t>
+            </a:r>
+            <a:r>
+              <a:rPr lang="en-US" altLang="zh-CN" dirty="0">
+                <a:solidFill>
+                  <a:srgbClr val="000000"/>
+                </a:solidFill>
+                <a:highlight>
+                  <a:srgbClr val="FFFFFF"/>
+                </a:highlight>
+                <a:latin typeface="新宋体" panose="02010609030101010101" pitchFamily="49" charset="-122"/>
+                <a:ea typeface="新宋体" panose="02010609030101010101" pitchFamily="49" charset="-122"/>
+              </a:rPr>
+              <a:t>::</a:t>
+            </a:r>
+            <a:r>
+              <a:rPr lang="en-US" altLang="zh-CN" dirty="0" err="1">
+                <a:solidFill>
+                  <a:srgbClr val="2B91AF"/>
+                </a:solidFill>
+                <a:highlight>
+                  <a:srgbClr val="FFFFFF"/>
+                </a:highlight>
+                <a:latin typeface="新宋体" panose="02010609030101010101" pitchFamily="49" charset="-122"/>
+                <a:ea typeface="新宋体" panose="02010609030101010101" pitchFamily="49" charset="-122"/>
+              </a:rPr>
+              <a:t>ostream</a:t>
+            </a:r>
+            <a:r>
+              <a:rPr lang="en-US" altLang="zh-CN" dirty="0">
+                <a:solidFill>
+                  <a:srgbClr val="000000"/>
+                </a:solidFill>
+                <a:highlight>
+                  <a:srgbClr val="FFFFFF"/>
+                </a:highlight>
+                <a:latin typeface="新宋体" panose="02010609030101010101" pitchFamily="49" charset="-122"/>
+                <a:ea typeface="新宋体" panose="02010609030101010101" pitchFamily="49" charset="-122"/>
+              </a:rPr>
+              <a:t> &amp;</a:t>
+            </a:r>
+            <a:r>
+              <a:rPr lang="en-US" altLang="zh-CN" dirty="0">
+                <a:solidFill>
+                  <a:srgbClr val="808080"/>
+                </a:solidFill>
+                <a:highlight>
+                  <a:srgbClr val="FFFFFF"/>
+                </a:highlight>
+                <a:latin typeface="新宋体" panose="02010609030101010101" pitchFamily="49" charset="-122"/>
+                <a:ea typeface="新宋体" panose="02010609030101010101" pitchFamily="49" charset="-122"/>
+              </a:rPr>
+              <a:t>out</a:t>
+            </a:r>
+            <a:r>
+              <a:rPr lang="en-US" altLang="zh-CN" dirty="0">
+                <a:solidFill>
+                  <a:srgbClr val="000000"/>
+                </a:solidFill>
+                <a:highlight>
+                  <a:srgbClr val="FFFFFF"/>
+                </a:highlight>
+                <a:latin typeface="新宋体" panose="02010609030101010101" pitchFamily="49" charset="-122"/>
+                <a:ea typeface="新宋体" panose="02010609030101010101" pitchFamily="49" charset="-122"/>
+              </a:rPr>
+              <a:t>, </a:t>
+            </a:r>
+            <a:r>
+              <a:rPr lang="en-US" altLang="zh-CN" dirty="0" err="1">
+                <a:solidFill>
+                  <a:srgbClr val="0000FF"/>
+                </a:solidFill>
+                <a:highlight>
+                  <a:srgbClr val="FFFFFF"/>
+                </a:highlight>
+                <a:latin typeface="新宋体" panose="02010609030101010101" pitchFamily="49" charset="-122"/>
+                <a:ea typeface="新宋体" panose="02010609030101010101" pitchFamily="49" charset="-122"/>
+              </a:rPr>
+              <a:t>const</a:t>
+            </a:r>
+            <a:r>
+              <a:rPr lang="en-US" altLang="zh-CN" dirty="0">
+                <a:solidFill>
+                  <a:srgbClr val="000000"/>
+                </a:solidFill>
+                <a:highlight>
+                  <a:srgbClr val="FFFFFF"/>
+                </a:highlight>
+                <a:latin typeface="新宋体" panose="02010609030101010101" pitchFamily="49" charset="-122"/>
+                <a:ea typeface="新宋体" panose="02010609030101010101" pitchFamily="49" charset="-122"/>
+              </a:rPr>
+              <a:t> </a:t>
+            </a:r>
+            <a:r>
+              <a:rPr lang="en-US" altLang="zh-CN" dirty="0">
+                <a:solidFill>
+                  <a:srgbClr val="2B91AF"/>
+                </a:solidFill>
+                <a:highlight>
+                  <a:srgbClr val="FFFFFF"/>
+                </a:highlight>
+                <a:latin typeface="新宋体" panose="02010609030101010101" pitchFamily="49" charset="-122"/>
+                <a:ea typeface="新宋体" panose="02010609030101010101" pitchFamily="49" charset="-122"/>
+              </a:rPr>
+              <a:t>A</a:t>
+            </a:r>
+            <a:r>
+              <a:rPr lang="en-US" altLang="zh-CN" dirty="0">
+                <a:solidFill>
+                  <a:srgbClr val="000000"/>
+                </a:solidFill>
+                <a:highlight>
+                  <a:srgbClr val="FFFFFF"/>
+                </a:highlight>
+                <a:latin typeface="新宋体" panose="02010609030101010101" pitchFamily="49" charset="-122"/>
+                <a:ea typeface="新宋体" panose="02010609030101010101" pitchFamily="49" charset="-122"/>
+              </a:rPr>
+              <a:t> &amp;</a:t>
+            </a:r>
+            <a:r>
+              <a:rPr lang="en-US" altLang="zh-CN" dirty="0">
+                <a:solidFill>
+                  <a:srgbClr val="808080"/>
+                </a:solidFill>
+                <a:highlight>
+                  <a:srgbClr val="FFFFFF"/>
+                </a:highlight>
+                <a:latin typeface="新宋体" panose="02010609030101010101" pitchFamily="49" charset="-122"/>
+                <a:ea typeface="新宋体" panose="02010609030101010101" pitchFamily="49" charset="-122"/>
+              </a:rPr>
+              <a:t>v</a:t>
+            </a:r>
+            <a:r>
+              <a:rPr lang="en-US" altLang="zh-CN" dirty="0">
+                <a:solidFill>
+                  <a:srgbClr val="000000"/>
+                </a:solidFill>
+                <a:highlight>
+                  <a:srgbClr val="FFFFFF"/>
+                </a:highlight>
+                <a:latin typeface="新宋体" panose="02010609030101010101" pitchFamily="49" charset="-122"/>
+                <a:ea typeface="新宋体" panose="02010609030101010101" pitchFamily="49" charset="-122"/>
+              </a:rPr>
+              <a:t>, </a:t>
+            </a:r>
+          </a:p>
+          <a:p>
+            <a:r>
+              <a:rPr lang="en-US" altLang="zh-CN" dirty="0" smtClean="0">
+                <a:solidFill>
+                  <a:srgbClr val="2B91AF"/>
+                </a:solidFill>
+                <a:highlight>
+                  <a:srgbClr val="FFFFFF"/>
+                </a:highlight>
+                <a:latin typeface="新宋体" panose="02010609030101010101" pitchFamily="49" charset="-122"/>
+                <a:ea typeface="新宋体" panose="02010609030101010101" pitchFamily="49" charset="-122"/>
+              </a:rPr>
+              <a:t>			Pack</a:t>
+            </a:r>
+            <a:r>
+              <a:rPr lang="en-US" altLang="zh-CN" dirty="0" smtClean="0">
+                <a:solidFill>
+                  <a:srgbClr val="000000"/>
+                </a:solidFill>
+                <a:highlight>
+                  <a:srgbClr val="FFFFFF"/>
+                </a:highlight>
+                <a:latin typeface="新宋体" panose="02010609030101010101" pitchFamily="49" charset="-122"/>
+                <a:ea typeface="新宋体" panose="02010609030101010101" pitchFamily="49" charset="-122"/>
+              </a:rPr>
+              <a:t>&lt;</a:t>
+            </a:r>
+            <a:r>
+              <a:rPr lang="en-US" altLang="zh-CN" dirty="0" err="1" smtClean="0">
+                <a:solidFill>
+                  <a:srgbClr val="2B91AF"/>
+                </a:solidFill>
+                <a:highlight>
+                  <a:srgbClr val="FFFFFF"/>
+                </a:highlight>
+                <a:latin typeface="新宋体" panose="02010609030101010101" pitchFamily="49" charset="-122"/>
+                <a:ea typeface="新宋体" panose="02010609030101010101" pitchFamily="49" charset="-122"/>
+              </a:rPr>
+              <a:t>MemberBinding</a:t>
+            </a:r>
+            <a:r>
+              <a:rPr lang="en-US" altLang="zh-CN" dirty="0" smtClean="0">
+                <a:solidFill>
+                  <a:srgbClr val="000000"/>
+                </a:solidFill>
+                <a:highlight>
+                  <a:srgbClr val="FFFFFF"/>
+                </a:highlight>
+                <a:latin typeface="新宋体" panose="02010609030101010101" pitchFamily="49" charset="-122"/>
+                <a:ea typeface="新宋体" panose="02010609030101010101" pitchFamily="49" charset="-122"/>
+              </a:rPr>
+              <a:t>&lt;</a:t>
+            </a:r>
+            <a:r>
+              <a:rPr lang="en-US" altLang="zh-CN" dirty="0" smtClean="0">
+                <a:solidFill>
+                  <a:srgbClr val="2B91AF"/>
+                </a:solidFill>
+                <a:highlight>
+                  <a:srgbClr val="FFFFFF"/>
+                </a:highlight>
+                <a:latin typeface="新宋体" panose="02010609030101010101" pitchFamily="49" charset="-122"/>
+                <a:ea typeface="新宋体" panose="02010609030101010101" pitchFamily="49" charset="-122"/>
+              </a:rPr>
+              <a:t>MT</a:t>
+            </a:r>
+            <a:r>
+              <a:rPr lang="en-US" altLang="zh-CN" dirty="0">
+                <a:solidFill>
+                  <a:srgbClr val="000000"/>
+                </a:solidFill>
+                <a:highlight>
+                  <a:srgbClr val="FFFFFF"/>
+                </a:highlight>
+                <a:latin typeface="新宋体" panose="02010609030101010101" pitchFamily="49" charset="-122"/>
+                <a:ea typeface="新宋体" panose="02010609030101010101" pitchFamily="49" charset="-122"/>
+              </a:rPr>
+              <a:t>, MPTR, </a:t>
+            </a:r>
+            <a:r>
+              <a:rPr lang="en-US" altLang="zh-CN" dirty="0" err="1">
+                <a:solidFill>
+                  <a:srgbClr val="000000"/>
+                </a:solidFill>
+                <a:highlight>
+                  <a:srgbClr val="FFFFFF"/>
+                </a:highlight>
+                <a:latin typeface="新宋体" panose="02010609030101010101" pitchFamily="49" charset="-122"/>
+                <a:ea typeface="新宋体" panose="02010609030101010101" pitchFamily="49" charset="-122"/>
+              </a:rPr>
+              <a:t>Ndx</a:t>
+            </a:r>
+            <a:r>
+              <a:rPr lang="en-US" altLang="zh-CN" dirty="0">
+                <a:solidFill>
+                  <a:srgbClr val="000000"/>
+                </a:solidFill>
+                <a:highlight>
+                  <a:srgbClr val="FFFFFF"/>
+                </a:highlight>
+                <a:latin typeface="新宋体" panose="02010609030101010101" pitchFamily="49" charset="-122"/>
+                <a:ea typeface="新宋体" panose="02010609030101010101" pitchFamily="49" charset="-122"/>
+              </a:rPr>
+              <a:t>&gt;, </a:t>
+            </a:r>
+            <a:r>
+              <a:rPr lang="en-US" altLang="zh-CN" dirty="0">
+                <a:solidFill>
+                  <a:srgbClr val="2B91AF"/>
+                </a:solidFill>
+                <a:highlight>
+                  <a:srgbClr val="FFFFFF"/>
+                </a:highlight>
+                <a:latin typeface="新宋体" panose="02010609030101010101" pitchFamily="49" charset="-122"/>
+                <a:ea typeface="新宋体" panose="02010609030101010101" pitchFamily="49" charset="-122"/>
+              </a:rPr>
+              <a:t>Rest</a:t>
+            </a:r>
+            <a:r>
+              <a:rPr lang="en-US" altLang="zh-CN" dirty="0">
+                <a:solidFill>
+                  <a:srgbClr val="000000"/>
+                </a:solidFill>
+                <a:highlight>
+                  <a:srgbClr val="FFFFFF"/>
+                </a:highlight>
+                <a:latin typeface="新宋体" panose="02010609030101010101" pitchFamily="49" charset="-122"/>
+                <a:ea typeface="新宋体" panose="02010609030101010101" pitchFamily="49" charset="-122"/>
+              </a:rPr>
+              <a:t>...&gt; *)</a:t>
+            </a:r>
+          </a:p>
+          <a:p>
+            <a:r>
+              <a:rPr lang="en-US" altLang="zh-CN" dirty="0">
+                <a:solidFill>
+                  <a:srgbClr val="000000"/>
+                </a:solidFill>
+                <a:highlight>
+                  <a:srgbClr val="FFFFFF"/>
+                </a:highlight>
+                <a:latin typeface="新宋体" panose="02010609030101010101" pitchFamily="49" charset="-122"/>
+                <a:ea typeface="新宋体" panose="02010609030101010101" pitchFamily="49" charset="-122"/>
+              </a:rPr>
+              <a:t>{</a:t>
+            </a:r>
+          </a:p>
+          <a:p>
+            <a:r>
+              <a:rPr lang="en-US" altLang="zh-CN" dirty="0" smtClean="0">
+                <a:solidFill>
+                  <a:srgbClr val="0000FF"/>
+                </a:solidFill>
+                <a:highlight>
+                  <a:srgbClr val="FFFFFF"/>
+                </a:highlight>
+                <a:latin typeface="新宋体" panose="02010609030101010101" pitchFamily="49" charset="-122"/>
+                <a:ea typeface="新宋体" panose="02010609030101010101" pitchFamily="49" charset="-122"/>
+              </a:rPr>
+              <a:t>    using</a:t>
+            </a:r>
+            <a:r>
+              <a:rPr lang="en-US" altLang="zh-CN" dirty="0" smtClean="0">
+                <a:solidFill>
+                  <a:srgbClr val="000000"/>
+                </a:solidFill>
+                <a:highlight>
+                  <a:srgbClr val="FFFFFF"/>
+                </a:highlight>
+                <a:latin typeface="新宋体" panose="02010609030101010101" pitchFamily="49" charset="-122"/>
+                <a:ea typeface="新宋体" panose="02010609030101010101" pitchFamily="49" charset="-122"/>
+              </a:rPr>
+              <a:t> </a:t>
+            </a:r>
+            <a:r>
+              <a:rPr lang="en-US" altLang="zh-CN" dirty="0">
+                <a:solidFill>
+                  <a:srgbClr val="2B91AF"/>
+                </a:solidFill>
+                <a:highlight>
+                  <a:srgbClr val="FFFFFF"/>
+                </a:highlight>
+                <a:latin typeface="新宋体" panose="02010609030101010101" pitchFamily="49" charset="-122"/>
+                <a:ea typeface="新宋体" panose="02010609030101010101" pitchFamily="49" charset="-122"/>
+              </a:rPr>
+              <a:t>M</a:t>
+            </a:r>
+            <a:r>
+              <a:rPr lang="en-US" altLang="zh-CN" dirty="0">
+                <a:solidFill>
+                  <a:srgbClr val="000000"/>
+                </a:solidFill>
+                <a:highlight>
+                  <a:srgbClr val="FFFFFF"/>
+                </a:highlight>
+                <a:latin typeface="新宋体" panose="02010609030101010101" pitchFamily="49" charset="-122"/>
+                <a:ea typeface="新宋体" panose="02010609030101010101" pitchFamily="49" charset="-122"/>
+              </a:rPr>
+              <a:t> = </a:t>
+            </a:r>
+            <a:r>
+              <a:rPr lang="en-US" altLang="zh-CN" dirty="0">
+                <a:solidFill>
+                  <a:srgbClr val="2B91AF"/>
+                </a:solidFill>
+                <a:highlight>
+                  <a:srgbClr val="FFFFFF"/>
+                </a:highlight>
+                <a:latin typeface="新宋体" panose="02010609030101010101" pitchFamily="49" charset="-122"/>
+                <a:ea typeface="新宋体" panose="02010609030101010101" pitchFamily="49" charset="-122"/>
+              </a:rPr>
+              <a:t>Members</a:t>
+            </a:r>
+            <a:r>
+              <a:rPr lang="en-US" altLang="zh-CN" dirty="0">
+                <a:solidFill>
+                  <a:srgbClr val="000000"/>
+                </a:solidFill>
+                <a:highlight>
+                  <a:srgbClr val="FFFFFF"/>
+                </a:highlight>
+                <a:latin typeface="新宋体" panose="02010609030101010101" pitchFamily="49" charset="-122"/>
+                <a:ea typeface="新宋体" panose="02010609030101010101" pitchFamily="49" charset="-122"/>
+              </a:rPr>
+              <a:t>&lt;</a:t>
+            </a:r>
+            <a:r>
+              <a:rPr lang="en-US" altLang="zh-CN" dirty="0">
+                <a:solidFill>
+                  <a:srgbClr val="2B91AF"/>
+                </a:solidFill>
+                <a:highlight>
+                  <a:srgbClr val="FFFFFF"/>
+                </a:highlight>
+                <a:latin typeface="新宋体" panose="02010609030101010101" pitchFamily="49" charset="-122"/>
+                <a:ea typeface="新宋体" panose="02010609030101010101" pitchFamily="49" charset="-122"/>
+              </a:rPr>
+              <a:t>A</a:t>
+            </a:r>
+            <a:r>
+              <a:rPr lang="en-US" altLang="zh-CN" dirty="0">
+                <a:solidFill>
+                  <a:srgbClr val="000000"/>
+                </a:solidFill>
+                <a:highlight>
+                  <a:srgbClr val="FFFFFF"/>
+                </a:highlight>
+                <a:latin typeface="新宋体" panose="02010609030101010101" pitchFamily="49" charset="-122"/>
+                <a:ea typeface="新宋体" panose="02010609030101010101" pitchFamily="49" charset="-122"/>
+              </a:rPr>
+              <a:t>&gt;;</a:t>
+            </a:r>
+          </a:p>
+          <a:p>
+            <a:r>
+              <a:rPr lang="en-US" altLang="zh-CN" dirty="0" smtClean="0">
+                <a:solidFill>
+                  <a:srgbClr val="808080"/>
+                </a:solidFill>
+                <a:highlight>
+                  <a:srgbClr val="FFFFFF"/>
+                </a:highlight>
+                <a:latin typeface="新宋体" panose="02010609030101010101" pitchFamily="49" charset="-122"/>
+                <a:ea typeface="新宋体" panose="02010609030101010101" pitchFamily="49" charset="-122"/>
+              </a:rPr>
+              <a:t>    out</a:t>
+            </a:r>
+            <a:r>
+              <a:rPr lang="en-US" altLang="zh-CN" dirty="0" smtClean="0">
+                <a:solidFill>
+                  <a:srgbClr val="000000"/>
+                </a:solidFill>
+                <a:highlight>
+                  <a:srgbClr val="FFFFFF"/>
+                </a:highlight>
+                <a:latin typeface="新宋体" panose="02010609030101010101" pitchFamily="49" charset="-122"/>
+                <a:ea typeface="新宋体" panose="02010609030101010101" pitchFamily="49" charset="-122"/>
+              </a:rPr>
+              <a:t> </a:t>
+            </a:r>
+            <a:r>
+              <a:rPr lang="en-US" altLang="zh-CN" dirty="0">
+                <a:solidFill>
+                  <a:srgbClr val="008080"/>
+                </a:solidFill>
+                <a:highlight>
+                  <a:srgbClr val="FFFFFF"/>
+                </a:highlight>
+                <a:latin typeface="新宋体" panose="02010609030101010101" pitchFamily="49" charset="-122"/>
+                <a:ea typeface="新宋体" panose="02010609030101010101" pitchFamily="49" charset="-122"/>
+              </a:rPr>
+              <a:t>&lt;&lt;</a:t>
+            </a:r>
+            <a:r>
+              <a:rPr lang="en-US" altLang="zh-CN" dirty="0">
+                <a:solidFill>
+                  <a:srgbClr val="000000"/>
+                </a:solidFill>
+                <a:highlight>
+                  <a:srgbClr val="FFFFFF"/>
+                </a:highlight>
+                <a:latin typeface="新宋体" panose="02010609030101010101" pitchFamily="49" charset="-122"/>
+                <a:ea typeface="新宋体" panose="02010609030101010101" pitchFamily="49" charset="-122"/>
+              </a:rPr>
+              <a:t> </a:t>
+            </a:r>
+            <a:r>
+              <a:rPr lang="en-US" altLang="zh-CN" dirty="0">
+                <a:solidFill>
+                  <a:srgbClr val="A31515"/>
+                </a:solidFill>
+                <a:highlight>
+                  <a:srgbClr val="FFFFFF"/>
+                </a:highlight>
+                <a:latin typeface="新宋体" panose="02010609030101010101" pitchFamily="49" charset="-122"/>
+                <a:ea typeface="新宋体" panose="02010609030101010101" pitchFamily="49" charset="-122"/>
+              </a:rPr>
+              <a:t>' '</a:t>
+            </a:r>
+            <a:r>
+              <a:rPr lang="en-US" altLang="zh-CN" dirty="0">
+                <a:solidFill>
+                  <a:srgbClr val="000000"/>
+                </a:solidFill>
+                <a:highlight>
+                  <a:srgbClr val="FFFFFF"/>
+                </a:highlight>
+                <a:latin typeface="新宋体" panose="02010609030101010101" pitchFamily="49" charset="-122"/>
+                <a:ea typeface="新宋体" panose="02010609030101010101" pitchFamily="49" charset="-122"/>
+              </a:rPr>
+              <a:t> </a:t>
+            </a:r>
+            <a:r>
+              <a:rPr lang="en-US" altLang="zh-CN" dirty="0">
+                <a:solidFill>
+                  <a:srgbClr val="008080"/>
+                </a:solidFill>
+                <a:highlight>
+                  <a:srgbClr val="FFFFFF"/>
+                </a:highlight>
+                <a:latin typeface="新宋体" panose="02010609030101010101" pitchFamily="49" charset="-122"/>
+                <a:ea typeface="新宋体" panose="02010609030101010101" pitchFamily="49" charset="-122"/>
+              </a:rPr>
+              <a:t>&lt;&lt;</a:t>
+            </a:r>
+            <a:r>
+              <a:rPr lang="en-US" altLang="zh-CN" dirty="0">
+                <a:solidFill>
+                  <a:srgbClr val="000000"/>
+                </a:solidFill>
+                <a:highlight>
+                  <a:srgbClr val="FFFFFF"/>
+                </a:highlight>
+                <a:latin typeface="新宋体" panose="02010609030101010101" pitchFamily="49" charset="-122"/>
+                <a:ea typeface="新宋体" panose="02010609030101010101" pitchFamily="49" charset="-122"/>
+              </a:rPr>
+              <a:t> </a:t>
+            </a:r>
+            <a:r>
+              <a:rPr lang="en-US" altLang="zh-CN" dirty="0" err="1">
+                <a:solidFill>
+                  <a:srgbClr val="000000"/>
+                </a:solidFill>
+                <a:highlight>
+                  <a:srgbClr val="FFFFFF"/>
+                </a:highlight>
+                <a:latin typeface="新宋体" panose="02010609030101010101" pitchFamily="49" charset="-122"/>
+                <a:ea typeface="新宋体" panose="02010609030101010101" pitchFamily="49" charset="-122"/>
+              </a:rPr>
+              <a:t>Ndx</a:t>
+            </a:r>
+            <a:r>
+              <a:rPr lang="en-US" altLang="zh-CN" dirty="0">
+                <a:solidFill>
+                  <a:srgbClr val="000000"/>
+                </a:solidFill>
+                <a:highlight>
+                  <a:srgbClr val="FFFFFF"/>
+                </a:highlight>
+                <a:latin typeface="新宋体" panose="02010609030101010101" pitchFamily="49" charset="-122"/>
+                <a:ea typeface="新宋体" panose="02010609030101010101" pitchFamily="49" charset="-122"/>
+              </a:rPr>
+              <a:t> </a:t>
+            </a:r>
+            <a:r>
+              <a:rPr lang="en-US" altLang="zh-CN" dirty="0">
+                <a:solidFill>
+                  <a:srgbClr val="008080"/>
+                </a:solidFill>
+                <a:highlight>
+                  <a:srgbClr val="FFFFFF"/>
+                </a:highlight>
+                <a:latin typeface="新宋体" panose="02010609030101010101" pitchFamily="49" charset="-122"/>
+                <a:ea typeface="新宋体" panose="02010609030101010101" pitchFamily="49" charset="-122"/>
+              </a:rPr>
+              <a:t>&lt;&lt;</a:t>
+            </a:r>
+            <a:r>
+              <a:rPr lang="en-US" altLang="zh-CN" dirty="0">
+                <a:solidFill>
+                  <a:srgbClr val="000000"/>
+                </a:solidFill>
+                <a:highlight>
+                  <a:srgbClr val="FFFFFF"/>
+                </a:highlight>
+                <a:latin typeface="新宋体" panose="02010609030101010101" pitchFamily="49" charset="-122"/>
+                <a:ea typeface="新宋体" panose="02010609030101010101" pitchFamily="49" charset="-122"/>
+              </a:rPr>
+              <a:t> </a:t>
+            </a:r>
+            <a:r>
+              <a:rPr lang="en-US" altLang="zh-CN" dirty="0">
+                <a:solidFill>
+                  <a:srgbClr val="A31515"/>
+                </a:solidFill>
+                <a:highlight>
+                  <a:srgbClr val="FFFFFF"/>
+                </a:highlight>
+                <a:latin typeface="新宋体" panose="02010609030101010101" pitchFamily="49" charset="-122"/>
+                <a:ea typeface="新宋体" panose="02010609030101010101" pitchFamily="49" charset="-122"/>
+              </a:rPr>
+              <a:t>':'</a:t>
+            </a:r>
+            <a:r>
+              <a:rPr lang="en-US" altLang="zh-CN" dirty="0">
+                <a:solidFill>
+                  <a:srgbClr val="000000"/>
+                </a:solidFill>
+                <a:highlight>
+                  <a:srgbClr val="FFFFFF"/>
+                </a:highlight>
+                <a:latin typeface="新宋体" panose="02010609030101010101" pitchFamily="49" charset="-122"/>
+                <a:ea typeface="新宋体" panose="02010609030101010101" pitchFamily="49" charset="-122"/>
+              </a:rPr>
+              <a:t> &lt;&lt; </a:t>
+            </a:r>
+            <a:r>
+              <a:rPr lang="en-US" altLang="zh-CN" dirty="0">
+                <a:solidFill>
+                  <a:srgbClr val="2B91AF"/>
+                </a:solidFill>
+                <a:highlight>
+                  <a:srgbClr val="FFFFFF"/>
+                </a:highlight>
+                <a:latin typeface="新宋体" panose="02010609030101010101" pitchFamily="49" charset="-122"/>
+                <a:ea typeface="新宋体" panose="02010609030101010101" pitchFamily="49" charset="-122"/>
+              </a:rPr>
+              <a:t>M</a:t>
+            </a:r>
+            <a:r>
+              <a:rPr lang="en-US" altLang="zh-CN" dirty="0">
+                <a:solidFill>
+                  <a:srgbClr val="000000"/>
+                </a:solidFill>
+                <a:highlight>
+                  <a:srgbClr val="FFFFFF"/>
+                </a:highlight>
+                <a:latin typeface="新宋体" panose="02010609030101010101" pitchFamily="49" charset="-122"/>
+                <a:ea typeface="新宋体" panose="02010609030101010101" pitchFamily="49" charset="-122"/>
+              </a:rPr>
+              <a:t>::names()[Ndx] &lt;&lt; </a:t>
+            </a:r>
+            <a:r>
+              <a:rPr lang="en-US" altLang="zh-CN" dirty="0">
+                <a:solidFill>
+                  <a:srgbClr val="A31515"/>
+                </a:solidFill>
+                <a:highlight>
+                  <a:srgbClr val="FFFFFF"/>
+                </a:highlight>
+                <a:latin typeface="新宋体" panose="02010609030101010101" pitchFamily="49" charset="-122"/>
+                <a:ea typeface="新宋体" panose="02010609030101010101" pitchFamily="49" charset="-122"/>
+              </a:rPr>
+              <a:t>':'</a:t>
+            </a:r>
+            <a:r>
+              <a:rPr lang="en-US" altLang="zh-CN" dirty="0">
+                <a:solidFill>
+                  <a:srgbClr val="000000"/>
+                </a:solidFill>
+                <a:highlight>
+                  <a:srgbClr val="FFFFFF"/>
+                </a:highlight>
+                <a:latin typeface="新宋体" panose="02010609030101010101" pitchFamily="49" charset="-122"/>
+                <a:ea typeface="新宋体" panose="02010609030101010101" pitchFamily="49" charset="-122"/>
+              </a:rPr>
+              <a:t> &lt;&lt; </a:t>
+            </a:r>
+            <a:r>
+              <a:rPr lang="en-US" altLang="zh-CN" dirty="0">
+                <a:solidFill>
+                  <a:srgbClr val="808080"/>
+                </a:solidFill>
+                <a:highlight>
+                  <a:srgbClr val="FFFFFF"/>
+                </a:highlight>
+                <a:latin typeface="新宋体" panose="02010609030101010101" pitchFamily="49" charset="-122"/>
+                <a:ea typeface="新宋体" panose="02010609030101010101" pitchFamily="49" charset="-122"/>
+              </a:rPr>
+              <a:t>v</a:t>
+            </a:r>
+            <a:r>
+              <a:rPr lang="en-US" altLang="zh-CN" dirty="0">
+                <a:solidFill>
+                  <a:srgbClr val="000000"/>
+                </a:solidFill>
+                <a:highlight>
+                  <a:srgbClr val="FFFFFF"/>
+                </a:highlight>
+                <a:latin typeface="新宋体" panose="02010609030101010101" pitchFamily="49" charset="-122"/>
+                <a:ea typeface="新宋体" panose="02010609030101010101" pitchFamily="49" charset="-122"/>
+              </a:rPr>
+              <a:t>.*MPTR;</a:t>
+            </a:r>
+          </a:p>
+          <a:p>
+            <a:r>
+              <a:rPr lang="en-US" altLang="zh-CN" dirty="0" smtClean="0">
+                <a:solidFill>
+                  <a:srgbClr val="000000"/>
+                </a:solidFill>
+                <a:highlight>
+                  <a:srgbClr val="FFFFFF"/>
+                </a:highlight>
+                <a:latin typeface="新宋体" panose="02010609030101010101" pitchFamily="49" charset="-122"/>
+                <a:ea typeface="新宋体" panose="02010609030101010101" pitchFamily="49" charset="-122"/>
+              </a:rPr>
+              <a:t>    </a:t>
+            </a:r>
+            <a:r>
+              <a:rPr lang="en-US" altLang="zh-CN" dirty="0" err="1" smtClean="0">
+                <a:solidFill>
+                  <a:srgbClr val="000000"/>
+                </a:solidFill>
+                <a:highlight>
+                  <a:srgbClr val="FFFFFF"/>
+                </a:highlight>
+                <a:latin typeface="新宋体" panose="02010609030101010101" pitchFamily="49" charset="-122"/>
+                <a:ea typeface="新宋体" panose="02010609030101010101" pitchFamily="49" charset="-122"/>
+              </a:rPr>
+              <a:t>printPack</a:t>
+            </a:r>
+            <a:r>
+              <a:rPr lang="en-US" altLang="zh-CN" dirty="0" smtClean="0">
+                <a:solidFill>
+                  <a:srgbClr val="000000"/>
+                </a:solidFill>
+                <a:highlight>
+                  <a:srgbClr val="FFFFFF"/>
+                </a:highlight>
+                <a:latin typeface="新宋体" panose="02010609030101010101" pitchFamily="49" charset="-122"/>
+                <a:ea typeface="新宋体" panose="02010609030101010101" pitchFamily="49" charset="-122"/>
+              </a:rPr>
+              <a:t>(</a:t>
+            </a:r>
+            <a:r>
+              <a:rPr lang="en-US" altLang="zh-CN" dirty="0" smtClean="0">
+                <a:solidFill>
+                  <a:srgbClr val="808080"/>
+                </a:solidFill>
+                <a:highlight>
+                  <a:srgbClr val="FFFFFF"/>
+                </a:highlight>
+                <a:latin typeface="新宋体" panose="02010609030101010101" pitchFamily="49" charset="-122"/>
+                <a:ea typeface="新宋体" panose="02010609030101010101" pitchFamily="49" charset="-122"/>
+              </a:rPr>
+              <a:t>out</a:t>
+            </a:r>
+            <a:r>
+              <a:rPr lang="en-US" altLang="zh-CN" dirty="0">
+                <a:solidFill>
+                  <a:srgbClr val="000000"/>
+                </a:solidFill>
+                <a:highlight>
+                  <a:srgbClr val="FFFFFF"/>
+                </a:highlight>
+                <a:latin typeface="新宋体" panose="02010609030101010101" pitchFamily="49" charset="-122"/>
+                <a:ea typeface="新宋体" panose="02010609030101010101" pitchFamily="49" charset="-122"/>
+              </a:rPr>
+              <a:t>, </a:t>
+            </a:r>
+            <a:r>
+              <a:rPr lang="en-US" altLang="zh-CN" dirty="0">
+                <a:solidFill>
+                  <a:srgbClr val="808080"/>
+                </a:solidFill>
+                <a:highlight>
+                  <a:srgbClr val="FFFFFF"/>
+                </a:highlight>
+                <a:latin typeface="新宋体" panose="02010609030101010101" pitchFamily="49" charset="-122"/>
+                <a:ea typeface="新宋体" panose="02010609030101010101" pitchFamily="49" charset="-122"/>
+              </a:rPr>
+              <a:t>v</a:t>
+            </a:r>
+            <a:r>
+              <a:rPr lang="en-US" altLang="zh-CN" dirty="0">
+                <a:solidFill>
+                  <a:srgbClr val="000000"/>
+                </a:solidFill>
+                <a:highlight>
+                  <a:srgbClr val="FFFFFF"/>
+                </a:highlight>
+                <a:latin typeface="新宋体" panose="02010609030101010101" pitchFamily="49" charset="-122"/>
+                <a:ea typeface="新宋体" panose="02010609030101010101" pitchFamily="49" charset="-122"/>
+              </a:rPr>
+              <a:t>, (</a:t>
+            </a:r>
+            <a:r>
+              <a:rPr lang="en-US" altLang="zh-CN" dirty="0">
+                <a:solidFill>
+                  <a:srgbClr val="2B91AF"/>
+                </a:solidFill>
+                <a:highlight>
+                  <a:srgbClr val="FFFFFF"/>
+                </a:highlight>
+                <a:latin typeface="新宋体" panose="02010609030101010101" pitchFamily="49" charset="-122"/>
+                <a:ea typeface="新宋体" panose="02010609030101010101" pitchFamily="49" charset="-122"/>
+              </a:rPr>
+              <a:t>Pack</a:t>
+            </a:r>
+            <a:r>
+              <a:rPr lang="en-US" altLang="zh-CN" dirty="0">
+                <a:solidFill>
+                  <a:srgbClr val="000000"/>
+                </a:solidFill>
+                <a:highlight>
+                  <a:srgbClr val="FFFFFF"/>
+                </a:highlight>
+                <a:latin typeface="新宋体" panose="02010609030101010101" pitchFamily="49" charset="-122"/>
+                <a:ea typeface="新宋体" panose="02010609030101010101" pitchFamily="49" charset="-122"/>
+              </a:rPr>
+              <a:t>&lt;</a:t>
+            </a:r>
+            <a:r>
+              <a:rPr lang="en-US" altLang="zh-CN" dirty="0">
+                <a:solidFill>
+                  <a:srgbClr val="2B91AF"/>
+                </a:solidFill>
+                <a:highlight>
+                  <a:srgbClr val="FFFFFF"/>
+                </a:highlight>
+                <a:latin typeface="新宋体" panose="02010609030101010101" pitchFamily="49" charset="-122"/>
+                <a:ea typeface="新宋体" panose="02010609030101010101" pitchFamily="49" charset="-122"/>
+              </a:rPr>
+              <a:t>Rest</a:t>
+            </a:r>
+            <a:r>
+              <a:rPr lang="en-US" altLang="zh-CN" dirty="0">
+                <a:solidFill>
+                  <a:srgbClr val="000000"/>
+                </a:solidFill>
+                <a:highlight>
+                  <a:srgbClr val="FFFFFF"/>
+                </a:highlight>
+                <a:latin typeface="新宋体" panose="02010609030101010101" pitchFamily="49" charset="-122"/>
+                <a:ea typeface="新宋体" panose="02010609030101010101" pitchFamily="49" charset="-122"/>
+              </a:rPr>
+              <a:t>...&gt; *)</a:t>
+            </a:r>
+            <a:r>
+              <a:rPr lang="en-US" altLang="zh-CN" dirty="0" err="1">
+                <a:solidFill>
+                  <a:srgbClr val="0000FF"/>
+                </a:solidFill>
+                <a:highlight>
+                  <a:srgbClr val="FFFFFF"/>
+                </a:highlight>
+                <a:latin typeface="新宋体" panose="02010609030101010101" pitchFamily="49" charset="-122"/>
+                <a:ea typeface="新宋体" panose="02010609030101010101" pitchFamily="49" charset="-122"/>
+              </a:rPr>
+              <a:t>nullptr</a:t>
+            </a:r>
+            <a:r>
+              <a:rPr lang="en-US" altLang="zh-CN" dirty="0">
+                <a:solidFill>
+                  <a:srgbClr val="000000"/>
+                </a:solidFill>
+                <a:highlight>
+                  <a:srgbClr val="FFFFFF"/>
+                </a:highlight>
+                <a:latin typeface="新宋体" panose="02010609030101010101" pitchFamily="49" charset="-122"/>
+                <a:ea typeface="新宋体" panose="02010609030101010101" pitchFamily="49" charset="-122"/>
+              </a:rPr>
+              <a:t>);</a:t>
+            </a:r>
+          </a:p>
+          <a:p>
+            <a:r>
+              <a:rPr lang="en-US" altLang="zh-CN" dirty="0">
+                <a:solidFill>
+                  <a:srgbClr val="000000"/>
+                </a:solidFill>
+                <a:highlight>
+                  <a:srgbClr val="FFFFFF"/>
+                </a:highlight>
+                <a:latin typeface="新宋体" panose="02010609030101010101" pitchFamily="49" charset="-122"/>
+                <a:ea typeface="新宋体" panose="02010609030101010101" pitchFamily="49" charset="-122"/>
+              </a:rPr>
+              <a:t>}</a:t>
             </a:r>
             <a:endParaRPr lang="zh-CN" altLang="en-US" dirty="0"/>
+          </a:p>
+        </p:txBody>
+      </p:sp>
+      <p:sp>
+        <p:nvSpPr>
+          <p:cNvPr id="9" name="圆角矩形 8"/>
+          <p:cNvSpPr/>
+          <p:nvPr/>
+        </p:nvSpPr>
+        <p:spPr>
+          <a:xfrm>
+            <a:off x="3622765" y="1646216"/>
+            <a:ext cx="4990012" cy="348047"/>
+          </a:xfrm>
+          <a:prstGeom prst="roundRect">
+            <a:avLst/>
+          </a:prstGeom>
+          <a:noFill/>
+        </p:spPr>
+        <p:style>
+          <a:lnRef idx="2">
+            <a:schemeClr val="accent1">
+              <a:shade val="50000"/>
+            </a:schemeClr>
+          </a:lnRef>
+          <a:fillRef idx="1">
+            <a:schemeClr val="accent1"/>
+          </a:fillRef>
+          <a:effectRef idx="0">
+            <a:schemeClr val="accent1"/>
+          </a:effectRef>
+          <a:fontRef idx="minor">
+            <a:schemeClr val="lt1"/>
+          </a:fontRef>
+        </p:style>
+        <p:txBody>
+          <a:bodyPr rtlCol="0" anchor="ctr"/>
+          <a:lstStyle/>
+          <a:p>
+            <a:pPr algn="ctr"/>
+            <a:endParaRPr lang="zh-CN" altLang="en-US"/>
+          </a:p>
+        </p:txBody>
+      </p:sp>
+      <p:sp>
+        <p:nvSpPr>
+          <p:cNvPr id="10" name="矩形 9"/>
+          <p:cNvSpPr/>
+          <p:nvPr/>
+        </p:nvSpPr>
+        <p:spPr>
+          <a:xfrm>
+            <a:off x="9234908" y="1219106"/>
+            <a:ext cx="2117567" cy="369332"/>
+          </a:xfrm>
+          <a:prstGeom prst="rect">
+            <a:avLst/>
+          </a:prstGeom>
+        </p:spPr>
+        <p:txBody>
+          <a:bodyPr wrap="none">
+            <a:spAutoFit/>
+          </a:bodyPr>
+          <a:lstStyle/>
+          <a:p>
+            <a:r>
+              <a:rPr lang="en-US" altLang="zh-CN" dirty="0" smtClean="0">
+                <a:solidFill>
+                  <a:srgbClr val="FF0000"/>
+                </a:solidFill>
+              </a:rPr>
+              <a:t>all fields information</a:t>
+            </a:r>
+            <a:endParaRPr lang="zh-CN" altLang="en-US" dirty="0">
+              <a:solidFill>
+                <a:srgbClr val="FF0000"/>
+              </a:solidFill>
+            </a:endParaRPr>
+          </a:p>
+        </p:txBody>
+      </p:sp>
+      <p:cxnSp>
+        <p:nvCxnSpPr>
+          <p:cNvPr id="13" name="直接箭头连接符 12"/>
+          <p:cNvCxnSpPr/>
+          <p:nvPr/>
+        </p:nvCxnSpPr>
+        <p:spPr>
+          <a:xfrm flipV="1">
+            <a:off x="8616064" y="1480500"/>
+            <a:ext cx="685842" cy="252369"/>
+          </a:xfrm>
+          <a:prstGeom prst="straightConnector1">
+            <a:avLst/>
+          </a:prstGeom>
+          <a:ln w="34925">
+            <a:tailEnd type="triangle"/>
+          </a:ln>
+        </p:spPr>
+        <p:style>
+          <a:lnRef idx="1">
+            <a:schemeClr val="accent1"/>
+          </a:lnRef>
+          <a:fillRef idx="0">
+            <a:schemeClr val="accent1"/>
+          </a:fillRef>
+          <a:effectRef idx="0">
+            <a:schemeClr val="accent1"/>
+          </a:effectRef>
+          <a:fontRef idx="minor">
+            <a:schemeClr val="tx1"/>
+          </a:fontRef>
+        </p:style>
+      </p:cxnSp>
+      <p:sp>
+        <p:nvSpPr>
+          <p:cNvPr id="14" name="矩形 13"/>
+          <p:cNvSpPr/>
+          <p:nvPr/>
+        </p:nvSpPr>
+        <p:spPr>
+          <a:xfrm>
+            <a:off x="838199" y="5280194"/>
+            <a:ext cx="4970417" cy="584775"/>
+          </a:xfrm>
+          <a:prstGeom prst="rect">
+            <a:avLst/>
+          </a:prstGeom>
+        </p:spPr>
+        <p:txBody>
+          <a:bodyPr wrap="square">
+            <a:spAutoFit/>
+          </a:bodyPr>
+          <a:lstStyle/>
+          <a:p>
+            <a:r>
+              <a:rPr lang="en-US" altLang="zh-CN" sz="1600" dirty="0" smtClean="0"/>
+              <a:t>cppcon2016: </a:t>
+            </a:r>
+            <a:r>
+              <a:rPr lang="zh-CN" altLang="en-US" sz="1600" dirty="0" smtClean="0"/>
+              <a:t>Achieving </a:t>
+            </a:r>
+            <a:r>
+              <a:rPr lang="zh-CN" altLang="en-US" sz="1600" dirty="0"/>
+              <a:t>financial data processing performance through compile time introspection</a:t>
+            </a:r>
           </a:p>
         </p:txBody>
       </p:sp>
     </p:spTree>
     <p:extLst>
       <p:ext uri="{BB962C8B-B14F-4D97-AF65-F5344CB8AC3E}">
-        <p14:creationId xmlns:p14="http://schemas.microsoft.com/office/powerpoint/2010/main" val="3920747289"/>
+        <p14:creationId xmlns:p14="http://schemas.microsoft.com/office/powerpoint/2010/main" val="44450758"/>
       </p:ext>
     </p:extLst>
   </p:cSld>
@@ -16656,9 +18688,361 @@
   <p:timing>
     <p:tnLst>
       <p:par>
-        <p:cTn id="1" dur="indefinite" restart="never" nodeType="tmRoot"/>
+        <p:cTn id="1" dur="indefinite" restart="never" nodeType="tmRoot">
+          <p:childTnLst>
+            <p:seq concurrent="1" nextAc="seek">
+              <p:cTn id="2" dur="indefinite" nodeType="mainSeq">
+                <p:childTnLst>
+                  <p:par>
+                    <p:cTn id="3" fill="hold">
+                      <p:stCondLst>
+                        <p:cond delay="indefinite"/>
+                      </p:stCondLst>
+                      <p:childTnLst>
+                        <p:par>
+                          <p:cTn id="4" fill="hold">
+                            <p:stCondLst>
+                              <p:cond delay="0"/>
+                            </p:stCondLst>
+                            <p:childTnLst>
+                              <p:par>
+                                <p:cTn id="5" presetID="2" presetClass="entr" presetSubtype="4" fill="hold" grpId="0" nodeType="clickEffect">
+                                  <p:stCondLst>
+                                    <p:cond delay="0"/>
+                                  </p:stCondLst>
+                                  <p:childTnLst>
+                                    <p:set>
+                                      <p:cBhvr>
+                                        <p:cTn id="6" dur="1" fill="hold">
+                                          <p:stCondLst>
+                                            <p:cond delay="0"/>
+                                          </p:stCondLst>
+                                        </p:cTn>
+                                        <p:tgtEl>
+                                          <p:spTgt spid="7"/>
+                                        </p:tgtEl>
+                                        <p:attrNameLst>
+                                          <p:attrName>style.visibility</p:attrName>
+                                        </p:attrNameLst>
+                                      </p:cBhvr>
+                                      <p:to>
+                                        <p:strVal val="visible"/>
+                                      </p:to>
+                                    </p:set>
+                                    <p:anim calcmode="lin" valueType="num">
+                                      <p:cBhvr additive="base">
+                                        <p:cTn id="7" dur="500" fill="hold"/>
+                                        <p:tgtEl>
+                                          <p:spTgt spid="7"/>
+                                        </p:tgtEl>
+                                        <p:attrNameLst>
+                                          <p:attrName>ppt_x</p:attrName>
+                                        </p:attrNameLst>
+                                      </p:cBhvr>
+                                      <p:tavLst>
+                                        <p:tav tm="0">
+                                          <p:val>
+                                            <p:strVal val="#ppt_x"/>
+                                          </p:val>
+                                        </p:tav>
+                                        <p:tav tm="100000">
+                                          <p:val>
+                                            <p:strVal val="#ppt_x"/>
+                                          </p:val>
+                                        </p:tav>
+                                      </p:tavLst>
+                                    </p:anim>
+                                    <p:anim calcmode="lin" valueType="num">
+                                      <p:cBhvr additive="base">
+                                        <p:cTn id="8" dur="500" fill="hold"/>
+                                        <p:tgtEl>
+                                          <p:spTgt spid="7"/>
+                                        </p:tgtEl>
+                                        <p:attrNameLst>
+                                          <p:attrName>ppt_y</p:attrName>
+                                        </p:attrNameLst>
+                                      </p:cBhvr>
+                                      <p:tavLst>
+                                        <p:tav tm="0">
+                                          <p:val>
+                                            <p:strVal val="1+#ppt_h/2"/>
+                                          </p:val>
+                                        </p:tav>
+                                        <p:tav tm="100000">
+                                          <p:val>
+                                            <p:strVal val="#ppt_y"/>
+                                          </p:val>
+                                        </p:tav>
+                                      </p:tavLst>
+                                    </p:anim>
+                                  </p:childTnLst>
+                                </p:cTn>
+                              </p:par>
+                            </p:childTnLst>
+                          </p:cTn>
+                        </p:par>
+                      </p:childTnLst>
+                    </p:cTn>
+                  </p:par>
+                  <p:par>
+                    <p:cTn id="9" fill="hold">
+                      <p:stCondLst>
+                        <p:cond delay="indefinite"/>
+                      </p:stCondLst>
+                      <p:childTnLst>
+                        <p:par>
+                          <p:cTn id="10" fill="hold">
+                            <p:stCondLst>
+                              <p:cond delay="0"/>
+                            </p:stCondLst>
+                            <p:childTnLst>
+                              <p:par>
+                                <p:cTn id="11" presetID="22" presetClass="entr" presetSubtype="8" fill="hold" grpId="0" nodeType="clickEffect">
+                                  <p:stCondLst>
+                                    <p:cond delay="0"/>
+                                  </p:stCondLst>
+                                  <p:childTnLst>
+                                    <p:set>
+                                      <p:cBhvr>
+                                        <p:cTn id="12" dur="1" fill="hold">
+                                          <p:stCondLst>
+                                            <p:cond delay="0"/>
+                                          </p:stCondLst>
+                                        </p:cTn>
+                                        <p:tgtEl>
+                                          <p:spTgt spid="9"/>
+                                        </p:tgtEl>
+                                        <p:attrNameLst>
+                                          <p:attrName>style.visibility</p:attrName>
+                                        </p:attrNameLst>
+                                      </p:cBhvr>
+                                      <p:to>
+                                        <p:strVal val="visible"/>
+                                      </p:to>
+                                    </p:set>
+                                    <p:animEffect transition="in" filter="wipe(left)">
+                                      <p:cBhvr>
+                                        <p:cTn id="13" dur="500"/>
+                                        <p:tgtEl>
+                                          <p:spTgt spid="9"/>
+                                        </p:tgtEl>
+                                      </p:cBhvr>
+                                    </p:animEffect>
+                                  </p:childTnLst>
+                                </p:cTn>
+                              </p:par>
+                            </p:childTnLst>
+                          </p:cTn>
+                        </p:par>
+                        <p:par>
+                          <p:cTn id="14" fill="hold">
+                            <p:stCondLst>
+                              <p:cond delay="500"/>
+                            </p:stCondLst>
+                            <p:childTnLst>
+                              <p:par>
+                                <p:cTn id="15" presetID="22" presetClass="entr" presetSubtype="4" fill="hold" nodeType="afterEffect">
+                                  <p:stCondLst>
+                                    <p:cond delay="0"/>
+                                  </p:stCondLst>
+                                  <p:childTnLst>
+                                    <p:set>
+                                      <p:cBhvr>
+                                        <p:cTn id="16" dur="1" fill="hold">
+                                          <p:stCondLst>
+                                            <p:cond delay="0"/>
+                                          </p:stCondLst>
+                                        </p:cTn>
+                                        <p:tgtEl>
+                                          <p:spTgt spid="13"/>
+                                        </p:tgtEl>
+                                        <p:attrNameLst>
+                                          <p:attrName>style.visibility</p:attrName>
+                                        </p:attrNameLst>
+                                      </p:cBhvr>
+                                      <p:to>
+                                        <p:strVal val="visible"/>
+                                      </p:to>
+                                    </p:set>
+                                    <p:animEffect transition="in" filter="wipe(down)">
+                                      <p:cBhvr>
+                                        <p:cTn id="17" dur="500"/>
+                                        <p:tgtEl>
+                                          <p:spTgt spid="13"/>
+                                        </p:tgtEl>
+                                      </p:cBhvr>
+                                    </p:animEffect>
+                                  </p:childTnLst>
+                                </p:cTn>
+                              </p:par>
+                            </p:childTnLst>
+                          </p:cTn>
+                        </p:par>
+                        <p:par>
+                          <p:cTn id="18" fill="hold">
+                            <p:stCondLst>
+                              <p:cond delay="1000"/>
+                            </p:stCondLst>
+                            <p:childTnLst>
+                              <p:par>
+                                <p:cTn id="19" presetID="22" presetClass="entr" presetSubtype="8" fill="hold" grpId="0" nodeType="afterEffect">
+                                  <p:stCondLst>
+                                    <p:cond delay="0"/>
+                                  </p:stCondLst>
+                                  <p:childTnLst>
+                                    <p:set>
+                                      <p:cBhvr>
+                                        <p:cTn id="20" dur="1" fill="hold">
+                                          <p:stCondLst>
+                                            <p:cond delay="0"/>
+                                          </p:stCondLst>
+                                        </p:cTn>
+                                        <p:tgtEl>
+                                          <p:spTgt spid="10"/>
+                                        </p:tgtEl>
+                                        <p:attrNameLst>
+                                          <p:attrName>style.visibility</p:attrName>
+                                        </p:attrNameLst>
+                                      </p:cBhvr>
+                                      <p:to>
+                                        <p:strVal val="visible"/>
+                                      </p:to>
+                                    </p:set>
+                                    <p:animEffect transition="in" filter="wipe(left)">
+                                      <p:cBhvr>
+                                        <p:cTn id="21" dur="500"/>
+                                        <p:tgtEl>
+                                          <p:spTgt spid="10"/>
+                                        </p:tgtEl>
+                                      </p:cBhvr>
+                                    </p:animEffect>
+                                  </p:childTnLst>
+                                </p:cTn>
+                              </p:par>
+                            </p:childTnLst>
+                          </p:cTn>
+                        </p:par>
+                      </p:childTnLst>
+                    </p:cTn>
+                  </p:par>
+                  <p:par>
+                    <p:cTn id="22" fill="hold">
+                      <p:stCondLst>
+                        <p:cond delay="indefinite"/>
+                      </p:stCondLst>
+                      <p:childTnLst>
+                        <p:par>
+                          <p:cTn id="23" fill="hold">
+                            <p:stCondLst>
+                              <p:cond delay="0"/>
+                            </p:stCondLst>
+                            <p:childTnLst>
+                              <p:par>
+                                <p:cTn id="24" presetID="2" presetClass="entr" presetSubtype="4" fill="hold" grpId="0" nodeType="clickEffect">
+                                  <p:stCondLst>
+                                    <p:cond delay="0"/>
+                                  </p:stCondLst>
+                                  <p:childTnLst>
+                                    <p:set>
+                                      <p:cBhvr>
+                                        <p:cTn id="25" dur="1" fill="hold">
+                                          <p:stCondLst>
+                                            <p:cond delay="0"/>
+                                          </p:stCondLst>
+                                        </p:cTn>
+                                        <p:tgtEl>
+                                          <p:spTgt spid="14"/>
+                                        </p:tgtEl>
+                                        <p:attrNameLst>
+                                          <p:attrName>style.visibility</p:attrName>
+                                        </p:attrNameLst>
+                                      </p:cBhvr>
+                                      <p:to>
+                                        <p:strVal val="visible"/>
+                                      </p:to>
+                                    </p:set>
+                                    <p:anim calcmode="lin" valueType="num">
+                                      <p:cBhvr additive="base">
+                                        <p:cTn id="26" dur="500" fill="hold"/>
+                                        <p:tgtEl>
+                                          <p:spTgt spid="14"/>
+                                        </p:tgtEl>
+                                        <p:attrNameLst>
+                                          <p:attrName>ppt_x</p:attrName>
+                                        </p:attrNameLst>
+                                      </p:cBhvr>
+                                      <p:tavLst>
+                                        <p:tav tm="0">
+                                          <p:val>
+                                            <p:strVal val="#ppt_x"/>
+                                          </p:val>
+                                        </p:tav>
+                                        <p:tav tm="100000">
+                                          <p:val>
+                                            <p:strVal val="#ppt_x"/>
+                                          </p:val>
+                                        </p:tav>
+                                      </p:tavLst>
+                                    </p:anim>
+                                    <p:anim calcmode="lin" valueType="num">
+                                      <p:cBhvr additive="base">
+                                        <p:cTn id="27" dur="500" fill="hold"/>
+                                        <p:tgtEl>
+                                          <p:spTgt spid="14"/>
+                                        </p:tgtEl>
+                                        <p:attrNameLst>
+                                          <p:attrName>ppt_y</p:attrName>
+                                        </p:attrNameLst>
+                                      </p:cBhvr>
+                                      <p:tavLst>
+                                        <p:tav tm="0">
+                                          <p:val>
+                                            <p:strVal val="1+#ppt_h/2"/>
+                                          </p:val>
+                                        </p:tav>
+                                        <p:tav tm="100000">
+                                          <p:val>
+                                            <p:strVal val="#ppt_y"/>
+                                          </p:val>
+                                        </p:tav>
+                                      </p:tavLst>
+                                    </p:anim>
+                                  </p:childTnLst>
+                                </p:cTn>
+                              </p:par>
+                            </p:childTnLst>
+                          </p:cTn>
+                        </p:par>
+                      </p:childTnLst>
+                    </p:cTn>
+                  </p:par>
+                </p:childTnLst>
+              </p:cTn>
+              <p:prevCondLst>
+                <p:cond evt="onPrev" delay="0">
+                  <p:tgtEl>
+                    <p:sldTgt/>
+                  </p:tgtEl>
+                </p:cond>
+              </p:prevCondLst>
+              <p:nextCondLst>
+                <p:cond evt="onNext" delay="0">
+                  <p:tgtEl>
+                    <p:sldTgt/>
+                  </p:tgtEl>
+                </p:cond>
+              </p:nextCondLst>
+            </p:seq>
+          </p:childTnLst>
+        </p:cTn>
       </p:par>
     </p:tnLst>
+    <p:bldLst>
+      <p:bldP spid="7" grpId="0"/>
+      <p:bldP spid="9" grpId="0" animBg="1"/>
+      <p:bldP spid="10" grpId="0"/>
+      <p:bldP spid="14" grpId="0"/>
+    </p:bldLst>
   </p:timing>
 </p:sld>
 </file>
@@ -16697,11 +19081,7 @@
           <a:p>
             <a:r>
               <a:rPr lang="en-US" altLang="zh-CN" dirty="0"/>
-              <a:t>application of compile-time </a:t>
-            </a:r>
-            <a:r>
-              <a:rPr lang="en-US" altLang="zh-CN" dirty="0" smtClean="0"/>
-              <a:t>reflection</a:t>
+              <a:t>technical thought</a:t>
             </a:r>
             <a:endParaRPr lang="zh-CN" altLang="en-US" dirty="0"/>
           </a:p>
@@ -16723,29 +19103,132 @@
           <a:lstStyle/>
           <a:p>
             <a:r>
-              <a:rPr lang="en-US" altLang="zh-CN" dirty="0"/>
-              <a:t>Serialization</a:t>
-            </a:r>
-          </a:p>
-          <a:p>
-            <a:r>
-              <a:rPr lang="en-US" altLang="zh-CN" dirty="0"/>
-              <a:t>ORM(Object Relational Mapping)</a:t>
-            </a:r>
-          </a:p>
-          <a:p>
-            <a:r>
-              <a:rPr lang="en-US" altLang="zh-CN" dirty="0"/>
-              <a:t>DSL(domain-specific language)</a:t>
-            </a:r>
-            <a:endParaRPr lang="zh-CN" altLang="en-US" dirty="0"/>
+              <a:rPr lang="en-US" altLang="zh-CN" dirty="0" smtClean="0"/>
+              <a:t>the specialized template class saves the object type</a:t>
+            </a:r>
+          </a:p>
+          <a:p>
+            <a:r>
+              <a:rPr lang="en-US" altLang="zh-CN" dirty="0" smtClean="0"/>
+              <a:t>save the field information</a:t>
+            </a:r>
+          </a:p>
+          <a:p>
+            <a:pPr marL="457200" lvl="1" indent="0">
+              <a:buNone/>
+            </a:pPr>
+            <a:r>
+              <a:rPr lang="en-US" altLang="zh-CN" sz="2000" dirty="0"/>
+              <a:t>template&lt;</a:t>
+            </a:r>
+            <a:r>
+              <a:rPr lang="en-US" altLang="zh-CN" sz="2000" dirty="0" err="1"/>
+              <a:t>typename</a:t>
+            </a:r>
+            <a:r>
+              <a:rPr lang="en-US" altLang="zh-CN" sz="2000" dirty="0"/>
+              <a:t> T,  T </a:t>
+            </a:r>
+            <a:r>
+              <a:rPr lang="en-US" altLang="zh-CN" sz="2000" dirty="0" err="1"/>
+              <a:t>mPtr</a:t>
+            </a:r>
+            <a:r>
+              <a:rPr lang="en-US" altLang="zh-CN" sz="2000" dirty="0"/>
+              <a:t>,  unsigned Index&gt;</a:t>
+            </a:r>
+          </a:p>
+          <a:p>
+            <a:pPr marL="457200" lvl="1" indent="0">
+              <a:buNone/>
+            </a:pPr>
+            <a:r>
+              <a:rPr lang="en-US" altLang="zh-CN" sz="2000" dirty="0" err="1"/>
+              <a:t>struct</a:t>
+            </a:r>
+            <a:r>
+              <a:rPr lang="en-US" altLang="zh-CN" sz="2000" dirty="0"/>
+              <a:t> </a:t>
+            </a:r>
+            <a:r>
+              <a:rPr lang="en-US" altLang="zh-CN" sz="2000" dirty="0" err="1" smtClean="0"/>
+              <a:t>MemberBinding</a:t>
+            </a:r>
+            <a:r>
+              <a:rPr lang="en-US" altLang="zh-CN" sz="2000" dirty="0" smtClean="0"/>
+              <a:t>;</a:t>
+            </a:r>
+          </a:p>
+          <a:p>
+            <a:pPr marL="457200" lvl="1" indent="0">
+              <a:buNone/>
+            </a:pPr>
+            <a:endParaRPr lang="en-US" altLang="zh-CN" dirty="0"/>
+          </a:p>
+          <a:p>
+            <a:pPr marL="228600" lvl="1">
+              <a:spcBef>
+                <a:spcPts val="1000"/>
+              </a:spcBef>
+            </a:pPr>
+            <a:r>
+              <a:rPr lang="en-US" altLang="zh-CN" sz="2800" dirty="0" err="1"/>
+              <a:t>variadic</a:t>
+            </a:r>
+            <a:r>
+              <a:rPr lang="en-US" altLang="zh-CN" sz="2800" dirty="0"/>
+              <a:t> </a:t>
+            </a:r>
+            <a:r>
+              <a:rPr lang="en-US" altLang="zh-CN" sz="2800" dirty="0" smtClean="0"/>
+              <a:t>template </a:t>
+            </a:r>
+            <a:r>
+              <a:rPr lang="en-US" altLang="zh-CN" sz="2800" dirty="0"/>
+              <a:t>class Pack&lt;…&gt; save all fields </a:t>
+            </a:r>
+            <a:r>
+              <a:rPr lang="en-US" altLang="zh-CN" sz="2800" dirty="0" smtClean="0"/>
+              <a:t>information</a:t>
+            </a:r>
+          </a:p>
+          <a:p>
+            <a:pPr marL="228600" lvl="1">
+              <a:spcBef>
+                <a:spcPts val="1000"/>
+              </a:spcBef>
+            </a:pPr>
+            <a:r>
+              <a:rPr lang="en-US" altLang="zh-CN" sz="2800" dirty="0" smtClean="0"/>
+              <a:t>a string array save all the names of fields</a:t>
+            </a:r>
+          </a:p>
+          <a:p>
+            <a:pPr marL="228600" lvl="1">
+              <a:spcBef>
+                <a:spcPts val="1000"/>
+              </a:spcBef>
+            </a:pPr>
+            <a:r>
+              <a:rPr lang="en-US" altLang="zh-CN" sz="2800" dirty="0" smtClean="0"/>
+              <a:t>visit all fields by recursively </a:t>
+            </a:r>
+            <a:r>
+              <a:rPr lang="en-US" altLang="zh-CN" sz="2800" dirty="0" err="1" smtClean="0"/>
+              <a:t>foreach</a:t>
+            </a:r>
+            <a:r>
+              <a:rPr lang="en-US" altLang="zh-CN" sz="2800" dirty="0" smtClean="0"/>
+              <a:t> pack&lt;…&gt;</a:t>
+            </a:r>
+            <a:endParaRPr lang="en-US" altLang="zh-CN" sz="2800" dirty="0"/>
           </a:p>
         </p:txBody>
       </p:sp>
     </p:spTree>
     <p:extLst>
       <p:ext uri="{BB962C8B-B14F-4D97-AF65-F5344CB8AC3E}">
-        <p14:creationId xmlns:p14="http://schemas.microsoft.com/office/powerpoint/2010/main" val="3812572458"/>
+        <p14:creationId xmlns:p14="http://schemas.microsoft.com/office/powerpoint/2010/main" val="1262937826"/>
       </p:ext>
     </p:extLst>
   </p:cSld>
@@ -16781,6 +19264,2303 @@
       </p:grpSpPr>
       <p:sp>
         <p:nvSpPr>
+          <p:cNvPr id="5" name="矩形 4"/>
+          <p:cNvSpPr/>
+          <p:nvPr/>
+        </p:nvSpPr>
+        <p:spPr>
+          <a:xfrm>
+            <a:off x="838200" y="784504"/>
+            <a:ext cx="9768840" cy="5078313"/>
+          </a:xfrm>
+          <a:prstGeom prst="rect">
+            <a:avLst/>
+          </a:prstGeom>
+        </p:spPr>
+        <p:txBody>
+          <a:bodyPr wrap="square">
+            <a:spAutoFit/>
+          </a:bodyPr>
+          <a:lstStyle/>
+          <a:p>
+            <a:r>
+              <a:rPr lang="en-US" altLang="zh-CN" dirty="0" err="1">
+                <a:solidFill>
+                  <a:srgbClr val="0000FF"/>
+                </a:solidFill>
+                <a:highlight>
+                  <a:srgbClr val="FFFFFF"/>
+                </a:highlight>
+                <a:latin typeface="新宋体" panose="02010609030101010101" pitchFamily="49" charset="-122"/>
+                <a:ea typeface="新宋体" panose="02010609030101010101" pitchFamily="49" charset="-122"/>
+              </a:rPr>
+              <a:t>struct</a:t>
+            </a:r>
+            <a:r>
+              <a:rPr lang="en-US" altLang="zh-CN" dirty="0">
+                <a:solidFill>
+                  <a:srgbClr val="000000"/>
+                </a:solidFill>
+                <a:highlight>
+                  <a:srgbClr val="FFFFFF"/>
+                </a:highlight>
+                <a:latin typeface="新宋体" panose="02010609030101010101" pitchFamily="49" charset="-122"/>
+                <a:ea typeface="新宋体" panose="02010609030101010101" pitchFamily="49" charset="-122"/>
+              </a:rPr>
+              <a:t> </a:t>
+            </a:r>
+            <a:r>
+              <a:rPr lang="en-US" altLang="zh-CN" dirty="0">
+                <a:solidFill>
+                  <a:srgbClr val="2B91AF"/>
+                </a:solidFill>
+                <a:highlight>
+                  <a:srgbClr val="FFFFFF"/>
+                </a:highlight>
+                <a:latin typeface="新宋体" panose="02010609030101010101" pitchFamily="49" charset="-122"/>
+                <a:ea typeface="新宋体" panose="02010609030101010101" pitchFamily="49" charset="-122"/>
+              </a:rPr>
+              <a:t>Aggregate</a:t>
+            </a:r>
+            <a:r>
+              <a:rPr lang="en-US" altLang="zh-CN" dirty="0">
+                <a:solidFill>
+                  <a:srgbClr val="000000"/>
+                </a:solidFill>
+                <a:highlight>
+                  <a:srgbClr val="FFFFFF"/>
+                </a:highlight>
+                <a:latin typeface="新宋体" panose="02010609030101010101" pitchFamily="49" charset="-122"/>
+                <a:ea typeface="新宋体" panose="02010609030101010101" pitchFamily="49" charset="-122"/>
+              </a:rPr>
+              <a:t> {</a:t>
+            </a:r>
+          </a:p>
+          <a:p>
+            <a:r>
+              <a:rPr lang="en-US" altLang="zh-CN" dirty="0" smtClean="0">
+                <a:solidFill>
+                  <a:srgbClr val="0000FF"/>
+                </a:solidFill>
+                <a:highlight>
+                  <a:srgbClr val="FFFFFF"/>
+                </a:highlight>
+                <a:latin typeface="新宋体" panose="02010609030101010101" pitchFamily="49" charset="-122"/>
+                <a:ea typeface="新宋体" panose="02010609030101010101" pitchFamily="49" charset="-122"/>
+              </a:rPr>
+              <a:t>    </a:t>
+            </a:r>
+            <a:r>
+              <a:rPr lang="en-US" altLang="zh-CN" dirty="0" err="1" smtClean="0">
+                <a:solidFill>
+                  <a:srgbClr val="0000FF"/>
+                </a:solidFill>
+                <a:highlight>
+                  <a:srgbClr val="FFFFFF"/>
+                </a:highlight>
+                <a:latin typeface="新宋体" panose="02010609030101010101" pitchFamily="49" charset="-122"/>
+                <a:ea typeface="新宋体" panose="02010609030101010101" pitchFamily="49" charset="-122"/>
+              </a:rPr>
+              <a:t>int</a:t>
+            </a:r>
+            <a:r>
+              <a:rPr lang="en-US" altLang="zh-CN" dirty="0" smtClean="0">
+                <a:solidFill>
+                  <a:srgbClr val="000000"/>
+                </a:solidFill>
+                <a:highlight>
+                  <a:srgbClr val="FFFFFF"/>
+                </a:highlight>
+                <a:latin typeface="新宋体" panose="02010609030101010101" pitchFamily="49" charset="-122"/>
+                <a:ea typeface="新宋体" panose="02010609030101010101" pitchFamily="49" charset="-122"/>
+              </a:rPr>
+              <a:t> </a:t>
+            </a:r>
+            <a:r>
+              <a:rPr lang="en-US" altLang="zh-CN" dirty="0">
+                <a:solidFill>
+                  <a:srgbClr val="000000"/>
+                </a:solidFill>
+                <a:highlight>
+                  <a:srgbClr val="FFFFFF"/>
+                </a:highlight>
+                <a:latin typeface="新宋体" panose="02010609030101010101" pitchFamily="49" charset="-122"/>
+                <a:ea typeface="新宋体" panose="02010609030101010101" pitchFamily="49" charset="-122"/>
+              </a:rPr>
+              <a:t>member1;</a:t>
+            </a:r>
+          </a:p>
+          <a:p>
+            <a:r>
+              <a:rPr lang="en-US" altLang="zh-CN" dirty="0" smtClean="0">
+                <a:solidFill>
+                  <a:srgbClr val="000000"/>
+                </a:solidFill>
+                <a:highlight>
+                  <a:srgbClr val="FFFFFF"/>
+                </a:highlight>
+                <a:latin typeface="新宋体" panose="02010609030101010101" pitchFamily="49" charset="-122"/>
+                <a:ea typeface="新宋体" panose="02010609030101010101" pitchFamily="49" charset="-122"/>
+              </a:rPr>
+              <a:t>    </a:t>
+            </a:r>
+            <a:r>
+              <a:rPr lang="en-US" altLang="zh-CN" dirty="0" err="1" smtClean="0">
+                <a:solidFill>
+                  <a:srgbClr val="000000"/>
+                </a:solidFill>
+                <a:highlight>
+                  <a:srgbClr val="FFFFFF"/>
+                </a:highlight>
+                <a:latin typeface="新宋体" panose="02010609030101010101" pitchFamily="49" charset="-122"/>
+                <a:ea typeface="新宋体" panose="02010609030101010101" pitchFamily="49" charset="-122"/>
+              </a:rPr>
+              <a:t>std</a:t>
+            </a:r>
+            <a:r>
+              <a:rPr lang="en-US" altLang="zh-CN" dirty="0">
+                <a:solidFill>
+                  <a:srgbClr val="000000"/>
+                </a:solidFill>
+                <a:highlight>
+                  <a:srgbClr val="FFFFFF"/>
+                </a:highlight>
+                <a:latin typeface="新宋体" panose="02010609030101010101" pitchFamily="49" charset="-122"/>
+                <a:ea typeface="新宋体" panose="02010609030101010101" pitchFamily="49" charset="-122"/>
+              </a:rPr>
+              <a:t>::</a:t>
+            </a:r>
+            <a:r>
+              <a:rPr lang="en-US" altLang="zh-CN" dirty="0">
+                <a:solidFill>
+                  <a:srgbClr val="2B91AF"/>
+                </a:solidFill>
+                <a:highlight>
+                  <a:srgbClr val="FFFFFF"/>
+                </a:highlight>
+                <a:latin typeface="新宋体" panose="02010609030101010101" pitchFamily="49" charset="-122"/>
+                <a:ea typeface="新宋体" panose="02010609030101010101" pitchFamily="49" charset="-122"/>
+              </a:rPr>
+              <a:t>string</a:t>
+            </a:r>
+            <a:r>
+              <a:rPr lang="en-US" altLang="zh-CN" dirty="0">
+                <a:solidFill>
+                  <a:srgbClr val="000000"/>
+                </a:solidFill>
+                <a:highlight>
+                  <a:srgbClr val="FFFFFF"/>
+                </a:highlight>
+                <a:latin typeface="新宋体" panose="02010609030101010101" pitchFamily="49" charset="-122"/>
+                <a:ea typeface="新宋体" panose="02010609030101010101" pitchFamily="49" charset="-122"/>
+              </a:rPr>
+              <a:t> member2;</a:t>
+            </a:r>
+          </a:p>
+          <a:p>
+            <a:r>
+              <a:rPr lang="en-US" altLang="zh-CN" dirty="0" smtClean="0">
+                <a:solidFill>
+                  <a:srgbClr val="000000"/>
+                </a:solidFill>
+                <a:highlight>
+                  <a:srgbClr val="FFFFFF"/>
+                </a:highlight>
+                <a:latin typeface="新宋体" panose="02010609030101010101" pitchFamily="49" charset="-122"/>
+                <a:ea typeface="新宋体" panose="02010609030101010101" pitchFamily="49" charset="-122"/>
+              </a:rPr>
+              <a:t>};</a:t>
+            </a:r>
+            <a:endParaRPr lang="en-US" altLang="zh-CN" dirty="0">
+              <a:solidFill>
+                <a:srgbClr val="000000"/>
+              </a:solidFill>
+              <a:highlight>
+                <a:srgbClr val="FFFFFF"/>
+              </a:highlight>
+              <a:latin typeface="新宋体" panose="02010609030101010101" pitchFamily="49" charset="-122"/>
+              <a:ea typeface="新宋体" panose="02010609030101010101" pitchFamily="49" charset="-122"/>
+            </a:endParaRPr>
+          </a:p>
+          <a:p>
+            <a:endParaRPr lang="en-US" altLang="zh-CN" dirty="0" smtClean="0">
+              <a:solidFill>
+                <a:srgbClr val="0000FF"/>
+              </a:solidFill>
+              <a:highlight>
+                <a:srgbClr val="FFFFFF"/>
+              </a:highlight>
+              <a:latin typeface="新宋体" panose="02010609030101010101" pitchFamily="49" charset="-122"/>
+              <a:ea typeface="新宋体" panose="02010609030101010101" pitchFamily="49" charset="-122"/>
+            </a:endParaRPr>
+          </a:p>
+          <a:p>
+            <a:r>
+              <a:rPr lang="en-US" altLang="zh-CN" dirty="0" smtClean="0">
+                <a:solidFill>
+                  <a:srgbClr val="0000FF"/>
+                </a:solidFill>
+                <a:highlight>
+                  <a:srgbClr val="FFFFFF"/>
+                </a:highlight>
+                <a:latin typeface="新宋体" panose="02010609030101010101" pitchFamily="49" charset="-122"/>
+                <a:ea typeface="新宋体" panose="02010609030101010101" pitchFamily="49" charset="-122"/>
+              </a:rPr>
+              <a:t>template</a:t>
+            </a:r>
+            <a:r>
+              <a:rPr lang="en-US" altLang="zh-CN" dirty="0">
+                <a:solidFill>
+                  <a:srgbClr val="000000"/>
+                </a:solidFill>
+                <a:highlight>
+                  <a:srgbClr val="FFFFFF"/>
+                </a:highlight>
+                <a:latin typeface="新宋体" panose="02010609030101010101" pitchFamily="49" charset="-122"/>
+                <a:ea typeface="新宋体" panose="02010609030101010101" pitchFamily="49" charset="-122"/>
+              </a:rPr>
+              <a:t>&lt;&gt; </a:t>
+            </a:r>
+            <a:r>
+              <a:rPr lang="en-US" altLang="zh-CN" dirty="0" err="1">
+                <a:solidFill>
+                  <a:srgbClr val="0000FF"/>
+                </a:solidFill>
+                <a:highlight>
+                  <a:srgbClr val="FFFFFF"/>
+                </a:highlight>
+                <a:latin typeface="新宋体" panose="02010609030101010101" pitchFamily="49" charset="-122"/>
+                <a:ea typeface="新宋体" panose="02010609030101010101" pitchFamily="49" charset="-122"/>
+              </a:rPr>
+              <a:t>struct</a:t>
+            </a:r>
+            <a:r>
+              <a:rPr lang="en-US" altLang="zh-CN" dirty="0">
+                <a:solidFill>
+                  <a:srgbClr val="000000"/>
+                </a:solidFill>
+                <a:highlight>
+                  <a:srgbClr val="FFFFFF"/>
+                </a:highlight>
+                <a:latin typeface="新宋体" panose="02010609030101010101" pitchFamily="49" charset="-122"/>
+                <a:ea typeface="新宋体" panose="02010609030101010101" pitchFamily="49" charset="-122"/>
+              </a:rPr>
+              <a:t> </a:t>
+            </a:r>
+            <a:r>
+              <a:rPr lang="en-US" altLang="zh-CN" dirty="0">
+                <a:solidFill>
+                  <a:srgbClr val="2B91AF"/>
+                </a:solidFill>
+                <a:highlight>
+                  <a:srgbClr val="FFFFFF"/>
+                </a:highlight>
+                <a:latin typeface="新宋体" panose="02010609030101010101" pitchFamily="49" charset="-122"/>
+                <a:ea typeface="新宋体" panose="02010609030101010101" pitchFamily="49" charset="-122"/>
+              </a:rPr>
+              <a:t>Members</a:t>
+            </a:r>
+            <a:r>
+              <a:rPr lang="en-US" altLang="zh-CN" dirty="0">
+                <a:solidFill>
+                  <a:srgbClr val="000000"/>
+                </a:solidFill>
+                <a:highlight>
+                  <a:srgbClr val="FFFFFF"/>
+                </a:highlight>
+                <a:latin typeface="新宋体" panose="02010609030101010101" pitchFamily="49" charset="-122"/>
+                <a:ea typeface="新宋体" panose="02010609030101010101" pitchFamily="49" charset="-122"/>
+              </a:rPr>
+              <a:t>&lt;</a:t>
+            </a:r>
+            <a:r>
+              <a:rPr lang="en-US" altLang="zh-CN" dirty="0">
+                <a:solidFill>
+                  <a:srgbClr val="2B91AF"/>
+                </a:solidFill>
+                <a:highlight>
+                  <a:srgbClr val="FFFFFF"/>
+                </a:highlight>
+                <a:latin typeface="新宋体" panose="02010609030101010101" pitchFamily="49" charset="-122"/>
+                <a:ea typeface="新宋体" panose="02010609030101010101" pitchFamily="49" charset="-122"/>
+              </a:rPr>
+              <a:t>Aggregate</a:t>
+            </a:r>
+            <a:r>
+              <a:rPr lang="en-US" altLang="zh-CN" dirty="0">
+                <a:solidFill>
+                  <a:srgbClr val="000000"/>
+                </a:solidFill>
+                <a:highlight>
+                  <a:srgbClr val="FFFFFF"/>
+                </a:highlight>
+                <a:latin typeface="新宋体" panose="02010609030101010101" pitchFamily="49" charset="-122"/>
+                <a:ea typeface="新宋体" panose="02010609030101010101" pitchFamily="49" charset="-122"/>
+              </a:rPr>
+              <a:t>&gt; {</a:t>
+            </a:r>
+          </a:p>
+          <a:p>
+            <a:r>
+              <a:rPr lang="en-US" altLang="zh-CN" dirty="0" smtClean="0">
+                <a:solidFill>
+                  <a:srgbClr val="0000FF"/>
+                </a:solidFill>
+                <a:highlight>
+                  <a:srgbClr val="FFFFFF"/>
+                </a:highlight>
+                <a:latin typeface="新宋体" panose="02010609030101010101" pitchFamily="49" charset="-122"/>
+                <a:ea typeface="新宋体" panose="02010609030101010101" pitchFamily="49" charset="-122"/>
+              </a:rPr>
+              <a:t>    using</a:t>
+            </a:r>
+            <a:r>
+              <a:rPr lang="en-US" altLang="zh-CN" dirty="0" smtClean="0">
+                <a:solidFill>
+                  <a:srgbClr val="000000"/>
+                </a:solidFill>
+                <a:highlight>
+                  <a:srgbClr val="FFFFFF"/>
+                </a:highlight>
+                <a:latin typeface="新宋体" panose="02010609030101010101" pitchFamily="49" charset="-122"/>
+                <a:ea typeface="新宋体" panose="02010609030101010101" pitchFamily="49" charset="-122"/>
+              </a:rPr>
+              <a:t> </a:t>
+            </a:r>
+            <a:r>
+              <a:rPr lang="en-US" altLang="zh-CN" dirty="0">
+                <a:solidFill>
+                  <a:srgbClr val="2B91AF"/>
+                </a:solidFill>
+                <a:highlight>
+                  <a:srgbClr val="FFFFFF"/>
+                </a:highlight>
+                <a:latin typeface="新宋体" panose="02010609030101010101" pitchFamily="49" charset="-122"/>
+                <a:ea typeface="新宋体" panose="02010609030101010101" pitchFamily="49" charset="-122"/>
+              </a:rPr>
+              <a:t>type</a:t>
+            </a:r>
+            <a:r>
+              <a:rPr lang="en-US" altLang="zh-CN" dirty="0">
+                <a:solidFill>
+                  <a:srgbClr val="000000"/>
+                </a:solidFill>
+                <a:highlight>
+                  <a:srgbClr val="FFFFFF"/>
+                </a:highlight>
+                <a:latin typeface="新宋体" panose="02010609030101010101" pitchFamily="49" charset="-122"/>
+                <a:ea typeface="新宋体" panose="02010609030101010101" pitchFamily="49" charset="-122"/>
+              </a:rPr>
+              <a:t> = </a:t>
+            </a:r>
+            <a:r>
+              <a:rPr lang="en-US" altLang="zh-CN" dirty="0">
+                <a:solidFill>
+                  <a:srgbClr val="2B91AF"/>
+                </a:solidFill>
+                <a:highlight>
+                  <a:srgbClr val="FFFFFF"/>
+                </a:highlight>
+                <a:latin typeface="新宋体" panose="02010609030101010101" pitchFamily="49" charset="-122"/>
+                <a:ea typeface="新宋体" panose="02010609030101010101" pitchFamily="49" charset="-122"/>
+              </a:rPr>
+              <a:t>Pack</a:t>
+            </a:r>
+            <a:r>
+              <a:rPr lang="en-US" altLang="zh-CN" dirty="0">
+                <a:solidFill>
+                  <a:srgbClr val="000000"/>
+                </a:solidFill>
+                <a:highlight>
+                  <a:srgbClr val="FFFFFF"/>
+                </a:highlight>
+                <a:latin typeface="新宋体" panose="02010609030101010101" pitchFamily="49" charset="-122"/>
+                <a:ea typeface="新宋体" panose="02010609030101010101" pitchFamily="49" charset="-122"/>
+              </a:rPr>
+              <a:t>&lt;</a:t>
+            </a:r>
+          </a:p>
+          <a:p>
+            <a:r>
+              <a:rPr lang="en-US" altLang="zh-CN" dirty="0" smtClean="0">
+                <a:solidFill>
+                  <a:srgbClr val="2B91AF"/>
+                </a:solidFill>
+                <a:highlight>
+                  <a:srgbClr val="FFFFFF"/>
+                </a:highlight>
+                <a:latin typeface="新宋体" panose="02010609030101010101" pitchFamily="49" charset="-122"/>
+                <a:ea typeface="新宋体" panose="02010609030101010101" pitchFamily="49" charset="-122"/>
+              </a:rPr>
+              <a:t>        </a:t>
+            </a:r>
+            <a:r>
+              <a:rPr lang="en-US" altLang="zh-CN" dirty="0" err="1" smtClean="0">
+                <a:solidFill>
+                  <a:srgbClr val="2B91AF"/>
+                </a:solidFill>
+                <a:highlight>
+                  <a:srgbClr val="FFFFFF"/>
+                </a:highlight>
+                <a:latin typeface="新宋体" panose="02010609030101010101" pitchFamily="49" charset="-122"/>
+                <a:ea typeface="新宋体" panose="02010609030101010101" pitchFamily="49" charset="-122"/>
+              </a:rPr>
+              <a:t>MemberBinding</a:t>
+            </a:r>
+            <a:r>
+              <a:rPr lang="en-US" altLang="zh-CN" dirty="0" smtClean="0">
+                <a:solidFill>
+                  <a:srgbClr val="000000"/>
+                </a:solidFill>
+                <a:highlight>
+                  <a:srgbClr val="FFFFFF"/>
+                </a:highlight>
+                <a:latin typeface="新宋体" panose="02010609030101010101" pitchFamily="49" charset="-122"/>
+                <a:ea typeface="新宋体" panose="02010609030101010101" pitchFamily="49" charset="-122"/>
+              </a:rPr>
+              <a:t>&lt;</a:t>
+            </a:r>
+            <a:r>
+              <a:rPr lang="en-US" altLang="zh-CN" dirty="0" err="1" smtClean="0">
+                <a:solidFill>
+                  <a:srgbClr val="0000FF"/>
+                </a:solidFill>
+                <a:highlight>
+                  <a:srgbClr val="FFFFFF"/>
+                </a:highlight>
+                <a:latin typeface="新宋体" panose="02010609030101010101" pitchFamily="49" charset="-122"/>
+                <a:ea typeface="新宋体" panose="02010609030101010101" pitchFamily="49" charset="-122"/>
+              </a:rPr>
+              <a:t>decltype</a:t>
+            </a:r>
+            <a:r>
+              <a:rPr lang="en-US" altLang="zh-CN" dirty="0">
+                <a:solidFill>
+                  <a:srgbClr val="000000"/>
+                </a:solidFill>
+                <a:highlight>
+                  <a:srgbClr val="FFFFFF"/>
+                </a:highlight>
+                <a:latin typeface="新宋体" panose="02010609030101010101" pitchFamily="49" charset="-122"/>
+                <a:ea typeface="新宋体" panose="02010609030101010101" pitchFamily="49" charset="-122"/>
+              </a:rPr>
+              <a:t>(&amp;</a:t>
+            </a:r>
+            <a:r>
+              <a:rPr lang="en-US" altLang="zh-CN" dirty="0">
+                <a:solidFill>
+                  <a:srgbClr val="2B91AF"/>
+                </a:solidFill>
+                <a:highlight>
+                  <a:srgbClr val="FFFFFF"/>
+                </a:highlight>
+                <a:latin typeface="新宋体" panose="02010609030101010101" pitchFamily="49" charset="-122"/>
+                <a:ea typeface="新宋体" panose="02010609030101010101" pitchFamily="49" charset="-122"/>
+              </a:rPr>
+              <a:t>Aggregate</a:t>
+            </a:r>
+            <a:r>
+              <a:rPr lang="en-US" altLang="zh-CN" dirty="0">
+                <a:solidFill>
+                  <a:srgbClr val="000000"/>
+                </a:solidFill>
+                <a:highlight>
+                  <a:srgbClr val="FFFFFF"/>
+                </a:highlight>
+                <a:latin typeface="新宋体" panose="02010609030101010101" pitchFamily="49" charset="-122"/>
+                <a:ea typeface="新宋体" panose="02010609030101010101" pitchFamily="49" charset="-122"/>
+              </a:rPr>
+              <a:t>::member1), &amp;</a:t>
+            </a:r>
+            <a:r>
+              <a:rPr lang="en-US" altLang="zh-CN" dirty="0">
+                <a:solidFill>
+                  <a:srgbClr val="2B91AF"/>
+                </a:solidFill>
+                <a:highlight>
+                  <a:srgbClr val="FFFFFF"/>
+                </a:highlight>
+                <a:latin typeface="新宋体" panose="02010609030101010101" pitchFamily="49" charset="-122"/>
+                <a:ea typeface="新宋体" panose="02010609030101010101" pitchFamily="49" charset="-122"/>
+              </a:rPr>
+              <a:t>Aggregate</a:t>
+            </a:r>
+            <a:r>
+              <a:rPr lang="en-US" altLang="zh-CN" dirty="0">
+                <a:solidFill>
+                  <a:srgbClr val="000000"/>
+                </a:solidFill>
+                <a:highlight>
+                  <a:srgbClr val="FFFFFF"/>
+                </a:highlight>
+                <a:latin typeface="新宋体" panose="02010609030101010101" pitchFamily="49" charset="-122"/>
+                <a:ea typeface="新宋体" panose="02010609030101010101" pitchFamily="49" charset="-122"/>
+              </a:rPr>
+              <a:t>::member1, 0  &gt;,</a:t>
+            </a:r>
+          </a:p>
+          <a:p>
+            <a:r>
+              <a:rPr lang="en-US" altLang="zh-CN" dirty="0" smtClean="0">
+                <a:solidFill>
+                  <a:srgbClr val="2B91AF"/>
+                </a:solidFill>
+                <a:highlight>
+                  <a:srgbClr val="FFFFFF"/>
+                </a:highlight>
+                <a:latin typeface="新宋体" panose="02010609030101010101" pitchFamily="49" charset="-122"/>
+                <a:ea typeface="新宋体" panose="02010609030101010101" pitchFamily="49" charset="-122"/>
+              </a:rPr>
+              <a:t>        </a:t>
+            </a:r>
+            <a:r>
+              <a:rPr lang="en-US" altLang="zh-CN" dirty="0" err="1" smtClean="0">
+                <a:solidFill>
+                  <a:srgbClr val="2B91AF"/>
+                </a:solidFill>
+                <a:highlight>
+                  <a:srgbClr val="FFFFFF"/>
+                </a:highlight>
+                <a:latin typeface="新宋体" panose="02010609030101010101" pitchFamily="49" charset="-122"/>
+                <a:ea typeface="新宋体" panose="02010609030101010101" pitchFamily="49" charset="-122"/>
+              </a:rPr>
+              <a:t>MemberBinding</a:t>
+            </a:r>
+            <a:r>
+              <a:rPr lang="en-US" altLang="zh-CN" dirty="0" smtClean="0">
+                <a:solidFill>
+                  <a:srgbClr val="000000"/>
+                </a:solidFill>
+                <a:highlight>
+                  <a:srgbClr val="FFFFFF"/>
+                </a:highlight>
+                <a:latin typeface="新宋体" panose="02010609030101010101" pitchFamily="49" charset="-122"/>
+                <a:ea typeface="新宋体" panose="02010609030101010101" pitchFamily="49" charset="-122"/>
+              </a:rPr>
+              <a:t>&lt;</a:t>
+            </a:r>
+            <a:r>
+              <a:rPr lang="en-US" altLang="zh-CN" dirty="0" err="1" smtClean="0">
+                <a:solidFill>
+                  <a:srgbClr val="0000FF"/>
+                </a:solidFill>
+                <a:highlight>
+                  <a:srgbClr val="FFFFFF"/>
+                </a:highlight>
+                <a:latin typeface="新宋体" panose="02010609030101010101" pitchFamily="49" charset="-122"/>
+                <a:ea typeface="新宋体" panose="02010609030101010101" pitchFamily="49" charset="-122"/>
+              </a:rPr>
+              <a:t>decltype</a:t>
+            </a:r>
+            <a:r>
+              <a:rPr lang="en-US" altLang="zh-CN" dirty="0">
+                <a:solidFill>
+                  <a:srgbClr val="000000"/>
+                </a:solidFill>
+                <a:highlight>
+                  <a:srgbClr val="FFFFFF"/>
+                </a:highlight>
+                <a:latin typeface="新宋体" panose="02010609030101010101" pitchFamily="49" charset="-122"/>
+                <a:ea typeface="新宋体" panose="02010609030101010101" pitchFamily="49" charset="-122"/>
+              </a:rPr>
+              <a:t>(&amp;</a:t>
+            </a:r>
+            <a:r>
+              <a:rPr lang="en-US" altLang="zh-CN" dirty="0">
+                <a:solidFill>
+                  <a:srgbClr val="2B91AF"/>
+                </a:solidFill>
+                <a:highlight>
+                  <a:srgbClr val="FFFFFF"/>
+                </a:highlight>
+                <a:latin typeface="新宋体" panose="02010609030101010101" pitchFamily="49" charset="-122"/>
+                <a:ea typeface="新宋体" panose="02010609030101010101" pitchFamily="49" charset="-122"/>
+              </a:rPr>
+              <a:t>Aggregate</a:t>
+            </a:r>
+            <a:r>
+              <a:rPr lang="en-US" altLang="zh-CN" dirty="0">
+                <a:solidFill>
+                  <a:srgbClr val="000000"/>
+                </a:solidFill>
+                <a:highlight>
+                  <a:srgbClr val="FFFFFF"/>
+                </a:highlight>
+                <a:latin typeface="新宋体" panose="02010609030101010101" pitchFamily="49" charset="-122"/>
+                <a:ea typeface="新宋体" panose="02010609030101010101" pitchFamily="49" charset="-122"/>
+              </a:rPr>
+              <a:t>::member2), &amp;</a:t>
+            </a:r>
+            <a:r>
+              <a:rPr lang="en-US" altLang="zh-CN" dirty="0">
+                <a:solidFill>
+                  <a:srgbClr val="2B91AF"/>
+                </a:solidFill>
+                <a:highlight>
+                  <a:srgbClr val="FFFFFF"/>
+                </a:highlight>
+                <a:latin typeface="新宋体" panose="02010609030101010101" pitchFamily="49" charset="-122"/>
+                <a:ea typeface="新宋体" panose="02010609030101010101" pitchFamily="49" charset="-122"/>
+              </a:rPr>
+              <a:t>Aggregate</a:t>
+            </a:r>
+            <a:r>
+              <a:rPr lang="en-US" altLang="zh-CN" dirty="0">
+                <a:solidFill>
+                  <a:srgbClr val="000000"/>
+                </a:solidFill>
+                <a:highlight>
+                  <a:srgbClr val="FFFFFF"/>
+                </a:highlight>
+                <a:latin typeface="新宋体" panose="02010609030101010101" pitchFamily="49" charset="-122"/>
+                <a:ea typeface="新宋体" panose="02010609030101010101" pitchFamily="49" charset="-122"/>
+              </a:rPr>
+              <a:t>::member2, 1  &gt;</a:t>
+            </a:r>
+          </a:p>
+          <a:p>
+            <a:r>
+              <a:rPr lang="en-US" altLang="zh-CN" dirty="0" smtClean="0">
+                <a:solidFill>
+                  <a:srgbClr val="000000"/>
+                </a:solidFill>
+                <a:highlight>
+                  <a:srgbClr val="FFFFFF"/>
+                </a:highlight>
+                <a:latin typeface="新宋体" panose="02010609030101010101" pitchFamily="49" charset="-122"/>
+                <a:ea typeface="新宋体" panose="02010609030101010101" pitchFamily="49" charset="-122"/>
+              </a:rPr>
+              <a:t>    &gt;;</a:t>
+            </a:r>
+          </a:p>
+          <a:p>
+            <a:endParaRPr lang="en-US" altLang="zh-CN" dirty="0">
+              <a:solidFill>
+                <a:srgbClr val="000000"/>
+              </a:solidFill>
+              <a:highlight>
+                <a:srgbClr val="FFFFFF"/>
+              </a:highlight>
+              <a:latin typeface="新宋体" panose="02010609030101010101" pitchFamily="49" charset="-122"/>
+              <a:ea typeface="新宋体" panose="02010609030101010101" pitchFamily="49" charset="-122"/>
+            </a:endParaRPr>
+          </a:p>
+          <a:p>
+            <a:r>
+              <a:rPr lang="en-US" altLang="zh-CN" dirty="0" smtClean="0">
+                <a:solidFill>
+                  <a:srgbClr val="0000FF"/>
+                </a:solidFill>
+                <a:highlight>
+                  <a:srgbClr val="FFFFFF"/>
+                </a:highlight>
+                <a:latin typeface="新宋体" panose="02010609030101010101" pitchFamily="49" charset="-122"/>
+                <a:ea typeface="新宋体" panose="02010609030101010101" pitchFamily="49" charset="-122"/>
+              </a:rPr>
+              <a:t>    </a:t>
+            </a:r>
+            <a:r>
+              <a:rPr lang="en-US" altLang="zh-CN" dirty="0" err="1" smtClean="0">
+                <a:solidFill>
+                  <a:srgbClr val="0000FF"/>
+                </a:solidFill>
+                <a:highlight>
+                  <a:srgbClr val="FFFFFF"/>
+                </a:highlight>
+                <a:latin typeface="新宋体" panose="02010609030101010101" pitchFamily="49" charset="-122"/>
+                <a:ea typeface="新宋体" panose="02010609030101010101" pitchFamily="49" charset="-122"/>
+              </a:rPr>
+              <a:t>constexpr</a:t>
+            </a:r>
+            <a:r>
+              <a:rPr lang="en-US" altLang="zh-CN" dirty="0" smtClean="0">
+                <a:solidFill>
+                  <a:srgbClr val="000000"/>
+                </a:solidFill>
+                <a:highlight>
+                  <a:srgbClr val="FFFFFF"/>
+                </a:highlight>
+                <a:latin typeface="新宋体" panose="02010609030101010101" pitchFamily="49" charset="-122"/>
+                <a:ea typeface="新宋体" panose="02010609030101010101" pitchFamily="49" charset="-122"/>
+              </a:rPr>
+              <a:t> </a:t>
+            </a:r>
+            <a:r>
+              <a:rPr lang="en-US" altLang="zh-CN" dirty="0">
+                <a:solidFill>
+                  <a:srgbClr val="0000FF"/>
+                </a:solidFill>
+                <a:highlight>
+                  <a:srgbClr val="FFFFFF"/>
+                </a:highlight>
+                <a:latin typeface="新宋体" panose="02010609030101010101" pitchFamily="49" charset="-122"/>
+                <a:ea typeface="新宋体" panose="02010609030101010101" pitchFamily="49" charset="-122"/>
+              </a:rPr>
+              <a:t>static</a:t>
+            </a:r>
+            <a:r>
+              <a:rPr lang="en-US" altLang="zh-CN" dirty="0">
+                <a:solidFill>
+                  <a:srgbClr val="000000"/>
+                </a:solidFill>
+                <a:highlight>
+                  <a:srgbClr val="FFFFFF"/>
+                </a:highlight>
+                <a:latin typeface="新宋体" panose="02010609030101010101" pitchFamily="49" charset="-122"/>
+                <a:ea typeface="新宋体" panose="02010609030101010101" pitchFamily="49" charset="-122"/>
+              </a:rPr>
+              <a:t> </a:t>
+            </a:r>
+            <a:r>
+              <a:rPr lang="en-US" altLang="zh-CN" dirty="0" err="1">
+                <a:solidFill>
+                  <a:srgbClr val="0000FF"/>
+                </a:solidFill>
+                <a:highlight>
+                  <a:srgbClr val="FFFFFF"/>
+                </a:highlight>
+                <a:latin typeface="新宋体" panose="02010609030101010101" pitchFamily="49" charset="-122"/>
+                <a:ea typeface="新宋体" panose="02010609030101010101" pitchFamily="49" charset="-122"/>
+              </a:rPr>
+              <a:t>const</a:t>
+            </a:r>
+            <a:r>
+              <a:rPr lang="en-US" altLang="zh-CN" dirty="0">
+                <a:solidFill>
+                  <a:srgbClr val="000000"/>
+                </a:solidFill>
+                <a:highlight>
+                  <a:srgbClr val="FFFFFF"/>
+                </a:highlight>
+                <a:latin typeface="新宋体" panose="02010609030101010101" pitchFamily="49" charset="-122"/>
+                <a:ea typeface="新宋体" panose="02010609030101010101" pitchFamily="49" charset="-122"/>
+              </a:rPr>
+              <a:t> </a:t>
+            </a:r>
+            <a:r>
+              <a:rPr lang="en-US" altLang="zh-CN" dirty="0">
+                <a:solidFill>
+                  <a:srgbClr val="0000FF"/>
+                </a:solidFill>
+                <a:highlight>
+                  <a:srgbClr val="FFFFFF"/>
+                </a:highlight>
+                <a:latin typeface="新宋体" panose="02010609030101010101" pitchFamily="49" charset="-122"/>
+                <a:ea typeface="新宋体" panose="02010609030101010101" pitchFamily="49" charset="-122"/>
+              </a:rPr>
+              <a:t>char</a:t>
+            </a:r>
+            <a:r>
+              <a:rPr lang="en-US" altLang="zh-CN" dirty="0">
+                <a:solidFill>
+                  <a:srgbClr val="000000"/>
+                </a:solidFill>
+                <a:highlight>
+                  <a:srgbClr val="FFFFFF"/>
+                </a:highlight>
+                <a:latin typeface="新宋体" panose="02010609030101010101" pitchFamily="49" charset="-122"/>
+                <a:ea typeface="新宋体" panose="02010609030101010101" pitchFamily="49" charset="-122"/>
+              </a:rPr>
+              <a:t> *name = </a:t>
+            </a:r>
+            <a:r>
+              <a:rPr lang="en-US" altLang="zh-CN" dirty="0">
+                <a:solidFill>
+                  <a:srgbClr val="A31515"/>
+                </a:solidFill>
+                <a:highlight>
+                  <a:srgbClr val="FFFFFF"/>
+                </a:highlight>
+                <a:latin typeface="新宋体" panose="02010609030101010101" pitchFamily="49" charset="-122"/>
+                <a:ea typeface="新宋体" panose="02010609030101010101" pitchFamily="49" charset="-122"/>
+              </a:rPr>
+              <a:t>"Aggregate</a:t>
+            </a:r>
+            <a:r>
+              <a:rPr lang="en-US" altLang="zh-CN" dirty="0" smtClean="0">
+                <a:solidFill>
+                  <a:srgbClr val="A31515"/>
+                </a:solidFill>
+                <a:highlight>
+                  <a:srgbClr val="FFFFFF"/>
+                </a:highlight>
+                <a:latin typeface="新宋体" panose="02010609030101010101" pitchFamily="49" charset="-122"/>
+                <a:ea typeface="新宋体" panose="02010609030101010101" pitchFamily="49" charset="-122"/>
+              </a:rPr>
+              <a:t>"</a:t>
+            </a:r>
+            <a:r>
+              <a:rPr lang="en-US" altLang="zh-CN" dirty="0" smtClean="0">
+                <a:solidFill>
+                  <a:srgbClr val="000000"/>
+                </a:solidFill>
+                <a:highlight>
+                  <a:srgbClr val="FFFFFF"/>
+                </a:highlight>
+                <a:latin typeface="新宋体" panose="02010609030101010101" pitchFamily="49" charset="-122"/>
+                <a:ea typeface="新宋体" panose="02010609030101010101" pitchFamily="49" charset="-122"/>
+              </a:rPr>
+              <a:t>;</a:t>
+            </a:r>
+          </a:p>
+          <a:p>
+            <a:endParaRPr lang="en-US" altLang="zh-CN" dirty="0">
+              <a:solidFill>
+                <a:srgbClr val="000000"/>
+              </a:solidFill>
+              <a:highlight>
+                <a:srgbClr val="FFFFFF"/>
+              </a:highlight>
+              <a:latin typeface="新宋体" panose="02010609030101010101" pitchFamily="49" charset="-122"/>
+              <a:ea typeface="新宋体" panose="02010609030101010101" pitchFamily="49" charset="-122"/>
+            </a:endParaRPr>
+          </a:p>
+          <a:p>
+            <a:r>
+              <a:rPr lang="en-US" altLang="zh-CN" dirty="0" smtClean="0">
+                <a:solidFill>
+                  <a:srgbClr val="0000FF"/>
+                </a:solidFill>
+                <a:highlight>
+                  <a:srgbClr val="FFFFFF"/>
+                </a:highlight>
+                <a:latin typeface="新宋体" panose="02010609030101010101" pitchFamily="49" charset="-122"/>
+                <a:ea typeface="新宋体" panose="02010609030101010101" pitchFamily="49" charset="-122"/>
+              </a:rPr>
+              <a:t>    static</a:t>
+            </a:r>
+            <a:r>
+              <a:rPr lang="en-US" altLang="zh-CN" dirty="0" smtClean="0">
+                <a:solidFill>
+                  <a:srgbClr val="000000"/>
+                </a:solidFill>
+                <a:highlight>
+                  <a:srgbClr val="FFFFFF"/>
+                </a:highlight>
+                <a:latin typeface="新宋体" panose="02010609030101010101" pitchFamily="49" charset="-122"/>
+                <a:ea typeface="新宋体" panose="02010609030101010101" pitchFamily="49" charset="-122"/>
+              </a:rPr>
+              <a:t> </a:t>
+            </a:r>
+            <a:r>
+              <a:rPr lang="en-US" altLang="zh-CN" dirty="0" err="1">
+                <a:solidFill>
+                  <a:srgbClr val="0000FF"/>
+                </a:solidFill>
+                <a:highlight>
+                  <a:srgbClr val="FFFFFF"/>
+                </a:highlight>
+                <a:latin typeface="新宋体" panose="02010609030101010101" pitchFamily="49" charset="-122"/>
+                <a:ea typeface="新宋体" panose="02010609030101010101" pitchFamily="49" charset="-122"/>
+              </a:rPr>
+              <a:t>const</a:t>
+            </a:r>
+            <a:r>
+              <a:rPr lang="en-US" altLang="zh-CN" dirty="0">
+                <a:solidFill>
+                  <a:srgbClr val="000000"/>
+                </a:solidFill>
+                <a:highlight>
+                  <a:srgbClr val="FFFFFF"/>
+                </a:highlight>
+                <a:latin typeface="新宋体" panose="02010609030101010101" pitchFamily="49" charset="-122"/>
+                <a:ea typeface="新宋体" panose="02010609030101010101" pitchFamily="49" charset="-122"/>
+              </a:rPr>
+              <a:t> </a:t>
+            </a:r>
+            <a:r>
+              <a:rPr lang="en-US" altLang="zh-CN" dirty="0">
+                <a:solidFill>
+                  <a:srgbClr val="0000FF"/>
+                </a:solidFill>
+                <a:highlight>
+                  <a:srgbClr val="FFFFFF"/>
+                </a:highlight>
+                <a:latin typeface="新宋体" panose="02010609030101010101" pitchFamily="49" charset="-122"/>
+                <a:ea typeface="新宋体" panose="02010609030101010101" pitchFamily="49" charset="-122"/>
+              </a:rPr>
+              <a:t>char</a:t>
+            </a:r>
+            <a:r>
+              <a:rPr lang="en-US" altLang="zh-CN" dirty="0">
+                <a:solidFill>
+                  <a:srgbClr val="000000"/>
+                </a:solidFill>
+                <a:highlight>
+                  <a:srgbClr val="FFFFFF"/>
+                </a:highlight>
+                <a:latin typeface="新宋体" panose="02010609030101010101" pitchFamily="49" charset="-122"/>
+                <a:ea typeface="新宋体" panose="02010609030101010101" pitchFamily="49" charset="-122"/>
+              </a:rPr>
+              <a:t> *</a:t>
+            </a:r>
+            <a:r>
+              <a:rPr lang="en-US" altLang="zh-CN" dirty="0" err="1">
+                <a:solidFill>
+                  <a:srgbClr val="0000FF"/>
+                </a:solidFill>
+                <a:highlight>
+                  <a:srgbClr val="FFFFFF"/>
+                </a:highlight>
+                <a:latin typeface="新宋体" panose="02010609030101010101" pitchFamily="49" charset="-122"/>
+                <a:ea typeface="新宋体" panose="02010609030101010101" pitchFamily="49" charset="-122"/>
+              </a:rPr>
+              <a:t>const</a:t>
+            </a:r>
+            <a:r>
+              <a:rPr lang="en-US" altLang="zh-CN" dirty="0">
+                <a:solidFill>
+                  <a:srgbClr val="000000"/>
+                </a:solidFill>
+                <a:highlight>
+                  <a:srgbClr val="FFFFFF"/>
+                </a:highlight>
+                <a:latin typeface="新宋体" panose="02010609030101010101" pitchFamily="49" charset="-122"/>
+                <a:ea typeface="新宋体" panose="02010609030101010101" pitchFamily="49" charset="-122"/>
+              </a:rPr>
+              <a:t> *names() {</a:t>
+            </a:r>
+          </a:p>
+          <a:p>
+            <a:r>
+              <a:rPr lang="en-US" altLang="zh-CN" dirty="0" smtClean="0">
+                <a:solidFill>
+                  <a:srgbClr val="0000FF"/>
+                </a:solidFill>
+                <a:highlight>
+                  <a:srgbClr val="FFFFFF"/>
+                </a:highlight>
+                <a:latin typeface="新宋体" panose="02010609030101010101" pitchFamily="49" charset="-122"/>
+                <a:ea typeface="新宋体" panose="02010609030101010101" pitchFamily="49" charset="-122"/>
+              </a:rPr>
+              <a:t>        static</a:t>
+            </a:r>
+            <a:r>
+              <a:rPr lang="en-US" altLang="zh-CN" dirty="0" smtClean="0">
+                <a:solidFill>
+                  <a:srgbClr val="000000"/>
+                </a:solidFill>
+                <a:highlight>
+                  <a:srgbClr val="FFFFFF"/>
+                </a:highlight>
+                <a:latin typeface="新宋体" panose="02010609030101010101" pitchFamily="49" charset="-122"/>
+                <a:ea typeface="新宋体" panose="02010609030101010101" pitchFamily="49" charset="-122"/>
+              </a:rPr>
+              <a:t> </a:t>
+            </a:r>
+            <a:r>
+              <a:rPr lang="en-US" altLang="zh-CN" dirty="0" err="1">
+                <a:solidFill>
+                  <a:srgbClr val="0000FF"/>
+                </a:solidFill>
+                <a:highlight>
+                  <a:srgbClr val="FFFFFF"/>
+                </a:highlight>
+                <a:latin typeface="新宋体" panose="02010609030101010101" pitchFamily="49" charset="-122"/>
+                <a:ea typeface="新宋体" panose="02010609030101010101" pitchFamily="49" charset="-122"/>
+              </a:rPr>
+              <a:t>const</a:t>
+            </a:r>
+            <a:r>
+              <a:rPr lang="en-US" altLang="zh-CN" dirty="0">
+                <a:solidFill>
+                  <a:srgbClr val="000000"/>
+                </a:solidFill>
+                <a:highlight>
+                  <a:srgbClr val="FFFFFF"/>
+                </a:highlight>
+                <a:latin typeface="新宋体" panose="02010609030101010101" pitchFamily="49" charset="-122"/>
+                <a:ea typeface="新宋体" panose="02010609030101010101" pitchFamily="49" charset="-122"/>
+              </a:rPr>
+              <a:t> </a:t>
+            </a:r>
+            <a:r>
+              <a:rPr lang="en-US" altLang="zh-CN" dirty="0">
+                <a:solidFill>
+                  <a:srgbClr val="0000FF"/>
+                </a:solidFill>
+                <a:highlight>
+                  <a:srgbClr val="FFFFFF"/>
+                </a:highlight>
+                <a:latin typeface="新宋体" panose="02010609030101010101" pitchFamily="49" charset="-122"/>
+                <a:ea typeface="新宋体" panose="02010609030101010101" pitchFamily="49" charset="-122"/>
+              </a:rPr>
+              <a:t>char</a:t>
+            </a:r>
+            <a:r>
+              <a:rPr lang="en-US" altLang="zh-CN" dirty="0">
+                <a:solidFill>
+                  <a:srgbClr val="000000"/>
+                </a:solidFill>
+                <a:highlight>
+                  <a:srgbClr val="FFFFFF"/>
+                </a:highlight>
+                <a:latin typeface="新宋体" panose="02010609030101010101" pitchFamily="49" charset="-122"/>
+                <a:ea typeface="新宋体" panose="02010609030101010101" pitchFamily="49" charset="-122"/>
+              </a:rPr>
+              <a:t> *</a:t>
+            </a:r>
+            <a:r>
+              <a:rPr lang="en-US" altLang="zh-CN" dirty="0" err="1">
+                <a:solidFill>
+                  <a:srgbClr val="000000"/>
+                </a:solidFill>
+                <a:highlight>
+                  <a:srgbClr val="FFFFFF"/>
+                </a:highlight>
+                <a:latin typeface="新宋体" panose="02010609030101010101" pitchFamily="49" charset="-122"/>
+                <a:ea typeface="新宋体" panose="02010609030101010101" pitchFamily="49" charset="-122"/>
+              </a:rPr>
+              <a:t>rv</a:t>
+            </a:r>
+            <a:r>
+              <a:rPr lang="en-US" altLang="zh-CN" dirty="0">
+                <a:solidFill>
+                  <a:srgbClr val="000000"/>
+                </a:solidFill>
+                <a:highlight>
+                  <a:srgbClr val="FFFFFF"/>
+                </a:highlight>
+                <a:latin typeface="新宋体" panose="02010609030101010101" pitchFamily="49" charset="-122"/>
+                <a:ea typeface="新宋体" panose="02010609030101010101" pitchFamily="49" charset="-122"/>
+              </a:rPr>
+              <a:t>[] = { </a:t>
+            </a:r>
+            <a:r>
+              <a:rPr lang="en-US" altLang="zh-CN" dirty="0">
+                <a:solidFill>
+                  <a:srgbClr val="A31515"/>
+                </a:solidFill>
+                <a:highlight>
+                  <a:srgbClr val="FFFFFF"/>
+                </a:highlight>
+                <a:latin typeface="新宋体" panose="02010609030101010101" pitchFamily="49" charset="-122"/>
+                <a:ea typeface="新宋体" panose="02010609030101010101" pitchFamily="49" charset="-122"/>
+              </a:rPr>
+              <a:t>"member1"</a:t>
+            </a:r>
+            <a:r>
+              <a:rPr lang="en-US" altLang="zh-CN" dirty="0">
+                <a:solidFill>
+                  <a:srgbClr val="000000"/>
+                </a:solidFill>
+                <a:highlight>
+                  <a:srgbClr val="FFFFFF"/>
+                </a:highlight>
+                <a:latin typeface="新宋体" panose="02010609030101010101" pitchFamily="49" charset="-122"/>
+                <a:ea typeface="新宋体" panose="02010609030101010101" pitchFamily="49" charset="-122"/>
+              </a:rPr>
+              <a:t>, </a:t>
+            </a:r>
+            <a:r>
+              <a:rPr lang="en-US" altLang="zh-CN" dirty="0">
+                <a:solidFill>
+                  <a:srgbClr val="A31515"/>
+                </a:solidFill>
+                <a:highlight>
+                  <a:srgbClr val="FFFFFF"/>
+                </a:highlight>
+                <a:latin typeface="新宋体" panose="02010609030101010101" pitchFamily="49" charset="-122"/>
+                <a:ea typeface="新宋体" panose="02010609030101010101" pitchFamily="49" charset="-122"/>
+              </a:rPr>
+              <a:t>"member2"</a:t>
+            </a:r>
+            <a:r>
+              <a:rPr lang="en-US" altLang="zh-CN" dirty="0">
+                <a:solidFill>
+                  <a:srgbClr val="000000"/>
+                </a:solidFill>
+                <a:highlight>
+                  <a:srgbClr val="FFFFFF"/>
+                </a:highlight>
+                <a:latin typeface="新宋体" panose="02010609030101010101" pitchFamily="49" charset="-122"/>
+                <a:ea typeface="新宋体" panose="02010609030101010101" pitchFamily="49" charset="-122"/>
+              </a:rPr>
+              <a:t> };</a:t>
+            </a:r>
+          </a:p>
+          <a:p>
+            <a:r>
+              <a:rPr lang="en-US" altLang="zh-CN" dirty="0" smtClean="0">
+                <a:solidFill>
+                  <a:srgbClr val="0000FF"/>
+                </a:solidFill>
+                <a:highlight>
+                  <a:srgbClr val="FFFFFF"/>
+                </a:highlight>
+                <a:latin typeface="新宋体" panose="02010609030101010101" pitchFamily="49" charset="-122"/>
+                <a:ea typeface="新宋体" panose="02010609030101010101" pitchFamily="49" charset="-122"/>
+              </a:rPr>
+              <a:t>        return</a:t>
+            </a:r>
+            <a:r>
+              <a:rPr lang="en-US" altLang="zh-CN" dirty="0" smtClean="0">
+                <a:solidFill>
+                  <a:srgbClr val="000000"/>
+                </a:solidFill>
+                <a:highlight>
+                  <a:srgbClr val="FFFFFF"/>
+                </a:highlight>
+                <a:latin typeface="新宋体" panose="02010609030101010101" pitchFamily="49" charset="-122"/>
+                <a:ea typeface="新宋体" panose="02010609030101010101" pitchFamily="49" charset="-122"/>
+              </a:rPr>
+              <a:t> </a:t>
+            </a:r>
+            <a:r>
+              <a:rPr lang="en-US" altLang="zh-CN" dirty="0" err="1">
+                <a:solidFill>
+                  <a:srgbClr val="000000"/>
+                </a:solidFill>
+                <a:highlight>
+                  <a:srgbClr val="FFFFFF"/>
+                </a:highlight>
+                <a:latin typeface="新宋体" panose="02010609030101010101" pitchFamily="49" charset="-122"/>
+                <a:ea typeface="新宋体" panose="02010609030101010101" pitchFamily="49" charset="-122"/>
+              </a:rPr>
+              <a:t>rv</a:t>
+            </a:r>
+            <a:r>
+              <a:rPr lang="en-US" altLang="zh-CN" dirty="0">
+                <a:solidFill>
+                  <a:srgbClr val="000000"/>
+                </a:solidFill>
+                <a:highlight>
+                  <a:srgbClr val="FFFFFF"/>
+                </a:highlight>
+                <a:latin typeface="新宋体" panose="02010609030101010101" pitchFamily="49" charset="-122"/>
+                <a:ea typeface="新宋体" panose="02010609030101010101" pitchFamily="49" charset="-122"/>
+              </a:rPr>
+              <a:t>;</a:t>
+            </a:r>
+          </a:p>
+          <a:p>
+            <a:r>
+              <a:rPr lang="en-US" altLang="zh-CN" dirty="0" smtClean="0">
+                <a:solidFill>
+                  <a:srgbClr val="000000"/>
+                </a:solidFill>
+                <a:highlight>
+                  <a:srgbClr val="FFFFFF"/>
+                </a:highlight>
+                <a:latin typeface="新宋体" panose="02010609030101010101" pitchFamily="49" charset="-122"/>
+                <a:ea typeface="新宋体" panose="02010609030101010101" pitchFamily="49" charset="-122"/>
+              </a:rPr>
+              <a:t>    }</a:t>
+            </a:r>
+            <a:endParaRPr lang="en-US" altLang="zh-CN" dirty="0">
+              <a:solidFill>
+                <a:srgbClr val="000000"/>
+              </a:solidFill>
+              <a:highlight>
+                <a:srgbClr val="FFFFFF"/>
+              </a:highlight>
+              <a:latin typeface="新宋体" panose="02010609030101010101" pitchFamily="49" charset="-122"/>
+              <a:ea typeface="新宋体" panose="02010609030101010101" pitchFamily="49" charset="-122"/>
+            </a:endParaRPr>
+          </a:p>
+          <a:p>
+            <a:r>
+              <a:rPr lang="en-US" altLang="zh-CN" dirty="0">
+                <a:solidFill>
+                  <a:srgbClr val="000000"/>
+                </a:solidFill>
+                <a:highlight>
+                  <a:srgbClr val="FFFFFF"/>
+                </a:highlight>
+                <a:latin typeface="新宋体" panose="02010609030101010101" pitchFamily="49" charset="-122"/>
+                <a:ea typeface="新宋体" panose="02010609030101010101" pitchFamily="49" charset="-122"/>
+              </a:rPr>
+              <a:t>};</a:t>
+            </a:r>
+            <a:endParaRPr lang="zh-CN" altLang="en-US" dirty="0"/>
+          </a:p>
+        </p:txBody>
+      </p:sp>
+      <p:sp>
+        <p:nvSpPr>
+          <p:cNvPr id="2" name="矩形 1"/>
+          <p:cNvSpPr/>
+          <p:nvPr/>
+        </p:nvSpPr>
+        <p:spPr>
+          <a:xfrm>
+            <a:off x="3018146" y="1824837"/>
+            <a:ext cx="1905265" cy="400110"/>
+          </a:xfrm>
+          <a:prstGeom prst="rect">
+            <a:avLst/>
+          </a:prstGeom>
+        </p:spPr>
+        <p:txBody>
+          <a:bodyPr wrap="none">
+            <a:spAutoFit/>
+          </a:bodyPr>
+          <a:lstStyle/>
+          <a:p>
+            <a:r>
+              <a:rPr lang="zh-CN" altLang="en-US" sz="2000" dirty="0"/>
+              <a:t>define metadata</a:t>
+            </a:r>
+          </a:p>
+        </p:txBody>
+      </p:sp>
+      <p:sp>
+        <p:nvSpPr>
+          <p:cNvPr id="20" name="矩形 19"/>
+          <p:cNvSpPr/>
+          <p:nvPr/>
+        </p:nvSpPr>
+        <p:spPr>
+          <a:xfrm>
+            <a:off x="5868558" y="1006879"/>
+            <a:ext cx="4472443" cy="923330"/>
+          </a:xfrm>
+          <a:prstGeom prst="rect">
+            <a:avLst/>
+          </a:prstGeom>
+        </p:spPr>
+        <p:txBody>
+          <a:bodyPr wrap="none">
+            <a:spAutoFit/>
+          </a:bodyPr>
+          <a:lstStyle/>
+          <a:p>
+            <a:pPr marL="285750" indent="-285750">
+              <a:buFont typeface="Wingdings" panose="05000000000000000000" pitchFamily="2" charset="2"/>
+              <a:buChar char="Ø"/>
+            </a:pPr>
+            <a:r>
+              <a:rPr lang="en-US" altLang="zh-CN" dirty="0" smtClean="0"/>
+              <a:t>define metadata is very trivial</a:t>
+            </a:r>
+            <a:endParaRPr lang="en-US" altLang="zh-CN" dirty="0" smtClean="0"/>
+          </a:p>
+          <a:p>
+            <a:pPr marL="285750" indent="-285750">
+              <a:buFont typeface="Wingdings" panose="05000000000000000000" pitchFamily="2" charset="2"/>
+              <a:buChar char="Ø"/>
+            </a:pPr>
+            <a:r>
+              <a:rPr lang="en-US" altLang="zh-CN" dirty="0" smtClean="0"/>
+              <a:t>need handwritten, can’t automatic</a:t>
+            </a:r>
+            <a:endParaRPr lang="en-US" altLang="zh-CN" dirty="0" smtClean="0"/>
+          </a:p>
+          <a:p>
+            <a:pPr marL="285750" indent="-285750">
+              <a:buFont typeface="Wingdings" panose="05000000000000000000" pitchFamily="2" charset="2"/>
+              <a:buChar char="Ø"/>
+            </a:pPr>
+            <a:r>
+              <a:rPr lang="en-US" altLang="zh-CN" dirty="0" smtClean="0"/>
+              <a:t>reduplicate</a:t>
+            </a:r>
+            <a:r>
+              <a:rPr lang="zh-CN" altLang="en-US" dirty="0" smtClean="0"/>
+              <a:t> </a:t>
+            </a:r>
+            <a:r>
+              <a:rPr lang="en-US" altLang="zh-CN" dirty="0" smtClean="0"/>
+              <a:t>for the other reflection objects</a:t>
+            </a:r>
+            <a:endParaRPr lang="zh-CN" altLang="en-US" dirty="0"/>
+          </a:p>
+        </p:txBody>
+      </p:sp>
+      <p:sp>
+        <p:nvSpPr>
+          <p:cNvPr id="21" name="矩形 20"/>
+          <p:cNvSpPr/>
+          <p:nvPr/>
+        </p:nvSpPr>
+        <p:spPr>
+          <a:xfrm>
+            <a:off x="3201026" y="5416893"/>
+            <a:ext cx="6264985" cy="369332"/>
+          </a:xfrm>
+          <a:prstGeom prst="rect">
+            <a:avLst/>
+          </a:prstGeom>
+        </p:spPr>
+        <p:txBody>
+          <a:bodyPr wrap="none">
+            <a:spAutoFit/>
+          </a:bodyPr>
+          <a:lstStyle/>
+          <a:p>
+            <a:r>
+              <a:rPr lang="zh-CN" altLang="en-US" dirty="0"/>
+              <a:t>Members&lt;Aggregate</a:t>
+            </a:r>
+            <a:r>
+              <a:rPr lang="zh-CN" altLang="en-US" dirty="0" smtClean="0"/>
+              <a:t>&gt;</a:t>
+            </a:r>
+            <a:r>
+              <a:rPr lang="en-US" altLang="zh-CN" dirty="0" smtClean="0"/>
+              <a:t>, </a:t>
+            </a:r>
+            <a:r>
+              <a:rPr lang="zh-CN" altLang="en-US" dirty="0"/>
+              <a:t>Members</a:t>
+            </a:r>
+            <a:r>
+              <a:rPr lang="zh-CN" altLang="en-US" dirty="0" smtClean="0"/>
+              <a:t>&lt;</a:t>
+            </a:r>
+            <a:r>
+              <a:rPr lang="en-US" altLang="zh-CN" dirty="0" smtClean="0"/>
+              <a:t>Person&gt;, </a:t>
+            </a:r>
+            <a:r>
+              <a:rPr lang="zh-CN" altLang="en-US" dirty="0"/>
+              <a:t>Members</a:t>
+            </a:r>
+            <a:r>
+              <a:rPr lang="zh-CN" altLang="en-US" dirty="0" smtClean="0"/>
+              <a:t>&lt;</a:t>
+            </a:r>
+            <a:r>
+              <a:rPr lang="en-US" altLang="zh-CN" dirty="0" smtClean="0"/>
+              <a:t>Other&gt;,……</a:t>
+            </a:r>
+            <a:endParaRPr lang="zh-CN" altLang="en-US" dirty="0"/>
+          </a:p>
+        </p:txBody>
+      </p:sp>
+      <p:sp>
+        <p:nvSpPr>
+          <p:cNvPr id="3" name="矩形 2"/>
+          <p:cNvSpPr/>
+          <p:nvPr/>
+        </p:nvSpPr>
+        <p:spPr>
+          <a:xfrm>
+            <a:off x="2893302" y="5885137"/>
+            <a:ext cx="6880432" cy="400110"/>
+          </a:xfrm>
+          <a:prstGeom prst="rect">
+            <a:avLst/>
+          </a:prstGeom>
+        </p:spPr>
+        <p:txBody>
+          <a:bodyPr wrap="square">
+            <a:spAutoFit/>
+          </a:bodyPr>
+          <a:lstStyle/>
+          <a:p>
+            <a:r>
+              <a:rPr lang="zh-CN" altLang="en-US" sz="2000" dirty="0"/>
+              <a:t>how to automaticly generate the metadata of an arbitray </a:t>
+            </a:r>
+            <a:r>
+              <a:rPr lang="zh-CN" altLang="en-US" sz="2000" dirty="0" smtClean="0"/>
+              <a:t>object</a:t>
+            </a:r>
+            <a:r>
+              <a:rPr lang="en-US" altLang="zh-CN" sz="2000" dirty="0" smtClean="0"/>
+              <a:t>?</a:t>
+            </a:r>
+            <a:endParaRPr lang="zh-CN" altLang="en-US" sz="2000" dirty="0"/>
+          </a:p>
+        </p:txBody>
+      </p:sp>
+    </p:spTree>
+    <p:extLst>
+      <p:ext uri="{BB962C8B-B14F-4D97-AF65-F5344CB8AC3E}">
+        <p14:creationId xmlns:p14="http://schemas.microsoft.com/office/powerpoint/2010/main" val="408550581"/>
+      </p:ext>
+    </p:extLst>
+  </p:cSld>
+  <p:clrMapOvr>
+    <a:masterClrMapping/>
+  </p:clrMapOvr>
+  <p:timing>
+    <p:tnLst>
+      <p:par>
+        <p:cTn id="1" dur="indefinite" restart="never" nodeType="tmRoot">
+          <p:childTnLst>
+            <p:seq concurrent="1" nextAc="seek">
+              <p:cTn id="2" dur="indefinite" nodeType="mainSeq">
+                <p:childTnLst>
+                  <p:par>
+                    <p:cTn id="3" fill="hold">
+                      <p:stCondLst>
+                        <p:cond delay="indefinite"/>
+                      </p:stCondLst>
+                      <p:childTnLst>
+                        <p:par>
+                          <p:cTn id="4" fill="hold">
+                            <p:stCondLst>
+                              <p:cond delay="0"/>
+                            </p:stCondLst>
+                            <p:childTnLst>
+                              <p:par>
+                                <p:cTn id="5" presetID="42" presetClass="entr" presetSubtype="0" fill="hold" grpId="0" nodeType="clickEffect">
+                                  <p:stCondLst>
+                                    <p:cond delay="0"/>
+                                  </p:stCondLst>
+                                  <p:childTnLst>
+                                    <p:set>
+                                      <p:cBhvr>
+                                        <p:cTn id="6" dur="1" fill="hold">
+                                          <p:stCondLst>
+                                            <p:cond delay="0"/>
+                                          </p:stCondLst>
+                                        </p:cTn>
+                                        <p:tgtEl>
+                                          <p:spTgt spid="2"/>
+                                        </p:tgtEl>
+                                        <p:attrNameLst>
+                                          <p:attrName>style.visibility</p:attrName>
+                                        </p:attrNameLst>
+                                      </p:cBhvr>
+                                      <p:to>
+                                        <p:strVal val="visible"/>
+                                      </p:to>
+                                    </p:set>
+                                    <p:animEffect transition="in" filter="fade">
+                                      <p:cBhvr>
+                                        <p:cTn id="7" dur="1000"/>
+                                        <p:tgtEl>
+                                          <p:spTgt spid="2"/>
+                                        </p:tgtEl>
+                                      </p:cBhvr>
+                                    </p:animEffect>
+                                    <p:anim calcmode="lin" valueType="num">
+                                      <p:cBhvr>
+                                        <p:cTn id="8" dur="1000" fill="hold"/>
+                                        <p:tgtEl>
+                                          <p:spTgt spid="2"/>
+                                        </p:tgtEl>
+                                        <p:attrNameLst>
+                                          <p:attrName>ppt_x</p:attrName>
+                                        </p:attrNameLst>
+                                      </p:cBhvr>
+                                      <p:tavLst>
+                                        <p:tav tm="0">
+                                          <p:val>
+                                            <p:strVal val="#ppt_x"/>
+                                          </p:val>
+                                        </p:tav>
+                                        <p:tav tm="100000">
+                                          <p:val>
+                                            <p:strVal val="#ppt_x"/>
+                                          </p:val>
+                                        </p:tav>
+                                      </p:tavLst>
+                                    </p:anim>
+                                    <p:anim calcmode="lin" valueType="num">
+                                      <p:cBhvr>
+                                        <p:cTn id="9" dur="1000" fill="hold"/>
+                                        <p:tgtEl>
+                                          <p:spTgt spid="2"/>
+                                        </p:tgtEl>
+                                        <p:attrNameLst>
+                                          <p:attrName>ppt_y</p:attrName>
+                                        </p:attrNameLst>
+                                      </p:cBhvr>
+                                      <p:tavLst>
+                                        <p:tav tm="0">
+                                          <p:val>
+                                            <p:strVal val="#ppt_y+.1"/>
+                                          </p:val>
+                                        </p:tav>
+                                        <p:tav tm="100000">
+                                          <p:val>
+                                            <p:strVal val="#ppt_y"/>
+                                          </p:val>
+                                        </p:tav>
+                                      </p:tavLst>
+                                    </p:anim>
+                                  </p:childTnLst>
+                                </p:cTn>
+                              </p:par>
+                            </p:childTnLst>
+                          </p:cTn>
+                        </p:par>
+                      </p:childTnLst>
+                    </p:cTn>
+                  </p:par>
+                  <p:par>
+                    <p:cTn id="10" fill="hold">
+                      <p:stCondLst>
+                        <p:cond delay="indefinite"/>
+                      </p:stCondLst>
+                      <p:childTnLst>
+                        <p:par>
+                          <p:cTn id="11" fill="hold">
+                            <p:stCondLst>
+                              <p:cond delay="0"/>
+                            </p:stCondLst>
+                            <p:childTnLst>
+                              <p:par>
+                                <p:cTn id="12" presetID="2" presetClass="entr" presetSubtype="4" fill="hold" grpId="0" nodeType="clickEffect">
+                                  <p:stCondLst>
+                                    <p:cond delay="0"/>
+                                  </p:stCondLst>
+                                  <p:childTnLst>
+                                    <p:set>
+                                      <p:cBhvr>
+                                        <p:cTn id="13" dur="1" fill="hold">
+                                          <p:stCondLst>
+                                            <p:cond delay="0"/>
+                                          </p:stCondLst>
+                                        </p:cTn>
+                                        <p:tgtEl>
+                                          <p:spTgt spid="20"/>
+                                        </p:tgtEl>
+                                        <p:attrNameLst>
+                                          <p:attrName>style.visibility</p:attrName>
+                                        </p:attrNameLst>
+                                      </p:cBhvr>
+                                      <p:to>
+                                        <p:strVal val="visible"/>
+                                      </p:to>
+                                    </p:set>
+                                    <p:anim calcmode="lin" valueType="num">
+                                      <p:cBhvr additive="base">
+                                        <p:cTn id="14" dur="500" fill="hold"/>
+                                        <p:tgtEl>
+                                          <p:spTgt spid="20"/>
+                                        </p:tgtEl>
+                                        <p:attrNameLst>
+                                          <p:attrName>ppt_x</p:attrName>
+                                        </p:attrNameLst>
+                                      </p:cBhvr>
+                                      <p:tavLst>
+                                        <p:tav tm="0">
+                                          <p:val>
+                                            <p:strVal val="#ppt_x"/>
+                                          </p:val>
+                                        </p:tav>
+                                        <p:tav tm="100000">
+                                          <p:val>
+                                            <p:strVal val="#ppt_x"/>
+                                          </p:val>
+                                        </p:tav>
+                                      </p:tavLst>
+                                    </p:anim>
+                                    <p:anim calcmode="lin" valueType="num">
+                                      <p:cBhvr additive="base">
+                                        <p:cTn id="15" dur="500" fill="hold"/>
+                                        <p:tgtEl>
+                                          <p:spTgt spid="20"/>
+                                        </p:tgtEl>
+                                        <p:attrNameLst>
+                                          <p:attrName>ppt_y</p:attrName>
+                                        </p:attrNameLst>
+                                      </p:cBhvr>
+                                      <p:tavLst>
+                                        <p:tav tm="0">
+                                          <p:val>
+                                            <p:strVal val="1+#ppt_h/2"/>
+                                          </p:val>
+                                        </p:tav>
+                                        <p:tav tm="100000">
+                                          <p:val>
+                                            <p:strVal val="#ppt_y"/>
+                                          </p:val>
+                                        </p:tav>
+                                      </p:tavLst>
+                                    </p:anim>
+                                  </p:childTnLst>
+                                </p:cTn>
+                              </p:par>
+                            </p:childTnLst>
+                          </p:cTn>
+                        </p:par>
+                      </p:childTnLst>
+                    </p:cTn>
+                  </p:par>
+                  <p:par>
+                    <p:cTn id="16" fill="hold">
+                      <p:stCondLst>
+                        <p:cond delay="indefinite"/>
+                      </p:stCondLst>
+                      <p:childTnLst>
+                        <p:par>
+                          <p:cTn id="17" fill="hold">
+                            <p:stCondLst>
+                              <p:cond delay="0"/>
+                            </p:stCondLst>
+                            <p:childTnLst>
+                              <p:par>
+                                <p:cTn id="18" presetID="22" presetClass="entr" presetSubtype="8" fill="hold" grpId="0" nodeType="clickEffect">
+                                  <p:stCondLst>
+                                    <p:cond delay="0"/>
+                                  </p:stCondLst>
+                                  <p:childTnLst>
+                                    <p:set>
+                                      <p:cBhvr>
+                                        <p:cTn id="19" dur="1" fill="hold">
+                                          <p:stCondLst>
+                                            <p:cond delay="0"/>
+                                          </p:stCondLst>
+                                        </p:cTn>
+                                        <p:tgtEl>
+                                          <p:spTgt spid="21"/>
+                                        </p:tgtEl>
+                                        <p:attrNameLst>
+                                          <p:attrName>style.visibility</p:attrName>
+                                        </p:attrNameLst>
+                                      </p:cBhvr>
+                                      <p:to>
+                                        <p:strVal val="visible"/>
+                                      </p:to>
+                                    </p:set>
+                                    <p:animEffect transition="in" filter="wipe(left)">
+                                      <p:cBhvr>
+                                        <p:cTn id="20" dur="500"/>
+                                        <p:tgtEl>
+                                          <p:spTgt spid="21"/>
+                                        </p:tgtEl>
+                                      </p:cBhvr>
+                                    </p:animEffect>
+                                  </p:childTnLst>
+                                </p:cTn>
+                              </p:par>
+                            </p:childTnLst>
+                          </p:cTn>
+                        </p:par>
+                      </p:childTnLst>
+                    </p:cTn>
+                  </p:par>
+                  <p:par>
+                    <p:cTn id="21" fill="hold">
+                      <p:stCondLst>
+                        <p:cond delay="indefinite"/>
+                      </p:stCondLst>
+                      <p:childTnLst>
+                        <p:par>
+                          <p:cTn id="22" fill="hold">
+                            <p:stCondLst>
+                              <p:cond delay="0"/>
+                            </p:stCondLst>
+                            <p:childTnLst>
+                              <p:par>
+                                <p:cTn id="23" presetID="26" presetClass="entr" presetSubtype="0" fill="hold" grpId="0" nodeType="clickEffect">
+                                  <p:stCondLst>
+                                    <p:cond delay="0"/>
+                                  </p:stCondLst>
+                                  <p:childTnLst>
+                                    <p:set>
+                                      <p:cBhvr>
+                                        <p:cTn id="24" dur="1" fill="hold">
+                                          <p:stCondLst>
+                                            <p:cond delay="0"/>
+                                          </p:stCondLst>
+                                        </p:cTn>
+                                        <p:tgtEl>
+                                          <p:spTgt spid="3"/>
+                                        </p:tgtEl>
+                                        <p:attrNameLst>
+                                          <p:attrName>style.visibility</p:attrName>
+                                        </p:attrNameLst>
+                                      </p:cBhvr>
+                                      <p:to>
+                                        <p:strVal val="visible"/>
+                                      </p:to>
+                                    </p:set>
+                                    <p:animEffect transition="in" filter="wipe(down)">
+                                      <p:cBhvr>
+                                        <p:cTn id="25" dur="580">
+                                          <p:stCondLst>
+                                            <p:cond delay="0"/>
+                                          </p:stCondLst>
+                                        </p:cTn>
+                                        <p:tgtEl>
+                                          <p:spTgt spid="3"/>
+                                        </p:tgtEl>
+                                      </p:cBhvr>
+                                    </p:animEffect>
+                                    <p:anim calcmode="lin" valueType="num">
+                                      <p:cBhvr>
+                                        <p:cTn id="26" dur="1822" tmFilter="0,0; 0.14,0.36; 0.43,0.73; 0.71,0.91; 1.0,1.0">
+                                          <p:stCondLst>
+                                            <p:cond delay="0"/>
+                                          </p:stCondLst>
+                                        </p:cTn>
+                                        <p:tgtEl>
+                                          <p:spTgt spid="3"/>
+                                        </p:tgtEl>
+                                        <p:attrNameLst>
+                                          <p:attrName>ppt_x</p:attrName>
+                                        </p:attrNameLst>
+                                      </p:cBhvr>
+                                      <p:tavLst>
+                                        <p:tav tm="0">
+                                          <p:val>
+                                            <p:strVal val="#ppt_x-0.25"/>
+                                          </p:val>
+                                        </p:tav>
+                                        <p:tav tm="100000">
+                                          <p:val>
+                                            <p:strVal val="#ppt_x"/>
+                                          </p:val>
+                                        </p:tav>
+                                      </p:tavLst>
+                                    </p:anim>
+                                    <p:anim calcmode="lin" valueType="num">
+                                      <p:cBhvr>
+                                        <p:cTn id="27" dur="664" tmFilter="0.0,0.0; 0.25,0.07; 0.50,0.2; 0.75,0.467; 1.0,1.0">
+                                          <p:stCondLst>
+                                            <p:cond delay="0"/>
+                                          </p:stCondLst>
+                                        </p:cTn>
+                                        <p:tgtEl>
+                                          <p:spTgt spid="3"/>
+                                        </p:tgtEl>
+                                        <p:attrNameLst>
+                                          <p:attrName>ppt_y</p:attrName>
+                                        </p:attrNameLst>
+                                      </p:cBhvr>
+                                      <p:tavLst>
+                                        <p:tav tm="0" fmla="#ppt_y-sin(pi*$)/3">
+                                          <p:val>
+                                            <p:fltVal val="0.5"/>
+                                          </p:val>
+                                        </p:tav>
+                                        <p:tav tm="100000">
+                                          <p:val>
+                                            <p:fltVal val="1"/>
+                                          </p:val>
+                                        </p:tav>
+                                      </p:tavLst>
+                                    </p:anim>
+                                    <p:anim calcmode="lin" valueType="num">
+                                      <p:cBhvr>
+                                        <p:cTn id="28" dur="664" tmFilter="0, 0; 0.125,0.2665; 0.25,0.4; 0.375,0.465; 0.5,0.5;  0.625,0.535; 0.75,0.6; 0.875,0.7335; 1,1">
+                                          <p:stCondLst>
+                                            <p:cond delay="664"/>
+                                          </p:stCondLst>
+                                        </p:cTn>
+                                        <p:tgtEl>
+                                          <p:spTgt spid="3"/>
+                                        </p:tgtEl>
+                                        <p:attrNameLst>
+                                          <p:attrName>ppt_y</p:attrName>
+                                        </p:attrNameLst>
+                                      </p:cBhvr>
+                                      <p:tavLst>
+                                        <p:tav tm="0" fmla="#ppt_y-sin(pi*$)/9">
+                                          <p:val>
+                                            <p:fltVal val="0"/>
+                                          </p:val>
+                                        </p:tav>
+                                        <p:tav tm="100000">
+                                          <p:val>
+                                            <p:fltVal val="1"/>
+                                          </p:val>
+                                        </p:tav>
+                                      </p:tavLst>
+                                    </p:anim>
+                                    <p:anim calcmode="lin" valueType="num">
+                                      <p:cBhvr>
+                                        <p:cTn id="29" dur="332" tmFilter="0, 0; 0.125,0.2665; 0.25,0.4; 0.375,0.465; 0.5,0.5;  0.625,0.535; 0.75,0.6; 0.875,0.7335; 1,1">
+                                          <p:stCondLst>
+                                            <p:cond delay="1324"/>
+                                          </p:stCondLst>
+                                        </p:cTn>
+                                        <p:tgtEl>
+                                          <p:spTgt spid="3"/>
+                                        </p:tgtEl>
+                                        <p:attrNameLst>
+                                          <p:attrName>ppt_y</p:attrName>
+                                        </p:attrNameLst>
+                                      </p:cBhvr>
+                                      <p:tavLst>
+                                        <p:tav tm="0" fmla="#ppt_y-sin(pi*$)/27">
+                                          <p:val>
+                                            <p:fltVal val="0"/>
+                                          </p:val>
+                                        </p:tav>
+                                        <p:tav tm="100000">
+                                          <p:val>
+                                            <p:fltVal val="1"/>
+                                          </p:val>
+                                        </p:tav>
+                                      </p:tavLst>
+                                    </p:anim>
+                                    <p:anim calcmode="lin" valueType="num">
+                                      <p:cBhvr>
+                                        <p:cTn id="30" dur="164" tmFilter="0, 0; 0.125,0.2665; 0.25,0.4; 0.375,0.465; 0.5,0.5;  0.625,0.535; 0.75,0.6; 0.875,0.7335; 1,1">
+                                          <p:stCondLst>
+                                            <p:cond delay="1656"/>
+                                          </p:stCondLst>
+                                        </p:cTn>
+                                        <p:tgtEl>
+                                          <p:spTgt spid="3"/>
+                                        </p:tgtEl>
+                                        <p:attrNameLst>
+                                          <p:attrName>ppt_y</p:attrName>
+                                        </p:attrNameLst>
+                                      </p:cBhvr>
+                                      <p:tavLst>
+                                        <p:tav tm="0" fmla="#ppt_y-sin(pi*$)/81">
+                                          <p:val>
+                                            <p:fltVal val="0"/>
+                                          </p:val>
+                                        </p:tav>
+                                        <p:tav tm="100000">
+                                          <p:val>
+                                            <p:fltVal val="1"/>
+                                          </p:val>
+                                        </p:tav>
+                                      </p:tavLst>
+                                    </p:anim>
+                                    <p:animScale>
+                                      <p:cBhvr>
+                                        <p:cTn id="31" dur="26">
+                                          <p:stCondLst>
+                                            <p:cond delay="650"/>
+                                          </p:stCondLst>
+                                        </p:cTn>
+                                        <p:tgtEl>
+                                          <p:spTgt spid="3"/>
+                                        </p:tgtEl>
+                                      </p:cBhvr>
+                                      <p:to x="100000" y="60000"/>
+                                    </p:animScale>
+                                    <p:animScale>
+                                      <p:cBhvr>
+                                        <p:cTn id="32" dur="166" decel="50000">
+                                          <p:stCondLst>
+                                            <p:cond delay="676"/>
+                                          </p:stCondLst>
+                                        </p:cTn>
+                                        <p:tgtEl>
+                                          <p:spTgt spid="3"/>
+                                        </p:tgtEl>
+                                      </p:cBhvr>
+                                      <p:to x="100000" y="100000"/>
+                                    </p:animScale>
+                                    <p:animScale>
+                                      <p:cBhvr>
+                                        <p:cTn id="33" dur="26">
+                                          <p:stCondLst>
+                                            <p:cond delay="1312"/>
+                                          </p:stCondLst>
+                                        </p:cTn>
+                                        <p:tgtEl>
+                                          <p:spTgt spid="3"/>
+                                        </p:tgtEl>
+                                      </p:cBhvr>
+                                      <p:to x="100000" y="80000"/>
+                                    </p:animScale>
+                                    <p:animScale>
+                                      <p:cBhvr>
+                                        <p:cTn id="34" dur="166" decel="50000">
+                                          <p:stCondLst>
+                                            <p:cond delay="1338"/>
+                                          </p:stCondLst>
+                                        </p:cTn>
+                                        <p:tgtEl>
+                                          <p:spTgt spid="3"/>
+                                        </p:tgtEl>
+                                      </p:cBhvr>
+                                      <p:to x="100000" y="100000"/>
+                                    </p:animScale>
+                                    <p:animScale>
+                                      <p:cBhvr>
+                                        <p:cTn id="35" dur="26">
+                                          <p:stCondLst>
+                                            <p:cond delay="1642"/>
+                                          </p:stCondLst>
+                                        </p:cTn>
+                                        <p:tgtEl>
+                                          <p:spTgt spid="3"/>
+                                        </p:tgtEl>
+                                      </p:cBhvr>
+                                      <p:to x="100000" y="90000"/>
+                                    </p:animScale>
+                                    <p:animScale>
+                                      <p:cBhvr>
+                                        <p:cTn id="36" dur="166" decel="50000">
+                                          <p:stCondLst>
+                                            <p:cond delay="1668"/>
+                                          </p:stCondLst>
+                                        </p:cTn>
+                                        <p:tgtEl>
+                                          <p:spTgt spid="3"/>
+                                        </p:tgtEl>
+                                      </p:cBhvr>
+                                      <p:to x="100000" y="100000"/>
+                                    </p:animScale>
+                                    <p:animScale>
+                                      <p:cBhvr>
+                                        <p:cTn id="37" dur="26">
+                                          <p:stCondLst>
+                                            <p:cond delay="1808"/>
+                                          </p:stCondLst>
+                                        </p:cTn>
+                                        <p:tgtEl>
+                                          <p:spTgt spid="3"/>
+                                        </p:tgtEl>
+                                      </p:cBhvr>
+                                      <p:to x="100000" y="95000"/>
+                                    </p:animScale>
+                                    <p:animScale>
+                                      <p:cBhvr>
+                                        <p:cTn id="38" dur="166" decel="50000">
+                                          <p:stCondLst>
+                                            <p:cond delay="1834"/>
+                                          </p:stCondLst>
+                                        </p:cTn>
+                                        <p:tgtEl>
+                                          <p:spTgt spid="3"/>
+                                        </p:tgtEl>
+                                      </p:cBhvr>
+                                      <p:to x="100000" y="100000"/>
+                                    </p:animScale>
+                                  </p:childTnLst>
+                                </p:cTn>
+                              </p:par>
+                            </p:childTnLst>
+                          </p:cTn>
+                        </p:par>
+                      </p:childTnLst>
+                    </p:cTn>
+                  </p:par>
+                </p:childTnLst>
+              </p:cTn>
+              <p:prevCondLst>
+                <p:cond evt="onPrev" delay="0">
+                  <p:tgtEl>
+                    <p:sldTgt/>
+                  </p:tgtEl>
+                </p:cond>
+              </p:prevCondLst>
+              <p:nextCondLst>
+                <p:cond evt="onNext" delay="0">
+                  <p:tgtEl>
+                    <p:sldTgt/>
+                  </p:tgtEl>
+                </p:cond>
+              </p:nextCondLst>
+            </p:seq>
+          </p:childTnLst>
+        </p:cTn>
+      </p:par>
+    </p:tnLst>
+    <p:bldLst>
+      <p:bldP spid="2" grpId="0"/>
+      <p:bldP spid="20" grpId="0"/>
+      <p:bldP spid="21" grpId="0"/>
+      <p:bldP spid="3" grpId="0"/>
+    </p:bldLst>
+  </p:timing>
+</p:sld>
+</file>
+
+<file path=ppt/slides/slide33.xml><?xml version="1.0" encoding="utf-8"?>
+<p:sld xmlns:a="http://schemas.openxmlformats.org/drawingml/2006/main" xmlns:r="http://schemas.openxmlformats.org/officeDocument/2006/relationships" xmlns:p="http://schemas.openxmlformats.org/presentationml/2006/main">
+  <p:cSld>
+    <p:spTree>
+      <p:nvGrpSpPr>
+        <p:cNvPr id="1" name=""/>
+        <p:cNvGrpSpPr/>
+        <p:nvPr/>
+      </p:nvGrpSpPr>
+      <p:grpSpPr>
+        <a:xfrm>
+          <a:off x="0" y="0"/>
+          <a:ext cx="0" cy="0"/>
+          <a:chOff x="0" y="0"/>
+          <a:chExt cx="0" cy="0"/>
+        </a:xfrm>
+      </p:grpSpPr>
+      <p:sp>
+        <p:nvSpPr>
+          <p:cNvPr id="2" name="标题 1"/>
+          <p:cNvSpPr>
+            <a:spLocks noGrp="1"/>
+          </p:cNvSpPr>
+          <p:nvPr>
+            <p:ph type="title"/>
+          </p:nvPr>
+        </p:nvSpPr>
+        <p:spPr/>
+        <p:txBody>
+          <a:bodyPr>
+            <a:normAutofit/>
+          </a:bodyPr>
+          <a:lstStyle/>
+          <a:p>
+            <a:r>
+              <a:rPr lang="zh-CN" altLang="en-US" dirty="0"/>
+              <a:t>how to automaticly generate the metadata of an arbitray object</a:t>
+            </a:r>
+            <a:r>
+              <a:rPr lang="en-US" altLang="zh-CN" dirty="0" smtClean="0"/>
+              <a:t>?</a:t>
+            </a:r>
+            <a:endParaRPr lang="zh-CN" altLang="en-US" dirty="0"/>
+          </a:p>
+        </p:txBody>
+      </p:sp>
+      <p:sp>
+        <p:nvSpPr>
+          <p:cNvPr id="3" name="内容占位符 2"/>
+          <p:cNvSpPr>
+            <a:spLocks noGrp="1"/>
+          </p:cNvSpPr>
+          <p:nvPr>
+            <p:ph idx="1"/>
+          </p:nvPr>
+        </p:nvSpPr>
+        <p:spPr/>
+        <p:txBody>
+          <a:bodyPr/>
+          <a:lstStyle/>
+          <a:p>
+            <a:endParaRPr lang="zh-CN" altLang="en-US" dirty="0"/>
+          </a:p>
+        </p:txBody>
+      </p:sp>
+    </p:spTree>
+    <p:extLst>
+      <p:ext uri="{BB962C8B-B14F-4D97-AF65-F5344CB8AC3E}">
+        <p14:creationId xmlns:p14="http://schemas.microsoft.com/office/powerpoint/2010/main" val="3125414767"/>
+      </p:ext>
+    </p:extLst>
+  </p:cSld>
+  <p:clrMapOvr>
+    <a:masterClrMapping/>
+  </p:clrMapOvr>
+  <p:timing>
+    <p:tnLst>
+      <p:par>
+        <p:cTn id="1" dur="indefinite" restart="never" nodeType="tmRoot"/>
+      </p:par>
+    </p:tnLst>
+  </p:timing>
+</p:sld>
+</file>
+
+<file path=ppt/slides/slide34.xml><?xml version="1.0" encoding="utf-8"?>
+<p:sld xmlns:a="http://schemas.openxmlformats.org/drawingml/2006/main" xmlns:r="http://schemas.openxmlformats.org/officeDocument/2006/relationships" xmlns:p="http://schemas.openxmlformats.org/presentationml/2006/main">
+  <p:cSld>
+    <p:spTree>
+      <p:nvGrpSpPr>
+        <p:cNvPr id="1" name=""/>
+        <p:cNvGrpSpPr/>
+        <p:nvPr/>
+      </p:nvGrpSpPr>
+      <p:grpSpPr>
+        <a:xfrm>
+          <a:off x="0" y="0"/>
+          <a:ext cx="0" cy="0"/>
+          <a:chOff x="0" y="0"/>
+          <a:chExt cx="0" cy="0"/>
+        </a:xfrm>
+      </p:grpSpPr>
+      <p:sp>
+        <p:nvSpPr>
+          <p:cNvPr id="2" name="标题 1"/>
+          <p:cNvSpPr>
+            <a:spLocks noGrp="1"/>
+          </p:cNvSpPr>
+          <p:nvPr>
+            <p:ph type="title"/>
+          </p:nvPr>
+        </p:nvSpPr>
+        <p:spPr/>
+        <p:txBody>
+          <a:bodyPr/>
+          <a:lstStyle/>
+          <a:p>
+            <a:r>
+              <a:rPr lang="en-US" altLang="zh-CN" dirty="0" smtClean="0"/>
+              <a:t>Outline</a:t>
+            </a:r>
+            <a:endParaRPr lang="zh-CN" altLang="en-US" dirty="0"/>
+          </a:p>
+        </p:txBody>
+      </p:sp>
+      <p:sp>
+        <p:nvSpPr>
+          <p:cNvPr id="3" name="内容占位符 2"/>
+          <p:cNvSpPr>
+            <a:spLocks noGrp="1"/>
+          </p:cNvSpPr>
+          <p:nvPr>
+            <p:ph idx="1"/>
+          </p:nvPr>
+        </p:nvSpPr>
+        <p:spPr/>
+        <p:txBody>
+          <a:bodyPr/>
+          <a:lstStyle/>
+          <a:p>
+            <a:r>
+              <a:rPr lang="en-US" altLang="zh-CN" dirty="0" smtClean="0"/>
+              <a:t>concepts of reflection</a:t>
+            </a:r>
+          </a:p>
+          <a:p>
+            <a:r>
+              <a:rPr lang="en-US" altLang="zh-CN" dirty="0"/>
+              <a:t>implementation of compile-time </a:t>
+            </a:r>
+            <a:r>
+              <a:rPr lang="en-US" altLang="zh-CN" dirty="0" smtClean="0"/>
+              <a:t>reflection</a:t>
+            </a:r>
+          </a:p>
+          <a:p>
+            <a:r>
+              <a:rPr lang="en-US" altLang="zh-CN" b="1" dirty="0" smtClean="0"/>
+              <a:t>application of compile-time reflection</a:t>
+            </a:r>
+          </a:p>
+          <a:p>
+            <a:r>
+              <a:rPr lang="en-US" altLang="zh-CN" dirty="0" smtClean="0"/>
+              <a:t>prospect</a:t>
+            </a:r>
+            <a:endParaRPr lang="zh-CN" altLang="en-US" dirty="0"/>
+          </a:p>
+        </p:txBody>
+      </p:sp>
+    </p:spTree>
+    <p:extLst>
+      <p:ext uri="{BB962C8B-B14F-4D97-AF65-F5344CB8AC3E}">
+        <p14:creationId xmlns:p14="http://schemas.microsoft.com/office/powerpoint/2010/main" val="3920747289"/>
+      </p:ext>
+    </p:extLst>
+  </p:cSld>
+  <p:clrMapOvr>
+    <a:masterClrMapping/>
+  </p:clrMapOvr>
+  <p:timing>
+    <p:tnLst>
+      <p:par>
+        <p:cTn id="1" dur="indefinite" restart="never" nodeType="tmRoot"/>
+      </p:par>
+    </p:tnLst>
+  </p:timing>
+</p:sld>
+</file>
+
+<file path=ppt/slides/slide35.xml><?xml version="1.0" encoding="utf-8"?>
+<p:sld xmlns:a="http://schemas.openxmlformats.org/drawingml/2006/main" xmlns:r="http://schemas.openxmlformats.org/officeDocument/2006/relationships" xmlns:p="http://schemas.openxmlformats.org/presentationml/2006/main">
+  <p:cSld>
+    <p:spTree>
+      <p:nvGrpSpPr>
+        <p:cNvPr id="1" name=""/>
+        <p:cNvGrpSpPr/>
+        <p:nvPr/>
+      </p:nvGrpSpPr>
+      <p:grpSpPr>
+        <a:xfrm>
+          <a:off x="0" y="0"/>
+          <a:ext cx="0" cy="0"/>
+          <a:chOff x="0" y="0"/>
+          <a:chExt cx="0" cy="0"/>
+        </a:xfrm>
+      </p:grpSpPr>
+      <p:sp>
+        <p:nvSpPr>
+          <p:cNvPr id="2" name="标题 1"/>
+          <p:cNvSpPr>
+            <a:spLocks noGrp="1"/>
+          </p:cNvSpPr>
+          <p:nvPr>
+            <p:ph type="title"/>
+          </p:nvPr>
+        </p:nvSpPr>
+        <p:spPr/>
+        <p:txBody>
+          <a:bodyPr/>
+          <a:lstStyle/>
+          <a:p>
+            <a:r>
+              <a:rPr lang="en-US" altLang="zh-CN" dirty="0"/>
+              <a:t>application of compile-time </a:t>
+            </a:r>
+            <a:r>
+              <a:rPr lang="en-US" altLang="zh-CN" dirty="0" smtClean="0"/>
+              <a:t>reflection</a:t>
+            </a:r>
+            <a:endParaRPr lang="zh-CN" altLang="en-US" dirty="0"/>
+          </a:p>
+        </p:txBody>
+      </p:sp>
+      <p:sp>
+        <p:nvSpPr>
+          <p:cNvPr id="3" name="内容占位符 2"/>
+          <p:cNvSpPr>
+            <a:spLocks noGrp="1"/>
+          </p:cNvSpPr>
+          <p:nvPr>
+            <p:ph idx="1"/>
+          </p:nvPr>
+        </p:nvSpPr>
+        <p:spPr/>
+        <p:txBody>
+          <a:bodyPr/>
+          <a:lstStyle/>
+          <a:p>
+            <a:r>
+              <a:rPr lang="en-US" altLang="zh-CN" dirty="0"/>
+              <a:t>Serialization</a:t>
+            </a:r>
+          </a:p>
+          <a:p>
+            <a:r>
+              <a:rPr lang="en-US" altLang="zh-CN" dirty="0"/>
+              <a:t>ORM(Object Relational Mapping)</a:t>
+            </a:r>
+          </a:p>
+          <a:p>
+            <a:r>
+              <a:rPr lang="en-US" altLang="zh-CN" dirty="0"/>
+              <a:t>DSL(domain-specific language)</a:t>
+            </a:r>
+            <a:endParaRPr lang="zh-CN" altLang="en-US" dirty="0"/>
+          </a:p>
+        </p:txBody>
+      </p:sp>
+    </p:spTree>
+    <p:extLst>
+      <p:ext uri="{BB962C8B-B14F-4D97-AF65-F5344CB8AC3E}">
+        <p14:creationId xmlns:p14="http://schemas.microsoft.com/office/powerpoint/2010/main" val="3812572458"/>
+      </p:ext>
+    </p:extLst>
+  </p:cSld>
+  <p:clrMapOvr>
+    <a:masterClrMapping/>
+  </p:clrMapOvr>
+  <p:timing>
+    <p:tnLst>
+      <p:par>
+        <p:cTn id="1" dur="indefinite" restart="never" nodeType="tmRoot"/>
+      </p:par>
+    </p:tnLst>
+  </p:timing>
+</p:sld>
+</file>
+
+<file path=ppt/slides/slide36.xml><?xml version="1.0" encoding="utf-8"?>
+<p:sld xmlns:a="http://schemas.openxmlformats.org/drawingml/2006/main" xmlns:r="http://schemas.openxmlformats.org/officeDocument/2006/relationships" xmlns:p="http://schemas.openxmlformats.org/presentationml/2006/main">
+  <p:cSld>
+    <p:spTree>
+      <p:nvGrpSpPr>
+        <p:cNvPr id="1" name=""/>
+        <p:cNvGrpSpPr/>
+        <p:nvPr/>
+      </p:nvGrpSpPr>
+      <p:grpSpPr>
+        <a:xfrm>
+          <a:off x="0" y="0"/>
+          <a:ext cx="0" cy="0"/>
+          <a:chOff x="0" y="0"/>
+          <a:chExt cx="0" cy="0"/>
+        </a:xfrm>
+      </p:grpSpPr>
+      <p:sp>
+        <p:nvSpPr>
           <p:cNvPr id="2" name="标题 1"/>
           <p:cNvSpPr>
             <a:spLocks noGrp="1"/>
@@ -16867,7 +21647,7 @@
 </p:sld>
 </file>
 
-<file path=ppt/slides/slide33.xml><?xml version="1.0" encoding="utf-8"?>
+<file path=ppt/slides/slide37.xml><?xml version="1.0" encoding="utf-8"?>
 <p:sld xmlns:a="http://schemas.openxmlformats.org/drawingml/2006/main" xmlns:r="http://schemas.openxmlformats.org/officeDocument/2006/relationships" xmlns:p="http://schemas.openxmlformats.org/presentationml/2006/main">
   <p:cSld>
     <p:spTree>

--- a/cppcon2017.pptx
+++ b/cppcon2017.pptx
@@ -5,7 +5,7 @@
     <p:sldMasterId id="2147483648" r:id="rId1"/>
   </p:sldMasterIdLst>
   <p:notesMasterIdLst>
-    <p:notesMasterId r:id="rId39"/>
+    <p:notesMasterId r:id="rId41"/>
   </p:notesMasterIdLst>
   <p:sldIdLst>
     <p:sldId id="256" r:id="rId2"/>
@@ -41,10 +41,12 @@
     <p:sldId id="290" r:id="rId32"/>
     <p:sldId id="291" r:id="rId33"/>
     <p:sldId id="292" r:id="rId34"/>
-    <p:sldId id="270" r:id="rId35"/>
-    <p:sldId id="260" r:id="rId36"/>
-    <p:sldId id="271" r:id="rId37"/>
-    <p:sldId id="261" r:id="rId38"/>
+    <p:sldId id="293" r:id="rId35"/>
+    <p:sldId id="294" r:id="rId36"/>
+    <p:sldId id="270" r:id="rId37"/>
+    <p:sldId id="260" r:id="rId38"/>
+    <p:sldId id="271" r:id="rId39"/>
+    <p:sldId id="261" r:id="rId40"/>
   </p:sldIdLst>
   <p:sldSz cx="12192000" cy="6858000"/>
   <p:notesSz cx="6858000" cy="9144000"/>
@@ -17319,16 +17321,6 @@
               </a:rPr>
               <a:t>);</a:t>
             </a:r>
-            <a:endParaRPr lang="en-US" altLang="zh-CN" dirty="0">
-              <a:solidFill>
-                <a:srgbClr val="000000"/>
-              </a:solidFill>
-              <a:highlight>
-                <a:srgbClr val="FFFFFF"/>
-              </a:highlight>
-              <a:latin typeface="新宋体" panose="02010609030101010101" pitchFamily="49" charset="-122"/>
-              <a:ea typeface="新宋体" panose="02010609030101010101" pitchFamily="49" charset="-122"/>
-            </a:endParaRPr>
           </a:p>
         </p:txBody>
       </p:sp>
@@ -20533,7 +20525,6 @@
               <a:rPr lang="en-US" altLang="zh-CN" dirty="0" smtClean="0"/>
               <a:t>define metadata is very trivial</a:t>
             </a:r>
-            <a:endParaRPr lang="en-US" altLang="zh-CN" dirty="0" smtClean="0"/>
           </a:p>
           <a:p>
             <a:pPr marL="285750" indent="-285750">
@@ -20544,7 +20535,6 @@
               <a:rPr lang="en-US" altLang="zh-CN" dirty="0" smtClean="0"/>
               <a:t>need handwritten, can’t automatic</a:t>
             </a:r>
-            <a:endParaRPr lang="en-US" altLang="zh-CN" dirty="0" smtClean="0"/>
           </a:p>
           <a:p>
             <a:pPr marL="285750" indent="-285750">
@@ -21289,7 +21279,23 @@
           <a:p>
             <a:r>
               <a:rPr lang="zh-CN" altLang="en-US" dirty="0"/>
-              <a:t>how to automaticly generate the metadata of an arbitray object</a:t>
+              <a:t>how to </a:t>
+            </a:r>
+            <a:r>
+              <a:rPr lang="zh-CN" altLang="en-US" dirty="0" smtClean="0"/>
+              <a:t>automatic</a:t>
+            </a:r>
+            <a:r>
+              <a:rPr lang="en-US" altLang="zh-CN" dirty="0" smtClean="0"/>
+              <a:t>al</a:t>
+            </a:r>
+            <a:r>
+              <a:rPr lang="zh-CN" altLang="en-US" dirty="0" smtClean="0"/>
+              <a:t>ly </a:t>
+            </a:r>
+            <a:r>
+              <a:rPr lang="zh-CN" altLang="en-US" dirty="0"/>
+              <a:t>generate the metadata of an arbitray object</a:t>
             </a:r>
             <a:r>
               <a:rPr lang="en-US" altLang="zh-CN" dirty="0" smtClean="0"/>
@@ -21313,6 +21319,48 @@
         <p:txBody>
           <a:bodyPr/>
           <a:lstStyle/>
+          <a:p>
+            <a:r>
+              <a:rPr lang="en-US" altLang="zh-CN" dirty="0" smtClean="0"/>
+              <a:t>automatically pack all fields by macros and new features</a:t>
+            </a:r>
+          </a:p>
+          <a:p>
+            <a:r>
+              <a:rPr lang="en-US" altLang="zh-CN" dirty="0" smtClean="0"/>
+              <a:t>automatically create a field name array </a:t>
+            </a:r>
+            <a:r>
+              <a:rPr lang="en-US" altLang="zh-CN" dirty="0"/>
+              <a:t>by </a:t>
+            </a:r>
+            <a:r>
+              <a:rPr lang="en-US" altLang="zh-CN" dirty="0" smtClean="0"/>
+              <a:t>macros</a:t>
+            </a:r>
+            <a:r>
+              <a:rPr lang="en-US" altLang="zh-CN" dirty="0"/>
+              <a:t> and new </a:t>
+            </a:r>
+            <a:r>
+              <a:rPr lang="en-US" altLang="zh-CN" dirty="0" smtClean="0"/>
+              <a:t>features</a:t>
+            </a:r>
+          </a:p>
+          <a:p>
+            <a:r>
+              <a:rPr lang="en-US" altLang="zh-CN" dirty="0" smtClean="0"/>
+              <a:t>provide a generic </a:t>
+            </a:r>
+            <a:r>
+              <a:rPr lang="en-US" altLang="zh-CN" dirty="0" err="1" smtClean="0"/>
+              <a:t>for_each</a:t>
+            </a:r>
+            <a:r>
+              <a:rPr lang="en-US" altLang="zh-CN" dirty="0" smtClean="0"/>
+              <a:t> algorithm</a:t>
+            </a:r>
+          </a:p>
           <a:p>
             <a:endParaRPr lang="zh-CN" altLang="en-US" dirty="0"/>
           </a:p>
@@ -21370,11 +21418,7 @@
           <a:bodyPr/>
           <a:lstStyle/>
           <a:p>
-            <a:r>
-              <a:rPr lang="en-US" altLang="zh-CN" dirty="0" smtClean="0"/>
-              <a:t>Outline</a:t>
-            </a:r>
-            <a:endParaRPr lang="zh-CN" altLang="en-US" dirty="0"/>
+            <a:endParaRPr lang="zh-CN" altLang="en-US"/>
           </a:p>
         </p:txBody>
       </p:sp>
@@ -21393,40 +21437,480 @@
           <a:bodyPr/>
           <a:lstStyle/>
           <a:p>
-            <a:r>
-              <a:rPr lang="en-US" altLang="zh-CN" dirty="0" smtClean="0"/>
-              <a:t>concepts of reflection</a:t>
-            </a:r>
-          </a:p>
-          <a:p>
-            <a:r>
-              <a:rPr lang="en-US" altLang="zh-CN" dirty="0"/>
-              <a:t>implementation of compile-time </a:t>
-            </a:r>
-            <a:r>
-              <a:rPr lang="en-US" altLang="zh-CN" dirty="0" smtClean="0"/>
-              <a:t>reflection</a:t>
-            </a:r>
-          </a:p>
-          <a:p>
-            <a:r>
-              <a:rPr lang="en-US" altLang="zh-CN" b="1" dirty="0" smtClean="0"/>
-              <a:t>application of compile-time reflection</a:t>
-            </a:r>
-          </a:p>
-          <a:p>
-            <a:r>
-              <a:rPr lang="en-US" altLang="zh-CN" dirty="0" smtClean="0"/>
-              <a:t>prospect</a:t>
-            </a:r>
             <a:endParaRPr lang="zh-CN" altLang="en-US" dirty="0"/>
+          </a:p>
+        </p:txBody>
+      </p:sp>
+      <p:sp>
+        <p:nvSpPr>
+          <p:cNvPr id="7" name="矩形 6"/>
+          <p:cNvSpPr/>
+          <p:nvPr/>
+        </p:nvSpPr>
+        <p:spPr>
+          <a:xfrm>
+            <a:off x="838199" y="1969969"/>
+            <a:ext cx="10430692" cy="1200329"/>
+          </a:xfrm>
+          <a:prstGeom prst="rect">
+            <a:avLst/>
+          </a:prstGeom>
+        </p:spPr>
+        <p:txBody>
+          <a:bodyPr wrap="square">
+            <a:spAutoFit/>
+          </a:bodyPr>
+          <a:lstStyle/>
+          <a:p>
+            <a:r>
+              <a:rPr lang="en-US" altLang="zh-CN" dirty="0">
+                <a:solidFill>
+                  <a:srgbClr val="808080"/>
+                </a:solidFill>
+                <a:highlight>
+                  <a:srgbClr val="FFFFFF"/>
+                </a:highlight>
+                <a:latin typeface="新宋体" panose="02010609030101010101" pitchFamily="49" charset="-122"/>
+                <a:ea typeface="新宋体" panose="02010609030101010101" pitchFamily="49" charset="-122"/>
+              </a:rPr>
+              <a:t>#define</a:t>
+            </a:r>
+            <a:r>
+              <a:rPr lang="en-US" altLang="zh-CN" dirty="0">
+                <a:solidFill>
+                  <a:srgbClr val="000000"/>
+                </a:solidFill>
+                <a:highlight>
+                  <a:srgbClr val="FFFFFF"/>
+                </a:highlight>
+                <a:latin typeface="新宋体" panose="02010609030101010101" pitchFamily="49" charset="-122"/>
+                <a:ea typeface="新宋体" panose="02010609030101010101" pitchFamily="49" charset="-122"/>
+              </a:rPr>
+              <a:t> </a:t>
+            </a:r>
+            <a:r>
+              <a:rPr lang="en-US" altLang="zh-CN" dirty="0">
+                <a:solidFill>
+                  <a:srgbClr val="6F008A"/>
+                </a:solidFill>
+                <a:highlight>
+                  <a:srgbClr val="FFFFFF"/>
+                </a:highlight>
+                <a:latin typeface="新宋体" panose="02010609030101010101" pitchFamily="49" charset="-122"/>
+                <a:ea typeface="新宋体" panose="02010609030101010101" pitchFamily="49" charset="-122"/>
+              </a:rPr>
+              <a:t>MAKE_META_DATA</a:t>
+            </a:r>
+            <a:r>
+              <a:rPr lang="en-US" altLang="zh-CN" dirty="0">
+                <a:solidFill>
+                  <a:srgbClr val="000000"/>
+                </a:solidFill>
+                <a:highlight>
+                  <a:srgbClr val="FFFFFF"/>
+                </a:highlight>
+                <a:latin typeface="新宋体" panose="02010609030101010101" pitchFamily="49" charset="-122"/>
+                <a:ea typeface="新宋体" panose="02010609030101010101" pitchFamily="49" charset="-122"/>
+              </a:rPr>
+              <a:t>(STRUCT_NAME, N, ...) \</a:t>
+            </a:r>
+          </a:p>
+          <a:p>
+            <a:r>
+              <a:rPr lang="en-US" altLang="zh-CN" dirty="0">
+                <a:solidFill>
+                  <a:srgbClr val="000000"/>
+                </a:solidFill>
+                <a:highlight>
+                  <a:srgbClr val="FFFFFF"/>
+                </a:highlight>
+                <a:latin typeface="新宋体" panose="02010609030101010101" pitchFamily="49" charset="-122"/>
+                <a:ea typeface="新宋体" panose="02010609030101010101" pitchFamily="49" charset="-122"/>
+              </a:rPr>
+              <a:t>    </a:t>
+            </a:r>
+            <a:r>
+              <a:rPr lang="en-US" altLang="zh-CN" dirty="0" err="1">
+                <a:solidFill>
+                  <a:srgbClr val="0000FF"/>
+                </a:solidFill>
+                <a:highlight>
+                  <a:srgbClr val="FFFFFF"/>
+                </a:highlight>
+                <a:latin typeface="新宋体" panose="02010609030101010101" pitchFamily="49" charset="-122"/>
+                <a:ea typeface="新宋体" panose="02010609030101010101" pitchFamily="49" charset="-122"/>
+              </a:rPr>
+              <a:t>constexpr</a:t>
+            </a:r>
+            <a:r>
+              <a:rPr lang="en-US" altLang="zh-CN" dirty="0">
+                <a:solidFill>
+                  <a:srgbClr val="000000"/>
+                </a:solidFill>
+                <a:highlight>
+                  <a:srgbClr val="FFFFFF"/>
+                </a:highlight>
+                <a:latin typeface="新宋体" panose="02010609030101010101" pitchFamily="49" charset="-122"/>
+                <a:ea typeface="新宋体" panose="02010609030101010101" pitchFamily="49" charset="-122"/>
+              </a:rPr>
+              <a:t> </a:t>
+            </a:r>
+            <a:r>
+              <a:rPr lang="en-US" altLang="zh-CN" dirty="0">
+                <a:solidFill>
+                  <a:srgbClr val="0000FF"/>
+                </a:solidFill>
+                <a:highlight>
+                  <a:srgbClr val="FFFFFF"/>
+                </a:highlight>
+                <a:latin typeface="新宋体" panose="02010609030101010101" pitchFamily="49" charset="-122"/>
+                <a:ea typeface="新宋体" panose="02010609030101010101" pitchFamily="49" charset="-122"/>
+              </a:rPr>
+              <a:t>inline</a:t>
+            </a:r>
+            <a:r>
+              <a:rPr lang="en-US" altLang="zh-CN" dirty="0">
+                <a:solidFill>
+                  <a:srgbClr val="000000"/>
+                </a:solidFill>
+                <a:highlight>
+                  <a:srgbClr val="FFFFFF"/>
+                </a:highlight>
+                <a:latin typeface="新宋体" panose="02010609030101010101" pitchFamily="49" charset="-122"/>
+                <a:ea typeface="新宋体" panose="02010609030101010101" pitchFamily="49" charset="-122"/>
+              </a:rPr>
+              <a:t> </a:t>
+            </a:r>
+            <a:r>
+              <a:rPr lang="en-US" altLang="zh-CN" dirty="0" err="1">
+                <a:solidFill>
+                  <a:srgbClr val="000000"/>
+                </a:solidFill>
+                <a:highlight>
+                  <a:srgbClr val="FFFFFF"/>
+                </a:highlight>
+                <a:latin typeface="新宋体" panose="02010609030101010101" pitchFamily="49" charset="-122"/>
+                <a:ea typeface="新宋体" panose="02010609030101010101" pitchFamily="49" charset="-122"/>
+              </a:rPr>
+              <a:t>std</a:t>
+            </a:r>
+            <a:r>
+              <a:rPr lang="en-US" altLang="zh-CN" dirty="0">
+                <a:solidFill>
+                  <a:srgbClr val="000000"/>
+                </a:solidFill>
+                <a:highlight>
+                  <a:srgbClr val="FFFFFF"/>
+                </a:highlight>
+                <a:latin typeface="新宋体" panose="02010609030101010101" pitchFamily="49" charset="-122"/>
+                <a:ea typeface="新宋体" panose="02010609030101010101" pitchFamily="49" charset="-122"/>
+              </a:rPr>
+              <a:t>::</a:t>
+            </a:r>
+            <a:r>
+              <a:rPr lang="en-US" altLang="zh-CN" dirty="0">
+                <a:solidFill>
+                  <a:srgbClr val="2B91AF"/>
+                </a:solidFill>
+                <a:highlight>
+                  <a:srgbClr val="FFFFFF"/>
+                </a:highlight>
+                <a:latin typeface="新宋体" panose="02010609030101010101" pitchFamily="49" charset="-122"/>
+                <a:ea typeface="新宋体" panose="02010609030101010101" pitchFamily="49" charset="-122"/>
+              </a:rPr>
+              <a:t>array</a:t>
+            </a:r>
+            <a:r>
+              <a:rPr lang="en-US" altLang="zh-CN" dirty="0">
+                <a:solidFill>
+                  <a:srgbClr val="000000"/>
+                </a:solidFill>
+                <a:highlight>
+                  <a:srgbClr val="FFFFFF"/>
+                </a:highlight>
+                <a:latin typeface="新宋体" panose="02010609030101010101" pitchFamily="49" charset="-122"/>
+                <a:ea typeface="新宋体" panose="02010609030101010101" pitchFamily="49" charset="-122"/>
+              </a:rPr>
+              <a:t>&lt;</a:t>
+            </a:r>
+            <a:r>
+              <a:rPr lang="en-US" altLang="zh-CN" dirty="0" err="1">
+                <a:solidFill>
+                  <a:srgbClr val="000000"/>
+                </a:solidFill>
+                <a:highlight>
+                  <a:srgbClr val="FFFFFF"/>
+                </a:highlight>
+                <a:latin typeface="新宋体" panose="02010609030101010101" pitchFamily="49" charset="-122"/>
+                <a:ea typeface="新宋体" panose="02010609030101010101" pitchFamily="49" charset="-122"/>
+              </a:rPr>
+              <a:t>std</a:t>
+            </a:r>
+            <a:r>
+              <a:rPr lang="en-US" altLang="zh-CN" dirty="0">
+                <a:solidFill>
+                  <a:srgbClr val="000000"/>
+                </a:solidFill>
+                <a:highlight>
+                  <a:srgbClr val="FFFFFF"/>
+                </a:highlight>
+                <a:latin typeface="新宋体" panose="02010609030101010101" pitchFamily="49" charset="-122"/>
+                <a:ea typeface="新宋体" panose="02010609030101010101" pitchFamily="49" charset="-122"/>
+              </a:rPr>
+              <a:t>::</a:t>
+            </a:r>
+            <a:r>
+              <a:rPr lang="en-US" altLang="zh-CN" dirty="0" err="1">
+                <a:solidFill>
+                  <a:srgbClr val="000000"/>
+                </a:solidFill>
+                <a:highlight>
+                  <a:srgbClr val="FFFFFF"/>
+                </a:highlight>
+                <a:latin typeface="新宋体" panose="02010609030101010101" pitchFamily="49" charset="-122"/>
+                <a:ea typeface="新宋体" panose="02010609030101010101" pitchFamily="49" charset="-122"/>
+              </a:rPr>
+              <a:t>string_view</a:t>
+            </a:r>
+            <a:r>
+              <a:rPr lang="en-US" altLang="zh-CN" dirty="0">
+                <a:solidFill>
+                  <a:srgbClr val="000000"/>
+                </a:solidFill>
+                <a:highlight>
+                  <a:srgbClr val="FFFFFF"/>
+                </a:highlight>
+                <a:latin typeface="新宋体" panose="02010609030101010101" pitchFamily="49" charset="-122"/>
+                <a:ea typeface="新宋体" panose="02010609030101010101" pitchFamily="49" charset="-122"/>
+              </a:rPr>
+              <a:t>, N&gt; </a:t>
+            </a:r>
+            <a:r>
+              <a:rPr lang="en-US" altLang="zh-CN" dirty="0" err="1">
+                <a:solidFill>
+                  <a:srgbClr val="000000"/>
+                </a:solidFill>
+                <a:highlight>
+                  <a:srgbClr val="FFFFFF"/>
+                </a:highlight>
+                <a:latin typeface="新宋体" panose="02010609030101010101" pitchFamily="49" charset="-122"/>
+                <a:ea typeface="新宋体" panose="02010609030101010101" pitchFamily="49" charset="-122"/>
+              </a:rPr>
+              <a:t>arr</a:t>
+            </a:r>
+            <a:r>
+              <a:rPr lang="en-US" altLang="zh-CN" dirty="0">
+                <a:solidFill>
+                  <a:srgbClr val="000000"/>
+                </a:solidFill>
+                <a:highlight>
+                  <a:srgbClr val="FFFFFF"/>
+                </a:highlight>
+                <a:latin typeface="新宋体" panose="02010609030101010101" pitchFamily="49" charset="-122"/>
+                <a:ea typeface="新宋体" panose="02010609030101010101" pitchFamily="49" charset="-122"/>
+              </a:rPr>
+              <a:t>_##STRUCT_NAME =  </a:t>
+            </a:r>
+            <a:r>
+              <a:rPr lang="en-US" altLang="zh-CN" dirty="0" smtClean="0">
+                <a:solidFill>
+                  <a:srgbClr val="000000"/>
+                </a:solidFill>
+                <a:highlight>
+                  <a:srgbClr val="FFFFFF"/>
+                </a:highlight>
+                <a:latin typeface="新宋体" panose="02010609030101010101" pitchFamily="49" charset="-122"/>
+                <a:ea typeface="新宋体" panose="02010609030101010101" pitchFamily="49" charset="-122"/>
+              </a:rPr>
+              <a:t>  	{ </a:t>
+            </a:r>
+            <a:r>
+              <a:rPr lang="en-US" altLang="zh-CN" dirty="0">
+                <a:solidFill>
+                  <a:srgbClr val="6F008A"/>
+                </a:solidFill>
+                <a:highlight>
+                  <a:srgbClr val="FFFFFF"/>
+                </a:highlight>
+                <a:latin typeface="新宋体" panose="02010609030101010101" pitchFamily="49" charset="-122"/>
+                <a:ea typeface="新宋体" panose="02010609030101010101" pitchFamily="49" charset="-122"/>
+              </a:rPr>
+              <a:t>MARCO_EXPAND</a:t>
+            </a:r>
+            <a:r>
+              <a:rPr lang="en-US" altLang="zh-CN" dirty="0">
+                <a:solidFill>
+                  <a:srgbClr val="000000"/>
+                </a:solidFill>
+                <a:highlight>
+                  <a:srgbClr val="FFFFFF"/>
+                </a:highlight>
+                <a:latin typeface="新宋体" panose="02010609030101010101" pitchFamily="49" charset="-122"/>
+                <a:ea typeface="新宋体" panose="02010609030101010101" pitchFamily="49" charset="-122"/>
+              </a:rPr>
+              <a:t>(</a:t>
+            </a:r>
+            <a:r>
+              <a:rPr lang="en-US" altLang="zh-CN" dirty="0">
+                <a:solidFill>
+                  <a:srgbClr val="6F008A"/>
+                </a:solidFill>
+                <a:highlight>
+                  <a:srgbClr val="FFFFFF"/>
+                </a:highlight>
+                <a:latin typeface="新宋体" panose="02010609030101010101" pitchFamily="49" charset="-122"/>
+                <a:ea typeface="新宋体" panose="02010609030101010101" pitchFamily="49" charset="-122"/>
+              </a:rPr>
+              <a:t>MACRO_CONCAT</a:t>
+            </a:r>
+            <a:r>
+              <a:rPr lang="en-US" altLang="zh-CN" dirty="0">
+                <a:solidFill>
+                  <a:srgbClr val="000000"/>
+                </a:solidFill>
+                <a:highlight>
+                  <a:srgbClr val="FFFFFF"/>
+                </a:highlight>
+                <a:latin typeface="新宋体" panose="02010609030101010101" pitchFamily="49" charset="-122"/>
+                <a:ea typeface="新宋体" panose="02010609030101010101" pitchFamily="49" charset="-122"/>
+              </a:rPr>
+              <a:t>(CON_STR, N)(__VA_ARGS__)) };\</a:t>
+            </a:r>
+          </a:p>
+          <a:p>
+            <a:r>
+              <a:rPr lang="en-US" altLang="zh-CN" dirty="0">
+                <a:solidFill>
+                  <a:srgbClr val="000000"/>
+                </a:solidFill>
+                <a:highlight>
+                  <a:srgbClr val="FFFFFF"/>
+                </a:highlight>
+                <a:latin typeface="新宋体" panose="02010609030101010101" pitchFamily="49" charset="-122"/>
+                <a:ea typeface="新宋体" panose="02010609030101010101" pitchFamily="49" charset="-122"/>
+              </a:rPr>
+              <a:t>    </a:t>
+            </a:r>
+            <a:r>
+              <a:rPr lang="en-US" altLang="zh-CN" dirty="0">
+                <a:solidFill>
+                  <a:srgbClr val="6F008A"/>
+                </a:solidFill>
+                <a:highlight>
+                  <a:srgbClr val="FFFFFF"/>
+                </a:highlight>
+                <a:latin typeface="新宋体" panose="02010609030101010101" pitchFamily="49" charset="-122"/>
+                <a:ea typeface="新宋体" panose="02010609030101010101" pitchFamily="49" charset="-122"/>
+              </a:rPr>
+              <a:t>MAKE_META_DATA_IMPL</a:t>
+            </a:r>
+            <a:r>
+              <a:rPr lang="en-US" altLang="zh-CN" dirty="0">
+                <a:solidFill>
+                  <a:srgbClr val="000000"/>
+                </a:solidFill>
+                <a:highlight>
+                  <a:srgbClr val="FFFFFF"/>
+                </a:highlight>
+                <a:latin typeface="新宋体" panose="02010609030101010101" pitchFamily="49" charset="-122"/>
+                <a:ea typeface="新宋体" panose="02010609030101010101" pitchFamily="49" charset="-122"/>
+              </a:rPr>
+              <a:t>(STRUCT_NAME, MAKE_ARG_LIST(N, &amp;STRUCT_NAME::OBJECT, __VA_ARGS__))</a:t>
+            </a:r>
+            <a:endParaRPr lang="zh-CN" altLang="en-US" dirty="0"/>
+          </a:p>
+        </p:txBody>
+      </p:sp>
+      <p:sp>
+        <p:nvSpPr>
+          <p:cNvPr id="9" name="矩形 8"/>
+          <p:cNvSpPr/>
+          <p:nvPr/>
+        </p:nvSpPr>
+        <p:spPr>
+          <a:xfrm>
+            <a:off x="1443950" y="4001294"/>
+            <a:ext cx="7411837" cy="400110"/>
+          </a:xfrm>
+          <a:prstGeom prst="rect">
+            <a:avLst/>
+          </a:prstGeom>
+        </p:spPr>
+        <p:txBody>
+          <a:bodyPr wrap="none">
+            <a:spAutoFit/>
+          </a:bodyPr>
+          <a:lstStyle/>
+          <a:p>
+            <a:r>
+              <a:rPr lang="en-US" altLang="zh-CN" sz="2000" dirty="0"/>
+              <a:t>automatically create a </a:t>
+            </a:r>
+            <a:r>
+              <a:rPr lang="en-US" altLang="zh-CN" sz="2000" dirty="0" err="1"/>
+              <a:t>std</a:t>
+            </a:r>
+            <a:r>
+              <a:rPr lang="en-US" altLang="zh-CN" sz="2000" dirty="0"/>
+              <a:t>::array&lt;</a:t>
+            </a:r>
+            <a:r>
+              <a:rPr lang="en-US" altLang="zh-CN" sz="2000" dirty="0" err="1"/>
+              <a:t>std</a:t>
+            </a:r>
+            <a:r>
+              <a:rPr lang="en-US" altLang="zh-CN" sz="2000" dirty="0"/>
+              <a:t>::</a:t>
+            </a:r>
+            <a:r>
+              <a:rPr lang="en-US" altLang="zh-CN" sz="2000" dirty="0" err="1"/>
+              <a:t>string_view</a:t>
+            </a:r>
+            <a:r>
+              <a:rPr lang="en-US" altLang="zh-CN" sz="2000" dirty="0"/>
+              <a:t>, N&gt; of fields names </a:t>
+            </a:r>
+            <a:endParaRPr lang="zh-CN" altLang="en-US" sz="2000" dirty="0"/>
+          </a:p>
+        </p:txBody>
+      </p:sp>
+      <p:sp>
+        <p:nvSpPr>
+          <p:cNvPr id="10" name="矩形 9"/>
+          <p:cNvSpPr/>
+          <p:nvPr/>
+        </p:nvSpPr>
+        <p:spPr>
+          <a:xfrm>
+            <a:off x="1443950" y="3333661"/>
+            <a:ext cx="3058273" cy="400110"/>
+          </a:xfrm>
+          <a:prstGeom prst="rect">
+            <a:avLst/>
+          </a:prstGeom>
+        </p:spPr>
+        <p:txBody>
+          <a:bodyPr wrap="none">
+            <a:spAutoFit/>
+          </a:bodyPr>
+          <a:lstStyle/>
+          <a:p>
+            <a:r>
+              <a:rPr lang="en-US" altLang="zh-CN" sz="2000" dirty="0"/>
+              <a:t>automatically </a:t>
+            </a:r>
+            <a:r>
+              <a:rPr lang="en-US" altLang="zh-CN" sz="2000" dirty="0"/>
+              <a:t>pack all fields</a:t>
+            </a:r>
+            <a:endParaRPr lang="zh-CN" altLang="en-US" sz="2000" dirty="0"/>
           </a:p>
         </p:txBody>
       </p:sp>
     </p:spTree>
     <p:extLst>
       <p:ext uri="{BB962C8B-B14F-4D97-AF65-F5344CB8AC3E}">
-        <p14:creationId xmlns:p14="http://schemas.microsoft.com/office/powerpoint/2010/main" val="3920747289"/>
+        <p14:creationId xmlns:p14="http://schemas.microsoft.com/office/powerpoint/2010/main" val="3454132984"/>
       </p:ext>
     </p:extLst>
   </p:cSld>
@@ -21436,9 +21920,321 @@
   <p:timing>
     <p:tnLst>
       <p:par>
-        <p:cTn id="1" dur="indefinite" restart="never" nodeType="tmRoot"/>
+        <p:cTn id="1" dur="indefinite" restart="never" nodeType="tmRoot">
+          <p:childTnLst>
+            <p:seq concurrent="1" nextAc="seek">
+              <p:cTn id="2" dur="indefinite" nodeType="mainSeq">
+                <p:childTnLst>
+                  <p:par>
+                    <p:cTn id="3" fill="hold">
+                      <p:stCondLst>
+                        <p:cond delay="indefinite"/>
+                      </p:stCondLst>
+                      <p:childTnLst>
+                        <p:par>
+                          <p:cTn id="4" fill="hold">
+                            <p:stCondLst>
+                              <p:cond delay="0"/>
+                            </p:stCondLst>
+                            <p:childTnLst>
+                              <p:par>
+                                <p:cTn id="5" presetID="2" presetClass="entr" presetSubtype="4" fill="hold" grpId="0" nodeType="clickEffect">
+                                  <p:stCondLst>
+                                    <p:cond delay="0"/>
+                                  </p:stCondLst>
+                                  <p:childTnLst>
+                                    <p:set>
+                                      <p:cBhvr>
+                                        <p:cTn id="6" dur="1" fill="hold">
+                                          <p:stCondLst>
+                                            <p:cond delay="0"/>
+                                          </p:stCondLst>
+                                        </p:cTn>
+                                        <p:tgtEl>
+                                          <p:spTgt spid="9"/>
+                                        </p:tgtEl>
+                                        <p:attrNameLst>
+                                          <p:attrName>style.visibility</p:attrName>
+                                        </p:attrNameLst>
+                                      </p:cBhvr>
+                                      <p:to>
+                                        <p:strVal val="visible"/>
+                                      </p:to>
+                                    </p:set>
+                                    <p:anim calcmode="lin" valueType="num">
+                                      <p:cBhvr additive="base">
+                                        <p:cTn id="7" dur="500" fill="hold"/>
+                                        <p:tgtEl>
+                                          <p:spTgt spid="9"/>
+                                        </p:tgtEl>
+                                        <p:attrNameLst>
+                                          <p:attrName>ppt_x</p:attrName>
+                                        </p:attrNameLst>
+                                      </p:cBhvr>
+                                      <p:tavLst>
+                                        <p:tav tm="0">
+                                          <p:val>
+                                            <p:strVal val="#ppt_x"/>
+                                          </p:val>
+                                        </p:tav>
+                                        <p:tav tm="100000">
+                                          <p:val>
+                                            <p:strVal val="#ppt_x"/>
+                                          </p:val>
+                                        </p:tav>
+                                      </p:tavLst>
+                                    </p:anim>
+                                    <p:anim calcmode="lin" valueType="num">
+                                      <p:cBhvr additive="base">
+                                        <p:cTn id="8" dur="500" fill="hold"/>
+                                        <p:tgtEl>
+                                          <p:spTgt spid="9"/>
+                                        </p:tgtEl>
+                                        <p:attrNameLst>
+                                          <p:attrName>ppt_y</p:attrName>
+                                        </p:attrNameLst>
+                                      </p:cBhvr>
+                                      <p:tavLst>
+                                        <p:tav tm="0">
+                                          <p:val>
+                                            <p:strVal val="1+#ppt_h/2"/>
+                                          </p:val>
+                                        </p:tav>
+                                        <p:tav tm="100000">
+                                          <p:val>
+                                            <p:strVal val="#ppt_y"/>
+                                          </p:val>
+                                        </p:tav>
+                                      </p:tavLst>
+                                    </p:anim>
+                                  </p:childTnLst>
+                                </p:cTn>
+                              </p:par>
+                            </p:childTnLst>
+                          </p:cTn>
+                        </p:par>
+                      </p:childTnLst>
+                    </p:cTn>
+                  </p:par>
+                  <p:par>
+                    <p:cTn id="9" fill="hold">
+                      <p:stCondLst>
+                        <p:cond delay="indefinite"/>
+                      </p:stCondLst>
+                      <p:childTnLst>
+                        <p:par>
+                          <p:cTn id="10" fill="hold">
+                            <p:stCondLst>
+                              <p:cond delay="0"/>
+                            </p:stCondLst>
+                            <p:childTnLst>
+                              <p:par>
+                                <p:cTn id="11" presetID="2" presetClass="entr" presetSubtype="4" fill="hold" nodeType="clickEffect">
+                                  <p:stCondLst>
+                                    <p:cond delay="0"/>
+                                  </p:stCondLst>
+                                  <p:childTnLst>
+                                    <p:set>
+                                      <p:cBhvr>
+                                        <p:cTn id="12" dur="1" fill="hold">
+                                          <p:stCondLst>
+                                            <p:cond delay="0"/>
+                                          </p:stCondLst>
+                                        </p:cTn>
+                                        <p:tgtEl>
+                                          <p:spTgt spid="7">
+                                            <p:txEl>
+                                              <p:pRg st="2" end="2"/>
+                                            </p:txEl>
+                                          </p:spTgt>
+                                        </p:tgtEl>
+                                        <p:attrNameLst>
+                                          <p:attrName>style.visibility</p:attrName>
+                                        </p:attrNameLst>
+                                      </p:cBhvr>
+                                      <p:to>
+                                        <p:strVal val="visible"/>
+                                      </p:to>
+                                    </p:set>
+                                    <p:anim calcmode="lin" valueType="num">
+                                      <p:cBhvr additive="base">
+                                        <p:cTn id="13" dur="500" fill="hold"/>
+                                        <p:tgtEl>
+                                          <p:spTgt spid="7">
+                                            <p:txEl>
+                                              <p:pRg st="2" end="2"/>
+                                            </p:txEl>
+                                          </p:spTgt>
+                                        </p:tgtEl>
+                                        <p:attrNameLst>
+                                          <p:attrName>ppt_x</p:attrName>
+                                        </p:attrNameLst>
+                                      </p:cBhvr>
+                                      <p:tavLst>
+                                        <p:tav tm="0">
+                                          <p:val>
+                                            <p:strVal val="#ppt_x"/>
+                                          </p:val>
+                                        </p:tav>
+                                        <p:tav tm="100000">
+                                          <p:val>
+                                            <p:strVal val="#ppt_x"/>
+                                          </p:val>
+                                        </p:tav>
+                                      </p:tavLst>
+                                    </p:anim>
+                                    <p:anim calcmode="lin" valueType="num">
+                                      <p:cBhvr additive="base">
+                                        <p:cTn id="14" dur="500" fill="hold"/>
+                                        <p:tgtEl>
+                                          <p:spTgt spid="7">
+                                            <p:txEl>
+                                              <p:pRg st="2" end="2"/>
+                                            </p:txEl>
+                                          </p:spTgt>
+                                        </p:tgtEl>
+                                        <p:attrNameLst>
+                                          <p:attrName>ppt_y</p:attrName>
+                                        </p:attrNameLst>
+                                      </p:cBhvr>
+                                      <p:tavLst>
+                                        <p:tav tm="0">
+                                          <p:val>
+                                            <p:strVal val="1+#ppt_h/2"/>
+                                          </p:val>
+                                        </p:tav>
+                                        <p:tav tm="100000">
+                                          <p:val>
+                                            <p:strVal val="#ppt_y"/>
+                                          </p:val>
+                                        </p:tav>
+                                      </p:tavLst>
+                                    </p:anim>
+                                  </p:childTnLst>
+                                </p:cTn>
+                              </p:par>
+                            </p:childTnLst>
+                          </p:cTn>
+                        </p:par>
+                      </p:childTnLst>
+                    </p:cTn>
+                  </p:par>
+                  <p:par>
+                    <p:cTn id="15" fill="hold">
+                      <p:stCondLst>
+                        <p:cond delay="indefinite"/>
+                      </p:stCondLst>
+                      <p:childTnLst>
+                        <p:par>
+                          <p:cTn id="16" fill="hold">
+                            <p:stCondLst>
+                              <p:cond delay="0"/>
+                            </p:stCondLst>
+                            <p:childTnLst>
+                              <p:par>
+                                <p:cTn id="17" presetID="2" presetClass="entr" presetSubtype="4" fill="hold" grpId="0" nodeType="clickEffect">
+                                  <p:stCondLst>
+                                    <p:cond delay="0"/>
+                                  </p:stCondLst>
+                                  <p:childTnLst>
+                                    <p:set>
+                                      <p:cBhvr>
+                                        <p:cTn id="18" dur="1" fill="hold">
+                                          <p:stCondLst>
+                                            <p:cond delay="0"/>
+                                          </p:stCondLst>
+                                        </p:cTn>
+                                        <p:tgtEl>
+                                          <p:spTgt spid="10"/>
+                                        </p:tgtEl>
+                                        <p:attrNameLst>
+                                          <p:attrName>style.visibility</p:attrName>
+                                        </p:attrNameLst>
+                                      </p:cBhvr>
+                                      <p:to>
+                                        <p:strVal val="visible"/>
+                                      </p:to>
+                                    </p:set>
+                                    <p:anim calcmode="lin" valueType="num">
+                                      <p:cBhvr additive="base">
+                                        <p:cTn id="19" dur="500" fill="hold"/>
+                                        <p:tgtEl>
+                                          <p:spTgt spid="10"/>
+                                        </p:tgtEl>
+                                        <p:attrNameLst>
+                                          <p:attrName>ppt_x</p:attrName>
+                                        </p:attrNameLst>
+                                      </p:cBhvr>
+                                      <p:tavLst>
+                                        <p:tav tm="0">
+                                          <p:val>
+                                            <p:strVal val="#ppt_x"/>
+                                          </p:val>
+                                        </p:tav>
+                                        <p:tav tm="100000">
+                                          <p:val>
+                                            <p:strVal val="#ppt_x"/>
+                                          </p:val>
+                                        </p:tav>
+                                      </p:tavLst>
+                                    </p:anim>
+                                    <p:anim calcmode="lin" valueType="num">
+                                      <p:cBhvr additive="base">
+                                        <p:cTn id="20" dur="500" fill="hold"/>
+                                        <p:tgtEl>
+                                          <p:spTgt spid="10"/>
+                                        </p:tgtEl>
+                                        <p:attrNameLst>
+                                          <p:attrName>ppt_y</p:attrName>
+                                        </p:attrNameLst>
+                                      </p:cBhvr>
+                                      <p:tavLst>
+                                        <p:tav tm="0">
+                                          <p:val>
+                                            <p:strVal val="1+#ppt_h/2"/>
+                                          </p:val>
+                                        </p:tav>
+                                        <p:tav tm="100000">
+                                          <p:val>
+                                            <p:strVal val="#ppt_y"/>
+                                          </p:val>
+                                        </p:tav>
+                                      </p:tavLst>
+                                    </p:anim>
+                                  </p:childTnLst>
+                                </p:cTn>
+                              </p:par>
+                            </p:childTnLst>
+                          </p:cTn>
+                        </p:par>
+                      </p:childTnLst>
+                    </p:cTn>
+                  </p:par>
+                </p:childTnLst>
+              </p:cTn>
+              <p:prevCondLst>
+                <p:cond evt="onPrev" delay="0">
+                  <p:tgtEl>
+                    <p:sldTgt/>
+                  </p:tgtEl>
+                </p:cond>
+              </p:prevCondLst>
+              <p:nextCondLst>
+                <p:cond evt="onNext" delay="0">
+                  <p:tgtEl>
+                    <p:sldTgt/>
+                  </p:tgtEl>
+                </p:cond>
+              </p:nextCondLst>
+            </p:seq>
+          </p:childTnLst>
+        </p:cTn>
       </p:par>
     </p:tnLst>
+    <p:bldLst>
+      <p:bldP spid="9" grpId="0"/>
+      <p:bldP spid="10" grpId="0"/>
+    </p:bldLst>
   </p:timing>
 </p:sld>
 </file>
@@ -21462,61 +22258,1508 @@
       </p:grpSpPr>
       <p:sp>
         <p:nvSpPr>
-          <p:cNvPr id="2" name="标题 1"/>
-          <p:cNvSpPr>
-            <a:spLocks noGrp="1"/>
-          </p:cNvSpPr>
-          <p:nvPr>
-            <p:ph type="title"/>
-          </p:nvPr>
+          <p:cNvPr id="4" name="矩形 3"/>
+          <p:cNvSpPr/>
+          <p:nvPr/>
         </p:nvSpPr>
-        <p:spPr/>
+        <p:spPr>
+          <a:xfrm>
+            <a:off x="838200" y="847138"/>
+            <a:ext cx="10515599" cy="4524315"/>
+          </a:xfrm>
+          <a:prstGeom prst="rect">
+            <a:avLst/>
+          </a:prstGeom>
+        </p:spPr>
         <p:txBody>
-          <a:bodyPr/>
+          <a:bodyPr wrap="square">
+            <a:spAutoFit/>
+          </a:bodyPr>
           <a:lstStyle/>
           <a:p>
             <a:r>
-              <a:rPr lang="en-US" altLang="zh-CN" dirty="0"/>
-              <a:t>application of compile-time </a:t>
-            </a:r>
-            <a:r>
-              <a:rPr lang="en-US" altLang="zh-CN" dirty="0" smtClean="0"/>
-              <a:t>reflection</a:t>
-            </a:r>
-            <a:endParaRPr lang="zh-CN" altLang="en-US" dirty="0"/>
-          </a:p>
-        </p:txBody>
-      </p:sp>
-      <p:sp>
-        <p:nvSpPr>
-          <p:cNvPr id="3" name="内容占位符 2"/>
-          <p:cNvSpPr>
-            <a:spLocks noGrp="1"/>
-          </p:cNvSpPr>
-          <p:nvPr>
-            <p:ph idx="1"/>
-          </p:nvPr>
-        </p:nvSpPr>
-        <p:spPr/>
-        <p:txBody>
-          <a:bodyPr/>
-          <a:lstStyle/>
-          <a:p>
-            <a:r>
-              <a:rPr lang="en-US" altLang="zh-CN" dirty="0"/>
-              <a:t>Serialization</a:t>
-            </a:r>
-          </a:p>
-          <a:p>
-            <a:r>
-              <a:rPr lang="en-US" altLang="zh-CN" dirty="0"/>
-              <a:t>ORM(Object Relational Mapping)</a:t>
-            </a:r>
-          </a:p>
-          <a:p>
-            <a:r>
-              <a:rPr lang="en-US" altLang="zh-CN" dirty="0"/>
-              <a:t>DSL(domain-specific language)</a:t>
+              <a:rPr lang="en-US" altLang="zh-CN" dirty="0">
+                <a:solidFill>
+                  <a:srgbClr val="0000FF"/>
+                </a:solidFill>
+                <a:highlight>
+                  <a:srgbClr val="FFFFFF"/>
+                </a:highlight>
+                <a:latin typeface="新宋体" panose="02010609030101010101" pitchFamily="49" charset="-122"/>
+                <a:ea typeface="新宋体" panose="02010609030101010101" pitchFamily="49" charset="-122"/>
+              </a:rPr>
+              <a:t>template</a:t>
+            </a:r>
+            <a:r>
+              <a:rPr lang="en-US" altLang="zh-CN" dirty="0">
+                <a:solidFill>
+                  <a:srgbClr val="000000"/>
+                </a:solidFill>
+                <a:highlight>
+                  <a:srgbClr val="FFFFFF"/>
+                </a:highlight>
+                <a:latin typeface="新宋体" panose="02010609030101010101" pitchFamily="49" charset="-122"/>
+                <a:ea typeface="新宋体" panose="02010609030101010101" pitchFamily="49" charset="-122"/>
+              </a:rPr>
+              <a:t>&lt;</a:t>
+            </a:r>
+            <a:r>
+              <a:rPr lang="en-US" altLang="zh-CN" dirty="0" err="1">
+                <a:solidFill>
+                  <a:srgbClr val="0000FF"/>
+                </a:solidFill>
+                <a:highlight>
+                  <a:srgbClr val="FFFFFF"/>
+                </a:highlight>
+                <a:latin typeface="新宋体" panose="02010609030101010101" pitchFamily="49" charset="-122"/>
+                <a:ea typeface="新宋体" panose="02010609030101010101" pitchFamily="49" charset="-122"/>
+              </a:rPr>
+              <a:t>typename</a:t>
+            </a:r>
+            <a:r>
+              <a:rPr lang="en-US" altLang="zh-CN" dirty="0">
+                <a:solidFill>
+                  <a:srgbClr val="000000"/>
+                </a:solidFill>
+                <a:highlight>
+                  <a:srgbClr val="FFFFFF"/>
+                </a:highlight>
+                <a:latin typeface="新宋体" panose="02010609030101010101" pitchFamily="49" charset="-122"/>
+                <a:ea typeface="新宋体" panose="02010609030101010101" pitchFamily="49" charset="-122"/>
+              </a:rPr>
+              <a:t>&gt; </a:t>
+            </a:r>
+            <a:r>
+              <a:rPr lang="en-US" altLang="zh-CN" dirty="0" err="1">
+                <a:solidFill>
+                  <a:srgbClr val="0000FF"/>
+                </a:solidFill>
+                <a:highlight>
+                  <a:srgbClr val="FFFFFF"/>
+                </a:highlight>
+                <a:latin typeface="新宋体" panose="02010609030101010101" pitchFamily="49" charset="-122"/>
+                <a:ea typeface="新宋体" panose="02010609030101010101" pitchFamily="49" charset="-122"/>
+              </a:rPr>
+              <a:t>struct</a:t>
+            </a:r>
+            <a:r>
+              <a:rPr lang="en-US" altLang="zh-CN" dirty="0">
+                <a:solidFill>
+                  <a:srgbClr val="000000"/>
+                </a:solidFill>
+                <a:highlight>
+                  <a:srgbClr val="FFFFFF"/>
+                </a:highlight>
+                <a:latin typeface="新宋体" panose="02010609030101010101" pitchFamily="49" charset="-122"/>
+                <a:ea typeface="新宋体" panose="02010609030101010101" pitchFamily="49" charset="-122"/>
+              </a:rPr>
+              <a:t> </a:t>
+            </a:r>
+            <a:r>
+              <a:rPr lang="en-US" altLang="zh-CN" dirty="0">
+                <a:solidFill>
+                  <a:srgbClr val="2B91AF"/>
+                </a:solidFill>
+                <a:highlight>
+                  <a:srgbClr val="FFFFFF"/>
+                </a:highlight>
+                <a:latin typeface="新宋体" panose="02010609030101010101" pitchFamily="49" charset="-122"/>
+                <a:ea typeface="新宋体" panose="02010609030101010101" pitchFamily="49" charset="-122"/>
+              </a:rPr>
+              <a:t>Members</a:t>
+            </a:r>
+            <a:r>
+              <a:rPr lang="en-US" altLang="zh-CN" dirty="0">
+                <a:solidFill>
+                  <a:srgbClr val="000000"/>
+                </a:solidFill>
+                <a:highlight>
+                  <a:srgbClr val="FFFFFF"/>
+                </a:highlight>
+                <a:latin typeface="新宋体" panose="02010609030101010101" pitchFamily="49" charset="-122"/>
+                <a:ea typeface="新宋体" panose="02010609030101010101" pitchFamily="49" charset="-122"/>
+              </a:rPr>
+              <a:t> {};</a:t>
+            </a:r>
+          </a:p>
+          <a:p>
+            <a:endParaRPr lang="zh-CN" altLang="en-US" dirty="0">
+              <a:solidFill>
+                <a:srgbClr val="000000"/>
+              </a:solidFill>
+              <a:highlight>
+                <a:srgbClr val="FFFFFF"/>
+              </a:highlight>
+              <a:latin typeface="新宋体" panose="02010609030101010101" pitchFamily="49" charset="-122"/>
+              <a:ea typeface="新宋体" panose="02010609030101010101" pitchFamily="49" charset="-122"/>
+            </a:endParaRPr>
+          </a:p>
+          <a:p>
+            <a:r>
+              <a:rPr lang="en-US" altLang="zh-CN" dirty="0">
+                <a:solidFill>
+                  <a:srgbClr val="808080"/>
+                </a:solidFill>
+                <a:highlight>
+                  <a:srgbClr val="FFFFFF"/>
+                </a:highlight>
+                <a:latin typeface="新宋体" panose="02010609030101010101" pitchFamily="49" charset="-122"/>
+                <a:ea typeface="新宋体" panose="02010609030101010101" pitchFamily="49" charset="-122"/>
+              </a:rPr>
+              <a:t>#define</a:t>
+            </a:r>
+            <a:r>
+              <a:rPr lang="en-US" altLang="zh-CN" dirty="0">
+                <a:solidFill>
+                  <a:srgbClr val="000000"/>
+                </a:solidFill>
+                <a:highlight>
+                  <a:srgbClr val="FFFFFF"/>
+                </a:highlight>
+                <a:latin typeface="新宋体" panose="02010609030101010101" pitchFamily="49" charset="-122"/>
+                <a:ea typeface="新宋体" panose="02010609030101010101" pitchFamily="49" charset="-122"/>
+              </a:rPr>
+              <a:t> </a:t>
+            </a:r>
+            <a:r>
+              <a:rPr lang="en-US" altLang="zh-CN" dirty="0">
+                <a:solidFill>
+                  <a:srgbClr val="6F008A"/>
+                </a:solidFill>
+                <a:highlight>
+                  <a:srgbClr val="FFFFFF"/>
+                </a:highlight>
+                <a:latin typeface="新宋体" panose="02010609030101010101" pitchFamily="49" charset="-122"/>
+                <a:ea typeface="新宋体" panose="02010609030101010101" pitchFamily="49" charset="-122"/>
+              </a:rPr>
+              <a:t>MAKE_META_DATA_IMPL</a:t>
+            </a:r>
+            <a:r>
+              <a:rPr lang="en-US" altLang="zh-CN" dirty="0">
+                <a:solidFill>
+                  <a:srgbClr val="000000"/>
+                </a:solidFill>
+                <a:highlight>
+                  <a:srgbClr val="FFFFFF"/>
+                </a:highlight>
+                <a:latin typeface="新宋体" panose="02010609030101010101" pitchFamily="49" charset="-122"/>
+                <a:ea typeface="新宋体" panose="02010609030101010101" pitchFamily="49" charset="-122"/>
+              </a:rPr>
+              <a:t>(STRUCT_NAME, ...)\</a:t>
+            </a:r>
+          </a:p>
+          <a:p>
+            <a:r>
+              <a:rPr lang="en-US" altLang="zh-CN" dirty="0">
+                <a:solidFill>
+                  <a:srgbClr val="0000FF"/>
+                </a:solidFill>
+                <a:highlight>
+                  <a:srgbClr val="FFFFFF"/>
+                </a:highlight>
+                <a:latin typeface="新宋体" panose="02010609030101010101" pitchFamily="49" charset="-122"/>
+                <a:ea typeface="新宋体" panose="02010609030101010101" pitchFamily="49" charset="-122"/>
+              </a:rPr>
+              <a:t>template</a:t>
+            </a:r>
+            <a:r>
+              <a:rPr lang="en-US" altLang="zh-CN" dirty="0">
+                <a:solidFill>
+                  <a:srgbClr val="000000"/>
+                </a:solidFill>
+                <a:highlight>
+                  <a:srgbClr val="FFFFFF"/>
+                </a:highlight>
+                <a:latin typeface="新宋体" panose="02010609030101010101" pitchFamily="49" charset="-122"/>
+                <a:ea typeface="新宋体" panose="02010609030101010101" pitchFamily="49" charset="-122"/>
+              </a:rPr>
+              <a:t>&lt;&gt;</a:t>
+            </a:r>
+            <a:r>
+              <a:rPr lang="en-US" altLang="zh-CN" dirty="0" err="1">
+                <a:solidFill>
+                  <a:srgbClr val="0000FF"/>
+                </a:solidFill>
+                <a:highlight>
+                  <a:srgbClr val="FFFFFF"/>
+                </a:highlight>
+                <a:latin typeface="新宋体" panose="02010609030101010101" pitchFamily="49" charset="-122"/>
+                <a:ea typeface="新宋体" panose="02010609030101010101" pitchFamily="49" charset="-122"/>
+              </a:rPr>
+              <a:t>struct</a:t>
+            </a:r>
+            <a:r>
+              <a:rPr lang="en-US" altLang="zh-CN" dirty="0">
+                <a:solidFill>
+                  <a:srgbClr val="000000"/>
+                </a:solidFill>
+                <a:highlight>
+                  <a:srgbClr val="FFFFFF"/>
+                </a:highlight>
+                <a:latin typeface="新宋体" panose="02010609030101010101" pitchFamily="49" charset="-122"/>
+                <a:ea typeface="新宋体" panose="02010609030101010101" pitchFamily="49" charset="-122"/>
+              </a:rPr>
+              <a:t> Members&lt;STRUCT_NAME&gt;{\</a:t>
+            </a:r>
+          </a:p>
+          <a:p>
+            <a:r>
+              <a:rPr lang="en-US" altLang="zh-CN" dirty="0">
+                <a:solidFill>
+                  <a:srgbClr val="000000"/>
+                </a:solidFill>
+                <a:highlight>
+                  <a:srgbClr val="FFFFFF"/>
+                </a:highlight>
+                <a:latin typeface="新宋体" panose="02010609030101010101" pitchFamily="49" charset="-122"/>
+                <a:ea typeface="新宋体" panose="02010609030101010101" pitchFamily="49" charset="-122"/>
+              </a:rPr>
+              <a:t>    </a:t>
+            </a:r>
+            <a:r>
+              <a:rPr lang="en-US" altLang="zh-CN" dirty="0" err="1">
+                <a:solidFill>
+                  <a:srgbClr val="0000FF"/>
+                </a:solidFill>
+                <a:highlight>
+                  <a:srgbClr val="FFFFFF"/>
+                </a:highlight>
+                <a:latin typeface="新宋体" panose="02010609030101010101" pitchFamily="49" charset="-122"/>
+                <a:ea typeface="新宋体" panose="02010609030101010101" pitchFamily="49" charset="-122"/>
+              </a:rPr>
+              <a:t>constexpr</a:t>
+            </a:r>
+            <a:r>
+              <a:rPr lang="en-US" altLang="zh-CN" dirty="0">
+                <a:solidFill>
+                  <a:srgbClr val="000000"/>
+                </a:solidFill>
+                <a:highlight>
+                  <a:srgbClr val="FFFFFF"/>
+                </a:highlight>
+                <a:latin typeface="新宋体" panose="02010609030101010101" pitchFamily="49" charset="-122"/>
+                <a:ea typeface="新宋体" panose="02010609030101010101" pitchFamily="49" charset="-122"/>
+              </a:rPr>
+              <a:t> </a:t>
+            </a:r>
+            <a:r>
+              <a:rPr lang="en-US" altLang="zh-CN" dirty="0" err="1">
+                <a:solidFill>
+                  <a:srgbClr val="0000FF"/>
+                </a:solidFill>
+                <a:highlight>
+                  <a:srgbClr val="FFFFFF"/>
+                </a:highlight>
+                <a:latin typeface="新宋体" panose="02010609030101010101" pitchFamily="49" charset="-122"/>
+                <a:ea typeface="新宋体" panose="02010609030101010101" pitchFamily="49" charset="-122"/>
+              </a:rPr>
+              <a:t>decltype</a:t>
+            </a:r>
+            <a:r>
+              <a:rPr lang="en-US" altLang="zh-CN" dirty="0">
+                <a:solidFill>
+                  <a:srgbClr val="000000"/>
+                </a:solidFill>
+                <a:highlight>
+                  <a:srgbClr val="FFFFFF"/>
+                </a:highlight>
+                <a:latin typeface="新宋体" panose="02010609030101010101" pitchFamily="49" charset="-122"/>
+                <a:ea typeface="新宋体" panose="02010609030101010101" pitchFamily="49" charset="-122"/>
+              </a:rPr>
+              <a:t>(</a:t>
+            </a:r>
+            <a:r>
+              <a:rPr lang="en-US" altLang="zh-CN" dirty="0">
+                <a:solidFill>
+                  <a:srgbClr val="0000FF"/>
+                </a:solidFill>
+                <a:highlight>
+                  <a:srgbClr val="FFFFFF"/>
+                </a:highlight>
+                <a:latin typeface="新宋体" panose="02010609030101010101" pitchFamily="49" charset="-122"/>
+                <a:ea typeface="新宋体" panose="02010609030101010101" pitchFamily="49" charset="-122"/>
+              </a:rPr>
+              <a:t>auto</a:t>
+            </a:r>
+            <a:r>
+              <a:rPr lang="en-US" altLang="zh-CN" dirty="0">
+                <a:solidFill>
+                  <a:srgbClr val="000000"/>
+                </a:solidFill>
+                <a:highlight>
+                  <a:srgbClr val="FFFFFF"/>
+                </a:highlight>
+                <a:latin typeface="新宋体" panose="02010609030101010101" pitchFamily="49" charset="-122"/>
+                <a:ea typeface="新宋体" panose="02010609030101010101" pitchFamily="49" charset="-122"/>
+              </a:rPr>
+              <a:t>) </a:t>
+            </a:r>
+            <a:r>
+              <a:rPr lang="en-US" altLang="zh-CN" dirty="0">
+                <a:solidFill>
+                  <a:srgbClr val="0000FF"/>
+                </a:solidFill>
+                <a:highlight>
+                  <a:srgbClr val="FFFFFF"/>
+                </a:highlight>
+                <a:latin typeface="新宋体" panose="02010609030101010101" pitchFamily="49" charset="-122"/>
+                <a:ea typeface="新宋体" panose="02010609030101010101" pitchFamily="49" charset="-122"/>
+              </a:rPr>
+              <a:t>static</a:t>
+            </a:r>
+            <a:r>
+              <a:rPr lang="en-US" altLang="zh-CN" dirty="0">
+                <a:solidFill>
+                  <a:srgbClr val="000000"/>
+                </a:solidFill>
+                <a:highlight>
+                  <a:srgbClr val="FFFFFF"/>
+                </a:highlight>
+                <a:latin typeface="新宋体" panose="02010609030101010101" pitchFamily="49" charset="-122"/>
+                <a:ea typeface="新宋体" panose="02010609030101010101" pitchFamily="49" charset="-122"/>
+              </a:rPr>
+              <a:t> </a:t>
+            </a:r>
+            <a:r>
+              <a:rPr lang="en-US" altLang="zh-CN" dirty="0" err="1">
+                <a:solidFill>
+                  <a:srgbClr val="000000"/>
+                </a:solidFill>
+                <a:highlight>
+                  <a:srgbClr val="FFFFFF"/>
+                </a:highlight>
+                <a:latin typeface="新宋体" panose="02010609030101010101" pitchFamily="49" charset="-122"/>
+                <a:ea typeface="新宋体" panose="02010609030101010101" pitchFamily="49" charset="-122"/>
+              </a:rPr>
+              <a:t>apply_impl</a:t>
+            </a:r>
+            <a:r>
+              <a:rPr lang="en-US" altLang="zh-CN" dirty="0">
+                <a:solidFill>
+                  <a:srgbClr val="000000"/>
+                </a:solidFill>
+                <a:highlight>
+                  <a:srgbClr val="FFFFFF"/>
+                </a:highlight>
+                <a:latin typeface="新宋体" panose="02010609030101010101" pitchFamily="49" charset="-122"/>
+                <a:ea typeface="新宋体" panose="02010609030101010101" pitchFamily="49" charset="-122"/>
+              </a:rPr>
+              <a:t>(){\</a:t>
+            </a:r>
+          </a:p>
+          <a:p>
+            <a:r>
+              <a:rPr lang="en-US" altLang="zh-CN" dirty="0">
+                <a:solidFill>
+                  <a:srgbClr val="000000"/>
+                </a:solidFill>
+                <a:highlight>
+                  <a:srgbClr val="FFFFFF"/>
+                </a:highlight>
+                <a:latin typeface="新宋体" panose="02010609030101010101" pitchFamily="49" charset="-122"/>
+                <a:ea typeface="新宋体" panose="02010609030101010101" pitchFamily="49" charset="-122"/>
+              </a:rPr>
+              <a:t>            </a:t>
+            </a:r>
+            <a:r>
+              <a:rPr lang="en-US" altLang="zh-CN" dirty="0">
+                <a:solidFill>
+                  <a:srgbClr val="0000FF"/>
+                </a:solidFill>
+                <a:highlight>
+                  <a:srgbClr val="FFFFFF"/>
+                </a:highlight>
+                <a:latin typeface="新宋体" panose="02010609030101010101" pitchFamily="49" charset="-122"/>
+                <a:ea typeface="新宋体" panose="02010609030101010101" pitchFamily="49" charset="-122"/>
+              </a:rPr>
+              <a:t>return</a:t>
+            </a:r>
+            <a:r>
+              <a:rPr lang="en-US" altLang="zh-CN" dirty="0">
+                <a:solidFill>
+                  <a:srgbClr val="000000"/>
+                </a:solidFill>
+                <a:highlight>
+                  <a:srgbClr val="FFFFFF"/>
+                </a:highlight>
+                <a:latin typeface="新宋体" panose="02010609030101010101" pitchFamily="49" charset="-122"/>
+                <a:ea typeface="新宋体" panose="02010609030101010101" pitchFamily="49" charset="-122"/>
+              </a:rPr>
+              <a:t> </a:t>
+            </a:r>
+            <a:r>
+              <a:rPr lang="en-US" altLang="zh-CN" dirty="0" err="1">
+                <a:solidFill>
+                  <a:srgbClr val="000000"/>
+                </a:solidFill>
+                <a:highlight>
+                  <a:srgbClr val="FFFFFF"/>
+                </a:highlight>
+                <a:latin typeface="新宋体" panose="02010609030101010101" pitchFamily="49" charset="-122"/>
+                <a:ea typeface="新宋体" panose="02010609030101010101" pitchFamily="49" charset="-122"/>
+              </a:rPr>
+              <a:t>std</a:t>
+            </a:r>
+            <a:r>
+              <a:rPr lang="en-US" altLang="zh-CN" dirty="0">
+                <a:solidFill>
+                  <a:srgbClr val="000000"/>
+                </a:solidFill>
+                <a:highlight>
+                  <a:srgbClr val="FFFFFF"/>
+                </a:highlight>
+                <a:latin typeface="新宋体" panose="02010609030101010101" pitchFamily="49" charset="-122"/>
+                <a:ea typeface="新宋体" panose="02010609030101010101" pitchFamily="49" charset="-122"/>
+              </a:rPr>
+              <a:t>::</a:t>
+            </a:r>
+            <a:r>
+              <a:rPr lang="en-US" altLang="zh-CN" dirty="0" err="1">
+                <a:solidFill>
+                  <a:srgbClr val="000000"/>
+                </a:solidFill>
+                <a:highlight>
+                  <a:srgbClr val="FFFFFF"/>
+                </a:highlight>
+                <a:latin typeface="新宋体" panose="02010609030101010101" pitchFamily="49" charset="-122"/>
+                <a:ea typeface="新宋体" panose="02010609030101010101" pitchFamily="49" charset="-122"/>
+              </a:rPr>
+              <a:t>make_tuple</a:t>
+            </a:r>
+            <a:r>
+              <a:rPr lang="en-US" altLang="zh-CN" dirty="0">
+                <a:solidFill>
+                  <a:srgbClr val="000000"/>
+                </a:solidFill>
+                <a:highlight>
+                  <a:srgbClr val="FFFFFF"/>
+                </a:highlight>
+                <a:latin typeface="新宋体" panose="02010609030101010101" pitchFamily="49" charset="-122"/>
+                <a:ea typeface="新宋体" panose="02010609030101010101" pitchFamily="49" charset="-122"/>
+              </a:rPr>
+              <a:t>(__VA_ARGS__);\</a:t>
+            </a:r>
+          </a:p>
+          <a:p>
+            <a:r>
+              <a:rPr lang="en-US" altLang="zh-CN" dirty="0" smtClean="0">
+                <a:solidFill>
+                  <a:srgbClr val="000000"/>
+                </a:solidFill>
+                <a:highlight>
+                  <a:srgbClr val="FFFFFF"/>
+                </a:highlight>
+                <a:latin typeface="新宋体" panose="02010609030101010101" pitchFamily="49" charset="-122"/>
+                <a:ea typeface="新宋体" panose="02010609030101010101" pitchFamily="49" charset="-122"/>
+              </a:rPr>
+              <a:t>    }\</a:t>
+            </a:r>
+            <a:endParaRPr lang="en-US" altLang="zh-CN" dirty="0">
+              <a:solidFill>
+                <a:srgbClr val="000000"/>
+              </a:solidFill>
+              <a:highlight>
+                <a:srgbClr val="FFFFFF"/>
+              </a:highlight>
+              <a:latin typeface="新宋体" panose="02010609030101010101" pitchFamily="49" charset="-122"/>
+              <a:ea typeface="新宋体" panose="02010609030101010101" pitchFamily="49" charset="-122"/>
+            </a:endParaRPr>
+          </a:p>
+          <a:p>
+            <a:r>
+              <a:rPr lang="en-US" altLang="zh-CN" dirty="0" smtClean="0">
+                <a:solidFill>
+                  <a:srgbClr val="0000FF"/>
+                </a:solidFill>
+                <a:highlight>
+                  <a:srgbClr val="FFFFFF"/>
+                </a:highlight>
+                <a:latin typeface="新宋体" panose="02010609030101010101" pitchFamily="49" charset="-122"/>
+                <a:ea typeface="新宋体" panose="02010609030101010101" pitchFamily="49" charset="-122"/>
+              </a:rPr>
+              <a:t>    using</a:t>
+            </a:r>
+            <a:r>
+              <a:rPr lang="en-US" altLang="zh-CN" dirty="0" smtClean="0">
+                <a:solidFill>
+                  <a:srgbClr val="000000"/>
+                </a:solidFill>
+                <a:highlight>
+                  <a:srgbClr val="FFFFFF"/>
+                </a:highlight>
+                <a:latin typeface="新宋体" panose="02010609030101010101" pitchFamily="49" charset="-122"/>
+                <a:ea typeface="新宋体" panose="02010609030101010101" pitchFamily="49" charset="-122"/>
+              </a:rPr>
+              <a:t> </a:t>
+            </a:r>
+            <a:r>
+              <a:rPr lang="en-US" altLang="zh-CN" dirty="0" err="1">
+                <a:solidFill>
+                  <a:srgbClr val="000000"/>
+                </a:solidFill>
+                <a:highlight>
+                  <a:srgbClr val="FFFFFF"/>
+                </a:highlight>
+                <a:latin typeface="新宋体" panose="02010609030101010101" pitchFamily="49" charset="-122"/>
+                <a:ea typeface="新宋体" panose="02010609030101010101" pitchFamily="49" charset="-122"/>
+              </a:rPr>
+              <a:t>size_type</a:t>
+            </a:r>
+            <a:r>
+              <a:rPr lang="en-US" altLang="zh-CN" dirty="0">
+                <a:solidFill>
+                  <a:srgbClr val="000000"/>
+                </a:solidFill>
+                <a:highlight>
+                  <a:srgbClr val="FFFFFF"/>
+                </a:highlight>
+                <a:latin typeface="新宋体" panose="02010609030101010101" pitchFamily="49" charset="-122"/>
+                <a:ea typeface="新宋体" panose="02010609030101010101" pitchFamily="49" charset="-122"/>
+              </a:rPr>
+              <a:t> = </a:t>
+            </a:r>
+            <a:r>
+              <a:rPr lang="en-US" altLang="zh-CN" dirty="0" err="1">
+                <a:solidFill>
+                  <a:srgbClr val="000000"/>
+                </a:solidFill>
+                <a:highlight>
+                  <a:srgbClr val="FFFFFF"/>
+                </a:highlight>
+                <a:latin typeface="新宋体" panose="02010609030101010101" pitchFamily="49" charset="-122"/>
+                <a:ea typeface="新宋体" panose="02010609030101010101" pitchFamily="49" charset="-122"/>
+              </a:rPr>
+              <a:t>std</a:t>
+            </a:r>
+            <a:r>
+              <a:rPr lang="en-US" altLang="zh-CN" dirty="0">
+                <a:solidFill>
+                  <a:srgbClr val="000000"/>
+                </a:solidFill>
+                <a:highlight>
+                  <a:srgbClr val="FFFFFF"/>
+                </a:highlight>
+                <a:latin typeface="新宋体" panose="02010609030101010101" pitchFamily="49" charset="-122"/>
+                <a:ea typeface="新宋体" panose="02010609030101010101" pitchFamily="49" charset="-122"/>
+              </a:rPr>
+              <a:t>::</a:t>
+            </a:r>
+            <a:r>
+              <a:rPr lang="en-US" altLang="zh-CN" dirty="0" err="1">
+                <a:solidFill>
+                  <a:srgbClr val="000000"/>
+                </a:solidFill>
+                <a:highlight>
+                  <a:srgbClr val="FFFFFF"/>
+                </a:highlight>
+                <a:latin typeface="新宋体" panose="02010609030101010101" pitchFamily="49" charset="-122"/>
+                <a:ea typeface="新宋体" panose="02010609030101010101" pitchFamily="49" charset="-122"/>
+              </a:rPr>
+              <a:t>integral_constant</a:t>
+            </a:r>
+            <a:r>
+              <a:rPr lang="en-US" altLang="zh-CN" dirty="0">
+                <a:solidFill>
+                  <a:srgbClr val="000000"/>
+                </a:solidFill>
+                <a:highlight>
+                  <a:srgbClr val="FFFFFF"/>
+                </a:highlight>
+                <a:latin typeface="新宋体" panose="02010609030101010101" pitchFamily="49" charset="-122"/>
+                <a:ea typeface="新宋体" panose="02010609030101010101" pitchFamily="49" charset="-122"/>
+              </a:rPr>
+              <a:t>&lt;</a:t>
+            </a:r>
+            <a:r>
+              <a:rPr lang="en-US" altLang="zh-CN" dirty="0" err="1">
+                <a:solidFill>
+                  <a:srgbClr val="000000"/>
+                </a:solidFill>
+                <a:highlight>
+                  <a:srgbClr val="FFFFFF"/>
+                </a:highlight>
+                <a:latin typeface="新宋体" panose="02010609030101010101" pitchFamily="49" charset="-122"/>
+                <a:ea typeface="新宋体" panose="02010609030101010101" pitchFamily="49" charset="-122"/>
+              </a:rPr>
+              <a:t>size_t</a:t>
+            </a:r>
+            <a:r>
+              <a:rPr lang="en-US" altLang="zh-CN" dirty="0">
+                <a:solidFill>
+                  <a:srgbClr val="000000"/>
+                </a:solidFill>
+                <a:highlight>
+                  <a:srgbClr val="FFFFFF"/>
+                </a:highlight>
+                <a:latin typeface="新宋体" panose="02010609030101010101" pitchFamily="49" charset="-122"/>
+                <a:ea typeface="新宋体" panose="02010609030101010101" pitchFamily="49" charset="-122"/>
+              </a:rPr>
+              <a:t>, </a:t>
+            </a:r>
+            <a:r>
+              <a:rPr lang="en-US" altLang="zh-CN" dirty="0">
+                <a:solidFill>
+                  <a:srgbClr val="6F008A"/>
+                </a:solidFill>
+                <a:highlight>
+                  <a:srgbClr val="FFFFFF"/>
+                </a:highlight>
+                <a:latin typeface="新宋体" panose="02010609030101010101" pitchFamily="49" charset="-122"/>
+                <a:ea typeface="新宋体" panose="02010609030101010101" pitchFamily="49" charset="-122"/>
+              </a:rPr>
+              <a:t>GET_ARG_COUNT</a:t>
+            </a:r>
+            <a:r>
+              <a:rPr lang="en-US" altLang="zh-CN" dirty="0">
+                <a:solidFill>
+                  <a:srgbClr val="000000"/>
+                </a:solidFill>
+                <a:highlight>
+                  <a:srgbClr val="FFFFFF"/>
+                </a:highlight>
+                <a:latin typeface="新宋体" panose="02010609030101010101" pitchFamily="49" charset="-122"/>
+                <a:ea typeface="新宋体" panose="02010609030101010101" pitchFamily="49" charset="-122"/>
+              </a:rPr>
+              <a:t>(__VA_ARGS</a:t>
+            </a:r>
+            <a:r>
+              <a:rPr lang="en-US" altLang="zh-CN" dirty="0" smtClean="0">
+                <a:solidFill>
+                  <a:srgbClr val="000000"/>
+                </a:solidFill>
+                <a:highlight>
+                  <a:srgbClr val="FFFFFF"/>
+                </a:highlight>
+                <a:latin typeface="新宋体" panose="02010609030101010101" pitchFamily="49" charset="-122"/>
+                <a:ea typeface="新宋体" panose="02010609030101010101" pitchFamily="49" charset="-122"/>
+              </a:rPr>
+              <a:t>__)&gt;;\</a:t>
+            </a:r>
+            <a:endParaRPr lang="en-US" altLang="zh-CN" dirty="0">
+              <a:solidFill>
+                <a:srgbClr val="000000"/>
+              </a:solidFill>
+              <a:highlight>
+                <a:srgbClr val="FFFFFF"/>
+              </a:highlight>
+              <a:latin typeface="新宋体" panose="02010609030101010101" pitchFamily="49" charset="-122"/>
+              <a:ea typeface="新宋体" panose="02010609030101010101" pitchFamily="49" charset="-122"/>
+            </a:endParaRPr>
+          </a:p>
+          <a:p>
+            <a:r>
+              <a:rPr lang="en-US" altLang="zh-CN" dirty="0">
+                <a:solidFill>
+                  <a:srgbClr val="0000FF"/>
+                </a:solidFill>
+                <a:highlight>
+                  <a:srgbClr val="FFFFFF"/>
+                </a:highlight>
+                <a:latin typeface="新宋体" panose="02010609030101010101" pitchFamily="49" charset="-122"/>
+                <a:ea typeface="新宋体" panose="02010609030101010101" pitchFamily="49" charset="-122"/>
+              </a:rPr>
+              <a:t> </a:t>
+            </a:r>
+            <a:r>
+              <a:rPr lang="en-US" altLang="zh-CN" dirty="0" smtClean="0">
+                <a:solidFill>
+                  <a:srgbClr val="0000FF"/>
+                </a:solidFill>
+                <a:highlight>
+                  <a:srgbClr val="FFFFFF"/>
+                </a:highlight>
+                <a:latin typeface="新宋体" panose="02010609030101010101" pitchFamily="49" charset="-122"/>
+                <a:ea typeface="新宋体" panose="02010609030101010101" pitchFamily="49" charset="-122"/>
+              </a:rPr>
+              <a:t>   </a:t>
+            </a:r>
+            <a:r>
+              <a:rPr lang="en-US" altLang="zh-CN" dirty="0" err="1" smtClean="0">
+                <a:solidFill>
+                  <a:srgbClr val="0000FF"/>
+                </a:solidFill>
+                <a:highlight>
+                  <a:srgbClr val="FFFFFF"/>
+                </a:highlight>
+                <a:latin typeface="新宋体" panose="02010609030101010101" pitchFamily="49" charset="-122"/>
+                <a:ea typeface="新宋体" panose="02010609030101010101" pitchFamily="49" charset="-122"/>
+              </a:rPr>
+              <a:t>constexpr</a:t>
+            </a:r>
+            <a:r>
+              <a:rPr lang="en-US" altLang="zh-CN" dirty="0" smtClean="0">
+                <a:solidFill>
+                  <a:srgbClr val="000000"/>
+                </a:solidFill>
+                <a:highlight>
+                  <a:srgbClr val="FFFFFF"/>
+                </a:highlight>
+                <a:latin typeface="新宋体" panose="02010609030101010101" pitchFamily="49" charset="-122"/>
+                <a:ea typeface="新宋体" panose="02010609030101010101" pitchFamily="49" charset="-122"/>
+              </a:rPr>
+              <a:t> </a:t>
+            </a:r>
+            <a:r>
+              <a:rPr lang="en-US" altLang="zh-CN" dirty="0">
+                <a:solidFill>
+                  <a:srgbClr val="0000FF"/>
+                </a:solidFill>
+                <a:highlight>
+                  <a:srgbClr val="FFFFFF"/>
+                </a:highlight>
+                <a:latin typeface="新宋体" panose="02010609030101010101" pitchFamily="49" charset="-122"/>
+                <a:ea typeface="新宋体" panose="02010609030101010101" pitchFamily="49" charset="-122"/>
+              </a:rPr>
+              <a:t>static</a:t>
+            </a:r>
+            <a:r>
+              <a:rPr lang="en-US" altLang="zh-CN" dirty="0">
+                <a:solidFill>
+                  <a:srgbClr val="000000"/>
+                </a:solidFill>
+                <a:highlight>
+                  <a:srgbClr val="FFFFFF"/>
+                </a:highlight>
+                <a:latin typeface="新宋体" panose="02010609030101010101" pitchFamily="49" charset="-122"/>
+                <a:ea typeface="新宋体" panose="02010609030101010101" pitchFamily="49" charset="-122"/>
+              </a:rPr>
+              <a:t> </a:t>
+            </a:r>
+            <a:r>
+              <a:rPr lang="en-US" altLang="zh-CN" dirty="0" err="1">
+                <a:solidFill>
+                  <a:srgbClr val="000000"/>
+                </a:solidFill>
+                <a:highlight>
+                  <a:srgbClr val="FFFFFF"/>
+                </a:highlight>
+                <a:latin typeface="新宋体" panose="02010609030101010101" pitchFamily="49" charset="-122"/>
+                <a:ea typeface="新宋体" panose="02010609030101010101" pitchFamily="49" charset="-122"/>
+              </a:rPr>
+              <a:t>size_t</a:t>
+            </a:r>
+            <a:r>
+              <a:rPr lang="en-US" altLang="zh-CN" dirty="0">
+                <a:solidFill>
+                  <a:srgbClr val="000000"/>
+                </a:solidFill>
+                <a:highlight>
+                  <a:srgbClr val="FFFFFF"/>
+                </a:highlight>
+                <a:latin typeface="新宋体" panose="02010609030101010101" pitchFamily="49" charset="-122"/>
+                <a:ea typeface="新宋体" panose="02010609030101010101" pitchFamily="49" charset="-122"/>
+              </a:rPr>
+              <a:t> value() { </a:t>
+            </a:r>
+            <a:r>
+              <a:rPr lang="en-US" altLang="zh-CN" dirty="0">
+                <a:solidFill>
+                  <a:srgbClr val="0000FF"/>
+                </a:solidFill>
+                <a:highlight>
+                  <a:srgbClr val="FFFFFF"/>
+                </a:highlight>
+                <a:latin typeface="新宋体" panose="02010609030101010101" pitchFamily="49" charset="-122"/>
+                <a:ea typeface="新宋体" panose="02010609030101010101" pitchFamily="49" charset="-122"/>
+              </a:rPr>
+              <a:t>return</a:t>
+            </a:r>
+            <a:r>
+              <a:rPr lang="en-US" altLang="zh-CN" dirty="0">
+                <a:solidFill>
+                  <a:srgbClr val="000000"/>
+                </a:solidFill>
+                <a:highlight>
+                  <a:srgbClr val="FFFFFF"/>
+                </a:highlight>
+                <a:latin typeface="新宋体" panose="02010609030101010101" pitchFamily="49" charset="-122"/>
+                <a:ea typeface="新宋体" panose="02010609030101010101" pitchFamily="49" charset="-122"/>
+              </a:rPr>
+              <a:t> </a:t>
+            </a:r>
+            <a:r>
+              <a:rPr lang="en-US" altLang="zh-CN" dirty="0" err="1">
+                <a:solidFill>
+                  <a:srgbClr val="000000"/>
+                </a:solidFill>
+                <a:highlight>
+                  <a:srgbClr val="FFFFFF"/>
+                </a:highlight>
+                <a:latin typeface="新宋体" panose="02010609030101010101" pitchFamily="49" charset="-122"/>
+                <a:ea typeface="新宋体" panose="02010609030101010101" pitchFamily="49" charset="-122"/>
+              </a:rPr>
+              <a:t>size_type</a:t>
+            </a:r>
+            <a:r>
+              <a:rPr lang="en-US" altLang="zh-CN" dirty="0">
+                <a:solidFill>
+                  <a:srgbClr val="000000"/>
+                </a:solidFill>
+                <a:highlight>
+                  <a:srgbClr val="FFFFFF"/>
+                </a:highlight>
+                <a:latin typeface="新宋体" panose="02010609030101010101" pitchFamily="49" charset="-122"/>
+                <a:ea typeface="新宋体" panose="02010609030101010101" pitchFamily="49" charset="-122"/>
+              </a:rPr>
+              <a:t>::value; </a:t>
+            </a:r>
+            <a:r>
+              <a:rPr lang="en-US" altLang="zh-CN" dirty="0" smtClean="0">
+                <a:solidFill>
+                  <a:srgbClr val="000000"/>
+                </a:solidFill>
+                <a:highlight>
+                  <a:srgbClr val="FFFFFF"/>
+                </a:highlight>
+                <a:latin typeface="新宋体" panose="02010609030101010101" pitchFamily="49" charset="-122"/>
+                <a:ea typeface="新宋体" panose="02010609030101010101" pitchFamily="49" charset="-122"/>
+              </a:rPr>
+              <a:t>}\</a:t>
+            </a:r>
+          </a:p>
+          <a:p>
+            <a:r>
+              <a:rPr lang="en-US" altLang="zh-CN" dirty="0" smtClean="0">
+                <a:solidFill>
+                  <a:srgbClr val="0000FF"/>
+                </a:solidFill>
+                <a:highlight>
+                  <a:srgbClr val="FFFFFF"/>
+                </a:highlight>
+                <a:latin typeface="新宋体" panose="02010609030101010101" pitchFamily="49" charset="-122"/>
+                <a:ea typeface="新宋体" panose="02010609030101010101" pitchFamily="49" charset="-122"/>
+              </a:rPr>
+              <a:t>    </a:t>
+            </a:r>
+            <a:r>
+              <a:rPr lang="en-US" altLang="zh-CN" dirty="0" err="1" smtClean="0">
+                <a:solidFill>
+                  <a:srgbClr val="0000FF"/>
+                </a:solidFill>
+                <a:highlight>
+                  <a:srgbClr val="FFFFFF"/>
+                </a:highlight>
+                <a:latin typeface="新宋体" panose="02010609030101010101" pitchFamily="49" charset="-122"/>
+                <a:ea typeface="新宋体" panose="02010609030101010101" pitchFamily="49" charset="-122"/>
+              </a:rPr>
+              <a:t>constexpr</a:t>
+            </a:r>
+            <a:r>
+              <a:rPr lang="en-US" altLang="zh-CN" dirty="0" smtClean="0">
+                <a:solidFill>
+                  <a:srgbClr val="000000"/>
+                </a:solidFill>
+                <a:highlight>
+                  <a:srgbClr val="FFFFFF"/>
+                </a:highlight>
+                <a:latin typeface="新宋体" panose="02010609030101010101" pitchFamily="49" charset="-122"/>
+                <a:ea typeface="新宋体" panose="02010609030101010101" pitchFamily="49" charset="-122"/>
+              </a:rPr>
+              <a:t> </a:t>
+            </a:r>
+            <a:r>
+              <a:rPr lang="en-US" altLang="zh-CN" dirty="0">
+                <a:solidFill>
+                  <a:srgbClr val="0000FF"/>
+                </a:solidFill>
+                <a:highlight>
+                  <a:srgbClr val="FFFFFF"/>
+                </a:highlight>
+                <a:latin typeface="新宋体" panose="02010609030101010101" pitchFamily="49" charset="-122"/>
+                <a:ea typeface="新宋体" panose="02010609030101010101" pitchFamily="49" charset="-122"/>
+              </a:rPr>
+              <a:t>static</a:t>
+            </a:r>
+            <a:r>
+              <a:rPr lang="en-US" altLang="zh-CN" dirty="0">
+                <a:solidFill>
+                  <a:srgbClr val="000000"/>
+                </a:solidFill>
+                <a:highlight>
+                  <a:srgbClr val="FFFFFF"/>
+                </a:highlight>
+                <a:latin typeface="新宋体" panose="02010609030101010101" pitchFamily="49" charset="-122"/>
+                <a:ea typeface="新宋体" panose="02010609030101010101" pitchFamily="49" charset="-122"/>
+              </a:rPr>
+              <a:t> </a:t>
+            </a:r>
+            <a:r>
+              <a:rPr lang="en-US" altLang="zh-CN" dirty="0" err="1">
+                <a:solidFill>
+                  <a:srgbClr val="000000"/>
+                </a:solidFill>
+                <a:highlight>
+                  <a:srgbClr val="FFFFFF"/>
+                </a:highlight>
+                <a:latin typeface="新宋体" panose="02010609030101010101" pitchFamily="49" charset="-122"/>
+                <a:ea typeface="新宋体" panose="02010609030101010101" pitchFamily="49" charset="-122"/>
+              </a:rPr>
+              <a:t>std</a:t>
+            </a:r>
+            <a:r>
+              <a:rPr lang="en-US" altLang="zh-CN" dirty="0">
+                <a:solidFill>
+                  <a:srgbClr val="000000"/>
+                </a:solidFill>
+                <a:highlight>
+                  <a:srgbClr val="FFFFFF"/>
+                </a:highlight>
+                <a:latin typeface="新宋体" panose="02010609030101010101" pitchFamily="49" charset="-122"/>
+                <a:ea typeface="新宋体" panose="02010609030101010101" pitchFamily="49" charset="-122"/>
+              </a:rPr>
+              <a:t>::</a:t>
+            </a:r>
+            <a:r>
+              <a:rPr lang="en-US" altLang="zh-CN" dirty="0" err="1">
+                <a:solidFill>
+                  <a:srgbClr val="000000"/>
+                </a:solidFill>
+                <a:highlight>
+                  <a:srgbClr val="FFFFFF"/>
+                </a:highlight>
+                <a:latin typeface="新宋体" panose="02010609030101010101" pitchFamily="49" charset="-122"/>
+                <a:ea typeface="新宋体" panose="02010609030101010101" pitchFamily="49" charset="-122"/>
+              </a:rPr>
+              <a:t>string_view</a:t>
+            </a:r>
+            <a:r>
+              <a:rPr lang="en-US" altLang="zh-CN" dirty="0">
+                <a:solidFill>
+                  <a:srgbClr val="000000"/>
+                </a:solidFill>
+                <a:highlight>
+                  <a:srgbClr val="FFFFFF"/>
+                </a:highlight>
+                <a:latin typeface="新宋体" panose="02010609030101010101" pitchFamily="49" charset="-122"/>
+                <a:ea typeface="新宋体" panose="02010609030101010101" pitchFamily="49" charset="-122"/>
+              </a:rPr>
+              <a:t> name() {\</a:t>
+            </a:r>
+          </a:p>
+          <a:p>
+            <a:r>
+              <a:rPr lang="en-US" altLang="zh-CN" dirty="0">
+                <a:solidFill>
+                  <a:srgbClr val="000000"/>
+                </a:solidFill>
+                <a:highlight>
+                  <a:srgbClr val="FFFFFF"/>
+                </a:highlight>
+                <a:latin typeface="新宋体" panose="02010609030101010101" pitchFamily="49" charset="-122"/>
+                <a:ea typeface="新宋体" panose="02010609030101010101" pitchFamily="49" charset="-122"/>
+              </a:rPr>
+              <a:t>        </a:t>
+            </a:r>
+            <a:r>
+              <a:rPr lang="en-US" altLang="zh-CN" dirty="0">
+                <a:solidFill>
+                  <a:srgbClr val="0000FF"/>
+                </a:solidFill>
+                <a:highlight>
+                  <a:srgbClr val="FFFFFF"/>
+                </a:highlight>
+                <a:latin typeface="新宋体" panose="02010609030101010101" pitchFamily="49" charset="-122"/>
+                <a:ea typeface="新宋体" panose="02010609030101010101" pitchFamily="49" charset="-122"/>
+              </a:rPr>
+              <a:t>return</a:t>
+            </a:r>
+            <a:r>
+              <a:rPr lang="en-US" altLang="zh-CN" dirty="0">
+                <a:solidFill>
+                  <a:srgbClr val="000000"/>
+                </a:solidFill>
+                <a:highlight>
+                  <a:srgbClr val="FFFFFF"/>
+                </a:highlight>
+                <a:latin typeface="新宋体" panose="02010609030101010101" pitchFamily="49" charset="-122"/>
+                <a:ea typeface="新宋体" panose="02010609030101010101" pitchFamily="49" charset="-122"/>
+              </a:rPr>
+              <a:t> </a:t>
+            </a:r>
+            <a:r>
+              <a:rPr lang="en-US" altLang="zh-CN" dirty="0" err="1">
+                <a:solidFill>
+                  <a:srgbClr val="000000"/>
+                </a:solidFill>
+                <a:highlight>
+                  <a:srgbClr val="FFFFFF"/>
+                </a:highlight>
+                <a:latin typeface="新宋体" panose="02010609030101010101" pitchFamily="49" charset="-122"/>
+                <a:ea typeface="新宋体" panose="02010609030101010101" pitchFamily="49" charset="-122"/>
+              </a:rPr>
+              <a:t>std</a:t>
+            </a:r>
+            <a:r>
+              <a:rPr lang="en-US" altLang="zh-CN" dirty="0">
+                <a:solidFill>
+                  <a:srgbClr val="000000"/>
+                </a:solidFill>
+                <a:highlight>
+                  <a:srgbClr val="FFFFFF"/>
+                </a:highlight>
+                <a:latin typeface="新宋体" panose="02010609030101010101" pitchFamily="49" charset="-122"/>
+                <a:ea typeface="新宋体" panose="02010609030101010101" pitchFamily="49" charset="-122"/>
+              </a:rPr>
+              <a:t>::</a:t>
+            </a:r>
+            <a:r>
+              <a:rPr lang="en-US" altLang="zh-CN" dirty="0" err="1">
+                <a:solidFill>
+                  <a:srgbClr val="000000"/>
+                </a:solidFill>
+                <a:highlight>
+                  <a:srgbClr val="FFFFFF"/>
+                </a:highlight>
+                <a:latin typeface="新宋体" panose="02010609030101010101" pitchFamily="49" charset="-122"/>
+                <a:ea typeface="新宋体" panose="02010609030101010101" pitchFamily="49" charset="-122"/>
+              </a:rPr>
+              <a:t>string_view</a:t>
+            </a:r>
+            <a:r>
+              <a:rPr lang="en-US" altLang="zh-CN" dirty="0">
+                <a:solidFill>
+                  <a:srgbClr val="000000"/>
+                </a:solidFill>
+                <a:highlight>
+                  <a:srgbClr val="FFFFFF"/>
+                </a:highlight>
+                <a:latin typeface="新宋体" panose="02010609030101010101" pitchFamily="49" charset="-122"/>
+                <a:ea typeface="新宋体" panose="02010609030101010101" pitchFamily="49" charset="-122"/>
+              </a:rPr>
+              <a:t>(#STRUCT_NAME, </a:t>
+            </a:r>
+            <a:r>
+              <a:rPr lang="en-US" altLang="zh-CN" dirty="0" err="1">
+                <a:solidFill>
+                  <a:srgbClr val="0000FF"/>
+                </a:solidFill>
+                <a:highlight>
+                  <a:srgbClr val="FFFFFF"/>
+                </a:highlight>
+                <a:latin typeface="新宋体" panose="02010609030101010101" pitchFamily="49" charset="-122"/>
+                <a:ea typeface="新宋体" panose="02010609030101010101" pitchFamily="49" charset="-122"/>
+              </a:rPr>
+              <a:t>sizeof</a:t>
+            </a:r>
+            <a:r>
+              <a:rPr lang="en-US" altLang="zh-CN" dirty="0">
+                <a:solidFill>
+                  <a:srgbClr val="000000"/>
+                </a:solidFill>
+                <a:highlight>
+                  <a:srgbClr val="FFFFFF"/>
+                </a:highlight>
+                <a:latin typeface="新宋体" panose="02010609030101010101" pitchFamily="49" charset="-122"/>
+                <a:ea typeface="新宋体" panose="02010609030101010101" pitchFamily="49" charset="-122"/>
+              </a:rPr>
+              <a:t>(#STRUCT_NAME));\</a:t>
+            </a:r>
+          </a:p>
+          <a:p>
+            <a:r>
+              <a:rPr lang="en-US" altLang="zh-CN" dirty="0">
+                <a:solidFill>
+                  <a:srgbClr val="000000"/>
+                </a:solidFill>
+                <a:highlight>
+                  <a:srgbClr val="FFFFFF"/>
+                </a:highlight>
+                <a:latin typeface="新宋体" panose="02010609030101010101" pitchFamily="49" charset="-122"/>
+                <a:ea typeface="新宋体" panose="02010609030101010101" pitchFamily="49" charset="-122"/>
+              </a:rPr>
+              <a:t>    </a:t>
+            </a:r>
+            <a:r>
+              <a:rPr lang="en-US" altLang="zh-CN" dirty="0" smtClean="0">
+                <a:solidFill>
+                  <a:srgbClr val="000000"/>
+                </a:solidFill>
+                <a:highlight>
+                  <a:srgbClr val="FFFFFF"/>
+                </a:highlight>
+                <a:latin typeface="新宋体" panose="02010609030101010101" pitchFamily="49" charset="-122"/>
+                <a:ea typeface="新宋体" panose="02010609030101010101" pitchFamily="49" charset="-122"/>
+              </a:rPr>
+              <a:t>}\</a:t>
+            </a:r>
+            <a:endParaRPr lang="en-US" altLang="zh-CN" dirty="0">
+              <a:solidFill>
+                <a:srgbClr val="000000"/>
+              </a:solidFill>
+              <a:highlight>
+                <a:srgbClr val="FFFFFF"/>
+              </a:highlight>
+              <a:latin typeface="新宋体" panose="02010609030101010101" pitchFamily="49" charset="-122"/>
+              <a:ea typeface="新宋体" panose="02010609030101010101" pitchFamily="49" charset="-122"/>
+            </a:endParaRPr>
+          </a:p>
+          <a:p>
+            <a:r>
+              <a:rPr lang="en-US" altLang="zh-CN" dirty="0">
+                <a:solidFill>
+                  <a:srgbClr val="000000"/>
+                </a:solidFill>
+                <a:highlight>
+                  <a:srgbClr val="FFFFFF"/>
+                </a:highlight>
+                <a:latin typeface="新宋体" panose="02010609030101010101" pitchFamily="49" charset="-122"/>
+                <a:ea typeface="新宋体" panose="02010609030101010101" pitchFamily="49" charset="-122"/>
+              </a:rPr>
+              <a:t>    </a:t>
+            </a:r>
+            <a:r>
+              <a:rPr lang="en-US" altLang="zh-CN" dirty="0" err="1">
+                <a:solidFill>
+                  <a:srgbClr val="0000FF"/>
+                </a:solidFill>
+                <a:highlight>
+                  <a:srgbClr val="FFFFFF"/>
+                </a:highlight>
+                <a:latin typeface="新宋体" panose="02010609030101010101" pitchFamily="49" charset="-122"/>
+                <a:ea typeface="新宋体" panose="02010609030101010101" pitchFamily="49" charset="-122"/>
+              </a:rPr>
+              <a:t>constexpr</a:t>
+            </a:r>
+            <a:r>
+              <a:rPr lang="en-US" altLang="zh-CN" dirty="0">
+                <a:solidFill>
+                  <a:srgbClr val="000000"/>
+                </a:solidFill>
+                <a:highlight>
+                  <a:srgbClr val="FFFFFF"/>
+                </a:highlight>
+                <a:latin typeface="新宋体" panose="02010609030101010101" pitchFamily="49" charset="-122"/>
+                <a:ea typeface="新宋体" panose="02010609030101010101" pitchFamily="49" charset="-122"/>
+              </a:rPr>
+              <a:t> </a:t>
+            </a:r>
+            <a:r>
+              <a:rPr lang="en-US" altLang="zh-CN" dirty="0">
+                <a:solidFill>
+                  <a:srgbClr val="0000FF"/>
+                </a:solidFill>
+                <a:highlight>
+                  <a:srgbClr val="FFFFFF"/>
+                </a:highlight>
+                <a:latin typeface="新宋体" panose="02010609030101010101" pitchFamily="49" charset="-122"/>
+                <a:ea typeface="新宋体" panose="02010609030101010101" pitchFamily="49" charset="-122"/>
+              </a:rPr>
+              <a:t>static</a:t>
+            </a:r>
+            <a:r>
+              <a:rPr lang="en-US" altLang="zh-CN" dirty="0">
+                <a:solidFill>
+                  <a:srgbClr val="000000"/>
+                </a:solidFill>
+                <a:highlight>
+                  <a:srgbClr val="FFFFFF"/>
+                </a:highlight>
+                <a:latin typeface="新宋体" panose="02010609030101010101" pitchFamily="49" charset="-122"/>
+                <a:ea typeface="新宋体" panose="02010609030101010101" pitchFamily="49" charset="-122"/>
+              </a:rPr>
+              <a:t> </a:t>
+            </a:r>
+            <a:r>
+              <a:rPr lang="en-US" altLang="zh-CN" dirty="0" err="1">
+                <a:solidFill>
+                  <a:srgbClr val="000000"/>
+                </a:solidFill>
+                <a:highlight>
+                  <a:srgbClr val="FFFFFF"/>
+                </a:highlight>
+                <a:latin typeface="新宋体" panose="02010609030101010101" pitchFamily="49" charset="-122"/>
+                <a:ea typeface="新宋体" panose="02010609030101010101" pitchFamily="49" charset="-122"/>
+              </a:rPr>
+              <a:t>std</a:t>
+            </a:r>
+            <a:r>
+              <a:rPr lang="en-US" altLang="zh-CN" dirty="0">
+                <a:solidFill>
+                  <a:srgbClr val="000000"/>
+                </a:solidFill>
+                <a:highlight>
+                  <a:srgbClr val="FFFFFF"/>
+                </a:highlight>
+                <a:latin typeface="新宋体" panose="02010609030101010101" pitchFamily="49" charset="-122"/>
+                <a:ea typeface="新宋体" panose="02010609030101010101" pitchFamily="49" charset="-122"/>
+              </a:rPr>
+              <a:t>::</a:t>
+            </a:r>
+            <a:r>
+              <a:rPr lang="en-US" altLang="zh-CN" dirty="0">
+                <a:solidFill>
+                  <a:srgbClr val="0000FF"/>
+                </a:solidFill>
+                <a:highlight>
+                  <a:srgbClr val="FFFFFF"/>
+                </a:highlight>
+                <a:latin typeface="新宋体" panose="02010609030101010101" pitchFamily="49" charset="-122"/>
+                <a:ea typeface="新宋体" panose="02010609030101010101" pitchFamily="49" charset="-122"/>
+              </a:rPr>
+              <a:t>array</a:t>
+            </a:r>
+            <a:r>
+              <a:rPr lang="en-US" altLang="zh-CN" dirty="0">
+                <a:solidFill>
+                  <a:srgbClr val="000000"/>
+                </a:solidFill>
+                <a:highlight>
+                  <a:srgbClr val="FFFFFF"/>
+                </a:highlight>
+                <a:latin typeface="新宋体" panose="02010609030101010101" pitchFamily="49" charset="-122"/>
+                <a:ea typeface="新宋体" panose="02010609030101010101" pitchFamily="49" charset="-122"/>
+              </a:rPr>
+              <a:t>&lt;</a:t>
+            </a:r>
+            <a:r>
+              <a:rPr lang="en-US" altLang="zh-CN" dirty="0" err="1">
+                <a:solidFill>
+                  <a:srgbClr val="000000"/>
+                </a:solidFill>
+                <a:highlight>
+                  <a:srgbClr val="FFFFFF"/>
+                </a:highlight>
+                <a:latin typeface="新宋体" panose="02010609030101010101" pitchFamily="49" charset="-122"/>
+                <a:ea typeface="新宋体" panose="02010609030101010101" pitchFamily="49" charset="-122"/>
+              </a:rPr>
+              <a:t>std</a:t>
+            </a:r>
+            <a:r>
+              <a:rPr lang="en-US" altLang="zh-CN" dirty="0">
+                <a:solidFill>
+                  <a:srgbClr val="000000"/>
+                </a:solidFill>
+                <a:highlight>
+                  <a:srgbClr val="FFFFFF"/>
+                </a:highlight>
+                <a:latin typeface="新宋体" panose="02010609030101010101" pitchFamily="49" charset="-122"/>
+                <a:ea typeface="新宋体" panose="02010609030101010101" pitchFamily="49" charset="-122"/>
+              </a:rPr>
+              <a:t>::</a:t>
+            </a:r>
+            <a:r>
+              <a:rPr lang="en-US" altLang="zh-CN" dirty="0" err="1">
+                <a:solidFill>
+                  <a:srgbClr val="000000"/>
+                </a:solidFill>
+                <a:highlight>
+                  <a:srgbClr val="FFFFFF"/>
+                </a:highlight>
+                <a:latin typeface="新宋体" panose="02010609030101010101" pitchFamily="49" charset="-122"/>
+                <a:ea typeface="新宋体" panose="02010609030101010101" pitchFamily="49" charset="-122"/>
+              </a:rPr>
+              <a:t>string_view</a:t>
+            </a:r>
+            <a:r>
+              <a:rPr lang="en-US" altLang="zh-CN" dirty="0">
+                <a:solidFill>
+                  <a:srgbClr val="000000"/>
+                </a:solidFill>
+                <a:highlight>
+                  <a:srgbClr val="FFFFFF"/>
+                </a:highlight>
+                <a:latin typeface="新宋体" panose="02010609030101010101" pitchFamily="49" charset="-122"/>
+                <a:ea typeface="新宋体" panose="02010609030101010101" pitchFamily="49" charset="-122"/>
+              </a:rPr>
+              <a:t>, </a:t>
+            </a:r>
+            <a:r>
+              <a:rPr lang="en-US" altLang="zh-CN" dirty="0" err="1">
+                <a:solidFill>
+                  <a:srgbClr val="000000"/>
+                </a:solidFill>
+                <a:highlight>
+                  <a:srgbClr val="FFFFFF"/>
+                </a:highlight>
+                <a:latin typeface="新宋体" panose="02010609030101010101" pitchFamily="49" charset="-122"/>
+                <a:ea typeface="新宋体" panose="02010609030101010101" pitchFamily="49" charset="-122"/>
+              </a:rPr>
+              <a:t>size_type</a:t>
+            </a:r>
+            <a:r>
+              <a:rPr lang="en-US" altLang="zh-CN" dirty="0">
+                <a:solidFill>
+                  <a:srgbClr val="000000"/>
+                </a:solidFill>
+                <a:highlight>
+                  <a:srgbClr val="FFFFFF"/>
+                </a:highlight>
+                <a:latin typeface="新宋体" panose="02010609030101010101" pitchFamily="49" charset="-122"/>
+                <a:ea typeface="新宋体" panose="02010609030101010101" pitchFamily="49" charset="-122"/>
+              </a:rPr>
+              <a:t>::value&gt; </a:t>
+            </a:r>
+            <a:r>
+              <a:rPr lang="en-US" altLang="zh-CN" dirty="0" err="1">
+                <a:solidFill>
+                  <a:srgbClr val="000000"/>
+                </a:solidFill>
+                <a:highlight>
+                  <a:srgbClr val="FFFFFF"/>
+                </a:highlight>
+                <a:latin typeface="新宋体" panose="02010609030101010101" pitchFamily="49" charset="-122"/>
+                <a:ea typeface="新宋体" panose="02010609030101010101" pitchFamily="49" charset="-122"/>
+              </a:rPr>
+              <a:t>arr</a:t>
+            </a:r>
+            <a:r>
+              <a:rPr lang="en-US" altLang="zh-CN" dirty="0">
+                <a:solidFill>
+                  <a:srgbClr val="000000"/>
+                </a:solidFill>
+                <a:highlight>
+                  <a:srgbClr val="FFFFFF"/>
+                </a:highlight>
+                <a:latin typeface="新宋体" panose="02010609030101010101" pitchFamily="49" charset="-122"/>
+                <a:ea typeface="新宋体" panose="02010609030101010101" pitchFamily="49" charset="-122"/>
+              </a:rPr>
+              <a:t>() </a:t>
+            </a:r>
+            <a:r>
+              <a:rPr lang="en-US" altLang="zh-CN" dirty="0" smtClean="0">
+                <a:solidFill>
+                  <a:srgbClr val="000000"/>
+                </a:solidFill>
+                <a:highlight>
+                  <a:srgbClr val="FFFFFF"/>
+                </a:highlight>
+                <a:latin typeface="新宋体" panose="02010609030101010101" pitchFamily="49" charset="-122"/>
+                <a:ea typeface="新宋体" panose="02010609030101010101" pitchFamily="49" charset="-122"/>
+              </a:rPr>
+              <a:t>{\</a:t>
+            </a:r>
+          </a:p>
+          <a:p>
+            <a:r>
+              <a:rPr lang="en-US" altLang="zh-CN" dirty="0">
+                <a:solidFill>
+                  <a:srgbClr val="000000"/>
+                </a:solidFill>
+                <a:highlight>
+                  <a:srgbClr val="FFFFFF"/>
+                </a:highlight>
+                <a:latin typeface="新宋体" panose="02010609030101010101" pitchFamily="49" charset="-122"/>
+                <a:ea typeface="新宋体" panose="02010609030101010101" pitchFamily="49" charset="-122"/>
+              </a:rPr>
+              <a:t>	</a:t>
+            </a:r>
+            <a:r>
+              <a:rPr lang="en-US" altLang="zh-CN" dirty="0" smtClean="0">
+                <a:solidFill>
+                  <a:srgbClr val="0000FF"/>
+                </a:solidFill>
+                <a:highlight>
+                  <a:srgbClr val="FFFFFF"/>
+                </a:highlight>
+                <a:latin typeface="新宋体" panose="02010609030101010101" pitchFamily="49" charset="-122"/>
+                <a:ea typeface="新宋体" panose="02010609030101010101" pitchFamily="49" charset="-122"/>
+              </a:rPr>
+              <a:t>return</a:t>
+            </a:r>
+            <a:r>
+              <a:rPr lang="en-US" altLang="zh-CN" dirty="0" smtClean="0">
+                <a:solidFill>
+                  <a:srgbClr val="000000"/>
+                </a:solidFill>
+                <a:highlight>
+                  <a:srgbClr val="FFFFFF"/>
+                </a:highlight>
+                <a:latin typeface="新宋体" panose="02010609030101010101" pitchFamily="49" charset="-122"/>
+                <a:ea typeface="新宋体" panose="02010609030101010101" pitchFamily="49" charset="-122"/>
+              </a:rPr>
+              <a:t> </a:t>
+            </a:r>
+            <a:r>
+              <a:rPr lang="en-US" altLang="zh-CN" dirty="0" err="1">
+                <a:solidFill>
+                  <a:srgbClr val="000000"/>
+                </a:solidFill>
+                <a:highlight>
+                  <a:srgbClr val="FFFFFF"/>
+                </a:highlight>
+                <a:latin typeface="新宋体" panose="02010609030101010101" pitchFamily="49" charset="-122"/>
+                <a:ea typeface="新宋体" panose="02010609030101010101" pitchFamily="49" charset="-122"/>
+              </a:rPr>
+              <a:t>arr</a:t>
+            </a:r>
+            <a:r>
+              <a:rPr lang="en-US" altLang="zh-CN" dirty="0">
+                <a:solidFill>
+                  <a:srgbClr val="000000"/>
+                </a:solidFill>
+                <a:highlight>
+                  <a:srgbClr val="FFFFFF"/>
+                </a:highlight>
+                <a:latin typeface="新宋体" panose="02010609030101010101" pitchFamily="49" charset="-122"/>
+                <a:ea typeface="新宋体" panose="02010609030101010101" pitchFamily="49" charset="-122"/>
+              </a:rPr>
+              <a:t>_##STRUCT_NAME</a:t>
+            </a:r>
+            <a:r>
+              <a:rPr lang="en-US" altLang="zh-CN" dirty="0" smtClean="0">
+                <a:solidFill>
+                  <a:srgbClr val="000000"/>
+                </a:solidFill>
+                <a:highlight>
+                  <a:srgbClr val="FFFFFF"/>
+                </a:highlight>
+                <a:latin typeface="新宋体" panose="02010609030101010101" pitchFamily="49" charset="-122"/>
+                <a:ea typeface="新宋体" panose="02010609030101010101" pitchFamily="49" charset="-122"/>
+              </a:rPr>
+              <a:t>;\</a:t>
+            </a:r>
+          </a:p>
+          <a:p>
+            <a:r>
+              <a:rPr lang="en-US" altLang="zh-CN" dirty="0">
+                <a:solidFill>
+                  <a:srgbClr val="000000"/>
+                </a:solidFill>
+                <a:highlight>
+                  <a:srgbClr val="FFFFFF"/>
+                </a:highlight>
+                <a:latin typeface="新宋体" panose="02010609030101010101" pitchFamily="49" charset="-122"/>
+                <a:ea typeface="新宋体" panose="02010609030101010101" pitchFamily="49" charset="-122"/>
+              </a:rPr>
+              <a:t> </a:t>
+            </a:r>
+            <a:r>
+              <a:rPr lang="en-US" altLang="zh-CN" dirty="0" smtClean="0">
+                <a:solidFill>
+                  <a:srgbClr val="000000"/>
+                </a:solidFill>
+                <a:highlight>
+                  <a:srgbClr val="FFFFFF"/>
+                </a:highlight>
+                <a:latin typeface="新宋体" panose="02010609030101010101" pitchFamily="49" charset="-122"/>
+                <a:ea typeface="新宋体" panose="02010609030101010101" pitchFamily="49" charset="-122"/>
+              </a:rPr>
+              <a:t>   }\</a:t>
+            </a:r>
+            <a:endParaRPr lang="en-US" altLang="zh-CN" dirty="0">
+              <a:solidFill>
+                <a:srgbClr val="000000"/>
+              </a:solidFill>
+              <a:highlight>
+                <a:srgbClr val="FFFFFF"/>
+              </a:highlight>
+              <a:latin typeface="新宋体" panose="02010609030101010101" pitchFamily="49" charset="-122"/>
+              <a:ea typeface="新宋体" panose="02010609030101010101" pitchFamily="49" charset="-122"/>
+            </a:endParaRPr>
+          </a:p>
+          <a:p>
+            <a:r>
+              <a:rPr lang="en-US" altLang="zh-CN" dirty="0">
+                <a:solidFill>
+                  <a:srgbClr val="000000"/>
+                </a:solidFill>
+                <a:highlight>
+                  <a:srgbClr val="FFFFFF"/>
+                </a:highlight>
+                <a:latin typeface="新宋体" panose="02010609030101010101" pitchFamily="49" charset="-122"/>
+                <a:ea typeface="新宋体" panose="02010609030101010101" pitchFamily="49" charset="-122"/>
+              </a:rPr>
+              <a:t>};</a:t>
             </a:r>
             <a:endParaRPr lang="zh-CN" altLang="en-US" dirty="0"/>
           </a:p>
@@ -21525,7 +23768,7 @@
     </p:spTree>
     <p:extLst>
       <p:ext uri="{BB962C8B-B14F-4D97-AF65-F5344CB8AC3E}">
-        <p14:creationId xmlns:p14="http://schemas.microsoft.com/office/powerpoint/2010/main" val="3812572458"/>
+        <p14:creationId xmlns:p14="http://schemas.microsoft.com/office/powerpoint/2010/main" val="2279180565"/>
       </p:ext>
     </p:extLst>
   </p:cSld>
@@ -21535,7 +23778,849 @@
   <p:timing>
     <p:tnLst>
       <p:par>
-        <p:cTn id="1" dur="indefinite" restart="never" nodeType="tmRoot"/>
+        <p:cTn id="1" dur="indefinite" restart="never" nodeType="tmRoot">
+          <p:childTnLst>
+            <p:seq concurrent="1" nextAc="seek">
+              <p:cTn id="2" dur="indefinite" nodeType="mainSeq">
+                <p:childTnLst>
+                  <p:par>
+                    <p:cTn id="3" fill="hold">
+                      <p:stCondLst>
+                        <p:cond delay="indefinite"/>
+                      </p:stCondLst>
+                      <p:childTnLst>
+                        <p:par>
+                          <p:cTn id="4" fill="hold">
+                            <p:stCondLst>
+                              <p:cond delay="0"/>
+                            </p:stCondLst>
+                            <p:childTnLst>
+                              <p:par>
+                                <p:cTn id="5" presetID="2" presetClass="entr" presetSubtype="4" fill="hold" nodeType="clickEffect">
+                                  <p:stCondLst>
+                                    <p:cond delay="0"/>
+                                  </p:stCondLst>
+                                  <p:childTnLst>
+                                    <p:set>
+                                      <p:cBhvr>
+                                        <p:cTn id="6" dur="1" fill="hold">
+                                          <p:stCondLst>
+                                            <p:cond delay="0"/>
+                                          </p:stCondLst>
+                                        </p:cTn>
+                                        <p:tgtEl>
+                                          <p:spTgt spid="4">
+                                            <p:txEl>
+                                              <p:pRg st="7" end="7"/>
+                                            </p:txEl>
+                                          </p:spTgt>
+                                        </p:tgtEl>
+                                        <p:attrNameLst>
+                                          <p:attrName>style.visibility</p:attrName>
+                                        </p:attrNameLst>
+                                      </p:cBhvr>
+                                      <p:to>
+                                        <p:strVal val="visible"/>
+                                      </p:to>
+                                    </p:set>
+                                    <p:anim calcmode="lin" valueType="num">
+                                      <p:cBhvr additive="base">
+                                        <p:cTn id="7" dur="500" fill="hold"/>
+                                        <p:tgtEl>
+                                          <p:spTgt spid="4">
+                                            <p:txEl>
+                                              <p:pRg st="7" end="7"/>
+                                            </p:txEl>
+                                          </p:spTgt>
+                                        </p:tgtEl>
+                                        <p:attrNameLst>
+                                          <p:attrName>ppt_x</p:attrName>
+                                        </p:attrNameLst>
+                                      </p:cBhvr>
+                                      <p:tavLst>
+                                        <p:tav tm="0">
+                                          <p:val>
+                                            <p:strVal val="#ppt_x"/>
+                                          </p:val>
+                                        </p:tav>
+                                        <p:tav tm="100000">
+                                          <p:val>
+                                            <p:strVal val="#ppt_x"/>
+                                          </p:val>
+                                        </p:tav>
+                                      </p:tavLst>
+                                    </p:anim>
+                                    <p:anim calcmode="lin" valueType="num">
+                                      <p:cBhvr additive="base">
+                                        <p:cTn id="8" dur="500" fill="hold"/>
+                                        <p:tgtEl>
+                                          <p:spTgt spid="4">
+                                            <p:txEl>
+                                              <p:pRg st="7" end="7"/>
+                                            </p:txEl>
+                                          </p:spTgt>
+                                        </p:tgtEl>
+                                        <p:attrNameLst>
+                                          <p:attrName>ppt_y</p:attrName>
+                                        </p:attrNameLst>
+                                      </p:cBhvr>
+                                      <p:tavLst>
+                                        <p:tav tm="0">
+                                          <p:val>
+                                            <p:strVal val="1+#ppt_h/2"/>
+                                          </p:val>
+                                        </p:tav>
+                                        <p:tav tm="100000">
+                                          <p:val>
+                                            <p:strVal val="#ppt_y"/>
+                                          </p:val>
+                                        </p:tav>
+                                      </p:tavLst>
+                                    </p:anim>
+                                  </p:childTnLst>
+                                </p:cTn>
+                              </p:par>
+                              <p:par>
+                                <p:cTn id="9" presetID="2" presetClass="entr" presetSubtype="4" fill="hold" nodeType="withEffect">
+                                  <p:stCondLst>
+                                    <p:cond delay="0"/>
+                                  </p:stCondLst>
+                                  <p:childTnLst>
+                                    <p:set>
+                                      <p:cBhvr>
+                                        <p:cTn id="10" dur="1" fill="hold">
+                                          <p:stCondLst>
+                                            <p:cond delay="0"/>
+                                          </p:stCondLst>
+                                        </p:cTn>
+                                        <p:tgtEl>
+                                          <p:spTgt spid="4">
+                                            <p:txEl>
+                                              <p:pRg st="8" end="8"/>
+                                            </p:txEl>
+                                          </p:spTgt>
+                                        </p:tgtEl>
+                                        <p:attrNameLst>
+                                          <p:attrName>style.visibility</p:attrName>
+                                        </p:attrNameLst>
+                                      </p:cBhvr>
+                                      <p:to>
+                                        <p:strVal val="visible"/>
+                                      </p:to>
+                                    </p:set>
+                                    <p:anim calcmode="lin" valueType="num">
+                                      <p:cBhvr additive="base">
+                                        <p:cTn id="11" dur="500" fill="hold"/>
+                                        <p:tgtEl>
+                                          <p:spTgt spid="4">
+                                            <p:txEl>
+                                              <p:pRg st="8" end="8"/>
+                                            </p:txEl>
+                                          </p:spTgt>
+                                        </p:tgtEl>
+                                        <p:attrNameLst>
+                                          <p:attrName>ppt_x</p:attrName>
+                                        </p:attrNameLst>
+                                      </p:cBhvr>
+                                      <p:tavLst>
+                                        <p:tav tm="0">
+                                          <p:val>
+                                            <p:strVal val="#ppt_x"/>
+                                          </p:val>
+                                        </p:tav>
+                                        <p:tav tm="100000">
+                                          <p:val>
+                                            <p:strVal val="#ppt_x"/>
+                                          </p:val>
+                                        </p:tav>
+                                      </p:tavLst>
+                                    </p:anim>
+                                    <p:anim calcmode="lin" valueType="num">
+                                      <p:cBhvr additive="base">
+                                        <p:cTn id="12" dur="500" fill="hold"/>
+                                        <p:tgtEl>
+                                          <p:spTgt spid="4">
+                                            <p:txEl>
+                                              <p:pRg st="8" end="8"/>
+                                            </p:txEl>
+                                          </p:spTgt>
+                                        </p:tgtEl>
+                                        <p:attrNameLst>
+                                          <p:attrName>ppt_y</p:attrName>
+                                        </p:attrNameLst>
+                                      </p:cBhvr>
+                                      <p:tavLst>
+                                        <p:tav tm="0">
+                                          <p:val>
+                                            <p:strVal val="1+#ppt_h/2"/>
+                                          </p:val>
+                                        </p:tav>
+                                        <p:tav tm="100000">
+                                          <p:val>
+                                            <p:strVal val="#ppt_y"/>
+                                          </p:val>
+                                        </p:tav>
+                                      </p:tavLst>
+                                    </p:anim>
+                                  </p:childTnLst>
+                                </p:cTn>
+                              </p:par>
+                            </p:childTnLst>
+                          </p:cTn>
+                        </p:par>
+                      </p:childTnLst>
+                    </p:cTn>
+                  </p:par>
+                  <p:par>
+                    <p:cTn id="13" fill="hold">
+                      <p:stCondLst>
+                        <p:cond delay="indefinite"/>
+                      </p:stCondLst>
+                      <p:childTnLst>
+                        <p:par>
+                          <p:cTn id="14" fill="hold">
+                            <p:stCondLst>
+                              <p:cond delay="0"/>
+                            </p:stCondLst>
+                            <p:childTnLst>
+                              <p:par>
+                                <p:cTn id="15" presetID="2" presetClass="entr" presetSubtype="4" fill="hold" nodeType="clickEffect">
+                                  <p:stCondLst>
+                                    <p:cond delay="0"/>
+                                  </p:stCondLst>
+                                  <p:childTnLst>
+                                    <p:set>
+                                      <p:cBhvr>
+                                        <p:cTn id="16" dur="1" fill="hold">
+                                          <p:stCondLst>
+                                            <p:cond delay="0"/>
+                                          </p:stCondLst>
+                                        </p:cTn>
+                                        <p:tgtEl>
+                                          <p:spTgt spid="4">
+                                            <p:txEl>
+                                              <p:pRg st="9" end="9"/>
+                                            </p:txEl>
+                                          </p:spTgt>
+                                        </p:tgtEl>
+                                        <p:attrNameLst>
+                                          <p:attrName>style.visibility</p:attrName>
+                                        </p:attrNameLst>
+                                      </p:cBhvr>
+                                      <p:to>
+                                        <p:strVal val="visible"/>
+                                      </p:to>
+                                    </p:set>
+                                    <p:anim calcmode="lin" valueType="num">
+                                      <p:cBhvr additive="base">
+                                        <p:cTn id="17" dur="500" fill="hold"/>
+                                        <p:tgtEl>
+                                          <p:spTgt spid="4">
+                                            <p:txEl>
+                                              <p:pRg st="9" end="9"/>
+                                            </p:txEl>
+                                          </p:spTgt>
+                                        </p:tgtEl>
+                                        <p:attrNameLst>
+                                          <p:attrName>ppt_x</p:attrName>
+                                        </p:attrNameLst>
+                                      </p:cBhvr>
+                                      <p:tavLst>
+                                        <p:tav tm="0">
+                                          <p:val>
+                                            <p:strVal val="#ppt_x"/>
+                                          </p:val>
+                                        </p:tav>
+                                        <p:tav tm="100000">
+                                          <p:val>
+                                            <p:strVal val="#ppt_x"/>
+                                          </p:val>
+                                        </p:tav>
+                                      </p:tavLst>
+                                    </p:anim>
+                                    <p:anim calcmode="lin" valueType="num">
+                                      <p:cBhvr additive="base">
+                                        <p:cTn id="18" dur="500" fill="hold"/>
+                                        <p:tgtEl>
+                                          <p:spTgt spid="4">
+                                            <p:txEl>
+                                              <p:pRg st="9" end="9"/>
+                                            </p:txEl>
+                                          </p:spTgt>
+                                        </p:tgtEl>
+                                        <p:attrNameLst>
+                                          <p:attrName>ppt_y</p:attrName>
+                                        </p:attrNameLst>
+                                      </p:cBhvr>
+                                      <p:tavLst>
+                                        <p:tav tm="0">
+                                          <p:val>
+                                            <p:strVal val="1+#ppt_h/2"/>
+                                          </p:val>
+                                        </p:tav>
+                                        <p:tav tm="100000">
+                                          <p:val>
+                                            <p:strVal val="#ppt_y"/>
+                                          </p:val>
+                                        </p:tav>
+                                      </p:tavLst>
+                                    </p:anim>
+                                  </p:childTnLst>
+                                </p:cTn>
+                              </p:par>
+                              <p:par>
+                                <p:cTn id="19" presetID="2" presetClass="entr" presetSubtype="4" fill="hold" nodeType="withEffect">
+                                  <p:stCondLst>
+                                    <p:cond delay="0"/>
+                                  </p:stCondLst>
+                                  <p:childTnLst>
+                                    <p:set>
+                                      <p:cBhvr>
+                                        <p:cTn id="20" dur="1" fill="hold">
+                                          <p:stCondLst>
+                                            <p:cond delay="0"/>
+                                          </p:stCondLst>
+                                        </p:cTn>
+                                        <p:tgtEl>
+                                          <p:spTgt spid="4">
+                                            <p:txEl>
+                                              <p:pRg st="10" end="10"/>
+                                            </p:txEl>
+                                          </p:spTgt>
+                                        </p:tgtEl>
+                                        <p:attrNameLst>
+                                          <p:attrName>style.visibility</p:attrName>
+                                        </p:attrNameLst>
+                                      </p:cBhvr>
+                                      <p:to>
+                                        <p:strVal val="visible"/>
+                                      </p:to>
+                                    </p:set>
+                                    <p:anim calcmode="lin" valueType="num">
+                                      <p:cBhvr additive="base">
+                                        <p:cTn id="21" dur="500" fill="hold"/>
+                                        <p:tgtEl>
+                                          <p:spTgt spid="4">
+                                            <p:txEl>
+                                              <p:pRg st="10" end="10"/>
+                                            </p:txEl>
+                                          </p:spTgt>
+                                        </p:tgtEl>
+                                        <p:attrNameLst>
+                                          <p:attrName>ppt_x</p:attrName>
+                                        </p:attrNameLst>
+                                      </p:cBhvr>
+                                      <p:tavLst>
+                                        <p:tav tm="0">
+                                          <p:val>
+                                            <p:strVal val="#ppt_x"/>
+                                          </p:val>
+                                        </p:tav>
+                                        <p:tav tm="100000">
+                                          <p:val>
+                                            <p:strVal val="#ppt_x"/>
+                                          </p:val>
+                                        </p:tav>
+                                      </p:tavLst>
+                                    </p:anim>
+                                    <p:anim calcmode="lin" valueType="num">
+                                      <p:cBhvr additive="base">
+                                        <p:cTn id="22" dur="500" fill="hold"/>
+                                        <p:tgtEl>
+                                          <p:spTgt spid="4">
+                                            <p:txEl>
+                                              <p:pRg st="10" end="10"/>
+                                            </p:txEl>
+                                          </p:spTgt>
+                                        </p:tgtEl>
+                                        <p:attrNameLst>
+                                          <p:attrName>ppt_y</p:attrName>
+                                        </p:attrNameLst>
+                                      </p:cBhvr>
+                                      <p:tavLst>
+                                        <p:tav tm="0">
+                                          <p:val>
+                                            <p:strVal val="1+#ppt_h/2"/>
+                                          </p:val>
+                                        </p:tav>
+                                        <p:tav tm="100000">
+                                          <p:val>
+                                            <p:strVal val="#ppt_y"/>
+                                          </p:val>
+                                        </p:tav>
+                                      </p:tavLst>
+                                    </p:anim>
+                                  </p:childTnLst>
+                                </p:cTn>
+                              </p:par>
+                              <p:par>
+                                <p:cTn id="23" presetID="2" presetClass="entr" presetSubtype="4" fill="hold" nodeType="withEffect">
+                                  <p:stCondLst>
+                                    <p:cond delay="0"/>
+                                  </p:stCondLst>
+                                  <p:childTnLst>
+                                    <p:set>
+                                      <p:cBhvr>
+                                        <p:cTn id="24" dur="1" fill="hold">
+                                          <p:stCondLst>
+                                            <p:cond delay="0"/>
+                                          </p:stCondLst>
+                                        </p:cTn>
+                                        <p:tgtEl>
+                                          <p:spTgt spid="4">
+                                            <p:txEl>
+                                              <p:pRg st="11" end="11"/>
+                                            </p:txEl>
+                                          </p:spTgt>
+                                        </p:tgtEl>
+                                        <p:attrNameLst>
+                                          <p:attrName>style.visibility</p:attrName>
+                                        </p:attrNameLst>
+                                      </p:cBhvr>
+                                      <p:to>
+                                        <p:strVal val="visible"/>
+                                      </p:to>
+                                    </p:set>
+                                    <p:anim calcmode="lin" valueType="num">
+                                      <p:cBhvr additive="base">
+                                        <p:cTn id="25" dur="500" fill="hold"/>
+                                        <p:tgtEl>
+                                          <p:spTgt spid="4">
+                                            <p:txEl>
+                                              <p:pRg st="11" end="11"/>
+                                            </p:txEl>
+                                          </p:spTgt>
+                                        </p:tgtEl>
+                                        <p:attrNameLst>
+                                          <p:attrName>ppt_x</p:attrName>
+                                        </p:attrNameLst>
+                                      </p:cBhvr>
+                                      <p:tavLst>
+                                        <p:tav tm="0">
+                                          <p:val>
+                                            <p:strVal val="#ppt_x"/>
+                                          </p:val>
+                                        </p:tav>
+                                        <p:tav tm="100000">
+                                          <p:val>
+                                            <p:strVal val="#ppt_x"/>
+                                          </p:val>
+                                        </p:tav>
+                                      </p:tavLst>
+                                    </p:anim>
+                                    <p:anim calcmode="lin" valueType="num">
+                                      <p:cBhvr additive="base">
+                                        <p:cTn id="26" dur="500" fill="hold"/>
+                                        <p:tgtEl>
+                                          <p:spTgt spid="4">
+                                            <p:txEl>
+                                              <p:pRg st="11" end="11"/>
+                                            </p:txEl>
+                                          </p:spTgt>
+                                        </p:tgtEl>
+                                        <p:attrNameLst>
+                                          <p:attrName>ppt_y</p:attrName>
+                                        </p:attrNameLst>
+                                      </p:cBhvr>
+                                      <p:tavLst>
+                                        <p:tav tm="0">
+                                          <p:val>
+                                            <p:strVal val="1+#ppt_h/2"/>
+                                          </p:val>
+                                        </p:tav>
+                                        <p:tav tm="100000">
+                                          <p:val>
+                                            <p:strVal val="#ppt_y"/>
+                                          </p:val>
+                                        </p:tav>
+                                      </p:tavLst>
+                                    </p:anim>
+                                  </p:childTnLst>
+                                </p:cTn>
+                              </p:par>
+                            </p:childTnLst>
+                          </p:cTn>
+                        </p:par>
+                      </p:childTnLst>
+                    </p:cTn>
+                  </p:par>
+                  <p:par>
+                    <p:cTn id="27" fill="hold">
+                      <p:stCondLst>
+                        <p:cond delay="indefinite"/>
+                      </p:stCondLst>
+                      <p:childTnLst>
+                        <p:par>
+                          <p:cTn id="28" fill="hold">
+                            <p:stCondLst>
+                              <p:cond delay="0"/>
+                            </p:stCondLst>
+                            <p:childTnLst>
+                              <p:par>
+                                <p:cTn id="29" presetID="2" presetClass="entr" presetSubtype="4" fill="hold" nodeType="clickEffect">
+                                  <p:stCondLst>
+                                    <p:cond delay="0"/>
+                                  </p:stCondLst>
+                                  <p:childTnLst>
+                                    <p:set>
+                                      <p:cBhvr>
+                                        <p:cTn id="30" dur="1" fill="hold">
+                                          <p:stCondLst>
+                                            <p:cond delay="0"/>
+                                          </p:stCondLst>
+                                        </p:cTn>
+                                        <p:tgtEl>
+                                          <p:spTgt spid="4">
+                                            <p:txEl>
+                                              <p:pRg st="12" end="12"/>
+                                            </p:txEl>
+                                          </p:spTgt>
+                                        </p:tgtEl>
+                                        <p:attrNameLst>
+                                          <p:attrName>style.visibility</p:attrName>
+                                        </p:attrNameLst>
+                                      </p:cBhvr>
+                                      <p:to>
+                                        <p:strVal val="visible"/>
+                                      </p:to>
+                                    </p:set>
+                                    <p:anim calcmode="lin" valueType="num">
+                                      <p:cBhvr additive="base">
+                                        <p:cTn id="31" dur="500" fill="hold"/>
+                                        <p:tgtEl>
+                                          <p:spTgt spid="4">
+                                            <p:txEl>
+                                              <p:pRg st="12" end="12"/>
+                                            </p:txEl>
+                                          </p:spTgt>
+                                        </p:tgtEl>
+                                        <p:attrNameLst>
+                                          <p:attrName>ppt_x</p:attrName>
+                                        </p:attrNameLst>
+                                      </p:cBhvr>
+                                      <p:tavLst>
+                                        <p:tav tm="0">
+                                          <p:val>
+                                            <p:strVal val="#ppt_x"/>
+                                          </p:val>
+                                        </p:tav>
+                                        <p:tav tm="100000">
+                                          <p:val>
+                                            <p:strVal val="#ppt_x"/>
+                                          </p:val>
+                                        </p:tav>
+                                      </p:tavLst>
+                                    </p:anim>
+                                    <p:anim calcmode="lin" valueType="num">
+                                      <p:cBhvr additive="base">
+                                        <p:cTn id="32" dur="500" fill="hold"/>
+                                        <p:tgtEl>
+                                          <p:spTgt spid="4">
+                                            <p:txEl>
+                                              <p:pRg st="12" end="12"/>
+                                            </p:txEl>
+                                          </p:spTgt>
+                                        </p:tgtEl>
+                                        <p:attrNameLst>
+                                          <p:attrName>ppt_y</p:attrName>
+                                        </p:attrNameLst>
+                                      </p:cBhvr>
+                                      <p:tavLst>
+                                        <p:tav tm="0">
+                                          <p:val>
+                                            <p:strVal val="1+#ppt_h/2"/>
+                                          </p:val>
+                                        </p:tav>
+                                        <p:tav tm="100000">
+                                          <p:val>
+                                            <p:strVal val="#ppt_y"/>
+                                          </p:val>
+                                        </p:tav>
+                                      </p:tavLst>
+                                    </p:anim>
+                                  </p:childTnLst>
+                                </p:cTn>
+                              </p:par>
+                              <p:par>
+                                <p:cTn id="33" presetID="2" presetClass="entr" presetSubtype="4" fill="hold" nodeType="withEffect">
+                                  <p:stCondLst>
+                                    <p:cond delay="0"/>
+                                  </p:stCondLst>
+                                  <p:childTnLst>
+                                    <p:set>
+                                      <p:cBhvr>
+                                        <p:cTn id="34" dur="1" fill="hold">
+                                          <p:stCondLst>
+                                            <p:cond delay="0"/>
+                                          </p:stCondLst>
+                                        </p:cTn>
+                                        <p:tgtEl>
+                                          <p:spTgt spid="4">
+                                            <p:txEl>
+                                              <p:pRg st="13" end="13"/>
+                                            </p:txEl>
+                                          </p:spTgt>
+                                        </p:tgtEl>
+                                        <p:attrNameLst>
+                                          <p:attrName>style.visibility</p:attrName>
+                                        </p:attrNameLst>
+                                      </p:cBhvr>
+                                      <p:to>
+                                        <p:strVal val="visible"/>
+                                      </p:to>
+                                    </p:set>
+                                    <p:anim calcmode="lin" valueType="num">
+                                      <p:cBhvr additive="base">
+                                        <p:cTn id="35" dur="500" fill="hold"/>
+                                        <p:tgtEl>
+                                          <p:spTgt spid="4">
+                                            <p:txEl>
+                                              <p:pRg st="13" end="13"/>
+                                            </p:txEl>
+                                          </p:spTgt>
+                                        </p:tgtEl>
+                                        <p:attrNameLst>
+                                          <p:attrName>ppt_x</p:attrName>
+                                        </p:attrNameLst>
+                                      </p:cBhvr>
+                                      <p:tavLst>
+                                        <p:tav tm="0">
+                                          <p:val>
+                                            <p:strVal val="#ppt_x"/>
+                                          </p:val>
+                                        </p:tav>
+                                        <p:tav tm="100000">
+                                          <p:val>
+                                            <p:strVal val="#ppt_x"/>
+                                          </p:val>
+                                        </p:tav>
+                                      </p:tavLst>
+                                    </p:anim>
+                                    <p:anim calcmode="lin" valueType="num">
+                                      <p:cBhvr additive="base">
+                                        <p:cTn id="36" dur="500" fill="hold"/>
+                                        <p:tgtEl>
+                                          <p:spTgt spid="4">
+                                            <p:txEl>
+                                              <p:pRg st="13" end="13"/>
+                                            </p:txEl>
+                                          </p:spTgt>
+                                        </p:tgtEl>
+                                        <p:attrNameLst>
+                                          <p:attrName>ppt_y</p:attrName>
+                                        </p:attrNameLst>
+                                      </p:cBhvr>
+                                      <p:tavLst>
+                                        <p:tav tm="0">
+                                          <p:val>
+                                            <p:strVal val="1+#ppt_h/2"/>
+                                          </p:val>
+                                        </p:tav>
+                                        <p:tav tm="100000">
+                                          <p:val>
+                                            <p:strVal val="#ppt_y"/>
+                                          </p:val>
+                                        </p:tav>
+                                      </p:tavLst>
+                                    </p:anim>
+                                  </p:childTnLst>
+                                </p:cTn>
+                              </p:par>
+                              <p:par>
+                                <p:cTn id="37" presetID="2" presetClass="entr" presetSubtype="4" fill="hold" nodeType="withEffect">
+                                  <p:stCondLst>
+                                    <p:cond delay="0"/>
+                                  </p:stCondLst>
+                                  <p:childTnLst>
+                                    <p:set>
+                                      <p:cBhvr>
+                                        <p:cTn id="38" dur="1" fill="hold">
+                                          <p:stCondLst>
+                                            <p:cond delay="0"/>
+                                          </p:stCondLst>
+                                        </p:cTn>
+                                        <p:tgtEl>
+                                          <p:spTgt spid="4">
+                                            <p:txEl>
+                                              <p:pRg st="14" end="14"/>
+                                            </p:txEl>
+                                          </p:spTgt>
+                                        </p:tgtEl>
+                                        <p:attrNameLst>
+                                          <p:attrName>style.visibility</p:attrName>
+                                        </p:attrNameLst>
+                                      </p:cBhvr>
+                                      <p:to>
+                                        <p:strVal val="visible"/>
+                                      </p:to>
+                                    </p:set>
+                                    <p:anim calcmode="lin" valueType="num">
+                                      <p:cBhvr additive="base">
+                                        <p:cTn id="39" dur="500" fill="hold"/>
+                                        <p:tgtEl>
+                                          <p:spTgt spid="4">
+                                            <p:txEl>
+                                              <p:pRg st="14" end="14"/>
+                                            </p:txEl>
+                                          </p:spTgt>
+                                        </p:tgtEl>
+                                        <p:attrNameLst>
+                                          <p:attrName>ppt_x</p:attrName>
+                                        </p:attrNameLst>
+                                      </p:cBhvr>
+                                      <p:tavLst>
+                                        <p:tav tm="0">
+                                          <p:val>
+                                            <p:strVal val="#ppt_x"/>
+                                          </p:val>
+                                        </p:tav>
+                                        <p:tav tm="100000">
+                                          <p:val>
+                                            <p:strVal val="#ppt_x"/>
+                                          </p:val>
+                                        </p:tav>
+                                      </p:tavLst>
+                                    </p:anim>
+                                    <p:anim calcmode="lin" valueType="num">
+                                      <p:cBhvr additive="base">
+                                        <p:cTn id="40" dur="500" fill="hold"/>
+                                        <p:tgtEl>
+                                          <p:spTgt spid="4">
+                                            <p:txEl>
+                                              <p:pRg st="14" end="14"/>
+                                            </p:txEl>
+                                          </p:spTgt>
+                                        </p:tgtEl>
+                                        <p:attrNameLst>
+                                          <p:attrName>ppt_y</p:attrName>
+                                        </p:attrNameLst>
+                                      </p:cBhvr>
+                                      <p:tavLst>
+                                        <p:tav tm="0">
+                                          <p:val>
+                                            <p:strVal val="1+#ppt_h/2"/>
+                                          </p:val>
+                                        </p:tav>
+                                        <p:tav tm="100000">
+                                          <p:val>
+                                            <p:strVal val="#ppt_y"/>
+                                          </p:val>
+                                        </p:tav>
+                                      </p:tavLst>
+                                    </p:anim>
+                                  </p:childTnLst>
+                                </p:cTn>
+                              </p:par>
+                              <p:par>
+                                <p:cTn id="41" presetID="2" presetClass="entr" presetSubtype="4" fill="hold" nodeType="withEffect">
+                                  <p:stCondLst>
+                                    <p:cond delay="0"/>
+                                  </p:stCondLst>
+                                  <p:childTnLst>
+                                    <p:set>
+                                      <p:cBhvr>
+                                        <p:cTn id="42" dur="1" fill="hold">
+                                          <p:stCondLst>
+                                            <p:cond delay="0"/>
+                                          </p:stCondLst>
+                                        </p:cTn>
+                                        <p:tgtEl>
+                                          <p:spTgt spid="4">
+                                            <p:txEl>
+                                              <p:pRg st="15" end="15"/>
+                                            </p:txEl>
+                                          </p:spTgt>
+                                        </p:tgtEl>
+                                        <p:attrNameLst>
+                                          <p:attrName>style.visibility</p:attrName>
+                                        </p:attrNameLst>
+                                      </p:cBhvr>
+                                      <p:to>
+                                        <p:strVal val="visible"/>
+                                      </p:to>
+                                    </p:set>
+                                    <p:anim calcmode="lin" valueType="num">
+                                      <p:cBhvr additive="base">
+                                        <p:cTn id="43" dur="500" fill="hold"/>
+                                        <p:tgtEl>
+                                          <p:spTgt spid="4">
+                                            <p:txEl>
+                                              <p:pRg st="15" end="15"/>
+                                            </p:txEl>
+                                          </p:spTgt>
+                                        </p:tgtEl>
+                                        <p:attrNameLst>
+                                          <p:attrName>ppt_x</p:attrName>
+                                        </p:attrNameLst>
+                                      </p:cBhvr>
+                                      <p:tavLst>
+                                        <p:tav tm="0">
+                                          <p:val>
+                                            <p:strVal val="#ppt_x"/>
+                                          </p:val>
+                                        </p:tav>
+                                        <p:tav tm="100000">
+                                          <p:val>
+                                            <p:strVal val="#ppt_x"/>
+                                          </p:val>
+                                        </p:tav>
+                                      </p:tavLst>
+                                    </p:anim>
+                                    <p:anim calcmode="lin" valueType="num">
+                                      <p:cBhvr additive="base">
+                                        <p:cTn id="44" dur="500" fill="hold"/>
+                                        <p:tgtEl>
+                                          <p:spTgt spid="4">
+                                            <p:txEl>
+                                              <p:pRg st="15" end="15"/>
+                                            </p:txEl>
+                                          </p:spTgt>
+                                        </p:tgtEl>
+                                        <p:attrNameLst>
+                                          <p:attrName>ppt_y</p:attrName>
+                                        </p:attrNameLst>
+                                      </p:cBhvr>
+                                      <p:tavLst>
+                                        <p:tav tm="0">
+                                          <p:val>
+                                            <p:strVal val="1+#ppt_h/2"/>
+                                          </p:val>
+                                        </p:tav>
+                                        <p:tav tm="100000">
+                                          <p:val>
+                                            <p:strVal val="#ppt_y"/>
+                                          </p:val>
+                                        </p:tav>
+                                      </p:tavLst>
+                                    </p:anim>
+                                  </p:childTnLst>
+                                </p:cTn>
+                              </p:par>
+                            </p:childTnLst>
+                          </p:cTn>
+                        </p:par>
+                      </p:childTnLst>
+                    </p:cTn>
+                  </p:par>
+                </p:childTnLst>
+              </p:cTn>
+              <p:prevCondLst>
+                <p:cond evt="onPrev" delay="0">
+                  <p:tgtEl>
+                    <p:sldTgt/>
+                  </p:tgtEl>
+                </p:cond>
+              </p:prevCondLst>
+              <p:nextCondLst>
+                <p:cond evt="onNext" delay="0">
+                  <p:tgtEl>
+                    <p:sldTgt/>
+                  </p:tgtEl>
+                </p:cond>
+              </p:nextCondLst>
+            </p:seq>
+          </p:childTnLst>
+        </p:cTn>
       </p:par>
     </p:tnLst>
   </p:timing>
@@ -21614,6 +24699,210 @@
           </a:p>
           <a:p>
             <a:r>
+              <a:rPr lang="en-US" altLang="zh-CN" b="1" dirty="0" smtClean="0"/>
+              <a:t>application of compile-time reflection</a:t>
+            </a:r>
+          </a:p>
+          <a:p>
+            <a:r>
+              <a:rPr lang="en-US" altLang="zh-CN" dirty="0" smtClean="0"/>
+              <a:t>prospect</a:t>
+            </a:r>
+            <a:endParaRPr lang="zh-CN" altLang="en-US" dirty="0"/>
+          </a:p>
+        </p:txBody>
+      </p:sp>
+    </p:spTree>
+    <p:extLst>
+      <p:ext uri="{BB962C8B-B14F-4D97-AF65-F5344CB8AC3E}">
+        <p14:creationId xmlns:p14="http://schemas.microsoft.com/office/powerpoint/2010/main" val="3920747289"/>
+      </p:ext>
+    </p:extLst>
+  </p:cSld>
+  <p:clrMapOvr>
+    <a:masterClrMapping/>
+  </p:clrMapOvr>
+  <p:timing>
+    <p:tnLst>
+      <p:par>
+        <p:cTn id="1" dur="indefinite" restart="never" nodeType="tmRoot"/>
+      </p:par>
+    </p:tnLst>
+  </p:timing>
+</p:sld>
+</file>
+
+<file path=ppt/slides/slide37.xml><?xml version="1.0" encoding="utf-8"?>
+<p:sld xmlns:a="http://schemas.openxmlformats.org/drawingml/2006/main" xmlns:r="http://schemas.openxmlformats.org/officeDocument/2006/relationships" xmlns:p="http://schemas.openxmlformats.org/presentationml/2006/main">
+  <p:cSld>
+    <p:spTree>
+      <p:nvGrpSpPr>
+        <p:cNvPr id="1" name=""/>
+        <p:cNvGrpSpPr/>
+        <p:nvPr/>
+      </p:nvGrpSpPr>
+      <p:grpSpPr>
+        <a:xfrm>
+          <a:off x="0" y="0"/>
+          <a:ext cx="0" cy="0"/>
+          <a:chOff x="0" y="0"/>
+          <a:chExt cx="0" cy="0"/>
+        </a:xfrm>
+      </p:grpSpPr>
+      <p:sp>
+        <p:nvSpPr>
+          <p:cNvPr id="2" name="标题 1"/>
+          <p:cNvSpPr>
+            <a:spLocks noGrp="1"/>
+          </p:cNvSpPr>
+          <p:nvPr>
+            <p:ph type="title"/>
+          </p:nvPr>
+        </p:nvSpPr>
+        <p:spPr/>
+        <p:txBody>
+          <a:bodyPr/>
+          <a:lstStyle/>
+          <a:p>
+            <a:r>
+              <a:rPr lang="en-US" altLang="zh-CN" dirty="0"/>
+              <a:t>application of compile-time </a:t>
+            </a:r>
+            <a:r>
+              <a:rPr lang="en-US" altLang="zh-CN" dirty="0" smtClean="0"/>
+              <a:t>reflection</a:t>
+            </a:r>
+            <a:endParaRPr lang="zh-CN" altLang="en-US" dirty="0"/>
+          </a:p>
+        </p:txBody>
+      </p:sp>
+      <p:sp>
+        <p:nvSpPr>
+          <p:cNvPr id="3" name="内容占位符 2"/>
+          <p:cNvSpPr>
+            <a:spLocks noGrp="1"/>
+          </p:cNvSpPr>
+          <p:nvPr>
+            <p:ph idx="1"/>
+          </p:nvPr>
+        </p:nvSpPr>
+        <p:spPr/>
+        <p:txBody>
+          <a:bodyPr/>
+          <a:lstStyle/>
+          <a:p>
+            <a:r>
+              <a:rPr lang="en-US" altLang="zh-CN" dirty="0"/>
+              <a:t>Serialization</a:t>
+            </a:r>
+          </a:p>
+          <a:p>
+            <a:r>
+              <a:rPr lang="en-US" altLang="zh-CN" dirty="0"/>
+              <a:t>ORM(Object Relational Mapping)</a:t>
+            </a:r>
+          </a:p>
+          <a:p>
+            <a:r>
+              <a:rPr lang="en-US" altLang="zh-CN" dirty="0"/>
+              <a:t>DSL(domain-specific language)</a:t>
+            </a:r>
+            <a:endParaRPr lang="zh-CN" altLang="en-US" dirty="0"/>
+          </a:p>
+        </p:txBody>
+      </p:sp>
+    </p:spTree>
+    <p:extLst>
+      <p:ext uri="{BB962C8B-B14F-4D97-AF65-F5344CB8AC3E}">
+        <p14:creationId xmlns:p14="http://schemas.microsoft.com/office/powerpoint/2010/main" val="3812572458"/>
+      </p:ext>
+    </p:extLst>
+  </p:cSld>
+  <p:clrMapOvr>
+    <a:masterClrMapping/>
+  </p:clrMapOvr>
+  <p:timing>
+    <p:tnLst>
+      <p:par>
+        <p:cTn id="1" dur="indefinite" restart="never" nodeType="tmRoot"/>
+      </p:par>
+    </p:tnLst>
+  </p:timing>
+</p:sld>
+</file>
+
+<file path=ppt/slides/slide38.xml><?xml version="1.0" encoding="utf-8"?>
+<p:sld xmlns:a="http://schemas.openxmlformats.org/drawingml/2006/main" xmlns:r="http://schemas.openxmlformats.org/officeDocument/2006/relationships" xmlns:p="http://schemas.openxmlformats.org/presentationml/2006/main">
+  <p:cSld>
+    <p:spTree>
+      <p:nvGrpSpPr>
+        <p:cNvPr id="1" name=""/>
+        <p:cNvGrpSpPr/>
+        <p:nvPr/>
+      </p:nvGrpSpPr>
+      <p:grpSpPr>
+        <a:xfrm>
+          <a:off x="0" y="0"/>
+          <a:ext cx="0" cy="0"/>
+          <a:chOff x="0" y="0"/>
+          <a:chExt cx="0" cy="0"/>
+        </a:xfrm>
+      </p:grpSpPr>
+      <p:sp>
+        <p:nvSpPr>
+          <p:cNvPr id="2" name="标题 1"/>
+          <p:cNvSpPr>
+            <a:spLocks noGrp="1"/>
+          </p:cNvSpPr>
+          <p:nvPr>
+            <p:ph type="title"/>
+          </p:nvPr>
+        </p:nvSpPr>
+        <p:spPr/>
+        <p:txBody>
+          <a:bodyPr/>
+          <a:lstStyle/>
+          <a:p>
+            <a:r>
+              <a:rPr lang="en-US" altLang="zh-CN" dirty="0" smtClean="0"/>
+              <a:t>Outline</a:t>
+            </a:r>
+            <a:endParaRPr lang="zh-CN" altLang="en-US" dirty="0"/>
+          </a:p>
+        </p:txBody>
+      </p:sp>
+      <p:sp>
+        <p:nvSpPr>
+          <p:cNvPr id="3" name="内容占位符 2"/>
+          <p:cNvSpPr>
+            <a:spLocks noGrp="1"/>
+          </p:cNvSpPr>
+          <p:nvPr>
+            <p:ph idx="1"/>
+          </p:nvPr>
+        </p:nvSpPr>
+        <p:spPr/>
+        <p:txBody>
+          <a:bodyPr/>
+          <a:lstStyle/>
+          <a:p>
+            <a:r>
+              <a:rPr lang="en-US" altLang="zh-CN" dirty="0" smtClean="0"/>
+              <a:t>concepts of reflection</a:t>
+            </a:r>
+          </a:p>
+          <a:p>
+            <a:r>
+              <a:rPr lang="en-US" altLang="zh-CN" dirty="0"/>
+              <a:t>implementation of compile-time </a:t>
+            </a:r>
+            <a:r>
+              <a:rPr lang="en-US" altLang="zh-CN" dirty="0" smtClean="0"/>
+              <a:t>reflection</a:t>
+            </a:r>
+          </a:p>
+          <a:p>
+            <a:r>
               <a:rPr lang="en-US" altLang="zh-CN" dirty="0" smtClean="0"/>
               <a:t>application of compile-time reflection</a:t>
             </a:r>
@@ -21647,7 +24936,7 @@
 </p:sld>
 </file>
 
-<file path=ppt/slides/slide37.xml><?xml version="1.0" encoding="utf-8"?>
+<file path=ppt/slides/slide39.xml><?xml version="1.0" encoding="utf-8"?>
 <p:sld xmlns:a="http://schemas.openxmlformats.org/drawingml/2006/main" xmlns:r="http://schemas.openxmlformats.org/officeDocument/2006/relationships" xmlns:p="http://schemas.openxmlformats.org/presentationml/2006/main">
   <p:cSld>
     <p:spTree>

--- a/cppcon2017.pptx
+++ b/cppcon2017.pptx
@@ -5,7 +5,7 @@
     <p:sldMasterId id="2147483648" r:id="rId1"/>
   </p:sldMasterIdLst>
   <p:notesMasterIdLst>
-    <p:notesMasterId r:id="rId41"/>
+    <p:notesMasterId r:id="rId44"/>
   </p:notesMasterIdLst>
   <p:sldIdLst>
     <p:sldId id="256" r:id="rId2"/>
@@ -43,10 +43,13 @@
     <p:sldId id="292" r:id="rId34"/>
     <p:sldId id="293" r:id="rId35"/>
     <p:sldId id="294" r:id="rId36"/>
-    <p:sldId id="270" r:id="rId37"/>
-    <p:sldId id="260" r:id="rId38"/>
-    <p:sldId id="271" r:id="rId39"/>
-    <p:sldId id="261" r:id="rId40"/>
+    <p:sldId id="295" r:id="rId37"/>
+    <p:sldId id="296" r:id="rId38"/>
+    <p:sldId id="297" r:id="rId39"/>
+    <p:sldId id="270" r:id="rId40"/>
+    <p:sldId id="260" r:id="rId41"/>
+    <p:sldId id="271" r:id="rId42"/>
+    <p:sldId id="261" r:id="rId43"/>
   </p:sldIdLst>
   <p:sldSz cx="12192000" cy="6858000"/>
   <p:notesSz cx="6858000" cy="9144000"/>
@@ -235,7 +238,7 @@
           <a:p>
             <a:fld id="{5377FA5C-DFF1-4473-9BD3-3D161C07B6AF}" type="datetimeFigureOut">
               <a:rPr lang="zh-CN" altLang="en-US" smtClean="0"/>
-              <a:t>2017-08-31</a:t>
+              <a:t>2017-09-01</a:t>
             </a:fld>
             <a:endParaRPr lang="zh-CN" altLang="en-US"/>
           </a:p>
@@ -1072,7 +1075,7 @@
           <a:p>
             <a:fld id="{AA590AAA-E2D3-492C-81F3-DC050E22F9CA}" type="datetimeFigureOut">
               <a:rPr lang="zh-CN" altLang="en-US" smtClean="0"/>
-              <a:t>2017-08-31</a:t>
+              <a:t>2017-09-01</a:t>
             </a:fld>
             <a:endParaRPr lang="zh-CN" altLang="en-US"/>
           </a:p>
@@ -1242,7 +1245,7 @@
           <a:p>
             <a:fld id="{AA590AAA-E2D3-492C-81F3-DC050E22F9CA}" type="datetimeFigureOut">
               <a:rPr lang="zh-CN" altLang="en-US" smtClean="0"/>
-              <a:t>2017-08-31</a:t>
+              <a:t>2017-09-01</a:t>
             </a:fld>
             <a:endParaRPr lang="zh-CN" altLang="en-US"/>
           </a:p>
@@ -1422,7 +1425,7 @@
           <a:p>
             <a:fld id="{AA590AAA-E2D3-492C-81F3-DC050E22F9CA}" type="datetimeFigureOut">
               <a:rPr lang="zh-CN" altLang="en-US" smtClean="0"/>
-              <a:t>2017-08-31</a:t>
+              <a:t>2017-09-01</a:t>
             </a:fld>
             <a:endParaRPr lang="zh-CN" altLang="en-US"/>
           </a:p>
@@ -1592,7 +1595,7 @@
           <a:p>
             <a:fld id="{AA590AAA-E2D3-492C-81F3-DC050E22F9CA}" type="datetimeFigureOut">
               <a:rPr lang="zh-CN" altLang="en-US" smtClean="0"/>
-              <a:t>2017-08-31</a:t>
+              <a:t>2017-09-01</a:t>
             </a:fld>
             <a:endParaRPr lang="zh-CN" altLang="en-US"/>
           </a:p>
@@ -1838,7 +1841,7 @@
           <a:p>
             <a:fld id="{AA590AAA-E2D3-492C-81F3-DC050E22F9CA}" type="datetimeFigureOut">
               <a:rPr lang="zh-CN" altLang="en-US" smtClean="0"/>
-              <a:t>2017-08-31</a:t>
+              <a:t>2017-09-01</a:t>
             </a:fld>
             <a:endParaRPr lang="zh-CN" altLang="en-US"/>
           </a:p>
@@ -2070,7 +2073,7 @@
           <a:p>
             <a:fld id="{AA590AAA-E2D3-492C-81F3-DC050E22F9CA}" type="datetimeFigureOut">
               <a:rPr lang="zh-CN" altLang="en-US" smtClean="0"/>
-              <a:t>2017-08-31</a:t>
+              <a:t>2017-09-01</a:t>
             </a:fld>
             <a:endParaRPr lang="zh-CN" altLang="en-US"/>
           </a:p>
@@ -2437,7 +2440,7 @@
           <a:p>
             <a:fld id="{AA590AAA-E2D3-492C-81F3-DC050E22F9CA}" type="datetimeFigureOut">
               <a:rPr lang="zh-CN" altLang="en-US" smtClean="0"/>
-              <a:t>2017-08-31</a:t>
+              <a:t>2017-09-01</a:t>
             </a:fld>
             <a:endParaRPr lang="zh-CN" altLang="en-US"/>
           </a:p>
@@ -2555,7 +2558,7 @@
           <a:p>
             <a:fld id="{AA590AAA-E2D3-492C-81F3-DC050E22F9CA}" type="datetimeFigureOut">
               <a:rPr lang="zh-CN" altLang="en-US" smtClean="0"/>
-              <a:t>2017-08-31</a:t>
+              <a:t>2017-09-01</a:t>
             </a:fld>
             <a:endParaRPr lang="zh-CN" altLang="en-US"/>
           </a:p>
@@ -2650,7 +2653,7 @@
           <a:p>
             <a:fld id="{AA590AAA-E2D3-492C-81F3-DC050E22F9CA}" type="datetimeFigureOut">
               <a:rPr lang="zh-CN" altLang="en-US" smtClean="0"/>
-              <a:t>2017-08-31</a:t>
+              <a:t>2017-09-01</a:t>
             </a:fld>
             <a:endParaRPr lang="zh-CN" altLang="en-US"/>
           </a:p>
@@ -2927,7 +2930,7 @@
           <a:p>
             <a:fld id="{AA590AAA-E2D3-492C-81F3-DC050E22F9CA}" type="datetimeFigureOut">
               <a:rPr lang="zh-CN" altLang="en-US" smtClean="0"/>
-              <a:t>2017-08-31</a:t>
+              <a:t>2017-09-01</a:t>
             </a:fld>
             <a:endParaRPr lang="zh-CN" altLang="en-US"/>
           </a:p>
@@ -3180,7 +3183,7 @@
           <a:p>
             <a:fld id="{AA590AAA-E2D3-492C-81F3-DC050E22F9CA}" type="datetimeFigureOut">
               <a:rPr lang="zh-CN" altLang="en-US" smtClean="0"/>
-              <a:t>2017-08-31</a:t>
+              <a:t>2017-09-01</a:t>
             </a:fld>
             <a:endParaRPr lang="zh-CN" altLang="en-US"/>
           </a:p>
@@ -3393,7 +3396,7 @@
           <a:p>
             <a:fld id="{AA590AAA-E2D3-492C-81F3-DC050E22F9CA}" type="datetimeFigureOut">
               <a:rPr lang="zh-CN" altLang="en-US" smtClean="0"/>
-              <a:t>2017-08-31</a:t>
+              <a:t>2017-09-01</a:t>
             </a:fld>
             <a:endParaRPr lang="zh-CN" altLang="en-US"/>
           </a:p>
@@ -21897,11 +21900,7 @@
           <a:p>
             <a:r>
               <a:rPr lang="en-US" altLang="zh-CN" sz="2000" dirty="0"/>
-              <a:t>automatically </a:t>
-            </a:r>
-            <a:r>
-              <a:rPr lang="en-US" altLang="zh-CN" sz="2000" dirty="0"/>
-              <a:t>pack all fields</a:t>
+              <a:t>automatically pack all fields</a:t>
             </a:r>
             <a:endParaRPr lang="zh-CN" altLang="en-US" sz="2000" dirty="0"/>
           </a:p>
@@ -23760,6 +23759,412 @@
                 <a:ea typeface="新宋体" panose="02010609030101010101" pitchFamily="49" charset="-122"/>
               </a:rPr>
               <a:t>};</a:t>
+            </a:r>
+            <a:endParaRPr lang="zh-CN" altLang="en-US" dirty="0"/>
+          </a:p>
+        </p:txBody>
+      </p:sp>
+      <p:sp>
+        <p:nvSpPr>
+          <p:cNvPr id="3" name="矩形 2"/>
+          <p:cNvSpPr/>
+          <p:nvPr/>
+        </p:nvSpPr>
+        <p:spPr>
+          <a:xfrm>
+            <a:off x="838199" y="5371453"/>
+            <a:ext cx="10515600" cy="1200329"/>
+          </a:xfrm>
+          <a:prstGeom prst="rect">
+            <a:avLst/>
+          </a:prstGeom>
+        </p:spPr>
+        <p:txBody>
+          <a:bodyPr wrap="square">
+            <a:spAutoFit/>
+          </a:bodyPr>
+          <a:lstStyle/>
+          <a:p>
+            <a:r>
+              <a:rPr lang="en-US" altLang="zh-CN" dirty="0">
+                <a:solidFill>
+                  <a:srgbClr val="808080"/>
+                </a:solidFill>
+                <a:highlight>
+                  <a:srgbClr val="FFFFFF"/>
+                </a:highlight>
+                <a:latin typeface="新宋体" panose="02010609030101010101" pitchFamily="49" charset="-122"/>
+                <a:ea typeface="新宋体" panose="02010609030101010101" pitchFamily="49" charset="-122"/>
+              </a:rPr>
+              <a:t>#define</a:t>
+            </a:r>
+            <a:r>
+              <a:rPr lang="en-US" altLang="zh-CN" dirty="0">
+                <a:solidFill>
+                  <a:srgbClr val="000000"/>
+                </a:solidFill>
+                <a:highlight>
+                  <a:srgbClr val="FFFFFF"/>
+                </a:highlight>
+                <a:latin typeface="新宋体" panose="02010609030101010101" pitchFamily="49" charset="-122"/>
+                <a:ea typeface="新宋体" panose="02010609030101010101" pitchFamily="49" charset="-122"/>
+              </a:rPr>
+              <a:t> </a:t>
+            </a:r>
+            <a:r>
+              <a:rPr lang="en-US" altLang="zh-CN" dirty="0">
+                <a:solidFill>
+                  <a:srgbClr val="6F008A"/>
+                </a:solidFill>
+                <a:highlight>
+                  <a:srgbClr val="FFFFFF"/>
+                </a:highlight>
+                <a:latin typeface="新宋体" panose="02010609030101010101" pitchFamily="49" charset="-122"/>
+                <a:ea typeface="新宋体" panose="02010609030101010101" pitchFamily="49" charset="-122"/>
+              </a:rPr>
+              <a:t>MAKE_META_DATA</a:t>
+            </a:r>
+            <a:r>
+              <a:rPr lang="en-US" altLang="zh-CN" dirty="0">
+                <a:solidFill>
+                  <a:srgbClr val="000000"/>
+                </a:solidFill>
+                <a:highlight>
+                  <a:srgbClr val="FFFFFF"/>
+                </a:highlight>
+                <a:latin typeface="新宋体" panose="02010609030101010101" pitchFamily="49" charset="-122"/>
+                <a:ea typeface="新宋体" panose="02010609030101010101" pitchFamily="49" charset="-122"/>
+              </a:rPr>
+              <a:t>(STRUCT_NAME, N, ...) \</a:t>
+            </a:r>
+          </a:p>
+          <a:p>
+            <a:r>
+              <a:rPr lang="en-US" altLang="zh-CN" dirty="0">
+                <a:solidFill>
+                  <a:srgbClr val="000000"/>
+                </a:solidFill>
+                <a:highlight>
+                  <a:srgbClr val="FFFFFF"/>
+                </a:highlight>
+                <a:latin typeface="新宋体" panose="02010609030101010101" pitchFamily="49" charset="-122"/>
+                <a:ea typeface="新宋体" panose="02010609030101010101" pitchFamily="49" charset="-122"/>
+              </a:rPr>
+              <a:t>    </a:t>
+            </a:r>
+            <a:r>
+              <a:rPr lang="en-US" altLang="zh-CN" dirty="0" err="1">
+                <a:solidFill>
+                  <a:srgbClr val="0000FF"/>
+                </a:solidFill>
+                <a:highlight>
+                  <a:srgbClr val="FFFFFF"/>
+                </a:highlight>
+                <a:latin typeface="新宋体" panose="02010609030101010101" pitchFamily="49" charset="-122"/>
+                <a:ea typeface="新宋体" panose="02010609030101010101" pitchFamily="49" charset="-122"/>
+              </a:rPr>
+              <a:t>constexpr</a:t>
+            </a:r>
+            <a:r>
+              <a:rPr lang="en-US" altLang="zh-CN" dirty="0">
+                <a:solidFill>
+                  <a:srgbClr val="000000"/>
+                </a:solidFill>
+                <a:highlight>
+                  <a:srgbClr val="FFFFFF"/>
+                </a:highlight>
+                <a:latin typeface="新宋体" panose="02010609030101010101" pitchFamily="49" charset="-122"/>
+                <a:ea typeface="新宋体" panose="02010609030101010101" pitchFamily="49" charset="-122"/>
+              </a:rPr>
+              <a:t> </a:t>
+            </a:r>
+            <a:r>
+              <a:rPr lang="en-US" altLang="zh-CN" dirty="0">
+                <a:solidFill>
+                  <a:srgbClr val="0000FF"/>
+                </a:solidFill>
+                <a:highlight>
+                  <a:srgbClr val="FFFFFF"/>
+                </a:highlight>
+                <a:latin typeface="新宋体" panose="02010609030101010101" pitchFamily="49" charset="-122"/>
+                <a:ea typeface="新宋体" panose="02010609030101010101" pitchFamily="49" charset="-122"/>
+              </a:rPr>
+              <a:t>inline</a:t>
+            </a:r>
+            <a:r>
+              <a:rPr lang="en-US" altLang="zh-CN" dirty="0">
+                <a:solidFill>
+                  <a:srgbClr val="000000"/>
+                </a:solidFill>
+                <a:highlight>
+                  <a:srgbClr val="FFFFFF"/>
+                </a:highlight>
+                <a:latin typeface="新宋体" panose="02010609030101010101" pitchFamily="49" charset="-122"/>
+                <a:ea typeface="新宋体" panose="02010609030101010101" pitchFamily="49" charset="-122"/>
+              </a:rPr>
+              <a:t> </a:t>
+            </a:r>
+            <a:r>
+              <a:rPr lang="en-US" altLang="zh-CN" dirty="0" err="1">
+                <a:solidFill>
+                  <a:srgbClr val="000000"/>
+                </a:solidFill>
+                <a:highlight>
+                  <a:srgbClr val="FFFFFF"/>
+                </a:highlight>
+                <a:latin typeface="新宋体" panose="02010609030101010101" pitchFamily="49" charset="-122"/>
+                <a:ea typeface="新宋体" panose="02010609030101010101" pitchFamily="49" charset="-122"/>
+              </a:rPr>
+              <a:t>std</a:t>
+            </a:r>
+            <a:r>
+              <a:rPr lang="en-US" altLang="zh-CN" dirty="0">
+                <a:solidFill>
+                  <a:srgbClr val="000000"/>
+                </a:solidFill>
+                <a:highlight>
+                  <a:srgbClr val="FFFFFF"/>
+                </a:highlight>
+                <a:latin typeface="新宋体" panose="02010609030101010101" pitchFamily="49" charset="-122"/>
+                <a:ea typeface="新宋体" panose="02010609030101010101" pitchFamily="49" charset="-122"/>
+              </a:rPr>
+              <a:t>::</a:t>
+            </a:r>
+            <a:r>
+              <a:rPr lang="en-US" altLang="zh-CN" dirty="0">
+                <a:solidFill>
+                  <a:srgbClr val="2B91AF"/>
+                </a:solidFill>
+                <a:highlight>
+                  <a:srgbClr val="FFFFFF"/>
+                </a:highlight>
+                <a:latin typeface="新宋体" panose="02010609030101010101" pitchFamily="49" charset="-122"/>
+                <a:ea typeface="新宋体" panose="02010609030101010101" pitchFamily="49" charset="-122"/>
+              </a:rPr>
+              <a:t>array</a:t>
+            </a:r>
+            <a:r>
+              <a:rPr lang="en-US" altLang="zh-CN" dirty="0">
+                <a:solidFill>
+                  <a:srgbClr val="000000"/>
+                </a:solidFill>
+                <a:highlight>
+                  <a:srgbClr val="FFFFFF"/>
+                </a:highlight>
+                <a:latin typeface="新宋体" panose="02010609030101010101" pitchFamily="49" charset="-122"/>
+                <a:ea typeface="新宋体" panose="02010609030101010101" pitchFamily="49" charset="-122"/>
+              </a:rPr>
+              <a:t>&lt;</a:t>
+            </a:r>
+            <a:r>
+              <a:rPr lang="en-US" altLang="zh-CN" dirty="0" err="1">
+                <a:solidFill>
+                  <a:srgbClr val="000000"/>
+                </a:solidFill>
+                <a:highlight>
+                  <a:srgbClr val="FFFFFF"/>
+                </a:highlight>
+                <a:latin typeface="新宋体" panose="02010609030101010101" pitchFamily="49" charset="-122"/>
+                <a:ea typeface="新宋体" panose="02010609030101010101" pitchFamily="49" charset="-122"/>
+              </a:rPr>
+              <a:t>std</a:t>
+            </a:r>
+            <a:r>
+              <a:rPr lang="en-US" altLang="zh-CN" dirty="0">
+                <a:solidFill>
+                  <a:srgbClr val="000000"/>
+                </a:solidFill>
+                <a:highlight>
+                  <a:srgbClr val="FFFFFF"/>
+                </a:highlight>
+                <a:latin typeface="新宋体" panose="02010609030101010101" pitchFamily="49" charset="-122"/>
+                <a:ea typeface="新宋体" panose="02010609030101010101" pitchFamily="49" charset="-122"/>
+              </a:rPr>
+              <a:t>::</a:t>
+            </a:r>
+            <a:r>
+              <a:rPr lang="en-US" altLang="zh-CN" dirty="0" err="1">
+                <a:solidFill>
+                  <a:srgbClr val="000000"/>
+                </a:solidFill>
+                <a:highlight>
+                  <a:srgbClr val="FFFFFF"/>
+                </a:highlight>
+                <a:latin typeface="新宋体" panose="02010609030101010101" pitchFamily="49" charset="-122"/>
+                <a:ea typeface="新宋体" panose="02010609030101010101" pitchFamily="49" charset="-122"/>
+              </a:rPr>
+              <a:t>string_view</a:t>
+            </a:r>
+            <a:r>
+              <a:rPr lang="en-US" altLang="zh-CN" dirty="0">
+                <a:solidFill>
+                  <a:srgbClr val="000000"/>
+                </a:solidFill>
+                <a:highlight>
+                  <a:srgbClr val="FFFFFF"/>
+                </a:highlight>
+                <a:latin typeface="新宋体" panose="02010609030101010101" pitchFamily="49" charset="-122"/>
+                <a:ea typeface="新宋体" panose="02010609030101010101" pitchFamily="49" charset="-122"/>
+              </a:rPr>
+              <a:t>, N&gt; </a:t>
+            </a:r>
+            <a:r>
+              <a:rPr lang="en-US" altLang="zh-CN" dirty="0" err="1">
+                <a:solidFill>
+                  <a:srgbClr val="000000"/>
+                </a:solidFill>
+                <a:highlight>
+                  <a:srgbClr val="FFFFFF"/>
+                </a:highlight>
+                <a:latin typeface="新宋体" panose="02010609030101010101" pitchFamily="49" charset="-122"/>
+                <a:ea typeface="新宋体" panose="02010609030101010101" pitchFamily="49" charset="-122"/>
+              </a:rPr>
+              <a:t>arr</a:t>
+            </a:r>
+            <a:r>
+              <a:rPr lang="en-US" altLang="zh-CN" dirty="0">
+                <a:solidFill>
+                  <a:srgbClr val="000000"/>
+                </a:solidFill>
+                <a:highlight>
+                  <a:srgbClr val="FFFFFF"/>
+                </a:highlight>
+                <a:latin typeface="新宋体" panose="02010609030101010101" pitchFamily="49" charset="-122"/>
+                <a:ea typeface="新宋体" panose="02010609030101010101" pitchFamily="49" charset="-122"/>
+              </a:rPr>
+              <a:t>_##STRUCT_NAME = </a:t>
+            </a:r>
+            <a:r>
+              <a:rPr lang="en-US" altLang="zh-CN" dirty="0" smtClean="0">
+                <a:solidFill>
+                  <a:srgbClr val="000000"/>
+                </a:solidFill>
+                <a:highlight>
+                  <a:srgbClr val="FFFFFF"/>
+                </a:highlight>
+                <a:latin typeface="新宋体" panose="02010609030101010101" pitchFamily="49" charset="-122"/>
+                <a:ea typeface="新宋体" panose="02010609030101010101" pitchFamily="49" charset="-122"/>
+              </a:rPr>
+              <a:t>	{ </a:t>
+            </a:r>
+            <a:r>
+              <a:rPr lang="en-US" altLang="zh-CN" dirty="0">
+                <a:solidFill>
+                  <a:srgbClr val="6F008A"/>
+                </a:solidFill>
+                <a:highlight>
+                  <a:srgbClr val="FFFFFF"/>
+                </a:highlight>
+                <a:latin typeface="新宋体" panose="02010609030101010101" pitchFamily="49" charset="-122"/>
+                <a:ea typeface="新宋体" panose="02010609030101010101" pitchFamily="49" charset="-122"/>
+              </a:rPr>
+              <a:t>MARCO_EXPAND</a:t>
+            </a:r>
+            <a:r>
+              <a:rPr lang="en-US" altLang="zh-CN" dirty="0">
+                <a:solidFill>
+                  <a:srgbClr val="000000"/>
+                </a:solidFill>
+                <a:highlight>
+                  <a:srgbClr val="FFFFFF"/>
+                </a:highlight>
+                <a:latin typeface="新宋体" panose="02010609030101010101" pitchFamily="49" charset="-122"/>
+                <a:ea typeface="新宋体" panose="02010609030101010101" pitchFamily="49" charset="-122"/>
+              </a:rPr>
+              <a:t>(</a:t>
+            </a:r>
+            <a:r>
+              <a:rPr lang="en-US" altLang="zh-CN" dirty="0">
+                <a:solidFill>
+                  <a:srgbClr val="6F008A"/>
+                </a:solidFill>
+                <a:highlight>
+                  <a:srgbClr val="FFFFFF"/>
+                </a:highlight>
+                <a:latin typeface="新宋体" panose="02010609030101010101" pitchFamily="49" charset="-122"/>
+                <a:ea typeface="新宋体" panose="02010609030101010101" pitchFamily="49" charset="-122"/>
+              </a:rPr>
+              <a:t>MACRO_CONCAT</a:t>
+            </a:r>
+            <a:r>
+              <a:rPr lang="en-US" altLang="zh-CN" dirty="0">
+                <a:solidFill>
+                  <a:srgbClr val="000000"/>
+                </a:solidFill>
+                <a:highlight>
+                  <a:srgbClr val="FFFFFF"/>
+                </a:highlight>
+                <a:latin typeface="新宋体" panose="02010609030101010101" pitchFamily="49" charset="-122"/>
+                <a:ea typeface="新宋体" panose="02010609030101010101" pitchFamily="49" charset="-122"/>
+              </a:rPr>
+              <a:t>(CON_STR, N)(__VA_ARGS__)) };\</a:t>
+            </a:r>
+          </a:p>
+          <a:p>
+            <a:r>
+              <a:rPr lang="en-US" altLang="zh-CN" dirty="0">
+                <a:solidFill>
+                  <a:srgbClr val="000000"/>
+                </a:solidFill>
+                <a:highlight>
+                  <a:srgbClr val="FFFFFF"/>
+                </a:highlight>
+                <a:latin typeface="新宋体" panose="02010609030101010101" pitchFamily="49" charset="-122"/>
+                <a:ea typeface="新宋体" panose="02010609030101010101" pitchFamily="49" charset="-122"/>
+              </a:rPr>
+              <a:t>    </a:t>
+            </a:r>
+            <a:r>
+              <a:rPr lang="en-US" altLang="zh-CN" dirty="0">
+                <a:solidFill>
+                  <a:srgbClr val="6F008A"/>
+                </a:solidFill>
+                <a:highlight>
+                  <a:srgbClr val="FFFFFF"/>
+                </a:highlight>
+                <a:latin typeface="新宋体" panose="02010609030101010101" pitchFamily="49" charset="-122"/>
+                <a:ea typeface="新宋体" panose="02010609030101010101" pitchFamily="49" charset="-122"/>
+              </a:rPr>
+              <a:t>MAKE_META_DATA_IMPL</a:t>
+            </a:r>
+            <a:r>
+              <a:rPr lang="en-US" altLang="zh-CN" dirty="0">
+                <a:solidFill>
+                  <a:srgbClr val="000000"/>
+                </a:solidFill>
+                <a:highlight>
+                  <a:srgbClr val="FFFFFF"/>
+                </a:highlight>
+                <a:latin typeface="新宋体" panose="02010609030101010101" pitchFamily="49" charset="-122"/>
+                <a:ea typeface="新宋体" panose="02010609030101010101" pitchFamily="49" charset="-122"/>
+              </a:rPr>
+              <a:t>(STRUCT_NAME, MAKE_ARG_LIST(N, &amp;STRUCT_NAME</a:t>
+            </a:r>
+            <a:r>
+              <a:rPr lang="en-US" altLang="zh-CN" dirty="0" smtClean="0">
+                <a:solidFill>
+                  <a:srgbClr val="000000"/>
+                </a:solidFill>
+                <a:highlight>
+                  <a:srgbClr val="FFFFFF"/>
+                </a:highlight>
+                <a:latin typeface="新宋体" panose="02010609030101010101" pitchFamily="49" charset="-122"/>
+                <a:ea typeface="新宋体" panose="02010609030101010101" pitchFamily="49" charset="-122"/>
+              </a:rPr>
+              <a:t>::FIELD, </a:t>
+            </a:r>
+            <a:r>
+              <a:rPr lang="en-US" altLang="zh-CN" dirty="0">
+                <a:solidFill>
+                  <a:srgbClr val="000000"/>
+                </a:solidFill>
+                <a:highlight>
+                  <a:srgbClr val="FFFFFF"/>
+                </a:highlight>
+                <a:latin typeface="新宋体" panose="02010609030101010101" pitchFamily="49" charset="-122"/>
+                <a:ea typeface="新宋体" panose="02010609030101010101" pitchFamily="49" charset="-122"/>
+              </a:rPr>
+              <a:t>__VA_ARGS__))</a:t>
             </a:r>
             <a:endParaRPr lang="zh-CN" altLang="en-US" dirty="0"/>
           </a:p>
@@ -24659,11 +25064,7 @@
           <a:bodyPr/>
           <a:lstStyle/>
           <a:p>
-            <a:r>
-              <a:rPr lang="en-US" altLang="zh-CN" dirty="0" smtClean="0"/>
-              <a:t>Outline</a:t>
-            </a:r>
-            <a:endParaRPr lang="zh-CN" altLang="en-US" dirty="0"/>
+            <a:endParaRPr lang="zh-CN" altLang="en-US"/>
           </a:p>
         </p:txBody>
       </p:sp>
@@ -24682,31 +25083,991 @@
           <a:bodyPr/>
           <a:lstStyle/>
           <a:p>
-            <a:r>
-              <a:rPr lang="en-US" altLang="zh-CN" dirty="0" smtClean="0"/>
-              <a:t>concepts of reflection</a:t>
-            </a:r>
-          </a:p>
-          <a:p>
+            <a:pPr marL="0" indent="0">
+              <a:buNone/>
+            </a:pPr>
+            <a:endParaRPr lang="zh-CN" altLang="en-US" dirty="0"/>
+          </a:p>
+        </p:txBody>
+      </p:sp>
+      <p:sp>
+        <p:nvSpPr>
+          <p:cNvPr id="4" name="矩形 3"/>
+          <p:cNvSpPr/>
+          <p:nvPr/>
+        </p:nvSpPr>
+        <p:spPr>
+          <a:xfrm>
+            <a:off x="759822" y="1825625"/>
+            <a:ext cx="10657115" cy="2031325"/>
+          </a:xfrm>
+          <a:prstGeom prst="rect">
+            <a:avLst/>
+          </a:prstGeom>
+        </p:spPr>
+        <p:txBody>
+          <a:bodyPr wrap="square">
+            <a:spAutoFit/>
+          </a:bodyPr>
+          <a:lstStyle/>
+          <a:p>
+            <a:r>
+              <a:rPr lang="en-US" altLang="zh-CN" dirty="0">
+                <a:solidFill>
+                  <a:srgbClr val="808080"/>
+                </a:solidFill>
+                <a:highlight>
+                  <a:srgbClr val="FFFFFF"/>
+                </a:highlight>
+                <a:latin typeface="新宋体" panose="02010609030101010101" pitchFamily="49" charset="-122"/>
+                <a:ea typeface="新宋体" panose="02010609030101010101" pitchFamily="49" charset="-122"/>
+              </a:rPr>
+              <a:t>#define</a:t>
+            </a:r>
+            <a:r>
+              <a:rPr lang="en-US" altLang="zh-CN" dirty="0">
+                <a:solidFill>
+                  <a:srgbClr val="000000"/>
+                </a:solidFill>
+                <a:highlight>
+                  <a:srgbClr val="FFFFFF"/>
+                </a:highlight>
+                <a:latin typeface="新宋体" panose="02010609030101010101" pitchFamily="49" charset="-122"/>
+                <a:ea typeface="新宋体" panose="02010609030101010101" pitchFamily="49" charset="-122"/>
+              </a:rPr>
+              <a:t> </a:t>
+            </a:r>
+            <a:r>
+              <a:rPr lang="en-US" altLang="zh-CN" dirty="0" smtClean="0">
+                <a:solidFill>
+                  <a:srgbClr val="6F008A"/>
+                </a:solidFill>
+                <a:highlight>
+                  <a:srgbClr val="FFFFFF"/>
+                </a:highlight>
+                <a:latin typeface="新宋体" panose="02010609030101010101" pitchFamily="49" charset="-122"/>
+                <a:ea typeface="新宋体" panose="02010609030101010101" pitchFamily="49" charset="-122"/>
+              </a:rPr>
+              <a:t>MAKE_ARRAY</a:t>
+            </a:r>
+            <a:r>
+              <a:rPr lang="en-US" altLang="zh-CN" dirty="0" smtClean="0">
+                <a:solidFill>
+                  <a:srgbClr val="000000"/>
+                </a:solidFill>
+                <a:highlight>
+                  <a:srgbClr val="FFFFFF"/>
+                </a:highlight>
+                <a:latin typeface="新宋体" panose="02010609030101010101" pitchFamily="49" charset="-122"/>
+                <a:ea typeface="新宋体" panose="02010609030101010101" pitchFamily="49" charset="-122"/>
+              </a:rPr>
+              <a:t>(NAME</a:t>
+            </a:r>
+            <a:r>
+              <a:rPr lang="en-US" altLang="zh-CN" dirty="0">
+                <a:solidFill>
+                  <a:srgbClr val="000000"/>
+                </a:solidFill>
+                <a:highlight>
+                  <a:srgbClr val="FFFFFF"/>
+                </a:highlight>
+                <a:latin typeface="新宋体" panose="02010609030101010101" pitchFamily="49" charset="-122"/>
+                <a:ea typeface="新宋体" panose="02010609030101010101" pitchFamily="49" charset="-122"/>
+              </a:rPr>
+              <a:t>, ...) \</a:t>
+            </a:r>
+          </a:p>
+          <a:p>
+            <a:r>
+              <a:rPr lang="en-US" altLang="zh-CN" dirty="0" smtClean="0">
+                <a:solidFill>
+                  <a:srgbClr val="000000"/>
+                </a:solidFill>
+                <a:highlight>
+                  <a:srgbClr val="FFFFFF"/>
+                </a:highlight>
+                <a:latin typeface="新宋体" panose="02010609030101010101" pitchFamily="49" charset="-122"/>
+                <a:ea typeface="新宋体" panose="02010609030101010101" pitchFamily="49" charset="-122"/>
+              </a:rPr>
+              <a:t>	MAKE_ARRAY_IMPL(NAME</a:t>
+            </a:r>
+            <a:r>
+              <a:rPr lang="en-US" altLang="zh-CN" dirty="0">
+                <a:solidFill>
+                  <a:srgbClr val="000000"/>
+                </a:solidFill>
+                <a:highlight>
+                  <a:srgbClr val="FFFFFF"/>
+                </a:highlight>
+                <a:latin typeface="新宋体" panose="02010609030101010101" pitchFamily="49" charset="-122"/>
+                <a:ea typeface="新宋体" panose="02010609030101010101" pitchFamily="49" charset="-122"/>
+              </a:rPr>
+              <a:t>, </a:t>
+            </a:r>
+            <a:r>
+              <a:rPr lang="en-US" altLang="zh-CN" dirty="0">
+                <a:solidFill>
+                  <a:srgbClr val="6F008A"/>
+                </a:solidFill>
+                <a:highlight>
+                  <a:srgbClr val="FFFFFF"/>
+                </a:highlight>
+                <a:latin typeface="新宋体" panose="02010609030101010101" pitchFamily="49" charset="-122"/>
+                <a:ea typeface="新宋体" panose="02010609030101010101" pitchFamily="49" charset="-122"/>
+              </a:rPr>
+              <a:t>GET_ARG_COUNT</a:t>
+            </a:r>
+            <a:r>
+              <a:rPr lang="en-US" altLang="zh-CN" dirty="0">
+                <a:solidFill>
+                  <a:srgbClr val="000000"/>
+                </a:solidFill>
+                <a:highlight>
+                  <a:srgbClr val="FFFFFF"/>
+                </a:highlight>
+                <a:latin typeface="新宋体" panose="02010609030101010101" pitchFamily="49" charset="-122"/>
+                <a:ea typeface="新宋体" panose="02010609030101010101" pitchFamily="49" charset="-122"/>
+              </a:rPr>
+              <a:t>(__VA_ARGS__), __VA_ARGS__)</a:t>
+            </a:r>
+          </a:p>
+          <a:p>
+            <a:endParaRPr lang="zh-CN" altLang="en-US" dirty="0">
+              <a:solidFill>
+                <a:srgbClr val="000000"/>
+              </a:solidFill>
+              <a:highlight>
+                <a:srgbClr val="FFFFFF"/>
+              </a:highlight>
+              <a:latin typeface="新宋体" panose="02010609030101010101" pitchFamily="49" charset="-122"/>
+              <a:ea typeface="新宋体" panose="02010609030101010101" pitchFamily="49" charset="-122"/>
+            </a:endParaRPr>
+          </a:p>
+          <a:p>
+            <a:r>
+              <a:rPr lang="en-US" altLang="zh-CN" dirty="0">
+                <a:solidFill>
+                  <a:srgbClr val="808080"/>
+                </a:solidFill>
+                <a:highlight>
+                  <a:srgbClr val="FFFFFF"/>
+                </a:highlight>
+                <a:latin typeface="新宋体" panose="02010609030101010101" pitchFamily="49" charset="-122"/>
+                <a:ea typeface="新宋体" panose="02010609030101010101" pitchFamily="49" charset="-122"/>
+              </a:rPr>
+              <a:t>#define</a:t>
+            </a:r>
+            <a:r>
+              <a:rPr lang="en-US" altLang="zh-CN" dirty="0">
+                <a:solidFill>
+                  <a:srgbClr val="000000"/>
+                </a:solidFill>
+                <a:highlight>
+                  <a:srgbClr val="FFFFFF"/>
+                </a:highlight>
+                <a:latin typeface="新宋体" panose="02010609030101010101" pitchFamily="49" charset="-122"/>
+                <a:ea typeface="新宋体" panose="02010609030101010101" pitchFamily="49" charset="-122"/>
+              </a:rPr>
+              <a:t> </a:t>
+            </a:r>
+            <a:r>
+              <a:rPr lang="en-US" altLang="zh-CN" dirty="0" smtClean="0">
+                <a:solidFill>
+                  <a:srgbClr val="6F008A"/>
+                </a:solidFill>
+                <a:highlight>
+                  <a:srgbClr val="FFFFFF"/>
+                </a:highlight>
+                <a:latin typeface="新宋体" panose="02010609030101010101" pitchFamily="49" charset="-122"/>
+                <a:ea typeface="新宋体" panose="02010609030101010101" pitchFamily="49" charset="-122"/>
+              </a:rPr>
+              <a:t>MAKE_ARRAY_IMPL</a:t>
+            </a:r>
+            <a:r>
+              <a:rPr lang="en-US" altLang="zh-CN" dirty="0" smtClean="0">
+                <a:solidFill>
+                  <a:srgbClr val="000000"/>
+                </a:solidFill>
+                <a:highlight>
+                  <a:srgbClr val="FFFFFF"/>
+                </a:highlight>
+                <a:latin typeface="新宋体" panose="02010609030101010101" pitchFamily="49" charset="-122"/>
+                <a:ea typeface="新宋体" panose="02010609030101010101" pitchFamily="49" charset="-122"/>
+              </a:rPr>
+              <a:t>(NAME</a:t>
+            </a:r>
+            <a:r>
+              <a:rPr lang="en-US" altLang="zh-CN" dirty="0">
+                <a:solidFill>
+                  <a:srgbClr val="000000"/>
+                </a:solidFill>
+                <a:highlight>
+                  <a:srgbClr val="FFFFFF"/>
+                </a:highlight>
+                <a:latin typeface="新宋体" panose="02010609030101010101" pitchFamily="49" charset="-122"/>
+                <a:ea typeface="新宋体" panose="02010609030101010101" pitchFamily="49" charset="-122"/>
+              </a:rPr>
+              <a:t>, N, ...) \</a:t>
+            </a:r>
+          </a:p>
+          <a:p>
+            <a:r>
+              <a:rPr lang="en-US" altLang="zh-CN" dirty="0" err="1" smtClean="0">
+                <a:solidFill>
+                  <a:srgbClr val="0000FF"/>
+                </a:solidFill>
+                <a:highlight>
+                  <a:srgbClr val="FFFFFF"/>
+                </a:highlight>
+                <a:latin typeface="新宋体" panose="02010609030101010101" pitchFamily="49" charset="-122"/>
+                <a:ea typeface="新宋体" panose="02010609030101010101" pitchFamily="49" charset="-122"/>
+              </a:rPr>
+              <a:t>constexpr</a:t>
+            </a:r>
+            <a:r>
+              <a:rPr lang="en-US" altLang="zh-CN" dirty="0" smtClean="0">
+                <a:solidFill>
+                  <a:srgbClr val="000000"/>
+                </a:solidFill>
+                <a:highlight>
+                  <a:srgbClr val="FFFFFF"/>
+                </a:highlight>
+                <a:latin typeface="新宋体" panose="02010609030101010101" pitchFamily="49" charset="-122"/>
+                <a:ea typeface="新宋体" panose="02010609030101010101" pitchFamily="49" charset="-122"/>
+              </a:rPr>
+              <a:t> </a:t>
+            </a:r>
+            <a:r>
+              <a:rPr lang="en-US" altLang="zh-CN" dirty="0" err="1">
+                <a:solidFill>
+                  <a:srgbClr val="000000"/>
+                </a:solidFill>
+                <a:highlight>
+                  <a:srgbClr val="FFFFFF"/>
+                </a:highlight>
+                <a:latin typeface="新宋体" panose="02010609030101010101" pitchFamily="49" charset="-122"/>
+                <a:ea typeface="新宋体" panose="02010609030101010101" pitchFamily="49" charset="-122"/>
+              </a:rPr>
+              <a:t>std</a:t>
+            </a:r>
+            <a:r>
+              <a:rPr lang="en-US" altLang="zh-CN" dirty="0">
+                <a:solidFill>
+                  <a:srgbClr val="000000"/>
+                </a:solidFill>
+                <a:highlight>
+                  <a:srgbClr val="FFFFFF"/>
+                </a:highlight>
+                <a:latin typeface="新宋体" panose="02010609030101010101" pitchFamily="49" charset="-122"/>
+                <a:ea typeface="新宋体" panose="02010609030101010101" pitchFamily="49" charset="-122"/>
+              </a:rPr>
+              <a:t>::</a:t>
+            </a:r>
+            <a:r>
+              <a:rPr lang="en-US" altLang="zh-CN" dirty="0">
+                <a:solidFill>
+                  <a:srgbClr val="2B91AF"/>
+                </a:solidFill>
+                <a:highlight>
+                  <a:srgbClr val="FFFFFF"/>
+                </a:highlight>
+                <a:latin typeface="新宋体" panose="02010609030101010101" pitchFamily="49" charset="-122"/>
+                <a:ea typeface="新宋体" panose="02010609030101010101" pitchFamily="49" charset="-122"/>
+              </a:rPr>
+              <a:t>array</a:t>
+            </a:r>
+            <a:r>
+              <a:rPr lang="en-US" altLang="zh-CN" dirty="0">
+                <a:solidFill>
+                  <a:srgbClr val="000000"/>
+                </a:solidFill>
+                <a:highlight>
+                  <a:srgbClr val="FFFFFF"/>
+                </a:highlight>
+                <a:latin typeface="新宋体" panose="02010609030101010101" pitchFamily="49" charset="-122"/>
+                <a:ea typeface="新宋体" panose="02010609030101010101" pitchFamily="49" charset="-122"/>
+              </a:rPr>
+              <a:t>&lt;</a:t>
+            </a:r>
+            <a:r>
+              <a:rPr lang="en-US" altLang="zh-CN" dirty="0" err="1">
+                <a:solidFill>
+                  <a:srgbClr val="0000FF"/>
+                </a:solidFill>
+                <a:highlight>
+                  <a:srgbClr val="FFFFFF"/>
+                </a:highlight>
+                <a:latin typeface="新宋体" panose="02010609030101010101" pitchFamily="49" charset="-122"/>
+                <a:ea typeface="新宋体" panose="02010609030101010101" pitchFamily="49" charset="-122"/>
+              </a:rPr>
+              <a:t>const</a:t>
+            </a:r>
+            <a:r>
+              <a:rPr lang="en-US" altLang="zh-CN" dirty="0">
+                <a:solidFill>
+                  <a:srgbClr val="000000"/>
+                </a:solidFill>
+                <a:highlight>
+                  <a:srgbClr val="FFFFFF"/>
+                </a:highlight>
+                <a:latin typeface="新宋体" panose="02010609030101010101" pitchFamily="49" charset="-122"/>
+                <a:ea typeface="新宋体" panose="02010609030101010101" pitchFamily="49" charset="-122"/>
+              </a:rPr>
+              <a:t> </a:t>
+            </a:r>
+            <a:r>
+              <a:rPr lang="en-US" altLang="zh-CN" dirty="0">
+                <a:solidFill>
+                  <a:srgbClr val="0000FF"/>
+                </a:solidFill>
+                <a:highlight>
+                  <a:srgbClr val="FFFFFF"/>
+                </a:highlight>
+                <a:latin typeface="新宋体" panose="02010609030101010101" pitchFamily="49" charset="-122"/>
+                <a:ea typeface="新宋体" panose="02010609030101010101" pitchFamily="49" charset="-122"/>
+              </a:rPr>
+              <a:t>char</a:t>
+            </a:r>
+            <a:r>
+              <a:rPr lang="en-US" altLang="zh-CN" dirty="0">
+                <a:solidFill>
+                  <a:srgbClr val="000000"/>
+                </a:solidFill>
+                <a:highlight>
+                  <a:srgbClr val="FFFFFF"/>
+                </a:highlight>
+                <a:latin typeface="新宋体" panose="02010609030101010101" pitchFamily="49" charset="-122"/>
+                <a:ea typeface="新宋体" panose="02010609030101010101" pitchFamily="49" charset="-122"/>
+              </a:rPr>
+              <a:t>*, N&gt; </a:t>
+            </a:r>
+            <a:r>
+              <a:rPr lang="en-US" altLang="zh-CN" dirty="0" err="1">
+                <a:solidFill>
+                  <a:srgbClr val="000000"/>
+                </a:solidFill>
+                <a:highlight>
+                  <a:srgbClr val="FFFFFF"/>
+                </a:highlight>
+                <a:latin typeface="新宋体" panose="02010609030101010101" pitchFamily="49" charset="-122"/>
+                <a:ea typeface="新宋体" panose="02010609030101010101" pitchFamily="49" charset="-122"/>
+              </a:rPr>
+              <a:t>arr</a:t>
+            </a:r>
+            <a:r>
+              <a:rPr lang="en-US" altLang="zh-CN" dirty="0" smtClean="0">
+                <a:solidFill>
+                  <a:srgbClr val="000000"/>
+                </a:solidFill>
+                <a:highlight>
+                  <a:srgbClr val="FFFFFF"/>
+                </a:highlight>
+                <a:latin typeface="新宋体" panose="02010609030101010101" pitchFamily="49" charset="-122"/>
+                <a:ea typeface="新宋体" panose="02010609030101010101" pitchFamily="49" charset="-122"/>
+              </a:rPr>
+              <a:t>_##NAME </a:t>
+            </a:r>
+            <a:r>
+              <a:rPr lang="en-US" altLang="zh-CN" dirty="0">
+                <a:solidFill>
+                  <a:srgbClr val="000000"/>
+                </a:solidFill>
+                <a:highlight>
+                  <a:srgbClr val="FFFFFF"/>
+                </a:highlight>
+                <a:latin typeface="新宋体" panose="02010609030101010101" pitchFamily="49" charset="-122"/>
+                <a:ea typeface="新宋体" panose="02010609030101010101" pitchFamily="49" charset="-122"/>
+              </a:rPr>
+              <a:t>= </a:t>
+            </a:r>
+            <a:r>
+              <a:rPr lang="en-US" altLang="zh-CN" dirty="0" smtClean="0">
+                <a:solidFill>
+                  <a:srgbClr val="000000"/>
+                </a:solidFill>
+                <a:highlight>
+                  <a:srgbClr val="FFFFFF"/>
+                </a:highlight>
+                <a:latin typeface="新宋体" panose="02010609030101010101" pitchFamily="49" charset="-122"/>
+                <a:ea typeface="新宋体" panose="02010609030101010101" pitchFamily="49" charset="-122"/>
+              </a:rPr>
+              <a:t>{ </a:t>
+            </a:r>
+            <a:r>
+              <a:rPr lang="en-US" altLang="zh-CN" dirty="0">
+                <a:solidFill>
+                  <a:srgbClr val="6F008A"/>
+                </a:solidFill>
+                <a:highlight>
+                  <a:srgbClr val="FFFFFF"/>
+                </a:highlight>
+                <a:latin typeface="新宋体" panose="02010609030101010101" pitchFamily="49" charset="-122"/>
+                <a:ea typeface="新宋体" panose="02010609030101010101" pitchFamily="49" charset="-122"/>
+              </a:rPr>
+              <a:t>MACRO_CONCAT</a:t>
+            </a:r>
+            <a:r>
+              <a:rPr lang="en-US" altLang="zh-CN" dirty="0" smtClean="0">
+                <a:solidFill>
+                  <a:srgbClr val="000000"/>
+                </a:solidFill>
+                <a:highlight>
+                  <a:srgbClr val="FFFFFF"/>
+                </a:highlight>
+                <a:latin typeface="新宋体" panose="02010609030101010101" pitchFamily="49" charset="-122"/>
+                <a:ea typeface="新宋体" panose="02010609030101010101" pitchFamily="49" charset="-122"/>
+              </a:rPr>
+              <a:t>(CON_STR</a:t>
+            </a:r>
+            <a:r>
+              <a:rPr lang="en-US" altLang="zh-CN" dirty="0">
+                <a:solidFill>
+                  <a:srgbClr val="000000"/>
+                </a:solidFill>
+                <a:highlight>
+                  <a:srgbClr val="FFFFFF"/>
+                </a:highlight>
+                <a:latin typeface="新宋体" panose="02010609030101010101" pitchFamily="49" charset="-122"/>
+                <a:ea typeface="新宋体" panose="02010609030101010101" pitchFamily="49" charset="-122"/>
+              </a:rPr>
+              <a:t>, N)(__VA_ARGS</a:t>
+            </a:r>
+            <a:r>
+              <a:rPr lang="en-US" altLang="zh-CN" dirty="0" smtClean="0">
+                <a:solidFill>
+                  <a:srgbClr val="000000"/>
+                </a:solidFill>
+                <a:highlight>
+                  <a:srgbClr val="FFFFFF"/>
+                </a:highlight>
+                <a:latin typeface="新宋体" panose="02010609030101010101" pitchFamily="49" charset="-122"/>
+                <a:ea typeface="新宋体" panose="02010609030101010101" pitchFamily="49" charset="-122"/>
+              </a:rPr>
+              <a:t>__) </a:t>
+            </a:r>
+            <a:r>
+              <a:rPr lang="en-US" altLang="zh-CN" dirty="0">
+                <a:solidFill>
+                  <a:srgbClr val="000000"/>
+                </a:solidFill>
+                <a:highlight>
+                  <a:srgbClr val="FFFFFF"/>
+                </a:highlight>
+                <a:latin typeface="新宋体" panose="02010609030101010101" pitchFamily="49" charset="-122"/>
+                <a:ea typeface="新宋体" panose="02010609030101010101" pitchFamily="49" charset="-122"/>
+              </a:rPr>
+              <a:t>};</a:t>
+            </a:r>
+          </a:p>
+          <a:p>
+            <a:endParaRPr lang="zh-CN" altLang="en-US" dirty="0">
+              <a:solidFill>
+                <a:srgbClr val="000000"/>
+              </a:solidFill>
+              <a:highlight>
+                <a:srgbClr val="FFFFFF"/>
+              </a:highlight>
+              <a:latin typeface="新宋体" panose="02010609030101010101" pitchFamily="49" charset="-122"/>
+              <a:ea typeface="新宋体" panose="02010609030101010101" pitchFamily="49" charset="-122"/>
+            </a:endParaRPr>
+          </a:p>
+          <a:p>
+            <a:r>
+              <a:rPr lang="it-IT" altLang="zh-CN" dirty="0">
+                <a:solidFill>
+                  <a:srgbClr val="808080"/>
+                </a:solidFill>
+                <a:highlight>
+                  <a:srgbClr val="FFFFFF"/>
+                </a:highlight>
+                <a:latin typeface="新宋体" panose="02010609030101010101" pitchFamily="49" charset="-122"/>
+                <a:ea typeface="新宋体" panose="02010609030101010101" pitchFamily="49" charset="-122"/>
+              </a:rPr>
+              <a:t>#define</a:t>
+            </a:r>
+            <a:r>
+              <a:rPr lang="it-IT" altLang="zh-CN" dirty="0">
+                <a:solidFill>
+                  <a:srgbClr val="000000"/>
+                </a:solidFill>
+                <a:highlight>
+                  <a:srgbClr val="FFFFFF"/>
+                </a:highlight>
+                <a:latin typeface="新宋体" panose="02010609030101010101" pitchFamily="49" charset="-122"/>
+                <a:ea typeface="新宋体" panose="02010609030101010101" pitchFamily="49" charset="-122"/>
+              </a:rPr>
+              <a:t> </a:t>
+            </a:r>
+            <a:r>
+              <a:rPr lang="it-IT" altLang="zh-CN" dirty="0">
+                <a:solidFill>
+                  <a:srgbClr val="6F008A"/>
+                </a:solidFill>
+                <a:highlight>
+                  <a:srgbClr val="FFFFFF"/>
+                </a:highlight>
+                <a:latin typeface="新宋体" panose="02010609030101010101" pitchFamily="49" charset="-122"/>
+                <a:ea typeface="新宋体" panose="02010609030101010101" pitchFamily="49" charset="-122"/>
+              </a:rPr>
+              <a:t>MACRO_CONCAT</a:t>
+            </a:r>
+            <a:r>
+              <a:rPr lang="it-IT" altLang="zh-CN" dirty="0">
+                <a:solidFill>
+                  <a:srgbClr val="000000"/>
+                </a:solidFill>
+                <a:highlight>
+                  <a:srgbClr val="FFFFFF"/>
+                </a:highlight>
+                <a:latin typeface="新宋体" panose="02010609030101010101" pitchFamily="49" charset="-122"/>
+                <a:ea typeface="新宋体" panose="02010609030101010101" pitchFamily="49" charset="-122"/>
+              </a:rPr>
+              <a:t>(A, B) A##_##B</a:t>
+            </a:r>
+            <a:endParaRPr lang="zh-CN" altLang="en-US" dirty="0"/>
+          </a:p>
+        </p:txBody>
+      </p:sp>
+      <p:sp>
+        <p:nvSpPr>
+          <p:cNvPr id="5" name="矩形 4"/>
+          <p:cNvSpPr/>
+          <p:nvPr/>
+        </p:nvSpPr>
+        <p:spPr>
+          <a:xfrm>
+            <a:off x="759822" y="3991887"/>
+            <a:ext cx="2377574" cy="369332"/>
+          </a:xfrm>
+          <a:prstGeom prst="rect">
+            <a:avLst/>
+          </a:prstGeom>
+        </p:spPr>
+        <p:txBody>
+          <a:bodyPr wrap="none">
+            <a:spAutoFit/>
+          </a:bodyPr>
+          <a:lstStyle/>
+          <a:p>
+            <a:r>
+              <a:rPr lang="en-US" altLang="zh-CN" dirty="0">
+                <a:solidFill>
+                  <a:srgbClr val="6F008A"/>
+                </a:solidFill>
+                <a:highlight>
+                  <a:srgbClr val="FFFFFF"/>
+                </a:highlight>
+                <a:latin typeface="新宋体" panose="02010609030101010101" pitchFamily="49" charset="-122"/>
+                <a:ea typeface="新宋体" panose="02010609030101010101" pitchFamily="49" charset="-122"/>
+              </a:rPr>
+              <a:t>MAKE_ARRAY</a:t>
+            </a:r>
+            <a:r>
+              <a:rPr lang="en-US" altLang="zh-CN" dirty="0">
+                <a:solidFill>
+                  <a:srgbClr val="000000"/>
+                </a:solidFill>
+                <a:highlight>
+                  <a:srgbClr val="FFFFFF"/>
+                </a:highlight>
+                <a:latin typeface="新宋体" panose="02010609030101010101" pitchFamily="49" charset="-122"/>
+                <a:ea typeface="新宋体" panose="02010609030101010101" pitchFamily="49" charset="-122"/>
+              </a:rPr>
+              <a:t>(t, a, b</a:t>
+            </a:r>
+            <a:r>
+              <a:rPr lang="en-US" altLang="zh-CN" dirty="0" smtClean="0">
+                <a:solidFill>
+                  <a:srgbClr val="000000"/>
+                </a:solidFill>
+                <a:highlight>
+                  <a:srgbClr val="FFFFFF"/>
+                </a:highlight>
+                <a:latin typeface="新宋体" panose="02010609030101010101" pitchFamily="49" charset="-122"/>
+                <a:ea typeface="新宋体" panose="02010609030101010101" pitchFamily="49" charset="-122"/>
+              </a:rPr>
+              <a:t>)</a:t>
+            </a:r>
+            <a:endParaRPr lang="zh-CN" altLang="en-US" dirty="0"/>
+          </a:p>
+        </p:txBody>
+      </p:sp>
+      <p:sp>
+        <p:nvSpPr>
+          <p:cNvPr id="6" name="矩形 5"/>
+          <p:cNvSpPr/>
+          <p:nvPr/>
+        </p:nvSpPr>
+        <p:spPr>
+          <a:xfrm>
+            <a:off x="2971934" y="3991887"/>
+            <a:ext cx="3663182" cy="369332"/>
+          </a:xfrm>
+          <a:prstGeom prst="rect">
+            <a:avLst/>
+          </a:prstGeom>
+        </p:spPr>
+        <p:txBody>
+          <a:bodyPr wrap="none">
+            <a:spAutoFit/>
+          </a:bodyPr>
+          <a:lstStyle/>
+          <a:p>
+            <a:r>
+              <a:rPr lang="en-US" altLang="zh-CN" dirty="0" smtClean="0">
+                <a:solidFill>
+                  <a:srgbClr val="6F008A"/>
+                </a:solidFill>
+                <a:highlight>
+                  <a:srgbClr val="FFFFFF"/>
+                </a:highlight>
+                <a:latin typeface="新宋体" panose="02010609030101010101" pitchFamily="49" charset="-122"/>
+                <a:ea typeface="新宋体" panose="02010609030101010101" pitchFamily="49" charset="-122"/>
+                <a:sym typeface="Wingdings" panose="05000000000000000000" pitchFamily="2" charset="2"/>
+              </a:rPr>
+              <a:t></a:t>
+            </a:r>
+            <a:r>
+              <a:rPr lang="en-US" altLang="zh-CN" dirty="0" smtClean="0">
+                <a:solidFill>
+                  <a:srgbClr val="6F008A"/>
+                </a:solidFill>
+                <a:highlight>
+                  <a:srgbClr val="FFFFFF"/>
+                </a:highlight>
+                <a:latin typeface="新宋体" panose="02010609030101010101" pitchFamily="49" charset="-122"/>
+                <a:ea typeface="新宋体" panose="02010609030101010101" pitchFamily="49" charset="-122"/>
+              </a:rPr>
+              <a:t>MAKE_ARRAY_IMPL</a:t>
+            </a:r>
+            <a:r>
+              <a:rPr lang="en-US" altLang="zh-CN" dirty="0" smtClean="0">
+                <a:solidFill>
+                  <a:srgbClr val="000000"/>
+                </a:solidFill>
+                <a:highlight>
+                  <a:srgbClr val="FFFFFF"/>
+                </a:highlight>
+                <a:latin typeface="新宋体" panose="02010609030101010101" pitchFamily="49" charset="-122"/>
+                <a:ea typeface="新宋体" panose="02010609030101010101" pitchFamily="49" charset="-122"/>
+              </a:rPr>
+              <a:t>(t, 2, </a:t>
+            </a:r>
+            <a:r>
+              <a:rPr lang="en-US" altLang="zh-CN" dirty="0">
+                <a:solidFill>
+                  <a:srgbClr val="000000"/>
+                </a:solidFill>
+                <a:highlight>
+                  <a:srgbClr val="FFFFFF"/>
+                </a:highlight>
+                <a:latin typeface="新宋体" panose="02010609030101010101" pitchFamily="49" charset="-122"/>
+                <a:ea typeface="新宋体" panose="02010609030101010101" pitchFamily="49" charset="-122"/>
+              </a:rPr>
+              <a:t>a, b</a:t>
+            </a:r>
+            <a:r>
+              <a:rPr lang="en-US" altLang="zh-CN" dirty="0" smtClean="0">
+                <a:solidFill>
+                  <a:srgbClr val="000000"/>
+                </a:solidFill>
+                <a:highlight>
+                  <a:srgbClr val="FFFFFF"/>
+                </a:highlight>
+                <a:latin typeface="新宋体" panose="02010609030101010101" pitchFamily="49" charset="-122"/>
+                <a:ea typeface="新宋体" panose="02010609030101010101" pitchFamily="49" charset="-122"/>
+              </a:rPr>
+              <a:t>)</a:t>
+            </a:r>
+            <a:endParaRPr lang="zh-CN" altLang="en-US" dirty="0"/>
+          </a:p>
+        </p:txBody>
+      </p:sp>
+      <p:sp>
+        <p:nvSpPr>
+          <p:cNvPr id="7" name="矩形 6"/>
+          <p:cNvSpPr/>
+          <p:nvPr/>
+        </p:nvSpPr>
+        <p:spPr>
+          <a:xfrm>
+            <a:off x="6295312" y="3991887"/>
+            <a:ext cx="2393604" cy="369332"/>
+          </a:xfrm>
+          <a:prstGeom prst="rect">
+            <a:avLst/>
+          </a:prstGeom>
+        </p:spPr>
+        <p:txBody>
+          <a:bodyPr wrap="none">
+            <a:spAutoFit/>
+          </a:bodyPr>
+          <a:lstStyle/>
+          <a:p>
+            <a:r>
+              <a:rPr lang="en-US" altLang="zh-CN" dirty="0" smtClean="0">
+                <a:solidFill>
+                  <a:srgbClr val="6F008A"/>
+                </a:solidFill>
+                <a:highlight>
+                  <a:srgbClr val="FFFFFF"/>
+                </a:highlight>
+                <a:latin typeface="新宋体" panose="02010609030101010101" pitchFamily="49" charset="-122"/>
+                <a:ea typeface="新宋体" panose="02010609030101010101" pitchFamily="49" charset="-122"/>
+                <a:sym typeface="Wingdings" panose="05000000000000000000" pitchFamily="2" charset="2"/>
+              </a:rPr>
+              <a:t>{ </a:t>
+            </a:r>
+            <a:r>
+              <a:rPr lang="en-US" altLang="zh-CN" dirty="0" smtClean="0">
+                <a:solidFill>
+                  <a:srgbClr val="6F008A"/>
+                </a:solidFill>
+                <a:highlight>
+                  <a:srgbClr val="FFFFFF"/>
+                </a:highlight>
+                <a:latin typeface="新宋体" panose="02010609030101010101" pitchFamily="49" charset="-122"/>
+                <a:ea typeface="新宋体" panose="02010609030101010101" pitchFamily="49" charset="-122"/>
+              </a:rPr>
+              <a:t>CON_STR2</a:t>
+            </a:r>
+            <a:r>
+              <a:rPr lang="en-US" altLang="zh-CN" dirty="0">
+                <a:solidFill>
+                  <a:srgbClr val="000000"/>
+                </a:solidFill>
+                <a:highlight>
+                  <a:srgbClr val="FFFFFF"/>
+                </a:highlight>
+                <a:latin typeface="新宋体" panose="02010609030101010101" pitchFamily="49" charset="-122"/>
+                <a:ea typeface="新宋体" panose="02010609030101010101" pitchFamily="49" charset="-122"/>
+              </a:rPr>
+              <a:t>(</a:t>
+            </a:r>
+            <a:r>
+              <a:rPr lang="en-US" altLang="zh-CN" dirty="0" smtClean="0">
+                <a:solidFill>
+                  <a:srgbClr val="000000"/>
+                </a:solidFill>
+                <a:highlight>
+                  <a:srgbClr val="FFFFFF"/>
+                </a:highlight>
+                <a:latin typeface="新宋体" panose="02010609030101010101" pitchFamily="49" charset="-122"/>
+                <a:ea typeface="新宋体" panose="02010609030101010101" pitchFamily="49" charset="-122"/>
+              </a:rPr>
+              <a:t>a</a:t>
+            </a:r>
+            <a:r>
+              <a:rPr lang="en-US" altLang="zh-CN" dirty="0">
+                <a:solidFill>
+                  <a:srgbClr val="000000"/>
+                </a:solidFill>
+                <a:highlight>
+                  <a:srgbClr val="FFFFFF"/>
+                </a:highlight>
+                <a:latin typeface="新宋体" panose="02010609030101010101" pitchFamily="49" charset="-122"/>
+                <a:ea typeface="新宋体" panose="02010609030101010101" pitchFamily="49" charset="-122"/>
+              </a:rPr>
+              <a:t>, </a:t>
+            </a:r>
+            <a:r>
+              <a:rPr lang="en-US" altLang="zh-CN" dirty="0" smtClean="0">
+                <a:solidFill>
+                  <a:srgbClr val="000000"/>
+                </a:solidFill>
+                <a:highlight>
+                  <a:srgbClr val="FFFFFF"/>
+                </a:highlight>
+                <a:latin typeface="新宋体" panose="02010609030101010101" pitchFamily="49" charset="-122"/>
+                <a:ea typeface="新宋体" panose="02010609030101010101" pitchFamily="49" charset="-122"/>
+              </a:rPr>
+              <a:t>b)</a:t>
+            </a:r>
+            <a:r>
+              <a:rPr lang="en-US" altLang="zh-CN" dirty="0" smtClean="0">
+                <a:solidFill>
+                  <a:srgbClr val="6F008A"/>
+                </a:solidFill>
+                <a:highlight>
+                  <a:srgbClr val="FFFFFF"/>
+                </a:highlight>
+                <a:latin typeface="新宋体" panose="02010609030101010101" pitchFamily="49" charset="-122"/>
+                <a:ea typeface="新宋体" panose="02010609030101010101" pitchFamily="49" charset="-122"/>
+              </a:rPr>
+              <a:t>}</a:t>
+            </a:r>
+            <a:endParaRPr lang="zh-CN" altLang="en-US" dirty="0"/>
+          </a:p>
+        </p:txBody>
+      </p:sp>
+      <p:sp>
+        <p:nvSpPr>
+          <p:cNvPr id="8" name="矩形 7"/>
+          <p:cNvSpPr/>
+          <p:nvPr/>
+        </p:nvSpPr>
+        <p:spPr>
+          <a:xfrm>
+            <a:off x="759822" y="4474916"/>
+            <a:ext cx="5535490" cy="369332"/>
+          </a:xfrm>
+          <a:prstGeom prst="rect">
+            <a:avLst/>
+          </a:prstGeom>
+        </p:spPr>
+        <p:txBody>
+          <a:bodyPr wrap="none">
+            <a:spAutoFit/>
+          </a:bodyPr>
+          <a:lstStyle/>
+          <a:p>
+            <a:r>
+              <a:rPr lang="en-US" altLang="zh-CN" dirty="0">
+                <a:solidFill>
+                  <a:srgbClr val="6F008A"/>
+                </a:solidFill>
+                <a:highlight>
+                  <a:srgbClr val="FFFFFF"/>
+                </a:highlight>
+                <a:latin typeface="新宋体" panose="02010609030101010101" pitchFamily="49" charset="-122"/>
+                <a:ea typeface="新宋体" panose="02010609030101010101" pitchFamily="49" charset="-122"/>
+                <a:sym typeface="Wingdings" panose="05000000000000000000" pitchFamily="2" charset="2"/>
+              </a:rPr>
+              <a:t></a:t>
+            </a:r>
+            <a:r>
+              <a:rPr lang="en-US" altLang="zh-CN" dirty="0" err="1" smtClean="0">
+                <a:solidFill>
+                  <a:srgbClr val="000000"/>
+                </a:solidFill>
+                <a:highlight>
+                  <a:srgbClr val="FFFFFF"/>
+                </a:highlight>
+                <a:latin typeface="新宋体" panose="02010609030101010101" pitchFamily="49" charset="-122"/>
+                <a:ea typeface="新宋体" panose="02010609030101010101" pitchFamily="49" charset="-122"/>
+              </a:rPr>
+              <a:t>std</a:t>
+            </a:r>
+            <a:r>
+              <a:rPr lang="en-US" altLang="zh-CN" dirty="0" smtClean="0">
+                <a:solidFill>
+                  <a:srgbClr val="000000"/>
+                </a:solidFill>
+                <a:highlight>
+                  <a:srgbClr val="FFFFFF"/>
+                </a:highlight>
+                <a:latin typeface="新宋体" panose="02010609030101010101" pitchFamily="49" charset="-122"/>
+                <a:ea typeface="新宋体" panose="02010609030101010101" pitchFamily="49" charset="-122"/>
+              </a:rPr>
+              <a:t>::</a:t>
+            </a:r>
+            <a:r>
+              <a:rPr lang="en-US" altLang="zh-CN" dirty="0" smtClean="0">
+                <a:solidFill>
+                  <a:srgbClr val="2B91AF"/>
+                </a:solidFill>
+                <a:highlight>
+                  <a:srgbClr val="FFFFFF"/>
+                </a:highlight>
+                <a:latin typeface="新宋体" panose="02010609030101010101" pitchFamily="49" charset="-122"/>
+                <a:ea typeface="新宋体" panose="02010609030101010101" pitchFamily="49" charset="-122"/>
+              </a:rPr>
+              <a:t>array</a:t>
+            </a:r>
+            <a:r>
+              <a:rPr lang="en-US" altLang="zh-CN" dirty="0" smtClean="0">
+                <a:solidFill>
+                  <a:srgbClr val="000000"/>
+                </a:solidFill>
+                <a:highlight>
+                  <a:srgbClr val="FFFFFF"/>
+                </a:highlight>
+                <a:latin typeface="新宋体" panose="02010609030101010101" pitchFamily="49" charset="-122"/>
+                <a:ea typeface="新宋体" panose="02010609030101010101" pitchFamily="49" charset="-122"/>
+              </a:rPr>
+              <a:t>&lt;</a:t>
+            </a:r>
+            <a:r>
+              <a:rPr lang="en-US" altLang="zh-CN" dirty="0" err="1" smtClean="0">
+                <a:solidFill>
+                  <a:srgbClr val="0000FF"/>
+                </a:solidFill>
+                <a:highlight>
+                  <a:srgbClr val="FFFFFF"/>
+                </a:highlight>
+                <a:latin typeface="新宋体" panose="02010609030101010101" pitchFamily="49" charset="-122"/>
+                <a:ea typeface="新宋体" panose="02010609030101010101" pitchFamily="49" charset="-122"/>
+              </a:rPr>
+              <a:t>const</a:t>
+            </a:r>
+            <a:r>
+              <a:rPr lang="en-US" altLang="zh-CN" dirty="0" smtClean="0">
+                <a:solidFill>
+                  <a:srgbClr val="000000"/>
+                </a:solidFill>
+                <a:highlight>
+                  <a:srgbClr val="FFFFFF"/>
+                </a:highlight>
+                <a:latin typeface="新宋体" panose="02010609030101010101" pitchFamily="49" charset="-122"/>
+                <a:ea typeface="新宋体" panose="02010609030101010101" pitchFamily="49" charset="-122"/>
+              </a:rPr>
+              <a:t> </a:t>
+            </a:r>
+            <a:r>
+              <a:rPr lang="en-US" altLang="zh-CN" dirty="0" smtClean="0">
+                <a:solidFill>
+                  <a:srgbClr val="0000FF"/>
+                </a:solidFill>
+                <a:highlight>
+                  <a:srgbClr val="FFFFFF"/>
+                </a:highlight>
+                <a:latin typeface="新宋体" panose="02010609030101010101" pitchFamily="49" charset="-122"/>
+                <a:ea typeface="新宋体" panose="02010609030101010101" pitchFamily="49" charset="-122"/>
+              </a:rPr>
+              <a:t>char</a:t>
+            </a:r>
+            <a:r>
+              <a:rPr lang="en-US" altLang="zh-CN" dirty="0" smtClean="0">
+                <a:solidFill>
+                  <a:srgbClr val="000000"/>
+                </a:solidFill>
+                <a:highlight>
+                  <a:srgbClr val="FFFFFF"/>
+                </a:highlight>
+                <a:latin typeface="新宋体" panose="02010609030101010101" pitchFamily="49" charset="-122"/>
+                <a:ea typeface="新宋体" panose="02010609030101010101" pitchFamily="49" charset="-122"/>
+              </a:rPr>
+              <a:t>*, 2&gt; </a:t>
+            </a:r>
+            <a:r>
+              <a:rPr lang="en-US" altLang="zh-CN" dirty="0" err="1" smtClean="0">
+                <a:solidFill>
+                  <a:srgbClr val="6F008A"/>
+                </a:solidFill>
+                <a:highlight>
+                  <a:srgbClr val="FFFFFF"/>
+                </a:highlight>
+                <a:latin typeface="新宋体" panose="02010609030101010101" pitchFamily="49" charset="-122"/>
+                <a:ea typeface="新宋体" panose="02010609030101010101" pitchFamily="49" charset="-122"/>
+              </a:rPr>
+              <a:t>arr_t</a:t>
+            </a:r>
+            <a:r>
+              <a:rPr lang="en-US" altLang="zh-CN" dirty="0" smtClean="0">
+                <a:solidFill>
+                  <a:srgbClr val="6F008A"/>
+                </a:solidFill>
+                <a:highlight>
+                  <a:srgbClr val="FFFFFF"/>
+                </a:highlight>
+                <a:latin typeface="新宋体" panose="02010609030101010101" pitchFamily="49" charset="-122"/>
+                <a:ea typeface="新宋体" panose="02010609030101010101" pitchFamily="49" charset="-122"/>
+              </a:rPr>
+              <a:t> = </a:t>
+            </a:r>
             <a:r>
               <a:rPr lang="en-US" altLang="zh-CN" dirty="0"/>
-              <a:t>implementation of compile-time </a:t>
-            </a:r>
-            <a:r>
-              <a:rPr lang="en-US" altLang="zh-CN" dirty="0" smtClean="0"/>
-              <a:t>reflection</a:t>
-            </a:r>
-          </a:p>
-          <a:p>
-            <a:r>
-              <a:rPr lang="en-US" altLang="zh-CN" b="1" dirty="0" smtClean="0"/>
-              <a:t>application of compile-time reflection</a:t>
-            </a:r>
-          </a:p>
-          <a:p>
-            <a:r>
-              <a:rPr lang="en-US" altLang="zh-CN" dirty="0" smtClean="0"/>
-              <a:t>prospect</a:t>
+              <a:t>{ "a", "b" }</a:t>
             </a:r>
             <a:endParaRPr lang="zh-CN" altLang="en-US" dirty="0"/>
           </a:p>
@@ -24715,7 +26076,7 @@
     </p:spTree>
     <p:extLst>
       <p:ext uri="{BB962C8B-B14F-4D97-AF65-F5344CB8AC3E}">
-        <p14:creationId xmlns:p14="http://schemas.microsoft.com/office/powerpoint/2010/main" val="3920747289"/>
+        <p14:creationId xmlns:p14="http://schemas.microsoft.com/office/powerpoint/2010/main" val="2917843032"/>
       </p:ext>
     </p:extLst>
   </p:cSld>
@@ -24725,9 +26086,196 @@
   <p:timing>
     <p:tnLst>
       <p:par>
-        <p:cTn id="1" dur="indefinite" restart="never" nodeType="tmRoot"/>
+        <p:cTn id="1" dur="indefinite" restart="never" nodeType="tmRoot">
+          <p:childTnLst>
+            <p:seq concurrent="1" nextAc="seek">
+              <p:cTn id="2" dur="indefinite" nodeType="mainSeq">
+                <p:childTnLst>
+                  <p:par>
+                    <p:cTn id="3" fill="hold">
+                      <p:stCondLst>
+                        <p:cond delay="indefinite"/>
+                      </p:stCondLst>
+                      <p:childTnLst>
+                        <p:par>
+                          <p:cTn id="4" fill="hold">
+                            <p:stCondLst>
+                              <p:cond delay="0"/>
+                            </p:stCondLst>
+                            <p:childTnLst>
+                              <p:par>
+                                <p:cTn id="5" presetID="22" presetClass="entr" presetSubtype="8" fill="hold" grpId="0" nodeType="clickEffect">
+                                  <p:stCondLst>
+                                    <p:cond delay="0"/>
+                                  </p:stCondLst>
+                                  <p:childTnLst>
+                                    <p:set>
+                                      <p:cBhvr>
+                                        <p:cTn id="6" dur="1" fill="hold">
+                                          <p:stCondLst>
+                                            <p:cond delay="0"/>
+                                          </p:stCondLst>
+                                        </p:cTn>
+                                        <p:tgtEl>
+                                          <p:spTgt spid="6"/>
+                                        </p:tgtEl>
+                                        <p:attrNameLst>
+                                          <p:attrName>style.visibility</p:attrName>
+                                        </p:attrNameLst>
+                                      </p:cBhvr>
+                                      <p:to>
+                                        <p:strVal val="visible"/>
+                                      </p:to>
+                                    </p:set>
+                                    <p:animEffect transition="in" filter="wipe(left)">
+                                      <p:cBhvr>
+                                        <p:cTn id="7" dur="500"/>
+                                        <p:tgtEl>
+                                          <p:spTgt spid="6"/>
+                                        </p:tgtEl>
+                                      </p:cBhvr>
+                                    </p:animEffect>
+                                  </p:childTnLst>
+                                </p:cTn>
+                              </p:par>
+                            </p:childTnLst>
+                          </p:cTn>
+                        </p:par>
+                      </p:childTnLst>
+                    </p:cTn>
+                  </p:par>
+                  <p:par>
+                    <p:cTn id="8" fill="hold">
+                      <p:stCondLst>
+                        <p:cond delay="indefinite"/>
+                      </p:stCondLst>
+                      <p:childTnLst>
+                        <p:par>
+                          <p:cTn id="9" fill="hold">
+                            <p:stCondLst>
+                              <p:cond delay="0"/>
+                            </p:stCondLst>
+                            <p:childTnLst>
+                              <p:par>
+                                <p:cTn id="10" presetID="22" presetClass="entr" presetSubtype="8" fill="hold" grpId="0" nodeType="clickEffect">
+                                  <p:stCondLst>
+                                    <p:cond delay="0"/>
+                                  </p:stCondLst>
+                                  <p:childTnLst>
+                                    <p:set>
+                                      <p:cBhvr>
+                                        <p:cTn id="11" dur="1" fill="hold">
+                                          <p:stCondLst>
+                                            <p:cond delay="0"/>
+                                          </p:stCondLst>
+                                        </p:cTn>
+                                        <p:tgtEl>
+                                          <p:spTgt spid="7"/>
+                                        </p:tgtEl>
+                                        <p:attrNameLst>
+                                          <p:attrName>style.visibility</p:attrName>
+                                        </p:attrNameLst>
+                                      </p:cBhvr>
+                                      <p:to>
+                                        <p:strVal val="visible"/>
+                                      </p:to>
+                                    </p:set>
+                                    <p:animEffect transition="in" filter="wipe(left)">
+                                      <p:cBhvr>
+                                        <p:cTn id="12" dur="500"/>
+                                        <p:tgtEl>
+                                          <p:spTgt spid="7"/>
+                                        </p:tgtEl>
+                                      </p:cBhvr>
+                                    </p:animEffect>
+                                  </p:childTnLst>
+                                </p:cTn>
+                              </p:par>
+                            </p:childTnLst>
+                          </p:cTn>
+                        </p:par>
+                      </p:childTnLst>
+                    </p:cTn>
+                  </p:par>
+                  <p:par>
+                    <p:cTn id="13" fill="hold">
+                      <p:stCondLst>
+                        <p:cond delay="indefinite"/>
+                      </p:stCondLst>
+                      <p:childTnLst>
+                        <p:par>
+                          <p:cTn id="14" fill="hold">
+                            <p:stCondLst>
+                              <p:cond delay="0"/>
+                            </p:stCondLst>
+                            <p:childTnLst>
+                              <p:par>
+                                <p:cTn id="15" presetID="22" presetClass="entr" presetSubtype="8" fill="hold" grpId="0" nodeType="clickEffect">
+                                  <p:stCondLst>
+                                    <p:cond delay="0"/>
+                                  </p:stCondLst>
+                                  <p:childTnLst>
+                                    <p:set>
+                                      <p:cBhvr>
+                                        <p:cTn id="16" dur="1" fill="hold">
+                                          <p:stCondLst>
+                                            <p:cond delay="0"/>
+                                          </p:stCondLst>
+                                        </p:cTn>
+                                        <p:tgtEl>
+                                          <p:spTgt spid="8"/>
+                                        </p:tgtEl>
+                                        <p:attrNameLst>
+                                          <p:attrName>style.visibility</p:attrName>
+                                        </p:attrNameLst>
+                                      </p:cBhvr>
+                                      <p:to>
+                                        <p:strVal val="visible"/>
+                                      </p:to>
+                                    </p:set>
+                                    <p:animEffect transition="in" filter="wipe(left)">
+                                      <p:cBhvr>
+                                        <p:cTn id="17" dur="500"/>
+                                        <p:tgtEl>
+                                          <p:spTgt spid="8"/>
+                                        </p:tgtEl>
+                                      </p:cBhvr>
+                                    </p:animEffect>
+                                  </p:childTnLst>
+                                </p:cTn>
+                              </p:par>
+                            </p:childTnLst>
+                          </p:cTn>
+                        </p:par>
+                      </p:childTnLst>
+                    </p:cTn>
+                  </p:par>
+                </p:childTnLst>
+              </p:cTn>
+              <p:prevCondLst>
+                <p:cond evt="onPrev" delay="0">
+                  <p:tgtEl>
+                    <p:sldTgt/>
+                  </p:tgtEl>
+                </p:cond>
+              </p:prevCondLst>
+              <p:nextCondLst>
+                <p:cond evt="onNext" delay="0">
+                  <p:tgtEl>
+                    <p:sldTgt/>
+                  </p:tgtEl>
+                </p:cond>
+              </p:nextCondLst>
+            </p:seq>
+          </p:childTnLst>
+        </p:cTn>
       </p:par>
     </p:tnLst>
+    <p:bldLst>
+      <p:bldP spid="6" grpId="0"/>
+      <p:bldP spid="7" grpId="0"/>
+      <p:bldP spid="8" grpId="0"/>
+    </p:bldLst>
   </p:timing>
 </p:sld>
 </file>
@@ -24751,26 +26299,143 @@
       </p:grpSpPr>
       <p:sp>
         <p:nvSpPr>
-          <p:cNvPr id="2" name="标题 1"/>
-          <p:cNvSpPr>
-            <a:spLocks noGrp="1"/>
-          </p:cNvSpPr>
-          <p:nvPr>
-            <p:ph type="title"/>
-          </p:nvPr>
+          <p:cNvPr id="4" name="矩形 3"/>
+          <p:cNvSpPr/>
+          <p:nvPr/>
         </p:nvSpPr>
-        <p:spPr/>
+        <p:spPr>
+          <a:xfrm>
+            <a:off x="838199" y="597716"/>
+            <a:ext cx="10515600" cy="646331"/>
+          </a:xfrm>
+          <a:prstGeom prst="rect">
+            <a:avLst/>
+          </a:prstGeom>
+        </p:spPr>
         <p:txBody>
-          <a:bodyPr/>
+          <a:bodyPr wrap="square">
+            <a:spAutoFit/>
+          </a:bodyPr>
           <a:lstStyle/>
           <a:p>
             <a:r>
-              <a:rPr lang="en-US" altLang="zh-CN" dirty="0"/>
-              <a:t>application of compile-time </a:t>
-            </a:r>
-            <a:r>
-              <a:rPr lang="en-US" altLang="zh-CN" dirty="0" smtClean="0"/>
-              <a:t>reflection</a:t>
+              <a:rPr lang="en-US" altLang="zh-CN" dirty="0">
+                <a:solidFill>
+                  <a:srgbClr val="808080"/>
+                </a:solidFill>
+                <a:highlight>
+                  <a:srgbClr val="FFFFFF"/>
+                </a:highlight>
+                <a:latin typeface="新宋体" panose="02010609030101010101" pitchFamily="49" charset="-122"/>
+                <a:ea typeface="新宋体" panose="02010609030101010101" pitchFamily="49" charset="-122"/>
+              </a:rPr>
+              <a:t>#define</a:t>
+            </a:r>
+            <a:r>
+              <a:rPr lang="en-US" altLang="zh-CN" dirty="0">
+                <a:solidFill>
+                  <a:srgbClr val="000000"/>
+                </a:solidFill>
+                <a:highlight>
+                  <a:srgbClr val="FFFFFF"/>
+                </a:highlight>
+                <a:latin typeface="新宋体" panose="02010609030101010101" pitchFamily="49" charset="-122"/>
+                <a:ea typeface="新宋体" panose="02010609030101010101" pitchFamily="49" charset="-122"/>
+              </a:rPr>
+              <a:t> </a:t>
+            </a:r>
+            <a:r>
+              <a:rPr lang="en-US" altLang="zh-CN" dirty="0">
+                <a:solidFill>
+                  <a:srgbClr val="6F008A"/>
+                </a:solidFill>
+                <a:highlight>
+                  <a:srgbClr val="FFFFFF"/>
+                </a:highlight>
+                <a:latin typeface="新宋体" panose="02010609030101010101" pitchFamily="49" charset="-122"/>
+                <a:ea typeface="新宋体" panose="02010609030101010101" pitchFamily="49" charset="-122"/>
+              </a:rPr>
+              <a:t>MAKE_META_DATA</a:t>
+            </a:r>
+            <a:r>
+              <a:rPr lang="en-US" altLang="zh-CN" dirty="0">
+                <a:solidFill>
+                  <a:srgbClr val="000000"/>
+                </a:solidFill>
+                <a:highlight>
+                  <a:srgbClr val="FFFFFF"/>
+                </a:highlight>
+                <a:latin typeface="新宋体" panose="02010609030101010101" pitchFamily="49" charset="-122"/>
+                <a:ea typeface="新宋体" panose="02010609030101010101" pitchFamily="49" charset="-122"/>
+              </a:rPr>
+              <a:t>(STRUCT_NAME, N, ...) \</a:t>
+            </a:r>
+          </a:p>
+          <a:p>
+            <a:r>
+              <a:rPr lang="en-US" altLang="zh-CN" dirty="0" smtClean="0">
+                <a:solidFill>
+                  <a:srgbClr val="6F008A"/>
+                </a:solidFill>
+                <a:highlight>
+                  <a:srgbClr val="FFFFFF"/>
+                </a:highlight>
+                <a:latin typeface="新宋体" panose="02010609030101010101" pitchFamily="49" charset="-122"/>
+                <a:ea typeface="新宋体" panose="02010609030101010101" pitchFamily="49" charset="-122"/>
+              </a:rPr>
+              <a:t>MAKE_META_DATA_IMPL</a:t>
+            </a:r>
+            <a:r>
+              <a:rPr lang="en-US" altLang="zh-CN" dirty="0" smtClean="0">
+                <a:solidFill>
+                  <a:srgbClr val="000000"/>
+                </a:solidFill>
+                <a:highlight>
+                  <a:srgbClr val="FFFFFF"/>
+                </a:highlight>
+                <a:latin typeface="新宋体" panose="02010609030101010101" pitchFamily="49" charset="-122"/>
+                <a:ea typeface="新宋体" panose="02010609030101010101" pitchFamily="49" charset="-122"/>
+              </a:rPr>
+              <a:t>(STRUCT_NAME</a:t>
+            </a:r>
+            <a:r>
+              <a:rPr lang="en-US" altLang="zh-CN" dirty="0">
+                <a:solidFill>
+                  <a:srgbClr val="000000"/>
+                </a:solidFill>
+                <a:highlight>
+                  <a:srgbClr val="FFFFFF"/>
+                </a:highlight>
+                <a:latin typeface="新宋体" panose="02010609030101010101" pitchFamily="49" charset="-122"/>
+                <a:ea typeface="新宋体" panose="02010609030101010101" pitchFamily="49" charset="-122"/>
+              </a:rPr>
+              <a:t>, </a:t>
+            </a:r>
+            <a:r>
+              <a:rPr lang="en-US" altLang="zh-CN" dirty="0">
+                <a:solidFill>
+                  <a:srgbClr val="6F008A"/>
+                </a:solidFill>
+                <a:highlight>
+                  <a:srgbClr val="FFFFFF"/>
+                </a:highlight>
+                <a:latin typeface="新宋体" panose="02010609030101010101" pitchFamily="49" charset="-122"/>
+                <a:ea typeface="新宋体" panose="02010609030101010101" pitchFamily="49" charset="-122"/>
+              </a:rPr>
+              <a:t>MAKE_ARG_LIST</a:t>
+            </a:r>
+            <a:r>
+              <a:rPr lang="en-US" altLang="zh-CN" dirty="0">
+                <a:solidFill>
+                  <a:srgbClr val="000000"/>
+                </a:solidFill>
+                <a:highlight>
+                  <a:srgbClr val="FFFFFF"/>
+                </a:highlight>
+                <a:latin typeface="新宋体" panose="02010609030101010101" pitchFamily="49" charset="-122"/>
+                <a:ea typeface="新宋体" panose="02010609030101010101" pitchFamily="49" charset="-122"/>
+              </a:rPr>
+              <a:t>(N, &amp;STRUCT_NAME::OBJECT, __VA_ARGS__))</a:t>
             </a:r>
             <a:endParaRPr lang="zh-CN" altLang="en-US" dirty="0"/>
           </a:p>
@@ -24778,34 +26443,952 @@
       </p:sp>
       <p:sp>
         <p:nvSpPr>
-          <p:cNvPr id="3" name="内容占位符 2"/>
-          <p:cNvSpPr>
-            <a:spLocks noGrp="1"/>
-          </p:cNvSpPr>
-          <p:nvPr>
-            <p:ph idx="1"/>
-          </p:nvPr>
+          <p:cNvPr id="5" name="矩形 4"/>
+          <p:cNvSpPr/>
+          <p:nvPr/>
         </p:nvSpPr>
-        <p:spPr/>
+        <p:spPr>
+          <a:xfrm>
+            <a:off x="838199" y="2592921"/>
+            <a:ext cx="9002487" cy="1477328"/>
+          </a:xfrm>
+          <a:prstGeom prst="rect">
+            <a:avLst/>
+          </a:prstGeom>
+        </p:spPr>
         <p:txBody>
-          <a:bodyPr/>
+          <a:bodyPr wrap="square">
+            <a:spAutoFit/>
+          </a:bodyPr>
           <a:lstStyle/>
           <a:p>
             <a:r>
-              <a:rPr lang="en-US" altLang="zh-CN" dirty="0"/>
-              <a:t>Serialization</a:t>
-            </a:r>
-          </a:p>
-          <a:p>
-            <a:r>
-              <a:rPr lang="en-US" altLang="zh-CN" dirty="0"/>
-              <a:t>ORM(Object Relational Mapping)</a:t>
-            </a:r>
-          </a:p>
-          <a:p>
-            <a:r>
-              <a:rPr lang="en-US" altLang="zh-CN" dirty="0"/>
-              <a:t>DSL(domain-specific language)</a:t>
+              <a:rPr lang="en-US" altLang="zh-CN" dirty="0">
+                <a:solidFill>
+                  <a:srgbClr val="808080"/>
+                </a:solidFill>
+                <a:highlight>
+                  <a:srgbClr val="FFFFFF"/>
+                </a:highlight>
+                <a:latin typeface="新宋体" panose="02010609030101010101" pitchFamily="49" charset="-122"/>
+                <a:ea typeface="新宋体" panose="02010609030101010101" pitchFamily="49" charset="-122"/>
+              </a:rPr>
+              <a:t>#define</a:t>
+            </a:r>
+            <a:r>
+              <a:rPr lang="en-US" altLang="zh-CN" dirty="0">
+                <a:solidFill>
+                  <a:srgbClr val="000000"/>
+                </a:solidFill>
+                <a:highlight>
+                  <a:srgbClr val="FFFFFF"/>
+                </a:highlight>
+                <a:latin typeface="新宋体" panose="02010609030101010101" pitchFamily="49" charset="-122"/>
+                <a:ea typeface="新宋体" panose="02010609030101010101" pitchFamily="49" charset="-122"/>
+              </a:rPr>
+              <a:t> </a:t>
+            </a:r>
+            <a:r>
+              <a:rPr lang="en-US" altLang="zh-CN" dirty="0">
+                <a:solidFill>
+                  <a:srgbClr val="6F008A"/>
+                </a:solidFill>
+                <a:highlight>
+                  <a:srgbClr val="FFFFFF"/>
+                </a:highlight>
+                <a:latin typeface="新宋体" panose="02010609030101010101" pitchFamily="49" charset="-122"/>
+                <a:ea typeface="新宋体" panose="02010609030101010101" pitchFamily="49" charset="-122"/>
+              </a:rPr>
+              <a:t>MAKE_META_DATA_IMPL</a:t>
+            </a:r>
+            <a:r>
+              <a:rPr lang="en-US" altLang="zh-CN" dirty="0">
+                <a:solidFill>
+                  <a:srgbClr val="000000"/>
+                </a:solidFill>
+                <a:highlight>
+                  <a:srgbClr val="FFFFFF"/>
+                </a:highlight>
+                <a:latin typeface="新宋体" panose="02010609030101010101" pitchFamily="49" charset="-122"/>
+                <a:ea typeface="新宋体" panose="02010609030101010101" pitchFamily="49" charset="-122"/>
+              </a:rPr>
+              <a:t>(STRUCT_NAME, ...)\</a:t>
+            </a:r>
+          </a:p>
+          <a:p>
+            <a:r>
+              <a:rPr lang="en-US" altLang="zh-CN" dirty="0">
+                <a:solidFill>
+                  <a:srgbClr val="0000FF"/>
+                </a:solidFill>
+                <a:highlight>
+                  <a:srgbClr val="FFFFFF"/>
+                </a:highlight>
+                <a:latin typeface="新宋体" panose="02010609030101010101" pitchFamily="49" charset="-122"/>
+                <a:ea typeface="新宋体" panose="02010609030101010101" pitchFamily="49" charset="-122"/>
+              </a:rPr>
+              <a:t>template</a:t>
+            </a:r>
+            <a:r>
+              <a:rPr lang="en-US" altLang="zh-CN" dirty="0">
+                <a:solidFill>
+                  <a:srgbClr val="000000"/>
+                </a:solidFill>
+                <a:highlight>
+                  <a:srgbClr val="FFFFFF"/>
+                </a:highlight>
+                <a:latin typeface="新宋体" panose="02010609030101010101" pitchFamily="49" charset="-122"/>
+                <a:ea typeface="新宋体" panose="02010609030101010101" pitchFamily="49" charset="-122"/>
+              </a:rPr>
+              <a:t>&lt;&gt;</a:t>
+            </a:r>
+            <a:r>
+              <a:rPr lang="en-US" altLang="zh-CN" dirty="0" err="1">
+                <a:solidFill>
+                  <a:srgbClr val="0000FF"/>
+                </a:solidFill>
+                <a:highlight>
+                  <a:srgbClr val="FFFFFF"/>
+                </a:highlight>
+                <a:latin typeface="新宋体" panose="02010609030101010101" pitchFamily="49" charset="-122"/>
+                <a:ea typeface="新宋体" panose="02010609030101010101" pitchFamily="49" charset="-122"/>
+              </a:rPr>
+              <a:t>struct</a:t>
+            </a:r>
+            <a:r>
+              <a:rPr lang="en-US" altLang="zh-CN" dirty="0">
+                <a:solidFill>
+                  <a:srgbClr val="000000"/>
+                </a:solidFill>
+                <a:highlight>
+                  <a:srgbClr val="FFFFFF"/>
+                </a:highlight>
+                <a:latin typeface="新宋体" panose="02010609030101010101" pitchFamily="49" charset="-122"/>
+                <a:ea typeface="新宋体" panose="02010609030101010101" pitchFamily="49" charset="-122"/>
+              </a:rPr>
+              <a:t> Members&lt;STRUCT_NAME&gt;{\</a:t>
+            </a:r>
+          </a:p>
+          <a:p>
+            <a:r>
+              <a:rPr lang="en-US" altLang="zh-CN" dirty="0">
+                <a:solidFill>
+                  <a:srgbClr val="000000"/>
+                </a:solidFill>
+                <a:highlight>
+                  <a:srgbClr val="FFFFFF"/>
+                </a:highlight>
+                <a:latin typeface="新宋体" panose="02010609030101010101" pitchFamily="49" charset="-122"/>
+                <a:ea typeface="新宋体" panose="02010609030101010101" pitchFamily="49" charset="-122"/>
+              </a:rPr>
+              <a:t>    </a:t>
+            </a:r>
+            <a:r>
+              <a:rPr lang="en-US" altLang="zh-CN" dirty="0" err="1">
+                <a:solidFill>
+                  <a:srgbClr val="0000FF"/>
+                </a:solidFill>
+                <a:highlight>
+                  <a:srgbClr val="FFFFFF"/>
+                </a:highlight>
+                <a:latin typeface="新宋体" panose="02010609030101010101" pitchFamily="49" charset="-122"/>
+                <a:ea typeface="新宋体" panose="02010609030101010101" pitchFamily="49" charset="-122"/>
+              </a:rPr>
+              <a:t>constexpr</a:t>
+            </a:r>
+            <a:r>
+              <a:rPr lang="en-US" altLang="zh-CN" dirty="0">
+                <a:solidFill>
+                  <a:srgbClr val="000000"/>
+                </a:solidFill>
+                <a:highlight>
+                  <a:srgbClr val="FFFFFF"/>
+                </a:highlight>
+                <a:latin typeface="新宋体" panose="02010609030101010101" pitchFamily="49" charset="-122"/>
+                <a:ea typeface="新宋体" panose="02010609030101010101" pitchFamily="49" charset="-122"/>
+              </a:rPr>
+              <a:t> </a:t>
+            </a:r>
+            <a:r>
+              <a:rPr lang="en-US" altLang="zh-CN" dirty="0" err="1">
+                <a:solidFill>
+                  <a:srgbClr val="0000FF"/>
+                </a:solidFill>
+                <a:highlight>
+                  <a:srgbClr val="FFFFFF"/>
+                </a:highlight>
+                <a:latin typeface="新宋体" panose="02010609030101010101" pitchFamily="49" charset="-122"/>
+                <a:ea typeface="新宋体" panose="02010609030101010101" pitchFamily="49" charset="-122"/>
+              </a:rPr>
+              <a:t>decltype</a:t>
+            </a:r>
+            <a:r>
+              <a:rPr lang="en-US" altLang="zh-CN" dirty="0">
+                <a:solidFill>
+                  <a:srgbClr val="000000"/>
+                </a:solidFill>
+                <a:highlight>
+                  <a:srgbClr val="FFFFFF"/>
+                </a:highlight>
+                <a:latin typeface="新宋体" panose="02010609030101010101" pitchFamily="49" charset="-122"/>
+                <a:ea typeface="新宋体" panose="02010609030101010101" pitchFamily="49" charset="-122"/>
+              </a:rPr>
+              <a:t>(</a:t>
+            </a:r>
+            <a:r>
+              <a:rPr lang="en-US" altLang="zh-CN" dirty="0">
+                <a:solidFill>
+                  <a:srgbClr val="0000FF"/>
+                </a:solidFill>
+                <a:highlight>
+                  <a:srgbClr val="FFFFFF"/>
+                </a:highlight>
+                <a:latin typeface="新宋体" panose="02010609030101010101" pitchFamily="49" charset="-122"/>
+                <a:ea typeface="新宋体" panose="02010609030101010101" pitchFamily="49" charset="-122"/>
+              </a:rPr>
+              <a:t>auto</a:t>
+            </a:r>
+            <a:r>
+              <a:rPr lang="en-US" altLang="zh-CN" dirty="0">
+                <a:solidFill>
+                  <a:srgbClr val="000000"/>
+                </a:solidFill>
+                <a:highlight>
+                  <a:srgbClr val="FFFFFF"/>
+                </a:highlight>
+                <a:latin typeface="新宋体" panose="02010609030101010101" pitchFamily="49" charset="-122"/>
+                <a:ea typeface="新宋体" panose="02010609030101010101" pitchFamily="49" charset="-122"/>
+              </a:rPr>
+              <a:t>) </a:t>
+            </a:r>
+            <a:r>
+              <a:rPr lang="en-US" altLang="zh-CN" dirty="0">
+                <a:solidFill>
+                  <a:srgbClr val="0000FF"/>
+                </a:solidFill>
+                <a:highlight>
+                  <a:srgbClr val="FFFFFF"/>
+                </a:highlight>
+                <a:latin typeface="新宋体" panose="02010609030101010101" pitchFamily="49" charset="-122"/>
+                <a:ea typeface="新宋体" panose="02010609030101010101" pitchFamily="49" charset="-122"/>
+              </a:rPr>
+              <a:t>static</a:t>
+            </a:r>
+            <a:r>
+              <a:rPr lang="en-US" altLang="zh-CN" dirty="0">
+                <a:solidFill>
+                  <a:srgbClr val="000000"/>
+                </a:solidFill>
+                <a:highlight>
+                  <a:srgbClr val="FFFFFF"/>
+                </a:highlight>
+                <a:latin typeface="新宋体" panose="02010609030101010101" pitchFamily="49" charset="-122"/>
+                <a:ea typeface="新宋体" panose="02010609030101010101" pitchFamily="49" charset="-122"/>
+              </a:rPr>
+              <a:t> </a:t>
+            </a:r>
+            <a:r>
+              <a:rPr lang="en-US" altLang="zh-CN" dirty="0" err="1">
+                <a:solidFill>
+                  <a:srgbClr val="000000"/>
+                </a:solidFill>
+                <a:highlight>
+                  <a:srgbClr val="FFFFFF"/>
+                </a:highlight>
+                <a:latin typeface="新宋体" panose="02010609030101010101" pitchFamily="49" charset="-122"/>
+                <a:ea typeface="新宋体" panose="02010609030101010101" pitchFamily="49" charset="-122"/>
+              </a:rPr>
+              <a:t>apply_impl</a:t>
+            </a:r>
+            <a:r>
+              <a:rPr lang="en-US" altLang="zh-CN" dirty="0" smtClean="0">
+                <a:solidFill>
+                  <a:srgbClr val="000000"/>
+                </a:solidFill>
+                <a:highlight>
+                  <a:srgbClr val="FFFFFF"/>
+                </a:highlight>
+                <a:latin typeface="新宋体" panose="02010609030101010101" pitchFamily="49" charset="-122"/>
+                <a:ea typeface="新宋体" panose="02010609030101010101" pitchFamily="49" charset="-122"/>
+              </a:rPr>
+              <a:t>(){\</a:t>
+            </a:r>
+            <a:endParaRPr lang="en-US" altLang="zh-CN" dirty="0">
+              <a:solidFill>
+                <a:srgbClr val="000000"/>
+              </a:solidFill>
+              <a:highlight>
+                <a:srgbClr val="FFFFFF"/>
+              </a:highlight>
+              <a:latin typeface="新宋体" panose="02010609030101010101" pitchFamily="49" charset="-122"/>
+              <a:ea typeface="新宋体" panose="02010609030101010101" pitchFamily="49" charset="-122"/>
+            </a:endParaRPr>
+          </a:p>
+          <a:p>
+            <a:r>
+              <a:rPr lang="en-US" altLang="zh-CN" dirty="0">
+                <a:solidFill>
+                  <a:srgbClr val="000000"/>
+                </a:solidFill>
+                <a:highlight>
+                  <a:srgbClr val="FFFFFF"/>
+                </a:highlight>
+                <a:latin typeface="新宋体" panose="02010609030101010101" pitchFamily="49" charset="-122"/>
+                <a:ea typeface="新宋体" panose="02010609030101010101" pitchFamily="49" charset="-122"/>
+              </a:rPr>
+              <a:t>            </a:t>
+            </a:r>
+            <a:r>
+              <a:rPr lang="en-US" altLang="zh-CN" dirty="0">
+                <a:solidFill>
+                  <a:srgbClr val="0000FF"/>
+                </a:solidFill>
+                <a:highlight>
+                  <a:srgbClr val="FFFFFF"/>
+                </a:highlight>
+                <a:latin typeface="新宋体" panose="02010609030101010101" pitchFamily="49" charset="-122"/>
+                <a:ea typeface="新宋体" panose="02010609030101010101" pitchFamily="49" charset="-122"/>
+              </a:rPr>
+              <a:t>return</a:t>
+            </a:r>
+            <a:r>
+              <a:rPr lang="en-US" altLang="zh-CN" dirty="0">
+                <a:solidFill>
+                  <a:srgbClr val="000000"/>
+                </a:solidFill>
+                <a:highlight>
+                  <a:srgbClr val="FFFFFF"/>
+                </a:highlight>
+                <a:latin typeface="新宋体" panose="02010609030101010101" pitchFamily="49" charset="-122"/>
+                <a:ea typeface="新宋体" panose="02010609030101010101" pitchFamily="49" charset="-122"/>
+              </a:rPr>
+              <a:t> </a:t>
+            </a:r>
+            <a:r>
+              <a:rPr lang="en-US" altLang="zh-CN" dirty="0" err="1">
+                <a:solidFill>
+                  <a:srgbClr val="000000"/>
+                </a:solidFill>
+                <a:highlight>
+                  <a:srgbClr val="FFFFFF"/>
+                </a:highlight>
+                <a:latin typeface="新宋体" panose="02010609030101010101" pitchFamily="49" charset="-122"/>
+                <a:ea typeface="新宋体" panose="02010609030101010101" pitchFamily="49" charset="-122"/>
+              </a:rPr>
+              <a:t>std</a:t>
+            </a:r>
+            <a:r>
+              <a:rPr lang="en-US" altLang="zh-CN" dirty="0">
+                <a:solidFill>
+                  <a:srgbClr val="000000"/>
+                </a:solidFill>
+                <a:highlight>
+                  <a:srgbClr val="FFFFFF"/>
+                </a:highlight>
+                <a:latin typeface="新宋体" panose="02010609030101010101" pitchFamily="49" charset="-122"/>
+                <a:ea typeface="新宋体" panose="02010609030101010101" pitchFamily="49" charset="-122"/>
+              </a:rPr>
+              <a:t>::</a:t>
+            </a:r>
+            <a:r>
+              <a:rPr lang="en-US" altLang="zh-CN" dirty="0" err="1">
+                <a:solidFill>
+                  <a:srgbClr val="000000"/>
+                </a:solidFill>
+                <a:highlight>
+                  <a:srgbClr val="FFFFFF"/>
+                </a:highlight>
+                <a:latin typeface="新宋体" panose="02010609030101010101" pitchFamily="49" charset="-122"/>
+                <a:ea typeface="新宋体" panose="02010609030101010101" pitchFamily="49" charset="-122"/>
+              </a:rPr>
+              <a:t>make_tuple</a:t>
+            </a:r>
+            <a:r>
+              <a:rPr lang="en-US" altLang="zh-CN" dirty="0">
+                <a:solidFill>
+                  <a:srgbClr val="000000"/>
+                </a:solidFill>
+                <a:highlight>
+                  <a:srgbClr val="FFFFFF"/>
+                </a:highlight>
+                <a:latin typeface="新宋体" panose="02010609030101010101" pitchFamily="49" charset="-122"/>
+                <a:ea typeface="新宋体" panose="02010609030101010101" pitchFamily="49" charset="-122"/>
+              </a:rPr>
+              <a:t>(__VA_ARGS__);\</a:t>
+            </a:r>
+          </a:p>
+          <a:p>
+            <a:r>
+              <a:rPr lang="en-US" altLang="zh-CN" dirty="0">
+                <a:solidFill>
+                  <a:srgbClr val="000000"/>
+                </a:solidFill>
+                <a:highlight>
+                  <a:srgbClr val="FFFFFF"/>
+                </a:highlight>
+                <a:latin typeface="新宋体" panose="02010609030101010101" pitchFamily="49" charset="-122"/>
+                <a:ea typeface="新宋体" panose="02010609030101010101" pitchFamily="49" charset="-122"/>
+              </a:rPr>
+              <a:t>    }\</a:t>
+            </a:r>
+            <a:endParaRPr lang="en-US" altLang="zh-CN" dirty="0">
+              <a:solidFill>
+                <a:srgbClr val="000000"/>
+              </a:solidFill>
+              <a:highlight>
+                <a:srgbClr val="FFFFFF"/>
+              </a:highlight>
+              <a:latin typeface="新宋体" panose="02010609030101010101" pitchFamily="49" charset="-122"/>
+              <a:ea typeface="新宋体" panose="02010609030101010101" pitchFamily="49" charset="-122"/>
+            </a:endParaRPr>
+          </a:p>
+        </p:txBody>
+      </p:sp>
+      <p:sp>
+        <p:nvSpPr>
+          <p:cNvPr id="6" name="矩形 5"/>
+          <p:cNvSpPr/>
+          <p:nvPr/>
+        </p:nvSpPr>
+        <p:spPr>
+          <a:xfrm>
+            <a:off x="838199" y="1737751"/>
+            <a:ext cx="10341293" cy="369332"/>
+          </a:xfrm>
+          <a:prstGeom prst="rect">
+            <a:avLst/>
+          </a:prstGeom>
+        </p:spPr>
+        <p:txBody>
+          <a:bodyPr wrap="none">
+            <a:spAutoFit/>
+          </a:bodyPr>
+          <a:lstStyle/>
+          <a:p>
+            <a:r>
+              <a:rPr lang="en-US" altLang="zh-CN" dirty="0" smtClean="0">
+                <a:solidFill>
+                  <a:srgbClr val="000000"/>
+                </a:solidFill>
+                <a:highlight>
+                  <a:srgbClr val="FFFFFF"/>
+                </a:highlight>
+                <a:latin typeface="新宋体" panose="02010609030101010101" pitchFamily="49" charset="-122"/>
+                <a:ea typeface="新宋体" panose="02010609030101010101" pitchFamily="49" charset="-122"/>
+              </a:rPr>
+              <a:t>&amp;</a:t>
+            </a:r>
+            <a:r>
+              <a:rPr lang="en-US" altLang="zh-CN" dirty="0" err="1" smtClean="0">
+                <a:solidFill>
+                  <a:srgbClr val="2B91AF"/>
+                </a:solidFill>
+                <a:highlight>
+                  <a:srgbClr val="FFFFFF"/>
+                </a:highlight>
+                <a:latin typeface="新宋体" panose="02010609030101010101" pitchFamily="49" charset="-122"/>
+                <a:ea typeface="新宋体" panose="02010609030101010101" pitchFamily="49" charset="-122"/>
+              </a:rPr>
+              <a:t>SomeObject</a:t>
+            </a:r>
+            <a:r>
+              <a:rPr lang="en-US" altLang="zh-CN" dirty="0" smtClean="0">
+                <a:solidFill>
+                  <a:srgbClr val="000000"/>
+                </a:solidFill>
+                <a:highlight>
+                  <a:srgbClr val="FFFFFF"/>
+                </a:highlight>
+                <a:latin typeface="新宋体" panose="02010609030101010101" pitchFamily="49" charset="-122"/>
+                <a:ea typeface="新宋体" panose="02010609030101010101" pitchFamily="49" charset="-122"/>
+              </a:rPr>
+              <a:t>::field1,</a:t>
+            </a:r>
+            <a:r>
+              <a:rPr lang="en-US" altLang="zh-CN" dirty="0">
+                <a:solidFill>
+                  <a:srgbClr val="000000"/>
+                </a:solidFill>
+                <a:highlight>
+                  <a:srgbClr val="FFFFFF"/>
+                </a:highlight>
+                <a:latin typeface="新宋体" panose="02010609030101010101" pitchFamily="49" charset="-122"/>
+                <a:ea typeface="新宋体" panose="02010609030101010101" pitchFamily="49" charset="-122"/>
+              </a:rPr>
+              <a:t> &amp;</a:t>
+            </a:r>
+            <a:r>
+              <a:rPr lang="en-US" altLang="zh-CN" dirty="0" err="1">
+                <a:solidFill>
+                  <a:srgbClr val="2B91AF"/>
+                </a:solidFill>
+                <a:highlight>
+                  <a:srgbClr val="FFFFFF"/>
+                </a:highlight>
+                <a:latin typeface="新宋体" panose="02010609030101010101" pitchFamily="49" charset="-122"/>
+                <a:ea typeface="新宋体" panose="02010609030101010101" pitchFamily="49" charset="-122"/>
+              </a:rPr>
+              <a:t>SomeObject</a:t>
+            </a:r>
+            <a:r>
+              <a:rPr lang="en-US" altLang="zh-CN" dirty="0">
+                <a:solidFill>
+                  <a:srgbClr val="000000"/>
+                </a:solidFill>
+                <a:highlight>
+                  <a:srgbClr val="FFFFFF"/>
+                </a:highlight>
+                <a:latin typeface="新宋体" panose="02010609030101010101" pitchFamily="49" charset="-122"/>
+                <a:ea typeface="新宋体" panose="02010609030101010101" pitchFamily="49" charset="-122"/>
+              </a:rPr>
+              <a:t>::</a:t>
+            </a:r>
+            <a:r>
+              <a:rPr lang="en-US" altLang="zh-CN" dirty="0" smtClean="0">
+                <a:solidFill>
+                  <a:srgbClr val="000000"/>
+                </a:solidFill>
+                <a:highlight>
+                  <a:srgbClr val="FFFFFF"/>
+                </a:highlight>
+                <a:latin typeface="新宋体" panose="02010609030101010101" pitchFamily="49" charset="-122"/>
+                <a:ea typeface="新宋体" panose="02010609030101010101" pitchFamily="49" charset="-122"/>
+              </a:rPr>
+              <a:t>field2, </a:t>
+            </a:r>
+            <a:r>
+              <a:rPr lang="en-US" altLang="zh-CN" dirty="0">
+                <a:solidFill>
+                  <a:srgbClr val="000000"/>
+                </a:solidFill>
+                <a:highlight>
+                  <a:srgbClr val="FFFFFF"/>
+                </a:highlight>
+                <a:latin typeface="新宋体" panose="02010609030101010101" pitchFamily="49" charset="-122"/>
+                <a:ea typeface="新宋体" panose="02010609030101010101" pitchFamily="49" charset="-122"/>
+              </a:rPr>
+              <a:t>&amp;</a:t>
+            </a:r>
+            <a:r>
+              <a:rPr lang="en-US" altLang="zh-CN" dirty="0" err="1">
+                <a:solidFill>
+                  <a:srgbClr val="2B91AF"/>
+                </a:solidFill>
+                <a:highlight>
+                  <a:srgbClr val="FFFFFF"/>
+                </a:highlight>
+                <a:latin typeface="新宋体" panose="02010609030101010101" pitchFamily="49" charset="-122"/>
+                <a:ea typeface="新宋体" panose="02010609030101010101" pitchFamily="49" charset="-122"/>
+              </a:rPr>
+              <a:t>SomeObject</a:t>
+            </a:r>
+            <a:r>
+              <a:rPr lang="en-US" altLang="zh-CN" dirty="0">
+                <a:solidFill>
+                  <a:srgbClr val="000000"/>
+                </a:solidFill>
+                <a:highlight>
+                  <a:srgbClr val="FFFFFF"/>
+                </a:highlight>
+                <a:latin typeface="新宋体" panose="02010609030101010101" pitchFamily="49" charset="-122"/>
+                <a:ea typeface="新宋体" panose="02010609030101010101" pitchFamily="49" charset="-122"/>
+              </a:rPr>
+              <a:t>::</a:t>
+            </a:r>
+            <a:r>
+              <a:rPr lang="en-US" altLang="zh-CN" dirty="0" smtClean="0">
+                <a:solidFill>
+                  <a:srgbClr val="000000"/>
+                </a:solidFill>
+                <a:highlight>
+                  <a:srgbClr val="FFFFFF"/>
+                </a:highlight>
+                <a:latin typeface="新宋体" panose="02010609030101010101" pitchFamily="49" charset="-122"/>
+                <a:ea typeface="新宋体" panose="02010609030101010101" pitchFamily="49" charset="-122"/>
+              </a:rPr>
+              <a:t>field3,.....,</a:t>
+            </a:r>
+            <a:r>
+              <a:rPr lang="en-US" altLang="zh-CN" dirty="0">
+                <a:solidFill>
+                  <a:srgbClr val="000000"/>
+                </a:solidFill>
+                <a:highlight>
+                  <a:srgbClr val="FFFFFF"/>
+                </a:highlight>
+                <a:latin typeface="新宋体" panose="02010609030101010101" pitchFamily="49" charset="-122"/>
+                <a:ea typeface="新宋体" panose="02010609030101010101" pitchFamily="49" charset="-122"/>
+              </a:rPr>
+              <a:t> &amp;</a:t>
+            </a:r>
+            <a:r>
+              <a:rPr lang="en-US" altLang="zh-CN" dirty="0" err="1">
+                <a:solidFill>
+                  <a:srgbClr val="2B91AF"/>
+                </a:solidFill>
+                <a:highlight>
+                  <a:srgbClr val="FFFFFF"/>
+                </a:highlight>
+                <a:latin typeface="新宋体" panose="02010609030101010101" pitchFamily="49" charset="-122"/>
+                <a:ea typeface="新宋体" panose="02010609030101010101" pitchFamily="49" charset="-122"/>
+              </a:rPr>
+              <a:t>SomeObject</a:t>
+            </a:r>
+            <a:r>
+              <a:rPr lang="en-US" altLang="zh-CN" dirty="0">
+                <a:solidFill>
+                  <a:srgbClr val="000000"/>
+                </a:solidFill>
+                <a:highlight>
+                  <a:srgbClr val="FFFFFF"/>
+                </a:highlight>
+                <a:latin typeface="新宋体" panose="02010609030101010101" pitchFamily="49" charset="-122"/>
+                <a:ea typeface="新宋体" panose="02010609030101010101" pitchFamily="49" charset="-122"/>
+              </a:rPr>
+              <a:t>::</a:t>
+            </a:r>
+            <a:r>
+              <a:rPr lang="en-US" altLang="zh-CN" dirty="0" err="1" smtClean="0">
+                <a:solidFill>
+                  <a:srgbClr val="000000"/>
+                </a:solidFill>
+                <a:highlight>
+                  <a:srgbClr val="FFFFFF"/>
+                </a:highlight>
+                <a:latin typeface="新宋体" panose="02010609030101010101" pitchFamily="49" charset="-122"/>
+                <a:ea typeface="新宋体" panose="02010609030101010101" pitchFamily="49" charset="-122"/>
+              </a:rPr>
+              <a:t>fieldN</a:t>
+            </a:r>
+            <a:endParaRPr lang="zh-CN" altLang="en-US" dirty="0"/>
+          </a:p>
+        </p:txBody>
+      </p:sp>
+      <p:cxnSp>
+        <p:nvCxnSpPr>
+          <p:cNvPr id="7" name="直接箭头连接符 6"/>
+          <p:cNvCxnSpPr/>
+          <p:nvPr/>
+        </p:nvCxnSpPr>
+        <p:spPr>
+          <a:xfrm flipH="1">
+            <a:off x="5477691" y="1235338"/>
+            <a:ext cx="3319" cy="558627"/>
+          </a:xfrm>
+          <a:prstGeom prst="straightConnector1">
+            <a:avLst/>
+          </a:prstGeom>
+          <a:ln w="34925">
+            <a:tailEnd type="triangle"/>
+          </a:ln>
+        </p:spPr>
+        <p:style>
+          <a:lnRef idx="1">
+            <a:schemeClr val="accent1"/>
+          </a:lnRef>
+          <a:fillRef idx="0">
+            <a:schemeClr val="accent1"/>
+          </a:fillRef>
+          <a:effectRef idx="0">
+            <a:schemeClr val="accent1"/>
+          </a:effectRef>
+          <a:fontRef idx="minor">
+            <a:schemeClr val="tx1"/>
+          </a:fontRef>
+        </p:style>
+      </p:cxnSp>
+      <p:sp>
+        <p:nvSpPr>
+          <p:cNvPr id="9" name="矩形 8"/>
+          <p:cNvSpPr/>
+          <p:nvPr/>
+        </p:nvSpPr>
+        <p:spPr>
+          <a:xfrm>
+            <a:off x="710600" y="1720333"/>
+            <a:ext cx="263214" cy="400110"/>
+          </a:xfrm>
+          <a:prstGeom prst="rect">
+            <a:avLst/>
+          </a:prstGeom>
+        </p:spPr>
+        <p:txBody>
+          <a:bodyPr wrap="none">
+            <a:spAutoFit/>
+          </a:bodyPr>
+          <a:lstStyle/>
+          <a:p>
+            <a:r>
+              <a:rPr lang="zh-CN" altLang="en-US" sz="2000" dirty="0">
+                <a:solidFill>
+                  <a:srgbClr val="FF0000"/>
+                </a:solidFill>
+              </a:rPr>
+              <a:t>(</a:t>
+            </a:r>
+          </a:p>
+        </p:txBody>
+      </p:sp>
+      <p:sp>
+        <p:nvSpPr>
+          <p:cNvPr id="10" name="矩形 9"/>
+          <p:cNvSpPr/>
+          <p:nvPr/>
+        </p:nvSpPr>
+        <p:spPr>
+          <a:xfrm>
+            <a:off x="11008348" y="1714371"/>
+            <a:ext cx="263214" cy="400110"/>
+          </a:xfrm>
+          <a:prstGeom prst="rect">
+            <a:avLst/>
+          </a:prstGeom>
+        </p:spPr>
+        <p:txBody>
+          <a:bodyPr wrap="none">
+            <a:spAutoFit/>
+          </a:bodyPr>
+          <a:lstStyle/>
+          <a:p>
+            <a:r>
+              <a:rPr lang="zh-CN" altLang="en-US" sz="2000" dirty="0">
+                <a:solidFill>
+                  <a:srgbClr val="FF0000"/>
+                </a:solidFill>
+              </a:rPr>
+              <a:t>)</a:t>
+            </a:r>
+          </a:p>
+        </p:txBody>
+      </p:sp>
+      <p:cxnSp>
+        <p:nvCxnSpPr>
+          <p:cNvPr id="11" name="直接箭头连接符 10"/>
+          <p:cNvCxnSpPr/>
+          <p:nvPr/>
+        </p:nvCxnSpPr>
+        <p:spPr>
+          <a:xfrm flipH="1">
+            <a:off x="5740406" y="2107083"/>
+            <a:ext cx="40016" cy="601283"/>
+          </a:xfrm>
+          <a:prstGeom prst="straightConnector1">
+            <a:avLst/>
+          </a:prstGeom>
+          <a:ln w="34925">
+            <a:tailEnd type="triangle"/>
+          </a:ln>
+        </p:spPr>
+        <p:style>
+          <a:lnRef idx="1">
+            <a:schemeClr val="accent1"/>
+          </a:lnRef>
+          <a:fillRef idx="0">
+            <a:schemeClr val="accent1"/>
+          </a:fillRef>
+          <a:effectRef idx="0">
+            <a:schemeClr val="accent1"/>
+          </a:effectRef>
+          <a:fontRef idx="minor">
+            <a:schemeClr val="tx1"/>
+          </a:fontRef>
+        </p:style>
+      </p:cxnSp>
+      <p:cxnSp>
+        <p:nvCxnSpPr>
+          <p:cNvPr id="14" name="直接箭头连接符 13"/>
+          <p:cNvCxnSpPr/>
+          <p:nvPr/>
+        </p:nvCxnSpPr>
+        <p:spPr>
+          <a:xfrm flipH="1">
+            <a:off x="4754880" y="2949972"/>
+            <a:ext cx="940526" cy="574766"/>
+          </a:xfrm>
+          <a:prstGeom prst="straightConnector1">
+            <a:avLst/>
+          </a:prstGeom>
+          <a:ln w="34925">
+            <a:tailEnd type="triangle"/>
+          </a:ln>
+        </p:spPr>
+        <p:style>
+          <a:lnRef idx="1">
+            <a:schemeClr val="accent1"/>
+          </a:lnRef>
+          <a:fillRef idx="0">
+            <a:schemeClr val="accent1"/>
+          </a:fillRef>
+          <a:effectRef idx="0">
+            <a:schemeClr val="accent1"/>
+          </a:effectRef>
+          <a:fontRef idx="minor">
+            <a:schemeClr val="tx1"/>
+          </a:fontRef>
+        </p:style>
+      </p:cxnSp>
+      <p:sp>
+        <p:nvSpPr>
+          <p:cNvPr id="24" name="矩形 23"/>
+          <p:cNvSpPr/>
+          <p:nvPr/>
+        </p:nvSpPr>
+        <p:spPr>
+          <a:xfrm>
+            <a:off x="3501861" y="5430682"/>
+            <a:ext cx="3951659" cy="369332"/>
+          </a:xfrm>
+          <a:prstGeom prst="rect">
+            <a:avLst/>
+          </a:prstGeom>
+        </p:spPr>
+        <p:txBody>
+          <a:bodyPr wrap="none">
+            <a:spAutoFit/>
+          </a:bodyPr>
+          <a:lstStyle/>
+          <a:p>
+            <a:r>
+              <a:rPr lang="en-US" altLang="zh-CN" dirty="0" smtClean="0"/>
+              <a:t>automatically </a:t>
+            </a:r>
+            <a:r>
+              <a:rPr lang="zh-CN" altLang="en-US" dirty="0" smtClean="0"/>
+              <a:t>pack </a:t>
+            </a:r>
+            <a:r>
+              <a:rPr lang="zh-CN" altLang="en-US" dirty="0"/>
+              <a:t>all member variables</a:t>
+            </a:r>
+          </a:p>
+        </p:txBody>
+      </p:sp>
+      <p:sp>
+        <p:nvSpPr>
+          <p:cNvPr id="27" name="矩形 26"/>
+          <p:cNvSpPr/>
+          <p:nvPr/>
+        </p:nvSpPr>
+        <p:spPr>
+          <a:xfrm>
+            <a:off x="973814" y="4427300"/>
+            <a:ext cx="8414026" cy="646331"/>
+          </a:xfrm>
+          <a:prstGeom prst="rect">
+            <a:avLst/>
+          </a:prstGeom>
+        </p:spPr>
+        <p:txBody>
+          <a:bodyPr wrap="square">
+            <a:spAutoFit/>
+          </a:bodyPr>
+          <a:lstStyle/>
+          <a:p>
+            <a:r>
+              <a:rPr lang="en-US" altLang="zh-CN" dirty="0">
+                <a:solidFill>
+                  <a:srgbClr val="808080"/>
+                </a:solidFill>
+                <a:highlight>
+                  <a:srgbClr val="FFFFFF"/>
+                </a:highlight>
+                <a:latin typeface="新宋体" panose="02010609030101010101" pitchFamily="49" charset="-122"/>
+                <a:ea typeface="新宋体" panose="02010609030101010101" pitchFamily="49" charset="-122"/>
+              </a:rPr>
+              <a:t>#define</a:t>
+            </a:r>
+            <a:r>
+              <a:rPr lang="en-US" altLang="zh-CN" dirty="0">
+                <a:solidFill>
+                  <a:srgbClr val="000000"/>
+                </a:solidFill>
+                <a:highlight>
+                  <a:srgbClr val="FFFFFF"/>
+                </a:highlight>
+                <a:latin typeface="新宋体" panose="02010609030101010101" pitchFamily="49" charset="-122"/>
+                <a:ea typeface="新宋体" panose="02010609030101010101" pitchFamily="49" charset="-122"/>
+              </a:rPr>
+              <a:t> </a:t>
+            </a:r>
+            <a:r>
+              <a:rPr lang="en-US" altLang="zh-CN" dirty="0">
+                <a:solidFill>
+                  <a:srgbClr val="6F008A"/>
+                </a:solidFill>
+                <a:highlight>
+                  <a:srgbClr val="FFFFFF"/>
+                </a:highlight>
+                <a:latin typeface="新宋体" panose="02010609030101010101" pitchFamily="49" charset="-122"/>
+                <a:ea typeface="新宋体" panose="02010609030101010101" pitchFamily="49" charset="-122"/>
+              </a:rPr>
+              <a:t>REFLECTION</a:t>
+            </a:r>
+            <a:r>
+              <a:rPr lang="en-US" altLang="zh-CN" dirty="0">
+                <a:solidFill>
+                  <a:srgbClr val="000000"/>
+                </a:solidFill>
+                <a:highlight>
+                  <a:srgbClr val="FFFFFF"/>
+                </a:highlight>
+                <a:latin typeface="新宋体" panose="02010609030101010101" pitchFamily="49" charset="-122"/>
+                <a:ea typeface="新宋体" panose="02010609030101010101" pitchFamily="49" charset="-122"/>
+              </a:rPr>
+              <a:t>(STRUCT_NAME, ...) \</a:t>
+            </a:r>
+          </a:p>
+          <a:p>
+            <a:r>
+              <a:rPr lang="en-US" altLang="zh-CN" dirty="0">
+                <a:solidFill>
+                  <a:srgbClr val="6F008A"/>
+                </a:solidFill>
+                <a:highlight>
+                  <a:srgbClr val="FFFFFF"/>
+                </a:highlight>
+                <a:latin typeface="新宋体" panose="02010609030101010101" pitchFamily="49" charset="-122"/>
+                <a:ea typeface="新宋体" panose="02010609030101010101" pitchFamily="49" charset="-122"/>
+              </a:rPr>
+              <a:t>MAKE_META_DATA</a:t>
+            </a:r>
+            <a:r>
+              <a:rPr lang="en-US" altLang="zh-CN" dirty="0">
+                <a:solidFill>
+                  <a:srgbClr val="000000"/>
+                </a:solidFill>
+                <a:highlight>
+                  <a:srgbClr val="FFFFFF"/>
+                </a:highlight>
+                <a:latin typeface="新宋体" panose="02010609030101010101" pitchFamily="49" charset="-122"/>
+                <a:ea typeface="新宋体" panose="02010609030101010101" pitchFamily="49" charset="-122"/>
+              </a:rPr>
+              <a:t>(STRUCT_NAME, </a:t>
+            </a:r>
+            <a:r>
+              <a:rPr lang="en-US" altLang="zh-CN" dirty="0">
+                <a:solidFill>
+                  <a:srgbClr val="6F008A"/>
+                </a:solidFill>
+                <a:highlight>
+                  <a:srgbClr val="FFFFFF"/>
+                </a:highlight>
+                <a:latin typeface="新宋体" panose="02010609030101010101" pitchFamily="49" charset="-122"/>
+                <a:ea typeface="新宋体" panose="02010609030101010101" pitchFamily="49" charset="-122"/>
+              </a:rPr>
+              <a:t>GET_ARG_COUNT</a:t>
+            </a:r>
+            <a:r>
+              <a:rPr lang="en-US" altLang="zh-CN" dirty="0">
+                <a:solidFill>
+                  <a:srgbClr val="000000"/>
+                </a:solidFill>
+                <a:highlight>
+                  <a:srgbClr val="FFFFFF"/>
+                </a:highlight>
+                <a:latin typeface="新宋体" panose="02010609030101010101" pitchFamily="49" charset="-122"/>
+                <a:ea typeface="新宋体" panose="02010609030101010101" pitchFamily="49" charset="-122"/>
+              </a:rPr>
+              <a:t>(__VA_ARGS__), __VA_ARGS__)</a:t>
             </a:r>
             <a:endParaRPr lang="zh-CN" altLang="en-US" dirty="0"/>
           </a:p>
@@ -24814,7 +27397,7 @@
     </p:spTree>
     <p:extLst>
       <p:ext uri="{BB962C8B-B14F-4D97-AF65-F5344CB8AC3E}">
-        <p14:creationId xmlns:p14="http://schemas.microsoft.com/office/powerpoint/2010/main" val="3812572458"/>
+        <p14:creationId xmlns:p14="http://schemas.microsoft.com/office/powerpoint/2010/main" val="2224023192"/>
       </p:ext>
     </p:extLst>
   </p:cSld>
@@ -24824,9 +27407,561 @@
   <p:timing>
     <p:tnLst>
       <p:par>
-        <p:cTn id="1" dur="indefinite" restart="never" nodeType="tmRoot"/>
+        <p:cTn id="1" dur="indefinite" restart="never" nodeType="tmRoot">
+          <p:childTnLst>
+            <p:seq concurrent="1" nextAc="seek">
+              <p:cTn id="2" dur="indefinite" nodeType="mainSeq">
+                <p:childTnLst>
+                  <p:par>
+                    <p:cTn id="3" fill="hold">
+                      <p:stCondLst>
+                        <p:cond delay="indefinite"/>
+                      </p:stCondLst>
+                      <p:childTnLst>
+                        <p:par>
+                          <p:cTn id="4" fill="hold">
+                            <p:stCondLst>
+                              <p:cond delay="0"/>
+                            </p:stCondLst>
+                            <p:childTnLst>
+                              <p:par>
+                                <p:cTn id="5" presetID="22" presetClass="entr" presetSubtype="1" fill="hold" nodeType="clickEffect">
+                                  <p:stCondLst>
+                                    <p:cond delay="0"/>
+                                  </p:stCondLst>
+                                  <p:childTnLst>
+                                    <p:set>
+                                      <p:cBhvr>
+                                        <p:cTn id="6" dur="1" fill="hold">
+                                          <p:stCondLst>
+                                            <p:cond delay="0"/>
+                                          </p:stCondLst>
+                                        </p:cTn>
+                                        <p:tgtEl>
+                                          <p:spTgt spid="7"/>
+                                        </p:tgtEl>
+                                        <p:attrNameLst>
+                                          <p:attrName>style.visibility</p:attrName>
+                                        </p:attrNameLst>
+                                      </p:cBhvr>
+                                      <p:to>
+                                        <p:strVal val="visible"/>
+                                      </p:to>
+                                    </p:set>
+                                    <p:animEffect transition="in" filter="wipe(up)">
+                                      <p:cBhvr>
+                                        <p:cTn id="7" dur="500"/>
+                                        <p:tgtEl>
+                                          <p:spTgt spid="7"/>
+                                        </p:tgtEl>
+                                      </p:cBhvr>
+                                    </p:animEffect>
+                                  </p:childTnLst>
+                                </p:cTn>
+                              </p:par>
+                            </p:childTnLst>
+                          </p:cTn>
+                        </p:par>
+                        <p:par>
+                          <p:cTn id="8" fill="hold">
+                            <p:stCondLst>
+                              <p:cond delay="500"/>
+                            </p:stCondLst>
+                            <p:childTnLst>
+                              <p:par>
+                                <p:cTn id="9" presetID="22" presetClass="entr" presetSubtype="1" fill="hold" grpId="0" nodeType="afterEffect">
+                                  <p:stCondLst>
+                                    <p:cond delay="0"/>
+                                  </p:stCondLst>
+                                  <p:childTnLst>
+                                    <p:set>
+                                      <p:cBhvr>
+                                        <p:cTn id="10" dur="1" fill="hold">
+                                          <p:stCondLst>
+                                            <p:cond delay="0"/>
+                                          </p:stCondLst>
+                                        </p:cTn>
+                                        <p:tgtEl>
+                                          <p:spTgt spid="6"/>
+                                        </p:tgtEl>
+                                        <p:attrNameLst>
+                                          <p:attrName>style.visibility</p:attrName>
+                                        </p:attrNameLst>
+                                      </p:cBhvr>
+                                      <p:to>
+                                        <p:strVal val="visible"/>
+                                      </p:to>
+                                    </p:set>
+                                    <p:animEffect transition="in" filter="wipe(up)">
+                                      <p:cBhvr>
+                                        <p:cTn id="11" dur="500"/>
+                                        <p:tgtEl>
+                                          <p:spTgt spid="6"/>
+                                        </p:tgtEl>
+                                      </p:cBhvr>
+                                    </p:animEffect>
+                                  </p:childTnLst>
+                                </p:cTn>
+                              </p:par>
+                            </p:childTnLst>
+                          </p:cTn>
+                        </p:par>
+                      </p:childTnLst>
+                    </p:cTn>
+                  </p:par>
+                  <p:par>
+                    <p:cTn id="12" fill="hold">
+                      <p:stCondLst>
+                        <p:cond delay="indefinite"/>
+                      </p:stCondLst>
+                      <p:childTnLst>
+                        <p:par>
+                          <p:cTn id="13" fill="hold">
+                            <p:stCondLst>
+                              <p:cond delay="0"/>
+                            </p:stCondLst>
+                            <p:childTnLst>
+                              <p:par>
+                                <p:cTn id="14" presetID="2" presetClass="entr" presetSubtype="4" fill="hold" grpId="0" nodeType="clickEffect">
+                                  <p:stCondLst>
+                                    <p:cond delay="0"/>
+                                  </p:stCondLst>
+                                  <p:childTnLst>
+                                    <p:set>
+                                      <p:cBhvr>
+                                        <p:cTn id="15" dur="1" fill="hold">
+                                          <p:stCondLst>
+                                            <p:cond delay="0"/>
+                                          </p:stCondLst>
+                                        </p:cTn>
+                                        <p:tgtEl>
+                                          <p:spTgt spid="5"/>
+                                        </p:tgtEl>
+                                        <p:attrNameLst>
+                                          <p:attrName>style.visibility</p:attrName>
+                                        </p:attrNameLst>
+                                      </p:cBhvr>
+                                      <p:to>
+                                        <p:strVal val="visible"/>
+                                      </p:to>
+                                    </p:set>
+                                    <p:anim calcmode="lin" valueType="num">
+                                      <p:cBhvr additive="base">
+                                        <p:cTn id="16" dur="500" fill="hold"/>
+                                        <p:tgtEl>
+                                          <p:spTgt spid="5"/>
+                                        </p:tgtEl>
+                                        <p:attrNameLst>
+                                          <p:attrName>ppt_x</p:attrName>
+                                        </p:attrNameLst>
+                                      </p:cBhvr>
+                                      <p:tavLst>
+                                        <p:tav tm="0">
+                                          <p:val>
+                                            <p:strVal val="#ppt_x"/>
+                                          </p:val>
+                                        </p:tav>
+                                        <p:tav tm="100000">
+                                          <p:val>
+                                            <p:strVal val="#ppt_x"/>
+                                          </p:val>
+                                        </p:tav>
+                                      </p:tavLst>
+                                    </p:anim>
+                                    <p:anim calcmode="lin" valueType="num">
+                                      <p:cBhvr additive="base">
+                                        <p:cTn id="17" dur="500" fill="hold"/>
+                                        <p:tgtEl>
+                                          <p:spTgt spid="5"/>
+                                        </p:tgtEl>
+                                        <p:attrNameLst>
+                                          <p:attrName>ppt_y</p:attrName>
+                                        </p:attrNameLst>
+                                      </p:cBhvr>
+                                      <p:tavLst>
+                                        <p:tav tm="0">
+                                          <p:val>
+                                            <p:strVal val="1+#ppt_h/2"/>
+                                          </p:val>
+                                        </p:tav>
+                                        <p:tav tm="100000">
+                                          <p:val>
+                                            <p:strVal val="#ppt_y"/>
+                                          </p:val>
+                                        </p:tav>
+                                      </p:tavLst>
+                                    </p:anim>
+                                  </p:childTnLst>
+                                </p:cTn>
+                              </p:par>
+                            </p:childTnLst>
+                          </p:cTn>
+                        </p:par>
+                      </p:childTnLst>
+                    </p:cTn>
+                  </p:par>
+                  <p:par>
+                    <p:cTn id="18" fill="hold">
+                      <p:stCondLst>
+                        <p:cond delay="indefinite"/>
+                      </p:stCondLst>
+                      <p:childTnLst>
+                        <p:par>
+                          <p:cTn id="19" fill="hold">
+                            <p:stCondLst>
+                              <p:cond delay="0"/>
+                            </p:stCondLst>
+                            <p:childTnLst>
+                              <p:par>
+                                <p:cTn id="20" presetID="1" presetClass="entr" presetSubtype="0" fill="hold" grpId="0" nodeType="clickEffect">
+                                  <p:stCondLst>
+                                    <p:cond delay="0"/>
+                                  </p:stCondLst>
+                                  <p:childTnLst>
+                                    <p:set>
+                                      <p:cBhvr>
+                                        <p:cTn id="21" dur="1" fill="hold">
+                                          <p:stCondLst>
+                                            <p:cond delay="0"/>
+                                          </p:stCondLst>
+                                        </p:cTn>
+                                        <p:tgtEl>
+                                          <p:spTgt spid="9"/>
+                                        </p:tgtEl>
+                                        <p:attrNameLst>
+                                          <p:attrName>style.visibility</p:attrName>
+                                        </p:attrNameLst>
+                                      </p:cBhvr>
+                                      <p:to>
+                                        <p:strVal val="visible"/>
+                                      </p:to>
+                                    </p:set>
+                                  </p:childTnLst>
+                                </p:cTn>
+                              </p:par>
+                              <p:par>
+                                <p:cTn id="22" presetID="1" presetClass="entr" presetSubtype="0" fill="hold" grpId="0" nodeType="withEffect">
+                                  <p:stCondLst>
+                                    <p:cond delay="0"/>
+                                  </p:stCondLst>
+                                  <p:childTnLst>
+                                    <p:set>
+                                      <p:cBhvr>
+                                        <p:cTn id="23" dur="1" fill="hold">
+                                          <p:stCondLst>
+                                            <p:cond delay="0"/>
+                                          </p:stCondLst>
+                                        </p:cTn>
+                                        <p:tgtEl>
+                                          <p:spTgt spid="10"/>
+                                        </p:tgtEl>
+                                        <p:attrNameLst>
+                                          <p:attrName>style.visibility</p:attrName>
+                                        </p:attrNameLst>
+                                      </p:cBhvr>
+                                      <p:to>
+                                        <p:strVal val="visible"/>
+                                      </p:to>
+                                    </p:set>
+                                  </p:childTnLst>
+                                </p:cTn>
+                              </p:par>
+                            </p:childTnLst>
+                          </p:cTn>
+                        </p:par>
+                        <p:par>
+                          <p:cTn id="24" fill="hold">
+                            <p:stCondLst>
+                              <p:cond delay="0"/>
+                            </p:stCondLst>
+                            <p:childTnLst>
+                              <p:par>
+                                <p:cTn id="25" presetID="22" presetClass="entr" presetSubtype="1" fill="hold" nodeType="afterEffect">
+                                  <p:stCondLst>
+                                    <p:cond delay="0"/>
+                                  </p:stCondLst>
+                                  <p:childTnLst>
+                                    <p:set>
+                                      <p:cBhvr>
+                                        <p:cTn id="26" dur="1" fill="hold">
+                                          <p:stCondLst>
+                                            <p:cond delay="0"/>
+                                          </p:stCondLst>
+                                        </p:cTn>
+                                        <p:tgtEl>
+                                          <p:spTgt spid="11"/>
+                                        </p:tgtEl>
+                                        <p:attrNameLst>
+                                          <p:attrName>style.visibility</p:attrName>
+                                        </p:attrNameLst>
+                                      </p:cBhvr>
+                                      <p:to>
+                                        <p:strVal val="visible"/>
+                                      </p:to>
+                                    </p:set>
+                                    <p:animEffect transition="in" filter="wipe(up)">
+                                      <p:cBhvr>
+                                        <p:cTn id="27" dur="500"/>
+                                        <p:tgtEl>
+                                          <p:spTgt spid="11"/>
+                                        </p:tgtEl>
+                                      </p:cBhvr>
+                                    </p:animEffect>
+                                  </p:childTnLst>
+                                </p:cTn>
+                              </p:par>
+                            </p:childTnLst>
+                          </p:cTn>
+                        </p:par>
+                      </p:childTnLst>
+                    </p:cTn>
+                  </p:par>
+                  <p:par>
+                    <p:cTn id="28" fill="hold">
+                      <p:stCondLst>
+                        <p:cond delay="indefinite"/>
+                      </p:stCondLst>
+                      <p:childTnLst>
+                        <p:par>
+                          <p:cTn id="29" fill="hold">
+                            <p:stCondLst>
+                              <p:cond delay="0"/>
+                            </p:stCondLst>
+                            <p:childTnLst>
+                              <p:par>
+                                <p:cTn id="30" presetID="22" presetClass="entr" presetSubtype="1" fill="hold" nodeType="clickEffect">
+                                  <p:stCondLst>
+                                    <p:cond delay="0"/>
+                                  </p:stCondLst>
+                                  <p:childTnLst>
+                                    <p:set>
+                                      <p:cBhvr>
+                                        <p:cTn id="31" dur="1" fill="hold">
+                                          <p:stCondLst>
+                                            <p:cond delay="0"/>
+                                          </p:stCondLst>
+                                        </p:cTn>
+                                        <p:tgtEl>
+                                          <p:spTgt spid="14"/>
+                                        </p:tgtEl>
+                                        <p:attrNameLst>
+                                          <p:attrName>style.visibility</p:attrName>
+                                        </p:attrNameLst>
+                                      </p:cBhvr>
+                                      <p:to>
+                                        <p:strVal val="visible"/>
+                                      </p:to>
+                                    </p:set>
+                                    <p:animEffect transition="in" filter="wipe(up)">
+                                      <p:cBhvr>
+                                        <p:cTn id="32" dur="500"/>
+                                        <p:tgtEl>
+                                          <p:spTgt spid="14"/>
+                                        </p:tgtEl>
+                                      </p:cBhvr>
+                                    </p:animEffect>
+                                  </p:childTnLst>
+                                </p:cTn>
+                              </p:par>
+                            </p:childTnLst>
+                          </p:cTn>
+                        </p:par>
+                      </p:childTnLst>
+                    </p:cTn>
+                  </p:par>
+                  <p:par>
+                    <p:cTn id="33" fill="hold">
+                      <p:stCondLst>
+                        <p:cond delay="indefinite"/>
+                      </p:stCondLst>
+                      <p:childTnLst>
+                        <p:par>
+                          <p:cTn id="34" fill="hold">
+                            <p:stCondLst>
+                              <p:cond delay="0"/>
+                            </p:stCondLst>
+                            <p:childTnLst>
+                              <p:par>
+                                <p:cTn id="35" presetID="2" presetClass="entr" presetSubtype="4" fill="hold" grpId="0" nodeType="clickEffect">
+                                  <p:stCondLst>
+                                    <p:cond delay="0"/>
+                                  </p:stCondLst>
+                                  <p:childTnLst>
+                                    <p:set>
+                                      <p:cBhvr>
+                                        <p:cTn id="36" dur="1" fill="hold">
+                                          <p:stCondLst>
+                                            <p:cond delay="0"/>
+                                          </p:stCondLst>
+                                        </p:cTn>
+                                        <p:tgtEl>
+                                          <p:spTgt spid="27"/>
+                                        </p:tgtEl>
+                                        <p:attrNameLst>
+                                          <p:attrName>style.visibility</p:attrName>
+                                        </p:attrNameLst>
+                                      </p:cBhvr>
+                                      <p:to>
+                                        <p:strVal val="visible"/>
+                                      </p:to>
+                                    </p:set>
+                                    <p:anim calcmode="lin" valueType="num">
+                                      <p:cBhvr additive="base">
+                                        <p:cTn id="37" dur="500" fill="hold"/>
+                                        <p:tgtEl>
+                                          <p:spTgt spid="27"/>
+                                        </p:tgtEl>
+                                        <p:attrNameLst>
+                                          <p:attrName>ppt_x</p:attrName>
+                                        </p:attrNameLst>
+                                      </p:cBhvr>
+                                      <p:tavLst>
+                                        <p:tav tm="0">
+                                          <p:val>
+                                            <p:strVal val="#ppt_x"/>
+                                          </p:val>
+                                        </p:tav>
+                                        <p:tav tm="100000">
+                                          <p:val>
+                                            <p:strVal val="#ppt_x"/>
+                                          </p:val>
+                                        </p:tav>
+                                      </p:tavLst>
+                                    </p:anim>
+                                    <p:anim calcmode="lin" valueType="num">
+                                      <p:cBhvr additive="base">
+                                        <p:cTn id="38" dur="500" fill="hold"/>
+                                        <p:tgtEl>
+                                          <p:spTgt spid="27"/>
+                                        </p:tgtEl>
+                                        <p:attrNameLst>
+                                          <p:attrName>ppt_y</p:attrName>
+                                        </p:attrNameLst>
+                                      </p:cBhvr>
+                                      <p:tavLst>
+                                        <p:tav tm="0">
+                                          <p:val>
+                                            <p:strVal val="1+#ppt_h/2"/>
+                                          </p:val>
+                                        </p:tav>
+                                        <p:tav tm="100000">
+                                          <p:val>
+                                            <p:strVal val="#ppt_y"/>
+                                          </p:val>
+                                        </p:tav>
+                                      </p:tavLst>
+                                    </p:anim>
+                                  </p:childTnLst>
+                                </p:cTn>
+                              </p:par>
+                            </p:childTnLst>
+                          </p:cTn>
+                        </p:par>
+                      </p:childTnLst>
+                    </p:cTn>
+                  </p:par>
+                  <p:par>
+                    <p:cTn id="39" fill="hold">
+                      <p:stCondLst>
+                        <p:cond delay="indefinite"/>
+                      </p:stCondLst>
+                      <p:childTnLst>
+                        <p:par>
+                          <p:cTn id="40" fill="hold">
+                            <p:stCondLst>
+                              <p:cond delay="0"/>
+                            </p:stCondLst>
+                            <p:childTnLst>
+                              <p:par>
+                                <p:cTn id="41" presetID="1" presetClass="entr" presetSubtype="0" fill="hold" grpId="0" nodeType="clickEffect">
+                                  <p:stCondLst>
+                                    <p:cond delay="0"/>
+                                  </p:stCondLst>
+                                  <p:childTnLst>
+                                    <p:set>
+                                      <p:cBhvr>
+                                        <p:cTn id="42" dur="1" fill="hold">
+                                          <p:stCondLst>
+                                            <p:cond delay="0"/>
+                                          </p:stCondLst>
+                                        </p:cTn>
+                                        <p:tgtEl>
+                                          <p:spTgt spid="24"/>
+                                        </p:tgtEl>
+                                        <p:attrNameLst>
+                                          <p:attrName>style.visibility</p:attrName>
+                                        </p:attrNameLst>
+                                      </p:cBhvr>
+                                      <p:to>
+                                        <p:strVal val="visible"/>
+                                      </p:to>
+                                    </p:set>
+                                  </p:childTnLst>
+                                </p:cTn>
+                              </p:par>
+                            </p:childTnLst>
+                          </p:cTn>
+                        </p:par>
+                        <p:par>
+                          <p:cTn id="43" fill="hold">
+                            <p:stCondLst>
+                              <p:cond delay="0"/>
+                            </p:stCondLst>
+                            <p:childTnLst>
+                              <p:par>
+                                <p:cTn id="44" presetID="6" presetClass="emph" presetSubtype="0" fill="hold" grpId="1" nodeType="afterEffect">
+                                  <p:stCondLst>
+                                    <p:cond delay="0"/>
+                                  </p:stCondLst>
+                                  <p:childTnLst>
+                                    <p:animScale>
+                                      <p:cBhvr>
+                                        <p:cTn id="45" dur="2000" fill="hold"/>
+                                        <p:tgtEl>
+                                          <p:spTgt spid="24"/>
+                                        </p:tgtEl>
+                                      </p:cBhvr>
+                                      <p:by x="150000" y="150000"/>
+                                    </p:animScale>
+                                  </p:childTnLst>
+                                </p:cTn>
+                              </p:par>
+                            </p:childTnLst>
+                          </p:cTn>
+                        </p:par>
+                      </p:childTnLst>
+                    </p:cTn>
+                  </p:par>
+                </p:childTnLst>
+              </p:cTn>
+              <p:prevCondLst>
+                <p:cond evt="onPrev" delay="0">
+                  <p:tgtEl>
+                    <p:sldTgt/>
+                  </p:tgtEl>
+                </p:cond>
+              </p:prevCondLst>
+              <p:nextCondLst>
+                <p:cond evt="onNext" delay="0">
+                  <p:tgtEl>
+                    <p:sldTgt/>
+                  </p:tgtEl>
+                </p:cond>
+              </p:nextCondLst>
+            </p:seq>
+          </p:childTnLst>
+        </p:cTn>
       </p:par>
     </p:tnLst>
+    <p:bldLst>
+      <p:bldP spid="5" grpId="0"/>
+      <p:bldP spid="6" grpId="0"/>
+      <p:bldP spid="9" grpId="0"/>
+      <p:bldP spid="10" grpId="0"/>
+      <p:bldP spid="24" grpId="0"/>
+      <p:bldP spid="24" grpId="1"/>
+      <p:bldP spid="27" grpId="0"/>
+    </p:bldLst>
   </p:timing>
 </p:sld>
 </file>
@@ -24863,11 +27998,7 @@
           <a:bodyPr/>
           <a:lstStyle/>
           <a:p>
-            <a:r>
-              <a:rPr lang="en-US" altLang="zh-CN" dirty="0" smtClean="0"/>
-              <a:t>Outline</a:t>
-            </a:r>
-            <a:endParaRPr lang="zh-CN" altLang="en-US" dirty="0"/>
+            <a:endParaRPr lang="zh-CN" altLang="en-US"/>
           </a:p>
         </p:txBody>
       </p:sp>
@@ -24886,40 +28017,1360 @@
           <a:bodyPr/>
           <a:lstStyle/>
           <a:p>
+            <a:endParaRPr lang="zh-CN" altLang="en-US" dirty="0"/>
+          </a:p>
+        </p:txBody>
+      </p:sp>
+      <p:pic>
+        <p:nvPicPr>
+          <p:cNvPr id="4" name="图片 3"/>
+          <p:cNvPicPr>
+            <a:picLocks noChangeAspect="1"/>
+          </p:cNvPicPr>
+          <p:nvPr/>
+        </p:nvPicPr>
+        <p:blipFill>
+          <a:blip r:embed="rId2"/>
+          <a:stretch>
+            <a:fillRect/>
+          </a:stretch>
+        </p:blipFill>
+        <p:spPr>
+          <a:xfrm>
+            <a:off x="4036762" y="473278"/>
+            <a:ext cx="3247619" cy="1542857"/>
+          </a:xfrm>
+          <a:prstGeom prst="rect">
+            <a:avLst/>
+          </a:prstGeom>
+        </p:spPr>
+      </p:pic>
+      <p:sp>
+        <p:nvSpPr>
+          <p:cNvPr id="6" name="矩形 5"/>
+          <p:cNvSpPr/>
+          <p:nvPr/>
+        </p:nvSpPr>
+        <p:spPr>
+          <a:xfrm>
+            <a:off x="2652833" y="2206645"/>
+            <a:ext cx="8230704" cy="3970318"/>
+          </a:xfrm>
+          <a:prstGeom prst="rect">
+            <a:avLst/>
+          </a:prstGeom>
+        </p:spPr>
+        <p:txBody>
+          <a:bodyPr wrap="square">
+            <a:spAutoFit/>
+          </a:bodyPr>
+          <a:lstStyle/>
+          <a:p>
+            <a:r>
+              <a:rPr lang="en-US" altLang="zh-CN" dirty="0">
+                <a:solidFill>
+                  <a:srgbClr val="0000FF"/>
+                </a:solidFill>
+                <a:highlight>
+                  <a:srgbClr val="FFFFFF"/>
+                </a:highlight>
+                <a:latin typeface="新宋体" panose="02010609030101010101" pitchFamily="49" charset="-122"/>
+                <a:ea typeface="新宋体" panose="02010609030101010101" pitchFamily="49" charset="-122"/>
+              </a:rPr>
+              <a:t>template</a:t>
+            </a:r>
+            <a:r>
+              <a:rPr lang="en-US" altLang="zh-CN" dirty="0">
+                <a:solidFill>
+                  <a:srgbClr val="000000"/>
+                </a:solidFill>
+                <a:highlight>
+                  <a:srgbClr val="FFFFFF"/>
+                </a:highlight>
+                <a:latin typeface="新宋体" panose="02010609030101010101" pitchFamily="49" charset="-122"/>
+                <a:ea typeface="新宋体" panose="02010609030101010101" pitchFamily="49" charset="-122"/>
+              </a:rPr>
+              <a:t>&lt;</a:t>
+            </a:r>
+            <a:r>
+              <a:rPr lang="en-US" altLang="zh-CN" dirty="0" err="1">
+                <a:solidFill>
+                  <a:srgbClr val="0000FF"/>
+                </a:solidFill>
+                <a:highlight>
+                  <a:srgbClr val="FFFFFF"/>
+                </a:highlight>
+                <a:latin typeface="新宋体" panose="02010609030101010101" pitchFamily="49" charset="-122"/>
+                <a:ea typeface="新宋体" panose="02010609030101010101" pitchFamily="49" charset="-122"/>
+              </a:rPr>
+              <a:t>typename</a:t>
+            </a:r>
+            <a:r>
+              <a:rPr lang="en-US" altLang="zh-CN" dirty="0">
+                <a:solidFill>
+                  <a:srgbClr val="000000"/>
+                </a:solidFill>
+                <a:highlight>
+                  <a:srgbClr val="FFFFFF"/>
+                </a:highlight>
+                <a:latin typeface="新宋体" panose="02010609030101010101" pitchFamily="49" charset="-122"/>
+                <a:ea typeface="新宋体" panose="02010609030101010101" pitchFamily="49" charset="-122"/>
+              </a:rPr>
+              <a:t>...&gt; </a:t>
+            </a:r>
+            <a:r>
+              <a:rPr lang="en-US" altLang="zh-CN" dirty="0" err="1">
+                <a:solidFill>
+                  <a:srgbClr val="0000FF"/>
+                </a:solidFill>
+                <a:highlight>
+                  <a:srgbClr val="FFFFFF"/>
+                </a:highlight>
+                <a:latin typeface="新宋体" panose="02010609030101010101" pitchFamily="49" charset="-122"/>
+                <a:ea typeface="新宋体" panose="02010609030101010101" pitchFamily="49" charset="-122"/>
+              </a:rPr>
+              <a:t>struct</a:t>
+            </a:r>
+            <a:r>
+              <a:rPr lang="en-US" altLang="zh-CN" dirty="0">
+                <a:solidFill>
+                  <a:srgbClr val="000000"/>
+                </a:solidFill>
+                <a:highlight>
+                  <a:srgbClr val="FFFFFF"/>
+                </a:highlight>
+                <a:latin typeface="新宋体" panose="02010609030101010101" pitchFamily="49" charset="-122"/>
+                <a:ea typeface="新宋体" panose="02010609030101010101" pitchFamily="49" charset="-122"/>
+              </a:rPr>
+              <a:t> </a:t>
+            </a:r>
+            <a:r>
+              <a:rPr lang="en-US" altLang="zh-CN" dirty="0">
+                <a:solidFill>
+                  <a:srgbClr val="2B91AF"/>
+                </a:solidFill>
+                <a:highlight>
+                  <a:srgbClr val="FFFFFF"/>
+                </a:highlight>
+                <a:latin typeface="新宋体" panose="02010609030101010101" pitchFamily="49" charset="-122"/>
+                <a:ea typeface="新宋体" panose="02010609030101010101" pitchFamily="49" charset="-122"/>
+              </a:rPr>
+              <a:t>Pack</a:t>
+            </a:r>
+            <a:r>
+              <a:rPr lang="en-US" altLang="zh-CN" dirty="0">
+                <a:solidFill>
+                  <a:srgbClr val="000000"/>
+                </a:solidFill>
+                <a:highlight>
+                  <a:srgbClr val="FFFFFF"/>
+                </a:highlight>
+                <a:latin typeface="新宋体" panose="02010609030101010101" pitchFamily="49" charset="-122"/>
+                <a:ea typeface="新宋体" panose="02010609030101010101" pitchFamily="49" charset="-122"/>
+              </a:rPr>
+              <a:t> {};</a:t>
+            </a:r>
+          </a:p>
+          <a:p>
+            <a:r>
+              <a:rPr lang="en-US" altLang="zh-CN" dirty="0">
+                <a:solidFill>
+                  <a:srgbClr val="0000FF"/>
+                </a:solidFill>
+                <a:highlight>
+                  <a:srgbClr val="FFFFFF"/>
+                </a:highlight>
+                <a:latin typeface="新宋体" panose="02010609030101010101" pitchFamily="49" charset="-122"/>
+                <a:ea typeface="新宋体" panose="02010609030101010101" pitchFamily="49" charset="-122"/>
+              </a:rPr>
+              <a:t>template</a:t>
+            </a:r>
+            <a:r>
+              <a:rPr lang="en-US" altLang="zh-CN" dirty="0">
+                <a:solidFill>
+                  <a:srgbClr val="000000"/>
+                </a:solidFill>
+                <a:highlight>
+                  <a:srgbClr val="FFFFFF"/>
+                </a:highlight>
+                <a:latin typeface="新宋体" panose="02010609030101010101" pitchFamily="49" charset="-122"/>
+                <a:ea typeface="新宋体" panose="02010609030101010101" pitchFamily="49" charset="-122"/>
+              </a:rPr>
+              <a:t>&lt;</a:t>
+            </a:r>
+            <a:r>
+              <a:rPr lang="en-US" altLang="zh-CN" dirty="0" err="1">
+                <a:solidFill>
+                  <a:srgbClr val="0000FF"/>
+                </a:solidFill>
+                <a:highlight>
+                  <a:srgbClr val="FFFFFF"/>
+                </a:highlight>
+                <a:latin typeface="新宋体" panose="02010609030101010101" pitchFamily="49" charset="-122"/>
+                <a:ea typeface="新宋体" panose="02010609030101010101" pitchFamily="49" charset="-122"/>
+              </a:rPr>
+              <a:t>typename</a:t>
+            </a:r>
+            <a:r>
+              <a:rPr lang="en-US" altLang="zh-CN" dirty="0">
+                <a:solidFill>
+                  <a:srgbClr val="000000"/>
+                </a:solidFill>
+                <a:highlight>
+                  <a:srgbClr val="FFFFFF"/>
+                </a:highlight>
+                <a:latin typeface="新宋体" panose="02010609030101010101" pitchFamily="49" charset="-122"/>
+                <a:ea typeface="新宋体" panose="02010609030101010101" pitchFamily="49" charset="-122"/>
+              </a:rPr>
+              <a:t>&gt; </a:t>
+            </a:r>
+            <a:r>
+              <a:rPr lang="en-US" altLang="zh-CN" dirty="0" err="1">
+                <a:solidFill>
+                  <a:srgbClr val="0000FF"/>
+                </a:solidFill>
+                <a:highlight>
+                  <a:srgbClr val="FFFFFF"/>
+                </a:highlight>
+                <a:latin typeface="新宋体" panose="02010609030101010101" pitchFamily="49" charset="-122"/>
+                <a:ea typeface="新宋体" panose="02010609030101010101" pitchFamily="49" charset="-122"/>
+              </a:rPr>
+              <a:t>struct</a:t>
+            </a:r>
+            <a:r>
+              <a:rPr lang="en-US" altLang="zh-CN" dirty="0">
+                <a:solidFill>
+                  <a:srgbClr val="000000"/>
+                </a:solidFill>
+                <a:highlight>
+                  <a:srgbClr val="FFFFFF"/>
+                </a:highlight>
+                <a:latin typeface="新宋体" panose="02010609030101010101" pitchFamily="49" charset="-122"/>
+                <a:ea typeface="新宋体" panose="02010609030101010101" pitchFamily="49" charset="-122"/>
+              </a:rPr>
+              <a:t> </a:t>
+            </a:r>
+            <a:r>
+              <a:rPr lang="en-US" altLang="zh-CN" dirty="0">
+                <a:solidFill>
+                  <a:srgbClr val="2B91AF"/>
+                </a:solidFill>
+                <a:highlight>
+                  <a:srgbClr val="FFFFFF"/>
+                </a:highlight>
+                <a:latin typeface="新宋体" panose="02010609030101010101" pitchFamily="49" charset="-122"/>
+                <a:ea typeface="新宋体" panose="02010609030101010101" pitchFamily="49" charset="-122"/>
+              </a:rPr>
+              <a:t>Members</a:t>
+            </a:r>
+            <a:r>
+              <a:rPr lang="en-US" altLang="zh-CN" dirty="0">
+                <a:solidFill>
+                  <a:srgbClr val="000000"/>
+                </a:solidFill>
+                <a:highlight>
+                  <a:srgbClr val="FFFFFF"/>
+                </a:highlight>
+                <a:latin typeface="新宋体" panose="02010609030101010101" pitchFamily="49" charset="-122"/>
+                <a:ea typeface="新宋体" panose="02010609030101010101" pitchFamily="49" charset="-122"/>
+              </a:rPr>
+              <a:t> {};</a:t>
+            </a:r>
+          </a:p>
+          <a:p>
+            <a:r>
+              <a:rPr lang="en-US" altLang="zh-CN" dirty="0">
+                <a:solidFill>
+                  <a:srgbClr val="0000FF"/>
+                </a:solidFill>
+                <a:highlight>
+                  <a:srgbClr val="FFFFFF"/>
+                </a:highlight>
+                <a:latin typeface="新宋体" panose="02010609030101010101" pitchFamily="49" charset="-122"/>
+                <a:ea typeface="新宋体" panose="02010609030101010101" pitchFamily="49" charset="-122"/>
+              </a:rPr>
+              <a:t>template</a:t>
+            </a:r>
+            <a:r>
+              <a:rPr lang="en-US" altLang="zh-CN" dirty="0">
+                <a:solidFill>
+                  <a:srgbClr val="000000"/>
+                </a:solidFill>
+                <a:highlight>
+                  <a:srgbClr val="FFFFFF"/>
+                </a:highlight>
+                <a:latin typeface="新宋体" panose="02010609030101010101" pitchFamily="49" charset="-122"/>
+                <a:ea typeface="新宋体" panose="02010609030101010101" pitchFamily="49" charset="-122"/>
+              </a:rPr>
+              <a:t>&lt;&gt; </a:t>
+            </a:r>
+            <a:r>
+              <a:rPr lang="en-US" altLang="zh-CN" dirty="0" err="1">
+                <a:solidFill>
+                  <a:srgbClr val="0000FF"/>
+                </a:solidFill>
+                <a:highlight>
+                  <a:srgbClr val="FFFFFF"/>
+                </a:highlight>
+                <a:latin typeface="新宋体" panose="02010609030101010101" pitchFamily="49" charset="-122"/>
+                <a:ea typeface="新宋体" panose="02010609030101010101" pitchFamily="49" charset="-122"/>
+              </a:rPr>
+              <a:t>struct</a:t>
+            </a:r>
+            <a:r>
+              <a:rPr lang="en-US" altLang="zh-CN" dirty="0">
+                <a:solidFill>
+                  <a:srgbClr val="000000"/>
+                </a:solidFill>
+                <a:highlight>
+                  <a:srgbClr val="FFFFFF"/>
+                </a:highlight>
+                <a:latin typeface="新宋体" panose="02010609030101010101" pitchFamily="49" charset="-122"/>
+                <a:ea typeface="新宋体" panose="02010609030101010101" pitchFamily="49" charset="-122"/>
+              </a:rPr>
+              <a:t> </a:t>
+            </a:r>
+            <a:r>
+              <a:rPr lang="en-US" altLang="zh-CN" dirty="0">
+                <a:solidFill>
+                  <a:srgbClr val="2B91AF"/>
+                </a:solidFill>
+                <a:highlight>
+                  <a:srgbClr val="FFFFFF"/>
+                </a:highlight>
+                <a:latin typeface="新宋体" panose="02010609030101010101" pitchFamily="49" charset="-122"/>
+                <a:ea typeface="新宋体" panose="02010609030101010101" pitchFamily="49" charset="-122"/>
+              </a:rPr>
+              <a:t>Members</a:t>
+            </a:r>
+            <a:r>
+              <a:rPr lang="en-US" altLang="zh-CN" dirty="0">
+                <a:solidFill>
+                  <a:srgbClr val="000000"/>
+                </a:solidFill>
+                <a:highlight>
+                  <a:srgbClr val="FFFFFF"/>
+                </a:highlight>
+                <a:latin typeface="新宋体" panose="02010609030101010101" pitchFamily="49" charset="-122"/>
+                <a:ea typeface="新宋体" panose="02010609030101010101" pitchFamily="49" charset="-122"/>
+              </a:rPr>
+              <a:t>&lt;</a:t>
+            </a:r>
+            <a:r>
+              <a:rPr lang="en-US" altLang="zh-CN" dirty="0">
+                <a:solidFill>
+                  <a:srgbClr val="2B91AF"/>
+                </a:solidFill>
+                <a:highlight>
+                  <a:srgbClr val="FFFFFF"/>
+                </a:highlight>
+                <a:latin typeface="新宋体" panose="02010609030101010101" pitchFamily="49" charset="-122"/>
+                <a:ea typeface="新宋体" panose="02010609030101010101" pitchFamily="49" charset="-122"/>
+              </a:rPr>
+              <a:t>Person</a:t>
+            </a:r>
+            <a:r>
+              <a:rPr lang="en-US" altLang="zh-CN" dirty="0">
+                <a:solidFill>
+                  <a:srgbClr val="000000"/>
+                </a:solidFill>
+                <a:highlight>
+                  <a:srgbClr val="FFFFFF"/>
+                </a:highlight>
+                <a:latin typeface="新宋体" panose="02010609030101010101" pitchFamily="49" charset="-122"/>
+                <a:ea typeface="新宋体" panose="02010609030101010101" pitchFamily="49" charset="-122"/>
+              </a:rPr>
+              <a:t>&gt; {</a:t>
+            </a:r>
+          </a:p>
+          <a:p>
+            <a:r>
+              <a:rPr lang="en-US" altLang="zh-CN" dirty="0" smtClean="0">
+                <a:solidFill>
+                  <a:srgbClr val="0000FF"/>
+                </a:solidFill>
+                <a:highlight>
+                  <a:srgbClr val="FFFFFF"/>
+                </a:highlight>
+                <a:latin typeface="新宋体" panose="02010609030101010101" pitchFamily="49" charset="-122"/>
+                <a:ea typeface="新宋体" panose="02010609030101010101" pitchFamily="49" charset="-122"/>
+              </a:rPr>
+              <a:t>    using</a:t>
+            </a:r>
+            <a:r>
+              <a:rPr lang="en-US" altLang="zh-CN" dirty="0" smtClean="0">
+                <a:solidFill>
+                  <a:srgbClr val="000000"/>
+                </a:solidFill>
+                <a:highlight>
+                  <a:srgbClr val="FFFFFF"/>
+                </a:highlight>
+                <a:latin typeface="新宋体" panose="02010609030101010101" pitchFamily="49" charset="-122"/>
+                <a:ea typeface="新宋体" panose="02010609030101010101" pitchFamily="49" charset="-122"/>
+              </a:rPr>
+              <a:t> </a:t>
+            </a:r>
+            <a:r>
+              <a:rPr lang="en-US" altLang="zh-CN" dirty="0">
+                <a:solidFill>
+                  <a:srgbClr val="2B91AF"/>
+                </a:solidFill>
+                <a:highlight>
+                  <a:srgbClr val="FFFFFF"/>
+                </a:highlight>
+                <a:latin typeface="新宋体" panose="02010609030101010101" pitchFamily="49" charset="-122"/>
+                <a:ea typeface="新宋体" panose="02010609030101010101" pitchFamily="49" charset="-122"/>
+              </a:rPr>
+              <a:t>type</a:t>
+            </a:r>
+            <a:r>
+              <a:rPr lang="en-US" altLang="zh-CN" dirty="0">
+                <a:solidFill>
+                  <a:srgbClr val="000000"/>
+                </a:solidFill>
+                <a:highlight>
+                  <a:srgbClr val="FFFFFF"/>
+                </a:highlight>
+                <a:latin typeface="新宋体" panose="02010609030101010101" pitchFamily="49" charset="-122"/>
+                <a:ea typeface="新宋体" panose="02010609030101010101" pitchFamily="49" charset="-122"/>
+              </a:rPr>
+              <a:t> = </a:t>
+            </a:r>
+            <a:r>
+              <a:rPr lang="en-US" altLang="zh-CN" dirty="0">
+                <a:solidFill>
+                  <a:srgbClr val="2B91AF"/>
+                </a:solidFill>
+                <a:highlight>
+                  <a:srgbClr val="FFFFFF"/>
+                </a:highlight>
+                <a:latin typeface="新宋体" panose="02010609030101010101" pitchFamily="49" charset="-122"/>
+                <a:ea typeface="新宋体" panose="02010609030101010101" pitchFamily="49" charset="-122"/>
+              </a:rPr>
+              <a:t>Pack</a:t>
+            </a:r>
+            <a:r>
+              <a:rPr lang="en-US" altLang="zh-CN" dirty="0">
+                <a:solidFill>
+                  <a:srgbClr val="000000"/>
+                </a:solidFill>
+                <a:highlight>
+                  <a:srgbClr val="FFFFFF"/>
+                </a:highlight>
+                <a:latin typeface="新宋体" panose="02010609030101010101" pitchFamily="49" charset="-122"/>
+                <a:ea typeface="新宋体" panose="02010609030101010101" pitchFamily="49" charset="-122"/>
+              </a:rPr>
+              <a:t>&lt;</a:t>
+            </a:r>
+          </a:p>
+          <a:p>
+            <a:r>
+              <a:rPr lang="en-US" altLang="zh-CN" dirty="0" smtClean="0">
+                <a:solidFill>
+                  <a:srgbClr val="2B91AF"/>
+                </a:solidFill>
+                <a:highlight>
+                  <a:srgbClr val="FFFFFF"/>
+                </a:highlight>
+                <a:latin typeface="新宋体" panose="02010609030101010101" pitchFamily="49" charset="-122"/>
+                <a:ea typeface="新宋体" panose="02010609030101010101" pitchFamily="49" charset="-122"/>
+              </a:rPr>
+              <a:t>        </a:t>
+            </a:r>
+            <a:r>
+              <a:rPr lang="en-US" altLang="zh-CN" dirty="0" err="1" smtClean="0">
+                <a:solidFill>
+                  <a:srgbClr val="2B91AF"/>
+                </a:solidFill>
+                <a:highlight>
+                  <a:srgbClr val="FFFFFF"/>
+                </a:highlight>
+                <a:latin typeface="新宋体" panose="02010609030101010101" pitchFamily="49" charset="-122"/>
+                <a:ea typeface="新宋体" panose="02010609030101010101" pitchFamily="49" charset="-122"/>
+              </a:rPr>
+              <a:t>MemberBinding</a:t>
+            </a:r>
+            <a:r>
+              <a:rPr lang="en-US" altLang="zh-CN" dirty="0" smtClean="0">
+                <a:solidFill>
+                  <a:srgbClr val="000000"/>
+                </a:solidFill>
+                <a:highlight>
+                  <a:srgbClr val="FFFFFF"/>
+                </a:highlight>
+                <a:latin typeface="新宋体" panose="02010609030101010101" pitchFamily="49" charset="-122"/>
+                <a:ea typeface="新宋体" panose="02010609030101010101" pitchFamily="49" charset="-122"/>
+              </a:rPr>
+              <a:t>&lt;</a:t>
+            </a:r>
+            <a:r>
+              <a:rPr lang="en-US" altLang="zh-CN" dirty="0" err="1" smtClean="0">
+                <a:solidFill>
+                  <a:srgbClr val="0000FF"/>
+                </a:solidFill>
+                <a:highlight>
+                  <a:srgbClr val="FFFFFF"/>
+                </a:highlight>
+                <a:latin typeface="新宋体" panose="02010609030101010101" pitchFamily="49" charset="-122"/>
+                <a:ea typeface="新宋体" panose="02010609030101010101" pitchFamily="49" charset="-122"/>
+              </a:rPr>
+              <a:t>decltype</a:t>
+            </a:r>
+            <a:r>
+              <a:rPr lang="en-US" altLang="zh-CN" dirty="0">
+                <a:solidFill>
+                  <a:srgbClr val="000000"/>
+                </a:solidFill>
+                <a:highlight>
+                  <a:srgbClr val="FFFFFF"/>
+                </a:highlight>
+                <a:latin typeface="新宋体" panose="02010609030101010101" pitchFamily="49" charset="-122"/>
+                <a:ea typeface="新宋体" panose="02010609030101010101" pitchFamily="49" charset="-122"/>
+              </a:rPr>
+              <a:t>(&amp;</a:t>
+            </a:r>
+            <a:r>
+              <a:rPr lang="en-US" altLang="zh-CN" dirty="0">
+                <a:solidFill>
+                  <a:srgbClr val="2B91AF"/>
+                </a:solidFill>
+                <a:highlight>
+                  <a:srgbClr val="FFFFFF"/>
+                </a:highlight>
+                <a:latin typeface="新宋体" panose="02010609030101010101" pitchFamily="49" charset="-122"/>
+                <a:ea typeface="新宋体" panose="02010609030101010101" pitchFamily="49" charset="-122"/>
+              </a:rPr>
+              <a:t>Person</a:t>
+            </a:r>
+            <a:r>
+              <a:rPr lang="en-US" altLang="zh-CN" dirty="0">
+                <a:solidFill>
+                  <a:srgbClr val="000000"/>
+                </a:solidFill>
+                <a:highlight>
+                  <a:srgbClr val="FFFFFF"/>
+                </a:highlight>
+                <a:latin typeface="新宋体" panose="02010609030101010101" pitchFamily="49" charset="-122"/>
+                <a:ea typeface="新宋体" panose="02010609030101010101" pitchFamily="49" charset="-122"/>
+              </a:rPr>
+              <a:t>::name), &amp;</a:t>
+            </a:r>
+            <a:r>
+              <a:rPr lang="en-US" altLang="zh-CN" dirty="0">
+                <a:solidFill>
+                  <a:srgbClr val="2B91AF"/>
+                </a:solidFill>
+                <a:highlight>
+                  <a:srgbClr val="FFFFFF"/>
+                </a:highlight>
+                <a:latin typeface="新宋体" panose="02010609030101010101" pitchFamily="49" charset="-122"/>
+                <a:ea typeface="新宋体" panose="02010609030101010101" pitchFamily="49" charset="-122"/>
+              </a:rPr>
+              <a:t>Person</a:t>
+            </a:r>
+            <a:r>
+              <a:rPr lang="en-US" altLang="zh-CN" dirty="0">
+                <a:solidFill>
+                  <a:srgbClr val="000000"/>
+                </a:solidFill>
+                <a:highlight>
+                  <a:srgbClr val="FFFFFF"/>
+                </a:highlight>
+                <a:latin typeface="新宋体" panose="02010609030101010101" pitchFamily="49" charset="-122"/>
+                <a:ea typeface="新宋体" panose="02010609030101010101" pitchFamily="49" charset="-122"/>
+              </a:rPr>
+              <a:t>::name, 0  &gt;,</a:t>
+            </a:r>
+          </a:p>
+          <a:p>
+            <a:r>
+              <a:rPr lang="en-US" altLang="zh-CN" dirty="0" smtClean="0">
+                <a:solidFill>
+                  <a:srgbClr val="2B91AF"/>
+                </a:solidFill>
+                <a:highlight>
+                  <a:srgbClr val="FFFFFF"/>
+                </a:highlight>
+                <a:latin typeface="新宋体" panose="02010609030101010101" pitchFamily="49" charset="-122"/>
+                <a:ea typeface="新宋体" panose="02010609030101010101" pitchFamily="49" charset="-122"/>
+              </a:rPr>
+              <a:t>        </a:t>
+            </a:r>
+            <a:r>
+              <a:rPr lang="en-US" altLang="zh-CN" dirty="0" err="1" smtClean="0">
+                <a:solidFill>
+                  <a:srgbClr val="2B91AF"/>
+                </a:solidFill>
+                <a:highlight>
+                  <a:srgbClr val="FFFFFF"/>
+                </a:highlight>
+                <a:latin typeface="新宋体" panose="02010609030101010101" pitchFamily="49" charset="-122"/>
+                <a:ea typeface="新宋体" panose="02010609030101010101" pitchFamily="49" charset="-122"/>
+              </a:rPr>
+              <a:t>MemberBinding</a:t>
+            </a:r>
+            <a:r>
+              <a:rPr lang="en-US" altLang="zh-CN" dirty="0" smtClean="0">
+                <a:solidFill>
+                  <a:srgbClr val="000000"/>
+                </a:solidFill>
+                <a:highlight>
+                  <a:srgbClr val="FFFFFF"/>
+                </a:highlight>
+                <a:latin typeface="新宋体" panose="02010609030101010101" pitchFamily="49" charset="-122"/>
+                <a:ea typeface="新宋体" panose="02010609030101010101" pitchFamily="49" charset="-122"/>
+              </a:rPr>
+              <a:t>&lt;</a:t>
+            </a:r>
+            <a:r>
+              <a:rPr lang="en-US" altLang="zh-CN" dirty="0" err="1" smtClean="0">
+                <a:solidFill>
+                  <a:srgbClr val="0000FF"/>
+                </a:solidFill>
+                <a:highlight>
+                  <a:srgbClr val="FFFFFF"/>
+                </a:highlight>
+                <a:latin typeface="新宋体" panose="02010609030101010101" pitchFamily="49" charset="-122"/>
+                <a:ea typeface="新宋体" panose="02010609030101010101" pitchFamily="49" charset="-122"/>
+              </a:rPr>
+              <a:t>decltype</a:t>
+            </a:r>
+            <a:r>
+              <a:rPr lang="en-US" altLang="zh-CN" dirty="0">
+                <a:solidFill>
+                  <a:srgbClr val="000000"/>
+                </a:solidFill>
+                <a:highlight>
+                  <a:srgbClr val="FFFFFF"/>
+                </a:highlight>
+                <a:latin typeface="新宋体" panose="02010609030101010101" pitchFamily="49" charset="-122"/>
+                <a:ea typeface="新宋体" panose="02010609030101010101" pitchFamily="49" charset="-122"/>
+              </a:rPr>
+              <a:t>(&amp;</a:t>
+            </a:r>
+            <a:r>
+              <a:rPr lang="en-US" altLang="zh-CN" dirty="0">
+                <a:solidFill>
+                  <a:srgbClr val="2B91AF"/>
+                </a:solidFill>
+                <a:highlight>
+                  <a:srgbClr val="FFFFFF"/>
+                </a:highlight>
+                <a:latin typeface="新宋体" panose="02010609030101010101" pitchFamily="49" charset="-122"/>
+                <a:ea typeface="新宋体" panose="02010609030101010101" pitchFamily="49" charset="-122"/>
+              </a:rPr>
+              <a:t>Person</a:t>
+            </a:r>
+            <a:r>
+              <a:rPr lang="en-US" altLang="zh-CN" dirty="0">
+                <a:solidFill>
+                  <a:srgbClr val="000000"/>
+                </a:solidFill>
+                <a:highlight>
+                  <a:srgbClr val="FFFFFF"/>
+                </a:highlight>
+                <a:latin typeface="新宋体" panose="02010609030101010101" pitchFamily="49" charset="-122"/>
+                <a:ea typeface="新宋体" panose="02010609030101010101" pitchFamily="49" charset="-122"/>
+              </a:rPr>
+              <a:t>::age), &amp;</a:t>
+            </a:r>
+            <a:r>
+              <a:rPr lang="en-US" altLang="zh-CN" dirty="0">
+                <a:solidFill>
+                  <a:srgbClr val="2B91AF"/>
+                </a:solidFill>
+                <a:highlight>
+                  <a:srgbClr val="FFFFFF"/>
+                </a:highlight>
+                <a:latin typeface="新宋体" panose="02010609030101010101" pitchFamily="49" charset="-122"/>
+                <a:ea typeface="新宋体" panose="02010609030101010101" pitchFamily="49" charset="-122"/>
+              </a:rPr>
+              <a:t>Person</a:t>
+            </a:r>
+            <a:r>
+              <a:rPr lang="en-US" altLang="zh-CN" dirty="0">
+                <a:solidFill>
+                  <a:srgbClr val="000000"/>
+                </a:solidFill>
+                <a:highlight>
+                  <a:srgbClr val="FFFFFF"/>
+                </a:highlight>
+                <a:latin typeface="新宋体" panose="02010609030101010101" pitchFamily="49" charset="-122"/>
+                <a:ea typeface="新宋体" panose="02010609030101010101" pitchFamily="49" charset="-122"/>
+              </a:rPr>
+              <a:t>::age, 1  &gt;</a:t>
+            </a:r>
+          </a:p>
+          <a:p>
+            <a:r>
+              <a:rPr lang="en-US" altLang="zh-CN" dirty="0" smtClean="0">
+                <a:solidFill>
+                  <a:srgbClr val="000000"/>
+                </a:solidFill>
+                <a:highlight>
+                  <a:srgbClr val="FFFFFF"/>
+                </a:highlight>
+                <a:latin typeface="新宋体" panose="02010609030101010101" pitchFamily="49" charset="-122"/>
+                <a:ea typeface="新宋体" panose="02010609030101010101" pitchFamily="49" charset="-122"/>
+              </a:rPr>
+              <a:t>    &gt;;</a:t>
+            </a:r>
+            <a:endParaRPr lang="en-US" altLang="zh-CN" dirty="0">
+              <a:solidFill>
+                <a:srgbClr val="000000"/>
+              </a:solidFill>
+              <a:highlight>
+                <a:srgbClr val="FFFFFF"/>
+              </a:highlight>
+              <a:latin typeface="新宋体" panose="02010609030101010101" pitchFamily="49" charset="-122"/>
+              <a:ea typeface="新宋体" panose="02010609030101010101" pitchFamily="49" charset="-122"/>
+            </a:endParaRPr>
+          </a:p>
+          <a:p>
+            <a:r>
+              <a:rPr lang="en-US" altLang="zh-CN" dirty="0">
+                <a:solidFill>
+                  <a:srgbClr val="0000FF"/>
+                </a:solidFill>
+                <a:highlight>
+                  <a:srgbClr val="FFFFFF"/>
+                </a:highlight>
+                <a:latin typeface="新宋体" panose="02010609030101010101" pitchFamily="49" charset="-122"/>
+                <a:ea typeface="新宋体" panose="02010609030101010101" pitchFamily="49" charset="-122"/>
+              </a:rPr>
+              <a:t> </a:t>
+            </a:r>
+            <a:r>
+              <a:rPr lang="en-US" altLang="zh-CN" dirty="0" smtClean="0">
+                <a:solidFill>
+                  <a:srgbClr val="0000FF"/>
+                </a:solidFill>
+                <a:highlight>
+                  <a:srgbClr val="FFFFFF"/>
+                </a:highlight>
+                <a:latin typeface="新宋体" panose="02010609030101010101" pitchFamily="49" charset="-122"/>
+                <a:ea typeface="新宋体" panose="02010609030101010101" pitchFamily="49" charset="-122"/>
+              </a:rPr>
+              <a:t>   static</a:t>
+            </a:r>
+            <a:r>
+              <a:rPr lang="en-US" altLang="zh-CN" dirty="0" smtClean="0">
+                <a:solidFill>
+                  <a:srgbClr val="000000"/>
+                </a:solidFill>
+                <a:highlight>
+                  <a:srgbClr val="FFFFFF"/>
+                </a:highlight>
+                <a:latin typeface="新宋体" panose="02010609030101010101" pitchFamily="49" charset="-122"/>
+                <a:ea typeface="新宋体" panose="02010609030101010101" pitchFamily="49" charset="-122"/>
+              </a:rPr>
+              <a:t> </a:t>
+            </a:r>
+            <a:r>
+              <a:rPr lang="en-US" altLang="zh-CN" dirty="0" err="1">
+                <a:solidFill>
+                  <a:srgbClr val="0000FF"/>
+                </a:solidFill>
+                <a:highlight>
+                  <a:srgbClr val="FFFFFF"/>
+                </a:highlight>
+                <a:latin typeface="新宋体" panose="02010609030101010101" pitchFamily="49" charset="-122"/>
+                <a:ea typeface="新宋体" panose="02010609030101010101" pitchFamily="49" charset="-122"/>
+              </a:rPr>
+              <a:t>const</a:t>
+            </a:r>
+            <a:r>
+              <a:rPr lang="en-US" altLang="zh-CN" dirty="0">
+                <a:solidFill>
+                  <a:srgbClr val="000000"/>
+                </a:solidFill>
+                <a:highlight>
+                  <a:srgbClr val="FFFFFF"/>
+                </a:highlight>
+                <a:latin typeface="新宋体" panose="02010609030101010101" pitchFamily="49" charset="-122"/>
+                <a:ea typeface="新宋体" panose="02010609030101010101" pitchFamily="49" charset="-122"/>
+              </a:rPr>
+              <a:t> </a:t>
+            </a:r>
+            <a:r>
+              <a:rPr lang="en-US" altLang="zh-CN" dirty="0" err="1" smtClean="0">
+                <a:solidFill>
+                  <a:srgbClr val="2B91AF"/>
+                </a:solidFill>
+                <a:highlight>
+                  <a:srgbClr val="FFFFFF"/>
+                </a:highlight>
+                <a:latin typeface="新宋体" panose="02010609030101010101" pitchFamily="49" charset="-122"/>
+                <a:ea typeface="新宋体" panose="02010609030101010101" pitchFamily="49" charset="-122"/>
+              </a:rPr>
+              <a:t>size_t</a:t>
+            </a:r>
+            <a:r>
+              <a:rPr lang="en-US" altLang="zh-CN" dirty="0" smtClean="0">
+                <a:solidFill>
+                  <a:srgbClr val="000000"/>
+                </a:solidFill>
+                <a:highlight>
+                  <a:srgbClr val="FFFFFF"/>
+                </a:highlight>
+                <a:latin typeface="新宋体" panose="02010609030101010101" pitchFamily="49" charset="-122"/>
+                <a:ea typeface="新宋体" panose="02010609030101010101" pitchFamily="49" charset="-122"/>
+              </a:rPr>
+              <a:t> </a:t>
+            </a:r>
+            <a:r>
+              <a:rPr lang="en-US" altLang="zh-CN" dirty="0">
+                <a:solidFill>
+                  <a:srgbClr val="000000"/>
+                </a:solidFill>
+                <a:highlight>
+                  <a:srgbClr val="FFFFFF"/>
+                </a:highlight>
+                <a:latin typeface="新宋体" panose="02010609030101010101" pitchFamily="49" charset="-122"/>
+                <a:ea typeface="新宋体" panose="02010609030101010101" pitchFamily="49" charset="-122"/>
+              </a:rPr>
+              <a:t>value() { </a:t>
+            </a:r>
+            <a:r>
+              <a:rPr lang="en-US" altLang="zh-CN" dirty="0">
+                <a:solidFill>
+                  <a:srgbClr val="0000FF"/>
+                </a:solidFill>
+                <a:highlight>
+                  <a:srgbClr val="FFFFFF"/>
+                </a:highlight>
+                <a:latin typeface="新宋体" panose="02010609030101010101" pitchFamily="49" charset="-122"/>
+                <a:ea typeface="新宋体" panose="02010609030101010101" pitchFamily="49" charset="-122"/>
+              </a:rPr>
+              <a:t>return</a:t>
+            </a:r>
+            <a:r>
+              <a:rPr lang="en-US" altLang="zh-CN" dirty="0">
+                <a:solidFill>
+                  <a:srgbClr val="000000"/>
+                </a:solidFill>
+                <a:highlight>
+                  <a:srgbClr val="FFFFFF"/>
+                </a:highlight>
+                <a:latin typeface="新宋体" panose="02010609030101010101" pitchFamily="49" charset="-122"/>
+                <a:ea typeface="新宋体" panose="02010609030101010101" pitchFamily="49" charset="-122"/>
+              </a:rPr>
+              <a:t> 2; }</a:t>
+            </a:r>
+          </a:p>
+          <a:p>
+            <a:r>
+              <a:rPr lang="en-US" altLang="zh-CN" dirty="0" smtClean="0">
+                <a:solidFill>
+                  <a:srgbClr val="0000FF"/>
+                </a:solidFill>
+                <a:highlight>
+                  <a:srgbClr val="FFFFFF"/>
+                </a:highlight>
+                <a:latin typeface="新宋体" panose="02010609030101010101" pitchFamily="49" charset="-122"/>
+                <a:ea typeface="新宋体" panose="02010609030101010101" pitchFamily="49" charset="-122"/>
+              </a:rPr>
+              <a:t>    static</a:t>
+            </a:r>
+            <a:r>
+              <a:rPr lang="en-US" altLang="zh-CN" dirty="0" smtClean="0">
+                <a:solidFill>
+                  <a:srgbClr val="000000"/>
+                </a:solidFill>
+                <a:highlight>
+                  <a:srgbClr val="FFFFFF"/>
+                </a:highlight>
+                <a:latin typeface="新宋体" panose="02010609030101010101" pitchFamily="49" charset="-122"/>
+                <a:ea typeface="新宋体" panose="02010609030101010101" pitchFamily="49" charset="-122"/>
+              </a:rPr>
+              <a:t> </a:t>
+            </a:r>
+            <a:r>
+              <a:rPr lang="en-US" altLang="zh-CN" dirty="0" err="1">
+                <a:solidFill>
+                  <a:srgbClr val="0000FF"/>
+                </a:solidFill>
+                <a:highlight>
+                  <a:srgbClr val="FFFFFF"/>
+                </a:highlight>
+                <a:latin typeface="新宋体" panose="02010609030101010101" pitchFamily="49" charset="-122"/>
+                <a:ea typeface="新宋体" panose="02010609030101010101" pitchFamily="49" charset="-122"/>
+              </a:rPr>
+              <a:t>const</a:t>
+            </a:r>
+            <a:r>
+              <a:rPr lang="en-US" altLang="zh-CN" dirty="0">
+                <a:solidFill>
+                  <a:srgbClr val="000000"/>
+                </a:solidFill>
+                <a:highlight>
+                  <a:srgbClr val="FFFFFF"/>
+                </a:highlight>
+                <a:latin typeface="新宋体" panose="02010609030101010101" pitchFamily="49" charset="-122"/>
+                <a:ea typeface="新宋体" panose="02010609030101010101" pitchFamily="49" charset="-122"/>
+              </a:rPr>
+              <a:t> </a:t>
+            </a:r>
+            <a:r>
+              <a:rPr lang="en-US" altLang="zh-CN" dirty="0">
+                <a:solidFill>
+                  <a:srgbClr val="0000FF"/>
+                </a:solidFill>
+                <a:highlight>
+                  <a:srgbClr val="FFFFFF"/>
+                </a:highlight>
+                <a:latin typeface="新宋体" panose="02010609030101010101" pitchFamily="49" charset="-122"/>
+                <a:ea typeface="新宋体" panose="02010609030101010101" pitchFamily="49" charset="-122"/>
+              </a:rPr>
+              <a:t>char</a:t>
+            </a:r>
+            <a:r>
+              <a:rPr lang="en-US" altLang="zh-CN" dirty="0">
+                <a:solidFill>
+                  <a:srgbClr val="000000"/>
+                </a:solidFill>
+                <a:highlight>
+                  <a:srgbClr val="FFFFFF"/>
+                </a:highlight>
+                <a:latin typeface="新宋体" panose="02010609030101010101" pitchFamily="49" charset="-122"/>
+                <a:ea typeface="新宋体" panose="02010609030101010101" pitchFamily="49" charset="-122"/>
+              </a:rPr>
+              <a:t> *name = </a:t>
+            </a:r>
+            <a:r>
+              <a:rPr lang="en-US" altLang="zh-CN" dirty="0">
+                <a:solidFill>
+                  <a:srgbClr val="A31515"/>
+                </a:solidFill>
+                <a:highlight>
+                  <a:srgbClr val="FFFFFF"/>
+                </a:highlight>
+                <a:latin typeface="新宋体" panose="02010609030101010101" pitchFamily="49" charset="-122"/>
+                <a:ea typeface="新宋体" panose="02010609030101010101" pitchFamily="49" charset="-122"/>
+              </a:rPr>
+              <a:t>"Person"</a:t>
+            </a:r>
+            <a:r>
+              <a:rPr lang="en-US" altLang="zh-CN" dirty="0">
+                <a:solidFill>
+                  <a:srgbClr val="000000"/>
+                </a:solidFill>
+                <a:highlight>
+                  <a:srgbClr val="FFFFFF"/>
+                </a:highlight>
+                <a:latin typeface="新宋体" panose="02010609030101010101" pitchFamily="49" charset="-122"/>
+                <a:ea typeface="新宋体" panose="02010609030101010101" pitchFamily="49" charset="-122"/>
+              </a:rPr>
+              <a:t>;</a:t>
+            </a:r>
+          </a:p>
+          <a:p>
+            <a:r>
+              <a:rPr lang="en-US" altLang="zh-CN" dirty="0" smtClean="0">
+                <a:solidFill>
+                  <a:srgbClr val="0000FF"/>
+                </a:solidFill>
+                <a:highlight>
+                  <a:srgbClr val="FFFFFF"/>
+                </a:highlight>
+                <a:latin typeface="新宋体" panose="02010609030101010101" pitchFamily="49" charset="-122"/>
+                <a:ea typeface="新宋体" panose="02010609030101010101" pitchFamily="49" charset="-122"/>
+              </a:rPr>
+              <a:t>    static</a:t>
+            </a:r>
+            <a:r>
+              <a:rPr lang="en-US" altLang="zh-CN" dirty="0" smtClean="0">
+                <a:solidFill>
+                  <a:srgbClr val="000000"/>
+                </a:solidFill>
+                <a:highlight>
+                  <a:srgbClr val="FFFFFF"/>
+                </a:highlight>
+                <a:latin typeface="新宋体" panose="02010609030101010101" pitchFamily="49" charset="-122"/>
+                <a:ea typeface="新宋体" panose="02010609030101010101" pitchFamily="49" charset="-122"/>
+              </a:rPr>
+              <a:t> </a:t>
+            </a:r>
+            <a:r>
+              <a:rPr lang="en-US" altLang="zh-CN" dirty="0" err="1">
+                <a:solidFill>
+                  <a:srgbClr val="0000FF"/>
+                </a:solidFill>
+                <a:highlight>
+                  <a:srgbClr val="FFFFFF"/>
+                </a:highlight>
+                <a:latin typeface="新宋体" panose="02010609030101010101" pitchFamily="49" charset="-122"/>
+                <a:ea typeface="新宋体" panose="02010609030101010101" pitchFamily="49" charset="-122"/>
+              </a:rPr>
+              <a:t>const</a:t>
+            </a:r>
+            <a:r>
+              <a:rPr lang="en-US" altLang="zh-CN" dirty="0">
+                <a:solidFill>
+                  <a:srgbClr val="000000"/>
+                </a:solidFill>
+                <a:highlight>
+                  <a:srgbClr val="FFFFFF"/>
+                </a:highlight>
+                <a:latin typeface="新宋体" panose="02010609030101010101" pitchFamily="49" charset="-122"/>
+                <a:ea typeface="新宋体" panose="02010609030101010101" pitchFamily="49" charset="-122"/>
+              </a:rPr>
+              <a:t> </a:t>
+            </a:r>
+            <a:r>
+              <a:rPr lang="en-US" altLang="zh-CN" dirty="0">
+                <a:solidFill>
+                  <a:srgbClr val="0000FF"/>
+                </a:solidFill>
+                <a:highlight>
+                  <a:srgbClr val="FFFFFF"/>
+                </a:highlight>
+                <a:latin typeface="新宋体" panose="02010609030101010101" pitchFamily="49" charset="-122"/>
+                <a:ea typeface="新宋体" panose="02010609030101010101" pitchFamily="49" charset="-122"/>
+              </a:rPr>
+              <a:t>char</a:t>
+            </a:r>
+            <a:r>
+              <a:rPr lang="en-US" altLang="zh-CN" dirty="0">
+                <a:solidFill>
+                  <a:srgbClr val="000000"/>
+                </a:solidFill>
+                <a:highlight>
+                  <a:srgbClr val="FFFFFF"/>
+                </a:highlight>
+                <a:latin typeface="新宋体" panose="02010609030101010101" pitchFamily="49" charset="-122"/>
+                <a:ea typeface="新宋体" panose="02010609030101010101" pitchFamily="49" charset="-122"/>
+              </a:rPr>
+              <a:t> *</a:t>
+            </a:r>
+            <a:r>
+              <a:rPr lang="en-US" altLang="zh-CN" dirty="0" err="1">
+                <a:solidFill>
+                  <a:srgbClr val="0000FF"/>
+                </a:solidFill>
+                <a:highlight>
+                  <a:srgbClr val="FFFFFF"/>
+                </a:highlight>
+                <a:latin typeface="新宋体" panose="02010609030101010101" pitchFamily="49" charset="-122"/>
+                <a:ea typeface="新宋体" panose="02010609030101010101" pitchFamily="49" charset="-122"/>
+              </a:rPr>
+              <a:t>const</a:t>
+            </a:r>
+            <a:r>
+              <a:rPr lang="en-US" altLang="zh-CN" dirty="0">
+                <a:solidFill>
+                  <a:srgbClr val="000000"/>
+                </a:solidFill>
+                <a:highlight>
+                  <a:srgbClr val="FFFFFF"/>
+                </a:highlight>
+                <a:latin typeface="新宋体" panose="02010609030101010101" pitchFamily="49" charset="-122"/>
+                <a:ea typeface="新宋体" panose="02010609030101010101" pitchFamily="49" charset="-122"/>
+              </a:rPr>
+              <a:t> *names() {</a:t>
+            </a:r>
+          </a:p>
+          <a:p>
+            <a:r>
+              <a:rPr lang="en-US" altLang="zh-CN" dirty="0" smtClean="0">
+                <a:solidFill>
+                  <a:srgbClr val="0000FF"/>
+                </a:solidFill>
+                <a:highlight>
+                  <a:srgbClr val="FFFFFF"/>
+                </a:highlight>
+                <a:latin typeface="新宋体" panose="02010609030101010101" pitchFamily="49" charset="-122"/>
+                <a:ea typeface="新宋体" panose="02010609030101010101" pitchFamily="49" charset="-122"/>
+              </a:rPr>
+              <a:t>    static</a:t>
+            </a:r>
+            <a:r>
+              <a:rPr lang="en-US" altLang="zh-CN" dirty="0" smtClean="0">
+                <a:solidFill>
+                  <a:srgbClr val="000000"/>
+                </a:solidFill>
+                <a:highlight>
+                  <a:srgbClr val="FFFFFF"/>
+                </a:highlight>
+                <a:latin typeface="新宋体" panose="02010609030101010101" pitchFamily="49" charset="-122"/>
+                <a:ea typeface="新宋体" panose="02010609030101010101" pitchFamily="49" charset="-122"/>
+              </a:rPr>
+              <a:t> </a:t>
+            </a:r>
+            <a:r>
+              <a:rPr lang="en-US" altLang="zh-CN" dirty="0" err="1">
+                <a:solidFill>
+                  <a:srgbClr val="0000FF"/>
+                </a:solidFill>
+                <a:highlight>
+                  <a:srgbClr val="FFFFFF"/>
+                </a:highlight>
+                <a:latin typeface="新宋体" panose="02010609030101010101" pitchFamily="49" charset="-122"/>
+                <a:ea typeface="新宋体" panose="02010609030101010101" pitchFamily="49" charset="-122"/>
+              </a:rPr>
+              <a:t>const</a:t>
+            </a:r>
+            <a:r>
+              <a:rPr lang="en-US" altLang="zh-CN" dirty="0">
+                <a:solidFill>
+                  <a:srgbClr val="000000"/>
+                </a:solidFill>
+                <a:highlight>
+                  <a:srgbClr val="FFFFFF"/>
+                </a:highlight>
+                <a:latin typeface="新宋体" panose="02010609030101010101" pitchFamily="49" charset="-122"/>
+                <a:ea typeface="新宋体" panose="02010609030101010101" pitchFamily="49" charset="-122"/>
+              </a:rPr>
+              <a:t> </a:t>
+            </a:r>
+            <a:r>
+              <a:rPr lang="en-US" altLang="zh-CN" dirty="0">
+                <a:solidFill>
+                  <a:srgbClr val="0000FF"/>
+                </a:solidFill>
+                <a:highlight>
+                  <a:srgbClr val="FFFFFF"/>
+                </a:highlight>
+                <a:latin typeface="新宋体" panose="02010609030101010101" pitchFamily="49" charset="-122"/>
+                <a:ea typeface="新宋体" panose="02010609030101010101" pitchFamily="49" charset="-122"/>
+              </a:rPr>
+              <a:t>char</a:t>
+            </a:r>
+            <a:r>
+              <a:rPr lang="en-US" altLang="zh-CN" dirty="0">
+                <a:solidFill>
+                  <a:srgbClr val="000000"/>
+                </a:solidFill>
+                <a:highlight>
+                  <a:srgbClr val="FFFFFF"/>
+                </a:highlight>
+                <a:latin typeface="新宋体" panose="02010609030101010101" pitchFamily="49" charset="-122"/>
+                <a:ea typeface="新宋体" panose="02010609030101010101" pitchFamily="49" charset="-122"/>
+              </a:rPr>
+              <a:t> *</a:t>
+            </a:r>
+            <a:r>
+              <a:rPr lang="en-US" altLang="zh-CN" dirty="0" err="1">
+                <a:solidFill>
+                  <a:srgbClr val="000000"/>
+                </a:solidFill>
+                <a:highlight>
+                  <a:srgbClr val="FFFFFF"/>
+                </a:highlight>
+                <a:latin typeface="新宋体" panose="02010609030101010101" pitchFamily="49" charset="-122"/>
+                <a:ea typeface="新宋体" panose="02010609030101010101" pitchFamily="49" charset="-122"/>
+              </a:rPr>
+              <a:t>rv</a:t>
+            </a:r>
+            <a:r>
+              <a:rPr lang="en-US" altLang="zh-CN" dirty="0">
+                <a:solidFill>
+                  <a:srgbClr val="000000"/>
+                </a:solidFill>
+                <a:highlight>
+                  <a:srgbClr val="FFFFFF"/>
+                </a:highlight>
+                <a:latin typeface="新宋体" panose="02010609030101010101" pitchFamily="49" charset="-122"/>
+                <a:ea typeface="新宋体" panose="02010609030101010101" pitchFamily="49" charset="-122"/>
+              </a:rPr>
+              <a:t>[] = { </a:t>
+            </a:r>
+            <a:r>
+              <a:rPr lang="en-US" altLang="zh-CN" dirty="0">
+                <a:solidFill>
+                  <a:srgbClr val="A31515"/>
+                </a:solidFill>
+                <a:highlight>
+                  <a:srgbClr val="FFFFFF"/>
+                </a:highlight>
+                <a:latin typeface="新宋体" panose="02010609030101010101" pitchFamily="49" charset="-122"/>
+                <a:ea typeface="新宋体" panose="02010609030101010101" pitchFamily="49" charset="-122"/>
+              </a:rPr>
+              <a:t>"name"</a:t>
+            </a:r>
+            <a:r>
+              <a:rPr lang="en-US" altLang="zh-CN" dirty="0">
+                <a:solidFill>
+                  <a:srgbClr val="000000"/>
+                </a:solidFill>
+                <a:highlight>
+                  <a:srgbClr val="FFFFFF"/>
+                </a:highlight>
+                <a:latin typeface="新宋体" panose="02010609030101010101" pitchFamily="49" charset="-122"/>
+                <a:ea typeface="新宋体" panose="02010609030101010101" pitchFamily="49" charset="-122"/>
+              </a:rPr>
+              <a:t>, </a:t>
+            </a:r>
+            <a:r>
+              <a:rPr lang="en-US" altLang="zh-CN" dirty="0">
+                <a:solidFill>
+                  <a:srgbClr val="A31515"/>
+                </a:solidFill>
+                <a:highlight>
+                  <a:srgbClr val="FFFFFF"/>
+                </a:highlight>
+                <a:latin typeface="新宋体" panose="02010609030101010101" pitchFamily="49" charset="-122"/>
+                <a:ea typeface="新宋体" panose="02010609030101010101" pitchFamily="49" charset="-122"/>
+              </a:rPr>
+              <a:t>"age"</a:t>
+            </a:r>
+            <a:r>
+              <a:rPr lang="en-US" altLang="zh-CN" dirty="0">
+                <a:solidFill>
+                  <a:srgbClr val="000000"/>
+                </a:solidFill>
+                <a:highlight>
+                  <a:srgbClr val="FFFFFF"/>
+                </a:highlight>
+                <a:latin typeface="新宋体" panose="02010609030101010101" pitchFamily="49" charset="-122"/>
+                <a:ea typeface="新宋体" panose="02010609030101010101" pitchFamily="49" charset="-122"/>
+              </a:rPr>
+              <a:t> };</a:t>
+            </a:r>
+          </a:p>
+          <a:p>
+            <a:r>
+              <a:rPr lang="en-US" altLang="zh-CN" dirty="0" smtClean="0">
+                <a:solidFill>
+                  <a:srgbClr val="0000FF"/>
+                </a:solidFill>
+                <a:highlight>
+                  <a:srgbClr val="FFFFFF"/>
+                </a:highlight>
+                <a:latin typeface="新宋体" panose="02010609030101010101" pitchFamily="49" charset="-122"/>
+                <a:ea typeface="新宋体" panose="02010609030101010101" pitchFamily="49" charset="-122"/>
+              </a:rPr>
+              <a:t>	return</a:t>
+            </a:r>
+            <a:r>
+              <a:rPr lang="en-US" altLang="zh-CN" dirty="0" smtClean="0">
+                <a:solidFill>
+                  <a:srgbClr val="000000"/>
+                </a:solidFill>
+                <a:highlight>
+                  <a:srgbClr val="FFFFFF"/>
+                </a:highlight>
+                <a:latin typeface="新宋体" panose="02010609030101010101" pitchFamily="49" charset="-122"/>
+                <a:ea typeface="新宋体" panose="02010609030101010101" pitchFamily="49" charset="-122"/>
+              </a:rPr>
+              <a:t> </a:t>
+            </a:r>
+            <a:r>
+              <a:rPr lang="en-US" altLang="zh-CN" dirty="0" err="1">
+                <a:solidFill>
+                  <a:srgbClr val="000000"/>
+                </a:solidFill>
+                <a:highlight>
+                  <a:srgbClr val="FFFFFF"/>
+                </a:highlight>
+                <a:latin typeface="新宋体" panose="02010609030101010101" pitchFamily="49" charset="-122"/>
+                <a:ea typeface="新宋体" panose="02010609030101010101" pitchFamily="49" charset="-122"/>
+              </a:rPr>
+              <a:t>rv</a:t>
+            </a:r>
+            <a:r>
+              <a:rPr lang="en-US" altLang="zh-CN" dirty="0">
+                <a:solidFill>
+                  <a:srgbClr val="000000"/>
+                </a:solidFill>
+                <a:highlight>
+                  <a:srgbClr val="FFFFFF"/>
+                </a:highlight>
+                <a:latin typeface="新宋体" panose="02010609030101010101" pitchFamily="49" charset="-122"/>
+                <a:ea typeface="新宋体" panose="02010609030101010101" pitchFamily="49" charset="-122"/>
+              </a:rPr>
+              <a:t>;</a:t>
+            </a:r>
+          </a:p>
+          <a:p>
+            <a:r>
+              <a:rPr lang="en-US" altLang="zh-CN" dirty="0">
+                <a:solidFill>
+                  <a:srgbClr val="000000"/>
+                </a:solidFill>
+                <a:highlight>
+                  <a:srgbClr val="FFFFFF"/>
+                </a:highlight>
+                <a:latin typeface="新宋体" panose="02010609030101010101" pitchFamily="49" charset="-122"/>
+                <a:ea typeface="新宋体" panose="02010609030101010101" pitchFamily="49" charset="-122"/>
+              </a:rPr>
+              <a:t> </a:t>
+            </a:r>
+            <a:r>
+              <a:rPr lang="en-US" altLang="zh-CN" dirty="0" smtClean="0">
+                <a:solidFill>
+                  <a:srgbClr val="000000"/>
+                </a:solidFill>
+                <a:highlight>
+                  <a:srgbClr val="FFFFFF"/>
+                </a:highlight>
+                <a:latin typeface="新宋体" panose="02010609030101010101" pitchFamily="49" charset="-122"/>
+                <a:ea typeface="新宋体" panose="02010609030101010101" pitchFamily="49" charset="-122"/>
+              </a:rPr>
+              <a:t>   }</a:t>
+            </a:r>
+            <a:endParaRPr lang="en-US" altLang="zh-CN" dirty="0">
+              <a:solidFill>
+                <a:srgbClr val="000000"/>
+              </a:solidFill>
+              <a:highlight>
+                <a:srgbClr val="FFFFFF"/>
+              </a:highlight>
+              <a:latin typeface="新宋体" panose="02010609030101010101" pitchFamily="49" charset="-122"/>
+              <a:ea typeface="新宋体" panose="02010609030101010101" pitchFamily="49" charset="-122"/>
+            </a:endParaRPr>
+          </a:p>
+          <a:p>
+            <a:r>
+              <a:rPr lang="en-US" altLang="zh-CN" dirty="0">
+                <a:solidFill>
+                  <a:srgbClr val="000000"/>
+                </a:solidFill>
+                <a:highlight>
+                  <a:srgbClr val="FFFFFF"/>
+                </a:highlight>
+                <a:latin typeface="新宋体" panose="02010609030101010101" pitchFamily="49" charset="-122"/>
+                <a:ea typeface="新宋体" panose="02010609030101010101" pitchFamily="49" charset="-122"/>
+              </a:rPr>
+              <a:t>};</a:t>
+            </a:r>
+            <a:endParaRPr lang="zh-CN" altLang="en-US" dirty="0"/>
+          </a:p>
+        </p:txBody>
+      </p:sp>
+      <p:sp>
+        <p:nvSpPr>
+          <p:cNvPr id="7" name="矩形 6"/>
+          <p:cNvSpPr/>
+          <p:nvPr/>
+        </p:nvSpPr>
+        <p:spPr>
+          <a:xfrm>
+            <a:off x="5400330" y="5726773"/>
+            <a:ext cx="3052759" cy="369332"/>
+          </a:xfrm>
+          <a:prstGeom prst="rect">
+            <a:avLst/>
+          </a:prstGeom>
+        </p:spPr>
+        <p:txBody>
+          <a:bodyPr wrap="none">
+            <a:spAutoFit/>
+          </a:bodyPr>
+          <a:lstStyle/>
+          <a:p>
             <a:r>
               <a:rPr lang="en-US" altLang="zh-CN" dirty="0" smtClean="0"/>
-              <a:t>concepts of reflection</a:t>
-            </a:r>
-          </a:p>
-          <a:p>
-            <a:r>
-              <a:rPr lang="en-US" altLang="zh-CN" dirty="0"/>
-              <a:t>implementation of compile-time </a:t>
-            </a:r>
-            <a:r>
-              <a:rPr lang="en-US" altLang="zh-CN" dirty="0" smtClean="0"/>
-              <a:t>reflection</a:t>
-            </a:r>
-          </a:p>
-          <a:p>
-            <a:r>
-              <a:rPr lang="en-US" altLang="zh-CN" dirty="0" smtClean="0"/>
-              <a:t>application of compile-time reflection</a:t>
-            </a:r>
-          </a:p>
-          <a:p>
-            <a:r>
-              <a:rPr lang="en-US" altLang="zh-CN" b="1" dirty="0" smtClean="0"/>
-              <a:t>prospect</a:t>
-            </a:r>
-            <a:endParaRPr lang="zh-CN" altLang="en-US" b="1" dirty="0"/>
+              <a:t>automatically define metadata</a:t>
+            </a:r>
+            <a:endParaRPr lang="zh-CN" altLang="en-US" dirty="0"/>
           </a:p>
         </p:txBody>
       </p:sp>
     </p:spTree>
     <p:extLst>
       <p:ext uri="{BB962C8B-B14F-4D97-AF65-F5344CB8AC3E}">
-        <p14:creationId xmlns:p14="http://schemas.microsoft.com/office/powerpoint/2010/main" val="3147020122"/>
+        <p14:creationId xmlns:p14="http://schemas.microsoft.com/office/powerpoint/2010/main" val="3117250595"/>
       </p:ext>
     </p:extLst>
   </p:cSld>
@@ -24929,9 +29380,200 @@
   <p:timing>
     <p:tnLst>
       <p:par>
-        <p:cTn id="1" dur="indefinite" restart="never" nodeType="tmRoot"/>
+        <p:cTn id="1" dur="indefinite" restart="never" nodeType="tmRoot">
+          <p:childTnLst>
+            <p:seq concurrent="1" nextAc="seek">
+              <p:cTn id="2" dur="indefinite" nodeType="mainSeq">
+                <p:childTnLst>
+                  <p:par>
+                    <p:cTn id="3" fill="hold">
+                      <p:stCondLst>
+                        <p:cond delay="indefinite"/>
+                      </p:stCondLst>
+                      <p:childTnLst>
+                        <p:par>
+                          <p:cTn id="4" fill="hold">
+                            <p:stCondLst>
+                              <p:cond delay="0"/>
+                            </p:stCondLst>
+                            <p:childTnLst>
+                              <p:par>
+                                <p:cTn id="5" presetID="2" presetClass="entr" presetSubtype="4" fill="hold" grpId="0" nodeType="clickEffect">
+                                  <p:stCondLst>
+                                    <p:cond delay="0"/>
+                                  </p:stCondLst>
+                                  <p:childTnLst>
+                                    <p:set>
+                                      <p:cBhvr>
+                                        <p:cTn id="6" dur="1" fill="hold">
+                                          <p:stCondLst>
+                                            <p:cond delay="0"/>
+                                          </p:stCondLst>
+                                        </p:cTn>
+                                        <p:tgtEl>
+                                          <p:spTgt spid="6"/>
+                                        </p:tgtEl>
+                                        <p:attrNameLst>
+                                          <p:attrName>style.visibility</p:attrName>
+                                        </p:attrNameLst>
+                                      </p:cBhvr>
+                                      <p:to>
+                                        <p:strVal val="visible"/>
+                                      </p:to>
+                                    </p:set>
+                                    <p:anim calcmode="lin" valueType="num">
+                                      <p:cBhvr additive="base">
+                                        <p:cTn id="7" dur="500" fill="hold"/>
+                                        <p:tgtEl>
+                                          <p:spTgt spid="6"/>
+                                        </p:tgtEl>
+                                        <p:attrNameLst>
+                                          <p:attrName>ppt_x</p:attrName>
+                                        </p:attrNameLst>
+                                      </p:cBhvr>
+                                      <p:tavLst>
+                                        <p:tav tm="0">
+                                          <p:val>
+                                            <p:strVal val="#ppt_x"/>
+                                          </p:val>
+                                        </p:tav>
+                                        <p:tav tm="100000">
+                                          <p:val>
+                                            <p:strVal val="#ppt_x"/>
+                                          </p:val>
+                                        </p:tav>
+                                      </p:tavLst>
+                                    </p:anim>
+                                    <p:anim calcmode="lin" valueType="num">
+                                      <p:cBhvr additive="base">
+                                        <p:cTn id="8" dur="500" fill="hold"/>
+                                        <p:tgtEl>
+                                          <p:spTgt spid="6"/>
+                                        </p:tgtEl>
+                                        <p:attrNameLst>
+                                          <p:attrName>ppt_y</p:attrName>
+                                        </p:attrNameLst>
+                                      </p:cBhvr>
+                                      <p:tavLst>
+                                        <p:tav tm="0">
+                                          <p:val>
+                                            <p:strVal val="1+#ppt_h/2"/>
+                                          </p:val>
+                                        </p:tav>
+                                        <p:tav tm="100000">
+                                          <p:val>
+                                            <p:strVal val="#ppt_y"/>
+                                          </p:val>
+                                        </p:tav>
+                                      </p:tavLst>
+                                    </p:anim>
+                                  </p:childTnLst>
+                                </p:cTn>
+                              </p:par>
+                            </p:childTnLst>
+                          </p:cTn>
+                        </p:par>
+                      </p:childTnLst>
+                    </p:cTn>
+                  </p:par>
+                  <p:par>
+                    <p:cTn id="9" fill="hold">
+                      <p:stCondLst>
+                        <p:cond delay="indefinite"/>
+                      </p:stCondLst>
+                      <p:childTnLst>
+                        <p:par>
+                          <p:cTn id="10" fill="hold">
+                            <p:stCondLst>
+                              <p:cond delay="0"/>
+                            </p:stCondLst>
+                            <p:childTnLst>
+                              <p:par>
+                                <p:cTn id="11" presetID="1" presetClass="entr" presetSubtype="0" fill="hold" grpId="0" nodeType="clickEffect">
+                                  <p:stCondLst>
+                                    <p:cond delay="0"/>
+                                  </p:stCondLst>
+                                  <p:childTnLst>
+                                    <p:set>
+                                      <p:cBhvr>
+                                        <p:cTn id="12" dur="1" fill="hold">
+                                          <p:stCondLst>
+                                            <p:cond delay="0"/>
+                                          </p:stCondLst>
+                                        </p:cTn>
+                                        <p:tgtEl>
+                                          <p:spTgt spid="7"/>
+                                        </p:tgtEl>
+                                        <p:attrNameLst>
+                                          <p:attrName>style.visibility</p:attrName>
+                                        </p:attrNameLst>
+                                      </p:cBhvr>
+                                      <p:to>
+                                        <p:strVal val="visible"/>
+                                      </p:to>
+                                    </p:set>
+                                  </p:childTnLst>
+                                </p:cTn>
+                              </p:par>
+                            </p:childTnLst>
+                          </p:cTn>
+                        </p:par>
+                        <p:par>
+                          <p:cTn id="13" fill="hold">
+                            <p:stCondLst>
+                              <p:cond delay="0"/>
+                            </p:stCondLst>
+                            <p:childTnLst>
+                              <p:par>
+                                <p:cTn id="14" presetID="6" presetClass="emph" presetSubtype="0" fill="hold" grpId="1" nodeType="afterEffect">
+                                  <p:stCondLst>
+                                    <p:cond delay="0"/>
+                                  </p:stCondLst>
+                                  <p:childTnLst>
+                                    <p:animScale>
+                                      <p:cBhvr>
+                                        <p:cTn id="15" dur="2000" fill="hold"/>
+                                        <p:tgtEl>
+                                          <p:spTgt spid="7"/>
+                                        </p:tgtEl>
+                                      </p:cBhvr>
+                                      <p:by x="150000" y="150000"/>
+                                    </p:animScale>
+                                  </p:childTnLst>
+                                </p:cTn>
+                              </p:par>
+                            </p:childTnLst>
+                          </p:cTn>
+                        </p:par>
+                      </p:childTnLst>
+                    </p:cTn>
+                  </p:par>
+                </p:childTnLst>
+              </p:cTn>
+              <p:prevCondLst>
+                <p:cond evt="onPrev" delay="0">
+                  <p:tgtEl>
+                    <p:sldTgt/>
+                  </p:tgtEl>
+                </p:cond>
+              </p:prevCondLst>
+              <p:nextCondLst>
+                <p:cond evt="onNext" delay="0">
+                  <p:tgtEl>
+                    <p:sldTgt/>
+                  </p:tgtEl>
+                </p:cond>
+              </p:nextCondLst>
+            </p:seq>
+          </p:childTnLst>
+        </p:cTn>
       </p:par>
     </p:tnLst>
+    <p:bldLst>
+      <p:bldP spid="6" grpId="0"/>
+      <p:bldP spid="7" grpId="0"/>
+      <p:bldP spid="7" grpId="1"/>
+    </p:bldLst>
   </p:timing>
 </p:sld>
 </file>
@@ -24969,8 +29611,8 @@
           <a:lstStyle/>
           <a:p>
             <a:r>
-              <a:rPr lang="en-US" altLang="zh-CN" dirty="0"/>
-              <a:t>prospect</a:t>
+              <a:rPr lang="en-US" altLang="zh-CN" dirty="0" smtClean="0"/>
+              <a:t>Outline</a:t>
             </a:r>
             <a:endParaRPr lang="zh-CN" altLang="en-US" dirty="0"/>
           </a:p>
@@ -24992,26 +29634,31 @@
           <a:lstStyle/>
           <a:p>
             <a:r>
+              <a:rPr lang="en-US" altLang="zh-CN" dirty="0" smtClean="0"/>
+              <a:t>concepts of reflection</a:t>
+            </a:r>
+          </a:p>
+          <a:p>
+            <a:r>
               <a:rPr lang="en-US" altLang="zh-CN" dirty="0"/>
-              <a:t>data </a:t>
+              <a:t>implementation of compile-time </a:t>
             </a:r>
             <a:r>
               <a:rPr lang="en-US" altLang="zh-CN" dirty="0" smtClean="0"/>
-              <a:t>binding</a:t>
-            </a:r>
-          </a:p>
-          <a:p>
-            <a:r>
-              <a:rPr lang="en-US" altLang="zh-CN" dirty="0" err="1"/>
-              <a:t>protocal</a:t>
-            </a:r>
-            <a:r>
-              <a:rPr lang="en-US" altLang="zh-CN" dirty="0"/>
-              <a:t> adaptor</a:t>
-            </a:r>
-            <a:endParaRPr lang="en-US" altLang="zh-CN" dirty="0" smtClean="0"/>
-          </a:p>
-          <a:p>
+              <a:t>reflection</a:t>
+            </a:r>
+          </a:p>
+          <a:p>
+            <a:r>
+              <a:rPr lang="en-US" altLang="zh-CN" b="1" dirty="0" smtClean="0"/>
+              <a:t>application of compile-time reflection</a:t>
+            </a:r>
+          </a:p>
+          <a:p>
+            <a:r>
+              <a:rPr lang="en-US" altLang="zh-CN" dirty="0" smtClean="0"/>
+              <a:t>prospect</a:t>
+            </a:r>
             <a:endParaRPr lang="zh-CN" altLang="en-US" dirty="0"/>
           </a:p>
         </p:txBody>
@@ -25019,7 +29666,7 @@
     </p:spTree>
     <p:extLst>
       <p:ext uri="{BB962C8B-B14F-4D97-AF65-F5344CB8AC3E}">
-        <p14:creationId xmlns:p14="http://schemas.microsoft.com/office/powerpoint/2010/main" val="3546759729"/>
+        <p14:creationId xmlns:p14="http://schemas.microsoft.com/office/powerpoint/2010/main" val="3920747289"/>
       </p:ext>
     </p:extLst>
   </p:cSld>
@@ -25341,6 +29988,310 @@
     <p:bldLst>
       <p:bldP spid="5" grpId="0"/>
     </p:bldLst>
+  </p:timing>
+</p:sld>
+</file>
+
+<file path=ppt/slides/slide40.xml><?xml version="1.0" encoding="utf-8"?>
+<p:sld xmlns:a="http://schemas.openxmlformats.org/drawingml/2006/main" xmlns:r="http://schemas.openxmlformats.org/officeDocument/2006/relationships" xmlns:p="http://schemas.openxmlformats.org/presentationml/2006/main">
+  <p:cSld>
+    <p:spTree>
+      <p:nvGrpSpPr>
+        <p:cNvPr id="1" name=""/>
+        <p:cNvGrpSpPr/>
+        <p:nvPr/>
+      </p:nvGrpSpPr>
+      <p:grpSpPr>
+        <a:xfrm>
+          <a:off x="0" y="0"/>
+          <a:ext cx="0" cy="0"/>
+          <a:chOff x="0" y="0"/>
+          <a:chExt cx="0" cy="0"/>
+        </a:xfrm>
+      </p:grpSpPr>
+      <p:sp>
+        <p:nvSpPr>
+          <p:cNvPr id="2" name="标题 1"/>
+          <p:cNvSpPr>
+            <a:spLocks noGrp="1"/>
+          </p:cNvSpPr>
+          <p:nvPr>
+            <p:ph type="title"/>
+          </p:nvPr>
+        </p:nvSpPr>
+        <p:spPr/>
+        <p:txBody>
+          <a:bodyPr/>
+          <a:lstStyle/>
+          <a:p>
+            <a:r>
+              <a:rPr lang="en-US" altLang="zh-CN" dirty="0"/>
+              <a:t>application of compile-time </a:t>
+            </a:r>
+            <a:r>
+              <a:rPr lang="en-US" altLang="zh-CN" dirty="0" smtClean="0"/>
+              <a:t>reflection</a:t>
+            </a:r>
+            <a:endParaRPr lang="zh-CN" altLang="en-US" dirty="0"/>
+          </a:p>
+        </p:txBody>
+      </p:sp>
+      <p:sp>
+        <p:nvSpPr>
+          <p:cNvPr id="3" name="内容占位符 2"/>
+          <p:cNvSpPr>
+            <a:spLocks noGrp="1"/>
+          </p:cNvSpPr>
+          <p:nvPr>
+            <p:ph idx="1"/>
+          </p:nvPr>
+        </p:nvSpPr>
+        <p:spPr/>
+        <p:txBody>
+          <a:bodyPr/>
+          <a:lstStyle/>
+          <a:p>
+            <a:r>
+              <a:rPr lang="en-US" altLang="zh-CN" dirty="0"/>
+              <a:t>Serialization</a:t>
+            </a:r>
+          </a:p>
+          <a:p>
+            <a:r>
+              <a:rPr lang="en-US" altLang="zh-CN" dirty="0"/>
+              <a:t>ORM(Object Relational Mapping)</a:t>
+            </a:r>
+          </a:p>
+          <a:p>
+            <a:r>
+              <a:rPr lang="en-US" altLang="zh-CN" dirty="0"/>
+              <a:t>DSL(domain-specific language)</a:t>
+            </a:r>
+            <a:endParaRPr lang="zh-CN" altLang="en-US" dirty="0"/>
+          </a:p>
+        </p:txBody>
+      </p:sp>
+    </p:spTree>
+    <p:extLst>
+      <p:ext uri="{BB962C8B-B14F-4D97-AF65-F5344CB8AC3E}">
+        <p14:creationId xmlns:p14="http://schemas.microsoft.com/office/powerpoint/2010/main" val="3812572458"/>
+      </p:ext>
+    </p:extLst>
+  </p:cSld>
+  <p:clrMapOvr>
+    <a:masterClrMapping/>
+  </p:clrMapOvr>
+  <p:timing>
+    <p:tnLst>
+      <p:par>
+        <p:cTn id="1" dur="indefinite" restart="never" nodeType="tmRoot"/>
+      </p:par>
+    </p:tnLst>
+  </p:timing>
+</p:sld>
+</file>
+
+<file path=ppt/slides/slide41.xml><?xml version="1.0" encoding="utf-8"?>
+<p:sld xmlns:a="http://schemas.openxmlformats.org/drawingml/2006/main" xmlns:r="http://schemas.openxmlformats.org/officeDocument/2006/relationships" xmlns:p="http://schemas.openxmlformats.org/presentationml/2006/main">
+  <p:cSld>
+    <p:spTree>
+      <p:nvGrpSpPr>
+        <p:cNvPr id="1" name=""/>
+        <p:cNvGrpSpPr/>
+        <p:nvPr/>
+      </p:nvGrpSpPr>
+      <p:grpSpPr>
+        <a:xfrm>
+          <a:off x="0" y="0"/>
+          <a:ext cx="0" cy="0"/>
+          <a:chOff x="0" y="0"/>
+          <a:chExt cx="0" cy="0"/>
+        </a:xfrm>
+      </p:grpSpPr>
+      <p:sp>
+        <p:nvSpPr>
+          <p:cNvPr id="2" name="标题 1"/>
+          <p:cNvSpPr>
+            <a:spLocks noGrp="1"/>
+          </p:cNvSpPr>
+          <p:nvPr>
+            <p:ph type="title"/>
+          </p:nvPr>
+        </p:nvSpPr>
+        <p:spPr/>
+        <p:txBody>
+          <a:bodyPr/>
+          <a:lstStyle/>
+          <a:p>
+            <a:r>
+              <a:rPr lang="en-US" altLang="zh-CN" dirty="0" smtClean="0"/>
+              <a:t>Outline</a:t>
+            </a:r>
+            <a:endParaRPr lang="zh-CN" altLang="en-US" dirty="0"/>
+          </a:p>
+        </p:txBody>
+      </p:sp>
+      <p:sp>
+        <p:nvSpPr>
+          <p:cNvPr id="3" name="内容占位符 2"/>
+          <p:cNvSpPr>
+            <a:spLocks noGrp="1"/>
+          </p:cNvSpPr>
+          <p:nvPr>
+            <p:ph idx="1"/>
+          </p:nvPr>
+        </p:nvSpPr>
+        <p:spPr/>
+        <p:txBody>
+          <a:bodyPr/>
+          <a:lstStyle/>
+          <a:p>
+            <a:r>
+              <a:rPr lang="en-US" altLang="zh-CN" dirty="0" smtClean="0"/>
+              <a:t>concepts of reflection</a:t>
+            </a:r>
+          </a:p>
+          <a:p>
+            <a:r>
+              <a:rPr lang="en-US" altLang="zh-CN" dirty="0"/>
+              <a:t>implementation of compile-time </a:t>
+            </a:r>
+            <a:r>
+              <a:rPr lang="en-US" altLang="zh-CN" dirty="0" smtClean="0"/>
+              <a:t>reflection</a:t>
+            </a:r>
+          </a:p>
+          <a:p>
+            <a:r>
+              <a:rPr lang="en-US" altLang="zh-CN" dirty="0" smtClean="0"/>
+              <a:t>application of compile-time reflection</a:t>
+            </a:r>
+          </a:p>
+          <a:p>
+            <a:r>
+              <a:rPr lang="en-US" altLang="zh-CN" b="1" dirty="0" smtClean="0"/>
+              <a:t>prospect</a:t>
+            </a:r>
+            <a:endParaRPr lang="zh-CN" altLang="en-US" b="1" dirty="0"/>
+          </a:p>
+        </p:txBody>
+      </p:sp>
+    </p:spTree>
+    <p:extLst>
+      <p:ext uri="{BB962C8B-B14F-4D97-AF65-F5344CB8AC3E}">
+        <p14:creationId xmlns:p14="http://schemas.microsoft.com/office/powerpoint/2010/main" val="3147020122"/>
+      </p:ext>
+    </p:extLst>
+  </p:cSld>
+  <p:clrMapOvr>
+    <a:masterClrMapping/>
+  </p:clrMapOvr>
+  <p:timing>
+    <p:tnLst>
+      <p:par>
+        <p:cTn id="1" dur="indefinite" restart="never" nodeType="tmRoot"/>
+      </p:par>
+    </p:tnLst>
+  </p:timing>
+</p:sld>
+</file>
+
+<file path=ppt/slides/slide42.xml><?xml version="1.0" encoding="utf-8"?>
+<p:sld xmlns:a="http://schemas.openxmlformats.org/drawingml/2006/main" xmlns:r="http://schemas.openxmlformats.org/officeDocument/2006/relationships" xmlns:p="http://schemas.openxmlformats.org/presentationml/2006/main">
+  <p:cSld>
+    <p:spTree>
+      <p:nvGrpSpPr>
+        <p:cNvPr id="1" name=""/>
+        <p:cNvGrpSpPr/>
+        <p:nvPr/>
+      </p:nvGrpSpPr>
+      <p:grpSpPr>
+        <a:xfrm>
+          <a:off x="0" y="0"/>
+          <a:ext cx="0" cy="0"/>
+          <a:chOff x="0" y="0"/>
+          <a:chExt cx="0" cy="0"/>
+        </a:xfrm>
+      </p:grpSpPr>
+      <p:sp>
+        <p:nvSpPr>
+          <p:cNvPr id="2" name="标题 1"/>
+          <p:cNvSpPr>
+            <a:spLocks noGrp="1"/>
+          </p:cNvSpPr>
+          <p:nvPr>
+            <p:ph type="title"/>
+          </p:nvPr>
+        </p:nvSpPr>
+        <p:spPr/>
+        <p:txBody>
+          <a:bodyPr/>
+          <a:lstStyle/>
+          <a:p>
+            <a:r>
+              <a:rPr lang="en-US" altLang="zh-CN" dirty="0"/>
+              <a:t>prospect</a:t>
+            </a:r>
+            <a:endParaRPr lang="zh-CN" altLang="en-US" dirty="0"/>
+          </a:p>
+        </p:txBody>
+      </p:sp>
+      <p:sp>
+        <p:nvSpPr>
+          <p:cNvPr id="3" name="内容占位符 2"/>
+          <p:cNvSpPr>
+            <a:spLocks noGrp="1"/>
+          </p:cNvSpPr>
+          <p:nvPr>
+            <p:ph idx="1"/>
+          </p:nvPr>
+        </p:nvSpPr>
+        <p:spPr/>
+        <p:txBody>
+          <a:bodyPr/>
+          <a:lstStyle/>
+          <a:p>
+            <a:r>
+              <a:rPr lang="en-US" altLang="zh-CN" dirty="0"/>
+              <a:t>data </a:t>
+            </a:r>
+            <a:r>
+              <a:rPr lang="en-US" altLang="zh-CN" dirty="0" smtClean="0"/>
+              <a:t>binding</a:t>
+            </a:r>
+          </a:p>
+          <a:p>
+            <a:r>
+              <a:rPr lang="en-US" altLang="zh-CN" dirty="0" err="1"/>
+              <a:t>protocal</a:t>
+            </a:r>
+            <a:r>
+              <a:rPr lang="en-US" altLang="zh-CN" dirty="0"/>
+              <a:t> adaptor</a:t>
+            </a:r>
+            <a:endParaRPr lang="en-US" altLang="zh-CN" dirty="0" smtClean="0"/>
+          </a:p>
+          <a:p>
+            <a:endParaRPr lang="zh-CN" altLang="en-US" dirty="0"/>
+          </a:p>
+        </p:txBody>
+      </p:sp>
+    </p:spTree>
+    <p:extLst>
+      <p:ext uri="{BB962C8B-B14F-4D97-AF65-F5344CB8AC3E}">
+        <p14:creationId xmlns:p14="http://schemas.microsoft.com/office/powerpoint/2010/main" val="3546759729"/>
+      </p:ext>
+    </p:extLst>
+  </p:cSld>
+  <p:clrMapOvr>
+    <a:masterClrMapping/>
+  </p:clrMapOvr>
+  <p:timing>
+    <p:tnLst>
+      <p:par>
+        <p:cTn id="1" dur="indefinite" restart="never" nodeType="tmRoot"/>
+      </p:par>
+    </p:tnLst>
   </p:timing>
 </p:sld>
 </file>

--- a/cppcon2017.pptx
+++ b/cppcon2017.pptx
@@ -5,7 +5,7 @@
     <p:sldMasterId id="2147483648" r:id="rId1"/>
   </p:sldMasterIdLst>
   <p:notesMasterIdLst>
-    <p:notesMasterId r:id="rId44"/>
+    <p:notesMasterId r:id="rId48"/>
   </p:notesMasterIdLst>
   <p:sldIdLst>
     <p:sldId id="256" r:id="rId2"/>
@@ -46,10 +46,14 @@
     <p:sldId id="295" r:id="rId37"/>
     <p:sldId id="296" r:id="rId38"/>
     <p:sldId id="297" r:id="rId39"/>
-    <p:sldId id="270" r:id="rId40"/>
-    <p:sldId id="260" r:id="rId41"/>
-    <p:sldId id="271" r:id="rId42"/>
-    <p:sldId id="261" r:id="rId43"/>
+    <p:sldId id="298" r:id="rId40"/>
+    <p:sldId id="299" r:id="rId41"/>
+    <p:sldId id="300" r:id="rId42"/>
+    <p:sldId id="301" r:id="rId43"/>
+    <p:sldId id="270" r:id="rId44"/>
+    <p:sldId id="260" r:id="rId45"/>
+    <p:sldId id="271" r:id="rId46"/>
+    <p:sldId id="261" r:id="rId47"/>
   </p:sldIdLst>
   <p:sldSz cx="12192000" cy="6858000"/>
   <p:notesSz cx="6858000" cy="9144000"/>
@@ -935,6 +939,186 @@
     <p:extLst>
       <p:ext uri="{BB962C8B-B14F-4D97-AF65-F5344CB8AC3E}">
         <p14:creationId xmlns:p14="http://schemas.microsoft.com/office/powerpoint/2010/main" val="2203329966"/>
+      </p:ext>
+    </p:extLst>
+  </p:cSld>
+  <p:clrMapOvr>
+    <a:masterClrMapping/>
+  </p:clrMapOvr>
+</p:notes>
+</file>
+
+<file path=ppt/notesSlides/notesSlide6.xml><?xml version="1.0" encoding="utf-8"?>
+<p:notes xmlns:a="http://schemas.openxmlformats.org/drawingml/2006/main" xmlns:r="http://schemas.openxmlformats.org/officeDocument/2006/relationships" xmlns:p="http://schemas.openxmlformats.org/presentationml/2006/main">
+  <p:cSld>
+    <p:spTree>
+      <p:nvGrpSpPr>
+        <p:cNvPr id="1" name=""/>
+        <p:cNvGrpSpPr/>
+        <p:nvPr/>
+      </p:nvGrpSpPr>
+      <p:grpSpPr>
+        <a:xfrm>
+          <a:off x="0" y="0"/>
+          <a:ext cx="0" cy="0"/>
+          <a:chOff x="0" y="0"/>
+          <a:chExt cx="0" cy="0"/>
+        </a:xfrm>
+      </p:grpSpPr>
+      <p:sp>
+        <p:nvSpPr>
+          <p:cNvPr id="2" name="幻灯片图像占位符 1"/>
+          <p:cNvSpPr>
+            <a:spLocks noGrp="1" noRot="1" noChangeAspect="1"/>
+          </p:cNvSpPr>
+          <p:nvPr>
+            <p:ph type="sldImg"/>
+          </p:nvPr>
+        </p:nvSpPr>
+        <p:spPr/>
+      </p:sp>
+      <p:sp>
+        <p:nvSpPr>
+          <p:cNvPr id="3" name="备注占位符 2"/>
+          <p:cNvSpPr>
+            <a:spLocks noGrp="1"/>
+          </p:cNvSpPr>
+          <p:nvPr>
+            <p:ph type="body" idx="1"/>
+          </p:nvPr>
+        </p:nvSpPr>
+        <p:spPr/>
+        <p:txBody>
+          <a:bodyPr/>
+          <a:lstStyle/>
+          <a:p>
+            <a:r>
+              <a:rPr lang="en-US" altLang="zh-CN" dirty="0" smtClean="0"/>
+              <a:t>compare</a:t>
+            </a:r>
+            <a:endParaRPr lang="zh-CN" altLang="en-US" dirty="0"/>
+          </a:p>
+        </p:txBody>
+      </p:sp>
+      <p:sp>
+        <p:nvSpPr>
+          <p:cNvPr id="4" name="灯片编号占位符 3"/>
+          <p:cNvSpPr>
+            <a:spLocks noGrp="1"/>
+          </p:cNvSpPr>
+          <p:nvPr>
+            <p:ph type="sldNum" sz="quarter" idx="10"/>
+          </p:nvPr>
+        </p:nvSpPr>
+        <p:spPr/>
+        <p:txBody>
+          <a:bodyPr/>
+          <a:lstStyle/>
+          <a:p>
+            <a:fld id="{C9825B02-673D-4C5E-88E2-1F72A1758DC8}" type="slidenum">
+              <a:rPr lang="zh-CN" altLang="en-US" smtClean="0"/>
+              <a:t>38</a:t>
+            </a:fld>
+            <a:endParaRPr lang="zh-CN" altLang="en-US"/>
+          </a:p>
+        </p:txBody>
+      </p:sp>
+    </p:spTree>
+    <p:extLst>
+      <p:ext uri="{BB962C8B-B14F-4D97-AF65-F5344CB8AC3E}">
+        <p14:creationId xmlns:p14="http://schemas.microsoft.com/office/powerpoint/2010/main" val="3575771269"/>
+      </p:ext>
+    </p:extLst>
+  </p:cSld>
+  <p:clrMapOvr>
+    <a:masterClrMapping/>
+  </p:clrMapOvr>
+</p:notes>
+</file>
+
+<file path=ppt/notesSlides/notesSlide7.xml><?xml version="1.0" encoding="utf-8"?>
+<p:notes xmlns:a="http://schemas.openxmlformats.org/drawingml/2006/main" xmlns:r="http://schemas.openxmlformats.org/officeDocument/2006/relationships" xmlns:p="http://schemas.openxmlformats.org/presentationml/2006/main">
+  <p:cSld>
+    <p:spTree>
+      <p:nvGrpSpPr>
+        <p:cNvPr id="1" name=""/>
+        <p:cNvGrpSpPr/>
+        <p:nvPr/>
+      </p:nvGrpSpPr>
+      <p:grpSpPr>
+        <a:xfrm>
+          <a:off x="0" y="0"/>
+          <a:ext cx="0" cy="0"/>
+          <a:chOff x="0" y="0"/>
+          <a:chExt cx="0" cy="0"/>
+        </a:xfrm>
+      </p:grpSpPr>
+      <p:sp>
+        <p:nvSpPr>
+          <p:cNvPr id="2" name="幻灯片图像占位符 1"/>
+          <p:cNvSpPr>
+            <a:spLocks noGrp="1" noRot="1" noChangeAspect="1"/>
+          </p:cNvSpPr>
+          <p:nvPr>
+            <p:ph type="sldImg"/>
+          </p:nvPr>
+        </p:nvSpPr>
+        <p:spPr/>
+      </p:sp>
+      <p:sp>
+        <p:nvSpPr>
+          <p:cNvPr id="3" name="备注占位符 2"/>
+          <p:cNvSpPr>
+            <a:spLocks noGrp="1"/>
+          </p:cNvSpPr>
+          <p:nvPr>
+            <p:ph type="body" idx="1"/>
+          </p:nvPr>
+        </p:nvSpPr>
+        <p:spPr/>
+        <p:txBody>
+          <a:bodyPr/>
+          <a:lstStyle/>
+          <a:p>
+            <a:r>
+              <a:rPr lang="en-US" altLang="zh-CN" dirty="0" err="1" smtClean="0"/>
+              <a:t>c++</a:t>
+            </a:r>
+            <a:r>
+              <a:rPr lang="en-US" altLang="zh-CN" dirty="0" smtClean="0"/>
+              <a:t>17 fold expression</a:t>
+            </a:r>
+            <a:endParaRPr lang="zh-CN" altLang="en-US" dirty="0"/>
+          </a:p>
+        </p:txBody>
+      </p:sp>
+      <p:sp>
+        <p:nvSpPr>
+          <p:cNvPr id="4" name="灯片编号占位符 3"/>
+          <p:cNvSpPr>
+            <a:spLocks noGrp="1"/>
+          </p:cNvSpPr>
+          <p:nvPr>
+            <p:ph type="sldNum" sz="quarter" idx="10"/>
+          </p:nvPr>
+        </p:nvSpPr>
+        <p:spPr/>
+        <p:txBody>
+          <a:bodyPr/>
+          <a:lstStyle/>
+          <a:p>
+            <a:fld id="{C9825B02-673D-4C5E-88E2-1F72A1758DC8}" type="slidenum">
+              <a:rPr lang="zh-CN" altLang="en-US" smtClean="0"/>
+              <a:t>42</a:t>
+            </a:fld>
+            <a:endParaRPr lang="zh-CN" altLang="en-US"/>
+          </a:p>
+        </p:txBody>
+      </p:sp>
+    </p:spTree>
+    <p:extLst>
+      <p:ext uri="{BB962C8B-B14F-4D97-AF65-F5344CB8AC3E}">
+        <p14:creationId xmlns:p14="http://schemas.microsoft.com/office/powerpoint/2010/main" val="777959391"/>
       </p:ext>
     </p:extLst>
   </p:cSld>
@@ -22257,1515 +22441,6 @@
       </p:grpSpPr>
       <p:sp>
         <p:nvSpPr>
-          <p:cNvPr id="4" name="矩形 3"/>
-          <p:cNvSpPr/>
-          <p:nvPr/>
-        </p:nvSpPr>
-        <p:spPr>
-          <a:xfrm>
-            <a:off x="838200" y="847138"/>
-            <a:ext cx="10515599" cy="4524315"/>
-          </a:xfrm>
-          <a:prstGeom prst="rect">
-            <a:avLst/>
-          </a:prstGeom>
-        </p:spPr>
-        <p:txBody>
-          <a:bodyPr wrap="square">
-            <a:spAutoFit/>
-          </a:bodyPr>
-          <a:lstStyle/>
-          <a:p>
-            <a:r>
-              <a:rPr lang="en-US" altLang="zh-CN" dirty="0">
-                <a:solidFill>
-                  <a:srgbClr val="0000FF"/>
-                </a:solidFill>
-                <a:highlight>
-                  <a:srgbClr val="FFFFFF"/>
-                </a:highlight>
-                <a:latin typeface="新宋体" panose="02010609030101010101" pitchFamily="49" charset="-122"/>
-                <a:ea typeface="新宋体" panose="02010609030101010101" pitchFamily="49" charset="-122"/>
-              </a:rPr>
-              <a:t>template</a:t>
-            </a:r>
-            <a:r>
-              <a:rPr lang="en-US" altLang="zh-CN" dirty="0">
-                <a:solidFill>
-                  <a:srgbClr val="000000"/>
-                </a:solidFill>
-                <a:highlight>
-                  <a:srgbClr val="FFFFFF"/>
-                </a:highlight>
-                <a:latin typeface="新宋体" panose="02010609030101010101" pitchFamily="49" charset="-122"/>
-                <a:ea typeface="新宋体" panose="02010609030101010101" pitchFamily="49" charset="-122"/>
-              </a:rPr>
-              <a:t>&lt;</a:t>
-            </a:r>
-            <a:r>
-              <a:rPr lang="en-US" altLang="zh-CN" dirty="0" err="1">
-                <a:solidFill>
-                  <a:srgbClr val="0000FF"/>
-                </a:solidFill>
-                <a:highlight>
-                  <a:srgbClr val="FFFFFF"/>
-                </a:highlight>
-                <a:latin typeface="新宋体" panose="02010609030101010101" pitchFamily="49" charset="-122"/>
-                <a:ea typeface="新宋体" panose="02010609030101010101" pitchFamily="49" charset="-122"/>
-              </a:rPr>
-              <a:t>typename</a:t>
-            </a:r>
-            <a:r>
-              <a:rPr lang="en-US" altLang="zh-CN" dirty="0">
-                <a:solidFill>
-                  <a:srgbClr val="000000"/>
-                </a:solidFill>
-                <a:highlight>
-                  <a:srgbClr val="FFFFFF"/>
-                </a:highlight>
-                <a:latin typeface="新宋体" panose="02010609030101010101" pitchFamily="49" charset="-122"/>
-                <a:ea typeface="新宋体" panose="02010609030101010101" pitchFamily="49" charset="-122"/>
-              </a:rPr>
-              <a:t>&gt; </a:t>
-            </a:r>
-            <a:r>
-              <a:rPr lang="en-US" altLang="zh-CN" dirty="0" err="1">
-                <a:solidFill>
-                  <a:srgbClr val="0000FF"/>
-                </a:solidFill>
-                <a:highlight>
-                  <a:srgbClr val="FFFFFF"/>
-                </a:highlight>
-                <a:latin typeface="新宋体" panose="02010609030101010101" pitchFamily="49" charset="-122"/>
-                <a:ea typeface="新宋体" panose="02010609030101010101" pitchFamily="49" charset="-122"/>
-              </a:rPr>
-              <a:t>struct</a:t>
-            </a:r>
-            <a:r>
-              <a:rPr lang="en-US" altLang="zh-CN" dirty="0">
-                <a:solidFill>
-                  <a:srgbClr val="000000"/>
-                </a:solidFill>
-                <a:highlight>
-                  <a:srgbClr val="FFFFFF"/>
-                </a:highlight>
-                <a:latin typeface="新宋体" panose="02010609030101010101" pitchFamily="49" charset="-122"/>
-                <a:ea typeface="新宋体" panose="02010609030101010101" pitchFamily="49" charset="-122"/>
-              </a:rPr>
-              <a:t> </a:t>
-            </a:r>
-            <a:r>
-              <a:rPr lang="en-US" altLang="zh-CN" dirty="0">
-                <a:solidFill>
-                  <a:srgbClr val="2B91AF"/>
-                </a:solidFill>
-                <a:highlight>
-                  <a:srgbClr val="FFFFFF"/>
-                </a:highlight>
-                <a:latin typeface="新宋体" panose="02010609030101010101" pitchFamily="49" charset="-122"/>
-                <a:ea typeface="新宋体" panose="02010609030101010101" pitchFamily="49" charset="-122"/>
-              </a:rPr>
-              <a:t>Members</a:t>
-            </a:r>
-            <a:r>
-              <a:rPr lang="en-US" altLang="zh-CN" dirty="0">
-                <a:solidFill>
-                  <a:srgbClr val="000000"/>
-                </a:solidFill>
-                <a:highlight>
-                  <a:srgbClr val="FFFFFF"/>
-                </a:highlight>
-                <a:latin typeface="新宋体" panose="02010609030101010101" pitchFamily="49" charset="-122"/>
-                <a:ea typeface="新宋体" panose="02010609030101010101" pitchFamily="49" charset="-122"/>
-              </a:rPr>
-              <a:t> {};</a:t>
-            </a:r>
-          </a:p>
-          <a:p>
-            <a:endParaRPr lang="zh-CN" altLang="en-US" dirty="0">
-              <a:solidFill>
-                <a:srgbClr val="000000"/>
-              </a:solidFill>
-              <a:highlight>
-                <a:srgbClr val="FFFFFF"/>
-              </a:highlight>
-              <a:latin typeface="新宋体" panose="02010609030101010101" pitchFamily="49" charset="-122"/>
-              <a:ea typeface="新宋体" panose="02010609030101010101" pitchFamily="49" charset="-122"/>
-            </a:endParaRPr>
-          </a:p>
-          <a:p>
-            <a:r>
-              <a:rPr lang="en-US" altLang="zh-CN" dirty="0">
-                <a:solidFill>
-                  <a:srgbClr val="808080"/>
-                </a:solidFill>
-                <a:highlight>
-                  <a:srgbClr val="FFFFFF"/>
-                </a:highlight>
-                <a:latin typeface="新宋体" panose="02010609030101010101" pitchFamily="49" charset="-122"/>
-                <a:ea typeface="新宋体" panose="02010609030101010101" pitchFamily="49" charset="-122"/>
-              </a:rPr>
-              <a:t>#define</a:t>
-            </a:r>
-            <a:r>
-              <a:rPr lang="en-US" altLang="zh-CN" dirty="0">
-                <a:solidFill>
-                  <a:srgbClr val="000000"/>
-                </a:solidFill>
-                <a:highlight>
-                  <a:srgbClr val="FFFFFF"/>
-                </a:highlight>
-                <a:latin typeface="新宋体" panose="02010609030101010101" pitchFamily="49" charset="-122"/>
-                <a:ea typeface="新宋体" panose="02010609030101010101" pitchFamily="49" charset="-122"/>
-              </a:rPr>
-              <a:t> </a:t>
-            </a:r>
-            <a:r>
-              <a:rPr lang="en-US" altLang="zh-CN" dirty="0">
-                <a:solidFill>
-                  <a:srgbClr val="6F008A"/>
-                </a:solidFill>
-                <a:highlight>
-                  <a:srgbClr val="FFFFFF"/>
-                </a:highlight>
-                <a:latin typeface="新宋体" panose="02010609030101010101" pitchFamily="49" charset="-122"/>
-                <a:ea typeface="新宋体" panose="02010609030101010101" pitchFamily="49" charset="-122"/>
-              </a:rPr>
-              <a:t>MAKE_META_DATA_IMPL</a:t>
-            </a:r>
-            <a:r>
-              <a:rPr lang="en-US" altLang="zh-CN" dirty="0">
-                <a:solidFill>
-                  <a:srgbClr val="000000"/>
-                </a:solidFill>
-                <a:highlight>
-                  <a:srgbClr val="FFFFFF"/>
-                </a:highlight>
-                <a:latin typeface="新宋体" panose="02010609030101010101" pitchFamily="49" charset="-122"/>
-                <a:ea typeface="新宋体" panose="02010609030101010101" pitchFamily="49" charset="-122"/>
-              </a:rPr>
-              <a:t>(STRUCT_NAME, ...)\</a:t>
-            </a:r>
-          </a:p>
-          <a:p>
-            <a:r>
-              <a:rPr lang="en-US" altLang="zh-CN" dirty="0">
-                <a:solidFill>
-                  <a:srgbClr val="0000FF"/>
-                </a:solidFill>
-                <a:highlight>
-                  <a:srgbClr val="FFFFFF"/>
-                </a:highlight>
-                <a:latin typeface="新宋体" panose="02010609030101010101" pitchFamily="49" charset="-122"/>
-                <a:ea typeface="新宋体" panose="02010609030101010101" pitchFamily="49" charset="-122"/>
-              </a:rPr>
-              <a:t>template</a:t>
-            </a:r>
-            <a:r>
-              <a:rPr lang="en-US" altLang="zh-CN" dirty="0">
-                <a:solidFill>
-                  <a:srgbClr val="000000"/>
-                </a:solidFill>
-                <a:highlight>
-                  <a:srgbClr val="FFFFFF"/>
-                </a:highlight>
-                <a:latin typeface="新宋体" panose="02010609030101010101" pitchFamily="49" charset="-122"/>
-                <a:ea typeface="新宋体" panose="02010609030101010101" pitchFamily="49" charset="-122"/>
-              </a:rPr>
-              <a:t>&lt;&gt;</a:t>
-            </a:r>
-            <a:r>
-              <a:rPr lang="en-US" altLang="zh-CN" dirty="0" err="1">
-                <a:solidFill>
-                  <a:srgbClr val="0000FF"/>
-                </a:solidFill>
-                <a:highlight>
-                  <a:srgbClr val="FFFFFF"/>
-                </a:highlight>
-                <a:latin typeface="新宋体" panose="02010609030101010101" pitchFamily="49" charset="-122"/>
-                <a:ea typeface="新宋体" panose="02010609030101010101" pitchFamily="49" charset="-122"/>
-              </a:rPr>
-              <a:t>struct</a:t>
-            </a:r>
-            <a:r>
-              <a:rPr lang="en-US" altLang="zh-CN" dirty="0">
-                <a:solidFill>
-                  <a:srgbClr val="000000"/>
-                </a:solidFill>
-                <a:highlight>
-                  <a:srgbClr val="FFFFFF"/>
-                </a:highlight>
-                <a:latin typeface="新宋体" panose="02010609030101010101" pitchFamily="49" charset="-122"/>
-                <a:ea typeface="新宋体" panose="02010609030101010101" pitchFamily="49" charset="-122"/>
-              </a:rPr>
-              <a:t> Members&lt;STRUCT_NAME&gt;{\</a:t>
-            </a:r>
-          </a:p>
-          <a:p>
-            <a:r>
-              <a:rPr lang="en-US" altLang="zh-CN" dirty="0">
-                <a:solidFill>
-                  <a:srgbClr val="000000"/>
-                </a:solidFill>
-                <a:highlight>
-                  <a:srgbClr val="FFFFFF"/>
-                </a:highlight>
-                <a:latin typeface="新宋体" panose="02010609030101010101" pitchFamily="49" charset="-122"/>
-                <a:ea typeface="新宋体" panose="02010609030101010101" pitchFamily="49" charset="-122"/>
-              </a:rPr>
-              <a:t>    </a:t>
-            </a:r>
-            <a:r>
-              <a:rPr lang="en-US" altLang="zh-CN" dirty="0" err="1">
-                <a:solidFill>
-                  <a:srgbClr val="0000FF"/>
-                </a:solidFill>
-                <a:highlight>
-                  <a:srgbClr val="FFFFFF"/>
-                </a:highlight>
-                <a:latin typeface="新宋体" panose="02010609030101010101" pitchFamily="49" charset="-122"/>
-                <a:ea typeface="新宋体" panose="02010609030101010101" pitchFamily="49" charset="-122"/>
-              </a:rPr>
-              <a:t>constexpr</a:t>
-            </a:r>
-            <a:r>
-              <a:rPr lang="en-US" altLang="zh-CN" dirty="0">
-                <a:solidFill>
-                  <a:srgbClr val="000000"/>
-                </a:solidFill>
-                <a:highlight>
-                  <a:srgbClr val="FFFFFF"/>
-                </a:highlight>
-                <a:latin typeface="新宋体" panose="02010609030101010101" pitchFamily="49" charset="-122"/>
-                <a:ea typeface="新宋体" panose="02010609030101010101" pitchFamily="49" charset="-122"/>
-              </a:rPr>
-              <a:t> </a:t>
-            </a:r>
-            <a:r>
-              <a:rPr lang="en-US" altLang="zh-CN" dirty="0" err="1">
-                <a:solidFill>
-                  <a:srgbClr val="0000FF"/>
-                </a:solidFill>
-                <a:highlight>
-                  <a:srgbClr val="FFFFFF"/>
-                </a:highlight>
-                <a:latin typeface="新宋体" panose="02010609030101010101" pitchFamily="49" charset="-122"/>
-                <a:ea typeface="新宋体" panose="02010609030101010101" pitchFamily="49" charset="-122"/>
-              </a:rPr>
-              <a:t>decltype</a:t>
-            </a:r>
-            <a:r>
-              <a:rPr lang="en-US" altLang="zh-CN" dirty="0">
-                <a:solidFill>
-                  <a:srgbClr val="000000"/>
-                </a:solidFill>
-                <a:highlight>
-                  <a:srgbClr val="FFFFFF"/>
-                </a:highlight>
-                <a:latin typeface="新宋体" panose="02010609030101010101" pitchFamily="49" charset="-122"/>
-                <a:ea typeface="新宋体" panose="02010609030101010101" pitchFamily="49" charset="-122"/>
-              </a:rPr>
-              <a:t>(</a:t>
-            </a:r>
-            <a:r>
-              <a:rPr lang="en-US" altLang="zh-CN" dirty="0">
-                <a:solidFill>
-                  <a:srgbClr val="0000FF"/>
-                </a:solidFill>
-                <a:highlight>
-                  <a:srgbClr val="FFFFFF"/>
-                </a:highlight>
-                <a:latin typeface="新宋体" panose="02010609030101010101" pitchFamily="49" charset="-122"/>
-                <a:ea typeface="新宋体" panose="02010609030101010101" pitchFamily="49" charset="-122"/>
-              </a:rPr>
-              <a:t>auto</a:t>
-            </a:r>
-            <a:r>
-              <a:rPr lang="en-US" altLang="zh-CN" dirty="0">
-                <a:solidFill>
-                  <a:srgbClr val="000000"/>
-                </a:solidFill>
-                <a:highlight>
-                  <a:srgbClr val="FFFFFF"/>
-                </a:highlight>
-                <a:latin typeface="新宋体" panose="02010609030101010101" pitchFamily="49" charset="-122"/>
-                <a:ea typeface="新宋体" panose="02010609030101010101" pitchFamily="49" charset="-122"/>
-              </a:rPr>
-              <a:t>) </a:t>
-            </a:r>
-            <a:r>
-              <a:rPr lang="en-US" altLang="zh-CN" dirty="0">
-                <a:solidFill>
-                  <a:srgbClr val="0000FF"/>
-                </a:solidFill>
-                <a:highlight>
-                  <a:srgbClr val="FFFFFF"/>
-                </a:highlight>
-                <a:latin typeface="新宋体" panose="02010609030101010101" pitchFamily="49" charset="-122"/>
-                <a:ea typeface="新宋体" panose="02010609030101010101" pitchFamily="49" charset="-122"/>
-              </a:rPr>
-              <a:t>static</a:t>
-            </a:r>
-            <a:r>
-              <a:rPr lang="en-US" altLang="zh-CN" dirty="0">
-                <a:solidFill>
-                  <a:srgbClr val="000000"/>
-                </a:solidFill>
-                <a:highlight>
-                  <a:srgbClr val="FFFFFF"/>
-                </a:highlight>
-                <a:latin typeface="新宋体" panose="02010609030101010101" pitchFamily="49" charset="-122"/>
-                <a:ea typeface="新宋体" panose="02010609030101010101" pitchFamily="49" charset="-122"/>
-              </a:rPr>
-              <a:t> </a:t>
-            </a:r>
-            <a:r>
-              <a:rPr lang="en-US" altLang="zh-CN" dirty="0" err="1">
-                <a:solidFill>
-                  <a:srgbClr val="000000"/>
-                </a:solidFill>
-                <a:highlight>
-                  <a:srgbClr val="FFFFFF"/>
-                </a:highlight>
-                <a:latin typeface="新宋体" panose="02010609030101010101" pitchFamily="49" charset="-122"/>
-                <a:ea typeface="新宋体" panose="02010609030101010101" pitchFamily="49" charset="-122"/>
-              </a:rPr>
-              <a:t>apply_impl</a:t>
-            </a:r>
-            <a:r>
-              <a:rPr lang="en-US" altLang="zh-CN" dirty="0">
-                <a:solidFill>
-                  <a:srgbClr val="000000"/>
-                </a:solidFill>
-                <a:highlight>
-                  <a:srgbClr val="FFFFFF"/>
-                </a:highlight>
-                <a:latin typeface="新宋体" panose="02010609030101010101" pitchFamily="49" charset="-122"/>
-                <a:ea typeface="新宋体" panose="02010609030101010101" pitchFamily="49" charset="-122"/>
-              </a:rPr>
-              <a:t>(){\</a:t>
-            </a:r>
-          </a:p>
-          <a:p>
-            <a:r>
-              <a:rPr lang="en-US" altLang="zh-CN" dirty="0">
-                <a:solidFill>
-                  <a:srgbClr val="000000"/>
-                </a:solidFill>
-                <a:highlight>
-                  <a:srgbClr val="FFFFFF"/>
-                </a:highlight>
-                <a:latin typeface="新宋体" panose="02010609030101010101" pitchFamily="49" charset="-122"/>
-                <a:ea typeface="新宋体" panose="02010609030101010101" pitchFamily="49" charset="-122"/>
-              </a:rPr>
-              <a:t>            </a:t>
-            </a:r>
-            <a:r>
-              <a:rPr lang="en-US" altLang="zh-CN" dirty="0">
-                <a:solidFill>
-                  <a:srgbClr val="0000FF"/>
-                </a:solidFill>
-                <a:highlight>
-                  <a:srgbClr val="FFFFFF"/>
-                </a:highlight>
-                <a:latin typeface="新宋体" panose="02010609030101010101" pitchFamily="49" charset="-122"/>
-                <a:ea typeface="新宋体" panose="02010609030101010101" pitchFamily="49" charset="-122"/>
-              </a:rPr>
-              <a:t>return</a:t>
-            </a:r>
-            <a:r>
-              <a:rPr lang="en-US" altLang="zh-CN" dirty="0">
-                <a:solidFill>
-                  <a:srgbClr val="000000"/>
-                </a:solidFill>
-                <a:highlight>
-                  <a:srgbClr val="FFFFFF"/>
-                </a:highlight>
-                <a:latin typeface="新宋体" panose="02010609030101010101" pitchFamily="49" charset="-122"/>
-                <a:ea typeface="新宋体" panose="02010609030101010101" pitchFamily="49" charset="-122"/>
-              </a:rPr>
-              <a:t> </a:t>
-            </a:r>
-            <a:r>
-              <a:rPr lang="en-US" altLang="zh-CN" dirty="0" err="1">
-                <a:solidFill>
-                  <a:srgbClr val="000000"/>
-                </a:solidFill>
-                <a:highlight>
-                  <a:srgbClr val="FFFFFF"/>
-                </a:highlight>
-                <a:latin typeface="新宋体" panose="02010609030101010101" pitchFamily="49" charset="-122"/>
-                <a:ea typeface="新宋体" panose="02010609030101010101" pitchFamily="49" charset="-122"/>
-              </a:rPr>
-              <a:t>std</a:t>
-            </a:r>
-            <a:r>
-              <a:rPr lang="en-US" altLang="zh-CN" dirty="0">
-                <a:solidFill>
-                  <a:srgbClr val="000000"/>
-                </a:solidFill>
-                <a:highlight>
-                  <a:srgbClr val="FFFFFF"/>
-                </a:highlight>
-                <a:latin typeface="新宋体" panose="02010609030101010101" pitchFamily="49" charset="-122"/>
-                <a:ea typeface="新宋体" panose="02010609030101010101" pitchFamily="49" charset="-122"/>
-              </a:rPr>
-              <a:t>::</a:t>
-            </a:r>
-            <a:r>
-              <a:rPr lang="en-US" altLang="zh-CN" dirty="0" err="1">
-                <a:solidFill>
-                  <a:srgbClr val="000000"/>
-                </a:solidFill>
-                <a:highlight>
-                  <a:srgbClr val="FFFFFF"/>
-                </a:highlight>
-                <a:latin typeface="新宋体" panose="02010609030101010101" pitchFamily="49" charset="-122"/>
-                <a:ea typeface="新宋体" panose="02010609030101010101" pitchFamily="49" charset="-122"/>
-              </a:rPr>
-              <a:t>make_tuple</a:t>
-            </a:r>
-            <a:r>
-              <a:rPr lang="en-US" altLang="zh-CN" dirty="0">
-                <a:solidFill>
-                  <a:srgbClr val="000000"/>
-                </a:solidFill>
-                <a:highlight>
-                  <a:srgbClr val="FFFFFF"/>
-                </a:highlight>
-                <a:latin typeface="新宋体" panose="02010609030101010101" pitchFamily="49" charset="-122"/>
-                <a:ea typeface="新宋体" panose="02010609030101010101" pitchFamily="49" charset="-122"/>
-              </a:rPr>
-              <a:t>(__VA_ARGS__);\</a:t>
-            </a:r>
-          </a:p>
-          <a:p>
-            <a:r>
-              <a:rPr lang="en-US" altLang="zh-CN" dirty="0" smtClean="0">
-                <a:solidFill>
-                  <a:srgbClr val="000000"/>
-                </a:solidFill>
-                <a:highlight>
-                  <a:srgbClr val="FFFFFF"/>
-                </a:highlight>
-                <a:latin typeface="新宋体" panose="02010609030101010101" pitchFamily="49" charset="-122"/>
-                <a:ea typeface="新宋体" panose="02010609030101010101" pitchFamily="49" charset="-122"/>
-              </a:rPr>
-              <a:t>    }\</a:t>
-            </a:r>
-            <a:endParaRPr lang="en-US" altLang="zh-CN" dirty="0">
-              <a:solidFill>
-                <a:srgbClr val="000000"/>
-              </a:solidFill>
-              <a:highlight>
-                <a:srgbClr val="FFFFFF"/>
-              </a:highlight>
-              <a:latin typeface="新宋体" panose="02010609030101010101" pitchFamily="49" charset="-122"/>
-              <a:ea typeface="新宋体" panose="02010609030101010101" pitchFamily="49" charset="-122"/>
-            </a:endParaRPr>
-          </a:p>
-          <a:p>
-            <a:r>
-              <a:rPr lang="en-US" altLang="zh-CN" dirty="0" smtClean="0">
-                <a:solidFill>
-                  <a:srgbClr val="0000FF"/>
-                </a:solidFill>
-                <a:highlight>
-                  <a:srgbClr val="FFFFFF"/>
-                </a:highlight>
-                <a:latin typeface="新宋体" panose="02010609030101010101" pitchFamily="49" charset="-122"/>
-                <a:ea typeface="新宋体" panose="02010609030101010101" pitchFamily="49" charset="-122"/>
-              </a:rPr>
-              <a:t>    using</a:t>
-            </a:r>
-            <a:r>
-              <a:rPr lang="en-US" altLang="zh-CN" dirty="0" smtClean="0">
-                <a:solidFill>
-                  <a:srgbClr val="000000"/>
-                </a:solidFill>
-                <a:highlight>
-                  <a:srgbClr val="FFFFFF"/>
-                </a:highlight>
-                <a:latin typeface="新宋体" panose="02010609030101010101" pitchFamily="49" charset="-122"/>
-                <a:ea typeface="新宋体" panose="02010609030101010101" pitchFamily="49" charset="-122"/>
-              </a:rPr>
-              <a:t> </a:t>
-            </a:r>
-            <a:r>
-              <a:rPr lang="en-US" altLang="zh-CN" dirty="0" err="1">
-                <a:solidFill>
-                  <a:srgbClr val="000000"/>
-                </a:solidFill>
-                <a:highlight>
-                  <a:srgbClr val="FFFFFF"/>
-                </a:highlight>
-                <a:latin typeface="新宋体" panose="02010609030101010101" pitchFamily="49" charset="-122"/>
-                <a:ea typeface="新宋体" panose="02010609030101010101" pitchFamily="49" charset="-122"/>
-              </a:rPr>
-              <a:t>size_type</a:t>
-            </a:r>
-            <a:r>
-              <a:rPr lang="en-US" altLang="zh-CN" dirty="0">
-                <a:solidFill>
-                  <a:srgbClr val="000000"/>
-                </a:solidFill>
-                <a:highlight>
-                  <a:srgbClr val="FFFFFF"/>
-                </a:highlight>
-                <a:latin typeface="新宋体" panose="02010609030101010101" pitchFamily="49" charset="-122"/>
-                <a:ea typeface="新宋体" panose="02010609030101010101" pitchFamily="49" charset="-122"/>
-              </a:rPr>
-              <a:t> = </a:t>
-            </a:r>
-            <a:r>
-              <a:rPr lang="en-US" altLang="zh-CN" dirty="0" err="1">
-                <a:solidFill>
-                  <a:srgbClr val="000000"/>
-                </a:solidFill>
-                <a:highlight>
-                  <a:srgbClr val="FFFFFF"/>
-                </a:highlight>
-                <a:latin typeface="新宋体" panose="02010609030101010101" pitchFamily="49" charset="-122"/>
-                <a:ea typeface="新宋体" panose="02010609030101010101" pitchFamily="49" charset="-122"/>
-              </a:rPr>
-              <a:t>std</a:t>
-            </a:r>
-            <a:r>
-              <a:rPr lang="en-US" altLang="zh-CN" dirty="0">
-                <a:solidFill>
-                  <a:srgbClr val="000000"/>
-                </a:solidFill>
-                <a:highlight>
-                  <a:srgbClr val="FFFFFF"/>
-                </a:highlight>
-                <a:latin typeface="新宋体" panose="02010609030101010101" pitchFamily="49" charset="-122"/>
-                <a:ea typeface="新宋体" panose="02010609030101010101" pitchFamily="49" charset="-122"/>
-              </a:rPr>
-              <a:t>::</a:t>
-            </a:r>
-            <a:r>
-              <a:rPr lang="en-US" altLang="zh-CN" dirty="0" err="1">
-                <a:solidFill>
-                  <a:srgbClr val="000000"/>
-                </a:solidFill>
-                <a:highlight>
-                  <a:srgbClr val="FFFFFF"/>
-                </a:highlight>
-                <a:latin typeface="新宋体" panose="02010609030101010101" pitchFamily="49" charset="-122"/>
-                <a:ea typeface="新宋体" panose="02010609030101010101" pitchFamily="49" charset="-122"/>
-              </a:rPr>
-              <a:t>integral_constant</a:t>
-            </a:r>
-            <a:r>
-              <a:rPr lang="en-US" altLang="zh-CN" dirty="0">
-                <a:solidFill>
-                  <a:srgbClr val="000000"/>
-                </a:solidFill>
-                <a:highlight>
-                  <a:srgbClr val="FFFFFF"/>
-                </a:highlight>
-                <a:latin typeface="新宋体" panose="02010609030101010101" pitchFamily="49" charset="-122"/>
-                <a:ea typeface="新宋体" panose="02010609030101010101" pitchFamily="49" charset="-122"/>
-              </a:rPr>
-              <a:t>&lt;</a:t>
-            </a:r>
-            <a:r>
-              <a:rPr lang="en-US" altLang="zh-CN" dirty="0" err="1">
-                <a:solidFill>
-                  <a:srgbClr val="000000"/>
-                </a:solidFill>
-                <a:highlight>
-                  <a:srgbClr val="FFFFFF"/>
-                </a:highlight>
-                <a:latin typeface="新宋体" panose="02010609030101010101" pitchFamily="49" charset="-122"/>
-                <a:ea typeface="新宋体" panose="02010609030101010101" pitchFamily="49" charset="-122"/>
-              </a:rPr>
-              <a:t>size_t</a:t>
-            </a:r>
-            <a:r>
-              <a:rPr lang="en-US" altLang="zh-CN" dirty="0">
-                <a:solidFill>
-                  <a:srgbClr val="000000"/>
-                </a:solidFill>
-                <a:highlight>
-                  <a:srgbClr val="FFFFFF"/>
-                </a:highlight>
-                <a:latin typeface="新宋体" panose="02010609030101010101" pitchFamily="49" charset="-122"/>
-                <a:ea typeface="新宋体" panose="02010609030101010101" pitchFamily="49" charset="-122"/>
-              </a:rPr>
-              <a:t>, </a:t>
-            </a:r>
-            <a:r>
-              <a:rPr lang="en-US" altLang="zh-CN" dirty="0">
-                <a:solidFill>
-                  <a:srgbClr val="6F008A"/>
-                </a:solidFill>
-                <a:highlight>
-                  <a:srgbClr val="FFFFFF"/>
-                </a:highlight>
-                <a:latin typeface="新宋体" panose="02010609030101010101" pitchFamily="49" charset="-122"/>
-                <a:ea typeface="新宋体" panose="02010609030101010101" pitchFamily="49" charset="-122"/>
-              </a:rPr>
-              <a:t>GET_ARG_COUNT</a:t>
-            </a:r>
-            <a:r>
-              <a:rPr lang="en-US" altLang="zh-CN" dirty="0">
-                <a:solidFill>
-                  <a:srgbClr val="000000"/>
-                </a:solidFill>
-                <a:highlight>
-                  <a:srgbClr val="FFFFFF"/>
-                </a:highlight>
-                <a:latin typeface="新宋体" panose="02010609030101010101" pitchFamily="49" charset="-122"/>
-                <a:ea typeface="新宋体" panose="02010609030101010101" pitchFamily="49" charset="-122"/>
-              </a:rPr>
-              <a:t>(__VA_ARGS</a:t>
-            </a:r>
-            <a:r>
-              <a:rPr lang="en-US" altLang="zh-CN" dirty="0" smtClean="0">
-                <a:solidFill>
-                  <a:srgbClr val="000000"/>
-                </a:solidFill>
-                <a:highlight>
-                  <a:srgbClr val="FFFFFF"/>
-                </a:highlight>
-                <a:latin typeface="新宋体" panose="02010609030101010101" pitchFamily="49" charset="-122"/>
-                <a:ea typeface="新宋体" panose="02010609030101010101" pitchFamily="49" charset="-122"/>
-              </a:rPr>
-              <a:t>__)&gt;;\</a:t>
-            </a:r>
-            <a:endParaRPr lang="en-US" altLang="zh-CN" dirty="0">
-              <a:solidFill>
-                <a:srgbClr val="000000"/>
-              </a:solidFill>
-              <a:highlight>
-                <a:srgbClr val="FFFFFF"/>
-              </a:highlight>
-              <a:latin typeface="新宋体" panose="02010609030101010101" pitchFamily="49" charset="-122"/>
-              <a:ea typeface="新宋体" panose="02010609030101010101" pitchFamily="49" charset="-122"/>
-            </a:endParaRPr>
-          </a:p>
-          <a:p>
-            <a:r>
-              <a:rPr lang="en-US" altLang="zh-CN" dirty="0">
-                <a:solidFill>
-                  <a:srgbClr val="0000FF"/>
-                </a:solidFill>
-                <a:highlight>
-                  <a:srgbClr val="FFFFFF"/>
-                </a:highlight>
-                <a:latin typeface="新宋体" panose="02010609030101010101" pitchFamily="49" charset="-122"/>
-                <a:ea typeface="新宋体" panose="02010609030101010101" pitchFamily="49" charset="-122"/>
-              </a:rPr>
-              <a:t> </a:t>
-            </a:r>
-            <a:r>
-              <a:rPr lang="en-US" altLang="zh-CN" dirty="0" smtClean="0">
-                <a:solidFill>
-                  <a:srgbClr val="0000FF"/>
-                </a:solidFill>
-                <a:highlight>
-                  <a:srgbClr val="FFFFFF"/>
-                </a:highlight>
-                <a:latin typeface="新宋体" panose="02010609030101010101" pitchFamily="49" charset="-122"/>
-                <a:ea typeface="新宋体" panose="02010609030101010101" pitchFamily="49" charset="-122"/>
-              </a:rPr>
-              <a:t>   </a:t>
-            </a:r>
-            <a:r>
-              <a:rPr lang="en-US" altLang="zh-CN" dirty="0" err="1" smtClean="0">
-                <a:solidFill>
-                  <a:srgbClr val="0000FF"/>
-                </a:solidFill>
-                <a:highlight>
-                  <a:srgbClr val="FFFFFF"/>
-                </a:highlight>
-                <a:latin typeface="新宋体" panose="02010609030101010101" pitchFamily="49" charset="-122"/>
-                <a:ea typeface="新宋体" panose="02010609030101010101" pitchFamily="49" charset="-122"/>
-              </a:rPr>
-              <a:t>constexpr</a:t>
-            </a:r>
-            <a:r>
-              <a:rPr lang="en-US" altLang="zh-CN" dirty="0" smtClean="0">
-                <a:solidFill>
-                  <a:srgbClr val="000000"/>
-                </a:solidFill>
-                <a:highlight>
-                  <a:srgbClr val="FFFFFF"/>
-                </a:highlight>
-                <a:latin typeface="新宋体" panose="02010609030101010101" pitchFamily="49" charset="-122"/>
-                <a:ea typeface="新宋体" panose="02010609030101010101" pitchFamily="49" charset="-122"/>
-              </a:rPr>
-              <a:t> </a:t>
-            </a:r>
-            <a:r>
-              <a:rPr lang="en-US" altLang="zh-CN" dirty="0">
-                <a:solidFill>
-                  <a:srgbClr val="0000FF"/>
-                </a:solidFill>
-                <a:highlight>
-                  <a:srgbClr val="FFFFFF"/>
-                </a:highlight>
-                <a:latin typeface="新宋体" panose="02010609030101010101" pitchFamily="49" charset="-122"/>
-                <a:ea typeface="新宋体" panose="02010609030101010101" pitchFamily="49" charset="-122"/>
-              </a:rPr>
-              <a:t>static</a:t>
-            </a:r>
-            <a:r>
-              <a:rPr lang="en-US" altLang="zh-CN" dirty="0">
-                <a:solidFill>
-                  <a:srgbClr val="000000"/>
-                </a:solidFill>
-                <a:highlight>
-                  <a:srgbClr val="FFFFFF"/>
-                </a:highlight>
-                <a:latin typeface="新宋体" panose="02010609030101010101" pitchFamily="49" charset="-122"/>
-                <a:ea typeface="新宋体" panose="02010609030101010101" pitchFamily="49" charset="-122"/>
-              </a:rPr>
-              <a:t> </a:t>
-            </a:r>
-            <a:r>
-              <a:rPr lang="en-US" altLang="zh-CN" dirty="0" err="1">
-                <a:solidFill>
-                  <a:srgbClr val="000000"/>
-                </a:solidFill>
-                <a:highlight>
-                  <a:srgbClr val="FFFFFF"/>
-                </a:highlight>
-                <a:latin typeface="新宋体" panose="02010609030101010101" pitchFamily="49" charset="-122"/>
-                <a:ea typeface="新宋体" panose="02010609030101010101" pitchFamily="49" charset="-122"/>
-              </a:rPr>
-              <a:t>size_t</a:t>
-            </a:r>
-            <a:r>
-              <a:rPr lang="en-US" altLang="zh-CN" dirty="0">
-                <a:solidFill>
-                  <a:srgbClr val="000000"/>
-                </a:solidFill>
-                <a:highlight>
-                  <a:srgbClr val="FFFFFF"/>
-                </a:highlight>
-                <a:latin typeface="新宋体" panose="02010609030101010101" pitchFamily="49" charset="-122"/>
-                <a:ea typeface="新宋体" panose="02010609030101010101" pitchFamily="49" charset="-122"/>
-              </a:rPr>
-              <a:t> value() { </a:t>
-            </a:r>
-            <a:r>
-              <a:rPr lang="en-US" altLang="zh-CN" dirty="0">
-                <a:solidFill>
-                  <a:srgbClr val="0000FF"/>
-                </a:solidFill>
-                <a:highlight>
-                  <a:srgbClr val="FFFFFF"/>
-                </a:highlight>
-                <a:latin typeface="新宋体" panose="02010609030101010101" pitchFamily="49" charset="-122"/>
-                <a:ea typeface="新宋体" panose="02010609030101010101" pitchFamily="49" charset="-122"/>
-              </a:rPr>
-              <a:t>return</a:t>
-            </a:r>
-            <a:r>
-              <a:rPr lang="en-US" altLang="zh-CN" dirty="0">
-                <a:solidFill>
-                  <a:srgbClr val="000000"/>
-                </a:solidFill>
-                <a:highlight>
-                  <a:srgbClr val="FFFFFF"/>
-                </a:highlight>
-                <a:latin typeface="新宋体" panose="02010609030101010101" pitchFamily="49" charset="-122"/>
-                <a:ea typeface="新宋体" panose="02010609030101010101" pitchFamily="49" charset="-122"/>
-              </a:rPr>
-              <a:t> </a:t>
-            </a:r>
-            <a:r>
-              <a:rPr lang="en-US" altLang="zh-CN" dirty="0" err="1">
-                <a:solidFill>
-                  <a:srgbClr val="000000"/>
-                </a:solidFill>
-                <a:highlight>
-                  <a:srgbClr val="FFFFFF"/>
-                </a:highlight>
-                <a:latin typeface="新宋体" panose="02010609030101010101" pitchFamily="49" charset="-122"/>
-                <a:ea typeface="新宋体" panose="02010609030101010101" pitchFamily="49" charset="-122"/>
-              </a:rPr>
-              <a:t>size_type</a:t>
-            </a:r>
-            <a:r>
-              <a:rPr lang="en-US" altLang="zh-CN" dirty="0">
-                <a:solidFill>
-                  <a:srgbClr val="000000"/>
-                </a:solidFill>
-                <a:highlight>
-                  <a:srgbClr val="FFFFFF"/>
-                </a:highlight>
-                <a:latin typeface="新宋体" panose="02010609030101010101" pitchFamily="49" charset="-122"/>
-                <a:ea typeface="新宋体" panose="02010609030101010101" pitchFamily="49" charset="-122"/>
-              </a:rPr>
-              <a:t>::value; </a:t>
-            </a:r>
-            <a:r>
-              <a:rPr lang="en-US" altLang="zh-CN" dirty="0" smtClean="0">
-                <a:solidFill>
-                  <a:srgbClr val="000000"/>
-                </a:solidFill>
-                <a:highlight>
-                  <a:srgbClr val="FFFFFF"/>
-                </a:highlight>
-                <a:latin typeface="新宋体" panose="02010609030101010101" pitchFamily="49" charset="-122"/>
-                <a:ea typeface="新宋体" panose="02010609030101010101" pitchFamily="49" charset="-122"/>
-              </a:rPr>
-              <a:t>}\</a:t>
-            </a:r>
-          </a:p>
-          <a:p>
-            <a:r>
-              <a:rPr lang="en-US" altLang="zh-CN" dirty="0" smtClean="0">
-                <a:solidFill>
-                  <a:srgbClr val="0000FF"/>
-                </a:solidFill>
-                <a:highlight>
-                  <a:srgbClr val="FFFFFF"/>
-                </a:highlight>
-                <a:latin typeface="新宋体" panose="02010609030101010101" pitchFamily="49" charset="-122"/>
-                <a:ea typeface="新宋体" panose="02010609030101010101" pitchFamily="49" charset="-122"/>
-              </a:rPr>
-              <a:t>    </a:t>
-            </a:r>
-            <a:r>
-              <a:rPr lang="en-US" altLang="zh-CN" dirty="0" err="1" smtClean="0">
-                <a:solidFill>
-                  <a:srgbClr val="0000FF"/>
-                </a:solidFill>
-                <a:highlight>
-                  <a:srgbClr val="FFFFFF"/>
-                </a:highlight>
-                <a:latin typeface="新宋体" panose="02010609030101010101" pitchFamily="49" charset="-122"/>
-                <a:ea typeface="新宋体" panose="02010609030101010101" pitchFamily="49" charset="-122"/>
-              </a:rPr>
-              <a:t>constexpr</a:t>
-            </a:r>
-            <a:r>
-              <a:rPr lang="en-US" altLang="zh-CN" dirty="0" smtClean="0">
-                <a:solidFill>
-                  <a:srgbClr val="000000"/>
-                </a:solidFill>
-                <a:highlight>
-                  <a:srgbClr val="FFFFFF"/>
-                </a:highlight>
-                <a:latin typeface="新宋体" panose="02010609030101010101" pitchFamily="49" charset="-122"/>
-                <a:ea typeface="新宋体" panose="02010609030101010101" pitchFamily="49" charset="-122"/>
-              </a:rPr>
-              <a:t> </a:t>
-            </a:r>
-            <a:r>
-              <a:rPr lang="en-US" altLang="zh-CN" dirty="0">
-                <a:solidFill>
-                  <a:srgbClr val="0000FF"/>
-                </a:solidFill>
-                <a:highlight>
-                  <a:srgbClr val="FFFFFF"/>
-                </a:highlight>
-                <a:latin typeface="新宋体" panose="02010609030101010101" pitchFamily="49" charset="-122"/>
-                <a:ea typeface="新宋体" panose="02010609030101010101" pitchFamily="49" charset="-122"/>
-              </a:rPr>
-              <a:t>static</a:t>
-            </a:r>
-            <a:r>
-              <a:rPr lang="en-US" altLang="zh-CN" dirty="0">
-                <a:solidFill>
-                  <a:srgbClr val="000000"/>
-                </a:solidFill>
-                <a:highlight>
-                  <a:srgbClr val="FFFFFF"/>
-                </a:highlight>
-                <a:latin typeface="新宋体" panose="02010609030101010101" pitchFamily="49" charset="-122"/>
-                <a:ea typeface="新宋体" panose="02010609030101010101" pitchFamily="49" charset="-122"/>
-              </a:rPr>
-              <a:t> </a:t>
-            </a:r>
-            <a:r>
-              <a:rPr lang="en-US" altLang="zh-CN" dirty="0" err="1">
-                <a:solidFill>
-                  <a:srgbClr val="000000"/>
-                </a:solidFill>
-                <a:highlight>
-                  <a:srgbClr val="FFFFFF"/>
-                </a:highlight>
-                <a:latin typeface="新宋体" panose="02010609030101010101" pitchFamily="49" charset="-122"/>
-                <a:ea typeface="新宋体" panose="02010609030101010101" pitchFamily="49" charset="-122"/>
-              </a:rPr>
-              <a:t>std</a:t>
-            </a:r>
-            <a:r>
-              <a:rPr lang="en-US" altLang="zh-CN" dirty="0">
-                <a:solidFill>
-                  <a:srgbClr val="000000"/>
-                </a:solidFill>
-                <a:highlight>
-                  <a:srgbClr val="FFFFFF"/>
-                </a:highlight>
-                <a:latin typeface="新宋体" panose="02010609030101010101" pitchFamily="49" charset="-122"/>
-                <a:ea typeface="新宋体" panose="02010609030101010101" pitchFamily="49" charset="-122"/>
-              </a:rPr>
-              <a:t>::</a:t>
-            </a:r>
-            <a:r>
-              <a:rPr lang="en-US" altLang="zh-CN" dirty="0" err="1">
-                <a:solidFill>
-                  <a:srgbClr val="000000"/>
-                </a:solidFill>
-                <a:highlight>
-                  <a:srgbClr val="FFFFFF"/>
-                </a:highlight>
-                <a:latin typeface="新宋体" panose="02010609030101010101" pitchFamily="49" charset="-122"/>
-                <a:ea typeface="新宋体" panose="02010609030101010101" pitchFamily="49" charset="-122"/>
-              </a:rPr>
-              <a:t>string_view</a:t>
-            </a:r>
-            <a:r>
-              <a:rPr lang="en-US" altLang="zh-CN" dirty="0">
-                <a:solidFill>
-                  <a:srgbClr val="000000"/>
-                </a:solidFill>
-                <a:highlight>
-                  <a:srgbClr val="FFFFFF"/>
-                </a:highlight>
-                <a:latin typeface="新宋体" panose="02010609030101010101" pitchFamily="49" charset="-122"/>
-                <a:ea typeface="新宋体" panose="02010609030101010101" pitchFamily="49" charset="-122"/>
-              </a:rPr>
-              <a:t> name() {\</a:t>
-            </a:r>
-          </a:p>
-          <a:p>
-            <a:r>
-              <a:rPr lang="en-US" altLang="zh-CN" dirty="0">
-                <a:solidFill>
-                  <a:srgbClr val="000000"/>
-                </a:solidFill>
-                <a:highlight>
-                  <a:srgbClr val="FFFFFF"/>
-                </a:highlight>
-                <a:latin typeface="新宋体" panose="02010609030101010101" pitchFamily="49" charset="-122"/>
-                <a:ea typeface="新宋体" panose="02010609030101010101" pitchFamily="49" charset="-122"/>
-              </a:rPr>
-              <a:t>        </a:t>
-            </a:r>
-            <a:r>
-              <a:rPr lang="en-US" altLang="zh-CN" dirty="0">
-                <a:solidFill>
-                  <a:srgbClr val="0000FF"/>
-                </a:solidFill>
-                <a:highlight>
-                  <a:srgbClr val="FFFFFF"/>
-                </a:highlight>
-                <a:latin typeface="新宋体" panose="02010609030101010101" pitchFamily="49" charset="-122"/>
-                <a:ea typeface="新宋体" panose="02010609030101010101" pitchFamily="49" charset="-122"/>
-              </a:rPr>
-              <a:t>return</a:t>
-            </a:r>
-            <a:r>
-              <a:rPr lang="en-US" altLang="zh-CN" dirty="0">
-                <a:solidFill>
-                  <a:srgbClr val="000000"/>
-                </a:solidFill>
-                <a:highlight>
-                  <a:srgbClr val="FFFFFF"/>
-                </a:highlight>
-                <a:latin typeface="新宋体" panose="02010609030101010101" pitchFamily="49" charset="-122"/>
-                <a:ea typeface="新宋体" panose="02010609030101010101" pitchFamily="49" charset="-122"/>
-              </a:rPr>
-              <a:t> </a:t>
-            </a:r>
-            <a:r>
-              <a:rPr lang="en-US" altLang="zh-CN" dirty="0" err="1">
-                <a:solidFill>
-                  <a:srgbClr val="000000"/>
-                </a:solidFill>
-                <a:highlight>
-                  <a:srgbClr val="FFFFFF"/>
-                </a:highlight>
-                <a:latin typeface="新宋体" panose="02010609030101010101" pitchFamily="49" charset="-122"/>
-                <a:ea typeface="新宋体" panose="02010609030101010101" pitchFamily="49" charset="-122"/>
-              </a:rPr>
-              <a:t>std</a:t>
-            </a:r>
-            <a:r>
-              <a:rPr lang="en-US" altLang="zh-CN" dirty="0">
-                <a:solidFill>
-                  <a:srgbClr val="000000"/>
-                </a:solidFill>
-                <a:highlight>
-                  <a:srgbClr val="FFFFFF"/>
-                </a:highlight>
-                <a:latin typeface="新宋体" panose="02010609030101010101" pitchFamily="49" charset="-122"/>
-                <a:ea typeface="新宋体" panose="02010609030101010101" pitchFamily="49" charset="-122"/>
-              </a:rPr>
-              <a:t>::</a:t>
-            </a:r>
-            <a:r>
-              <a:rPr lang="en-US" altLang="zh-CN" dirty="0" err="1">
-                <a:solidFill>
-                  <a:srgbClr val="000000"/>
-                </a:solidFill>
-                <a:highlight>
-                  <a:srgbClr val="FFFFFF"/>
-                </a:highlight>
-                <a:latin typeface="新宋体" panose="02010609030101010101" pitchFamily="49" charset="-122"/>
-                <a:ea typeface="新宋体" panose="02010609030101010101" pitchFamily="49" charset="-122"/>
-              </a:rPr>
-              <a:t>string_view</a:t>
-            </a:r>
-            <a:r>
-              <a:rPr lang="en-US" altLang="zh-CN" dirty="0">
-                <a:solidFill>
-                  <a:srgbClr val="000000"/>
-                </a:solidFill>
-                <a:highlight>
-                  <a:srgbClr val="FFFFFF"/>
-                </a:highlight>
-                <a:latin typeface="新宋体" panose="02010609030101010101" pitchFamily="49" charset="-122"/>
-                <a:ea typeface="新宋体" panose="02010609030101010101" pitchFamily="49" charset="-122"/>
-              </a:rPr>
-              <a:t>(#STRUCT_NAME, </a:t>
-            </a:r>
-            <a:r>
-              <a:rPr lang="en-US" altLang="zh-CN" dirty="0" err="1">
-                <a:solidFill>
-                  <a:srgbClr val="0000FF"/>
-                </a:solidFill>
-                <a:highlight>
-                  <a:srgbClr val="FFFFFF"/>
-                </a:highlight>
-                <a:latin typeface="新宋体" panose="02010609030101010101" pitchFamily="49" charset="-122"/>
-                <a:ea typeface="新宋体" panose="02010609030101010101" pitchFamily="49" charset="-122"/>
-              </a:rPr>
-              <a:t>sizeof</a:t>
-            </a:r>
-            <a:r>
-              <a:rPr lang="en-US" altLang="zh-CN" dirty="0">
-                <a:solidFill>
-                  <a:srgbClr val="000000"/>
-                </a:solidFill>
-                <a:highlight>
-                  <a:srgbClr val="FFFFFF"/>
-                </a:highlight>
-                <a:latin typeface="新宋体" panose="02010609030101010101" pitchFamily="49" charset="-122"/>
-                <a:ea typeface="新宋体" panose="02010609030101010101" pitchFamily="49" charset="-122"/>
-              </a:rPr>
-              <a:t>(#STRUCT_NAME));\</a:t>
-            </a:r>
-          </a:p>
-          <a:p>
-            <a:r>
-              <a:rPr lang="en-US" altLang="zh-CN" dirty="0">
-                <a:solidFill>
-                  <a:srgbClr val="000000"/>
-                </a:solidFill>
-                <a:highlight>
-                  <a:srgbClr val="FFFFFF"/>
-                </a:highlight>
-                <a:latin typeface="新宋体" panose="02010609030101010101" pitchFamily="49" charset="-122"/>
-                <a:ea typeface="新宋体" panose="02010609030101010101" pitchFamily="49" charset="-122"/>
-              </a:rPr>
-              <a:t>    </a:t>
-            </a:r>
-            <a:r>
-              <a:rPr lang="en-US" altLang="zh-CN" dirty="0" smtClean="0">
-                <a:solidFill>
-                  <a:srgbClr val="000000"/>
-                </a:solidFill>
-                <a:highlight>
-                  <a:srgbClr val="FFFFFF"/>
-                </a:highlight>
-                <a:latin typeface="新宋体" panose="02010609030101010101" pitchFamily="49" charset="-122"/>
-                <a:ea typeface="新宋体" panose="02010609030101010101" pitchFamily="49" charset="-122"/>
-              </a:rPr>
-              <a:t>}\</a:t>
-            </a:r>
-            <a:endParaRPr lang="en-US" altLang="zh-CN" dirty="0">
-              <a:solidFill>
-                <a:srgbClr val="000000"/>
-              </a:solidFill>
-              <a:highlight>
-                <a:srgbClr val="FFFFFF"/>
-              </a:highlight>
-              <a:latin typeface="新宋体" panose="02010609030101010101" pitchFamily="49" charset="-122"/>
-              <a:ea typeface="新宋体" panose="02010609030101010101" pitchFamily="49" charset="-122"/>
-            </a:endParaRPr>
-          </a:p>
-          <a:p>
-            <a:r>
-              <a:rPr lang="en-US" altLang="zh-CN" dirty="0">
-                <a:solidFill>
-                  <a:srgbClr val="000000"/>
-                </a:solidFill>
-                <a:highlight>
-                  <a:srgbClr val="FFFFFF"/>
-                </a:highlight>
-                <a:latin typeface="新宋体" panose="02010609030101010101" pitchFamily="49" charset="-122"/>
-                <a:ea typeface="新宋体" panose="02010609030101010101" pitchFamily="49" charset="-122"/>
-              </a:rPr>
-              <a:t>    </a:t>
-            </a:r>
-            <a:r>
-              <a:rPr lang="en-US" altLang="zh-CN" dirty="0" err="1">
-                <a:solidFill>
-                  <a:srgbClr val="0000FF"/>
-                </a:solidFill>
-                <a:highlight>
-                  <a:srgbClr val="FFFFFF"/>
-                </a:highlight>
-                <a:latin typeface="新宋体" panose="02010609030101010101" pitchFamily="49" charset="-122"/>
-                <a:ea typeface="新宋体" panose="02010609030101010101" pitchFamily="49" charset="-122"/>
-              </a:rPr>
-              <a:t>constexpr</a:t>
-            </a:r>
-            <a:r>
-              <a:rPr lang="en-US" altLang="zh-CN" dirty="0">
-                <a:solidFill>
-                  <a:srgbClr val="000000"/>
-                </a:solidFill>
-                <a:highlight>
-                  <a:srgbClr val="FFFFFF"/>
-                </a:highlight>
-                <a:latin typeface="新宋体" panose="02010609030101010101" pitchFamily="49" charset="-122"/>
-                <a:ea typeface="新宋体" panose="02010609030101010101" pitchFamily="49" charset="-122"/>
-              </a:rPr>
-              <a:t> </a:t>
-            </a:r>
-            <a:r>
-              <a:rPr lang="en-US" altLang="zh-CN" dirty="0">
-                <a:solidFill>
-                  <a:srgbClr val="0000FF"/>
-                </a:solidFill>
-                <a:highlight>
-                  <a:srgbClr val="FFFFFF"/>
-                </a:highlight>
-                <a:latin typeface="新宋体" panose="02010609030101010101" pitchFamily="49" charset="-122"/>
-                <a:ea typeface="新宋体" panose="02010609030101010101" pitchFamily="49" charset="-122"/>
-              </a:rPr>
-              <a:t>static</a:t>
-            </a:r>
-            <a:r>
-              <a:rPr lang="en-US" altLang="zh-CN" dirty="0">
-                <a:solidFill>
-                  <a:srgbClr val="000000"/>
-                </a:solidFill>
-                <a:highlight>
-                  <a:srgbClr val="FFFFFF"/>
-                </a:highlight>
-                <a:latin typeface="新宋体" panose="02010609030101010101" pitchFamily="49" charset="-122"/>
-                <a:ea typeface="新宋体" panose="02010609030101010101" pitchFamily="49" charset="-122"/>
-              </a:rPr>
-              <a:t> </a:t>
-            </a:r>
-            <a:r>
-              <a:rPr lang="en-US" altLang="zh-CN" dirty="0" err="1">
-                <a:solidFill>
-                  <a:srgbClr val="000000"/>
-                </a:solidFill>
-                <a:highlight>
-                  <a:srgbClr val="FFFFFF"/>
-                </a:highlight>
-                <a:latin typeface="新宋体" panose="02010609030101010101" pitchFamily="49" charset="-122"/>
-                <a:ea typeface="新宋体" panose="02010609030101010101" pitchFamily="49" charset="-122"/>
-              </a:rPr>
-              <a:t>std</a:t>
-            </a:r>
-            <a:r>
-              <a:rPr lang="en-US" altLang="zh-CN" dirty="0">
-                <a:solidFill>
-                  <a:srgbClr val="000000"/>
-                </a:solidFill>
-                <a:highlight>
-                  <a:srgbClr val="FFFFFF"/>
-                </a:highlight>
-                <a:latin typeface="新宋体" panose="02010609030101010101" pitchFamily="49" charset="-122"/>
-                <a:ea typeface="新宋体" panose="02010609030101010101" pitchFamily="49" charset="-122"/>
-              </a:rPr>
-              <a:t>::</a:t>
-            </a:r>
-            <a:r>
-              <a:rPr lang="en-US" altLang="zh-CN" dirty="0">
-                <a:solidFill>
-                  <a:srgbClr val="0000FF"/>
-                </a:solidFill>
-                <a:highlight>
-                  <a:srgbClr val="FFFFFF"/>
-                </a:highlight>
-                <a:latin typeface="新宋体" panose="02010609030101010101" pitchFamily="49" charset="-122"/>
-                <a:ea typeface="新宋体" panose="02010609030101010101" pitchFamily="49" charset="-122"/>
-              </a:rPr>
-              <a:t>array</a:t>
-            </a:r>
-            <a:r>
-              <a:rPr lang="en-US" altLang="zh-CN" dirty="0">
-                <a:solidFill>
-                  <a:srgbClr val="000000"/>
-                </a:solidFill>
-                <a:highlight>
-                  <a:srgbClr val="FFFFFF"/>
-                </a:highlight>
-                <a:latin typeface="新宋体" panose="02010609030101010101" pitchFamily="49" charset="-122"/>
-                <a:ea typeface="新宋体" panose="02010609030101010101" pitchFamily="49" charset="-122"/>
-              </a:rPr>
-              <a:t>&lt;</a:t>
-            </a:r>
-            <a:r>
-              <a:rPr lang="en-US" altLang="zh-CN" dirty="0" err="1">
-                <a:solidFill>
-                  <a:srgbClr val="000000"/>
-                </a:solidFill>
-                <a:highlight>
-                  <a:srgbClr val="FFFFFF"/>
-                </a:highlight>
-                <a:latin typeface="新宋体" panose="02010609030101010101" pitchFamily="49" charset="-122"/>
-                <a:ea typeface="新宋体" panose="02010609030101010101" pitchFamily="49" charset="-122"/>
-              </a:rPr>
-              <a:t>std</a:t>
-            </a:r>
-            <a:r>
-              <a:rPr lang="en-US" altLang="zh-CN" dirty="0">
-                <a:solidFill>
-                  <a:srgbClr val="000000"/>
-                </a:solidFill>
-                <a:highlight>
-                  <a:srgbClr val="FFFFFF"/>
-                </a:highlight>
-                <a:latin typeface="新宋体" panose="02010609030101010101" pitchFamily="49" charset="-122"/>
-                <a:ea typeface="新宋体" panose="02010609030101010101" pitchFamily="49" charset="-122"/>
-              </a:rPr>
-              <a:t>::</a:t>
-            </a:r>
-            <a:r>
-              <a:rPr lang="en-US" altLang="zh-CN" dirty="0" err="1">
-                <a:solidFill>
-                  <a:srgbClr val="000000"/>
-                </a:solidFill>
-                <a:highlight>
-                  <a:srgbClr val="FFFFFF"/>
-                </a:highlight>
-                <a:latin typeface="新宋体" panose="02010609030101010101" pitchFamily="49" charset="-122"/>
-                <a:ea typeface="新宋体" panose="02010609030101010101" pitchFamily="49" charset="-122"/>
-              </a:rPr>
-              <a:t>string_view</a:t>
-            </a:r>
-            <a:r>
-              <a:rPr lang="en-US" altLang="zh-CN" dirty="0">
-                <a:solidFill>
-                  <a:srgbClr val="000000"/>
-                </a:solidFill>
-                <a:highlight>
-                  <a:srgbClr val="FFFFFF"/>
-                </a:highlight>
-                <a:latin typeface="新宋体" panose="02010609030101010101" pitchFamily="49" charset="-122"/>
-                <a:ea typeface="新宋体" panose="02010609030101010101" pitchFamily="49" charset="-122"/>
-              </a:rPr>
-              <a:t>, </a:t>
-            </a:r>
-            <a:r>
-              <a:rPr lang="en-US" altLang="zh-CN" dirty="0" err="1">
-                <a:solidFill>
-                  <a:srgbClr val="000000"/>
-                </a:solidFill>
-                <a:highlight>
-                  <a:srgbClr val="FFFFFF"/>
-                </a:highlight>
-                <a:latin typeface="新宋体" panose="02010609030101010101" pitchFamily="49" charset="-122"/>
-                <a:ea typeface="新宋体" panose="02010609030101010101" pitchFamily="49" charset="-122"/>
-              </a:rPr>
-              <a:t>size_type</a:t>
-            </a:r>
-            <a:r>
-              <a:rPr lang="en-US" altLang="zh-CN" dirty="0">
-                <a:solidFill>
-                  <a:srgbClr val="000000"/>
-                </a:solidFill>
-                <a:highlight>
-                  <a:srgbClr val="FFFFFF"/>
-                </a:highlight>
-                <a:latin typeface="新宋体" panose="02010609030101010101" pitchFamily="49" charset="-122"/>
-                <a:ea typeface="新宋体" panose="02010609030101010101" pitchFamily="49" charset="-122"/>
-              </a:rPr>
-              <a:t>::value&gt; </a:t>
-            </a:r>
-            <a:r>
-              <a:rPr lang="en-US" altLang="zh-CN" dirty="0" err="1">
-                <a:solidFill>
-                  <a:srgbClr val="000000"/>
-                </a:solidFill>
-                <a:highlight>
-                  <a:srgbClr val="FFFFFF"/>
-                </a:highlight>
-                <a:latin typeface="新宋体" panose="02010609030101010101" pitchFamily="49" charset="-122"/>
-                <a:ea typeface="新宋体" panose="02010609030101010101" pitchFamily="49" charset="-122"/>
-              </a:rPr>
-              <a:t>arr</a:t>
-            </a:r>
-            <a:r>
-              <a:rPr lang="en-US" altLang="zh-CN" dirty="0">
-                <a:solidFill>
-                  <a:srgbClr val="000000"/>
-                </a:solidFill>
-                <a:highlight>
-                  <a:srgbClr val="FFFFFF"/>
-                </a:highlight>
-                <a:latin typeface="新宋体" panose="02010609030101010101" pitchFamily="49" charset="-122"/>
-                <a:ea typeface="新宋体" panose="02010609030101010101" pitchFamily="49" charset="-122"/>
-              </a:rPr>
-              <a:t>() </a:t>
-            </a:r>
-            <a:r>
-              <a:rPr lang="en-US" altLang="zh-CN" dirty="0" smtClean="0">
-                <a:solidFill>
-                  <a:srgbClr val="000000"/>
-                </a:solidFill>
-                <a:highlight>
-                  <a:srgbClr val="FFFFFF"/>
-                </a:highlight>
-                <a:latin typeface="新宋体" panose="02010609030101010101" pitchFamily="49" charset="-122"/>
-                <a:ea typeface="新宋体" panose="02010609030101010101" pitchFamily="49" charset="-122"/>
-              </a:rPr>
-              <a:t>{\</a:t>
-            </a:r>
-          </a:p>
-          <a:p>
-            <a:r>
-              <a:rPr lang="en-US" altLang="zh-CN" dirty="0">
-                <a:solidFill>
-                  <a:srgbClr val="000000"/>
-                </a:solidFill>
-                <a:highlight>
-                  <a:srgbClr val="FFFFFF"/>
-                </a:highlight>
-                <a:latin typeface="新宋体" panose="02010609030101010101" pitchFamily="49" charset="-122"/>
-                <a:ea typeface="新宋体" panose="02010609030101010101" pitchFamily="49" charset="-122"/>
-              </a:rPr>
-              <a:t>	</a:t>
-            </a:r>
-            <a:r>
-              <a:rPr lang="en-US" altLang="zh-CN" dirty="0" smtClean="0">
-                <a:solidFill>
-                  <a:srgbClr val="0000FF"/>
-                </a:solidFill>
-                <a:highlight>
-                  <a:srgbClr val="FFFFFF"/>
-                </a:highlight>
-                <a:latin typeface="新宋体" panose="02010609030101010101" pitchFamily="49" charset="-122"/>
-                <a:ea typeface="新宋体" panose="02010609030101010101" pitchFamily="49" charset="-122"/>
-              </a:rPr>
-              <a:t>return</a:t>
-            </a:r>
-            <a:r>
-              <a:rPr lang="en-US" altLang="zh-CN" dirty="0" smtClean="0">
-                <a:solidFill>
-                  <a:srgbClr val="000000"/>
-                </a:solidFill>
-                <a:highlight>
-                  <a:srgbClr val="FFFFFF"/>
-                </a:highlight>
-                <a:latin typeface="新宋体" panose="02010609030101010101" pitchFamily="49" charset="-122"/>
-                <a:ea typeface="新宋体" panose="02010609030101010101" pitchFamily="49" charset="-122"/>
-              </a:rPr>
-              <a:t> </a:t>
-            </a:r>
-            <a:r>
-              <a:rPr lang="en-US" altLang="zh-CN" dirty="0" err="1">
-                <a:solidFill>
-                  <a:srgbClr val="000000"/>
-                </a:solidFill>
-                <a:highlight>
-                  <a:srgbClr val="FFFFFF"/>
-                </a:highlight>
-                <a:latin typeface="新宋体" panose="02010609030101010101" pitchFamily="49" charset="-122"/>
-                <a:ea typeface="新宋体" panose="02010609030101010101" pitchFamily="49" charset="-122"/>
-              </a:rPr>
-              <a:t>arr</a:t>
-            </a:r>
-            <a:r>
-              <a:rPr lang="en-US" altLang="zh-CN" dirty="0">
-                <a:solidFill>
-                  <a:srgbClr val="000000"/>
-                </a:solidFill>
-                <a:highlight>
-                  <a:srgbClr val="FFFFFF"/>
-                </a:highlight>
-                <a:latin typeface="新宋体" panose="02010609030101010101" pitchFamily="49" charset="-122"/>
-                <a:ea typeface="新宋体" panose="02010609030101010101" pitchFamily="49" charset="-122"/>
-              </a:rPr>
-              <a:t>_##STRUCT_NAME</a:t>
-            </a:r>
-            <a:r>
-              <a:rPr lang="en-US" altLang="zh-CN" dirty="0" smtClean="0">
-                <a:solidFill>
-                  <a:srgbClr val="000000"/>
-                </a:solidFill>
-                <a:highlight>
-                  <a:srgbClr val="FFFFFF"/>
-                </a:highlight>
-                <a:latin typeface="新宋体" panose="02010609030101010101" pitchFamily="49" charset="-122"/>
-                <a:ea typeface="新宋体" panose="02010609030101010101" pitchFamily="49" charset="-122"/>
-              </a:rPr>
-              <a:t>;\</a:t>
-            </a:r>
-          </a:p>
-          <a:p>
-            <a:r>
-              <a:rPr lang="en-US" altLang="zh-CN" dirty="0">
-                <a:solidFill>
-                  <a:srgbClr val="000000"/>
-                </a:solidFill>
-                <a:highlight>
-                  <a:srgbClr val="FFFFFF"/>
-                </a:highlight>
-                <a:latin typeface="新宋体" panose="02010609030101010101" pitchFamily="49" charset="-122"/>
-                <a:ea typeface="新宋体" panose="02010609030101010101" pitchFamily="49" charset="-122"/>
-              </a:rPr>
-              <a:t> </a:t>
-            </a:r>
-            <a:r>
-              <a:rPr lang="en-US" altLang="zh-CN" dirty="0" smtClean="0">
-                <a:solidFill>
-                  <a:srgbClr val="000000"/>
-                </a:solidFill>
-                <a:highlight>
-                  <a:srgbClr val="FFFFFF"/>
-                </a:highlight>
-                <a:latin typeface="新宋体" panose="02010609030101010101" pitchFamily="49" charset="-122"/>
-                <a:ea typeface="新宋体" panose="02010609030101010101" pitchFamily="49" charset="-122"/>
-              </a:rPr>
-              <a:t>   }\</a:t>
-            </a:r>
-            <a:endParaRPr lang="en-US" altLang="zh-CN" dirty="0">
-              <a:solidFill>
-                <a:srgbClr val="000000"/>
-              </a:solidFill>
-              <a:highlight>
-                <a:srgbClr val="FFFFFF"/>
-              </a:highlight>
-              <a:latin typeface="新宋体" panose="02010609030101010101" pitchFamily="49" charset="-122"/>
-              <a:ea typeface="新宋体" panose="02010609030101010101" pitchFamily="49" charset="-122"/>
-            </a:endParaRPr>
-          </a:p>
-          <a:p>
-            <a:r>
-              <a:rPr lang="en-US" altLang="zh-CN" dirty="0">
-                <a:solidFill>
-                  <a:srgbClr val="000000"/>
-                </a:solidFill>
-                <a:highlight>
-                  <a:srgbClr val="FFFFFF"/>
-                </a:highlight>
-                <a:latin typeface="新宋体" panose="02010609030101010101" pitchFamily="49" charset="-122"/>
-                <a:ea typeface="新宋体" panose="02010609030101010101" pitchFamily="49" charset="-122"/>
-              </a:rPr>
-              <a:t>};</a:t>
-            </a:r>
-            <a:endParaRPr lang="zh-CN" altLang="en-US" dirty="0"/>
-          </a:p>
-        </p:txBody>
-      </p:sp>
-      <p:sp>
-        <p:nvSpPr>
           <p:cNvPr id="3" name="矩形 2"/>
           <p:cNvSpPr/>
           <p:nvPr/>
@@ -24170,6 +22845,1612 @@
           </a:p>
         </p:txBody>
       </p:sp>
+      <p:grpSp>
+        <p:nvGrpSpPr>
+          <p:cNvPr id="5" name="组合 4"/>
+          <p:cNvGrpSpPr/>
+          <p:nvPr/>
+        </p:nvGrpSpPr>
+        <p:grpSpPr>
+          <a:xfrm>
+            <a:off x="838199" y="646840"/>
+            <a:ext cx="10515599" cy="4801314"/>
+            <a:chOff x="838199" y="646840"/>
+            <a:chExt cx="10515599" cy="4801314"/>
+          </a:xfrm>
+        </p:grpSpPr>
+        <p:sp>
+          <p:nvSpPr>
+            <p:cNvPr id="4" name="矩形 3"/>
+            <p:cNvSpPr/>
+            <p:nvPr/>
+          </p:nvSpPr>
+          <p:spPr>
+            <a:xfrm>
+              <a:off x="838199" y="646840"/>
+              <a:ext cx="10515599" cy="4801314"/>
+            </a:xfrm>
+            <a:prstGeom prst="rect">
+              <a:avLst/>
+            </a:prstGeom>
+          </p:spPr>
+          <p:txBody>
+            <a:bodyPr wrap="square">
+              <a:spAutoFit/>
+            </a:bodyPr>
+            <a:lstStyle/>
+            <a:p>
+              <a:r>
+                <a:rPr lang="en-US" altLang="zh-CN" dirty="0">
+                  <a:solidFill>
+                    <a:srgbClr val="0000FF"/>
+                  </a:solidFill>
+                  <a:highlight>
+                    <a:srgbClr val="FFFFFF"/>
+                  </a:highlight>
+                  <a:latin typeface="新宋体" panose="02010609030101010101" pitchFamily="49" charset="-122"/>
+                  <a:ea typeface="新宋体" panose="02010609030101010101" pitchFamily="49" charset="-122"/>
+                </a:rPr>
+                <a:t>template</a:t>
+              </a:r>
+              <a:r>
+                <a:rPr lang="en-US" altLang="zh-CN" dirty="0">
+                  <a:solidFill>
+                    <a:srgbClr val="000000"/>
+                  </a:solidFill>
+                  <a:highlight>
+                    <a:srgbClr val="FFFFFF"/>
+                  </a:highlight>
+                  <a:latin typeface="新宋体" panose="02010609030101010101" pitchFamily="49" charset="-122"/>
+                  <a:ea typeface="新宋体" panose="02010609030101010101" pitchFamily="49" charset="-122"/>
+                </a:rPr>
+                <a:t>&lt;</a:t>
+              </a:r>
+              <a:r>
+                <a:rPr lang="en-US" altLang="zh-CN" dirty="0" err="1">
+                  <a:solidFill>
+                    <a:srgbClr val="0000FF"/>
+                  </a:solidFill>
+                  <a:highlight>
+                    <a:srgbClr val="FFFFFF"/>
+                  </a:highlight>
+                  <a:latin typeface="新宋体" panose="02010609030101010101" pitchFamily="49" charset="-122"/>
+                  <a:ea typeface="新宋体" panose="02010609030101010101" pitchFamily="49" charset="-122"/>
+                </a:rPr>
+                <a:t>typename</a:t>
+              </a:r>
+              <a:r>
+                <a:rPr lang="en-US" altLang="zh-CN" dirty="0">
+                  <a:solidFill>
+                    <a:srgbClr val="000000"/>
+                  </a:solidFill>
+                  <a:highlight>
+                    <a:srgbClr val="FFFFFF"/>
+                  </a:highlight>
+                  <a:latin typeface="新宋体" panose="02010609030101010101" pitchFamily="49" charset="-122"/>
+                  <a:ea typeface="新宋体" panose="02010609030101010101" pitchFamily="49" charset="-122"/>
+                </a:rPr>
+                <a:t>&gt; </a:t>
+              </a:r>
+              <a:r>
+                <a:rPr lang="en-US" altLang="zh-CN" dirty="0" err="1">
+                  <a:solidFill>
+                    <a:srgbClr val="0000FF"/>
+                  </a:solidFill>
+                  <a:highlight>
+                    <a:srgbClr val="FFFFFF"/>
+                  </a:highlight>
+                  <a:latin typeface="新宋体" panose="02010609030101010101" pitchFamily="49" charset="-122"/>
+                  <a:ea typeface="新宋体" panose="02010609030101010101" pitchFamily="49" charset="-122"/>
+                </a:rPr>
+                <a:t>struct</a:t>
+              </a:r>
+              <a:r>
+                <a:rPr lang="en-US" altLang="zh-CN" dirty="0">
+                  <a:solidFill>
+                    <a:srgbClr val="000000"/>
+                  </a:solidFill>
+                  <a:highlight>
+                    <a:srgbClr val="FFFFFF"/>
+                  </a:highlight>
+                  <a:latin typeface="新宋体" panose="02010609030101010101" pitchFamily="49" charset="-122"/>
+                  <a:ea typeface="新宋体" panose="02010609030101010101" pitchFamily="49" charset="-122"/>
+                </a:rPr>
+                <a:t> </a:t>
+              </a:r>
+              <a:r>
+                <a:rPr lang="en-US" altLang="zh-CN" dirty="0">
+                  <a:solidFill>
+                    <a:srgbClr val="2B91AF"/>
+                  </a:solidFill>
+                  <a:highlight>
+                    <a:srgbClr val="FFFFFF"/>
+                  </a:highlight>
+                  <a:latin typeface="新宋体" panose="02010609030101010101" pitchFamily="49" charset="-122"/>
+                  <a:ea typeface="新宋体" panose="02010609030101010101" pitchFamily="49" charset="-122"/>
+                </a:rPr>
+                <a:t>Members</a:t>
+              </a:r>
+              <a:r>
+                <a:rPr lang="en-US" altLang="zh-CN" dirty="0">
+                  <a:solidFill>
+                    <a:srgbClr val="000000"/>
+                  </a:solidFill>
+                  <a:highlight>
+                    <a:srgbClr val="FFFFFF"/>
+                  </a:highlight>
+                  <a:latin typeface="新宋体" panose="02010609030101010101" pitchFamily="49" charset="-122"/>
+                  <a:ea typeface="新宋体" panose="02010609030101010101" pitchFamily="49" charset="-122"/>
+                </a:rPr>
+                <a:t> {};</a:t>
+              </a:r>
+            </a:p>
+            <a:p>
+              <a:endParaRPr lang="zh-CN" altLang="en-US" dirty="0">
+                <a:solidFill>
+                  <a:srgbClr val="000000"/>
+                </a:solidFill>
+                <a:highlight>
+                  <a:srgbClr val="FFFFFF"/>
+                </a:highlight>
+                <a:latin typeface="新宋体" panose="02010609030101010101" pitchFamily="49" charset="-122"/>
+                <a:ea typeface="新宋体" panose="02010609030101010101" pitchFamily="49" charset="-122"/>
+              </a:endParaRPr>
+            </a:p>
+            <a:p>
+              <a:r>
+                <a:rPr lang="en-US" altLang="zh-CN" dirty="0">
+                  <a:solidFill>
+                    <a:srgbClr val="808080"/>
+                  </a:solidFill>
+                  <a:highlight>
+                    <a:srgbClr val="FFFFFF"/>
+                  </a:highlight>
+                  <a:latin typeface="新宋体" panose="02010609030101010101" pitchFamily="49" charset="-122"/>
+                  <a:ea typeface="新宋体" panose="02010609030101010101" pitchFamily="49" charset="-122"/>
+                </a:rPr>
+                <a:t>#define</a:t>
+              </a:r>
+              <a:r>
+                <a:rPr lang="en-US" altLang="zh-CN" dirty="0">
+                  <a:solidFill>
+                    <a:srgbClr val="000000"/>
+                  </a:solidFill>
+                  <a:highlight>
+                    <a:srgbClr val="FFFFFF"/>
+                  </a:highlight>
+                  <a:latin typeface="新宋体" panose="02010609030101010101" pitchFamily="49" charset="-122"/>
+                  <a:ea typeface="新宋体" panose="02010609030101010101" pitchFamily="49" charset="-122"/>
+                </a:rPr>
+                <a:t> </a:t>
+              </a:r>
+              <a:r>
+                <a:rPr lang="en-US" altLang="zh-CN" dirty="0">
+                  <a:solidFill>
+                    <a:srgbClr val="6F008A"/>
+                  </a:solidFill>
+                  <a:highlight>
+                    <a:srgbClr val="FFFFFF"/>
+                  </a:highlight>
+                  <a:latin typeface="新宋体" panose="02010609030101010101" pitchFamily="49" charset="-122"/>
+                  <a:ea typeface="新宋体" panose="02010609030101010101" pitchFamily="49" charset="-122"/>
+                </a:rPr>
+                <a:t>MAKE_META_DATA_IMPL</a:t>
+              </a:r>
+              <a:r>
+                <a:rPr lang="en-US" altLang="zh-CN" dirty="0">
+                  <a:solidFill>
+                    <a:srgbClr val="000000"/>
+                  </a:solidFill>
+                  <a:highlight>
+                    <a:srgbClr val="FFFFFF"/>
+                  </a:highlight>
+                  <a:latin typeface="新宋体" panose="02010609030101010101" pitchFamily="49" charset="-122"/>
+                  <a:ea typeface="新宋体" panose="02010609030101010101" pitchFamily="49" charset="-122"/>
+                </a:rPr>
+                <a:t>(STRUCT_NAME, ...)\</a:t>
+              </a:r>
+            </a:p>
+            <a:p>
+              <a:r>
+                <a:rPr lang="en-US" altLang="zh-CN" dirty="0">
+                  <a:solidFill>
+                    <a:srgbClr val="0000FF"/>
+                  </a:solidFill>
+                  <a:highlight>
+                    <a:srgbClr val="FFFFFF"/>
+                  </a:highlight>
+                  <a:latin typeface="新宋体" panose="02010609030101010101" pitchFamily="49" charset="-122"/>
+                  <a:ea typeface="新宋体" panose="02010609030101010101" pitchFamily="49" charset="-122"/>
+                </a:rPr>
+                <a:t>template</a:t>
+              </a:r>
+              <a:r>
+                <a:rPr lang="en-US" altLang="zh-CN" dirty="0">
+                  <a:solidFill>
+                    <a:srgbClr val="000000"/>
+                  </a:solidFill>
+                  <a:highlight>
+                    <a:srgbClr val="FFFFFF"/>
+                  </a:highlight>
+                  <a:latin typeface="新宋体" panose="02010609030101010101" pitchFamily="49" charset="-122"/>
+                  <a:ea typeface="新宋体" panose="02010609030101010101" pitchFamily="49" charset="-122"/>
+                </a:rPr>
+                <a:t>&lt;&gt;</a:t>
+              </a:r>
+              <a:r>
+                <a:rPr lang="en-US" altLang="zh-CN" dirty="0" err="1">
+                  <a:solidFill>
+                    <a:srgbClr val="0000FF"/>
+                  </a:solidFill>
+                  <a:highlight>
+                    <a:srgbClr val="FFFFFF"/>
+                  </a:highlight>
+                  <a:latin typeface="新宋体" panose="02010609030101010101" pitchFamily="49" charset="-122"/>
+                  <a:ea typeface="新宋体" panose="02010609030101010101" pitchFamily="49" charset="-122"/>
+                </a:rPr>
+                <a:t>struct</a:t>
+              </a:r>
+              <a:r>
+                <a:rPr lang="en-US" altLang="zh-CN" dirty="0">
+                  <a:solidFill>
+                    <a:srgbClr val="000000"/>
+                  </a:solidFill>
+                  <a:highlight>
+                    <a:srgbClr val="FFFFFF"/>
+                  </a:highlight>
+                  <a:latin typeface="新宋体" panose="02010609030101010101" pitchFamily="49" charset="-122"/>
+                  <a:ea typeface="新宋体" panose="02010609030101010101" pitchFamily="49" charset="-122"/>
+                </a:rPr>
+                <a:t> Members&lt;STRUCT_NAME&gt;{\</a:t>
+              </a:r>
+            </a:p>
+            <a:p>
+              <a:r>
+                <a:rPr lang="en-US" altLang="zh-CN" dirty="0">
+                  <a:solidFill>
+                    <a:srgbClr val="000000"/>
+                  </a:solidFill>
+                  <a:highlight>
+                    <a:srgbClr val="FFFFFF"/>
+                  </a:highlight>
+                  <a:latin typeface="新宋体" panose="02010609030101010101" pitchFamily="49" charset="-122"/>
+                  <a:ea typeface="新宋体" panose="02010609030101010101" pitchFamily="49" charset="-122"/>
+                </a:rPr>
+                <a:t>    </a:t>
+              </a:r>
+              <a:r>
+                <a:rPr lang="en-US" altLang="zh-CN" dirty="0" err="1">
+                  <a:solidFill>
+                    <a:srgbClr val="0000FF"/>
+                  </a:solidFill>
+                  <a:highlight>
+                    <a:srgbClr val="FFFFFF"/>
+                  </a:highlight>
+                  <a:latin typeface="新宋体" panose="02010609030101010101" pitchFamily="49" charset="-122"/>
+                  <a:ea typeface="新宋体" panose="02010609030101010101" pitchFamily="49" charset="-122"/>
+                </a:rPr>
+                <a:t>constexpr</a:t>
+              </a:r>
+              <a:r>
+                <a:rPr lang="en-US" altLang="zh-CN" dirty="0">
+                  <a:solidFill>
+                    <a:srgbClr val="000000"/>
+                  </a:solidFill>
+                  <a:highlight>
+                    <a:srgbClr val="FFFFFF"/>
+                  </a:highlight>
+                  <a:latin typeface="新宋体" panose="02010609030101010101" pitchFamily="49" charset="-122"/>
+                  <a:ea typeface="新宋体" panose="02010609030101010101" pitchFamily="49" charset="-122"/>
+                </a:rPr>
+                <a:t> </a:t>
+              </a:r>
+              <a:r>
+                <a:rPr lang="en-US" altLang="zh-CN" dirty="0" err="1">
+                  <a:solidFill>
+                    <a:srgbClr val="0000FF"/>
+                  </a:solidFill>
+                  <a:highlight>
+                    <a:srgbClr val="FFFFFF"/>
+                  </a:highlight>
+                  <a:latin typeface="新宋体" panose="02010609030101010101" pitchFamily="49" charset="-122"/>
+                  <a:ea typeface="新宋体" panose="02010609030101010101" pitchFamily="49" charset="-122"/>
+                </a:rPr>
+                <a:t>decltype</a:t>
+              </a:r>
+              <a:r>
+                <a:rPr lang="en-US" altLang="zh-CN" dirty="0">
+                  <a:solidFill>
+                    <a:srgbClr val="000000"/>
+                  </a:solidFill>
+                  <a:highlight>
+                    <a:srgbClr val="FFFFFF"/>
+                  </a:highlight>
+                  <a:latin typeface="新宋体" panose="02010609030101010101" pitchFamily="49" charset="-122"/>
+                  <a:ea typeface="新宋体" panose="02010609030101010101" pitchFamily="49" charset="-122"/>
+                </a:rPr>
+                <a:t>(</a:t>
+              </a:r>
+              <a:r>
+                <a:rPr lang="en-US" altLang="zh-CN" dirty="0">
+                  <a:solidFill>
+                    <a:srgbClr val="0000FF"/>
+                  </a:solidFill>
+                  <a:highlight>
+                    <a:srgbClr val="FFFFFF"/>
+                  </a:highlight>
+                  <a:latin typeface="新宋体" panose="02010609030101010101" pitchFamily="49" charset="-122"/>
+                  <a:ea typeface="新宋体" panose="02010609030101010101" pitchFamily="49" charset="-122"/>
+                </a:rPr>
+                <a:t>auto</a:t>
+              </a:r>
+              <a:r>
+                <a:rPr lang="en-US" altLang="zh-CN" dirty="0">
+                  <a:solidFill>
+                    <a:srgbClr val="000000"/>
+                  </a:solidFill>
+                  <a:highlight>
+                    <a:srgbClr val="FFFFFF"/>
+                  </a:highlight>
+                  <a:latin typeface="新宋体" panose="02010609030101010101" pitchFamily="49" charset="-122"/>
+                  <a:ea typeface="新宋体" panose="02010609030101010101" pitchFamily="49" charset="-122"/>
+                </a:rPr>
+                <a:t>) </a:t>
+              </a:r>
+              <a:r>
+                <a:rPr lang="en-US" altLang="zh-CN" dirty="0">
+                  <a:solidFill>
+                    <a:srgbClr val="0000FF"/>
+                  </a:solidFill>
+                  <a:highlight>
+                    <a:srgbClr val="FFFFFF"/>
+                  </a:highlight>
+                  <a:latin typeface="新宋体" panose="02010609030101010101" pitchFamily="49" charset="-122"/>
+                  <a:ea typeface="新宋体" panose="02010609030101010101" pitchFamily="49" charset="-122"/>
+                </a:rPr>
+                <a:t>static</a:t>
+              </a:r>
+              <a:r>
+                <a:rPr lang="en-US" altLang="zh-CN" dirty="0">
+                  <a:solidFill>
+                    <a:srgbClr val="000000"/>
+                  </a:solidFill>
+                  <a:highlight>
+                    <a:srgbClr val="FFFFFF"/>
+                  </a:highlight>
+                  <a:latin typeface="新宋体" panose="02010609030101010101" pitchFamily="49" charset="-122"/>
+                  <a:ea typeface="新宋体" panose="02010609030101010101" pitchFamily="49" charset="-122"/>
+                </a:rPr>
+                <a:t> </a:t>
+              </a:r>
+              <a:r>
+                <a:rPr lang="en-US" altLang="zh-CN" dirty="0" err="1">
+                  <a:solidFill>
+                    <a:srgbClr val="000000"/>
+                  </a:solidFill>
+                  <a:highlight>
+                    <a:srgbClr val="FFFFFF"/>
+                  </a:highlight>
+                  <a:latin typeface="新宋体" panose="02010609030101010101" pitchFamily="49" charset="-122"/>
+                  <a:ea typeface="新宋体" panose="02010609030101010101" pitchFamily="49" charset="-122"/>
+                </a:rPr>
+                <a:t>apply_impl</a:t>
+              </a:r>
+              <a:r>
+                <a:rPr lang="en-US" altLang="zh-CN" dirty="0">
+                  <a:solidFill>
+                    <a:srgbClr val="000000"/>
+                  </a:solidFill>
+                  <a:highlight>
+                    <a:srgbClr val="FFFFFF"/>
+                  </a:highlight>
+                  <a:latin typeface="新宋体" panose="02010609030101010101" pitchFamily="49" charset="-122"/>
+                  <a:ea typeface="新宋体" panose="02010609030101010101" pitchFamily="49" charset="-122"/>
+                </a:rPr>
+                <a:t>(){\</a:t>
+              </a:r>
+            </a:p>
+            <a:p>
+              <a:r>
+                <a:rPr lang="en-US" altLang="zh-CN" dirty="0">
+                  <a:solidFill>
+                    <a:srgbClr val="000000"/>
+                  </a:solidFill>
+                  <a:highlight>
+                    <a:srgbClr val="FFFFFF"/>
+                  </a:highlight>
+                  <a:latin typeface="新宋体" panose="02010609030101010101" pitchFamily="49" charset="-122"/>
+                  <a:ea typeface="新宋体" panose="02010609030101010101" pitchFamily="49" charset="-122"/>
+                </a:rPr>
+                <a:t>            </a:t>
+              </a:r>
+              <a:r>
+                <a:rPr lang="en-US" altLang="zh-CN" dirty="0">
+                  <a:solidFill>
+                    <a:srgbClr val="0000FF"/>
+                  </a:solidFill>
+                  <a:highlight>
+                    <a:srgbClr val="FFFFFF"/>
+                  </a:highlight>
+                  <a:latin typeface="新宋体" panose="02010609030101010101" pitchFamily="49" charset="-122"/>
+                  <a:ea typeface="新宋体" panose="02010609030101010101" pitchFamily="49" charset="-122"/>
+                </a:rPr>
+                <a:t>return</a:t>
+              </a:r>
+              <a:r>
+                <a:rPr lang="en-US" altLang="zh-CN" dirty="0">
+                  <a:solidFill>
+                    <a:srgbClr val="000000"/>
+                  </a:solidFill>
+                  <a:highlight>
+                    <a:srgbClr val="FFFFFF"/>
+                  </a:highlight>
+                  <a:latin typeface="新宋体" panose="02010609030101010101" pitchFamily="49" charset="-122"/>
+                  <a:ea typeface="新宋体" panose="02010609030101010101" pitchFamily="49" charset="-122"/>
+                </a:rPr>
+                <a:t> </a:t>
+              </a:r>
+              <a:r>
+                <a:rPr lang="en-US" altLang="zh-CN" dirty="0" err="1">
+                  <a:solidFill>
+                    <a:srgbClr val="000000"/>
+                  </a:solidFill>
+                  <a:highlight>
+                    <a:srgbClr val="FFFFFF"/>
+                  </a:highlight>
+                  <a:latin typeface="新宋体" panose="02010609030101010101" pitchFamily="49" charset="-122"/>
+                  <a:ea typeface="新宋体" panose="02010609030101010101" pitchFamily="49" charset="-122"/>
+                </a:rPr>
+                <a:t>std</a:t>
+              </a:r>
+              <a:r>
+                <a:rPr lang="en-US" altLang="zh-CN" dirty="0">
+                  <a:solidFill>
+                    <a:srgbClr val="000000"/>
+                  </a:solidFill>
+                  <a:highlight>
+                    <a:srgbClr val="FFFFFF"/>
+                  </a:highlight>
+                  <a:latin typeface="新宋体" panose="02010609030101010101" pitchFamily="49" charset="-122"/>
+                  <a:ea typeface="新宋体" panose="02010609030101010101" pitchFamily="49" charset="-122"/>
+                </a:rPr>
+                <a:t>::</a:t>
+              </a:r>
+              <a:r>
+                <a:rPr lang="en-US" altLang="zh-CN" dirty="0" err="1">
+                  <a:solidFill>
+                    <a:srgbClr val="000000"/>
+                  </a:solidFill>
+                  <a:highlight>
+                    <a:srgbClr val="FFFFFF"/>
+                  </a:highlight>
+                  <a:latin typeface="新宋体" panose="02010609030101010101" pitchFamily="49" charset="-122"/>
+                  <a:ea typeface="新宋体" panose="02010609030101010101" pitchFamily="49" charset="-122"/>
+                </a:rPr>
+                <a:t>make_tuple</a:t>
+              </a:r>
+              <a:r>
+                <a:rPr lang="en-US" altLang="zh-CN" dirty="0">
+                  <a:solidFill>
+                    <a:srgbClr val="000000"/>
+                  </a:solidFill>
+                  <a:highlight>
+                    <a:srgbClr val="FFFFFF"/>
+                  </a:highlight>
+                  <a:latin typeface="新宋体" panose="02010609030101010101" pitchFamily="49" charset="-122"/>
+                  <a:ea typeface="新宋体" panose="02010609030101010101" pitchFamily="49" charset="-122"/>
+                </a:rPr>
+                <a:t>(__VA_ARGS__);\</a:t>
+              </a:r>
+            </a:p>
+            <a:p>
+              <a:r>
+                <a:rPr lang="en-US" altLang="zh-CN" dirty="0" smtClean="0">
+                  <a:solidFill>
+                    <a:srgbClr val="000000"/>
+                  </a:solidFill>
+                  <a:highlight>
+                    <a:srgbClr val="FFFFFF"/>
+                  </a:highlight>
+                  <a:latin typeface="新宋体" panose="02010609030101010101" pitchFamily="49" charset="-122"/>
+                  <a:ea typeface="新宋体" panose="02010609030101010101" pitchFamily="49" charset="-122"/>
+                </a:rPr>
+                <a:t>    </a:t>
+              </a:r>
+              <a:r>
+                <a:rPr lang="en-US" altLang="zh-CN" dirty="0" smtClean="0">
+                  <a:solidFill>
+                    <a:srgbClr val="000000"/>
+                  </a:solidFill>
+                  <a:highlight>
+                    <a:srgbClr val="FFFFFF"/>
+                  </a:highlight>
+                  <a:latin typeface="新宋体" panose="02010609030101010101" pitchFamily="49" charset="-122"/>
+                  <a:ea typeface="新宋体" panose="02010609030101010101" pitchFamily="49" charset="-122"/>
+                </a:rPr>
+                <a:t>}\</a:t>
+              </a:r>
+            </a:p>
+            <a:p>
+              <a:endParaRPr lang="en-US" altLang="zh-CN" dirty="0" smtClean="0">
+                <a:solidFill>
+                  <a:srgbClr val="000000"/>
+                </a:solidFill>
+                <a:highlight>
+                  <a:srgbClr val="FFFFFF"/>
+                </a:highlight>
+                <a:latin typeface="新宋体" panose="02010609030101010101" pitchFamily="49" charset="-122"/>
+                <a:ea typeface="新宋体" panose="02010609030101010101" pitchFamily="49" charset="-122"/>
+              </a:endParaRPr>
+            </a:p>
+            <a:p>
+              <a:r>
+                <a:rPr lang="en-US" altLang="zh-CN" dirty="0" smtClean="0">
+                  <a:solidFill>
+                    <a:srgbClr val="0000FF"/>
+                  </a:solidFill>
+                  <a:highlight>
+                    <a:srgbClr val="FFFFFF"/>
+                  </a:highlight>
+                  <a:latin typeface="新宋体" panose="02010609030101010101" pitchFamily="49" charset="-122"/>
+                  <a:ea typeface="新宋体" panose="02010609030101010101" pitchFamily="49" charset="-122"/>
+                </a:rPr>
+                <a:t>    using</a:t>
+              </a:r>
+              <a:r>
+                <a:rPr lang="en-US" altLang="zh-CN" dirty="0" smtClean="0">
+                  <a:solidFill>
+                    <a:srgbClr val="000000"/>
+                  </a:solidFill>
+                  <a:highlight>
+                    <a:srgbClr val="FFFFFF"/>
+                  </a:highlight>
+                  <a:latin typeface="新宋体" panose="02010609030101010101" pitchFamily="49" charset="-122"/>
+                  <a:ea typeface="新宋体" panose="02010609030101010101" pitchFamily="49" charset="-122"/>
+                </a:rPr>
+                <a:t> </a:t>
+              </a:r>
+              <a:r>
+                <a:rPr lang="en-US" altLang="zh-CN" dirty="0" err="1" smtClean="0">
+                  <a:solidFill>
+                    <a:srgbClr val="000000"/>
+                  </a:solidFill>
+                  <a:highlight>
+                    <a:srgbClr val="FFFFFF"/>
+                  </a:highlight>
+                  <a:latin typeface="新宋体" panose="02010609030101010101" pitchFamily="49" charset="-122"/>
+                  <a:ea typeface="新宋体" panose="02010609030101010101" pitchFamily="49" charset="-122"/>
+                </a:rPr>
+                <a:t>size_type</a:t>
+              </a:r>
+              <a:r>
+                <a:rPr lang="en-US" altLang="zh-CN" dirty="0" smtClean="0">
+                  <a:solidFill>
+                    <a:srgbClr val="000000"/>
+                  </a:solidFill>
+                  <a:highlight>
+                    <a:srgbClr val="FFFFFF"/>
+                  </a:highlight>
+                  <a:latin typeface="新宋体" panose="02010609030101010101" pitchFamily="49" charset="-122"/>
+                  <a:ea typeface="新宋体" panose="02010609030101010101" pitchFamily="49" charset="-122"/>
+                </a:rPr>
+                <a:t> = </a:t>
+              </a:r>
+              <a:r>
+                <a:rPr lang="en-US" altLang="zh-CN" dirty="0" err="1" smtClean="0">
+                  <a:solidFill>
+                    <a:srgbClr val="000000"/>
+                  </a:solidFill>
+                  <a:highlight>
+                    <a:srgbClr val="FFFFFF"/>
+                  </a:highlight>
+                  <a:latin typeface="新宋体" panose="02010609030101010101" pitchFamily="49" charset="-122"/>
+                  <a:ea typeface="新宋体" panose="02010609030101010101" pitchFamily="49" charset="-122"/>
+                </a:rPr>
+                <a:t>std</a:t>
+              </a:r>
+              <a:r>
+                <a:rPr lang="en-US" altLang="zh-CN" dirty="0" smtClean="0">
+                  <a:solidFill>
+                    <a:srgbClr val="000000"/>
+                  </a:solidFill>
+                  <a:highlight>
+                    <a:srgbClr val="FFFFFF"/>
+                  </a:highlight>
+                  <a:latin typeface="新宋体" panose="02010609030101010101" pitchFamily="49" charset="-122"/>
+                  <a:ea typeface="新宋体" panose="02010609030101010101" pitchFamily="49" charset="-122"/>
+                </a:rPr>
+                <a:t>::</a:t>
+              </a:r>
+              <a:r>
+                <a:rPr lang="en-US" altLang="zh-CN" dirty="0" err="1" smtClean="0">
+                  <a:solidFill>
+                    <a:srgbClr val="000000"/>
+                  </a:solidFill>
+                  <a:highlight>
+                    <a:srgbClr val="FFFFFF"/>
+                  </a:highlight>
+                  <a:latin typeface="新宋体" panose="02010609030101010101" pitchFamily="49" charset="-122"/>
+                  <a:ea typeface="新宋体" panose="02010609030101010101" pitchFamily="49" charset="-122"/>
+                </a:rPr>
+                <a:t>integral_constant</a:t>
+              </a:r>
+              <a:r>
+                <a:rPr lang="en-US" altLang="zh-CN" dirty="0" smtClean="0">
+                  <a:solidFill>
+                    <a:srgbClr val="000000"/>
+                  </a:solidFill>
+                  <a:highlight>
+                    <a:srgbClr val="FFFFFF"/>
+                  </a:highlight>
+                  <a:latin typeface="新宋体" panose="02010609030101010101" pitchFamily="49" charset="-122"/>
+                  <a:ea typeface="新宋体" panose="02010609030101010101" pitchFamily="49" charset="-122"/>
+                </a:rPr>
+                <a:t>&lt;</a:t>
+              </a:r>
+              <a:r>
+                <a:rPr lang="en-US" altLang="zh-CN" dirty="0" err="1" smtClean="0">
+                  <a:solidFill>
+                    <a:srgbClr val="000000"/>
+                  </a:solidFill>
+                  <a:highlight>
+                    <a:srgbClr val="FFFFFF"/>
+                  </a:highlight>
+                  <a:latin typeface="新宋体" panose="02010609030101010101" pitchFamily="49" charset="-122"/>
+                  <a:ea typeface="新宋体" panose="02010609030101010101" pitchFamily="49" charset="-122"/>
+                </a:rPr>
+                <a:t>size_t</a:t>
+              </a:r>
+              <a:r>
+                <a:rPr lang="en-US" altLang="zh-CN" dirty="0" smtClean="0">
+                  <a:solidFill>
+                    <a:srgbClr val="000000"/>
+                  </a:solidFill>
+                  <a:highlight>
+                    <a:srgbClr val="FFFFFF"/>
+                  </a:highlight>
+                  <a:latin typeface="新宋体" panose="02010609030101010101" pitchFamily="49" charset="-122"/>
+                  <a:ea typeface="新宋体" panose="02010609030101010101" pitchFamily="49" charset="-122"/>
+                </a:rPr>
+                <a:t>, </a:t>
+              </a:r>
+              <a:r>
+                <a:rPr lang="en-US" altLang="zh-CN" dirty="0" smtClean="0">
+                  <a:solidFill>
+                    <a:srgbClr val="6F008A"/>
+                  </a:solidFill>
+                  <a:highlight>
+                    <a:srgbClr val="FFFFFF"/>
+                  </a:highlight>
+                  <a:latin typeface="新宋体" panose="02010609030101010101" pitchFamily="49" charset="-122"/>
+                  <a:ea typeface="新宋体" panose="02010609030101010101" pitchFamily="49" charset="-122"/>
+                </a:rPr>
+                <a:t>GET_ARG_COUNT</a:t>
+              </a:r>
+              <a:r>
+                <a:rPr lang="en-US" altLang="zh-CN" dirty="0" smtClean="0">
+                  <a:solidFill>
+                    <a:srgbClr val="000000"/>
+                  </a:solidFill>
+                  <a:highlight>
+                    <a:srgbClr val="FFFFFF"/>
+                  </a:highlight>
+                  <a:latin typeface="新宋体" panose="02010609030101010101" pitchFamily="49" charset="-122"/>
+                  <a:ea typeface="新宋体" panose="02010609030101010101" pitchFamily="49" charset="-122"/>
+                </a:rPr>
+                <a:t>(__VA_ARGS__)&gt;;\</a:t>
+              </a:r>
+            </a:p>
+            <a:p>
+              <a:r>
+                <a:rPr lang="en-US" altLang="zh-CN" dirty="0" smtClean="0">
+                  <a:solidFill>
+                    <a:srgbClr val="0000FF"/>
+                  </a:solidFill>
+                  <a:highlight>
+                    <a:srgbClr val="FFFFFF"/>
+                  </a:highlight>
+                  <a:latin typeface="新宋体" panose="02010609030101010101" pitchFamily="49" charset="-122"/>
+                  <a:ea typeface="新宋体" panose="02010609030101010101" pitchFamily="49" charset="-122"/>
+                </a:rPr>
+                <a:t>    </a:t>
+              </a:r>
+              <a:r>
+                <a:rPr lang="en-US" altLang="zh-CN" dirty="0" err="1" smtClean="0">
+                  <a:solidFill>
+                    <a:srgbClr val="0000FF"/>
+                  </a:solidFill>
+                  <a:highlight>
+                    <a:srgbClr val="FFFFFF"/>
+                  </a:highlight>
+                  <a:latin typeface="新宋体" panose="02010609030101010101" pitchFamily="49" charset="-122"/>
+                  <a:ea typeface="新宋体" panose="02010609030101010101" pitchFamily="49" charset="-122"/>
+                </a:rPr>
+                <a:t>constexpr</a:t>
+              </a:r>
+              <a:r>
+                <a:rPr lang="en-US" altLang="zh-CN" dirty="0" smtClean="0">
+                  <a:solidFill>
+                    <a:srgbClr val="000000"/>
+                  </a:solidFill>
+                  <a:highlight>
+                    <a:srgbClr val="FFFFFF"/>
+                  </a:highlight>
+                  <a:latin typeface="新宋体" panose="02010609030101010101" pitchFamily="49" charset="-122"/>
+                  <a:ea typeface="新宋体" panose="02010609030101010101" pitchFamily="49" charset="-122"/>
+                </a:rPr>
+                <a:t> </a:t>
+              </a:r>
+              <a:r>
+                <a:rPr lang="en-US" altLang="zh-CN" dirty="0">
+                  <a:solidFill>
+                    <a:srgbClr val="0000FF"/>
+                  </a:solidFill>
+                  <a:highlight>
+                    <a:srgbClr val="FFFFFF"/>
+                  </a:highlight>
+                  <a:latin typeface="新宋体" panose="02010609030101010101" pitchFamily="49" charset="-122"/>
+                  <a:ea typeface="新宋体" panose="02010609030101010101" pitchFamily="49" charset="-122"/>
+                </a:rPr>
+                <a:t>static</a:t>
+              </a:r>
+              <a:r>
+                <a:rPr lang="en-US" altLang="zh-CN" dirty="0">
+                  <a:solidFill>
+                    <a:srgbClr val="000000"/>
+                  </a:solidFill>
+                  <a:highlight>
+                    <a:srgbClr val="FFFFFF"/>
+                  </a:highlight>
+                  <a:latin typeface="新宋体" panose="02010609030101010101" pitchFamily="49" charset="-122"/>
+                  <a:ea typeface="新宋体" panose="02010609030101010101" pitchFamily="49" charset="-122"/>
+                </a:rPr>
+                <a:t> </a:t>
+              </a:r>
+              <a:r>
+                <a:rPr lang="en-US" altLang="zh-CN" dirty="0" err="1">
+                  <a:solidFill>
+                    <a:srgbClr val="000000"/>
+                  </a:solidFill>
+                  <a:highlight>
+                    <a:srgbClr val="FFFFFF"/>
+                  </a:highlight>
+                  <a:latin typeface="新宋体" panose="02010609030101010101" pitchFamily="49" charset="-122"/>
+                  <a:ea typeface="新宋体" panose="02010609030101010101" pitchFamily="49" charset="-122"/>
+                </a:rPr>
+                <a:t>size_t</a:t>
+              </a:r>
+              <a:r>
+                <a:rPr lang="en-US" altLang="zh-CN" dirty="0">
+                  <a:solidFill>
+                    <a:srgbClr val="000000"/>
+                  </a:solidFill>
+                  <a:highlight>
+                    <a:srgbClr val="FFFFFF"/>
+                  </a:highlight>
+                  <a:latin typeface="新宋体" panose="02010609030101010101" pitchFamily="49" charset="-122"/>
+                  <a:ea typeface="新宋体" panose="02010609030101010101" pitchFamily="49" charset="-122"/>
+                </a:rPr>
+                <a:t> value() { </a:t>
+              </a:r>
+              <a:r>
+                <a:rPr lang="en-US" altLang="zh-CN" dirty="0">
+                  <a:solidFill>
+                    <a:srgbClr val="0000FF"/>
+                  </a:solidFill>
+                  <a:highlight>
+                    <a:srgbClr val="FFFFFF"/>
+                  </a:highlight>
+                  <a:latin typeface="新宋体" panose="02010609030101010101" pitchFamily="49" charset="-122"/>
+                  <a:ea typeface="新宋体" panose="02010609030101010101" pitchFamily="49" charset="-122"/>
+                </a:rPr>
+                <a:t>return</a:t>
+              </a:r>
+              <a:r>
+                <a:rPr lang="en-US" altLang="zh-CN" dirty="0">
+                  <a:solidFill>
+                    <a:srgbClr val="000000"/>
+                  </a:solidFill>
+                  <a:highlight>
+                    <a:srgbClr val="FFFFFF"/>
+                  </a:highlight>
+                  <a:latin typeface="新宋体" panose="02010609030101010101" pitchFamily="49" charset="-122"/>
+                  <a:ea typeface="新宋体" panose="02010609030101010101" pitchFamily="49" charset="-122"/>
+                </a:rPr>
+                <a:t> </a:t>
+              </a:r>
+              <a:r>
+                <a:rPr lang="en-US" altLang="zh-CN" dirty="0" err="1">
+                  <a:solidFill>
+                    <a:srgbClr val="000000"/>
+                  </a:solidFill>
+                  <a:highlight>
+                    <a:srgbClr val="FFFFFF"/>
+                  </a:highlight>
+                  <a:latin typeface="新宋体" panose="02010609030101010101" pitchFamily="49" charset="-122"/>
+                  <a:ea typeface="新宋体" panose="02010609030101010101" pitchFamily="49" charset="-122"/>
+                </a:rPr>
+                <a:t>size_type</a:t>
+              </a:r>
+              <a:r>
+                <a:rPr lang="en-US" altLang="zh-CN" dirty="0">
+                  <a:solidFill>
+                    <a:srgbClr val="000000"/>
+                  </a:solidFill>
+                  <a:highlight>
+                    <a:srgbClr val="FFFFFF"/>
+                  </a:highlight>
+                  <a:latin typeface="新宋体" panose="02010609030101010101" pitchFamily="49" charset="-122"/>
+                  <a:ea typeface="新宋体" panose="02010609030101010101" pitchFamily="49" charset="-122"/>
+                </a:rPr>
+                <a:t>::value; </a:t>
+              </a:r>
+              <a:r>
+                <a:rPr lang="en-US" altLang="zh-CN" dirty="0" smtClean="0">
+                  <a:solidFill>
+                    <a:srgbClr val="000000"/>
+                  </a:solidFill>
+                  <a:highlight>
+                    <a:srgbClr val="FFFFFF"/>
+                  </a:highlight>
+                  <a:latin typeface="新宋体" panose="02010609030101010101" pitchFamily="49" charset="-122"/>
+                  <a:ea typeface="新宋体" panose="02010609030101010101" pitchFamily="49" charset="-122"/>
+                </a:rPr>
+                <a:t>}\</a:t>
+              </a:r>
+            </a:p>
+            <a:p>
+              <a:r>
+                <a:rPr lang="en-US" altLang="zh-CN" dirty="0" smtClean="0">
+                  <a:solidFill>
+                    <a:srgbClr val="0000FF"/>
+                  </a:solidFill>
+                  <a:highlight>
+                    <a:srgbClr val="FFFFFF"/>
+                  </a:highlight>
+                  <a:latin typeface="新宋体" panose="02010609030101010101" pitchFamily="49" charset="-122"/>
+                  <a:ea typeface="新宋体" panose="02010609030101010101" pitchFamily="49" charset="-122"/>
+                </a:rPr>
+                <a:t>    </a:t>
+              </a:r>
+              <a:r>
+                <a:rPr lang="en-US" altLang="zh-CN" dirty="0" err="1" smtClean="0">
+                  <a:solidFill>
+                    <a:srgbClr val="0000FF"/>
+                  </a:solidFill>
+                  <a:highlight>
+                    <a:srgbClr val="FFFFFF"/>
+                  </a:highlight>
+                  <a:latin typeface="新宋体" panose="02010609030101010101" pitchFamily="49" charset="-122"/>
+                  <a:ea typeface="新宋体" panose="02010609030101010101" pitchFamily="49" charset="-122"/>
+                </a:rPr>
+                <a:t>constexpr</a:t>
+              </a:r>
+              <a:r>
+                <a:rPr lang="en-US" altLang="zh-CN" dirty="0" smtClean="0">
+                  <a:solidFill>
+                    <a:srgbClr val="000000"/>
+                  </a:solidFill>
+                  <a:highlight>
+                    <a:srgbClr val="FFFFFF"/>
+                  </a:highlight>
+                  <a:latin typeface="新宋体" panose="02010609030101010101" pitchFamily="49" charset="-122"/>
+                  <a:ea typeface="新宋体" panose="02010609030101010101" pitchFamily="49" charset="-122"/>
+                </a:rPr>
+                <a:t> </a:t>
+              </a:r>
+              <a:r>
+                <a:rPr lang="en-US" altLang="zh-CN" dirty="0">
+                  <a:solidFill>
+                    <a:srgbClr val="0000FF"/>
+                  </a:solidFill>
+                  <a:highlight>
+                    <a:srgbClr val="FFFFFF"/>
+                  </a:highlight>
+                  <a:latin typeface="新宋体" panose="02010609030101010101" pitchFamily="49" charset="-122"/>
+                  <a:ea typeface="新宋体" panose="02010609030101010101" pitchFamily="49" charset="-122"/>
+                </a:rPr>
+                <a:t>static</a:t>
+              </a:r>
+              <a:r>
+                <a:rPr lang="en-US" altLang="zh-CN" dirty="0">
+                  <a:solidFill>
+                    <a:srgbClr val="000000"/>
+                  </a:solidFill>
+                  <a:highlight>
+                    <a:srgbClr val="FFFFFF"/>
+                  </a:highlight>
+                  <a:latin typeface="新宋体" panose="02010609030101010101" pitchFamily="49" charset="-122"/>
+                  <a:ea typeface="新宋体" panose="02010609030101010101" pitchFamily="49" charset="-122"/>
+                </a:rPr>
+                <a:t> </a:t>
+              </a:r>
+              <a:r>
+                <a:rPr lang="en-US" altLang="zh-CN" dirty="0" err="1">
+                  <a:solidFill>
+                    <a:srgbClr val="000000"/>
+                  </a:solidFill>
+                  <a:highlight>
+                    <a:srgbClr val="FFFFFF"/>
+                  </a:highlight>
+                  <a:latin typeface="新宋体" panose="02010609030101010101" pitchFamily="49" charset="-122"/>
+                  <a:ea typeface="新宋体" panose="02010609030101010101" pitchFamily="49" charset="-122"/>
+                </a:rPr>
+                <a:t>std</a:t>
+              </a:r>
+              <a:r>
+                <a:rPr lang="en-US" altLang="zh-CN" dirty="0">
+                  <a:solidFill>
+                    <a:srgbClr val="000000"/>
+                  </a:solidFill>
+                  <a:highlight>
+                    <a:srgbClr val="FFFFFF"/>
+                  </a:highlight>
+                  <a:latin typeface="新宋体" panose="02010609030101010101" pitchFamily="49" charset="-122"/>
+                  <a:ea typeface="新宋体" panose="02010609030101010101" pitchFamily="49" charset="-122"/>
+                </a:rPr>
+                <a:t>::</a:t>
+              </a:r>
+              <a:r>
+                <a:rPr lang="en-US" altLang="zh-CN" dirty="0" err="1">
+                  <a:solidFill>
+                    <a:srgbClr val="000000"/>
+                  </a:solidFill>
+                  <a:highlight>
+                    <a:srgbClr val="FFFFFF"/>
+                  </a:highlight>
+                  <a:latin typeface="新宋体" panose="02010609030101010101" pitchFamily="49" charset="-122"/>
+                  <a:ea typeface="新宋体" panose="02010609030101010101" pitchFamily="49" charset="-122"/>
+                </a:rPr>
+                <a:t>string_view</a:t>
+              </a:r>
+              <a:r>
+                <a:rPr lang="en-US" altLang="zh-CN" dirty="0">
+                  <a:solidFill>
+                    <a:srgbClr val="000000"/>
+                  </a:solidFill>
+                  <a:highlight>
+                    <a:srgbClr val="FFFFFF"/>
+                  </a:highlight>
+                  <a:latin typeface="新宋体" panose="02010609030101010101" pitchFamily="49" charset="-122"/>
+                  <a:ea typeface="新宋体" panose="02010609030101010101" pitchFamily="49" charset="-122"/>
+                </a:rPr>
+                <a:t> name() {\</a:t>
+              </a:r>
+            </a:p>
+            <a:p>
+              <a:r>
+                <a:rPr lang="en-US" altLang="zh-CN" dirty="0">
+                  <a:solidFill>
+                    <a:srgbClr val="000000"/>
+                  </a:solidFill>
+                  <a:highlight>
+                    <a:srgbClr val="FFFFFF"/>
+                  </a:highlight>
+                  <a:latin typeface="新宋体" panose="02010609030101010101" pitchFamily="49" charset="-122"/>
+                  <a:ea typeface="新宋体" panose="02010609030101010101" pitchFamily="49" charset="-122"/>
+                </a:rPr>
+                <a:t>        </a:t>
+              </a:r>
+              <a:r>
+                <a:rPr lang="en-US" altLang="zh-CN" dirty="0">
+                  <a:solidFill>
+                    <a:srgbClr val="0000FF"/>
+                  </a:solidFill>
+                  <a:highlight>
+                    <a:srgbClr val="FFFFFF"/>
+                  </a:highlight>
+                  <a:latin typeface="新宋体" panose="02010609030101010101" pitchFamily="49" charset="-122"/>
+                  <a:ea typeface="新宋体" panose="02010609030101010101" pitchFamily="49" charset="-122"/>
+                </a:rPr>
+                <a:t>return</a:t>
+              </a:r>
+              <a:r>
+                <a:rPr lang="en-US" altLang="zh-CN" dirty="0">
+                  <a:solidFill>
+                    <a:srgbClr val="000000"/>
+                  </a:solidFill>
+                  <a:highlight>
+                    <a:srgbClr val="FFFFFF"/>
+                  </a:highlight>
+                  <a:latin typeface="新宋体" panose="02010609030101010101" pitchFamily="49" charset="-122"/>
+                  <a:ea typeface="新宋体" panose="02010609030101010101" pitchFamily="49" charset="-122"/>
+                </a:rPr>
+                <a:t> </a:t>
+              </a:r>
+              <a:r>
+                <a:rPr lang="en-US" altLang="zh-CN" dirty="0" err="1">
+                  <a:solidFill>
+                    <a:srgbClr val="000000"/>
+                  </a:solidFill>
+                  <a:highlight>
+                    <a:srgbClr val="FFFFFF"/>
+                  </a:highlight>
+                  <a:latin typeface="新宋体" panose="02010609030101010101" pitchFamily="49" charset="-122"/>
+                  <a:ea typeface="新宋体" panose="02010609030101010101" pitchFamily="49" charset="-122"/>
+                </a:rPr>
+                <a:t>std</a:t>
+              </a:r>
+              <a:r>
+                <a:rPr lang="en-US" altLang="zh-CN" dirty="0">
+                  <a:solidFill>
+                    <a:srgbClr val="000000"/>
+                  </a:solidFill>
+                  <a:highlight>
+                    <a:srgbClr val="FFFFFF"/>
+                  </a:highlight>
+                  <a:latin typeface="新宋体" panose="02010609030101010101" pitchFamily="49" charset="-122"/>
+                  <a:ea typeface="新宋体" panose="02010609030101010101" pitchFamily="49" charset="-122"/>
+                </a:rPr>
+                <a:t>::</a:t>
+              </a:r>
+              <a:r>
+                <a:rPr lang="en-US" altLang="zh-CN" dirty="0" err="1">
+                  <a:solidFill>
+                    <a:srgbClr val="000000"/>
+                  </a:solidFill>
+                  <a:highlight>
+                    <a:srgbClr val="FFFFFF"/>
+                  </a:highlight>
+                  <a:latin typeface="新宋体" panose="02010609030101010101" pitchFamily="49" charset="-122"/>
+                  <a:ea typeface="新宋体" panose="02010609030101010101" pitchFamily="49" charset="-122"/>
+                </a:rPr>
+                <a:t>string_view</a:t>
+              </a:r>
+              <a:r>
+                <a:rPr lang="en-US" altLang="zh-CN" dirty="0">
+                  <a:solidFill>
+                    <a:srgbClr val="000000"/>
+                  </a:solidFill>
+                  <a:highlight>
+                    <a:srgbClr val="FFFFFF"/>
+                  </a:highlight>
+                  <a:latin typeface="新宋体" panose="02010609030101010101" pitchFamily="49" charset="-122"/>
+                  <a:ea typeface="新宋体" panose="02010609030101010101" pitchFamily="49" charset="-122"/>
+                </a:rPr>
+                <a:t>(#STRUCT_NAME, </a:t>
+              </a:r>
+              <a:r>
+                <a:rPr lang="en-US" altLang="zh-CN" dirty="0" err="1">
+                  <a:solidFill>
+                    <a:srgbClr val="0000FF"/>
+                  </a:solidFill>
+                  <a:highlight>
+                    <a:srgbClr val="FFFFFF"/>
+                  </a:highlight>
+                  <a:latin typeface="新宋体" panose="02010609030101010101" pitchFamily="49" charset="-122"/>
+                  <a:ea typeface="新宋体" panose="02010609030101010101" pitchFamily="49" charset="-122"/>
+                </a:rPr>
+                <a:t>sizeof</a:t>
+              </a:r>
+              <a:r>
+                <a:rPr lang="en-US" altLang="zh-CN" dirty="0">
+                  <a:solidFill>
+                    <a:srgbClr val="000000"/>
+                  </a:solidFill>
+                  <a:highlight>
+                    <a:srgbClr val="FFFFFF"/>
+                  </a:highlight>
+                  <a:latin typeface="新宋体" panose="02010609030101010101" pitchFamily="49" charset="-122"/>
+                  <a:ea typeface="新宋体" panose="02010609030101010101" pitchFamily="49" charset="-122"/>
+                </a:rPr>
+                <a:t>(#STRUCT_NAME));\</a:t>
+              </a:r>
+            </a:p>
+            <a:p>
+              <a:r>
+                <a:rPr lang="en-US" altLang="zh-CN" dirty="0">
+                  <a:solidFill>
+                    <a:srgbClr val="000000"/>
+                  </a:solidFill>
+                  <a:highlight>
+                    <a:srgbClr val="FFFFFF"/>
+                  </a:highlight>
+                  <a:latin typeface="新宋体" panose="02010609030101010101" pitchFamily="49" charset="-122"/>
+                  <a:ea typeface="新宋体" panose="02010609030101010101" pitchFamily="49" charset="-122"/>
+                </a:rPr>
+                <a:t>    </a:t>
+              </a:r>
+              <a:r>
+                <a:rPr lang="en-US" altLang="zh-CN" dirty="0" smtClean="0">
+                  <a:solidFill>
+                    <a:srgbClr val="000000"/>
+                  </a:solidFill>
+                  <a:highlight>
+                    <a:srgbClr val="FFFFFF"/>
+                  </a:highlight>
+                  <a:latin typeface="新宋体" panose="02010609030101010101" pitchFamily="49" charset="-122"/>
+                  <a:ea typeface="新宋体" panose="02010609030101010101" pitchFamily="49" charset="-122"/>
+                </a:rPr>
+                <a:t>}\</a:t>
+              </a:r>
+              <a:endParaRPr lang="en-US" altLang="zh-CN" dirty="0">
+                <a:solidFill>
+                  <a:srgbClr val="000000"/>
+                </a:solidFill>
+                <a:highlight>
+                  <a:srgbClr val="FFFFFF"/>
+                </a:highlight>
+                <a:latin typeface="新宋体" panose="02010609030101010101" pitchFamily="49" charset="-122"/>
+                <a:ea typeface="新宋体" panose="02010609030101010101" pitchFamily="49" charset="-122"/>
+              </a:endParaRPr>
+            </a:p>
+            <a:p>
+              <a:r>
+                <a:rPr lang="en-US" altLang="zh-CN" dirty="0">
+                  <a:solidFill>
+                    <a:srgbClr val="000000"/>
+                  </a:solidFill>
+                  <a:highlight>
+                    <a:srgbClr val="FFFFFF"/>
+                  </a:highlight>
+                  <a:latin typeface="新宋体" panose="02010609030101010101" pitchFamily="49" charset="-122"/>
+                  <a:ea typeface="新宋体" panose="02010609030101010101" pitchFamily="49" charset="-122"/>
+                </a:rPr>
+                <a:t>    </a:t>
+              </a:r>
+              <a:r>
+                <a:rPr lang="en-US" altLang="zh-CN" dirty="0" err="1">
+                  <a:solidFill>
+                    <a:srgbClr val="0000FF"/>
+                  </a:solidFill>
+                  <a:highlight>
+                    <a:srgbClr val="FFFFFF"/>
+                  </a:highlight>
+                  <a:latin typeface="新宋体" panose="02010609030101010101" pitchFamily="49" charset="-122"/>
+                  <a:ea typeface="新宋体" panose="02010609030101010101" pitchFamily="49" charset="-122"/>
+                </a:rPr>
+                <a:t>constexpr</a:t>
+              </a:r>
+              <a:r>
+                <a:rPr lang="en-US" altLang="zh-CN" dirty="0">
+                  <a:solidFill>
+                    <a:srgbClr val="000000"/>
+                  </a:solidFill>
+                  <a:highlight>
+                    <a:srgbClr val="FFFFFF"/>
+                  </a:highlight>
+                  <a:latin typeface="新宋体" panose="02010609030101010101" pitchFamily="49" charset="-122"/>
+                  <a:ea typeface="新宋体" panose="02010609030101010101" pitchFamily="49" charset="-122"/>
+                </a:rPr>
+                <a:t> </a:t>
+              </a:r>
+              <a:r>
+                <a:rPr lang="en-US" altLang="zh-CN" dirty="0">
+                  <a:solidFill>
+                    <a:srgbClr val="0000FF"/>
+                  </a:solidFill>
+                  <a:highlight>
+                    <a:srgbClr val="FFFFFF"/>
+                  </a:highlight>
+                  <a:latin typeface="新宋体" panose="02010609030101010101" pitchFamily="49" charset="-122"/>
+                  <a:ea typeface="新宋体" panose="02010609030101010101" pitchFamily="49" charset="-122"/>
+                </a:rPr>
+                <a:t>static</a:t>
+              </a:r>
+              <a:r>
+                <a:rPr lang="en-US" altLang="zh-CN" dirty="0">
+                  <a:solidFill>
+                    <a:srgbClr val="000000"/>
+                  </a:solidFill>
+                  <a:highlight>
+                    <a:srgbClr val="FFFFFF"/>
+                  </a:highlight>
+                  <a:latin typeface="新宋体" panose="02010609030101010101" pitchFamily="49" charset="-122"/>
+                  <a:ea typeface="新宋体" panose="02010609030101010101" pitchFamily="49" charset="-122"/>
+                </a:rPr>
+                <a:t> </a:t>
+              </a:r>
+              <a:r>
+                <a:rPr lang="en-US" altLang="zh-CN" dirty="0" err="1">
+                  <a:solidFill>
+                    <a:srgbClr val="000000"/>
+                  </a:solidFill>
+                  <a:highlight>
+                    <a:srgbClr val="FFFFFF"/>
+                  </a:highlight>
+                  <a:latin typeface="新宋体" panose="02010609030101010101" pitchFamily="49" charset="-122"/>
+                  <a:ea typeface="新宋体" panose="02010609030101010101" pitchFamily="49" charset="-122"/>
+                </a:rPr>
+                <a:t>std</a:t>
+              </a:r>
+              <a:r>
+                <a:rPr lang="en-US" altLang="zh-CN" dirty="0">
+                  <a:solidFill>
+                    <a:srgbClr val="000000"/>
+                  </a:solidFill>
+                  <a:highlight>
+                    <a:srgbClr val="FFFFFF"/>
+                  </a:highlight>
+                  <a:latin typeface="新宋体" panose="02010609030101010101" pitchFamily="49" charset="-122"/>
+                  <a:ea typeface="新宋体" panose="02010609030101010101" pitchFamily="49" charset="-122"/>
+                </a:rPr>
+                <a:t>::</a:t>
+              </a:r>
+              <a:r>
+                <a:rPr lang="en-US" altLang="zh-CN" dirty="0">
+                  <a:solidFill>
+                    <a:srgbClr val="0000FF"/>
+                  </a:solidFill>
+                  <a:highlight>
+                    <a:srgbClr val="FFFFFF"/>
+                  </a:highlight>
+                  <a:latin typeface="新宋体" panose="02010609030101010101" pitchFamily="49" charset="-122"/>
+                  <a:ea typeface="新宋体" panose="02010609030101010101" pitchFamily="49" charset="-122"/>
+                </a:rPr>
+                <a:t>array</a:t>
+              </a:r>
+              <a:r>
+                <a:rPr lang="en-US" altLang="zh-CN" dirty="0">
+                  <a:solidFill>
+                    <a:srgbClr val="000000"/>
+                  </a:solidFill>
+                  <a:highlight>
+                    <a:srgbClr val="FFFFFF"/>
+                  </a:highlight>
+                  <a:latin typeface="新宋体" panose="02010609030101010101" pitchFamily="49" charset="-122"/>
+                  <a:ea typeface="新宋体" panose="02010609030101010101" pitchFamily="49" charset="-122"/>
+                </a:rPr>
+                <a:t>&lt;</a:t>
+              </a:r>
+              <a:r>
+                <a:rPr lang="en-US" altLang="zh-CN" dirty="0" err="1">
+                  <a:solidFill>
+                    <a:srgbClr val="000000"/>
+                  </a:solidFill>
+                  <a:highlight>
+                    <a:srgbClr val="FFFFFF"/>
+                  </a:highlight>
+                  <a:latin typeface="新宋体" panose="02010609030101010101" pitchFamily="49" charset="-122"/>
+                  <a:ea typeface="新宋体" panose="02010609030101010101" pitchFamily="49" charset="-122"/>
+                </a:rPr>
+                <a:t>std</a:t>
+              </a:r>
+              <a:r>
+                <a:rPr lang="en-US" altLang="zh-CN" dirty="0">
+                  <a:solidFill>
+                    <a:srgbClr val="000000"/>
+                  </a:solidFill>
+                  <a:highlight>
+                    <a:srgbClr val="FFFFFF"/>
+                  </a:highlight>
+                  <a:latin typeface="新宋体" panose="02010609030101010101" pitchFamily="49" charset="-122"/>
+                  <a:ea typeface="新宋体" panose="02010609030101010101" pitchFamily="49" charset="-122"/>
+                </a:rPr>
+                <a:t>::</a:t>
+              </a:r>
+              <a:r>
+                <a:rPr lang="en-US" altLang="zh-CN" dirty="0" err="1">
+                  <a:solidFill>
+                    <a:srgbClr val="000000"/>
+                  </a:solidFill>
+                  <a:highlight>
+                    <a:srgbClr val="FFFFFF"/>
+                  </a:highlight>
+                  <a:latin typeface="新宋体" panose="02010609030101010101" pitchFamily="49" charset="-122"/>
+                  <a:ea typeface="新宋体" panose="02010609030101010101" pitchFamily="49" charset="-122"/>
+                </a:rPr>
+                <a:t>string_view</a:t>
+              </a:r>
+              <a:r>
+                <a:rPr lang="en-US" altLang="zh-CN" dirty="0">
+                  <a:solidFill>
+                    <a:srgbClr val="000000"/>
+                  </a:solidFill>
+                  <a:highlight>
+                    <a:srgbClr val="FFFFFF"/>
+                  </a:highlight>
+                  <a:latin typeface="新宋体" panose="02010609030101010101" pitchFamily="49" charset="-122"/>
+                  <a:ea typeface="新宋体" panose="02010609030101010101" pitchFamily="49" charset="-122"/>
+                </a:rPr>
+                <a:t>, </a:t>
+              </a:r>
+              <a:r>
+                <a:rPr lang="en-US" altLang="zh-CN" dirty="0" err="1">
+                  <a:solidFill>
+                    <a:srgbClr val="000000"/>
+                  </a:solidFill>
+                  <a:highlight>
+                    <a:srgbClr val="FFFFFF"/>
+                  </a:highlight>
+                  <a:latin typeface="新宋体" panose="02010609030101010101" pitchFamily="49" charset="-122"/>
+                  <a:ea typeface="新宋体" panose="02010609030101010101" pitchFamily="49" charset="-122"/>
+                </a:rPr>
+                <a:t>size_type</a:t>
+              </a:r>
+              <a:r>
+                <a:rPr lang="en-US" altLang="zh-CN" dirty="0">
+                  <a:solidFill>
+                    <a:srgbClr val="000000"/>
+                  </a:solidFill>
+                  <a:highlight>
+                    <a:srgbClr val="FFFFFF"/>
+                  </a:highlight>
+                  <a:latin typeface="新宋体" panose="02010609030101010101" pitchFamily="49" charset="-122"/>
+                  <a:ea typeface="新宋体" panose="02010609030101010101" pitchFamily="49" charset="-122"/>
+                </a:rPr>
+                <a:t>::value&gt; </a:t>
+              </a:r>
+              <a:r>
+                <a:rPr lang="en-US" altLang="zh-CN" dirty="0" err="1">
+                  <a:solidFill>
+                    <a:srgbClr val="000000"/>
+                  </a:solidFill>
+                  <a:highlight>
+                    <a:srgbClr val="FFFFFF"/>
+                  </a:highlight>
+                  <a:latin typeface="新宋体" panose="02010609030101010101" pitchFamily="49" charset="-122"/>
+                  <a:ea typeface="新宋体" panose="02010609030101010101" pitchFamily="49" charset="-122"/>
+                </a:rPr>
+                <a:t>arr</a:t>
+              </a:r>
+              <a:r>
+                <a:rPr lang="en-US" altLang="zh-CN" dirty="0">
+                  <a:solidFill>
+                    <a:srgbClr val="000000"/>
+                  </a:solidFill>
+                  <a:highlight>
+                    <a:srgbClr val="FFFFFF"/>
+                  </a:highlight>
+                  <a:latin typeface="新宋体" panose="02010609030101010101" pitchFamily="49" charset="-122"/>
+                  <a:ea typeface="新宋体" panose="02010609030101010101" pitchFamily="49" charset="-122"/>
+                </a:rPr>
+                <a:t>() </a:t>
+              </a:r>
+              <a:r>
+                <a:rPr lang="en-US" altLang="zh-CN" dirty="0" smtClean="0">
+                  <a:solidFill>
+                    <a:srgbClr val="000000"/>
+                  </a:solidFill>
+                  <a:highlight>
+                    <a:srgbClr val="FFFFFF"/>
+                  </a:highlight>
+                  <a:latin typeface="新宋体" panose="02010609030101010101" pitchFamily="49" charset="-122"/>
+                  <a:ea typeface="新宋体" panose="02010609030101010101" pitchFamily="49" charset="-122"/>
+                </a:rPr>
+                <a:t>{\</a:t>
+              </a:r>
+            </a:p>
+            <a:p>
+              <a:r>
+                <a:rPr lang="en-US" altLang="zh-CN" dirty="0">
+                  <a:solidFill>
+                    <a:srgbClr val="000000"/>
+                  </a:solidFill>
+                  <a:highlight>
+                    <a:srgbClr val="FFFFFF"/>
+                  </a:highlight>
+                  <a:latin typeface="新宋体" panose="02010609030101010101" pitchFamily="49" charset="-122"/>
+                  <a:ea typeface="新宋体" panose="02010609030101010101" pitchFamily="49" charset="-122"/>
+                </a:rPr>
+                <a:t>	</a:t>
+              </a:r>
+              <a:r>
+                <a:rPr lang="en-US" altLang="zh-CN" dirty="0" smtClean="0">
+                  <a:solidFill>
+                    <a:srgbClr val="0000FF"/>
+                  </a:solidFill>
+                  <a:highlight>
+                    <a:srgbClr val="FFFFFF"/>
+                  </a:highlight>
+                  <a:latin typeface="新宋体" panose="02010609030101010101" pitchFamily="49" charset="-122"/>
+                  <a:ea typeface="新宋体" panose="02010609030101010101" pitchFamily="49" charset="-122"/>
+                </a:rPr>
+                <a:t>return</a:t>
+              </a:r>
+              <a:r>
+                <a:rPr lang="en-US" altLang="zh-CN" dirty="0" smtClean="0">
+                  <a:solidFill>
+                    <a:srgbClr val="000000"/>
+                  </a:solidFill>
+                  <a:highlight>
+                    <a:srgbClr val="FFFFFF"/>
+                  </a:highlight>
+                  <a:latin typeface="新宋体" panose="02010609030101010101" pitchFamily="49" charset="-122"/>
+                  <a:ea typeface="新宋体" panose="02010609030101010101" pitchFamily="49" charset="-122"/>
+                </a:rPr>
+                <a:t> </a:t>
+              </a:r>
+              <a:r>
+                <a:rPr lang="en-US" altLang="zh-CN" dirty="0" err="1">
+                  <a:solidFill>
+                    <a:srgbClr val="000000"/>
+                  </a:solidFill>
+                  <a:highlight>
+                    <a:srgbClr val="FFFFFF"/>
+                  </a:highlight>
+                  <a:latin typeface="新宋体" panose="02010609030101010101" pitchFamily="49" charset="-122"/>
+                  <a:ea typeface="新宋体" panose="02010609030101010101" pitchFamily="49" charset="-122"/>
+                </a:rPr>
+                <a:t>arr</a:t>
+              </a:r>
+              <a:r>
+                <a:rPr lang="en-US" altLang="zh-CN" dirty="0">
+                  <a:solidFill>
+                    <a:srgbClr val="000000"/>
+                  </a:solidFill>
+                  <a:highlight>
+                    <a:srgbClr val="FFFFFF"/>
+                  </a:highlight>
+                  <a:latin typeface="新宋体" panose="02010609030101010101" pitchFamily="49" charset="-122"/>
+                  <a:ea typeface="新宋体" panose="02010609030101010101" pitchFamily="49" charset="-122"/>
+                </a:rPr>
+                <a:t>_##STRUCT_NAME</a:t>
+              </a:r>
+              <a:r>
+                <a:rPr lang="en-US" altLang="zh-CN" dirty="0" smtClean="0">
+                  <a:solidFill>
+                    <a:srgbClr val="000000"/>
+                  </a:solidFill>
+                  <a:highlight>
+                    <a:srgbClr val="FFFFFF"/>
+                  </a:highlight>
+                  <a:latin typeface="新宋体" panose="02010609030101010101" pitchFamily="49" charset="-122"/>
+                  <a:ea typeface="新宋体" panose="02010609030101010101" pitchFamily="49" charset="-122"/>
+                </a:rPr>
+                <a:t>;\</a:t>
+              </a:r>
+            </a:p>
+            <a:p>
+              <a:r>
+                <a:rPr lang="en-US" altLang="zh-CN" dirty="0">
+                  <a:solidFill>
+                    <a:srgbClr val="000000"/>
+                  </a:solidFill>
+                  <a:highlight>
+                    <a:srgbClr val="FFFFFF"/>
+                  </a:highlight>
+                  <a:latin typeface="新宋体" panose="02010609030101010101" pitchFamily="49" charset="-122"/>
+                  <a:ea typeface="新宋体" panose="02010609030101010101" pitchFamily="49" charset="-122"/>
+                </a:rPr>
+                <a:t> </a:t>
+              </a:r>
+              <a:r>
+                <a:rPr lang="en-US" altLang="zh-CN" dirty="0" smtClean="0">
+                  <a:solidFill>
+                    <a:srgbClr val="000000"/>
+                  </a:solidFill>
+                  <a:highlight>
+                    <a:srgbClr val="FFFFFF"/>
+                  </a:highlight>
+                  <a:latin typeface="新宋体" panose="02010609030101010101" pitchFamily="49" charset="-122"/>
+                  <a:ea typeface="新宋体" panose="02010609030101010101" pitchFamily="49" charset="-122"/>
+                </a:rPr>
+                <a:t>   }\</a:t>
+              </a:r>
+              <a:endParaRPr lang="en-US" altLang="zh-CN" dirty="0">
+                <a:solidFill>
+                  <a:srgbClr val="000000"/>
+                </a:solidFill>
+                <a:highlight>
+                  <a:srgbClr val="FFFFFF"/>
+                </a:highlight>
+                <a:latin typeface="新宋体" panose="02010609030101010101" pitchFamily="49" charset="-122"/>
+                <a:ea typeface="新宋体" panose="02010609030101010101" pitchFamily="49" charset="-122"/>
+              </a:endParaRPr>
+            </a:p>
+            <a:p>
+              <a:r>
+                <a:rPr lang="en-US" altLang="zh-CN" dirty="0">
+                  <a:solidFill>
+                    <a:srgbClr val="000000"/>
+                  </a:solidFill>
+                  <a:highlight>
+                    <a:srgbClr val="FFFFFF"/>
+                  </a:highlight>
+                  <a:latin typeface="新宋体" panose="02010609030101010101" pitchFamily="49" charset="-122"/>
+                  <a:ea typeface="新宋体" panose="02010609030101010101" pitchFamily="49" charset="-122"/>
+                </a:rPr>
+                <a:t>};</a:t>
+              </a:r>
+              <a:endParaRPr lang="zh-CN" altLang="en-US" dirty="0"/>
+            </a:p>
+          </p:txBody>
+        </p:sp>
+        <p:sp>
+          <p:nvSpPr>
+            <p:cNvPr id="2" name="矩形 1"/>
+            <p:cNvSpPr/>
+            <p:nvPr/>
+          </p:nvSpPr>
+          <p:spPr>
+            <a:xfrm>
+              <a:off x="1296408" y="2639815"/>
+              <a:ext cx="2492990" cy="369332"/>
+            </a:xfrm>
+            <a:prstGeom prst="rect">
+              <a:avLst/>
+            </a:prstGeom>
+          </p:spPr>
+          <p:txBody>
+            <a:bodyPr wrap="none">
+              <a:spAutoFit/>
+            </a:bodyPr>
+            <a:lstStyle/>
+            <a:p>
+              <a:r>
+                <a:rPr lang="en-US" altLang="zh-CN" dirty="0">
+                  <a:solidFill>
+                    <a:srgbClr val="0000FF"/>
+                  </a:solidFill>
+                  <a:highlight>
+                    <a:srgbClr val="FFFFFF"/>
+                  </a:highlight>
+                  <a:latin typeface="新宋体" panose="02010609030101010101" pitchFamily="49" charset="-122"/>
+                  <a:ea typeface="新宋体" panose="02010609030101010101" pitchFamily="49" charset="-122"/>
+                </a:rPr>
+                <a:t>using</a:t>
+              </a:r>
+              <a:r>
+                <a:rPr lang="en-US" altLang="zh-CN" dirty="0">
+                  <a:solidFill>
+                    <a:srgbClr val="000000"/>
+                  </a:solidFill>
+                  <a:highlight>
+                    <a:srgbClr val="FFFFFF"/>
+                  </a:highlight>
+                  <a:latin typeface="新宋体" panose="02010609030101010101" pitchFamily="49" charset="-122"/>
+                  <a:ea typeface="新宋体" panose="02010609030101010101" pitchFamily="49" charset="-122"/>
+                </a:rPr>
+                <a:t> </a:t>
+              </a:r>
+              <a:r>
+                <a:rPr lang="en-US" altLang="zh-CN" dirty="0">
+                  <a:solidFill>
+                    <a:srgbClr val="2B91AF"/>
+                  </a:solidFill>
+                  <a:highlight>
+                    <a:srgbClr val="FFFFFF"/>
+                  </a:highlight>
+                  <a:latin typeface="新宋体" panose="02010609030101010101" pitchFamily="49" charset="-122"/>
+                  <a:ea typeface="新宋体" panose="02010609030101010101" pitchFamily="49" charset="-122"/>
+                </a:rPr>
+                <a:t>type</a:t>
+              </a:r>
+              <a:r>
+                <a:rPr lang="en-US" altLang="zh-CN" dirty="0">
+                  <a:solidFill>
+                    <a:srgbClr val="000000"/>
+                  </a:solidFill>
+                  <a:highlight>
+                    <a:srgbClr val="FFFFFF"/>
+                  </a:highlight>
+                  <a:latin typeface="新宋体" panose="02010609030101010101" pitchFamily="49" charset="-122"/>
+                  <a:ea typeface="新宋体" panose="02010609030101010101" pitchFamily="49" charset="-122"/>
+                </a:rPr>
+                <a:t> = </a:t>
+              </a:r>
+              <a:r>
+                <a:rPr lang="en-US" altLang="zh-CN" dirty="0">
+                  <a:solidFill>
+                    <a:srgbClr val="0000FF"/>
+                  </a:solidFill>
+                  <a:highlight>
+                    <a:srgbClr val="FFFFFF"/>
+                  </a:highlight>
+                  <a:latin typeface="新宋体" panose="02010609030101010101" pitchFamily="49" charset="-122"/>
+                  <a:ea typeface="新宋体" panose="02010609030101010101" pitchFamily="49" charset="-122"/>
+                </a:rPr>
+                <a:t>void</a:t>
+              </a:r>
+              <a:r>
+                <a:rPr lang="en-US" altLang="zh-CN" dirty="0">
+                  <a:solidFill>
+                    <a:srgbClr val="000000"/>
+                  </a:solidFill>
+                  <a:highlight>
+                    <a:srgbClr val="FFFFFF"/>
+                  </a:highlight>
+                  <a:latin typeface="新宋体" panose="02010609030101010101" pitchFamily="49" charset="-122"/>
+                  <a:ea typeface="新宋体" panose="02010609030101010101" pitchFamily="49" charset="-122"/>
+                </a:rPr>
+                <a:t>; \</a:t>
+              </a:r>
+              <a:endParaRPr lang="zh-CN" altLang="en-US" dirty="0"/>
+            </a:p>
+          </p:txBody>
+        </p:sp>
+      </p:grpSp>
     </p:spTree>
     <p:extLst>
       <p:ext uri="{BB962C8B-B14F-4D97-AF65-F5344CB8AC3E}">
@@ -24183,849 +24464,7 @@
   <p:timing>
     <p:tnLst>
       <p:par>
-        <p:cTn id="1" dur="indefinite" restart="never" nodeType="tmRoot">
-          <p:childTnLst>
-            <p:seq concurrent="1" nextAc="seek">
-              <p:cTn id="2" dur="indefinite" nodeType="mainSeq">
-                <p:childTnLst>
-                  <p:par>
-                    <p:cTn id="3" fill="hold">
-                      <p:stCondLst>
-                        <p:cond delay="indefinite"/>
-                      </p:stCondLst>
-                      <p:childTnLst>
-                        <p:par>
-                          <p:cTn id="4" fill="hold">
-                            <p:stCondLst>
-                              <p:cond delay="0"/>
-                            </p:stCondLst>
-                            <p:childTnLst>
-                              <p:par>
-                                <p:cTn id="5" presetID="2" presetClass="entr" presetSubtype="4" fill="hold" nodeType="clickEffect">
-                                  <p:stCondLst>
-                                    <p:cond delay="0"/>
-                                  </p:stCondLst>
-                                  <p:childTnLst>
-                                    <p:set>
-                                      <p:cBhvr>
-                                        <p:cTn id="6" dur="1" fill="hold">
-                                          <p:stCondLst>
-                                            <p:cond delay="0"/>
-                                          </p:stCondLst>
-                                        </p:cTn>
-                                        <p:tgtEl>
-                                          <p:spTgt spid="4">
-                                            <p:txEl>
-                                              <p:pRg st="7" end="7"/>
-                                            </p:txEl>
-                                          </p:spTgt>
-                                        </p:tgtEl>
-                                        <p:attrNameLst>
-                                          <p:attrName>style.visibility</p:attrName>
-                                        </p:attrNameLst>
-                                      </p:cBhvr>
-                                      <p:to>
-                                        <p:strVal val="visible"/>
-                                      </p:to>
-                                    </p:set>
-                                    <p:anim calcmode="lin" valueType="num">
-                                      <p:cBhvr additive="base">
-                                        <p:cTn id="7" dur="500" fill="hold"/>
-                                        <p:tgtEl>
-                                          <p:spTgt spid="4">
-                                            <p:txEl>
-                                              <p:pRg st="7" end="7"/>
-                                            </p:txEl>
-                                          </p:spTgt>
-                                        </p:tgtEl>
-                                        <p:attrNameLst>
-                                          <p:attrName>ppt_x</p:attrName>
-                                        </p:attrNameLst>
-                                      </p:cBhvr>
-                                      <p:tavLst>
-                                        <p:tav tm="0">
-                                          <p:val>
-                                            <p:strVal val="#ppt_x"/>
-                                          </p:val>
-                                        </p:tav>
-                                        <p:tav tm="100000">
-                                          <p:val>
-                                            <p:strVal val="#ppt_x"/>
-                                          </p:val>
-                                        </p:tav>
-                                      </p:tavLst>
-                                    </p:anim>
-                                    <p:anim calcmode="lin" valueType="num">
-                                      <p:cBhvr additive="base">
-                                        <p:cTn id="8" dur="500" fill="hold"/>
-                                        <p:tgtEl>
-                                          <p:spTgt spid="4">
-                                            <p:txEl>
-                                              <p:pRg st="7" end="7"/>
-                                            </p:txEl>
-                                          </p:spTgt>
-                                        </p:tgtEl>
-                                        <p:attrNameLst>
-                                          <p:attrName>ppt_y</p:attrName>
-                                        </p:attrNameLst>
-                                      </p:cBhvr>
-                                      <p:tavLst>
-                                        <p:tav tm="0">
-                                          <p:val>
-                                            <p:strVal val="1+#ppt_h/2"/>
-                                          </p:val>
-                                        </p:tav>
-                                        <p:tav tm="100000">
-                                          <p:val>
-                                            <p:strVal val="#ppt_y"/>
-                                          </p:val>
-                                        </p:tav>
-                                      </p:tavLst>
-                                    </p:anim>
-                                  </p:childTnLst>
-                                </p:cTn>
-                              </p:par>
-                              <p:par>
-                                <p:cTn id="9" presetID="2" presetClass="entr" presetSubtype="4" fill="hold" nodeType="withEffect">
-                                  <p:stCondLst>
-                                    <p:cond delay="0"/>
-                                  </p:stCondLst>
-                                  <p:childTnLst>
-                                    <p:set>
-                                      <p:cBhvr>
-                                        <p:cTn id="10" dur="1" fill="hold">
-                                          <p:stCondLst>
-                                            <p:cond delay="0"/>
-                                          </p:stCondLst>
-                                        </p:cTn>
-                                        <p:tgtEl>
-                                          <p:spTgt spid="4">
-                                            <p:txEl>
-                                              <p:pRg st="8" end="8"/>
-                                            </p:txEl>
-                                          </p:spTgt>
-                                        </p:tgtEl>
-                                        <p:attrNameLst>
-                                          <p:attrName>style.visibility</p:attrName>
-                                        </p:attrNameLst>
-                                      </p:cBhvr>
-                                      <p:to>
-                                        <p:strVal val="visible"/>
-                                      </p:to>
-                                    </p:set>
-                                    <p:anim calcmode="lin" valueType="num">
-                                      <p:cBhvr additive="base">
-                                        <p:cTn id="11" dur="500" fill="hold"/>
-                                        <p:tgtEl>
-                                          <p:spTgt spid="4">
-                                            <p:txEl>
-                                              <p:pRg st="8" end="8"/>
-                                            </p:txEl>
-                                          </p:spTgt>
-                                        </p:tgtEl>
-                                        <p:attrNameLst>
-                                          <p:attrName>ppt_x</p:attrName>
-                                        </p:attrNameLst>
-                                      </p:cBhvr>
-                                      <p:tavLst>
-                                        <p:tav tm="0">
-                                          <p:val>
-                                            <p:strVal val="#ppt_x"/>
-                                          </p:val>
-                                        </p:tav>
-                                        <p:tav tm="100000">
-                                          <p:val>
-                                            <p:strVal val="#ppt_x"/>
-                                          </p:val>
-                                        </p:tav>
-                                      </p:tavLst>
-                                    </p:anim>
-                                    <p:anim calcmode="lin" valueType="num">
-                                      <p:cBhvr additive="base">
-                                        <p:cTn id="12" dur="500" fill="hold"/>
-                                        <p:tgtEl>
-                                          <p:spTgt spid="4">
-                                            <p:txEl>
-                                              <p:pRg st="8" end="8"/>
-                                            </p:txEl>
-                                          </p:spTgt>
-                                        </p:tgtEl>
-                                        <p:attrNameLst>
-                                          <p:attrName>ppt_y</p:attrName>
-                                        </p:attrNameLst>
-                                      </p:cBhvr>
-                                      <p:tavLst>
-                                        <p:tav tm="0">
-                                          <p:val>
-                                            <p:strVal val="1+#ppt_h/2"/>
-                                          </p:val>
-                                        </p:tav>
-                                        <p:tav tm="100000">
-                                          <p:val>
-                                            <p:strVal val="#ppt_y"/>
-                                          </p:val>
-                                        </p:tav>
-                                      </p:tavLst>
-                                    </p:anim>
-                                  </p:childTnLst>
-                                </p:cTn>
-                              </p:par>
-                            </p:childTnLst>
-                          </p:cTn>
-                        </p:par>
-                      </p:childTnLst>
-                    </p:cTn>
-                  </p:par>
-                  <p:par>
-                    <p:cTn id="13" fill="hold">
-                      <p:stCondLst>
-                        <p:cond delay="indefinite"/>
-                      </p:stCondLst>
-                      <p:childTnLst>
-                        <p:par>
-                          <p:cTn id="14" fill="hold">
-                            <p:stCondLst>
-                              <p:cond delay="0"/>
-                            </p:stCondLst>
-                            <p:childTnLst>
-                              <p:par>
-                                <p:cTn id="15" presetID="2" presetClass="entr" presetSubtype="4" fill="hold" nodeType="clickEffect">
-                                  <p:stCondLst>
-                                    <p:cond delay="0"/>
-                                  </p:stCondLst>
-                                  <p:childTnLst>
-                                    <p:set>
-                                      <p:cBhvr>
-                                        <p:cTn id="16" dur="1" fill="hold">
-                                          <p:stCondLst>
-                                            <p:cond delay="0"/>
-                                          </p:stCondLst>
-                                        </p:cTn>
-                                        <p:tgtEl>
-                                          <p:spTgt spid="4">
-                                            <p:txEl>
-                                              <p:pRg st="9" end="9"/>
-                                            </p:txEl>
-                                          </p:spTgt>
-                                        </p:tgtEl>
-                                        <p:attrNameLst>
-                                          <p:attrName>style.visibility</p:attrName>
-                                        </p:attrNameLst>
-                                      </p:cBhvr>
-                                      <p:to>
-                                        <p:strVal val="visible"/>
-                                      </p:to>
-                                    </p:set>
-                                    <p:anim calcmode="lin" valueType="num">
-                                      <p:cBhvr additive="base">
-                                        <p:cTn id="17" dur="500" fill="hold"/>
-                                        <p:tgtEl>
-                                          <p:spTgt spid="4">
-                                            <p:txEl>
-                                              <p:pRg st="9" end="9"/>
-                                            </p:txEl>
-                                          </p:spTgt>
-                                        </p:tgtEl>
-                                        <p:attrNameLst>
-                                          <p:attrName>ppt_x</p:attrName>
-                                        </p:attrNameLst>
-                                      </p:cBhvr>
-                                      <p:tavLst>
-                                        <p:tav tm="0">
-                                          <p:val>
-                                            <p:strVal val="#ppt_x"/>
-                                          </p:val>
-                                        </p:tav>
-                                        <p:tav tm="100000">
-                                          <p:val>
-                                            <p:strVal val="#ppt_x"/>
-                                          </p:val>
-                                        </p:tav>
-                                      </p:tavLst>
-                                    </p:anim>
-                                    <p:anim calcmode="lin" valueType="num">
-                                      <p:cBhvr additive="base">
-                                        <p:cTn id="18" dur="500" fill="hold"/>
-                                        <p:tgtEl>
-                                          <p:spTgt spid="4">
-                                            <p:txEl>
-                                              <p:pRg st="9" end="9"/>
-                                            </p:txEl>
-                                          </p:spTgt>
-                                        </p:tgtEl>
-                                        <p:attrNameLst>
-                                          <p:attrName>ppt_y</p:attrName>
-                                        </p:attrNameLst>
-                                      </p:cBhvr>
-                                      <p:tavLst>
-                                        <p:tav tm="0">
-                                          <p:val>
-                                            <p:strVal val="1+#ppt_h/2"/>
-                                          </p:val>
-                                        </p:tav>
-                                        <p:tav tm="100000">
-                                          <p:val>
-                                            <p:strVal val="#ppt_y"/>
-                                          </p:val>
-                                        </p:tav>
-                                      </p:tavLst>
-                                    </p:anim>
-                                  </p:childTnLst>
-                                </p:cTn>
-                              </p:par>
-                              <p:par>
-                                <p:cTn id="19" presetID="2" presetClass="entr" presetSubtype="4" fill="hold" nodeType="withEffect">
-                                  <p:stCondLst>
-                                    <p:cond delay="0"/>
-                                  </p:stCondLst>
-                                  <p:childTnLst>
-                                    <p:set>
-                                      <p:cBhvr>
-                                        <p:cTn id="20" dur="1" fill="hold">
-                                          <p:stCondLst>
-                                            <p:cond delay="0"/>
-                                          </p:stCondLst>
-                                        </p:cTn>
-                                        <p:tgtEl>
-                                          <p:spTgt spid="4">
-                                            <p:txEl>
-                                              <p:pRg st="10" end="10"/>
-                                            </p:txEl>
-                                          </p:spTgt>
-                                        </p:tgtEl>
-                                        <p:attrNameLst>
-                                          <p:attrName>style.visibility</p:attrName>
-                                        </p:attrNameLst>
-                                      </p:cBhvr>
-                                      <p:to>
-                                        <p:strVal val="visible"/>
-                                      </p:to>
-                                    </p:set>
-                                    <p:anim calcmode="lin" valueType="num">
-                                      <p:cBhvr additive="base">
-                                        <p:cTn id="21" dur="500" fill="hold"/>
-                                        <p:tgtEl>
-                                          <p:spTgt spid="4">
-                                            <p:txEl>
-                                              <p:pRg st="10" end="10"/>
-                                            </p:txEl>
-                                          </p:spTgt>
-                                        </p:tgtEl>
-                                        <p:attrNameLst>
-                                          <p:attrName>ppt_x</p:attrName>
-                                        </p:attrNameLst>
-                                      </p:cBhvr>
-                                      <p:tavLst>
-                                        <p:tav tm="0">
-                                          <p:val>
-                                            <p:strVal val="#ppt_x"/>
-                                          </p:val>
-                                        </p:tav>
-                                        <p:tav tm="100000">
-                                          <p:val>
-                                            <p:strVal val="#ppt_x"/>
-                                          </p:val>
-                                        </p:tav>
-                                      </p:tavLst>
-                                    </p:anim>
-                                    <p:anim calcmode="lin" valueType="num">
-                                      <p:cBhvr additive="base">
-                                        <p:cTn id="22" dur="500" fill="hold"/>
-                                        <p:tgtEl>
-                                          <p:spTgt spid="4">
-                                            <p:txEl>
-                                              <p:pRg st="10" end="10"/>
-                                            </p:txEl>
-                                          </p:spTgt>
-                                        </p:tgtEl>
-                                        <p:attrNameLst>
-                                          <p:attrName>ppt_y</p:attrName>
-                                        </p:attrNameLst>
-                                      </p:cBhvr>
-                                      <p:tavLst>
-                                        <p:tav tm="0">
-                                          <p:val>
-                                            <p:strVal val="1+#ppt_h/2"/>
-                                          </p:val>
-                                        </p:tav>
-                                        <p:tav tm="100000">
-                                          <p:val>
-                                            <p:strVal val="#ppt_y"/>
-                                          </p:val>
-                                        </p:tav>
-                                      </p:tavLst>
-                                    </p:anim>
-                                  </p:childTnLst>
-                                </p:cTn>
-                              </p:par>
-                              <p:par>
-                                <p:cTn id="23" presetID="2" presetClass="entr" presetSubtype="4" fill="hold" nodeType="withEffect">
-                                  <p:stCondLst>
-                                    <p:cond delay="0"/>
-                                  </p:stCondLst>
-                                  <p:childTnLst>
-                                    <p:set>
-                                      <p:cBhvr>
-                                        <p:cTn id="24" dur="1" fill="hold">
-                                          <p:stCondLst>
-                                            <p:cond delay="0"/>
-                                          </p:stCondLst>
-                                        </p:cTn>
-                                        <p:tgtEl>
-                                          <p:spTgt spid="4">
-                                            <p:txEl>
-                                              <p:pRg st="11" end="11"/>
-                                            </p:txEl>
-                                          </p:spTgt>
-                                        </p:tgtEl>
-                                        <p:attrNameLst>
-                                          <p:attrName>style.visibility</p:attrName>
-                                        </p:attrNameLst>
-                                      </p:cBhvr>
-                                      <p:to>
-                                        <p:strVal val="visible"/>
-                                      </p:to>
-                                    </p:set>
-                                    <p:anim calcmode="lin" valueType="num">
-                                      <p:cBhvr additive="base">
-                                        <p:cTn id="25" dur="500" fill="hold"/>
-                                        <p:tgtEl>
-                                          <p:spTgt spid="4">
-                                            <p:txEl>
-                                              <p:pRg st="11" end="11"/>
-                                            </p:txEl>
-                                          </p:spTgt>
-                                        </p:tgtEl>
-                                        <p:attrNameLst>
-                                          <p:attrName>ppt_x</p:attrName>
-                                        </p:attrNameLst>
-                                      </p:cBhvr>
-                                      <p:tavLst>
-                                        <p:tav tm="0">
-                                          <p:val>
-                                            <p:strVal val="#ppt_x"/>
-                                          </p:val>
-                                        </p:tav>
-                                        <p:tav tm="100000">
-                                          <p:val>
-                                            <p:strVal val="#ppt_x"/>
-                                          </p:val>
-                                        </p:tav>
-                                      </p:tavLst>
-                                    </p:anim>
-                                    <p:anim calcmode="lin" valueType="num">
-                                      <p:cBhvr additive="base">
-                                        <p:cTn id="26" dur="500" fill="hold"/>
-                                        <p:tgtEl>
-                                          <p:spTgt spid="4">
-                                            <p:txEl>
-                                              <p:pRg st="11" end="11"/>
-                                            </p:txEl>
-                                          </p:spTgt>
-                                        </p:tgtEl>
-                                        <p:attrNameLst>
-                                          <p:attrName>ppt_y</p:attrName>
-                                        </p:attrNameLst>
-                                      </p:cBhvr>
-                                      <p:tavLst>
-                                        <p:tav tm="0">
-                                          <p:val>
-                                            <p:strVal val="1+#ppt_h/2"/>
-                                          </p:val>
-                                        </p:tav>
-                                        <p:tav tm="100000">
-                                          <p:val>
-                                            <p:strVal val="#ppt_y"/>
-                                          </p:val>
-                                        </p:tav>
-                                      </p:tavLst>
-                                    </p:anim>
-                                  </p:childTnLst>
-                                </p:cTn>
-                              </p:par>
-                            </p:childTnLst>
-                          </p:cTn>
-                        </p:par>
-                      </p:childTnLst>
-                    </p:cTn>
-                  </p:par>
-                  <p:par>
-                    <p:cTn id="27" fill="hold">
-                      <p:stCondLst>
-                        <p:cond delay="indefinite"/>
-                      </p:stCondLst>
-                      <p:childTnLst>
-                        <p:par>
-                          <p:cTn id="28" fill="hold">
-                            <p:stCondLst>
-                              <p:cond delay="0"/>
-                            </p:stCondLst>
-                            <p:childTnLst>
-                              <p:par>
-                                <p:cTn id="29" presetID="2" presetClass="entr" presetSubtype="4" fill="hold" nodeType="clickEffect">
-                                  <p:stCondLst>
-                                    <p:cond delay="0"/>
-                                  </p:stCondLst>
-                                  <p:childTnLst>
-                                    <p:set>
-                                      <p:cBhvr>
-                                        <p:cTn id="30" dur="1" fill="hold">
-                                          <p:stCondLst>
-                                            <p:cond delay="0"/>
-                                          </p:stCondLst>
-                                        </p:cTn>
-                                        <p:tgtEl>
-                                          <p:spTgt spid="4">
-                                            <p:txEl>
-                                              <p:pRg st="12" end="12"/>
-                                            </p:txEl>
-                                          </p:spTgt>
-                                        </p:tgtEl>
-                                        <p:attrNameLst>
-                                          <p:attrName>style.visibility</p:attrName>
-                                        </p:attrNameLst>
-                                      </p:cBhvr>
-                                      <p:to>
-                                        <p:strVal val="visible"/>
-                                      </p:to>
-                                    </p:set>
-                                    <p:anim calcmode="lin" valueType="num">
-                                      <p:cBhvr additive="base">
-                                        <p:cTn id="31" dur="500" fill="hold"/>
-                                        <p:tgtEl>
-                                          <p:spTgt spid="4">
-                                            <p:txEl>
-                                              <p:pRg st="12" end="12"/>
-                                            </p:txEl>
-                                          </p:spTgt>
-                                        </p:tgtEl>
-                                        <p:attrNameLst>
-                                          <p:attrName>ppt_x</p:attrName>
-                                        </p:attrNameLst>
-                                      </p:cBhvr>
-                                      <p:tavLst>
-                                        <p:tav tm="0">
-                                          <p:val>
-                                            <p:strVal val="#ppt_x"/>
-                                          </p:val>
-                                        </p:tav>
-                                        <p:tav tm="100000">
-                                          <p:val>
-                                            <p:strVal val="#ppt_x"/>
-                                          </p:val>
-                                        </p:tav>
-                                      </p:tavLst>
-                                    </p:anim>
-                                    <p:anim calcmode="lin" valueType="num">
-                                      <p:cBhvr additive="base">
-                                        <p:cTn id="32" dur="500" fill="hold"/>
-                                        <p:tgtEl>
-                                          <p:spTgt spid="4">
-                                            <p:txEl>
-                                              <p:pRg st="12" end="12"/>
-                                            </p:txEl>
-                                          </p:spTgt>
-                                        </p:tgtEl>
-                                        <p:attrNameLst>
-                                          <p:attrName>ppt_y</p:attrName>
-                                        </p:attrNameLst>
-                                      </p:cBhvr>
-                                      <p:tavLst>
-                                        <p:tav tm="0">
-                                          <p:val>
-                                            <p:strVal val="1+#ppt_h/2"/>
-                                          </p:val>
-                                        </p:tav>
-                                        <p:tav tm="100000">
-                                          <p:val>
-                                            <p:strVal val="#ppt_y"/>
-                                          </p:val>
-                                        </p:tav>
-                                      </p:tavLst>
-                                    </p:anim>
-                                  </p:childTnLst>
-                                </p:cTn>
-                              </p:par>
-                              <p:par>
-                                <p:cTn id="33" presetID="2" presetClass="entr" presetSubtype="4" fill="hold" nodeType="withEffect">
-                                  <p:stCondLst>
-                                    <p:cond delay="0"/>
-                                  </p:stCondLst>
-                                  <p:childTnLst>
-                                    <p:set>
-                                      <p:cBhvr>
-                                        <p:cTn id="34" dur="1" fill="hold">
-                                          <p:stCondLst>
-                                            <p:cond delay="0"/>
-                                          </p:stCondLst>
-                                        </p:cTn>
-                                        <p:tgtEl>
-                                          <p:spTgt spid="4">
-                                            <p:txEl>
-                                              <p:pRg st="13" end="13"/>
-                                            </p:txEl>
-                                          </p:spTgt>
-                                        </p:tgtEl>
-                                        <p:attrNameLst>
-                                          <p:attrName>style.visibility</p:attrName>
-                                        </p:attrNameLst>
-                                      </p:cBhvr>
-                                      <p:to>
-                                        <p:strVal val="visible"/>
-                                      </p:to>
-                                    </p:set>
-                                    <p:anim calcmode="lin" valueType="num">
-                                      <p:cBhvr additive="base">
-                                        <p:cTn id="35" dur="500" fill="hold"/>
-                                        <p:tgtEl>
-                                          <p:spTgt spid="4">
-                                            <p:txEl>
-                                              <p:pRg st="13" end="13"/>
-                                            </p:txEl>
-                                          </p:spTgt>
-                                        </p:tgtEl>
-                                        <p:attrNameLst>
-                                          <p:attrName>ppt_x</p:attrName>
-                                        </p:attrNameLst>
-                                      </p:cBhvr>
-                                      <p:tavLst>
-                                        <p:tav tm="0">
-                                          <p:val>
-                                            <p:strVal val="#ppt_x"/>
-                                          </p:val>
-                                        </p:tav>
-                                        <p:tav tm="100000">
-                                          <p:val>
-                                            <p:strVal val="#ppt_x"/>
-                                          </p:val>
-                                        </p:tav>
-                                      </p:tavLst>
-                                    </p:anim>
-                                    <p:anim calcmode="lin" valueType="num">
-                                      <p:cBhvr additive="base">
-                                        <p:cTn id="36" dur="500" fill="hold"/>
-                                        <p:tgtEl>
-                                          <p:spTgt spid="4">
-                                            <p:txEl>
-                                              <p:pRg st="13" end="13"/>
-                                            </p:txEl>
-                                          </p:spTgt>
-                                        </p:tgtEl>
-                                        <p:attrNameLst>
-                                          <p:attrName>ppt_y</p:attrName>
-                                        </p:attrNameLst>
-                                      </p:cBhvr>
-                                      <p:tavLst>
-                                        <p:tav tm="0">
-                                          <p:val>
-                                            <p:strVal val="1+#ppt_h/2"/>
-                                          </p:val>
-                                        </p:tav>
-                                        <p:tav tm="100000">
-                                          <p:val>
-                                            <p:strVal val="#ppt_y"/>
-                                          </p:val>
-                                        </p:tav>
-                                      </p:tavLst>
-                                    </p:anim>
-                                  </p:childTnLst>
-                                </p:cTn>
-                              </p:par>
-                              <p:par>
-                                <p:cTn id="37" presetID="2" presetClass="entr" presetSubtype="4" fill="hold" nodeType="withEffect">
-                                  <p:stCondLst>
-                                    <p:cond delay="0"/>
-                                  </p:stCondLst>
-                                  <p:childTnLst>
-                                    <p:set>
-                                      <p:cBhvr>
-                                        <p:cTn id="38" dur="1" fill="hold">
-                                          <p:stCondLst>
-                                            <p:cond delay="0"/>
-                                          </p:stCondLst>
-                                        </p:cTn>
-                                        <p:tgtEl>
-                                          <p:spTgt spid="4">
-                                            <p:txEl>
-                                              <p:pRg st="14" end="14"/>
-                                            </p:txEl>
-                                          </p:spTgt>
-                                        </p:tgtEl>
-                                        <p:attrNameLst>
-                                          <p:attrName>style.visibility</p:attrName>
-                                        </p:attrNameLst>
-                                      </p:cBhvr>
-                                      <p:to>
-                                        <p:strVal val="visible"/>
-                                      </p:to>
-                                    </p:set>
-                                    <p:anim calcmode="lin" valueType="num">
-                                      <p:cBhvr additive="base">
-                                        <p:cTn id="39" dur="500" fill="hold"/>
-                                        <p:tgtEl>
-                                          <p:spTgt spid="4">
-                                            <p:txEl>
-                                              <p:pRg st="14" end="14"/>
-                                            </p:txEl>
-                                          </p:spTgt>
-                                        </p:tgtEl>
-                                        <p:attrNameLst>
-                                          <p:attrName>ppt_x</p:attrName>
-                                        </p:attrNameLst>
-                                      </p:cBhvr>
-                                      <p:tavLst>
-                                        <p:tav tm="0">
-                                          <p:val>
-                                            <p:strVal val="#ppt_x"/>
-                                          </p:val>
-                                        </p:tav>
-                                        <p:tav tm="100000">
-                                          <p:val>
-                                            <p:strVal val="#ppt_x"/>
-                                          </p:val>
-                                        </p:tav>
-                                      </p:tavLst>
-                                    </p:anim>
-                                    <p:anim calcmode="lin" valueType="num">
-                                      <p:cBhvr additive="base">
-                                        <p:cTn id="40" dur="500" fill="hold"/>
-                                        <p:tgtEl>
-                                          <p:spTgt spid="4">
-                                            <p:txEl>
-                                              <p:pRg st="14" end="14"/>
-                                            </p:txEl>
-                                          </p:spTgt>
-                                        </p:tgtEl>
-                                        <p:attrNameLst>
-                                          <p:attrName>ppt_y</p:attrName>
-                                        </p:attrNameLst>
-                                      </p:cBhvr>
-                                      <p:tavLst>
-                                        <p:tav tm="0">
-                                          <p:val>
-                                            <p:strVal val="1+#ppt_h/2"/>
-                                          </p:val>
-                                        </p:tav>
-                                        <p:tav tm="100000">
-                                          <p:val>
-                                            <p:strVal val="#ppt_y"/>
-                                          </p:val>
-                                        </p:tav>
-                                      </p:tavLst>
-                                    </p:anim>
-                                  </p:childTnLst>
-                                </p:cTn>
-                              </p:par>
-                              <p:par>
-                                <p:cTn id="41" presetID="2" presetClass="entr" presetSubtype="4" fill="hold" nodeType="withEffect">
-                                  <p:stCondLst>
-                                    <p:cond delay="0"/>
-                                  </p:stCondLst>
-                                  <p:childTnLst>
-                                    <p:set>
-                                      <p:cBhvr>
-                                        <p:cTn id="42" dur="1" fill="hold">
-                                          <p:stCondLst>
-                                            <p:cond delay="0"/>
-                                          </p:stCondLst>
-                                        </p:cTn>
-                                        <p:tgtEl>
-                                          <p:spTgt spid="4">
-                                            <p:txEl>
-                                              <p:pRg st="15" end="15"/>
-                                            </p:txEl>
-                                          </p:spTgt>
-                                        </p:tgtEl>
-                                        <p:attrNameLst>
-                                          <p:attrName>style.visibility</p:attrName>
-                                        </p:attrNameLst>
-                                      </p:cBhvr>
-                                      <p:to>
-                                        <p:strVal val="visible"/>
-                                      </p:to>
-                                    </p:set>
-                                    <p:anim calcmode="lin" valueType="num">
-                                      <p:cBhvr additive="base">
-                                        <p:cTn id="43" dur="500" fill="hold"/>
-                                        <p:tgtEl>
-                                          <p:spTgt spid="4">
-                                            <p:txEl>
-                                              <p:pRg st="15" end="15"/>
-                                            </p:txEl>
-                                          </p:spTgt>
-                                        </p:tgtEl>
-                                        <p:attrNameLst>
-                                          <p:attrName>ppt_x</p:attrName>
-                                        </p:attrNameLst>
-                                      </p:cBhvr>
-                                      <p:tavLst>
-                                        <p:tav tm="0">
-                                          <p:val>
-                                            <p:strVal val="#ppt_x"/>
-                                          </p:val>
-                                        </p:tav>
-                                        <p:tav tm="100000">
-                                          <p:val>
-                                            <p:strVal val="#ppt_x"/>
-                                          </p:val>
-                                        </p:tav>
-                                      </p:tavLst>
-                                    </p:anim>
-                                    <p:anim calcmode="lin" valueType="num">
-                                      <p:cBhvr additive="base">
-                                        <p:cTn id="44" dur="500" fill="hold"/>
-                                        <p:tgtEl>
-                                          <p:spTgt spid="4">
-                                            <p:txEl>
-                                              <p:pRg st="15" end="15"/>
-                                            </p:txEl>
-                                          </p:spTgt>
-                                        </p:tgtEl>
-                                        <p:attrNameLst>
-                                          <p:attrName>ppt_y</p:attrName>
-                                        </p:attrNameLst>
-                                      </p:cBhvr>
-                                      <p:tavLst>
-                                        <p:tav tm="0">
-                                          <p:val>
-                                            <p:strVal val="1+#ppt_h/2"/>
-                                          </p:val>
-                                        </p:tav>
-                                        <p:tav tm="100000">
-                                          <p:val>
-                                            <p:strVal val="#ppt_y"/>
-                                          </p:val>
-                                        </p:tav>
-                                      </p:tavLst>
-                                    </p:anim>
-                                  </p:childTnLst>
-                                </p:cTn>
-                              </p:par>
-                            </p:childTnLst>
-                          </p:cTn>
-                        </p:par>
-                      </p:childTnLst>
-                    </p:cTn>
-                  </p:par>
-                </p:childTnLst>
-              </p:cTn>
-              <p:prevCondLst>
-                <p:cond evt="onPrev" delay="0">
-                  <p:tgtEl>
-                    <p:sldTgt/>
-                  </p:tgtEl>
-                </p:cond>
-              </p:prevCondLst>
-              <p:nextCondLst>
-                <p:cond evt="onNext" delay="0">
-                  <p:tgtEl>
-                    <p:sldTgt/>
-                  </p:tgtEl>
-                </p:cond>
-              </p:nextCondLst>
-            </p:seq>
-          </p:childTnLst>
-        </p:cTn>
+        <p:cTn id="1" dur="indefinite" restart="never" nodeType="tmRoot"/>
       </p:par>
     </p:tnLst>
   </p:timing>
@@ -26831,16 +26270,6 @@
               </a:rPr>
               <a:t>    }\</a:t>
             </a:r>
-            <a:endParaRPr lang="en-US" altLang="zh-CN" dirty="0">
-              <a:solidFill>
-                <a:srgbClr val="000000"/>
-              </a:solidFill>
-              <a:highlight>
-                <a:srgbClr val="FFFFFF"/>
-              </a:highlight>
-              <a:latin typeface="新宋体" panose="02010609030101010101" pitchFamily="49" charset="-122"/>
-              <a:ea typeface="新宋体" panose="02010609030101010101" pitchFamily="49" charset="-122"/>
-            </a:endParaRPr>
           </a:p>
         </p:txBody>
       </p:sp>
@@ -28030,7 +27459,7 @@
           <p:nvPr/>
         </p:nvPicPr>
         <p:blipFill>
-          <a:blip r:embed="rId2"/>
+          <a:blip r:embed="rId3"/>
           <a:stretch>
             <a:fillRect/>
           </a:stretch>
@@ -29611,8 +29040,12 @@
           <a:lstStyle/>
           <a:p>
             <a:r>
+              <a:rPr lang="en-US" altLang="zh-CN" dirty="0"/>
+              <a:t>operation of </a:t>
+            </a:r>
+            <a:r>
               <a:rPr lang="en-US" altLang="zh-CN" dirty="0" smtClean="0"/>
-              <a:t>Outline</a:t>
+              <a:t>metadata</a:t>
             </a:r>
             <a:endParaRPr lang="zh-CN" altLang="en-US" dirty="0"/>
           </a:p>
@@ -29633,31 +29066,1343 @@
           <a:bodyPr/>
           <a:lstStyle/>
           <a:p>
-            <a:r>
-              <a:rPr lang="en-US" altLang="zh-CN" dirty="0" smtClean="0"/>
-              <a:t>concepts of reflection</a:t>
-            </a:r>
-          </a:p>
-          <a:p>
-            <a:r>
-              <a:rPr lang="en-US" altLang="zh-CN" dirty="0"/>
-              <a:t>implementation of compile-time </a:t>
-            </a:r>
-            <a:r>
-              <a:rPr lang="en-US" altLang="zh-CN" dirty="0" smtClean="0"/>
-              <a:t>reflection</a:t>
-            </a:r>
-          </a:p>
-          <a:p>
-            <a:r>
-              <a:rPr lang="en-US" altLang="zh-CN" b="1" dirty="0" smtClean="0"/>
-              <a:t>application of compile-time reflection</a:t>
-            </a:r>
-          </a:p>
-          <a:p>
-            <a:r>
-              <a:rPr lang="en-US" altLang="zh-CN" dirty="0" smtClean="0"/>
-              <a:t>prospect</a:t>
+            <a:endParaRPr lang="zh-CN" altLang="en-US" dirty="0"/>
+          </a:p>
+        </p:txBody>
+      </p:sp>
+      <p:sp>
+        <p:nvSpPr>
+          <p:cNvPr id="4" name="矩形 3"/>
+          <p:cNvSpPr/>
+          <p:nvPr/>
+        </p:nvSpPr>
+        <p:spPr>
+          <a:xfrm>
+            <a:off x="838200" y="1825625"/>
+            <a:ext cx="9307286" cy="1754326"/>
+          </a:xfrm>
+          <a:prstGeom prst="rect">
+            <a:avLst/>
+          </a:prstGeom>
+        </p:spPr>
+        <p:txBody>
+          <a:bodyPr wrap="square">
+            <a:spAutoFit/>
+          </a:bodyPr>
+          <a:lstStyle/>
+          <a:p>
+            <a:r>
+              <a:rPr lang="en-US" altLang="zh-CN" dirty="0">
+                <a:solidFill>
+                  <a:srgbClr val="0000FF"/>
+                </a:solidFill>
+                <a:highlight>
+                  <a:srgbClr val="FFFFFF"/>
+                </a:highlight>
+                <a:latin typeface="新宋体" panose="02010609030101010101" pitchFamily="49" charset="-122"/>
+                <a:ea typeface="新宋体" panose="02010609030101010101" pitchFamily="49" charset="-122"/>
+              </a:rPr>
+              <a:t>template</a:t>
+            </a:r>
+            <a:r>
+              <a:rPr lang="en-US" altLang="zh-CN" dirty="0">
+                <a:solidFill>
+                  <a:srgbClr val="000000"/>
+                </a:solidFill>
+                <a:highlight>
+                  <a:srgbClr val="FFFFFF"/>
+                </a:highlight>
+                <a:latin typeface="新宋体" panose="02010609030101010101" pitchFamily="49" charset="-122"/>
+                <a:ea typeface="新宋体" panose="02010609030101010101" pitchFamily="49" charset="-122"/>
+              </a:rPr>
+              <a:t>&lt;</a:t>
+            </a:r>
+            <a:r>
+              <a:rPr lang="en-US" altLang="zh-CN" dirty="0" err="1">
+                <a:solidFill>
+                  <a:srgbClr val="0000FF"/>
+                </a:solidFill>
+                <a:highlight>
+                  <a:srgbClr val="FFFFFF"/>
+                </a:highlight>
+                <a:latin typeface="新宋体" panose="02010609030101010101" pitchFamily="49" charset="-122"/>
+                <a:ea typeface="新宋体" panose="02010609030101010101" pitchFamily="49" charset="-122"/>
+              </a:rPr>
+              <a:t>typename</a:t>
+            </a:r>
+            <a:r>
+              <a:rPr lang="en-US" altLang="zh-CN" dirty="0">
+                <a:solidFill>
+                  <a:srgbClr val="000000"/>
+                </a:solidFill>
+                <a:highlight>
+                  <a:srgbClr val="FFFFFF"/>
+                </a:highlight>
+                <a:latin typeface="新宋体" panose="02010609030101010101" pitchFamily="49" charset="-122"/>
+                <a:ea typeface="新宋体" panose="02010609030101010101" pitchFamily="49" charset="-122"/>
+              </a:rPr>
+              <a:t> </a:t>
+            </a:r>
+            <a:r>
+              <a:rPr lang="en-US" altLang="zh-CN" dirty="0">
+                <a:solidFill>
+                  <a:srgbClr val="2B91AF"/>
+                </a:solidFill>
+                <a:highlight>
+                  <a:srgbClr val="FFFFFF"/>
+                </a:highlight>
+                <a:latin typeface="新宋体" panose="02010609030101010101" pitchFamily="49" charset="-122"/>
+                <a:ea typeface="新宋体" panose="02010609030101010101" pitchFamily="49" charset="-122"/>
+              </a:rPr>
+              <a:t>T</a:t>
+            </a:r>
+            <a:r>
+              <a:rPr lang="en-US" altLang="zh-CN" dirty="0">
+                <a:solidFill>
+                  <a:srgbClr val="000000"/>
+                </a:solidFill>
+                <a:highlight>
+                  <a:srgbClr val="FFFFFF"/>
+                </a:highlight>
+                <a:latin typeface="新宋体" panose="02010609030101010101" pitchFamily="49" charset="-122"/>
+                <a:ea typeface="新宋体" panose="02010609030101010101" pitchFamily="49" charset="-122"/>
+              </a:rPr>
+              <a:t>&gt;</a:t>
+            </a:r>
+          </a:p>
+          <a:p>
+            <a:r>
+              <a:rPr lang="en-US" altLang="zh-CN" dirty="0" err="1">
+                <a:solidFill>
+                  <a:srgbClr val="000000"/>
+                </a:solidFill>
+                <a:highlight>
+                  <a:srgbClr val="FFFFFF"/>
+                </a:highlight>
+                <a:latin typeface="新宋体" panose="02010609030101010101" pitchFamily="49" charset="-122"/>
+                <a:ea typeface="新宋体" panose="02010609030101010101" pitchFamily="49" charset="-122"/>
+              </a:rPr>
+              <a:t>std</a:t>
+            </a:r>
+            <a:r>
+              <a:rPr lang="en-US" altLang="zh-CN" dirty="0">
+                <a:solidFill>
+                  <a:srgbClr val="000000"/>
+                </a:solidFill>
+                <a:highlight>
+                  <a:srgbClr val="FFFFFF"/>
+                </a:highlight>
+                <a:latin typeface="新宋体" panose="02010609030101010101" pitchFamily="49" charset="-122"/>
+                <a:ea typeface="新宋体" panose="02010609030101010101" pitchFamily="49" charset="-122"/>
+              </a:rPr>
+              <a:t>::</a:t>
+            </a:r>
+            <a:r>
+              <a:rPr lang="en-US" altLang="zh-CN" dirty="0" err="1">
+                <a:solidFill>
+                  <a:srgbClr val="2B91AF"/>
+                </a:solidFill>
+                <a:highlight>
+                  <a:srgbClr val="FFFFFF"/>
+                </a:highlight>
+                <a:latin typeface="新宋体" panose="02010609030101010101" pitchFamily="49" charset="-122"/>
+                <a:ea typeface="新宋体" panose="02010609030101010101" pitchFamily="49" charset="-122"/>
+              </a:rPr>
+              <a:t>enable_if_t</a:t>
+            </a:r>
+            <a:r>
+              <a:rPr lang="en-US" altLang="zh-CN" dirty="0">
+                <a:solidFill>
+                  <a:srgbClr val="000000"/>
+                </a:solidFill>
+                <a:highlight>
+                  <a:srgbClr val="FFFFFF"/>
+                </a:highlight>
+                <a:latin typeface="新宋体" panose="02010609030101010101" pitchFamily="49" charset="-122"/>
+                <a:ea typeface="新宋体" panose="02010609030101010101" pitchFamily="49" charset="-122"/>
+              </a:rPr>
+              <a:t>&lt;</a:t>
+            </a:r>
+            <a:r>
+              <a:rPr lang="en-US" altLang="zh-CN" dirty="0" err="1">
+                <a:solidFill>
+                  <a:srgbClr val="2B91AF"/>
+                </a:solidFill>
+                <a:highlight>
+                  <a:srgbClr val="FFFFFF"/>
+                </a:highlight>
+                <a:latin typeface="新宋体" panose="02010609030101010101" pitchFamily="49" charset="-122"/>
+                <a:ea typeface="新宋体" panose="02010609030101010101" pitchFamily="49" charset="-122"/>
+              </a:rPr>
+              <a:t>is_reflection</a:t>
+            </a:r>
+            <a:r>
+              <a:rPr lang="en-US" altLang="zh-CN" dirty="0">
+                <a:solidFill>
+                  <a:srgbClr val="000000"/>
+                </a:solidFill>
+                <a:highlight>
+                  <a:srgbClr val="FFFFFF"/>
+                </a:highlight>
+                <a:latin typeface="新宋体" panose="02010609030101010101" pitchFamily="49" charset="-122"/>
+                <a:ea typeface="新宋体" panose="02010609030101010101" pitchFamily="49" charset="-122"/>
+              </a:rPr>
+              <a:t>&lt;</a:t>
+            </a:r>
+            <a:r>
+              <a:rPr lang="en-US" altLang="zh-CN" dirty="0">
+                <a:solidFill>
+                  <a:srgbClr val="2B91AF"/>
+                </a:solidFill>
+                <a:highlight>
+                  <a:srgbClr val="FFFFFF"/>
+                </a:highlight>
+                <a:latin typeface="新宋体" panose="02010609030101010101" pitchFamily="49" charset="-122"/>
+                <a:ea typeface="新宋体" panose="02010609030101010101" pitchFamily="49" charset="-122"/>
+              </a:rPr>
+              <a:t>T</a:t>
+            </a:r>
+            <a:r>
+              <a:rPr lang="en-US" altLang="zh-CN" dirty="0">
+                <a:solidFill>
+                  <a:srgbClr val="000000"/>
+                </a:solidFill>
+                <a:highlight>
+                  <a:srgbClr val="FFFFFF"/>
+                </a:highlight>
+                <a:latin typeface="新宋体" panose="02010609030101010101" pitchFamily="49" charset="-122"/>
+                <a:ea typeface="新宋体" panose="02010609030101010101" pitchFamily="49" charset="-122"/>
+              </a:rPr>
+              <a:t>&gt;::value, </a:t>
+            </a:r>
+            <a:r>
+              <a:rPr lang="en-US" altLang="zh-CN" dirty="0" err="1">
+                <a:solidFill>
+                  <a:srgbClr val="2B91AF"/>
+                </a:solidFill>
+                <a:highlight>
+                  <a:srgbClr val="FFFFFF"/>
+                </a:highlight>
+                <a:latin typeface="新宋体" panose="02010609030101010101" pitchFamily="49" charset="-122"/>
+                <a:ea typeface="新宋体" panose="02010609030101010101" pitchFamily="49" charset="-122"/>
+              </a:rPr>
+              <a:t>size_t</a:t>
+            </a:r>
+            <a:r>
+              <a:rPr lang="en-US" altLang="zh-CN" dirty="0">
+                <a:solidFill>
+                  <a:srgbClr val="000000"/>
+                </a:solidFill>
+                <a:highlight>
+                  <a:srgbClr val="FFFFFF"/>
+                </a:highlight>
+                <a:latin typeface="新宋体" panose="02010609030101010101" pitchFamily="49" charset="-122"/>
+                <a:ea typeface="新宋体" panose="02010609030101010101" pitchFamily="49" charset="-122"/>
+              </a:rPr>
+              <a:t>&gt; </a:t>
+            </a:r>
+            <a:r>
+              <a:rPr lang="en-US" altLang="zh-CN" dirty="0" err="1">
+                <a:solidFill>
+                  <a:srgbClr val="000000"/>
+                </a:solidFill>
+                <a:highlight>
+                  <a:srgbClr val="FFFFFF"/>
+                </a:highlight>
+                <a:latin typeface="新宋体" panose="02010609030101010101" pitchFamily="49" charset="-122"/>
+                <a:ea typeface="新宋体" panose="02010609030101010101" pitchFamily="49" charset="-122"/>
+              </a:rPr>
+              <a:t>get_value</a:t>
+            </a:r>
+            <a:r>
+              <a:rPr lang="en-US" altLang="zh-CN" dirty="0">
+                <a:solidFill>
+                  <a:srgbClr val="000000"/>
+                </a:solidFill>
+                <a:highlight>
+                  <a:srgbClr val="FFFFFF"/>
+                </a:highlight>
+                <a:latin typeface="新宋体" panose="02010609030101010101" pitchFamily="49" charset="-122"/>
+                <a:ea typeface="新宋体" panose="02010609030101010101" pitchFamily="49" charset="-122"/>
+              </a:rPr>
+              <a:t>()</a:t>
+            </a:r>
+          </a:p>
+          <a:p>
+            <a:r>
+              <a:rPr lang="en-US" altLang="zh-CN" dirty="0">
+                <a:solidFill>
+                  <a:srgbClr val="000000"/>
+                </a:solidFill>
+                <a:highlight>
+                  <a:srgbClr val="FFFFFF"/>
+                </a:highlight>
+                <a:latin typeface="新宋体" panose="02010609030101010101" pitchFamily="49" charset="-122"/>
+                <a:ea typeface="新宋体" panose="02010609030101010101" pitchFamily="49" charset="-122"/>
+              </a:rPr>
+              <a:t>{</a:t>
+            </a:r>
+          </a:p>
+          <a:p>
+            <a:r>
+              <a:rPr lang="en-US" altLang="zh-CN" dirty="0" smtClean="0">
+                <a:solidFill>
+                  <a:srgbClr val="0000FF"/>
+                </a:solidFill>
+                <a:highlight>
+                  <a:srgbClr val="FFFFFF"/>
+                </a:highlight>
+                <a:latin typeface="新宋体" panose="02010609030101010101" pitchFamily="49" charset="-122"/>
+                <a:ea typeface="新宋体" panose="02010609030101010101" pitchFamily="49" charset="-122"/>
+              </a:rPr>
+              <a:t>    using</a:t>
+            </a:r>
+            <a:r>
+              <a:rPr lang="en-US" altLang="zh-CN" dirty="0" smtClean="0">
+                <a:solidFill>
+                  <a:srgbClr val="000000"/>
+                </a:solidFill>
+                <a:highlight>
+                  <a:srgbClr val="FFFFFF"/>
+                </a:highlight>
+                <a:latin typeface="新宋体" panose="02010609030101010101" pitchFamily="49" charset="-122"/>
+                <a:ea typeface="新宋体" panose="02010609030101010101" pitchFamily="49" charset="-122"/>
+              </a:rPr>
+              <a:t> </a:t>
+            </a:r>
+            <a:r>
+              <a:rPr lang="en-US" altLang="zh-CN" dirty="0">
+                <a:solidFill>
+                  <a:srgbClr val="2B91AF"/>
+                </a:solidFill>
+                <a:highlight>
+                  <a:srgbClr val="FFFFFF"/>
+                </a:highlight>
+                <a:latin typeface="新宋体" panose="02010609030101010101" pitchFamily="49" charset="-122"/>
+                <a:ea typeface="新宋体" panose="02010609030101010101" pitchFamily="49" charset="-122"/>
+              </a:rPr>
+              <a:t>M</a:t>
+            </a:r>
+            <a:r>
+              <a:rPr lang="en-US" altLang="zh-CN" dirty="0">
+                <a:solidFill>
+                  <a:srgbClr val="000000"/>
+                </a:solidFill>
+                <a:highlight>
+                  <a:srgbClr val="FFFFFF"/>
+                </a:highlight>
+                <a:latin typeface="新宋体" panose="02010609030101010101" pitchFamily="49" charset="-122"/>
+                <a:ea typeface="新宋体" panose="02010609030101010101" pitchFamily="49" charset="-122"/>
+              </a:rPr>
+              <a:t> = </a:t>
+            </a:r>
+            <a:r>
+              <a:rPr lang="en-US" altLang="zh-CN" dirty="0">
+                <a:solidFill>
+                  <a:srgbClr val="2B91AF"/>
+                </a:solidFill>
+                <a:highlight>
+                  <a:srgbClr val="FFFFFF"/>
+                </a:highlight>
+                <a:latin typeface="新宋体" panose="02010609030101010101" pitchFamily="49" charset="-122"/>
+                <a:ea typeface="新宋体" panose="02010609030101010101" pitchFamily="49" charset="-122"/>
+              </a:rPr>
+              <a:t>Members</a:t>
+            </a:r>
+            <a:r>
+              <a:rPr lang="en-US" altLang="zh-CN" dirty="0">
+                <a:solidFill>
+                  <a:srgbClr val="000000"/>
+                </a:solidFill>
+                <a:highlight>
+                  <a:srgbClr val="FFFFFF"/>
+                </a:highlight>
+                <a:latin typeface="新宋体" panose="02010609030101010101" pitchFamily="49" charset="-122"/>
+                <a:ea typeface="新宋体" panose="02010609030101010101" pitchFamily="49" charset="-122"/>
+              </a:rPr>
+              <a:t>&lt;</a:t>
+            </a:r>
+            <a:r>
+              <a:rPr lang="en-US" altLang="zh-CN" dirty="0" err="1">
+                <a:solidFill>
+                  <a:srgbClr val="000000"/>
+                </a:solidFill>
+                <a:highlight>
+                  <a:srgbClr val="FFFFFF"/>
+                </a:highlight>
+                <a:latin typeface="新宋体" panose="02010609030101010101" pitchFamily="49" charset="-122"/>
+                <a:ea typeface="新宋体" panose="02010609030101010101" pitchFamily="49" charset="-122"/>
+              </a:rPr>
+              <a:t>std</a:t>
+            </a:r>
+            <a:r>
+              <a:rPr lang="en-US" altLang="zh-CN" dirty="0">
+                <a:solidFill>
+                  <a:srgbClr val="000000"/>
+                </a:solidFill>
+                <a:highlight>
+                  <a:srgbClr val="FFFFFF"/>
+                </a:highlight>
+                <a:latin typeface="新宋体" panose="02010609030101010101" pitchFamily="49" charset="-122"/>
+                <a:ea typeface="新宋体" panose="02010609030101010101" pitchFamily="49" charset="-122"/>
+              </a:rPr>
+              <a:t>::</a:t>
+            </a:r>
+            <a:r>
+              <a:rPr lang="en-US" altLang="zh-CN" dirty="0" err="1">
+                <a:solidFill>
+                  <a:srgbClr val="2B91AF"/>
+                </a:solidFill>
+                <a:highlight>
+                  <a:srgbClr val="FFFFFF"/>
+                </a:highlight>
+                <a:latin typeface="新宋体" panose="02010609030101010101" pitchFamily="49" charset="-122"/>
+                <a:ea typeface="新宋体" panose="02010609030101010101" pitchFamily="49" charset="-122"/>
+              </a:rPr>
+              <a:t>remove_const_t</a:t>
+            </a:r>
+            <a:r>
+              <a:rPr lang="en-US" altLang="zh-CN" dirty="0">
+                <a:solidFill>
+                  <a:srgbClr val="000000"/>
+                </a:solidFill>
+                <a:highlight>
+                  <a:srgbClr val="FFFFFF"/>
+                </a:highlight>
+                <a:latin typeface="新宋体" panose="02010609030101010101" pitchFamily="49" charset="-122"/>
+                <a:ea typeface="新宋体" panose="02010609030101010101" pitchFamily="49" charset="-122"/>
+              </a:rPr>
+              <a:t> &lt;</a:t>
+            </a:r>
+            <a:r>
+              <a:rPr lang="en-US" altLang="zh-CN" dirty="0" err="1">
+                <a:solidFill>
+                  <a:srgbClr val="000000"/>
+                </a:solidFill>
+                <a:highlight>
+                  <a:srgbClr val="FFFFFF"/>
+                </a:highlight>
+                <a:latin typeface="新宋体" panose="02010609030101010101" pitchFamily="49" charset="-122"/>
+                <a:ea typeface="新宋体" panose="02010609030101010101" pitchFamily="49" charset="-122"/>
+              </a:rPr>
+              <a:t>std</a:t>
+            </a:r>
+            <a:r>
+              <a:rPr lang="en-US" altLang="zh-CN" dirty="0">
+                <a:solidFill>
+                  <a:srgbClr val="000000"/>
+                </a:solidFill>
+                <a:highlight>
+                  <a:srgbClr val="FFFFFF"/>
+                </a:highlight>
+                <a:latin typeface="新宋体" panose="02010609030101010101" pitchFamily="49" charset="-122"/>
+                <a:ea typeface="新宋体" panose="02010609030101010101" pitchFamily="49" charset="-122"/>
+              </a:rPr>
+              <a:t>::</a:t>
+            </a:r>
+            <a:r>
+              <a:rPr lang="en-US" altLang="zh-CN" dirty="0" err="1">
+                <a:solidFill>
+                  <a:srgbClr val="2B91AF"/>
+                </a:solidFill>
+                <a:highlight>
+                  <a:srgbClr val="FFFFFF"/>
+                </a:highlight>
+                <a:latin typeface="新宋体" panose="02010609030101010101" pitchFamily="49" charset="-122"/>
+                <a:ea typeface="新宋体" panose="02010609030101010101" pitchFamily="49" charset="-122"/>
+              </a:rPr>
+              <a:t>remove_reference_t</a:t>
+            </a:r>
+            <a:r>
+              <a:rPr lang="en-US" altLang="zh-CN" dirty="0">
+                <a:solidFill>
+                  <a:srgbClr val="000000"/>
+                </a:solidFill>
+                <a:highlight>
+                  <a:srgbClr val="FFFFFF"/>
+                </a:highlight>
+                <a:latin typeface="新宋体" panose="02010609030101010101" pitchFamily="49" charset="-122"/>
+                <a:ea typeface="新宋体" panose="02010609030101010101" pitchFamily="49" charset="-122"/>
+              </a:rPr>
+              <a:t>&lt;</a:t>
+            </a:r>
+            <a:r>
+              <a:rPr lang="en-US" altLang="zh-CN" dirty="0">
+                <a:solidFill>
+                  <a:srgbClr val="2B91AF"/>
+                </a:solidFill>
+                <a:highlight>
+                  <a:srgbClr val="FFFFFF"/>
+                </a:highlight>
+                <a:latin typeface="新宋体" panose="02010609030101010101" pitchFamily="49" charset="-122"/>
+                <a:ea typeface="新宋体" panose="02010609030101010101" pitchFamily="49" charset="-122"/>
+              </a:rPr>
+              <a:t>T</a:t>
+            </a:r>
+            <a:r>
+              <a:rPr lang="en-US" altLang="zh-CN" dirty="0">
+                <a:solidFill>
+                  <a:srgbClr val="000000"/>
+                </a:solidFill>
+                <a:highlight>
+                  <a:srgbClr val="FFFFFF"/>
+                </a:highlight>
+                <a:latin typeface="新宋体" panose="02010609030101010101" pitchFamily="49" charset="-122"/>
+                <a:ea typeface="新宋体" panose="02010609030101010101" pitchFamily="49" charset="-122"/>
+              </a:rPr>
+              <a:t>&gt;&gt;&gt;;</a:t>
+            </a:r>
+          </a:p>
+          <a:p>
+            <a:r>
+              <a:rPr lang="en-US" altLang="zh-CN" dirty="0" smtClean="0">
+                <a:solidFill>
+                  <a:srgbClr val="0000FF"/>
+                </a:solidFill>
+                <a:highlight>
+                  <a:srgbClr val="FFFFFF"/>
+                </a:highlight>
+                <a:latin typeface="新宋体" panose="02010609030101010101" pitchFamily="49" charset="-122"/>
+                <a:ea typeface="新宋体" panose="02010609030101010101" pitchFamily="49" charset="-122"/>
+              </a:rPr>
+              <a:t>    return</a:t>
+            </a:r>
+            <a:r>
+              <a:rPr lang="en-US" altLang="zh-CN" dirty="0" smtClean="0">
+                <a:solidFill>
+                  <a:srgbClr val="000000"/>
+                </a:solidFill>
+                <a:highlight>
+                  <a:srgbClr val="FFFFFF"/>
+                </a:highlight>
+                <a:latin typeface="新宋体" panose="02010609030101010101" pitchFamily="49" charset="-122"/>
+                <a:ea typeface="新宋体" panose="02010609030101010101" pitchFamily="49" charset="-122"/>
+              </a:rPr>
+              <a:t> </a:t>
+            </a:r>
+            <a:r>
+              <a:rPr lang="en-US" altLang="zh-CN" dirty="0">
+                <a:solidFill>
+                  <a:srgbClr val="2B91AF"/>
+                </a:solidFill>
+                <a:highlight>
+                  <a:srgbClr val="FFFFFF"/>
+                </a:highlight>
+                <a:latin typeface="新宋体" panose="02010609030101010101" pitchFamily="49" charset="-122"/>
+                <a:ea typeface="新宋体" panose="02010609030101010101" pitchFamily="49" charset="-122"/>
+              </a:rPr>
+              <a:t>M</a:t>
+            </a:r>
+            <a:r>
+              <a:rPr lang="en-US" altLang="zh-CN" dirty="0">
+                <a:solidFill>
+                  <a:srgbClr val="000000"/>
+                </a:solidFill>
+                <a:highlight>
+                  <a:srgbClr val="FFFFFF"/>
+                </a:highlight>
+                <a:latin typeface="新宋体" panose="02010609030101010101" pitchFamily="49" charset="-122"/>
+                <a:ea typeface="新宋体" panose="02010609030101010101" pitchFamily="49" charset="-122"/>
+              </a:rPr>
+              <a:t>::value();</a:t>
+            </a:r>
+          </a:p>
+          <a:p>
+            <a:r>
+              <a:rPr lang="en-US" altLang="zh-CN" dirty="0" smtClean="0">
+                <a:solidFill>
+                  <a:srgbClr val="000000"/>
+                </a:solidFill>
+                <a:highlight>
+                  <a:srgbClr val="FFFFFF"/>
+                </a:highlight>
+                <a:latin typeface="新宋体" panose="02010609030101010101" pitchFamily="49" charset="-122"/>
+                <a:ea typeface="新宋体" panose="02010609030101010101" pitchFamily="49" charset="-122"/>
+              </a:rPr>
+              <a:t>}</a:t>
+            </a:r>
+            <a:endParaRPr lang="en-US" altLang="zh-CN" dirty="0">
+              <a:solidFill>
+                <a:srgbClr val="000000"/>
+              </a:solidFill>
+              <a:highlight>
+                <a:srgbClr val="FFFFFF"/>
+              </a:highlight>
+              <a:latin typeface="新宋体" panose="02010609030101010101" pitchFamily="49" charset="-122"/>
+              <a:ea typeface="新宋体" panose="02010609030101010101" pitchFamily="49" charset="-122"/>
+            </a:endParaRPr>
+          </a:p>
+        </p:txBody>
+      </p:sp>
+      <p:sp>
+        <p:nvSpPr>
+          <p:cNvPr id="5" name="矩形 4"/>
+          <p:cNvSpPr/>
+          <p:nvPr/>
+        </p:nvSpPr>
+        <p:spPr>
+          <a:xfrm>
+            <a:off x="838200" y="3724295"/>
+            <a:ext cx="9797143" cy="2308324"/>
+          </a:xfrm>
+          <a:prstGeom prst="rect">
+            <a:avLst/>
+          </a:prstGeom>
+        </p:spPr>
+        <p:txBody>
+          <a:bodyPr wrap="square">
+            <a:spAutoFit/>
+          </a:bodyPr>
+          <a:lstStyle/>
+          <a:p>
+            <a:r>
+              <a:rPr lang="en-US" altLang="zh-CN" dirty="0">
+                <a:solidFill>
+                  <a:srgbClr val="0000FF"/>
+                </a:solidFill>
+                <a:highlight>
+                  <a:srgbClr val="FFFFFF"/>
+                </a:highlight>
+                <a:latin typeface="新宋体" panose="02010609030101010101" pitchFamily="49" charset="-122"/>
+                <a:ea typeface="新宋体" panose="02010609030101010101" pitchFamily="49" charset="-122"/>
+              </a:rPr>
+              <a:t>template</a:t>
+            </a:r>
+            <a:r>
+              <a:rPr lang="en-US" altLang="zh-CN" dirty="0">
+                <a:solidFill>
+                  <a:srgbClr val="000000"/>
+                </a:solidFill>
+                <a:highlight>
+                  <a:srgbClr val="FFFFFF"/>
+                </a:highlight>
+                <a:latin typeface="新宋体" panose="02010609030101010101" pitchFamily="49" charset="-122"/>
+                <a:ea typeface="新宋体" panose="02010609030101010101" pitchFamily="49" charset="-122"/>
+              </a:rPr>
+              <a:t> &lt;</a:t>
+            </a:r>
+            <a:r>
+              <a:rPr lang="en-US" altLang="zh-CN" dirty="0" err="1">
+                <a:solidFill>
+                  <a:srgbClr val="0000FF"/>
+                </a:solidFill>
+                <a:highlight>
+                  <a:srgbClr val="FFFFFF"/>
+                </a:highlight>
+                <a:latin typeface="新宋体" panose="02010609030101010101" pitchFamily="49" charset="-122"/>
+                <a:ea typeface="新宋体" panose="02010609030101010101" pitchFamily="49" charset="-122"/>
+              </a:rPr>
+              <a:t>typename</a:t>
+            </a:r>
+            <a:r>
+              <a:rPr lang="en-US" altLang="zh-CN" dirty="0">
+                <a:solidFill>
+                  <a:srgbClr val="000000"/>
+                </a:solidFill>
+                <a:highlight>
+                  <a:srgbClr val="FFFFFF"/>
+                </a:highlight>
+                <a:latin typeface="新宋体" panose="02010609030101010101" pitchFamily="49" charset="-122"/>
+                <a:ea typeface="新宋体" panose="02010609030101010101" pitchFamily="49" charset="-122"/>
+              </a:rPr>
+              <a:t> </a:t>
+            </a:r>
+            <a:r>
+              <a:rPr lang="en-US" altLang="zh-CN" dirty="0">
+                <a:solidFill>
+                  <a:srgbClr val="2B91AF"/>
+                </a:solidFill>
+                <a:highlight>
+                  <a:srgbClr val="FFFFFF"/>
+                </a:highlight>
+                <a:latin typeface="新宋体" panose="02010609030101010101" pitchFamily="49" charset="-122"/>
+                <a:ea typeface="新宋体" panose="02010609030101010101" pitchFamily="49" charset="-122"/>
+              </a:rPr>
+              <a:t>T</a:t>
+            </a:r>
+            <a:r>
+              <a:rPr lang="en-US" altLang="zh-CN" dirty="0">
+                <a:solidFill>
+                  <a:srgbClr val="000000"/>
+                </a:solidFill>
+                <a:highlight>
+                  <a:srgbClr val="FFFFFF"/>
+                </a:highlight>
+                <a:latin typeface="新宋体" panose="02010609030101010101" pitchFamily="49" charset="-122"/>
+                <a:ea typeface="新宋体" panose="02010609030101010101" pitchFamily="49" charset="-122"/>
+              </a:rPr>
+              <a:t>, </a:t>
+            </a:r>
+            <a:r>
+              <a:rPr lang="en-US" altLang="zh-CN" dirty="0" err="1">
+                <a:solidFill>
+                  <a:srgbClr val="0000FF"/>
+                </a:solidFill>
+                <a:highlight>
+                  <a:srgbClr val="FFFFFF"/>
+                </a:highlight>
+                <a:latin typeface="新宋体" panose="02010609030101010101" pitchFamily="49" charset="-122"/>
+                <a:ea typeface="新宋体" panose="02010609030101010101" pitchFamily="49" charset="-122"/>
+              </a:rPr>
+              <a:t>typename</a:t>
+            </a:r>
+            <a:r>
+              <a:rPr lang="en-US" altLang="zh-CN" dirty="0">
+                <a:solidFill>
+                  <a:srgbClr val="000000"/>
+                </a:solidFill>
+                <a:highlight>
+                  <a:srgbClr val="FFFFFF"/>
+                </a:highlight>
+                <a:latin typeface="新宋体" panose="02010609030101010101" pitchFamily="49" charset="-122"/>
+                <a:ea typeface="新宋体" panose="02010609030101010101" pitchFamily="49" charset="-122"/>
+              </a:rPr>
+              <a:t> = </a:t>
+            </a:r>
+            <a:r>
+              <a:rPr lang="en-US" altLang="zh-CN" dirty="0">
+                <a:solidFill>
+                  <a:srgbClr val="0000FF"/>
+                </a:solidFill>
+                <a:highlight>
+                  <a:srgbClr val="FFFFFF"/>
+                </a:highlight>
+                <a:latin typeface="新宋体" panose="02010609030101010101" pitchFamily="49" charset="-122"/>
+                <a:ea typeface="新宋体" panose="02010609030101010101" pitchFamily="49" charset="-122"/>
+              </a:rPr>
+              <a:t>void</a:t>
+            </a:r>
+            <a:r>
+              <a:rPr lang="en-US" altLang="zh-CN" dirty="0">
+                <a:solidFill>
+                  <a:srgbClr val="000000"/>
+                </a:solidFill>
+                <a:highlight>
+                  <a:srgbClr val="FFFFFF"/>
+                </a:highlight>
+                <a:latin typeface="新宋体" panose="02010609030101010101" pitchFamily="49" charset="-122"/>
+                <a:ea typeface="新宋体" panose="02010609030101010101" pitchFamily="49" charset="-122"/>
+              </a:rPr>
+              <a:t>&gt;</a:t>
+            </a:r>
+          </a:p>
+          <a:p>
+            <a:r>
+              <a:rPr lang="en-US" altLang="zh-CN" dirty="0" err="1">
+                <a:solidFill>
+                  <a:srgbClr val="0000FF"/>
+                </a:solidFill>
+                <a:highlight>
+                  <a:srgbClr val="FFFFFF"/>
+                </a:highlight>
+                <a:latin typeface="新宋体" panose="02010609030101010101" pitchFamily="49" charset="-122"/>
+                <a:ea typeface="新宋体" panose="02010609030101010101" pitchFamily="49" charset="-122"/>
+              </a:rPr>
+              <a:t>struct</a:t>
+            </a:r>
+            <a:r>
+              <a:rPr lang="en-US" altLang="zh-CN" dirty="0">
+                <a:solidFill>
+                  <a:srgbClr val="000000"/>
+                </a:solidFill>
+                <a:highlight>
+                  <a:srgbClr val="FFFFFF"/>
+                </a:highlight>
+                <a:latin typeface="新宋体" panose="02010609030101010101" pitchFamily="49" charset="-122"/>
+                <a:ea typeface="新宋体" panose="02010609030101010101" pitchFamily="49" charset="-122"/>
+              </a:rPr>
+              <a:t> </a:t>
+            </a:r>
+            <a:r>
+              <a:rPr lang="en-US" altLang="zh-CN" dirty="0" err="1">
+                <a:solidFill>
+                  <a:srgbClr val="2B91AF"/>
+                </a:solidFill>
+                <a:highlight>
+                  <a:srgbClr val="FFFFFF"/>
+                </a:highlight>
+                <a:latin typeface="新宋体" panose="02010609030101010101" pitchFamily="49" charset="-122"/>
+                <a:ea typeface="新宋体" panose="02010609030101010101" pitchFamily="49" charset="-122"/>
+              </a:rPr>
+              <a:t>is_reflection</a:t>
+            </a:r>
+            <a:r>
+              <a:rPr lang="en-US" altLang="zh-CN" dirty="0">
+                <a:solidFill>
+                  <a:srgbClr val="000000"/>
+                </a:solidFill>
+                <a:highlight>
+                  <a:srgbClr val="FFFFFF"/>
+                </a:highlight>
+                <a:latin typeface="新宋体" panose="02010609030101010101" pitchFamily="49" charset="-122"/>
+                <a:ea typeface="新宋体" panose="02010609030101010101" pitchFamily="49" charset="-122"/>
+              </a:rPr>
+              <a:t> : </a:t>
+            </a:r>
+            <a:r>
+              <a:rPr lang="en-US" altLang="zh-CN" dirty="0" err="1">
+                <a:solidFill>
+                  <a:srgbClr val="000000"/>
+                </a:solidFill>
+                <a:highlight>
+                  <a:srgbClr val="FFFFFF"/>
+                </a:highlight>
+                <a:latin typeface="新宋体" panose="02010609030101010101" pitchFamily="49" charset="-122"/>
+                <a:ea typeface="新宋体" panose="02010609030101010101" pitchFamily="49" charset="-122"/>
+              </a:rPr>
+              <a:t>std</a:t>
+            </a:r>
+            <a:r>
+              <a:rPr lang="en-US" altLang="zh-CN" dirty="0">
+                <a:solidFill>
+                  <a:srgbClr val="000000"/>
+                </a:solidFill>
+                <a:highlight>
+                  <a:srgbClr val="FFFFFF"/>
+                </a:highlight>
+                <a:latin typeface="新宋体" panose="02010609030101010101" pitchFamily="49" charset="-122"/>
+                <a:ea typeface="新宋体" panose="02010609030101010101" pitchFamily="49" charset="-122"/>
+              </a:rPr>
+              <a:t>::</a:t>
+            </a:r>
+            <a:r>
+              <a:rPr lang="en-US" altLang="zh-CN" dirty="0" err="1">
+                <a:solidFill>
+                  <a:srgbClr val="2B91AF"/>
+                </a:solidFill>
+                <a:highlight>
+                  <a:srgbClr val="FFFFFF"/>
+                </a:highlight>
+                <a:latin typeface="新宋体" panose="02010609030101010101" pitchFamily="49" charset="-122"/>
+                <a:ea typeface="新宋体" panose="02010609030101010101" pitchFamily="49" charset="-122"/>
+              </a:rPr>
+              <a:t>false_type</a:t>
+            </a:r>
+            <a:r>
+              <a:rPr lang="en-US" altLang="zh-CN" dirty="0">
+                <a:solidFill>
+                  <a:srgbClr val="000000"/>
+                </a:solidFill>
+                <a:highlight>
+                  <a:srgbClr val="FFFFFF"/>
+                </a:highlight>
+                <a:latin typeface="新宋体" panose="02010609030101010101" pitchFamily="49" charset="-122"/>
+                <a:ea typeface="新宋体" panose="02010609030101010101" pitchFamily="49" charset="-122"/>
+              </a:rPr>
+              <a:t>{};</a:t>
+            </a:r>
+          </a:p>
+          <a:p>
+            <a:endParaRPr lang="zh-CN" altLang="en-US" dirty="0">
+              <a:solidFill>
+                <a:srgbClr val="000000"/>
+              </a:solidFill>
+              <a:highlight>
+                <a:srgbClr val="FFFFFF"/>
+              </a:highlight>
+              <a:latin typeface="新宋体" panose="02010609030101010101" pitchFamily="49" charset="-122"/>
+              <a:ea typeface="新宋体" panose="02010609030101010101" pitchFamily="49" charset="-122"/>
+            </a:endParaRPr>
+          </a:p>
+          <a:p>
+            <a:r>
+              <a:rPr lang="en-US" altLang="zh-CN" dirty="0">
+                <a:solidFill>
+                  <a:srgbClr val="0000FF"/>
+                </a:solidFill>
+                <a:highlight>
+                  <a:srgbClr val="FFFFFF"/>
+                </a:highlight>
+                <a:latin typeface="新宋体" panose="02010609030101010101" pitchFamily="49" charset="-122"/>
+                <a:ea typeface="新宋体" panose="02010609030101010101" pitchFamily="49" charset="-122"/>
+              </a:rPr>
+              <a:t>template</a:t>
+            </a:r>
+            <a:r>
+              <a:rPr lang="en-US" altLang="zh-CN" dirty="0">
+                <a:solidFill>
+                  <a:srgbClr val="000000"/>
+                </a:solidFill>
+                <a:highlight>
+                  <a:srgbClr val="FFFFFF"/>
+                </a:highlight>
+                <a:latin typeface="新宋体" panose="02010609030101010101" pitchFamily="49" charset="-122"/>
+                <a:ea typeface="新宋体" panose="02010609030101010101" pitchFamily="49" charset="-122"/>
+              </a:rPr>
+              <a:t> &lt;</a:t>
+            </a:r>
+            <a:r>
+              <a:rPr lang="en-US" altLang="zh-CN" dirty="0" err="1">
+                <a:solidFill>
+                  <a:srgbClr val="0000FF"/>
+                </a:solidFill>
+                <a:highlight>
+                  <a:srgbClr val="FFFFFF"/>
+                </a:highlight>
+                <a:latin typeface="新宋体" panose="02010609030101010101" pitchFamily="49" charset="-122"/>
+                <a:ea typeface="新宋体" panose="02010609030101010101" pitchFamily="49" charset="-122"/>
+              </a:rPr>
+              <a:t>typename</a:t>
+            </a:r>
+            <a:r>
+              <a:rPr lang="en-US" altLang="zh-CN" dirty="0">
+                <a:solidFill>
+                  <a:srgbClr val="000000"/>
+                </a:solidFill>
+                <a:highlight>
+                  <a:srgbClr val="FFFFFF"/>
+                </a:highlight>
+                <a:latin typeface="新宋体" panose="02010609030101010101" pitchFamily="49" charset="-122"/>
+                <a:ea typeface="新宋体" panose="02010609030101010101" pitchFamily="49" charset="-122"/>
+              </a:rPr>
+              <a:t> </a:t>
+            </a:r>
+            <a:r>
+              <a:rPr lang="en-US" altLang="zh-CN" dirty="0">
+                <a:solidFill>
+                  <a:srgbClr val="2B91AF"/>
+                </a:solidFill>
+                <a:highlight>
+                  <a:srgbClr val="FFFFFF"/>
+                </a:highlight>
+                <a:latin typeface="新宋体" panose="02010609030101010101" pitchFamily="49" charset="-122"/>
+                <a:ea typeface="新宋体" panose="02010609030101010101" pitchFamily="49" charset="-122"/>
+              </a:rPr>
+              <a:t>T</a:t>
+            </a:r>
+            <a:r>
+              <a:rPr lang="en-US" altLang="zh-CN" dirty="0">
+                <a:solidFill>
+                  <a:srgbClr val="000000"/>
+                </a:solidFill>
+                <a:highlight>
+                  <a:srgbClr val="FFFFFF"/>
+                </a:highlight>
+                <a:latin typeface="新宋体" panose="02010609030101010101" pitchFamily="49" charset="-122"/>
+                <a:ea typeface="新宋体" panose="02010609030101010101" pitchFamily="49" charset="-122"/>
+              </a:rPr>
+              <a:t>&gt;</a:t>
+            </a:r>
+          </a:p>
+          <a:p>
+            <a:r>
+              <a:rPr lang="en-US" altLang="zh-CN" dirty="0" err="1">
+                <a:solidFill>
+                  <a:srgbClr val="0000FF"/>
+                </a:solidFill>
+                <a:highlight>
+                  <a:srgbClr val="FFFFFF"/>
+                </a:highlight>
+                <a:latin typeface="新宋体" panose="02010609030101010101" pitchFamily="49" charset="-122"/>
+                <a:ea typeface="新宋体" panose="02010609030101010101" pitchFamily="49" charset="-122"/>
+              </a:rPr>
+              <a:t>struct</a:t>
+            </a:r>
+            <a:r>
+              <a:rPr lang="en-US" altLang="zh-CN" dirty="0">
+                <a:solidFill>
+                  <a:srgbClr val="000000"/>
+                </a:solidFill>
+                <a:highlight>
+                  <a:srgbClr val="FFFFFF"/>
+                </a:highlight>
+                <a:latin typeface="新宋体" panose="02010609030101010101" pitchFamily="49" charset="-122"/>
+                <a:ea typeface="新宋体" panose="02010609030101010101" pitchFamily="49" charset="-122"/>
+              </a:rPr>
+              <a:t> </a:t>
+            </a:r>
+            <a:r>
+              <a:rPr lang="en-US" altLang="zh-CN" dirty="0" err="1">
+                <a:solidFill>
+                  <a:srgbClr val="2B91AF"/>
+                </a:solidFill>
+                <a:highlight>
+                  <a:srgbClr val="FFFFFF"/>
+                </a:highlight>
+                <a:latin typeface="新宋体" panose="02010609030101010101" pitchFamily="49" charset="-122"/>
+                <a:ea typeface="新宋体" panose="02010609030101010101" pitchFamily="49" charset="-122"/>
+              </a:rPr>
+              <a:t>is_reflection</a:t>
+            </a:r>
+            <a:r>
+              <a:rPr lang="en-US" altLang="zh-CN" dirty="0">
+                <a:solidFill>
+                  <a:srgbClr val="000000"/>
+                </a:solidFill>
+                <a:highlight>
+                  <a:srgbClr val="FFFFFF"/>
+                </a:highlight>
+                <a:latin typeface="新宋体" panose="02010609030101010101" pitchFamily="49" charset="-122"/>
+                <a:ea typeface="新宋体" panose="02010609030101010101" pitchFamily="49" charset="-122"/>
+              </a:rPr>
+              <a:t>&lt;</a:t>
+            </a:r>
+            <a:r>
+              <a:rPr lang="en-US" altLang="zh-CN" dirty="0">
+                <a:solidFill>
+                  <a:srgbClr val="2B91AF"/>
+                </a:solidFill>
+                <a:highlight>
+                  <a:srgbClr val="FFFFFF"/>
+                </a:highlight>
+                <a:latin typeface="新宋体" panose="02010609030101010101" pitchFamily="49" charset="-122"/>
+                <a:ea typeface="新宋体" panose="02010609030101010101" pitchFamily="49" charset="-122"/>
+              </a:rPr>
+              <a:t>T</a:t>
+            </a:r>
+            <a:r>
+              <a:rPr lang="en-US" altLang="zh-CN" dirty="0">
+                <a:solidFill>
+                  <a:srgbClr val="000000"/>
+                </a:solidFill>
+                <a:highlight>
+                  <a:srgbClr val="FFFFFF"/>
+                </a:highlight>
+                <a:latin typeface="新宋体" panose="02010609030101010101" pitchFamily="49" charset="-122"/>
+                <a:ea typeface="新宋体" panose="02010609030101010101" pitchFamily="49" charset="-122"/>
+              </a:rPr>
+              <a:t>, </a:t>
+            </a:r>
+            <a:r>
+              <a:rPr lang="en-US" altLang="zh-CN" dirty="0" err="1">
+                <a:solidFill>
+                  <a:srgbClr val="FF0000"/>
+                </a:solidFill>
+                <a:highlight>
+                  <a:srgbClr val="FFFFFF"/>
+                </a:highlight>
+                <a:latin typeface="新宋体" panose="02010609030101010101" pitchFamily="49" charset="-122"/>
+                <a:ea typeface="新宋体" panose="02010609030101010101" pitchFamily="49" charset="-122"/>
+              </a:rPr>
+              <a:t>void_t</a:t>
+            </a:r>
+            <a:r>
+              <a:rPr lang="en-US" altLang="zh-CN" dirty="0">
+                <a:solidFill>
+                  <a:srgbClr val="000000"/>
+                </a:solidFill>
+                <a:highlight>
+                  <a:srgbClr val="FFFFFF"/>
+                </a:highlight>
+                <a:latin typeface="新宋体" panose="02010609030101010101" pitchFamily="49" charset="-122"/>
+                <a:ea typeface="新宋体" panose="02010609030101010101" pitchFamily="49" charset="-122"/>
+              </a:rPr>
+              <a:t>&lt;</a:t>
+            </a:r>
+          </a:p>
+          <a:p>
+            <a:r>
+              <a:rPr lang="en-US" altLang="zh-CN" dirty="0" smtClean="0">
+                <a:solidFill>
+                  <a:srgbClr val="0000FF"/>
+                </a:solidFill>
+                <a:highlight>
+                  <a:srgbClr val="FFFFFF"/>
+                </a:highlight>
+                <a:latin typeface="新宋体" panose="02010609030101010101" pitchFamily="49" charset="-122"/>
+                <a:ea typeface="新宋体" panose="02010609030101010101" pitchFamily="49" charset="-122"/>
+              </a:rPr>
+              <a:t>	</a:t>
+            </a:r>
+            <a:r>
+              <a:rPr lang="en-US" altLang="zh-CN" dirty="0" err="1" smtClean="0">
+                <a:solidFill>
+                  <a:srgbClr val="0000FF"/>
+                </a:solidFill>
+                <a:highlight>
+                  <a:srgbClr val="FFFFFF"/>
+                </a:highlight>
+                <a:latin typeface="新宋体" panose="02010609030101010101" pitchFamily="49" charset="-122"/>
+                <a:ea typeface="新宋体" panose="02010609030101010101" pitchFamily="49" charset="-122"/>
+              </a:rPr>
+              <a:t>typename</a:t>
+            </a:r>
+            <a:r>
+              <a:rPr lang="en-US" altLang="zh-CN" dirty="0" smtClean="0">
+                <a:solidFill>
+                  <a:srgbClr val="000000"/>
+                </a:solidFill>
+                <a:highlight>
+                  <a:srgbClr val="FFFFFF"/>
+                </a:highlight>
+                <a:latin typeface="新宋体" panose="02010609030101010101" pitchFamily="49" charset="-122"/>
+                <a:ea typeface="新宋体" panose="02010609030101010101" pitchFamily="49" charset="-122"/>
+              </a:rPr>
+              <a:t> </a:t>
+            </a:r>
+            <a:r>
+              <a:rPr lang="en-US" altLang="zh-CN" dirty="0">
+                <a:solidFill>
+                  <a:srgbClr val="2B91AF"/>
+                </a:solidFill>
+                <a:highlight>
+                  <a:srgbClr val="FFFFFF"/>
+                </a:highlight>
+                <a:latin typeface="新宋体" panose="02010609030101010101" pitchFamily="49" charset="-122"/>
+                <a:ea typeface="新宋体" panose="02010609030101010101" pitchFamily="49" charset="-122"/>
+              </a:rPr>
+              <a:t>Members</a:t>
+            </a:r>
+            <a:r>
+              <a:rPr lang="en-US" altLang="zh-CN" dirty="0">
+                <a:solidFill>
+                  <a:srgbClr val="000000"/>
+                </a:solidFill>
+                <a:highlight>
+                  <a:srgbClr val="FFFFFF"/>
+                </a:highlight>
+                <a:latin typeface="新宋体" panose="02010609030101010101" pitchFamily="49" charset="-122"/>
+                <a:ea typeface="新宋体" panose="02010609030101010101" pitchFamily="49" charset="-122"/>
+              </a:rPr>
+              <a:t>&lt;</a:t>
+            </a:r>
+            <a:r>
+              <a:rPr lang="en-US" altLang="zh-CN" dirty="0" err="1">
+                <a:solidFill>
+                  <a:srgbClr val="000000"/>
+                </a:solidFill>
+                <a:highlight>
+                  <a:srgbClr val="FFFFFF"/>
+                </a:highlight>
+                <a:latin typeface="新宋体" panose="02010609030101010101" pitchFamily="49" charset="-122"/>
+                <a:ea typeface="新宋体" panose="02010609030101010101" pitchFamily="49" charset="-122"/>
+              </a:rPr>
+              <a:t>std</a:t>
+            </a:r>
+            <a:r>
+              <a:rPr lang="en-US" altLang="zh-CN" dirty="0">
+                <a:solidFill>
+                  <a:srgbClr val="000000"/>
+                </a:solidFill>
+                <a:highlight>
+                  <a:srgbClr val="FFFFFF"/>
+                </a:highlight>
+                <a:latin typeface="新宋体" panose="02010609030101010101" pitchFamily="49" charset="-122"/>
+                <a:ea typeface="新宋体" panose="02010609030101010101" pitchFamily="49" charset="-122"/>
+              </a:rPr>
+              <a:t>::</a:t>
+            </a:r>
+            <a:r>
+              <a:rPr lang="en-US" altLang="zh-CN" dirty="0" err="1">
+                <a:solidFill>
+                  <a:srgbClr val="2B91AF"/>
+                </a:solidFill>
+                <a:highlight>
+                  <a:srgbClr val="FFFFFF"/>
+                </a:highlight>
+                <a:latin typeface="新宋体" panose="02010609030101010101" pitchFamily="49" charset="-122"/>
+                <a:ea typeface="新宋体" panose="02010609030101010101" pitchFamily="49" charset="-122"/>
+              </a:rPr>
+              <a:t>remove_const_t</a:t>
+            </a:r>
+            <a:r>
+              <a:rPr lang="en-US" altLang="zh-CN" dirty="0">
+                <a:solidFill>
+                  <a:srgbClr val="000000"/>
+                </a:solidFill>
+                <a:highlight>
+                  <a:srgbClr val="FFFFFF"/>
+                </a:highlight>
+                <a:latin typeface="新宋体" panose="02010609030101010101" pitchFamily="49" charset="-122"/>
+                <a:ea typeface="新宋体" panose="02010609030101010101" pitchFamily="49" charset="-122"/>
+              </a:rPr>
+              <a:t> &lt;</a:t>
+            </a:r>
+            <a:r>
+              <a:rPr lang="en-US" altLang="zh-CN" dirty="0" err="1">
+                <a:solidFill>
+                  <a:srgbClr val="000000"/>
+                </a:solidFill>
+                <a:highlight>
+                  <a:srgbClr val="FFFFFF"/>
+                </a:highlight>
+                <a:latin typeface="新宋体" panose="02010609030101010101" pitchFamily="49" charset="-122"/>
+                <a:ea typeface="新宋体" panose="02010609030101010101" pitchFamily="49" charset="-122"/>
+              </a:rPr>
+              <a:t>std</a:t>
+            </a:r>
+            <a:r>
+              <a:rPr lang="en-US" altLang="zh-CN" dirty="0">
+                <a:solidFill>
+                  <a:srgbClr val="000000"/>
+                </a:solidFill>
+                <a:highlight>
+                  <a:srgbClr val="FFFFFF"/>
+                </a:highlight>
+                <a:latin typeface="新宋体" panose="02010609030101010101" pitchFamily="49" charset="-122"/>
+                <a:ea typeface="新宋体" panose="02010609030101010101" pitchFamily="49" charset="-122"/>
+              </a:rPr>
+              <a:t>::</a:t>
+            </a:r>
+            <a:r>
+              <a:rPr lang="en-US" altLang="zh-CN" dirty="0" err="1">
+                <a:solidFill>
+                  <a:srgbClr val="2B91AF"/>
+                </a:solidFill>
+                <a:highlight>
+                  <a:srgbClr val="FFFFFF"/>
+                </a:highlight>
+                <a:latin typeface="新宋体" panose="02010609030101010101" pitchFamily="49" charset="-122"/>
+                <a:ea typeface="新宋体" panose="02010609030101010101" pitchFamily="49" charset="-122"/>
+              </a:rPr>
+              <a:t>remove_reference_t</a:t>
+            </a:r>
+            <a:r>
+              <a:rPr lang="en-US" altLang="zh-CN" dirty="0">
+                <a:solidFill>
+                  <a:srgbClr val="000000"/>
+                </a:solidFill>
+                <a:highlight>
+                  <a:srgbClr val="FFFFFF"/>
+                </a:highlight>
+                <a:latin typeface="新宋体" panose="02010609030101010101" pitchFamily="49" charset="-122"/>
+                <a:ea typeface="新宋体" panose="02010609030101010101" pitchFamily="49" charset="-122"/>
+              </a:rPr>
+              <a:t>&lt;</a:t>
+            </a:r>
+            <a:r>
+              <a:rPr lang="en-US" altLang="zh-CN" dirty="0">
+                <a:solidFill>
+                  <a:srgbClr val="2B91AF"/>
+                </a:solidFill>
+                <a:highlight>
+                  <a:srgbClr val="FFFFFF"/>
+                </a:highlight>
+                <a:latin typeface="新宋体" panose="02010609030101010101" pitchFamily="49" charset="-122"/>
+                <a:ea typeface="新宋体" panose="02010609030101010101" pitchFamily="49" charset="-122"/>
+              </a:rPr>
+              <a:t>T</a:t>
+            </a:r>
+            <a:r>
+              <a:rPr lang="en-US" altLang="zh-CN" dirty="0">
+                <a:solidFill>
+                  <a:srgbClr val="000000"/>
+                </a:solidFill>
+                <a:highlight>
+                  <a:srgbClr val="FFFFFF"/>
+                </a:highlight>
+                <a:latin typeface="新宋体" panose="02010609030101010101" pitchFamily="49" charset="-122"/>
+                <a:ea typeface="新宋体" panose="02010609030101010101" pitchFamily="49" charset="-122"/>
+              </a:rPr>
+              <a:t>&gt;&gt;&gt;::</a:t>
+            </a:r>
+            <a:r>
+              <a:rPr lang="en-US" altLang="zh-CN" dirty="0">
+                <a:solidFill>
+                  <a:srgbClr val="2B91AF"/>
+                </a:solidFill>
+                <a:highlight>
+                  <a:srgbClr val="FFFFFF"/>
+                </a:highlight>
+                <a:latin typeface="新宋体" panose="02010609030101010101" pitchFamily="49" charset="-122"/>
+                <a:ea typeface="新宋体" panose="02010609030101010101" pitchFamily="49" charset="-122"/>
+              </a:rPr>
+              <a:t>type</a:t>
+            </a:r>
+            <a:endParaRPr lang="en-US" altLang="zh-CN" dirty="0">
+              <a:solidFill>
+                <a:srgbClr val="000000"/>
+              </a:solidFill>
+              <a:highlight>
+                <a:srgbClr val="FFFFFF"/>
+              </a:highlight>
+              <a:latin typeface="新宋体" panose="02010609030101010101" pitchFamily="49" charset="-122"/>
+              <a:ea typeface="新宋体" panose="02010609030101010101" pitchFamily="49" charset="-122"/>
+            </a:endParaRPr>
+          </a:p>
+          <a:p>
+            <a:r>
+              <a:rPr lang="en-US" altLang="zh-CN" dirty="0" smtClean="0">
+                <a:solidFill>
+                  <a:srgbClr val="000000"/>
+                </a:solidFill>
+                <a:highlight>
+                  <a:srgbClr val="FFFFFF"/>
+                </a:highlight>
+                <a:latin typeface="新宋体" panose="02010609030101010101" pitchFamily="49" charset="-122"/>
+                <a:ea typeface="新宋体" panose="02010609030101010101" pitchFamily="49" charset="-122"/>
+              </a:rPr>
+              <a:t>	&gt;&gt; </a:t>
+            </a:r>
+            <a:r>
+              <a:rPr lang="en-US" altLang="zh-CN" dirty="0">
+                <a:solidFill>
+                  <a:srgbClr val="000000"/>
+                </a:solidFill>
+                <a:highlight>
+                  <a:srgbClr val="FFFFFF"/>
+                </a:highlight>
+                <a:latin typeface="新宋体" panose="02010609030101010101" pitchFamily="49" charset="-122"/>
+                <a:ea typeface="新宋体" panose="02010609030101010101" pitchFamily="49" charset="-122"/>
+              </a:rPr>
+              <a:t>: </a:t>
+            </a:r>
+            <a:r>
+              <a:rPr lang="en-US" altLang="zh-CN" dirty="0" err="1">
+                <a:solidFill>
+                  <a:srgbClr val="000000"/>
+                </a:solidFill>
+                <a:highlight>
+                  <a:srgbClr val="FFFFFF"/>
+                </a:highlight>
+                <a:latin typeface="新宋体" panose="02010609030101010101" pitchFamily="49" charset="-122"/>
+                <a:ea typeface="新宋体" panose="02010609030101010101" pitchFamily="49" charset="-122"/>
+              </a:rPr>
+              <a:t>std</a:t>
+            </a:r>
+            <a:r>
+              <a:rPr lang="en-US" altLang="zh-CN" dirty="0">
+                <a:solidFill>
+                  <a:srgbClr val="000000"/>
+                </a:solidFill>
+                <a:highlight>
+                  <a:srgbClr val="FFFFFF"/>
+                </a:highlight>
+                <a:latin typeface="新宋体" panose="02010609030101010101" pitchFamily="49" charset="-122"/>
+                <a:ea typeface="新宋体" panose="02010609030101010101" pitchFamily="49" charset="-122"/>
+              </a:rPr>
+              <a:t>::</a:t>
+            </a:r>
+            <a:r>
+              <a:rPr lang="en-US" altLang="zh-CN" dirty="0" err="1">
+                <a:solidFill>
+                  <a:srgbClr val="2B91AF"/>
+                </a:solidFill>
+                <a:highlight>
+                  <a:srgbClr val="FFFFFF"/>
+                </a:highlight>
+                <a:latin typeface="新宋体" panose="02010609030101010101" pitchFamily="49" charset="-122"/>
+                <a:ea typeface="新宋体" panose="02010609030101010101" pitchFamily="49" charset="-122"/>
+              </a:rPr>
+              <a:t>true_type</a:t>
+            </a:r>
+            <a:r>
+              <a:rPr lang="en-US" altLang="zh-CN" dirty="0">
+                <a:solidFill>
+                  <a:srgbClr val="000000"/>
+                </a:solidFill>
+                <a:highlight>
+                  <a:srgbClr val="FFFFFF"/>
+                </a:highlight>
+                <a:latin typeface="新宋体" panose="02010609030101010101" pitchFamily="49" charset="-122"/>
+                <a:ea typeface="新宋体" panose="02010609030101010101" pitchFamily="49" charset="-122"/>
+              </a:rPr>
+              <a:t>{</a:t>
+            </a:r>
+          </a:p>
+          <a:p>
+            <a:r>
+              <a:rPr lang="en-US" altLang="zh-CN" dirty="0">
+                <a:solidFill>
+                  <a:srgbClr val="000000"/>
+                </a:solidFill>
+                <a:highlight>
+                  <a:srgbClr val="FFFFFF"/>
+                </a:highlight>
+                <a:latin typeface="新宋体" panose="02010609030101010101" pitchFamily="49" charset="-122"/>
+                <a:ea typeface="新宋体" panose="02010609030101010101" pitchFamily="49" charset="-122"/>
+              </a:rPr>
+              <a:t>};</a:t>
             </a:r>
             <a:endParaRPr lang="zh-CN" altLang="en-US" dirty="0"/>
           </a:p>
@@ -29666,7 +30411,7 @@
     </p:spTree>
     <p:extLst>
       <p:ext uri="{BB962C8B-B14F-4D97-AF65-F5344CB8AC3E}">
-        <p14:creationId xmlns:p14="http://schemas.microsoft.com/office/powerpoint/2010/main" val="3920747289"/>
+        <p14:creationId xmlns:p14="http://schemas.microsoft.com/office/powerpoint/2010/main" val="2896066363"/>
       </p:ext>
     </p:extLst>
   </p:cSld>
@@ -30024,15 +30769,7 @@
           <a:bodyPr/>
           <a:lstStyle/>
           <a:p>
-            <a:r>
-              <a:rPr lang="en-US" altLang="zh-CN" dirty="0"/>
-              <a:t>application of compile-time </a:t>
-            </a:r>
-            <a:r>
-              <a:rPr lang="en-US" altLang="zh-CN" dirty="0" smtClean="0"/>
-              <a:t>reflection</a:t>
-            </a:r>
-            <a:endParaRPr lang="zh-CN" altLang="en-US" dirty="0"/>
+            <a:endParaRPr lang="zh-CN" altLang="en-US"/>
           </a:p>
         </p:txBody>
       </p:sp>
@@ -30051,21 +30788,675 @@
           <a:bodyPr/>
           <a:lstStyle/>
           <a:p>
-            <a:r>
-              <a:rPr lang="en-US" altLang="zh-CN" dirty="0"/>
-              <a:t>Serialization</a:t>
-            </a:r>
-          </a:p>
-          <a:p>
-            <a:r>
-              <a:rPr lang="en-US" altLang="zh-CN" dirty="0"/>
-              <a:t>ORM(Object Relational Mapping)</a:t>
-            </a:r>
-          </a:p>
-          <a:p>
-            <a:r>
-              <a:rPr lang="en-US" altLang="zh-CN" dirty="0"/>
-              <a:t>DSL(domain-specific language)</a:t>
+            <a:endParaRPr lang="zh-CN" altLang="en-US" dirty="0"/>
+          </a:p>
+        </p:txBody>
+      </p:sp>
+      <p:sp>
+        <p:nvSpPr>
+          <p:cNvPr id="5" name="矩形 4"/>
+          <p:cNvSpPr/>
+          <p:nvPr/>
+        </p:nvSpPr>
+        <p:spPr>
+          <a:xfrm>
+            <a:off x="838200" y="1825625"/>
+            <a:ext cx="8673737" cy="2308324"/>
+          </a:xfrm>
+          <a:prstGeom prst="rect">
+            <a:avLst/>
+          </a:prstGeom>
+        </p:spPr>
+        <p:txBody>
+          <a:bodyPr wrap="square">
+            <a:spAutoFit/>
+          </a:bodyPr>
+          <a:lstStyle/>
+          <a:p>
+            <a:r>
+              <a:rPr lang="en-US" altLang="zh-CN" dirty="0">
+                <a:solidFill>
+                  <a:srgbClr val="0000FF"/>
+                </a:solidFill>
+                <a:highlight>
+                  <a:srgbClr val="FFFFFF"/>
+                </a:highlight>
+                <a:latin typeface="新宋体" panose="02010609030101010101" pitchFamily="49" charset="-122"/>
+                <a:ea typeface="新宋体" panose="02010609030101010101" pitchFamily="49" charset="-122"/>
+              </a:rPr>
+              <a:t>template</a:t>
+            </a:r>
+            <a:r>
+              <a:rPr lang="en-US" altLang="zh-CN" dirty="0">
+                <a:solidFill>
+                  <a:srgbClr val="000000"/>
+                </a:solidFill>
+                <a:highlight>
+                  <a:srgbClr val="FFFFFF"/>
+                </a:highlight>
+                <a:latin typeface="新宋体" panose="02010609030101010101" pitchFamily="49" charset="-122"/>
+                <a:ea typeface="新宋体" panose="02010609030101010101" pitchFamily="49" charset="-122"/>
+              </a:rPr>
+              <a:t>&lt;</a:t>
+            </a:r>
+            <a:r>
+              <a:rPr lang="en-US" altLang="zh-CN" dirty="0" err="1">
+                <a:solidFill>
+                  <a:srgbClr val="0000FF"/>
+                </a:solidFill>
+                <a:highlight>
+                  <a:srgbClr val="FFFFFF"/>
+                </a:highlight>
+                <a:latin typeface="新宋体" panose="02010609030101010101" pitchFamily="49" charset="-122"/>
+                <a:ea typeface="新宋体" panose="02010609030101010101" pitchFamily="49" charset="-122"/>
+              </a:rPr>
+              <a:t>typename</a:t>
+            </a:r>
+            <a:r>
+              <a:rPr lang="en-US" altLang="zh-CN" dirty="0">
+                <a:solidFill>
+                  <a:srgbClr val="000000"/>
+                </a:solidFill>
+                <a:highlight>
+                  <a:srgbClr val="FFFFFF"/>
+                </a:highlight>
+                <a:latin typeface="新宋体" panose="02010609030101010101" pitchFamily="49" charset="-122"/>
+                <a:ea typeface="新宋体" panose="02010609030101010101" pitchFamily="49" charset="-122"/>
+              </a:rPr>
+              <a:t> </a:t>
+            </a:r>
+            <a:r>
+              <a:rPr lang="en-US" altLang="zh-CN" dirty="0">
+                <a:solidFill>
+                  <a:srgbClr val="2B91AF"/>
+                </a:solidFill>
+                <a:highlight>
+                  <a:srgbClr val="FFFFFF"/>
+                </a:highlight>
+                <a:latin typeface="新宋体" panose="02010609030101010101" pitchFamily="49" charset="-122"/>
+                <a:ea typeface="新宋体" panose="02010609030101010101" pitchFamily="49" charset="-122"/>
+              </a:rPr>
+              <a:t>T</a:t>
+            </a:r>
+            <a:r>
+              <a:rPr lang="en-US" altLang="zh-CN" dirty="0">
+                <a:solidFill>
+                  <a:srgbClr val="000000"/>
+                </a:solidFill>
+                <a:highlight>
+                  <a:srgbClr val="FFFFFF"/>
+                </a:highlight>
+                <a:latin typeface="新宋体" panose="02010609030101010101" pitchFamily="49" charset="-122"/>
+                <a:ea typeface="新宋体" panose="02010609030101010101" pitchFamily="49" charset="-122"/>
+              </a:rPr>
+              <a:t>, </a:t>
+            </a:r>
+            <a:r>
+              <a:rPr lang="en-US" altLang="zh-CN" dirty="0" err="1">
+                <a:solidFill>
+                  <a:srgbClr val="2B91AF"/>
+                </a:solidFill>
+                <a:highlight>
+                  <a:srgbClr val="FFFFFF"/>
+                </a:highlight>
+                <a:latin typeface="新宋体" panose="02010609030101010101" pitchFamily="49" charset="-122"/>
+                <a:ea typeface="新宋体" panose="02010609030101010101" pitchFamily="49" charset="-122"/>
+              </a:rPr>
+              <a:t>size_t</a:t>
+            </a:r>
+            <a:r>
+              <a:rPr lang="en-US" altLang="zh-CN" dirty="0">
+                <a:solidFill>
+                  <a:srgbClr val="000000"/>
+                </a:solidFill>
+                <a:highlight>
+                  <a:srgbClr val="FFFFFF"/>
+                </a:highlight>
+                <a:latin typeface="新宋体" panose="02010609030101010101" pitchFamily="49" charset="-122"/>
+                <a:ea typeface="新宋体" panose="02010609030101010101" pitchFamily="49" charset="-122"/>
+              </a:rPr>
+              <a:t>  I&gt;</a:t>
+            </a:r>
+          </a:p>
+          <a:p>
+            <a:r>
+              <a:rPr lang="en-US" altLang="zh-CN" dirty="0" err="1">
+                <a:solidFill>
+                  <a:srgbClr val="0000FF"/>
+                </a:solidFill>
+                <a:highlight>
+                  <a:srgbClr val="FFFFFF"/>
+                </a:highlight>
+                <a:latin typeface="新宋体" panose="02010609030101010101" pitchFamily="49" charset="-122"/>
+                <a:ea typeface="新宋体" panose="02010609030101010101" pitchFamily="49" charset="-122"/>
+              </a:rPr>
+              <a:t>constexpr</a:t>
+            </a:r>
+            <a:r>
+              <a:rPr lang="en-US" altLang="zh-CN" dirty="0">
+                <a:solidFill>
+                  <a:srgbClr val="000000"/>
+                </a:solidFill>
+                <a:highlight>
+                  <a:srgbClr val="FFFFFF"/>
+                </a:highlight>
+                <a:latin typeface="新宋体" panose="02010609030101010101" pitchFamily="49" charset="-122"/>
+                <a:ea typeface="新宋体" panose="02010609030101010101" pitchFamily="49" charset="-122"/>
+              </a:rPr>
+              <a:t> </a:t>
+            </a:r>
+            <a:r>
+              <a:rPr lang="en-US" altLang="zh-CN" dirty="0" err="1">
+                <a:solidFill>
+                  <a:srgbClr val="0000FF"/>
+                </a:solidFill>
+                <a:highlight>
+                  <a:srgbClr val="FFFFFF"/>
+                </a:highlight>
+                <a:latin typeface="新宋体" panose="02010609030101010101" pitchFamily="49" charset="-122"/>
+                <a:ea typeface="新宋体" panose="02010609030101010101" pitchFamily="49" charset="-122"/>
+              </a:rPr>
+              <a:t>const</a:t>
+            </a:r>
+            <a:r>
+              <a:rPr lang="en-US" altLang="zh-CN" dirty="0">
+                <a:solidFill>
+                  <a:srgbClr val="000000"/>
+                </a:solidFill>
+                <a:highlight>
+                  <a:srgbClr val="FFFFFF"/>
+                </a:highlight>
+                <a:latin typeface="新宋体" panose="02010609030101010101" pitchFamily="49" charset="-122"/>
+                <a:ea typeface="新宋体" panose="02010609030101010101" pitchFamily="49" charset="-122"/>
+              </a:rPr>
+              <a:t> </a:t>
+            </a:r>
+            <a:r>
+              <a:rPr lang="en-US" altLang="zh-CN" dirty="0" err="1">
+                <a:solidFill>
+                  <a:srgbClr val="000000"/>
+                </a:solidFill>
+                <a:highlight>
+                  <a:srgbClr val="FFFFFF"/>
+                </a:highlight>
+                <a:latin typeface="新宋体" panose="02010609030101010101" pitchFamily="49" charset="-122"/>
+                <a:ea typeface="新宋体" panose="02010609030101010101" pitchFamily="49" charset="-122"/>
+              </a:rPr>
+              <a:t>std</a:t>
+            </a:r>
+            <a:r>
+              <a:rPr lang="en-US" altLang="zh-CN" dirty="0">
+                <a:solidFill>
+                  <a:srgbClr val="000000"/>
+                </a:solidFill>
+                <a:highlight>
+                  <a:srgbClr val="FFFFFF"/>
+                </a:highlight>
+                <a:latin typeface="新宋体" panose="02010609030101010101" pitchFamily="49" charset="-122"/>
+                <a:ea typeface="新宋体" panose="02010609030101010101" pitchFamily="49" charset="-122"/>
+              </a:rPr>
+              <a:t>::</a:t>
+            </a:r>
+            <a:r>
+              <a:rPr lang="en-US" altLang="zh-CN" dirty="0" err="1">
+                <a:solidFill>
+                  <a:srgbClr val="000000"/>
+                </a:solidFill>
+                <a:highlight>
+                  <a:srgbClr val="FFFFFF"/>
+                </a:highlight>
+                <a:latin typeface="新宋体" panose="02010609030101010101" pitchFamily="49" charset="-122"/>
+                <a:ea typeface="新宋体" panose="02010609030101010101" pitchFamily="49" charset="-122"/>
+              </a:rPr>
+              <a:t>string_view</a:t>
+            </a:r>
+            <a:r>
+              <a:rPr lang="en-US" altLang="zh-CN" dirty="0">
+                <a:solidFill>
+                  <a:srgbClr val="000000"/>
+                </a:solidFill>
+                <a:highlight>
+                  <a:srgbClr val="FFFFFF"/>
+                </a:highlight>
+                <a:latin typeface="新宋体" panose="02010609030101010101" pitchFamily="49" charset="-122"/>
+                <a:ea typeface="新宋体" panose="02010609030101010101" pitchFamily="49" charset="-122"/>
+              </a:rPr>
+              <a:t> </a:t>
+            </a:r>
+            <a:r>
+              <a:rPr lang="en-US" altLang="zh-CN" dirty="0" err="1">
+                <a:solidFill>
+                  <a:srgbClr val="000000"/>
+                </a:solidFill>
+                <a:highlight>
+                  <a:srgbClr val="FFFFFF"/>
+                </a:highlight>
+                <a:latin typeface="新宋体" panose="02010609030101010101" pitchFamily="49" charset="-122"/>
+                <a:ea typeface="新宋体" panose="02010609030101010101" pitchFamily="49" charset="-122"/>
+              </a:rPr>
+              <a:t>get_name</a:t>
+            </a:r>
+            <a:r>
+              <a:rPr lang="en-US" altLang="zh-CN" dirty="0">
+                <a:solidFill>
+                  <a:srgbClr val="000000"/>
+                </a:solidFill>
+                <a:highlight>
+                  <a:srgbClr val="FFFFFF"/>
+                </a:highlight>
+                <a:latin typeface="新宋体" panose="02010609030101010101" pitchFamily="49" charset="-122"/>
+                <a:ea typeface="新宋体" panose="02010609030101010101" pitchFamily="49" charset="-122"/>
+              </a:rPr>
+              <a:t>()</a:t>
+            </a:r>
+          </a:p>
+          <a:p>
+            <a:r>
+              <a:rPr lang="en-US" altLang="zh-CN" dirty="0" smtClean="0">
+                <a:solidFill>
+                  <a:srgbClr val="000000"/>
+                </a:solidFill>
+                <a:highlight>
+                  <a:srgbClr val="FFFFFF"/>
+                </a:highlight>
+                <a:latin typeface="新宋体" panose="02010609030101010101" pitchFamily="49" charset="-122"/>
+                <a:ea typeface="新宋体" panose="02010609030101010101" pitchFamily="49" charset="-122"/>
+              </a:rPr>
+              <a:t>{</a:t>
+            </a:r>
+          </a:p>
+          <a:p>
+            <a:r>
+              <a:rPr lang="en-US" altLang="zh-CN" dirty="0" smtClean="0">
+                <a:solidFill>
+                  <a:srgbClr val="0000FF"/>
+                </a:solidFill>
+                <a:highlight>
+                  <a:srgbClr val="FFFFFF"/>
+                </a:highlight>
+                <a:latin typeface="新宋体" panose="02010609030101010101" pitchFamily="49" charset="-122"/>
+                <a:ea typeface="新宋体" panose="02010609030101010101" pitchFamily="49" charset="-122"/>
+              </a:rPr>
+              <a:t>    using</a:t>
+            </a:r>
+            <a:r>
+              <a:rPr lang="en-US" altLang="zh-CN" dirty="0" smtClean="0">
+                <a:solidFill>
+                  <a:srgbClr val="000000"/>
+                </a:solidFill>
+                <a:highlight>
+                  <a:srgbClr val="FFFFFF"/>
+                </a:highlight>
+                <a:latin typeface="新宋体" panose="02010609030101010101" pitchFamily="49" charset="-122"/>
+                <a:ea typeface="新宋体" panose="02010609030101010101" pitchFamily="49" charset="-122"/>
+              </a:rPr>
+              <a:t> </a:t>
+            </a:r>
+            <a:r>
+              <a:rPr lang="en-US" altLang="zh-CN" dirty="0">
+                <a:solidFill>
+                  <a:srgbClr val="2B91AF"/>
+                </a:solidFill>
+                <a:highlight>
+                  <a:srgbClr val="FFFFFF"/>
+                </a:highlight>
+                <a:latin typeface="新宋体" panose="02010609030101010101" pitchFamily="49" charset="-122"/>
+                <a:ea typeface="新宋体" panose="02010609030101010101" pitchFamily="49" charset="-122"/>
+              </a:rPr>
+              <a:t>M</a:t>
+            </a:r>
+            <a:r>
+              <a:rPr lang="en-US" altLang="zh-CN" dirty="0">
+                <a:solidFill>
+                  <a:srgbClr val="000000"/>
+                </a:solidFill>
+                <a:highlight>
+                  <a:srgbClr val="FFFFFF"/>
+                </a:highlight>
+                <a:latin typeface="新宋体" panose="02010609030101010101" pitchFamily="49" charset="-122"/>
+                <a:ea typeface="新宋体" panose="02010609030101010101" pitchFamily="49" charset="-122"/>
+              </a:rPr>
+              <a:t> = </a:t>
+            </a:r>
+            <a:r>
+              <a:rPr lang="en-US" altLang="zh-CN" dirty="0">
+                <a:solidFill>
+                  <a:srgbClr val="2B91AF"/>
+                </a:solidFill>
+                <a:highlight>
+                  <a:srgbClr val="FFFFFF"/>
+                </a:highlight>
+                <a:latin typeface="新宋体" panose="02010609030101010101" pitchFamily="49" charset="-122"/>
+                <a:ea typeface="新宋体" panose="02010609030101010101" pitchFamily="49" charset="-122"/>
+              </a:rPr>
+              <a:t>Members</a:t>
+            </a:r>
+            <a:r>
+              <a:rPr lang="en-US" altLang="zh-CN" dirty="0">
+                <a:solidFill>
+                  <a:srgbClr val="000000"/>
+                </a:solidFill>
+                <a:highlight>
+                  <a:srgbClr val="FFFFFF"/>
+                </a:highlight>
+                <a:latin typeface="新宋体" panose="02010609030101010101" pitchFamily="49" charset="-122"/>
+                <a:ea typeface="新宋体" panose="02010609030101010101" pitchFamily="49" charset="-122"/>
+              </a:rPr>
+              <a:t>&lt;</a:t>
+            </a:r>
+            <a:r>
+              <a:rPr lang="en-US" altLang="zh-CN" dirty="0" err="1">
+                <a:solidFill>
+                  <a:srgbClr val="000000"/>
+                </a:solidFill>
+                <a:highlight>
+                  <a:srgbClr val="FFFFFF"/>
+                </a:highlight>
+                <a:latin typeface="新宋体" panose="02010609030101010101" pitchFamily="49" charset="-122"/>
+                <a:ea typeface="新宋体" panose="02010609030101010101" pitchFamily="49" charset="-122"/>
+              </a:rPr>
+              <a:t>std</a:t>
+            </a:r>
+            <a:r>
+              <a:rPr lang="en-US" altLang="zh-CN" dirty="0">
+                <a:solidFill>
+                  <a:srgbClr val="000000"/>
+                </a:solidFill>
+                <a:highlight>
+                  <a:srgbClr val="FFFFFF"/>
+                </a:highlight>
+                <a:latin typeface="新宋体" panose="02010609030101010101" pitchFamily="49" charset="-122"/>
+                <a:ea typeface="新宋体" panose="02010609030101010101" pitchFamily="49" charset="-122"/>
+              </a:rPr>
+              <a:t>::</a:t>
+            </a:r>
+            <a:r>
+              <a:rPr lang="en-US" altLang="zh-CN" dirty="0" err="1">
+                <a:solidFill>
+                  <a:srgbClr val="2B91AF"/>
+                </a:solidFill>
+                <a:highlight>
+                  <a:srgbClr val="FFFFFF"/>
+                </a:highlight>
+                <a:latin typeface="新宋体" panose="02010609030101010101" pitchFamily="49" charset="-122"/>
+                <a:ea typeface="新宋体" panose="02010609030101010101" pitchFamily="49" charset="-122"/>
+              </a:rPr>
+              <a:t>remove_const_t</a:t>
+            </a:r>
+            <a:r>
+              <a:rPr lang="en-US" altLang="zh-CN" dirty="0">
+                <a:solidFill>
+                  <a:srgbClr val="000000"/>
+                </a:solidFill>
+                <a:highlight>
+                  <a:srgbClr val="FFFFFF"/>
+                </a:highlight>
+                <a:latin typeface="新宋体" panose="02010609030101010101" pitchFamily="49" charset="-122"/>
+                <a:ea typeface="新宋体" panose="02010609030101010101" pitchFamily="49" charset="-122"/>
+              </a:rPr>
+              <a:t> &lt;</a:t>
+            </a:r>
+            <a:r>
+              <a:rPr lang="en-US" altLang="zh-CN" dirty="0" err="1">
+                <a:solidFill>
+                  <a:srgbClr val="000000"/>
+                </a:solidFill>
+                <a:highlight>
+                  <a:srgbClr val="FFFFFF"/>
+                </a:highlight>
+                <a:latin typeface="新宋体" panose="02010609030101010101" pitchFamily="49" charset="-122"/>
+                <a:ea typeface="新宋体" panose="02010609030101010101" pitchFamily="49" charset="-122"/>
+              </a:rPr>
+              <a:t>std</a:t>
+            </a:r>
+            <a:r>
+              <a:rPr lang="en-US" altLang="zh-CN" dirty="0">
+                <a:solidFill>
+                  <a:srgbClr val="000000"/>
+                </a:solidFill>
+                <a:highlight>
+                  <a:srgbClr val="FFFFFF"/>
+                </a:highlight>
+                <a:latin typeface="新宋体" panose="02010609030101010101" pitchFamily="49" charset="-122"/>
+                <a:ea typeface="新宋体" panose="02010609030101010101" pitchFamily="49" charset="-122"/>
+              </a:rPr>
+              <a:t>::</a:t>
+            </a:r>
+            <a:r>
+              <a:rPr lang="en-US" altLang="zh-CN" dirty="0" err="1">
+                <a:solidFill>
+                  <a:srgbClr val="2B91AF"/>
+                </a:solidFill>
+                <a:highlight>
+                  <a:srgbClr val="FFFFFF"/>
+                </a:highlight>
+                <a:latin typeface="新宋体" panose="02010609030101010101" pitchFamily="49" charset="-122"/>
+                <a:ea typeface="新宋体" panose="02010609030101010101" pitchFamily="49" charset="-122"/>
+              </a:rPr>
+              <a:t>remove_reference_t</a:t>
+            </a:r>
+            <a:r>
+              <a:rPr lang="en-US" altLang="zh-CN" dirty="0">
+                <a:solidFill>
+                  <a:srgbClr val="000000"/>
+                </a:solidFill>
+                <a:highlight>
+                  <a:srgbClr val="FFFFFF"/>
+                </a:highlight>
+                <a:latin typeface="新宋体" panose="02010609030101010101" pitchFamily="49" charset="-122"/>
+                <a:ea typeface="新宋体" panose="02010609030101010101" pitchFamily="49" charset="-122"/>
+              </a:rPr>
+              <a:t>&lt;</a:t>
+            </a:r>
+            <a:r>
+              <a:rPr lang="en-US" altLang="zh-CN" dirty="0">
+                <a:solidFill>
+                  <a:srgbClr val="2B91AF"/>
+                </a:solidFill>
+                <a:highlight>
+                  <a:srgbClr val="FFFFFF"/>
+                </a:highlight>
+                <a:latin typeface="新宋体" panose="02010609030101010101" pitchFamily="49" charset="-122"/>
+                <a:ea typeface="新宋体" panose="02010609030101010101" pitchFamily="49" charset="-122"/>
+              </a:rPr>
+              <a:t>T</a:t>
+            </a:r>
+            <a:r>
+              <a:rPr lang="en-US" altLang="zh-CN" dirty="0">
+                <a:solidFill>
+                  <a:srgbClr val="000000"/>
+                </a:solidFill>
+                <a:highlight>
+                  <a:srgbClr val="FFFFFF"/>
+                </a:highlight>
+                <a:latin typeface="新宋体" panose="02010609030101010101" pitchFamily="49" charset="-122"/>
+                <a:ea typeface="新宋体" panose="02010609030101010101" pitchFamily="49" charset="-122"/>
+              </a:rPr>
+              <a:t>&gt;&gt;&gt;;</a:t>
+            </a:r>
+            <a:endParaRPr lang="en-US" altLang="zh-CN" dirty="0" smtClean="0">
+              <a:solidFill>
+                <a:srgbClr val="0000FF"/>
+              </a:solidFill>
+              <a:highlight>
+                <a:srgbClr val="FFFFFF"/>
+              </a:highlight>
+              <a:latin typeface="新宋体" panose="02010609030101010101" pitchFamily="49" charset="-122"/>
+              <a:ea typeface="新宋体" panose="02010609030101010101" pitchFamily="49" charset="-122"/>
+            </a:endParaRPr>
+          </a:p>
+          <a:p>
+            <a:r>
+              <a:rPr lang="en-US" altLang="zh-CN" dirty="0" smtClean="0">
+                <a:solidFill>
+                  <a:srgbClr val="0000FF"/>
+                </a:solidFill>
+                <a:highlight>
+                  <a:srgbClr val="FFFFFF"/>
+                </a:highlight>
+                <a:latin typeface="新宋体" panose="02010609030101010101" pitchFamily="49" charset="-122"/>
+                <a:ea typeface="新宋体" panose="02010609030101010101" pitchFamily="49" charset="-122"/>
+              </a:rPr>
+              <a:t>    </a:t>
+            </a:r>
+            <a:r>
+              <a:rPr lang="en-US" altLang="zh-CN" dirty="0" err="1" smtClean="0">
+                <a:solidFill>
+                  <a:srgbClr val="0000FF"/>
+                </a:solidFill>
+                <a:highlight>
+                  <a:srgbClr val="FFFFFF"/>
+                </a:highlight>
+                <a:latin typeface="新宋体" panose="02010609030101010101" pitchFamily="49" charset="-122"/>
+                <a:ea typeface="新宋体" panose="02010609030101010101" pitchFamily="49" charset="-122"/>
+              </a:rPr>
+              <a:t>static_assert</a:t>
+            </a:r>
+            <a:r>
+              <a:rPr lang="en-US" altLang="zh-CN" dirty="0" smtClean="0">
+                <a:solidFill>
+                  <a:srgbClr val="000000"/>
+                </a:solidFill>
+                <a:highlight>
+                  <a:srgbClr val="FFFFFF"/>
+                </a:highlight>
+                <a:latin typeface="新宋体" panose="02010609030101010101" pitchFamily="49" charset="-122"/>
+                <a:ea typeface="新宋体" panose="02010609030101010101" pitchFamily="49" charset="-122"/>
+              </a:rPr>
+              <a:t>(I&lt;</a:t>
+            </a:r>
+            <a:r>
+              <a:rPr lang="en-US" altLang="zh-CN" dirty="0" smtClean="0">
+                <a:solidFill>
+                  <a:srgbClr val="2B91AF"/>
+                </a:solidFill>
+                <a:highlight>
+                  <a:srgbClr val="FFFFFF"/>
+                </a:highlight>
+                <a:latin typeface="新宋体" panose="02010609030101010101" pitchFamily="49" charset="-122"/>
+                <a:ea typeface="新宋体" panose="02010609030101010101" pitchFamily="49" charset="-122"/>
+              </a:rPr>
+              <a:t>M</a:t>
+            </a:r>
+            <a:r>
+              <a:rPr lang="en-US" altLang="zh-CN" dirty="0" smtClean="0">
+                <a:solidFill>
+                  <a:srgbClr val="000000"/>
+                </a:solidFill>
+                <a:highlight>
+                  <a:srgbClr val="FFFFFF"/>
+                </a:highlight>
+                <a:latin typeface="新宋体" panose="02010609030101010101" pitchFamily="49" charset="-122"/>
+                <a:ea typeface="新宋体" panose="02010609030101010101" pitchFamily="49" charset="-122"/>
+              </a:rPr>
+              <a:t>::value(), </a:t>
+            </a:r>
+            <a:r>
+              <a:rPr lang="en-US" altLang="zh-CN" dirty="0" smtClean="0">
+                <a:solidFill>
+                  <a:srgbClr val="A31515"/>
+                </a:solidFill>
+                <a:highlight>
+                  <a:srgbClr val="FFFFFF"/>
+                </a:highlight>
+                <a:latin typeface="新宋体" panose="02010609030101010101" pitchFamily="49" charset="-122"/>
+                <a:ea typeface="新宋体" panose="02010609030101010101" pitchFamily="49" charset="-122"/>
+              </a:rPr>
+              <a:t>"out of range"</a:t>
+            </a:r>
+            <a:r>
+              <a:rPr lang="en-US" altLang="zh-CN" dirty="0" smtClean="0">
+                <a:solidFill>
+                  <a:srgbClr val="000000"/>
+                </a:solidFill>
+                <a:highlight>
+                  <a:srgbClr val="FFFFFF"/>
+                </a:highlight>
+                <a:latin typeface="新宋体" panose="02010609030101010101" pitchFamily="49" charset="-122"/>
+                <a:ea typeface="新宋体" panose="02010609030101010101" pitchFamily="49" charset="-122"/>
+              </a:rPr>
+              <a:t>);</a:t>
+            </a:r>
+          </a:p>
+          <a:p>
+            <a:endParaRPr lang="en-US" altLang="zh-CN" dirty="0" smtClean="0">
+              <a:solidFill>
+                <a:srgbClr val="000000"/>
+              </a:solidFill>
+              <a:highlight>
+                <a:srgbClr val="FFFFFF"/>
+              </a:highlight>
+              <a:latin typeface="新宋体" panose="02010609030101010101" pitchFamily="49" charset="-122"/>
+              <a:ea typeface="新宋体" panose="02010609030101010101" pitchFamily="49" charset="-122"/>
+            </a:endParaRPr>
+          </a:p>
+          <a:p>
+            <a:r>
+              <a:rPr lang="en-US" altLang="zh-CN" dirty="0" smtClean="0">
+                <a:solidFill>
+                  <a:srgbClr val="0000FF"/>
+                </a:solidFill>
+                <a:highlight>
+                  <a:srgbClr val="FFFFFF"/>
+                </a:highlight>
+                <a:latin typeface="新宋体" panose="02010609030101010101" pitchFamily="49" charset="-122"/>
+                <a:ea typeface="新宋体" panose="02010609030101010101" pitchFamily="49" charset="-122"/>
+              </a:rPr>
+              <a:t>    return</a:t>
+            </a:r>
+            <a:r>
+              <a:rPr lang="en-US" altLang="zh-CN" dirty="0" smtClean="0">
+                <a:solidFill>
+                  <a:srgbClr val="000000"/>
+                </a:solidFill>
+                <a:highlight>
+                  <a:srgbClr val="FFFFFF"/>
+                </a:highlight>
+                <a:latin typeface="新宋体" panose="02010609030101010101" pitchFamily="49" charset="-122"/>
+                <a:ea typeface="新宋体" panose="02010609030101010101" pitchFamily="49" charset="-122"/>
+              </a:rPr>
+              <a:t> </a:t>
+            </a:r>
+            <a:r>
+              <a:rPr lang="en-US" altLang="zh-CN" dirty="0">
+                <a:solidFill>
+                  <a:srgbClr val="2B91AF"/>
+                </a:solidFill>
+                <a:highlight>
+                  <a:srgbClr val="FFFFFF"/>
+                </a:highlight>
+                <a:latin typeface="新宋体" panose="02010609030101010101" pitchFamily="49" charset="-122"/>
+                <a:ea typeface="新宋体" panose="02010609030101010101" pitchFamily="49" charset="-122"/>
+              </a:rPr>
+              <a:t>M</a:t>
+            </a:r>
+            <a:r>
+              <a:rPr lang="en-US" altLang="zh-CN" dirty="0">
+                <a:solidFill>
+                  <a:srgbClr val="000000"/>
+                </a:solidFill>
+                <a:highlight>
+                  <a:srgbClr val="FFFFFF"/>
+                </a:highlight>
+                <a:latin typeface="新宋体" panose="02010609030101010101" pitchFamily="49" charset="-122"/>
+                <a:ea typeface="新宋体" panose="02010609030101010101" pitchFamily="49" charset="-122"/>
+              </a:rPr>
+              <a:t>::arr()[I];</a:t>
+            </a:r>
+          </a:p>
+          <a:p>
+            <a:r>
+              <a:rPr lang="en-US" altLang="zh-CN" dirty="0">
+                <a:solidFill>
+                  <a:srgbClr val="000000"/>
+                </a:solidFill>
+                <a:highlight>
+                  <a:srgbClr val="FFFFFF"/>
+                </a:highlight>
+                <a:latin typeface="新宋体" panose="02010609030101010101" pitchFamily="49" charset="-122"/>
+                <a:ea typeface="新宋体" panose="02010609030101010101" pitchFamily="49" charset="-122"/>
+              </a:rPr>
+              <a:t>}</a:t>
             </a:r>
             <a:endParaRPr lang="zh-CN" altLang="en-US" dirty="0"/>
           </a:p>
@@ -30074,7 +31465,7 @@
     </p:spTree>
     <p:extLst>
       <p:ext uri="{BB962C8B-B14F-4D97-AF65-F5344CB8AC3E}">
-        <p14:creationId xmlns:p14="http://schemas.microsoft.com/office/powerpoint/2010/main" val="3812572458"/>
+        <p14:creationId xmlns:p14="http://schemas.microsoft.com/office/powerpoint/2010/main" val="485733630"/>
       </p:ext>
     </p:extLst>
   </p:cSld>
@@ -30123,6 +31514,3033 @@
           <a:bodyPr/>
           <a:lstStyle/>
           <a:p>
+            <a:endParaRPr lang="zh-CN" altLang="en-US"/>
+          </a:p>
+        </p:txBody>
+      </p:sp>
+      <p:sp>
+        <p:nvSpPr>
+          <p:cNvPr id="3" name="内容占位符 2"/>
+          <p:cNvSpPr>
+            <a:spLocks noGrp="1"/>
+          </p:cNvSpPr>
+          <p:nvPr>
+            <p:ph idx="1"/>
+          </p:nvPr>
+        </p:nvSpPr>
+        <p:spPr/>
+        <p:txBody>
+          <a:bodyPr/>
+          <a:lstStyle/>
+          <a:p>
+            <a:endParaRPr lang="zh-CN" altLang="en-US" dirty="0"/>
+          </a:p>
+        </p:txBody>
+      </p:sp>
+      <p:sp>
+        <p:nvSpPr>
+          <p:cNvPr id="4" name="矩形 3"/>
+          <p:cNvSpPr/>
+          <p:nvPr/>
+        </p:nvSpPr>
+        <p:spPr>
+          <a:xfrm>
+            <a:off x="838199" y="1825625"/>
+            <a:ext cx="8662851" cy="2585323"/>
+          </a:xfrm>
+          <a:prstGeom prst="rect">
+            <a:avLst/>
+          </a:prstGeom>
+        </p:spPr>
+        <p:txBody>
+          <a:bodyPr wrap="square">
+            <a:spAutoFit/>
+          </a:bodyPr>
+          <a:lstStyle/>
+          <a:p>
+            <a:endParaRPr lang="en-US" altLang="zh-CN" dirty="0" smtClean="0">
+              <a:solidFill>
+                <a:srgbClr val="0000FF"/>
+              </a:solidFill>
+              <a:highlight>
+                <a:srgbClr val="FFFFFF"/>
+              </a:highlight>
+              <a:latin typeface="新宋体" panose="02010609030101010101" pitchFamily="49" charset="-122"/>
+              <a:ea typeface="新宋体" panose="02010609030101010101" pitchFamily="49" charset="-122"/>
+            </a:endParaRPr>
+          </a:p>
+          <a:p>
+            <a:r>
+              <a:rPr lang="en-US" altLang="zh-CN" dirty="0" smtClean="0">
+                <a:solidFill>
+                  <a:srgbClr val="0000FF"/>
+                </a:solidFill>
+                <a:highlight>
+                  <a:srgbClr val="FFFFFF"/>
+                </a:highlight>
+                <a:latin typeface="新宋体" panose="02010609030101010101" pitchFamily="49" charset="-122"/>
+                <a:ea typeface="新宋体" panose="02010609030101010101" pitchFamily="49" charset="-122"/>
+              </a:rPr>
+              <a:t>template</a:t>
+            </a:r>
+            <a:r>
+              <a:rPr lang="en-US" altLang="zh-CN" dirty="0" smtClean="0">
+                <a:solidFill>
+                  <a:srgbClr val="000000"/>
+                </a:solidFill>
+                <a:highlight>
+                  <a:srgbClr val="FFFFFF"/>
+                </a:highlight>
+                <a:latin typeface="新宋体" panose="02010609030101010101" pitchFamily="49" charset="-122"/>
+                <a:ea typeface="新宋体" panose="02010609030101010101" pitchFamily="49" charset="-122"/>
+              </a:rPr>
+              <a:t>&lt;</a:t>
+            </a:r>
+            <a:r>
+              <a:rPr lang="en-US" altLang="zh-CN" dirty="0" err="1" smtClean="0">
+                <a:solidFill>
+                  <a:srgbClr val="2B91AF"/>
+                </a:solidFill>
+                <a:highlight>
+                  <a:srgbClr val="FFFFFF"/>
+                </a:highlight>
+                <a:latin typeface="新宋体" panose="02010609030101010101" pitchFamily="49" charset="-122"/>
+                <a:ea typeface="新宋体" panose="02010609030101010101" pitchFamily="49" charset="-122"/>
+              </a:rPr>
+              <a:t>size_t</a:t>
+            </a:r>
+            <a:r>
+              <a:rPr lang="en-US" altLang="zh-CN" dirty="0" smtClean="0">
+                <a:solidFill>
+                  <a:srgbClr val="000000"/>
+                </a:solidFill>
+                <a:highlight>
+                  <a:srgbClr val="FFFFFF"/>
+                </a:highlight>
+                <a:latin typeface="新宋体" panose="02010609030101010101" pitchFamily="49" charset="-122"/>
+                <a:ea typeface="新宋体" panose="02010609030101010101" pitchFamily="49" charset="-122"/>
+              </a:rPr>
+              <a:t> </a:t>
+            </a:r>
+            <a:r>
+              <a:rPr lang="en-US" altLang="zh-CN" dirty="0">
+                <a:solidFill>
+                  <a:srgbClr val="000000"/>
+                </a:solidFill>
+                <a:highlight>
+                  <a:srgbClr val="FFFFFF"/>
+                </a:highlight>
+                <a:latin typeface="新宋体" panose="02010609030101010101" pitchFamily="49" charset="-122"/>
+                <a:ea typeface="新宋体" panose="02010609030101010101" pitchFamily="49" charset="-122"/>
+              </a:rPr>
+              <a:t>I, </a:t>
+            </a:r>
+            <a:r>
+              <a:rPr lang="en-US" altLang="zh-CN" dirty="0" err="1">
+                <a:solidFill>
+                  <a:srgbClr val="0000FF"/>
+                </a:solidFill>
+                <a:highlight>
+                  <a:srgbClr val="FFFFFF"/>
+                </a:highlight>
+                <a:latin typeface="新宋体" panose="02010609030101010101" pitchFamily="49" charset="-122"/>
+                <a:ea typeface="新宋体" panose="02010609030101010101" pitchFamily="49" charset="-122"/>
+              </a:rPr>
+              <a:t>typename</a:t>
+            </a:r>
+            <a:r>
+              <a:rPr lang="en-US" altLang="zh-CN" dirty="0">
+                <a:solidFill>
+                  <a:srgbClr val="000000"/>
+                </a:solidFill>
+                <a:highlight>
+                  <a:srgbClr val="FFFFFF"/>
+                </a:highlight>
+                <a:latin typeface="新宋体" panose="02010609030101010101" pitchFamily="49" charset="-122"/>
+                <a:ea typeface="新宋体" panose="02010609030101010101" pitchFamily="49" charset="-122"/>
+              </a:rPr>
+              <a:t> </a:t>
+            </a:r>
+            <a:r>
+              <a:rPr lang="en-US" altLang="zh-CN" dirty="0">
+                <a:solidFill>
+                  <a:srgbClr val="2B91AF"/>
+                </a:solidFill>
+                <a:highlight>
+                  <a:srgbClr val="FFFFFF"/>
+                </a:highlight>
+                <a:latin typeface="新宋体" panose="02010609030101010101" pitchFamily="49" charset="-122"/>
+                <a:ea typeface="新宋体" panose="02010609030101010101" pitchFamily="49" charset="-122"/>
+              </a:rPr>
+              <a:t>T</a:t>
+            </a:r>
+            <a:r>
+              <a:rPr lang="en-US" altLang="zh-CN" dirty="0">
+                <a:solidFill>
+                  <a:srgbClr val="000000"/>
+                </a:solidFill>
+                <a:highlight>
+                  <a:srgbClr val="FFFFFF"/>
+                </a:highlight>
+                <a:latin typeface="新宋体" panose="02010609030101010101" pitchFamily="49" charset="-122"/>
+                <a:ea typeface="新宋体" panose="02010609030101010101" pitchFamily="49" charset="-122"/>
+              </a:rPr>
+              <a:t>&gt;</a:t>
+            </a:r>
+          </a:p>
+          <a:p>
+            <a:r>
+              <a:rPr lang="en-US" altLang="zh-CN" dirty="0" err="1">
+                <a:solidFill>
+                  <a:srgbClr val="0000FF"/>
+                </a:solidFill>
+                <a:highlight>
+                  <a:srgbClr val="FFFFFF"/>
+                </a:highlight>
+                <a:latin typeface="新宋体" panose="02010609030101010101" pitchFamily="49" charset="-122"/>
+                <a:ea typeface="新宋体" panose="02010609030101010101" pitchFamily="49" charset="-122"/>
+              </a:rPr>
+              <a:t>constexpr</a:t>
+            </a:r>
+            <a:r>
+              <a:rPr lang="en-US" altLang="zh-CN" dirty="0">
+                <a:solidFill>
+                  <a:srgbClr val="000000"/>
+                </a:solidFill>
+                <a:highlight>
+                  <a:srgbClr val="FFFFFF"/>
+                </a:highlight>
+                <a:latin typeface="新宋体" panose="02010609030101010101" pitchFamily="49" charset="-122"/>
+                <a:ea typeface="新宋体" panose="02010609030101010101" pitchFamily="49" charset="-122"/>
+              </a:rPr>
+              <a:t> </a:t>
+            </a:r>
+            <a:r>
+              <a:rPr lang="en-US" altLang="zh-CN" dirty="0" err="1">
+                <a:solidFill>
+                  <a:srgbClr val="0000FF"/>
+                </a:solidFill>
+                <a:highlight>
+                  <a:srgbClr val="FFFFFF"/>
+                </a:highlight>
+                <a:latin typeface="新宋体" panose="02010609030101010101" pitchFamily="49" charset="-122"/>
+                <a:ea typeface="新宋体" panose="02010609030101010101" pitchFamily="49" charset="-122"/>
+              </a:rPr>
+              <a:t>decltype</a:t>
+            </a:r>
+            <a:r>
+              <a:rPr lang="en-US" altLang="zh-CN" dirty="0">
+                <a:solidFill>
+                  <a:srgbClr val="000000"/>
+                </a:solidFill>
+                <a:highlight>
+                  <a:srgbClr val="FFFFFF"/>
+                </a:highlight>
+                <a:latin typeface="新宋体" panose="02010609030101010101" pitchFamily="49" charset="-122"/>
+                <a:ea typeface="新宋体" panose="02010609030101010101" pitchFamily="49" charset="-122"/>
+              </a:rPr>
+              <a:t>(</a:t>
+            </a:r>
+            <a:r>
+              <a:rPr lang="en-US" altLang="zh-CN" dirty="0">
+                <a:solidFill>
+                  <a:srgbClr val="0000FF"/>
+                </a:solidFill>
+                <a:highlight>
+                  <a:srgbClr val="FFFFFF"/>
+                </a:highlight>
+                <a:latin typeface="新宋体" panose="02010609030101010101" pitchFamily="49" charset="-122"/>
+                <a:ea typeface="新宋体" panose="02010609030101010101" pitchFamily="49" charset="-122"/>
+              </a:rPr>
+              <a:t>auto</a:t>
+            </a:r>
+            <a:r>
+              <a:rPr lang="en-US" altLang="zh-CN" dirty="0">
+                <a:solidFill>
+                  <a:srgbClr val="000000"/>
+                </a:solidFill>
+                <a:highlight>
+                  <a:srgbClr val="FFFFFF"/>
+                </a:highlight>
+                <a:latin typeface="新宋体" panose="02010609030101010101" pitchFamily="49" charset="-122"/>
+                <a:ea typeface="新宋体" panose="02010609030101010101" pitchFamily="49" charset="-122"/>
+              </a:rPr>
+              <a:t>) get(</a:t>
+            </a:r>
+            <a:r>
+              <a:rPr lang="en-US" altLang="zh-CN" dirty="0">
+                <a:solidFill>
+                  <a:srgbClr val="2B91AF"/>
+                </a:solidFill>
+                <a:highlight>
+                  <a:srgbClr val="FFFFFF"/>
+                </a:highlight>
+                <a:latin typeface="新宋体" panose="02010609030101010101" pitchFamily="49" charset="-122"/>
+                <a:ea typeface="新宋体" panose="02010609030101010101" pitchFamily="49" charset="-122"/>
+              </a:rPr>
+              <a:t>T</a:t>
+            </a:r>
+            <a:r>
+              <a:rPr lang="en-US" altLang="zh-CN" dirty="0">
+                <a:solidFill>
+                  <a:srgbClr val="000000"/>
+                </a:solidFill>
+                <a:highlight>
+                  <a:srgbClr val="FFFFFF"/>
+                </a:highlight>
+                <a:latin typeface="新宋体" panose="02010609030101010101" pitchFamily="49" charset="-122"/>
+                <a:ea typeface="新宋体" panose="02010609030101010101" pitchFamily="49" charset="-122"/>
+              </a:rPr>
+              <a:t>&amp;&amp; </a:t>
+            </a:r>
+            <a:r>
+              <a:rPr lang="en-US" altLang="zh-CN" dirty="0">
+                <a:solidFill>
+                  <a:srgbClr val="808080"/>
+                </a:solidFill>
+                <a:highlight>
+                  <a:srgbClr val="FFFFFF"/>
+                </a:highlight>
+                <a:latin typeface="新宋体" panose="02010609030101010101" pitchFamily="49" charset="-122"/>
+                <a:ea typeface="新宋体" panose="02010609030101010101" pitchFamily="49" charset="-122"/>
+              </a:rPr>
+              <a:t>t</a:t>
+            </a:r>
+            <a:r>
+              <a:rPr lang="en-US" altLang="zh-CN" dirty="0">
+                <a:solidFill>
+                  <a:srgbClr val="000000"/>
+                </a:solidFill>
+                <a:highlight>
+                  <a:srgbClr val="FFFFFF"/>
+                </a:highlight>
+                <a:latin typeface="新宋体" panose="02010609030101010101" pitchFamily="49" charset="-122"/>
+                <a:ea typeface="新宋体" panose="02010609030101010101" pitchFamily="49" charset="-122"/>
+              </a:rPr>
+              <a:t>)</a:t>
+            </a:r>
+          </a:p>
+          <a:p>
+            <a:r>
+              <a:rPr lang="en-US" altLang="zh-CN" dirty="0" smtClean="0">
+                <a:solidFill>
+                  <a:srgbClr val="000000"/>
+                </a:solidFill>
+                <a:highlight>
+                  <a:srgbClr val="FFFFFF"/>
+                </a:highlight>
+                <a:latin typeface="新宋体" panose="02010609030101010101" pitchFamily="49" charset="-122"/>
+                <a:ea typeface="新宋体" panose="02010609030101010101" pitchFamily="49" charset="-122"/>
+              </a:rPr>
+              <a:t>{</a:t>
+            </a:r>
+          </a:p>
+          <a:p>
+            <a:r>
+              <a:rPr lang="en-US" altLang="zh-CN" dirty="0" smtClean="0">
+                <a:solidFill>
+                  <a:srgbClr val="0000FF"/>
+                </a:solidFill>
+                <a:highlight>
+                  <a:srgbClr val="FFFFFF"/>
+                </a:highlight>
+                <a:latin typeface="新宋体" panose="02010609030101010101" pitchFamily="49" charset="-122"/>
+                <a:ea typeface="新宋体" panose="02010609030101010101" pitchFamily="49" charset="-122"/>
+              </a:rPr>
+              <a:t>    using</a:t>
+            </a:r>
+            <a:r>
+              <a:rPr lang="en-US" altLang="zh-CN" dirty="0" smtClean="0">
+                <a:solidFill>
+                  <a:srgbClr val="000000"/>
+                </a:solidFill>
+                <a:highlight>
+                  <a:srgbClr val="FFFFFF"/>
+                </a:highlight>
+                <a:latin typeface="新宋体" panose="02010609030101010101" pitchFamily="49" charset="-122"/>
+                <a:ea typeface="新宋体" panose="02010609030101010101" pitchFamily="49" charset="-122"/>
+              </a:rPr>
+              <a:t> </a:t>
+            </a:r>
+            <a:r>
+              <a:rPr lang="en-US" altLang="zh-CN" dirty="0">
+                <a:solidFill>
+                  <a:srgbClr val="2B91AF"/>
+                </a:solidFill>
+                <a:highlight>
+                  <a:srgbClr val="FFFFFF"/>
+                </a:highlight>
+                <a:latin typeface="新宋体" panose="02010609030101010101" pitchFamily="49" charset="-122"/>
+                <a:ea typeface="新宋体" panose="02010609030101010101" pitchFamily="49" charset="-122"/>
+              </a:rPr>
+              <a:t>M</a:t>
+            </a:r>
+            <a:r>
+              <a:rPr lang="en-US" altLang="zh-CN" dirty="0">
+                <a:solidFill>
+                  <a:srgbClr val="000000"/>
+                </a:solidFill>
+                <a:highlight>
+                  <a:srgbClr val="FFFFFF"/>
+                </a:highlight>
+                <a:latin typeface="新宋体" panose="02010609030101010101" pitchFamily="49" charset="-122"/>
+                <a:ea typeface="新宋体" panose="02010609030101010101" pitchFamily="49" charset="-122"/>
+              </a:rPr>
+              <a:t> = </a:t>
+            </a:r>
+            <a:r>
+              <a:rPr lang="en-US" altLang="zh-CN" dirty="0">
+                <a:solidFill>
+                  <a:srgbClr val="2B91AF"/>
+                </a:solidFill>
+                <a:highlight>
+                  <a:srgbClr val="FFFFFF"/>
+                </a:highlight>
+                <a:latin typeface="新宋体" panose="02010609030101010101" pitchFamily="49" charset="-122"/>
+                <a:ea typeface="新宋体" panose="02010609030101010101" pitchFamily="49" charset="-122"/>
+              </a:rPr>
+              <a:t>Members</a:t>
+            </a:r>
+            <a:r>
+              <a:rPr lang="en-US" altLang="zh-CN" dirty="0">
+                <a:solidFill>
+                  <a:srgbClr val="000000"/>
+                </a:solidFill>
+                <a:highlight>
+                  <a:srgbClr val="FFFFFF"/>
+                </a:highlight>
+                <a:latin typeface="新宋体" panose="02010609030101010101" pitchFamily="49" charset="-122"/>
+                <a:ea typeface="新宋体" panose="02010609030101010101" pitchFamily="49" charset="-122"/>
+              </a:rPr>
+              <a:t>&lt;</a:t>
+            </a:r>
+            <a:r>
+              <a:rPr lang="en-US" altLang="zh-CN" dirty="0" err="1">
+                <a:solidFill>
+                  <a:srgbClr val="000000"/>
+                </a:solidFill>
+                <a:highlight>
+                  <a:srgbClr val="FFFFFF"/>
+                </a:highlight>
+                <a:latin typeface="新宋体" panose="02010609030101010101" pitchFamily="49" charset="-122"/>
+                <a:ea typeface="新宋体" panose="02010609030101010101" pitchFamily="49" charset="-122"/>
+              </a:rPr>
+              <a:t>std</a:t>
+            </a:r>
+            <a:r>
+              <a:rPr lang="en-US" altLang="zh-CN" dirty="0">
+                <a:solidFill>
+                  <a:srgbClr val="000000"/>
+                </a:solidFill>
+                <a:highlight>
+                  <a:srgbClr val="FFFFFF"/>
+                </a:highlight>
+                <a:latin typeface="新宋体" panose="02010609030101010101" pitchFamily="49" charset="-122"/>
+                <a:ea typeface="新宋体" panose="02010609030101010101" pitchFamily="49" charset="-122"/>
+              </a:rPr>
+              <a:t>::</a:t>
+            </a:r>
+            <a:r>
+              <a:rPr lang="en-US" altLang="zh-CN" dirty="0" err="1">
+                <a:solidFill>
+                  <a:srgbClr val="2B91AF"/>
+                </a:solidFill>
+                <a:highlight>
+                  <a:srgbClr val="FFFFFF"/>
+                </a:highlight>
+                <a:latin typeface="新宋体" panose="02010609030101010101" pitchFamily="49" charset="-122"/>
+                <a:ea typeface="新宋体" panose="02010609030101010101" pitchFamily="49" charset="-122"/>
+              </a:rPr>
+              <a:t>remove_const_t</a:t>
+            </a:r>
+            <a:r>
+              <a:rPr lang="en-US" altLang="zh-CN" dirty="0">
+                <a:solidFill>
+                  <a:srgbClr val="000000"/>
+                </a:solidFill>
+                <a:highlight>
+                  <a:srgbClr val="FFFFFF"/>
+                </a:highlight>
+                <a:latin typeface="新宋体" panose="02010609030101010101" pitchFamily="49" charset="-122"/>
+                <a:ea typeface="新宋体" panose="02010609030101010101" pitchFamily="49" charset="-122"/>
+              </a:rPr>
+              <a:t> &lt;</a:t>
+            </a:r>
+            <a:r>
+              <a:rPr lang="en-US" altLang="zh-CN" dirty="0" err="1">
+                <a:solidFill>
+                  <a:srgbClr val="000000"/>
+                </a:solidFill>
+                <a:highlight>
+                  <a:srgbClr val="FFFFFF"/>
+                </a:highlight>
+                <a:latin typeface="新宋体" panose="02010609030101010101" pitchFamily="49" charset="-122"/>
+                <a:ea typeface="新宋体" panose="02010609030101010101" pitchFamily="49" charset="-122"/>
+              </a:rPr>
+              <a:t>std</a:t>
+            </a:r>
+            <a:r>
+              <a:rPr lang="en-US" altLang="zh-CN" dirty="0">
+                <a:solidFill>
+                  <a:srgbClr val="000000"/>
+                </a:solidFill>
+                <a:highlight>
+                  <a:srgbClr val="FFFFFF"/>
+                </a:highlight>
+                <a:latin typeface="新宋体" panose="02010609030101010101" pitchFamily="49" charset="-122"/>
+                <a:ea typeface="新宋体" panose="02010609030101010101" pitchFamily="49" charset="-122"/>
+              </a:rPr>
+              <a:t>::</a:t>
+            </a:r>
+            <a:r>
+              <a:rPr lang="en-US" altLang="zh-CN" dirty="0" err="1">
+                <a:solidFill>
+                  <a:srgbClr val="2B91AF"/>
+                </a:solidFill>
+                <a:highlight>
+                  <a:srgbClr val="FFFFFF"/>
+                </a:highlight>
+                <a:latin typeface="新宋体" panose="02010609030101010101" pitchFamily="49" charset="-122"/>
+                <a:ea typeface="新宋体" panose="02010609030101010101" pitchFamily="49" charset="-122"/>
+              </a:rPr>
+              <a:t>remove_reference_t</a:t>
+            </a:r>
+            <a:r>
+              <a:rPr lang="en-US" altLang="zh-CN" dirty="0">
+                <a:solidFill>
+                  <a:srgbClr val="000000"/>
+                </a:solidFill>
+                <a:highlight>
+                  <a:srgbClr val="FFFFFF"/>
+                </a:highlight>
+                <a:latin typeface="新宋体" panose="02010609030101010101" pitchFamily="49" charset="-122"/>
+                <a:ea typeface="新宋体" panose="02010609030101010101" pitchFamily="49" charset="-122"/>
+              </a:rPr>
+              <a:t>&lt;</a:t>
+            </a:r>
+            <a:r>
+              <a:rPr lang="en-US" altLang="zh-CN" dirty="0">
+                <a:solidFill>
+                  <a:srgbClr val="2B91AF"/>
+                </a:solidFill>
+                <a:highlight>
+                  <a:srgbClr val="FFFFFF"/>
+                </a:highlight>
+                <a:latin typeface="新宋体" panose="02010609030101010101" pitchFamily="49" charset="-122"/>
+                <a:ea typeface="新宋体" panose="02010609030101010101" pitchFamily="49" charset="-122"/>
+              </a:rPr>
+              <a:t>T</a:t>
+            </a:r>
+            <a:r>
+              <a:rPr lang="en-US" altLang="zh-CN" dirty="0">
+                <a:solidFill>
+                  <a:srgbClr val="000000"/>
+                </a:solidFill>
+                <a:highlight>
+                  <a:srgbClr val="FFFFFF"/>
+                </a:highlight>
+                <a:latin typeface="新宋体" panose="02010609030101010101" pitchFamily="49" charset="-122"/>
+                <a:ea typeface="新宋体" panose="02010609030101010101" pitchFamily="49" charset="-122"/>
+              </a:rPr>
+              <a:t>&gt;&gt;&gt;;</a:t>
+            </a:r>
+            <a:r>
+              <a:rPr lang="en-US" altLang="zh-CN" dirty="0" smtClean="0">
+                <a:solidFill>
+                  <a:srgbClr val="0000FF"/>
+                </a:solidFill>
+                <a:highlight>
+                  <a:srgbClr val="FFFFFF"/>
+                </a:highlight>
+                <a:latin typeface="新宋体" panose="02010609030101010101" pitchFamily="49" charset="-122"/>
+                <a:ea typeface="新宋体" panose="02010609030101010101" pitchFamily="49" charset="-122"/>
+              </a:rPr>
+              <a:t>  </a:t>
+            </a:r>
+          </a:p>
+          <a:p>
+            <a:r>
+              <a:rPr lang="en-US" altLang="zh-CN" dirty="0" smtClean="0">
+                <a:solidFill>
+                  <a:srgbClr val="0000FF"/>
+                </a:solidFill>
+                <a:highlight>
+                  <a:srgbClr val="FFFFFF"/>
+                </a:highlight>
+                <a:latin typeface="新宋体" panose="02010609030101010101" pitchFamily="49" charset="-122"/>
+                <a:ea typeface="新宋体" panose="02010609030101010101" pitchFamily="49" charset="-122"/>
+              </a:rPr>
+              <a:t>    </a:t>
+            </a:r>
+            <a:r>
+              <a:rPr lang="en-US" altLang="zh-CN" dirty="0" err="1" smtClean="0">
+                <a:solidFill>
+                  <a:srgbClr val="0000FF"/>
+                </a:solidFill>
+                <a:highlight>
+                  <a:srgbClr val="FFFFFF"/>
+                </a:highlight>
+                <a:latin typeface="新宋体" panose="02010609030101010101" pitchFamily="49" charset="-122"/>
+                <a:ea typeface="新宋体" panose="02010609030101010101" pitchFamily="49" charset="-122"/>
+              </a:rPr>
+              <a:t>static_assert</a:t>
+            </a:r>
+            <a:r>
+              <a:rPr lang="en-US" altLang="zh-CN" dirty="0" smtClean="0">
+                <a:solidFill>
+                  <a:srgbClr val="000000"/>
+                </a:solidFill>
+                <a:highlight>
+                  <a:srgbClr val="FFFFFF"/>
+                </a:highlight>
+                <a:latin typeface="新宋体" panose="02010609030101010101" pitchFamily="49" charset="-122"/>
+                <a:ea typeface="新宋体" panose="02010609030101010101" pitchFamily="49" charset="-122"/>
+              </a:rPr>
+              <a:t>(I&lt;</a:t>
+            </a:r>
+            <a:r>
+              <a:rPr lang="en-US" altLang="zh-CN" dirty="0" smtClean="0">
+                <a:solidFill>
+                  <a:srgbClr val="2B91AF"/>
+                </a:solidFill>
+                <a:highlight>
+                  <a:srgbClr val="FFFFFF"/>
+                </a:highlight>
+                <a:latin typeface="新宋体" panose="02010609030101010101" pitchFamily="49" charset="-122"/>
+                <a:ea typeface="新宋体" panose="02010609030101010101" pitchFamily="49" charset="-122"/>
+              </a:rPr>
+              <a:t>M</a:t>
+            </a:r>
+            <a:r>
+              <a:rPr lang="en-US" altLang="zh-CN" dirty="0">
+                <a:solidFill>
+                  <a:srgbClr val="000000"/>
+                </a:solidFill>
+                <a:highlight>
+                  <a:srgbClr val="FFFFFF"/>
+                </a:highlight>
+                <a:latin typeface="新宋体" panose="02010609030101010101" pitchFamily="49" charset="-122"/>
+                <a:ea typeface="新宋体" panose="02010609030101010101" pitchFamily="49" charset="-122"/>
+              </a:rPr>
+              <a:t>::value(), </a:t>
+            </a:r>
+            <a:r>
+              <a:rPr lang="en-US" altLang="zh-CN" dirty="0">
+                <a:solidFill>
+                  <a:srgbClr val="A31515"/>
+                </a:solidFill>
+                <a:highlight>
+                  <a:srgbClr val="FFFFFF"/>
+                </a:highlight>
+                <a:latin typeface="新宋体" panose="02010609030101010101" pitchFamily="49" charset="-122"/>
+                <a:ea typeface="新宋体" panose="02010609030101010101" pitchFamily="49" charset="-122"/>
+              </a:rPr>
+              <a:t>"out of range"</a:t>
+            </a:r>
+            <a:r>
+              <a:rPr lang="en-US" altLang="zh-CN" dirty="0">
+                <a:solidFill>
+                  <a:srgbClr val="000000"/>
+                </a:solidFill>
+                <a:highlight>
+                  <a:srgbClr val="FFFFFF"/>
+                </a:highlight>
+                <a:latin typeface="新宋体" panose="02010609030101010101" pitchFamily="49" charset="-122"/>
+                <a:ea typeface="新宋体" panose="02010609030101010101" pitchFamily="49" charset="-122"/>
+              </a:rPr>
+              <a:t>);</a:t>
+            </a:r>
+          </a:p>
+          <a:p>
+            <a:r>
+              <a:rPr lang="en-US" altLang="zh-CN" dirty="0" smtClean="0">
+                <a:solidFill>
+                  <a:srgbClr val="0000FF"/>
+                </a:solidFill>
+                <a:highlight>
+                  <a:srgbClr val="FFFFFF"/>
+                </a:highlight>
+                <a:latin typeface="新宋体" panose="02010609030101010101" pitchFamily="49" charset="-122"/>
+                <a:ea typeface="新宋体" panose="02010609030101010101" pitchFamily="49" charset="-122"/>
+              </a:rPr>
+              <a:t>    </a:t>
+            </a:r>
+          </a:p>
+          <a:p>
+            <a:r>
+              <a:rPr lang="en-US" altLang="zh-CN" dirty="0" smtClean="0">
+                <a:solidFill>
+                  <a:srgbClr val="0000FF"/>
+                </a:solidFill>
+                <a:highlight>
+                  <a:srgbClr val="FFFFFF"/>
+                </a:highlight>
+                <a:latin typeface="新宋体" panose="02010609030101010101" pitchFamily="49" charset="-122"/>
+                <a:ea typeface="新宋体" panose="02010609030101010101" pitchFamily="49" charset="-122"/>
+              </a:rPr>
+              <a:t>    return</a:t>
+            </a:r>
+            <a:r>
+              <a:rPr lang="en-US" altLang="zh-CN" dirty="0" smtClean="0">
+                <a:solidFill>
+                  <a:srgbClr val="000000"/>
+                </a:solidFill>
+                <a:highlight>
+                  <a:srgbClr val="FFFFFF"/>
+                </a:highlight>
+                <a:latin typeface="新宋体" panose="02010609030101010101" pitchFamily="49" charset="-122"/>
+                <a:ea typeface="新宋体" panose="02010609030101010101" pitchFamily="49" charset="-122"/>
+              </a:rPr>
+              <a:t> </a:t>
+            </a:r>
+            <a:r>
+              <a:rPr lang="en-US" altLang="zh-CN" dirty="0" err="1" smtClean="0">
+                <a:solidFill>
+                  <a:srgbClr val="000000"/>
+                </a:solidFill>
+                <a:highlight>
+                  <a:srgbClr val="FFFFFF"/>
+                </a:highlight>
+                <a:latin typeface="新宋体" panose="02010609030101010101" pitchFamily="49" charset="-122"/>
+                <a:ea typeface="新宋体" panose="02010609030101010101" pitchFamily="49" charset="-122"/>
+              </a:rPr>
+              <a:t>std</a:t>
+            </a:r>
+            <a:r>
+              <a:rPr lang="en-US" altLang="zh-CN" dirty="0" smtClean="0">
+                <a:solidFill>
+                  <a:srgbClr val="000000"/>
+                </a:solidFill>
+                <a:highlight>
+                  <a:srgbClr val="FFFFFF"/>
+                </a:highlight>
+                <a:latin typeface="新宋体" panose="02010609030101010101" pitchFamily="49" charset="-122"/>
+                <a:ea typeface="新宋体" panose="02010609030101010101" pitchFamily="49" charset="-122"/>
+              </a:rPr>
+              <a:t>::forward&lt;</a:t>
+            </a:r>
+            <a:r>
+              <a:rPr lang="en-US" altLang="zh-CN" dirty="0" smtClean="0">
+                <a:solidFill>
+                  <a:srgbClr val="2B91AF"/>
+                </a:solidFill>
+                <a:highlight>
+                  <a:srgbClr val="FFFFFF"/>
+                </a:highlight>
+                <a:latin typeface="新宋体" panose="02010609030101010101" pitchFamily="49" charset="-122"/>
+                <a:ea typeface="新宋体" panose="02010609030101010101" pitchFamily="49" charset="-122"/>
+              </a:rPr>
+              <a:t>T</a:t>
+            </a:r>
+            <a:r>
+              <a:rPr lang="en-US" altLang="zh-CN" dirty="0" smtClean="0">
+                <a:solidFill>
+                  <a:srgbClr val="000000"/>
+                </a:solidFill>
+                <a:highlight>
+                  <a:srgbClr val="FFFFFF"/>
+                </a:highlight>
+                <a:latin typeface="新宋体" panose="02010609030101010101" pitchFamily="49" charset="-122"/>
+                <a:ea typeface="新宋体" panose="02010609030101010101" pitchFamily="49" charset="-122"/>
+              </a:rPr>
+              <a:t>&gt;(</a:t>
+            </a:r>
+            <a:r>
+              <a:rPr lang="en-US" altLang="zh-CN" dirty="0" smtClean="0">
+                <a:solidFill>
+                  <a:srgbClr val="808080"/>
+                </a:solidFill>
+                <a:highlight>
+                  <a:srgbClr val="FFFFFF"/>
+                </a:highlight>
+                <a:latin typeface="新宋体" panose="02010609030101010101" pitchFamily="49" charset="-122"/>
+                <a:ea typeface="新宋体" panose="02010609030101010101" pitchFamily="49" charset="-122"/>
+              </a:rPr>
+              <a:t>t</a:t>
+            </a:r>
+            <a:r>
+              <a:rPr lang="en-US" altLang="zh-CN" dirty="0" smtClean="0">
+                <a:solidFill>
+                  <a:srgbClr val="000000"/>
+                </a:solidFill>
+                <a:highlight>
+                  <a:srgbClr val="FFFFFF"/>
+                </a:highlight>
+                <a:latin typeface="新宋体" panose="02010609030101010101" pitchFamily="49" charset="-122"/>
+                <a:ea typeface="新宋体" panose="02010609030101010101" pitchFamily="49" charset="-122"/>
+              </a:rPr>
+              <a:t>).*(</a:t>
+            </a:r>
+            <a:r>
+              <a:rPr lang="en-US" altLang="zh-CN" dirty="0" err="1" smtClean="0">
+                <a:solidFill>
+                  <a:srgbClr val="000000"/>
+                </a:solidFill>
+                <a:highlight>
+                  <a:srgbClr val="FFFFFF"/>
+                </a:highlight>
+                <a:latin typeface="新宋体" panose="02010609030101010101" pitchFamily="49" charset="-122"/>
+                <a:ea typeface="新宋体" panose="02010609030101010101" pitchFamily="49" charset="-122"/>
+              </a:rPr>
+              <a:t>std</a:t>
+            </a:r>
+            <a:r>
+              <a:rPr lang="en-US" altLang="zh-CN" dirty="0" smtClean="0">
+                <a:solidFill>
+                  <a:srgbClr val="000000"/>
+                </a:solidFill>
+                <a:highlight>
+                  <a:srgbClr val="FFFFFF"/>
+                </a:highlight>
+                <a:latin typeface="新宋体" panose="02010609030101010101" pitchFamily="49" charset="-122"/>
+                <a:ea typeface="新宋体" panose="02010609030101010101" pitchFamily="49" charset="-122"/>
+              </a:rPr>
+              <a:t>::get&lt;I&gt;(</a:t>
+            </a:r>
+            <a:r>
+              <a:rPr lang="en-US" altLang="zh-CN" dirty="0" smtClean="0">
+                <a:solidFill>
+                  <a:srgbClr val="2B91AF"/>
+                </a:solidFill>
+                <a:highlight>
+                  <a:srgbClr val="FFFFFF"/>
+                </a:highlight>
+                <a:latin typeface="新宋体" panose="02010609030101010101" pitchFamily="49" charset="-122"/>
+                <a:ea typeface="新宋体" panose="02010609030101010101" pitchFamily="49" charset="-122"/>
+              </a:rPr>
+              <a:t>M</a:t>
+            </a:r>
+            <a:r>
+              <a:rPr lang="en-US" altLang="zh-CN" dirty="0" smtClean="0">
+                <a:solidFill>
+                  <a:srgbClr val="000000"/>
+                </a:solidFill>
+                <a:highlight>
+                  <a:srgbClr val="FFFFFF"/>
+                </a:highlight>
+                <a:latin typeface="新宋体" panose="02010609030101010101" pitchFamily="49" charset="-122"/>
+                <a:ea typeface="新宋体" panose="02010609030101010101" pitchFamily="49" charset="-122"/>
+              </a:rPr>
+              <a:t>::</a:t>
+            </a:r>
+            <a:r>
+              <a:rPr lang="en-US" altLang="zh-CN" dirty="0" err="1" smtClean="0">
+                <a:solidFill>
+                  <a:srgbClr val="000000"/>
+                </a:solidFill>
+                <a:highlight>
+                  <a:srgbClr val="FFFFFF"/>
+                </a:highlight>
+                <a:latin typeface="新宋体" panose="02010609030101010101" pitchFamily="49" charset="-122"/>
+                <a:ea typeface="新宋体" panose="02010609030101010101" pitchFamily="49" charset="-122"/>
+              </a:rPr>
+              <a:t>apply_impl</a:t>
+            </a:r>
+            <a:r>
+              <a:rPr lang="en-US" altLang="zh-CN" dirty="0" smtClean="0">
+                <a:solidFill>
+                  <a:srgbClr val="000000"/>
+                </a:solidFill>
+                <a:highlight>
+                  <a:srgbClr val="FFFFFF"/>
+                </a:highlight>
+                <a:latin typeface="新宋体" panose="02010609030101010101" pitchFamily="49" charset="-122"/>
+                <a:ea typeface="新宋体" panose="02010609030101010101" pitchFamily="49" charset="-122"/>
+              </a:rPr>
+              <a:t>()));</a:t>
+            </a:r>
+          </a:p>
+          <a:p>
+            <a:r>
+              <a:rPr lang="en-US" altLang="zh-CN" dirty="0" smtClean="0">
+                <a:solidFill>
+                  <a:srgbClr val="000000"/>
+                </a:solidFill>
+                <a:highlight>
+                  <a:srgbClr val="FFFFFF"/>
+                </a:highlight>
+                <a:latin typeface="新宋体" panose="02010609030101010101" pitchFamily="49" charset="-122"/>
+                <a:ea typeface="新宋体" panose="02010609030101010101" pitchFamily="49" charset="-122"/>
+              </a:rPr>
+              <a:t>}</a:t>
+            </a:r>
+            <a:endParaRPr lang="zh-CN" altLang="en-US" dirty="0"/>
+          </a:p>
+        </p:txBody>
+      </p:sp>
+      <p:sp>
+        <p:nvSpPr>
+          <p:cNvPr id="5" name="矩形 4"/>
+          <p:cNvSpPr/>
+          <p:nvPr/>
+        </p:nvSpPr>
+        <p:spPr>
+          <a:xfrm>
+            <a:off x="838198" y="1825625"/>
+            <a:ext cx="2954655" cy="369332"/>
+          </a:xfrm>
+          <a:prstGeom prst="rect">
+            <a:avLst/>
+          </a:prstGeom>
+        </p:spPr>
+        <p:txBody>
+          <a:bodyPr wrap="none">
+            <a:spAutoFit/>
+          </a:bodyPr>
+          <a:lstStyle/>
+          <a:p>
+            <a:r>
+              <a:rPr lang="en-US" altLang="zh-CN" dirty="0" smtClean="0">
+                <a:solidFill>
+                  <a:srgbClr val="008000"/>
+                </a:solidFill>
+                <a:highlight>
+                  <a:srgbClr val="FFFFFF"/>
+                </a:highlight>
+                <a:latin typeface="新宋体" panose="02010609030101010101" pitchFamily="49" charset="-122"/>
+                <a:ea typeface="新宋体" panose="02010609030101010101" pitchFamily="49" charset="-122"/>
+              </a:rPr>
+              <a:t>//get the field by index</a:t>
+            </a:r>
+            <a:endParaRPr lang="zh-CN" altLang="en-US" dirty="0"/>
+          </a:p>
+        </p:txBody>
+      </p:sp>
+    </p:spTree>
+    <p:extLst>
+      <p:ext uri="{BB962C8B-B14F-4D97-AF65-F5344CB8AC3E}">
+        <p14:creationId xmlns:p14="http://schemas.microsoft.com/office/powerpoint/2010/main" val="2329082380"/>
+      </p:ext>
+    </p:extLst>
+  </p:cSld>
+  <p:clrMapOvr>
+    <a:masterClrMapping/>
+  </p:clrMapOvr>
+  <p:timing>
+    <p:tnLst>
+      <p:par>
+        <p:cTn id="1" dur="indefinite" restart="never" nodeType="tmRoot"/>
+      </p:par>
+    </p:tnLst>
+  </p:timing>
+</p:sld>
+</file>
+
+<file path=ppt/slides/slide42.xml><?xml version="1.0" encoding="utf-8"?>
+<p:sld xmlns:a="http://schemas.openxmlformats.org/drawingml/2006/main" xmlns:r="http://schemas.openxmlformats.org/officeDocument/2006/relationships" xmlns:p="http://schemas.openxmlformats.org/presentationml/2006/main">
+  <p:cSld>
+    <p:spTree>
+      <p:nvGrpSpPr>
+        <p:cNvPr id="1" name=""/>
+        <p:cNvGrpSpPr/>
+        <p:nvPr/>
+      </p:nvGrpSpPr>
+      <p:grpSpPr>
+        <a:xfrm>
+          <a:off x="0" y="0"/>
+          <a:ext cx="0" cy="0"/>
+          <a:chOff x="0" y="0"/>
+          <a:chExt cx="0" cy="0"/>
+        </a:xfrm>
+      </p:grpSpPr>
+      <p:sp>
+        <p:nvSpPr>
+          <p:cNvPr id="2" name="标题 1"/>
+          <p:cNvSpPr>
+            <a:spLocks noGrp="1"/>
+          </p:cNvSpPr>
+          <p:nvPr>
+            <p:ph type="title"/>
+          </p:nvPr>
+        </p:nvSpPr>
+        <p:spPr/>
+        <p:txBody>
+          <a:bodyPr/>
+          <a:lstStyle/>
+          <a:p>
+            <a:r>
+              <a:rPr lang="en-US" altLang="zh-CN" dirty="0" err="1" smtClean="0"/>
+              <a:t>for_each</a:t>
+            </a:r>
+            <a:r>
+              <a:rPr lang="en-US" altLang="zh-CN" dirty="0" smtClean="0"/>
+              <a:t> metadata</a:t>
+            </a:r>
+            <a:endParaRPr lang="zh-CN" altLang="en-US" dirty="0"/>
+          </a:p>
+        </p:txBody>
+      </p:sp>
+      <p:sp>
+        <p:nvSpPr>
+          <p:cNvPr id="3" name="内容占位符 2"/>
+          <p:cNvSpPr>
+            <a:spLocks noGrp="1"/>
+          </p:cNvSpPr>
+          <p:nvPr>
+            <p:ph idx="1"/>
+          </p:nvPr>
+        </p:nvSpPr>
+        <p:spPr/>
+        <p:txBody>
+          <a:bodyPr/>
+          <a:lstStyle/>
+          <a:p>
+            <a:endParaRPr lang="zh-CN" altLang="en-US" dirty="0"/>
+          </a:p>
+        </p:txBody>
+      </p:sp>
+      <p:sp>
+        <p:nvSpPr>
+          <p:cNvPr id="4" name="矩形 3"/>
+          <p:cNvSpPr/>
+          <p:nvPr/>
+        </p:nvSpPr>
+        <p:spPr>
+          <a:xfrm>
+            <a:off x="838200" y="1761538"/>
+            <a:ext cx="10515600" cy="3416320"/>
+          </a:xfrm>
+          <a:prstGeom prst="rect">
+            <a:avLst/>
+          </a:prstGeom>
+        </p:spPr>
+        <p:txBody>
+          <a:bodyPr wrap="square">
+            <a:spAutoFit/>
+          </a:bodyPr>
+          <a:lstStyle/>
+          <a:p>
+            <a:r>
+              <a:rPr lang="en-US" altLang="zh-CN" dirty="0">
+                <a:solidFill>
+                  <a:srgbClr val="0000FF"/>
+                </a:solidFill>
+                <a:highlight>
+                  <a:srgbClr val="FFFFFF"/>
+                </a:highlight>
+                <a:latin typeface="新宋体" panose="02010609030101010101" pitchFamily="49" charset="-122"/>
+                <a:ea typeface="新宋体" panose="02010609030101010101" pitchFamily="49" charset="-122"/>
+              </a:rPr>
+              <a:t>template</a:t>
+            </a:r>
+            <a:r>
+              <a:rPr lang="en-US" altLang="zh-CN" dirty="0">
+                <a:solidFill>
+                  <a:srgbClr val="000000"/>
+                </a:solidFill>
+                <a:highlight>
+                  <a:srgbClr val="FFFFFF"/>
+                </a:highlight>
+                <a:latin typeface="新宋体" panose="02010609030101010101" pitchFamily="49" charset="-122"/>
+                <a:ea typeface="新宋体" panose="02010609030101010101" pitchFamily="49" charset="-122"/>
+              </a:rPr>
+              <a:t>&lt;</a:t>
+            </a:r>
+            <a:r>
+              <a:rPr lang="en-US" altLang="zh-CN" dirty="0" err="1">
+                <a:solidFill>
+                  <a:srgbClr val="0000FF"/>
+                </a:solidFill>
+                <a:highlight>
+                  <a:srgbClr val="FFFFFF"/>
+                </a:highlight>
+                <a:latin typeface="新宋体" panose="02010609030101010101" pitchFamily="49" charset="-122"/>
+                <a:ea typeface="新宋体" panose="02010609030101010101" pitchFamily="49" charset="-122"/>
+              </a:rPr>
+              <a:t>typename</a:t>
+            </a:r>
+            <a:r>
+              <a:rPr lang="en-US" altLang="zh-CN" dirty="0">
+                <a:solidFill>
+                  <a:srgbClr val="000000"/>
+                </a:solidFill>
+                <a:highlight>
+                  <a:srgbClr val="FFFFFF"/>
+                </a:highlight>
+                <a:latin typeface="新宋体" panose="02010609030101010101" pitchFamily="49" charset="-122"/>
+                <a:ea typeface="新宋体" panose="02010609030101010101" pitchFamily="49" charset="-122"/>
+              </a:rPr>
+              <a:t> </a:t>
+            </a:r>
+            <a:r>
+              <a:rPr lang="en-US" altLang="zh-CN" dirty="0">
+                <a:solidFill>
+                  <a:srgbClr val="2B91AF"/>
+                </a:solidFill>
+                <a:highlight>
+                  <a:srgbClr val="FFFFFF"/>
+                </a:highlight>
+                <a:latin typeface="新宋体" panose="02010609030101010101" pitchFamily="49" charset="-122"/>
+                <a:ea typeface="新宋体" panose="02010609030101010101" pitchFamily="49" charset="-122"/>
+              </a:rPr>
+              <a:t>T</a:t>
+            </a:r>
+            <a:r>
+              <a:rPr lang="en-US" altLang="zh-CN" dirty="0">
+                <a:solidFill>
+                  <a:srgbClr val="000000"/>
+                </a:solidFill>
+                <a:highlight>
+                  <a:srgbClr val="FFFFFF"/>
+                </a:highlight>
+                <a:latin typeface="新宋体" panose="02010609030101010101" pitchFamily="49" charset="-122"/>
+                <a:ea typeface="新宋体" panose="02010609030101010101" pitchFamily="49" charset="-122"/>
+              </a:rPr>
+              <a:t>, </a:t>
+            </a:r>
+            <a:r>
+              <a:rPr lang="en-US" altLang="zh-CN" dirty="0" err="1">
+                <a:solidFill>
+                  <a:srgbClr val="0000FF"/>
+                </a:solidFill>
+                <a:highlight>
+                  <a:srgbClr val="FFFFFF"/>
+                </a:highlight>
+                <a:latin typeface="新宋体" panose="02010609030101010101" pitchFamily="49" charset="-122"/>
+                <a:ea typeface="新宋体" panose="02010609030101010101" pitchFamily="49" charset="-122"/>
+              </a:rPr>
+              <a:t>typename</a:t>
+            </a:r>
+            <a:r>
+              <a:rPr lang="en-US" altLang="zh-CN" dirty="0">
+                <a:solidFill>
+                  <a:srgbClr val="000000"/>
+                </a:solidFill>
+                <a:highlight>
+                  <a:srgbClr val="FFFFFF"/>
+                </a:highlight>
+                <a:latin typeface="新宋体" panose="02010609030101010101" pitchFamily="49" charset="-122"/>
+                <a:ea typeface="新宋体" panose="02010609030101010101" pitchFamily="49" charset="-122"/>
+              </a:rPr>
+              <a:t> </a:t>
+            </a:r>
+            <a:r>
+              <a:rPr lang="en-US" altLang="zh-CN" dirty="0">
+                <a:solidFill>
+                  <a:srgbClr val="2B91AF"/>
+                </a:solidFill>
+                <a:highlight>
+                  <a:srgbClr val="FFFFFF"/>
+                </a:highlight>
+                <a:latin typeface="新宋体" panose="02010609030101010101" pitchFamily="49" charset="-122"/>
+                <a:ea typeface="新宋体" panose="02010609030101010101" pitchFamily="49" charset="-122"/>
+              </a:rPr>
+              <a:t>F</a:t>
+            </a:r>
+            <a:r>
+              <a:rPr lang="en-US" altLang="zh-CN" dirty="0">
+                <a:solidFill>
+                  <a:srgbClr val="000000"/>
+                </a:solidFill>
+                <a:highlight>
+                  <a:srgbClr val="FFFFFF"/>
+                </a:highlight>
+                <a:latin typeface="新宋体" panose="02010609030101010101" pitchFamily="49" charset="-122"/>
+                <a:ea typeface="新宋体" panose="02010609030101010101" pitchFamily="49" charset="-122"/>
+              </a:rPr>
+              <a:t>&gt;</a:t>
+            </a:r>
+          </a:p>
+          <a:p>
+            <a:r>
+              <a:rPr lang="en-US" altLang="zh-CN" dirty="0" err="1">
+                <a:solidFill>
+                  <a:srgbClr val="0000FF"/>
+                </a:solidFill>
+                <a:highlight>
+                  <a:srgbClr val="FFFFFF"/>
+                </a:highlight>
+                <a:latin typeface="新宋体" panose="02010609030101010101" pitchFamily="49" charset="-122"/>
+                <a:ea typeface="新宋体" panose="02010609030101010101" pitchFamily="49" charset="-122"/>
+              </a:rPr>
+              <a:t>constexpr</a:t>
+            </a:r>
+            <a:r>
+              <a:rPr lang="en-US" altLang="zh-CN" dirty="0">
+                <a:solidFill>
+                  <a:srgbClr val="000000"/>
+                </a:solidFill>
+                <a:highlight>
+                  <a:srgbClr val="FFFFFF"/>
+                </a:highlight>
+                <a:latin typeface="新宋体" panose="02010609030101010101" pitchFamily="49" charset="-122"/>
+                <a:ea typeface="新宋体" panose="02010609030101010101" pitchFamily="49" charset="-122"/>
+              </a:rPr>
+              <a:t> </a:t>
+            </a:r>
+            <a:r>
+              <a:rPr lang="en-US" altLang="zh-CN" dirty="0" err="1">
+                <a:solidFill>
+                  <a:srgbClr val="000000"/>
+                </a:solidFill>
+                <a:highlight>
+                  <a:srgbClr val="FFFFFF"/>
+                </a:highlight>
+                <a:latin typeface="新宋体" panose="02010609030101010101" pitchFamily="49" charset="-122"/>
+                <a:ea typeface="新宋体" panose="02010609030101010101" pitchFamily="49" charset="-122"/>
+              </a:rPr>
+              <a:t>std</a:t>
+            </a:r>
+            <a:r>
+              <a:rPr lang="en-US" altLang="zh-CN" dirty="0">
+                <a:solidFill>
+                  <a:srgbClr val="000000"/>
+                </a:solidFill>
+                <a:highlight>
+                  <a:srgbClr val="FFFFFF"/>
+                </a:highlight>
+                <a:latin typeface="新宋体" panose="02010609030101010101" pitchFamily="49" charset="-122"/>
+                <a:ea typeface="新宋体" panose="02010609030101010101" pitchFamily="49" charset="-122"/>
+              </a:rPr>
+              <a:t>::</a:t>
+            </a:r>
+            <a:r>
+              <a:rPr lang="en-US" altLang="zh-CN" dirty="0" err="1">
+                <a:solidFill>
+                  <a:srgbClr val="2B91AF"/>
+                </a:solidFill>
+                <a:highlight>
+                  <a:srgbClr val="FFFFFF"/>
+                </a:highlight>
+                <a:latin typeface="新宋体" panose="02010609030101010101" pitchFamily="49" charset="-122"/>
+                <a:ea typeface="新宋体" panose="02010609030101010101" pitchFamily="49" charset="-122"/>
+              </a:rPr>
+              <a:t>enable_if_t</a:t>
+            </a:r>
+            <a:r>
+              <a:rPr lang="en-US" altLang="zh-CN" dirty="0">
+                <a:solidFill>
+                  <a:srgbClr val="000000"/>
+                </a:solidFill>
+                <a:highlight>
+                  <a:srgbClr val="FFFFFF"/>
+                </a:highlight>
+                <a:latin typeface="新宋体" panose="02010609030101010101" pitchFamily="49" charset="-122"/>
+                <a:ea typeface="新宋体" panose="02010609030101010101" pitchFamily="49" charset="-122"/>
+              </a:rPr>
+              <a:t>&lt;</a:t>
+            </a:r>
+            <a:r>
+              <a:rPr lang="en-US" altLang="zh-CN" dirty="0" err="1">
+                <a:solidFill>
+                  <a:srgbClr val="2B91AF"/>
+                </a:solidFill>
+                <a:highlight>
+                  <a:srgbClr val="FFFFFF"/>
+                </a:highlight>
+                <a:latin typeface="新宋体" panose="02010609030101010101" pitchFamily="49" charset="-122"/>
+                <a:ea typeface="新宋体" panose="02010609030101010101" pitchFamily="49" charset="-122"/>
+              </a:rPr>
+              <a:t>is_reflection</a:t>
+            </a:r>
+            <a:r>
+              <a:rPr lang="en-US" altLang="zh-CN" dirty="0">
+                <a:solidFill>
+                  <a:srgbClr val="000000"/>
+                </a:solidFill>
+                <a:highlight>
+                  <a:srgbClr val="FFFFFF"/>
+                </a:highlight>
+                <a:latin typeface="新宋体" panose="02010609030101010101" pitchFamily="49" charset="-122"/>
+                <a:ea typeface="新宋体" panose="02010609030101010101" pitchFamily="49" charset="-122"/>
+              </a:rPr>
+              <a:t>&lt;</a:t>
+            </a:r>
+            <a:r>
+              <a:rPr lang="en-US" altLang="zh-CN" dirty="0">
+                <a:solidFill>
+                  <a:srgbClr val="2B91AF"/>
+                </a:solidFill>
+                <a:highlight>
+                  <a:srgbClr val="FFFFFF"/>
+                </a:highlight>
+                <a:latin typeface="新宋体" panose="02010609030101010101" pitchFamily="49" charset="-122"/>
+                <a:ea typeface="新宋体" panose="02010609030101010101" pitchFamily="49" charset="-122"/>
+              </a:rPr>
+              <a:t>T</a:t>
+            </a:r>
+            <a:r>
+              <a:rPr lang="en-US" altLang="zh-CN" dirty="0">
+                <a:solidFill>
+                  <a:srgbClr val="000000"/>
+                </a:solidFill>
+                <a:highlight>
+                  <a:srgbClr val="FFFFFF"/>
+                </a:highlight>
+                <a:latin typeface="新宋体" panose="02010609030101010101" pitchFamily="49" charset="-122"/>
+                <a:ea typeface="新宋体" panose="02010609030101010101" pitchFamily="49" charset="-122"/>
+              </a:rPr>
+              <a:t>&gt;::value&gt; </a:t>
+            </a:r>
+            <a:r>
+              <a:rPr lang="en-US" altLang="zh-CN" dirty="0" err="1">
+                <a:solidFill>
+                  <a:srgbClr val="000000"/>
+                </a:solidFill>
+                <a:highlight>
+                  <a:srgbClr val="FFFFFF"/>
+                </a:highlight>
+                <a:latin typeface="新宋体" panose="02010609030101010101" pitchFamily="49" charset="-122"/>
+                <a:ea typeface="新宋体" panose="02010609030101010101" pitchFamily="49" charset="-122"/>
+              </a:rPr>
+              <a:t>for_each</a:t>
+            </a:r>
+            <a:r>
+              <a:rPr lang="en-US" altLang="zh-CN" dirty="0">
+                <a:solidFill>
+                  <a:srgbClr val="000000"/>
+                </a:solidFill>
+                <a:highlight>
+                  <a:srgbClr val="FFFFFF"/>
+                </a:highlight>
+                <a:latin typeface="新宋体" panose="02010609030101010101" pitchFamily="49" charset="-122"/>
+                <a:ea typeface="新宋体" panose="02010609030101010101" pitchFamily="49" charset="-122"/>
+              </a:rPr>
+              <a:t>(</a:t>
+            </a:r>
+            <a:r>
+              <a:rPr lang="en-US" altLang="zh-CN" dirty="0">
+                <a:solidFill>
+                  <a:srgbClr val="2B91AF"/>
+                </a:solidFill>
+                <a:highlight>
+                  <a:srgbClr val="FFFFFF"/>
+                </a:highlight>
+                <a:latin typeface="新宋体" panose="02010609030101010101" pitchFamily="49" charset="-122"/>
+                <a:ea typeface="新宋体" panose="02010609030101010101" pitchFamily="49" charset="-122"/>
+              </a:rPr>
+              <a:t>T</a:t>
+            </a:r>
+            <a:r>
+              <a:rPr lang="en-US" altLang="zh-CN" dirty="0">
+                <a:solidFill>
+                  <a:srgbClr val="000000"/>
+                </a:solidFill>
+                <a:highlight>
+                  <a:srgbClr val="FFFFFF"/>
+                </a:highlight>
+                <a:latin typeface="新宋体" panose="02010609030101010101" pitchFamily="49" charset="-122"/>
+                <a:ea typeface="新宋体" panose="02010609030101010101" pitchFamily="49" charset="-122"/>
+              </a:rPr>
+              <a:t>&amp;&amp; </a:t>
+            </a:r>
+            <a:r>
+              <a:rPr lang="en-US" altLang="zh-CN" dirty="0">
+                <a:solidFill>
+                  <a:srgbClr val="808080"/>
+                </a:solidFill>
+                <a:highlight>
+                  <a:srgbClr val="FFFFFF"/>
+                </a:highlight>
+                <a:latin typeface="新宋体" panose="02010609030101010101" pitchFamily="49" charset="-122"/>
+                <a:ea typeface="新宋体" panose="02010609030101010101" pitchFamily="49" charset="-122"/>
+              </a:rPr>
+              <a:t>t</a:t>
+            </a:r>
+            <a:r>
+              <a:rPr lang="en-US" altLang="zh-CN" dirty="0">
+                <a:solidFill>
+                  <a:srgbClr val="000000"/>
+                </a:solidFill>
+                <a:highlight>
+                  <a:srgbClr val="FFFFFF"/>
+                </a:highlight>
+                <a:latin typeface="新宋体" panose="02010609030101010101" pitchFamily="49" charset="-122"/>
+                <a:ea typeface="新宋体" panose="02010609030101010101" pitchFamily="49" charset="-122"/>
+              </a:rPr>
+              <a:t>, </a:t>
+            </a:r>
+            <a:r>
+              <a:rPr lang="en-US" altLang="zh-CN" dirty="0">
+                <a:solidFill>
+                  <a:srgbClr val="2B91AF"/>
+                </a:solidFill>
+                <a:highlight>
+                  <a:srgbClr val="FFFFFF"/>
+                </a:highlight>
+                <a:latin typeface="新宋体" panose="02010609030101010101" pitchFamily="49" charset="-122"/>
+                <a:ea typeface="新宋体" panose="02010609030101010101" pitchFamily="49" charset="-122"/>
+              </a:rPr>
+              <a:t>F</a:t>
+            </a:r>
+            <a:r>
+              <a:rPr lang="en-US" altLang="zh-CN" dirty="0">
+                <a:solidFill>
+                  <a:srgbClr val="000000"/>
+                </a:solidFill>
+                <a:highlight>
+                  <a:srgbClr val="FFFFFF"/>
+                </a:highlight>
+                <a:latin typeface="新宋体" panose="02010609030101010101" pitchFamily="49" charset="-122"/>
+                <a:ea typeface="新宋体" panose="02010609030101010101" pitchFamily="49" charset="-122"/>
+              </a:rPr>
+              <a:t>&amp;&amp; </a:t>
+            </a:r>
+            <a:r>
+              <a:rPr lang="en-US" altLang="zh-CN" dirty="0">
+                <a:solidFill>
+                  <a:srgbClr val="808080"/>
+                </a:solidFill>
+                <a:highlight>
+                  <a:srgbClr val="FFFFFF"/>
+                </a:highlight>
+                <a:latin typeface="新宋体" panose="02010609030101010101" pitchFamily="49" charset="-122"/>
+                <a:ea typeface="新宋体" panose="02010609030101010101" pitchFamily="49" charset="-122"/>
+              </a:rPr>
+              <a:t>f</a:t>
+            </a:r>
+            <a:r>
+              <a:rPr lang="en-US" altLang="zh-CN" dirty="0">
+                <a:solidFill>
+                  <a:srgbClr val="000000"/>
+                </a:solidFill>
+                <a:highlight>
+                  <a:srgbClr val="FFFFFF"/>
+                </a:highlight>
+                <a:latin typeface="新宋体" panose="02010609030101010101" pitchFamily="49" charset="-122"/>
+                <a:ea typeface="新宋体" panose="02010609030101010101" pitchFamily="49" charset="-122"/>
+              </a:rPr>
+              <a:t>)</a:t>
+            </a:r>
+          </a:p>
+          <a:p>
+            <a:r>
+              <a:rPr lang="en-US" altLang="zh-CN" dirty="0">
+                <a:solidFill>
+                  <a:srgbClr val="000000"/>
+                </a:solidFill>
+                <a:highlight>
+                  <a:srgbClr val="FFFFFF"/>
+                </a:highlight>
+                <a:latin typeface="新宋体" panose="02010609030101010101" pitchFamily="49" charset="-122"/>
+                <a:ea typeface="新宋体" panose="02010609030101010101" pitchFamily="49" charset="-122"/>
+              </a:rPr>
+              <a:t>{</a:t>
+            </a:r>
+          </a:p>
+          <a:p>
+            <a:r>
+              <a:rPr lang="en-US" altLang="zh-CN" dirty="0">
+                <a:solidFill>
+                  <a:srgbClr val="0000FF"/>
+                </a:solidFill>
+                <a:highlight>
+                  <a:srgbClr val="FFFFFF"/>
+                </a:highlight>
+                <a:latin typeface="新宋体" panose="02010609030101010101" pitchFamily="49" charset="-122"/>
+                <a:ea typeface="新宋体" panose="02010609030101010101" pitchFamily="49" charset="-122"/>
+              </a:rPr>
+              <a:t> </a:t>
+            </a:r>
+            <a:r>
+              <a:rPr lang="en-US" altLang="zh-CN" dirty="0" smtClean="0">
+                <a:solidFill>
+                  <a:srgbClr val="0000FF"/>
+                </a:solidFill>
+                <a:highlight>
+                  <a:srgbClr val="FFFFFF"/>
+                </a:highlight>
+                <a:latin typeface="新宋体" panose="02010609030101010101" pitchFamily="49" charset="-122"/>
+                <a:ea typeface="新宋体" panose="02010609030101010101" pitchFamily="49" charset="-122"/>
+              </a:rPr>
+              <a:t>   using</a:t>
+            </a:r>
+            <a:r>
+              <a:rPr lang="en-US" altLang="zh-CN" dirty="0" smtClean="0">
+                <a:solidFill>
+                  <a:srgbClr val="000000"/>
+                </a:solidFill>
+                <a:highlight>
+                  <a:srgbClr val="FFFFFF"/>
+                </a:highlight>
+                <a:latin typeface="新宋体" panose="02010609030101010101" pitchFamily="49" charset="-122"/>
+                <a:ea typeface="新宋体" panose="02010609030101010101" pitchFamily="49" charset="-122"/>
+              </a:rPr>
+              <a:t> </a:t>
+            </a:r>
+            <a:r>
+              <a:rPr lang="en-US" altLang="zh-CN" dirty="0">
+                <a:solidFill>
+                  <a:srgbClr val="2B91AF"/>
+                </a:solidFill>
+                <a:highlight>
+                  <a:srgbClr val="FFFFFF"/>
+                </a:highlight>
+                <a:latin typeface="新宋体" panose="02010609030101010101" pitchFamily="49" charset="-122"/>
+                <a:ea typeface="新宋体" panose="02010609030101010101" pitchFamily="49" charset="-122"/>
+              </a:rPr>
+              <a:t>M</a:t>
+            </a:r>
+            <a:r>
+              <a:rPr lang="en-US" altLang="zh-CN" dirty="0">
+                <a:solidFill>
+                  <a:srgbClr val="000000"/>
+                </a:solidFill>
+                <a:highlight>
+                  <a:srgbClr val="FFFFFF"/>
+                </a:highlight>
+                <a:latin typeface="新宋体" panose="02010609030101010101" pitchFamily="49" charset="-122"/>
+                <a:ea typeface="新宋体" panose="02010609030101010101" pitchFamily="49" charset="-122"/>
+              </a:rPr>
+              <a:t> = </a:t>
+            </a:r>
+            <a:r>
+              <a:rPr lang="en-US" altLang="zh-CN" dirty="0">
+                <a:solidFill>
+                  <a:srgbClr val="2B91AF"/>
+                </a:solidFill>
+                <a:highlight>
+                  <a:srgbClr val="FFFFFF"/>
+                </a:highlight>
+                <a:latin typeface="新宋体" panose="02010609030101010101" pitchFamily="49" charset="-122"/>
+                <a:ea typeface="新宋体" panose="02010609030101010101" pitchFamily="49" charset="-122"/>
+              </a:rPr>
+              <a:t>Members</a:t>
+            </a:r>
+            <a:r>
+              <a:rPr lang="en-US" altLang="zh-CN" dirty="0">
+                <a:solidFill>
+                  <a:srgbClr val="000000"/>
+                </a:solidFill>
+                <a:highlight>
+                  <a:srgbClr val="FFFFFF"/>
+                </a:highlight>
+                <a:latin typeface="新宋体" panose="02010609030101010101" pitchFamily="49" charset="-122"/>
+                <a:ea typeface="新宋体" panose="02010609030101010101" pitchFamily="49" charset="-122"/>
+              </a:rPr>
+              <a:t>&lt;</a:t>
+            </a:r>
+            <a:r>
+              <a:rPr lang="en-US" altLang="zh-CN" dirty="0" err="1">
+                <a:solidFill>
+                  <a:srgbClr val="000000"/>
+                </a:solidFill>
+                <a:highlight>
+                  <a:srgbClr val="FFFFFF"/>
+                </a:highlight>
+                <a:latin typeface="新宋体" panose="02010609030101010101" pitchFamily="49" charset="-122"/>
+                <a:ea typeface="新宋体" panose="02010609030101010101" pitchFamily="49" charset="-122"/>
+              </a:rPr>
+              <a:t>std</a:t>
+            </a:r>
+            <a:r>
+              <a:rPr lang="en-US" altLang="zh-CN" dirty="0">
+                <a:solidFill>
+                  <a:srgbClr val="000000"/>
+                </a:solidFill>
+                <a:highlight>
+                  <a:srgbClr val="FFFFFF"/>
+                </a:highlight>
+                <a:latin typeface="新宋体" panose="02010609030101010101" pitchFamily="49" charset="-122"/>
+                <a:ea typeface="新宋体" panose="02010609030101010101" pitchFamily="49" charset="-122"/>
+              </a:rPr>
+              <a:t>::</a:t>
+            </a:r>
+            <a:r>
+              <a:rPr lang="en-US" altLang="zh-CN" dirty="0" err="1">
+                <a:solidFill>
+                  <a:srgbClr val="2B91AF"/>
+                </a:solidFill>
+                <a:highlight>
+                  <a:srgbClr val="FFFFFF"/>
+                </a:highlight>
+                <a:latin typeface="新宋体" panose="02010609030101010101" pitchFamily="49" charset="-122"/>
+                <a:ea typeface="新宋体" panose="02010609030101010101" pitchFamily="49" charset="-122"/>
+              </a:rPr>
+              <a:t>remove_const_t</a:t>
+            </a:r>
+            <a:r>
+              <a:rPr lang="en-US" altLang="zh-CN" dirty="0">
+                <a:solidFill>
+                  <a:srgbClr val="000000"/>
+                </a:solidFill>
+                <a:highlight>
+                  <a:srgbClr val="FFFFFF"/>
+                </a:highlight>
+                <a:latin typeface="新宋体" panose="02010609030101010101" pitchFamily="49" charset="-122"/>
+                <a:ea typeface="新宋体" panose="02010609030101010101" pitchFamily="49" charset="-122"/>
+              </a:rPr>
+              <a:t> &lt;</a:t>
+            </a:r>
+            <a:r>
+              <a:rPr lang="en-US" altLang="zh-CN" dirty="0" err="1">
+                <a:solidFill>
+                  <a:srgbClr val="000000"/>
+                </a:solidFill>
+                <a:highlight>
+                  <a:srgbClr val="FFFFFF"/>
+                </a:highlight>
+                <a:latin typeface="新宋体" panose="02010609030101010101" pitchFamily="49" charset="-122"/>
+                <a:ea typeface="新宋体" panose="02010609030101010101" pitchFamily="49" charset="-122"/>
+              </a:rPr>
+              <a:t>std</a:t>
+            </a:r>
+            <a:r>
+              <a:rPr lang="en-US" altLang="zh-CN" dirty="0">
+                <a:solidFill>
+                  <a:srgbClr val="000000"/>
+                </a:solidFill>
+                <a:highlight>
+                  <a:srgbClr val="FFFFFF"/>
+                </a:highlight>
+                <a:latin typeface="新宋体" panose="02010609030101010101" pitchFamily="49" charset="-122"/>
+                <a:ea typeface="新宋体" panose="02010609030101010101" pitchFamily="49" charset="-122"/>
+              </a:rPr>
+              <a:t>::</a:t>
+            </a:r>
+            <a:r>
+              <a:rPr lang="en-US" altLang="zh-CN" dirty="0" err="1">
+                <a:solidFill>
+                  <a:srgbClr val="2B91AF"/>
+                </a:solidFill>
+                <a:highlight>
+                  <a:srgbClr val="FFFFFF"/>
+                </a:highlight>
+                <a:latin typeface="新宋体" panose="02010609030101010101" pitchFamily="49" charset="-122"/>
+                <a:ea typeface="新宋体" panose="02010609030101010101" pitchFamily="49" charset="-122"/>
+              </a:rPr>
+              <a:t>remove_reference_t</a:t>
+            </a:r>
+            <a:r>
+              <a:rPr lang="en-US" altLang="zh-CN" dirty="0">
+                <a:solidFill>
+                  <a:srgbClr val="000000"/>
+                </a:solidFill>
+                <a:highlight>
+                  <a:srgbClr val="FFFFFF"/>
+                </a:highlight>
+                <a:latin typeface="新宋体" panose="02010609030101010101" pitchFamily="49" charset="-122"/>
+                <a:ea typeface="新宋体" panose="02010609030101010101" pitchFamily="49" charset="-122"/>
+              </a:rPr>
+              <a:t>&lt;</a:t>
+            </a:r>
+            <a:r>
+              <a:rPr lang="en-US" altLang="zh-CN" dirty="0">
+                <a:solidFill>
+                  <a:srgbClr val="2B91AF"/>
+                </a:solidFill>
+                <a:highlight>
+                  <a:srgbClr val="FFFFFF"/>
+                </a:highlight>
+                <a:latin typeface="新宋体" panose="02010609030101010101" pitchFamily="49" charset="-122"/>
+                <a:ea typeface="新宋体" panose="02010609030101010101" pitchFamily="49" charset="-122"/>
+              </a:rPr>
+              <a:t>T</a:t>
+            </a:r>
+            <a:r>
+              <a:rPr lang="en-US" altLang="zh-CN" dirty="0" smtClean="0">
+                <a:solidFill>
+                  <a:srgbClr val="000000"/>
+                </a:solidFill>
+                <a:highlight>
+                  <a:srgbClr val="FFFFFF"/>
+                </a:highlight>
+                <a:latin typeface="新宋体" panose="02010609030101010101" pitchFamily="49" charset="-122"/>
+                <a:ea typeface="新宋体" panose="02010609030101010101" pitchFamily="49" charset="-122"/>
+              </a:rPr>
+              <a:t>&gt;&gt;&gt;;</a:t>
+            </a:r>
+            <a:endParaRPr lang="en-US" altLang="zh-CN" dirty="0">
+              <a:solidFill>
+                <a:srgbClr val="000000"/>
+              </a:solidFill>
+              <a:highlight>
+                <a:srgbClr val="FFFFFF"/>
+              </a:highlight>
+              <a:latin typeface="新宋体" panose="02010609030101010101" pitchFamily="49" charset="-122"/>
+              <a:ea typeface="新宋体" panose="02010609030101010101" pitchFamily="49" charset="-122"/>
+            </a:endParaRPr>
+          </a:p>
+          <a:p>
+            <a:r>
+              <a:rPr lang="en-US" altLang="zh-CN" dirty="0" smtClean="0">
+                <a:solidFill>
+                  <a:srgbClr val="000000"/>
+                </a:solidFill>
+                <a:highlight>
+                  <a:srgbClr val="FFFFFF"/>
+                </a:highlight>
+                <a:latin typeface="新宋体" panose="02010609030101010101" pitchFamily="49" charset="-122"/>
+                <a:ea typeface="新宋体" panose="02010609030101010101" pitchFamily="49" charset="-122"/>
+              </a:rPr>
+              <a:t>    </a:t>
+            </a:r>
+            <a:r>
+              <a:rPr lang="en-US" altLang="zh-CN" dirty="0" err="1" smtClean="0">
+                <a:solidFill>
+                  <a:srgbClr val="000000"/>
+                </a:solidFill>
+                <a:highlight>
+                  <a:srgbClr val="FFFFFF"/>
+                </a:highlight>
+                <a:latin typeface="新宋体" panose="02010609030101010101" pitchFamily="49" charset="-122"/>
+                <a:ea typeface="新宋体" panose="02010609030101010101" pitchFamily="49" charset="-122"/>
+              </a:rPr>
+              <a:t>for_each</a:t>
+            </a:r>
+            <a:r>
+              <a:rPr lang="en-US" altLang="zh-CN" dirty="0" smtClean="0">
+                <a:solidFill>
+                  <a:srgbClr val="000000"/>
+                </a:solidFill>
+                <a:highlight>
+                  <a:srgbClr val="FFFFFF"/>
+                </a:highlight>
+                <a:latin typeface="新宋体" panose="02010609030101010101" pitchFamily="49" charset="-122"/>
+                <a:ea typeface="新宋体" panose="02010609030101010101" pitchFamily="49" charset="-122"/>
+              </a:rPr>
+              <a:t>(</a:t>
+            </a:r>
+            <a:r>
+              <a:rPr lang="en-US" altLang="zh-CN" dirty="0" smtClean="0">
+                <a:solidFill>
+                  <a:srgbClr val="2B91AF"/>
+                </a:solidFill>
+                <a:highlight>
+                  <a:srgbClr val="FFFFFF"/>
+                </a:highlight>
+                <a:latin typeface="新宋体" panose="02010609030101010101" pitchFamily="49" charset="-122"/>
+                <a:ea typeface="新宋体" panose="02010609030101010101" pitchFamily="49" charset="-122"/>
+              </a:rPr>
+              <a:t>M</a:t>
+            </a:r>
+            <a:r>
+              <a:rPr lang="en-US" altLang="zh-CN" dirty="0">
+                <a:solidFill>
+                  <a:srgbClr val="000000"/>
+                </a:solidFill>
+                <a:highlight>
+                  <a:srgbClr val="FFFFFF"/>
+                </a:highlight>
+                <a:latin typeface="新宋体" panose="02010609030101010101" pitchFamily="49" charset="-122"/>
+                <a:ea typeface="新宋体" panose="02010609030101010101" pitchFamily="49" charset="-122"/>
+              </a:rPr>
+              <a:t>::</a:t>
+            </a:r>
+            <a:r>
+              <a:rPr lang="en-US" altLang="zh-CN" dirty="0" err="1">
+                <a:solidFill>
+                  <a:srgbClr val="000000"/>
+                </a:solidFill>
+                <a:highlight>
+                  <a:srgbClr val="FFFFFF"/>
+                </a:highlight>
+                <a:latin typeface="新宋体" panose="02010609030101010101" pitchFamily="49" charset="-122"/>
+                <a:ea typeface="新宋体" panose="02010609030101010101" pitchFamily="49" charset="-122"/>
+              </a:rPr>
+              <a:t>apply_impl</a:t>
+            </a:r>
+            <a:r>
+              <a:rPr lang="en-US" altLang="zh-CN" dirty="0">
+                <a:solidFill>
+                  <a:srgbClr val="000000"/>
+                </a:solidFill>
+                <a:highlight>
+                  <a:srgbClr val="FFFFFF"/>
+                </a:highlight>
+                <a:latin typeface="新宋体" panose="02010609030101010101" pitchFamily="49" charset="-122"/>
+                <a:ea typeface="新宋体" panose="02010609030101010101" pitchFamily="49" charset="-122"/>
+              </a:rPr>
+              <a:t>(), </a:t>
+            </a:r>
+            <a:r>
+              <a:rPr lang="en-US" altLang="zh-CN" dirty="0" err="1">
+                <a:solidFill>
+                  <a:srgbClr val="000000"/>
+                </a:solidFill>
+                <a:highlight>
+                  <a:srgbClr val="FFFFFF"/>
+                </a:highlight>
+                <a:latin typeface="新宋体" panose="02010609030101010101" pitchFamily="49" charset="-122"/>
+                <a:ea typeface="新宋体" panose="02010609030101010101" pitchFamily="49" charset="-122"/>
+              </a:rPr>
+              <a:t>std</a:t>
+            </a:r>
+            <a:r>
+              <a:rPr lang="en-US" altLang="zh-CN" dirty="0">
+                <a:solidFill>
+                  <a:srgbClr val="000000"/>
+                </a:solidFill>
+                <a:highlight>
+                  <a:srgbClr val="FFFFFF"/>
+                </a:highlight>
+                <a:latin typeface="新宋体" panose="02010609030101010101" pitchFamily="49" charset="-122"/>
+                <a:ea typeface="新宋体" panose="02010609030101010101" pitchFamily="49" charset="-122"/>
+              </a:rPr>
+              <a:t>::forward&lt;</a:t>
+            </a:r>
+            <a:r>
+              <a:rPr lang="en-US" altLang="zh-CN" dirty="0">
+                <a:solidFill>
+                  <a:srgbClr val="2B91AF"/>
+                </a:solidFill>
+                <a:highlight>
+                  <a:srgbClr val="FFFFFF"/>
+                </a:highlight>
+                <a:latin typeface="新宋体" panose="02010609030101010101" pitchFamily="49" charset="-122"/>
+                <a:ea typeface="新宋体" panose="02010609030101010101" pitchFamily="49" charset="-122"/>
+              </a:rPr>
+              <a:t>F</a:t>
+            </a:r>
+            <a:r>
+              <a:rPr lang="en-US" altLang="zh-CN" dirty="0">
+                <a:solidFill>
+                  <a:srgbClr val="000000"/>
+                </a:solidFill>
+                <a:highlight>
+                  <a:srgbClr val="FFFFFF"/>
+                </a:highlight>
+                <a:latin typeface="新宋体" panose="02010609030101010101" pitchFamily="49" charset="-122"/>
+                <a:ea typeface="新宋体" panose="02010609030101010101" pitchFamily="49" charset="-122"/>
+              </a:rPr>
+              <a:t>&gt;(</a:t>
+            </a:r>
+            <a:r>
+              <a:rPr lang="en-US" altLang="zh-CN" dirty="0">
+                <a:solidFill>
+                  <a:srgbClr val="808080"/>
+                </a:solidFill>
+                <a:highlight>
+                  <a:srgbClr val="FFFFFF"/>
+                </a:highlight>
+                <a:latin typeface="新宋体" panose="02010609030101010101" pitchFamily="49" charset="-122"/>
+                <a:ea typeface="新宋体" panose="02010609030101010101" pitchFamily="49" charset="-122"/>
+              </a:rPr>
+              <a:t>f</a:t>
+            </a:r>
+            <a:r>
+              <a:rPr lang="en-US" altLang="zh-CN" dirty="0">
+                <a:solidFill>
+                  <a:srgbClr val="000000"/>
+                </a:solidFill>
+                <a:highlight>
+                  <a:srgbClr val="FFFFFF"/>
+                </a:highlight>
+                <a:latin typeface="新宋体" panose="02010609030101010101" pitchFamily="49" charset="-122"/>
+                <a:ea typeface="新宋体" panose="02010609030101010101" pitchFamily="49" charset="-122"/>
+              </a:rPr>
+              <a:t>), </a:t>
+            </a:r>
+            <a:r>
+              <a:rPr lang="en-US" altLang="zh-CN" dirty="0" err="1" smtClean="0">
+                <a:solidFill>
+                  <a:srgbClr val="000000"/>
+                </a:solidFill>
+                <a:highlight>
+                  <a:srgbClr val="FFFFFF"/>
+                </a:highlight>
+                <a:latin typeface="新宋体" panose="02010609030101010101" pitchFamily="49" charset="-122"/>
+                <a:ea typeface="新宋体" panose="02010609030101010101" pitchFamily="49" charset="-122"/>
+              </a:rPr>
+              <a:t>std</a:t>
+            </a:r>
+            <a:r>
+              <a:rPr lang="en-US" altLang="zh-CN" dirty="0">
+                <a:solidFill>
+                  <a:srgbClr val="000000"/>
+                </a:solidFill>
+                <a:highlight>
+                  <a:srgbClr val="FFFFFF"/>
+                </a:highlight>
+                <a:latin typeface="新宋体" panose="02010609030101010101" pitchFamily="49" charset="-122"/>
+                <a:ea typeface="新宋体" panose="02010609030101010101" pitchFamily="49" charset="-122"/>
+              </a:rPr>
+              <a:t>::</a:t>
+            </a:r>
+            <a:r>
+              <a:rPr lang="en-US" altLang="zh-CN" dirty="0" err="1">
+                <a:solidFill>
+                  <a:srgbClr val="2B91AF"/>
+                </a:solidFill>
+                <a:highlight>
+                  <a:srgbClr val="FFFFFF"/>
+                </a:highlight>
+                <a:latin typeface="新宋体" panose="02010609030101010101" pitchFamily="49" charset="-122"/>
+                <a:ea typeface="新宋体" panose="02010609030101010101" pitchFamily="49" charset="-122"/>
+              </a:rPr>
+              <a:t>make_index_sequence</a:t>
+            </a:r>
+            <a:r>
+              <a:rPr lang="en-US" altLang="zh-CN" dirty="0">
+                <a:solidFill>
+                  <a:srgbClr val="000000"/>
+                </a:solidFill>
+                <a:highlight>
+                  <a:srgbClr val="FFFFFF"/>
+                </a:highlight>
+                <a:latin typeface="新宋体" panose="02010609030101010101" pitchFamily="49" charset="-122"/>
+                <a:ea typeface="新宋体" panose="02010609030101010101" pitchFamily="49" charset="-122"/>
+              </a:rPr>
+              <a:t>&lt;</a:t>
+            </a:r>
+            <a:r>
+              <a:rPr lang="en-US" altLang="zh-CN" dirty="0">
+                <a:solidFill>
+                  <a:srgbClr val="2B91AF"/>
+                </a:solidFill>
+                <a:highlight>
+                  <a:srgbClr val="FFFFFF"/>
+                </a:highlight>
+                <a:latin typeface="新宋体" panose="02010609030101010101" pitchFamily="49" charset="-122"/>
+                <a:ea typeface="新宋体" panose="02010609030101010101" pitchFamily="49" charset="-122"/>
+              </a:rPr>
+              <a:t>M</a:t>
+            </a:r>
+            <a:r>
+              <a:rPr lang="en-US" altLang="zh-CN" dirty="0">
+                <a:solidFill>
+                  <a:srgbClr val="000000"/>
+                </a:solidFill>
+                <a:highlight>
+                  <a:srgbClr val="FFFFFF"/>
+                </a:highlight>
+                <a:latin typeface="新宋体" panose="02010609030101010101" pitchFamily="49" charset="-122"/>
+                <a:ea typeface="新宋体" panose="02010609030101010101" pitchFamily="49" charset="-122"/>
+              </a:rPr>
+              <a:t>::value()&gt;{});</a:t>
+            </a:r>
+          </a:p>
+          <a:p>
+            <a:r>
+              <a:rPr lang="en-US" altLang="zh-CN" dirty="0">
+                <a:solidFill>
+                  <a:srgbClr val="000000"/>
+                </a:solidFill>
+                <a:highlight>
+                  <a:srgbClr val="FFFFFF"/>
+                </a:highlight>
+                <a:latin typeface="新宋体" panose="02010609030101010101" pitchFamily="49" charset="-122"/>
+                <a:ea typeface="新宋体" panose="02010609030101010101" pitchFamily="49" charset="-122"/>
+              </a:rPr>
+              <a:t>}</a:t>
+            </a:r>
+          </a:p>
+          <a:p>
+            <a:endParaRPr lang="zh-CN" altLang="en-US" dirty="0">
+              <a:solidFill>
+                <a:srgbClr val="000000"/>
+              </a:solidFill>
+              <a:highlight>
+                <a:srgbClr val="FFFFFF"/>
+              </a:highlight>
+              <a:latin typeface="新宋体" panose="02010609030101010101" pitchFamily="49" charset="-122"/>
+              <a:ea typeface="新宋体" panose="02010609030101010101" pitchFamily="49" charset="-122"/>
+            </a:endParaRPr>
+          </a:p>
+          <a:p>
+            <a:r>
+              <a:rPr lang="en-US" altLang="zh-CN" dirty="0">
+                <a:solidFill>
+                  <a:srgbClr val="0000FF"/>
+                </a:solidFill>
+                <a:highlight>
+                  <a:srgbClr val="FFFFFF"/>
+                </a:highlight>
+                <a:latin typeface="新宋体" panose="02010609030101010101" pitchFamily="49" charset="-122"/>
+                <a:ea typeface="新宋体" panose="02010609030101010101" pitchFamily="49" charset="-122"/>
+              </a:rPr>
+              <a:t>template</a:t>
+            </a:r>
+            <a:r>
+              <a:rPr lang="en-US" altLang="zh-CN" dirty="0">
+                <a:solidFill>
+                  <a:srgbClr val="000000"/>
+                </a:solidFill>
+                <a:highlight>
+                  <a:srgbClr val="FFFFFF"/>
+                </a:highlight>
+                <a:latin typeface="新宋体" panose="02010609030101010101" pitchFamily="49" charset="-122"/>
+                <a:ea typeface="新宋体" panose="02010609030101010101" pitchFamily="49" charset="-122"/>
+              </a:rPr>
+              <a:t> &lt;</a:t>
+            </a:r>
+            <a:r>
+              <a:rPr lang="en-US" altLang="zh-CN" dirty="0" err="1">
+                <a:solidFill>
+                  <a:srgbClr val="0000FF"/>
+                </a:solidFill>
+                <a:highlight>
+                  <a:srgbClr val="FFFFFF"/>
+                </a:highlight>
+                <a:latin typeface="新宋体" panose="02010609030101010101" pitchFamily="49" charset="-122"/>
+                <a:ea typeface="新宋体" panose="02010609030101010101" pitchFamily="49" charset="-122"/>
+              </a:rPr>
+              <a:t>typename</a:t>
+            </a:r>
+            <a:r>
+              <a:rPr lang="en-US" altLang="zh-CN" dirty="0">
+                <a:solidFill>
+                  <a:srgbClr val="000000"/>
+                </a:solidFill>
+                <a:highlight>
+                  <a:srgbClr val="FFFFFF"/>
+                </a:highlight>
+                <a:latin typeface="新宋体" panose="02010609030101010101" pitchFamily="49" charset="-122"/>
+                <a:ea typeface="新宋体" panose="02010609030101010101" pitchFamily="49" charset="-122"/>
+              </a:rPr>
+              <a:t>... </a:t>
+            </a:r>
+            <a:r>
+              <a:rPr lang="en-US" altLang="zh-CN" dirty="0" err="1">
+                <a:solidFill>
+                  <a:srgbClr val="2B91AF"/>
+                </a:solidFill>
+                <a:highlight>
+                  <a:srgbClr val="FFFFFF"/>
+                </a:highlight>
+                <a:latin typeface="新宋体" panose="02010609030101010101" pitchFamily="49" charset="-122"/>
+                <a:ea typeface="新宋体" panose="02010609030101010101" pitchFamily="49" charset="-122"/>
+              </a:rPr>
+              <a:t>Args</a:t>
+            </a:r>
+            <a:r>
+              <a:rPr lang="en-US" altLang="zh-CN" dirty="0">
+                <a:solidFill>
+                  <a:srgbClr val="000000"/>
+                </a:solidFill>
+                <a:highlight>
+                  <a:srgbClr val="FFFFFF"/>
+                </a:highlight>
+                <a:latin typeface="新宋体" panose="02010609030101010101" pitchFamily="49" charset="-122"/>
+                <a:ea typeface="新宋体" panose="02010609030101010101" pitchFamily="49" charset="-122"/>
+              </a:rPr>
+              <a:t>, </a:t>
+            </a:r>
+            <a:r>
+              <a:rPr lang="en-US" altLang="zh-CN" dirty="0" err="1">
+                <a:solidFill>
+                  <a:srgbClr val="0000FF"/>
+                </a:solidFill>
+                <a:highlight>
+                  <a:srgbClr val="FFFFFF"/>
+                </a:highlight>
+                <a:latin typeface="新宋体" panose="02010609030101010101" pitchFamily="49" charset="-122"/>
+                <a:ea typeface="新宋体" panose="02010609030101010101" pitchFamily="49" charset="-122"/>
+              </a:rPr>
+              <a:t>typename</a:t>
+            </a:r>
+            <a:r>
+              <a:rPr lang="en-US" altLang="zh-CN" dirty="0">
+                <a:solidFill>
+                  <a:srgbClr val="000000"/>
+                </a:solidFill>
+                <a:highlight>
+                  <a:srgbClr val="FFFFFF"/>
+                </a:highlight>
+                <a:latin typeface="新宋体" panose="02010609030101010101" pitchFamily="49" charset="-122"/>
+                <a:ea typeface="新宋体" panose="02010609030101010101" pitchFamily="49" charset="-122"/>
+              </a:rPr>
+              <a:t> </a:t>
+            </a:r>
+            <a:r>
+              <a:rPr lang="en-US" altLang="zh-CN" dirty="0">
+                <a:solidFill>
+                  <a:srgbClr val="2B91AF"/>
+                </a:solidFill>
+                <a:highlight>
+                  <a:srgbClr val="FFFFFF"/>
+                </a:highlight>
+                <a:latin typeface="新宋体" panose="02010609030101010101" pitchFamily="49" charset="-122"/>
+                <a:ea typeface="新宋体" panose="02010609030101010101" pitchFamily="49" charset="-122"/>
+              </a:rPr>
+              <a:t>F</a:t>
+            </a:r>
+            <a:r>
+              <a:rPr lang="en-US" altLang="zh-CN" dirty="0">
+                <a:solidFill>
+                  <a:srgbClr val="000000"/>
+                </a:solidFill>
+                <a:highlight>
+                  <a:srgbClr val="FFFFFF"/>
+                </a:highlight>
+                <a:latin typeface="新宋体" panose="02010609030101010101" pitchFamily="49" charset="-122"/>
+                <a:ea typeface="新宋体" panose="02010609030101010101" pitchFamily="49" charset="-122"/>
+              </a:rPr>
+              <a:t>, </a:t>
+            </a:r>
+            <a:r>
+              <a:rPr lang="en-US" altLang="zh-CN" dirty="0" err="1">
+                <a:solidFill>
+                  <a:srgbClr val="000000"/>
+                </a:solidFill>
+                <a:highlight>
+                  <a:srgbClr val="FFFFFF"/>
+                </a:highlight>
+                <a:latin typeface="新宋体" panose="02010609030101010101" pitchFamily="49" charset="-122"/>
+                <a:ea typeface="新宋体" panose="02010609030101010101" pitchFamily="49" charset="-122"/>
+              </a:rPr>
+              <a:t>std</a:t>
+            </a:r>
+            <a:r>
+              <a:rPr lang="en-US" altLang="zh-CN" dirty="0">
+                <a:solidFill>
+                  <a:srgbClr val="000000"/>
+                </a:solidFill>
+                <a:highlight>
+                  <a:srgbClr val="FFFFFF"/>
+                </a:highlight>
+                <a:latin typeface="新宋体" panose="02010609030101010101" pitchFamily="49" charset="-122"/>
+                <a:ea typeface="新宋体" panose="02010609030101010101" pitchFamily="49" charset="-122"/>
+              </a:rPr>
+              <a:t>::</a:t>
+            </a:r>
+            <a:r>
+              <a:rPr lang="en-US" altLang="zh-CN" dirty="0" err="1">
+                <a:solidFill>
+                  <a:srgbClr val="2B91AF"/>
+                </a:solidFill>
+                <a:highlight>
+                  <a:srgbClr val="FFFFFF"/>
+                </a:highlight>
+                <a:latin typeface="新宋体" panose="02010609030101010101" pitchFamily="49" charset="-122"/>
+                <a:ea typeface="新宋体" panose="02010609030101010101" pitchFamily="49" charset="-122"/>
+              </a:rPr>
+              <a:t>size_t</a:t>
+            </a:r>
+            <a:r>
+              <a:rPr lang="en-US" altLang="zh-CN" dirty="0">
+                <a:solidFill>
+                  <a:srgbClr val="000000"/>
+                </a:solidFill>
+                <a:highlight>
+                  <a:srgbClr val="FFFFFF"/>
+                </a:highlight>
+                <a:latin typeface="新宋体" panose="02010609030101010101" pitchFamily="49" charset="-122"/>
+                <a:ea typeface="新宋体" panose="02010609030101010101" pitchFamily="49" charset="-122"/>
+              </a:rPr>
+              <a:t>... </a:t>
+            </a:r>
+            <a:r>
+              <a:rPr lang="en-US" altLang="zh-CN" dirty="0" err="1">
+                <a:solidFill>
+                  <a:srgbClr val="000000"/>
+                </a:solidFill>
+                <a:highlight>
+                  <a:srgbClr val="FFFFFF"/>
+                </a:highlight>
+                <a:latin typeface="新宋体" panose="02010609030101010101" pitchFamily="49" charset="-122"/>
+                <a:ea typeface="新宋体" panose="02010609030101010101" pitchFamily="49" charset="-122"/>
+              </a:rPr>
+              <a:t>Idx</a:t>
+            </a:r>
+            <a:r>
+              <a:rPr lang="en-US" altLang="zh-CN" dirty="0">
+                <a:solidFill>
+                  <a:srgbClr val="000000"/>
+                </a:solidFill>
+                <a:highlight>
+                  <a:srgbClr val="FFFFFF"/>
+                </a:highlight>
+                <a:latin typeface="新宋体" panose="02010609030101010101" pitchFamily="49" charset="-122"/>
+                <a:ea typeface="新宋体" panose="02010609030101010101" pitchFamily="49" charset="-122"/>
+              </a:rPr>
+              <a:t>&gt;</a:t>
+            </a:r>
+          </a:p>
+          <a:p>
+            <a:r>
+              <a:rPr lang="en-US" altLang="zh-CN" dirty="0" err="1">
+                <a:solidFill>
+                  <a:srgbClr val="0000FF"/>
+                </a:solidFill>
+                <a:highlight>
+                  <a:srgbClr val="FFFFFF"/>
+                </a:highlight>
+                <a:latin typeface="新宋体" panose="02010609030101010101" pitchFamily="49" charset="-122"/>
+                <a:ea typeface="新宋体" panose="02010609030101010101" pitchFamily="49" charset="-122"/>
+              </a:rPr>
+              <a:t>constexpr</a:t>
+            </a:r>
+            <a:r>
+              <a:rPr lang="en-US" altLang="zh-CN" dirty="0">
+                <a:solidFill>
+                  <a:srgbClr val="000000"/>
+                </a:solidFill>
+                <a:highlight>
+                  <a:srgbClr val="FFFFFF"/>
+                </a:highlight>
+                <a:latin typeface="新宋体" panose="02010609030101010101" pitchFamily="49" charset="-122"/>
+                <a:ea typeface="新宋体" panose="02010609030101010101" pitchFamily="49" charset="-122"/>
+              </a:rPr>
+              <a:t> </a:t>
+            </a:r>
+            <a:r>
+              <a:rPr lang="en-US" altLang="zh-CN" dirty="0">
+                <a:solidFill>
+                  <a:srgbClr val="0000FF"/>
+                </a:solidFill>
+                <a:highlight>
+                  <a:srgbClr val="FFFFFF"/>
+                </a:highlight>
+                <a:latin typeface="新宋体" panose="02010609030101010101" pitchFamily="49" charset="-122"/>
+                <a:ea typeface="新宋体" panose="02010609030101010101" pitchFamily="49" charset="-122"/>
+              </a:rPr>
+              <a:t>void</a:t>
+            </a:r>
+            <a:r>
+              <a:rPr lang="en-US" altLang="zh-CN" dirty="0">
+                <a:solidFill>
+                  <a:srgbClr val="000000"/>
+                </a:solidFill>
+                <a:highlight>
+                  <a:srgbClr val="FFFFFF"/>
+                </a:highlight>
+                <a:latin typeface="新宋体" panose="02010609030101010101" pitchFamily="49" charset="-122"/>
+                <a:ea typeface="新宋体" panose="02010609030101010101" pitchFamily="49" charset="-122"/>
+              </a:rPr>
+              <a:t> </a:t>
+            </a:r>
+            <a:r>
+              <a:rPr lang="en-US" altLang="zh-CN" dirty="0" err="1">
+                <a:solidFill>
+                  <a:srgbClr val="000000"/>
+                </a:solidFill>
+                <a:highlight>
+                  <a:srgbClr val="FFFFFF"/>
+                </a:highlight>
+                <a:latin typeface="新宋体" panose="02010609030101010101" pitchFamily="49" charset="-122"/>
+                <a:ea typeface="新宋体" panose="02010609030101010101" pitchFamily="49" charset="-122"/>
+              </a:rPr>
+              <a:t>for_each</a:t>
+            </a:r>
+            <a:r>
+              <a:rPr lang="en-US" altLang="zh-CN" dirty="0">
+                <a:solidFill>
+                  <a:srgbClr val="000000"/>
+                </a:solidFill>
+                <a:highlight>
+                  <a:srgbClr val="FFFFFF"/>
+                </a:highlight>
+                <a:latin typeface="新宋体" panose="02010609030101010101" pitchFamily="49" charset="-122"/>
+                <a:ea typeface="新宋体" panose="02010609030101010101" pitchFamily="49" charset="-122"/>
+              </a:rPr>
+              <a:t>(</a:t>
+            </a:r>
+            <a:r>
+              <a:rPr lang="en-US" altLang="zh-CN" dirty="0" err="1">
+                <a:solidFill>
+                  <a:srgbClr val="0000FF"/>
+                </a:solidFill>
+                <a:highlight>
+                  <a:srgbClr val="FFFFFF"/>
+                </a:highlight>
+                <a:latin typeface="新宋体" panose="02010609030101010101" pitchFamily="49" charset="-122"/>
+                <a:ea typeface="新宋体" panose="02010609030101010101" pitchFamily="49" charset="-122"/>
+              </a:rPr>
+              <a:t>const</a:t>
+            </a:r>
+            <a:r>
+              <a:rPr lang="en-US" altLang="zh-CN" dirty="0">
+                <a:solidFill>
+                  <a:srgbClr val="000000"/>
+                </a:solidFill>
+                <a:highlight>
+                  <a:srgbClr val="FFFFFF"/>
+                </a:highlight>
+                <a:latin typeface="新宋体" panose="02010609030101010101" pitchFamily="49" charset="-122"/>
+                <a:ea typeface="新宋体" panose="02010609030101010101" pitchFamily="49" charset="-122"/>
+              </a:rPr>
+              <a:t> </a:t>
+            </a:r>
+            <a:r>
+              <a:rPr lang="en-US" altLang="zh-CN" dirty="0" err="1">
+                <a:solidFill>
+                  <a:srgbClr val="000000"/>
+                </a:solidFill>
+                <a:highlight>
+                  <a:srgbClr val="FFFFFF"/>
+                </a:highlight>
+                <a:latin typeface="新宋体" panose="02010609030101010101" pitchFamily="49" charset="-122"/>
+                <a:ea typeface="新宋体" panose="02010609030101010101" pitchFamily="49" charset="-122"/>
+              </a:rPr>
+              <a:t>std</a:t>
+            </a:r>
+            <a:r>
+              <a:rPr lang="en-US" altLang="zh-CN" dirty="0">
+                <a:solidFill>
+                  <a:srgbClr val="000000"/>
+                </a:solidFill>
+                <a:highlight>
+                  <a:srgbClr val="FFFFFF"/>
+                </a:highlight>
+                <a:latin typeface="新宋体" panose="02010609030101010101" pitchFamily="49" charset="-122"/>
+                <a:ea typeface="新宋体" panose="02010609030101010101" pitchFamily="49" charset="-122"/>
+              </a:rPr>
+              <a:t>::</a:t>
+            </a:r>
+            <a:r>
+              <a:rPr lang="en-US" altLang="zh-CN" dirty="0">
+                <a:solidFill>
+                  <a:srgbClr val="2B91AF"/>
+                </a:solidFill>
+                <a:highlight>
+                  <a:srgbClr val="FFFFFF"/>
+                </a:highlight>
+                <a:latin typeface="新宋体" panose="02010609030101010101" pitchFamily="49" charset="-122"/>
+                <a:ea typeface="新宋体" panose="02010609030101010101" pitchFamily="49" charset="-122"/>
+              </a:rPr>
+              <a:t>tuple</a:t>
+            </a:r>
+            <a:r>
+              <a:rPr lang="en-US" altLang="zh-CN" dirty="0">
+                <a:solidFill>
+                  <a:srgbClr val="000000"/>
+                </a:solidFill>
+                <a:highlight>
+                  <a:srgbClr val="FFFFFF"/>
+                </a:highlight>
+                <a:latin typeface="新宋体" panose="02010609030101010101" pitchFamily="49" charset="-122"/>
+                <a:ea typeface="新宋体" panose="02010609030101010101" pitchFamily="49" charset="-122"/>
+              </a:rPr>
+              <a:t>&lt;</a:t>
+            </a:r>
+            <a:r>
+              <a:rPr lang="en-US" altLang="zh-CN" dirty="0" err="1">
+                <a:solidFill>
+                  <a:srgbClr val="2B91AF"/>
+                </a:solidFill>
+                <a:highlight>
+                  <a:srgbClr val="FFFFFF"/>
+                </a:highlight>
+                <a:latin typeface="新宋体" panose="02010609030101010101" pitchFamily="49" charset="-122"/>
+                <a:ea typeface="新宋体" panose="02010609030101010101" pitchFamily="49" charset="-122"/>
+              </a:rPr>
+              <a:t>Args</a:t>
+            </a:r>
+            <a:r>
+              <a:rPr lang="en-US" altLang="zh-CN" dirty="0">
+                <a:solidFill>
+                  <a:srgbClr val="000000"/>
+                </a:solidFill>
+                <a:highlight>
+                  <a:srgbClr val="FFFFFF"/>
+                </a:highlight>
+                <a:latin typeface="新宋体" panose="02010609030101010101" pitchFamily="49" charset="-122"/>
+                <a:ea typeface="新宋体" panose="02010609030101010101" pitchFamily="49" charset="-122"/>
+              </a:rPr>
+              <a:t>...&gt;&amp; </a:t>
+            </a:r>
+            <a:r>
+              <a:rPr lang="en-US" altLang="zh-CN" dirty="0">
+                <a:solidFill>
+                  <a:srgbClr val="808080"/>
+                </a:solidFill>
+                <a:highlight>
+                  <a:srgbClr val="FFFFFF"/>
+                </a:highlight>
+                <a:latin typeface="新宋体" panose="02010609030101010101" pitchFamily="49" charset="-122"/>
+                <a:ea typeface="新宋体" panose="02010609030101010101" pitchFamily="49" charset="-122"/>
+              </a:rPr>
+              <a:t>t</a:t>
+            </a:r>
+            <a:r>
+              <a:rPr lang="en-US" altLang="zh-CN" dirty="0">
+                <a:solidFill>
+                  <a:srgbClr val="000000"/>
+                </a:solidFill>
+                <a:highlight>
+                  <a:srgbClr val="FFFFFF"/>
+                </a:highlight>
+                <a:latin typeface="新宋体" panose="02010609030101010101" pitchFamily="49" charset="-122"/>
+                <a:ea typeface="新宋体" panose="02010609030101010101" pitchFamily="49" charset="-122"/>
+              </a:rPr>
+              <a:t>, </a:t>
+            </a:r>
+            <a:r>
+              <a:rPr lang="en-US" altLang="zh-CN" dirty="0">
+                <a:solidFill>
+                  <a:srgbClr val="2B91AF"/>
+                </a:solidFill>
+                <a:highlight>
+                  <a:srgbClr val="FFFFFF"/>
+                </a:highlight>
+                <a:latin typeface="新宋体" panose="02010609030101010101" pitchFamily="49" charset="-122"/>
+                <a:ea typeface="新宋体" panose="02010609030101010101" pitchFamily="49" charset="-122"/>
+              </a:rPr>
+              <a:t>F</a:t>
+            </a:r>
+            <a:r>
+              <a:rPr lang="en-US" altLang="zh-CN" dirty="0">
+                <a:solidFill>
+                  <a:srgbClr val="000000"/>
+                </a:solidFill>
+                <a:highlight>
+                  <a:srgbClr val="FFFFFF"/>
+                </a:highlight>
+                <a:latin typeface="新宋体" panose="02010609030101010101" pitchFamily="49" charset="-122"/>
+                <a:ea typeface="新宋体" panose="02010609030101010101" pitchFamily="49" charset="-122"/>
+              </a:rPr>
+              <a:t>&amp;&amp; </a:t>
+            </a:r>
+            <a:r>
+              <a:rPr lang="en-US" altLang="zh-CN" dirty="0">
+                <a:solidFill>
+                  <a:srgbClr val="808080"/>
+                </a:solidFill>
+                <a:highlight>
+                  <a:srgbClr val="FFFFFF"/>
+                </a:highlight>
+                <a:latin typeface="新宋体" panose="02010609030101010101" pitchFamily="49" charset="-122"/>
+                <a:ea typeface="新宋体" panose="02010609030101010101" pitchFamily="49" charset="-122"/>
+              </a:rPr>
+              <a:t>f</a:t>
+            </a:r>
+            <a:r>
+              <a:rPr lang="en-US" altLang="zh-CN" dirty="0">
+                <a:solidFill>
+                  <a:srgbClr val="000000"/>
+                </a:solidFill>
+                <a:highlight>
+                  <a:srgbClr val="FFFFFF"/>
+                </a:highlight>
+                <a:latin typeface="新宋体" panose="02010609030101010101" pitchFamily="49" charset="-122"/>
+                <a:ea typeface="新宋体" panose="02010609030101010101" pitchFamily="49" charset="-122"/>
+              </a:rPr>
+              <a:t>, </a:t>
+            </a:r>
+            <a:r>
+              <a:rPr lang="en-US" altLang="zh-CN" dirty="0" err="1">
+                <a:solidFill>
+                  <a:srgbClr val="000000"/>
+                </a:solidFill>
+                <a:highlight>
+                  <a:srgbClr val="FFFFFF"/>
+                </a:highlight>
+                <a:latin typeface="新宋体" panose="02010609030101010101" pitchFamily="49" charset="-122"/>
+                <a:ea typeface="新宋体" panose="02010609030101010101" pitchFamily="49" charset="-122"/>
+              </a:rPr>
+              <a:t>std</a:t>
+            </a:r>
+            <a:r>
+              <a:rPr lang="en-US" altLang="zh-CN" dirty="0">
+                <a:solidFill>
+                  <a:srgbClr val="000000"/>
+                </a:solidFill>
+                <a:highlight>
+                  <a:srgbClr val="FFFFFF"/>
+                </a:highlight>
+                <a:latin typeface="新宋体" panose="02010609030101010101" pitchFamily="49" charset="-122"/>
+                <a:ea typeface="新宋体" panose="02010609030101010101" pitchFamily="49" charset="-122"/>
+              </a:rPr>
+              <a:t>::</a:t>
+            </a:r>
+            <a:r>
+              <a:rPr lang="en-US" altLang="zh-CN" dirty="0" err="1">
+                <a:solidFill>
+                  <a:srgbClr val="2B91AF"/>
+                </a:solidFill>
+                <a:highlight>
+                  <a:srgbClr val="FFFFFF"/>
+                </a:highlight>
+                <a:latin typeface="新宋体" panose="02010609030101010101" pitchFamily="49" charset="-122"/>
+                <a:ea typeface="新宋体" panose="02010609030101010101" pitchFamily="49" charset="-122"/>
+              </a:rPr>
+              <a:t>index_sequence</a:t>
+            </a:r>
+            <a:r>
+              <a:rPr lang="en-US" altLang="zh-CN" dirty="0">
+                <a:solidFill>
+                  <a:srgbClr val="000000"/>
+                </a:solidFill>
+                <a:highlight>
+                  <a:srgbClr val="FFFFFF"/>
+                </a:highlight>
+                <a:latin typeface="新宋体" panose="02010609030101010101" pitchFamily="49" charset="-122"/>
+                <a:ea typeface="新宋体" panose="02010609030101010101" pitchFamily="49" charset="-122"/>
+              </a:rPr>
+              <a:t>&lt;</a:t>
+            </a:r>
+            <a:r>
+              <a:rPr lang="en-US" altLang="zh-CN" dirty="0" err="1">
+                <a:solidFill>
+                  <a:srgbClr val="000000"/>
+                </a:solidFill>
+                <a:highlight>
+                  <a:srgbClr val="FFFFFF"/>
+                </a:highlight>
+                <a:latin typeface="新宋体" panose="02010609030101010101" pitchFamily="49" charset="-122"/>
+                <a:ea typeface="新宋体" panose="02010609030101010101" pitchFamily="49" charset="-122"/>
+              </a:rPr>
+              <a:t>Idx</a:t>
+            </a:r>
+            <a:r>
+              <a:rPr lang="en-US" altLang="zh-CN" dirty="0">
+                <a:solidFill>
+                  <a:srgbClr val="000000"/>
+                </a:solidFill>
+                <a:highlight>
+                  <a:srgbClr val="FFFFFF"/>
+                </a:highlight>
+                <a:latin typeface="新宋体" panose="02010609030101010101" pitchFamily="49" charset="-122"/>
+                <a:ea typeface="新宋体" panose="02010609030101010101" pitchFamily="49" charset="-122"/>
+              </a:rPr>
+              <a:t>...&gt;)</a:t>
+            </a:r>
+          </a:p>
+          <a:p>
+            <a:r>
+              <a:rPr lang="en-US" altLang="zh-CN" dirty="0">
+                <a:solidFill>
+                  <a:srgbClr val="000000"/>
+                </a:solidFill>
+                <a:highlight>
+                  <a:srgbClr val="FFFFFF"/>
+                </a:highlight>
+                <a:latin typeface="新宋体" panose="02010609030101010101" pitchFamily="49" charset="-122"/>
+                <a:ea typeface="新宋体" panose="02010609030101010101" pitchFamily="49" charset="-122"/>
+              </a:rPr>
+              <a:t>{</a:t>
+            </a:r>
+          </a:p>
+          <a:p>
+            <a:r>
+              <a:rPr lang="en-US" altLang="zh-CN" dirty="0" smtClean="0">
+                <a:solidFill>
+                  <a:srgbClr val="000000"/>
+                </a:solidFill>
+                <a:highlight>
+                  <a:srgbClr val="FFFFFF"/>
+                </a:highlight>
+                <a:latin typeface="新宋体" panose="02010609030101010101" pitchFamily="49" charset="-122"/>
+                <a:ea typeface="新宋体" panose="02010609030101010101" pitchFamily="49" charset="-122"/>
+              </a:rPr>
+              <a:t>    (</a:t>
+            </a:r>
+            <a:r>
+              <a:rPr lang="en-US" altLang="zh-CN" dirty="0" err="1">
+                <a:solidFill>
+                  <a:srgbClr val="000000"/>
+                </a:solidFill>
+                <a:highlight>
+                  <a:srgbClr val="FFFFFF"/>
+                </a:highlight>
+                <a:latin typeface="新宋体" panose="02010609030101010101" pitchFamily="49" charset="-122"/>
+                <a:ea typeface="新宋体" panose="02010609030101010101" pitchFamily="49" charset="-122"/>
+              </a:rPr>
+              <a:t>std</a:t>
+            </a:r>
+            <a:r>
+              <a:rPr lang="en-US" altLang="zh-CN" dirty="0">
+                <a:solidFill>
+                  <a:srgbClr val="000000"/>
+                </a:solidFill>
+                <a:highlight>
+                  <a:srgbClr val="FFFFFF"/>
+                </a:highlight>
+                <a:latin typeface="新宋体" panose="02010609030101010101" pitchFamily="49" charset="-122"/>
+                <a:ea typeface="新宋体" panose="02010609030101010101" pitchFamily="49" charset="-122"/>
+              </a:rPr>
+              <a:t>::forward&lt;</a:t>
+            </a:r>
+            <a:r>
+              <a:rPr lang="en-US" altLang="zh-CN" dirty="0">
+                <a:solidFill>
+                  <a:srgbClr val="2B91AF"/>
+                </a:solidFill>
+                <a:highlight>
+                  <a:srgbClr val="FFFFFF"/>
+                </a:highlight>
+                <a:latin typeface="新宋体" panose="02010609030101010101" pitchFamily="49" charset="-122"/>
+                <a:ea typeface="新宋体" panose="02010609030101010101" pitchFamily="49" charset="-122"/>
+              </a:rPr>
+              <a:t>F</a:t>
+            </a:r>
+            <a:r>
+              <a:rPr lang="en-US" altLang="zh-CN" dirty="0">
+                <a:solidFill>
+                  <a:srgbClr val="000000"/>
+                </a:solidFill>
+                <a:highlight>
+                  <a:srgbClr val="FFFFFF"/>
+                </a:highlight>
+                <a:latin typeface="新宋体" panose="02010609030101010101" pitchFamily="49" charset="-122"/>
+                <a:ea typeface="新宋体" panose="02010609030101010101" pitchFamily="49" charset="-122"/>
+              </a:rPr>
+              <a:t>&gt;(</a:t>
+            </a:r>
+            <a:r>
+              <a:rPr lang="en-US" altLang="zh-CN" dirty="0">
+                <a:solidFill>
+                  <a:srgbClr val="808080"/>
+                </a:solidFill>
+                <a:highlight>
+                  <a:srgbClr val="FFFFFF"/>
+                </a:highlight>
+                <a:latin typeface="新宋体" panose="02010609030101010101" pitchFamily="49" charset="-122"/>
+                <a:ea typeface="新宋体" panose="02010609030101010101" pitchFamily="49" charset="-122"/>
+              </a:rPr>
+              <a:t>f</a:t>
+            </a:r>
+            <a:r>
+              <a:rPr lang="en-US" altLang="zh-CN" dirty="0">
+                <a:solidFill>
+                  <a:srgbClr val="000000"/>
+                </a:solidFill>
+                <a:highlight>
+                  <a:srgbClr val="FFFFFF"/>
+                </a:highlight>
+                <a:latin typeface="新宋体" panose="02010609030101010101" pitchFamily="49" charset="-122"/>
+                <a:ea typeface="新宋体" panose="02010609030101010101" pitchFamily="49" charset="-122"/>
+              </a:rPr>
+              <a:t>)(</a:t>
+            </a:r>
+            <a:r>
+              <a:rPr lang="en-US" altLang="zh-CN" dirty="0" err="1">
+                <a:solidFill>
+                  <a:srgbClr val="000000"/>
+                </a:solidFill>
+                <a:highlight>
+                  <a:srgbClr val="FFFFFF"/>
+                </a:highlight>
+                <a:latin typeface="新宋体" panose="02010609030101010101" pitchFamily="49" charset="-122"/>
+                <a:ea typeface="新宋体" panose="02010609030101010101" pitchFamily="49" charset="-122"/>
+              </a:rPr>
+              <a:t>std</a:t>
+            </a:r>
+            <a:r>
+              <a:rPr lang="en-US" altLang="zh-CN" dirty="0">
+                <a:solidFill>
+                  <a:srgbClr val="000000"/>
+                </a:solidFill>
+                <a:highlight>
+                  <a:srgbClr val="FFFFFF"/>
+                </a:highlight>
+                <a:latin typeface="新宋体" panose="02010609030101010101" pitchFamily="49" charset="-122"/>
+                <a:ea typeface="新宋体" panose="02010609030101010101" pitchFamily="49" charset="-122"/>
+              </a:rPr>
+              <a:t>::get&lt;</a:t>
+            </a:r>
+            <a:r>
+              <a:rPr lang="en-US" altLang="zh-CN" dirty="0" err="1">
+                <a:solidFill>
+                  <a:srgbClr val="000000"/>
+                </a:solidFill>
+                <a:highlight>
+                  <a:srgbClr val="FFFFFF"/>
+                </a:highlight>
+                <a:latin typeface="新宋体" panose="02010609030101010101" pitchFamily="49" charset="-122"/>
+                <a:ea typeface="新宋体" panose="02010609030101010101" pitchFamily="49" charset="-122"/>
+              </a:rPr>
+              <a:t>Idx</a:t>
+            </a:r>
+            <a:r>
+              <a:rPr lang="en-US" altLang="zh-CN" dirty="0">
+                <a:solidFill>
+                  <a:srgbClr val="000000"/>
+                </a:solidFill>
+                <a:highlight>
+                  <a:srgbClr val="FFFFFF"/>
+                </a:highlight>
+                <a:latin typeface="新宋体" panose="02010609030101010101" pitchFamily="49" charset="-122"/>
+                <a:ea typeface="新宋体" panose="02010609030101010101" pitchFamily="49" charset="-122"/>
+              </a:rPr>
+              <a:t>&gt;(</a:t>
+            </a:r>
+            <a:r>
+              <a:rPr lang="en-US" altLang="zh-CN" dirty="0">
+                <a:solidFill>
+                  <a:srgbClr val="808080"/>
+                </a:solidFill>
+                <a:highlight>
+                  <a:srgbClr val="FFFFFF"/>
+                </a:highlight>
+                <a:latin typeface="新宋体" panose="02010609030101010101" pitchFamily="49" charset="-122"/>
+                <a:ea typeface="新宋体" panose="02010609030101010101" pitchFamily="49" charset="-122"/>
+              </a:rPr>
+              <a:t>t</a:t>
+            </a:r>
+            <a:r>
+              <a:rPr lang="en-US" altLang="zh-CN" dirty="0">
+                <a:solidFill>
+                  <a:srgbClr val="000000"/>
+                </a:solidFill>
+                <a:highlight>
+                  <a:srgbClr val="FFFFFF"/>
+                </a:highlight>
+                <a:latin typeface="新宋体" panose="02010609030101010101" pitchFamily="49" charset="-122"/>
+                <a:ea typeface="新宋体" panose="02010609030101010101" pitchFamily="49" charset="-122"/>
+              </a:rPr>
+              <a:t>), </a:t>
+            </a:r>
+            <a:r>
+              <a:rPr lang="en-US" altLang="zh-CN" dirty="0" err="1">
+                <a:solidFill>
+                  <a:srgbClr val="000000"/>
+                </a:solidFill>
+                <a:highlight>
+                  <a:srgbClr val="FFFFFF"/>
+                </a:highlight>
+                <a:latin typeface="新宋体" panose="02010609030101010101" pitchFamily="49" charset="-122"/>
+                <a:ea typeface="新宋体" panose="02010609030101010101" pitchFamily="49" charset="-122"/>
+              </a:rPr>
+              <a:t>std</a:t>
+            </a:r>
+            <a:r>
+              <a:rPr lang="en-US" altLang="zh-CN" dirty="0">
+                <a:solidFill>
+                  <a:srgbClr val="000000"/>
+                </a:solidFill>
+                <a:highlight>
+                  <a:srgbClr val="FFFFFF"/>
+                </a:highlight>
+                <a:latin typeface="新宋体" panose="02010609030101010101" pitchFamily="49" charset="-122"/>
+                <a:ea typeface="新宋体" panose="02010609030101010101" pitchFamily="49" charset="-122"/>
+              </a:rPr>
+              <a:t>::</a:t>
+            </a:r>
+            <a:r>
+              <a:rPr lang="en-US" altLang="zh-CN" dirty="0" err="1">
+                <a:solidFill>
+                  <a:srgbClr val="2B91AF"/>
+                </a:solidFill>
+                <a:highlight>
+                  <a:srgbClr val="FFFFFF"/>
+                </a:highlight>
+                <a:latin typeface="新宋体" panose="02010609030101010101" pitchFamily="49" charset="-122"/>
+                <a:ea typeface="新宋体" panose="02010609030101010101" pitchFamily="49" charset="-122"/>
+              </a:rPr>
+              <a:t>integral_constant</a:t>
+            </a:r>
+            <a:r>
+              <a:rPr lang="en-US" altLang="zh-CN" dirty="0">
+                <a:solidFill>
+                  <a:srgbClr val="000000"/>
+                </a:solidFill>
+                <a:highlight>
+                  <a:srgbClr val="FFFFFF"/>
+                </a:highlight>
+                <a:latin typeface="新宋体" panose="02010609030101010101" pitchFamily="49" charset="-122"/>
+                <a:ea typeface="新宋体" panose="02010609030101010101" pitchFamily="49" charset="-122"/>
+              </a:rPr>
+              <a:t>&lt;</a:t>
+            </a:r>
+            <a:r>
+              <a:rPr lang="en-US" altLang="zh-CN" dirty="0" err="1">
+                <a:solidFill>
+                  <a:srgbClr val="2B91AF"/>
+                </a:solidFill>
+                <a:highlight>
+                  <a:srgbClr val="FFFFFF"/>
+                </a:highlight>
+                <a:latin typeface="新宋体" panose="02010609030101010101" pitchFamily="49" charset="-122"/>
+                <a:ea typeface="新宋体" panose="02010609030101010101" pitchFamily="49" charset="-122"/>
+              </a:rPr>
+              <a:t>size_t</a:t>
+            </a:r>
+            <a:r>
+              <a:rPr lang="en-US" altLang="zh-CN" dirty="0">
+                <a:solidFill>
+                  <a:srgbClr val="000000"/>
+                </a:solidFill>
+                <a:highlight>
+                  <a:srgbClr val="FFFFFF"/>
+                </a:highlight>
+                <a:latin typeface="新宋体" panose="02010609030101010101" pitchFamily="49" charset="-122"/>
+                <a:ea typeface="新宋体" panose="02010609030101010101" pitchFamily="49" charset="-122"/>
+              </a:rPr>
+              <a:t>, </a:t>
+            </a:r>
+            <a:r>
+              <a:rPr lang="en-US" altLang="zh-CN" dirty="0" err="1">
+                <a:solidFill>
+                  <a:srgbClr val="000000"/>
+                </a:solidFill>
+                <a:highlight>
+                  <a:srgbClr val="FFFFFF"/>
+                </a:highlight>
+                <a:latin typeface="新宋体" panose="02010609030101010101" pitchFamily="49" charset="-122"/>
+                <a:ea typeface="新宋体" panose="02010609030101010101" pitchFamily="49" charset="-122"/>
+              </a:rPr>
+              <a:t>Idx</a:t>
+            </a:r>
+            <a:r>
+              <a:rPr lang="en-US" altLang="zh-CN" dirty="0">
+                <a:solidFill>
+                  <a:srgbClr val="000000"/>
+                </a:solidFill>
+                <a:highlight>
+                  <a:srgbClr val="FFFFFF"/>
+                </a:highlight>
+                <a:latin typeface="新宋体" panose="02010609030101010101" pitchFamily="49" charset="-122"/>
+                <a:ea typeface="新宋体" panose="02010609030101010101" pitchFamily="49" charset="-122"/>
+              </a:rPr>
+              <a:t>&gt;{}), ...);</a:t>
+            </a:r>
+          </a:p>
+          <a:p>
+            <a:r>
+              <a:rPr lang="en-US" altLang="zh-CN" dirty="0">
+                <a:solidFill>
+                  <a:srgbClr val="000000"/>
+                </a:solidFill>
+                <a:highlight>
+                  <a:srgbClr val="FFFFFF"/>
+                </a:highlight>
+                <a:latin typeface="新宋体" panose="02010609030101010101" pitchFamily="49" charset="-122"/>
+                <a:ea typeface="新宋体" panose="02010609030101010101" pitchFamily="49" charset="-122"/>
+              </a:rPr>
+              <a:t>}</a:t>
+            </a:r>
+            <a:endParaRPr lang="zh-CN" altLang="en-US" dirty="0"/>
+          </a:p>
+        </p:txBody>
+      </p:sp>
+    </p:spTree>
+    <p:extLst>
+      <p:ext uri="{BB962C8B-B14F-4D97-AF65-F5344CB8AC3E}">
+        <p14:creationId xmlns:p14="http://schemas.microsoft.com/office/powerpoint/2010/main" val="3898258353"/>
+      </p:ext>
+    </p:extLst>
+  </p:cSld>
+  <p:clrMapOvr>
+    <a:masterClrMapping/>
+  </p:clrMapOvr>
+  <p:timing>
+    <p:tnLst>
+      <p:par>
+        <p:cTn id="1" dur="indefinite" restart="never" nodeType="tmRoot"/>
+      </p:par>
+    </p:tnLst>
+  </p:timing>
+</p:sld>
+</file>
+
+<file path=ppt/slides/slide43.xml><?xml version="1.0" encoding="utf-8"?>
+<p:sld xmlns:a="http://schemas.openxmlformats.org/drawingml/2006/main" xmlns:r="http://schemas.openxmlformats.org/officeDocument/2006/relationships" xmlns:p="http://schemas.openxmlformats.org/presentationml/2006/main">
+  <p:cSld>
+    <p:spTree>
+      <p:nvGrpSpPr>
+        <p:cNvPr id="1" name=""/>
+        <p:cNvGrpSpPr/>
+        <p:nvPr/>
+      </p:nvGrpSpPr>
+      <p:grpSpPr>
+        <a:xfrm>
+          <a:off x="0" y="0"/>
+          <a:ext cx="0" cy="0"/>
+          <a:chOff x="0" y="0"/>
+          <a:chExt cx="0" cy="0"/>
+        </a:xfrm>
+      </p:grpSpPr>
+      <p:sp>
+        <p:nvSpPr>
+          <p:cNvPr id="2" name="标题 1"/>
+          <p:cNvSpPr>
+            <a:spLocks noGrp="1"/>
+          </p:cNvSpPr>
+          <p:nvPr>
+            <p:ph type="title"/>
+          </p:nvPr>
+        </p:nvSpPr>
+        <p:spPr/>
+        <p:txBody>
+          <a:bodyPr/>
+          <a:lstStyle/>
+          <a:p>
+            <a:r>
+              <a:rPr lang="en-US" altLang="zh-CN" dirty="0" smtClean="0"/>
+              <a:t>Outline</a:t>
+            </a:r>
+            <a:endParaRPr lang="zh-CN" altLang="en-US" dirty="0"/>
+          </a:p>
+        </p:txBody>
+      </p:sp>
+      <p:sp>
+        <p:nvSpPr>
+          <p:cNvPr id="3" name="内容占位符 2"/>
+          <p:cNvSpPr>
+            <a:spLocks noGrp="1"/>
+          </p:cNvSpPr>
+          <p:nvPr>
+            <p:ph idx="1"/>
+          </p:nvPr>
+        </p:nvSpPr>
+        <p:spPr/>
+        <p:txBody>
+          <a:bodyPr/>
+          <a:lstStyle/>
+          <a:p>
+            <a:r>
+              <a:rPr lang="en-US" altLang="zh-CN" dirty="0" smtClean="0"/>
+              <a:t>concepts of reflection</a:t>
+            </a:r>
+          </a:p>
+          <a:p>
+            <a:r>
+              <a:rPr lang="en-US" altLang="zh-CN" dirty="0"/>
+              <a:t>implementation of compile-time </a:t>
+            </a:r>
+            <a:r>
+              <a:rPr lang="en-US" altLang="zh-CN" dirty="0" smtClean="0"/>
+              <a:t>reflection</a:t>
+            </a:r>
+          </a:p>
+          <a:p>
+            <a:r>
+              <a:rPr lang="en-US" altLang="zh-CN" b="1" dirty="0" smtClean="0"/>
+              <a:t>application of compile-time reflection</a:t>
+            </a:r>
+          </a:p>
+          <a:p>
+            <a:r>
+              <a:rPr lang="en-US" altLang="zh-CN" dirty="0" smtClean="0"/>
+              <a:t>prospect</a:t>
+            </a:r>
+            <a:endParaRPr lang="zh-CN" altLang="en-US" dirty="0"/>
+          </a:p>
+        </p:txBody>
+      </p:sp>
+    </p:spTree>
+    <p:extLst>
+      <p:ext uri="{BB962C8B-B14F-4D97-AF65-F5344CB8AC3E}">
+        <p14:creationId xmlns:p14="http://schemas.microsoft.com/office/powerpoint/2010/main" val="3920747289"/>
+      </p:ext>
+    </p:extLst>
+  </p:cSld>
+  <p:clrMapOvr>
+    <a:masterClrMapping/>
+  </p:clrMapOvr>
+  <p:timing>
+    <p:tnLst>
+      <p:par>
+        <p:cTn id="1" dur="indefinite" restart="never" nodeType="tmRoot"/>
+      </p:par>
+    </p:tnLst>
+  </p:timing>
+</p:sld>
+</file>
+
+<file path=ppt/slides/slide44.xml><?xml version="1.0" encoding="utf-8"?>
+<p:sld xmlns:a="http://schemas.openxmlformats.org/drawingml/2006/main" xmlns:r="http://schemas.openxmlformats.org/officeDocument/2006/relationships" xmlns:p="http://schemas.openxmlformats.org/presentationml/2006/main">
+  <p:cSld>
+    <p:spTree>
+      <p:nvGrpSpPr>
+        <p:cNvPr id="1" name=""/>
+        <p:cNvGrpSpPr/>
+        <p:nvPr/>
+      </p:nvGrpSpPr>
+      <p:grpSpPr>
+        <a:xfrm>
+          <a:off x="0" y="0"/>
+          <a:ext cx="0" cy="0"/>
+          <a:chOff x="0" y="0"/>
+          <a:chExt cx="0" cy="0"/>
+        </a:xfrm>
+      </p:grpSpPr>
+      <p:sp>
+        <p:nvSpPr>
+          <p:cNvPr id="2" name="标题 1"/>
+          <p:cNvSpPr>
+            <a:spLocks noGrp="1"/>
+          </p:cNvSpPr>
+          <p:nvPr>
+            <p:ph type="title"/>
+          </p:nvPr>
+        </p:nvSpPr>
+        <p:spPr/>
+        <p:txBody>
+          <a:bodyPr/>
+          <a:lstStyle/>
+          <a:p>
+            <a:r>
+              <a:rPr lang="en-US" altLang="zh-CN" dirty="0"/>
+              <a:t>application of compile-time </a:t>
+            </a:r>
+            <a:r>
+              <a:rPr lang="en-US" altLang="zh-CN" dirty="0" smtClean="0"/>
+              <a:t>reflection</a:t>
+            </a:r>
+            <a:endParaRPr lang="zh-CN" altLang="en-US" dirty="0"/>
+          </a:p>
+        </p:txBody>
+      </p:sp>
+      <p:sp>
+        <p:nvSpPr>
+          <p:cNvPr id="3" name="内容占位符 2"/>
+          <p:cNvSpPr>
+            <a:spLocks noGrp="1"/>
+          </p:cNvSpPr>
+          <p:nvPr>
+            <p:ph idx="1"/>
+          </p:nvPr>
+        </p:nvSpPr>
+        <p:spPr/>
+        <p:txBody>
+          <a:bodyPr/>
+          <a:lstStyle/>
+          <a:p>
+            <a:r>
+              <a:rPr lang="en-US" altLang="zh-CN" dirty="0"/>
+              <a:t>Serialization</a:t>
+            </a:r>
+          </a:p>
+          <a:p>
+            <a:r>
+              <a:rPr lang="en-US" altLang="zh-CN" dirty="0"/>
+              <a:t>ORM(Object Relational Mapping)</a:t>
+            </a:r>
+          </a:p>
+          <a:p>
+            <a:r>
+              <a:rPr lang="en-US" altLang="zh-CN" dirty="0"/>
+              <a:t>DSL(domain-specific language)</a:t>
+            </a:r>
+            <a:endParaRPr lang="zh-CN" altLang="en-US" dirty="0"/>
+          </a:p>
+        </p:txBody>
+      </p:sp>
+    </p:spTree>
+    <p:extLst>
+      <p:ext uri="{BB962C8B-B14F-4D97-AF65-F5344CB8AC3E}">
+        <p14:creationId xmlns:p14="http://schemas.microsoft.com/office/powerpoint/2010/main" val="3812572458"/>
+      </p:ext>
+    </p:extLst>
+  </p:cSld>
+  <p:clrMapOvr>
+    <a:masterClrMapping/>
+  </p:clrMapOvr>
+  <p:timing>
+    <p:tnLst>
+      <p:par>
+        <p:cTn id="1" dur="indefinite" restart="never" nodeType="tmRoot"/>
+      </p:par>
+    </p:tnLst>
+  </p:timing>
+</p:sld>
+</file>
+
+<file path=ppt/slides/slide45.xml><?xml version="1.0" encoding="utf-8"?>
+<p:sld xmlns:a="http://schemas.openxmlformats.org/drawingml/2006/main" xmlns:r="http://schemas.openxmlformats.org/officeDocument/2006/relationships" xmlns:p="http://schemas.openxmlformats.org/presentationml/2006/main">
+  <p:cSld>
+    <p:spTree>
+      <p:nvGrpSpPr>
+        <p:cNvPr id="1" name=""/>
+        <p:cNvGrpSpPr/>
+        <p:nvPr/>
+      </p:nvGrpSpPr>
+      <p:grpSpPr>
+        <a:xfrm>
+          <a:off x="0" y="0"/>
+          <a:ext cx="0" cy="0"/>
+          <a:chOff x="0" y="0"/>
+          <a:chExt cx="0" cy="0"/>
+        </a:xfrm>
+      </p:grpSpPr>
+      <p:sp>
+        <p:nvSpPr>
+          <p:cNvPr id="2" name="标题 1"/>
+          <p:cNvSpPr>
+            <a:spLocks noGrp="1"/>
+          </p:cNvSpPr>
+          <p:nvPr>
+            <p:ph type="title"/>
+          </p:nvPr>
+        </p:nvSpPr>
+        <p:spPr/>
+        <p:txBody>
+          <a:bodyPr/>
+          <a:lstStyle/>
+          <a:p>
             <a:r>
               <a:rPr lang="en-US" altLang="zh-CN" dirty="0" smtClean="0"/>
               <a:t>Outline</a:t>
@@ -30196,7 +34614,7 @@
 </p:sld>
 </file>
 
-<file path=ppt/slides/slide42.xml><?xml version="1.0" encoding="utf-8"?>
+<file path=ppt/slides/slide46.xml><?xml version="1.0" encoding="utf-8"?>
 <p:sld xmlns:a="http://schemas.openxmlformats.org/drawingml/2006/main" xmlns:r="http://schemas.openxmlformats.org/officeDocument/2006/relationships" xmlns:p="http://schemas.openxmlformats.org/presentationml/2006/main">
   <p:cSld>
     <p:spTree>

--- a/cppcon2017.pptx
+++ b/cppcon2017.pptx
@@ -5,7 +5,7 @@
     <p:sldMasterId id="2147483648" r:id="rId1"/>
   </p:sldMasterIdLst>
   <p:notesMasterIdLst>
-    <p:notesMasterId r:id="rId48"/>
+    <p:notesMasterId r:id="rId51"/>
   </p:notesMasterIdLst>
   <p:sldIdLst>
     <p:sldId id="256" r:id="rId2"/>
@@ -50,10 +50,13 @@
     <p:sldId id="299" r:id="rId41"/>
     <p:sldId id="300" r:id="rId42"/>
     <p:sldId id="301" r:id="rId43"/>
-    <p:sldId id="270" r:id="rId44"/>
-    <p:sldId id="260" r:id="rId45"/>
-    <p:sldId id="271" r:id="rId46"/>
-    <p:sldId id="261" r:id="rId47"/>
+    <p:sldId id="302" r:id="rId44"/>
+    <p:sldId id="303" r:id="rId45"/>
+    <p:sldId id="304" r:id="rId46"/>
+    <p:sldId id="270" r:id="rId47"/>
+    <p:sldId id="260" r:id="rId48"/>
+    <p:sldId id="271" r:id="rId49"/>
+    <p:sldId id="261" r:id="rId50"/>
   </p:sldIdLst>
   <p:sldSz cx="12192000" cy="6858000"/>
   <p:notesSz cx="6858000" cy="9144000"/>
@@ -23355,20 +23358,7 @@
                   <a:latin typeface="新宋体" panose="02010609030101010101" pitchFamily="49" charset="-122"/>
                   <a:ea typeface="新宋体" panose="02010609030101010101" pitchFamily="49" charset="-122"/>
                 </a:rPr>
-                <a:t>    </a:t>
-              </a:r>
-              <a:r>
-                <a:rPr lang="en-US" altLang="zh-CN" dirty="0" smtClean="0">
-                  <a:solidFill>
-                    <a:srgbClr val="000000"/>
-                  </a:solidFill>
-                  <a:highlight>
-                    <a:srgbClr val="FFFFFF"/>
-                  </a:highlight>
-                  <a:latin typeface="新宋体" panose="02010609030101010101" pitchFamily="49" charset="-122"/>
-                  <a:ea typeface="新宋体" panose="02010609030101010101" pitchFamily="49" charset="-122"/>
-                </a:rPr>
-                <a:t>}\</a:t>
+                <a:t>    }\</a:t>
               </a:r>
             </a:p>
             <a:p>
@@ -34337,11 +34327,7 @@
           <a:bodyPr/>
           <a:lstStyle/>
           <a:p>
-            <a:r>
-              <a:rPr lang="en-US" altLang="zh-CN" dirty="0" smtClean="0"/>
-              <a:t>Outline</a:t>
-            </a:r>
-            <a:endParaRPr lang="zh-CN" altLang="en-US" dirty="0"/>
+            <a:endParaRPr lang="zh-CN" altLang="en-US"/>
           </a:p>
         </p:txBody>
       </p:sp>
@@ -34360,40 +34346,1384 @@
           <a:bodyPr/>
           <a:lstStyle/>
           <a:p>
-            <a:r>
-              <a:rPr lang="en-US" altLang="zh-CN" dirty="0" smtClean="0"/>
-              <a:t>concepts of reflection</a:t>
-            </a:r>
-          </a:p>
-          <a:p>
-            <a:r>
-              <a:rPr lang="en-US" altLang="zh-CN" dirty="0"/>
-              <a:t>implementation of compile-time </a:t>
-            </a:r>
-            <a:r>
-              <a:rPr lang="en-US" altLang="zh-CN" dirty="0" smtClean="0"/>
-              <a:t>reflection</a:t>
-            </a:r>
-          </a:p>
-          <a:p>
-            <a:r>
-              <a:rPr lang="en-US" altLang="zh-CN" b="1" dirty="0" smtClean="0"/>
-              <a:t>application of compile-time reflection</a:t>
-            </a:r>
-          </a:p>
-          <a:p>
-            <a:r>
-              <a:rPr lang="en-US" altLang="zh-CN" dirty="0" smtClean="0"/>
-              <a:t>prospect</a:t>
-            </a:r>
             <a:endParaRPr lang="zh-CN" altLang="en-US" dirty="0"/>
+          </a:p>
+        </p:txBody>
+      </p:sp>
+      <p:sp>
+        <p:nvSpPr>
+          <p:cNvPr id="4" name="矩形 3"/>
+          <p:cNvSpPr/>
+          <p:nvPr/>
+        </p:nvSpPr>
+        <p:spPr>
+          <a:xfrm>
+            <a:off x="1349829" y="1264303"/>
+            <a:ext cx="4310743" cy="1477328"/>
+          </a:xfrm>
+          <a:prstGeom prst="rect">
+            <a:avLst/>
+          </a:prstGeom>
+        </p:spPr>
+        <p:txBody>
+          <a:bodyPr wrap="square">
+            <a:spAutoFit/>
+          </a:bodyPr>
+          <a:lstStyle/>
+          <a:p>
+            <a:r>
+              <a:rPr lang="en-US" altLang="zh-CN" dirty="0" err="1">
+                <a:solidFill>
+                  <a:srgbClr val="0000FF"/>
+                </a:solidFill>
+                <a:highlight>
+                  <a:srgbClr val="FFFFFF"/>
+                </a:highlight>
+                <a:latin typeface="新宋体" panose="02010609030101010101" pitchFamily="49" charset="-122"/>
+                <a:ea typeface="新宋体" panose="02010609030101010101" pitchFamily="49" charset="-122"/>
+              </a:rPr>
+              <a:t>struct</a:t>
+            </a:r>
+            <a:r>
+              <a:rPr lang="en-US" altLang="zh-CN" dirty="0">
+                <a:solidFill>
+                  <a:srgbClr val="000000"/>
+                </a:solidFill>
+                <a:highlight>
+                  <a:srgbClr val="FFFFFF"/>
+                </a:highlight>
+                <a:latin typeface="新宋体" panose="02010609030101010101" pitchFamily="49" charset="-122"/>
+                <a:ea typeface="新宋体" panose="02010609030101010101" pitchFamily="49" charset="-122"/>
+              </a:rPr>
+              <a:t> </a:t>
+            </a:r>
+            <a:r>
+              <a:rPr lang="en-US" altLang="zh-CN" dirty="0">
+                <a:solidFill>
+                  <a:srgbClr val="2B91AF"/>
+                </a:solidFill>
+                <a:highlight>
+                  <a:srgbClr val="FFFFFF"/>
+                </a:highlight>
+                <a:latin typeface="新宋体" panose="02010609030101010101" pitchFamily="49" charset="-122"/>
+                <a:ea typeface="新宋体" panose="02010609030101010101" pitchFamily="49" charset="-122"/>
+              </a:rPr>
+              <a:t>Person</a:t>
+            </a:r>
+            <a:r>
+              <a:rPr lang="en-US" altLang="zh-CN" dirty="0">
+                <a:solidFill>
+                  <a:srgbClr val="000000"/>
+                </a:solidFill>
+                <a:highlight>
+                  <a:srgbClr val="FFFFFF"/>
+                </a:highlight>
+                <a:latin typeface="新宋体" panose="02010609030101010101" pitchFamily="49" charset="-122"/>
+                <a:ea typeface="新宋体" panose="02010609030101010101" pitchFamily="49" charset="-122"/>
+              </a:rPr>
+              <a:t> {</a:t>
+            </a:r>
+          </a:p>
+          <a:p>
+            <a:r>
+              <a:rPr lang="en-US" altLang="zh-CN" dirty="0" smtClean="0">
+                <a:solidFill>
+                  <a:srgbClr val="000000"/>
+                </a:solidFill>
+                <a:highlight>
+                  <a:srgbClr val="FFFFFF"/>
+                </a:highlight>
+                <a:latin typeface="新宋体" panose="02010609030101010101" pitchFamily="49" charset="-122"/>
+                <a:ea typeface="新宋体" panose="02010609030101010101" pitchFamily="49" charset="-122"/>
+              </a:rPr>
+              <a:t>    </a:t>
+            </a:r>
+            <a:r>
+              <a:rPr lang="en-US" altLang="zh-CN" dirty="0" err="1" smtClean="0">
+                <a:solidFill>
+                  <a:srgbClr val="000000"/>
+                </a:solidFill>
+                <a:highlight>
+                  <a:srgbClr val="FFFFFF"/>
+                </a:highlight>
+                <a:latin typeface="新宋体" panose="02010609030101010101" pitchFamily="49" charset="-122"/>
+                <a:ea typeface="新宋体" panose="02010609030101010101" pitchFamily="49" charset="-122"/>
+              </a:rPr>
+              <a:t>std</a:t>
+            </a:r>
+            <a:r>
+              <a:rPr lang="en-US" altLang="zh-CN" dirty="0">
+                <a:solidFill>
+                  <a:srgbClr val="000000"/>
+                </a:solidFill>
+                <a:highlight>
+                  <a:srgbClr val="FFFFFF"/>
+                </a:highlight>
+                <a:latin typeface="新宋体" panose="02010609030101010101" pitchFamily="49" charset="-122"/>
+                <a:ea typeface="新宋体" panose="02010609030101010101" pitchFamily="49" charset="-122"/>
+              </a:rPr>
+              <a:t>::</a:t>
+            </a:r>
+            <a:r>
+              <a:rPr lang="en-US" altLang="zh-CN" dirty="0">
+                <a:solidFill>
+                  <a:srgbClr val="2B91AF"/>
+                </a:solidFill>
+                <a:highlight>
+                  <a:srgbClr val="FFFFFF"/>
+                </a:highlight>
+                <a:latin typeface="新宋体" panose="02010609030101010101" pitchFamily="49" charset="-122"/>
+                <a:ea typeface="新宋体" panose="02010609030101010101" pitchFamily="49" charset="-122"/>
+              </a:rPr>
+              <a:t>string</a:t>
+            </a:r>
+            <a:r>
+              <a:rPr lang="en-US" altLang="zh-CN" dirty="0">
+                <a:solidFill>
+                  <a:srgbClr val="000000"/>
+                </a:solidFill>
+                <a:highlight>
+                  <a:srgbClr val="FFFFFF"/>
+                </a:highlight>
+                <a:latin typeface="新宋体" panose="02010609030101010101" pitchFamily="49" charset="-122"/>
+                <a:ea typeface="新宋体" panose="02010609030101010101" pitchFamily="49" charset="-122"/>
+              </a:rPr>
+              <a:t> name;</a:t>
+            </a:r>
+          </a:p>
+          <a:p>
+            <a:r>
+              <a:rPr lang="en-US" altLang="zh-CN" dirty="0" smtClean="0">
+                <a:solidFill>
+                  <a:srgbClr val="0000FF"/>
+                </a:solidFill>
+                <a:highlight>
+                  <a:srgbClr val="FFFFFF"/>
+                </a:highlight>
+                <a:latin typeface="新宋体" panose="02010609030101010101" pitchFamily="49" charset="-122"/>
+                <a:ea typeface="新宋体" panose="02010609030101010101" pitchFamily="49" charset="-122"/>
+              </a:rPr>
+              <a:t>    </a:t>
+            </a:r>
+            <a:r>
+              <a:rPr lang="en-US" altLang="zh-CN" dirty="0" err="1" smtClean="0">
+                <a:solidFill>
+                  <a:srgbClr val="0000FF"/>
+                </a:solidFill>
+                <a:highlight>
+                  <a:srgbClr val="FFFFFF"/>
+                </a:highlight>
+                <a:latin typeface="新宋体" panose="02010609030101010101" pitchFamily="49" charset="-122"/>
+                <a:ea typeface="新宋体" panose="02010609030101010101" pitchFamily="49" charset="-122"/>
+              </a:rPr>
+              <a:t>int</a:t>
+            </a:r>
+            <a:r>
+              <a:rPr lang="en-US" altLang="zh-CN" dirty="0" smtClean="0">
+                <a:solidFill>
+                  <a:srgbClr val="000000"/>
+                </a:solidFill>
+                <a:highlight>
+                  <a:srgbClr val="FFFFFF"/>
+                </a:highlight>
+                <a:latin typeface="新宋体" panose="02010609030101010101" pitchFamily="49" charset="-122"/>
+                <a:ea typeface="新宋体" panose="02010609030101010101" pitchFamily="49" charset="-122"/>
+              </a:rPr>
+              <a:t> </a:t>
+            </a:r>
+            <a:r>
+              <a:rPr lang="en-US" altLang="zh-CN" dirty="0">
+                <a:solidFill>
+                  <a:srgbClr val="000000"/>
+                </a:solidFill>
+                <a:highlight>
+                  <a:srgbClr val="FFFFFF"/>
+                </a:highlight>
+                <a:latin typeface="新宋体" panose="02010609030101010101" pitchFamily="49" charset="-122"/>
+                <a:ea typeface="新宋体" panose="02010609030101010101" pitchFamily="49" charset="-122"/>
+              </a:rPr>
+              <a:t>age;</a:t>
+            </a:r>
+          </a:p>
+          <a:p>
+            <a:r>
+              <a:rPr lang="en-US" altLang="zh-CN" dirty="0">
+                <a:solidFill>
+                  <a:srgbClr val="000000"/>
+                </a:solidFill>
+                <a:highlight>
+                  <a:srgbClr val="FFFFFF"/>
+                </a:highlight>
+                <a:latin typeface="新宋体" panose="02010609030101010101" pitchFamily="49" charset="-122"/>
+                <a:ea typeface="新宋体" panose="02010609030101010101" pitchFamily="49" charset="-122"/>
+              </a:rPr>
+              <a:t>};</a:t>
+            </a:r>
+          </a:p>
+          <a:p>
+            <a:r>
+              <a:rPr lang="en-US" altLang="zh-CN" dirty="0">
+                <a:solidFill>
+                  <a:srgbClr val="6F008A"/>
+                </a:solidFill>
+                <a:highlight>
+                  <a:srgbClr val="FFFFFF"/>
+                </a:highlight>
+                <a:latin typeface="新宋体" panose="02010609030101010101" pitchFamily="49" charset="-122"/>
+                <a:ea typeface="新宋体" panose="02010609030101010101" pitchFamily="49" charset="-122"/>
+              </a:rPr>
+              <a:t>REFLECTION</a:t>
+            </a:r>
+            <a:r>
+              <a:rPr lang="en-US" altLang="zh-CN" dirty="0" smtClean="0">
+                <a:solidFill>
+                  <a:srgbClr val="000000"/>
+                </a:solidFill>
+                <a:highlight>
+                  <a:srgbClr val="FFFFFF"/>
+                </a:highlight>
+                <a:latin typeface="新宋体" panose="02010609030101010101" pitchFamily="49" charset="-122"/>
+                <a:ea typeface="新宋体" panose="02010609030101010101" pitchFamily="49" charset="-122"/>
+              </a:rPr>
+              <a:t>(</a:t>
+            </a:r>
+            <a:r>
+              <a:rPr lang="en-US" altLang="zh-CN" dirty="0" smtClean="0">
+                <a:solidFill>
+                  <a:srgbClr val="2B91AF"/>
+                </a:solidFill>
+                <a:highlight>
+                  <a:srgbClr val="FFFFFF"/>
+                </a:highlight>
+                <a:latin typeface="新宋体" panose="02010609030101010101" pitchFamily="49" charset="-122"/>
+                <a:ea typeface="新宋体" panose="02010609030101010101" pitchFamily="49" charset="-122"/>
+              </a:rPr>
+              <a:t>Person</a:t>
+            </a:r>
+            <a:r>
+              <a:rPr lang="en-US" altLang="zh-CN" dirty="0">
+                <a:solidFill>
+                  <a:srgbClr val="000000"/>
+                </a:solidFill>
+                <a:highlight>
+                  <a:srgbClr val="FFFFFF"/>
+                </a:highlight>
+                <a:latin typeface="新宋体" panose="02010609030101010101" pitchFamily="49" charset="-122"/>
+                <a:ea typeface="新宋体" panose="02010609030101010101" pitchFamily="49" charset="-122"/>
+              </a:rPr>
+              <a:t>, name, age)</a:t>
+            </a:r>
+            <a:endParaRPr lang="zh-CN" altLang="en-US" dirty="0"/>
+          </a:p>
+        </p:txBody>
+      </p:sp>
+      <p:sp>
+        <p:nvSpPr>
+          <p:cNvPr id="6" name="矩形 5"/>
+          <p:cNvSpPr/>
+          <p:nvPr/>
+        </p:nvSpPr>
+        <p:spPr>
+          <a:xfrm>
+            <a:off x="1349829" y="2972362"/>
+            <a:ext cx="9805851" cy="2862322"/>
+          </a:xfrm>
+          <a:prstGeom prst="rect">
+            <a:avLst/>
+          </a:prstGeom>
+        </p:spPr>
+        <p:txBody>
+          <a:bodyPr wrap="square">
+            <a:spAutoFit/>
+          </a:bodyPr>
+          <a:lstStyle/>
+          <a:p>
+            <a:r>
+              <a:rPr lang="en-US" altLang="zh-CN" dirty="0" err="1">
+                <a:solidFill>
+                  <a:srgbClr val="000000"/>
+                </a:solidFill>
+                <a:highlight>
+                  <a:srgbClr val="FFFFFF"/>
+                </a:highlight>
+                <a:latin typeface="新宋体" panose="02010609030101010101" pitchFamily="49" charset="-122"/>
+                <a:ea typeface="新宋体" panose="02010609030101010101" pitchFamily="49" charset="-122"/>
+              </a:rPr>
+              <a:t>std</a:t>
+            </a:r>
+            <a:r>
+              <a:rPr lang="en-US" altLang="zh-CN" dirty="0">
+                <a:solidFill>
+                  <a:srgbClr val="000000"/>
+                </a:solidFill>
+                <a:highlight>
+                  <a:srgbClr val="FFFFFF"/>
+                </a:highlight>
+                <a:latin typeface="新宋体" panose="02010609030101010101" pitchFamily="49" charset="-122"/>
+                <a:ea typeface="新宋体" panose="02010609030101010101" pitchFamily="49" charset="-122"/>
+              </a:rPr>
+              <a:t>::</a:t>
+            </a:r>
+            <a:r>
+              <a:rPr lang="en-US" altLang="zh-CN" dirty="0" err="1">
+                <a:solidFill>
+                  <a:srgbClr val="000000"/>
+                </a:solidFill>
+                <a:highlight>
+                  <a:srgbClr val="FFFFFF"/>
+                </a:highlight>
+                <a:latin typeface="新宋体" panose="02010609030101010101" pitchFamily="49" charset="-122"/>
+                <a:ea typeface="新宋体" panose="02010609030101010101" pitchFamily="49" charset="-122"/>
+              </a:rPr>
+              <a:t>cout</a:t>
+            </a:r>
+            <a:r>
+              <a:rPr lang="en-US" altLang="zh-CN" dirty="0">
+                <a:solidFill>
+                  <a:srgbClr val="000000"/>
+                </a:solidFill>
+                <a:highlight>
+                  <a:srgbClr val="FFFFFF"/>
+                </a:highlight>
+                <a:latin typeface="新宋体" panose="02010609030101010101" pitchFamily="49" charset="-122"/>
+                <a:ea typeface="新宋体" panose="02010609030101010101" pitchFamily="49" charset="-122"/>
+              </a:rPr>
+              <a:t> &lt;&lt; </a:t>
+            </a:r>
+            <a:r>
+              <a:rPr lang="en-US" altLang="zh-CN" dirty="0" err="1">
+                <a:solidFill>
+                  <a:srgbClr val="000000"/>
+                </a:solidFill>
+                <a:highlight>
+                  <a:srgbClr val="FFFFFF"/>
+                </a:highlight>
+                <a:latin typeface="新宋体" panose="02010609030101010101" pitchFamily="49" charset="-122"/>
+                <a:ea typeface="新宋体" panose="02010609030101010101" pitchFamily="49" charset="-122"/>
+              </a:rPr>
+              <a:t>get_name</a:t>
+            </a:r>
+            <a:r>
+              <a:rPr lang="en-US" altLang="zh-CN" dirty="0">
+                <a:solidFill>
+                  <a:srgbClr val="000000"/>
+                </a:solidFill>
+                <a:highlight>
+                  <a:srgbClr val="FFFFFF"/>
+                </a:highlight>
+                <a:latin typeface="新宋体" panose="02010609030101010101" pitchFamily="49" charset="-122"/>
+                <a:ea typeface="新宋体" panose="02010609030101010101" pitchFamily="49" charset="-122"/>
+              </a:rPr>
+              <a:t>&lt;</a:t>
+            </a:r>
+            <a:r>
+              <a:rPr lang="en-US" altLang="zh-CN" dirty="0">
+                <a:solidFill>
+                  <a:srgbClr val="2B91AF"/>
+                </a:solidFill>
+                <a:highlight>
+                  <a:srgbClr val="FFFFFF"/>
+                </a:highlight>
+                <a:latin typeface="新宋体" panose="02010609030101010101" pitchFamily="49" charset="-122"/>
+                <a:ea typeface="新宋体" panose="02010609030101010101" pitchFamily="49" charset="-122"/>
+              </a:rPr>
+              <a:t>Person</a:t>
+            </a:r>
+            <a:r>
+              <a:rPr lang="en-US" altLang="zh-CN" dirty="0">
+                <a:solidFill>
+                  <a:srgbClr val="000000"/>
+                </a:solidFill>
+                <a:highlight>
+                  <a:srgbClr val="FFFFFF"/>
+                </a:highlight>
+                <a:latin typeface="新宋体" panose="02010609030101010101" pitchFamily="49" charset="-122"/>
+                <a:ea typeface="新宋体" panose="02010609030101010101" pitchFamily="49" charset="-122"/>
+              </a:rPr>
+              <a:t>, 0&gt;() &lt;&lt; </a:t>
+            </a:r>
+            <a:r>
+              <a:rPr lang="en-US" altLang="zh-CN" dirty="0" err="1">
+                <a:solidFill>
+                  <a:srgbClr val="000000"/>
+                </a:solidFill>
+                <a:highlight>
+                  <a:srgbClr val="FFFFFF"/>
+                </a:highlight>
+                <a:latin typeface="新宋体" panose="02010609030101010101" pitchFamily="49" charset="-122"/>
+                <a:ea typeface="新宋体" panose="02010609030101010101" pitchFamily="49" charset="-122"/>
+              </a:rPr>
+              <a:t>std</a:t>
+            </a:r>
+            <a:r>
+              <a:rPr lang="en-US" altLang="zh-CN" dirty="0">
+                <a:solidFill>
+                  <a:srgbClr val="000000"/>
+                </a:solidFill>
+                <a:highlight>
+                  <a:srgbClr val="FFFFFF"/>
+                </a:highlight>
+                <a:latin typeface="新宋体" panose="02010609030101010101" pitchFamily="49" charset="-122"/>
+                <a:ea typeface="新宋体" panose="02010609030101010101" pitchFamily="49" charset="-122"/>
+              </a:rPr>
+              <a:t>::</a:t>
+            </a:r>
+            <a:r>
+              <a:rPr lang="en-US" altLang="zh-CN" dirty="0" err="1">
+                <a:solidFill>
+                  <a:srgbClr val="000000"/>
+                </a:solidFill>
+                <a:highlight>
+                  <a:srgbClr val="FFFFFF"/>
+                </a:highlight>
+                <a:latin typeface="新宋体" panose="02010609030101010101" pitchFamily="49" charset="-122"/>
+                <a:ea typeface="新宋体" panose="02010609030101010101" pitchFamily="49" charset="-122"/>
+              </a:rPr>
+              <a:t>endl</a:t>
+            </a:r>
+            <a:r>
+              <a:rPr lang="en-US" altLang="zh-CN" dirty="0">
+                <a:solidFill>
+                  <a:srgbClr val="000000"/>
+                </a:solidFill>
+                <a:highlight>
+                  <a:srgbClr val="FFFFFF"/>
+                </a:highlight>
+                <a:latin typeface="新宋体" panose="02010609030101010101" pitchFamily="49" charset="-122"/>
+                <a:ea typeface="新宋体" panose="02010609030101010101" pitchFamily="49" charset="-122"/>
+              </a:rPr>
+              <a:t>;</a:t>
+            </a:r>
+          </a:p>
+          <a:p>
+            <a:r>
+              <a:rPr lang="en-US" altLang="zh-CN" dirty="0" err="1">
+                <a:solidFill>
+                  <a:srgbClr val="000000"/>
+                </a:solidFill>
+                <a:highlight>
+                  <a:srgbClr val="FFFFFF"/>
+                </a:highlight>
+                <a:latin typeface="新宋体" panose="02010609030101010101" pitchFamily="49" charset="-122"/>
+                <a:ea typeface="新宋体" panose="02010609030101010101" pitchFamily="49" charset="-122"/>
+              </a:rPr>
+              <a:t>std</a:t>
+            </a:r>
+            <a:r>
+              <a:rPr lang="en-US" altLang="zh-CN" dirty="0">
+                <a:solidFill>
+                  <a:srgbClr val="000000"/>
+                </a:solidFill>
+                <a:highlight>
+                  <a:srgbClr val="FFFFFF"/>
+                </a:highlight>
+                <a:latin typeface="新宋体" panose="02010609030101010101" pitchFamily="49" charset="-122"/>
+                <a:ea typeface="新宋体" panose="02010609030101010101" pitchFamily="49" charset="-122"/>
+              </a:rPr>
+              <a:t>::</a:t>
+            </a:r>
+            <a:r>
+              <a:rPr lang="en-US" altLang="zh-CN" dirty="0" err="1">
+                <a:solidFill>
+                  <a:srgbClr val="000000"/>
+                </a:solidFill>
+                <a:highlight>
+                  <a:srgbClr val="FFFFFF"/>
+                </a:highlight>
+                <a:latin typeface="新宋体" panose="02010609030101010101" pitchFamily="49" charset="-122"/>
+                <a:ea typeface="新宋体" panose="02010609030101010101" pitchFamily="49" charset="-122"/>
+              </a:rPr>
+              <a:t>cout</a:t>
+            </a:r>
+            <a:r>
+              <a:rPr lang="en-US" altLang="zh-CN" dirty="0">
+                <a:solidFill>
+                  <a:srgbClr val="000000"/>
+                </a:solidFill>
+                <a:highlight>
+                  <a:srgbClr val="FFFFFF"/>
+                </a:highlight>
+                <a:latin typeface="新宋体" panose="02010609030101010101" pitchFamily="49" charset="-122"/>
+                <a:ea typeface="新宋体" panose="02010609030101010101" pitchFamily="49" charset="-122"/>
+              </a:rPr>
+              <a:t> &lt;&lt; </a:t>
+            </a:r>
+            <a:r>
+              <a:rPr lang="en-US" altLang="zh-CN" dirty="0" err="1">
+                <a:solidFill>
+                  <a:srgbClr val="000000"/>
+                </a:solidFill>
+                <a:highlight>
+                  <a:srgbClr val="FFFFFF"/>
+                </a:highlight>
+                <a:latin typeface="新宋体" panose="02010609030101010101" pitchFamily="49" charset="-122"/>
+                <a:ea typeface="新宋体" panose="02010609030101010101" pitchFamily="49" charset="-122"/>
+              </a:rPr>
+              <a:t>get_name</a:t>
+            </a:r>
+            <a:r>
+              <a:rPr lang="en-US" altLang="zh-CN" dirty="0">
+                <a:solidFill>
+                  <a:srgbClr val="000000"/>
+                </a:solidFill>
+                <a:highlight>
+                  <a:srgbClr val="FFFFFF"/>
+                </a:highlight>
+                <a:latin typeface="新宋体" panose="02010609030101010101" pitchFamily="49" charset="-122"/>
+                <a:ea typeface="新宋体" panose="02010609030101010101" pitchFamily="49" charset="-122"/>
+              </a:rPr>
+              <a:t>&lt;</a:t>
+            </a:r>
+            <a:r>
+              <a:rPr lang="en-US" altLang="zh-CN" dirty="0">
+                <a:solidFill>
+                  <a:srgbClr val="2B91AF"/>
+                </a:solidFill>
+                <a:highlight>
+                  <a:srgbClr val="FFFFFF"/>
+                </a:highlight>
+                <a:latin typeface="新宋体" panose="02010609030101010101" pitchFamily="49" charset="-122"/>
+                <a:ea typeface="新宋体" panose="02010609030101010101" pitchFamily="49" charset="-122"/>
+              </a:rPr>
+              <a:t>Person</a:t>
+            </a:r>
+            <a:r>
+              <a:rPr lang="en-US" altLang="zh-CN" dirty="0">
+                <a:solidFill>
+                  <a:srgbClr val="000000"/>
+                </a:solidFill>
+                <a:highlight>
+                  <a:srgbClr val="FFFFFF"/>
+                </a:highlight>
+                <a:latin typeface="新宋体" panose="02010609030101010101" pitchFamily="49" charset="-122"/>
+                <a:ea typeface="新宋体" panose="02010609030101010101" pitchFamily="49" charset="-122"/>
+              </a:rPr>
+              <a:t>, 1&gt;() &lt;&lt; </a:t>
+            </a:r>
+            <a:r>
+              <a:rPr lang="en-US" altLang="zh-CN" dirty="0" err="1">
+                <a:solidFill>
+                  <a:srgbClr val="000000"/>
+                </a:solidFill>
+                <a:highlight>
+                  <a:srgbClr val="FFFFFF"/>
+                </a:highlight>
+                <a:latin typeface="新宋体" panose="02010609030101010101" pitchFamily="49" charset="-122"/>
+                <a:ea typeface="新宋体" panose="02010609030101010101" pitchFamily="49" charset="-122"/>
+              </a:rPr>
+              <a:t>std</a:t>
+            </a:r>
+            <a:r>
+              <a:rPr lang="en-US" altLang="zh-CN" dirty="0">
+                <a:solidFill>
+                  <a:srgbClr val="000000"/>
+                </a:solidFill>
+                <a:highlight>
+                  <a:srgbClr val="FFFFFF"/>
+                </a:highlight>
+                <a:latin typeface="新宋体" panose="02010609030101010101" pitchFamily="49" charset="-122"/>
+                <a:ea typeface="新宋体" panose="02010609030101010101" pitchFamily="49" charset="-122"/>
+              </a:rPr>
+              <a:t>::</a:t>
+            </a:r>
+            <a:r>
+              <a:rPr lang="en-US" altLang="zh-CN" dirty="0" err="1">
+                <a:solidFill>
+                  <a:srgbClr val="000000"/>
+                </a:solidFill>
+                <a:highlight>
+                  <a:srgbClr val="FFFFFF"/>
+                </a:highlight>
+                <a:latin typeface="新宋体" panose="02010609030101010101" pitchFamily="49" charset="-122"/>
+                <a:ea typeface="新宋体" panose="02010609030101010101" pitchFamily="49" charset="-122"/>
+              </a:rPr>
+              <a:t>endl</a:t>
+            </a:r>
+            <a:r>
+              <a:rPr lang="en-US" altLang="zh-CN" dirty="0">
+                <a:solidFill>
+                  <a:srgbClr val="000000"/>
+                </a:solidFill>
+                <a:highlight>
+                  <a:srgbClr val="FFFFFF"/>
+                </a:highlight>
+                <a:latin typeface="新宋体" panose="02010609030101010101" pitchFamily="49" charset="-122"/>
+                <a:ea typeface="新宋体" panose="02010609030101010101" pitchFamily="49" charset="-122"/>
+              </a:rPr>
+              <a:t>;</a:t>
+            </a:r>
+          </a:p>
+          <a:p>
+            <a:r>
+              <a:rPr lang="en-US" altLang="zh-CN" dirty="0" err="1">
+                <a:solidFill>
+                  <a:srgbClr val="000000"/>
+                </a:solidFill>
+                <a:highlight>
+                  <a:srgbClr val="FFFFFF"/>
+                </a:highlight>
+                <a:latin typeface="新宋体" panose="02010609030101010101" pitchFamily="49" charset="-122"/>
+                <a:ea typeface="新宋体" panose="02010609030101010101" pitchFamily="49" charset="-122"/>
+              </a:rPr>
+              <a:t>std</a:t>
+            </a:r>
+            <a:r>
+              <a:rPr lang="en-US" altLang="zh-CN" dirty="0">
+                <a:solidFill>
+                  <a:srgbClr val="000000"/>
+                </a:solidFill>
+                <a:highlight>
+                  <a:srgbClr val="FFFFFF"/>
+                </a:highlight>
+                <a:latin typeface="新宋体" panose="02010609030101010101" pitchFamily="49" charset="-122"/>
+                <a:ea typeface="新宋体" panose="02010609030101010101" pitchFamily="49" charset="-122"/>
+              </a:rPr>
+              <a:t>::</a:t>
+            </a:r>
+            <a:r>
+              <a:rPr lang="en-US" altLang="zh-CN" dirty="0" err="1">
+                <a:solidFill>
+                  <a:srgbClr val="000000"/>
+                </a:solidFill>
+                <a:highlight>
+                  <a:srgbClr val="FFFFFF"/>
+                </a:highlight>
+                <a:latin typeface="新宋体" panose="02010609030101010101" pitchFamily="49" charset="-122"/>
+                <a:ea typeface="新宋体" panose="02010609030101010101" pitchFamily="49" charset="-122"/>
+              </a:rPr>
+              <a:t>cout</a:t>
+            </a:r>
+            <a:r>
+              <a:rPr lang="en-US" altLang="zh-CN" dirty="0">
+                <a:solidFill>
+                  <a:srgbClr val="000000"/>
+                </a:solidFill>
+                <a:highlight>
+                  <a:srgbClr val="FFFFFF"/>
+                </a:highlight>
+                <a:latin typeface="新宋体" panose="02010609030101010101" pitchFamily="49" charset="-122"/>
+                <a:ea typeface="新宋体" panose="02010609030101010101" pitchFamily="49" charset="-122"/>
+              </a:rPr>
+              <a:t> &lt;&lt; get&lt;0&gt;(p) &lt;&lt; </a:t>
+            </a:r>
+            <a:r>
+              <a:rPr lang="en-US" altLang="zh-CN" dirty="0" err="1">
+                <a:solidFill>
+                  <a:srgbClr val="000000"/>
+                </a:solidFill>
+                <a:highlight>
+                  <a:srgbClr val="FFFFFF"/>
+                </a:highlight>
+                <a:latin typeface="新宋体" panose="02010609030101010101" pitchFamily="49" charset="-122"/>
+                <a:ea typeface="新宋体" panose="02010609030101010101" pitchFamily="49" charset="-122"/>
+              </a:rPr>
+              <a:t>std</a:t>
+            </a:r>
+            <a:r>
+              <a:rPr lang="en-US" altLang="zh-CN" dirty="0">
+                <a:solidFill>
+                  <a:srgbClr val="000000"/>
+                </a:solidFill>
+                <a:highlight>
+                  <a:srgbClr val="FFFFFF"/>
+                </a:highlight>
+                <a:latin typeface="新宋体" panose="02010609030101010101" pitchFamily="49" charset="-122"/>
+                <a:ea typeface="新宋体" panose="02010609030101010101" pitchFamily="49" charset="-122"/>
+              </a:rPr>
+              <a:t>::</a:t>
+            </a:r>
+            <a:r>
+              <a:rPr lang="en-US" altLang="zh-CN" dirty="0" err="1">
+                <a:solidFill>
+                  <a:srgbClr val="000000"/>
+                </a:solidFill>
+                <a:highlight>
+                  <a:srgbClr val="FFFFFF"/>
+                </a:highlight>
+                <a:latin typeface="新宋体" panose="02010609030101010101" pitchFamily="49" charset="-122"/>
+                <a:ea typeface="新宋体" panose="02010609030101010101" pitchFamily="49" charset="-122"/>
+              </a:rPr>
+              <a:t>endl</a:t>
+            </a:r>
+            <a:r>
+              <a:rPr lang="en-US" altLang="zh-CN" dirty="0">
+                <a:solidFill>
+                  <a:srgbClr val="000000"/>
+                </a:solidFill>
+                <a:highlight>
+                  <a:srgbClr val="FFFFFF"/>
+                </a:highlight>
+                <a:latin typeface="新宋体" panose="02010609030101010101" pitchFamily="49" charset="-122"/>
+                <a:ea typeface="新宋体" panose="02010609030101010101" pitchFamily="49" charset="-122"/>
+              </a:rPr>
+              <a:t>;</a:t>
+            </a:r>
+          </a:p>
+          <a:p>
+            <a:r>
+              <a:rPr lang="en-US" altLang="zh-CN" dirty="0" err="1">
+                <a:solidFill>
+                  <a:srgbClr val="000000"/>
+                </a:solidFill>
+                <a:highlight>
+                  <a:srgbClr val="FFFFFF"/>
+                </a:highlight>
+                <a:latin typeface="新宋体" panose="02010609030101010101" pitchFamily="49" charset="-122"/>
+                <a:ea typeface="新宋体" panose="02010609030101010101" pitchFamily="49" charset="-122"/>
+              </a:rPr>
+              <a:t>std</a:t>
+            </a:r>
+            <a:r>
+              <a:rPr lang="en-US" altLang="zh-CN" dirty="0">
+                <a:solidFill>
+                  <a:srgbClr val="000000"/>
+                </a:solidFill>
+                <a:highlight>
+                  <a:srgbClr val="FFFFFF"/>
+                </a:highlight>
+                <a:latin typeface="新宋体" panose="02010609030101010101" pitchFamily="49" charset="-122"/>
+                <a:ea typeface="新宋体" panose="02010609030101010101" pitchFamily="49" charset="-122"/>
+              </a:rPr>
+              <a:t>::</a:t>
+            </a:r>
+            <a:r>
+              <a:rPr lang="en-US" altLang="zh-CN" dirty="0" err="1">
+                <a:solidFill>
+                  <a:srgbClr val="000000"/>
+                </a:solidFill>
+                <a:highlight>
+                  <a:srgbClr val="FFFFFF"/>
+                </a:highlight>
+                <a:latin typeface="新宋体" panose="02010609030101010101" pitchFamily="49" charset="-122"/>
+                <a:ea typeface="新宋体" panose="02010609030101010101" pitchFamily="49" charset="-122"/>
+              </a:rPr>
+              <a:t>cout</a:t>
+            </a:r>
+            <a:r>
+              <a:rPr lang="en-US" altLang="zh-CN" dirty="0">
+                <a:solidFill>
+                  <a:srgbClr val="000000"/>
+                </a:solidFill>
+                <a:highlight>
+                  <a:srgbClr val="FFFFFF"/>
+                </a:highlight>
+                <a:latin typeface="新宋体" panose="02010609030101010101" pitchFamily="49" charset="-122"/>
+                <a:ea typeface="新宋体" panose="02010609030101010101" pitchFamily="49" charset="-122"/>
+              </a:rPr>
+              <a:t> &lt;&lt; get&lt;1&gt;(p) &lt;&lt; </a:t>
+            </a:r>
+            <a:r>
+              <a:rPr lang="en-US" altLang="zh-CN" dirty="0" err="1">
+                <a:solidFill>
+                  <a:srgbClr val="000000"/>
+                </a:solidFill>
+                <a:highlight>
+                  <a:srgbClr val="FFFFFF"/>
+                </a:highlight>
+                <a:latin typeface="新宋体" panose="02010609030101010101" pitchFamily="49" charset="-122"/>
+                <a:ea typeface="新宋体" panose="02010609030101010101" pitchFamily="49" charset="-122"/>
+              </a:rPr>
+              <a:t>std</a:t>
+            </a:r>
+            <a:r>
+              <a:rPr lang="en-US" altLang="zh-CN" dirty="0">
+                <a:solidFill>
+                  <a:srgbClr val="000000"/>
+                </a:solidFill>
+                <a:highlight>
+                  <a:srgbClr val="FFFFFF"/>
+                </a:highlight>
+                <a:latin typeface="新宋体" panose="02010609030101010101" pitchFamily="49" charset="-122"/>
+                <a:ea typeface="新宋体" panose="02010609030101010101" pitchFamily="49" charset="-122"/>
+              </a:rPr>
+              <a:t>::</a:t>
+            </a:r>
+            <a:r>
+              <a:rPr lang="en-US" altLang="zh-CN" dirty="0" err="1">
+                <a:solidFill>
+                  <a:srgbClr val="000000"/>
+                </a:solidFill>
+                <a:highlight>
+                  <a:srgbClr val="FFFFFF"/>
+                </a:highlight>
+                <a:latin typeface="新宋体" panose="02010609030101010101" pitchFamily="49" charset="-122"/>
+                <a:ea typeface="新宋体" panose="02010609030101010101" pitchFamily="49" charset="-122"/>
+              </a:rPr>
+              <a:t>endl</a:t>
+            </a:r>
+            <a:r>
+              <a:rPr lang="en-US" altLang="zh-CN" dirty="0">
+                <a:solidFill>
+                  <a:srgbClr val="000000"/>
+                </a:solidFill>
+                <a:highlight>
+                  <a:srgbClr val="FFFFFF"/>
+                </a:highlight>
+                <a:latin typeface="新宋体" panose="02010609030101010101" pitchFamily="49" charset="-122"/>
+                <a:ea typeface="新宋体" panose="02010609030101010101" pitchFamily="49" charset="-122"/>
+              </a:rPr>
+              <a:t>;</a:t>
+            </a:r>
+            <a:endParaRPr lang="zh-CN" altLang="en-US" dirty="0"/>
+          </a:p>
+          <a:p>
+            <a:endParaRPr lang="en-US" altLang="zh-CN" dirty="0" smtClean="0">
+              <a:solidFill>
+                <a:srgbClr val="2B91AF"/>
+              </a:solidFill>
+              <a:highlight>
+                <a:srgbClr val="FFFFFF"/>
+              </a:highlight>
+              <a:latin typeface="新宋体" panose="02010609030101010101" pitchFamily="49" charset="-122"/>
+              <a:ea typeface="新宋体" panose="02010609030101010101" pitchFamily="49" charset="-122"/>
+            </a:endParaRPr>
+          </a:p>
+          <a:p>
+            <a:r>
+              <a:rPr lang="en-US" altLang="zh-CN" dirty="0" smtClean="0">
+                <a:solidFill>
+                  <a:srgbClr val="2B91AF"/>
+                </a:solidFill>
+                <a:highlight>
+                  <a:srgbClr val="FFFFFF"/>
+                </a:highlight>
+                <a:latin typeface="新宋体" panose="02010609030101010101" pitchFamily="49" charset="-122"/>
+                <a:ea typeface="新宋体" panose="02010609030101010101" pitchFamily="49" charset="-122"/>
+              </a:rPr>
+              <a:t>Person</a:t>
+            </a:r>
+            <a:r>
+              <a:rPr lang="en-US" altLang="zh-CN" dirty="0" smtClean="0">
+                <a:solidFill>
+                  <a:srgbClr val="000000"/>
+                </a:solidFill>
+                <a:highlight>
+                  <a:srgbClr val="FFFFFF"/>
+                </a:highlight>
+                <a:latin typeface="新宋体" panose="02010609030101010101" pitchFamily="49" charset="-122"/>
+                <a:ea typeface="新宋体" panose="02010609030101010101" pitchFamily="49" charset="-122"/>
+              </a:rPr>
+              <a:t> </a:t>
+            </a:r>
+            <a:r>
+              <a:rPr lang="en-US" altLang="zh-CN" dirty="0">
+                <a:solidFill>
+                  <a:srgbClr val="000000"/>
+                </a:solidFill>
+                <a:highlight>
+                  <a:srgbClr val="FFFFFF"/>
+                </a:highlight>
+                <a:latin typeface="新宋体" panose="02010609030101010101" pitchFamily="49" charset="-122"/>
+                <a:ea typeface="新宋体" panose="02010609030101010101" pitchFamily="49" charset="-122"/>
+              </a:rPr>
+              <a:t>p = { </a:t>
+            </a:r>
+            <a:r>
+              <a:rPr lang="en-US" altLang="zh-CN" dirty="0">
+                <a:solidFill>
+                  <a:srgbClr val="A31515"/>
+                </a:solidFill>
+                <a:highlight>
+                  <a:srgbClr val="FFFFFF"/>
+                </a:highlight>
+                <a:latin typeface="新宋体" panose="02010609030101010101" pitchFamily="49" charset="-122"/>
+                <a:ea typeface="新宋体" panose="02010609030101010101" pitchFamily="49" charset="-122"/>
+              </a:rPr>
+              <a:t>"admin"</a:t>
+            </a:r>
+            <a:r>
+              <a:rPr lang="en-US" altLang="zh-CN" dirty="0">
+                <a:solidFill>
+                  <a:srgbClr val="000000"/>
+                </a:solidFill>
+                <a:highlight>
+                  <a:srgbClr val="FFFFFF"/>
+                </a:highlight>
+                <a:latin typeface="新宋体" panose="02010609030101010101" pitchFamily="49" charset="-122"/>
+                <a:ea typeface="新宋体" panose="02010609030101010101" pitchFamily="49" charset="-122"/>
+              </a:rPr>
+              <a:t>, 20 };</a:t>
+            </a:r>
+          </a:p>
+          <a:p>
+            <a:r>
+              <a:rPr lang="en-US" altLang="zh-CN" dirty="0" err="1">
+                <a:solidFill>
+                  <a:srgbClr val="000000"/>
+                </a:solidFill>
+                <a:highlight>
+                  <a:srgbClr val="FFFFFF"/>
+                </a:highlight>
+                <a:latin typeface="新宋体" panose="02010609030101010101" pitchFamily="49" charset="-122"/>
+                <a:ea typeface="新宋体" panose="02010609030101010101" pitchFamily="49" charset="-122"/>
+              </a:rPr>
+              <a:t>for_each</a:t>
+            </a:r>
+            <a:r>
+              <a:rPr lang="en-US" altLang="zh-CN" dirty="0">
+                <a:solidFill>
+                  <a:srgbClr val="000000"/>
+                </a:solidFill>
+                <a:highlight>
+                  <a:srgbClr val="FFFFFF"/>
+                </a:highlight>
+                <a:latin typeface="新宋体" panose="02010609030101010101" pitchFamily="49" charset="-122"/>
+                <a:ea typeface="新宋体" panose="02010609030101010101" pitchFamily="49" charset="-122"/>
+              </a:rPr>
+              <a:t>(p, [](</a:t>
+            </a:r>
+            <a:r>
+              <a:rPr lang="en-US" altLang="zh-CN" dirty="0" err="1">
+                <a:solidFill>
+                  <a:srgbClr val="0000FF"/>
+                </a:solidFill>
+                <a:highlight>
+                  <a:srgbClr val="FFFFFF"/>
+                </a:highlight>
+                <a:latin typeface="新宋体" panose="02010609030101010101" pitchFamily="49" charset="-122"/>
+                <a:ea typeface="新宋体" panose="02010609030101010101" pitchFamily="49" charset="-122"/>
+              </a:rPr>
+              <a:t>const</a:t>
+            </a:r>
+            <a:r>
+              <a:rPr lang="en-US" altLang="zh-CN" dirty="0">
+                <a:solidFill>
+                  <a:srgbClr val="000000"/>
+                </a:solidFill>
+                <a:highlight>
+                  <a:srgbClr val="FFFFFF"/>
+                </a:highlight>
+                <a:latin typeface="新宋体" panose="02010609030101010101" pitchFamily="49" charset="-122"/>
+                <a:ea typeface="新宋体" panose="02010609030101010101" pitchFamily="49" charset="-122"/>
+              </a:rPr>
+              <a:t> </a:t>
+            </a:r>
+            <a:r>
+              <a:rPr lang="en-US" altLang="zh-CN" dirty="0">
+                <a:solidFill>
+                  <a:srgbClr val="0000FF"/>
+                </a:solidFill>
+                <a:highlight>
+                  <a:srgbClr val="FFFFFF"/>
+                </a:highlight>
+                <a:latin typeface="新宋体" panose="02010609030101010101" pitchFamily="49" charset="-122"/>
+                <a:ea typeface="新宋体" panose="02010609030101010101" pitchFamily="49" charset="-122"/>
+              </a:rPr>
+              <a:t>auto</a:t>
+            </a:r>
+            <a:r>
+              <a:rPr lang="en-US" altLang="zh-CN" dirty="0">
+                <a:solidFill>
+                  <a:srgbClr val="000000"/>
+                </a:solidFill>
+                <a:highlight>
+                  <a:srgbClr val="FFFFFF"/>
+                </a:highlight>
+                <a:latin typeface="新宋体" panose="02010609030101010101" pitchFamily="49" charset="-122"/>
+                <a:ea typeface="新宋体" panose="02010609030101010101" pitchFamily="49" charset="-122"/>
+              </a:rPr>
+              <a:t>&amp; </a:t>
+            </a:r>
+            <a:r>
+              <a:rPr lang="en-US" altLang="zh-CN" dirty="0">
+                <a:solidFill>
+                  <a:srgbClr val="808080"/>
+                </a:solidFill>
+                <a:highlight>
+                  <a:srgbClr val="FFFFFF"/>
+                </a:highlight>
+                <a:latin typeface="新宋体" panose="02010609030101010101" pitchFamily="49" charset="-122"/>
+                <a:ea typeface="新宋体" panose="02010609030101010101" pitchFamily="49" charset="-122"/>
+              </a:rPr>
+              <a:t>item</a:t>
+            </a:r>
+            <a:r>
+              <a:rPr lang="en-US" altLang="zh-CN" dirty="0">
+                <a:solidFill>
+                  <a:srgbClr val="000000"/>
+                </a:solidFill>
+                <a:highlight>
+                  <a:srgbClr val="FFFFFF"/>
+                </a:highlight>
+                <a:latin typeface="新宋体" panose="02010609030101010101" pitchFamily="49" charset="-122"/>
+                <a:ea typeface="新宋体" panose="02010609030101010101" pitchFamily="49" charset="-122"/>
+              </a:rPr>
+              <a:t>, </a:t>
+            </a:r>
+            <a:r>
+              <a:rPr lang="en-US" altLang="zh-CN" dirty="0">
+                <a:solidFill>
+                  <a:srgbClr val="0000FF"/>
+                </a:solidFill>
+                <a:highlight>
+                  <a:srgbClr val="FFFFFF"/>
+                </a:highlight>
+                <a:latin typeface="新宋体" panose="02010609030101010101" pitchFamily="49" charset="-122"/>
+                <a:ea typeface="新宋体" panose="02010609030101010101" pitchFamily="49" charset="-122"/>
+              </a:rPr>
+              <a:t>auto</a:t>
+            </a:r>
+            <a:r>
+              <a:rPr lang="en-US" altLang="zh-CN" dirty="0">
+                <a:solidFill>
+                  <a:srgbClr val="000000"/>
+                </a:solidFill>
+                <a:highlight>
+                  <a:srgbClr val="FFFFFF"/>
+                </a:highlight>
+                <a:latin typeface="新宋体" panose="02010609030101010101" pitchFamily="49" charset="-122"/>
+                <a:ea typeface="新宋体" panose="02010609030101010101" pitchFamily="49" charset="-122"/>
+              </a:rPr>
+              <a:t> </a:t>
+            </a:r>
+            <a:r>
+              <a:rPr lang="en-US" altLang="zh-CN" dirty="0" err="1">
+                <a:solidFill>
+                  <a:srgbClr val="808080"/>
+                </a:solidFill>
+                <a:highlight>
+                  <a:srgbClr val="FFFFFF"/>
+                </a:highlight>
+                <a:latin typeface="新宋体" panose="02010609030101010101" pitchFamily="49" charset="-122"/>
+                <a:ea typeface="新宋体" panose="02010609030101010101" pitchFamily="49" charset="-122"/>
+              </a:rPr>
+              <a:t>idx</a:t>
+            </a:r>
+            <a:r>
+              <a:rPr lang="en-US" altLang="zh-CN" dirty="0">
+                <a:solidFill>
+                  <a:srgbClr val="000000"/>
+                </a:solidFill>
+                <a:highlight>
+                  <a:srgbClr val="FFFFFF"/>
+                </a:highlight>
+                <a:latin typeface="新宋体" panose="02010609030101010101" pitchFamily="49" charset="-122"/>
+                <a:ea typeface="新宋体" panose="02010609030101010101" pitchFamily="49" charset="-122"/>
+              </a:rPr>
+              <a:t>) {</a:t>
+            </a:r>
+          </a:p>
+          <a:p>
+            <a:r>
+              <a:rPr lang="en-US" altLang="zh-CN" dirty="0" smtClean="0">
+                <a:solidFill>
+                  <a:srgbClr val="000000"/>
+                </a:solidFill>
+                <a:highlight>
+                  <a:srgbClr val="FFFFFF"/>
+                </a:highlight>
+                <a:latin typeface="新宋体" panose="02010609030101010101" pitchFamily="49" charset="-122"/>
+                <a:ea typeface="新宋体" panose="02010609030101010101" pitchFamily="49" charset="-122"/>
+              </a:rPr>
+              <a:t>    </a:t>
+            </a:r>
+            <a:r>
+              <a:rPr lang="en-US" altLang="zh-CN" dirty="0" err="1" smtClean="0">
+                <a:solidFill>
+                  <a:srgbClr val="000000"/>
+                </a:solidFill>
+                <a:highlight>
+                  <a:srgbClr val="FFFFFF"/>
+                </a:highlight>
+                <a:latin typeface="新宋体" panose="02010609030101010101" pitchFamily="49" charset="-122"/>
+                <a:ea typeface="新宋体" panose="02010609030101010101" pitchFamily="49" charset="-122"/>
+              </a:rPr>
+              <a:t>std</a:t>
+            </a:r>
+            <a:r>
+              <a:rPr lang="en-US" altLang="zh-CN" dirty="0">
+                <a:solidFill>
+                  <a:srgbClr val="000000"/>
+                </a:solidFill>
+                <a:highlight>
+                  <a:srgbClr val="FFFFFF"/>
+                </a:highlight>
+                <a:latin typeface="新宋体" panose="02010609030101010101" pitchFamily="49" charset="-122"/>
+                <a:ea typeface="新宋体" panose="02010609030101010101" pitchFamily="49" charset="-122"/>
+              </a:rPr>
+              <a:t>::</a:t>
+            </a:r>
+            <a:r>
+              <a:rPr lang="en-US" altLang="zh-CN" dirty="0" err="1">
+                <a:solidFill>
+                  <a:srgbClr val="000000"/>
+                </a:solidFill>
+                <a:highlight>
+                  <a:srgbClr val="FFFFFF"/>
+                </a:highlight>
+                <a:latin typeface="新宋体" panose="02010609030101010101" pitchFamily="49" charset="-122"/>
+                <a:ea typeface="新宋体" panose="02010609030101010101" pitchFamily="49" charset="-122"/>
+              </a:rPr>
+              <a:t>cout</a:t>
+            </a:r>
+            <a:r>
+              <a:rPr lang="en-US" altLang="zh-CN" dirty="0">
+                <a:solidFill>
+                  <a:srgbClr val="000000"/>
+                </a:solidFill>
+                <a:highlight>
+                  <a:srgbClr val="FFFFFF"/>
+                </a:highlight>
+                <a:latin typeface="新宋体" panose="02010609030101010101" pitchFamily="49" charset="-122"/>
+                <a:ea typeface="新宋体" panose="02010609030101010101" pitchFamily="49" charset="-122"/>
+              </a:rPr>
+              <a:t> &lt;&lt; </a:t>
+            </a:r>
+            <a:r>
+              <a:rPr lang="en-US" altLang="zh-CN" dirty="0">
+                <a:solidFill>
+                  <a:srgbClr val="808080"/>
+                </a:solidFill>
+                <a:highlight>
+                  <a:srgbClr val="FFFFFF"/>
+                </a:highlight>
+                <a:latin typeface="新宋体" panose="02010609030101010101" pitchFamily="49" charset="-122"/>
+                <a:ea typeface="新宋体" panose="02010609030101010101" pitchFamily="49" charset="-122"/>
+              </a:rPr>
+              <a:t>item</a:t>
+            </a:r>
+            <a:r>
+              <a:rPr lang="en-US" altLang="zh-CN" dirty="0">
+                <a:solidFill>
+                  <a:srgbClr val="000000"/>
+                </a:solidFill>
+                <a:highlight>
+                  <a:srgbClr val="FFFFFF"/>
+                </a:highlight>
+                <a:latin typeface="新宋体" panose="02010609030101010101" pitchFamily="49" charset="-122"/>
+                <a:ea typeface="新宋体" panose="02010609030101010101" pitchFamily="49" charset="-122"/>
+              </a:rPr>
+              <a:t> &lt;&lt; </a:t>
+            </a:r>
+            <a:r>
+              <a:rPr lang="en-US" altLang="zh-CN" dirty="0" smtClean="0">
+                <a:solidFill>
+                  <a:srgbClr val="A31515"/>
+                </a:solidFill>
+                <a:highlight>
+                  <a:srgbClr val="FFFFFF"/>
+                </a:highlight>
+                <a:latin typeface="新宋体" panose="02010609030101010101" pitchFamily="49" charset="-122"/>
+                <a:ea typeface="新宋体" panose="02010609030101010101" pitchFamily="49" charset="-122"/>
+              </a:rPr>
+              <a:t>" "</a:t>
+            </a:r>
+            <a:r>
+              <a:rPr lang="en-US" altLang="zh-CN" dirty="0" smtClean="0">
+                <a:solidFill>
+                  <a:srgbClr val="000000"/>
+                </a:solidFill>
+                <a:highlight>
+                  <a:srgbClr val="FFFFFF"/>
+                </a:highlight>
+                <a:latin typeface="新宋体" panose="02010609030101010101" pitchFamily="49" charset="-122"/>
+                <a:ea typeface="新宋体" panose="02010609030101010101" pitchFamily="49" charset="-122"/>
+              </a:rPr>
+              <a:t> </a:t>
+            </a:r>
+            <a:r>
+              <a:rPr lang="en-US" altLang="zh-CN" dirty="0">
+                <a:solidFill>
+                  <a:srgbClr val="000000"/>
+                </a:solidFill>
+                <a:highlight>
+                  <a:srgbClr val="FFFFFF"/>
+                </a:highlight>
+                <a:latin typeface="新宋体" panose="02010609030101010101" pitchFamily="49" charset="-122"/>
+                <a:ea typeface="新宋体" panose="02010609030101010101" pitchFamily="49" charset="-122"/>
+              </a:rPr>
+              <a:t>&lt;&lt; index &lt;&lt; </a:t>
+            </a:r>
+            <a:r>
+              <a:rPr lang="en-US" altLang="zh-CN" dirty="0" smtClean="0">
+                <a:solidFill>
+                  <a:srgbClr val="A31515"/>
+                </a:solidFill>
+                <a:highlight>
+                  <a:srgbClr val="FFFFFF"/>
+                </a:highlight>
+                <a:latin typeface="新宋体" panose="02010609030101010101" pitchFamily="49" charset="-122"/>
+                <a:ea typeface="新宋体" panose="02010609030101010101" pitchFamily="49" charset="-122"/>
+              </a:rPr>
+              <a:t>" "</a:t>
+            </a:r>
+            <a:r>
+              <a:rPr lang="en-US" altLang="zh-CN" dirty="0" smtClean="0">
+                <a:solidFill>
+                  <a:srgbClr val="000000"/>
+                </a:solidFill>
+                <a:highlight>
+                  <a:srgbClr val="FFFFFF"/>
+                </a:highlight>
+                <a:latin typeface="新宋体" panose="02010609030101010101" pitchFamily="49" charset="-122"/>
+                <a:ea typeface="新宋体" panose="02010609030101010101" pitchFamily="49" charset="-122"/>
+              </a:rPr>
+              <a:t> </a:t>
+            </a:r>
+            <a:r>
+              <a:rPr lang="en-US" altLang="zh-CN" dirty="0">
+                <a:solidFill>
+                  <a:srgbClr val="000000"/>
+                </a:solidFill>
+                <a:highlight>
+                  <a:srgbClr val="FFFFFF"/>
+                </a:highlight>
+                <a:latin typeface="新宋体" panose="02010609030101010101" pitchFamily="49" charset="-122"/>
+                <a:ea typeface="新宋体" panose="02010609030101010101" pitchFamily="49" charset="-122"/>
+              </a:rPr>
+              <a:t>&lt;&lt; </a:t>
+            </a:r>
+            <a:r>
+              <a:rPr lang="en-US" altLang="zh-CN" dirty="0" err="1">
+                <a:solidFill>
+                  <a:srgbClr val="0000FF"/>
+                </a:solidFill>
+                <a:highlight>
+                  <a:srgbClr val="FFFFFF"/>
+                </a:highlight>
+                <a:latin typeface="新宋体" panose="02010609030101010101" pitchFamily="49" charset="-122"/>
+                <a:ea typeface="新宋体" panose="02010609030101010101" pitchFamily="49" charset="-122"/>
+              </a:rPr>
+              <a:t>decltype</a:t>
+            </a:r>
+            <a:r>
+              <a:rPr lang="en-US" altLang="zh-CN" dirty="0">
+                <a:solidFill>
+                  <a:srgbClr val="000000"/>
+                </a:solidFill>
+                <a:highlight>
+                  <a:srgbClr val="FFFFFF"/>
+                </a:highlight>
+                <a:latin typeface="新宋体" panose="02010609030101010101" pitchFamily="49" charset="-122"/>
+                <a:ea typeface="新宋体" panose="02010609030101010101" pitchFamily="49" charset="-122"/>
+              </a:rPr>
+              <a:t>(</a:t>
+            </a:r>
+            <a:r>
+              <a:rPr lang="en-US" altLang="zh-CN" dirty="0" err="1">
+                <a:solidFill>
+                  <a:srgbClr val="000000"/>
+                </a:solidFill>
+                <a:highlight>
+                  <a:srgbClr val="FFFFFF"/>
+                </a:highlight>
+                <a:latin typeface="新宋体" panose="02010609030101010101" pitchFamily="49" charset="-122"/>
+                <a:ea typeface="新宋体" panose="02010609030101010101" pitchFamily="49" charset="-122"/>
+              </a:rPr>
+              <a:t>i</a:t>
+            </a:r>
+            <a:r>
+              <a:rPr lang="en-US" altLang="zh-CN" dirty="0">
+                <a:solidFill>
+                  <a:srgbClr val="000000"/>
+                </a:solidFill>
+                <a:highlight>
+                  <a:srgbClr val="FFFFFF"/>
+                </a:highlight>
+                <a:latin typeface="新宋体" panose="02010609030101010101" pitchFamily="49" charset="-122"/>
+                <a:ea typeface="新宋体" panose="02010609030101010101" pitchFamily="49" charset="-122"/>
+              </a:rPr>
+              <a:t>)::value </a:t>
+            </a:r>
+            <a:r>
+              <a:rPr lang="en-US" altLang="zh-CN" dirty="0" smtClean="0">
+                <a:solidFill>
+                  <a:srgbClr val="000000"/>
+                </a:solidFill>
+                <a:highlight>
+                  <a:srgbClr val="FFFFFF"/>
+                </a:highlight>
+                <a:latin typeface="新宋体" panose="02010609030101010101" pitchFamily="49" charset="-122"/>
+                <a:ea typeface="新宋体" panose="02010609030101010101" pitchFamily="49" charset="-122"/>
+              </a:rPr>
+              <a:t>&lt;&lt; </a:t>
+            </a:r>
+            <a:r>
+              <a:rPr lang="en-US" altLang="zh-CN" dirty="0" err="1">
+                <a:solidFill>
+                  <a:srgbClr val="000000"/>
+                </a:solidFill>
+                <a:highlight>
+                  <a:srgbClr val="FFFFFF"/>
+                </a:highlight>
+                <a:latin typeface="新宋体" panose="02010609030101010101" pitchFamily="49" charset="-122"/>
+                <a:ea typeface="新宋体" panose="02010609030101010101" pitchFamily="49" charset="-122"/>
+              </a:rPr>
+              <a:t>std</a:t>
+            </a:r>
+            <a:r>
+              <a:rPr lang="en-US" altLang="zh-CN" dirty="0">
+                <a:solidFill>
+                  <a:srgbClr val="000000"/>
+                </a:solidFill>
+                <a:highlight>
+                  <a:srgbClr val="FFFFFF"/>
+                </a:highlight>
+                <a:latin typeface="新宋体" panose="02010609030101010101" pitchFamily="49" charset="-122"/>
+                <a:ea typeface="新宋体" panose="02010609030101010101" pitchFamily="49" charset="-122"/>
+              </a:rPr>
+              <a:t>::</a:t>
+            </a:r>
+            <a:r>
+              <a:rPr lang="en-US" altLang="zh-CN" dirty="0" err="1">
+                <a:solidFill>
+                  <a:srgbClr val="000000"/>
+                </a:solidFill>
+                <a:highlight>
+                  <a:srgbClr val="FFFFFF"/>
+                </a:highlight>
+                <a:latin typeface="新宋体" panose="02010609030101010101" pitchFamily="49" charset="-122"/>
+                <a:ea typeface="新宋体" panose="02010609030101010101" pitchFamily="49" charset="-122"/>
+              </a:rPr>
+              <a:t>endl</a:t>
+            </a:r>
+            <a:r>
+              <a:rPr lang="en-US" altLang="zh-CN" dirty="0">
+                <a:solidFill>
+                  <a:srgbClr val="000000"/>
+                </a:solidFill>
+                <a:highlight>
+                  <a:srgbClr val="FFFFFF"/>
+                </a:highlight>
+                <a:latin typeface="新宋体" panose="02010609030101010101" pitchFamily="49" charset="-122"/>
+                <a:ea typeface="新宋体" panose="02010609030101010101" pitchFamily="49" charset="-122"/>
+              </a:rPr>
+              <a:t>;</a:t>
+            </a:r>
+          </a:p>
+          <a:p>
+            <a:r>
+              <a:rPr lang="en-US" altLang="zh-CN" dirty="0" smtClean="0">
+                <a:solidFill>
+                  <a:srgbClr val="000000"/>
+                </a:solidFill>
+                <a:highlight>
+                  <a:srgbClr val="FFFFFF"/>
+                </a:highlight>
+                <a:latin typeface="新宋体" panose="02010609030101010101" pitchFamily="49" charset="-122"/>
+                <a:ea typeface="新宋体" panose="02010609030101010101" pitchFamily="49" charset="-122"/>
+              </a:rPr>
+              <a:t>});</a:t>
+            </a:r>
+          </a:p>
+          <a:p>
+            <a:endParaRPr lang="en-US" altLang="zh-CN" dirty="0">
+              <a:solidFill>
+                <a:srgbClr val="000000"/>
+              </a:solidFill>
+              <a:highlight>
+                <a:srgbClr val="FFFFFF"/>
+              </a:highlight>
+              <a:latin typeface="新宋体" panose="02010609030101010101" pitchFamily="49" charset="-122"/>
+              <a:ea typeface="新宋体" panose="02010609030101010101" pitchFamily="49" charset="-122"/>
+            </a:endParaRPr>
           </a:p>
         </p:txBody>
       </p:sp>
     </p:spTree>
     <p:extLst>
       <p:ext uri="{BB962C8B-B14F-4D97-AF65-F5344CB8AC3E}">
-        <p14:creationId xmlns:p14="http://schemas.microsoft.com/office/powerpoint/2010/main" val="3920747289"/>
+        <p14:creationId xmlns:p14="http://schemas.microsoft.com/office/powerpoint/2010/main" val="2099265469"/>
       </p:ext>
     </p:extLst>
   </p:cSld>
@@ -34443,12 +35773,8 @@
           <a:lstStyle/>
           <a:p>
             <a:r>
-              <a:rPr lang="en-US" altLang="zh-CN" dirty="0"/>
-              <a:t>application of compile-time </a:t>
-            </a:r>
-            <a:r>
               <a:rPr lang="en-US" altLang="zh-CN" dirty="0" smtClean="0"/>
-              <a:t>reflection</a:t>
+              <a:t>limitations</a:t>
             </a:r>
             <a:endParaRPr lang="zh-CN" altLang="en-US" dirty="0"/>
           </a:p>
@@ -34470,20 +35796,14 @@
           <a:lstStyle/>
           <a:p>
             <a:r>
-              <a:rPr lang="en-US" altLang="zh-CN" dirty="0"/>
-              <a:t>Serialization</a:t>
-            </a:r>
-          </a:p>
-          <a:p>
-            <a:r>
-              <a:rPr lang="en-US" altLang="zh-CN" dirty="0"/>
-              <a:t>ORM(Object Relational Mapping)</a:t>
-            </a:r>
-          </a:p>
-          <a:p>
-            <a:r>
-              <a:rPr lang="en-US" altLang="zh-CN" dirty="0"/>
-              <a:t>DSL(domain-specific language)</a:t>
+              <a:rPr lang="en-US" altLang="zh-CN" dirty="0" smtClean="0"/>
+              <a:t>can’t reflect member functions</a:t>
+            </a:r>
+          </a:p>
+          <a:p>
+            <a:r>
+              <a:rPr lang="en-US" altLang="zh-CN" dirty="0" smtClean="0"/>
+              <a:t>can’t reflect private members</a:t>
             </a:r>
             <a:endParaRPr lang="zh-CN" altLang="en-US" dirty="0"/>
           </a:p>
@@ -34492,20 +35812,13 @@
     </p:spTree>
     <p:extLst>
       <p:ext uri="{BB962C8B-B14F-4D97-AF65-F5344CB8AC3E}">
-        <p14:creationId xmlns:p14="http://schemas.microsoft.com/office/powerpoint/2010/main" val="3812572458"/>
+        <p14:creationId xmlns:p14="http://schemas.microsoft.com/office/powerpoint/2010/main" val="1622577386"/>
       </p:ext>
     </p:extLst>
   </p:cSld>
   <p:clrMapOvr>
     <a:masterClrMapping/>
   </p:clrMapOvr>
-  <p:timing>
-    <p:tnLst>
-      <p:par>
-        <p:cTn id="1" dur="indefinite" restart="never" nodeType="tmRoot"/>
-      </p:par>
-    </p:tnLst>
-  </p:timing>
 </p:sld>
 </file>
 
@@ -34543,6 +35856,292 @@
           <a:p>
             <a:r>
               <a:rPr lang="en-US" altLang="zh-CN" dirty="0" smtClean="0"/>
+              <a:t>proposals</a:t>
+            </a:r>
+            <a:endParaRPr lang="zh-CN" altLang="en-US" dirty="0"/>
+          </a:p>
+        </p:txBody>
+      </p:sp>
+      <p:sp>
+        <p:nvSpPr>
+          <p:cNvPr id="3" name="内容占位符 2"/>
+          <p:cNvSpPr>
+            <a:spLocks noGrp="1"/>
+          </p:cNvSpPr>
+          <p:nvPr>
+            <p:ph idx="1"/>
+          </p:nvPr>
+        </p:nvSpPr>
+        <p:spPr/>
+        <p:txBody>
+          <a:bodyPr/>
+          <a:lstStyle/>
+          <a:p>
+            <a:r>
+              <a:rPr lang="en-US" altLang="zh-CN" dirty="0" smtClean="0"/>
+              <a:t>reflection</a:t>
+            </a:r>
+          </a:p>
+          <a:p>
+            <a:r>
+              <a:rPr lang="en-US" altLang="zh-CN" dirty="0" err="1" smtClean="0"/>
+              <a:t>metaclass</a:t>
+            </a:r>
+            <a:endParaRPr lang="zh-CN" altLang="en-US" dirty="0"/>
+          </a:p>
+        </p:txBody>
+      </p:sp>
+    </p:spTree>
+    <p:extLst>
+      <p:ext uri="{BB962C8B-B14F-4D97-AF65-F5344CB8AC3E}">
+        <p14:creationId xmlns:p14="http://schemas.microsoft.com/office/powerpoint/2010/main" val="3158673133"/>
+      </p:ext>
+    </p:extLst>
+  </p:cSld>
+  <p:clrMapOvr>
+    <a:masterClrMapping/>
+  </p:clrMapOvr>
+</p:sld>
+</file>
+
+<file path=ppt/slides/slide46.xml><?xml version="1.0" encoding="utf-8"?>
+<p:sld xmlns:a="http://schemas.openxmlformats.org/drawingml/2006/main" xmlns:r="http://schemas.openxmlformats.org/officeDocument/2006/relationships" xmlns:p="http://schemas.openxmlformats.org/presentationml/2006/main">
+  <p:cSld>
+    <p:spTree>
+      <p:nvGrpSpPr>
+        <p:cNvPr id="1" name=""/>
+        <p:cNvGrpSpPr/>
+        <p:nvPr/>
+      </p:nvGrpSpPr>
+      <p:grpSpPr>
+        <a:xfrm>
+          <a:off x="0" y="0"/>
+          <a:ext cx="0" cy="0"/>
+          <a:chOff x="0" y="0"/>
+          <a:chExt cx="0" cy="0"/>
+        </a:xfrm>
+      </p:grpSpPr>
+      <p:sp>
+        <p:nvSpPr>
+          <p:cNvPr id="2" name="标题 1"/>
+          <p:cNvSpPr>
+            <a:spLocks noGrp="1"/>
+          </p:cNvSpPr>
+          <p:nvPr>
+            <p:ph type="title"/>
+          </p:nvPr>
+        </p:nvSpPr>
+        <p:spPr/>
+        <p:txBody>
+          <a:bodyPr/>
+          <a:lstStyle/>
+          <a:p>
+            <a:r>
+              <a:rPr lang="en-US" altLang="zh-CN" dirty="0" smtClean="0"/>
+              <a:t>Outline</a:t>
+            </a:r>
+            <a:endParaRPr lang="zh-CN" altLang="en-US" dirty="0"/>
+          </a:p>
+        </p:txBody>
+      </p:sp>
+      <p:sp>
+        <p:nvSpPr>
+          <p:cNvPr id="3" name="内容占位符 2"/>
+          <p:cNvSpPr>
+            <a:spLocks noGrp="1"/>
+          </p:cNvSpPr>
+          <p:nvPr>
+            <p:ph idx="1"/>
+          </p:nvPr>
+        </p:nvSpPr>
+        <p:spPr/>
+        <p:txBody>
+          <a:bodyPr/>
+          <a:lstStyle/>
+          <a:p>
+            <a:r>
+              <a:rPr lang="en-US" altLang="zh-CN" dirty="0" smtClean="0"/>
+              <a:t>concepts of reflection</a:t>
+            </a:r>
+          </a:p>
+          <a:p>
+            <a:r>
+              <a:rPr lang="en-US" altLang="zh-CN" dirty="0"/>
+              <a:t>implementation of compile-time </a:t>
+            </a:r>
+            <a:r>
+              <a:rPr lang="en-US" altLang="zh-CN" dirty="0" smtClean="0"/>
+              <a:t>reflection</a:t>
+            </a:r>
+          </a:p>
+          <a:p>
+            <a:r>
+              <a:rPr lang="en-US" altLang="zh-CN" b="1" dirty="0" smtClean="0"/>
+              <a:t>application of compile-time reflection</a:t>
+            </a:r>
+          </a:p>
+          <a:p>
+            <a:r>
+              <a:rPr lang="en-US" altLang="zh-CN" dirty="0" smtClean="0"/>
+              <a:t>prospect</a:t>
+            </a:r>
+            <a:endParaRPr lang="zh-CN" altLang="en-US" dirty="0"/>
+          </a:p>
+        </p:txBody>
+      </p:sp>
+    </p:spTree>
+    <p:extLst>
+      <p:ext uri="{BB962C8B-B14F-4D97-AF65-F5344CB8AC3E}">
+        <p14:creationId xmlns:p14="http://schemas.microsoft.com/office/powerpoint/2010/main" val="3920747289"/>
+      </p:ext>
+    </p:extLst>
+  </p:cSld>
+  <p:clrMapOvr>
+    <a:masterClrMapping/>
+  </p:clrMapOvr>
+  <p:timing>
+    <p:tnLst>
+      <p:par>
+        <p:cTn id="1" dur="indefinite" restart="never" nodeType="tmRoot"/>
+      </p:par>
+    </p:tnLst>
+  </p:timing>
+</p:sld>
+</file>
+
+<file path=ppt/slides/slide47.xml><?xml version="1.0" encoding="utf-8"?>
+<p:sld xmlns:a="http://schemas.openxmlformats.org/drawingml/2006/main" xmlns:r="http://schemas.openxmlformats.org/officeDocument/2006/relationships" xmlns:p="http://schemas.openxmlformats.org/presentationml/2006/main">
+  <p:cSld>
+    <p:spTree>
+      <p:nvGrpSpPr>
+        <p:cNvPr id="1" name=""/>
+        <p:cNvGrpSpPr/>
+        <p:nvPr/>
+      </p:nvGrpSpPr>
+      <p:grpSpPr>
+        <a:xfrm>
+          <a:off x="0" y="0"/>
+          <a:ext cx="0" cy="0"/>
+          <a:chOff x="0" y="0"/>
+          <a:chExt cx="0" cy="0"/>
+        </a:xfrm>
+      </p:grpSpPr>
+      <p:sp>
+        <p:nvSpPr>
+          <p:cNvPr id="2" name="标题 1"/>
+          <p:cNvSpPr>
+            <a:spLocks noGrp="1"/>
+          </p:cNvSpPr>
+          <p:nvPr>
+            <p:ph type="title"/>
+          </p:nvPr>
+        </p:nvSpPr>
+        <p:spPr/>
+        <p:txBody>
+          <a:bodyPr/>
+          <a:lstStyle/>
+          <a:p>
+            <a:r>
+              <a:rPr lang="en-US" altLang="zh-CN" dirty="0"/>
+              <a:t>application of compile-time </a:t>
+            </a:r>
+            <a:r>
+              <a:rPr lang="en-US" altLang="zh-CN" dirty="0" smtClean="0"/>
+              <a:t>reflection</a:t>
+            </a:r>
+            <a:endParaRPr lang="zh-CN" altLang="en-US" dirty="0"/>
+          </a:p>
+        </p:txBody>
+      </p:sp>
+      <p:sp>
+        <p:nvSpPr>
+          <p:cNvPr id="3" name="内容占位符 2"/>
+          <p:cNvSpPr>
+            <a:spLocks noGrp="1"/>
+          </p:cNvSpPr>
+          <p:nvPr>
+            <p:ph idx="1"/>
+          </p:nvPr>
+        </p:nvSpPr>
+        <p:spPr/>
+        <p:txBody>
+          <a:bodyPr/>
+          <a:lstStyle/>
+          <a:p>
+            <a:r>
+              <a:rPr lang="en-US" altLang="zh-CN" dirty="0"/>
+              <a:t>Serialization</a:t>
+            </a:r>
+          </a:p>
+          <a:p>
+            <a:r>
+              <a:rPr lang="en-US" altLang="zh-CN" dirty="0"/>
+              <a:t>ORM(Object Relational Mapping)</a:t>
+            </a:r>
+          </a:p>
+          <a:p>
+            <a:r>
+              <a:rPr lang="en-US" altLang="zh-CN" dirty="0"/>
+              <a:t>DSL(domain-specific language)</a:t>
+            </a:r>
+            <a:endParaRPr lang="zh-CN" altLang="en-US" dirty="0"/>
+          </a:p>
+        </p:txBody>
+      </p:sp>
+    </p:spTree>
+    <p:extLst>
+      <p:ext uri="{BB962C8B-B14F-4D97-AF65-F5344CB8AC3E}">
+        <p14:creationId xmlns:p14="http://schemas.microsoft.com/office/powerpoint/2010/main" val="3812572458"/>
+      </p:ext>
+    </p:extLst>
+  </p:cSld>
+  <p:clrMapOvr>
+    <a:masterClrMapping/>
+  </p:clrMapOvr>
+  <p:timing>
+    <p:tnLst>
+      <p:par>
+        <p:cTn id="1" dur="indefinite" restart="never" nodeType="tmRoot"/>
+      </p:par>
+    </p:tnLst>
+  </p:timing>
+</p:sld>
+</file>
+
+<file path=ppt/slides/slide48.xml><?xml version="1.0" encoding="utf-8"?>
+<p:sld xmlns:a="http://schemas.openxmlformats.org/drawingml/2006/main" xmlns:r="http://schemas.openxmlformats.org/officeDocument/2006/relationships" xmlns:p="http://schemas.openxmlformats.org/presentationml/2006/main">
+  <p:cSld>
+    <p:spTree>
+      <p:nvGrpSpPr>
+        <p:cNvPr id="1" name=""/>
+        <p:cNvGrpSpPr/>
+        <p:nvPr/>
+      </p:nvGrpSpPr>
+      <p:grpSpPr>
+        <a:xfrm>
+          <a:off x="0" y="0"/>
+          <a:ext cx="0" cy="0"/>
+          <a:chOff x="0" y="0"/>
+          <a:chExt cx="0" cy="0"/>
+        </a:xfrm>
+      </p:grpSpPr>
+      <p:sp>
+        <p:nvSpPr>
+          <p:cNvPr id="2" name="标题 1"/>
+          <p:cNvSpPr>
+            <a:spLocks noGrp="1"/>
+          </p:cNvSpPr>
+          <p:nvPr>
+            <p:ph type="title"/>
+          </p:nvPr>
+        </p:nvSpPr>
+        <p:spPr/>
+        <p:txBody>
+          <a:bodyPr/>
+          <a:lstStyle/>
+          <a:p>
+            <a:r>
+              <a:rPr lang="en-US" altLang="zh-CN" dirty="0" smtClean="0"/>
               <a:t>Outline</a:t>
             </a:r>
             <a:endParaRPr lang="zh-CN" altLang="en-US" dirty="0"/>
@@ -34614,7 +36213,7 @@
 </p:sld>
 </file>
 
-<file path=ppt/slides/slide46.xml><?xml version="1.0" encoding="utf-8"?>
+<file path=ppt/slides/slide49.xml><?xml version="1.0" encoding="utf-8"?>
 <p:sld xmlns:a="http://schemas.openxmlformats.org/drawingml/2006/main" xmlns:r="http://schemas.openxmlformats.org/officeDocument/2006/relationships" xmlns:p="http://schemas.openxmlformats.org/presentationml/2006/main">
   <p:cSld>
     <p:spTree>
